--- a/Python.pptx
+++ b/Python.pptx
@@ -5,42 +5,57 @@
     <p:sldMasterId id="2147483658" r:id="rId1"/>
   </p:sldMasterIdLst>
   <p:notesMasterIdLst>
-    <p:notesMasterId r:id="rId10"/>
+    <p:notesMasterId r:id="rId18"/>
   </p:notesMasterIdLst>
   <p:handoutMasterIdLst>
-    <p:handoutMasterId r:id="rId11"/>
+    <p:handoutMasterId r:id="rId19"/>
   </p:handoutMasterIdLst>
   <p:sldIdLst>
     <p:sldId id="256" r:id="rId2"/>
     <p:sldId id="259" r:id="rId3"/>
-    <p:sldId id="281" r:id="rId4"/>
-    <p:sldId id="285" r:id="rId5"/>
-    <p:sldId id="282" r:id="rId6"/>
-    <p:sldId id="283" r:id="rId7"/>
-    <p:sldId id="280" r:id="rId8"/>
-    <p:sldId id="271" r:id="rId9"/>
+    <p:sldId id="285" r:id="rId4"/>
+    <p:sldId id="288" r:id="rId5"/>
+    <p:sldId id="292" r:id="rId6"/>
+    <p:sldId id="290" r:id="rId7"/>
+    <p:sldId id="291" r:id="rId8"/>
+    <p:sldId id="293" r:id="rId9"/>
+    <p:sldId id="281" r:id="rId10"/>
+    <p:sldId id="289" r:id="rId11"/>
+    <p:sldId id="282" r:id="rId12"/>
+    <p:sldId id="283" r:id="rId13"/>
+    <p:sldId id="286" r:id="rId14"/>
+    <p:sldId id="287" r:id="rId15"/>
+    <p:sldId id="280" r:id="rId16"/>
+    <p:sldId id="271" r:id="rId17"/>
   </p:sldIdLst>
   <p:sldSz cx="9144000" cy="5143500" type="screen16x9"/>
   <p:notesSz cx="6858000" cy="9144000"/>
   <p:embeddedFontLst>
     <p:embeddedFont>
+      <p:font typeface="Consolas" panose="020B0609020204030204" pitchFamily="49" charset="0"/>
+      <p:regular r:id="rId20"/>
+      <p:bold r:id="rId21"/>
+      <p:italic r:id="rId22"/>
+      <p:boldItalic r:id="rId23"/>
+    </p:embeddedFont>
+    <p:embeddedFont>
       <p:font typeface="Roboto Slab" panose="020B0604020202020204" charset="0"/>
-      <p:regular r:id="rId12"/>
-      <p:bold r:id="rId13"/>
+      <p:regular r:id="rId24"/>
+      <p:bold r:id="rId25"/>
     </p:embeddedFont>
     <p:embeddedFont>
       <p:font typeface="Source Sans Pro" panose="020B0503030403020204" pitchFamily="34" charset="0"/>
-      <p:regular r:id="rId14"/>
-      <p:bold r:id="rId15"/>
-      <p:italic r:id="rId16"/>
-      <p:boldItalic r:id="rId17"/>
+      <p:regular r:id="rId26"/>
+      <p:bold r:id="rId27"/>
+      <p:italic r:id="rId28"/>
+      <p:boldItalic r:id="rId29"/>
     </p:embeddedFont>
     <p:embeddedFont>
       <p:font typeface="Trebuchet MS" panose="020B0603020202020204" pitchFamily="34" charset="0"/>
-      <p:regular r:id="rId18"/>
-      <p:bold r:id="rId19"/>
-      <p:italic r:id="rId20"/>
-      <p:boldItalic r:id="rId21"/>
+      <p:regular r:id="rId30"/>
+      <p:bold r:id="rId31"/>
+      <p:italic r:id="rId32"/>
+      <p:boldItalic r:id="rId33"/>
     </p:embeddedFont>
   </p:embeddedFontLst>
   <p:defaultTextStyle>
@@ -276,6 +291,9 @@
     <p:ext uri="{EFAFB233-063F-42B5-8137-9DF3F51BA10A}">
       <p15:sldGuideLst xmlns:p15="http://schemas.microsoft.com/office/powerpoint/2012/main"/>
     </p:ext>
+    <p:ext uri="{2D200454-40CA-4A62-9FC3-DE9A4176ACB9}">
+      <p15:notesGuideLst xmlns:p15="http://schemas.microsoft.com/office/powerpoint/2012/main"/>
+    </p:ext>
   </p:extLst>
 </p:presentation>
 </file>
@@ -374,7 +392,7 @@
           <a:p>
             <a:fld id="{7CEEE0ED-A0F5-4442-9C94-5288E26FF1D3}" type="datetimeFigureOut">
               <a:rPr lang="fa-IR" smtClean="0"/>
-              <a:t>04/08/1444</a:t>
+              <a:t>04/09/1444</a:t>
             </a:fld>
             <a:endParaRPr lang="fa-IR"/>
           </a:p>
@@ -1450,7 +1468,7 @@
   <p:cSld>
     <p:spTree>
       <p:nvGrpSpPr>
-        <p:cNvPr id="1" name="Shape 399"/>
+        <p:cNvPr id="1" name="Shape 93"/>
         <p:cNvGrpSpPr/>
         <p:nvPr/>
       </p:nvGrpSpPr>
@@ -1464,7 +1482,7 @@
       </p:grpSpPr>
       <p:sp>
         <p:nvSpPr>
-          <p:cNvPr id="400" name="Google Shape;400;g35ed75ccf_022:notes"/>
+          <p:cNvPr id="94" name="Google Shape;94;g35f391192_029:notes"/>
           <p:cNvSpPr>
             <a:spLocks noGrp="1" noRot="1" noChangeAspect="1"/>
           </p:cNvSpPr>
@@ -1505,7 +1523,7 @@
       </p:sp>
       <p:sp>
         <p:nvSpPr>
-          <p:cNvPr id="401" name="Google Shape;401;g35ed75ccf_022:notes"/>
+          <p:cNvPr id="95" name="Google Shape;95;g35f391192_029:notes"/>
           <p:cNvSpPr txBox="1">
             <a:spLocks noGrp="1"/>
           </p:cNvSpPr>
@@ -1542,6 +1560,11 @@
         </p:txBody>
       </p:sp>
     </p:spTree>
+    <p:extLst>
+      <p:ext uri="{BB962C8B-B14F-4D97-AF65-F5344CB8AC3E}">
+        <p14:creationId xmlns:p14="http://schemas.microsoft.com/office/powerpoint/2010/main" val="3135841199"/>
+      </p:ext>
+    </p:extLst>
   </p:cSld>
   <p:clrMapOvr>
     <a:masterClrMapping/>
@@ -1550,6 +1573,219 @@
 </file>
 
 <file path=ppt/notesSlides/notesSlide7.xml><?xml version="1.0" encoding="utf-8"?>
+<p:notes xmlns:a="http://schemas.openxmlformats.org/drawingml/2006/main" xmlns:r="http://schemas.openxmlformats.org/officeDocument/2006/relationships" xmlns:p="http://schemas.openxmlformats.org/presentationml/2006/main" showMasterSp="0" showMasterPhAnim="0">
+  <p:cSld>
+    <p:spTree>
+      <p:nvGrpSpPr>
+        <p:cNvPr id="1" name="Shape 93"/>
+        <p:cNvGrpSpPr/>
+        <p:nvPr/>
+      </p:nvGrpSpPr>
+      <p:grpSpPr>
+        <a:xfrm>
+          <a:off x="0" y="0"/>
+          <a:ext cx="0" cy="0"/>
+          <a:chOff x="0" y="0"/>
+          <a:chExt cx="0" cy="0"/>
+        </a:xfrm>
+      </p:grpSpPr>
+      <p:sp>
+        <p:nvSpPr>
+          <p:cNvPr id="94" name="Google Shape;94;g35f391192_029:notes"/>
+          <p:cNvSpPr>
+            <a:spLocks noGrp="1" noRot="1" noChangeAspect="1"/>
+          </p:cNvSpPr>
+          <p:nvPr>
+            <p:ph type="sldImg" idx="2"/>
+          </p:nvPr>
+        </p:nvSpPr>
+        <p:spPr>
+          <a:xfrm>
+            <a:off x="381000" y="685800"/>
+            <a:ext cx="6096000" cy="3429000"/>
+          </a:xfrm>
+          <a:custGeom>
+            <a:avLst/>
+            <a:gdLst/>
+            <a:ahLst/>
+            <a:cxnLst/>
+            <a:rect l="l" t="t" r="r" b="b"/>
+            <a:pathLst>
+              <a:path w="120000" h="120000" extrusionOk="0">
+                <a:moveTo>
+                  <a:pt x="0" y="0"/>
+                </a:moveTo>
+                <a:lnTo>
+                  <a:pt x="120000" y="0"/>
+                </a:lnTo>
+                <a:lnTo>
+                  <a:pt x="120000" y="120000"/>
+                </a:lnTo>
+                <a:lnTo>
+                  <a:pt x="0" y="120000"/>
+                </a:lnTo>
+                <a:close/>
+              </a:path>
+            </a:pathLst>
+          </a:custGeom>
+        </p:spPr>
+      </p:sp>
+      <p:sp>
+        <p:nvSpPr>
+          <p:cNvPr id="95" name="Google Shape;95;g35f391192_029:notes"/>
+          <p:cNvSpPr txBox="1">
+            <a:spLocks noGrp="1"/>
+          </p:cNvSpPr>
+          <p:nvPr>
+            <p:ph type="body" idx="1"/>
+          </p:nvPr>
+        </p:nvSpPr>
+        <p:spPr>
+          <a:xfrm>
+            <a:off x="685800" y="4343400"/>
+            <a:ext cx="5486400" cy="4114800"/>
+          </a:xfrm>
+          <a:prstGeom prst="rect">
+            <a:avLst/>
+          </a:prstGeom>
+        </p:spPr>
+        <p:txBody>
+          <a:bodyPr spcFirstLastPara="1" wrap="square" lIns="91425" tIns="91425" rIns="91425" bIns="91425" anchor="t" anchorCtr="0">
+            <a:noAutofit/>
+          </a:bodyPr>
+          <a:lstStyle/>
+          <a:p>
+            <a:pPr marL="0" lvl="0" indent="0" algn="l" rtl="0">
+              <a:spcBef>
+                <a:spcPts val="0"/>
+              </a:spcBef>
+              <a:spcAft>
+                <a:spcPts val="0"/>
+              </a:spcAft>
+              <a:buNone/>
+            </a:pPr>
+            <a:endParaRPr/>
+          </a:p>
+        </p:txBody>
+      </p:sp>
+    </p:spTree>
+    <p:extLst>
+      <p:ext uri="{BB962C8B-B14F-4D97-AF65-F5344CB8AC3E}">
+        <p14:creationId xmlns:p14="http://schemas.microsoft.com/office/powerpoint/2010/main" val="761799350"/>
+      </p:ext>
+    </p:extLst>
+  </p:cSld>
+  <p:clrMapOvr>
+    <a:masterClrMapping/>
+  </p:clrMapOvr>
+</p:notes>
+</file>
+
+<file path=ppt/notesSlides/notesSlide8.xml><?xml version="1.0" encoding="utf-8"?>
+<p:notes xmlns:a="http://schemas.openxmlformats.org/drawingml/2006/main" xmlns:r="http://schemas.openxmlformats.org/officeDocument/2006/relationships" xmlns:p="http://schemas.openxmlformats.org/presentationml/2006/main" showMasterSp="0" showMasterPhAnim="0">
+  <p:cSld>
+    <p:spTree>
+      <p:nvGrpSpPr>
+        <p:cNvPr id="1" name="Shape 399"/>
+        <p:cNvGrpSpPr/>
+        <p:nvPr/>
+      </p:nvGrpSpPr>
+      <p:grpSpPr>
+        <a:xfrm>
+          <a:off x="0" y="0"/>
+          <a:ext cx="0" cy="0"/>
+          <a:chOff x="0" y="0"/>
+          <a:chExt cx="0" cy="0"/>
+        </a:xfrm>
+      </p:grpSpPr>
+      <p:sp>
+        <p:nvSpPr>
+          <p:cNvPr id="400" name="Google Shape;400;g35ed75ccf_022:notes"/>
+          <p:cNvSpPr>
+            <a:spLocks noGrp="1" noRot="1" noChangeAspect="1"/>
+          </p:cNvSpPr>
+          <p:nvPr>
+            <p:ph type="sldImg" idx="2"/>
+          </p:nvPr>
+        </p:nvSpPr>
+        <p:spPr>
+          <a:xfrm>
+            <a:off x="381000" y="685800"/>
+            <a:ext cx="6096000" cy="3429000"/>
+          </a:xfrm>
+          <a:custGeom>
+            <a:avLst/>
+            <a:gdLst/>
+            <a:ahLst/>
+            <a:cxnLst/>
+            <a:rect l="l" t="t" r="r" b="b"/>
+            <a:pathLst>
+              <a:path w="120000" h="120000" extrusionOk="0">
+                <a:moveTo>
+                  <a:pt x="0" y="0"/>
+                </a:moveTo>
+                <a:lnTo>
+                  <a:pt x="120000" y="0"/>
+                </a:lnTo>
+                <a:lnTo>
+                  <a:pt x="120000" y="120000"/>
+                </a:lnTo>
+                <a:lnTo>
+                  <a:pt x="0" y="120000"/>
+                </a:lnTo>
+                <a:close/>
+              </a:path>
+            </a:pathLst>
+          </a:custGeom>
+        </p:spPr>
+      </p:sp>
+      <p:sp>
+        <p:nvSpPr>
+          <p:cNvPr id="401" name="Google Shape;401;g35ed75ccf_022:notes"/>
+          <p:cNvSpPr txBox="1">
+            <a:spLocks noGrp="1"/>
+          </p:cNvSpPr>
+          <p:nvPr>
+            <p:ph type="body" idx="1"/>
+          </p:nvPr>
+        </p:nvSpPr>
+        <p:spPr>
+          <a:xfrm>
+            <a:off x="685800" y="4343400"/>
+            <a:ext cx="5486400" cy="4114800"/>
+          </a:xfrm>
+          <a:prstGeom prst="rect">
+            <a:avLst/>
+          </a:prstGeom>
+        </p:spPr>
+        <p:txBody>
+          <a:bodyPr spcFirstLastPara="1" wrap="square" lIns="91425" tIns="91425" rIns="91425" bIns="91425" anchor="t" anchorCtr="0">
+            <a:noAutofit/>
+          </a:bodyPr>
+          <a:lstStyle/>
+          <a:p>
+            <a:pPr marL="0" lvl="0" indent="0" algn="l" rtl="0">
+              <a:spcBef>
+                <a:spcPts val="0"/>
+              </a:spcBef>
+              <a:spcAft>
+                <a:spcPts val="0"/>
+              </a:spcAft>
+              <a:buNone/>
+            </a:pPr>
+            <a:endParaRPr/>
+          </a:p>
+        </p:txBody>
+      </p:sp>
+    </p:spTree>
+  </p:cSld>
+  <p:clrMapOvr>
+    <a:masterClrMapping/>
+  </p:clrMapOvr>
+</p:notes>
+</file>
+
+<file path=ppt/notesSlides/notesSlide9.xml><?xml version="1.0" encoding="utf-8"?>
 <p:notes xmlns:a="http://schemas.openxmlformats.org/drawingml/2006/main" xmlns:r="http://schemas.openxmlformats.org/officeDocument/2006/relationships" xmlns:p="http://schemas.openxmlformats.org/presentationml/2006/main" showMasterSp="0" showMasterPhAnim="0">
   <p:cSld>
     <p:spTree>
@@ -4951,6 +5187,1019 @@
 </p:sld>
 </file>
 
+<file path=ppt/slides/slide10.xml><?xml version="1.0" encoding="utf-8"?>
+<p:sld xmlns:a="http://schemas.openxmlformats.org/drawingml/2006/main" xmlns:r="http://schemas.openxmlformats.org/officeDocument/2006/relationships" xmlns:p="http://schemas.openxmlformats.org/presentationml/2006/main">
+  <p:cSld>
+    <p:spTree>
+      <p:nvGrpSpPr>
+        <p:cNvPr id="1" name=""/>
+        <p:cNvGrpSpPr/>
+        <p:nvPr/>
+      </p:nvGrpSpPr>
+      <p:grpSpPr>
+        <a:xfrm>
+          <a:off x="0" y="0"/>
+          <a:ext cx="0" cy="0"/>
+          <a:chOff x="0" y="0"/>
+          <a:chExt cx="0" cy="0"/>
+        </a:xfrm>
+      </p:grpSpPr>
+      <p:sp>
+        <p:nvSpPr>
+          <p:cNvPr id="2" name="Title 1">
+            <a:extLst>
+              <a:ext uri="{FF2B5EF4-FFF2-40B4-BE49-F238E27FC236}">
+                <a16:creationId xmlns:a16="http://schemas.microsoft.com/office/drawing/2014/main" id="{024AD384-5AD1-4435-A943-1241B2FACD62}"/>
+              </a:ext>
+            </a:extLst>
+          </p:cNvPr>
+          <p:cNvSpPr>
+            <a:spLocks noGrp="1"/>
+          </p:cNvSpPr>
+          <p:nvPr>
+            <p:ph type="title"/>
+          </p:nvPr>
+        </p:nvSpPr>
+        <p:spPr/>
+        <p:txBody>
+          <a:bodyPr/>
+          <a:lstStyle/>
+          <a:p>
+            <a:r>
+              <a:rPr lang="en-US" dirty="0" err="1"/>
+              <a:t>Numpy</a:t>
+            </a:r>
+            <a:r>
+              <a:rPr lang="en-US" dirty="0"/>
+              <a:t> Introduction</a:t>
+            </a:r>
+            <a:endParaRPr lang="fa-IR" dirty="0"/>
+          </a:p>
+        </p:txBody>
+      </p:sp>
+      <p:sp>
+        <p:nvSpPr>
+          <p:cNvPr id="3" name="Text Placeholder 2">
+            <a:extLst>
+              <a:ext uri="{FF2B5EF4-FFF2-40B4-BE49-F238E27FC236}">
+                <a16:creationId xmlns:a16="http://schemas.microsoft.com/office/drawing/2014/main" id="{58BE3078-8B89-4550-B497-93E4DADBD57E}"/>
+              </a:ext>
+            </a:extLst>
+          </p:cNvPr>
+          <p:cNvSpPr>
+            <a:spLocks noGrp="1"/>
+          </p:cNvSpPr>
+          <p:nvPr>
+            <p:ph type="body" idx="1"/>
+          </p:nvPr>
+        </p:nvSpPr>
+        <p:spPr>
+          <a:xfrm>
+            <a:off x="786150" y="1142608"/>
+            <a:ext cx="7571700" cy="3626431"/>
+          </a:xfrm>
+        </p:spPr>
+        <p:txBody>
+          <a:bodyPr/>
+          <a:lstStyle/>
+          <a:p>
+            <a:r>
+              <a:rPr lang="en-US" sz="1800" dirty="0"/>
+              <a:t>NumPy is a Python library used for working with arrays.</a:t>
+            </a:r>
+          </a:p>
+          <a:p>
+            <a:r>
+              <a:rPr lang="en-US" sz="1800" dirty="0"/>
+              <a:t>NumPy is short for "Numerical Python".</a:t>
+            </a:r>
+          </a:p>
+        </p:txBody>
+      </p:sp>
+      <p:sp>
+        <p:nvSpPr>
+          <p:cNvPr id="4" name="Slide Number Placeholder 3">
+            <a:extLst>
+              <a:ext uri="{FF2B5EF4-FFF2-40B4-BE49-F238E27FC236}">
+                <a16:creationId xmlns:a16="http://schemas.microsoft.com/office/drawing/2014/main" id="{64987AE6-EC0E-43DD-9376-95A5602EE5E1}"/>
+              </a:ext>
+            </a:extLst>
+          </p:cNvPr>
+          <p:cNvSpPr>
+            <a:spLocks noGrp="1"/>
+          </p:cNvSpPr>
+          <p:nvPr>
+            <p:ph type="sldNum" idx="12"/>
+          </p:nvPr>
+        </p:nvSpPr>
+        <p:spPr/>
+        <p:txBody>
+          <a:bodyPr/>
+          <a:lstStyle/>
+          <a:p>
+            <a:pPr marL="0" lvl="0" indent="0" algn="r" rtl="0">
+              <a:spcBef>
+                <a:spcPts val="0"/>
+              </a:spcBef>
+              <a:spcAft>
+                <a:spcPts val="0"/>
+              </a:spcAft>
+              <a:buNone/>
+            </a:pPr>
+            <a:fld id="{00000000-1234-1234-1234-123412341234}" type="slidenum">
+              <a:rPr lang="en" smtClean="0"/>
+              <a:t>10</a:t>
+            </a:fld>
+            <a:endParaRPr lang="en"/>
+          </a:p>
+        </p:txBody>
+      </p:sp>
+    </p:spTree>
+    <p:extLst>
+      <p:ext uri="{BB962C8B-B14F-4D97-AF65-F5344CB8AC3E}">
+        <p14:creationId xmlns:p14="http://schemas.microsoft.com/office/powerpoint/2010/main" val="4156460407"/>
+      </p:ext>
+    </p:extLst>
+  </p:cSld>
+  <p:clrMapOvr>
+    <a:masterClrMapping/>
+  </p:clrMapOvr>
+</p:sld>
+</file>
+
+<file path=ppt/slides/slide11.xml><?xml version="1.0" encoding="utf-8"?>
+<p:sld xmlns:a="http://schemas.openxmlformats.org/drawingml/2006/main" xmlns:r="http://schemas.openxmlformats.org/officeDocument/2006/relationships" xmlns:p="http://schemas.openxmlformats.org/presentationml/2006/main">
+  <p:cSld>
+    <p:spTree>
+      <p:nvGrpSpPr>
+        <p:cNvPr id="1" name="Shape 96"/>
+        <p:cNvGrpSpPr/>
+        <p:nvPr/>
+      </p:nvGrpSpPr>
+      <p:grpSpPr>
+        <a:xfrm>
+          <a:off x="0" y="0"/>
+          <a:ext cx="0" cy="0"/>
+          <a:chOff x="0" y="0"/>
+          <a:chExt cx="0" cy="0"/>
+        </a:xfrm>
+      </p:grpSpPr>
+      <p:sp>
+        <p:nvSpPr>
+          <p:cNvPr id="97" name="Google Shape;97;p15"/>
+          <p:cNvSpPr txBox="1">
+            <a:spLocks noGrp="1"/>
+          </p:cNvSpPr>
+          <p:nvPr>
+            <p:ph type="ctrTitle"/>
+          </p:nvPr>
+        </p:nvSpPr>
+        <p:spPr>
+          <a:xfrm>
+            <a:off x="1655700" y="1991850"/>
+            <a:ext cx="5832600" cy="1159800"/>
+          </a:xfrm>
+          <a:prstGeom prst="rect">
+            <a:avLst/>
+          </a:prstGeom>
+        </p:spPr>
+        <p:txBody>
+          <a:bodyPr spcFirstLastPara="1" wrap="square" lIns="91425" tIns="91425" rIns="91425" bIns="91425" anchor="ctr" anchorCtr="0">
+            <a:noAutofit/>
+          </a:bodyPr>
+          <a:lstStyle/>
+          <a:p>
+            <a:pPr marL="0" lvl="0" indent="0" algn="ctr" rtl="0">
+              <a:spcBef>
+                <a:spcPts val="0"/>
+              </a:spcBef>
+              <a:spcAft>
+                <a:spcPts val="0"/>
+              </a:spcAft>
+              <a:buNone/>
+            </a:pPr>
+            <a:r>
+              <a:rPr lang="en-US" sz="6000" dirty="0">
+                <a:solidFill>
+                  <a:schemeClr val="accent4"/>
+                </a:solidFill>
+              </a:rPr>
+              <a:t>3</a:t>
+            </a:r>
+            <a:endParaRPr sz="6000" dirty="0">
+              <a:solidFill>
+                <a:schemeClr val="accent4"/>
+              </a:solidFill>
+            </a:endParaRPr>
+          </a:p>
+          <a:p>
+            <a:pPr marL="0" lvl="0" indent="0" algn="ctr" rtl="0">
+              <a:spcBef>
+                <a:spcPts val="0"/>
+              </a:spcBef>
+              <a:spcAft>
+                <a:spcPts val="0"/>
+              </a:spcAft>
+              <a:buNone/>
+            </a:pPr>
+            <a:r>
+              <a:rPr lang="en" dirty="0"/>
+              <a:t>Pandas</a:t>
+            </a:r>
+            <a:endParaRPr dirty="0"/>
+          </a:p>
+        </p:txBody>
+      </p:sp>
+      <p:sp>
+        <p:nvSpPr>
+          <p:cNvPr id="99" name="Google Shape;99;p15"/>
+          <p:cNvSpPr txBox="1">
+            <a:spLocks noGrp="1"/>
+          </p:cNvSpPr>
+          <p:nvPr>
+            <p:ph type="sldNum" idx="4294967295"/>
+          </p:nvPr>
+        </p:nvSpPr>
+        <p:spPr>
+          <a:xfrm>
+            <a:off x="8404384" y="4749851"/>
+            <a:ext cx="548700" cy="393600"/>
+          </a:xfrm>
+          <a:prstGeom prst="rect">
+            <a:avLst/>
+          </a:prstGeom>
+        </p:spPr>
+        <p:txBody>
+          <a:bodyPr spcFirstLastPara="1" wrap="square" lIns="91425" tIns="91425" rIns="91425" bIns="91425" anchor="t" anchorCtr="0">
+            <a:noAutofit/>
+          </a:bodyPr>
+          <a:lstStyle/>
+          <a:p>
+            <a:pPr marL="0" lvl="0" indent="0" algn="r" rtl="0">
+              <a:spcBef>
+                <a:spcPts val="0"/>
+              </a:spcBef>
+              <a:spcAft>
+                <a:spcPts val="0"/>
+              </a:spcAft>
+              <a:buNone/>
+            </a:pPr>
+            <a:fld id="{00000000-1234-1234-1234-123412341234}" type="slidenum">
+              <a:rPr lang="en"/>
+              <a:t>11</a:t>
+            </a:fld>
+            <a:endParaRPr/>
+          </a:p>
+        </p:txBody>
+      </p:sp>
+    </p:spTree>
+    <p:extLst>
+      <p:ext uri="{BB962C8B-B14F-4D97-AF65-F5344CB8AC3E}">
+        <p14:creationId xmlns:p14="http://schemas.microsoft.com/office/powerpoint/2010/main" val="2729265455"/>
+      </p:ext>
+    </p:extLst>
+  </p:cSld>
+  <p:clrMapOvr>
+    <a:masterClrMapping/>
+  </p:clrMapOvr>
+</p:sld>
+</file>
+
+<file path=ppt/slides/slide12.xml><?xml version="1.0" encoding="utf-8"?>
+<p:sld xmlns:a="http://schemas.openxmlformats.org/drawingml/2006/main" xmlns:r="http://schemas.openxmlformats.org/officeDocument/2006/relationships" xmlns:p="http://schemas.openxmlformats.org/presentationml/2006/main">
+  <p:cSld>
+    <p:spTree>
+      <p:nvGrpSpPr>
+        <p:cNvPr id="1" name="Shape 96"/>
+        <p:cNvGrpSpPr/>
+        <p:nvPr/>
+      </p:nvGrpSpPr>
+      <p:grpSpPr>
+        <a:xfrm>
+          <a:off x="0" y="0"/>
+          <a:ext cx="0" cy="0"/>
+          <a:chOff x="0" y="0"/>
+          <a:chExt cx="0" cy="0"/>
+        </a:xfrm>
+      </p:grpSpPr>
+      <p:sp>
+        <p:nvSpPr>
+          <p:cNvPr id="97" name="Google Shape;97;p15"/>
+          <p:cNvSpPr txBox="1">
+            <a:spLocks noGrp="1"/>
+          </p:cNvSpPr>
+          <p:nvPr>
+            <p:ph type="ctrTitle"/>
+          </p:nvPr>
+        </p:nvSpPr>
+        <p:spPr>
+          <a:xfrm>
+            <a:off x="1655700" y="1991850"/>
+            <a:ext cx="5832600" cy="1159800"/>
+          </a:xfrm>
+          <a:prstGeom prst="rect">
+            <a:avLst/>
+          </a:prstGeom>
+        </p:spPr>
+        <p:txBody>
+          <a:bodyPr spcFirstLastPara="1" wrap="square" lIns="91425" tIns="91425" rIns="91425" bIns="91425" anchor="ctr" anchorCtr="0">
+            <a:noAutofit/>
+          </a:bodyPr>
+          <a:lstStyle/>
+          <a:p>
+            <a:pPr marL="0" lvl="0" indent="0" algn="ctr" rtl="0">
+              <a:spcBef>
+                <a:spcPts val="0"/>
+              </a:spcBef>
+              <a:spcAft>
+                <a:spcPts val="0"/>
+              </a:spcAft>
+              <a:buNone/>
+            </a:pPr>
+            <a:r>
+              <a:rPr lang="en-US" sz="6000" dirty="0">
+                <a:solidFill>
+                  <a:schemeClr val="accent4"/>
+                </a:solidFill>
+              </a:rPr>
+              <a:t>4</a:t>
+            </a:r>
+            <a:endParaRPr sz="6000" dirty="0">
+              <a:solidFill>
+                <a:schemeClr val="accent4"/>
+              </a:solidFill>
+            </a:endParaRPr>
+          </a:p>
+          <a:p>
+            <a:pPr marL="0" lvl="0" indent="0" algn="ctr" rtl="0">
+              <a:spcBef>
+                <a:spcPts val="0"/>
+              </a:spcBef>
+              <a:spcAft>
+                <a:spcPts val="0"/>
+              </a:spcAft>
+              <a:buNone/>
+            </a:pPr>
+            <a:r>
+              <a:rPr lang="en" dirty="0"/>
+              <a:t>Matplotlib</a:t>
+            </a:r>
+            <a:endParaRPr dirty="0"/>
+          </a:p>
+        </p:txBody>
+      </p:sp>
+      <p:sp>
+        <p:nvSpPr>
+          <p:cNvPr id="99" name="Google Shape;99;p15"/>
+          <p:cNvSpPr txBox="1">
+            <a:spLocks noGrp="1"/>
+          </p:cNvSpPr>
+          <p:nvPr>
+            <p:ph type="sldNum" idx="4294967295"/>
+          </p:nvPr>
+        </p:nvSpPr>
+        <p:spPr>
+          <a:xfrm>
+            <a:off x="8404384" y="4749851"/>
+            <a:ext cx="548700" cy="393600"/>
+          </a:xfrm>
+          <a:prstGeom prst="rect">
+            <a:avLst/>
+          </a:prstGeom>
+        </p:spPr>
+        <p:txBody>
+          <a:bodyPr spcFirstLastPara="1" wrap="square" lIns="91425" tIns="91425" rIns="91425" bIns="91425" anchor="t" anchorCtr="0">
+            <a:noAutofit/>
+          </a:bodyPr>
+          <a:lstStyle/>
+          <a:p>
+            <a:pPr marL="0" lvl="0" indent="0" algn="r" rtl="0">
+              <a:spcBef>
+                <a:spcPts val="0"/>
+              </a:spcBef>
+              <a:spcAft>
+                <a:spcPts val="0"/>
+              </a:spcAft>
+              <a:buNone/>
+            </a:pPr>
+            <a:fld id="{00000000-1234-1234-1234-123412341234}" type="slidenum">
+              <a:rPr lang="en"/>
+              <a:t>12</a:t>
+            </a:fld>
+            <a:endParaRPr/>
+          </a:p>
+        </p:txBody>
+      </p:sp>
+    </p:spTree>
+    <p:extLst>
+      <p:ext uri="{BB962C8B-B14F-4D97-AF65-F5344CB8AC3E}">
+        <p14:creationId xmlns:p14="http://schemas.microsoft.com/office/powerpoint/2010/main" val="2458102878"/>
+      </p:ext>
+    </p:extLst>
+  </p:cSld>
+  <p:clrMapOvr>
+    <a:masterClrMapping/>
+  </p:clrMapOvr>
+</p:sld>
+</file>
+
+<file path=ppt/slides/slide13.xml><?xml version="1.0" encoding="utf-8"?>
+<p:sld xmlns:a="http://schemas.openxmlformats.org/drawingml/2006/main" xmlns:r="http://schemas.openxmlformats.org/officeDocument/2006/relationships" xmlns:p="http://schemas.openxmlformats.org/presentationml/2006/main">
+  <p:cSld>
+    <p:spTree>
+      <p:nvGrpSpPr>
+        <p:cNvPr id="1" name="Shape 96"/>
+        <p:cNvGrpSpPr/>
+        <p:nvPr/>
+      </p:nvGrpSpPr>
+      <p:grpSpPr>
+        <a:xfrm>
+          <a:off x="0" y="0"/>
+          <a:ext cx="0" cy="0"/>
+          <a:chOff x="0" y="0"/>
+          <a:chExt cx="0" cy="0"/>
+        </a:xfrm>
+      </p:grpSpPr>
+      <p:sp>
+        <p:nvSpPr>
+          <p:cNvPr id="97" name="Google Shape;97;p15"/>
+          <p:cNvSpPr txBox="1">
+            <a:spLocks noGrp="1"/>
+          </p:cNvSpPr>
+          <p:nvPr>
+            <p:ph type="ctrTitle"/>
+          </p:nvPr>
+        </p:nvSpPr>
+        <p:spPr>
+          <a:xfrm>
+            <a:off x="1655700" y="1991850"/>
+            <a:ext cx="5832600" cy="1159800"/>
+          </a:xfrm>
+          <a:prstGeom prst="rect">
+            <a:avLst/>
+          </a:prstGeom>
+        </p:spPr>
+        <p:txBody>
+          <a:bodyPr spcFirstLastPara="1" wrap="square" lIns="91425" tIns="91425" rIns="91425" bIns="91425" anchor="ctr" anchorCtr="0">
+            <a:noAutofit/>
+          </a:bodyPr>
+          <a:lstStyle/>
+          <a:p>
+            <a:pPr marL="0" lvl="0" indent="0" algn="ctr" rtl="0">
+              <a:spcBef>
+                <a:spcPts val="0"/>
+              </a:spcBef>
+              <a:spcAft>
+                <a:spcPts val="0"/>
+              </a:spcAft>
+              <a:buNone/>
+            </a:pPr>
+            <a:r>
+              <a:rPr lang="en-US" sz="6000" dirty="0">
+                <a:solidFill>
+                  <a:schemeClr val="accent4"/>
+                </a:solidFill>
+              </a:rPr>
+              <a:t>5</a:t>
+            </a:r>
+            <a:endParaRPr sz="6000" dirty="0">
+              <a:solidFill>
+                <a:schemeClr val="accent4"/>
+              </a:solidFill>
+            </a:endParaRPr>
+          </a:p>
+          <a:p>
+            <a:r>
+              <a:rPr lang="en-US" dirty="0"/>
+              <a:t>S</a:t>
+            </a:r>
+            <a:r>
+              <a:rPr lang="en-US" b="1" dirty="0"/>
+              <a:t>cikit-learn</a:t>
+            </a:r>
+            <a:endParaRPr dirty="0"/>
+          </a:p>
+        </p:txBody>
+      </p:sp>
+      <p:sp>
+        <p:nvSpPr>
+          <p:cNvPr id="99" name="Google Shape;99;p15"/>
+          <p:cNvSpPr txBox="1">
+            <a:spLocks noGrp="1"/>
+          </p:cNvSpPr>
+          <p:nvPr>
+            <p:ph type="sldNum" idx="4294967295"/>
+          </p:nvPr>
+        </p:nvSpPr>
+        <p:spPr>
+          <a:xfrm>
+            <a:off x="8404384" y="4749851"/>
+            <a:ext cx="548700" cy="393600"/>
+          </a:xfrm>
+          <a:prstGeom prst="rect">
+            <a:avLst/>
+          </a:prstGeom>
+        </p:spPr>
+        <p:txBody>
+          <a:bodyPr spcFirstLastPara="1" wrap="square" lIns="91425" tIns="91425" rIns="91425" bIns="91425" anchor="t" anchorCtr="0">
+            <a:noAutofit/>
+          </a:bodyPr>
+          <a:lstStyle/>
+          <a:p>
+            <a:pPr marL="0" lvl="0" indent="0" algn="r" rtl="0">
+              <a:spcBef>
+                <a:spcPts val="0"/>
+              </a:spcBef>
+              <a:spcAft>
+                <a:spcPts val="0"/>
+              </a:spcAft>
+              <a:buNone/>
+            </a:pPr>
+            <a:fld id="{00000000-1234-1234-1234-123412341234}" type="slidenum">
+              <a:rPr lang="en"/>
+              <a:t>13</a:t>
+            </a:fld>
+            <a:endParaRPr/>
+          </a:p>
+        </p:txBody>
+      </p:sp>
+    </p:spTree>
+    <p:extLst>
+      <p:ext uri="{BB962C8B-B14F-4D97-AF65-F5344CB8AC3E}">
+        <p14:creationId xmlns:p14="http://schemas.microsoft.com/office/powerpoint/2010/main" val="3753200419"/>
+      </p:ext>
+    </p:extLst>
+  </p:cSld>
+  <p:clrMapOvr>
+    <a:masterClrMapping/>
+  </p:clrMapOvr>
+</p:sld>
+</file>
+
+<file path=ppt/slides/slide14.xml><?xml version="1.0" encoding="utf-8"?>
+<p:sld xmlns:a="http://schemas.openxmlformats.org/drawingml/2006/main" xmlns:r="http://schemas.openxmlformats.org/officeDocument/2006/relationships" xmlns:p="http://schemas.openxmlformats.org/presentationml/2006/main">
+  <p:cSld>
+    <p:spTree>
+      <p:nvGrpSpPr>
+        <p:cNvPr id="1" name="Shape 96"/>
+        <p:cNvGrpSpPr/>
+        <p:nvPr/>
+      </p:nvGrpSpPr>
+      <p:grpSpPr>
+        <a:xfrm>
+          <a:off x="0" y="0"/>
+          <a:ext cx="0" cy="0"/>
+          <a:chOff x="0" y="0"/>
+          <a:chExt cx="0" cy="0"/>
+        </a:xfrm>
+      </p:grpSpPr>
+      <p:sp>
+        <p:nvSpPr>
+          <p:cNvPr id="97" name="Google Shape;97;p15"/>
+          <p:cNvSpPr txBox="1">
+            <a:spLocks noGrp="1"/>
+          </p:cNvSpPr>
+          <p:nvPr>
+            <p:ph type="ctrTitle"/>
+          </p:nvPr>
+        </p:nvSpPr>
+        <p:spPr>
+          <a:xfrm>
+            <a:off x="1655700" y="1991850"/>
+            <a:ext cx="5832600" cy="1159800"/>
+          </a:xfrm>
+          <a:prstGeom prst="rect">
+            <a:avLst/>
+          </a:prstGeom>
+        </p:spPr>
+        <p:txBody>
+          <a:bodyPr spcFirstLastPara="1" wrap="square" lIns="91425" tIns="91425" rIns="91425" bIns="91425" anchor="ctr" anchorCtr="0">
+            <a:noAutofit/>
+          </a:bodyPr>
+          <a:lstStyle/>
+          <a:p>
+            <a:pPr marL="0" lvl="0" indent="0" algn="ctr" rtl="0">
+              <a:spcBef>
+                <a:spcPts val="0"/>
+              </a:spcBef>
+              <a:spcAft>
+                <a:spcPts val="0"/>
+              </a:spcAft>
+              <a:buNone/>
+            </a:pPr>
+            <a:r>
+              <a:rPr lang="en-US" sz="6000" dirty="0">
+                <a:solidFill>
+                  <a:schemeClr val="accent4"/>
+                </a:solidFill>
+              </a:rPr>
+              <a:t>6</a:t>
+            </a:r>
+            <a:endParaRPr sz="6000" dirty="0">
+              <a:solidFill>
+                <a:schemeClr val="accent4"/>
+              </a:solidFill>
+            </a:endParaRPr>
+          </a:p>
+          <a:p>
+            <a:r>
+              <a:rPr lang="en-US" dirty="0">
+                <a:effectLst/>
+              </a:rPr>
+              <a:t>Web Scraping</a:t>
+            </a:r>
+            <a:endParaRPr dirty="0"/>
+          </a:p>
+        </p:txBody>
+      </p:sp>
+      <p:sp>
+        <p:nvSpPr>
+          <p:cNvPr id="99" name="Google Shape;99;p15"/>
+          <p:cNvSpPr txBox="1">
+            <a:spLocks noGrp="1"/>
+          </p:cNvSpPr>
+          <p:nvPr>
+            <p:ph type="sldNum" idx="4294967295"/>
+          </p:nvPr>
+        </p:nvSpPr>
+        <p:spPr>
+          <a:xfrm>
+            <a:off x="8404384" y="4749851"/>
+            <a:ext cx="548700" cy="393600"/>
+          </a:xfrm>
+          <a:prstGeom prst="rect">
+            <a:avLst/>
+          </a:prstGeom>
+        </p:spPr>
+        <p:txBody>
+          <a:bodyPr spcFirstLastPara="1" wrap="square" lIns="91425" tIns="91425" rIns="91425" bIns="91425" anchor="t" anchorCtr="0">
+            <a:noAutofit/>
+          </a:bodyPr>
+          <a:lstStyle/>
+          <a:p>
+            <a:pPr marL="0" lvl="0" indent="0" algn="r" rtl="0">
+              <a:spcBef>
+                <a:spcPts val="0"/>
+              </a:spcBef>
+              <a:spcAft>
+                <a:spcPts val="0"/>
+              </a:spcAft>
+              <a:buNone/>
+            </a:pPr>
+            <a:fld id="{00000000-1234-1234-1234-123412341234}" type="slidenum">
+              <a:rPr lang="en"/>
+              <a:t>14</a:t>
+            </a:fld>
+            <a:endParaRPr/>
+          </a:p>
+        </p:txBody>
+      </p:sp>
+    </p:spTree>
+    <p:extLst>
+      <p:ext uri="{BB962C8B-B14F-4D97-AF65-F5344CB8AC3E}">
+        <p14:creationId xmlns:p14="http://schemas.microsoft.com/office/powerpoint/2010/main" val="3538335587"/>
+      </p:ext>
+    </p:extLst>
+  </p:cSld>
+  <p:clrMapOvr>
+    <a:masterClrMapping/>
+  </p:clrMapOvr>
+</p:sld>
+</file>
+
+<file path=ppt/slides/slide15.xml><?xml version="1.0" encoding="utf-8"?>
+<p:sld xmlns:a="http://schemas.openxmlformats.org/drawingml/2006/main" xmlns:r="http://schemas.openxmlformats.org/officeDocument/2006/relationships" xmlns:p="http://schemas.openxmlformats.org/presentationml/2006/main">
+  <p:cSld>
+    <p:spTree>
+      <p:nvGrpSpPr>
+        <p:cNvPr id="1" name="Shape 402"/>
+        <p:cNvGrpSpPr/>
+        <p:nvPr/>
+      </p:nvGrpSpPr>
+      <p:grpSpPr>
+        <a:xfrm>
+          <a:off x="0" y="0"/>
+          <a:ext cx="0" cy="0"/>
+          <a:chOff x="0" y="0"/>
+          <a:chExt cx="0" cy="0"/>
+        </a:xfrm>
+      </p:grpSpPr>
+      <p:sp>
+        <p:nvSpPr>
+          <p:cNvPr id="403" name="Google Shape;403;p36"/>
+          <p:cNvSpPr txBox="1">
+            <a:spLocks noGrp="1"/>
+          </p:cNvSpPr>
+          <p:nvPr>
+            <p:ph type="ctrTitle" idx="4294967295"/>
+          </p:nvPr>
+        </p:nvSpPr>
+        <p:spPr>
+          <a:xfrm>
+            <a:off x="685800" y="1991850"/>
+            <a:ext cx="7772400" cy="1159800"/>
+          </a:xfrm>
+          <a:prstGeom prst="rect">
+            <a:avLst/>
+          </a:prstGeom>
+        </p:spPr>
+        <p:txBody>
+          <a:bodyPr spcFirstLastPara="1" wrap="square" lIns="91425" tIns="91425" rIns="91425" bIns="91425" anchor="b" anchorCtr="0">
+            <a:noAutofit/>
+          </a:bodyPr>
+          <a:lstStyle/>
+          <a:p>
+            <a:pPr marL="0" lvl="0" indent="0" algn="ctr" rtl="0">
+              <a:spcBef>
+                <a:spcPts val="0"/>
+              </a:spcBef>
+              <a:spcAft>
+                <a:spcPts val="0"/>
+              </a:spcAft>
+              <a:buNone/>
+            </a:pPr>
+            <a:r>
+              <a:rPr lang="en" sz="6000" b="1" dirty="0"/>
+              <a:t>Thanks!</a:t>
+            </a:r>
+            <a:endParaRPr sz="6000" b="1" dirty="0"/>
+          </a:p>
+        </p:txBody>
+      </p:sp>
+      <p:sp>
+        <p:nvSpPr>
+          <p:cNvPr id="405" name="Google Shape;405;p36"/>
+          <p:cNvSpPr txBox="1">
+            <a:spLocks noGrp="1"/>
+          </p:cNvSpPr>
+          <p:nvPr>
+            <p:ph type="body" idx="4294967295"/>
+          </p:nvPr>
+        </p:nvSpPr>
+        <p:spPr>
+          <a:xfrm>
+            <a:off x="2140050" y="3590050"/>
+            <a:ext cx="4863900" cy="1159801"/>
+          </a:xfrm>
+          <a:prstGeom prst="rect">
+            <a:avLst/>
+          </a:prstGeom>
+        </p:spPr>
+        <p:txBody>
+          <a:bodyPr spcFirstLastPara="1" wrap="square" lIns="91425" tIns="91425" rIns="91425" bIns="91425" anchor="ctr" anchorCtr="0">
+            <a:noAutofit/>
+          </a:bodyPr>
+          <a:lstStyle/>
+          <a:p>
+            <a:pPr marL="0" lvl="0" indent="0" algn="ctr" rtl="0">
+              <a:spcBef>
+                <a:spcPts val="600"/>
+              </a:spcBef>
+              <a:spcAft>
+                <a:spcPts val="0"/>
+              </a:spcAft>
+              <a:buNone/>
+            </a:pPr>
+            <a:r>
+              <a:rPr lang="en" sz="2000" dirty="0"/>
+              <a:t>You can find me at:</a:t>
+            </a:r>
+          </a:p>
+          <a:p>
+            <a:pPr marL="0" lvl="0" indent="0" algn="ctr" rtl="0">
+              <a:spcBef>
+                <a:spcPts val="600"/>
+              </a:spcBef>
+              <a:spcAft>
+                <a:spcPts val="0"/>
+              </a:spcAft>
+              <a:buNone/>
+            </a:pPr>
+            <a:r>
+              <a:rPr lang="en" sz="1600" dirty="0"/>
+              <a:t>t.me/alee_rezaa</a:t>
+            </a:r>
+            <a:endParaRPr sz="1600" dirty="0"/>
+          </a:p>
+          <a:p>
+            <a:pPr marL="0" lvl="0" indent="0" algn="ctr" rtl="0">
+              <a:spcBef>
+                <a:spcPts val="600"/>
+              </a:spcBef>
+              <a:spcAft>
+                <a:spcPts val="0"/>
+              </a:spcAft>
+              <a:buNone/>
+            </a:pPr>
+            <a:r>
+              <a:rPr lang="en" sz="1600" dirty="0"/>
+              <a:t>alee_rezaa@outlook.com</a:t>
+            </a:r>
+            <a:endParaRPr sz="1600" dirty="0"/>
+          </a:p>
+        </p:txBody>
+      </p:sp>
+      <p:sp>
+        <p:nvSpPr>
+          <p:cNvPr id="406" name="Google Shape;406;p36"/>
+          <p:cNvSpPr txBox="1">
+            <a:spLocks noGrp="1"/>
+          </p:cNvSpPr>
+          <p:nvPr>
+            <p:ph type="sldNum" idx="12"/>
+          </p:nvPr>
+        </p:nvSpPr>
+        <p:spPr>
+          <a:xfrm>
+            <a:off x="8404384" y="4749851"/>
+            <a:ext cx="548700" cy="393600"/>
+          </a:xfrm>
+          <a:prstGeom prst="rect">
+            <a:avLst/>
+          </a:prstGeom>
+        </p:spPr>
+        <p:txBody>
+          <a:bodyPr spcFirstLastPara="1" wrap="square" lIns="91425" tIns="91425" rIns="91425" bIns="91425" anchor="t" anchorCtr="0">
+            <a:noAutofit/>
+          </a:bodyPr>
+          <a:lstStyle/>
+          <a:p>
+            <a:pPr marL="0" lvl="0" indent="0" algn="r" rtl="0">
+              <a:spcBef>
+                <a:spcPts val="0"/>
+              </a:spcBef>
+              <a:spcAft>
+                <a:spcPts val="0"/>
+              </a:spcAft>
+              <a:buNone/>
+            </a:pPr>
+            <a:fld id="{00000000-1234-1234-1234-123412341234}" type="slidenum">
+              <a:rPr lang="en"/>
+              <a:t>15</a:t>
+            </a:fld>
+            <a:endParaRPr/>
+          </a:p>
+        </p:txBody>
+      </p:sp>
+    </p:spTree>
+  </p:cSld>
+  <p:clrMapOvr>
+    <a:masterClrMapping/>
+  </p:clrMapOvr>
+</p:sld>
+</file>
+
+<file path=ppt/slides/slide16.xml><?xml version="1.0" encoding="utf-8"?>
+<p:sld xmlns:a="http://schemas.openxmlformats.org/drawingml/2006/main" xmlns:r="http://schemas.openxmlformats.org/officeDocument/2006/relationships" xmlns:p="http://schemas.openxmlformats.org/presentationml/2006/main">
+  <p:cSld>
+    <p:spTree>
+      <p:nvGrpSpPr>
+        <p:cNvPr id="1" name="Shape 246"/>
+        <p:cNvGrpSpPr/>
+        <p:nvPr/>
+      </p:nvGrpSpPr>
+      <p:grpSpPr>
+        <a:xfrm>
+          <a:off x="0" y="0"/>
+          <a:ext cx="0" cy="0"/>
+          <a:chOff x="0" y="0"/>
+          <a:chExt cx="0" cy="0"/>
+        </a:xfrm>
+      </p:grpSpPr>
+      <p:sp>
+        <p:nvSpPr>
+          <p:cNvPr id="247" name="Google Shape;247;p27"/>
+          <p:cNvSpPr txBox="1">
+            <a:spLocks noGrp="1"/>
+          </p:cNvSpPr>
+          <p:nvPr>
+            <p:ph type="ctrTitle" idx="4294967295"/>
+          </p:nvPr>
+        </p:nvSpPr>
+        <p:spPr>
+          <a:xfrm>
+            <a:off x="685800" y="1735742"/>
+            <a:ext cx="7772400" cy="1159800"/>
+          </a:xfrm>
+          <a:prstGeom prst="rect">
+            <a:avLst/>
+          </a:prstGeom>
+        </p:spPr>
+        <p:txBody>
+          <a:bodyPr spcFirstLastPara="1" wrap="square" lIns="91425" tIns="91425" rIns="91425" bIns="91425" anchor="b" anchorCtr="0">
+            <a:noAutofit/>
+          </a:bodyPr>
+          <a:lstStyle/>
+          <a:p>
+            <a:pPr marL="0" lvl="0" indent="0" algn="ctr" rtl="0">
+              <a:spcBef>
+                <a:spcPts val="0"/>
+              </a:spcBef>
+              <a:spcAft>
+                <a:spcPts val="0"/>
+              </a:spcAft>
+              <a:buNone/>
+            </a:pPr>
+            <a:r>
+              <a:rPr lang="en" sz="9600" b="1" dirty="0"/>
+              <a:t>89,526,124</a:t>
+            </a:r>
+            <a:endParaRPr sz="9600" b="1" dirty="0"/>
+          </a:p>
+        </p:txBody>
+      </p:sp>
+      <p:sp>
+        <p:nvSpPr>
+          <p:cNvPr id="248" name="Google Shape;248;p27"/>
+          <p:cNvSpPr txBox="1">
+            <a:spLocks noGrp="1"/>
+          </p:cNvSpPr>
+          <p:nvPr>
+            <p:ph type="subTitle" idx="4294967295"/>
+          </p:nvPr>
+        </p:nvSpPr>
+        <p:spPr>
+          <a:xfrm>
+            <a:off x="685800" y="2840053"/>
+            <a:ext cx="7772400" cy="784800"/>
+          </a:xfrm>
+          <a:prstGeom prst="rect">
+            <a:avLst/>
+          </a:prstGeom>
+        </p:spPr>
+        <p:txBody>
+          <a:bodyPr spcFirstLastPara="1" wrap="square" lIns="91425" tIns="91425" rIns="91425" bIns="91425" anchor="t" anchorCtr="0">
+            <a:noAutofit/>
+          </a:bodyPr>
+          <a:lstStyle/>
+          <a:p>
+            <a:pPr marL="0" lvl="0" indent="0" algn="ctr" rtl="0">
+              <a:spcBef>
+                <a:spcPts val="600"/>
+              </a:spcBef>
+              <a:spcAft>
+                <a:spcPts val="0"/>
+              </a:spcAft>
+              <a:buNone/>
+            </a:pPr>
+            <a:r>
+              <a:rPr lang="en"/>
+              <a:t>Whoa! That’s a big number, aren’t you proud?</a:t>
+            </a:r>
+            <a:endParaRPr/>
+          </a:p>
+        </p:txBody>
+      </p:sp>
+      <p:sp>
+        <p:nvSpPr>
+          <p:cNvPr id="249" name="Google Shape;249;p27"/>
+          <p:cNvSpPr txBox="1">
+            <a:spLocks noGrp="1"/>
+          </p:cNvSpPr>
+          <p:nvPr>
+            <p:ph type="sldNum" idx="12"/>
+          </p:nvPr>
+        </p:nvSpPr>
+        <p:spPr>
+          <a:xfrm>
+            <a:off x="8404384" y="4749851"/>
+            <a:ext cx="548700" cy="393600"/>
+          </a:xfrm>
+          <a:prstGeom prst="rect">
+            <a:avLst/>
+          </a:prstGeom>
+        </p:spPr>
+        <p:txBody>
+          <a:bodyPr spcFirstLastPara="1" wrap="square" lIns="91425" tIns="91425" rIns="91425" bIns="91425" anchor="t" anchorCtr="0">
+            <a:noAutofit/>
+          </a:bodyPr>
+          <a:lstStyle/>
+          <a:p>
+            <a:pPr marL="0" lvl="0" indent="0" algn="r" rtl="0">
+              <a:spcBef>
+                <a:spcPts val="0"/>
+              </a:spcBef>
+              <a:spcAft>
+                <a:spcPts val="0"/>
+              </a:spcAft>
+              <a:buNone/>
+            </a:pPr>
+            <a:fld id="{00000000-1234-1234-1234-123412341234}" type="slidenum">
+              <a:rPr lang="en"/>
+              <a:t>16</a:t>
+            </a:fld>
+            <a:endParaRPr/>
+          </a:p>
+        </p:txBody>
+      </p:sp>
+    </p:spTree>
+  </p:cSld>
+  <p:clrMapOvr>
+    <a:masterClrMapping/>
+  </p:clrMapOvr>
+</p:sld>
+</file>
+
 <file path=ppt/slides/slide2.xml><?xml version="1.0" encoding="utf-8"?>
 <p:sld xmlns:a="http://schemas.openxmlformats.org/drawingml/2006/main" xmlns:r="http://schemas.openxmlformats.org/officeDocument/2006/relationships" xmlns:p="http://schemas.openxmlformats.org/presentationml/2006/main">
   <p:cSld>
@@ -5089,7 +6338,7 @@
   <p:cSld>
     <p:spTree>
       <p:nvGrpSpPr>
-        <p:cNvPr id="1" name="Shape 96"/>
+        <p:cNvPr id="1" name=""/>
         <p:cNvGrpSpPr/>
         <p:nvPr/>
       </p:nvGrpSpPr>
@@ -5103,95 +6352,124 @@
       </p:grpSpPr>
       <p:sp>
         <p:nvSpPr>
-          <p:cNvPr id="97" name="Google Shape;97;p15"/>
-          <p:cNvSpPr txBox="1">
+          <p:cNvPr id="2" name="Title 1">
+            <a:extLst>
+              <a:ext uri="{FF2B5EF4-FFF2-40B4-BE49-F238E27FC236}">
+                <a16:creationId xmlns:a16="http://schemas.microsoft.com/office/drawing/2014/main" id="{024AD384-5AD1-4435-A943-1241B2FACD62}"/>
+              </a:ext>
+            </a:extLst>
+          </p:cNvPr>
+          <p:cNvSpPr>
             <a:spLocks noGrp="1"/>
           </p:cNvSpPr>
           <p:nvPr>
-            <p:ph type="ctrTitle"/>
+            <p:ph type="title"/>
           </p:nvPr>
         </p:nvSpPr>
-        <p:spPr>
-          <a:xfrm>
-            <a:off x="1655700" y="1991850"/>
-            <a:ext cx="5832600" cy="1159800"/>
-          </a:xfrm>
-          <a:prstGeom prst="rect">
-            <a:avLst/>
-          </a:prstGeom>
-        </p:spPr>
+        <p:spPr/>
         <p:txBody>
-          <a:bodyPr spcFirstLastPara="1" wrap="square" lIns="91425" tIns="91425" rIns="91425" bIns="91425" anchor="ctr" anchorCtr="0">
-            <a:noAutofit/>
-          </a:bodyPr>
+          <a:bodyPr/>
           <a:lstStyle/>
           <a:p>
-            <a:pPr marL="0" lvl="0" indent="0" algn="ctr" rtl="0">
-              <a:spcBef>
-                <a:spcPts val="0"/>
-              </a:spcBef>
-              <a:spcAft>
-                <a:spcPts val="0"/>
-              </a:spcAft>
-              <a:buNone/>
-            </a:pPr>
             <a:r>
-              <a:rPr lang="en" sz="6000" dirty="0">
-                <a:solidFill>
-                  <a:schemeClr val="accent4"/>
-                </a:solidFill>
-              </a:rPr>
-              <a:t>1</a:t>
+              <a:rPr lang="en-US" dirty="0"/>
+              <a:t>Python Introduction</a:t>
             </a:r>
-            <a:endParaRPr sz="6000" dirty="0">
-              <a:solidFill>
-                <a:schemeClr val="accent4"/>
-              </a:solidFill>
-            </a:endParaRPr>
-          </a:p>
-          <a:p>
-            <a:pPr marL="0" lvl="0" indent="0" algn="ctr" rtl="0">
-              <a:spcBef>
-                <a:spcPts val="0"/>
-              </a:spcBef>
-              <a:spcAft>
-                <a:spcPts val="0"/>
-              </a:spcAft>
-              <a:buNone/>
-            </a:pPr>
-            <a:r>
-              <a:rPr lang="en" dirty="0"/>
-              <a:t>NumPy</a:t>
-            </a:r>
-            <a:endParaRPr dirty="0"/>
+            <a:endParaRPr lang="fa-IR" dirty="0"/>
           </a:p>
         </p:txBody>
       </p:sp>
       <p:sp>
         <p:nvSpPr>
-          <p:cNvPr id="99" name="Google Shape;99;p15"/>
-          <p:cNvSpPr txBox="1">
+          <p:cNvPr id="3" name="Text Placeholder 2">
+            <a:extLst>
+              <a:ext uri="{FF2B5EF4-FFF2-40B4-BE49-F238E27FC236}">
+                <a16:creationId xmlns:a16="http://schemas.microsoft.com/office/drawing/2014/main" id="{58BE3078-8B89-4550-B497-93E4DADBD57E}"/>
+              </a:ext>
+            </a:extLst>
+          </p:cNvPr>
+          <p:cNvSpPr>
             <a:spLocks noGrp="1"/>
           </p:cNvSpPr>
           <p:nvPr>
-            <p:ph type="sldNum" idx="4294967295"/>
+            <p:ph type="body" idx="1"/>
           </p:nvPr>
         </p:nvSpPr>
         <p:spPr>
           <a:xfrm>
-            <a:off x="8404384" y="4749851"/>
-            <a:ext cx="548700" cy="393600"/>
+            <a:off x="786150" y="1142608"/>
+            <a:ext cx="7571700" cy="3626431"/>
           </a:xfrm>
-          <a:prstGeom prst="rect">
-            <a:avLst/>
-          </a:prstGeom>
         </p:spPr>
         <p:txBody>
-          <a:bodyPr spcFirstLastPara="1" wrap="square" lIns="91425" tIns="91425" rIns="91425" bIns="91425" anchor="t" anchorCtr="0">
-            <a:noAutofit/>
-          </a:bodyPr>
+          <a:bodyPr/>
           <a:lstStyle/>
           <a:p>
+            <a:pPr marL="76200" indent="0">
+              <a:buNone/>
+            </a:pPr>
+            <a:r>
+              <a:rPr lang="en-US" sz="1400" dirty="0"/>
+              <a:t>Python is a popular programming language.</a:t>
+            </a:r>
+          </a:p>
+          <a:p>
+            <a:pPr marL="76200" indent="0">
+              <a:buNone/>
+            </a:pPr>
+            <a:endParaRPr lang="en-US" sz="1200" dirty="0">
+              <a:latin typeface="Consolas" panose="020B0609020204030204" pitchFamily="49" charset="0"/>
+            </a:endParaRPr>
+          </a:p>
+          <a:p>
+            <a:pPr marL="76200" indent="0">
+              <a:buNone/>
+            </a:pPr>
+            <a:r>
+              <a:rPr lang="en-US" sz="1400" dirty="0"/>
+              <a:t>It was created by Guido van Rossum, and released in 1991.</a:t>
+            </a:r>
+          </a:p>
+          <a:p>
+            <a:pPr marL="76200" indent="0">
+              <a:buNone/>
+            </a:pPr>
+            <a:endParaRPr lang="en-US" sz="1200" dirty="0">
+              <a:latin typeface="Consolas" panose="020B0609020204030204" pitchFamily="49" charset="0"/>
+            </a:endParaRPr>
+          </a:p>
+          <a:p>
+            <a:pPr marL="76200" indent="0">
+              <a:buNone/>
+            </a:pPr>
+            <a:r>
+              <a:rPr lang="en-US" sz="1400" dirty="0"/>
+              <a:t>It is used for web development, software development, mathematics, system scripting, etc.</a:t>
+            </a:r>
+          </a:p>
+        </p:txBody>
+      </p:sp>
+      <p:sp>
+        <p:nvSpPr>
+          <p:cNvPr id="4" name="Slide Number Placeholder 3">
+            <a:extLst>
+              <a:ext uri="{FF2B5EF4-FFF2-40B4-BE49-F238E27FC236}">
+                <a16:creationId xmlns:a16="http://schemas.microsoft.com/office/drawing/2014/main" id="{64987AE6-EC0E-43DD-9376-95A5602EE5E1}"/>
+              </a:ext>
+            </a:extLst>
+          </p:cNvPr>
+          <p:cNvSpPr>
+            <a:spLocks noGrp="1"/>
+          </p:cNvSpPr>
+          <p:nvPr>
+            <p:ph type="sldNum" idx="12"/>
+          </p:nvPr>
+        </p:nvSpPr>
+        <p:spPr/>
+        <p:txBody>
+          <a:bodyPr/>
+          <a:lstStyle/>
+          <a:p>
             <a:pPr marL="0" lvl="0" indent="0" algn="r" rtl="0">
               <a:spcBef>
                 <a:spcPts val="0"/>
@@ -5202,17 +6480,17 @@
               <a:buNone/>
             </a:pPr>
             <a:fld id="{00000000-1234-1234-1234-123412341234}" type="slidenum">
-              <a:rPr lang="en"/>
+              <a:rPr lang="en" smtClean="0"/>
               <a:t>3</a:t>
             </a:fld>
-            <a:endParaRPr/>
+            <a:endParaRPr lang="en"/>
           </a:p>
         </p:txBody>
       </p:sp>
     </p:spTree>
     <p:extLst>
       <p:ext uri="{BB962C8B-B14F-4D97-AF65-F5344CB8AC3E}">
-        <p14:creationId xmlns:p14="http://schemas.microsoft.com/office/powerpoint/2010/main" val="1620004517"/>
+        <p14:creationId xmlns:p14="http://schemas.microsoft.com/office/powerpoint/2010/main" val="1082569236"/>
       </p:ext>
     </p:extLst>
   </p:cSld>
@@ -5260,6 +6538,10 @@
           <a:bodyPr/>
           <a:lstStyle/>
           <a:p>
+            <a:r>
+              <a:rPr lang="en-US" dirty="0"/>
+              <a:t>Install Requirements</a:t>
+            </a:r>
             <a:endParaRPr lang="fa-IR" dirty="0"/>
           </a:p>
         </p:txBody>
@@ -5280,21 +6562,102 @@
             <p:ph type="body" idx="1"/>
           </p:nvPr>
         </p:nvSpPr>
-        <p:spPr/>
+        <p:spPr>
+          <a:xfrm>
+            <a:off x="786150" y="1142608"/>
+            <a:ext cx="7571700" cy="3626431"/>
+          </a:xfrm>
+        </p:spPr>
         <p:txBody>
           <a:bodyPr/>
           <a:lstStyle/>
           <a:p>
+            <a:pPr marL="76200" indent="0">
+              <a:buNone/>
+            </a:pPr>
             <a:r>
-              <a:rPr lang="en-US" dirty="0"/>
-              <a:t>NumPy is a Python library used for working with arrays.</a:t>
+              <a:rPr lang="en-US" sz="1400" dirty="0"/>
+              <a:t>Download and install Python:</a:t>
             </a:r>
           </a:p>
           <a:p>
+            <a:pPr marL="76200" indent="0">
+              <a:buNone/>
+            </a:pPr>
             <a:r>
-              <a:rPr lang="en-US" dirty="0"/>
-              <a:t>NumPy is short for "Numerical Python".</a:t>
+              <a:rPr lang="en-US" sz="1200" dirty="0">
+                <a:latin typeface="Consolas" panose="020B0609020204030204" pitchFamily="49" charset="0"/>
+                <a:hlinkClick r:id="rId2"/>
+              </a:rPr>
+              <a:t>https://www.python.org/downloads/</a:t>
             </a:r>
+            <a:endParaRPr lang="en-US" sz="1200" dirty="0">
+              <a:latin typeface="Consolas" panose="020B0609020204030204" pitchFamily="49" charset="0"/>
+            </a:endParaRPr>
+          </a:p>
+          <a:p>
+            <a:pPr marL="76200" indent="0">
+              <a:buNone/>
+            </a:pPr>
+            <a:endParaRPr lang="en-US" sz="1200" dirty="0">
+              <a:latin typeface="Consolas" panose="020B0609020204030204" pitchFamily="49" charset="0"/>
+            </a:endParaRPr>
+          </a:p>
+          <a:p>
+            <a:pPr marL="76200" indent="0">
+              <a:buNone/>
+            </a:pPr>
+            <a:r>
+              <a:rPr lang="en-US" sz="1400" dirty="0"/>
+              <a:t>Download and install Visual Studio Code:</a:t>
+            </a:r>
+          </a:p>
+          <a:p>
+            <a:pPr marL="76200" indent="0">
+              <a:buNone/>
+            </a:pPr>
+            <a:r>
+              <a:rPr lang="en-US" sz="1200" dirty="0">
+                <a:latin typeface="Consolas" panose="020B0609020204030204" pitchFamily="49" charset="0"/>
+                <a:hlinkClick r:id="rId3"/>
+              </a:rPr>
+              <a:t>https://code.visualstudio.com/</a:t>
+            </a:r>
+            <a:endParaRPr lang="en-US" sz="1200" dirty="0">
+              <a:latin typeface="Consolas" panose="020B0609020204030204" pitchFamily="49" charset="0"/>
+            </a:endParaRPr>
+          </a:p>
+          <a:p>
+            <a:pPr marL="76200" indent="0">
+              <a:buNone/>
+            </a:pPr>
+            <a:endParaRPr lang="en-US" sz="1200" dirty="0">
+              <a:latin typeface="Consolas" panose="020B0609020204030204" pitchFamily="49" charset="0"/>
+            </a:endParaRPr>
+          </a:p>
+          <a:p>
+            <a:pPr marL="76200" indent="0">
+              <a:buNone/>
+            </a:pPr>
+            <a:r>
+              <a:rPr lang="en-US" sz="1400" dirty="0"/>
+              <a:t>Download and install Git:</a:t>
+            </a:r>
+          </a:p>
+          <a:p>
+            <a:pPr marL="76200" indent="0">
+              <a:buNone/>
+            </a:pPr>
+            <a:r>
+              <a:rPr lang="en-US" sz="1200" dirty="0">
+                <a:latin typeface="Consolas" panose="020B0609020204030204" pitchFamily="49" charset="0"/>
+                <a:hlinkClick r:id="rId4"/>
+              </a:rPr>
+              <a:t>https://git-scm.com/downloads/</a:t>
+            </a:r>
+            <a:endParaRPr lang="en-US" sz="1200" dirty="0">
+              <a:latin typeface="Consolas" panose="020B0609020204030204" pitchFamily="49" charset="0"/>
+            </a:endParaRPr>
           </a:p>
         </p:txBody>
       </p:sp>
@@ -5339,7 +6702,7 @@
     </p:spTree>
     <p:extLst>
       <p:ext uri="{BB962C8B-B14F-4D97-AF65-F5344CB8AC3E}">
-        <p14:creationId xmlns:p14="http://schemas.microsoft.com/office/powerpoint/2010/main" val="1082569236"/>
+        <p14:creationId xmlns:p14="http://schemas.microsoft.com/office/powerpoint/2010/main" val="3993042992"/>
       </p:ext>
     </p:extLst>
   </p:cSld>
@@ -5350,6 +6713,815 @@
 </file>
 
 <file path=ppt/slides/slide5.xml><?xml version="1.0" encoding="utf-8"?>
+<p:sld xmlns:a="http://schemas.openxmlformats.org/drawingml/2006/main" xmlns:r="http://schemas.openxmlformats.org/officeDocument/2006/relationships" xmlns:p="http://schemas.openxmlformats.org/presentationml/2006/main">
+  <p:cSld>
+    <p:spTree>
+      <p:nvGrpSpPr>
+        <p:cNvPr id="1" name=""/>
+        <p:cNvGrpSpPr/>
+        <p:nvPr/>
+      </p:nvGrpSpPr>
+      <p:grpSpPr>
+        <a:xfrm>
+          <a:off x="0" y="0"/>
+          <a:ext cx="0" cy="0"/>
+          <a:chOff x="0" y="0"/>
+          <a:chExt cx="0" cy="0"/>
+        </a:xfrm>
+      </p:grpSpPr>
+      <p:sp>
+        <p:nvSpPr>
+          <p:cNvPr id="2" name="Title 1">
+            <a:extLst>
+              <a:ext uri="{FF2B5EF4-FFF2-40B4-BE49-F238E27FC236}">
+                <a16:creationId xmlns:a16="http://schemas.microsoft.com/office/drawing/2014/main" id="{024AD384-5AD1-4435-A943-1241B2FACD62}"/>
+              </a:ext>
+            </a:extLst>
+          </p:cNvPr>
+          <p:cNvSpPr>
+            <a:spLocks noGrp="1"/>
+          </p:cNvSpPr>
+          <p:nvPr>
+            <p:ph type="title"/>
+          </p:nvPr>
+        </p:nvSpPr>
+        <p:spPr/>
+        <p:txBody>
+          <a:bodyPr/>
+          <a:lstStyle/>
+          <a:p>
+            <a:r>
+              <a:rPr lang="en-US" dirty="0"/>
+              <a:t>Jupyter Notebook</a:t>
+            </a:r>
+            <a:endParaRPr lang="fa-IR" dirty="0"/>
+          </a:p>
+        </p:txBody>
+      </p:sp>
+      <p:sp>
+        <p:nvSpPr>
+          <p:cNvPr id="3" name="Text Placeholder 2">
+            <a:extLst>
+              <a:ext uri="{FF2B5EF4-FFF2-40B4-BE49-F238E27FC236}">
+                <a16:creationId xmlns:a16="http://schemas.microsoft.com/office/drawing/2014/main" id="{58BE3078-8B89-4550-B497-93E4DADBD57E}"/>
+              </a:ext>
+            </a:extLst>
+          </p:cNvPr>
+          <p:cNvSpPr>
+            <a:spLocks noGrp="1"/>
+          </p:cNvSpPr>
+          <p:nvPr>
+            <p:ph type="body" idx="1"/>
+          </p:nvPr>
+        </p:nvSpPr>
+        <p:spPr>
+          <a:xfrm>
+            <a:off x="786150" y="1142608"/>
+            <a:ext cx="7571700" cy="3626431"/>
+          </a:xfrm>
+        </p:spPr>
+        <p:txBody>
+          <a:bodyPr/>
+          <a:lstStyle/>
+          <a:p>
+            <a:pPr marL="76200" indent="0">
+              <a:buNone/>
+            </a:pPr>
+            <a:r>
+              <a:rPr lang="en-US" sz="1400" dirty="0"/>
+              <a:t>D</a:t>
+            </a:r>
+            <a:endParaRPr lang="en-US" sz="1200" dirty="0">
+              <a:latin typeface="Consolas" panose="020B0609020204030204" pitchFamily="49" charset="0"/>
+            </a:endParaRPr>
+          </a:p>
+        </p:txBody>
+      </p:sp>
+      <p:sp>
+        <p:nvSpPr>
+          <p:cNvPr id="4" name="Slide Number Placeholder 3">
+            <a:extLst>
+              <a:ext uri="{FF2B5EF4-FFF2-40B4-BE49-F238E27FC236}">
+                <a16:creationId xmlns:a16="http://schemas.microsoft.com/office/drawing/2014/main" id="{64987AE6-EC0E-43DD-9376-95A5602EE5E1}"/>
+              </a:ext>
+            </a:extLst>
+          </p:cNvPr>
+          <p:cNvSpPr>
+            <a:spLocks noGrp="1"/>
+          </p:cNvSpPr>
+          <p:nvPr>
+            <p:ph type="sldNum" idx="12"/>
+          </p:nvPr>
+        </p:nvSpPr>
+        <p:spPr/>
+        <p:txBody>
+          <a:bodyPr/>
+          <a:lstStyle/>
+          <a:p>
+            <a:pPr marL="0" lvl="0" indent="0" algn="r" rtl="0">
+              <a:spcBef>
+                <a:spcPts val="0"/>
+              </a:spcBef>
+              <a:spcAft>
+                <a:spcPts val="0"/>
+              </a:spcAft>
+              <a:buNone/>
+            </a:pPr>
+            <a:fld id="{00000000-1234-1234-1234-123412341234}" type="slidenum">
+              <a:rPr lang="en" smtClean="0"/>
+              <a:t>5</a:t>
+            </a:fld>
+            <a:endParaRPr lang="en"/>
+          </a:p>
+        </p:txBody>
+      </p:sp>
+    </p:spTree>
+    <p:extLst>
+      <p:ext uri="{BB962C8B-B14F-4D97-AF65-F5344CB8AC3E}">
+        <p14:creationId xmlns:p14="http://schemas.microsoft.com/office/powerpoint/2010/main" val="2048105302"/>
+      </p:ext>
+    </p:extLst>
+  </p:cSld>
+  <p:clrMapOvr>
+    <a:masterClrMapping/>
+  </p:clrMapOvr>
+</p:sld>
+</file>
+
+<file path=ppt/slides/slide6.xml><?xml version="1.0" encoding="utf-8"?>
+<p:sld xmlns:a="http://schemas.openxmlformats.org/drawingml/2006/main" xmlns:r="http://schemas.openxmlformats.org/officeDocument/2006/relationships" xmlns:p="http://schemas.openxmlformats.org/presentationml/2006/main">
+  <p:cSld>
+    <p:spTree>
+      <p:nvGrpSpPr>
+        <p:cNvPr id="1" name=""/>
+        <p:cNvGrpSpPr/>
+        <p:nvPr/>
+      </p:nvGrpSpPr>
+      <p:grpSpPr>
+        <a:xfrm>
+          <a:off x="0" y="0"/>
+          <a:ext cx="0" cy="0"/>
+          <a:chOff x="0" y="0"/>
+          <a:chExt cx="0" cy="0"/>
+        </a:xfrm>
+      </p:grpSpPr>
+      <p:sp>
+        <p:nvSpPr>
+          <p:cNvPr id="2" name="Title 1">
+            <a:extLst>
+              <a:ext uri="{FF2B5EF4-FFF2-40B4-BE49-F238E27FC236}">
+                <a16:creationId xmlns:a16="http://schemas.microsoft.com/office/drawing/2014/main" id="{024AD384-5AD1-4435-A943-1241B2FACD62}"/>
+              </a:ext>
+            </a:extLst>
+          </p:cNvPr>
+          <p:cNvSpPr>
+            <a:spLocks noGrp="1"/>
+          </p:cNvSpPr>
+          <p:nvPr>
+            <p:ph type="title"/>
+          </p:nvPr>
+        </p:nvSpPr>
+        <p:spPr/>
+        <p:txBody>
+          <a:bodyPr/>
+          <a:lstStyle/>
+          <a:p>
+            <a:r>
+              <a:rPr lang="en-US" dirty="0"/>
+              <a:t>Python Syntax</a:t>
+            </a:r>
+            <a:endParaRPr lang="fa-IR" dirty="0"/>
+          </a:p>
+        </p:txBody>
+      </p:sp>
+      <p:sp>
+        <p:nvSpPr>
+          <p:cNvPr id="3" name="Text Placeholder 2">
+            <a:extLst>
+              <a:ext uri="{FF2B5EF4-FFF2-40B4-BE49-F238E27FC236}">
+                <a16:creationId xmlns:a16="http://schemas.microsoft.com/office/drawing/2014/main" id="{58BE3078-8B89-4550-B497-93E4DADBD57E}"/>
+              </a:ext>
+            </a:extLst>
+          </p:cNvPr>
+          <p:cNvSpPr>
+            <a:spLocks noGrp="1"/>
+          </p:cNvSpPr>
+          <p:nvPr>
+            <p:ph type="body" idx="1"/>
+          </p:nvPr>
+        </p:nvSpPr>
+        <p:spPr>
+          <a:xfrm>
+            <a:off x="786150" y="1142608"/>
+            <a:ext cx="7571700" cy="3626431"/>
+          </a:xfrm>
+        </p:spPr>
+        <p:txBody>
+          <a:bodyPr/>
+          <a:lstStyle/>
+          <a:p>
+            <a:pPr marL="76200" indent="0">
+              <a:buNone/>
+            </a:pPr>
+            <a:r>
+              <a:rPr lang="en-US" sz="1400" dirty="0"/>
+              <a:t>Variables: </a:t>
+            </a:r>
+          </a:p>
+          <a:p>
+            <a:pPr marL="76200" indent="0">
+              <a:buNone/>
+            </a:pPr>
+            <a:r>
+              <a:rPr lang="en-US" sz="1200" dirty="0">
+                <a:latin typeface="Consolas" panose="020B0609020204030204" pitchFamily="49" charset="0"/>
+                <a:cs typeface="Courier New" panose="02070309020205020404" pitchFamily="49" charset="0"/>
+              </a:rPr>
+              <a:t>x = 5</a:t>
+            </a:r>
+          </a:p>
+          <a:p>
+            <a:pPr marL="76200" indent="0">
+              <a:buNone/>
+            </a:pPr>
+            <a:r>
+              <a:rPr lang="en-US" sz="1200" dirty="0">
+                <a:latin typeface="Consolas" panose="020B0609020204030204" pitchFamily="49" charset="0"/>
+                <a:cs typeface="Courier New" panose="02070309020205020404" pitchFamily="49" charset="0"/>
+              </a:rPr>
+              <a:t>y = ‘Hello, World!’</a:t>
+            </a:r>
+          </a:p>
+          <a:p>
+            <a:pPr marL="76200" indent="0">
+              <a:buNone/>
+            </a:pPr>
+            <a:endParaRPr lang="en-US" sz="1200" dirty="0">
+              <a:latin typeface="Consolas" panose="020B0609020204030204" pitchFamily="49" charset="0"/>
+              <a:cs typeface="Courier New" panose="02070309020205020404" pitchFamily="49" charset="0"/>
+            </a:endParaRPr>
+          </a:p>
+          <a:p>
+            <a:pPr marL="76200" indent="0">
+              <a:buNone/>
+            </a:pPr>
+            <a:r>
+              <a:rPr lang="en-US" sz="1400" dirty="0"/>
+              <a:t>Comments: </a:t>
+            </a:r>
+          </a:p>
+          <a:p>
+            <a:pPr marL="76200" indent="0">
+              <a:buNone/>
+            </a:pPr>
+            <a:r>
+              <a:rPr lang="en-US" sz="1200" dirty="0">
+                <a:latin typeface="Consolas" panose="020B0609020204030204" pitchFamily="49" charset="0"/>
+                <a:cs typeface="Courier New" panose="02070309020205020404" pitchFamily="49" charset="0"/>
+              </a:rPr>
+              <a:t># This is a comment.</a:t>
+            </a:r>
+          </a:p>
+          <a:p>
+            <a:pPr marL="76200" indent="0">
+              <a:buNone/>
+            </a:pPr>
+            <a:endParaRPr lang="en-US" sz="1200" dirty="0">
+              <a:latin typeface="Consolas" panose="020B0609020204030204" pitchFamily="49" charset="0"/>
+              <a:cs typeface="Courier New" panose="02070309020205020404" pitchFamily="49" charset="0"/>
+            </a:endParaRPr>
+          </a:p>
+          <a:p>
+            <a:pPr marL="76200" indent="0">
+              <a:buNone/>
+            </a:pPr>
+            <a:r>
+              <a:rPr lang="en-US" sz="1400" dirty="0"/>
+              <a:t>Indentation: </a:t>
+            </a:r>
+          </a:p>
+          <a:p>
+            <a:pPr marL="76200" indent="0">
+              <a:buNone/>
+            </a:pPr>
+            <a:r>
+              <a:rPr lang="en-US" sz="1200" dirty="0">
+                <a:latin typeface="Consolas" panose="020B0609020204030204" pitchFamily="49" charset="0"/>
+                <a:cs typeface="Courier New" panose="02070309020205020404" pitchFamily="49" charset="0"/>
+              </a:rPr>
+              <a:t>if 5 &gt; 2:</a:t>
+            </a:r>
+          </a:p>
+          <a:p>
+            <a:pPr marL="76200" indent="0">
+              <a:buNone/>
+            </a:pPr>
+            <a:r>
+              <a:rPr lang="en-US" sz="1200" dirty="0">
+                <a:latin typeface="Consolas" panose="020B0609020204030204" pitchFamily="49" charset="0"/>
+                <a:cs typeface="Courier New" panose="02070309020205020404" pitchFamily="49" charset="0"/>
+              </a:rPr>
+              <a:t>    print(‘Five is greater than two!’)</a:t>
+            </a:r>
+          </a:p>
+        </p:txBody>
+      </p:sp>
+      <p:sp>
+        <p:nvSpPr>
+          <p:cNvPr id="4" name="Slide Number Placeholder 3">
+            <a:extLst>
+              <a:ext uri="{FF2B5EF4-FFF2-40B4-BE49-F238E27FC236}">
+                <a16:creationId xmlns:a16="http://schemas.microsoft.com/office/drawing/2014/main" id="{64987AE6-EC0E-43DD-9376-95A5602EE5E1}"/>
+              </a:ext>
+            </a:extLst>
+          </p:cNvPr>
+          <p:cNvSpPr>
+            <a:spLocks noGrp="1"/>
+          </p:cNvSpPr>
+          <p:nvPr>
+            <p:ph type="sldNum" idx="12"/>
+          </p:nvPr>
+        </p:nvSpPr>
+        <p:spPr/>
+        <p:txBody>
+          <a:bodyPr/>
+          <a:lstStyle/>
+          <a:p>
+            <a:pPr marL="0" lvl="0" indent="0" algn="r" rtl="0">
+              <a:spcBef>
+                <a:spcPts val="0"/>
+              </a:spcBef>
+              <a:spcAft>
+                <a:spcPts val="0"/>
+              </a:spcAft>
+              <a:buNone/>
+            </a:pPr>
+            <a:fld id="{00000000-1234-1234-1234-123412341234}" type="slidenum">
+              <a:rPr lang="en" smtClean="0"/>
+              <a:t>6</a:t>
+            </a:fld>
+            <a:endParaRPr lang="en"/>
+          </a:p>
+        </p:txBody>
+      </p:sp>
+    </p:spTree>
+    <p:extLst>
+      <p:ext uri="{BB962C8B-B14F-4D97-AF65-F5344CB8AC3E}">
+        <p14:creationId xmlns:p14="http://schemas.microsoft.com/office/powerpoint/2010/main" val="3916435651"/>
+      </p:ext>
+    </p:extLst>
+  </p:cSld>
+  <p:clrMapOvr>
+    <a:masterClrMapping/>
+  </p:clrMapOvr>
+</p:sld>
+</file>
+
+<file path=ppt/slides/slide7.xml><?xml version="1.0" encoding="utf-8"?>
+<p:sld xmlns:a="http://schemas.openxmlformats.org/drawingml/2006/main" xmlns:r="http://schemas.openxmlformats.org/officeDocument/2006/relationships" xmlns:p="http://schemas.openxmlformats.org/presentationml/2006/main">
+  <p:cSld>
+    <p:spTree>
+      <p:nvGrpSpPr>
+        <p:cNvPr id="1" name=""/>
+        <p:cNvGrpSpPr/>
+        <p:nvPr/>
+      </p:nvGrpSpPr>
+      <p:grpSpPr>
+        <a:xfrm>
+          <a:off x="0" y="0"/>
+          <a:ext cx="0" cy="0"/>
+          <a:chOff x="0" y="0"/>
+          <a:chExt cx="0" cy="0"/>
+        </a:xfrm>
+      </p:grpSpPr>
+      <p:sp>
+        <p:nvSpPr>
+          <p:cNvPr id="2" name="Title 1">
+            <a:extLst>
+              <a:ext uri="{FF2B5EF4-FFF2-40B4-BE49-F238E27FC236}">
+                <a16:creationId xmlns:a16="http://schemas.microsoft.com/office/drawing/2014/main" id="{024AD384-5AD1-4435-A943-1241B2FACD62}"/>
+              </a:ext>
+            </a:extLst>
+          </p:cNvPr>
+          <p:cNvSpPr>
+            <a:spLocks noGrp="1"/>
+          </p:cNvSpPr>
+          <p:nvPr>
+            <p:ph type="title"/>
+          </p:nvPr>
+        </p:nvSpPr>
+        <p:spPr/>
+        <p:txBody>
+          <a:bodyPr/>
+          <a:lstStyle/>
+          <a:p>
+            <a:r>
+              <a:rPr lang="en-US" dirty="0"/>
+              <a:t>Python </a:t>
+            </a:r>
+            <a:r>
+              <a:rPr lang="en-US" sz="2400" dirty="0"/>
+              <a:t>Variables</a:t>
+            </a:r>
+            <a:endParaRPr lang="fa-IR" dirty="0"/>
+          </a:p>
+        </p:txBody>
+      </p:sp>
+      <p:sp>
+        <p:nvSpPr>
+          <p:cNvPr id="3" name="Text Placeholder 2">
+            <a:extLst>
+              <a:ext uri="{FF2B5EF4-FFF2-40B4-BE49-F238E27FC236}">
+                <a16:creationId xmlns:a16="http://schemas.microsoft.com/office/drawing/2014/main" id="{58BE3078-8B89-4550-B497-93E4DADBD57E}"/>
+              </a:ext>
+            </a:extLst>
+          </p:cNvPr>
+          <p:cNvSpPr>
+            <a:spLocks noGrp="1"/>
+          </p:cNvSpPr>
+          <p:nvPr>
+            <p:ph type="body" idx="1"/>
+          </p:nvPr>
+        </p:nvSpPr>
+        <p:spPr>
+          <a:xfrm>
+            <a:off x="786150" y="1142608"/>
+            <a:ext cx="7571700" cy="3626431"/>
+          </a:xfrm>
+        </p:spPr>
+        <p:txBody>
+          <a:bodyPr/>
+          <a:lstStyle/>
+          <a:p>
+            <a:pPr marL="76200" indent="0">
+              <a:buNone/>
+            </a:pPr>
+            <a:r>
+              <a:rPr lang="en-US" sz="1400" dirty="0"/>
+              <a:t>Containers for storing data values: </a:t>
+            </a:r>
+          </a:p>
+          <a:p>
+            <a:pPr marL="76200" indent="0">
+              <a:buNone/>
+            </a:pPr>
+            <a:r>
+              <a:rPr lang="en-US" sz="1200" dirty="0">
+                <a:latin typeface="Consolas" panose="020B0609020204030204" pitchFamily="49" charset="0"/>
+                <a:cs typeface="Courier New" panose="02070309020205020404" pitchFamily="49" charset="0"/>
+              </a:rPr>
+              <a:t>x = 4       # x is of type int</a:t>
+            </a:r>
+          </a:p>
+          <a:p>
+            <a:pPr marL="76200" indent="0">
+              <a:buNone/>
+            </a:pPr>
+            <a:r>
+              <a:rPr lang="en-US" sz="1200" dirty="0">
+                <a:latin typeface="Consolas" panose="020B0609020204030204" pitchFamily="49" charset="0"/>
+                <a:cs typeface="Courier New" panose="02070309020205020404" pitchFamily="49" charset="0"/>
+              </a:rPr>
+              <a:t>x = "Sally" # x is now of type str</a:t>
+            </a:r>
+          </a:p>
+          <a:p>
+            <a:pPr marL="76200" indent="0">
+              <a:buNone/>
+            </a:pPr>
+            <a:r>
+              <a:rPr lang="en-US" sz="1200" dirty="0">
+                <a:latin typeface="Consolas" panose="020B0609020204030204" pitchFamily="49" charset="0"/>
+                <a:cs typeface="Courier New" panose="02070309020205020404" pitchFamily="49" charset="0"/>
+              </a:rPr>
+              <a:t>print(x)</a:t>
+            </a:r>
+          </a:p>
+          <a:p>
+            <a:pPr marL="76200" indent="0">
+              <a:buNone/>
+            </a:pPr>
+            <a:endParaRPr lang="en-US" sz="1200" dirty="0">
+              <a:latin typeface="Consolas" panose="020B0609020204030204" pitchFamily="49" charset="0"/>
+              <a:cs typeface="Courier New" panose="02070309020205020404" pitchFamily="49" charset="0"/>
+            </a:endParaRPr>
+          </a:p>
+          <a:p>
+            <a:pPr marL="76200" indent="0">
+              <a:buNone/>
+            </a:pPr>
+            <a:r>
+              <a:rPr lang="en-US" sz="1400" dirty="0"/>
+              <a:t>Casting:</a:t>
+            </a:r>
+          </a:p>
+          <a:p>
+            <a:pPr marL="76200" indent="0">
+              <a:buNone/>
+            </a:pPr>
+            <a:r>
+              <a:rPr lang="en-US" sz="1200" dirty="0">
+                <a:latin typeface="Consolas" panose="020B0609020204030204" pitchFamily="49" charset="0"/>
+                <a:cs typeface="Courier New" panose="02070309020205020404" pitchFamily="49" charset="0"/>
+              </a:rPr>
+              <a:t>x = str(3)    # x will be '3'</a:t>
+            </a:r>
+          </a:p>
+          <a:p>
+            <a:pPr marL="76200" indent="0">
+              <a:buNone/>
+            </a:pPr>
+            <a:r>
+              <a:rPr lang="en-US" sz="1200" dirty="0">
+                <a:latin typeface="Consolas" panose="020B0609020204030204" pitchFamily="49" charset="0"/>
+                <a:cs typeface="Courier New" panose="02070309020205020404" pitchFamily="49" charset="0"/>
+              </a:rPr>
+              <a:t>y = int(3)    # y will be 3</a:t>
+            </a:r>
+          </a:p>
+          <a:p>
+            <a:pPr marL="76200" indent="0">
+              <a:buNone/>
+            </a:pPr>
+            <a:r>
+              <a:rPr lang="en-US" sz="1200" dirty="0">
+                <a:latin typeface="Consolas" panose="020B0609020204030204" pitchFamily="49" charset="0"/>
+                <a:cs typeface="Courier New" panose="02070309020205020404" pitchFamily="49" charset="0"/>
+              </a:rPr>
+              <a:t>z = float(3)  # z will be 3.0 </a:t>
+            </a:r>
+          </a:p>
+        </p:txBody>
+      </p:sp>
+      <p:sp>
+        <p:nvSpPr>
+          <p:cNvPr id="4" name="Slide Number Placeholder 3">
+            <a:extLst>
+              <a:ext uri="{FF2B5EF4-FFF2-40B4-BE49-F238E27FC236}">
+                <a16:creationId xmlns:a16="http://schemas.microsoft.com/office/drawing/2014/main" id="{64987AE6-EC0E-43DD-9376-95A5602EE5E1}"/>
+              </a:ext>
+            </a:extLst>
+          </p:cNvPr>
+          <p:cNvSpPr>
+            <a:spLocks noGrp="1"/>
+          </p:cNvSpPr>
+          <p:nvPr>
+            <p:ph type="sldNum" idx="12"/>
+          </p:nvPr>
+        </p:nvSpPr>
+        <p:spPr/>
+        <p:txBody>
+          <a:bodyPr/>
+          <a:lstStyle/>
+          <a:p>
+            <a:pPr marL="0" lvl="0" indent="0" algn="r" rtl="0">
+              <a:spcBef>
+                <a:spcPts val="0"/>
+              </a:spcBef>
+              <a:spcAft>
+                <a:spcPts val="0"/>
+              </a:spcAft>
+              <a:buNone/>
+            </a:pPr>
+            <a:fld id="{00000000-1234-1234-1234-123412341234}" type="slidenum">
+              <a:rPr lang="en" smtClean="0"/>
+              <a:t>7</a:t>
+            </a:fld>
+            <a:endParaRPr lang="en"/>
+          </a:p>
+        </p:txBody>
+      </p:sp>
+    </p:spTree>
+    <p:extLst>
+      <p:ext uri="{BB962C8B-B14F-4D97-AF65-F5344CB8AC3E}">
+        <p14:creationId xmlns:p14="http://schemas.microsoft.com/office/powerpoint/2010/main" val="4135929266"/>
+      </p:ext>
+    </p:extLst>
+  </p:cSld>
+  <p:clrMapOvr>
+    <a:masterClrMapping/>
+  </p:clrMapOvr>
+</p:sld>
+</file>
+
+<file path=ppt/slides/slide8.xml><?xml version="1.0" encoding="utf-8"?>
+<p:sld xmlns:a="http://schemas.openxmlformats.org/drawingml/2006/main" xmlns:r="http://schemas.openxmlformats.org/officeDocument/2006/relationships" xmlns:p="http://schemas.openxmlformats.org/presentationml/2006/main">
+  <p:cSld>
+    <p:spTree>
+      <p:nvGrpSpPr>
+        <p:cNvPr id="1" name=""/>
+        <p:cNvGrpSpPr/>
+        <p:nvPr/>
+      </p:nvGrpSpPr>
+      <p:grpSpPr>
+        <a:xfrm>
+          <a:off x="0" y="0"/>
+          <a:ext cx="0" cy="0"/>
+          <a:chOff x="0" y="0"/>
+          <a:chExt cx="0" cy="0"/>
+        </a:xfrm>
+      </p:grpSpPr>
+      <p:sp>
+        <p:nvSpPr>
+          <p:cNvPr id="2" name="Title 1">
+            <a:extLst>
+              <a:ext uri="{FF2B5EF4-FFF2-40B4-BE49-F238E27FC236}">
+                <a16:creationId xmlns:a16="http://schemas.microsoft.com/office/drawing/2014/main" id="{024AD384-5AD1-4435-A943-1241B2FACD62}"/>
+              </a:ext>
+            </a:extLst>
+          </p:cNvPr>
+          <p:cNvSpPr>
+            <a:spLocks noGrp="1"/>
+          </p:cNvSpPr>
+          <p:nvPr>
+            <p:ph type="title"/>
+          </p:nvPr>
+        </p:nvSpPr>
+        <p:spPr/>
+        <p:txBody>
+          <a:bodyPr/>
+          <a:lstStyle/>
+          <a:p>
+            <a:r>
+              <a:rPr lang="en-US" dirty="0"/>
+              <a:t>Python </a:t>
+            </a:r>
+            <a:r>
+              <a:rPr lang="en-US" sz="2400" dirty="0"/>
+              <a:t>Variables</a:t>
+            </a:r>
+            <a:endParaRPr lang="fa-IR" dirty="0"/>
+          </a:p>
+        </p:txBody>
+      </p:sp>
+      <p:sp>
+        <p:nvSpPr>
+          <p:cNvPr id="3" name="Text Placeholder 2">
+            <a:extLst>
+              <a:ext uri="{FF2B5EF4-FFF2-40B4-BE49-F238E27FC236}">
+                <a16:creationId xmlns:a16="http://schemas.microsoft.com/office/drawing/2014/main" id="{58BE3078-8B89-4550-B497-93E4DADBD57E}"/>
+              </a:ext>
+            </a:extLst>
+          </p:cNvPr>
+          <p:cNvSpPr>
+            <a:spLocks noGrp="1"/>
+          </p:cNvSpPr>
+          <p:nvPr>
+            <p:ph type="body" idx="1"/>
+          </p:nvPr>
+        </p:nvSpPr>
+        <p:spPr>
+          <a:xfrm>
+            <a:off x="786150" y="1142608"/>
+            <a:ext cx="7571700" cy="3626431"/>
+          </a:xfrm>
+        </p:spPr>
+        <p:txBody>
+          <a:bodyPr/>
+          <a:lstStyle/>
+          <a:p>
+            <a:pPr marL="76200" indent="0">
+              <a:buNone/>
+            </a:pPr>
+            <a:r>
+              <a:rPr lang="en-US" sz="1400" dirty="0"/>
+              <a:t>Get the type:</a:t>
+            </a:r>
+          </a:p>
+          <a:p>
+            <a:pPr marL="76200" indent="0">
+              <a:buNone/>
+            </a:pPr>
+            <a:r>
+              <a:rPr lang="fr-FR" sz="1200" dirty="0">
+                <a:latin typeface="Consolas" panose="020B0609020204030204" pitchFamily="49" charset="0"/>
+                <a:cs typeface="Courier New" panose="02070309020205020404" pitchFamily="49" charset="0"/>
+              </a:rPr>
+              <a:t>type(x)</a:t>
+            </a:r>
+          </a:p>
+          <a:p>
+            <a:pPr marL="76200" indent="0">
+              <a:buNone/>
+            </a:pPr>
+            <a:endParaRPr lang="en-US" sz="1200" dirty="0">
+              <a:latin typeface="Consolas" panose="020B0609020204030204" pitchFamily="49" charset="0"/>
+            </a:endParaRPr>
+          </a:p>
+          <a:p>
+            <a:pPr marL="76200" indent="0">
+              <a:buNone/>
+            </a:pPr>
+            <a:r>
+              <a:rPr lang="en-US" sz="1400" dirty="0"/>
+              <a:t>Assign multiple values: </a:t>
+            </a:r>
+          </a:p>
+          <a:p>
+            <a:pPr marL="76200" indent="0">
+              <a:buNone/>
+            </a:pPr>
+            <a:r>
+              <a:rPr lang="en-US" sz="1200" dirty="0">
+                <a:latin typeface="Consolas" panose="020B0609020204030204" pitchFamily="49" charset="0"/>
+                <a:cs typeface="Courier New" panose="02070309020205020404" pitchFamily="49" charset="0"/>
+              </a:rPr>
+              <a:t>x, y, z = ‘Orange’, ‘Banana’, ‘Cherry’</a:t>
+            </a:r>
+          </a:p>
+          <a:p>
+            <a:pPr marL="76200" indent="0">
+              <a:buNone/>
+            </a:pPr>
+            <a:endParaRPr lang="en-US" sz="1200" dirty="0">
+              <a:latin typeface="Consolas" panose="020B0609020204030204" pitchFamily="49" charset="0"/>
+              <a:cs typeface="Courier New" panose="02070309020205020404" pitchFamily="49" charset="0"/>
+            </a:endParaRPr>
+          </a:p>
+          <a:p>
+            <a:pPr marL="76200" indent="0">
+              <a:buNone/>
+            </a:pPr>
+            <a:r>
+              <a:rPr lang="en-US" sz="1400" dirty="0"/>
+              <a:t>One value to multiple variables:</a:t>
+            </a:r>
+          </a:p>
+          <a:p>
+            <a:pPr marL="76200" indent="0">
+              <a:buNone/>
+            </a:pPr>
+            <a:r>
+              <a:rPr lang="fr-FR" sz="1200" dirty="0">
+                <a:latin typeface="Consolas" panose="020B0609020204030204" pitchFamily="49" charset="0"/>
+                <a:cs typeface="Courier New" panose="02070309020205020404" pitchFamily="49" charset="0"/>
+              </a:rPr>
+              <a:t>x = y = z = ‘Orange’ </a:t>
+            </a:r>
+          </a:p>
+          <a:p>
+            <a:pPr marL="76200" indent="0">
+              <a:buNone/>
+            </a:pPr>
+            <a:endParaRPr lang="fr-FR" sz="1200" dirty="0">
+              <a:latin typeface="Consolas" panose="020B0609020204030204" pitchFamily="49" charset="0"/>
+              <a:cs typeface="Courier New" panose="02070309020205020404" pitchFamily="49" charset="0"/>
+            </a:endParaRPr>
+          </a:p>
+        </p:txBody>
+      </p:sp>
+      <p:sp>
+        <p:nvSpPr>
+          <p:cNvPr id="4" name="Slide Number Placeholder 3">
+            <a:extLst>
+              <a:ext uri="{FF2B5EF4-FFF2-40B4-BE49-F238E27FC236}">
+                <a16:creationId xmlns:a16="http://schemas.microsoft.com/office/drawing/2014/main" id="{64987AE6-EC0E-43DD-9376-95A5602EE5E1}"/>
+              </a:ext>
+            </a:extLst>
+          </p:cNvPr>
+          <p:cNvSpPr>
+            <a:spLocks noGrp="1"/>
+          </p:cNvSpPr>
+          <p:nvPr>
+            <p:ph type="sldNum" idx="12"/>
+          </p:nvPr>
+        </p:nvSpPr>
+        <p:spPr/>
+        <p:txBody>
+          <a:bodyPr/>
+          <a:lstStyle/>
+          <a:p>
+            <a:pPr marL="0" lvl="0" indent="0" algn="r" rtl="0">
+              <a:spcBef>
+                <a:spcPts val="0"/>
+              </a:spcBef>
+              <a:spcAft>
+                <a:spcPts val="0"/>
+              </a:spcAft>
+              <a:buNone/>
+            </a:pPr>
+            <a:fld id="{00000000-1234-1234-1234-123412341234}" type="slidenum">
+              <a:rPr lang="en" smtClean="0"/>
+              <a:t>8</a:t>
+            </a:fld>
+            <a:endParaRPr lang="en"/>
+          </a:p>
+        </p:txBody>
+      </p:sp>
+    </p:spTree>
+    <p:extLst>
+      <p:ext uri="{BB962C8B-B14F-4D97-AF65-F5344CB8AC3E}">
+        <p14:creationId xmlns:p14="http://schemas.microsoft.com/office/powerpoint/2010/main" val="145114608"/>
+      </p:ext>
+    </p:extLst>
+  </p:cSld>
+  <p:clrMapOvr>
+    <a:masterClrMapping/>
+  </p:clrMapOvr>
+</p:sld>
+</file>
+
+<file path=ppt/slides/slide9.xml><?xml version="1.0" encoding="utf-8"?>
 <p:sld xmlns:a="http://schemas.openxmlformats.org/drawingml/2006/main" xmlns:r="http://schemas.openxmlformats.org/officeDocument/2006/relationships" xmlns:p="http://schemas.openxmlformats.org/presentationml/2006/main">
   <p:cSld>
     <p:spTree>
@@ -5401,12 +7573,12 @@
               <a:buNone/>
             </a:pPr>
             <a:r>
-              <a:rPr lang="en" sz="6000" dirty="0">
+              <a:rPr lang="en-US" sz="6000" dirty="0">
                 <a:solidFill>
                   <a:schemeClr val="accent4"/>
                 </a:solidFill>
               </a:rPr>
-              <a:t>1</a:t>
+              <a:t>2</a:t>
             </a:r>
             <a:endParaRPr sz="6000" dirty="0">
               <a:solidFill>
@@ -5426,7 +7598,7 @@
             </a:pPr>
             <a:r>
               <a:rPr lang="en" dirty="0"/>
-              <a:t>Pandas</a:t>
+              <a:t>NumPy</a:t>
             </a:r>
             <a:endParaRPr dirty="0"/>
           </a:p>
@@ -5468,7 +7640,7 @@
             </a:pPr>
             <a:fld id="{00000000-1234-1234-1234-123412341234}" type="slidenum">
               <a:rPr lang="en"/>
-              <a:t>5</a:t>
+              <a:t>9</a:t>
             </a:fld>
             <a:endParaRPr/>
           </a:p>
@@ -5477,480 +7649,9 @@
     </p:spTree>
     <p:extLst>
       <p:ext uri="{BB962C8B-B14F-4D97-AF65-F5344CB8AC3E}">
-        <p14:creationId xmlns:p14="http://schemas.microsoft.com/office/powerpoint/2010/main" val="2729265455"/>
+        <p14:creationId xmlns:p14="http://schemas.microsoft.com/office/powerpoint/2010/main" val="1620004517"/>
       </p:ext>
     </p:extLst>
-  </p:cSld>
-  <p:clrMapOvr>
-    <a:masterClrMapping/>
-  </p:clrMapOvr>
-</p:sld>
-</file>
-
-<file path=ppt/slides/slide6.xml><?xml version="1.0" encoding="utf-8"?>
-<p:sld xmlns:a="http://schemas.openxmlformats.org/drawingml/2006/main" xmlns:r="http://schemas.openxmlformats.org/officeDocument/2006/relationships" xmlns:p="http://schemas.openxmlformats.org/presentationml/2006/main">
-  <p:cSld>
-    <p:spTree>
-      <p:nvGrpSpPr>
-        <p:cNvPr id="1" name="Shape 96"/>
-        <p:cNvGrpSpPr/>
-        <p:nvPr/>
-      </p:nvGrpSpPr>
-      <p:grpSpPr>
-        <a:xfrm>
-          <a:off x="0" y="0"/>
-          <a:ext cx="0" cy="0"/>
-          <a:chOff x="0" y="0"/>
-          <a:chExt cx="0" cy="0"/>
-        </a:xfrm>
-      </p:grpSpPr>
-      <p:sp>
-        <p:nvSpPr>
-          <p:cNvPr id="97" name="Google Shape;97;p15"/>
-          <p:cNvSpPr txBox="1">
-            <a:spLocks noGrp="1"/>
-          </p:cNvSpPr>
-          <p:nvPr>
-            <p:ph type="ctrTitle"/>
-          </p:nvPr>
-        </p:nvSpPr>
-        <p:spPr>
-          <a:xfrm>
-            <a:off x="1655700" y="1991850"/>
-            <a:ext cx="5832600" cy="1159800"/>
-          </a:xfrm>
-          <a:prstGeom prst="rect">
-            <a:avLst/>
-          </a:prstGeom>
-        </p:spPr>
-        <p:txBody>
-          <a:bodyPr spcFirstLastPara="1" wrap="square" lIns="91425" tIns="91425" rIns="91425" bIns="91425" anchor="ctr" anchorCtr="0">
-            <a:noAutofit/>
-          </a:bodyPr>
-          <a:lstStyle/>
-          <a:p>
-            <a:pPr marL="0" lvl="0" indent="0" algn="ctr" rtl="0">
-              <a:spcBef>
-                <a:spcPts val="0"/>
-              </a:spcBef>
-              <a:spcAft>
-                <a:spcPts val="0"/>
-              </a:spcAft>
-              <a:buNone/>
-            </a:pPr>
-            <a:r>
-              <a:rPr lang="en" sz="6000" dirty="0">
-                <a:solidFill>
-                  <a:schemeClr val="accent4"/>
-                </a:solidFill>
-              </a:rPr>
-              <a:t>1</a:t>
-            </a:r>
-            <a:endParaRPr sz="6000" dirty="0">
-              <a:solidFill>
-                <a:schemeClr val="accent4"/>
-              </a:solidFill>
-            </a:endParaRPr>
-          </a:p>
-          <a:p>
-            <a:pPr marL="0" lvl="0" indent="0" algn="ctr" rtl="0">
-              <a:spcBef>
-                <a:spcPts val="0"/>
-              </a:spcBef>
-              <a:spcAft>
-                <a:spcPts val="0"/>
-              </a:spcAft>
-              <a:buNone/>
-            </a:pPr>
-            <a:r>
-              <a:rPr lang="en" dirty="0"/>
-              <a:t>Matplotlib</a:t>
-            </a:r>
-            <a:endParaRPr dirty="0"/>
-          </a:p>
-        </p:txBody>
-      </p:sp>
-      <p:sp>
-        <p:nvSpPr>
-          <p:cNvPr id="99" name="Google Shape;99;p15"/>
-          <p:cNvSpPr txBox="1">
-            <a:spLocks noGrp="1"/>
-          </p:cNvSpPr>
-          <p:nvPr>
-            <p:ph type="sldNum" idx="4294967295"/>
-          </p:nvPr>
-        </p:nvSpPr>
-        <p:spPr>
-          <a:xfrm>
-            <a:off x="8404384" y="4749851"/>
-            <a:ext cx="548700" cy="393600"/>
-          </a:xfrm>
-          <a:prstGeom prst="rect">
-            <a:avLst/>
-          </a:prstGeom>
-        </p:spPr>
-        <p:txBody>
-          <a:bodyPr spcFirstLastPara="1" wrap="square" lIns="91425" tIns="91425" rIns="91425" bIns="91425" anchor="t" anchorCtr="0">
-            <a:noAutofit/>
-          </a:bodyPr>
-          <a:lstStyle/>
-          <a:p>
-            <a:pPr marL="0" lvl="0" indent="0" algn="r" rtl="0">
-              <a:spcBef>
-                <a:spcPts val="0"/>
-              </a:spcBef>
-              <a:spcAft>
-                <a:spcPts val="0"/>
-              </a:spcAft>
-              <a:buNone/>
-            </a:pPr>
-            <a:fld id="{00000000-1234-1234-1234-123412341234}" type="slidenum">
-              <a:rPr lang="en"/>
-              <a:t>6</a:t>
-            </a:fld>
-            <a:endParaRPr/>
-          </a:p>
-        </p:txBody>
-      </p:sp>
-    </p:spTree>
-    <p:extLst>
-      <p:ext uri="{BB962C8B-B14F-4D97-AF65-F5344CB8AC3E}">
-        <p14:creationId xmlns:p14="http://schemas.microsoft.com/office/powerpoint/2010/main" val="2458102878"/>
-      </p:ext>
-    </p:extLst>
-  </p:cSld>
-  <p:clrMapOvr>
-    <a:masterClrMapping/>
-  </p:clrMapOvr>
-</p:sld>
-</file>
-
-<file path=ppt/slides/slide7.xml><?xml version="1.0" encoding="utf-8"?>
-<p:sld xmlns:a="http://schemas.openxmlformats.org/drawingml/2006/main" xmlns:r="http://schemas.openxmlformats.org/officeDocument/2006/relationships" xmlns:p="http://schemas.openxmlformats.org/presentationml/2006/main">
-  <p:cSld>
-    <p:spTree>
-      <p:nvGrpSpPr>
-        <p:cNvPr id="1" name="Shape 402"/>
-        <p:cNvGrpSpPr/>
-        <p:nvPr/>
-      </p:nvGrpSpPr>
-      <p:grpSpPr>
-        <a:xfrm>
-          <a:off x="0" y="0"/>
-          <a:ext cx="0" cy="0"/>
-          <a:chOff x="0" y="0"/>
-          <a:chExt cx="0" cy="0"/>
-        </a:xfrm>
-      </p:grpSpPr>
-      <p:sp>
-        <p:nvSpPr>
-          <p:cNvPr id="403" name="Google Shape;403;p36"/>
-          <p:cNvSpPr txBox="1">
-            <a:spLocks noGrp="1"/>
-          </p:cNvSpPr>
-          <p:nvPr>
-            <p:ph type="ctrTitle" idx="4294967295"/>
-          </p:nvPr>
-        </p:nvSpPr>
-        <p:spPr>
-          <a:xfrm>
-            <a:off x="685800" y="1991850"/>
-            <a:ext cx="7772400" cy="1159800"/>
-          </a:xfrm>
-          <a:prstGeom prst="rect">
-            <a:avLst/>
-          </a:prstGeom>
-        </p:spPr>
-        <p:txBody>
-          <a:bodyPr spcFirstLastPara="1" wrap="square" lIns="91425" tIns="91425" rIns="91425" bIns="91425" anchor="b" anchorCtr="0">
-            <a:noAutofit/>
-          </a:bodyPr>
-          <a:lstStyle/>
-          <a:p>
-            <a:pPr marL="0" lvl="0" indent="0" algn="ctr" rtl="0">
-              <a:spcBef>
-                <a:spcPts val="0"/>
-              </a:spcBef>
-              <a:spcAft>
-                <a:spcPts val="0"/>
-              </a:spcAft>
-              <a:buNone/>
-            </a:pPr>
-            <a:r>
-              <a:rPr lang="en" sz="6000" b="1" dirty="0"/>
-              <a:t>Thanks!</a:t>
-            </a:r>
-            <a:endParaRPr sz="6000" b="1" dirty="0"/>
-          </a:p>
-        </p:txBody>
-      </p:sp>
-      <p:sp>
-        <p:nvSpPr>
-          <p:cNvPr id="405" name="Google Shape;405;p36"/>
-          <p:cNvSpPr txBox="1">
-            <a:spLocks noGrp="1"/>
-          </p:cNvSpPr>
-          <p:nvPr>
-            <p:ph type="body" idx="4294967295"/>
-          </p:nvPr>
-        </p:nvSpPr>
-        <p:spPr>
-          <a:xfrm>
-            <a:off x="2140050" y="3590050"/>
-            <a:ext cx="4863900" cy="1159801"/>
-          </a:xfrm>
-          <a:prstGeom prst="rect">
-            <a:avLst/>
-          </a:prstGeom>
-        </p:spPr>
-        <p:txBody>
-          <a:bodyPr spcFirstLastPara="1" wrap="square" lIns="91425" tIns="91425" rIns="91425" bIns="91425" anchor="ctr" anchorCtr="0">
-            <a:noAutofit/>
-          </a:bodyPr>
-          <a:lstStyle/>
-          <a:p>
-            <a:pPr marL="0" lvl="0" indent="0" algn="ctr" rtl="0">
-              <a:spcBef>
-                <a:spcPts val="600"/>
-              </a:spcBef>
-              <a:spcAft>
-                <a:spcPts val="0"/>
-              </a:spcAft>
-              <a:buNone/>
-            </a:pPr>
-            <a:r>
-              <a:rPr lang="en" sz="2000" dirty="0"/>
-              <a:t>You can find me at:</a:t>
-            </a:r>
-          </a:p>
-          <a:p>
-            <a:pPr marL="0" lvl="0" indent="0" algn="ctr" rtl="0">
-              <a:spcBef>
-                <a:spcPts val="600"/>
-              </a:spcBef>
-              <a:spcAft>
-                <a:spcPts val="0"/>
-              </a:spcAft>
-              <a:buNone/>
-            </a:pPr>
-            <a:r>
-              <a:rPr lang="en" sz="1600" dirty="0"/>
-              <a:t>t.me/alee_rezaa</a:t>
-            </a:r>
-            <a:endParaRPr sz="1600" dirty="0"/>
-          </a:p>
-          <a:p>
-            <a:pPr marL="0" lvl="0" indent="0" algn="ctr" rtl="0">
-              <a:spcBef>
-                <a:spcPts val="600"/>
-              </a:spcBef>
-              <a:spcAft>
-                <a:spcPts val="0"/>
-              </a:spcAft>
-              <a:buNone/>
-            </a:pPr>
-            <a:r>
-              <a:rPr lang="en" sz="1600" dirty="0"/>
-              <a:t>alee_rezaa@outlook.com</a:t>
-            </a:r>
-            <a:endParaRPr sz="1600" dirty="0"/>
-          </a:p>
-        </p:txBody>
-      </p:sp>
-      <p:sp>
-        <p:nvSpPr>
-          <p:cNvPr id="406" name="Google Shape;406;p36"/>
-          <p:cNvSpPr txBox="1">
-            <a:spLocks noGrp="1"/>
-          </p:cNvSpPr>
-          <p:nvPr>
-            <p:ph type="sldNum" idx="12"/>
-          </p:nvPr>
-        </p:nvSpPr>
-        <p:spPr>
-          <a:xfrm>
-            <a:off x="8404384" y="4749851"/>
-            <a:ext cx="548700" cy="393600"/>
-          </a:xfrm>
-          <a:prstGeom prst="rect">
-            <a:avLst/>
-          </a:prstGeom>
-        </p:spPr>
-        <p:txBody>
-          <a:bodyPr spcFirstLastPara="1" wrap="square" lIns="91425" tIns="91425" rIns="91425" bIns="91425" anchor="t" anchorCtr="0">
-            <a:noAutofit/>
-          </a:bodyPr>
-          <a:lstStyle/>
-          <a:p>
-            <a:pPr marL="0" lvl="0" indent="0" algn="r" rtl="0">
-              <a:spcBef>
-                <a:spcPts val="0"/>
-              </a:spcBef>
-              <a:spcAft>
-                <a:spcPts val="0"/>
-              </a:spcAft>
-              <a:buNone/>
-            </a:pPr>
-            <a:fld id="{00000000-1234-1234-1234-123412341234}" type="slidenum">
-              <a:rPr lang="en"/>
-              <a:t>7</a:t>
-            </a:fld>
-            <a:endParaRPr/>
-          </a:p>
-        </p:txBody>
-      </p:sp>
-    </p:spTree>
-  </p:cSld>
-  <p:clrMapOvr>
-    <a:masterClrMapping/>
-  </p:clrMapOvr>
-</p:sld>
-</file>
-
-<file path=ppt/slides/slide8.xml><?xml version="1.0" encoding="utf-8"?>
-<p:sld xmlns:a="http://schemas.openxmlformats.org/drawingml/2006/main" xmlns:r="http://schemas.openxmlformats.org/officeDocument/2006/relationships" xmlns:p="http://schemas.openxmlformats.org/presentationml/2006/main">
-  <p:cSld>
-    <p:spTree>
-      <p:nvGrpSpPr>
-        <p:cNvPr id="1" name="Shape 246"/>
-        <p:cNvGrpSpPr/>
-        <p:nvPr/>
-      </p:nvGrpSpPr>
-      <p:grpSpPr>
-        <a:xfrm>
-          <a:off x="0" y="0"/>
-          <a:ext cx="0" cy="0"/>
-          <a:chOff x="0" y="0"/>
-          <a:chExt cx="0" cy="0"/>
-        </a:xfrm>
-      </p:grpSpPr>
-      <p:sp>
-        <p:nvSpPr>
-          <p:cNvPr id="247" name="Google Shape;247;p27"/>
-          <p:cNvSpPr txBox="1">
-            <a:spLocks noGrp="1"/>
-          </p:cNvSpPr>
-          <p:nvPr>
-            <p:ph type="ctrTitle" idx="4294967295"/>
-          </p:nvPr>
-        </p:nvSpPr>
-        <p:spPr>
-          <a:xfrm>
-            <a:off x="685800" y="1735742"/>
-            <a:ext cx="7772400" cy="1159800"/>
-          </a:xfrm>
-          <a:prstGeom prst="rect">
-            <a:avLst/>
-          </a:prstGeom>
-        </p:spPr>
-        <p:txBody>
-          <a:bodyPr spcFirstLastPara="1" wrap="square" lIns="91425" tIns="91425" rIns="91425" bIns="91425" anchor="b" anchorCtr="0">
-            <a:noAutofit/>
-          </a:bodyPr>
-          <a:lstStyle/>
-          <a:p>
-            <a:pPr marL="0" lvl="0" indent="0" algn="ctr" rtl="0">
-              <a:spcBef>
-                <a:spcPts val="0"/>
-              </a:spcBef>
-              <a:spcAft>
-                <a:spcPts val="0"/>
-              </a:spcAft>
-              <a:buNone/>
-            </a:pPr>
-            <a:r>
-              <a:rPr lang="en" sz="9600" b="1" dirty="0"/>
-              <a:t>89,526,124</a:t>
-            </a:r>
-            <a:endParaRPr sz="9600" b="1" dirty="0"/>
-          </a:p>
-        </p:txBody>
-      </p:sp>
-      <p:sp>
-        <p:nvSpPr>
-          <p:cNvPr id="248" name="Google Shape;248;p27"/>
-          <p:cNvSpPr txBox="1">
-            <a:spLocks noGrp="1"/>
-          </p:cNvSpPr>
-          <p:nvPr>
-            <p:ph type="subTitle" idx="4294967295"/>
-          </p:nvPr>
-        </p:nvSpPr>
-        <p:spPr>
-          <a:xfrm>
-            <a:off x="685800" y="2840053"/>
-            <a:ext cx="7772400" cy="784800"/>
-          </a:xfrm>
-          <a:prstGeom prst="rect">
-            <a:avLst/>
-          </a:prstGeom>
-        </p:spPr>
-        <p:txBody>
-          <a:bodyPr spcFirstLastPara="1" wrap="square" lIns="91425" tIns="91425" rIns="91425" bIns="91425" anchor="t" anchorCtr="0">
-            <a:noAutofit/>
-          </a:bodyPr>
-          <a:lstStyle/>
-          <a:p>
-            <a:pPr marL="0" lvl="0" indent="0" algn="ctr" rtl="0">
-              <a:spcBef>
-                <a:spcPts val="600"/>
-              </a:spcBef>
-              <a:spcAft>
-                <a:spcPts val="0"/>
-              </a:spcAft>
-              <a:buNone/>
-            </a:pPr>
-            <a:r>
-              <a:rPr lang="en"/>
-              <a:t>Whoa! That’s a big number, aren’t you proud?</a:t>
-            </a:r>
-            <a:endParaRPr/>
-          </a:p>
-        </p:txBody>
-      </p:sp>
-      <p:sp>
-        <p:nvSpPr>
-          <p:cNvPr id="249" name="Google Shape;249;p27"/>
-          <p:cNvSpPr txBox="1">
-            <a:spLocks noGrp="1"/>
-          </p:cNvSpPr>
-          <p:nvPr>
-            <p:ph type="sldNum" idx="12"/>
-          </p:nvPr>
-        </p:nvSpPr>
-        <p:spPr>
-          <a:xfrm>
-            <a:off x="8404384" y="4749851"/>
-            <a:ext cx="548700" cy="393600"/>
-          </a:xfrm>
-          <a:prstGeom prst="rect">
-            <a:avLst/>
-          </a:prstGeom>
-        </p:spPr>
-        <p:txBody>
-          <a:bodyPr spcFirstLastPara="1" wrap="square" lIns="91425" tIns="91425" rIns="91425" bIns="91425" anchor="t" anchorCtr="0">
-            <a:noAutofit/>
-          </a:bodyPr>
-          <a:lstStyle/>
-          <a:p>
-            <a:pPr marL="0" lvl="0" indent="0" algn="r" rtl="0">
-              <a:spcBef>
-                <a:spcPts val="0"/>
-              </a:spcBef>
-              <a:spcAft>
-                <a:spcPts val="0"/>
-              </a:spcAft>
-              <a:buNone/>
-            </a:pPr>
-            <a:fld id="{00000000-1234-1234-1234-123412341234}" type="slidenum">
-              <a:rPr lang="en"/>
-              <a:t>8</a:t>
-            </a:fld>
-            <a:endParaRPr/>
-          </a:p>
-        </p:txBody>
-      </p:sp>
-    </p:spTree>
   </p:cSld>
   <p:clrMapOvr>
     <a:masterClrMapping/>

--- a/Python.pptx
+++ b/Python.pptx
@@ -5,10 +5,10 @@
     <p:sldMasterId id="2147483658" r:id="rId1"/>
   </p:sldMasterIdLst>
   <p:notesMasterIdLst>
-    <p:notesMasterId r:id="rId18"/>
+    <p:notesMasterId r:id="rId20"/>
   </p:notesMasterIdLst>
   <p:handoutMasterIdLst>
-    <p:handoutMasterId r:id="rId19"/>
+    <p:handoutMasterId r:id="rId21"/>
   </p:handoutMasterIdLst>
   <p:sldIdLst>
     <p:sldId id="256" r:id="rId2"/>
@@ -19,43 +19,45 @@
     <p:sldId id="290" r:id="rId7"/>
     <p:sldId id="291" r:id="rId8"/>
     <p:sldId id="293" r:id="rId9"/>
-    <p:sldId id="281" r:id="rId10"/>
-    <p:sldId id="289" r:id="rId11"/>
-    <p:sldId id="282" r:id="rId12"/>
-    <p:sldId id="283" r:id="rId13"/>
-    <p:sldId id="286" r:id="rId14"/>
-    <p:sldId id="287" r:id="rId15"/>
-    <p:sldId id="280" r:id="rId16"/>
-    <p:sldId id="271" r:id="rId17"/>
+    <p:sldId id="294" r:id="rId10"/>
+    <p:sldId id="295" r:id="rId11"/>
+    <p:sldId id="281" r:id="rId12"/>
+    <p:sldId id="289" r:id="rId13"/>
+    <p:sldId id="282" r:id="rId14"/>
+    <p:sldId id="283" r:id="rId15"/>
+    <p:sldId id="286" r:id="rId16"/>
+    <p:sldId id="287" r:id="rId17"/>
+    <p:sldId id="280" r:id="rId18"/>
+    <p:sldId id="271" r:id="rId19"/>
   </p:sldIdLst>
   <p:sldSz cx="9144000" cy="5143500" type="screen16x9"/>
   <p:notesSz cx="6858000" cy="9144000"/>
   <p:embeddedFontLst>
     <p:embeddedFont>
       <p:font typeface="Consolas" panose="020B0609020204030204" pitchFamily="49" charset="0"/>
-      <p:regular r:id="rId20"/>
-      <p:bold r:id="rId21"/>
-      <p:italic r:id="rId22"/>
-      <p:boldItalic r:id="rId23"/>
+      <p:regular r:id="rId22"/>
+      <p:bold r:id="rId23"/>
+      <p:italic r:id="rId24"/>
+      <p:boldItalic r:id="rId25"/>
     </p:embeddedFont>
     <p:embeddedFont>
       <p:font typeface="Roboto Slab" panose="020B0604020202020204" charset="0"/>
-      <p:regular r:id="rId24"/>
-      <p:bold r:id="rId25"/>
+      <p:regular r:id="rId26"/>
+      <p:bold r:id="rId27"/>
     </p:embeddedFont>
     <p:embeddedFont>
       <p:font typeface="Source Sans Pro" panose="020B0503030403020204" pitchFamily="34" charset="0"/>
-      <p:regular r:id="rId26"/>
-      <p:bold r:id="rId27"/>
-      <p:italic r:id="rId28"/>
-      <p:boldItalic r:id="rId29"/>
+      <p:regular r:id="rId28"/>
+      <p:bold r:id="rId29"/>
+      <p:italic r:id="rId30"/>
+      <p:boldItalic r:id="rId31"/>
     </p:embeddedFont>
     <p:embeddedFont>
       <p:font typeface="Trebuchet MS" panose="020B0603020202020204" pitchFamily="34" charset="0"/>
-      <p:regular r:id="rId30"/>
-      <p:bold r:id="rId31"/>
-      <p:italic r:id="rId32"/>
-      <p:boldItalic r:id="rId33"/>
+      <p:regular r:id="rId32"/>
+      <p:bold r:id="rId33"/>
+      <p:italic r:id="rId34"/>
+      <p:boldItalic r:id="rId35"/>
     </p:embeddedFont>
   </p:embeddedFontLst>
   <p:defaultTextStyle>
@@ -5226,12 +5228,12 @@
           <a:lstStyle/>
           <a:p>
             <a:r>
-              <a:rPr lang="en-US" dirty="0" err="1"/>
-              <a:t>Numpy</a:t>
+              <a:rPr lang="en-US" dirty="0"/>
+              <a:t>Python </a:t>
             </a:r>
             <a:r>
-              <a:rPr lang="en-US" dirty="0"/>
-              <a:t> Introduction</a:t>
+              <a:rPr lang="en-US" sz="2400" dirty="0"/>
+              <a:t>Strings</a:t>
             </a:r>
             <a:endParaRPr lang="fa-IR" dirty="0"/>
           </a:p>
@@ -5263,16 +5265,82 @@
           <a:bodyPr/>
           <a:lstStyle/>
           <a:p>
+            <a:pPr marL="76200" indent="0">
+              <a:buNone/>
+            </a:pPr>
             <a:r>
-              <a:rPr lang="en-US" sz="1800" dirty="0"/>
-              <a:t>NumPy is a Python library used for working with arrays.</a:t>
+              <a:rPr lang="en-US" sz="1400" dirty="0"/>
+              <a:t>Single line and multiline string</a:t>
             </a:r>
           </a:p>
           <a:p>
+            <a:pPr marL="76200" indent="0">
+              <a:buNone/>
+            </a:pPr>
             <a:r>
-              <a:rPr lang="en-US" sz="1800" dirty="0"/>
-              <a:t>NumPy is short for "Numerical Python".</a:t>
+              <a:rPr lang="en-US" sz="1200" dirty="0">
+                <a:latin typeface="Consolas" panose="020B0609020204030204" pitchFamily="49" charset="0"/>
+                <a:cs typeface="Courier New" panose="02070309020205020404" pitchFamily="49" charset="0"/>
+              </a:rPr>
+              <a:t>a = ‘Hello!’</a:t>
             </a:r>
+          </a:p>
+          <a:p>
+            <a:pPr marL="76200" indent="0">
+              <a:buNone/>
+            </a:pPr>
+            <a:r>
+              <a:rPr lang="en-US" sz="1200" dirty="0">
+                <a:latin typeface="Consolas" panose="020B0609020204030204" pitchFamily="49" charset="0"/>
+                <a:cs typeface="Courier New" panose="02070309020205020404" pitchFamily="49" charset="0"/>
+              </a:rPr>
+              <a:t>b = ‘‘‘Hello!</a:t>
+            </a:r>
+          </a:p>
+          <a:p>
+            <a:pPr marL="76200" indent="0">
+              <a:buNone/>
+            </a:pPr>
+            <a:r>
+              <a:rPr lang="en-US" sz="1200" dirty="0">
+                <a:latin typeface="Consolas" panose="020B0609020204030204" pitchFamily="49" charset="0"/>
+                <a:cs typeface="Courier New" panose="02070309020205020404" pitchFamily="49" charset="0"/>
+              </a:rPr>
+              <a:t>How are you?’’’</a:t>
+            </a:r>
+          </a:p>
+          <a:p>
+            <a:pPr marL="76200" indent="0">
+              <a:buNone/>
+            </a:pPr>
+            <a:endParaRPr lang="en-US" sz="1200" dirty="0">
+              <a:latin typeface="Consolas" panose="020B0609020204030204" pitchFamily="49" charset="0"/>
+            </a:endParaRPr>
+          </a:p>
+          <a:p>
+            <a:pPr marL="76200" indent="0">
+              <a:buNone/>
+            </a:pPr>
+            <a:r>
+              <a:rPr lang="en-US" sz="1400" dirty="0"/>
+              <a:t>Operators</a:t>
+            </a:r>
+          </a:p>
+          <a:p>
+            <a:pPr marL="76200" indent="0">
+              <a:buNone/>
+            </a:pPr>
+            <a:r>
+              <a:rPr lang="en-US" sz="1200" dirty="0">
+                <a:latin typeface="Consolas" panose="020B0609020204030204" pitchFamily="49" charset="0"/>
+                <a:cs typeface="Courier New" panose="02070309020205020404" pitchFamily="49" charset="0"/>
+              </a:rPr>
+              <a:t>+  *</a:t>
+            </a:r>
+            <a:endParaRPr lang="fr-FR" sz="1200" dirty="0">
+              <a:latin typeface="Consolas" panose="020B0609020204030204" pitchFamily="49" charset="0"/>
+              <a:cs typeface="Courier New" panose="02070309020205020404" pitchFamily="49" charset="0"/>
+            </a:endParaRPr>
           </a:p>
         </p:txBody>
       </p:sp>
@@ -5317,7 +5385,7 @@
     </p:spTree>
     <p:extLst>
       <p:ext uri="{BB962C8B-B14F-4D97-AF65-F5344CB8AC3E}">
-        <p14:creationId xmlns:p14="http://schemas.microsoft.com/office/powerpoint/2010/main" val="4156460407"/>
+        <p14:creationId xmlns:p14="http://schemas.microsoft.com/office/powerpoint/2010/main" val="1231859589"/>
       </p:ext>
     </p:extLst>
   </p:cSld>
@@ -5384,7 +5452,7 @@
                   <a:schemeClr val="accent4"/>
                 </a:solidFill>
               </a:rPr>
-              <a:t>3</a:t>
+              <a:t>2</a:t>
             </a:r>
             <a:endParaRPr sz="6000" dirty="0">
               <a:solidFill>
@@ -5404,7 +5472,7 @@
             </a:pPr>
             <a:r>
               <a:rPr lang="en" dirty="0"/>
-              <a:t>Pandas</a:t>
+              <a:t>NumPy</a:t>
             </a:r>
             <a:endParaRPr dirty="0"/>
           </a:p>
@@ -5455,7 +5523,7 @@
     </p:spTree>
     <p:extLst>
       <p:ext uri="{BB962C8B-B14F-4D97-AF65-F5344CB8AC3E}">
-        <p14:creationId xmlns:p14="http://schemas.microsoft.com/office/powerpoint/2010/main" val="2729265455"/>
+        <p14:creationId xmlns:p14="http://schemas.microsoft.com/office/powerpoint/2010/main" val="1620004517"/>
       </p:ext>
     </p:extLst>
   </p:cSld>
@@ -5470,7 +5538,7 @@
   <p:cSld>
     <p:spTree>
       <p:nvGrpSpPr>
-        <p:cNvPr id="1" name="Shape 96"/>
+        <p:cNvPr id="1" name=""/>
         <p:cNvGrpSpPr/>
         <p:nvPr/>
       </p:nvGrpSpPr>
@@ -5484,95 +5552,97 @@
       </p:grpSpPr>
       <p:sp>
         <p:nvSpPr>
-          <p:cNvPr id="97" name="Google Shape;97;p15"/>
-          <p:cNvSpPr txBox="1">
+          <p:cNvPr id="2" name="Title 1">
+            <a:extLst>
+              <a:ext uri="{FF2B5EF4-FFF2-40B4-BE49-F238E27FC236}">
+                <a16:creationId xmlns:a16="http://schemas.microsoft.com/office/drawing/2014/main" id="{024AD384-5AD1-4435-A943-1241B2FACD62}"/>
+              </a:ext>
+            </a:extLst>
+          </p:cNvPr>
+          <p:cNvSpPr>
             <a:spLocks noGrp="1"/>
           </p:cNvSpPr>
           <p:nvPr>
-            <p:ph type="ctrTitle"/>
+            <p:ph type="title"/>
           </p:nvPr>
         </p:nvSpPr>
-        <p:spPr>
-          <a:xfrm>
-            <a:off x="1655700" y="1991850"/>
-            <a:ext cx="5832600" cy="1159800"/>
-          </a:xfrm>
-          <a:prstGeom prst="rect">
-            <a:avLst/>
-          </a:prstGeom>
-        </p:spPr>
+        <p:spPr/>
         <p:txBody>
-          <a:bodyPr spcFirstLastPara="1" wrap="square" lIns="91425" tIns="91425" rIns="91425" bIns="91425" anchor="ctr" anchorCtr="0">
-            <a:noAutofit/>
-          </a:bodyPr>
+          <a:bodyPr/>
           <a:lstStyle/>
           <a:p>
-            <a:pPr marL="0" lvl="0" indent="0" algn="ctr" rtl="0">
-              <a:spcBef>
-                <a:spcPts val="0"/>
-              </a:spcBef>
-              <a:spcAft>
-                <a:spcPts val="0"/>
-              </a:spcAft>
-              <a:buNone/>
-            </a:pPr>
             <a:r>
-              <a:rPr lang="en-US" sz="6000" dirty="0">
-                <a:solidFill>
-                  <a:schemeClr val="accent4"/>
-                </a:solidFill>
-              </a:rPr>
-              <a:t>4</a:t>
+              <a:rPr lang="en-US" dirty="0" err="1"/>
+              <a:t>Numpy</a:t>
             </a:r>
-            <a:endParaRPr sz="6000" dirty="0">
-              <a:solidFill>
-                <a:schemeClr val="accent4"/>
-              </a:solidFill>
-            </a:endParaRPr>
-          </a:p>
-          <a:p>
-            <a:pPr marL="0" lvl="0" indent="0" algn="ctr" rtl="0">
-              <a:spcBef>
-                <a:spcPts val="0"/>
-              </a:spcBef>
-              <a:spcAft>
-                <a:spcPts val="0"/>
-              </a:spcAft>
-              <a:buNone/>
-            </a:pPr>
             <a:r>
-              <a:rPr lang="en" dirty="0"/>
-              <a:t>Matplotlib</a:t>
+              <a:rPr lang="en-US" dirty="0"/>
+              <a:t> Introduction</a:t>
             </a:r>
-            <a:endParaRPr dirty="0"/>
+            <a:endParaRPr lang="fa-IR" dirty="0"/>
           </a:p>
         </p:txBody>
       </p:sp>
       <p:sp>
         <p:nvSpPr>
-          <p:cNvPr id="99" name="Google Shape;99;p15"/>
-          <p:cNvSpPr txBox="1">
+          <p:cNvPr id="3" name="Text Placeholder 2">
+            <a:extLst>
+              <a:ext uri="{FF2B5EF4-FFF2-40B4-BE49-F238E27FC236}">
+                <a16:creationId xmlns:a16="http://schemas.microsoft.com/office/drawing/2014/main" id="{58BE3078-8B89-4550-B497-93E4DADBD57E}"/>
+              </a:ext>
+            </a:extLst>
+          </p:cNvPr>
+          <p:cNvSpPr>
             <a:spLocks noGrp="1"/>
           </p:cNvSpPr>
           <p:nvPr>
-            <p:ph type="sldNum" idx="4294967295"/>
+            <p:ph type="body" idx="1"/>
           </p:nvPr>
         </p:nvSpPr>
         <p:spPr>
           <a:xfrm>
-            <a:off x="8404384" y="4749851"/>
-            <a:ext cx="548700" cy="393600"/>
+            <a:off x="786150" y="1142608"/>
+            <a:ext cx="7571700" cy="3626431"/>
           </a:xfrm>
-          <a:prstGeom prst="rect">
-            <a:avLst/>
-          </a:prstGeom>
         </p:spPr>
         <p:txBody>
-          <a:bodyPr spcFirstLastPara="1" wrap="square" lIns="91425" tIns="91425" rIns="91425" bIns="91425" anchor="t" anchorCtr="0">
-            <a:noAutofit/>
-          </a:bodyPr>
+          <a:bodyPr/>
           <a:lstStyle/>
           <a:p>
+            <a:r>
+              <a:rPr lang="en-US" sz="1800" dirty="0"/>
+              <a:t>NumPy is a Python library used for working with arrays.</a:t>
+            </a:r>
+          </a:p>
+          <a:p>
+            <a:r>
+              <a:rPr lang="en-US" sz="1800" dirty="0"/>
+              <a:t>NumPy is short for "Numerical Python".</a:t>
+            </a:r>
+          </a:p>
+        </p:txBody>
+      </p:sp>
+      <p:sp>
+        <p:nvSpPr>
+          <p:cNvPr id="4" name="Slide Number Placeholder 3">
+            <a:extLst>
+              <a:ext uri="{FF2B5EF4-FFF2-40B4-BE49-F238E27FC236}">
+                <a16:creationId xmlns:a16="http://schemas.microsoft.com/office/drawing/2014/main" id="{64987AE6-EC0E-43DD-9376-95A5602EE5E1}"/>
+              </a:ext>
+            </a:extLst>
+          </p:cNvPr>
+          <p:cNvSpPr>
+            <a:spLocks noGrp="1"/>
+          </p:cNvSpPr>
+          <p:nvPr>
+            <p:ph type="sldNum" idx="12"/>
+          </p:nvPr>
+        </p:nvSpPr>
+        <p:spPr/>
+        <p:txBody>
+          <a:bodyPr/>
+          <a:lstStyle/>
+          <a:p>
             <a:pPr marL="0" lvl="0" indent="0" algn="r" rtl="0">
               <a:spcBef>
                 <a:spcPts val="0"/>
@@ -5583,17 +5653,17 @@
               <a:buNone/>
             </a:pPr>
             <a:fld id="{00000000-1234-1234-1234-123412341234}" type="slidenum">
-              <a:rPr lang="en"/>
+              <a:rPr lang="en" smtClean="0"/>
               <a:t>12</a:t>
             </a:fld>
-            <a:endParaRPr/>
+            <a:endParaRPr lang="en"/>
           </a:p>
         </p:txBody>
       </p:sp>
     </p:spTree>
     <p:extLst>
       <p:ext uri="{BB962C8B-B14F-4D97-AF65-F5344CB8AC3E}">
-        <p14:creationId xmlns:p14="http://schemas.microsoft.com/office/powerpoint/2010/main" val="2458102878"/>
+        <p14:creationId xmlns:p14="http://schemas.microsoft.com/office/powerpoint/2010/main" val="4156460407"/>
       </p:ext>
     </p:extLst>
   </p:cSld>
@@ -5660,7 +5730,7 @@
                   <a:schemeClr val="accent4"/>
                 </a:solidFill>
               </a:rPr>
-              <a:t>5</a:t>
+              <a:t>3</a:t>
             </a:r>
             <a:endParaRPr sz="6000" dirty="0">
               <a:solidFill>
@@ -5669,13 +5739,18 @@
             </a:endParaRPr>
           </a:p>
           <a:p>
+            <a:pPr marL="0" lvl="0" indent="0" algn="ctr" rtl="0">
+              <a:spcBef>
+                <a:spcPts val="0"/>
+              </a:spcBef>
+              <a:spcAft>
+                <a:spcPts val="0"/>
+              </a:spcAft>
+              <a:buNone/>
+            </a:pPr>
             <a:r>
-              <a:rPr lang="en-US" dirty="0"/>
-              <a:t>S</a:t>
-            </a:r>
-            <a:r>
-              <a:rPr lang="en-US" b="1" dirty="0"/>
-              <a:t>cikit-learn</a:t>
+              <a:rPr lang="en" dirty="0"/>
+              <a:t>Pandas</a:t>
             </a:r>
             <a:endParaRPr dirty="0"/>
           </a:p>
@@ -5726,7 +5801,7 @@
     </p:spTree>
     <p:extLst>
       <p:ext uri="{BB962C8B-B14F-4D97-AF65-F5344CB8AC3E}">
-        <p14:creationId xmlns:p14="http://schemas.microsoft.com/office/powerpoint/2010/main" val="3753200419"/>
+        <p14:creationId xmlns:p14="http://schemas.microsoft.com/office/powerpoint/2010/main" val="2729265455"/>
       </p:ext>
     </p:extLst>
   </p:cSld>
@@ -5793,7 +5868,7 @@
                   <a:schemeClr val="accent4"/>
                 </a:solidFill>
               </a:rPr>
-              <a:t>6</a:t>
+              <a:t>4</a:t>
             </a:r>
             <a:endParaRPr sz="6000" dirty="0">
               <a:solidFill>
@@ -5802,11 +5877,18 @@
             </a:endParaRPr>
           </a:p>
           <a:p>
+            <a:pPr marL="0" lvl="0" indent="0" algn="ctr" rtl="0">
+              <a:spcBef>
+                <a:spcPts val="0"/>
+              </a:spcBef>
+              <a:spcAft>
+                <a:spcPts val="0"/>
+              </a:spcAft>
+              <a:buNone/>
+            </a:pPr>
             <a:r>
-              <a:rPr lang="en-US" dirty="0">
-                <a:effectLst/>
-              </a:rPr>
-              <a:t>Web Scraping</a:t>
+              <a:rPr lang="en" dirty="0"/>
+              <a:t>Matplotlib</a:t>
             </a:r>
             <a:endParaRPr dirty="0"/>
           </a:p>
@@ -5857,6 +5939,270 @@
     </p:spTree>
     <p:extLst>
       <p:ext uri="{BB962C8B-B14F-4D97-AF65-F5344CB8AC3E}">
+        <p14:creationId xmlns:p14="http://schemas.microsoft.com/office/powerpoint/2010/main" val="2458102878"/>
+      </p:ext>
+    </p:extLst>
+  </p:cSld>
+  <p:clrMapOvr>
+    <a:masterClrMapping/>
+  </p:clrMapOvr>
+</p:sld>
+</file>
+
+<file path=ppt/slides/slide15.xml><?xml version="1.0" encoding="utf-8"?>
+<p:sld xmlns:a="http://schemas.openxmlformats.org/drawingml/2006/main" xmlns:r="http://schemas.openxmlformats.org/officeDocument/2006/relationships" xmlns:p="http://schemas.openxmlformats.org/presentationml/2006/main">
+  <p:cSld>
+    <p:spTree>
+      <p:nvGrpSpPr>
+        <p:cNvPr id="1" name="Shape 96"/>
+        <p:cNvGrpSpPr/>
+        <p:nvPr/>
+      </p:nvGrpSpPr>
+      <p:grpSpPr>
+        <a:xfrm>
+          <a:off x="0" y="0"/>
+          <a:ext cx="0" cy="0"/>
+          <a:chOff x="0" y="0"/>
+          <a:chExt cx="0" cy="0"/>
+        </a:xfrm>
+      </p:grpSpPr>
+      <p:sp>
+        <p:nvSpPr>
+          <p:cNvPr id="97" name="Google Shape;97;p15"/>
+          <p:cNvSpPr txBox="1">
+            <a:spLocks noGrp="1"/>
+          </p:cNvSpPr>
+          <p:nvPr>
+            <p:ph type="ctrTitle"/>
+          </p:nvPr>
+        </p:nvSpPr>
+        <p:spPr>
+          <a:xfrm>
+            <a:off x="1655700" y="1991850"/>
+            <a:ext cx="5832600" cy="1159800"/>
+          </a:xfrm>
+          <a:prstGeom prst="rect">
+            <a:avLst/>
+          </a:prstGeom>
+        </p:spPr>
+        <p:txBody>
+          <a:bodyPr spcFirstLastPara="1" wrap="square" lIns="91425" tIns="91425" rIns="91425" bIns="91425" anchor="ctr" anchorCtr="0">
+            <a:noAutofit/>
+          </a:bodyPr>
+          <a:lstStyle/>
+          <a:p>
+            <a:pPr marL="0" lvl="0" indent="0" algn="ctr" rtl="0">
+              <a:spcBef>
+                <a:spcPts val="0"/>
+              </a:spcBef>
+              <a:spcAft>
+                <a:spcPts val="0"/>
+              </a:spcAft>
+              <a:buNone/>
+            </a:pPr>
+            <a:r>
+              <a:rPr lang="en-US" sz="6000" dirty="0">
+                <a:solidFill>
+                  <a:schemeClr val="accent4"/>
+                </a:solidFill>
+              </a:rPr>
+              <a:t>5</a:t>
+            </a:r>
+            <a:endParaRPr sz="6000" dirty="0">
+              <a:solidFill>
+                <a:schemeClr val="accent4"/>
+              </a:solidFill>
+            </a:endParaRPr>
+          </a:p>
+          <a:p>
+            <a:r>
+              <a:rPr lang="en-US" dirty="0"/>
+              <a:t>S</a:t>
+            </a:r>
+            <a:r>
+              <a:rPr lang="en-US" b="1" dirty="0"/>
+              <a:t>cikit-learn</a:t>
+            </a:r>
+            <a:endParaRPr dirty="0"/>
+          </a:p>
+        </p:txBody>
+      </p:sp>
+      <p:sp>
+        <p:nvSpPr>
+          <p:cNvPr id="99" name="Google Shape;99;p15"/>
+          <p:cNvSpPr txBox="1">
+            <a:spLocks noGrp="1"/>
+          </p:cNvSpPr>
+          <p:nvPr>
+            <p:ph type="sldNum" idx="4294967295"/>
+          </p:nvPr>
+        </p:nvSpPr>
+        <p:spPr>
+          <a:xfrm>
+            <a:off x="8404384" y="4749851"/>
+            <a:ext cx="548700" cy="393600"/>
+          </a:xfrm>
+          <a:prstGeom prst="rect">
+            <a:avLst/>
+          </a:prstGeom>
+        </p:spPr>
+        <p:txBody>
+          <a:bodyPr spcFirstLastPara="1" wrap="square" lIns="91425" tIns="91425" rIns="91425" bIns="91425" anchor="t" anchorCtr="0">
+            <a:noAutofit/>
+          </a:bodyPr>
+          <a:lstStyle/>
+          <a:p>
+            <a:pPr marL="0" lvl="0" indent="0" algn="r" rtl="0">
+              <a:spcBef>
+                <a:spcPts val="0"/>
+              </a:spcBef>
+              <a:spcAft>
+                <a:spcPts val="0"/>
+              </a:spcAft>
+              <a:buNone/>
+            </a:pPr>
+            <a:fld id="{00000000-1234-1234-1234-123412341234}" type="slidenum">
+              <a:rPr lang="en"/>
+              <a:t>15</a:t>
+            </a:fld>
+            <a:endParaRPr/>
+          </a:p>
+        </p:txBody>
+      </p:sp>
+    </p:spTree>
+    <p:extLst>
+      <p:ext uri="{BB962C8B-B14F-4D97-AF65-F5344CB8AC3E}">
+        <p14:creationId xmlns:p14="http://schemas.microsoft.com/office/powerpoint/2010/main" val="3753200419"/>
+      </p:ext>
+    </p:extLst>
+  </p:cSld>
+  <p:clrMapOvr>
+    <a:masterClrMapping/>
+  </p:clrMapOvr>
+</p:sld>
+</file>
+
+<file path=ppt/slides/slide16.xml><?xml version="1.0" encoding="utf-8"?>
+<p:sld xmlns:a="http://schemas.openxmlformats.org/drawingml/2006/main" xmlns:r="http://schemas.openxmlformats.org/officeDocument/2006/relationships" xmlns:p="http://schemas.openxmlformats.org/presentationml/2006/main">
+  <p:cSld>
+    <p:spTree>
+      <p:nvGrpSpPr>
+        <p:cNvPr id="1" name="Shape 96"/>
+        <p:cNvGrpSpPr/>
+        <p:nvPr/>
+      </p:nvGrpSpPr>
+      <p:grpSpPr>
+        <a:xfrm>
+          <a:off x="0" y="0"/>
+          <a:ext cx="0" cy="0"/>
+          <a:chOff x="0" y="0"/>
+          <a:chExt cx="0" cy="0"/>
+        </a:xfrm>
+      </p:grpSpPr>
+      <p:sp>
+        <p:nvSpPr>
+          <p:cNvPr id="97" name="Google Shape;97;p15"/>
+          <p:cNvSpPr txBox="1">
+            <a:spLocks noGrp="1"/>
+          </p:cNvSpPr>
+          <p:nvPr>
+            <p:ph type="ctrTitle"/>
+          </p:nvPr>
+        </p:nvSpPr>
+        <p:spPr>
+          <a:xfrm>
+            <a:off x="1655700" y="1991850"/>
+            <a:ext cx="5832600" cy="1159800"/>
+          </a:xfrm>
+          <a:prstGeom prst="rect">
+            <a:avLst/>
+          </a:prstGeom>
+        </p:spPr>
+        <p:txBody>
+          <a:bodyPr spcFirstLastPara="1" wrap="square" lIns="91425" tIns="91425" rIns="91425" bIns="91425" anchor="ctr" anchorCtr="0">
+            <a:noAutofit/>
+          </a:bodyPr>
+          <a:lstStyle/>
+          <a:p>
+            <a:pPr marL="0" lvl="0" indent="0" algn="ctr" rtl="0">
+              <a:spcBef>
+                <a:spcPts val="0"/>
+              </a:spcBef>
+              <a:spcAft>
+                <a:spcPts val="0"/>
+              </a:spcAft>
+              <a:buNone/>
+            </a:pPr>
+            <a:r>
+              <a:rPr lang="en-US" sz="6000" dirty="0">
+                <a:solidFill>
+                  <a:schemeClr val="accent4"/>
+                </a:solidFill>
+              </a:rPr>
+              <a:t>6</a:t>
+            </a:r>
+            <a:endParaRPr sz="6000" dirty="0">
+              <a:solidFill>
+                <a:schemeClr val="accent4"/>
+              </a:solidFill>
+            </a:endParaRPr>
+          </a:p>
+          <a:p>
+            <a:r>
+              <a:rPr lang="en-US" dirty="0">
+                <a:effectLst/>
+              </a:rPr>
+              <a:t>Web Scraping</a:t>
+            </a:r>
+            <a:endParaRPr dirty="0"/>
+          </a:p>
+        </p:txBody>
+      </p:sp>
+      <p:sp>
+        <p:nvSpPr>
+          <p:cNvPr id="99" name="Google Shape;99;p15"/>
+          <p:cNvSpPr txBox="1">
+            <a:spLocks noGrp="1"/>
+          </p:cNvSpPr>
+          <p:nvPr>
+            <p:ph type="sldNum" idx="4294967295"/>
+          </p:nvPr>
+        </p:nvSpPr>
+        <p:spPr>
+          <a:xfrm>
+            <a:off x="8404384" y="4749851"/>
+            <a:ext cx="548700" cy="393600"/>
+          </a:xfrm>
+          <a:prstGeom prst="rect">
+            <a:avLst/>
+          </a:prstGeom>
+        </p:spPr>
+        <p:txBody>
+          <a:bodyPr spcFirstLastPara="1" wrap="square" lIns="91425" tIns="91425" rIns="91425" bIns="91425" anchor="t" anchorCtr="0">
+            <a:noAutofit/>
+          </a:bodyPr>
+          <a:lstStyle/>
+          <a:p>
+            <a:pPr marL="0" lvl="0" indent="0" algn="r" rtl="0">
+              <a:spcBef>
+                <a:spcPts val="0"/>
+              </a:spcBef>
+              <a:spcAft>
+                <a:spcPts val="0"/>
+              </a:spcAft>
+              <a:buNone/>
+            </a:pPr>
+            <a:fld id="{00000000-1234-1234-1234-123412341234}" type="slidenum">
+              <a:rPr lang="en"/>
+              <a:t>16</a:t>
+            </a:fld>
+            <a:endParaRPr/>
+          </a:p>
+        </p:txBody>
+      </p:sp>
+    </p:spTree>
+    <p:extLst>
+      <p:ext uri="{BB962C8B-B14F-4D97-AF65-F5344CB8AC3E}">
         <p14:creationId xmlns:p14="http://schemas.microsoft.com/office/powerpoint/2010/main" val="3538335587"/>
       </p:ext>
     </p:extLst>
@@ -5867,7 +6213,7 @@
 </p:sld>
 </file>
 
-<file path=ppt/slides/slide15.xml><?xml version="1.0" encoding="utf-8"?>
+<file path=ppt/slides/slide17.xml><?xml version="1.0" encoding="utf-8"?>
 <p:sld xmlns:a="http://schemas.openxmlformats.org/drawingml/2006/main" xmlns:r="http://schemas.openxmlformats.org/officeDocument/2006/relationships" xmlns:p="http://schemas.openxmlformats.org/presentationml/2006/main">
   <p:cSld>
     <p:spTree>
@@ -6035,7 +6381,7 @@
             </a:pPr>
             <a:fld id="{00000000-1234-1234-1234-123412341234}" type="slidenum">
               <a:rPr lang="en"/>
-              <a:t>15</a:t>
+              <a:t>17</a:t>
             </a:fld>
             <a:endParaRPr/>
           </a:p>
@@ -6049,7 +6395,7 @@
 </p:sld>
 </file>
 
-<file path=ppt/slides/slide16.xml><?xml version="1.0" encoding="utf-8"?>
+<file path=ppt/slides/slide18.xml><?xml version="1.0" encoding="utf-8"?>
 <p:sld xmlns:a="http://schemas.openxmlformats.org/drawingml/2006/main" xmlns:r="http://schemas.openxmlformats.org/officeDocument/2006/relationships" xmlns:p="http://schemas.openxmlformats.org/presentationml/2006/main">
   <p:cSld>
     <p:spTree>
@@ -6186,7 +6532,7 @@
             </a:pPr>
             <a:fld id="{00000000-1234-1234-1234-123412341234}" type="slidenum">
               <a:rPr lang="en"/>
-              <a:t>16</a:t>
+              <a:t>18</a:t>
             </a:fld>
             <a:endParaRPr/>
           </a:p>
@@ -6397,8 +6743,8 @@
         </p:nvSpPr>
         <p:spPr>
           <a:xfrm>
-            <a:off x="786150" y="1142608"/>
-            <a:ext cx="7571700" cy="3626431"/>
+            <a:off x="786149" y="1142608"/>
+            <a:ext cx="4406635" cy="3626431"/>
           </a:xfrm>
         </p:spPr>
         <p:txBody>
@@ -6487,6 +6833,67 @@
           </a:p>
         </p:txBody>
       </p:sp>
+      <p:pic>
+        <p:nvPicPr>
+          <p:cNvPr id="6" name="Picture 5">
+            <a:extLst>
+              <a:ext uri="{FF2B5EF4-FFF2-40B4-BE49-F238E27FC236}">
+                <a16:creationId xmlns:a16="http://schemas.microsoft.com/office/drawing/2014/main" id="{683F14F1-B97C-4890-9C42-653B2D0F5155}"/>
+              </a:ext>
+            </a:extLst>
+          </p:cNvPr>
+          <p:cNvPicPr>
+            <a:picLocks noChangeAspect="1"/>
+          </p:cNvPicPr>
+          <p:nvPr/>
+        </p:nvPicPr>
+        <p:blipFill>
+          <a:blip r:embed="rId2">
+            <a:extLst>
+              <a:ext uri="{BEBA8EAE-BF5A-486C-A8C5-ECC9F3942E4B}">
+                <a14:imgProps xmlns:a14="http://schemas.microsoft.com/office/drawing/2010/main">
+                  <a14:imgLayer r:embed="rId3">
+                    <a14:imgEffect>
+                      <a14:backgroundRemoval t="278" b="99815" l="2148" r="92148">
+                        <a14:foregroundMark x1="43556" y1="82963" x2="26000" y2="83981"/>
+                        <a14:foregroundMark x1="26000" y1="83981" x2="9630" y2="96111"/>
+                        <a14:foregroundMark x1="9630" y1="96111" x2="50815" y2="84630"/>
+                        <a14:foregroundMark x1="50815" y1="84630" x2="71852" y2="85648"/>
+                        <a14:foregroundMark x1="71852" y1="85648" x2="89630" y2="85463"/>
+                        <a14:foregroundMark x1="89630" y1="85463" x2="69185" y2="97593"/>
+                        <a14:foregroundMark x1="69185" y1="97593" x2="47111" y2="95278"/>
+                        <a14:foregroundMark x1="47111" y1="95278" x2="42370" y2="98981"/>
+                        <a14:foregroundMark x1="92444" y1="90093" x2="89407" y2="83148"/>
+                        <a14:foregroundMark x1="7556" y1="82315" x2="6593" y2="99630"/>
+                        <a14:foregroundMark x1="4074" y1="96667" x2="2296" y2="99815"/>
+                        <a14:foregroundMark x1="36222" y1="95556" x2="21630" y2="99444"/>
+                        <a14:foregroundMark x1="36370" y1="97037" x2="35407" y2="99167"/>
+                        <a14:foregroundMark x1="37111" y1="96296" x2="40815" y2="97870"/>
+                        <a14:foregroundMark x1="42444" y1="99444" x2="35778" y2="99444"/>
+                        <a14:foregroundMark x1="32741" y1="13148" x2="52889" y2="9167"/>
+                        <a14:foregroundMark x1="52889" y1="9167" x2="44444" y2="9722"/>
+                        <a14:foregroundMark x1="68074" y1="11204" x2="62222" y2="278"/>
+                      </a14:backgroundRemoval>
+                    </a14:imgEffect>
+                  </a14:imgLayer>
+                </a14:imgProps>
+              </a:ext>
+            </a:extLst>
+          </a:blip>
+          <a:stretch>
+            <a:fillRect/>
+          </a:stretch>
+        </p:blipFill>
+        <p:spPr>
+          <a:xfrm>
+            <a:off x="5602662" y="1853748"/>
+            <a:ext cx="2755188" cy="2204150"/>
+          </a:xfrm>
+          <a:prstGeom prst="rect">
+            <a:avLst/>
+          </a:prstGeom>
+        </p:spPr>
+      </p:pic>
     </p:spTree>
     <p:extLst>
       <p:ext uri="{BB962C8B-B14F-4D97-AF65-F5344CB8AC3E}">
@@ -6925,7 +7332,7 @@
             </a:pPr>
             <a:r>
               <a:rPr lang="en-US" sz="1400" dirty="0"/>
-              <a:t>Variables: </a:t>
+              <a:t>Variables</a:t>
             </a:r>
           </a:p>
           <a:p>
@@ -6967,7 +7374,7 @@
             </a:pPr>
             <a:r>
               <a:rPr lang="en-US" sz="1400" dirty="0"/>
-              <a:t>Comments: </a:t>
+              <a:t>Comments</a:t>
             </a:r>
           </a:p>
           <a:p>
@@ -6997,7 +7404,7 @@
             </a:pPr>
             <a:r>
               <a:rPr lang="en-US" sz="1400" dirty="0"/>
-              <a:t>Indentation: </a:t>
+              <a:t>Indentation</a:t>
             </a:r>
           </a:p>
           <a:p>
@@ -7158,7 +7565,7 @@
             </a:pPr>
             <a:r>
               <a:rPr lang="en-US" sz="1400" dirty="0"/>
-              <a:t>Containers for storing data values: </a:t>
+              <a:t>Containers for storing data values</a:t>
             </a:r>
           </a:p>
           <a:p>
@@ -7212,7 +7619,7 @@
             </a:pPr>
             <a:r>
               <a:rPr lang="en-US" sz="1400" dirty="0"/>
-              <a:t>Casting:</a:t>
+              <a:t>Casting</a:t>
             </a:r>
           </a:p>
           <a:p>
@@ -7385,7 +7792,19 @@
             </a:pPr>
             <a:r>
               <a:rPr lang="en-US" sz="1400" dirty="0"/>
-              <a:t>Get the type:</a:t>
+              <a:t>Get the type</a:t>
+            </a:r>
+          </a:p>
+          <a:p>
+            <a:pPr marL="76200" indent="0">
+              <a:buNone/>
+            </a:pPr>
+            <a:r>
+              <a:rPr lang="fr-FR" sz="1200" dirty="0">
+                <a:latin typeface="Consolas" panose="020B0609020204030204" pitchFamily="49" charset="0"/>
+                <a:cs typeface="Courier New" panose="02070309020205020404" pitchFamily="49" charset="0"/>
+              </a:rPr>
+              <a:t>X = -5j</a:t>
             </a:r>
           </a:p>
           <a:p>
@@ -7414,7 +7833,7 @@
             </a:pPr>
             <a:r>
               <a:rPr lang="en-US" sz="1400" dirty="0"/>
-              <a:t>Assign multiple values: </a:t>
+              <a:t>Assign multiple values</a:t>
             </a:r>
           </a:p>
           <a:p>
@@ -7444,7 +7863,7 @@
             </a:pPr>
             <a:r>
               <a:rPr lang="en-US" sz="1400" dirty="0"/>
-              <a:t>One value to multiple variables:</a:t>
+              <a:t>One value to multiple variables</a:t>
             </a:r>
           </a:p>
           <a:p>
@@ -7458,15 +7877,6 @@
               </a:rPr>
               <a:t>x = y = z = ‘Orange’ </a:t>
             </a:r>
-          </a:p>
-          <a:p>
-            <a:pPr marL="76200" indent="0">
-              <a:buNone/>
-            </a:pPr>
-            <a:endParaRPr lang="fr-FR" sz="1200" dirty="0">
-              <a:latin typeface="Consolas" panose="020B0609020204030204" pitchFamily="49" charset="0"/>
-              <a:cs typeface="Courier New" panose="02070309020205020404" pitchFamily="49" charset="0"/>
-            </a:endParaRPr>
           </a:p>
         </p:txBody>
       </p:sp>
@@ -7526,7 +7936,7 @@
   <p:cSld>
     <p:spTree>
       <p:nvGrpSpPr>
-        <p:cNvPr id="1" name="Shape 96"/>
+        <p:cNvPr id="1" name=""/>
         <p:cNvGrpSpPr/>
         <p:nvPr/>
       </p:nvGrpSpPr>
@@ -7540,95 +7950,163 @@
       </p:grpSpPr>
       <p:sp>
         <p:nvSpPr>
-          <p:cNvPr id="97" name="Google Shape;97;p15"/>
-          <p:cNvSpPr txBox="1">
+          <p:cNvPr id="2" name="Title 1">
+            <a:extLst>
+              <a:ext uri="{FF2B5EF4-FFF2-40B4-BE49-F238E27FC236}">
+                <a16:creationId xmlns:a16="http://schemas.microsoft.com/office/drawing/2014/main" id="{024AD384-5AD1-4435-A943-1241B2FACD62}"/>
+              </a:ext>
+            </a:extLst>
+          </p:cNvPr>
+          <p:cNvSpPr>
             <a:spLocks noGrp="1"/>
           </p:cNvSpPr>
           <p:nvPr>
-            <p:ph type="ctrTitle"/>
+            <p:ph type="title"/>
           </p:nvPr>
         </p:nvSpPr>
-        <p:spPr>
-          <a:xfrm>
-            <a:off x="1655700" y="1991850"/>
-            <a:ext cx="5832600" cy="1159800"/>
-          </a:xfrm>
-          <a:prstGeom prst="rect">
-            <a:avLst/>
-          </a:prstGeom>
-        </p:spPr>
+        <p:spPr/>
         <p:txBody>
-          <a:bodyPr spcFirstLastPara="1" wrap="square" lIns="91425" tIns="91425" rIns="91425" bIns="91425" anchor="ctr" anchorCtr="0">
-            <a:noAutofit/>
-          </a:bodyPr>
+          <a:bodyPr/>
           <a:lstStyle/>
           <a:p>
-            <a:pPr marL="0" lvl="0" indent="0" algn="ctr" rtl="0">
-              <a:spcBef>
-                <a:spcPts val="0"/>
-              </a:spcBef>
-              <a:spcAft>
-                <a:spcPts val="0"/>
-              </a:spcAft>
-              <a:buNone/>
-            </a:pPr>
             <a:r>
-              <a:rPr lang="en-US" sz="6000" dirty="0">
-                <a:solidFill>
-                  <a:schemeClr val="accent4"/>
-                </a:solidFill>
-              </a:rPr>
-              <a:t>2</a:t>
+              <a:rPr lang="en-US" dirty="0"/>
+              <a:t>Python </a:t>
             </a:r>
-            <a:endParaRPr sz="6000" dirty="0">
-              <a:solidFill>
-                <a:schemeClr val="accent4"/>
-              </a:solidFill>
-            </a:endParaRPr>
-          </a:p>
-          <a:p>
-            <a:pPr marL="0" lvl="0" indent="0" algn="ctr" rtl="0">
-              <a:spcBef>
-                <a:spcPts val="0"/>
-              </a:spcBef>
-              <a:spcAft>
-                <a:spcPts val="0"/>
-              </a:spcAft>
-              <a:buNone/>
-            </a:pPr>
             <a:r>
-              <a:rPr lang="en" dirty="0"/>
-              <a:t>NumPy</a:t>
+              <a:rPr lang="en-US" sz="2400" dirty="0"/>
+              <a:t>Numbers</a:t>
             </a:r>
-            <a:endParaRPr dirty="0"/>
+            <a:endParaRPr lang="fa-IR" dirty="0"/>
           </a:p>
         </p:txBody>
       </p:sp>
       <p:sp>
         <p:nvSpPr>
-          <p:cNvPr id="99" name="Google Shape;99;p15"/>
-          <p:cNvSpPr txBox="1">
+          <p:cNvPr id="3" name="Text Placeholder 2">
+            <a:extLst>
+              <a:ext uri="{FF2B5EF4-FFF2-40B4-BE49-F238E27FC236}">
+                <a16:creationId xmlns:a16="http://schemas.microsoft.com/office/drawing/2014/main" id="{58BE3078-8B89-4550-B497-93E4DADBD57E}"/>
+              </a:ext>
+            </a:extLst>
+          </p:cNvPr>
+          <p:cNvSpPr>
             <a:spLocks noGrp="1"/>
           </p:cNvSpPr>
           <p:nvPr>
-            <p:ph type="sldNum" idx="4294967295"/>
+            <p:ph type="body" idx="1"/>
           </p:nvPr>
         </p:nvSpPr>
         <p:spPr>
           <a:xfrm>
-            <a:off x="8404384" y="4749851"/>
-            <a:ext cx="548700" cy="393600"/>
+            <a:off x="786150" y="1142608"/>
+            <a:ext cx="7571700" cy="3626431"/>
           </a:xfrm>
-          <a:prstGeom prst="rect">
-            <a:avLst/>
-          </a:prstGeom>
         </p:spPr>
         <p:txBody>
-          <a:bodyPr spcFirstLastPara="1" wrap="square" lIns="91425" tIns="91425" rIns="91425" bIns="91425" anchor="t" anchorCtr="0">
-            <a:noAutofit/>
-          </a:bodyPr>
+          <a:bodyPr/>
           <a:lstStyle/>
           <a:p>
+            <a:pPr marL="76200" indent="0">
+              <a:buNone/>
+            </a:pPr>
+            <a:r>
+              <a:rPr lang="en-US" sz="1400" dirty="0"/>
+              <a:t>Three numeric types</a:t>
+            </a:r>
+          </a:p>
+          <a:p>
+            <a:pPr marL="76200" indent="0">
+              <a:buNone/>
+            </a:pPr>
+            <a:r>
+              <a:rPr lang="en-US" sz="1200" dirty="0">
+                <a:latin typeface="Consolas" panose="020B0609020204030204" pitchFamily="49" charset="0"/>
+                <a:cs typeface="Courier New" panose="02070309020205020404" pitchFamily="49" charset="0"/>
+              </a:rPr>
+              <a:t>a = 1    # int</a:t>
+            </a:r>
+          </a:p>
+          <a:p>
+            <a:pPr marL="76200" indent="0">
+              <a:buNone/>
+            </a:pPr>
+            <a:r>
+              <a:rPr lang="en-US" sz="1200" dirty="0">
+                <a:latin typeface="Consolas" panose="020B0609020204030204" pitchFamily="49" charset="0"/>
+                <a:cs typeface="Courier New" panose="02070309020205020404" pitchFamily="49" charset="0"/>
+              </a:rPr>
+              <a:t>b = 2.8  # float</a:t>
+            </a:r>
+          </a:p>
+          <a:p>
+            <a:pPr marL="76200" indent="0">
+              <a:buNone/>
+            </a:pPr>
+            <a:r>
+              <a:rPr lang="en-US" sz="1200" dirty="0">
+                <a:latin typeface="Consolas" panose="020B0609020204030204" pitchFamily="49" charset="0"/>
+                <a:cs typeface="Courier New" panose="02070309020205020404" pitchFamily="49" charset="0"/>
+              </a:rPr>
+              <a:t>c = 1j   # complex</a:t>
+            </a:r>
+          </a:p>
+          <a:p>
+            <a:pPr marL="76200" indent="0">
+              <a:buNone/>
+            </a:pPr>
+            <a:endParaRPr lang="en-US" sz="1200" dirty="0">
+              <a:latin typeface="Consolas" panose="020B0609020204030204" pitchFamily="49" charset="0"/>
+            </a:endParaRPr>
+          </a:p>
+          <a:p>
+            <a:pPr marL="76200" indent="0">
+              <a:buNone/>
+            </a:pPr>
+            <a:r>
+              <a:rPr lang="en-US" sz="1400" dirty="0"/>
+              <a:t>Operators</a:t>
+            </a:r>
+          </a:p>
+          <a:p>
+            <a:pPr marL="76200" indent="0">
+              <a:buNone/>
+            </a:pPr>
+            <a:r>
+              <a:rPr lang="en-US" sz="1200" dirty="0">
+                <a:latin typeface="Consolas" panose="020B0609020204030204" pitchFamily="49" charset="0"/>
+                <a:cs typeface="Courier New" panose="02070309020205020404" pitchFamily="49" charset="0"/>
+              </a:rPr>
+              <a:t>+  -  *  /  %  **  //</a:t>
+            </a:r>
+            <a:endParaRPr lang="fr-FR" sz="1200" dirty="0">
+              <a:latin typeface="Consolas" panose="020B0609020204030204" pitchFamily="49" charset="0"/>
+              <a:cs typeface="Courier New" panose="02070309020205020404" pitchFamily="49" charset="0"/>
+            </a:endParaRPr>
+          </a:p>
+        </p:txBody>
+      </p:sp>
+      <p:sp>
+        <p:nvSpPr>
+          <p:cNvPr id="4" name="Slide Number Placeholder 3">
+            <a:extLst>
+              <a:ext uri="{FF2B5EF4-FFF2-40B4-BE49-F238E27FC236}">
+                <a16:creationId xmlns:a16="http://schemas.microsoft.com/office/drawing/2014/main" id="{64987AE6-EC0E-43DD-9376-95A5602EE5E1}"/>
+              </a:ext>
+            </a:extLst>
+          </p:cNvPr>
+          <p:cNvSpPr>
+            <a:spLocks noGrp="1"/>
+          </p:cNvSpPr>
+          <p:nvPr>
+            <p:ph type="sldNum" idx="12"/>
+          </p:nvPr>
+        </p:nvSpPr>
+        <p:spPr/>
+        <p:txBody>
+          <a:bodyPr/>
+          <a:lstStyle/>
+          <a:p>
             <a:pPr marL="0" lvl="0" indent="0" algn="r" rtl="0">
               <a:spcBef>
                 <a:spcPts val="0"/>
@@ -7639,17 +8117,17 @@
               <a:buNone/>
             </a:pPr>
             <a:fld id="{00000000-1234-1234-1234-123412341234}" type="slidenum">
-              <a:rPr lang="en"/>
+              <a:rPr lang="en" smtClean="0"/>
               <a:t>9</a:t>
             </a:fld>
-            <a:endParaRPr/>
+            <a:endParaRPr lang="en"/>
           </a:p>
         </p:txBody>
       </p:sp>
     </p:spTree>
     <p:extLst>
       <p:ext uri="{BB962C8B-B14F-4D97-AF65-F5344CB8AC3E}">
-        <p14:creationId xmlns:p14="http://schemas.microsoft.com/office/powerpoint/2010/main" val="1620004517"/>
+        <p14:creationId xmlns:p14="http://schemas.microsoft.com/office/powerpoint/2010/main" val="974935998"/>
       </p:ext>
     </p:extLst>
   </p:cSld>

--- a/Python.pptx
+++ b/Python.pptx
@@ -5,10 +5,10 @@
     <p:sldMasterId id="2147483658" r:id="rId1"/>
   </p:sldMasterIdLst>
   <p:notesMasterIdLst>
-    <p:notesMasterId r:id="rId20"/>
+    <p:notesMasterId r:id="rId21"/>
   </p:notesMasterIdLst>
   <p:handoutMasterIdLst>
-    <p:handoutMasterId r:id="rId21"/>
+    <p:handoutMasterId r:id="rId22"/>
   </p:handoutMasterIdLst>
   <p:sldIdLst>
     <p:sldId id="256" r:id="rId2"/>
@@ -21,43 +21,44 @@
     <p:sldId id="293" r:id="rId9"/>
     <p:sldId id="294" r:id="rId10"/>
     <p:sldId id="295" r:id="rId11"/>
-    <p:sldId id="281" r:id="rId12"/>
-    <p:sldId id="289" r:id="rId13"/>
-    <p:sldId id="282" r:id="rId14"/>
-    <p:sldId id="283" r:id="rId15"/>
-    <p:sldId id="286" r:id="rId16"/>
-    <p:sldId id="287" r:id="rId17"/>
-    <p:sldId id="280" r:id="rId18"/>
-    <p:sldId id="271" r:id="rId19"/>
+    <p:sldId id="296" r:id="rId12"/>
+    <p:sldId id="281" r:id="rId13"/>
+    <p:sldId id="289" r:id="rId14"/>
+    <p:sldId id="282" r:id="rId15"/>
+    <p:sldId id="283" r:id="rId16"/>
+    <p:sldId id="286" r:id="rId17"/>
+    <p:sldId id="287" r:id="rId18"/>
+    <p:sldId id="280" r:id="rId19"/>
+    <p:sldId id="271" r:id="rId20"/>
   </p:sldIdLst>
   <p:sldSz cx="9144000" cy="5143500" type="screen16x9"/>
   <p:notesSz cx="6858000" cy="9144000"/>
   <p:embeddedFontLst>
     <p:embeddedFont>
       <p:font typeface="Consolas" panose="020B0609020204030204" pitchFamily="49" charset="0"/>
-      <p:regular r:id="rId22"/>
-      <p:bold r:id="rId23"/>
-      <p:italic r:id="rId24"/>
-      <p:boldItalic r:id="rId25"/>
+      <p:regular r:id="rId23"/>
+      <p:bold r:id="rId24"/>
+      <p:italic r:id="rId25"/>
+      <p:boldItalic r:id="rId26"/>
     </p:embeddedFont>
     <p:embeddedFont>
       <p:font typeface="Roboto Slab" panose="020B0604020202020204" charset="0"/>
-      <p:regular r:id="rId26"/>
-      <p:bold r:id="rId27"/>
+      <p:regular r:id="rId27"/>
+      <p:bold r:id="rId28"/>
     </p:embeddedFont>
     <p:embeddedFont>
       <p:font typeface="Source Sans Pro" panose="020B0503030403020204" pitchFamily="34" charset="0"/>
-      <p:regular r:id="rId28"/>
-      <p:bold r:id="rId29"/>
-      <p:italic r:id="rId30"/>
-      <p:boldItalic r:id="rId31"/>
+      <p:regular r:id="rId29"/>
+      <p:bold r:id="rId30"/>
+      <p:italic r:id="rId31"/>
+      <p:boldItalic r:id="rId32"/>
     </p:embeddedFont>
     <p:embeddedFont>
       <p:font typeface="Trebuchet MS" panose="020B0603020202020204" pitchFamily="34" charset="0"/>
-      <p:regular r:id="rId32"/>
-      <p:bold r:id="rId33"/>
-      <p:italic r:id="rId34"/>
-      <p:boldItalic r:id="rId35"/>
+      <p:regular r:id="rId33"/>
+      <p:bold r:id="rId34"/>
+      <p:italic r:id="rId35"/>
+      <p:boldItalic r:id="rId36"/>
     </p:embeddedFont>
   </p:embeddedFontLst>
   <p:defaultTextStyle>
@@ -394,7 +395,7 @@
           <a:p>
             <a:fld id="{7CEEE0ED-A0F5-4442-9C94-5288E26FF1D3}" type="datetimeFigureOut">
               <a:rPr lang="fa-IR" smtClean="0"/>
-              <a:t>04/09/1444</a:t>
+              <a:t>05/09/1444</a:t>
             </a:fld>
             <a:endParaRPr lang="fa-IR"/>
           </a:p>
@@ -5282,7 +5283,34 @@
                 <a:latin typeface="Consolas" panose="020B0609020204030204" pitchFamily="49" charset="0"/>
                 <a:cs typeface="Courier New" panose="02070309020205020404" pitchFamily="49" charset="0"/>
               </a:rPr>
-              <a:t>a = ‘Hello!’</a:t>
+              <a:t>a = </a:t>
+            </a:r>
+            <a:r>
+              <a:rPr lang="en-US" sz="1200" dirty="0">
+                <a:solidFill>
+                  <a:schemeClr val="accent1"/>
+                </a:solidFill>
+                <a:latin typeface="Consolas" panose="020B0609020204030204" pitchFamily="49" charset="0"/>
+                <a:cs typeface="Courier New" panose="02070309020205020404" pitchFamily="49" charset="0"/>
+              </a:rPr>
+              <a:t>'</a:t>
+            </a:r>
+            <a:r>
+              <a:rPr lang="en-US" sz="1200" dirty="0">
+                <a:latin typeface="Consolas" panose="020B0609020204030204" pitchFamily="49" charset="0"/>
+                <a:cs typeface="Courier New" panose="02070309020205020404" pitchFamily="49" charset="0"/>
+              </a:rPr>
+              <a:t>Hello!</a:t>
+            </a:r>
+            <a:r>
+              <a:rPr lang="en-US" sz="1200" dirty="0">
+                <a:solidFill>
+                  <a:schemeClr val="accent1"/>
+                </a:solidFill>
+                <a:latin typeface="Consolas" panose="020B0609020204030204" pitchFamily="49" charset="0"/>
+                <a:cs typeface="Courier New" panose="02070309020205020404" pitchFamily="49" charset="0"/>
+              </a:rPr>
+              <a:t>'</a:t>
             </a:r>
           </a:p>
           <a:p>
@@ -5294,7 +5322,24 @@
                 <a:latin typeface="Consolas" panose="020B0609020204030204" pitchFamily="49" charset="0"/>
                 <a:cs typeface="Courier New" panose="02070309020205020404" pitchFamily="49" charset="0"/>
               </a:rPr>
-              <a:t>b = ‘‘‘Hello!</a:t>
+              <a:t>b = </a:t>
+            </a:r>
+            <a:r>
+              <a:rPr lang="en-US" sz="1200" dirty="0">
+                <a:solidFill>
+                  <a:schemeClr val="accent1"/>
+                </a:solidFill>
+                <a:latin typeface="Consolas" panose="020B0609020204030204" pitchFamily="49" charset="0"/>
+                <a:cs typeface="Courier New" panose="02070309020205020404" pitchFamily="49" charset="0"/>
+              </a:rPr>
+              <a:t>'''</a:t>
+            </a:r>
+            <a:r>
+              <a:rPr lang="en-US" sz="1200" dirty="0">
+                <a:latin typeface="Consolas" panose="020B0609020204030204" pitchFamily="49" charset="0"/>
+                <a:cs typeface="Courier New" panose="02070309020205020404" pitchFamily="49" charset="0"/>
+              </a:rPr>
+              <a:t>Hello!</a:t>
             </a:r>
           </a:p>
           <a:p>
@@ -5306,7 +5351,17 @@
                 <a:latin typeface="Consolas" panose="020B0609020204030204" pitchFamily="49" charset="0"/>
                 <a:cs typeface="Courier New" panose="02070309020205020404" pitchFamily="49" charset="0"/>
               </a:rPr>
-              <a:t>How are you?’’’</a:t>
+              <a:t>How are you?</a:t>
+            </a:r>
+            <a:r>
+              <a:rPr lang="en-US" sz="1200" dirty="0">
+                <a:solidFill>
+                  <a:schemeClr val="accent1"/>
+                </a:solidFill>
+                <a:latin typeface="Consolas" panose="020B0609020204030204" pitchFamily="49" charset="0"/>
+                <a:cs typeface="Courier New" panose="02070309020205020404" pitchFamily="49" charset="0"/>
+              </a:rPr>
+              <a:t>'''</a:t>
             </a:r>
           </a:p>
           <a:p>
@@ -5323,7 +5378,7 @@
             </a:pPr>
             <a:r>
               <a:rPr lang="en-US" sz="1400" dirty="0"/>
-              <a:t>Operators</a:t>
+              <a:t>F-strings</a:t>
             </a:r>
           </a:p>
           <a:p>
@@ -5335,12 +5390,140 @@
                 <a:latin typeface="Consolas" panose="020B0609020204030204" pitchFamily="49" charset="0"/>
                 <a:cs typeface="Courier New" panose="02070309020205020404" pitchFamily="49" charset="0"/>
               </a:rPr>
-              <a:t>+  *</a:t>
+              <a:t>name, age = 'Alireza' , 24</a:t>
+            </a:r>
+          </a:p>
+          <a:p>
+            <a:pPr marL="76200" indent="0">
+              <a:buNone/>
+            </a:pPr>
+            <a:r>
+              <a:rPr lang="en-US" sz="1200" dirty="0">
+                <a:latin typeface="Consolas" panose="020B0609020204030204" pitchFamily="49" charset="0"/>
+                <a:cs typeface="Courier New" panose="02070309020205020404" pitchFamily="49" charset="0"/>
+              </a:rPr>
+              <a:t>message = </a:t>
+            </a:r>
+            <a:r>
+              <a:rPr lang="en-US" sz="1200" dirty="0" err="1">
+                <a:solidFill>
+                  <a:schemeClr val="accent1"/>
+                </a:solidFill>
+                <a:latin typeface="Consolas" panose="020B0609020204030204" pitchFamily="49" charset="0"/>
+                <a:cs typeface="Courier New" panose="02070309020205020404" pitchFamily="49" charset="0"/>
+              </a:rPr>
+              <a:t>f’</a:t>
+            </a:r>
+            <a:r>
+              <a:rPr lang="en-US" sz="1200" dirty="0" err="1">
+                <a:latin typeface="Consolas" panose="020B0609020204030204" pitchFamily="49" charset="0"/>
+                <a:cs typeface="Courier New" panose="02070309020205020404" pitchFamily="49" charset="0"/>
+              </a:rPr>
+              <a:t>Hello</a:t>
+            </a:r>
+            <a:r>
+              <a:rPr lang="en-US" sz="1200" dirty="0">
+                <a:latin typeface="Consolas" panose="020B0609020204030204" pitchFamily="49" charset="0"/>
+                <a:cs typeface="Courier New" panose="02070309020205020404" pitchFamily="49" charset="0"/>
+              </a:rPr>
+              <a:t> </a:t>
+            </a:r>
+            <a:r>
+              <a:rPr lang="en-US" sz="1200" dirty="0">
+                <a:solidFill>
+                  <a:schemeClr val="accent1"/>
+                </a:solidFill>
+                <a:latin typeface="Consolas" panose="020B0609020204030204" pitchFamily="49" charset="0"/>
+                <a:cs typeface="Courier New" panose="02070309020205020404" pitchFamily="49" charset="0"/>
+              </a:rPr>
+              <a:t>{</a:t>
+            </a:r>
+            <a:r>
+              <a:rPr lang="en-US" sz="1200" dirty="0">
+                <a:latin typeface="Consolas" panose="020B0609020204030204" pitchFamily="49" charset="0"/>
+                <a:cs typeface="Courier New" panose="02070309020205020404" pitchFamily="49" charset="0"/>
+              </a:rPr>
+              <a:t>name</a:t>
+            </a:r>
+            <a:r>
+              <a:rPr lang="en-US" sz="1200" dirty="0">
+                <a:solidFill>
+                  <a:schemeClr val="accent1"/>
+                </a:solidFill>
+                <a:latin typeface="Consolas" panose="020B0609020204030204" pitchFamily="49" charset="0"/>
+                <a:cs typeface="Courier New" panose="02070309020205020404" pitchFamily="49" charset="0"/>
+              </a:rPr>
+              <a:t>}</a:t>
+            </a:r>
+            <a:r>
+              <a:rPr lang="en-US" sz="1200" dirty="0">
+                <a:latin typeface="Consolas" panose="020B0609020204030204" pitchFamily="49" charset="0"/>
+                <a:cs typeface="Courier New" panose="02070309020205020404" pitchFamily="49" charset="0"/>
+              </a:rPr>
+              <a:t>, you are </a:t>
+            </a:r>
+            <a:r>
+              <a:rPr lang="en-US" sz="1200" dirty="0">
+                <a:solidFill>
+                  <a:schemeClr val="accent1"/>
+                </a:solidFill>
+                <a:latin typeface="Consolas" panose="020B0609020204030204" pitchFamily="49" charset="0"/>
+                <a:cs typeface="Courier New" panose="02070309020205020404" pitchFamily="49" charset="0"/>
+              </a:rPr>
+              <a:t>{</a:t>
+            </a:r>
+            <a:r>
+              <a:rPr lang="en-US" sz="1200" dirty="0">
+                <a:latin typeface="Consolas" panose="020B0609020204030204" pitchFamily="49" charset="0"/>
+                <a:cs typeface="Courier New" panose="02070309020205020404" pitchFamily="49" charset="0"/>
+              </a:rPr>
+              <a:t>age</a:t>
+            </a:r>
+            <a:r>
+              <a:rPr lang="en-US" sz="1200" dirty="0">
+                <a:solidFill>
+                  <a:schemeClr val="accent1"/>
+                </a:solidFill>
+                <a:latin typeface="Consolas" panose="020B0609020204030204" pitchFamily="49" charset="0"/>
+                <a:cs typeface="Courier New" panose="02070309020205020404" pitchFamily="49" charset="0"/>
+              </a:rPr>
+              <a:t>}</a:t>
+            </a:r>
+            <a:r>
+              <a:rPr lang="en-US" sz="1200" dirty="0">
+                <a:latin typeface="Consolas" panose="020B0609020204030204" pitchFamily="49" charset="0"/>
+                <a:cs typeface="Courier New" panose="02070309020205020404" pitchFamily="49" charset="0"/>
+              </a:rPr>
+              <a:t> years old!</a:t>
+            </a:r>
+            <a:r>
+              <a:rPr lang="en-US" sz="1200" dirty="0">
+                <a:solidFill>
+                  <a:schemeClr val="accent1"/>
+                </a:solidFill>
+                <a:latin typeface="Consolas" panose="020B0609020204030204" pitchFamily="49" charset="0"/>
+                <a:cs typeface="Courier New" panose="02070309020205020404" pitchFamily="49" charset="0"/>
+              </a:rPr>
+              <a:t>'</a:t>
             </a:r>
             <a:endParaRPr lang="fr-FR" sz="1200" dirty="0">
+              <a:solidFill>
+                <a:schemeClr val="accent1"/>
+              </a:solidFill>
               <a:latin typeface="Consolas" panose="020B0609020204030204" pitchFamily="49" charset="0"/>
               <a:cs typeface="Courier New" panose="02070309020205020404" pitchFamily="49" charset="0"/>
             </a:endParaRPr>
+          </a:p>
+          <a:p>
+            <a:pPr marL="76200" indent="0">
+              <a:buNone/>
+            </a:pPr>
+            <a:r>
+              <a:rPr lang="en-US" sz="1200" dirty="0">
+                <a:latin typeface="Consolas" panose="020B0609020204030204" pitchFamily="49" charset="0"/>
+              </a:rPr>
+              <a:t>print(message)</a:t>
+            </a:r>
           </a:p>
         </p:txBody>
       </p:sp>
@@ -5400,6 +5583,361 @@
   <p:cSld>
     <p:spTree>
       <p:nvGrpSpPr>
+        <p:cNvPr id="1" name=""/>
+        <p:cNvGrpSpPr/>
+        <p:nvPr/>
+      </p:nvGrpSpPr>
+      <p:grpSpPr>
+        <a:xfrm>
+          <a:off x="0" y="0"/>
+          <a:ext cx="0" cy="0"/>
+          <a:chOff x="0" y="0"/>
+          <a:chExt cx="0" cy="0"/>
+        </a:xfrm>
+      </p:grpSpPr>
+      <p:sp>
+        <p:nvSpPr>
+          <p:cNvPr id="2" name="Title 1">
+            <a:extLst>
+              <a:ext uri="{FF2B5EF4-FFF2-40B4-BE49-F238E27FC236}">
+                <a16:creationId xmlns:a16="http://schemas.microsoft.com/office/drawing/2014/main" id="{024AD384-5AD1-4435-A943-1241B2FACD62}"/>
+              </a:ext>
+            </a:extLst>
+          </p:cNvPr>
+          <p:cNvSpPr>
+            <a:spLocks noGrp="1"/>
+          </p:cNvSpPr>
+          <p:nvPr>
+            <p:ph type="title"/>
+          </p:nvPr>
+        </p:nvSpPr>
+        <p:spPr/>
+        <p:txBody>
+          <a:bodyPr/>
+          <a:lstStyle/>
+          <a:p>
+            <a:r>
+              <a:rPr lang="en-US" dirty="0"/>
+              <a:t>Python </a:t>
+            </a:r>
+            <a:r>
+              <a:rPr lang="en-US" sz="2400" dirty="0"/>
+              <a:t>Booleans</a:t>
+            </a:r>
+            <a:endParaRPr lang="fa-IR" dirty="0"/>
+          </a:p>
+        </p:txBody>
+      </p:sp>
+      <p:sp>
+        <p:nvSpPr>
+          <p:cNvPr id="3" name="Text Placeholder 2">
+            <a:extLst>
+              <a:ext uri="{FF2B5EF4-FFF2-40B4-BE49-F238E27FC236}">
+                <a16:creationId xmlns:a16="http://schemas.microsoft.com/office/drawing/2014/main" id="{58BE3078-8B89-4550-B497-93E4DADBD57E}"/>
+              </a:ext>
+            </a:extLst>
+          </p:cNvPr>
+          <p:cNvSpPr>
+            <a:spLocks noGrp="1"/>
+          </p:cNvSpPr>
+          <p:nvPr>
+            <p:ph type="body" idx="1"/>
+          </p:nvPr>
+        </p:nvSpPr>
+        <p:spPr>
+          <a:xfrm>
+            <a:off x="786150" y="1142608"/>
+            <a:ext cx="7571700" cy="3626431"/>
+          </a:xfrm>
+        </p:spPr>
+        <p:txBody>
+          <a:bodyPr/>
+          <a:lstStyle/>
+          <a:p>
+            <a:pPr marL="76200" indent="0">
+              <a:buNone/>
+            </a:pPr>
+            <a:r>
+              <a:rPr lang="en-US" sz="1400" dirty="0"/>
+              <a:t>True or False</a:t>
+            </a:r>
+          </a:p>
+          <a:p>
+            <a:pPr marL="76200" indent="0">
+              <a:buNone/>
+            </a:pPr>
+            <a:r>
+              <a:rPr lang="en-US" sz="1200" dirty="0">
+                <a:latin typeface="Consolas" panose="020B0609020204030204" pitchFamily="49" charset="0"/>
+                <a:cs typeface="Courier New" panose="02070309020205020404" pitchFamily="49" charset="0"/>
+              </a:rPr>
+              <a:t>a, b = </a:t>
+            </a:r>
+            <a:r>
+              <a:rPr lang="en-US" sz="1200" dirty="0">
+                <a:solidFill>
+                  <a:schemeClr val="accent1"/>
+                </a:solidFill>
+                <a:latin typeface="Consolas" panose="020B0609020204030204" pitchFamily="49" charset="0"/>
+                <a:cs typeface="Courier New" panose="02070309020205020404" pitchFamily="49" charset="0"/>
+              </a:rPr>
+              <a:t>True</a:t>
+            </a:r>
+            <a:r>
+              <a:rPr lang="en-US" sz="1200" dirty="0">
+                <a:latin typeface="Consolas" panose="020B0609020204030204" pitchFamily="49" charset="0"/>
+                <a:cs typeface="Courier New" panose="02070309020205020404" pitchFamily="49" charset="0"/>
+              </a:rPr>
+              <a:t>, </a:t>
+            </a:r>
+            <a:r>
+              <a:rPr lang="en-US" sz="1200" dirty="0">
+                <a:solidFill>
+                  <a:schemeClr val="accent1"/>
+                </a:solidFill>
+                <a:latin typeface="Consolas" panose="020B0609020204030204" pitchFamily="49" charset="0"/>
+                <a:cs typeface="Courier New" panose="02070309020205020404" pitchFamily="49" charset="0"/>
+              </a:rPr>
+              <a:t>False</a:t>
+            </a:r>
+          </a:p>
+          <a:p>
+            <a:pPr marL="76200" indent="0">
+              <a:buNone/>
+            </a:pPr>
+            <a:r>
+              <a:rPr lang="en-US" sz="1200" dirty="0">
+                <a:latin typeface="Consolas" panose="020B0609020204030204" pitchFamily="49" charset="0"/>
+                <a:cs typeface="Courier New" panose="02070309020205020404" pitchFamily="49" charset="0"/>
+              </a:rPr>
+              <a:t>c = 10 </a:t>
+            </a:r>
+            <a:r>
+              <a:rPr lang="en-US" sz="1200" dirty="0">
+                <a:solidFill>
+                  <a:schemeClr val="accent1"/>
+                </a:solidFill>
+                <a:latin typeface="Consolas" panose="020B0609020204030204" pitchFamily="49" charset="0"/>
+                <a:cs typeface="Courier New" panose="02070309020205020404" pitchFamily="49" charset="0"/>
+              </a:rPr>
+              <a:t>&lt;</a:t>
+            </a:r>
+            <a:r>
+              <a:rPr lang="en-US" sz="1200" dirty="0">
+                <a:latin typeface="Consolas" panose="020B0609020204030204" pitchFamily="49" charset="0"/>
+                <a:cs typeface="Courier New" panose="02070309020205020404" pitchFamily="49" charset="0"/>
+              </a:rPr>
+              <a:t> 9</a:t>
+            </a:r>
+          </a:p>
+          <a:p>
+            <a:pPr marL="76200" indent="0">
+              <a:buNone/>
+            </a:pPr>
+            <a:r>
+              <a:rPr lang="en-US" sz="1200" dirty="0">
+                <a:latin typeface="Consolas" panose="020B0609020204030204" pitchFamily="49" charset="0"/>
+                <a:cs typeface="Courier New" panose="02070309020205020404" pitchFamily="49" charset="0"/>
+              </a:rPr>
+              <a:t>d = 10 </a:t>
+            </a:r>
+            <a:r>
+              <a:rPr lang="en-US" sz="1200" dirty="0">
+                <a:solidFill>
+                  <a:schemeClr val="accent1"/>
+                </a:solidFill>
+                <a:latin typeface="Consolas" panose="020B0609020204030204" pitchFamily="49" charset="0"/>
+                <a:cs typeface="Courier New" panose="02070309020205020404" pitchFamily="49" charset="0"/>
+              </a:rPr>
+              <a:t>&gt;=</a:t>
+            </a:r>
+            <a:r>
+              <a:rPr lang="en-US" sz="1200" dirty="0">
+                <a:latin typeface="Consolas" panose="020B0609020204030204" pitchFamily="49" charset="0"/>
+                <a:cs typeface="Courier New" panose="02070309020205020404" pitchFamily="49" charset="0"/>
+              </a:rPr>
+              <a:t> 9</a:t>
+            </a:r>
+          </a:p>
+          <a:p>
+            <a:pPr marL="76200" indent="0">
+              <a:buNone/>
+            </a:pPr>
+            <a:r>
+              <a:rPr lang="en-US" sz="1200" dirty="0">
+                <a:latin typeface="Consolas" panose="020B0609020204030204" pitchFamily="49" charset="0"/>
+                <a:cs typeface="Courier New" panose="02070309020205020404" pitchFamily="49" charset="0"/>
+              </a:rPr>
+              <a:t>d = 10 </a:t>
+            </a:r>
+            <a:r>
+              <a:rPr lang="en-US" sz="1200" dirty="0">
+                <a:solidFill>
+                  <a:schemeClr val="accent1"/>
+                </a:solidFill>
+                <a:latin typeface="Consolas" panose="020B0609020204030204" pitchFamily="49" charset="0"/>
+                <a:cs typeface="Courier New" panose="02070309020205020404" pitchFamily="49" charset="0"/>
+              </a:rPr>
+              <a:t>==</a:t>
+            </a:r>
+            <a:r>
+              <a:rPr lang="en-US" sz="1200" dirty="0">
+                <a:latin typeface="Consolas" panose="020B0609020204030204" pitchFamily="49" charset="0"/>
+                <a:cs typeface="Courier New" panose="02070309020205020404" pitchFamily="49" charset="0"/>
+              </a:rPr>
+              <a:t> 9</a:t>
+            </a:r>
+          </a:p>
+          <a:p>
+            <a:pPr marL="76200" indent="0">
+              <a:buNone/>
+            </a:pPr>
+            <a:endParaRPr lang="en-US" sz="1200" dirty="0">
+              <a:latin typeface="Consolas" panose="020B0609020204030204" pitchFamily="49" charset="0"/>
+            </a:endParaRPr>
+          </a:p>
+          <a:p>
+            <a:pPr marL="76200" indent="0">
+              <a:buNone/>
+            </a:pPr>
+            <a:r>
+              <a:rPr lang="en-US" sz="1400" dirty="0"/>
+              <a:t>Operators</a:t>
+            </a:r>
+          </a:p>
+          <a:p>
+            <a:pPr marL="76200" indent="0">
+              <a:buNone/>
+            </a:pPr>
+            <a:r>
+              <a:rPr lang="en-US" sz="1200" dirty="0">
+                <a:latin typeface="Consolas" panose="020B0609020204030204" pitchFamily="49" charset="0"/>
+                <a:cs typeface="Courier New" panose="02070309020205020404" pitchFamily="49" charset="0"/>
+              </a:rPr>
+              <a:t>10 &gt; 9 </a:t>
+            </a:r>
+            <a:r>
+              <a:rPr lang="en-US" sz="1200" dirty="0">
+                <a:solidFill>
+                  <a:schemeClr val="accent1"/>
+                </a:solidFill>
+                <a:latin typeface="Consolas" panose="020B0609020204030204" pitchFamily="49" charset="0"/>
+                <a:cs typeface="Courier New" panose="02070309020205020404" pitchFamily="49" charset="0"/>
+              </a:rPr>
+              <a:t>and</a:t>
+            </a:r>
+            <a:r>
+              <a:rPr lang="en-US" sz="1200" dirty="0">
+                <a:latin typeface="Consolas" panose="020B0609020204030204" pitchFamily="49" charset="0"/>
+                <a:cs typeface="Courier New" panose="02070309020205020404" pitchFamily="49" charset="0"/>
+              </a:rPr>
+              <a:t> 5 &lt; 3</a:t>
+            </a:r>
+          </a:p>
+          <a:p>
+            <a:pPr marL="76200" indent="0">
+              <a:buNone/>
+            </a:pPr>
+            <a:r>
+              <a:rPr lang="en-US" sz="1200" dirty="0">
+                <a:latin typeface="Consolas" panose="020B0609020204030204" pitchFamily="49" charset="0"/>
+              </a:rPr>
+              <a:t>10 &gt; 9 </a:t>
+            </a:r>
+            <a:r>
+              <a:rPr lang="en-US" sz="1200" dirty="0">
+                <a:solidFill>
+                  <a:schemeClr val="accent1"/>
+                </a:solidFill>
+                <a:latin typeface="Consolas" panose="020B0609020204030204" pitchFamily="49" charset="0"/>
+              </a:rPr>
+              <a:t>or</a:t>
+            </a:r>
+            <a:r>
+              <a:rPr lang="en-US" sz="1200" dirty="0">
+                <a:latin typeface="Consolas" panose="020B0609020204030204" pitchFamily="49" charset="0"/>
+              </a:rPr>
+              <a:t> 2 + 2 == 5</a:t>
+            </a:r>
+          </a:p>
+          <a:p>
+            <a:pPr marL="76200" indent="0">
+              <a:buNone/>
+            </a:pPr>
+            <a:r>
+              <a:rPr lang="en-US" sz="1200" dirty="0">
+                <a:solidFill>
+                  <a:schemeClr val="accent1"/>
+                </a:solidFill>
+                <a:latin typeface="Consolas" panose="020B0609020204030204" pitchFamily="49" charset="0"/>
+              </a:rPr>
+              <a:t>not</a:t>
+            </a:r>
+            <a:r>
+              <a:rPr lang="en-US" sz="1200" dirty="0">
+                <a:latin typeface="Consolas" panose="020B0609020204030204" pitchFamily="49" charset="0"/>
+              </a:rPr>
+              <a:t> 2 + 2 == 4</a:t>
+            </a:r>
+          </a:p>
+        </p:txBody>
+      </p:sp>
+      <p:sp>
+        <p:nvSpPr>
+          <p:cNvPr id="4" name="Slide Number Placeholder 3">
+            <a:extLst>
+              <a:ext uri="{FF2B5EF4-FFF2-40B4-BE49-F238E27FC236}">
+                <a16:creationId xmlns:a16="http://schemas.microsoft.com/office/drawing/2014/main" id="{64987AE6-EC0E-43DD-9376-95A5602EE5E1}"/>
+              </a:ext>
+            </a:extLst>
+          </p:cNvPr>
+          <p:cNvSpPr>
+            <a:spLocks noGrp="1"/>
+          </p:cNvSpPr>
+          <p:nvPr>
+            <p:ph type="sldNum" idx="12"/>
+          </p:nvPr>
+        </p:nvSpPr>
+        <p:spPr/>
+        <p:txBody>
+          <a:bodyPr/>
+          <a:lstStyle/>
+          <a:p>
+            <a:pPr marL="0" lvl="0" indent="0" algn="r" rtl="0">
+              <a:spcBef>
+                <a:spcPts val="0"/>
+              </a:spcBef>
+              <a:spcAft>
+                <a:spcPts val="0"/>
+              </a:spcAft>
+              <a:buNone/>
+            </a:pPr>
+            <a:fld id="{00000000-1234-1234-1234-123412341234}" type="slidenum">
+              <a:rPr lang="en" smtClean="0"/>
+              <a:t>11</a:t>
+            </a:fld>
+            <a:endParaRPr lang="en"/>
+          </a:p>
+        </p:txBody>
+      </p:sp>
+    </p:spTree>
+    <p:extLst>
+      <p:ext uri="{BB962C8B-B14F-4D97-AF65-F5344CB8AC3E}">
+        <p14:creationId xmlns:p14="http://schemas.microsoft.com/office/powerpoint/2010/main" val="479203991"/>
+      </p:ext>
+    </p:extLst>
+  </p:cSld>
+  <p:clrMapOvr>
+    <a:masterClrMapping/>
+  </p:clrMapOvr>
+</p:sld>
+</file>
+
+<file path=ppt/slides/slide12.xml><?xml version="1.0" encoding="utf-8"?>
+<p:sld xmlns:a="http://schemas.openxmlformats.org/drawingml/2006/main" xmlns:r="http://schemas.openxmlformats.org/officeDocument/2006/relationships" xmlns:p="http://schemas.openxmlformats.org/presentationml/2006/main">
+  <p:cSld>
+    <p:spTree>
+      <p:nvGrpSpPr>
         <p:cNvPr id="1" name="Shape 96"/>
         <p:cNvGrpSpPr/>
         <p:nvPr/>
@@ -5514,7 +6052,7 @@
             </a:pPr>
             <a:fld id="{00000000-1234-1234-1234-123412341234}" type="slidenum">
               <a:rPr lang="en"/>
-              <a:t>11</a:t>
+              <a:t>12</a:t>
             </a:fld>
             <a:endParaRPr/>
           </a:p>
@@ -5533,7 +6071,7 @@
 </p:sld>
 </file>
 
-<file path=ppt/slides/slide12.xml><?xml version="1.0" encoding="utf-8"?>
+<file path=ppt/slides/slide13.xml><?xml version="1.0" encoding="utf-8"?>
 <p:sld xmlns:a="http://schemas.openxmlformats.org/drawingml/2006/main" xmlns:r="http://schemas.openxmlformats.org/officeDocument/2006/relationships" xmlns:p="http://schemas.openxmlformats.org/presentationml/2006/main">
   <p:cSld>
     <p:spTree>
@@ -5654,7 +6192,7 @@
             </a:pPr>
             <a:fld id="{00000000-1234-1234-1234-123412341234}" type="slidenum">
               <a:rPr lang="en" smtClean="0"/>
-              <a:t>12</a:t>
+              <a:t>13</a:t>
             </a:fld>
             <a:endParaRPr lang="en"/>
           </a:p>
@@ -5664,144 +6202,6 @@
     <p:extLst>
       <p:ext uri="{BB962C8B-B14F-4D97-AF65-F5344CB8AC3E}">
         <p14:creationId xmlns:p14="http://schemas.microsoft.com/office/powerpoint/2010/main" val="4156460407"/>
-      </p:ext>
-    </p:extLst>
-  </p:cSld>
-  <p:clrMapOvr>
-    <a:masterClrMapping/>
-  </p:clrMapOvr>
-</p:sld>
-</file>
-
-<file path=ppt/slides/slide13.xml><?xml version="1.0" encoding="utf-8"?>
-<p:sld xmlns:a="http://schemas.openxmlformats.org/drawingml/2006/main" xmlns:r="http://schemas.openxmlformats.org/officeDocument/2006/relationships" xmlns:p="http://schemas.openxmlformats.org/presentationml/2006/main">
-  <p:cSld>
-    <p:spTree>
-      <p:nvGrpSpPr>
-        <p:cNvPr id="1" name="Shape 96"/>
-        <p:cNvGrpSpPr/>
-        <p:nvPr/>
-      </p:nvGrpSpPr>
-      <p:grpSpPr>
-        <a:xfrm>
-          <a:off x="0" y="0"/>
-          <a:ext cx="0" cy="0"/>
-          <a:chOff x="0" y="0"/>
-          <a:chExt cx="0" cy="0"/>
-        </a:xfrm>
-      </p:grpSpPr>
-      <p:sp>
-        <p:nvSpPr>
-          <p:cNvPr id="97" name="Google Shape;97;p15"/>
-          <p:cNvSpPr txBox="1">
-            <a:spLocks noGrp="1"/>
-          </p:cNvSpPr>
-          <p:nvPr>
-            <p:ph type="ctrTitle"/>
-          </p:nvPr>
-        </p:nvSpPr>
-        <p:spPr>
-          <a:xfrm>
-            <a:off x="1655700" y="1991850"/>
-            <a:ext cx="5832600" cy="1159800"/>
-          </a:xfrm>
-          <a:prstGeom prst="rect">
-            <a:avLst/>
-          </a:prstGeom>
-        </p:spPr>
-        <p:txBody>
-          <a:bodyPr spcFirstLastPara="1" wrap="square" lIns="91425" tIns="91425" rIns="91425" bIns="91425" anchor="ctr" anchorCtr="0">
-            <a:noAutofit/>
-          </a:bodyPr>
-          <a:lstStyle/>
-          <a:p>
-            <a:pPr marL="0" lvl="0" indent="0" algn="ctr" rtl="0">
-              <a:spcBef>
-                <a:spcPts val="0"/>
-              </a:spcBef>
-              <a:spcAft>
-                <a:spcPts val="0"/>
-              </a:spcAft>
-              <a:buNone/>
-            </a:pPr>
-            <a:r>
-              <a:rPr lang="en-US" sz="6000" dirty="0">
-                <a:solidFill>
-                  <a:schemeClr val="accent4"/>
-                </a:solidFill>
-              </a:rPr>
-              <a:t>3</a:t>
-            </a:r>
-            <a:endParaRPr sz="6000" dirty="0">
-              <a:solidFill>
-                <a:schemeClr val="accent4"/>
-              </a:solidFill>
-            </a:endParaRPr>
-          </a:p>
-          <a:p>
-            <a:pPr marL="0" lvl="0" indent="0" algn="ctr" rtl="0">
-              <a:spcBef>
-                <a:spcPts val="0"/>
-              </a:spcBef>
-              <a:spcAft>
-                <a:spcPts val="0"/>
-              </a:spcAft>
-              <a:buNone/>
-            </a:pPr>
-            <a:r>
-              <a:rPr lang="en" dirty="0"/>
-              <a:t>Pandas</a:t>
-            </a:r>
-            <a:endParaRPr dirty="0"/>
-          </a:p>
-        </p:txBody>
-      </p:sp>
-      <p:sp>
-        <p:nvSpPr>
-          <p:cNvPr id="99" name="Google Shape;99;p15"/>
-          <p:cNvSpPr txBox="1">
-            <a:spLocks noGrp="1"/>
-          </p:cNvSpPr>
-          <p:nvPr>
-            <p:ph type="sldNum" idx="4294967295"/>
-          </p:nvPr>
-        </p:nvSpPr>
-        <p:spPr>
-          <a:xfrm>
-            <a:off x="8404384" y="4749851"/>
-            <a:ext cx="548700" cy="393600"/>
-          </a:xfrm>
-          <a:prstGeom prst="rect">
-            <a:avLst/>
-          </a:prstGeom>
-        </p:spPr>
-        <p:txBody>
-          <a:bodyPr spcFirstLastPara="1" wrap="square" lIns="91425" tIns="91425" rIns="91425" bIns="91425" anchor="t" anchorCtr="0">
-            <a:noAutofit/>
-          </a:bodyPr>
-          <a:lstStyle/>
-          <a:p>
-            <a:pPr marL="0" lvl="0" indent="0" algn="r" rtl="0">
-              <a:spcBef>
-                <a:spcPts val="0"/>
-              </a:spcBef>
-              <a:spcAft>
-                <a:spcPts val="0"/>
-              </a:spcAft>
-              <a:buNone/>
-            </a:pPr>
-            <a:fld id="{00000000-1234-1234-1234-123412341234}" type="slidenum">
-              <a:rPr lang="en"/>
-              <a:t>13</a:t>
-            </a:fld>
-            <a:endParaRPr/>
-          </a:p>
-        </p:txBody>
-      </p:sp>
-    </p:spTree>
-    <p:extLst>
-      <p:ext uri="{BB962C8B-B14F-4D97-AF65-F5344CB8AC3E}">
-        <p14:creationId xmlns:p14="http://schemas.microsoft.com/office/powerpoint/2010/main" val="2729265455"/>
       </p:ext>
     </p:extLst>
   </p:cSld>
@@ -5868,7 +6268,7 @@
                   <a:schemeClr val="accent4"/>
                 </a:solidFill>
               </a:rPr>
-              <a:t>4</a:t>
+              <a:t>3</a:t>
             </a:r>
             <a:endParaRPr sz="6000" dirty="0">
               <a:solidFill>
@@ -5888,7 +6288,7 @@
             </a:pPr>
             <a:r>
               <a:rPr lang="en" dirty="0"/>
-              <a:t>Matplotlib</a:t>
+              <a:t>Pandas</a:t>
             </a:r>
             <a:endParaRPr dirty="0"/>
           </a:p>
@@ -5939,7 +6339,7 @@
     </p:spTree>
     <p:extLst>
       <p:ext uri="{BB962C8B-B14F-4D97-AF65-F5344CB8AC3E}">
-        <p14:creationId xmlns:p14="http://schemas.microsoft.com/office/powerpoint/2010/main" val="2458102878"/>
+        <p14:creationId xmlns:p14="http://schemas.microsoft.com/office/powerpoint/2010/main" val="2729265455"/>
       </p:ext>
     </p:extLst>
   </p:cSld>
@@ -6006,7 +6406,7 @@
                   <a:schemeClr val="accent4"/>
                 </a:solidFill>
               </a:rPr>
-              <a:t>5</a:t>
+              <a:t>4</a:t>
             </a:r>
             <a:endParaRPr sz="6000" dirty="0">
               <a:solidFill>
@@ -6015,13 +6415,18 @@
             </a:endParaRPr>
           </a:p>
           <a:p>
-            <a:r>
-              <a:rPr lang="en-US" dirty="0"/>
-              <a:t>S</a:t>
-            </a:r>
-            <a:r>
-              <a:rPr lang="en-US" b="1" dirty="0"/>
-              <a:t>cikit-learn</a:t>
+            <a:pPr marL="0" lvl="0" indent="0" algn="ctr" rtl="0">
+              <a:spcBef>
+                <a:spcPts val="0"/>
+              </a:spcBef>
+              <a:spcAft>
+                <a:spcPts val="0"/>
+              </a:spcAft>
+              <a:buNone/>
+            </a:pPr>
+            <a:r>
+              <a:rPr lang="en" dirty="0"/>
+              <a:t>Matplotlib</a:t>
             </a:r>
             <a:endParaRPr dirty="0"/>
           </a:p>
@@ -6072,7 +6477,7 @@
     </p:spTree>
     <p:extLst>
       <p:ext uri="{BB962C8B-B14F-4D97-AF65-F5344CB8AC3E}">
-        <p14:creationId xmlns:p14="http://schemas.microsoft.com/office/powerpoint/2010/main" val="3753200419"/>
+        <p14:creationId xmlns:p14="http://schemas.microsoft.com/office/powerpoint/2010/main" val="2458102878"/>
       </p:ext>
     </p:extLst>
   </p:cSld>
@@ -6139,7 +6544,7 @@
                   <a:schemeClr val="accent4"/>
                 </a:solidFill>
               </a:rPr>
-              <a:t>6</a:t>
+              <a:t>5</a:t>
             </a:r>
             <a:endParaRPr sz="6000" dirty="0">
               <a:solidFill>
@@ -6149,10 +6554,12 @@
           </a:p>
           <a:p>
             <a:r>
-              <a:rPr lang="en-US" dirty="0">
-                <a:effectLst/>
-              </a:rPr>
-              <a:t>Web Scraping</a:t>
+              <a:rPr lang="en-US" dirty="0"/>
+              <a:t>S</a:t>
+            </a:r>
+            <a:r>
+              <a:rPr lang="en-US" b="1" dirty="0"/>
+              <a:t>cikit-learn</a:t>
             </a:r>
             <a:endParaRPr dirty="0"/>
           </a:p>
@@ -6203,6 +6610,137 @@
     </p:spTree>
     <p:extLst>
       <p:ext uri="{BB962C8B-B14F-4D97-AF65-F5344CB8AC3E}">
+        <p14:creationId xmlns:p14="http://schemas.microsoft.com/office/powerpoint/2010/main" val="3753200419"/>
+      </p:ext>
+    </p:extLst>
+  </p:cSld>
+  <p:clrMapOvr>
+    <a:masterClrMapping/>
+  </p:clrMapOvr>
+</p:sld>
+</file>
+
+<file path=ppt/slides/slide17.xml><?xml version="1.0" encoding="utf-8"?>
+<p:sld xmlns:a="http://schemas.openxmlformats.org/drawingml/2006/main" xmlns:r="http://schemas.openxmlformats.org/officeDocument/2006/relationships" xmlns:p="http://schemas.openxmlformats.org/presentationml/2006/main">
+  <p:cSld>
+    <p:spTree>
+      <p:nvGrpSpPr>
+        <p:cNvPr id="1" name="Shape 96"/>
+        <p:cNvGrpSpPr/>
+        <p:nvPr/>
+      </p:nvGrpSpPr>
+      <p:grpSpPr>
+        <a:xfrm>
+          <a:off x="0" y="0"/>
+          <a:ext cx="0" cy="0"/>
+          <a:chOff x="0" y="0"/>
+          <a:chExt cx="0" cy="0"/>
+        </a:xfrm>
+      </p:grpSpPr>
+      <p:sp>
+        <p:nvSpPr>
+          <p:cNvPr id="97" name="Google Shape;97;p15"/>
+          <p:cNvSpPr txBox="1">
+            <a:spLocks noGrp="1"/>
+          </p:cNvSpPr>
+          <p:nvPr>
+            <p:ph type="ctrTitle"/>
+          </p:nvPr>
+        </p:nvSpPr>
+        <p:spPr>
+          <a:xfrm>
+            <a:off x="1655700" y="1991850"/>
+            <a:ext cx="5832600" cy="1159800"/>
+          </a:xfrm>
+          <a:prstGeom prst="rect">
+            <a:avLst/>
+          </a:prstGeom>
+        </p:spPr>
+        <p:txBody>
+          <a:bodyPr spcFirstLastPara="1" wrap="square" lIns="91425" tIns="91425" rIns="91425" bIns="91425" anchor="ctr" anchorCtr="0">
+            <a:noAutofit/>
+          </a:bodyPr>
+          <a:lstStyle/>
+          <a:p>
+            <a:pPr marL="0" lvl="0" indent="0" algn="ctr" rtl="0">
+              <a:spcBef>
+                <a:spcPts val="0"/>
+              </a:spcBef>
+              <a:spcAft>
+                <a:spcPts val="0"/>
+              </a:spcAft>
+              <a:buNone/>
+            </a:pPr>
+            <a:r>
+              <a:rPr lang="en-US" sz="6000" dirty="0">
+                <a:solidFill>
+                  <a:schemeClr val="accent4"/>
+                </a:solidFill>
+              </a:rPr>
+              <a:t>6</a:t>
+            </a:r>
+            <a:endParaRPr sz="6000" dirty="0">
+              <a:solidFill>
+                <a:schemeClr val="accent4"/>
+              </a:solidFill>
+            </a:endParaRPr>
+          </a:p>
+          <a:p>
+            <a:r>
+              <a:rPr lang="en-US" dirty="0">
+                <a:effectLst/>
+              </a:rPr>
+              <a:t>Web Scraping</a:t>
+            </a:r>
+            <a:endParaRPr dirty="0"/>
+          </a:p>
+        </p:txBody>
+      </p:sp>
+      <p:sp>
+        <p:nvSpPr>
+          <p:cNvPr id="99" name="Google Shape;99;p15"/>
+          <p:cNvSpPr txBox="1">
+            <a:spLocks noGrp="1"/>
+          </p:cNvSpPr>
+          <p:nvPr>
+            <p:ph type="sldNum" idx="4294967295"/>
+          </p:nvPr>
+        </p:nvSpPr>
+        <p:spPr>
+          <a:xfrm>
+            <a:off x="8404384" y="4749851"/>
+            <a:ext cx="548700" cy="393600"/>
+          </a:xfrm>
+          <a:prstGeom prst="rect">
+            <a:avLst/>
+          </a:prstGeom>
+        </p:spPr>
+        <p:txBody>
+          <a:bodyPr spcFirstLastPara="1" wrap="square" lIns="91425" tIns="91425" rIns="91425" bIns="91425" anchor="t" anchorCtr="0">
+            <a:noAutofit/>
+          </a:bodyPr>
+          <a:lstStyle/>
+          <a:p>
+            <a:pPr marL="0" lvl="0" indent="0" algn="r" rtl="0">
+              <a:spcBef>
+                <a:spcPts val="0"/>
+              </a:spcBef>
+              <a:spcAft>
+                <a:spcPts val="0"/>
+              </a:spcAft>
+              <a:buNone/>
+            </a:pPr>
+            <a:fld id="{00000000-1234-1234-1234-123412341234}" type="slidenum">
+              <a:rPr lang="en"/>
+              <a:t>17</a:t>
+            </a:fld>
+            <a:endParaRPr/>
+          </a:p>
+        </p:txBody>
+      </p:sp>
+    </p:spTree>
+    <p:extLst>
+      <p:ext uri="{BB962C8B-B14F-4D97-AF65-F5344CB8AC3E}">
         <p14:creationId xmlns:p14="http://schemas.microsoft.com/office/powerpoint/2010/main" val="3538335587"/>
       </p:ext>
     </p:extLst>
@@ -6213,7 +6751,7 @@
 </p:sld>
 </file>
 
-<file path=ppt/slides/slide17.xml><?xml version="1.0" encoding="utf-8"?>
+<file path=ppt/slides/slide18.xml><?xml version="1.0" encoding="utf-8"?>
 <p:sld xmlns:a="http://schemas.openxmlformats.org/drawingml/2006/main" xmlns:r="http://schemas.openxmlformats.org/officeDocument/2006/relationships" xmlns:p="http://schemas.openxmlformats.org/presentationml/2006/main">
   <p:cSld>
     <p:spTree>
@@ -6381,7 +6919,7 @@
             </a:pPr>
             <a:fld id="{00000000-1234-1234-1234-123412341234}" type="slidenum">
               <a:rPr lang="en"/>
-              <a:t>17</a:t>
+              <a:t>18</a:t>
             </a:fld>
             <a:endParaRPr/>
           </a:p>
@@ -6395,7 +6933,7 @@
 </p:sld>
 </file>
 
-<file path=ppt/slides/slide18.xml><?xml version="1.0" encoding="utf-8"?>
+<file path=ppt/slides/slide19.xml><?xml version="1.0" encoding="utf-8"?>
 <p:sld xmlns:a="http://schemas.openxmlformats.org/drawingml/2006/main" xmlns:r="http://schemas.openxmlformats.org/officeDocument/2006/relationships" xmlns:p="http://schemas.openxmlformats.org/presentationml/2006/main">
   <p:cSld>
     <p:spTree>
@@ -6532,7 +7070,7 @@
             </a:pPr>
             <a:fld id="{00000000-1234-1234-1234-123412341234}" type="slidenum">
               <a:rPr lang="en"/>
-              <a:t>18</a:t>
+              <a:t>19</a:t>
             </a:fld>
             <a:endParaRPr/>
           </a:p>
@@ -7344,7 +7882,24 @@
                 <a:latin typeface="Consolas" panose="020B0609020204030204" pitchFamily="49" charset="0"/>
                 <a:cs typeface="Courier New" panose="02070309020205020404" pitchFamily="49" charset="0"/>
               </a:rPr>
-              <a:t>x = 5</a:t>
+              <a:t>x </a:t>
+            </a:r>
+            <a:r>
+              <a:rPr lang="en-US" sz="1200" dirty="0">
+                <a:solidFill>
+                  <a:schemeClr val="accent1"/>
+                </a:solidFill>
+                <a:latin typeface="Consolas" panose="020B0609020204030204" pitchFamily="49" charset="0"/>
+                <a:cs typeface="Courier New" panose="02070309020205020404" pitchFamily="49" charset="0"/>
+              </a:rPr>
+              <a:t>=</a:t>
+            </a:r>
+            <a:r>
+              <a:rPr lang="en-US" sz="1200" dirty="0">
+                <a:latin typeface="Consolas" panose="020B0609020204030204" pitchFamily="49" charset="0"/>
+                <a:cs typeface="Courier New" panose="02070309020205020404" pitchFamily="49" charset="0"/>
+              </a:rPr>
+              <a:t> 5</a:t>
             </a:r>
           </a:p>
           <a:p>
@@ -7356,7 +7911,24 @@
                 <a:latin typeface="Consolas" panose="020B0609020204030204" pitchFamily="49" charset="0"/>
                 <a:cs typeface="Courier New" panose="02070309020205020404" pitchFamily="49" charset="0"/>
               </a:rPr>
-              <a:t>y = ‘Hello, World!’</a:t>
+              <a:t>y </a:t>
+            </a:r>
+            <a:r>
+              <a:rPr lang="en-US" sz="1200" dirty="0">
+                <a:solidFill>
+                  <a:schemeClr val="accent1"/>
+                </a:solidFill>
+                <a:latin typeface="Consolas" panose="020B0609020204030204" pitchFamily="49" charset="0"/>
+                <a:cs typeface="Courier New" panose="02070309020205020404" pitchFamily="49" charset="0"/>
+              </a:rPr>
+              <a:t>=</a:t>
+            </a:r>
+            <a:r>
+              <a:rPr lang="en-US" sz="1200" dirty="0">
+                <a:latin typeface="Consolas" panose="020B0609020204030204" pitchFamily="49" charset="0"/>
+                <a:cs typeface="Courier New" panose="02070309020205020404" pitchFamily="49" charset="0"/>
+              </a:rPr>
+              <a:t> 'Hello, World!’</a:t>
             </a:r>
           </a:p>
           <a:p>
@@ -7383,10 +7955,20 @@
             </a:pPr>
             <a:r>
               <a:rPr lang="en-US" sz="1200" dirty="0">
+                <a:solidFill>
+                  <a:schemeClr val="accent1"/>
+                </a:solidFill>
                 <a:latin typeface="Consolas" panose="020B0609020204030204" pitchFamily="49" charset="0"/>
                 <a:cs typeface="Courier New" panose="02070309020205020404" pitchFamily="49" charset="0"/>
               </a:rPr>
-              <a:t># This is a comment.</a:t>
+              <a:t>#</a:t>
+            </a:r>
+            <a:r>
+              <a:rPr lang="en-US" sz="1200" dirty="0">
+                <a:latin typeface="Consolas" panose="020B0609020204030204" pitchFamily="49" charset="0"/>
+                <a:cs typeface="Courier New" panose="02070309020205020404" pitchFamily="49" charset="0"/>
+              </a:rPr>
+              <a:t> This is a comment.</a:t>
             </a:r>
           </a:p>
           <a:p>
@@ -7425,10 +8007,20 @@
             </a:pPr>
             <a:r>
               <a:rPr lang="en-US" sz="1200" dirty="0">
+                <a:solidFill>
+                  <a:srgbClr val="262626"/>
+                </a:solidFill>
                 <a:latin typeface="Consolas" panose="020B0609020204030204" pitchFamily="49" charset="0"/>
                 <a:cs typeface="Courier New" panose="02070309020205020404" pitchFamily="49" charset="0"/>
               </a:rPr>
-              <a:t>    print(‘Five is greater than two!’)</a:t>
+              <a:t>    </a:t>
+            </a:r>
+            <a:r>
+              <a:rPr lang="en-US" sz="1200" dirty="0">
+                <a:latin typeface="Consolas" panose="020B0609020204030204" pitchFamily="49" charset="0"/>
+                <a:cs typeface="Courier New" panose="02070309020205020404" pitchFamily="49" charset="0"/>
+              </a:rPr>
+              <a:t>print('Five is greater than two!')</a:t>
             </a:r>
           </a:p>
         </p:txBody>
@@ -7577,7 +8169,7 @@
                 <a:latin typeface="Consolas" panose="020B0609020204030204" pitchFamily="49" charset="0"/>
                 <a:cs typeface="Courier New" panose="02070309020205020404" pitchFamily="49" charset="0"/>
               </a:rPr>
-              <a:t>x = 4       # x is of type int</a:t>
+              <a:t>x = 4</a:t>
             </a:r>
           </a:p>
           <a:p>
@@ -7589,7 +8181,7 @@
                 <a:latin typeface="Consolas" panose="020B0609020204030204" pitchFamily="49" charset="0"/>
                 <a:cs typeface="Courier New" panose="02070309020205020404" pitchFamily="49" charset="0"/>
               </a:rPr>
-              <a:t>x = "Sally" # x is now of type str</a:t>
+              <a:t>x = 'Sally'</a:t>
             </a:r>
           </a:p>
           <a:p>
@@ -7631,7 +8223,24 @@
                 <a:latin typeface="Consolas" panose="020B0609020204030204" pitchFamily="49" charset="0"/>
                 <a:cs typeface="Courier New" panose="02070309020205020404" pitchFamily="49" charset="0"/>
               </a:rPr>
-              <a:t>x = str(3)    # x will be '3'</a:t>
+              <a:t>a = </a:t>
+            </a:r>
+            <a:r>
+              <a:rPr lang="en-US" sz="1200" dirty="0">
+                <a:solidFill>
+                  <a:schemeClr val="accent1"/>
+                </a:solidFill>
+                <a:latin typeface="Consolas" panose="020B0609020204030204" pitchFamily="49" charset="0"/>
+                <a:cs typeface="Courier New" panose="02070309020205020404" pitchFamily="49" charset="0"/>
+              </a:rPr>
+              <a:t>str</a:t>
+            </a:r>
+            <a:r>
+              <a:rPr lang="en-US" sz="1200" dirty="0">
+                <a:latin typeface="Consolas" panose="020B0609020204030204" pitchFamily="49" charset="0"/>
+                <a:cs typeface="Courier New" panose="02070309020205020404" pitchFamily="49" charset="0"/>
+              </a:rPr>
+              <a:t>(3)</a:t>
             </a:r>
           </a:p>
           <a:p>
@@ -7643,7 +8252,24 @@
                 <a:latin typeface="Consolas" panose="020B0609020204030204" pitchFamily="49" charset="0"/>
                 <a:cs typeface="Courier New" panose="02070309020205020404" pitchFamily="49" charset="0"/>
               </a:rPr>
-              <a:t>y = int(3)    # y will be 3</a:t>
+              <a:t>b = </a:t>
+            </a:r>
+            <a:r>
+              <a:rPr lang="en-US" sz="1200" dirty="0">
+                <a:solidFill>
+                  <a:schemeClr val="accent1"/>
+                </a:solidFill>
+                <a:latin typeface="Consolas" panose="020B0609020204030204" pitchFamily="49" charset="0"/>
+                <a:cs typeface="Courier New" panose="02070309020205020404" pitchFamily="49" charset="0"/>
+              </a:rPr>
+              <a:t>int</a:t>
+            </a:r>
+            <a:r>
+              <a:rPr lang="en-US" sz="1200" dirty="0">
+                <a:latin typeface="Consolas" panose="020B0609020204030204" pitchFamily="49" charset="0"/>
+                <a:cs typeface="Courier New" panose="02070309020205020404" pitchFamily="49" charset="0"/>
+              </a:rPr>
+              <a:t>(3)</a:t>
             </a:r>
           </a:p>
           <a:p>
@@ -7655,7 +8281,53 @@
                 <a:latin typeface="Consolas" panose="020B0609020204030204" pitchFamily="49" charset="0"/>
                 <a:cs typeface="Courier New" panose="02070309020205020404" pitchFamily="49" charset="0"/>
               </a:rPr>
-              <a:t>z = float(3)  # z will be 3.0 </a:t>
+              <a:t>c = </a:t>
+            </a:r>
+            <a:r>
+              <a:rPr lang="en-US" sz="1200" dirty="0">
+                <a:solidFill>
+                  <a:schemeClr val="accent1"/>
+                </a:solidFill>
+                <a:latin typeface="Consolas" panose="020B0609020204030204" pitchFamily="49" charset="0"/>
+                <a:cs typeface="Courier New" panose="02070309020205020404" pitchFamily="49" charset="0"/>
+              </a:rPr>
+              <a:t>float</a:t>
+            </a:r>
+            <a:r>
+              <a:rPr lang="en-US" sz="1200" dirty="0">
+                <a:latin typeface="Consolas" panose="020B0609020204030204" pitchFamily="49" charset="0"/>
+                <a:cs typeface="Courier New" panose="02070309020205020404" pitchFamily="49" charset="0"/>
+              </a:rPr>
+              <a:t>(3)</a:t>
+            </a:r>
+          </a:p>
+          <a:p>
+            <a:pPr marL="76200" indent="0">
+              <a:buNone/>
+            </a:pPr>
+            <a:r>
+              <a:rPr lang="en-US" sz="1200" dirty="0">
+                <a:latin typeface="Consolas" panose="020B0609020204030204" pitchFamily="49" charset="0"/>
+                <a:cs typeface="Courier New" panose="02070309020205020404" pitchFamily="49" charset="0"/>
+              </a:rPr>
+              <a:t>d = </a:t>
+            </a:r>
+            <a:r>
+              <a:rPr lang="en-US" sz="1200" dirty="0">
+                <a:solidFill>
+                  <a:schemeClr val="accent1"/>
+                </a:solidFill>
+                <a:latin typeface="Consolas" panose="020B0609020204030204" pitchFamily="49" charset="0"/>
+                <a:cs typeface="Courier New" panose="02070309020205020404" pitchFamily="49" charset="0"/>
+              </a:rPr>
+              <a:t>bool</a:t>
+            </a:r>
+            <a:r>
+              <a:rPr lang="en-US" sz="1200" dirty="0">
+                <a:latin typeface="Consolas" panose="020B0609020204030204" pitchFamily="49" charset="0"/>
+                <a:cs typeface="Courier New" panose="02070309020205020404" pitchFamily="49" charset="0"/>
+              </a:rPr>
+              <a:t>(1)</a:t>
             </a:r>
           </a:p>
         </p:txBody>
@@ -7804,7 +8476,7 @@
                 <a:latin typeface="Consolas" panose="020B0609020204030204" pitchFamily="49" charset="0"/>
                 <a:cs typeface="Courier New" panose="02070309020205020404" pitchFamily="49" charset="0"/>
               </a:rPr>
-              <a:t>X = -5j</a:t>
+              <a:t>x = -5j</a:t>
             </a:r>
           </a:p>
           <a:p>
@@ -7813,10 +8485,30 @@
             </a:pPr>
             <a:r>
               <a:rPr lang="fr-FR" sz="1200" dirty="0">
+                <a:solidFill>
+                  <a:schemeClr val="accent1"/>
+                </a:solidFill>
                 <a:latin typeface="Consolas" panose="020B0609020204030204" pitchFamily="49" charset="0"/>
                 <a:cs typeface="Courier New" panose="02070309020205020404" pitchFamily="49" charset="0"/>
               </a:rPr>
-              <a:t>type(x)</a:t>
+              <a:t>type(</a:t>
+            </a:r>
+            <a:r>
+              <a:rPr lang="fr-FR" sz="1200" dirty="0">
+                <a:latin typeface="Consolas" panose="020B0609020204030204" pitchFamily="49" charset="0"/>
+                <a:cs typeface="Courier New" panose="02070309020205020404" pitchFamily="49" charset="0"/>
+              </a:rPr>
+              <a:t>x</a:t>
+            </a:r>
+            <a:r>
+              <a:rPr lang="fr-FR" sz="1200" dirty="0">
+                <a:solidFill>
+                  <a:schemeClr val="accent1"/>
+                </a:solidFill>
+                <a:latin typeface="Consolas" panose="020B0609020204030204" pitchFamily="49" charset="0"/>
+                <a:cs typeface="Courier New" panose="02070309020205020404" pitchFamily="49" charset="0"/>
+              </a:rPr>
+              <a:t>)</a:t>
             </a:r>
           </a:p>
           <a:p>
@@ -7845,7 +8537,75 @@
                 <a:latin typeface="Consolas" panose="020B0609020204030204" pitchFamily="49" charset="0"/>
                 <a:cs typeface="Courier New" panose="02070309020205020404" pitchFamily="49" charset="0"/>
               </a:rPr>
-              <a:t>x, y, z = ‘Orange’, ‘Banana’, ‘Cherry’</a:t>
+              <a:t>x</a:t>
+            </a:r>
+            <a:r>
+              <a:rPr lang="en-US" sz="1200" dirty="0">
+                <a:solidFill>
+                  <a:schemeClr val="accent1"/>
+                </a:solidFill>
+                <a:latin typeface="Consolas" panose="020B0609020204030204" pitchFamily="49" charset="0"/>
+                <a:cs typeface="Courier New" panose="02070309020205020404" pitchFamily="49" charset="0"/>
+              </a:rPr>
+              <a:t>,</a:t>
+            </a:r>
+            <a:r>
+              <a:rPr lang="en-US" sz="1200" dirty="0">
+                <a:latin typeface="Consolas" panose="020B0609020204030204" pitchFamily="49" charset="0"/>
+                <a:cs typeface="Courier New" panose="02070309020205020404" pitchFamily="49" charset="0"/>
+              </a:rPr>
+              <a:t> y</a:t>
+            </a:r>
+            <a:r>
+              <a:rPr lang="en-US" sz="1200" dirty="0">
+                <a:solidFill>
+                  <a:schemeClr val="accent1"/>
+                </a:solidFill>
+                <a:latin typeface="Consolas" panose="020B0609020204030204" pitchFamily="49" charset="0"/>
+                <a:cs typeface="Courier New" panose="02070309020205020404" pitchFamily="49" charset="0"/>
+              </a:rPr>
+              <a:t>,</a:t>
+            </a:r>
+            <a:r>
+              <a:rPr lang="en-US" sz="1200" dirty="0">
+                <a:latin typeface="Consolas" panose="020B0609020204030204" pitchFamily="49" charset="0"/>
+                <a:cs typeface="Courier New" panose="02070309020205020404" pitchFamily="49" charset="0"/>
+              </a:rPr>
+              <a:t> z = 'Orange'</a:t>
+            </a:r>
+            <a:r>
+              <a:rPr lang="en-US" sz="1200" dirty="0">
+                <a:solidFill>
+                  <a:schemeClr val="accent1"/>
+                </a:solidFill>
+                <a:latin typeface="Consolas" panose="020B0609020204030204" pitchFamily="49" charset="0"/>
+                <a:cs typeface="Courier New" panose="02070309020205020404" pitchFamily="49" charset="0"/>
+              </a:rPr>
+              <a:t>,</a:t>
+            </a:r>
+            <a:r>
+              <a:rPr lang="en-US" sz="1200" dirty="0">
+                <a:latin typeface="Consolas" panose="020B0609020204030204" pitchFamily="49" charset="0"/>
+                <a:cs typeface="Courier New" panose="02070309020205020404" pitchFamily="49" charset="0"/>
+              </a:rPr>
+              <a:t> 'Banana'</a:t>
+            </a:r>
+            <a:r>
+              <a:rPr lang="en-US" sz="1200" dirty="0">
+                <a:solidFill>
+                  <a:schemeClr val="accent1"/>
+                </a:solidFill>
+                <a:latin typeface="Consolas" panose="020B0609020204030204" pitchFamily="49" charset="0"/>
+                <a:cs typeface="Courier New" panose="02070309020205020404" pitchFamily="49" charset="0"/>
+              </a:rPr>
+              <a:t>,</a:t>
+            </a:r>
+            <a:r>
+              <a:rPr lang="en-US" sz="1200" dirty="0">
+                <a:latin typeface="Consolas" panose="020B0609020204030204" pitchFamily="49" charset="0"/>
+                <a:cs typeface="Courier New" panose="02070309020205020404" pitchFamily="49" charset="0"/>
+              </a:rPr>
+              <a:t> 'Cherry'</a:t>
             </a:r>
           </a:p>
           <a:p>
@@ -7875,7 +8635,86 @@
                 <a:latin typeface="Consolas" panose="020B0609020204030204" pitchFamily="49" charset="0"/>
                 <a:cs typeface="Courier New" panose="02070309020205020404" pitchFamily="49" charset="0"/>
               </a:rPr>
-              <a:t>x = y = z = ‘Orange’ </a:t>
+              <a:t>x </a:t>
+            </a:r>
+            <a:r>
+              <a:rPr lang="fr-FR" sz="1200" dirty="0">
+                <a:solidFill>
+                  <a:schemeClr val="accent1"/>
+                </a:solidFill>
+                <a:latin typeface="Consolas" panose="020B0609020204030204" pitchFamily="49" charset="0"/>
+                <a:cs typeface="Courier New" panose="02070309020205020404" pitchFamily="49" charset="0"/>
+              </a:rPr>
+              <a:t>=</a:t>
+            </a:r>
+            <a:r>
+              <a:rPr lang="fr-FR" sz="1200" dirty="0">
+                <a:latin typeface="Consolas" panose="020B0609020204030204" pitchFamily="49" charset="0"/>
+                <a:cs typeface="Courier New" panose="02070309020205020404" pitchFamily="49" charset="0"/>
+              </a:rPr>
+              <a:t> y </a:t>
+            </a:r>
+            <a:r>
+              <a:rPr lang="fr-FR" sz="1200" dirty="0">
+                <a:solidFill>
+                  <a:schemeClr val="accent1"/>
+                </a:solidFill>
+                <a:latin typeface="Consolas" panose="020B0609020204030204" pitchFamily="49" charset="0"/>
+                <a:cs typeface="Courier New" panose="02070309020205020404" pitchFamily="49" charset="0"/>
+              </a:rPr>
+              <a:t>=</a:t>
+            </a:r>
+            <a:r>
+              <a:rPr lang="fr-FR" sz="1200" dirty="0">
+                <a:latin typeface="Consolas" panose="020B0609020204030204" pitchFamily="49" charset="0"/>
+                <a:cs typeface="Courier New" panose="02070309020205020404" pitchFamily="49" charset="0"/>
+              </a:rPr>
+              <a:t> z </a:t>
+            </a:r>
+            <a:r>
+              <a:rPr lang="fr-FR" sz="1200" dirty="0">
+                <a:solidFill>
+                  <a:schemeClr val="accent1"/>
+                </a:solidFill>
+                <a:latin typeface="Consolas" panose="020B0609020204030204" pitchFamily="49" charset="0"/>
+                <a:cs typeface="Courier New" panose="02070309020205020404" pitchFamily="49" charset="0"/>
+              </a:rPr>
+              <a:t>=</a:t>
+            </a:r>
+            <a:r>
+              <a:rPr lang="fr-FR" sz="1200" dirty="0">
+                <a:latin typeface="Consolas" panose="020B0609020204030204" pitchFamily="49" charset="0"/>
+                <a:cs typeface="Courier New" panose="02070309020205020404" pitchFamily="49" charset="0"/>
+              </a:rPr>
+              <a:t> </a:t>
+            </a:r>
+            <a:r>
+              <a:rPr lang="en-US" sz="1200" dirty="0">
+                <a:latin typeface="Consolas" panose="020B0609020204030204" pitchFamily="49" charset="0"/>
+                <a:cs typeface="Courier New" panose="02070309020205020404" pitchFamily="49" charset="0"/>
+              </a:rPr>
+              <a:t>'</a:t>
+            </a:r>
+            <a:r>
+              <a:rPr lang="fr-FR" sz="1200" dirty="0">
+                <a:latin typeface="Consolas" panose="020B0609020204030204" pitchFamily="49" charset="0"/>
+                <a:cs typeface="Courier New" panose="02070309020205020404" pitchFamily="49" charset="0"/>
+              </a:rPr>
+              <a:t>Orange</a:t>
+            </a:r>
+            <a:r>
+              <a:rPr lang="en-US" sz="1200" dirty="0">
+                <a:latin typeface="Consolas" panose="020B0609020204030204" pitchFamily="49" charset="0"/>
+                <a:cs typeface="Courier New" panose="02070309020205020404" pitchFamily="49" charset="0"/>
+              </a:rPr>
+              <a:t>'</a:t>
+            </a:r>
+            <a:r>
+              <a:rPr lang="fr-FR" sz="1200" dirty="0">
+                <a:latin typeface="Consolas" panose="020B0609020204030204" pitchFamily="49" charset="0"/>
+                <a:cs typeface="Courier New" panose="02070309020205020404" pitchFamily="49" charset="0"/>
+              </a:rPr>
+              <a:t> </a:t>
             </a:r>
           </a:p>
         </p:txBody>
@@ -8024,7 +8863,17 @@
                 <a:latin typeface="Consolas" panose="020B0609020204030204" pitchFamily="49" charset="0"/>
                 <a:cs typeface="Courier New" panose="02070309020205020404" pitchFamily="49" charset="0"/>
               </a:rPr>
-              <a:t>a = 1    # int</a:t>
+              <a:t>a = 1    # </a:t>
+            </a:r>
+            <a:r>
+              <a:rPr lang="en-US" sz="1200" dirty="0">
+                <a:solidFill>
+                  <a:schemeClr val="accent1"/>
+                </a:solidFill>
+                <a:latin typeface="Consolas" panose="020B0609020204030204" pitchFamily="49" charset="0"/>
+                <a:cs typeface="Courier New" panose="02070309020205020404" pitchFamily="49" charset="0"/>
+              </a:rPr>
+              <a:t>int</a:t>
             </a:r>
           </a:p>
           <a:p>
@@ -8036,7 +8885,17 @@
                 <a:latin typeface="Consolas" panose="020B0609020204030204" pitchFamily="49" charset="0"/>
                 <a:cs typeface="Courier New" panose="02070309020205020404" pitchFamily="49" charset="0"/>
               </a:rPr>
-              <a:t>b = 2.8  # float</a:t>
+              <a:t>b = 2.8  # </a:t>
+            </a:r>
+            <a:r>
+              <a:rPr lang="en-US" sz="1200" dirty="0">
+                <a:solidFill>
+                  <a:schemeClr val="accent1"/>
+                </a:solidFill>
+                <a:latin typeface="Consolas" panose="020B0609020204030204" pitchFamily="49" charset="0"/>
+                <a:cs typeface="Courier New" panose="02070309020205020404" pitchFamily="49" charset="0"/>
+              </a:rPr>
+              <a:t>float</a:t>
             </a:r>
           </a:p>
           <a:p>
@@ -8048,7 +8907,17 @@
                 <a:latin typeface="Consolas" panose="020B0609020204030204" pitchFamily="49" charset="0"/>
                 <a:cs typeface="Courier New" panose="02070309020205020404" pitchFamily="49" charset="0"/>
               </a:rPr>
-              <a:t>c = 1j   # complex</a:t>
+              <a:t>c = 1j   # </a:t>
+            </a:r>
+            <a:r>
+              <a:rPr lang="en-US" sz="1200" dirty="0">
+                <a:solidFill>
+                  <a:schemeClr val="accent1"/>
+                </a:solidFill>
+                <a:latin typeface="Consolas" panose="020B0609020204030204" pitchFamily="49" charset="0"/>
+                <a:cs typeface="Courier New" panose="02070309020205020404" pitchFamily="49" charset="0"/>
+              </a:rPr>
+              <a:t>complex</a:t>
             </a:r>
           </a:p>
           <a:p>

--- a/Python.pptx
+++ b/Python.pptx
@@ -5,10 +5,10 @@
     <p:sldMasterId id="2147483658" r:id="rId1"/>
   </p:sldMasterIdLst>
   <p:notesMasterIdLst>
-    <p:notesMasterId r:id="rId21"/>
+    <p:notesMasterId r:id="rId23"/>
   </p:notesMasterIdLst>
   <p:handoutMasterIdLst>
-    <p:handoutMasterId r:id="rId22"/>
+    <p:handoutMasterId r:id="rId24"/>
   </p:handoutMasterIdLst>
   <p:sldIdLst>
     <p:sldId id="256" r:id="rId2"/>
@@ -22,43 +22,45 @@
     <p:sldId id="294" r:id="rId10"/>
     <p:sldId id="295" r:id="rId11"/>
     <p:sldId id="296" r:id="rId12"/>
-    <p:sldId id="281" r:id="rId13"/>
-    <p:sldId id="289" r:id="rId14"/>
-    <p:sldId id="282" r:id="rId15"/>
-    <p:sldId id="283" r:id="rId16"/>
-    <p:sldId id="286" r:id="rId17"/>
-    <p:sldId id="287" r:id="rId18"/>
-    <p:sldId id="280" r:id="rId19"/>
-    <p:sldId id="271" r:id="rId20"/>
+    <p:sldId id="297" r:id="rId13"/>
+    <p:sldId id="298" r:id="rId14"/>
+    <p:sldId id="281" r:id="rId15"/>
+    <p:sldId id="289" r:id="rId16"/>
+    <p:sldId id="282" r:id="rId17"/>
+    <p:sldId id="283" r:id="rId18"/>
+    <p:sldId id="286" r:id="rId19"/>
+    <p:sldId id="287" r:id="rId20"/>
+    <p:sldId id="280" r:id="rId21"/>
+    <p:sldId id="271" r:id="rId22"/>
   </p:sldIdLst>
   <p:sldSz cx="9144000" cy="5143500" type="screen16x9"/>
   <p:notesSz cx="6858000" cy="9144000"/>
   <p:embeddedFontLst>
     <p:embeddedFont>
       <p:font typeface="Consolas" panose="020B0609020204030204" pitchFamily="49" charset="0"/>
-      <p:regular r:id="rId23"/>
-      <p:bold r:id="rId24"/>
-      <p:italic r:id="rId25"/>
-      <p:boldItalic r:id="rId26"/>
+      <p:regular r:id="rId25"/>
+      <p:bold r:id="rId26"/>
+      <p:italic r:id="rId27"/>
+      <p:boldItalic r:id="rId28"/>
     </p:embeddedFont>
     <p:embeddedFont>
       <p:font typeface="Roboto Slab" panose="020B0604020202020204" charset="0"/>
-      <p:regular r:id="rId27"/>
-      <p:bold r:id="rId28"/>
+      <p:regular r:id="rId29"/>
+      <p:bold r:id="rId30"/>
     </p:embeddedFont>
     <p:embeddedFont>
       <p:font typeface="Source Sans Pro" panose="020B0503030403020204" pitchFamily="34" charset="0"/>
-      <p:regular r:id="rId29"/>
-      <p:bold r:id="rId30"/>
-      <p:italic r:id="rId31"/>
-      <p:boldItalic r:id="rId32"/>
+      <p:regular r:id="rId31"/>
+      <p:bold r:id="rId32"/>
+      <p:italic r:id="rId33"/>
+      <p:boldItalic r:id="rId34"/>
     </p:embeddedFont>
     <p:embeddedFont>
       <p:font typeface="Trebuchet MS" panose="020B0603020202020204" pitchFamily="34" charset="0"/>
-      <p:regular r:id="rId33"/>
-      <p:bold r:id="rId34"/>
-      <p:italic r:id="rId35"/>
-      <p:boldItalic r:id="rId36"/>
+      <p:regular r:id="rId35"/>
+      <p:bold r:id="rId36"/>
+      <p:italic r:id="rId37"/>
+      <p:boldItalic r:id="rId38"/>
     </p:embeddedFont>
   </p:embeddedFontLst>
   <p:defaultTextStyle>
@@ -5140,6 +5142,53 @@
           <a:chExt cx="0" cy="0"/>
         </a:xfrm>
       </p:grpSpPr>
+      <p:pic>
+        <p:nvPicPr>
+          <p:cNvPr id="3" name="Picture 2">
+            <a:extLst>
+              <a:ext uri="{FF2B5EF4-FFF2-40B4-BE49-F238E27FC236}">
+                <a16:creationId xmlns:a16="http://schemas.microsoft.com/office/drawing/2014/main" id="{FF397A8E-5870-48E2-844D-7BE7469581EB}"/>
+              </a:ext>
+            </a:extLst>
+          </p:cNvPr>
+          <p:cNvPicPr>
+            <a:picLocks noChangeAspect="1"/>
+          </p:cNvPicPr>
+          <p:nvPr/>
+        </p:nvPicPr>
+        <p:blipFill rotWithShape="1">
+          <a:blip r:embed="rId3">
+            <a:lum bright="70000" contrast="-70000"/>
+            <a:alphaModFix amt="50000"/>
+            <a:extLst>
+              <a:ext uri="{BEBA8EAE-BF5A-486C-A8C5-ECC9F3942E4B}">
+                <a14:imgProps xmlns:a14="http://schemas.microsoft.com/office/drawing/2010/main">
+                  <a14:imgLayer r:embed="rId4">
+                    <a14:imgEffect>
+                      <a14:brightnessContrast bright="-100000"/>
+                    </a14:imgEffect>
+                  </a14:imgLayer>
+                </a14:imgProps>
+              </a:ext>
+            </a:extLst>
+          </a:blip>
+          <a:srcRect b="16349"/>
+          <a:stretch/>
+        </p:blipFill>
+        <p:spPr>
+          <a:xfrm>
+            <a:off x="3832307" y="1821873"/>
+            <a:ext cx="1479386" cy="1499754"/>
+          </a:xfrm>
+          <a:prstGeom prst="rect">
+            <a:avLst/>
+          </a:prstGeom>
+          <a:noFill/>
+          <a:ln>
+            <a:noFill/>
+          </a:ln>
+        </p:spPr>
+      </p:pic>
       <p:sp>
         <p:nvSpPr>
           <p:cNvPr id="70" name="Google Shape;70;p12"/>
@@ -5175,10 +5224,10 @@
               <a:buNone/>
             </a:pPr>
             <a:r>
-              <a:rPr lang="en" dirty="0"/>
+              <a:rPr lang="en"/>
               <a:t>Python</a:t>
             </a:r>
-            <a:endParaRPr dirty="0"/>
+            <a:endParaRPr/>
           </a:p>
         </p:txBody>
       </p:sp>
@@ -5229,14 +5278,14 @@
           <a:lstStyle/>
           <a:p>
             <a:r>
-              <a:rPr lang="en-US" dirty="0"/>
+              <a:rPr lang="en-US"/>
               <a:t>Python </a:t>
             </a:r>
             <a:r>
-              <a:rPr lang="en-US" sz="2400" dirty="0"/>
+              <a:rPr lang="en-US" sz="2400"/>
               <a:t>Strings</a:t>
             </a:r>
-            <a:endParaRPr lang="fa-IR" dirty="0"/>
+            <a:endParaRPr lang="fa-IR"/>
           </a:p>
         </p:txBody>
       </p:sp>
@@ -5270,7 +5319,7 @@
               <a:buNone/>
             </a:pPr>
             <a:r>
-              <a:rPr lang="en-US" sz="1400" dirty="0"/>
+              <a:rPr lang="en-US" sz="1400"/>
               <a:t>Single line and multiline string</a:t>
             </a:r>
           </a:p>
@@ -5279,14 +5328,14 @@
               <a:buNone/>
             </a:pPr>
             <a:r>
-              <a:rPr lang="en-US" sz="1200" dirty="0">
+              <a:rPr lang="en-US" sz="1200">
                 <a:latin typeface="Consolas" panose="020B0609020204030204" pitchFamily="49" charset="0"/>
                 <a:cs typeface="Courier New" panose="02070309020205020404" pitchFamily="49" charset="0"/>
               </a:rPr>
               <a:t>a = </a:t>
             </a:r>
             <a:r>
-              <a:rPr lang="en-US" sz="1200" dirty="0">
+              <a:rPr lang="en-US" sz="1200">
                 <a:solidFill>
                   <a:schemeClr val="accent1"/>
                 </a:solidFill>
@@ -5296,14 +5345,14 @@
               <a:t>'</a:t>
             </a:r>
             <a:r>
-              <a:rPr lang="en-US" sz="1200" dirty="0">
+              <a:rPr lang="en-US" sz="1200">
                 <a:latin typeface="Consolas" panose="020B0609020204030204" pitchFamily="49" charset="0"/>
                 <a:cs typeface="Courier New" panose="02070309020205020404" pitchFamily="49" charset="0"/>
               </a:rPr>
               <a:t>Hello!</a:t>
             </a:r>
             <a:r>
-              <a:rPr lang="en-US" sz="1200" dirty="0">
+              <a:rPr lang="en-US" sz="1200">
                 <a:solidFill>
                   <a:schemeClr val="accent1"/>
                 </a:solidFill>
@@ -5318,14 +5367,14 @@
               <a:buNone/>
             </a:pPr>
             <a:r>
-              <a:rPr lang="en-US" sz="1200" dirty="0">
+              <a:rPr lang="en-US" sz="1200">
                 <a:latin typeface="Consolas" panose="020B0609020204030204" pitchFamily="49" charset="0"/>
                 <a:cs typeface="Courier New" panose="02070309020205020404" pitchFamily="49" charset="0"/>
               </a:rPr>
               <a:t>b = </a:t>
             </a:r>
             <a:r>
-              <a:rPr lang="en-US" sz="1200" dirty="0">
+              <a:rPr lang="en-US" sz="1200">
                 <a:solidFill>
                   <a:schemeClr val="accent1"/>
                 </a:solidFill>
@@ -5335,7 +5384,7 @@
               <a:t>'''</a:t>
             </a:r>
             <a:r>
-              <a:rPr lang="en-US" sz="1200" dirty="0">
+              <a:rPr lang="en-US" sz="1200">
                 <a:latin typeface="Consolas" panose="020B0609020204030204" pitchFamily="49" charset="0"/>
                 <a:cs typeface="Courier New" panose="02070309020205020404" pitchFamily="49" charset="0"/>
               </a:rPr>
@@ -5347,14 +5396,14 @@
               <a:buNone/>
             </a:pPr>
             <a:r>
-              <a:rPr lang="en-US" sz="1200" dirty="0">
+              <a:rPr lang="en-US" sz="1200">
                 <a:latin typeface="Consolas" panose="020B0609020204030204" pitchFamily="49" charset="0"/>
                 <a:cs typeface="Courier New" panose="02070309020205020404" pitchFamily="49" charset="0"/>
               </a:rPr>
               <a:t>How are you?</a:t>
             </a:r>
             <a:r>
-              <a:rPr lang="en-US" sz="1200" dirty="0">
+              <a:rPr lang="en-US" sz="1200">
                 <a:solidFill>
                   <a:schemeClr val="accent1"/>
                 </a:solidFill>
@@ -5368,7 +5417,7 @@
             <a:pPr marL="76200" indent="0">
               <a:buNone/>
             </a:pPr>
-            <a:endParaRPr lang="en-US" sz="1200" dirty="0">
+            <a:endParaRPr lang="en-US" sz="1200">
               <a:latin typeface="Consolas" panose="020B0609020204030204" pitchFamily="49" charset="0"/>
             </a:endParaRPr>
           </a:p>
@@ -5377,7 +5426,7 @@
               <a:buNone/>
             </a:pPr>
             <a:r>
-              <a:rPr lang="en-US" sz="1400" dirty="0"/>
+              <a:rPr lang="en-US" sz="1400"/>
               <a:t>F-strings</a:t>
             </a:r>
           </a:p>
@@ -5386,7 +5435,7 @@
               <a:buNone/>
             </a:pPr>
             <a:r>
-              <a:rPr lang="en-US" sz="1200" dirty="0">
+              <a:rPr lang="en-US" sz="1200">
                 <a:latin typeface="Consolas" panose="020B0609020204030204" pitchFamily="49" charset="0"/>
                 <a:cs typeface="Courier New" panose="02070309020205020404" pitchFamily="49" charset="0"/>
               </a:rPr>
@@ -5398,38 +5447,31 @@
               <a:buNone/>
             </a:pPr>
             <a:r>
-              <a:rPr lang="en-US" sz="1200" dirty="0">
+              <a:rPr lang="en-US" sz="1200">
                 <a:latin typeface="Consolas" panose="020B0609020204030204" pitchFamily="49" charset="0"/>
                 <a:cs typeface="Courier New" panose="02070309020205020404" pitchFamily="49" charset="0"/>
               </a:rPr>
               <a:t>message = </a:t>
             </a:r>
             <a:r>
-              <a:rPr lang="en-US" sz="1200" dirty="0" err="1">
+              <a:rPr lang="en-US" sz="1200">
                 <a:solidFill>
                   <a:schemeClr val="accent1"/>
                 </a:solidFill>
                 <a:latin typeface="Consolas" panose="020B0609020204030204" pitchFamily="49" charset="0"/>
                 <a:cs typeface="Courier New" panose="02070309020205020404" pitchFamily="49" charset="0"/>
               </a:rPr>
-              <a:t>f’</a:t>
-            </a:r>
-            <a:r>
-              <a:rPr lang="en-US" sz="1200" dirty="0" err="1">
-                <a:latin typeface="Consolas" panose="020B0609020204030204" pitchFamily="49" charset="0"/>
-                <a:cs typeface="Courier New" panose="02070309020205020404" pitchFamily="49" charset="0"/>
-              </a:rPr>
-              <a:t>Hello</a:t>
-            </a:r>
-            <a:r>
-              <a:rPr lang="en-US" sz="1200" dirty="0">
-                <a:latin typeface="Consolas" panose="020B0609020204030204" pitchFamily="49" charset="0"/>
-                <a:cs typeface="Courier New" panose="02070309020205020404" pitchFamily="49" charset="0"/>
-              </a:rPr>
-              <a:t> </a:t>
-            </a:r>
-            <a:r>
-              <a:rPr lang="en-US" sz="1200" dirty="0">
+              <a:t>f'</a:t>
+            </a:r>
+            <a:r>
+              <a:rPr lang="en-US" sz="1200">
+                <a:latin typeface="Consolas" panose="020B0609020204030204" pitchFamily="49" charset="0"/>
+                <a:cs typeface="Courier New" panose="02070309020205020404" pitchFamily="49" charset="0"/>
+              </a:rPr>
+              <a:t>Hello </a:t>
+            </a:r>
+            <a:r>
+              <a:rPr lang="en-US" sz="1200">
                 <a:solidFill>
                   <a:schemeClr val="accent1"/>
                 </a:solidFill>
@@ -5439,14 +5481,14 @@
               <a:t>{</a:t>
             </a:r>
             <a:r>
-              <a:rPr lang="en-US" sz="1200" dirty="0">
+              <a:rPr lang="en-US" sz="1200">
                 <a:latin typeface="Consolas" panose="020B0609020204030204" pitchFamily="49" charset="0"/>
                 <a:cs typeface="Courier New" panose="02070309020205020404" pitchFamily="49" charset="0"/>
               </a:rPr>
               <a:t>name</a:t>
             </a:r>
             <a:r>
-              <a:rPr lang="en-US" sz="1200" dirty="0">
+              <a:rPr lang="en-US" sz="1200">
                 <a:solidFill>
                   <a:schemeClr val="accent1"/>
                 </a:solidFill>
@@ -5456,14 +5498,14 @@
               <a:t>}</a:t>
             </a:r>
             <a:r>
-              <a:rPr lang="en-US" sz="1200" dirty="0">
+              <a:rPr lang="en-US" sz="1200">
                 <a:latin typeface="Consolas" panose="020B0609020204030204" pitchFamily="49" charset="0"/>
                 <a:cs typeface="Courier New" panose="02070309020205020404" pitchFamily="49" charset="0"/>
               </a:rPr>
               <a:t>, you are </a:t>
             </a:r>
             <a:r>
-              <a:rPr lang="en-US" sz="1200" dirty="0">
+              <a:rPr lang="en-US" sz="1200">
                 <a:solidFill>
                   <a:schemeClr val="accent1"/>
                 </a:solidFill>
@@ -5473,14 +5515,14 @@
               <a:t>{</a:t>
             </a:r>
             <a:r>
-              <a:rPr lang="en-US" sz="1200" dirty="0">
+              <a:rPr lang="en-US" sz="1200">
                 <a:latin typeface="Consolas" panose="020B0609020204030204" pitchFamily="49" charset="0"/>
                 <a:cs typeface="Courier New" panose="02070309020205020404" pitchFamily="49" charset="0"/>
               </a:rPr>
               <a:t>age</a:t>
             </a:r>
             <a:r>
-              <a:rPr lang="en-US" sz="1200" dirty="0">
+              <a:rPr lang="en-US" sz="1200">
                 <a:solidFill>
                   <a:schemeClr val="accent1"/>
                 </a:solidFill>
@@ -5490,14 +5532,14 @@
               <a:t>}</a:t>
             </a:r>
             <a:r>
-              <a:rPr lang="en-US" sz="1200" dirty="0">
+              <a:rPr lang="en-US" sz="1200">
                 <a:latin typeface="Consolas" panose="020B0609020204030204" pitchFamily="49" charset="0"/>
                 <a:cs typeface="Courier New" panose="02070309020205020404" pitchFamily="49" charset="0"/>
               </a:rPr>
               <a:t> years old!</a:t>
             </a:r>
             <a:r>
-              <a:rPr lang="en-US" sz="1200" dirty="0">
+              <a:rPr lang="en-US" sz="1200">
                 <a:solidFill>
                   <a:schemeClr val="accent1"/>
                 </a:solidFill>
@@ -5506,7 +5548,7 @@
               </a:rPr>
               <a:t>'</a:t>
             </a:r>
-            <a:endParaRPr lang="fr-FR" sz="1200" dirty="0">
+            <a:endParaRPr lang="fr-FR" sz="1200">
               <a:solidFill>
                 <a:schemeClr val="accent1"/>
               </a:solidFill>
@@ -5518,11 +5560,29 @@
             <a:pPr marL="76200" indent="0">
               <a:buNone/>
             </a:pPr>
-            <a:r>
-              <a:rPr lang="en-US" sz="1200" dirty="0">
-                <a:latin typeface="Consolas" panose="020B0609020204030204" pitchFamily="49" charset="0"/>
-              </a:rPr>
-              <a:t>print(message)</a:t>
+            <a:endParaRPr lang="en-US" sz="1200">
+              <a:latin typeface="Consolas" panose="020B0609020204030204" pitchFamily="49" charset="0"/>
+            </a:endParaRPr>
+          </a:p>
+          <a:p>
+            <a:pPr marL="76200" indent="0">
+              <a:buNone/>
+            </a:pPr>
+            <a:r>
+              <a:rPr lang="en-US" sz="1400"/>
+              <a:t>Operators</a:t>
+            </a:r>
+          </a:p>
+          <a:p>
+            <a:pPr marL="76200" indent="0">
+              <a:buNone/>
+            </a:pPr>
+            <a:r>
+              <a:rPr lang="en-US" sz="1200">
+                <a:latin typeface="Consolas" panose="020B0609020204030204" pitchFamily="49" charset="0"/>
+                <a:cs typeface="Courier New" panose="02070309020205020404" pitchFamily="49" charset="0"/>
+              </a:rPr>
+              <a:t>+  *</a:t>
             </a:r>
           </a:p>
         </p:txBody>
@@ -5617,14 +5677,14 @@
           <a:lstStyle/>
           <a:p>
             <a:r>
-              <a:rPr lang="en-US" dirty="0"/>
+              <a:rPr lang="en-US"/>
               <a:t>Python </a:t>
             </a:r>
             <a:r>
-              <a:rPr lang="en-US" sz="2400" dirty="0"/>
+              <a:rPr lang="en-US" sz="2400"/>
               <a:t>Booleans</a:t>
             </a:r>
-            <a:endParaRPr lang="fa-IR" dirty="0"/>
+            <a:endParaRPr lang="fa-IR"/>
           </a:p>
         </p:txBody>
       </p:sp>
@@ -5658,7 +5718,7 @@
               <a:buNone/>
             </a:pPr>
             <a:r>
-              <a:rPr lang="en-US" sz="1400" dirty="0"/>
+              <a:rPr lang="en-US" sz="1400"/>
               <a:t>True or False</a:t>
             </a:r>
           </a:p>
@@ -5667,14 +5727,14 @@
               <a:buNone/>
             </a:pPr>
             <a:r>
-              <a:rPr lang="en-US" sz="1200" dirty="0">
+              <a:rPr lang="en-US" sz="1200">
                 <a:latin typeface="Consolas" panose="020B0609020204030204" pitchFamily="49" charset="0"/>
                 <a:cs typeface="Courier New" panose="02070309020205020404" pitchFamily="49" charset="0"/>
               </a:rPr>
               <a:t>a, b = </a:t>
             </a:r>
             <a:r>
-              <a:rPr lang="en-US" sz="1200" dirty="0">
+              <a:rPr lang="en-US" sz="1200">
                 <a:solidFill>
                   <a:schemeClr val="accent1"/>
                 </a:solidFill>
@@ -5684,14 +5744,14 @@
               <a:t>True</a:t>
             </a:r>
             <a:r>
-              <a:rPr lang="en-US" sz="1200" dirty="0">
+              <a:rPr lang="en-US" sz="1200">
                 <a:latin typeface="Consolas" panose="020B0609020204030204" pitchFamily="49" charset="0"/>
                 <a:cs typeface="Courier New" panose="02070309020205020404" pitchFamily="49" charset="0"/>
               </a:rPr>
               <a:t>, </a:t>
             </a:r>
             <a:r>
-              <a:rPr lang="en-US" sz="1200" dirty="0">
+              <a:rPr lang="en-US" sz="1200">
                 <a:solidFill>
                   <a:schemeClr val="accent1"/>
                 </a:solidFill>
@@ -5706,24 +5766,24 @@
               <a:buNone/>
             </a:pPr>
             <a:r>
-              <a:rPr lang="en-US" sz="1200" dirty="0">
+              <a:rPr lang="en-US" sz="1200">
                 <a:latin typeface="Consolas" panose="020B0609020204030204" pitchFamily="49" charset="0"/>
                 <a:cs typeface="Courier New" panose="02070309020205020404" pitchFamily="49" charset="0"/>
               </a:rPr>
               <a:t>c = 10 </a:t>
             </a:r>
             <a:r>
-              <a:rPr lang="en-US" sz="1200" dirty="0">
+              <a:rPr lang="en-US" sz="1200">
                 <a:solidFill>
                   <a:schemeClr val="accent1"/>
                 </a:solidFill>
                 <a:latin typeface="Consolas" panose="020B0609020204030204" pitchFamily="49" charset="0"/>
                 <a:cs typeface="Courier New" panose="02070309020205020404" pitchFamily="49" charset="0"/>
               </a:rPr>
-              <a:t>&lt;</a:t>
-            </a:r>
-            <a:r>
-              <a:rPr lang="en-US" sz="1200" dirty="0">
+              <a:t>&gt;=</a:t>
+            </a:r>
+            <a:r>
+              <a:rPr lang="en-US" sz="1200">
                 <a:latin typeface="Consolas" panose="020B0609020204030204" pitchFamily="49" charset="0"/>
                 <a:cs typeface="Courier New" panose="02070309020205020404" pitchFamily="49" charset="0"/>
               </a:rPr>
@@ -5735,24 +5795,24 @@
               <a:buNone/>
             </a:pPr>
             <a:r>
-              <a:rPr lang="en-US" sz="1200" dirty="0">
+              <a:rPr lang="en-US" sz="1200">
                 <a:latin typeface="Consolas" panose="020B0609020204030204" pitchFamily="49" charset="0"/>
                 <a:cs typeface="Courier New" panose="02070309020205020404" pitchFamily="49" charset="0"/>
               </a:rPr>
               <a:t>d = 10 </a:t>
             </a:r>
             <a:r>
-              <a:rPr lang="en-US" sz="1200" dirty="0">
+              <a:rPr lang="en-US" sz="1200">
                 <a:solidFill>
                   <a:schemeClr val="accent1"/>
                 </a:solidFill>
                 <a:latin typeface="Consolas" panose="020B0609020204030204" pitchFamily="49" charset="0"/>
                 <a:cs typeface="Courier New" panose="02070309020205020404" pitchFamily="49" charset="0"/>
               </a:rPr>
-              <a:t>&gt;=</a:t>
-            </a:r>
-            <a:r>
-              <a:rPr lang="en-US" sz="1200" dirty="0">
+              <a:t>==</a:t>
+            </a:r>
+            <a:r>
+              <a:rPr lang="en-US" sz="1200">
                 <a:latin typeface="Consolas" panose="020B0609020204030204" pitchFamily="49" charset="0"/>
                 <a:cs typeface="Courier New" panose="02070309020205020404" pitchFamily="49" charset="0"/>
               </a:rPr>
@@ -5764,121 +5824,86 @@
               <a:buNone/>
             </a:pPr>
             <a:r>
-              <a:rPr lang="en-US" sz="1200" dirty="0">
-                <a:latin typeface="Consolas" panose="020B0609020204030204" pitchFamily="49" charset="0"/>
-                <a:cs typeface="Courier New" panose="02070309020205020404" pitchFamily="49" charset="0"/>
-              </a:rPr>
-              <a:t>d = 10 </a:t>
-            </a:r>
-            <a:r>
-              <a:rPr lang="en-US" sz="1200" dirty="0">
+              <a:rPr lang="en-US" sz="1200">
+                <a:latin typeface="Consolas" panose="020B0609020204030204" pitchFamily="49" charset="0"/>
+              </a:rPr>
+              <a:t>e = 10 &gt; 9 </a:t>
+            </a:r>
+            <a:r>
+              <a:rPr lang="en-US" sz="1200">
                 <a:solidFill>
                   <a:schemeClr val="accent1"/>
                 </a:solidFill>
                 <a:latin typeface="Consolas" panose="020B0609020204030204" pitchFamily="49" charset="0"/>
-                <a:cs typeface="Courier New" panose="02070309020205020404" pitchFamily="49" charset="0"/>
-              </a:rPr>
-              <a:t>==</a:t>
-            </a:r>
-            <a:r>
-              <a:rPr lang="en-US" sz="1200" dirty="0">
-                <a:latin typeface="Consolas" panose="020B0609020204030204" pitchFamily="49" charset="0"/>
-                <a:cs typeface="Courier New" panose="02070309020205020404" pitchFamily="49" charset="0"/>
-              </a:rPr>
-              <a:t> 9</a:t>
+              </a:rPr>
+              <a:t>or</a:t>
+            </a:r>
+            <a:r>
+              <a:rPr lang="en-US" sz="1200">
+                <a:latin typeface="Consolas" panose="020B0609020204030204" pitchFamily="49" charset="0"/>
+              </a:rPr>
+              <a:t> 2 + 2 == 5</a:t>
             </a:r>
           </a:p>
           <a:p>
             <a:pPr marL="76200" indent="0">
               <a:buNone/>
             </a:pPr>
-            <a:endParaRPr lang="en-US" sz="1200" dirty="0">
-              <a:latin typeface="Consolas" panose="020B0609020204030204" pitchFamily="49" charset="0"/>
-            </a:endParaRPr>
-          </a:p>
-          <a:p>
-            <a:pPr marL="76200" indent="0">
-              <a:buNone/>
-            </a:pPr>
-            <a:r>
-              <a:rPr lang="en-US" sz="1400" dirty="0"/>
-              <a:t>Operators</a:t>
-            </a:r>
-          </a:p>
-          <a:p>
-            <a:pPr marL="76200" indent="0">
-              <a:buNone/>
-            </a:pPr>
-            <a:r>
-              <a:rPr lang="en-US" sz="1200" dirty="0">
-                <a:latin typeface="Consolas" panose="020B0609020204030204" pitchFamily="49" charset="0"/>
-                <a:cs typeface="Courier New" panose="02070309020205020404" pitchFamily="49" charset="0"/>
-              </a:rPr>
-              <a:t>10 &gt; 9 </a:t>
-            </a:r>
-            <a:r>
-              <a:rPr lang="en-US" sz="1200" dirty="0">
+            <a:r>
+              <a:rPr lang="en-US" sz="1200">
+                <a:latin typeface="Consolas" panose="020B0609020204030204" pitchFamily="49" charset="0"/>
+                <a:cs typeface="Courier New" panose="02070309020205020404" pitchFamily="49" charset="0"/>
+              </a:rPr>
+              <a:t>f =</a:t>
+            </a:r>
+            <a:r>
+              <a:rPr lang="en-US" sz="1200">
                 <a:solidFill>
                   <a:schemeClr val="accent1"/>
                 </a:solidFill>
                 <a:latin typeface="Consolas" panose="020B0609020204030204" pitchFamily="49" charset="0"/>
-                <a:cs typeface="Courier New" panose="02070309020205020404" pitchFamily="49" charset="0"/>
-              </a:rPr>
-              <a:t>and</a:t>
-            </a:r>
-            <a:r>
-              <a:rPr lang="en-US" sz="1200" dirty="0">
-                <a:latin typeface="Consolas" panose="020B0609020204030204" pitchFamily="49" charset="0"/>
-                <a:cs typeface="Courier New" panose="02070309020205020404" pitchFamily="49" charset="0"/>
-              </a:rPr>
-              <a:t> 5 &lt; 3</a:t>
+              </a:rPr>
+              <a:t> not</a:t>
+            </a:r>
+            <a:r>
+              <a:rPr lang="en-US" sz="1200">
+                <a:latin typeface="Consolas" panose="020B0609020204030204" pitchFamily="49" charset="0"/>
+              </a:rPr>
+              <a:t> 2 + 2 == 4</a:t>
             </a:r>
           </a:p>
           <a:p>
             <a:pPr marL="76200" indent="0">
               <a:buNone/>
             </a:pPr>
-            <a:r>
-              <a:rPr lang="en-US" sz="1200" dirty="0">
-                <a:latin typeface="Consolas" panose="020B0609020204030204" pitchFamily="49" charset="0"/>
-              </a:rPr>
-              <a:t>10 &gt; 9 </a:t>
-            </a:r>
-            <a:r>
-              <a:rPr lang="en-US" sz="1200" dirty="0">
-                <a:solidFill>
-                  <a:schemeClr val="accent1"/>
-                </a:solidFill>
-                <a:latin typeface="Consolas" panose="020B0609020204030204" pitchFamily="49" charset="0"/>
-              </a:rPr>
-              <a:t>or</a:t>
-            </a:r>
-            <a:r>
-              <a:rPr lang="en-US" sz="1200" dirty="0">
-                <a:latin typeface="Consolas" panose="020B0609020204030204" pitchFamily="49" charset="0"/>
-              </a:rPr>
-              <a:t> 2 + 2 == 5</a:t>
-            </a:r>
+            <a:endParaRPr lang="en-US" sz="1200">
+              <a:latin typeface="Consolas" panose="020B0609020204030204" pitchFamily="49" charset="0"/>
+            </a:endParaRPr>
           </a:p>
           <a:p>
             <a:pPr marL="76200" indent="0">
               <a:buNone/>
             </a:pPr>
             <a:r>
-              <a:rPr lang="en-US" sz="1200" dirty="0">
-                <a:solidFill>
-                  <a:schemeClr val="accent1"/>
-                </a:solidFill>
-                <a:latin typeface="Consolas" panose="020B0609020204030204" pitchFamily="49" charset="0"/>
-              </a:rPr>
-              <a:t>not</a:t>
-            </a:r>
-            <a:r>
-              <a:rPr lang="en-US" sz="1200" dirty="0">
-                <a:latin typeface="Consolas" panose="020B0609020204030204" pitchFamily="49" charset="0"/>
-              </a:rPr>
-              <a:t> 2 + 2 == 4</a:t>
-            </a:r>
+              <a:rPr lang="en-US" sz="1400"/>
+              <a:t>Operators</a:t>
+            </a:r>
+          </a:p>
+          <a:p>
+            <a:pPr marL="76200" indent="0">
+              <a:buNone/>
+            </a:pPr>
+            <a:r>
+              <a:rPr lang="en-US" sz="1200">
+                <a:latin typeface="Consolas" panose="020B0609020204030204" pitchFamily="49" charset="0"/>
+                <a:cs typeface="Courier New" panose="02070309020205020404" pitchFamily="49" charset="0"/>
+              </a:rPr>
+              <a:t>&lt;  &lt;=  &gt;  &gt;=  ==  !=  and  or  not </a:t>
+            </a:r>
+            <a:endParaRPr lang="fr-FR" sz="1200">
+              <a:latin typeface="Consolas" panose="020B0609020204030204" pitchFamily="49" charset="0"/>
+              <a:cs typeface="Courier New" panose="02070309020205020404" pitchFamily="49" charset="0"/>
+            </a:endParaRPr>
           </a:p>
         </p:txBody>
       </p:sp>
@@ -5938,7 +5963,7 @@
   <p:cSld>
     <p:spTree>
       <p:nvGrpSpPr>
-        <p:cNvPr id="1" name="Shape 96"/>
+        <p:cNvPr id="1" name=""/>
         <p:cNvGrpSpPr/>
         <p:nvPr/>
       </p:nvGrpSpPr>
@@ -5952,95 +5977,195 @@
       </p:grpSpPr>
       <p:sp>
         <p:nvSpPr>
-          <p:cNvPr id="97" name="Google Shape;97;p15"/>
-          <p:cNvSpPr txBox="1">
+          <p:cNvPr id="2" name="Title 1">
+            <a:extLst>
+              <a:ext uri="{FF2B5EF4-FFF2-40B4-BE49-F238E27FC236}">
+                <a16:creationId xmlns:a16="http://schemas.microsoft.com/office/drawing/2014/main" id="{024AD384-5AD1-4435-A943-1241B2FACD62}"/>
+              </a:ext>
+            </a:extLst>
+          </p:cNvPr>
+          <p:cNvSpPr>
             <a:spLocks noGrp="1"/>
           </p:cNvSpPr>
           <p:nvPr>
-            <p:ph type="ctrTitle"/>
+            <p:ph type="title"/>
           </p:nvPr>
         </p:nvSpPr>
-        <p:spPr>
-          <a:xfrm>
-            <a:off x="1655700" y="1991850"/>
-            <a:ext cx="5832600" cy="1159800"/>
-          </a:xfrm>
-          <a:prstGeom prst="rect">
-            <a:avLst/>
-          </a:prstGeom>
-        </p:spPr>
+        <p:spPr/>
         <p:txBody>
-          <a:bodyPr spcFirstLastPara="1" wrap="square" lIns="91425" tIns="91425" rIns="91425" bIns="91425" anchor="ctr" anchorCtr="0">
-            <a:noAutofit/>
-          </a:bodyPr>
+          <a:bodyPr/>
           <a:lstStyle/>
           <a:p>
-            <a:pPr marL="0" lvl="0" indent="0" algn="ctr" rtl="0">
-              <a:spcBef>
-                <a:spcPts val="0"/>
-              </a:spcBef>
-              <a:spcAft>
-                <a:spcPts val="0"/>
-              </a:spcAft>
-              <a:buNone/>
-            </a:pPr>
-            <a:r>
-              <a:rPr lang="en-US" sz="6000" dirty="0">
-                <a:solidFill>
-                  <a:schemeClr val="accent4"/>
-                </a:solidFill>
-              </a:rPr>
-              <a:t>2</a:t>
-            </a:r>
-            <a:endParaRPr sz="6000" dirty="0">
-              <a:solidFill>
-                <a:schemeClr val="accent4"/>
-              </a:solidFill>
-            </a:endParaRPr>
-          </a:p>
-          <a:p>
-            <a:pPr marL="0" lvl="0" indent="0" algn="ctr" rtl="0">
-              <a:spcBef>
-                <a:spcPts val="0"/>
-              </a:spcBef>
-              <a:spcAft>
-                <a:spcPts val="0"/>
-              </a:spcAft>
-              <a:buNone/>
-            </a:pPr>
-            <a:r>
-              <a:rPr lang="en" dirty="0"/>
-              <a:t>NumPy</a:t>
-            </a:r>
-            <a:endParaRPr dirty="0"/>
+            <a:r>
+              <a:rPr lang="en-US"/>
+              <a:t>Python </a:t>
+            </a:r>
+            <a:r>
+              <a:rPr lang="en-US" sz="2400"/>
+              <a:t>Collections</a:t>
+            </a:r>
+            <a:endParaRPr lang="fa-IR"/>
           </a:p>
         </p:txBody>
       </p:sp>
       <p:sp>
         <p:nvSpPr>
-          <p:cNvPr id="99" name="Google Shape;99;p15"/>
-          <p:cNvSpPr txBox="1">
+          <p:cNvPr id="3" name="Text Placeholder 2">
+            <a:extLst>
+              <a:ext uri="{FF2B5EF4-FFF2-40B4-BE49-F238E27FC236}">
+                <a16:creationId xmlns:a16="http://schemas.microsoft.com/office/drawing/2014/main" id="{58BE3078-8B89-4550-B497-93E4DADBD57E}"/>
+              </a:ext>
+            </a:extLst>
+          </p:cNvPr>
+          <p:cNvSpPr>
             <a:spLocks noGrp="1"/>
           </p:cNvSpPr>
           <p:nvPr>
-            <p:ph type="sldNum" idx="4294967295"/>
+            <p:ph type="body" idx="1"/>
           </p:nvPr>
         </p:nvSpPr>
         <p:spPr>
           <a:xfrm>
-            <a:off x="8404384" y="4749851"/>
-            <a:ext cx="548700" cy="393600"/>
+            <a:off x="786150" y="1142608"/>
+            <a:ext cx="7571700" cy="3626431"/>
           </a:xfrm>
-          <a:prstGeom prst="rect">
-            <a:avLst/>
-          </a:prstGeom>
         </p:spPr>
         <p:txBody>
-          <a:bodyPr spcFirstLastPara="1" wrap="square" lIns="91425" tIns="91425" rIns="91425" bIns="91425" anchor="t" anchorCtr="0">
-            <a:noAutofit/>
-          </a:bodyPr>
+          <a:bodyPr/>
           <a:lstStyle/>
           <a:p>
+            <a:pPr marL="76200" indent="0">
+              <a:buNone/>
+            </a:pPr>
+            <a:r>
+              <a:rPr lang="en-US" sz="1400"/>
+              <a:t>Lists</a:t>
+            </a:r>
+          </a:p>
+          <a:p>
+            <a:pPr marL="76200" indent="0">
+              <a:buNone/>
+            </a:pPr>
+            <a:r>
+              <a:rPr lang="en-US" sz="1200">
+                <a:latin typeface="Consolas" panose="020B0609020204030204" pitchFamily="49" charset="0"/>
+                <a:cs typeface="Courier New" panose="02070309020205020404" pitchFamily="49" charset="0"/>
+              </a:rPr>
+              <a:t>fruits = ['apple', 'banana', 'cherry']</a:t>
+            </a:r>
+          </a:p>
+          <a:p>
+            <a:pPr marL="76200" indent="0">
+              <a:buNone/>
+            </a:pPr>
+            <a:endParaRPr lang="en-US" sz="1200">
+              <a:latin typeface="Consolas" panose="020B0609020204030204" pitchFamily="49" charset="0"/>
+            </a:endParaRPr>
+          </a:p>
+          <a:p>
+            <a:pPr marL="76200" indent="0">
+              <a:buNone/>
+            </a:pPr>
+            <a:r>
+              <a:rPr lang="en-US" sz="1400"/>
+              <a:t>Tuples</a:t>
+            </a:r>
+          </a:p>
+          <a:p>
+            <a:pPr marL="76200" indent="0">
+              <a:buNone/>
+            </a:pPr>
+            <a:r>
+              <a:rPr lang="en-US" sz="1200">
+                <a:latin typeface="Consolas" panose="020B0609020204030204" pitchFamily="49" charset="0"/>
+                <a:cs typeface="Courier New" panose="02070309020205020404" pitchFamily="49" charset="0"/>
+              </a:rPr>
+              <a:t>fruits = ('apple', 'banana', 'cherry')</a:t>
+            </a:r>
+          </a:p>
+          <a:p>
+            <a:pPr marL="76200" indent="0">
+              <a:buNone/>
+            </a:pPr>
+            <a:endParaRPr lang="en-US" sz="1200">
+              <a:latin typeface="Consolas" panose="020B0609020204030204" pitchFamily="49" charset="0"/>
+              <a:cs typeface="Courier New" panose="02070309020205020404" pitchFamily="49" charset="0"/>
+            </a:endParaRPr>
+          </a:p>
+          <a:p>
+            <a:pPr marL="76200" indent="0">
+              <a:buNone/>
+            </a:pPr>
+            <a:r>
+              <a:rPr lang="en-US" sz="1400"/>
+              <a:t>Sets</a:t>
+            </a:r>
+          </a:p>
+          <a:p>
+            <a:pPr marL="76200" indent="0">
+              <a:buNone/>
+            </a:pPr>
+            <a:r>
+              <a:rPr lang="en-US" sz="1200">
+                <a:latin typeface="Consolas" panose="020B0609020204030204" pitchFamily="49" charset="0"/>
+                <a:cs typeface="Courier New" panose="02070309020205020404" pitchFamily="49" charset="0"/>
+              </a:rPr>
+              <a:t>fruits = {'apple', 'banana', 'cherry’}</a:t>
+            </a:r>
+          </a:p>
+          <a:p>
+            <a:pPr marL="76200" indent="0">
+              <a:buNone/>
+            </a:pPr>
+            <a:endParaRPr lang="en-US" sz="1200">
+              <a:latin typeface="Consolas" panose="020B0609020204030204" pitchFamily="49" charset="0"/>
+              <a:cs typeface="Courier New" panose="02070309020205020404" pitchFamily="49" charset="0"/>
+            </a:endParaRPr>
+          </a:p>
+          <a:p>
+            <a:pPr marL="76200" indent="0">
+              <a:buNone/>
+            </a:pPr>
+            <a:r>
+              <a:rPr lang="en-US" sz="1400"/>
+              <a:t>Dictionaries</a:t>
+            </a:r>
+          </a:p>
+          <a:p>
+            <a:pPr marL="76200" indent="0">
+              <a:buNone/>
+            </a:pPr>
+            <a:r>
+              <a:rPr lang="en-US" sz="1200">
+                <a:latin typeface="Consolas" panose="020B0609020204030204" pitchFamily="49" charset="0"/>
+                <a:cs typeface="Courier New" panose="02070309020205020404" pitchFamily="49" charset="0"/>
+              </a:rPr>
+              <a:t>fruits = {'apple': green', 'banana': 'yellow', 'cherry': 'red'}</a:t>
+            </a:r>
+          </a:p>
+        </p:txBody>
+      </p:sp>
+      <p:sp>
+        <p:nvSpPr>
+          <p:cNvPr id="4" name="Slide Number Placeholder 3">
+            <a:extLst>
+              <a:ext uri="{FF2B5EF4-FFF2-40B4-BE49-F238E27FC236}">
+                <a16:creationId xmlns:a16="http://schemas.microsoft.com/office/drawing/2014/main" id="{64987AE6-EC0E-43DD-9376-95A5602EE5E1}"/>
+              </a:ext>
+            </a:extLst>
+          </p:cNvPr>
+          <p:cNvSpPr>
+            <a:spLocks noGrp="1"/>
+          </p:cNvSpPr>
+          <p:nvPr>
+            <p:ph type="sldNum" idx="12"/>
+          </p:nvPr>
+        </p:nvSpPr>
+        <p:spPr/>
+        <p:txBody>
+          <a:bodyPr/>
+          <a:lstStyle/>
+          <a:p>
             <a:pPr marL="0" lvl="0" indent="0" algn="r" rtl="0">
               <a:spcBef>
                 <a:spcPts val="0"/>
@@ -6051,17 +6176,17 @@
               <a:buNone/>
             </a:pPr>
             <a:fld id="{00000000-1234-1234-1234-123412341234}" type="slidenum">
-              <a:rPr lang="en"/>
+              <a:rPr lang="en" smtClean="0"/>
               <a:t>12</a:t>
             </a:fld>
-            <a:endParaRPr/>
+            <a:endParaRPr lang="en"/>
           </a:p>
         </p:txBody>
       </p:sp>
     </p:spTree>
     <p:extLst>
       <p:ext uri="{BB962C8B-B14F-4D97-AF65-F5344CB8AC3E}">
-        <p14:creationId xmlns:p14="http://schemas.microsoft.com/office/powerpoint/2010/main" val="1620004517"/>
+        <p14:creationId xmlns:p14="http://schemas.microsoft.com/office/powerpoint/2010/main" val="3800474062"/>
       </p:ext>
     </p:extLst>
   </p:cSld>
@@ -6110,14 +6235,14 @@
           <a:lstStyle/>
           <a:p>
             <a:r>
-              <a:rPr lang="en-US" dirty="0" err="1"/>
-              <a:t>Numpy</a:t>
-            </a:r>
-            <a:r>
-              <a:rPr lang="en-US" dirty="0"/>
-              <a:t> Introduction</a:t>
-            </a:r>
-            <a:endParaRPr lang="fa-IR" dirty="0"/>
+              <a:rPr lang="en-US"/>
+              <a:t>Python </a:t>
+            </a:r>
+            <a:r>
+              <a:rPr lang="en-US" sz="2400"/>
+              <a:t>Lists</a:t>
+            </a:r>
+            <a:endParaRPr lang="fa-IR"/>
           </a:p>
         </p:txBody>
       </p:sp>
@@ -6147,15 +6272,115 @@
           <a:bodyPr/>
           <a:lstStyle/>
           <a:p>
-            <a:r>
-              <a:rPr lang="en-US" sz="1800" dirty="0"/>
-              <a:t>NumPy is a Python library used for working with arrays.</a:t>
-            </a:r>
-          </a:p>
-          <a:p>
-            <a:r>
-              <a:rPr lang="en-US" sz="1800" dirty="0"/>
-              <a:t>NumPy is short for "Numerical Python".</a:t>
+            <a:pPr marL="76200" indent="0">
+              <a:buNone/>
+            </a:pPr>
+            <a:r>
+              <a:rPr lang="en-US" sz="1400"/>
+              <a:t>ordered, changeable, and allow duplicate values</a:t>
+            </a:r>
+          </a:p>
+          <a:p>
+            <a:pPr marL="76200" indent="0">
+              <a:buNone/>
+            </a:pPr>
+            <a:r>
+              <a:rPr lang="en-US" sz="1200">
+                <a:latin typeface="Consolas" panose="020B0609020204030204" pitchFamily="49" charset="0"/>
+                <a:cs typeface="Courier New" panose="02070309020205020404" pitchFamily="49" charset="0"/>
+              </a:rPr>
+              <a:t>fruits = ['apple', 'banana', 'cherry', 'apple', 'cherry’]</a:t>
+            </a:r>
+          </a:p>
+          <a:p>
+            <a:pPr marL="76200" indent="0">
+              <a:buNone/>
+            </a:pPr>
+            <a:r>
+              <a:rPr lang="en-US" sz="1200">
+                <a:latin typeface="Consolas" panose="020B0609020204030204" pitchFamily="49" charset="0"/>
+                <a:cs typeface="Courier New" panose="02070309020205020404" pitchFamily="49" charset="0"/>
+              </a:rPr>
+              <a:t>print(fruits[0], fruits[-2])</a:t>
+            </a:r>
+          </a:p>
+          <a:p>
+            <a:pPr marL="76200" indent="0">
+              <a:buNone/>
+            </a:pPr>
+            <a:r>
+              <a:rPr lang="en-US" sz="1200">
+                <a:latin typeface="Consolas" panose="020B0609020204030204" pitchFamily="49" charset="0"/>
+                <a:cs typeface="Courier New" panose="02070309020205020404" pitchFamily="49" charset="0"/>
+              </a:rPr>
+              <a:t>print(fruits[1:3], fruits[:-1])</a:t>
+            </a:r>
+          </a:p>
+          <a:p>
+            <a:pPr marL="76200" indent="0">
+              <a:buNone/>
+            </a:pPr>
+            <a:r>
+              <a:rPr lang="en-US" sz="1200">
+                <a:latin typeface="Consolas" panose="020B0609020204030204" pitchFamily="49" charset="0"/>
+                <a:cs typeface="Courier New" panose="02070309020205020404" pitchFamily="49" charset="0"/>
+              </a:rPr>
+              <a:t>print(fruits[0:-1:2], fruits[::-1])</a:t>
+            </a:r>
+          </a:p>
+          <a:p>
+            <a:pPr marL="76200" indent="0">
+              <a:buNone/>
+            </a:pPr>
+            <a:r>
+              <a:rPr lang="en-US" sz="1200">
+                <a:latin typeface="Consolas" panose="020B0609020204030204" pitchFamily="49" charset="0"/>
+                <a:cs typeface="Courier New" panose="02070309020205020404" pitchFamily="49" charset="0"/>
+              </a:rPr>
+              <a:t>fruits[3] = 'orange'</a:t>
+            </a:r>
+          </a:p>
+          <a:p>
+            <a:pPr marL="76200" indent="0">
+              <a:buNone/>
+            </a:pPr>
+            <a:r>
+              <a:rPr lang="en-US" sz="1200">
+                <a:latin typeface="Consolas" panose="020B0609020204030204" pitchFamily="49" charset="0"/>
+                <a:cs typeface="Courier New" panose="02070309020205020404" pitchFamily="49" charset="0"/>
+              </a:rPr>
+              <a:t>fruits.append('kiwi')</a:t>
+            </a:r>
+          </a:p>
+          <a:p>
+            <a:pPr marL="76200" indent="0">
+              <a:buNone/>
+            </a:pPr>
+            <a:r>
+              <a:rPr lang="en-US" sz="1200">
+                <a:latin typeface="Consolas" panose="020B0609020204030204" pitchFamily="49" charset="0"/>
+                <a:cs typeface="Courier New" panose="02070309020205020404" pitchFamily="49" charset="0"/>
+              </a:rPr>
+              <a:t>fruits.remove('banana')</a:t>
+            </a:r>
+          </a:p>
+          <a:p>
+            <a:pPr marL="76200" indent="0">
+              <a:buNone/>
+            </a:pPr>
+            <a:r>
+              <a:rPr lang="en-US" sz="1200" err="1">
+                <a:latin typeface="Consolas" panose="020B0609020204030204" pitchFamily="49" charset="0"/>
+                <a:cs typeface="Courier New" panose="02070309020205020404" pitchFamily="49" charset="0"/>
+              </a:rPr>
+              <a:t>fruits.pop</a:t>
+            </a:r>
+            <a:r>
+              <a:rPr lang="en-US" sz="1200">
+                <a:latin typeface="Consolas" panose="020B0609020204030204" pitchFamily="49" charset="0"/>
+                <a:cs typeface="Courier New" panose="02070309020205020404" pitchFamily="49" charset="0"/>
+              </a:rPr>
+              <a:t>(3)</a:t>
             </a:r>
           </a:p>
         </p:txBody>
@@ -6201,7 +6426,7 @@
     </p:spTree>
     <p:extLst>
       <p:ext uri="{BB962C8B-B14F-4D97-AF65-F5344CB8AC3E}">
-        <p14:creationId xmlns:p14="http://schemas.microsoft.com/office/powerpoint/2010/main" val="4156460407"/>
+        <p14:creationId xmlns:p14="http://schemas.microsoft.com/office/powerpoint/2010/main" val="3860876688"/>
       </p:ext>
     </p:extLst>
   </p:cSld>
@@ -6263,14 +6488,14 @@
               <a:buNone/>
             </a:pPr>
             <a:r>
-              <a:rPr lang="en-US" sz="6000" dirty="0">
+              <a:rPr lang="en-US" sz="6000">
                 <a:solidFill>
                   <a:schemeClr val="accent4"/>
                 </a:solidFill>
               </a:rPr>
-              <a:t>3</a:t>
-            </a:r>
-            <a:endParaRPr sz="6000" dirty="0">
+              <a:t>2</a:t>
+            </a:r>
+            <a:endParaRPr sz="6000">
               <a:solidFill>
                 <a:schemeClr val="accent4"/>
               </a:solidFill>
@@ -6287,10 +6512,10 @@
               <a:buNone/>
             </a:pPr>
             <a:r>
-              <a:rPr lang="en" dirty="0"/>
-              <a:t>Pandas</a:t>
-            </a:r>
-            <a:endParaRPr dirty="0"/>
+              <a:rPr lang="en"/>
+              <a:t>NumPy</a:t>
+            </a:r>
+            <a:endParaRPr/>
           </a:p>
         </p:txBody>
       </p:sp>
@@ -6339,7 +6564,7 @@
     </p:spTree>
     <p:extLst>
       <p:ext uri="{BB962C8B-B14F-4D97-AF65-F5344CB8AC3E}">
-        <p14:creationId xmlns:p14="http://schemas.microsoft.com/office/powerpoint/2010/main" val="2729265455"/>
+        <p14:creationId xmlns:p14="http://schemas.microsoft.com/office/powerpoint/2010/main" val="1620004517"/>
       </p:ext>
     </p:extLst>
   </p:cSld>
@@ -6354,7 +6579,7 @@
   <p:cSld>
     <p:spTree>
       <p:nvGrpSpPr>
-        <p:cNvPr id="1" name="Shape 96"/>
+        <p:cNvPr id="1" name=""/>
         <p:cNvGrpSpPr/>
         <p:nvPr/>
       </p:nvGrpSpPr>
@@ -6368,95 +6593,97 @@
       </p:grpSpPr>
       <p:sp>
         <p:nvSpPr>
-          <p:cNvPr id="97" name="Google Shape;97;p15"/>
-          <p:cNvSpPr txBox="1">
+          <p:cNvPr id="2" name="Title 1">
+            <a:extLst>
+              <a:ext uri="{FF2B5EF4-FFF2-40B4-BE49-F238E27FC236}">
+                <a16:creationId xmlns:a16="http://schemas.microsoft.com/office/drawing/2014/main" id="{024AD384-5AD1-4435-A943-1241B2FACD62}"/>
+              </a:ext>
+            </a:extLst>
+          </p:cNvPr>
+          <p:cNvSpPr>
             <a:spLocks noGrp="1"/>
           </p:cNvSpPr>
           <p:nvPr>
-            <p:ph type="ctrTitle"/>
+            <p:ph type="title"/>
           </p:nvPr>
         </p:nvSpPr>
-        <p:spPr>
-          <a:xfrm>
-            <a:off x="1655700" y="1991850"/>
-            <a:ext cx="5832600" cy="1159800"/>
-          </a:xfrm>
-          <a:prstGeom prst="rect">
-            <a:avLst/>
-          </a:prstGeom>
-        </p:spPr>
+        <p:spPr/>
         <p:txBody>
-          <a:bodyPr spcFirstLastPara="1" wrap="square" lIns="91425" tIns="91425" rIns="91425" bIns="91425" anchor="ctr" anchorCtr="0">
-            <a:noAutofit/>
-          </a:bodyPr>
+          <a:bodyPr/>
           <a:lstStyle/>
           <a:p>
-            <a:pPr marL="0" lvl="0" indent="0" algn="ctr" rtl="0">
-              <a:spcBef>
-                <a:spcPts val="0"/>
-              </a:spcBef>
-              <a:spcAft>
-                <a:spcPts val="0"/>
-              </a:spcAft>
-              <a:buNone/>
-            </a:pPr>
-            <a:r>
-              <a:rPr lang="en-US" sz="6000" dirty="0">
-                <a:solidFill>
-                  <a:schemeClr val="accent4"/>
-                </a:solidFill>
-              </a:rPr>
-              <a:t>4</a:t>
-            </a:r>
-            <a:endParaRPr sz="6000" dirty="0">
-              <a:solidFill>
-                <a:schemeClr val="accent4"/>
-              </a:solidFill>
-            </a:endParaRPr>
-          </a:p>
-          <a:p>
-            <a:pPr marL="0" lvl="0" indent="0" algn="ctr" rtl="0">
-              <a:spcBef>
-                <a:spcPts val="0"/>
-              </a:spcBef>
-              <a:spcAft>
-                <a:spcPts val="0"/>
-              </a:spcAft>
-              <a:buNone/>
-            </a:pPr>
-            <a:r>
-              <a:rPr lang="en" dirty="0"/>
-              <a:t>Matplotlib</a:t>
-            </a:r>
-            <a:endParaRPr dirty="0"/>
+            <a:r>
+              <a:rPr lang="en-US" err="1"/>
+              <a:t>Numpy</a:t>
+            </a:r>
+            <a:r>
+              <a:rPr lang="en-US"/>
+              <a:t> Introduction</a:t>
+            </a:r>
+            <a:endParaRPr lang="fa-IR"/>
           </a:p>
         </p:txBody>
       </p:sp>
       <p:sp>
         <p:nvSpPr>
-          <p:cNvPr id="99" name="Google Shape;99;p15"/>
-          <p:cNvSpPr txBox="1">
+          <p:cNvPr id="3" name="Text Placeholder 2">
+            <a:extLst>
+              <a:ext uri="{FF2B5EF4-FFF2-40B4-BE49-F238E27FC236}">
+                <a16:creationId xmlns:a16="http://schemas.microsoft.com/office/drawing/2014/main" id="{58BE3078-8B89-4550-B497-93E4DADBD57E}"/>
+              </a:ext>
+            </a:extLst>
+          </p:cNvPr>
+          <p:cNvSpPr>
             <a:spLocks noGrp="1"/>
           </p:cNvSpPr>
           <p:nvPr>
-            <p:ph type="sldNum" idx="4294967295"/>
+            <p:ph type="body" idx="1"/>
           </p:nvPr>
         </p:nvSpPr>
         <p:spPr>
           <a:xfrm>
-            <a:off x="8404384" y="4749851"/>
-            <a:ext cx="548700" cy="393600"/>
+            <a:off x="786150" y="1142608"/>
+            <a:ext cx="7571700" cy="3626431"/>
           </a:xfrm>
-          <a:prstGeom prst="rect">
-            <a:avLst/>
-          </a:prstGeom>
         </p:spPr>
         <p:txBody>
-          <a:bodyPr spcFirstLastPara="1" wrap="square" lIns="91425" tIns="91425" rIns="91425" bIns="91425" anchor="t" anchorCtr="0">
-            <a:noAutofit/>
-          </a:bodyPr>
+          <a:bodyPr/>
           <a:lstStyle/>
           <a:p>
+            <a:r>
+              <a:rPr lang="en-US" sz="1800"/>
+              <a:t>NumPy is a Python library used for working with arrays.</a:t>
+            </a:r>
+          </a:p>
+          <a:p>
+            <a:r>
+              <a:rPr lang="en-US" sz="1800"/>
+              <a:t>NumPy is short for "Numerical Python".</a:t>
+            </a:r>
+          </a:p>
+        </p:txBody>
+      </p:sp>
+      <p:sp>
+        <p:nvSpPr>
+          <p:cNvPr id="4" name="Slide Number Placeholder 3">
+            <a:extLst>
+              <a:ext uri="{FF2B5EF4-FFF2-40B4-BE49-F238E27FC236}">
+                <a16:creationId xmlns:a16="http://schemas.microsoft.com/office/drawing/2014/main" id="{64987AE6-EC0E-43DD-9376-95A5602EE5E1}"/>
+              </a:ext>
+            </a:extLst>
+          </p:cNvPr>
+          <p:cNvSpPr>
+            <a:spLocks noGrp="1"/>
+          </p:cNvSpPr>
+          <p:nvPr>
+            <p:ph type="sldNum" idx="12"/>
+          </p:nvPr>
+        </p:nvSpPr>
+        <p:spPr/>
+        <p:txBody>
+          <a:bodyPr/>
+          <a:lstStyle/>
+          <a:p>
             <a:pPr marL="0" lvl="0" indent="0" algn="r" rtl="0">
               <a:spcBef>
                 <a:spcPts val="0"/>
@@ -6467,17 +6694,17 @@
               <a:buNone/>
             </a:pPr>
             <a:fld id="{00000000-1234-1234-1234-123412341234}" type="slidenum">
-              <a:rPr lang="en"/>
+              <a:rPr lang="en" smtClean="0"/>
               <a:t>15</a:t>
             </a:fld>
-            <a:endParaRPr/>
+            <a:endParaRPr lang="en"/>
           </a:p>
         </p:txBody>
       </p:sp>
     </p:spTree>
     <p:extLst>
       <p:ext uri="{BB962C8B-B14F-4D97-AF65-F5344CB8AC3E}">
-        <p14:creationId xmlns:p14="http://schemas.microsoft.com/office/powerpoint/2010/main" val="2458102878"/>
+        <p14:creationId xmlns:p14="http://schemas.microsoft.com/office/powerpoint/2010/main" val="4156460407"/>
       </p:ext>
     </p:extLst>
   </p:cSld>
@@ -6539,29 +6766,34 @@
               <a:buNone/>
             </a:pPr>
             <a:r>
-              <a:rPr lang="en-US" sz="6000" dirty="0">
+              <a:rPr lang="en-US" sz="6000">
                 <a:solidFill>
                   <a:schemeClr val="accent4"/>
                 </a:solidFill>
               </a:rPr>
-              <a:t>5</a:t>
-            </a:r>
-            <a:endParaRPr sz="6000" dirty="0">
+              <a:t>3</a:t>
+            </a:r>
+            <a:endParaRPr sz="6000">
               <a:solidFill>
                 <a:schemeClr val="accent4"/>
               </a:solidFill>
             </a:endParaRPr>
           </a:p>
           <a:p>
-            <a:r>
-              <a:rPr lang="en-US" dirty="0"/>
-              <a:t>S</a:t>
-            </a:r>
-            <a:r>
-              <a:rPr lang="en-US" b="1" dirty="0"/>
-              <a:t>cikit-learn</a:t>
-            </a:r>
-            <a:endParaRPr dirty="0"/>
+            <a:pPr marL="0" lvl="0" indent="0" algn="ctr" rtl="0">
+              <a:spcBef>
+                <a:spcPts val="0"/>
+              </a:spcBef>
+              <a:spcAft>
+                <a:spcPts val="0"/>
+              </a:spcAft>
+              <a:buNone/>
+            </a:pPr>
+            <a:r>
+              <a:rPr lang="en"/>
+              <a:t>Pandas</a:t>
+            </a:r>
+            <a:endParaRPr/>
           </a:p>
         </p:txBody>
       </p:sp>
@@ -6610,7 +6842,7 @@
     </p:spTree>
     <p:extLst>
       <p:ext uri="{BB962C8B-B14F-4D97-AF65-F5344CB8AC3E}">
-        <p14:creationId xmlns:p14="http://schemas.microsoft.com/office/powerpoint/2010/main" val="3753200419"/>
+        <p14:creationId xmlns:p14="http://schemas.microsoft.com/office/powerpoint/2010/main" val="2729265455"/>
       </p:ext>
     </p:extLst>
   </p:cSld>
@@ -6672,27 +6904,34 @@
               <a:buNone/>
             </a:pPr>
             <a:r>
-              <a:rPr lang="en-US" sz="6000" dirty="0">
+              <a:rPr lang="en-US" sz="6000">
                 <a:solidFill>
                   <a:schemeClr val="accent4"/>
                 </a:solidFill>
               </a:rPr>
-              <a:t>6</a:t>
-            </a:r>
-            <a:endParaRPr sz="6000" dirty="0">
+              <a:t>4</a:t>
+            </a:r>
+            <a:endParaRPr sz="6000">
               <a:solidFill>
                 <a:schemeClr val="accent4"/>
               </a:solidFill>
             </a:endParaRPr>
           </a:p>
           <a:p>
-            <a:r>
-              <a:rPr lang="en-US" dirty="0">
-                <a:effectLst/>
-              </a:rPr>
-              <a:t>Web Scraping</a:t>
-            </a:r>
-            <a:endParaRPr dirty="0"/>
+            <a:pPr marL="0" lvl="0" indent="0" algn="ctr" rtl="0">
+              <a:spcBef>
+                <a:spcPts val="0"/>
+              </a:spcBef>
+              <a:spcAft>
+                <a:spcPts val="0"/>
+              </a:spcAft>
+              <a:buNone/>
+            </a:pPr>
+            <a:r>
+              <a:rPr lang="en"/>
+              <a:t>Matplotlib</a:t>
+            </a:r>
+            <a:endParaRPr/>
           </a:p>
         </p:txBody>
       </p:sp>
@@ -6741,7 +6980,7 @@
     </p:spTree>
     <p:extLst>
       <p:ext uri="{BB962C8B-B14F-4D97-AF65-F5344CB8AC3E}">
-        <p14:creationId xmlns:p14="http://schemas.microsoft.com/office/powerpoint/2010/main" val="3538335587"/>
+        <p14:creationId xmlns:p14="http://schemas.microsoft.com/office/powerpoint/2010/main" val="2458102878"/>
       </p:ext>
     </p:extLst>
   </p:cSld>
@@ -6756,7 +6995,7 @@
   <p:cSld>
     <p:spTree>
       <p:nvGrpSpPr>
-        <p:cNvPr id="1" name="Shape 402"/>
+        <p:cNvPr id="1" name="Shape 96"/>
         <p:cNvGrpSpPr/>
         <p:nvPr/>
       </p:nvGrpSpPr>
@@ -6770,60 +7009,18 @@
       </p:grpSpPr>
       <p:sp>
         <p:nvSpPr>
-          <p:cNvPr id="403" name="Google Shape;403;p36"/>
+          <p:cNvPr id="97" name="Google Shape;97;p15"/>
           <p:cNvSpPr txBox="1">
             <a:spLocks noGrp="1"/>
           </p:cNvSpPr>
           <p:nvPr>
-            <p:ph type="ctrTitle" idx="4294967295"/>
+            <p:ph type="ctrTitle"/>
           </p:nvPr>
         </p:nvSpPr>
         <p:spPr>
           <a:xfrm>
-            <a:off x="685800" y="1991850"/>
-            <a:ext cx="7772400" cy="1159800"/>
-          </a:xfrm>
-          <a:prstGeom prst="rect">
-            <a:avLst/>
-          </a:prstGeom>
-        </p:spPr>
-        <p:txBody>
-          <a:bodyPr spcFirstLastPara="1" wrap="square" lIns="91425" tIns="91425" rIns="91425" bIns="91425" anchor="b" anchorCtr="0">
-            <a:noAutofit/>
-          </a:bodyPr>
-          <a:lstStyle/>
-          <a:p>
-            <a:pPr marL="0" lvl="0" indent="0" algn="ctr" rtl="0">
-              <a:spcBef>
-                <a:spcPts val="0"/>
-              </a:spcBef>
-              <a:spcAft>
-                <a:spcPts val="0"/>
-              </a:spcAft>
-              <a:buNone/>
-            </a:pPr>
-            <a:r>
-              <a:rPr lang="en" sz="6000" b="1" dirty="0"/>
-              <a:t>Thanks!</a:t>
-            </a:r>
-            <a:endParaRPr sz="6000" b="1" dirty="0"/>
-          </a:p>
-        </p:txBody>
-      </p:sp>
-      <p:sp>
-        <p:nvSpPr>
-          <p:cNvPr id="405" name="Google Shape;405;p36"/>
-          <p:cNvSpPr txBox="1">
-            <a:spLocks noGrp="1"/>
-          </p:cNvSpPr>
-          <p:nvPr>
-            <p:ph type="body" idx="4294967295"/>
-          </p:nvPr>
-        </p:nvSpPr>
-        <p:spPr>
-          <a:xfrm>
-            <a:off x="2140050" y="3590050"/>
-            <a:ext cx="4863900" cy="1159801"/>
+            <a:off x="1655700" y="1991850"/>
+            <a:ext cx="5832600" cy="1159800"/>
           </a:xfrm>
           <a:prstGeom prst="rect">
             <a:avLst/>
@@ -6837,60 +7034,48 @@
           <a:p>
             <a:pPr marL="0" lvl="0" indent="0" algn="ctr" rtl="0">
               <a:spcBef>
-                <a:spcPts val="600"/>
-              </a:spcBef>
-              <a:spcAft>
-                <a:spcPts val="0"/>
-              </a:spcAft>
-              <a:buNone/>
-            </a:pPr>
-            <a:r>
-              <a:rPr lang="en" sz="2000" dirty="0"/>
-              <a:t>You can find me at:</a:t>
-            </a:r>
-          </a:p>
-          <a:p>
-            <a:pPr marL="0" lvl="0" indent="0" algn="ctr" rtl="0">
-              <a:spcBef>
-                <a:spcPts val="600"/>
-              </a:spcBef>
-              <a:spcAft>
-                <a:spcPts val="0"/>
-              </a:spcAft>
-              <a:buNone/>
-            </a:pPr>
-            <a:r>
-              <a:rPr lang="en" sz="1600" dirty="0"/>
-              <a:t>t.me/alee_rezaa</a:t>
-            </a:r>
-            <a:endParaRPr sz="1600" dirty="0"/>
-          </a:p>
-          <a:p>
-            <a:pPr marL="0" lvl="0" indent="0" algn="ctr" rtl="0">
-              <a:spcBef>
-                <a:spcPts val="600"/>
-              </a:spcBef>
-              <a:spcAft>
-                <a:spcPts val="0"/>
-              </a:spcAft>
-              <a:buNone/>
-            </a:pPr>
-            <a:r>
-              <a:rPr lang="en" sz="1600" dirty="0"/>
-              <a:t>alee_rezaa@outlook.com</a:t>
-            </a:r>
-            <a:endParaRPr sz="1600" dirty="0"/>
+                <a:spcPts val="0"/>
+              </a:spcBef>
+              <a:spcAft>
+                <a:spcPts val="0"/>
+              </a:spcAft>
+              <a:buNone/>
+            </a:pPr>
+            <a:r>
+              <a:rPr lang="en-US" sz="6000">
+                <a:solidFill>
+                  <a:schemeClr val="accent4"/>
+                </a:solidFill>
+              </a:rPr>
+              <a:t>5</a:t>
+            </a:r>
+            <a:endParaRPr sz="6000">
+              <a:solidFill>
+                <a:schemeClr val="accent4"/>
+              </a:solidFill>
+            </a:endParaRPr>
+          </a:p>
+          <a:p>
+            <a:r>
+              <a:rPr lang="en-US"/>
+              <a:t>S</a:t>
+            </a:r>
+            <a:r>
+              <a:rPr lang="en-US" b="1"/>
+              <a:t>cikit-learn</a:t>
+            </a:r>
+            <a:endParaRPr/>
           </a:p>
         </p:txBody>
       </p:sp>
       <p:sp>
         <p:nvSpPr>
-          <p:cNvPr id="406" name="Google Shape;406;p36"/>
+          <p:cNvPr id="99" name="Google Shape;99;p15"/>
           <p:cNvSpPr txBox="1">
             <a:spLocks noGrp="1"/>
           </p:cNvSpPr>
           <p:nvPr>
-            <p:ph type="sldNum" idx="12"/>
+            <p:ph type="sldNum" idx="4294967295"/>
           </p:nvPr>
         </p:nvSpPr>
         <p:spPr>
@@ -6926,6 +7111,11 @@
         </p:txBody>
       </p:sp>
     </p:spTree>
+    <p:extLst>
+      <p:ext uri="{BB962C8B-B14F-4D97-AF65-F5344CB8AC3E}">
+        <p14:creationId xmlns:p14="http://schemas.microsoft.com/office/powerpoint/2010/main" val="3753200419"/>
+      </p:ext>
+    </p:extLst>
   </p:cSld>
   <p:clrMapOvr>
     <a:masterClrMapping/>
@@ -6938,7 +7128,7 @@
   <p:cSld>
     <p:spTree>
       <p:nvGrpSpPr>
-        <p:cNvPr id="1" name="Shape 246"/>
+        <p:cNvPr id="1" name="Shape 96"/>
         <p:cNvGrpSpPr/>
         <p:nvPr/>
       </p:nvGrpSpPr>
@@ -6952,25 +7142,25 @@
       </p:grpSpPr>
       <p:sp>
         <p:nvSpPr>
-          <p:cNvPr id="247" name="Google Shape;247;p27"/>
+          <p:cNvPr id="97" name="Google Shape;97;p15"/>
           <p:cNvSpPr txBox="1">
             <a:spLocks noGrp="1"/>
           </p:cNvSpPr>
           <p:nvPr>
-            <p:ph type="ctrTitle" idx="4294967295"/>
+            <p:ph type="ctrTitle"/>
           </p:nvPr>
         </p:nvSpPr>
         <p:spPr>
           <a:xfrm>
-            <a:off x="685800" y="1735742"/>
-            <a:ext cx="7772400" cy="1159800"/>
+            <a:off x="1655700" y="1991850"/>
+            <a:ext cx="5832600" cy="1159800"/>
           </a:xfrm>
           <a:prstGeom prst="rect">
             <a:avLst/>
           </a:prstGeom>
         </p:spPr>
         <p:txBody>
-          <a:bodyPr spcFirstLastPara="1" wrap="square" lIns="91425" tIns="91425" rIns="91425" bIns="91425" anchor="b" anchorCtr="0">
+          <a:bodyPr spcFirstLastPara="1" wrap="square" lIns="91425" tIns="91425" rIns="91425" bIns="91425" anchor="ctr" anchorCtr="0">
             <a:noAutofit/>
           </a:bodyPr>
           <a:lstStyle/>
@@ -6985,63 +7175,38 @@
               <a:buNone/>
             </a:pPr>
             <a:r>
-              <a:rPr lang="en" sz="9600" b="1" dirty="0"/>
-              <a:t>89,526,124</a:t>
-            </a:r>
-            <a:endParaRPr sz="9600" b="1" dirty="0"/>
+              <a:rPr lang="en-US" sz="6000">
+                <a:solidFill>
+                  <a:schemeClr val="accent4"/>
+                </a:solidFill>
+              </a:rPr>
+              <a:t>6</a:t>
+            </a:r>
+            <a:endParaRPr sz="6000">
+              <a:solidFill>
+                <a:schemeClr val="accent4"/>
+              </a:solidFill>
+            </a:endParaRPr>
+          </a:p>
+          <a:p>
+            <a:r>
+              <a:rPr lang="en-US">
+                <a:effectLst/>
+              </a:rPr>
+              <a:t>Web Scraping</a:t>
+            </a:r>
+            <a:endParaRPr/>
           </a:p>
         </p:txBody>
       </p:sp>
       <p:sp>
         <p:nvSpPr>
-          <p:cNvPr id="248" name="Google Shape;248;p27"/>
+          <p:cNvPr id="99" name="Google Shape;99;p15"/>
           <p:cNvSpPr txBox="1">
             <a:spLocks noGrp="1"/>
           </p:cNvSpPr>
           <p:nvPr>
-            <p:ph type="subTitle" idx="4294967295"/>
-          </p:nvPr>
-        </p:nvSpPr>
-        <p:spPr>
-          <a:xfrm>
-            <a:off x="685800" y="2840053"/>
-            <a:ext cx="7772400" cy="784800"/>
-          </a:xfrm>
-          <a:prstGeom prst="rect">
-            <a:avLst/>
-          </a:prstGeom>
-        </p:spPr>
-        <p:txBody>
-          <a:bodyPr spcFirstLastPara="1" wrap="square" lIns="91425" tIns="91425" rIns="91425" bIns="91425" anchor="t" anchorCtr="0">
-            <a:noAutofit/>
-          </a:bodyPr>
-          <a:lstStyle/>
-          <a:p>
-            <a:pPr marL="0" lvl="0" indent="0" algn="ctr" rtl="0">
-              <a:spcBef>
-                <a:spcPts val="600"/>
-              </a:spcBef>
-              <a:spcAft>
-                <a:spcPts val="0"/>
-              </a:spcAft>
-              <a:buNone/>
-            </a:pPr>
-            <a:r>
-              <a:rPr lang="en"/>
-              <a:t>Whoa! That’s a big number, aren’t you proud?</a:t>
-            </a:r>
-            <a:endParaRPr/>
-          </a:p>
-        </p:txBody>
-      </p:sp>
-      <p:sp>
-        <p:nvSpPr>
-          <p:cNvPr id="249" name="Google Shape;249;p27"/>
-          <p:cNvSpPr txBox="1">
-            <a:spLocks noGrp="1"/>
-          </p:cNvSpPr>
-          <p:nvPr>
-            <p:ph type="sldNum" idx="12"/>
+            <p:ph type="sldNum" idx="4294967295"/>
           </p:nvPr>
         </p:nvSpPr>
         <p:spPr>
@@ -7077,6 +7242,11 @@
         </p:txBody>
       </p:sp>
     </p:spTree>
+    <p:extLst>
+      <p:ext uri="{BB962C8B-B14F-4D97-AF65-F5344CB8AC3E}">
+        <p14:creationId xmlns:p14="http://schemas.microsoft.com/office/powerpoint/2010/main" val="3538335587"/>
+      </p:ext>
+    </p:extLst>
   </p:cSld>
   <p:clrMapOvr>
     <a:masterClrMapping/>
@@ -7136,14 +7306,14 @@
               <a:buNone/>
             </a:pPr>
             <a:r>
-              <a:rPr lang="en" sz="6000" dirty="0">
+              <a:rPr lang="en" sz="6000">
                 <a:solidFill>
                   <a:schemeClr val="accent4"/>
                 </a:solidFill>
               </a:rPr>
               <a:t>1</a:t>
             </a:r>
-            <a:endParaRPr sz="6000" dirty="0">
+            <a:endParaRPr sz="6000">
               <a:solidFill>
                 <a:schemeClr val="accent4"/>
               </a:solidFill>
@@ -7160,10 +7330,10 @@
               <a:buNone/>
             </a:pPr>
             <a:r>
-              <a:rPr lang="en" dirty="0"/>
+              <a:rPr lang="en"/>
               <a:t>Basics</a:t>
             </a:r>
-            <a:endParaRPr dirty="0"/>
+            <a:endParaRPr/>
           </a:p>
         </p:txBody>
       </p:sp>
@@ -7204,6 +7374,400 @@
             <a:fld id="{00000000-1234-1234-1234-123412341234}" type="slidenum">
               <a:rPr lang="en"/>
               <a:t>2</a:t>
+            </a:fld>
+            <a:endParaRPr/>
+          </a:p>
+        </p:txBody>
+      </p:sp>
+    </p:spTree>
+  </p:cSld>
+  <p:clrMapOvr>
+    <a:masterClrMapping/>
+  </p:clrMapOvr>
+</p:sld>
+</file>
+
+<file path=ppt/slides/slide20.xml><?xml version="1.0" encoding="utf-8"?>
+<p:sld xmlns:a="http://schemas.openxmlformats.org/drawingml/2006/main" xmlns:r="http://schemas.openxmlformats.org/officeDocument/2006/relationships" xmlns:p="http://schemas.openxmlformats.org/presentationml/2006/main">
+  <p:cSld>
+    <p:spTree>
+      <p:nvGrpSpPr>
+        <p:cNvPr id="1" name="Shape 402"/>
+        <p:cNvGrpSpPr/>
+        <p:nvPr/>
+      </p:nvGrpSpPr>
+      <p:grpSpPr>
+        <a:xfrm>
+          <a:off x="0" y="0"/>
+          <a:ext cx="0" cy="0"/>
+          <a:chOff x="0" y="0"/>
+          <a:chExt cx="0" cy="0"/>
+        </a:xfrm>
+      </p:grpSpPr>
+      <p:pic>
+        <p:nvPicPr>
+          <p:cNvPr id="6" name="Picture 5">
+            <a:extLst>
+              <a:ext uri="{FF2B5EF4-FFF2-40B4-BE49-F238E27FC236}">
+                <a16:creationId xmlns:a16="http://schemas.microsoft.com/office/drawing/2014/main" id="{71DD34CD-F72B-4BE0-BA61-C48569B9CBB7}"/>
+              </a:ext>
+            </a:extLst>
+          </p:cNvPr>
+          <p:cNvPicPr>
+            <a:picLocks noChangeAspect="1"/>
+          </p:cNvPicPr>
+          <p:nvPr/>
+        </p:nvPicPr>
+        <p:blipFill rotWithShape="1">
+          <a:blip r:embed="rId3">
+            <a:lum bright="70000" contrast="-70000"/>
+            <a:alphaModFix amt="50000"/>
+            <a:extLst>
+              <a:ext uri="{BEBA8EAE-BF5A-486C-A8C5-ECC9F3942E4B}">
+                <a14:imgProps xmlns:a14="http://schemas.microsoft.com/office/drawing/2010/main">
+                  <a14:imgLayer r:embed="rId4">
+                    <a14:imgEffect>
+                      <a14:brightnessContrast bright="-100000"/>
+                    </a14:imgEffect>
+                  </a14:imgLayer>
+                </a14:imgProps>
+              </a:ext>
+            </a:extLst>
+          </a:blip>
+          <a:srcRect b="16349"/>
+          <a:stretch/>
+        </p:blipFill>
+        <p:spPr>
+          <a:xfrm>
+            <a:off x="3832307" y="1821873"/>
+            <a:ext cx="1479386" cy="1499754"/>
+          </a:xfrm>
+          <a:prstGeom prst="rect">
+            <a:avLst/>
+          </a:prstGeom>
+          <a:noFill/>
+          <a:ln>
+            <a:noFill/>
+          </a:ln>
+        </p:spPr>
+      </p:pic>
+      <p:sp>
+        <p:nvSpPr>
+          <p:cNvPr id="403" name="Google Shape;403;p36"/>
+          <p:cNvSpPr txBox="1">
+            <a:spLocks noGrp="1"/>
+          </p:cNvSpPr>
+          <p:nvPr>
+            <p:ph type="ctrTitle" idx="4294967295"/>
+          </p:nvPr>
+        </p:nvSpPr>
+        <p:spPr>
+          <a:xfrm>
+            <a:off x="685800" y="1991850"/>
+            <a:ext cx="7772400" cy="1159800"/>
+          </a:xfrm>
+          <a:prstGeom prst="rect">
+            <a:avLst/>
+          </a:prstGeom>
+        </p:spPr>
+        <p:txBody>
+          <a:bodyPr spcFirstLastPara="1" wrap="square" lIns="91425" tIns="91425" rIns="91425" bIns="91425" anchor="b" anchorCtr="0">
+            <a:noAutofit/>
+          </a:bodyPr>
+          <a:lstStyle/>
+          <a:p>
+            <a:pPr marL="0" lvl="0" indent="0" algn="ctr" rtl="0">
+              <a:spcBef>
+                <a:spcPts val="0"/>
+              </a:spcBef>
+              <a:spcAft>
+                <a:spcPts val="0"/>
+              </a:spcAft>
+              <a:buNone/>
+            </a:pPr>
+            <a:r>
+              <a:rPr lang="en" sz="6000" b="1">
+                <a:latin typeface="Trebuchet MS" panose="020B0603020202020204" pitchFamily="34" charset="0"/>
+              </a:rPr>
+              <a:t>Thanks!</a:t>
+            </a:r>
+            <a:endParaRPr sz="6000" b="1">
+              <a:latin typeface="Trebuchet MS" panose="020B0603020202020204" pitchFamily="34" charset="0"/>
+            </a:endParaRPr>
+          </a:p>
+        </p:txBody>
+      </p:sp>
+      <p:sp>
+        <p:nvSpPr>
+          <p:cNvPr id="405" name="Google Shape;405;p36"/>
+          <p:cNvSpPr txBox="1">
+            <a:spLocks noGrp="1"/>
+          </p:cNvSpPr>
+          <p:nvPr>
+            <p:ph type="body" idx="4294967295"/>
+          </p:nvPr>
+        </p:nvSpPr>
+        <p:spPr>
+          <a:xfrm>
+            <a:off x="2140050" y="3331976"/>
+            <a:ext cx="4863900" cy="925996"/>
+          </a:xfrm>
+          <a:prstGeom prst="rect">
+            <a:avLst/>
+          </a:prstGeom>
+        </p:spPr>
+        <p:txBody>
+          <a:bodyPr spcFirstLastPara="1" wrap="square" lIns="91425" tIns="91425" rIns="91425" bIns="91425" anchor="ctr" anchorCtr="0">
+            <a:noAutofit/>
+          </a:bodyPr>
+          <a:lstStyle/>
+          <a:p>
+            <a:pPr marL="0" lvl="0" indent="0" algn="ctr" rtl="0">
+              <a:spcBef>
+                <a:spcPts val="600"/>
+              </a:spcBef>
+              <a:spcAft>
+                <a:spcPts val="0"/>
+              </a:spcAft>
+              <a:buNone/>
+            </a:pPr>
+            <a:r>
+              <a:rPr lang="en" sz="1400">
+                <a:latin typeface="Trebuchet MS" panose="020B0603020202020204" pitchFamily="34" charset="0"/>
+              </a:rPr>
+              <a:t>You can find me at:</a:t>
+            </a:r>
+          </a:p>
+          <a:p>
+            <a:pPr marL="0" lvl="0" indent="0" algn="ctr" rtl="0">
+              <a:spcBef>
+                <a:spcPts val="600"/>
+              </a:spcBef>
+              <a:spcAft>
+                <a:spcPts val="0"/>
+              </a:spcAft>
+              <a:buNone/>
+            </a:pPr>
+            <a:r>
+              <a:rPr lang="en" sz="1200">
+                <a:latin typeface="Consolas" panose="020B0609020204030204" pitchFamily="49" charset="0"/>
+              </a:rPr>
+              <a:t>t.me/alee_rezaa</a:t>
+            </a:r>
+            <a:endParaRPr sz="1200">
+              <a:latin typeface="Consolas" panose="020B0609020204030204" pitchFamily="49" charset="0"/>
+            </a:endParaRPr>
+          </a:p>
+          <a:p>
+            <a:pPr marL="0" lvl="0" indent="0" algn="ctr" rtl="0">
+              <a:spcBef>
+                <a:spcPts val="600"/>
+              </a:spcBef>
+              <a:spcAft>
+                <a:spcPts val="0"/>
+              </a:spcAft>
+              <a:buNone/>
+            </a:pPr>
+            <a:r>
+              <a:rPr lang="en" sz="1200">
+                <a:latin typeface="Consolas" panose="020B0609020204030204" pitchFamily="49" charset="0"/>
+              </a:rPr>
+              <a:t>alee_rezaa@outlook.com</a:t>
+            </a:r>
+            <a:endParaRPr sz="1200">
+              <a:latin typeface="Consolas" panose="020B0609020204030204" pitchFamily="49" charset="0"/>
+            </a:endParaRPr>
+          </a:p>
+        </p:txBody>
+      </p:sp>
+      <p:sp>
+        <p:nvSpPr>
+          <p:cNvPr id="406" name="Google Shape;406;p36"/>
+          <p:cNvSpPr txBox="1">
+            <a:spLocks noGrp="1"/>
+          </p:cNvSpPr>
+          <p:nvPr>
+            <p:ph type="sldNum" idx="12"/>
+          </p:nvPr>
+        </p:nvSpPr>
+        <p:spPr>
+          <a:xfrm>
+            <a:off x="8404384" y="4749851"/>
+            <a:ext cx="548700" cy="393600"/>
+          </a:xfrm>
+          <a:prstGeom prst="rect">
+            <a:avLst/>
+          </a:prstGeom>
+        </p:spPr>
+        <p:txBody>
+          <a:bodyPr spcFirstLastPara="1" wrap="square" lIns="91425" tIns="91425" rIns="91425" bIns="91425" anchor="t" anchorCtr="0">
+            <a:noAutofit/>
+          </a:bodyPr>
+          <a:lstStyle/>
+          <a:p>
+            <a:pPr marL="0" lvl="0" indent="0" algn="r" rtl="0">
+              <a:spcBef>
+                <a:spcPts val="0"/>
+              </a:spcBef>
+              <a:spcAft>
+                <a:spcPts val="0"/>
+              </a:spcAft>
+              <a:buNone/>
+            </a:pPr>
+            <a:fld id="{00000000-1234-1234-1234-123412341234}" type="slidenum">
+              <a:rPr lang="en"/>
+              <a:t>20</a:t>
+            </a:fld>
+            <a:endParaRPr/>
+          </a:p>
+        </p:txBody>
+      </p:sp>
+    </p:spTree>
+  </p:cSld>
+  <p:clrMapOvr>
+    <a:masterClrMapping/>
+  </p:clrMapOvr>
+</p:sld>
+</file>
+
+<file path=ppt/slides/slide21.xml><?xml version="1.0" encoding="utf-8"?>
+<p:sld xmlns:a="http://schemas.openxmlformats.org/drawingml/2006/main" xmlns:r="http://schemas.openxmlformats.org/officeDocument/2006/relationships" xmlns:p="http://schemas.openxmlformats.org/presentationml/2006/main">
+  <p:cSld>
+    <p:spTree>
+      <p:nvGrpSpPr>
+        <p:cNvPr id="1" name="Shape 246"/>
+        <p:cNvGrpSpPr/>
+        <p:nvPr/>
+      </p:nvGrpSpPr>
+      <p:grpSpPr>
+        <a:xfrm>
+          <a:off x="0" y="0"/>
+          <a:ext cx="0" cy="0"/>
+          <a:chOff x="0" y="0"/>
+          <a:chExt cx="0" cy="0"/>
+        </a:xfrm>
+      </p:grpSpPr>
+      <p:sp>
+        <p:nvSpPr>
+          <p:cNvPr id="247" name="Google Shape;247;p27"/>
+          <p:cNvSpPr txBox="1">
+            <a:spLocks noGrp="1"/>
+          </p:cNvSpPr>
+          <p:nvPr>
+            <p:ph type="ctrTitle" idx="4294967295"/>
+          </p:nvPr>
+        </p:nvSpPr>
+        <p:spPr>
+          <a:xfrm>
+            <a:off x="685800" y="1735742"/>
+            <a:ext cx="7772400" cy="1159800"/>
+          </a:xfrm>
+          <a:prstGeom prst="rect">
+            <a:avLst/>
+          </a:prstGeom>
+        </p:spPr>
+        <p:txBody>
+          <a:bodyPr spcFirstLastPara="1" wrap="square" lIns="91425" tIns="91425" rIns="91425" bIns="91425" anchor="b" anchorCtr="0">
+            <a:noAutofit/>
+          </a:bodyPr>
+          <a:lstStyle/>
+          <a:p>
+            <a:pPr marL="0" lvl="0" indent="0" algn="ctr" rtl="0">
+              <a:spcBef>
+                <a:spcPts val="0"/>
+              </a:spcBef>
+              <a:spcAft>
+                <a:spcPts val="0"/>
+              </a:spcAft>
+              <a:buNone/>
+            </a:pPr>
+            <a:r>
+              <a:rPr lang="en" sz="9600" b="1"/>
+              <a:t>89,526,124</a:t>
+            </a:r>
+            <a:endParaRPr sz="9600" b="1"/>
+          </a:p>
+        </p:txBody>
+      </p:sp>
+      <p:sp>
+        <p:nvSpPr>
+          <p:cNvPr id="248" name="Google Shape;248;p27"/>
+          <p:cNvSpPr txBox="1">
+            <a:spLocks noGrp="1"/>
+          </p:cNvSpPr>
+          <p:nvPr>
+            <p:ph type="subTitle" idx="4294967295"/>
+          </p:nvPr>
+        </p:nvSpPr>
+        <p:spPr>
+          <a:xfrm>
+            <a:off x="685800" y="2840053"/>
+            <a:ext cx="7772400" cy="784800"/>
+          </a:xfrm>
+          <a:prstGeom prst="rect">
+            <a:avLst/>
+          </a:prstGeom>
+        </p:spPr>
+        <p:txBody>
+          <a:bodyPr spcFirstLastPara="1" wrap="square" lIns="91425" tIns="91425" rIns="91425" bIns="91425" anchor="t" anchorCtr="0">
+            <a:noAutofit/>
+          </a:bodyPr>
+          <a:lstStyle/>
+          <a:p>
+            <a:pPr marL="0" lvl="0" indent="0" algn="ctr" rtl="0">
+              <a:spcBef>
+                <a:spcPts val="600"/>
+              </a:spcBef>
+              <a:spcAft>
+                <a:spcPts val="0"/>
+              </a:spcAft>
+              <a:buNone/>
+            </a:pPr>
+            <a:r>
+              <a:rPr lang="en"/>
+              <a:t>Whoa! That’s a big number, aren’t you proud?</a:t>
+            </a:r>
+            <a:endParaRPr/>
+          </a:p>
+        </p:txBody>
+      </p:sp>
+      <p:sp>
+        <p:nvSpPr>
+          <p:cNvPr id="249" name="Google Shape;249;p27"/>
+          <p:cNvSpPr txBox="1">
+            <a:spLocks noGrp="1"/>
+          </p:cNvSpPr>
+          <p:nvPr>
+            <p:ph type="sldNum" idx="12"/>
+          </p:nvPr>
+        </p:nvSpPr>
+        <p:spPr>
+          <a:xfrm>
+            <a:off x="8404384" y="4749851"/>
+            <a:ext cx="548700" cy="393600"/>
+          </a:xfrm>
+          <a:prstGeom prst="rect">
+            <a:avLst/>
+          </a:prstGeom>
+        </p:spPr>
+        <p:txBody>
+          <a:bodyPr spcFirstLastPara="1" wrap="square" lIns="91425" tIns="91425" rIns="91425" bIns="91425" anchor="t" anchorCtr="0">
+            <a:noAutofit/>
+          </a:bodyPr>
+          <a:lstStyle/>
+          <a:p>
+            <a:pPr marL="0" lvl="0" indent="0" algn="r" rtl="0">
+              <a:spcBef>
+                <a:spcPts val="0"/>
+              </a:spcBef>
+              <a:spcAft>
+                <a:spcPts val="0"/>
+              </a:spcAft>
+              <a:buNone/>
+            </a:pPr>
+            <a:fld id="{00000000-1234-1234-1234-123412341234}" type="slidenum">
+              <a:rPr lang="en"/>
+              <a:t>21</a:t>
             </a:fld>
             <a:endParaRPr/>
           </a:p>
@@ -7256,10 +7820,10 @@
           <a:lstStyle/>
           <a:p>
             <a:r>
-              <a:rPr lang="en-US" dirty="0"/>
+              <a:rPr lang="en-US"/>
               <a:t>Python Introduction</a:t>
             </a:r>
-            <a:endParaRPr lang="fa-IR" dirty="0"/>
+            <a:endParaRPr lang="fa-IR"/>
           </a:p>
         </p:txBody>
       </p:sp>
@@ -7293,7 +7857,7 @@
               <a:buNone/>
             </a:pPr>
             <a:r>
-              <a:rPr lang="en-US" sz="1400" dirty="0"/>
+              <a:rPr lang="en-US" sz="1400"/>
               <a:t>Python is a popular programming language.</a:t>
             </a:r>
           </a:p>
@@ -7301,7 +7865,7 @@
             <a:pPr marL="76200" indent="0">
               <a:buNone/>
             </a:pPr>
-            <a:endParaRPr lang="en-US" sz="1200" dirty="0">
+            <a:endParaRPr lang="en-US" sz="1200">
               <a:latin typeface="Consolas" panose="020B0609020204030204" pitchFamily="49" charset="0"/>
             </a:endParaRPr>
           </a:p>
@@ -7310,7 +7874,7 @@
               <a:buNone/>
             </a:pPr>
             <a:r>
-              <a:rPr lang="en-US" sz="1400" dirty="0"/>
+              <a:rPr lang="en-US" sz="1400"/>
               <a:t>It was created by Guido van Rossum, and released in 1991.</a:t>
             </a:r>
           </a:p>
@@ -7318,7 +7882,7 @@
             <a:pPr marL="76200" indent="0">
               <a:buNone/>
             </a:pPr>
-            <a:endParaRPr lang="en-US" sz="1200" dirty="0">
+            <a:endParaRPr lang="en-US" sz="1200">
               <a:latin typeface="Consolas" panose="020B0609020204030204" pitchFamily="49" charset="0"/>
             </a:endParaRPr>
           </a:p>
@@ -7327,7 +7891,7 @@
               <a:buNone/>
             </a:pPr>
             <a:r>
-              <a:rPr lang="en-US" sz="1400" dirty="0"/>
+              <a:rPr lang="en-US" sz="1400"/>
               <a:t>It is used for web development, software development, mathematics, system scripting, etc.</a:t>
             </a:r>
           </a:p>
@@ -7484,10 +8048,10 @@
           <a:lstStyle/>
           <a:p>
             <a:r>
-              <a:rPr lang="en-US" dirty="0"/>
+              <a:rPr lang="en-US"/>
               <a:t>Install Requirements</a:t>
             </a:r>
-            <a:endParaRPr lang="fa-IR" dirty="0"/>
+            <a:endParaRPr lang="fa-IR"/>
           </a:p>
         </p:txBody>
       </p:sp>
@@ -7521,7 +8085,7 @@
               <a:buNone/>
             </a:pPr>
             <a:r>
-              <a:rPr lang="en-US" sz="1400" dirty="0"/>
+              <a:rPr lang="en-US" sz="1400"/>
               <a:t>Download and install Python:</a:t>
             </a:r>
           </a:p>
@@ -7530,13 +8094,13 @@
               <a:buNone/>
             </a:pPr>
             <a:r>
-              <a:rPr lang="en-US" sz="1200" dirty="0">
+              <a:rPr lang="en-US" sz="1200">
                 <a:latin typeface="Consolas" panose="020B0609020204030204" pitchFamily="49" charset="0"/>
                 <a:hlinkClick r:id="rId2"/>
               </a:rPr>
               <a:t>https://www.python.org/downloads/</a:t>
             </a:r>
-            <a:endParaRPr lang="en-US" sz="1200" dirty="0">
+            <a:endParaRPr lang="en-US" sz="1200">
               <a:latin typeface="Consolas" panose="020B0609020204030204" pitchFamily="49" charset="0"/>
             </a:endParaRPr>
           </a:p>
@@ -7544,7 +8108,7 @@
             <a:pPr marL="76200" indent="0">
               <a:buNone/>
             </a:pPr>
-            <a:endParaRPr lang="en-US" sz="1200" dirty="0">
+            <a:endParaRPr lang="en-US" sz="1200">
               <a:latin typeface="Consolas" panose="020B0609020204030204" pitchFamily="49" charset="0"/>
             </a:endParaRPr>
           </a:p>
@@ -7553,7 +8117,7 @@
               <a:buNone/>
             </a:pPr>
             <a:r>
-              <a:rPr lang="en-US" sz="1400" dirty="0"/>
+              <a:rPr lang="en-US" sz="1400"/>
               <a:t>Download and install Visual Studio Code:</a:t>
             </a:r>
           </a:p>
@@ -7562,13 +8126,13 @@
               <a:buNone/>
             </a:pPr>
             <a:r>
-              <a:rPr lang="en-US" sz="1200" dirty="0">
+              <a:rPr lang="en-US" sz="1200">
                 <a:latin typeface="Consolas" panose="020B0609020204030204" pitchFamily="49" charset="0"/>
                 <a:hlinkClick r:id="rId3"/>
               </a:rPr>
               <a:t>https://code.visualstudio.com/</a:t>
             </a:r>
-            <a:endParaRPr lang="en-US" sz="1200" dirty="0">
+            <a:endParaRPr lang="en-US" sz="1200">
               <a:latin typeface="Consolas" panose="020B0609020204030204" pitchFamily="49" charset="0"/>
             </a:endParaRPr>
           </a:p>
@@ -7576,7 +8140,7 @@
             <a:pPr marL="76200" indent="0">
               <a:buNone/>
             </a:pPr>
-            <a:endParaRPr lang="en-US" sz="1200" dirty="0">
+            <a:endParaRPr lang="en-US" sz="1200">
               <a:latin typeface="Consolas" panose="020B0609020204030204" pitchFamily="49" charset="0"/>
             </a:endParaRPr>
           </a:p>
@@ -7585,7 +8149,7 @@
               <a:buNone/>
             </a:pPr>
             <a:r>
-              <a:rPr lang="en-US" sz="1400" dirty="0"/>
+              <a:rPr lang="en-US" sz="1400"/>
               <a:t>Download and install Git:</a:t>
             </a:r>
           </a:p>
@@ -7594,13 +8158,13 @@
               <a:buNone/>
             </a:pPr>
             <a:r>
-              <a:rPr lang="en-US" sz="1200" dirty="0">
+              <a:rPr lang="en-US" sz="1200">
                 <a:latin typeface="Consolas" panose="020B0609020204030204" pitchFamily="49" charset="0"/>
                 <a:hlinkClick r:id="rId4"/>
               </a:rPr>
               <a:t>https://git-scm.com/downloads/</a:t>
             </a:r>
-            <a:endParaRPr lang="en-US" sz="1200" dirty="0">
+            <a:endParaRPr lang="en-US" sz="1200">
               <a:latin typeface="Consolas" panose="020B0609020204030204" pitchFamily="49" charset="0"/>
             </a:endParaRPr>
           </a:p>
@@ -7696,10 +8260,10 @@
           <a:lstStyle/>
           <a:p>
             <a:r>
-              <a:rPr lang="en-US" dirty="0"/>
+              <a:rPr lang="en-US"/>
               <a:t>Jupyter Notebook</a:t>
             </a:r>
-            <a:endParaRPr lang="fa-IR" dirty="0"/>
+            <a:endParaRPr lang="fa-IR"/>
           </a:p>
         </p:txBody>
       </p:sp>
@@ -7733,10 +8297,10 @@
               <a:buNone/>
             </a:pPr>
             <a:r>
-              <a:rPr lang="en-US" sz="1400" dirty="0"/>
+              <a:rPr lang="en-US" sz="1400"/>
               <a:t>D</a:t>
             </a:r>
-            <a:endParaRPr lang="en-US" sz="1200" dirty="0">
+            <a:endParaRPr lang="en-US" sz="1200">
               <a:latin typeface="Consolas" panose="020B0609020204030204" pitchFamily="49" charset="0"/>
             </a:endParaRPr>
           </a:p>
@@ -7832,10 +8396,10 @@
           <a:lstStyle/>
           <a:p>
             <a:r>
-              <a:rPr lang="en-US" dirty="0"/>
+              <a:rPr lang="en-US"/>
               <a:t>Python Syntax</a:t>
             </a:r>
-            <a:endParaRPr lang="fa-IR" dirty="0"/>
+            <a:endParaRPr lang="fa-IR"/>
           </a:p>
         </p:txBody>
       </p:sp>
@@ -7869,7 +8433,7 @@
               <a:buNone/>
             </a:pPr>
             <a:r>
-              <a:rPr lang="en-US" sz="1400" dirty="0"/>
+              <a:rPr lang="en-US" sz="1400"/>
               <a:t>Variables</a:t>
             </a:r>
           </a:p>
@@ -7878,14 +8442,14 @@
               <a:buNone/>
             </a:pPr>
             <a:r>
-              <a:rPr lang="en-US" sz="1200" dirty="0">
+              <a:rPr lang="en-US" sz="1200">
                 <a:latin typeface="Consolas" panose="020B0609020204030204" pitchFamily="49" charset="0"/>
                 <a:cs typeface="Courier New" panose="02070309020205020404" pitchFamily="49" charset="0"/>
               </a:rPr>
               <a:t>x </a:t>
             </a:r>
             <a:r>
-              <a:rPr lang="en-US" sz="1200" dirty="0">
+              <a:rPr lang="en-US" sz="1200">
                 <a:solidFill>
                   <a:schemeClr val="accent1"/>
                 </a:solidFill>
@@ -7895,7 +8459,7 @@
               <a:t>=</a:t>
             </a:r>
             <a:r>
-              <a:rPr lang="en-US" sz="1200" dirty="0">
+              <a:rPr lang="en-US" sz="1200">
                 <a:latin typeface="Consolas" panose="020B0609020204030204" pitchFamily="49" charset="0"/>
                 <a:cs typeface="Courier New" panose="02070309020205020404" pitchFamily="49" charset="0"/>
               </a:rPr>
@@ -7907,14 +8471,14 @@
               <a:buNone/>
             </a:pPr>
             <a:r>
-              <a:rPr lang="en-US" sz="1200" dirty="0">
+              <a:rPr lang="en-US" sz="1200">
                 <a:latin typeface="Consolas" panose="020B0609020204030204" pitchFamily="49" charset="0"/>
                 <a:cs typeface="Courier New" panose="02070309020205020404" pitchFamily="49" charset="0"/>
               </a:rPr>
               <a:t>y </a:t>
             </a:r>
             <a:r>
-              <a:rPr lang="en-US" sz="1200" dirty="0">
+              <a:rPr lang="en-US" sz="1200">
                 <a:solidFill>
                   <a:schemeClr val="accent1"/>
                 </a:solidFill>
@@ -7924,18 +8488,18 @@
               <a:t>=</a:t>
             </a:r>
             <a:r>
-              <a:rPr lang="en-US" sz="1200" dirty="0">
-                <a:latin typeface="Consolas" panose="020B0609020204030204" pitchFamily="49" charset="0"/>
-                <a:cs typeface="Courier New" panose="02070309020205020404" pitchFamily="49" charset="0"/>
-              </a:rPr>
-              <a:t> 'Hello, World!’</a:t>
+              <a:rPr lang="en-US" sz="1200">
+                <a:latin typeface="Consolas" panose="020B0609020204030204" pitchFamily="49" charset="0"/>
+                <a:cs typeface="Courier New" panose="02070309020205020404" pitchFamily="49" charset="0"/>
+              </a:rPr>
+              <a:t> 'Hello, World!'</a:t>
             </a:r>
           </a:p>
           <a:p>
             <a:pPr marL="76200" indent="0">
               <a:buNone/>
             </a:pPr>
-            <a:endParaRPr lang="en-US" sz="1200" dirty="0">
+            <a:endParaRPr lang="en-US" sz="1200">
               <a:latin typeface="Consolas" panose="020B0609020204030204" pitchFamily="49" charset="0"/>
               <a:cs typeface="Courier New" panose="02070309020205020404" pitchFamily="49" charset="0"/>
             </a:endParaRPr>
@@ -7945,7 +8509,7 @@
               <a:buNone/>
             </a:pPr>
             <a:r>
-              <a:rPr lang="en-US" sz="1400" dirty="0"/>
+              <a:rPr lang="en-US" sz="1400"/>
               <a:t>Comments</a:t>
             </a:r>
           </a:p>
@@ -7954,7 +8518,7 @@
               <a:buNone/>
             </a:pPr>
             <a:r>
-              <a:rPr lang="en-US" sz="1200" dirty="0">
+              <a:rPr lang="en-US" sz="1200">
                 <a:solidFill>
                   <a:schemeClr val="accent1"/>
                 </a:solidFill>
@@ -7964,7 +8528,7 @@
               <a:t>#</a:t>
             </a:r>
             <a:r>
-              <a:rPr lang="en-US" sz="1200" dirty="0">
+              <a:rPr lang="en-US" sz="1200">
                 <a:latin typeface="Consolas" panose="020B0609020204030204" pitchFamily="49" charset="0"/>
                 <a:cs typeface="Courier New" panose="02070309020205020404" pitchFamily="49" charset="0"/>
               </a:rPr>
@@ -7975,7 +8539,7 @@
             <a:pPr marL="76200" indent="0">
               <a:buNone/>
             </a:pPr>
-            <a:endParaRPr lang="en-US" sz="1200" dirty="0">
+            <a:endParaRPr lang="en-US" sz="1200">
               <a:latin typeface="Consolas" panose="020B0609020204030204" pitchFamily="49" charset="0"/>
               <a:cs typeface="Courier New" panose="02070309020205020404" pitchFamily="49" charset="0"/>
             </a:endParaRPr>
@@ -7985,7 +8549,7 @@
               <a:buNone/>
             </a:pPr>
             <a:r>
-              <a:rPr lang="en-US" sz="1400" dirty="0"/>
+              <a:rPr lang="en-US" sz="1400"/>
               <a:t>Indentation</a:t>
             </a:r>
           </a:p>
@@ -7994,7 +8558,7 @@
               <a:buNone/>
             </a:pPr>
             <a:r>
-              <a:rPr lang="en-US" sz="1200" dirty="0">
+              <a:rPr lang="en-US" sz="1200">
                 <a:latin typeface="Consolas" panose="020B0609020204030204" pitchFamily="49" charset="0"/>
                 <a:cs typeface="Courier New" panose="02070309020205020404" pitchFamily="49" charset="0"/>
               </a:rPr>
@@ -8006,7 +8570,7 @@
               <a:buNone/>
             </a:pPr>
             <a:r>
-              <a:rPr lang="en-US" sz="1200" dirty="0">
+              <a:rPr lang="en-US" sz="1200">
                 <a:solidFill>
                   <a:srgbClr val="262626"/>
                 </a:solidFill>
@@ -8016,7 +8580,7 @@
               <a:t>    </a:t>
             </a:r>
             <a:r>
-              <a:rPr lang="en-US" sz="1200" dirty="0">
+              <a:rPr lang="en-US" sz="1200">
                 <a:latin typeface="Consolas" panose="020B0609020204030204" pitchFamily="49" charset="0"/>
                 <a:cs typeface="Courier New" panose="02070309020205020404" pitchFamily="49" charset="0"/>
               </a:rPr>
@@ -8115,14 +8679,14 @@
           <a:lstStyle/>
           <a:p>
             <a:r>
-              <a:rPr lang="en-US" dirty="0"/>
+              <a:rPr lang="en-US"/>
               <a:t>Python </a:t>
             </a:r>
             <a:r>
-              <a:rPr lang="en-US" sz="2400" dirty="0"/>
+              <a:rPr lang="en-US" sz="2400"/>
               <a:t>Variables</a:t>
             </a:r>
-            <a:endParaRPr lang="fa-IR" dirty="0"/>
+            <a:endParaRPr lang="fa-IR"/>
           </a:p>
         </p:txBody>
       </p:sp>
@@ -8156,7 +8720,7 @@
               <a:buNone/>
             </a:pPr>
             <a:r>
-              <a:rPr lang="en-US" sz="1400" dirty="0"/>
+              <a:rPr lang="en-US" sz="1400"/>
               <a:t>Containers for storing data values</a:t>
             </a:r>
           </a:p>
@@ -8165,7 +8729,7 @@
               <a:buNone/>
             </a:pPr>
             <a:r>
-              <a:rPr lang="en-US" sz="1200" dirty="0">
+              <a:rPr lang="en-US" sz="1200">
                 <a:latin typeface="Consolas" panose="020B0609020204030204" pitchFamily="49" charset="0"/>
                 <a:cs typeface="Courier New" panose="02070309020205020404" pitchFamily="49" charset="0"/>
               </a:rPr>
@@ -8177,7 +8741,7 @@
               <a:buNone/>
             </a:pPr>
             <a:r>
-              <a:rPr lang="en-US" sz="1200" dirty="0">
+              <a:rPr lang="en-US" sz="1200">
                 <a:latin typeface="Consolas" panose="020B0609020204030204" pitchFamily="49" charset="0"/>
                 <a:cs typeface="Courier New" panose="02070309020205020404" pitchFamily="49" charset="0"/>
               </a:rPr>
@@ -8189,7 +8753,7 @@
               <a:buNone/>
             </a:pPr>
             <a:r>
-              <a:rPr lang="en-US" sz="1200" dirty="0">
+              <a:rPr lang="en-US" sz="1200">
                 <a:latin typeface="Consolas" panose="020B0609020204030204" pitchFamily="49" charset="0"/>
                 <a:cs typeface="Courier New" panose="02070309020205020404" pitchFamily="49" charset="0"/>
               </a:rPr>
@@ -8200,7 +8764,7 @@
             <a:pPr marL="76200" indent="0">
               <a:buNone/>
             </a:pPr>
-            <a:endParaRPr lang="en-US" sz="1200" dirty="0">
+            <a:endParaRPr lang="en-US" sz="1200">
               <a:latin typeface="Consolas" panose="020B0609020204030204" pitchFamily="49" charset="0"/>
               <a:cs typeface="Courier New" panose="02070309020205020404" pitchFamily="49" charset="0"/>
             </a:endParaRPr>
@@ -8210,7 +8774,7 @@
               <a:buNone/>
             </a:pPr>
             <a:r>
-              <a:rPr lang="en-US" sz="1400" dirty="0"/>
+              <a:rPr lang="en-US" sz="1400"/>
               <a:t>Casting</a:t>
             </a:r>
           </a:p>
@@ -8219,57 +8783,38 @@
               <a:buNone/>
             </a:pPr>
             <a:r>
-              <a:rPr lang="en-US" sz="1200" dirty="0">
+              <a:rPr lang="en-US" sz="1200">
                 <a:latin typeface="Consolas" panose="020B0609020204030204" pitchFamily="49" charset="0"/>
                 <a:cs typeface="Courier New" panose="02070309020205020404" pitchFamily="49" charset="0"/>
               </a:rPr>
               <a:t>a = </a:t>
             </a:r>
             <a:r>
-              <a:rPr lang="en-US" sz="1200" dirty="0">
+              <a:rPr lang="en-US" sz="1200">
                 <a:solidFill>
                   <a:schemeClr val="accent1"/>
                 </a:solidFill>
                 <a:latin typeface="Consolas" panose="020B0609020204030204" pitchFamily="49" charset="0"/>
                 <a:cs typeface="Courier New" panose="02070309020205020404" pitchFamily="49" charset="0"/>
               </a:rPr>
-              <a:t>str</a:t>
-            </a:r>
-            <a:r>
-              <a:rPr lang="en-US" sz="1200" dirty="0">
-                <a:latin typeface="Consolas" panose="020B0609020204030204" pitchFamily="49" charset="0"/>
-                <a:cs typeface="Courier New" panose="02070309020205020404" pitchFamily="49" charset="0"/>
-              </a:rPr>
-              <a:t>(3)</a:t>
-            </a:r>
-          </a:p>
-          <a:p>
-            <a:pPr marL="76200" indent="0">
-              <a:buNone/>
-            </a:pPr>
-            <a:r>
-              <a:rPr lang="en-US" sz="1200" dirty="0">
-                <a:latin typeface="Consolas" panose="020B0609020204030204" pitchFamily="49" charset="0"/>
-                <a:cs typeface="Courier New" panose="02070309020205020404" pitchFamily="49" charset="0"/>
-              </a:rPr>
-              <a:t>b = </a:t>
-            </a:r>
-            <a:r>
-              <a:rPr lang="en-US" sz="1200" dirty="0">
+              <a:t>str(</a:t>
+            </a:r>
+            <a:r>
+              <a:rPr lang="en-US" sz="1200">
+                <a:latin typeface="Consolas" panose="020B0609020204030204" pitchFamily="49" charset="0"/>
+                <a:cs typeface="Courier New" panose="02070309020205020404" pitchFamily="49" charset="0"/>
+              </a:rPr>
+              <a:t>3</a:t>
+            </a:r>
+            <a:r>
+              <a:rPr lang="en-US" sz="1200">
                 <a:solidFill>
                   <a:schemeClr val="accent1"/>
                 </a:solidFill>
                 <a:latin typeface="Consolas" panose="020B0609020204030204" pitchFamily="49" charset="0"/>
                 <a:cs typeface="Courier New" panose="02070309020205020404" pitchFamily="49" charset="0"/>
               </a:rPr>
-              <a:t>int</a:t>
-            </a:r>
-            <a:r>
-              <a:rPr lang="en-US" sz="1200" dirty="0">
-                <a:latin typeface="Consolas" panose="020B0609020204030204" pitchFamily="49" charset="0"/>
-                <a:cs typeface="Courier New" panose="02070309020205020404" pitchFamily="49" charset="0"/>
-              </a:rPr>
-              <a:t>(3)</a:t>
+              <a:t>)</a:t>
             </a:r>
           </a:p>
           <a:p>
@@ -8277,57 +8822,116 @@
               <a:buNone/>
             </a:pPr>
             <a:r>
-              <a:rPr lang="en-US" sz="1200" dirty="0">
-                <a:latin typeface="Consolas" panose="020B0609020204030204" pitchFamily="49" charset="0"/>
-                <a:cs typeface="Courier New" panose="02070309020205020404" pitchFamily="49" charset="0"/>
-              </a:rPr>
-              <a:t>c = </a:t>
-            </a:r>
-            <a:r>
-              <a:rPr lang="en-US" sz="1200" dirty="0">
+              <a:rPr lang="en-US" sz="1200">
+                <a:latin typeface="Consolas" panose="020B0609020204030204" pitchFamily="49" charset="0"/>
+                <a:cs typeface="Courier New" panose="02070309020205020404" pitchFamily="49" charset="0"/>
+              </a:rPr>
+              <a:t>b = </a:t>
+            </a:r>
+            <a:r>
+              <a:rPr lang="en-US" sz="1200">
                 <a:solidFill>
                   <a:schemeClr val="accent1"/>
                 </a:solidFill>
                 <a:latin typeface="Consolas" panose="020B0609020204030204" pitchFamily="49" charset="0"/>
                 <a:cs typeface="Courier New" panose="02070309020205020404" pitchFamily="49" charset="0"/>
               </a:rPr>
-              <a:t>float</a:t>
-            </a:r>
-            <a:r>
-              <a:rPr lang="en-US" sz="1200" dirty="0">
-                <a:latin typeface="Consolas" panose="020B0609020204030204" pitchFamily="49" charset="0"/>
-                <a:cs typeface="Courier New" panose="02070309020205020404" pitchFamily="49" charset="0"/>
-              </a:rPr>
-              <a:t>(3)</a:t>
-            </a:r>
-          </a:p>
-          <a:p>
-            <a:pPr marL="76200" indent="0">
-              <a:buNone/>
-            </a:pPr>
-            <a:r>
-              <a:rPr lang="en-US" sz="1200" dirty="0">
-                <a:latin typeface="Consolas" panose="020B0609020204030204" pitchFamily="49" charset="0"/>
-                <a:cs typeface="Courier New" panose="02070309020205020404" pitchFamily="49" charset="0"/>
-              </a:rPr>
-              <a:t>d = </a:t>
-            </a:r>
-            <a:r>
-              <a:rPr lang="en-US" sz="1200" dirty="0">
+              <a:t>int(</a:t>
+            </a:r>
+            <a:r>
+              <a:rPr lang="en-US" sz="1200">
+                <a:latin typeface="Consolas" panose="020B0609020204030204" pitchFamily="49" charset="0"/>
+                <a:cs typeface="Courier New" panose="02070309020205020404" pitchFamily="49" charset="0"/>
+              </a:rPr>
+              <a:t>3</a:t>
+            </a:r>
+            <a:r>
+              <a:rPr lang="en-US" sz="1200">
                 <a:solidFill>
                   <a:schemeClr val="accent1"/>
                 </a:solidFill>
                 <a:latin typeface="Consolas" panose="020B0609020204030204" pitchFamily="49" charset="0"/>
                 <a:cs typeface="Courier New" panose="02070309020205020404" pitchFamily="49" charset="0"/>
               </a:rPr>
-              <a:t>bool</a:t>
-            </a:r>
-            <a:r>
-              <a:rPr lang="en-US" sz="1200" dirty="0">
-                <a:latin typeface="Consolas" panose="020B0609020204030204" pitchFamily="49" charset="0"/>
-                <a:cs typeface="Courier New" panose="02070309020205020404" pitchFamily="49" charset="0"/>
-              </a:rPr>
-              <a:t>(1)</a:t>
+              <a:t>)</a:t>
+            </a:r>
+          </a:p>
+          <a:p>
+            <a:pPr marL="76200" indent="0">
+              <a:buNone/>
+            </a:pPr>
+            <a:r>
+              <a:rPr lang="en-US" sz="1200">
+                <a:latin typeface="Consolas" panose="020B0609020204030204" pitchFamily="49" charset="0"/>
+                <a:cs typeface="Courier New" panose="02070309020205020404" pitchFamily="49" charset="0"/>
+              </a:rPr>
+              <a:t>c = </a:t>
+            </a:r>
+            <a:r>
+              <a:rPr lang="en-US" sz="1200">
+                <a:solidFill>
+                  <a:schemeClr val="accent1"/>
+                </a:solidFill>
+                <a:latin typeface="Consolas" panose="020B0609020204030204" pitchFamily="49" charset="0"/>
+                <a:cs typeface="Courier New" panose="02070309020205020404" pitchFamily="49" charset="0"/>
+              </a:rPr>
+              <a:t>float(</a:t>
+            </a:r>
+            <a:r>
+              <a:rPr lang="en-US" sz="1200">
+                <a:latin typeface="Consolas" panose="020B0609020204030204" pitchFamily="49" charset="0"/>
+                <a:cs typeface="Courier New" panose="02070309020205020404" pitchFamily="49" charset="0"/>
+              </a:rPr>
+              <a:t>3</a:t>
+            </a:r>
+            <a:r>
+              <a:rPr lang="en-US" sz="1200">
+                <a:solidFill>
+                  <a:schemeClr val="accent1"/>
+                </a:solidFill>
+                <a:latin typeface="Consolas" panose="020B0609020204030204" pitchFamily="49" charset="0"/>
+                <a:cs typeface="Courier New" panose="02070309020205020404" pitchFamily="49" charset="0"/>
+              </a:rPr>
+              <a:t>)</a:t>
+            </a:r>
+          </a:p>
+          <a:p>
+            <a:pPr marL="76200" indent="0">
+              <a:buNone/>
+            </a:pPr>
+            <a:r>
+              <a:rPr lang="en-US" sz="1200">
+                <a:latin typeface="Consolas" panose="020B0609020204030204" pitchFamily="49" charset="0"/>
+                <a:cs typeface="Courier New" panose="02070309020205020404" pitchFamily="49" charset="0"/>
+              </a:rPr>
+              <a:t>d = </a:t>
+            </a:r>
+            <a:r>
+              <a:rPr lang="en-US" sz="1200">
+                <a:solidFill>
+                  <a:schemeClr val="accent1"/>
+                </a:solidFill>
+                <a:latin typeface="Consolas" panose="020B0609020204030204" pitchFamily="49" charset="0"/>
+                <a:cs typeface="Courier New" panose="02070309020205020404" pitchFamily="49" charset="0"/>
+              </a:rPr>
+              <a:t>bool(</a:t>
+            </a:r>
+            <a:r>
+              <a:rPr lang="en-US" sz="1200">
+                <a:latin typeface="Consolas" panose="020B0609020204030204" pitchFamily="49" charset="0"/>
+                <a:cs typeface="Courier New" panose="02070309020205020404" pitchFamily="49" charset="0"/>
+              </a:rPr>
+              <a:t>3</a:t>
+            </a:r>
+            <a:r>
+              <a:rPr lang="en-US" sz="1200">
+                <a:solidFill>
+                  <a:schemeClr val="accent1"/>
+                </a:solidFill>
+                <a:latin typeface="Consolas" panose="020B0609020204030204" pitchFamily="49" charset="0"/>
+                <a:cs typeface="Courier New" panose="02070309020205020404" pitchFamily="49" charset="0"/>
+              </a:rPr>
+              <a:t>)</a:t>
             </a:r>
           </a:p>
         </p:txBody>
@@ -8422,14 +9026,14 @@
           <a:lstStyle/>
           <a:p>
             <a:r>
-              <a:rPr lang="en-US" dirty="0"/>
+              <a:rPr lang="en-US"/>
               <a:t>Python </a:t>
             </a:r>
             <a:r>
-              <a:rPr lang="en-US" sz="2400" dirty="0"/>
+              <a:rPr lang="en-US" sz="2400"/>
               <a:t>Variables</a:t>
             </a:r>
-            <a:endParaRPr lang="fa-IR" dirty="0"/>
+            <a:endParaRPr lang="fa-IR"/>
           </a:p>
         </p:txBody>
       </p:sp>
@@ -8463,7 +9067,7 @@
               <a:buNone/>
             </a:pPr>
             <a:r>
-              <a:rPr lang="en-US" sz="1400" dirty="0"/>
+              <a:rPr lang="en-US" sz="1400"/>
               <a:t>Get the type</a:t>
             </a:r>
           </a:p>
@@ -8472,7 +9076,7 @@
               <a:buNone/>
             </a:pPr>
             <a:r>
-              <a:rPr lang="fr-FR" sz="1200" dirty="0">
+              <a:rPr lang="fr-FR" sz="1200">
                 <a:latin typeface="Consolas" panose="020B0609020204030204" pitchFamily="49" charset="0"/>
                 <a:cs typeface="Courier New" panose="02070309020205020404" pitchFamily="49" charset="0"/>
               </a:rPr>
@@ -8484,7 +9088,7 @@
               <a:buNone/>
             </a:pPr>
             <a:r>
-              <a:rPr lang="fr-FR" sz="1200" dirty="0">
+              <a:rPr lang="fr-FR" sz="1200">
                 <a:solidFill>
                   <a:schemeClr val="accent1"/>
                 </a:solidFill>
@@ -8494,14 +9098,14 @@
               <a:t>type(</a:t>
             </a:r>
             <a:r>
-              <a:rPr lang="fr-FR" sz="1200" dirty="0">
+              <a:rPr lang="fr-FR" sz="1200">
                 <a:latin typeface="Consolas" panose="020B0609020204030204" pitchFamily="49" charset="0"/>
                 <a:cs typeface="Courier New" panose="02070309020205020404" pitchFamily="49" charset="0"/>
               </a:rPr>
               <a:t>x</a:t>
             </a:r>
             <a:r>
-              <a:rPr lang="fr-FR" sz="1200" dirty="0">
+              <a:rPr lang="fr-FR" sz="1200">
                 <a:solidFill>
                   <a:schemeClr val="accent1"/>
                 </a:solidFill>
@@ -8515,7 +9119,7 @@
             <a:pPr marL="76200" indent="0">
               <a:buNone/>
             </a:pPr>
-            <a:endParaRPr lang="en-US" sz="1200" dirty="0">
+            <a:endParaRPr lang="en-US" sz="1200">
               <a:latin typeface="Consolas" panose="020B0609020204030204" pitchFamily="49" charset="0"/>
             </a:endParaRPr>
           </a:p>
@@ -8524,7 +9128,7 @@
               <a:buNone/>
             </a:pPr>
             <a:r>
-              <a:rPr lang="en-US" sz="1400" dirty="0"/>
+              <a:rPr lang="en-US" sz="1400"/>
               <a:t>Assign multiple values</a:t>
             </a:r>
           </a:p>
@@ -8533,14 +9137,14 @@
               <a:buNone/>
             </a:pPr>
             <a:r>
-              <a:rPr lang="en-US" sz="1200" dirty="0">
+              <a:rPr lang="en-US" sz="1200">
                 <a:latin typeface="Consolas" panose="020B0609020204030204" pitchFamily="49" charset="0"/>
                 <a:cs typeface="Courier New" panose="02070309020205020404" pitchFamily="49" charset="0"/>
               </a:rPr>
               <a:t>x</a:t>
             </a:r>
             <a:r>
-              <a:rPr lang="en-US" sz="1200" dirty="0">
+              <a:rPr lang="en-US" sz="1200">
                 <a:solidFill>
                   <a:schemeClr val="accent1"/>
                 </a:solidFill>
@@ -8550,14 +9154,14 @@
               <a:t>,</a:t>
             </a:r>
             <a:r>
-              <a:rPr lang="en-US" sz="1200" dirty="0">
+              <a:rPr lang="en-US" sz="1200">
                 <a:latin typeface="Consolas" panose="020B0609020204030204" pitchFamily="49" charset="0"/>
                 <a:cs typeface="Courier New" panose="02070309020205020404" pitchFamily="49" charset="0"/>
               </a:rPr>
               <a:t> y</a:t>
             </a:r>
             <a:r>
-              <a:rPr lang="en-US" sz="1200" dirty="0">
+              <a:rPr lang="en-US" sz="1200">
                 <a:solidFill>
                   <a:schemeClr val="accent1"/>
                 </a:solidFill>
@@ -8567,14 +9171,14 @@
               <a:t>,</a:t>
             </a:r>
             <a:r>
-              <a:rPr lang="en-US" sz="1200" dirty="0">
+              <a:rPr lang="en-US" sz="1200">
                 <a:latin typeface="Consolas" panose="020B0609020204030204" pitchFamily="49" charset="0"/>
                 <a:cs typeface="Courier New" panose="02070309020205020404" pitchFamily="49" charset="0"/>
               </a:rPr>
               <a:t> z = 'Orange'</a:t>
             </a:r>
             <a:r>
-              <a:rPr lang="en-US" sz="1200" dirty="0">
+              <a:rPr lang="en-US" sz="1200">
                 <a:solidFill>
                   <a:schemeClr val="accent1"/>
                 </a:solidFill>
@@ -8584,14 +9188,14 @@
               <a:t>,</a:t>
             </a:r>
             <a:r>
-              <a:rPr lang="en-US" sz="1200" dirty="0">
+              <a:rPr lang="en-US" sz="1200">
                 <a:latin typeface="Consolas" panose="020B0609020204030204" pitchFamily="49" charset="0"/>
                 <a:cs typeface="Courier New" panose="02070309020205020404" pitchFamily="49" charset="0"/>
               </a:rPr>
               <a:t> 'Banana'</a:t>
             </a:r>
             <a:r>
-              <a:rPr lang="en-US" sz="1200" dirty="0">
+              <a:rPr lang="en-US" sz="1200">
                 <a:solidFill>
                   <a:schemeClr val="accent1"/>
                 </a:solidFill>
@@ -8601,7 +9205,7 @@
               <a:t>,</a:t>
             </a:r>
             <a:r>
-              <a:rPr lang="en-US" sz="1200" dirty="0">
+              <a:rPr lang="en-US" sz="1200">
                 <a:latin typeface="Consolas" panose="020B0609020204030204" pitchFamily="49" charset="0"/>
                 <a:cs typeface="Courier New" panose="02070309020205020404" pitchFamily="49" charset="0"/>
               </a:rPr>
@@ -8612,7 +9216,7 @@
             <a:pPr marL="76200" indent="0">
               <a:buNone/>
             </a:pPr>
-            <a:endParaRPr lang="en-US" sz="1200" dirty="0">
+            <a:endParaRPr lang="en-US" sz="1200">
               <a:latin typeface="Consolas" panose="020B0609020204030204" pitchFamily="49" charset="0"/>
               <a:cs typeface="Courier New" panose="02070309020205020404" pitchFamily="49" charset="0"/>
             </a:endParaRPr>
@@ -8622,7 +9226,7 @@
               <a:buNone/>
             </a:pPr>
             <a:r>
-              <a:rPr lang="en-US" sz="1400" dirty="0"/>
+              <a:rPr lang="en-US" sz="1400"/>
               <a:t>One value to multiple variables</a:t>
             </a:r>
           </a:p>
@@ -8631,14 +9235,14 @@
               <a:buNone/>
             </a:pPr>
             <a:r>
-              <a:rPr lang="fr-FR" sz="1200" dirty="0">
+              <a:rPr lang="fr-FR" sz="1200">
                 <a:latin typeface="Consolas" panose="020B0609020204030204" pitchFamily="49" charset="0"/>
                 <a:cs typeface="Courier New" panose="02070309020205020404" pitchFamily="49" charset="0"/>
               </a:rPr>
               <a:t>x </a:t>
             </a:r>
             <a:r>
-              <a:rPr lang="fr-FR" sz="1200" dirty="0">
+              <a:rPr lang="fr-FR" sz="1200">
                 <a:solidFill>
                   <a:schemeClr val="accent1"/>
                 </a:solidFill>
@@ -8648,14 +9252,14 @@
               <a:t>=</a:t>
             </a:r>
             <a:r>
-              <a:rPr lang="fr-FR" sz="1200" dirty="0">
+              <a:rPr lang="fr-FR" sz="1200">
                 <a:latin typeface="Consolas" panose="020B0609020204030204" pitchFamily="49" charset="0"/>
                 <a:cs typeface="Courier New" panose="02070309020205020404" pitchFamily="49" charset="0"/>
               </a:rPr>
               <a:t> y </a:t>
             </a:r>
             <a:r>
-              <a:rPr lang="fr-FR" sz="1200" dirty="0">
+              <a:rPr lang="fr-FR" sz="1200">
                 <a:solidFill>
                   <a:schemeClr val="accent1"/>
                 </a:solidFill>
@@ -8665,14 +9269,14 @@
               <a:t>=</a:t>
             </a:r>
             <a:r>
-              <a:rPr lang="fr-FR" sz="1200" dirty="0">
+              <a:rPr lang="fr-FR" sz="1200">
                 <a:latin typeface="Consolas" panose="020B0609020204030204" pitchFamily="49" charset="0"/>
                 <a:cs typeface="Courier New" panose="02070309020205020404" pitchFamily="49" charset="0"/>
               </a:rPr>
               <a:t> z </a:t>
             </a:r>
             <a:r>
-              <a:rPr lang="fr-FR" sz="1200" dirty="0">
+              <a:rPr lang="fr-FR" sz="1200">
                 <a:solidFill>
                   <a:schemeClr val="accent1"/>
                 </a:solidFill>
@@ -8682,35 +9286,35 @@
               <a:t>=</a:t>
             </a:r>
             <a:r>
-              <a:rPr lang="fr-FR" sz="1200" dirty="0">
+              <a:rPr lang="fr-FR" sz="1200">
                 <a:latin typeface="Consolas" panose="020B0609020204030204" pitchFamily="49" charset="0"/>
                 <a:cs typeface="Courier New" panose="02070309020205020404" pitchFamily="49" charset="0"/>
               </a:rPr>
               <a:t> </a:t>
             </a:r>
             <a:r>
-              <a:rPr lang="en-US" sz="1200" dirty="0">
+              <a:rPr lang="en-US" sz="1200">
                 <a:latin typeface="Consolas" panose="020B0609020204030204" pitchFamily="49" charset="0"/>
                 <a:cs typeface="Courier New" panose="02070309020205020404" pitchFamily="49" charset="0"/>
               </a:rPr>
               <a:t>'</a:t>
             </a:r>
             <a:r>
-              <a:rPr lang="fr-FR" sz="1200" dirty="0">
+              <a:rPr lang="fr-FR" sz="1200">
                 <a:latin typeface="Consolas" panose="020B0609020204030204" pitchFamily="49" charset="0"/>
                 <a:cs typeface="Courier New" panose="02070309020205020404" pitchFamily="49" charset="0"/>
               </a:rPr>
               <a:t>Orange</a:t>
             </a:r>
             <a:r>
-              <a:rPr lang="en-US" sz="1200" dirty="0">
+              <a:rPr lang="en-US" sz="1200">
                 <a:latin typeface="Consolas" panose="020B0609020204030204" pitchFamily="49" charset="0"/>
                 <a:cs typeface="Courier New" panose="02070309020205020404" pitchFamily="49" charset="0"/>
               </a:rPr>
               <a:t>'</a:t>
             </a:r>
             <a:r>
-              <a:rPr lang="fr-FR" sz="1200" dirty="0">
+              <a:rPr lang="fr-FR" sz="1200">
                 <a:latin typeface="Consolas" panose="020B0609020204030204" pitchFamily="49" charset="0"/>
                 <a:cs typeface="Courier New" panose="02070309020205020404" pitchFamily="49" charset="0"/>
               </a:rPr>
@@ -8809,14 +9413,14 @@
           <a:lstStyle/>
           <a:p>
             <a:r>
-              <a:rPr lang="en-US" dirty="0"/>
+              <a:rPr lang="en-US"/>
               <a:t>Python </a:t>
             </a:r>
             <a:r>
-              <a:rPr lang="en-US" sz="2400" dirty="0"/>
+              <a:rPr lang="en-US" sz="2400"/>
               <a:t>Numbers</a:t>
             </a:r>
-            <a:endParaRPr lang="fa-IR" dirty="0"/>
+            <a:endParaRPr lang="fa-IR"/>
           </a:p>
         </p:txBody>
       </p:sp>
@@ -8850,7 +9454,7 @@
               <a:buNone/>
             </a:pPr>
             <a:r>
-              <a:rPr lang="en-US" sz="1400" dirty="0"/>
+              <a:rPr lang="en-US" sz="1400"/>
               <a:t>Three numeric types</a:t>
             </a:r>
           </a:p>
@@ -8859,14 +9463,14 @@
               <a:buNone/>
             </a:pPr>
             <a:r>
-              <a:rPr lang="en-US" sz="1200" dirty="0">
+              <a:rPr lang="en-US" sz="1200">
                 <a:latin typeface="Consolas" panose="020B0609020204030204" pitchFamily="49" charset="0"/>
                 <a:cs typeface="Courier New" panose="02070309020205020404" pitchFamily="49" charset="0"/>
               </a:rPr>
               <a:t>a = 1    # </a:t>
             </a:r>
             <a:r>
-              <a:rPr lang="en-US" sz="1200" dirty="0">
+              <a:rPr lang="en-US" sz="1200">
                 <a:solidFill>
                   <a:schemeClr val="accent1"/>
                 </a:solidFill>
@@ -8881,14 +9485,14 @@
               <a:buNone/>
             </a:pPr>
             <a:r>
-              <a:rPr lang="en-US" sz="1200" dirty="0">
+              <a:rPr lang="en-US" sz="1200">
                 <a:latin typeface="Consolas" panose="020B0609020204030204" pitchFamily="49" charset="0"/>
                 <a:cs typeface="Courier New" panose="02070309020205020404" pitchFamily="49" charset="0"/>
               </a:rPr>
               <a:t>b = 2.8  # </a:t>
             </a:r>
             <a:r>
-              <a:rPr lang="en-US" sz="1200" dirty="0">
+              <a:rPr lang="en-US" sz="1200">
                 <a:solidFill>
                   <a:schemeClr val="accent1"/>
                 </a:solidFill>
@@ -8903,14 +9507,14 @@
               <a:buNone/>
             </a:pPr>
             <a:r>
-              <a:rPr lang="en-US" sz="1200" dirty="0">
+              <a:rPr lang="en-US" sz="1200">
                 <a:latin typeface="Consolas" panose="020B0609020204030204" pitchFamily="49" charset="0"/>
                 <a:cs typeface="Courier New" panose="02070309020205020404" pitchFamily="49" charset="0"/>
               </a:rPr>
               <a:t>c = 1j   # </a:t>
             </a:r>
             <a:r>
-              <a:rPr lang="en-US" sz="1200" dirty="0">
+              <a:rPr lang="en-US" sz="1200">
                 <a:solidFill>
                   <a:schemeClr val="accent1"/>
                 </a:solidFill>
@@ -8924,7 +9528,7 @@
             <a:pPr marL="76200" indent="0">
               <a:buNone/>
             </a:pPr>
-            <a:endParaRPr lang="en-US" sz="1200" dirty="0">
+            <a:endParaRPr lang="en-US" sz="1200">
               <a:latin typeface="Consolas" panose="020B0609020204030204" pitchFamily="49" charset="0"/>
             </a:endParaRPr>
           </a:p>
@@ -8933,7 +9537,7 @@
               <a:buNone/>
             </a:pPr>
             <a:r>
-              <a:rPr lang="en-US" sz="1400" dirty="0"/>
+              <a:rPr lang="en-US" sz="1400"/>
               <a:t>Operators</a:t>
             </a:r>
           </a:p>
@@ -8942,13 +9546,13 @@
               <a:buNone/>
             </a:pPr>
             <a:r>
-              <a:rPr lang="en-US" sz="1200" dirty="0">
+              <a:rPr lang="en-US" sz="1200">
                 <a:latin typeface="Consolas" panose="020B0609020204030204" pitchFamily="49" charset="0"/>
                 <a:cs typeface="Courier New" panose="02070309020205020404" pitchFamily="49" charset="0"/>
               </a:rPr>
               <a:t>+  -  *  /  %  **  //</a:t>
             </a:r>
-            <a:endParaRPr lang="fr-FR" sz="1200" dirty="0">
+            <a:endParaRPr lang="fr-FR" sz="1200">
               <a:latin typeface="Consolas" panose="020B0609020204030204" pitchFamily="49" charset="0"/>
               <a:cs typeface="Courier New" panose="02070309020205020404" pitchFamily="49" charset="0"/>
             </a:endParaRPr>

--- a/Python.pptx
+++ b/Python.pptx
@@ -5,10 +5,10 @@
     <p:sldMasterId id="2147483658" r:id="rId1"/>
   </p:sldMasterIdLst>
   <p:notesMasterIdLst>
-    <p:notesMasterId r:id="rId23"/>
+    <p:notesMasterId r:id="rId24"/>
   </p:notesMasterIdLst>
   <p:handoutMasterIdLst>
-    <p:handoutMasterId r:id="rId24"/>
+    <p:handoutMasterId r:id="rId25"/>
   </p:handoutMasterIdLst>
   <p:sldIdLst>
     <p:sldId id="256" r:id="rId2"/>
@@ -24,43 +24,44 @@
     <p:sldId id="296" r:id="rId12"/>
     <p:sldId id="297" r:id="rId13"/>
     <p:sldId id="298" r:id="rId14"/>
-    <p:sldId id="281" r:id="rId15"/>
-    <p:sldId id="289" r:id="rId16"/>
-    <p:sldId id="282" r:id="rId17"/>
-    <p:sldId id="283" r:id="rId18"/>
-    <p:sldId id="286" r:id="rId19"/>
-    <p:sldId id="287" r:id="rId20"/>
-    <p:sldId id="280" r:id="rId21"/>
-    <p:sldId id="271" r:id="rId22"/>
+    <p:sldId id="299" r:id="rId15"/>
+    <p:sldId id="281" r:id="rId16"/>
+    <p:sldId id="289" r:id="rId17"/>
+    <p:sldId id="282" r:id="rId18"/>
+    <p:sldId id="283" r:id="rId19"/>
+    <p:sldId id="286" r:id="rId20"/>
+    <p:sldId id="287" r:id="rId21"/>
+    <p:sldId id="280" r:id="rId22"/>
+    <p:sldId id="271" r:id="rId23"/>
   </p:sldIdLst>
   <p:sldSz cx="9144000" cy="5143500" type="screen16x9"/>
   <p:notesSz cx="6858000" cy="9144000"/>
   <p:embeddedFontLst>
     <p:embeddedFont>
       <p:font typeface="Consolas" panose="020B0609020204030204" pitchFamily="49" charset="0"/>
-      <p:regular r:id="rId25"/>
-      <p:bold r:id="rId26"/>
-      <p:italic r:id="rId27"/>
-      <p:boldItalic r:id="rId28"/>
+      <p:regular r:id="rId26"/>
+      <p:bold r:id="rId27"/>
+      <p:italic r:id="rId28"/>
+      <p:boldItalic r:id="rId29"/>
     </p:embeddedFont>
     <p:embeddedFont>
       <p:font typeface="Roboto Slab" panose="020B0604020202020204" charset="0"/>
-      <p:regular r:id="rId29"/>
-      <p:bold r:id="rId30"/>
+      <p:regular r:id="rId30"/>
+      <p:bold r:id="rId31"/>
     </p:embeddedFont>
     <p:embeddedFont>
       <p:font typeface="Source Sans Pro" panose="020B0503030403020204" pitchFamily="34" charset="0"/>
-      <p:regular r:id="rId31"/>
-      <p:bold r:id="rId32"/>
-      <p:italic r:id="rId33"/>
-      <p:boldItalic r:id="rId34"/>
+      <p:regular r:id="rId32"/>
+      <p:bold r:id="rId33"/>
+      <p:italic r:id="rId34"/>
+      <p:boldItalic r:id="rId35"/>
     </p:embeddedFont>
     <p:embeddedFont>
       <p:font typeface="Trebuchet MS" panose="020B0603020202020204" pitchFamily="34" charset="0"/>
-      <p:regular r:id="rId35"/>
-      <p:bold r:id="rId36"/>
-      <p:italic r:id="rId37"/>
-      <p:boldItalic r:id="rId38"/>
+      <p:regular r:id="rId36"/>
+      <p:bold r:id="rId37"/>
+      <p:italic r:id="rId38"/>
+      <p:boldItalic r:id="rId39"/>
     </p:embeddedFont>
   </p:embeddedFontLst>
   <p:defaultTextStyle>
@@ -5731,7 +5732,7 @@
                 <a:latin typeface="Consolas" panose="020B0609020204030204" pitchFamily="49" charset="0"/>
                 <a:cs typeface="Courier New" panose="02070309020205020404" pitchFamily="49" charset="0"/>
               </a:rPr>
-              <a:t>a, b = </a:t>
+              <a:t>a = </a:t>
             </a:r>
             <a:r>
               <a:rPr lang="en-US" sz="1200">
@@ -6051,7 +6052,68 @@
                 <a:latin typeface="Consolas" panose="020B0609020204030204" pitchFamily="49" charset="0"/>
                 <a:cs typeface="Courier New" panose="02070309020205020404" pitchFamily="49" charset="0"/>
               </a:rPr>
-              <a:t>fruits = ['apple', 'banana', 'cherry']</a:t>
+              <a:t>fruits = </a:t>
+            </a:r>
+            <a:r>
+              <a:rPr lang="en-US" sz="1200">
+                <a:solidFill>
+                  <a:schemeClr val="accent1"/>
+                </a:solidFill>
+                <a:latin typeface="Consolas" panose="020B0609020204030204" pitchFamily="49" charset="0"/>
+                <a:cs typeface="Courier New" panose="02070309020205020404" pitchFamily="49" charset="0"/>
+              </a:rPr>
+              <a:t>[</a:t>
+            </a:r>
+            <a:r>
+              <a:rPr lang="en-US" sz="1200">
+                <a:latin typeface="Consolas" panose="020B0609020204030204" pitchFamily="49" charset="0"/>
+                <a:cs typeface="Courier New" panose="02070309020205020404" pitchFamily="49" charset="0"/>
+              </a:rPr>
+              <a:t>'apple'</a:t>
+            </a:r>
+            <a:r>
+              <a:rPr lang="en-US" sz="1200">
+                <a:solidFill>
+                  <a:schemeClr val="accent1"/>
+                </a:solidFill>
+                <a:latin typeface="Consolas" panose="020B0609020204030204" pitchFamily="49" charset="0"/>
+                <a:cs typeface="Courier New" panose="02070309020205020404" pitchFamily="49" charset="0"/>
+              </a:rPr>
+              <a:t>,</a:t>
+            </a:r>
+            <a:r>
+              <a:rPr lang="en-US" sz="1200">
+                <a:latin typeface="Consolas" panose="020B0609020204030204" pitchFamily="49" charset="0"/>
+                <a:cs typeface="Courier New" panose="02070309020205020404" pitchFamily="49" charset="0"/>
+              </a:rPr>
+              <a:t> 'banana'</a:t>
+            </a:r>
+            <a:r>
+              <a:rPr lang="en-US" sz="1200">
+                <a:solidFill>
+                  <a:schemeClr val="accent1"/>
+                </a:solidFill>
+                <a:latin typeface="Consolas" panose="020B0609020204030204" pitchFamily="49" charset="0"/>
+                <a:cs typeface="Courier New" panose="02070309020205020404" pitchFamily="49" charset="0"/>
+              </a:rPr>
+              <a:t>,</a:t>
+            </a:r>
+            <a:r>
+              <a:rPr lang="en-US" sz="1200">
+                <a:latin typeface="Consolas" panose="020B0609020204030204" pitchFamily="49" charset="0"/>
+                <a:cs typeface="Courier New" panose="02070309020205020404" pitchFamily="49" charset="0"/>
+              </a:rPr>
+              <a:t> 'cherry'</a:t>
+            </a:r>
+            <a:r>
+              <a:rPr lang="en-US" sz="1200">
+                <a:solidFill>
+                  <a:schemeClr val="accent1"/>
+                </a:solidFill>
+                <a:latin typeface="Consolas" panose="020B0609020204030204" pitchFamily="49" charset="0"/>
+                <a:cs typeface="Courier New" panose="02070309020205020404" pitchFamily="49" charset="0"/>
+              </a:rPr>
+              <a:t>]</a:t>
             </a:r>
           </a:p>
           <a:p>
@@ -6080,7 +6142,68 @@
                 <a:latin typeface="Consolas" panose="020B0609020204030204" pitchFamily="49" charset="0"/>
                 <a:cs typeface="Courier New" panose="02070309020205020404" pitchFamily="49" charset="0"/>
               </a:rPr>
-              <a:t>fruits = ('apple', 'banana', 'cherry')</a:t>
+              <a:t>fruits = </a:t>
+            </a:r>
+            <a:r>
+              <a:rPr lang="en-US" sz="1200">
+                <a:solidFill>
+                  <a:schemeClr val="accent1"/>
+                </a:solidFill>
+                <a:latin typeface="Consolas" panose="020B0609020204030204" pitchFamily="49" charset="0"/>
+                <a:cs typeface="Courier New" panose="02070309020205020404" pitchFamily="49" charset="0"/>
+              </a:rPr>
+              <a:t>(</a:t>
+            </a:r>
+            <a:r>
+              <a:rPr lang="en-US" sz="1200">
+                <a:latin typeface="Consolas" panose="020B0609020204030204" pitchFamily="49" charset="0"/>
+                <a:cs typeface="Courier New" panose="02070309020205020404" pitchFamily="49" charset="0"/>
+              </a:rPr>
+              <a:t>'apple'</a:t>
+            </a:r>
+            <a:r>
+              <a:rPr lang="en-US" sz="1200">
+                <a:solidFill>
+                  <a:schemeClr val="accent1"/>
+                </a:solidFill>
+                <a:latin typeface="Consolas" panose="020B0609020204030204" pitchFamily="49" charset="0"/>
+                <a:cs typeface="Courier New" panose="02070309020205020404" pitchFamily="49" charset="0"/>
+              </a:rPr>
+              <a:t>,</a:t>
+            </a:r>
+            <a:r>
+              <a:rPr lang="en-US" sz="1200">
+                <a:latin typeface="Consolas" panose="020B0609020204030204" pitchFamily="49" charset="0"/>
+                <a:cs typeface="Courier New" panose="02070309020205020404" pitchFamily="49" charset="0"/>
+              </a:rPr>
+              <a:t> 'banana'</a:t>
+            </a:r>
+            <a:r>
+              <a:rPr lang="en-US" sz="1200">
+                <a:solidFill>
+                  <a:schemeClr val="accent1"/>
+                </a:solidFill>
+                <a:latin typeface="Consolas" panose="020B0609020204030204" pitchFamily="49" charset="0"/>
+                <a:cs typeface="Courier New" panose="02070309020205020404" pitchFamily="49" charset="0"/>
+              </a:rPr>
+              <a:t>,</a:t>
+            </a:r>
+            <a:r>
+              <a:rPr lang="en-US" sz="1200">
+                <a:latin typeface="Consolas" panose="020B0609020204030204" pitchFamily="49" charset="0"/>
+                <a:cs typeface="Courier New" panose="02070309020205020404" pitchFamily="49" charset="0"/>
+              </a:rPr>
+              <a:t> 'cherry'</a:t>
+            </a:r>
+            <a:r>
+              <a:rPr lang="en-US" sz="1200">
+                <a:solidFill>
+                  <a:schemeClr val="accent1"/>
+                </a:solidFill>
+                <a:latin typeface="Consolas" panose="020B0609020204030204" pitchFamily="49" charset="0"/>
+                <a:cs typeface="Courier New" panose="02070309020205020404" pitchFamily="49" charset="0"/>
+              </a:rPr>
+              <a:t>)</a:t>
             </a:r>
           </a:p>
           <a:p>
@@ -6110,7 +6233,68 @@
                 <a:latin typeface="Consolas" panose="020B0609020204030204" pitchFamily="49" charset="0"/>
                 <a:cs typeface="Courier New" panose="02070309020205020404" pitchFamily="49" charset="0"/>
               </a:rPr>
-              <a:t>fruits = {'apple', 'banana', 'cherry’}</a:t>
+              <a:t>fruits = </a:t>
+            </a:r>
+            <a:r>
+              <a:rPr lang="en-US" sz="1200">
+                <a:solidFill>
+                  <a:schemeClr val="accent1"/>
+                </a:solidFill>
+                <a:latin typeface="Consolas" panose="020B0609020204030204" pitchFamily="49" charset="0"/>
+                <a:cs typeface="Courier New" panose="02070309020205020404" pitchFamily="49" charset="0"/>
+              </a:rPr>
+              <a:t>{</a:t>
+            </a:r>
+            <a:r>
+              <a:rPr lang="en-US" sz="1200">
+                <a:latin typeface="Consolas" panose="020B0609020204030204" pitchFamily="49" charset="0"/>
+                <a:cs typeface="Courier New" panose="02070309020205020404" pitchFamily="49" charset="0"/>
+              </a:rPr>
+              <a:t>'apple'</a:t>
+            </a:r>
+            <a:r>
+              <a:rPr lang="en-US" sz="1200">
+                <a:solidFill>
+                  <a:schemeClr val="accent1"/>
+                </a:solidFill>
+                <a:latin typeface="Consolas" panose="020B0609020204030204" pitchFamily="49" charset="0"/>
+                <a:cs typeface="Courier New" panose="02070309020205020404" pitchFamily="49" charset="0"/>
+              </a:rPr>
+              <a:t>,</a:t>
+            </a:r>
+            <a:r>
+              <a:rPr lang="en-US" sz="1200">
+                <a:latin typeface="Consolas" panose="020B0609020204030204" pitchFamily="49" charset="0"/>
+                <a:cs typeface="Courier New" panose="02070309020205020404" pitchFamily="49" charset="0"/>
+              </a:rPr>
+              <a:t> 'banana'</a:t>
+            </a:r>
+            <a:r>
+              <a:rPr lang="en-US" sz="1200">
+                <a:solidFill>
+                  <a:schemeClr val="accent1"/>
+                </a:solidFill>
+                <a:latin typeface="Consolas" panose="020B0609020204030204" pitchFamily="49" charset="0"/>
+                <a:cs typeface="Courier New" panose="02070309020205020404" pitchFamily="49" charset="0"/>
+              </a:rPr>
+              <a:t>,</a:t>
+            </a:r>
+            <a:r>
+              <a:rPr lang="en-US" sz="1200">
+                <a:latin typeface="Consolas" panose="020B0609020204030204" pitchFamily="49" charset="0"/>
+                <a:cs typeface="Courier New" panose="02070309020205020404" pitchFamily="49" charset="0"/>
+              </a:rPr>
+              <a:t> 'cherry’</a:t>
+            </a:r>
+            <a:r>
+              <a:rPr lang="en-US" sz="1200">
+                <a:solidFill>
+                  <a:schemeClr val="accent1"/>
+                </a:solidFill>
+                <a:latin typeface="Consolas" panose="020B0609020204030204" pitchFamily="49" charset="0"/>
+                <a:cs typeface="Courier New" panose="02070309020205020404" pitchFamily="49" charset="0"/>
+              </a:rPr>
+              <a:t>}</a:t>
             </a:r>
           </a:p>
           <a:p>
@@ -6140,7 +6324,119 @@
                 <a:latin typeface="Consolas" panose="020B0609020204030204" pitchFamily="49" charset="0"/>
                 <a:cs typeface="Courier New" panose="02070309020205020404" pitchFamily="49" charset="0"/>
               </a:rPr>
-              <a:t>fruits = {'apple': green', 'banana': 'yellow', 'cherry': 'red'}</a:t>
+              <a:t>fruits = </a:t>
+            </a:r>
+            <a:r>
+              <a:rPr lang="en-US" sz="1200">
+                <a:solidFill>
+                  <a:schemeClr val="accent1"/>
+                </a:solidFill>
+                <a:latin typeface="Consolas" panose="020B0609020204030204" pitchFamily="49" charset="0"/>
+                <a:cs typeface="Courier New" panose="02070309020205020404" pitchFamily="49" charset="0"/>
+              </a:rPr>
+              <a:t>{</a:t>
+            </a:r>
+            <a:r>
+              <a:rPr lang="en-US" sz="1200">
+                <a:latin typeface="Consolas" panose="020B0609020204030204" pitchFamily="49" charset="0"/>
+                <a:cs typeface="Courier New" panose="02070309020205020404" pitchFamily="49" charset="0"/>
+              </a:rPr>
+              <a:t>'apple'</a:t>
+            </a:r>
+            <a:r>
+              <a:rPr lang="en-US" sz="1200">
+                <a:solidFill>
+                  <a:schemeClr val="accent1"/>
+                </a:solidFill>
+                <a:latin typeface="Consolas" panose="020B0609020204030204" pitchFamily="49" charset="0"/>
+                <a:cs typeface="Courier New" panose="02070309020205020404" pitchFamily="49" charset="0"/>
+              </a:rPr>
+              <a:t>:</a:t>
+            </a:r>
+            <a:r>
+              <a:rPr lang="en-US" sz="1200">
+                <a:latin typeface="Consolas" panose="020B0609020204030204" pitchFamily="49" charset="0"/>
+                <a:cs typeface="Courier New" panose="02070309020205020404" pitchFamily="49" charset="0"/>
+              </a:rPr>
+              <a:t> green'</a:t>
+            </a:r>
+            <a:r>
+              <a:rPr lang="en-US" sz="1200">
+                <a:solidFill>
+                  <a:schemeClr val="accent1"/>
+                </a:solidFill>
+                <a:latin typeface="Consolas" panose="020B0609020204030204" pitchFamily="49" charset="0"/>
+                <a:cs typeface="Courier New" panose="02070309020205020404" pitchFamily="49" charset="0"/>
+              </a:rPr>
+              <a:t>,</a:t>
+            </a:r>
+            <a:r>
+              <a:rPr lang="en-US" sz="1200">
+                <a:latin typeface="Consolas" panose="020B0609020204030204" pitchFamily="49" charset="0"/>
+                <a:cs typeface="Courier New" panose="02070309020205020404" pitchFamily="49" charset="0"/>
+              </a:rPr>
+              <a:t> 'banana'</a:t>
+            </a:r>
+            <a:r>
+              <a:rPr lang="en-US" sz="1200">
+                <a:solidFill>
+                  <a:schemeClr val="accent1"/>
+                </a:solidFill>
+                <a:latin typeface="Consolas" panose="020B0609020204030204" pitchFamily="49" charset="0"/>
+                <a:cs typeface="Courier New" panose="02070309020205020404" pitchFamily="49" charset="0"/>
+              </a:rPr>
+              <a:t>:</a:t>
+            </a:r>
+            <a:r>
+              <a:rPr lang="en-US" sz="1200">
+                <a:latin typeface="Consolas" panose="020B0609020204030204" pitchFamily="49" charset="0"/>
+                <a:cs typeface="Courier New" panose="02070309020205020404" pitchFamily="49" charset="0"/>
+              </a:rPr>
+              <a:t> 'yellow'</a:t>
+            </a:r>
+            <a:r>
+              <a:rPr lang="en-US" sz="1200">
+                <a:solidFill>
+                  <a:schemeClr val="accent1"/>
+                </a:solidFill>
+                <a:latin typeface="Consolas" panose="020B0609020204030204" pitchFamily="49" charset="0"/>
+                <a:cs typeface="Courier New" panose="02070309020205020404" pitchFamily="49" charset="0"/>
+              </a:rPr>
+              <a:t>,</a:t>
+            </a:r>
+            <a:r>
+              <a:rPr lang="en-US" sz="1200">
+                <a:latin typeface="Consolas" panose="020B0609020204030204" pitchFamily="49" charset="0"/>
+                <a:cs typeface="Courier New" panose="02070309020205020404" pitchFamily="49" charset="0"/>
+              </a:rPr>
+              <a:t> 'cherry'</a:t>
+            </a:r>
+            <a:r>
+              <a:rPr lang="en-US" sz="1200">
+                <a:solidFill>
+                  <a:schemeClr val="accent1"/>
+                </a:solidFill>
+                <a:latin typeface="Consolas" panose="020B0609020204030204" pitchFamily="49" charset="0"/>
+                <a:cs typeface="Courier New" panose="02070309020205020404" pitchFamily="49" charset="0"/>
+              </a:rPr>
+              <a:t>:</a:t>
+            </a:r>
+            <a:r>
+              <a:rPr lang="en-US" sz="1200">
+                <a:latin typeface="Consolas" panose="020B0609020204030204" pitchFamily="49" charset="0"/>
+                <a:cs typeface="Courier New" panose="02070309020205020404" pitchFamily="49" charset="0"/>
+              </a:rPr>
+              <a:t> 'red'</a:t>
+            </a:r>
+            <a:r>
+              <a:rPr lang="en-US" sz="1200">
+                <a:solidFill>
+                  <a:schemeClr val="accent1"/>
+                </a:solidFill>
+                <a:latin typeface="Consolas" panose="020B0609020204030204" pitchFamily="49" charset="0"/>
+                <a:cs typeface="Courier New" panose="02070309020205020404" pitchFamily="49" charset="0"/>
+              </a:rPr>
+              <a:t>}</a:t>
             </a:r>
           </a:p>
         </p:txBody>
@@ -6277,7 +6573,7 @@
             </a:pPr>
             <a:r>
               <a:rPr lang="en-US" sz="1400"/>
-              <a:t>ordered, changeable, and allow duplicate values</a:t>
+              <a:t>Ordered, changeable, and allow duplicate values</a:t>
             </a:r>
           </a:p>
           <a:p>
@@ -6289,7 +6585,7 @@
                 <a:latin typeface="Consolas" panose="020B0609020204030204" pitchFamily="49" charset="0"/>
                 <a:cs typeface="Courier New" panose="02070309020205020404" pitchFamily="49" charset="0"/>
               </a:rPr>
-              <a:t>fruits = ['apple', 'banana', 'cherry', 'apple', 'cherry’]</a:t>
+              <a:t>fruits = ['apple', 'banana', 'cherry', 'apple', 'cherry']</a:t>
             </a:r>
           </a:p>
           <a:p>
@@ -6301,7 +6597,7 @@
                 <a:latin typeface="Consolas" panose="020B0609020204030204" pitchFamily="49" charset="0"/>
                 <a:cs typeface="Courier New" panose="02070309020205020404" pitchFamily="49" charset="0"/>
               </a:rPr>
-              <a:t>print(fruits[0], fruits[-2])</a:t>
+              <a:t>print(fruits[0], fruits[-3], fruits[1:3], fruits[:-1], fruits[0:-1:2], fruits[::-1])</a:t>
             </a:r>
           </a:p>
           <a:p>
@@ -6313,7 +6609,7 @@
                 <a:latin typeface="Consolas" panose="020B0609020204030204" pitchFamily="49" charset="0"/>
                 <a:cs typeface="Courier New" panose="02070309020205020404" pitchFamily="49" charset="0"/>
               </a:rPr>
-              <a:t>print(fruits[1:3], fruits[:-1])</a:t>
+              <a:t>print('orange' in fruits)</a:t>
             </a:r>
           </a:p>
           <a:p>
@@ -6325,8 +6621,29 @@
                 <a:latin typeface="Consolas" panose="020B0609020204030204" pitchFamily="49" charset="0"/>
                 <a:cs typeface="Courier New" panose="02070309020205020404" pitchFamily="49" charset="0"/>
               </a:rPr>
-              <a:t>print(fruits[0:-1:2], fruits[::-1])</a:t>
-            </a:r>
+              <a:t>print(len(fruits))</a:t>
+            </a:r>
+          </a:p>
+          <a:p>
+            <a:pPr marL="76200" indent="0">
+              <a:buNone/>
+            </a:pPr>
+            <a:endParaRPr lang="en-US" sz="1200">
+              <a:latin typeface="Consolas" panose="020B0609020204030204" pitchFamily="49" charset="0"/>
+              <a:cs typeface="Courier New" panose="02070309020205020404" pitchFamily="49" charset="0"/>
+            </a:endParaRPr>
+          </a:p>
+          <a:p>
+            <a:pPr marL="76200" indent="0">
+              <a:buNone/>
+            </a:pPr>
+            <a:r>
+              <a:rPr lang="en-US" sz="1400"/>
+              <a:t>Update Lists</a:t>
+            </a:r>
+            <a:endParaRPr lang="en-US" sz="1400">
+              <a:cs typeface="Courier New" panose="02070309020205020404" pitchFamily="49" charset="0"/>
+            </a:endParaRPr>
           </a:p>
           <a:p>
             <a:pPr marL="76200" indent="0">
@@ -6437,6 +6754,328 @@
 </file>
 
 <file path=ppt/slides/slide14.xml><?xml version="1.0" encoding="utf-8"?>
+<p:sld xmlns:a="http://schemas.openxmlformats.org/drawingml/2006/main" xmlns:r="http://schemas.openxmlformats.org/officeDocument/2006/relationships" xmlns:p="http://schemas.openxmlformats.org/presentationml/2006/main">
+  <p:cSld>
+    <p:spTree>
+      <p:nvGrpSpPr>
+        <p:cNvPr id="1" name=""/>
+        <p:cNvGrpSpPr/>
+        <p:nvPr/>
+      </p:nvGrpSpPr>
+      <p:grpSpPr>
+        <a:xfrm>
+          <a:off x="0" y="0"/>
+          <a:ext cx="0" cy="0"/>
+          <a:chOff x="0" y="0"/>
+          <a:chExt cx="0" cy="0"/>
+        </a:xfrm>
+      </p:grpSpPr>
+      <p:sp>
+        <p:nvSpPr>
+          <p:cNvPr id="2" name="Title 1">
+            <a:extLst>
+              <a:ext uri="{FF2B5EF4-FFF2-40B4-BE49-F238E27FC236}">
+                <a16:creationId xmlns:a16="http://schemas.microsoft.com/office/drawing/2014/main" id="{024AD384-5AD1-4435-A943-1241B2FACD62}"/>
+              </a:ext>
+            </a:extLst>
+          </p:cNvPr>
+          <p:cNvSpPr>
+            <a:spLocks noGrp="1"/>
+          </p:cNvSpPr>
+          <p:nvPr>
+            <p:ph type="title"/>
+          </p:nvPr>
+        </p:nvSpPr>
+        <p:spPr/>
+        <p:txBody>
+          <a:bodyPr/>
+          <a:lstStyle/>
+          <a:p>
+            <a:r>
+              <a:rPr lang="en-US"/>
+              <a:t>Python </a:t>
+            </a:r>
+            <a:r>
+              <a:rPr lang="en-US" sz="2400"/>
+              <a:t>Tuples</a:t>
+            </a:r>
+            <a:endParaRPr lang="fa-IR"/>
+          </a:p>
+        </p:txBody>
+      </p:sp>
+      <p:sp>
+        <p:nvSpPr>
+          <p:cNvPr id="3" name="Text Placeholder 2">
+            <a:extLst>
+              <a:ext uri="{FF2B5EF4-FFF2-40B4-BE49-F238E27FC236}">
+                <a16:creationId xmlns:a16="http://schemas.microsoft.com/office/drawing/2014/main" id="{58BE3078-8B89-4550-B497-93E4DADBD57E}"/>
+              </a:ext>
+            </a:extLst>
+          </p:cNvPr>
+          <p:cNvSpPr>
+            <a:spLocks noGrp="1"/>
+          </p:cNvSpPr>
+          <p:nvPr>
+            <p:ph type="body" idx="1"/>
+          </p:nvPr>
+        </p:nvSpPr>
+        <p:spPr>
+          <a:xfrm>
+            <a:off x="786150" y="1142608"/>
+            <a:ext cx="7571700" cy="3626431"/>
+          </a:xfrm>
+        </p:spPr>
+        <p:txBody>
+          <a:bodyPr/>
+          <a:lstStyle/>
+          <a:p>
+            <a:pPr marL="76200" indent="0">
+              <a:buNone/>
+            </a:pPr>
+            <a:r>
+              <a:rPr lang="en-US" sz="1400"/>
+              <a:t>Ordered, unchangeable, and allow duplicate values</a:t>
+            </a:r>
+          </a:p>
+          <a:p>
+            <a:pPr marL="76200" indent="0">
+              <a:buNone/>
+            </a:pPr>
+            <a:r>
+              <a:rPr lang="en-US" sz="1200">
+                <a:latin typeface="Consolas" panose="020B0609020204030204" pitchFamily="49" charset="0"/>
+                <a:cs typeface="Courier New" panose="02070309020205020404" pitchFamily="49" charset="0"/>
+              </a:rPr>
+              <a:t>fruits = ('apple', 'banana', 'cherry', 'apple', 'cherry')</a:t>
+            </a:r>
+          </a:p>
+          <a:p>
+            <a:pPr marL="76200" indent="0">
+              <a:buNone/>
+            </a:pPr>
+            <a:r>
+              <a:rPr lang="en-US" sz="1200">
+                <a:latin typeface="Consolas" panose="020B0609020204030204" pitchFamily="49" charset="0"/>
+                <a:cs typeface="Courier New" panose="02070309020205020404" pitchFamily="49" charset="0"/>
+              </a:rPr>
+              <a:t>print(fruits[0], fruits[-3], fruits[1:3], fruits[:-1], fruits[0:-1:2], fruits[::-1])</a:t>
+            </a:r>
+          </a:p>
+          <a:p>
+            <a:pPr marL="76200" indent="0">
+              <a:buNone/>
+            </a:pPr>
+            <a:r>
+              <a:rPr lang="en-US" sz="1200">
+                <a:latin typeface="Consolas" panose="020B0609020204030204" pitchFamily="49" charset="0"/>
+                <a:cs typeface="Courier New" panose="02070309020205020404" pitchFamily="49" charset="0"/>
+              </a:rPr>
+              <a:t>print('orange' in fruits)</a:t>
+            </a:r>
+          </a:p>
+          <a:p>
+            <a:pPr marL="76200" indent="0">
+              <a:buNone/>
+            </a:pPr>
+            <a:r>
+              <a:rPr lang="en-US" sz="1200">
+                <a:latin typeface="Consolas" panose="020B0609020204030204" pitchFamily="49" charset="0"/>
+                <a:cs typeface="Courier New" panose="02070309020205020404" pitchFamily="49" charset="0"/>
+              </a:rPr>
+              <a:t>print(len(fruits))</a:t>
+            </a:r>
+          </a:p>
+          <a:p>
+            <a:pPr marL="76200" indent="0">
+              <a:buNone/>
+            </a:pPr>
+            <a:endParaRPr lang="en-US" sz="1200">
+              <a:latin typeface="Consolas" panose="020B0609020204030204" pitchFamily="49" charset="0"/>
+              <a:cs typeface="Courier New" panose="02070309020205020404" pitchFamily="49" charset="0"/>
+            </a:endParaRPr>
+          </a:p>
+          <a:p>
+            <a:pPr marL="76200" indent="0">
+              <a:buNone/>
+            </a:pPr>
+            <a:r>
+              <a:rPr lang="en-US" sz="1400"/>
+              <a:t>Update tuples</a:t>
+            </a:r>
+          </a:p>
+          <a:p>
+            <a:pPr marL="76200" indent="0">
+              <a:buNone/>
+            </a:pPr>
+            <a:r>
+              <a:rPr lang="en-US" sz="1200">
+                <a:latin typeface="Consolas" panose="020B0609020204030204" pitchFamily="49" charset="0"/>
+                <a:cs typeface="Courier New" panose="02070309020205020404" pitchFamily="49" charset="0"/>
+              </a:rPr>
+              <a:t>fruitsList</a:t>
+            </a:r>
+            <a:r>
+              <a:rPr lang="es-ES" sz="1200">
+                <a:latin typeface="Consolas" panose="020B0609020204030204" pitchFamily="49" charset="0"/>
+                <a:cs typeface="Courier New" panose="02070309020205020404" pitchFamily="49" charset="0"/>
+              </a:rPr>
+              <a:t> = list(</a:t>
+            </a:r>
+            <a:r>
+              <a:rPr lang="en-US" sz="1200">
+                <a:latin typeface="Consolas" panose="020B0609020204030204" pitchFamily="49" charset="0"/>
+                <a:cs typeface="Courier New" panose="02070309020205020404" pitchFamily="49" charset="0"/>
+              </a:rPr>
+              <a:t>fruits</a:t>
+            </a:r>
+            <a:r>
+              <a:rPr lang="es-ES" sz="1200">
+                <a:latin typeface="Consolas" panose="020B0609020204030204" pitchFamily="49" charset="0"/>
+                <a:cs typeface="Courier New" panose="02070309020205020404" pitchFamily="49" charset="0"/>
+              </a:rPr>
+              <a:t>)</a:t>
+            </a:r>
+          </a:p>
+          <a:p>
+            <a:pPr marL="76200" indent="0">
+              <a:buNone/>
+            </a:pPr>
+            <a:r>
+              <a:rPr lang="en-US" sz="1200">
+                <a:latin typeface="Consolas" panose="020B0609020204030204" pitchFamily="49" charset="0"/>
+                <a:cs typeface="Courier New" panose="02070309020205020404" pitchFamily="49" charset="0"/>
+              </a:rPr>
+              <a:t>fruitsList</a:t>
+            </a:r>
+            <a:r>
+              <a:rPr lang="es-ES" sz="1200">
+                <a:latin typeface="Consolas" panose="020B0609020204030204" pitchFamily="49" charset="0"/>
+                <a:cs typeface="Courier New" panose="02070309020205020404" pitchFamily="49" charset="0"/>
+              </a:rPr>
+              <a:t>[3] = </a:t>
+            </a:r>
+            <a:r>
+              <a:rPr lang="en-US" sz="1200">
+                <a:latin typeface="Consolas" panose="020B0609020204030204" pitchFamily="49" charset="0"/>
+                <a:cs typeface="Courier New" panose="02070309020205020404" pitchFamily="49" charset="0"/>
+              </a:rPr>
+              <a:t>'orange</a:t>
+            </a:r>
+            <a:r>
+              <a:rPr lang="es-ES" sz="1200">
+                <a:latin typeface="Consolas" panose="020B0609020204030204" pitchFamily="49" charset="0"/>
+                <a:cs typeface="Courier New" panose="02070309020205020404" pitchFamily="49" charset="0"/>
+              </a:rPr>
+              <a:t>'</a:t>
+            </a:r>
+          </a:p>
+          <a:p>
+            <a:pPr marL="76200" indent="0">
+              <a:buNone/>
+            </a:pPr>
+            <a:r>
+              <a:rPr lang="en-US" sz="1200">
+                <a:latin typeface="Consolas" panose="020B0609020204030204" pitchFamily="49" charset="0"/>
+                <a:cs typeface="Courier New" panose="02070309020205020404" pitchFamily="49" charset="0"/>
+              </a:rPr>
+              <a:t>fruitsList.remove('banana')</a:t>
+            </a:r>
+            <a:endParaRPr lang="es-ES" sz="1200">
+              <a:latin typeface="Consolas" panose="020B0609020204030204" pitchFamily="49" charset="0"/>
+              <a:cs typeface="Courier New" panose="02070309020205020404" pitchFamily="49" charset="0"/>
+            </a:endParaRPr>
+          </a:p>
+          <a:p>
+            <a:pPr marL="76200" indent="0">
+              <a:buNone/>
+            </a:pPr>
+            <a:r>
+              <a:rPr lang="en-US" sz="1200">
+                <a:latin typeface="Consolas" panose="020B0609020204030204" pitchFamily="49" charset="0"/>
+                <a:cs typeface="Courier New" panose="02070309020205020404" pitchFamily="49" charset="0"/>
+              </a:rPr>
+              <a:t>fruits</a:t>
+            </a:r>
+            <a:r>
+              <a:rPr lang="es-ES" sz="1200">
+                <a:latin typeface="Consolas" panose="020B0609020204030204" pitchFamily="49" charset="0"/>
+                <a:cs typeface="Courier New" panose="02070309020205020404" pitchFamily="49" charset="0"/>
+              </a:rPr>
+              <a:t> = tuple(</a:t>
+            </a:r>
+            <a:r>
+              <a:rPr lang="en-US" sz="1200">
+                <a:latin typeface="Consolas" panose="020B0609020204030204" pitchFamily="49" charset="0"/>
+                <a:cs typeface="Courier New" panose="02070309020205020404" pitchFamily="49" charset="0"/>
+              </a:rPr>
+              <a:t>fruitsList</a:t>
+            </a:r>
+            <a:r>
+              <a:rPr lang="es-ES" sz="1200">
+                <a:latin typeface="Consolas" panose="020B0609020204030204" pitchFamily="49" charset="0"/>
+                <a:cs typeface="Courier New" panose="02070309020205020404" pitchFamily="49" charset="0"/>
+              </a:rPr>
+              <a:t>)</a:t>
+            </a:r>
+            <a:endParaRPr lang="en-US" sz="1200">
+              <a:latin typeface="Consolas" panose="020B0609020204030204" pitchFamily="49" charset="0"/>
+              <a:cs typeface="Courier New" panose="02070309020205020404" pitchFamily="49" charset="0"/>
+            </a:endParaRPr>
+          </a:p>
+        </p:txBody>
+      </p:sp>
+      <p:sp>
+        <p:nvSpPr>
+          <p:cNvPr id="4" name="Slide Number Placeholder 3">
+            <a:extLst>
+              <a:ext uri="{FF2B5EF4-FFF2-40B4-BE49-F238E27FC236}">
+                <a16:creationId xmlns:a16="http://schemas.microsoft.com/office/drawing/2014/main" id="{64987AE6-EC0E-43DD-9376-95A5602EE5E1}"/>
+              </a:ext>
+            </a:extLst>
+          </p:cNvPr>
+          <p:cNvSpPr>
+            <a:spLocks noGrp="1"/>
+          </p:cNvSpPr>
+          <p:nvPr>
+            <p:ph type="sldNum" idx="12"/>
+          </p:nvPr>
+        </p:nvSpPr>
+        <p:spPr/>
+        <p:txBody>
+          <a:bodyPr/>
+          <a:lstStyle/>
+          <a:p>
+            <a:pPr marL="0" lvl="0" indent="0" algn="r" rtl="0">
+              <a:spcBef>
+                <a:spcPts val="0"/>
+              </a:spcBef>
+              <a:spcAft>
+                <a:spcPts val="0"/>
+              </a:spcAft>
+              <a:buNone/>
+            </a:pPr>
+            <a:fld id="{00000000-1234-1234-1234-123412341234}" type="slidenum">
+              <a:rPr lang="en" smtClean="0"/>
+              <a:t>14</a:t>
+            </a:fld>
+            <a:endParaRPr lang="en"/>
+          </a:p>
+        </p:txBody>
+      </p:sp>
+    </p:spTree>
+    <p:extLst>
+      <p:ext uri="{BB962C8B-B14F-4D97-AF65-F5344CB8AC3E}">
+        <p14:creationId xmlns:p14="http://schemas.microsoft.com/office/powerpoint/2010/main" val="3905122863"/>
+      </p:ext>
+    </p:extLst>
+  </p:cSld>
+  <p:clrMapOvr>
+    <a:masterClrMapping/>
+  </p:clrMapOvr>
+</p:sld>
+</file>
+
+<file path=ppt/slides/slide15.xml><?xml version="1.0" encoding="utf-8"?>
 <p:sld xmlns:a="http://schemas.openxmlformats.org/drawingml/2006/main" xmlns:r="http://schemas.openxmlformats.org/officeDocument/2006/relationships" xmlns:p="http://schemas.openxmlformats.org/presentationml/2006/main">
   <p:cSld>
     <p:spTree>
@@ -6490,14 +7129,14 @@
             <a:r>
               <a:rPr lang="en-US" sz="6000">
                 <a:solidFill>
-                  <a:schemeClr val="accent4"/>
+                  <a:srgbClr val="E6E6E6"/>
                 </a:solidFill>
               </a:rPr>
               <a:t>2</a:t>
             </a:r>
             <a:endParaRPr sz="6000">
               <a:solidFill>
-                <a:schemeClr val="accent4"/>
+                <a:srgbClr val="E6E6E6"/>
               </a:solidFill>
             </a:endParaRPr>
           </a:p>
@@ -6555,7 +7194,7 @@
             </a:pPr>
             <a:fld id="{00000000-1234-1234-1234-123412341234}" type="slidenum">
               <a:rPr lang="en"/>
-              <a:t>14</a:t>
+              <a:t>15</a:t>
             </a:fld>
             <a:endParaRPr/>
           </a:p>
@@ -6574,7 +7213,7 @@
 </p:sld>
 </file>
 
-<file path=ppt/slides/slide15.xml><?xml version="1.0" encoding="utf-8"?>
+<file path=ppt/slides/slide16.xml><?xml version="1.0" encoding="utf-8"?>
 <p:sld xmlns:a="http://schemas.openxmlformats.org/drawingml/2006/main" xmlns:r="http://schemas.openxmlformats.org/officeDocument/2006/relationships" xmlns:p="http://schemas.openxmlformats.org/presentationml/2006/main">
   <p:cSld>
     <p:spTree>
@@ -6695,7 +7334,7 @@
             </a:pPr>
             <a:fld id="{00000000-1234-1234-1234-123412341234}" type="slidenum">
               <a:rPr lang="en" smtClean="0"/>
-              <a:t>15</a:t>
+              <a:t>16</a:t>
             </a:fld>
             <a:endParaRPr lang="en"/>
           </a:p>
@@ -6705,144 +7344,6 @@
     <p:extLst>
       <p:ext uri="{BB962C8B-B14F-4D97-AF65-F5344CB8AC3E}">
         <p14:creationId xmlns:p14="http://schemas.microsoft.com/office/powerpoint/2010/main" val="4156460407"/>
-      </p:ext>
-    </p:extLst>
-  </p:cSld>
-  <p:clrMapOvr>
-    <a:masterClrMapping/>
-  </p:clrMapOvr>
-</p:sld>
-</file>
-
-<file path=ppt/slides/slide16.xml><?xml version="1.0" encoding="utf-8"?>
-<p:sld xmlns:a="http://schemas.openxmlformats.org/drawingml/2006/main" xmlns:r="http://schemas.openxmlformats.org/officeDocument/2006/relationships" xmlns:p="http://schemas.openxmlformats.org/presentationml/2006/main">
-  <p:cSld>
-    <p:spTree>
-      <p:nvGrpSpPr>
-        <p:cNvPr id="1" name="Shape 96"/>
-        <p:cNvGrpSpPr/>
-        <p:nvPr/>
-      </p:nvGrpSpPr>
-      <p:grpSpPr>
-        <a:xfrm>
-          <a:off x="0" y="0"/>
-          <a:ext cx="0" cy="0"/>
-          <a:chOff x="0" y="0"/>
-          <a:chExt cx="0" cy="0"/>
-        </a:xfrm>
-      </p:grpSpPr>
-      <p:sp>
-        <p:nvSpPr>
-          <p:cNvPr id="97" name="Google Shape;97;p15"/>
-          <p:cNvSpPr txBox="1">
-            <a:spLocks noGrp="1"/>
-          </p:cNvSpPr>
-          <p:nvPr>
-            <p:ph type="ctrTitle"/>
-          </p:nvPr>
-        </p:nvSpPr>
-        <p:spPr>
-          <a:xfrm>
-            <a:off x="1655700" y="1991850"/>
-            <a:ext cx="5832600" cy="1159800"/>
-          </a:xfrm>
-          <a:prstGeom prst="rect">
-            <a:avLst/>
-          </a:prstGeom>
-        </p:spPr>
-        <p:txBody>
-          <a:bodyPr spcFirstLastPara="1" wrap="square" lIns="91425" tIns="91425" rIns="91425" bIns="91425" anchor="ctr" anchorCtr="0">
-            <a:noAutofit/>
-          </a:bodyPr>
-          <a:lstStyle/>
-          <a:p>
-            <a:pPr marL="0" lvl="0" indent="0" algn="ctr" rtl="0">
-              <a:spcBef>
-                <a:spcPts val="0"/>
-              </a:spcBef>
-              <a:spcAft>
-                <a:spcPts val="0"/>
-              </a:spcAft>
-              <a:buNone/>
-            </a:pPr>
-            <a:r>
-              <a:rPr lang="en-US" sz="6000">
-                <a:solidFill>
-                  <a:schemeClr val="accent4"/>
-                </a:solidFill>
-              </a:rPr>
-              <a:t>3</a:t>
-            </a:r>
-            <a:endParaRPr sz="6000">
-              <a:solidFill>
-                <a:schemeClr val="accent4"/>
-              </a:solidFill>
-            </a:endParaRPr>
-          </a:p>
-          <a:p>
-            <a:pPr marL="0" lvl="0" indent="0" algn="ctr" rtl="0">
-              <a:spcBef>
-                <a:spcPts val="0"/>
-              </a:spcBef>
-              <a:spcAft>
-                <a:spcPts val="0"/>
-              </a:spcAft>
-              <a:buNone/>
-            </a:pPr>
-            <a:r>
-              <a:rPr lang="en"/>
-              <a:t>Pandas</a:t>
-            </a:r>
-            <a:endParaRPr/>
-          </a:p>
-        </p:txBody>
-      </p:sp>
-      <p:sp>
-        <p:nvSpPr>
-          <p:cNvPr id="99" name="Google Shape;99;p15"/>
-          <p:cNvSpPr txBox="1">
-            <a:spLocks noGrp="1"/>
-          </p:cNvSpPr>
-          <p:nvPr>
-            <p:ph type="sldNum" idx="4294967295"/>
-          </p:nvPr>
-        </p:nvSpPr>
-        <p:spPr>
-          <a:xfrm>
-            <a:off x="8404384" y="4749851"/>
-            <a:ext cx="548700" cy="393600"/>
-          </a:xfrm>
-          <a:prstGeom prst="rect">
-            <a:avLst/>
-          </a:prstGeom>
-        </p:spPr>
-        <p:txBody>
-          <a:bodyPr spcFirstLastPara="1" wrap="square" lIns="91425" tIns="91425" rIns="91425" bIns="91425" anchor="t" anchorCtr="0">
-            <a:noAutofit/>
-          </a:bodyPr>
-          <a:lstStyle/>
-          <a:p>
-            <a:pPr marL="0" lvl="0" indent="0" algn="r" rtl="0">
-              <a:spcBef>
-                <a:spcPts val="0"/>
-              </a:spcBef>
-              <a:spcAft>
-                <a:spcPts val="0"/>
-              </a:spcAft>
-              <a:buNone/>
-            </a:pPr>
-            <a:fld id="{00000000-1234-1234-1234-123412341234}" type="slidenum">
-              <a:rPr lang="en"/>
-              <a:t>16</a:t>
-            </a:fld>
-            <a:endParaRPr/>
-          </a:p>
-        </p:txBody>
-      </p:sp>
-    </p:spTree>
-    <p:extLst>
-      <p:ext uri="{BB962C8B-B14F-4D97-AF65-F5344CB8AC3E}">
-        <p14:creationId xmlns:p14="http://schemas.microsoft.com/office/powerpoint/2010/main" val="2729265455"/>
       </p:ext>
     </p:extLst>
   </p:cSld>
@@ -6906,14 +7407,14 @@
             <a:r>
               <a:rPr lang="en-US" sz="6000">
                 <a:solidFill>
-                  <a:schemeClr val="accent4"/>
+                  <a:srgbClr val="E6E6E6"/>
                 </a:solidFill>
               </a:rPr>
-              <a:t>4</a:t>
+              <a:t>3</a:t>
             </a:r>
             <a:endParaRPr sz="6000">
               <a:solidFill>
-                <a:schemeClr val="accent4"/>
+                <a:srgbClr val="E6E6E6"/>
               </a:solidFill>
             </a:endParaRPr>
           </a:p>
@@ -6929,7 +7430,7 @@
             </a:pPr>
             <a:r>
               <a:rPr lang="en"/>
-              <a:t>Matplotlib</a:t>
+              <a:t>Pandas</a:t>
             </a:r>
             <a:endParaRPr/>
           </a:p>
@@ -6980,7 +7481,7 @@
     </p:spTree>
     <p:extLst>
       <p:ext uri="{BB962C8B-B14F-4D97-AF65-F5344CB8AC3E}">
-        <p14:creationId xmlns:p14="http://schemas.microsoft.com/office/powerpoint/2010/main" val="2458102878"/>
+        <p14:creationId xmlns:p14="http://schemas.microsoft.com/office/powerpoint/2010/main" val="2729265455"/>
       </p:ext>
     </p:extLst>
   </p:cSld>
@@ -7044,25 +7545,30 @@
             <a:r>
               <a:rPr lang="en-US" sz="6000">
                 <a:solidFill>
-                  <a:schemeClr val="accent4"/>
+                  <a:srgbClr val="E6E6E6"/>
                 </a:solidFill>
               </a:rPr>
-              <a:t>5</a:t>
+              <a:t>4</a:t>
             </a:r>
             <a:endParaRPr sz="6000">
               <a:solidFill>
-                <a:schemeClr val="accent4"/>
+                <a:srgbClr val="E6E6E6"/>
               </a:solidFill>
             </a:endParaRPr>
           </a:p>
           <a:p>
-            <a:r>
-              <a:rPr lang="en-US"/>
-              <a:t>S</a:t>
-            </a:r>
-            <a:r>
-              <a:rPr lang="en-US" b="1"/>
-              <a:t>cikit-learn</a:t>
+            <a:pPr marL="0" lvl="0" indent="0" algn="ctr" rtl="0">
+              <a:spcBef>
+                <a:spcPts val="0"/>
+              </a:spcBef>
+              <a:spcAft>
+                <a:spcPts val="0"/>
+              </a:spcAft>
+              <a:buNone/>
+            </a:pPr>
+            <a:r>
+              <a:rPr lang="en"/>
+              <a:t>Matplotlib</a:t>
             </a:r>
             <a:endParaRPr/>
           </a:p>
@@ -7113,7 +7619,7 @@
     </p:spTree>
     <p:extLst>
       <p:ext uri="{BB962C8B-B14F-4D97-AF65-F5344CB8AC3E}">
-        <p14:creationId xmlns:p14="http://schemas.microsoft.com/office/powerpoint/2010/main" val="3753200419"/>
+        <p14:creationId xmlns:p14="http://schemas.microsoft.com/office/powerpoint/2010/main" val="2458102878"/>
       </p:ext>
     </p:extLst>
   </p:cSld>
@@ -7177,23 +7683,25 @@
             <a:r>
               <a:rPr lang="en-US" sz="6000">
                 <a:solidFill>
-                  <a:schemeClr val="accent4"/>
+                  <a:srgbClr val="E6E6E6"/>
                 </a:solidFill>
               </a:rPr>
-              <a:t>6</a:t>
+              <a:t>5</a:t>
             </a:r>
             <a:endParaRPr sz="6000">
               <a:solidFill>
-                <a:schemeClr val="accent4"/>
+                <a:srgbClr val="E6E6E6"/>
               </a:solidFill>
             </a:endParaRPr>
           </a:p>
           <a:p>
             <a:r>
-              <a:rPr lang="en-US">
-                <a:effectLst/>
-              </a:rPr>
-              <a:t>Web Scraping</a:t>
+              <a:rPr lang="en-US"/>
+              <a:t>S</a:t>
+            </a:r>
+            <a:r>
+              <a:rPr lang="en-US" b="1"/>
+              <a:t>cikit-learn</a:t>
             </a:r>
             <a:endParaRPr/>
           </a:p>
@@ -7244,7 +7752,7 @@
     </p:spTree>
     <p:extLst>
       <p:ext uri="{BB962C8B-B14F-4D97-AF65-F5344CB8AC3E}">
-        <p14:creationId xmlns:p14="http://schemas.microsoft.com/office/powerpoint/2010/main" val="3538335587"/>
+        <p14:creationId xmlns:p14="http://schemas.microsoft.com/office/powerpoint/2010/main" val="3753200419"/>
       </p:ext>
     </p:extLst>
   </p:cSld>
@@ -7306,16 +7814,16 @@
               <a:buNone/>
             </a:pPr>
             <a:r>
-              <a:rPr lang="en" sz="6000">
+              <a:rPr lang="en-US" sz="6000">
                 <a:solidFill>
-                  <a:schemeClr val="accent4"/>
+                  <a:srgbClr val="E6E6E6"/>
                 </a:solidFill>
               </a:rPr>
-              <a:t>1</a:t>
+              <a:t>0</a:t>
             </a:r>
             <a:endParaRPr sz="6000">
               <a:solidFill>
-                <a:schemeClr val="accent4"/>
+                <a:srgbClr val="E6E6E6"/>
               </a:solidFill>
             </a:endParaRPr>
           </a:p>
@@ -7388,6 +7896,137 @@
 </file>
 
 <file path=ppt/slides/slide20.xml><?xml version="1.0" encoding="utf-8"?>
+<p:sld xmlns:a="http://schemas.openxmlformats.org/drawingml/2006/main" xmlns:r="http://schemas.openxmlformats.org/officeDocument/2006/relationships" xmlns:p="http://schemas.openxmlformats.org/presentationml/2006/main">
+  <p:cSld>
+    <p:spTree>
+      <p:nvGrpSpPr>
+        <p:cNvPr id="1" name="Shape 96"/>
+        <p:cNvGrpSpPr/>
+        <p:nvPr/>
+      </p:nvGrpSpPr>
+      <p:grpSpPr>
+        <a:xfrm>
+          <a:off x="0" y="0"/>
+          <a:ext cx="0" cy="0"/>
+          <a:chOff x="0" y="0"/>
+          <a:chExt cx="0" cy="0"/>
+        </a:xfrm>
+      </p:grpSpPr>
+      <p:sp>
+        <p:nvSpPr>
+          <p:cNvPr id="97" name="Google Shape;97;p15"/>
+          <p:cNvSpPr txBox="1">
+            <a:spLocks noGrp="1"/>
+          </p:cNvSpPr>
+          <p:nvPr>
+            <p:ph type="ctrTitle"/>
+          </p:nvPr>
+        </p:nvSpPr>
+        <p:spPr>
+          <a:xfrm>
+            <a:off x="1655700" y="1991850"/>
+            <a:ext cx="5832600" cy="1159800"/>
+          </a:xfrm>
+          <a:prstGeom prst="rect">
+            <a:avLst/>
+          </a:prstGeom>
+        </p:spPr>
+        <p:txBody>
+          <a:bodyPr spcFirstLastPara="1" wrap="square" lIns="91425" tIns="91425" rIns="91425" bIns="91425" anchor="ctr" anchorCtr="0">
+            <a:noAutofit/>
+          </a:bodyPr>
+          <a:lstStyle/>
+          <a:p>
+            <a:pPr marL="0" lvl="0" indent="0" algn="ctr" rtl="0">
+              <a:spcBef>
+                <a:spcPts val="0"/>
+              </a:spcBef>
+              <a:spcAft>
+                <a:spcPts val="0"/>
+              </a:spcAft>
+              <a:buNone/>
+            </a:pPr>
+            <a:r>
+              <a:rPr lang="en-US" sz="6000">
+                <a:solidFill>
+                  <a:srgbClr val="E6E6E6"/>
+                </a:solidFill>
+              </a:rPr>
+              <a:t>6</a:t>
+            </a:r>
+            <a:endParaRPr sz="6000">
+              <a:solidFill>
+                <a:srgbClr val="E6E6E6"/>
+              </a:solidFill>
+            </a:endParaRPr>
+          </a:p>
+          <a:p>
+            <a:r>
+              <a:rPr lang="en-US">
+                <a:effectLst/>
+              </a:rPr>
+              <a:t>Web Scraping</a:t>
+            </a:r>
+            <a:endParaRPr/>
+          </a:p>
+        </p:txBody>
+      </p:sp>
+      <p:sp>
+        <p:nvSpPr>
+          <p:cNvPr id="99" name="Google Shape;99;p15"/>
+          <p:cNvSpPr txBox="1">
+            <a:spLocks noGrp="1"/>
+          </p:cNvSpPr>
+          <p:nvPr>
+            <p:ph type="sldNum" idx="4294967295"/>
+          </p:nvPr>
+        </p:nvSpPr>
+        <p:spPr>
+          <a:xfrm>
+            <a:off x="8404384" y="4749851"/>
+            <a:ext cx="548700" cy="393600"/>
+          </a:xfrm>
+          <a:prstGeom prst="rect">
+            <a:avLst/>
+          </a:prstGeom>
+        </p:spPr>
+        <p:txBody>
+          <a:bodyPr spcFirstLastPara="1" wrap="square" lIns="91425" tIns="91425" rIns="91425" bIns="91425" anchor="t" anchorCtr="0">
+            <a:noAutofit/>
+          </a:bodyPr>
+          <a:lstStyle/>
+          <a:p>
+            <a:pPr marL="0" lvl="0" indent="0" algn="r" rtl="0">
+              <a:spcBef>
+                <a:spcPts val="0"/>
+              </a:spcBef>
+              <a:spcAft>
+                <a:spcPts val="0"/>
+              </a:spcAft>
+              <a:buNone/>
+            </a:pPr>
+            <a:fld id="{00000000-1234-1234-1234-123412341234}" type="slidenum">
+              <a:rPr lang="en"/>
+              <a:t>20</a:t>
+            </a:fld>
+            <a:endParaRPr/>
+          </a:p>
+        </p:txBody>
+      </p:sp>
+    </p:spTree>
+    <p:extLst>
+      <p:ext uri="{BB962C8B-B14F-4D97-AF65-F5344CB8AC3E}">
+        <p14:creationId xmlns:p14="http://schemas.microsoft.com/office/powerpoint/2010/main" val="3538335587"/>
+      </p:ext>
+    </p:extLst>
+  </p:cSld>
+  <p:clrMapOvr>
+    <a:masterClrMapping/>
+  </p:clrMapOvr>
+</p:sld>
+</file>
+
+<file path=ppt/slides/slide21.xml><?xml version="1.0" encoding="utf-8"?>
 <p:sld xmlns:a="http://schemas.openxmlformats.org/drawingml/2006/main" xmlns:r="http://schemas.openxmlformats.org/officeDocument/2006/relationships" xmlns:p="http://schemas.openxmlformats.org/presentationml/2006/main">
   <p:cSld>
     <p:spTree>
@@ -7616,7 +8255,7 @@
             </a:pPr>
             <a:fld id="{00000000-1234-1234-1234-123412341234}" type="slidenum">
               <a:rPr lang="en"/>
-              <a:t>20</a:t>
+              <a:t>21</a:t>
             </a:fld>
             <a:endParaRPr/>
           </a:p>
@@ -7630,7 +8269,7 @@
 </p:sld>
 </file>
 
-<file path=ppt/slides/slide21.xml><?xml version="1.0" encoding="utf-8"?>
+<file path=ppt/slides/slide22.xml><?xml version="1.0" encoding="utf-8"?>
 <p:sld xmlns:a="http://schemas.openxmlformats.org/drawingml/2006/main" xmlns:r="http://schemas.openxmlformats.org/officeDocument/2006/relationships" xmlns:p="http://schemas.openxmlformats.org/presentationml/2006/main">
   <p:cSld>
     <p:spTree>
@@ -7767,7 +8406,7 @@
             </a:pPr>
             <a:fld id="{00000000-1234-1234-1234-123412341234}" type="slidenum">
               <a:rPr lang="en"/>
-              <a:t>21</a:t>
+              <a:t>22</a:t>
             </a:fld>
             <a:endParaRPr/>
           </a:p>

--- a/Python.pptx
+++ b/Python.pptx
@@ -5,10 +5,10 @@
     <p:sldMasterId id="2147483658" r:id="rId1"/>
   </p:sldMasterIdLst>
   <p:notesMasterIdLst>
-    <p:notesMasterId r:id="rId24"/>
+    <p:notesMasterId r:id="rId26"/>
   </p:notesMasterIdLst>
   <p:handoutMasterIdLst>
-    <p:handoutMasterId r:id="rId25"/>
+    <p:handoutMasterId r:id="rId27"/>
   </p:handoutMasterIdLst>
   <p:sldIdLst>
     <p:sldId id="256" r:id="rId2"/>
@@ -25,43 +25,45 @@
     <p:sldId id="297" r:id="rId13"/>
     <p:sldId id="298" r:id="rId14"/>
     <p:sldId id="299" r:id="rId15"/>
-    <p:sldId id="281" r:id="rId16"/>
-    <p:sldId id="289" r:id="rId17"/>
-    <p:sldId id="282" r:id="rId18"/>
-    <p:sldId id="283" r:id="rId19"/>
-    <p:sldId id="286" r:id="rId20"/>
-    <p:sldId id="287" r:id="rId21"/>
-    <p:sldId id="280" r:id="rId22"/>
-    <p:sldId id="271" r:id="rId23"/>
+    <p:sldId id="300" r:id="rId16"/>
+    <p:sldId id="301" r:id="rId17"/>
+    <p:sldId id="281" r:id="rId18"/>
+    <p:sldId id="289" r:id="rId19"/>
+    <p:sldId id="282" r:id="rId20"/>
+    <p:sldId id="283" r:id="rId21"/>
+    <p:sldId id="286" r:id="rId22"/>
+    <p:sldId id="287" r:id="rId23"/>
+    <p:sldId id="280" r:id="rId24"/>
+    <p:sldId id="271" r:id="rId25"/>
   </p:sldIdLst>
   <p:sldSz cx="9144000" cy="5143500" type="screen16x9"/>
   <p:notesSz cx="6858000" cy="9144000"/>
   <p:embeddedFontLst>
     <p:embeddedFont>
       <p:font typeface="Consolas" panose="020B0609020204030204" pitchFamily="49" charset="0"/>
-      <p:regular r:id="rId26"/>
-      <p:bold r:id="rId27"/>
-      <p:italic r:id="rId28"/>
-      <p:boldItalic r:id="rId29"/>
+      <p:regular r:id="rId28"/>
+      <p:bold r:id="rId29"/>
+      <p:italic r:id="rId30"/>
+      <p:boldItalic r:id="rId31"/>
     </p:embeddedFont>
     <p:embeddedFont>
       <p:font typeface="Roboto Slab" panose="020B0604020202020204" charset="0"/>
-      <p:regular r:id="rId30"/>
-      <p:bold r:id="rId31"/>
+      <p:regular r:id="rId32"/>
+      <p:bold r:id="rId33"/>
     </p:embeddedFont>
     <p:embeddedFont>
       <p:font typeface="Source Sans Pro" panose="020B0503030403020204" pitchFamily="34" charset="0"/>
-      <p:regular r:id="rId32"/>
-      <p:bold r:id="rId33"/>
-      <p:italic r:id="rId34"/>
-      <p:boldItalic r:id="rId35"/>
+      <p:regular r:id="rId34"/>
+      <p:bold r:id="rId35"/>
+      <p:italic r:id="rId36"/>
+      <p:boldItalic r:id="rId37"/>
     </p:embeddedFont>
     <p:embeddedFont>
       <p:font typeface="Trebuchet MS" panose="020B0603020202020204" pitchFamily="34" charset="0"/>
-      <p:regular r:id="rId36"/>
-      <p:bold r:id="rId37"/>
-      <p:italic r:id="rId38"/>
-      <p:boldItalic r:id="rId39"/>
+      <p:regular r:id="rId38"/>
+      <p:bold r:id="rId39"/>
+      <p:italic r:id="rId40"/>
+      <p:boldItalic r:id="rId41"/>
     </p:embeddedFont>
   </p:embeddedFontLst>
   <p:defaultTextStyle>
@@ -6597,7 +6599,262 @@
                 <a:latin typeface="Consolas" panose="020B0609020204030204" pitchFamily="49" charset="0"/>
                 <a:cs typeface="Courier New" panose="02070309020205020404" pitchFamily="49" charset="0"/>
               </a:rPr>
-              <a:t>print(fruits[0], fruits[-3], fruits[1:3], fruits[:-1], fruits[0:-1:2], fruits[::-1])</a:t>
+              <a:t>print(fruits</a:t>
+            </a:r>
+            <a:r>
+              <a:rPr lang="en-US" sz="1200">
+                <a:solidFill>
+                  <a:schemeClr val="accent1"/>
+                </a:solidFill>
+                <a:latin typeface="Consolas" panose="020B0609020204030204" pitchFamily="49" charset="0"/>
+                <a:cs typeface="Courier New" panose="02070309020205020404" pitchFamily="49" charset="0"/>
+              </a:rPr>
+              <a:t>[</a:t>
+            </a:r>
+            <a:r>
+              <a:rPr lang="en-US" sz="1200">
+                <a:latin typeface="Consolas" panose="020B0609020204030204" pitchFamily="49" charset="0"/>
+                <a:cs typeface="Courier New" panose="02070309020205020404" pitchFamily="49" charset="0"/>
+              </a:rPr>
+              <a:t>0</a:t>
+            </a:r>
+            <a:r>
+              <a:rPr lang="en-US" sz="1200">
+                <a:solidFill>
+                  <a:schemeClr val="accent1"/>
+                </a:solidFill>
+                <a:latin typeface="Consolas" panose="020B0609020204030204" pitchFamily="49" charset="0"/>
+                <a:cs typeface="Courier New" panose="02070309020205020404" pitchFamily="49" charset="0"/>
+              </a:rPr>
+              <a:t>]</a:t>
+            </a:r>
+            <a:r>
+              <a:rPr lang="en-US" sz="1200">
+                <a:latin typeface="Consolas" panose="020B0609020204030204" pitchFamily="49" charset="0"/>
+                <a:cs typeface="Courier New" panose="02070309020205020404" pitchFamily="49" charset="0"/>
+              </a:rPr>
+              <a:t>, fruits</a:t>
+            </a:r>
+            <a:r>
+              <a:rPr lang="en-US" sz="1200">
+                <a:solidFill>
+                  <a:schemeClr val="accent1"/>
+                </a:solidFill>
+                <a:latin typeface="Consolas" panose="020B0609020204030204" pitchFamily="49" charset="0"/>
+                <a:cs typeface="Courier New" panose="02070309020205020404" pitchFamily="49" charset="0"/>
+              </a:rPr>
+              <a:t>[</a:t>
+            </a:r>
+            <a:r>
+              <a:rPr lang="en-US" sz="1200">
+                <a:latin typeface="Consolas" panose="020B0609020204030204" pitchFamily="49" charset="0"/>
+                <a:cs typeface="Courier New" panose="02070309020205020404" pitchFamily="49" charset="0"/>
+              </a:rPr>
+              <a:t>-3</a:t>
+            </a:r>
+            <a:r>
+              <a:rPr lang="en-US" sz="1200">
+                <a:solidFill>
+                  <a:schemeClr val="accent1"/>
+                </a:solidFill>
+                <a:latin typeface="Consolas" panose="020B0609020204030204" pitchFamily="49" charset="0"/>
+                <a:cs typeface="Courier New" panose="02070309020205020404" pitchFamily="49" charset="0"/>
+              </a:rPr>
+              <a:t>]</a:t>
+            </a:r>
+            <a:r>
+              <a:rPr lang="en-US" sz="1200">
+                <a:latin typeface="Consolas" panose="020B0609020204030204" pitchFamily="49" charset="0"/>
+                <a:cs typeface="Courier New" panose="02070309020205020404" pitchFamily="49" charset="0"/>
+              </a:rPr>
+              <a:t>, fruits</a:t>
+            </a:r>
+            <a:r>
+              <a:rPr lang="en-US" sz="1200">
+                <a:solidFill>
+                  <a:schemeClr val="accent1"/>
+                </a:solidFill>
+                <a:latin typeface="Consolas" panose="020B0609020204030204" pitchFamily="49" charset="0"/>
+                <a:cs typeface="Courier New" panose="02070309020205020404" pitchFamily="49" charset="0"/>
+              </a:rPr>
+              <a:t>[</a:t>
+            </a:r>
+            <a:r>
+              <a:rPr lang="en-US" sz="1200">
+                <a:latin typeface="Consolas" panose="020B0609020204030204" pitchFamily="49" charset="0"/>
+                <a:cs typeface="Courier New" panose="02070309020205020404" pitchFamily="49" charset="0"/>
+              </a:rPr>
+              <a:t>1</a:t>
+            </a:r>
+            <a:r>
+              <a:rPr lang="en-US" sz="1200">
+                <a:solidFill>
+                  <a:schemeClr val="accent1"/>
+                </a:solidFill>
+                <a:latin typeface="Consolas" panose="020B0609020204030204" pitchFamily="49" charset="0"/>
+                <a:cs typeface="Courier New" panose="02070309020205020404" pitchFamily="49" charset="0"/>
+              </a:rPr>
+              <a:t>:</a:t>
+            </a:r>
+            <a:r>
+              <a:rPr lang="en-US" sz="1200">
+                <a:latin typeface="Consolas" panose="020B0609020204030204" pitchFamily="49" charset="0"/>
+                <a:cs typeface="Courier New" panose="02070309020205020404" pitchFamily="49" charset="0"/>
+              </a:rPr>
+              <a:t>3</a:t>
+            </a:r>
+            <a:r>
+              <a:rPr lang="en-US" sz="1200">
+                <a:solidFill>
+                  <a:schemeClr val="accent1"/>
+                </a:solidFill>
+                <a:latin typeface="Consolas" panose="020B0609020204030204" pitchFamily="49" charset="0"/>
+                <a:cs typeface="Courier New" panose="02070309020205020404" pitchFamily="49" charset="0"/>
+              </a:rPr>
+              <a:t>]</a:t>
+            </a:r>
+            <a:r>
+              <a:rPr lang="en-US" sz="1200">
+                <a:latin typeface="Consolas" panose="020B0609020204030204" pitchFamily="49" charset="0"/>
+                <a:cs typeface="Courier New" panose="02070309020205020404" pitchFamily="49" charset="0"/>
+              </a:rPr>
+              <a:t>, fruits</a:t>
+            </a:r>
+            <a:r>
+              <a:rPr lang="en-US" sz="1200">
+                <a:solidFill>
+                  <a:schemeClr val="accent1"/>
+                </a:solidFill>
+                <a:latin typeface="Consolas" panose="020B0609020204030204" pitchFamily="49" charset="0"/>
+                <a:cs typeface="Courier New" panose="02070309020205020404" pitchFamily="49" charset="0"/>
+              </a:rPr>
+              <a:t>[:</a:t>
+            </a:r>
+            <a:r>
+              <a:rPr lang="en-US" sz="1200">
+                <a:latin typeface="Consolas" panose="020B0609020204030204" pitchFamily="49" charset="0"/>
+                <a:cs typeface="Courier New" panose="02070309020205020404" pitchFamily="49" charset="0"/>
+              </a:rPr>
+              <a:t>-1</a:t>
+            </a:r>
+            <a:r>
+              <a:rPr lang="en-US" sz="1200">
+                <a:solidFill>
+                  <a:schemeClr val="accent1"/>
+                </a:solidFill>
+                <a:latin typeface="Consolas" panose="020B0609020204030204" pitchFamily="49" charset="0"/>
+                <a:cs typeface="Courier New" panose="02070309020205020404" pitchFamily="49" charset="0"/>
+              </a:rPr>
+              <a:t>]</a:t>
+            </a:r>
+            <a:r>
+              <a:rPr lang="en-US" sz="1200">
+                <a:latin typeface="Consolas" panose="020B0609020204030204" pitchFamily="49" charset="0"/>
+                <a:cs typeface="Courier New" panose="02070309020205020404" pitchFamily="49" charset="0"/>
+              </a:rPr>
+              <a:t>, fruits</a:t>
+            </a:r>
+            <a:r>
+              <a:rPr lang="en-US" sz="1200">
+                <a:solidFill>
+                  <a:schemeClr val="accent1"/>
+                </a:solidFill>
+                <a:latin typeface="Consolas" panose="020B0609020204030204" pitchFamily="49" charset="0"/>
+                <a:cs typeface="Courier New" panose="02070309020205020404" pitchFamily="49" charset="0"/>
+              </a:rPr>
+              <a:t>[</a:t>
+            </a:r>
+            <a:r>
+              <a:rPr lang="en-US" sz="1200">
+                <a:latin typeface="Consolas" panose="020B0609020204030204" pitchFamily="49" charset="0"/>
+                <a:cs typeface="Courier New" panose="02070309020205020404" pitchFamily="49" charset="0"/>
+              </a:rPr>
+              <a:t>0</a:t>
+            </a:r>
+            <a:r>
+              <a:rPr lang="en-US" sz="1200">
+                <a:solidFill>
+                  <a:schemeClr val="accent1"/>
+                </a:solidFill>
+                <a:latin typeface="Consolas" panose="020B0609020204030204" pitchFamily="49" charset="0"/>
+                <a:cs typeface="Courier New" panose="02070309020205020404" pitchFamily="49" charset="0"/>
+              </a:rPr>
+              <a:t>:</a:t>
+            </a:r>
+            <a:r>
+              <a:rPr lang="en-US" sz="1200">
+                <a:latin typeface="Consolas" panose="020B0609020204030204" pitchFamily="49" charset="0"/>
+                <a:cs typeface="Courier New" panose="02070309020205020404" pitchFamily="49" charset="0"/>
+              </a:rPr>
+              <a:t>-1</a:t>
+            </a:r>
+            <a:r>
+              <a:rPr lang="en-US" sz="1200">
+                <a:solidFill>
+                  <a:schemeClr val="accent1"/>
+                </a:solidFill>
+                <a:latin typeface="Consolas" panose="020B0609020204030204" pitchFamily="49" charset="0"/>
+                <a:cs typeface="Courier New" panose="02070309020205020404" pitchFamily="49" charset="0"/>
+              </a:rPr>
+              <a:t>:</a:t>
+            </a:r>
+            <a:r>
+              <a:rPr lang="en-US" sz="1200">
+                <a:latin typeface="Consolas" panose="020B0609020204030204" pitchFamily="49" charset="0"/>
+                <a:cs typeface="Courier New" panose="02070309020205020404" pitchFamily="49" charset="0"/>
+              </a:rPr>
+              <a:t>2</a:t>
+            </a:r>
+            <a:r>
+              <a:rPr lang="en-US" sz="1200">
+                <a:solidFill>
+                  <a:schemeClr val="accent1"/>
+                </a:solidFill>
+                <a:latin typeface="Consolas" panose="020B0609020204030204" pitchFamily="49" charset="0"/>
+                <a:cs typeface="Courier New" panose="02070309020205020404" pitchFamily="49" charset="0"/>
+              </a:rPr>
+              <a:t>]</a:t>
+            </a:r>
+            <a:r>
+              <a:rPr lang="en-US" sz="1200">
+                <a:latin typeface="Consolas" panose="020B0609020204030204" pitchFamily="49" charset="0"/>
+                <a:cs typeface="Courier New" panose="02070309020205020404" pitchFamily="49" charset="0"/>
+              </a:rPr>
+              <a:t>, fruits</a:t>
+            </a:r>
+            <a:r>
+              <a:rPr lang="en-US" sz="1200">
+                <a:solidFill>
+                  <a:schemeClr val="accent1"/>
+                </a:solidFill>
+                <a:latin typeface="Consolas" panose="020B0609020204030204" pitchFamily="49" charset="0"/>
+                <a:cs typeface="Courier New" panose="02070309020205020404" pitchFamily="49" charset="0"/>
+              </a:rPr>
+              <a:t>[::</a:t>
+            </a:r>
+            <a:r>
+              <a:rPr lang="en-US" sz="1200">
+                <a:latin typeface="Consolas" panose="020B0609020204030204" pitchFamily="49" charset="0"/>
+                <a:cs typeface="Courier New" panose="02070309020205020404" pitchFamily="49" charset="0"/>
+              </a:rPr>
+              <a:t>-1</a:t>
+            </a:r>
+            <a:r>
+              <a:rPr lang="en-US" sz="1200">
+                <a:solidFill>
+                  <a:schemeClr val="accent1"/>
+                </a:solidFill>
+                <a:latin typeface="Consolas" panose="020B0609020204030204" pitchFamily="49" charset="0"/>
+                <a:cs typeface="Courier New" panose="02070309020205020404" pitchFamily="49" charset="0"/>
+              </a:rPr>
+              <a:t>]</a:t>
+            </a:r>
+            <a:r>
+              <a:rPr lang="en-US" sz="1200">
+                <a:latin typeface="Consolas" panose="020B0609020204030204" pitchFamily="49" charset="0"/>
+                <a:cs typeface="Courier New" panose="02070309020205020404" pitchFamily="49" charset="0"/>
+              </a:rPr>
+              <a:t>)</a:t>
             </a:r>
           </a:p>
           <a:p>
@@ -6609,7 +6866,24 @@
                 <a:latin typeface="Consolas" panose="020B0609020204030204" pitchFamily="49" charset="0"/>
                 <a:cs typeface="Courier New" panose="02070309020205020404" pitchFamily="49" charset="0"/>
               </a:rPr>
-              <a:t>print('orange' in fruits)</a:t>
+              <a:t>print('orange' </a:t>
+            </a:r>
+            <a:r>
+              <a:rPr lang="en-US" sz="1200">
+                <a:solidFill>
+                  <a:schemeClr val="accent1"/>
+                </a:solidFill>
+                <a:latin typeface="Consolas" panose="020B0609020204030204" pitchFamily="49" charset="0"/>
+                <a:cs typeface="Courier New" panose="02070309020205020404" pitchFamily="49" charset="0"/>
+              </a:rPr>
+              <a:t>in</a:t>
+            </a:r>
+            <a:r>
+              <a:rPr lang="en-US" sz="1200">
+                <a:latin typeface="Consolas" panose="020B0609020204030204" pitchFamily="49" charset="0"/>
+                <a:cs typeface="Courier New" panose="02070309020205020404" pitchFamily="49" charset="0"/>
+              </a:rPr>
+              <a:t> fruits)</a:t>
             </a:r>
           </a:p>
           <a:p>
@@ -6621,7 +6895,41 @@
                 <a:latin typeface="Consolas" panose="020B0609020204030204" pitchFamily="49" charset="0"/>
                 <a:cs typeface="Courier New" panose="02070309020205020404" pitchFamily="49" charset="0"/>
               </a:rPr>
-              <a:t>print(len(fruits))</a:t>
+              <a:t>print(</a:t>
+            </a:r>
+            <a:r>
+              <a:rPr lang="en-US" sz="1200">
+                <a:solidFill>
+                  <a:schemeClr val="accent1"/>
+                </a:solidFill>
+                <a:latin typeface="Consolas" panose="020B0609020204030204" pitchFamily="49" charset="0"/>
+                <a:cs typeface="Courier New" panose="02070309020205020404" pitchFamily="49" charset="0"/>
+              </a:rPr>
+              <a:t>len(</a:t>
+            </a:r>
+            <a:r>
+              <a:rPr lang="en-US" sz="1200">
+                <a:latin typeface="Consolas" panose="020B0609020204030204" pitchFamily="49" charset="0"/>
+                <a:cs typeface="Courier New" panose="02070309020205020404" pitchFamily="49" charset="0"/>
+              </a:rPr>
+              <a:t>fruits</a:t>
+            </a:r>
+            <a:r>
+              <a:rPr lang="en-US" sz="1200">
+                <a:solidFill>
+                  <a:schemeClr val="accent1"/>
+                </a:solidFill>
+                <a:latin typeface="Consolas" panose="020B0609020204030204" pitchFamily="49" charset="0"/>
+                <a:cs typeface="Courier New" panose="02070309020205020404" pitchFamily="49" charset="0"/>
+              </a:rPr>
+              <a:t>)</a:t>
+            </a:r>
+            <a:r>
+              <a:rPr lang="en-US" sz="1200">
+                <a:latin typeface="Consolas" panose="020B0609020204030204" pitchFamily="49" charset="0"/>
+                <a:cs typeface="Courier New" panose="02070309020205020404" pitchFamily="49" charset="0"/>
+              </a:rPr>
+              <a:t>)</a:t>
             </a:r>
           </a:p>
           <a:p>
@@ -6666,7 +6974,34 @@
                 <a:latin typeface="Consolas" panose="020B0609020204030204" pitchFamily="49" charset="0"/>
                 <a:cs typeface="Courier New" panose="02070309020205020404" pitchFamily="49" charset="0"/>
               </a:rPr>
-              <a:t>fruits.append('kiwi')</a:t>
+              <a:t>fruits</a:t>
+            </a:r>
+            <a:r>
+              <a:rPr lang="en-US" sz="1200">
+                <a:solidFill>
+                  <a:schemeClr val="accent1"/>
+                </a:solidFill>
+                <a:latin typeface="Consolas" panose="020B0609020204030204" pitchFamily="49" charset="0"/>
+                <a:cs typeface="Courier New" panose="02070309020205020404" pitchFamily="49" charset="0"/>
+              </a:rPr>
+              <a:t>.append(</a:t>
+            </a:r>
+            <a:r>
+              <a:rPr lang="en-US" sz="1200">
+                <a:latin typeface="Consolas" panose="020B0609020204030204" pitchFamily="49" charset="0"/>
+                <a:cs typeface="Courier New" panose="02070309020205020404" pitchFamily="49" charset="0"/>
+              </a:rPr>
+              <a:t>'kiwi'</a:t>
+            </a:r>
+            <a:r>
+              <a:rPr lang="en-US" sz="1200">
+                <a:solidFill>
+                  <a:schemeClr val="accent1"/>
+                </a:solidFill>
+                <a:latin typeface="Consolas" panose="020B0609020204030204" pitchFamily="49" charset="0"/>
+                <a:cs typeface="Courier New" panose="02070309020205020404" pitchFamily="49" charset="0"/>
+              </a:rPr>
+              <a:t>)</a:t>
             </a:r>
           </a:p>
           <a:p>
@@ -6678,7 +7013,34 @@
                 <a:latin typeface="Consolas" panose="020B0609020204030204" pitchFamily="49" charset="0"/>
                 <a:cs typeface="Courier New" panose="02070309020205020404" pitchFamily="49" charset="0"/>
               </a:rPr>
-              <a:t>fruits.remove('banana')</a:t>
+              <a:t>fruits</a:t>
+            </a:r>
+            <a:r>
+              <a:rPr lang="en-US" sz="1200">
+                <a:solidFill>
+                  <a:schemeClr val="accent1"/>
+                </a:solidFill>
+                <a:latin typeface="Consolas" panose="020B0609020204030204" pitchFamily="49" charset="0"/>
+                <a:cs typeface="Courier New" panose="02070309020205020404" pitchFamily="49" charset="0"/>
+              </a:rPr>
+              <a:t>.remove(</a:t>
+            </a:r>
+            <a:r>
+              <a:rPr lang="en-US" sz="1200">
+                <a:latin typeface="Consolas" panose="020B0609020204030204" pitchFamily="49" charset="0"/>
+                <a:cs typeface="Courier New" panose="02070309020205020404" pitchFamily="49" charset="0"/>
+              </a:rPr>
+              <a:t>'banana'</a:t>
+            </a:r>
+            <a:r>
+              <a:rPr lang="en-US" sz="1200">
+                <a:solidFill>
+                  <a:schemeClr val="accent1"/>
+                </a:solidFill>
+                <a:latin typeface="Consolas" panose="020B0609020204030204" pitchFamily="49" charset="0"/>
+                <a:cs typeface="Courier New" panose="02070309020205020404" pitchFamily="49" charset="0"/>
+              </a:rPr>
+              <a:t>)</a:t>
             </a:r>
           </a:p>
           <a:p>
@@ -6690,14 +7052,44 @@
                 <a:latin typeface="Consolas" panose="020B0609020204030204" pitchFamily="49" charset="0"/>
                 <a:cs typeface="Courier New" panose="02070309020205020404" pitchFamily="49" charset="0"/>
               </a:rPr>
-              <a:t>fruits.pop</a:t>
-            </a:r>
-            <a:r>
-              <a:rPr lang="en-US" sz="1200">
-                <a:latin typeface="Consolas" panose="020B0609020204030204" pitchFamily="49" charset="0"/>
-                <a:cs typeface="Courier New" panose="02070309020205020404" pitchFamily="49" charset="0"/>
-              </a:rPr>
-              <a:t>(3)</a:t>
+              <a:t>fruits</a:t>
+            </a:r>
+            <a:r>
+              <a:rPr lang="en-US" sz="1200" err="1">
+                <a:solidFill>
+                  <a:schemeClr val="accent1"/>
+                </a:solidFill>
+                <a:latin typeface="Consolas" panose="020B0609020204030204" pitchFamily="49" charset="0"/>
+                <a:cs typeface="Courier New" panose="02070309020205020404" pitchFamily="49" charset="0"/>
+              </a:rPr>
+              <a:t>.pop</a:t>
+            </a:r>
+            <a:r>
+              <a:rPr lang="en-US" sz="1200">
+                <a:solidFill>
+                  <a:schemeClr val="accent1"/>
+                </a:solidFill>
+                <a:latin typeface="Consolas" panose="020B0609020204030204" pitchFamily="49" charset="0"/>
+                <a:cs typeface="Courier New" panose="02070309020205020404" pitchFamily="49" charset="0"/>
+              </a:rPr>
+              <a:t>(</a:t>
+            </a:r>
+            <a:r>
+              <a:rPr lang="en-US" sz="1200">
+                <a:latin typeface="Consolas" panose="020B0609020204030204" pitchFamily="49" charset="0"/>
+                <a:cs typeface="Courier New" panose="02070309020205020404" pitchFamily="49" charset="0"/>
+              </a:rPr>
+              <a:t>3</a:t>
+            </a:r>
+            <a:r>
+              <a:rPr lang="en-US" sz="1200">
+                <a:solidFill>
+                  <a:schemeClr val="accent1"/>
+                </a:solidFill>
+                <a:latin typeface="Consolas" panose="020B0609020204030204" pitchFamily="49" charset="0"/>
+                <a:cs typeface="Courier New" panose="02070309020205020404" pitchFamily="49" charset="0"/>
+              </a:rPr>
+              <a:t>)</a:t>
             </a:r>
           </a:p>
         </p:txBody>
@@ -6834,7 +7226,19 @@
             </a:pPr>
             <a:r>
               <a:rPr lang="en-US" sz="1400"/>
-              <a:t>Ordered, unchangeable, and allow duplicate values</a:t>
+              <a:t>Ordered, </a:t>
+            </a:r>
+            <a:r>
+              <a:rPr lang="en-US" sz="1400">
+                <a:solidFill>
+                  <a:schemeClr val="accent1"/>
+                </a:solidFill>
+              </a:rPr>
+              <a:t>un</a:t>
+            </a:r>
+            <a:r>
+              <a:rPr lang="en-US" sz="1400"/>
+              <a:t>changeable, and allow duplicate values</a:t>
             </a:r>
           </a:p>
           <a:p>
@@ -6919,7 +7323,17 @@
                 <a:latin typeface="Consolas" panose="020B0609020204030204" pitchFamily="49" charset="0"/>
                 <a:cs typeface="Courier New" panose="02070309020205020404" pitchFamily="49" charset="0"/>
               </a:rPr>
-              <a:t> = list(</a:t>
+              <a:t> = </a:t>
+            </a:r>
+            <a:r>
+              <a:rPr lang="es-ES" sz="1200">
+                <a:solidFill>
+                  <a:schemeClr val="accent1"/>
+                </a:solidFill>
+                <a:latin typeface="Consolas" panose="020B0609020204030204" pitchFamily="49" charset="0"/>
+                <a:cs typeface="Courier New" panose="02070309020205020404" pitchFamily="49" charset="0"/>
+              </a:rPr>
+              <a:t>list(</a:t>
             </a:r>
             <a:r>
               <a:rPr lang="en-US" sz="1200">
@@ -6930,6 +7344,9 @@
             </a:r>
             <a:r>
               <a:rPr lang="es-ES" sz="1200">
+                <a:solidFill>
+                  <a:schemeClr val="accent1"/>
+                </a:solidFill>
                 <a:latin typeface="Consolas" panose="020B0609020204030204" pitchFamily="49" charset="0"/>
                 <a:cs typeface="Courier New" panose="02070309020205020404" pitchFamily="49" charset="0"/>
               </a:rPr>
@@ -7001,7 +7418,17 @@
                 <a:latin typeface="Consolas" panose="020B0609020204030204" pitchFamily="49" charset="0"/>
                 <a:cs typeface="Courier New" panose="02070309020205020404" pitchFamily="49" charset="0"/>
               </a:rPr>
-              <a:t> = tuple(</a:t>
+              <a:t> = </a:t>
+            </a:r>
+            <a:r>
+              <a:rPr lang="es-ES" sz="1200">
+                <a:solidFill>
+                  <a:schemeClr val="accent1"/>
+                </a:solidFill>
+                <a:latin typeface="Consolas" panose="020B0609020204030204" pitchFamily="49" charset="0"/>
+                <a:cs typeface="Courier New" panose="02070309020205020404" pitchFamily="49" charset="0"/>
+              </a:rPr>
+              <a:t>tuple(</a:t>
             </a:r>
             <a:r>
               <a:rPr lang="en-US" sz="1200">
@@ -7012,12 +7439,18 @@
             </a:r>
             <a:r>
               <a:rPr lang="es-ES" sz="1200">
+                <a:solidFill>
+                  <a:schemeClr val="accent1"/>
+                </a:solidFill>
                 <a:latin typeface="Consolas" panose="020B0609020204030204" pitchFamily="49" charset="0"/>
                 <a:cs typeface="Courier New" panose="02070309020205020404" pitchFamily="49" charset="0"/>
               </a:rPr>
               <a:t>)</a:t>
             </a:r>
             <a:endParaRPr lang="en-US" sz="1200">
+              <a:solidFill>
+                <a:schemeClr val="accent1"/>
+              </a:solidFill>
               <a:latin typeface="Consolas" panose="020B0609020204030204" pitchFamily="49" charset="0"/>
               <a:cs typeface="Courier New" panose="02070309020205020404" pitchFamily="49" charset="0"/>
             </a:endParaRPr>
@@ -7080,7 +7513,7 @@
   <p:cSld>
     <p:spTree>
       <p:nvGrpSpPr>
-        <p:cNvPr id="1" name="Shape 96"/>
+        <p:cNvPr id="1" name=""/>
         <p:cNvGrpSpPr/>
         <p:nvPr/>
       </p:nvGrpSpPr>
@@ -7094,93 +7527,209 @@
       </p:grpSpPr>
       <p:sp>
         <p:nvSpPr>
-          <p:cNvPr id="97" name="Google Shape;97;p15"/>
-          <p:cNvSpPr txBox="1">
+          <p:cNvPr id="2" name="Title 1">
+            <a:extLst>
+              <a:ext uri="{FF2B5EF4-FFF2-40B4-BE49-F238E27FC236}">
+                <a16:creationId xmlns:a16="http://schemas.microsoft.com/office/drawing/2014/main" id="{024AD384-5AD1-4435-A943-1241B2FACD62}"/>
+              </a:ext>
+            </a:extLst>
+          </p:cNvPr>
+          <p:cNvSpPr>
             <a:spLocks noGrp="1"/>
           </p:cNvSpPr>
           <p:nvPr>
-            <p:ph type="ctrTitle"/>
+            <p:ph type="title"/>
+          </p:nvPr>
+        </p:nvSpPr>
+        <p:spPr/>
+        <p:txBody>
+          <a:bodyPr/>
+          <a:lstStyle/>
+          <a:p>
+            <a:r>
+              <a:rPr lang="en-US"/>
+              <a:t>Python </a:t>
+            </a:r>
+            <a:r>
+              <a:rPr lang="en-US" sz="2400"/>
+              <a:t>Sets</a:t>
+            </a:r>
+            <a:endParaRPr lang="fa-IR"/>
+          </a:p>
+        </p:txBody>
+      </p:sp>
+      <p:sp>
+        <p:nvSpPr>
+          <p:cNvPr id="3" name="Text Placeholder 2">
+            <a:extLst>
+              <a:ext uri="{FF2B5EF4-FFF2-40B4-BE49-F238E27FC236}">
+                <a16:creationId xmlns:a16="http://schemas.microsoft.com/office/drawing/2014/main" id="{58BE3078-8B89-4550-B497-93E4DADBD57E}"/>
+              </a:ext>
+            </a:extLst>
+          </p:cNvPr>
+          <p:cNvSpPr>
+            <a:spLocks noGrp="1"/>
+          </p:cNvSpPr>
+          <p:nvPr>
+            <p:ph type="body" idx="1"/>
           </p:nvPr>
         </p:nvSpPr>
         <p:spPr>
           <a:xfrm>
-            <a:off x="1655700" y="1991850"/>
-            <a:ext cx="5832600" cy="1159800"/>
+            <a:off x="786150" y="1142608"/>
+            <a:ext cx="7571700" cy="3626431"/>
           </a:xfrm>
-          <a:prstGeom prst="rect">
-            <a:avLst/>
-          </a:prstGeom>
         </p:spPr>
         <p:txBody>
-          <a:bodyPr spcFirstLastPara="1" wrap="square" lIns="91425" tIns="91425" rIns="91425" bIns="91425" anchor="ctr" anchorCtr="0">
-            <a:noAutofit/>
-          </a:bodyPr>
+          <a:bodyPr/>
           <a:lstStyle/>
           <a:p>
-            <a:pPr marL="0" lvl="0" indent="0" algn="ctr" rtl="0">
-              <a:spcBef>
-                <a:spcPts val="0"/>
-              </a:spcBef>
-              <a:spcAft>
-                <a:spcPts val="0"/>
-              </a:spcAft>
-              <a:buNone/>
-            </a:pPr>
-            <a:r>
-              <a:rPr lang="en-US" sz="6000">
-                <a:solidFill>
-                  <a:srgbClr val="E6E6E6"/>
-                </a:solidFill>
-              </a:rPr>
-              <a:t>2</a:t>
-            </a:r>
-            <a:endParaRPr sz="6000">
-              <a:solidFill>
-                <a:srgbClr val="E6E6E6"/>
-              </a:solidFill>
+            <a:pPr marL="76200" indent="0">
+              <a:buNone/>
+            </a:pPr>
+            <a:r>
+              <a:rPr lang="en-US" sz="1400"/>
+              <a:t>Unordered, unchangeable, and no duplicate values</a:t>
+            </a:r>
+          </a:p>
+          <a:p>
+            <a:pPr marL="76200" indent="0">
+              <a:buNone/>
+            </a:pPr>
+            <a:r>
+              <a:rPr lang="en-US" sz="1200">
+                <a:latin typeface="Consolas" panose="020B0609020204030204" pitchFamily="49" charset="0"/>
+                <a:cs typeface="Courier New" panose="02070309020205020404" pitchFamily="49" charset="0"/>
+              </a:rPr>
+              <a:t>fruits = {'apple', 'banana', 'cherry'}</a:t>
+            </a:r>
+          </a:p>
+          <a:p>
+            <a:pPr marL="76200" indent="0">
+              <a:buNone/>
+            </a:pPr>
+            <a:r>
+              <a:rPr lang="en-US" sz="1200">
+                <a:latin typeface="Consolas" panose="020B0609020204030204" pitchFamily="49" charset="0"/>
+                <a:cs typeface="Courier New" panose="02070309020205020404" pitchFamily="49" charset="0"/>
+              </a:rPr>
+              <a:t>print('orange' in fruits)</a:t>
+            </a:r>
+          </a:p>
+          <a:p>
+            <a:pPr marL="76200" indent="0">
+              <a:buNone/>
+            </a:pPr>
+            <a:r>
+              <a:rPr lang="en-US" sz="1200">
+                <a:latin typeface="Consolas" panose="020B0609020204030204" pitchFamily="49" charset="0"/>
+                <a:cs typeface="Courier New" panose="02070309020205020404" pitchFamily="49" charset="0"/>
+              </a:rPr>
+              <a:t>print(len(fruits))</a:t>
+            </a:r>
+          </a:p>
+          <a:p>
+            <a:pPr marL="76200" indent="0">
+              <a:buNone/>
+            </a:pPr>
+            <a:endParaRPr lang="en-US" sz="1200">
+              <a:latin typeface="Consolas" panose="020B0609020204030204" pitchFamily="49" charset="0"/>
+              <a:cs typeface="Courier New" panose="02070309020205020404" pitchFamily="49" charset="0"/>
             </a:endParaRPr>
           </a:p>
           <a:p>
-            <a:pPr marL="0" lvl="0" indent="0" algn="ctr" rtl="0">
-              <a:spcBef>
-                <a:spcPts val="0"/>
-              </a:spcBef>
-              <a:spcAft>
-                <a:spcPts val="0"/>
-              </a:spcAft>
-              <a:buNone/>
-            </a:pPr>
-            <a:r>
-              <a:rPr lang="en"/>
-              <a:t>NumPy</a:t>
-            </a:r>
-            <a:endParaRPr/>
+            <a:pPr marL="76200" indent="0">
+              <a:buNone/>
+            </a:pPr>
+            <a:r>
+              <a:rPr lang="en-US" sz="1400"/>
+              <a:t>Update sets</a:t>
+            </a:r>
+          </a:p>
+          <a:p>
+            <a:pPr marL="76200" indent="0">
+              <a:buNone/>
+            </a:pPr>
+            <a:r>
+              <a:rPr lang="en-US" sz="1200">
+                <a:latin typeface="Consolas" panose="020B0609020204030204" pitchFamily="49" charset="0"/>
+                <a:cs typeface="Courier New" panose="02070309020205020404" pitchFamily="49" charset="0"/>
+              </a:rPr>
+              <a:t>fruits</a:t>
+            </a:r>
+            <a:r>
+              <a:rPr lang="en-US" sz="1200">
+                <a:solidFill>
+                  <a:schemeClr val="accent1"/>
+                </a:solidFill>
+                <a:latin typeface="Consolas" panose="020B0609020204030204" pitchFamily="49" charset="0"/>
+                <a:cs typeface="Courier New" panose="02070309020205020404" pitchFamily="49" charset="0"/>
+              </a:rPr>
+              <a:t>.add(</a:t>
+            </a:r>
+            <a:r>
+              <a:rPr lang="en-US" sz="1200">
+                <a:latin typeface="Consolas" panose="020B0609020204030204" pitchFamily="49" charset="0"/>
+                <a:cs typeface="Courier New" panose="02070309020205020404" pitchFamily="49" charset="0"/>
+              </a:rPr>
+              <a:t>'orange'</a:t>
+            </a:r>
+            <a:r>
+              <a:rPr lang="en-US" sz="1200">
+                <a:solidFill>
+                  <a:schemeClr val="accent1"/>
+                </a:solidFill>
+                <a:latin typeface="Consolas" panose="020B0609020204030204" pitchFamily="49" charset="0"/>
+                <a:cs typeface="Courier New" panose="02070309020205020404" pitchFamily="49" charset="0"/>
+              </a:rPr>
+              <a:t>)</a:t>
+            </a:r>
+          </a:p>
+          <a:p>
+            <a:pPr marL="76200" indent="0">
+              <a:buNone/>
+            </a:pPr>
+            <a:r>
+              <a:rPr lang="en-US" sz="1200">
+                <a:latin typeface="Consolas" panose="020B0609020204030204" pitchFamily="49" charset="0"/>
+                <a:cs typeface="Courier New" panose="02070309020205020404" pitchFamily="49" charset="0"/>
+              </a:rPr>
+              <a:t>fruits.remove('banana')</a:t>
+            </a:r>
+          </a:p>
+          <a:p>
+            <a:pPr marL="76200" indent="0">
+              <a:buNone/>
+            </a:pPr>
+            <a:r>
+              <a:rPr lang="en-US" sz="1200">
+                <a:latin typeface="Consolas" panose="020B0609020204030204" pitchFamily="49" charset="0"/>
+                <a:cs typeface="Courier New" panose="02070309020205020404" pitchFamily="49" charset="0"/>
+              </a:rPr>
+              <a:t>fruits.pop()</a:t>
+            </a:r>
           </a:p>
         </p:txBody>
       </p:sp>
       <p:sp>
         <p:nvSpPr>
-          <p:cNvPr id="99" name="Google Shape;99;p15"/>
-          <p:cNvSpPr txBox="1">
+          <p:cNvPr id="4" name="Slide Number Placeholder 3">
+            <a:extLst>
+              <a:ext uri="{FF2B5EF4-FFF2-40B4-BE49-F238E27FC236}">
+                <a16:creationId xmlns:a16="http://schemas.microsoft.com/office/drawing/2014/main" id="{64987AE6-EC0E-43DD-9376-95A5602EE5E1}"/>
+              </a:ext>
+            </a:extLst>
+          </p:cNvPr>
+          <p:cNvSpPr>
             <a:spLocks noGrp="1"/>
           </p:cNvSpPr>
           <p:nvPr>
-            <p:ph type="sldNum" idx="4294967295"/>
+            <p:ph type="sldNum" idx="12"/>
           </p:nvPr>
         </p:nvSpPr>
-        <p:spPr>
-          <a:xfrm>
-            <a:off x="8404384" y="4749851"/>
-            <a:ext cx="548700" cy="393600"/>
-          </a:xfrm>
-          <a:prstGeom prst="rect">
-            <a:avLst/>
-          </a:prstGeom>
-        </p:spPr>
+        <p:spPr/>
         <p:txBody>
-          <a:bodyPr spcFirstLastPara="1" wrap="square" lIns="91425" tIns="91425" rIns="91425" bIns="91425" anchor="t" anchorCtr="0">
-            <a:noAutofit/>
-          </a:bodyPr>
+          <a:bodyPr/>
           <a:lstStyle/>
           <a:p>
             <a:pPr marL="0" lvl="0" indent="0" algn="r" rtl="0">
@@ -7193,17 +7742,17 @@
               <a:buNone/>
             </a:pPr>
             <a:fld id="{00000000-1234-1234-1234-123412341234}" type="slidenum">
-              <a:rPr lang="en"/>
+              <a:rPr lang="en" smtClean="0"/>
               <a:t>15</a:t>
             </a:fld>
-            <a:endParaRPr/>
+            <a:endParaRPr lang="en"/>
           </a:p>
         </p:txBody>
       </p:sp>
     </p:spTree>
     <p:extLst>
       <p:ext uri="{BB962C8B-B14F-4D97-AF65-F5344CB8AC3E}">
-        <p14:creationId xmlns:p14="http://schemas.microsoft.com/office/powerpoint/2010/main" val="1620004517"/>
+        <p14:creationId xmlns:p14="http://schemas.microsoft.com/office/powerpoint/2010/main" val="3501016697"/>
       </p:ext>
     </p:extLst>
   </p:cSld>
@@ -7252,12 +7801,12 @@
           <a:lstStyle/>
           <a:p>
             <a:r>
-              <a:rPr lang="en-US" err="1"/>
-              <a:t>Numpy</a:t>
-            </a:r>
-            <a:r>
               <a:rPr lang="en-US"/>
-              <a:t> Introduction</a:t>
+              <a:t>Python </a:t>
+            </a:r>
+            <a:r>
+              <a:rPr lang="en-US" sz="2400"/>
+              <a:t>Sets</a:t>
             </a:r>
             <a:endParaRPr lang="fa-IR"/>
           </a:p>
@@ -7289,15 +7838,177 @@
           <a:bodyPr/>
           <a:lstStyle/>
           <a:p>
-            <a:r>
-              <a:rPr lang="en-US" sz="1800"/>
-              <a:t>NumPy is a Python library used for working with arrays.</a:t>
-            </a:r>
-          </a:p>
-          <a:p>
-            <a:r>
-              <a:rPr lang="en-US" sz="1800"/>
-              <a:t>NumPy is short for "Numerical Python".</a:t>
+            <a:pPr marL="76200" indent="0">
+              <a:buNone/>
+            </a:pPr>
+            <a:r>
+              <a:rPr lang="en-US" sz="1400"/>
+              <a:t>Join Sets</a:t>
+            </a:r>
+          </a:p>
+          <a:p>
+            <a:pPr marL="76200" indent="0">
+              <a:buNone/>
+            </a:pPr>
+            <a:r>
+              <a:rPr lang="en-US" sz="1200">
+                <a:latin typeface="Consolas" panose="020B0609020204030204" pitchFamily="49" charset="0"/>
+                <a:cs typeface="Courier New" panose="02070309020205020404" pitchFamily="49" charset="0"/>
+              </a:rPr>
+              <a:t>students = {'Ali', 'Zahra', 'Bahram'}</a:t>
+            </a:r>
+          </a:p>
+          <a:p>
+            <a:pPr marL="76200" indent="0">
+              <a:buNone/>
+            </a:pPr>
+            <a:r>
+              <a:rPr lang="en-US" sz="1200">
+                <a:latin typeface="Consolas" panose="020B0609020204030204" pitchFamily="49" charset="0"/>
+                <a:cs typeface="Courier New" panose="02070309020205020404" pitchFamily="49" charset="0"/>
+              </a:rPr>
+              <a:t>workers = {'Zahra', 'Bahram', 'Nahid'}</a:t>
+            </a:r>
+          </a:p>
+          <a:p>
+            <a:pPr marL="76200" indent="0">
+              <a:buNone/>
+            </a:pPr>
+            <a:r>
+              <a:rPr lang="en-US" sz="1200">
+                <a:latin typeface="Consolas" panose="020B0609020204030204" pitchFamily="49" charset="0"/>
+                <a:cs typeface="Courier New" panose="02070309020205020404" pitchFamily="49" charset="0"/>
+              </a:rPr>
+              <a:t>allMembers = students</a:t>
+            </a:r>
+            <a:r>
+              <a:rPr lang="en-US" sz="1200">
+                <a:solidFill>
+                  <a:schemeClr val="accent1"/>
+                </a:solidFill>
+                <a:latin typeface="Consolas" panose="020B0609020204030204" pitchFamily="49" charset="0"/>
+                <a:cs typeface="Courier New" panose="02070309020205020404" pitchFamily="49" charset="0"/>
+              </a:rPr>
+              <a:t>.union(</a:t>
+            </a:r>
+            <a:r>
+              <a:rPr lang="en-US" sz="1200">
+                <a:latin typeface="Consolas" panose="020B0609020204030204" pitchFamily="49" charset="0"/>
+                <a:cs typeface="Courier New" panose="02070309020205020404" pitchFamily="49" charset="0"/>
+              </a:rPr>
+              <a:t>workers</a:t>
+            </a:r>
+            <a:r>
+              <a:rPr lang="en-US" sz="1200">
+                <a:solidFill>
+                  <a:schemeClr val="accent1"/>
+                </a:solidFill>
+                <a:latin typeface="Consolas" panose="020B0609020204030204" pitchFamily="49" charset="0"/>
+                <a:cs typeface="Courier New" panose="02070309020205020404" pitchFamily="49" charset="0"/>
+              </a:rPr>
+              <a:t>)</a:t>
+            </a:r>
+          </a:p>
+          <a:p>
+            <a:pPr marL="76200" indent="0">
+              <a:buNone/>
+            </a:pPr>
+            <a:r>
+              <a:rPr lang="en-US" sz="1200">
+                <a:latin typeface="Consolas" panose="020B0609020204030204" pitchFamily="49" charset="0"/>
+                <a:cs typeface="Courier New" panose="02070309020205020404" pitchFamily="49" charset="0"/>
+              </a:rPr>
+              <a:t>wortudents = students</a:t>
+            </a:r>
+            <a:r>
+              <a:rPr lang="en-US" sz="1200">
+                <a:solidFill>
+                  <a:schemeClr val="accent1"/>
+                </a:solidFill>
+                <a:latin typeface="Consolas" panose="020B0609020204030204" pitchFamily="49" charset="0"/>
+                <a:cs typeface="Courier New" panose="02070309020205020404" pitchFamily="49" charset="0"/>
+              </a:rPr>
+              <a:t>.intersection(</a:t>
+            </a:r>
+            <a:r>
+              <a:rPr lang="en-US" sz="1200">
+                <a:latin typeface="Consolas" panose="020B0609020204030204" pitchFamily="49" charset="0"/>
+                <a:cs typeface="Courier New" panose="02070309020205020404" pitchFamily="49" charset="0"/>
+              </a:rPr>
+              <a:t>workers</a:t>
+            </a:r>
+            <a:r>
+              <a:rPr lang="en-US" sz="1200">
+                <a:solidFill>
+                  <a:schemeClr val="accent1"/>
+                </a:solidFill>
+                <a:latin typeface="Consolas" panose="020B0609020204030204" pitchFamily="49" charset="0"/>
+                <a:cs typeface="Courier New" panose="02070309020205020404" pitchFamily="49" charset="0"/>
+              </a:rPr>
+              <a:t>)</a:t>
+            </a:r>
+          </a:p>
+          <a:p>
+            <a:pPr marL="76200" indent="0">
+              <a:buNone/>
+            </a:pPr>
+            <a:r>
+              <a:rPr lang="en-US" sz="1200">
+                <a:latin typeface="Consolas" panose="020B0609020204030204" pitchFamily="49" charset="0"/>
+                <a:cs typeface="Courier New" panose="02070309020205020404" pitchFamily="49" charset="0"/>
+              </a:rPr>
+              <a:t>notWortudents = students</a:t>
+            </a:r>
+            <a:r>
+              <a:rPr lang="en-US" sz="1200">
+                <a:solidFill>
+                  <a:schemeClr val="accent1"/>
+                </a:solidFill>
+                <a:latin typeface="Consolas" panose="020B0609020204030204" pitchFamily="49" charset="0"/>
+                <a:cs typeface="Courier New" panose="02070309020205020404" pitchFamily="49" charset="0"/>
+              </a:rPr>
+              <a:t>.symmetric_difference(</a:t>
+            </a:r>
+            <a:r>
+              <a:rPr lang="en-US" sz="1200">
+                <a:latin typeface="Consolas" panose="020B0609020204030204" pitchFamily="49" charset="0"/>
+                <a:cs typeface="Courier New" panose="02070309020205020404" pitchFamily="49" charset="0"/>
+              </a:rPr>
+              <a:t>workers</a:t>
+            </a:r>
+            <a:r>
+              <a:rPr lang="en-US" sz="1200">
+                <a:solidFill>
+                  <a:schemeClr val="accent1"/>
+                </a:solidFill>
+                <a:latin typeface="Consolas" panose="020B0609020204030204" pitchFamily="49" charset="0"/>
+                <a:cs typeface="Courier New" panose="02070309020205020404" pitchFamily="49" charset="0"/>
+              </a:rPr>
+              <a:t>)</a:t>
+            </a:r>
+          </a:p>
+          <a:p>
+            <a:pPr marL="76200" indent="0">
+              <a:buNone/>
+            </a:pPr>
+            <a:r>
+              <a:rPr lang="en-US" sz="1200">
+                <a:latin typeface="Consolas" panose="020B0609020204030204" pitchFamily="49" charset="0"/>
+                <a:cs typeface="Courier New" panose="02070309020205020404" pitchFamily="49" charset="0"/>
+              </a:rPr>
+              <a:t>nonworkingStudents = students - workers</a:t>
+            </a:r>
+          </a:p>
+          <a:p>
+            <a:pPr marL="76200" indent="0">
+              <a:buNone/>
+            </a:pPr>
+            <a:r>
+              <a:rPr lang="en-US" sz="1200">
+                <a:latin typeface="Consolas" panose="020B0609020204030204" pitchFamily="49" charset="0"/>
+                <a:cs typeface="Courier New" panose="02070309020205020404" pitchFamily="49" charset="0"/>
+              </a:rPr>
+              <a:t>nonstudentWorkers = workers - students</a:t>
             </a:r>
           </a:p>
         </p:txBody>
@@ -7343,7 +8054,7 @@
     </p:spTree>
     <p:extLst>
       <p:ext uri="{BB962C8B-B14F-4D97-AF65-F5344CB8AC3E}">
-        <p14:creationId xmlns:p14="http://schemas.microsoft.com/office/powerpoint/2010/main" val="4156460407"/>
+        <p14:creationId xmlns:p14="http://schemas.microsoft.com/office/powerpoint/2010/main" val="428133587"/>
       </p:ext>
     </p:extLst>
   </p:cSld>
@@ -7410,7 +8121,7 @@
                   <a:srgbClr val="E6E6E6"/>
                 </a:solidFill>
               </a:rPr>
-              <a:t>3</a:t>
+              <a:t>2</a:t>
             </a:r>
             <a:endParaRPr sz="6000">
               <a:solidFill>
@@ -7430,7 +8141,7 @@
             </a:pPr>
             <a:r>
               <a:rPr lang="en"/>
-              <a:t>Pandas</a:t>
+              <a:t>NumPy</a:t>
             </a:r>
             <a:endParaRPr/>
           </a:p>
@@ -7481,7 +8192,7 @@
     </p:spTree>
     <p:extLst>
       <p:ext uri="{BB962C8B-B14F-4D97-AF65-F5344CB8AC3E}">
-        <p14:creationId xmlns:p14="http://schemas.microsoft.com/office/powerpoint/2010/main" val="2729265455"/>
+        <p14:creationId xmlns:p14="http://schemas.microsoft.com/office/powerpoint/2010/main" val="1620004517"/>
       </p:ext>
     </p:extLst>
   </p:cSld>
@@ -7496,7 +8207,7 @@
   <p:cSld>
     <p:spTree>
       <p:nvGrpSpPr>
-        <p:cNvPr id="1" name="Shape 96"/>
+        <p:cNvPr id="1" name=""/>
         <p:cNvGrpSpPr/>
         <p:nvPr/>
       </p:nvGrpSpPr>
@@ -7510,93 +8221,95 @@
       </p:grpSpPr>
       <p:sp>
         <p:nvSpPr>
-          <p:cNvPr id="97" name="Google Shape;97;p15"/>
-          <p:cNvSpPr txBox="1">
+          <p:cNvPr id="2" name="Title 1">
+            <a:extLst>
+              <a:ext uri="{FF2B5EF4-FFF2-40B4-BE49-F238E27FC236}">
+                <a16:creationId xmlns:a16="http://schemas.microsoft.com/office/drawing/2014/main" id="{024AD384-5AD1-4435-A943-1241B2FACD62}"/>
+              </a:ext>
+            </a:extLst>
+          </p:cNvPr>
+          <p:cNvSpPr>
             <a:spLocks noGrp="1"/>
           </p:cNvSpPr>
           <p:nvPr>
-            <p:ph type="ctrTitle"/>
+            <p:ph type="title"/>
+          </p:nvPr>
+        </p:nvSpPr>
+        <p:spPr/>
+        <p:txBody>
+          <a:bodyPr/>
+          <a:lstStyle/>
+          <a:p>
+            <a:r>
+              <a:rPr lang="en-US" err="1"/>
+              <a:t>Numpy</a:t>
+            </a:r>
+            <a:r>
+              <a:rPr lang="en-US"/>
+              <a:t> Introduction</a:t>
+            </a:r>
+            <a:endParaRPr lang="fa-IR"/>
+          </a:p>
+        </p:txBody>
+      </p:sp>
+      <p:sp>
+        <p:nvSpPr>
+          <p:cNvPr id="3" name="Text Placeholder 2">
+            <a:extLst>
+              <a:ext uri="{FF2B5EF4-FFF2-40B4-BE49-F238E27FC236}">
+                <a16:creationId xmlns:a16="http://schemas.microsoft.com/office/drawing/2014/main" id="{58BE3078-8B89-4550-B497-93E4DADBD57E}"/>
+              </a:ext>
+            </a:extLst>
+          </p:cNvPr>
+          <p:cNvSpPr>
+            <a:spLocks noGrp="1"/>
+          </p:cNvSpPr>
+          <p:nvPr>
+            <p:ph type="body" idx="1"/>
           </p:nvPr>
         </p:nvSpPr>
         <p:spPr>
           <a:xfrm>
-            <a:off x="1655700" y="1991850"/>
-            <a:ext cx="5832600" cy="1159800"/>
+            <a:off x="786150" y="1142608"/>
+            <a:ext cx="7571700" cy="3626431"/>
           </a:xfrm>
-          <a:prstGeom prst="rect">
-            <a:avLst/>
-          </a:prstGeom>
         </p:spPr>
         <p:txBody>
-          <a:bodyPr spcFirstLastPara="1" wrap="square" lIns="91425" tIns="91425" rIns="91425" bIns="91425" anchor="ctr" anchorCtr="0">
-            <a:noAutofit/>
-          </a:bodyPr>
+          <a:bodyPr/>
           <a:lstStyle/>
           <a:p>
-            <a:pPr marL="0" lvl="0" indent="0" algn="ctr" rtl="0">
-              <a:spcBef>
-                <a:spcPts val="0"/>
-              </a:spcBef>
-              <a:spcAft>
-                <a:spcPts val="0"/>
-              </a:spcAft>
-              <a:buNone/>
-            </a:pPr>
-            <a:r>
-              <a:rPr lang="en-US" sz="6000">
-                <a:solidFill>
-                  <a:srgbClr val="E6E6E6"/>
-                </a:solidFill>
-              </a:rPr>
-              <a:t>4</a:t>
-            </a:r>
-            <a:endParaRPr sz="6000">
-              <a:solidFill>
-                <a:srgbClr val="E6E6E6"/>
-              </a:solidFill>
-            </a:endParaRPr>
-          </a:p>
-          <a:p>
-            <a:pPr marL="0" lvl="0" indent="0" algn="ctr" rtl="0">
-              <a:spcBef>
-                <a:spcPts val="0"/>
-              </a:spcBef>
-              <a:spcAft>
-                <a:spcPts val="0"/>
-              </a:spcAft>
-              <a:buNone/>
-            </a:pPr>
-            <a:r>
-              <a:rPr lang="en"/>
-              <a:t>Matplotlib</a:t>
-            </a:r>
-            <a:endParaRPr/>
+            <a:r>
+              <a:rPr lang="en-US" sz="1800"/>
+              <a:t>NumPy is a Python library used for working with arrays.</a:t>
+            </a:r>
+          </a:p>
+          <a:p>
+            <a:r>
+              <a:rPr lang="en-US" sz="1800"/>
+              <a:t>NumPy is short for "Numerical Python".</a:t>
+            </a:r>
           </a:p>
         </p:txBody>
       </p:sp>
       <p:sp>
         <p:nvSpPr>
-          <p:cNvPr id="99" name="Google Shape;99;p15"/>
-          <p:cNvSpPr txBox="1">
+          <p:cNvPr id="4" name="Slide Number Placeholder 3">
+            <a:extLst>
+              <a:ext uri="{FF2B5EF4-FFF2-40B4-BE49-F238E27FC236}">
+                <a16:creationId xmlns:a16="http://schemas.microsoft.com/office/drawing/2014/main" id="{64987AE6-EC0E-43DD-9376-95A5602EE5E1}"/>
+              </a:ext>
+            </a:extLst>
+          </p:cNvPr>
+          <p:cNvSpPr>
             <a:spLocks noGrp="1"/>
           </p:cNvSpPr>
           <p:nvPr>
-            <p:ph type="sldNum" idx="4294967295"/>
+            <p:ph type="sldNum" idx="12"/>
           </p:nvPr>
         </p:nvSpPr>
-        <p:spPr>
-          <a:xfrm>
-            <a:off x="8404384" y="4749851"/>
-            <a:ext cx="548700" cy="393600"/>
-          </a:xfrm>
-          <a:prstGeom prst="rect">
-            <a:avLst/>
-          </a:prstGeom>
-        </p:spPr>
+        <p:spPr/>
         <p:txBody>
-          <a:bodyPr spcFirstLastPara="1" wrap="square" lIns="91425" tIns="91425" rIns="91425" bIns="91425" anchor="t" anchorCtr="0">
-            <a:noAutofit/>
-          </a:bodyPr>
+          <a:bodyPr/>
           <a:lstStyle/>
           <a:p>
             <a:pPr marL="0" lvl="0" indent="0" algn="r" rtl="0">
@@ -7609,17 +8322,17 @@
               <a:buNone/>
             </a:pPr>
             <a:fld id="{00000000-1234-1234-1234-123412341234}" type="slidenum">
-              <a:rPr lang="en"/>
+              <a:rPr lang="en" smtClean="0"/>
               <a:t>18</a:t>
             </a:fld>
-            <a:endParaRPr/>
+            <a:endParaRPr lang="en"/>
           </a:p>
         </p:txBody>
       </p:sp>
     </p:spTree>
     <p:extLst>
       <p:ext uri="{BB962C8B-B14F-4D97-AF65-F5344CB8AC3E}">
-        <p14:creationId xmlns:p14="http://schemas.microsoft.com/office/powerpoint/2010/main" val="2458102878"/>
+        <p14:creationId xmlns:p14="http://schemas.microsoft.com/office/powerpoint/2010/main" val="4156460407"/>
       </p:ext>
     </p:extLst>
   </p:cSld>
@@ -7686,7 +8399,7 @@
                   <a:srgbClr val="E6E6E6"/>
                 </a:solidFill>
               </a:rPr>
-              <a:t>5</a:t>
+              <a:t>3</a:t>
             </a:r>
             <a:endParaRPr sz="6000">
               <a:solidFill>
@@ -7695,13 +8408,18 @@
             </a:endParaRPr>
           </a:p>
           <a:p>
-            <a:r>
-              <a:rPr lang="en-US"/>
-              <a:t>S</a:t>
-            </a:r>
-            <a:r>
-              <a:rPr lang="en-US" b="1"/>
-              <a:t>cikit-learn</a:t>
+            <a:pPr marL="0" lvl="0" indent="0" algn="ctr" rtl="0">
+              <a:spcBef>
+                <a:spcPts val="0"/>
+              </a:spcBef>
+              <a:spcAft>
+                <a:spcPts val="0"/>
+              </a:spcAft>
+              <a:buNone/>
+            </a:pPr>
+            <a:r>
+              <a:rPr lang="en"/>
+              <a:t>Pandas</a:t>
             </a:r>
             <a:endParaRPr/>
           </a:p>
@@ -7752,7 +8470,7 @@
     </p:spTree>
     <p:extLst>
       <p:ext uri="{BB962C8B-B14F-4D97-AF65-F5344CB8AC3E}">
-        <p14:creationId xmlns:p14="http://schemas.microsoft.com/office/powerpoint/2010/main" val="3753200419"/>
+        <p14:creationId xmlns:p14="http://schemas.microsoft.com/office/powerpoint/2010/main" val="2729265455"/>
       </p:ext>
     </p:extLst>
   </p:cSld>
@@ -7952,7 +8670,7 @@
                   <a:srgbClr val="E6E6E6"/>
                 </a:solidFill>
               </a:rPr>
-              <a:t>6</a:t>
+              <a:t>4</a:t>
             </a:r>
             <a:endParaRPr sz="6000">
               <a:solidFill>
@@ -7961,11 +8679,18 @@
             </a:endParaRPr>
           </a:p>
           <a:p>
-            <a:r>
-              <a:rPr lang="en-US">
-                <a:effectLst/>
-              </a:rPr>
-              <a:t>Web Scraping</a:t>
+            <a:pPr marL="0" lvl="0" indent="0" algn="ctr" rtl="0">
+              <a:spcBef>
+                <a:spcPts val="0"/>
+              </a:spcBef>
+              <a:spcAft>
+                <a:spcPts val="0"/>
+              </a:spcAft>
+              <a:buNone/>
+            </a:pPr>
+            <a:r>
+              <a:rPr lang="en"/>
+              <a:t>Matplotlib</a:t>
             </a:r>
             <a:endParaRPr/>
           </a:p>
@@ -8016,6 +8741,270 @@
     </p:spTree>
     <p:extLst>
       <p:ext uri="{BB962C8B-B14F-4D97-AF65-F5344CB8AC3E}">
+        <p14:creationId xmlns:p14="http://schemas.microsoft.com/office/powerpoint/2010/main" val="2458102878"/>
+      </p:ext>
+    </p:extLst>
+  </p:cSld>
+  <p:clrMapOvr>
+    <a:masterClrMapping/>
+  </p:clrMapOvr>
+</p:sld>
+</file>
+
+<file path=ppt/slides/slide21.xml><?xml version="1.0" encoding="utf-8"?>
+<p:sld xmlns:a="http://schemas.openxmlformats.org/drawingml/2006/main" xmlns:r="http://schemas.openxmlformats.org/officeDocument/2006/relationships" xmlns:p="http://schemas.openxmlformats.org/presentationml/2006/main">
+  <p:cSld>
+    <p:spTree>
+      <p:nvGrpSpPr>
+        <p:cNvPr id="1" name="Shape 96"/>
+        <p:cNvGrpSpPr/>
+        <p:nvPr/>
+      </p:nvGrpSpPr>
+      <p:grpSpPr>
+        <a:xfrm>
+          <a:off x="0" y="0"/>
+          <a:ext cx="0" cy="0"/>
+          <a:chOff x="0" y="0"/>
+          <a:chExt cx="0" cy="0"/>
+        </a:xfrm>
+      </p:grpSpPr>
+      <p:sp>
+        <p:nvSpPr>
+          <p:cNvPr id="97" name="Google Shape;97;p15"/>
+          <p:cNvSpPr txBox="1">
+            <a:spLocks noGrp="1"/>
+          </p:cNvSpPr>
+          <p:nvPr>
+            <p:ph type="ctrTitle"/>
+          </p:nvPr>
+        </p:nvSpPr>
+        <p:spPr>
+          <a:xfrm>
+            <a:off x="1655700" y="1991850"/>
+            <a:ext cx="5832600" cy="1159800"/>
+          </a:xfrm>
+          <a:prstGeom prst="rect">
+            <a:avLst/>
+          </a:prstGeom>
+        </p:spPr>
+        <p:txBody>
+          <a:bodyPr spcFirstLastPara="1" wrap="square" lIns="91425" tIns="91425" rIns="91425" bIns="91425" anchor="ctr" anchorCtr="0">
+            <a:noAutofit/>
+          </a:bodyPr>
+          <a:lstStyle/>
+          <a:p>
+            <a:pPr marL="0" lvl="0" indent="0" algn="ctr" rtl="0">
+              <a:spcBef>
+                <a:spcPts val="0"/>
+              </a:spcBef>
+              <a:spcAft>
+                <a:spcPts val="0"/>
+              </a:spcAft>
+              <a:buNone/>
+            </a:pPr>
+            <a:r>
+              <a:rPr lang="en-US" sz="6000">
+                <a:solidFill>
+                  <a:srgbClr val="E6E6E6"/>
+                </a:solidFill>
+              </a:rPr>
+              <a:t>5</a:t>
+            </a:r>
+            <a:endParaRPr sz="6000">
+              <a:solidFill>
+                <a:srgbClr val="E6E6E6"/>
+              </a:solidFill>
+            </a:endParaRPr>
+          </a:p>
+          <a:p>
+            <a:r>
+              <a:rPr lang="en-US"/>
+              <a:t>S</a:t>
+            </a:r>
+            <a:r>
+              <a:rPr lang="en-US" b="1"/>
+              <a:t>cikit-learn</a:t>
+            </a:r>
+            <a:endParaRPr/>
+          </a:p>
+        </p:txBody>
+      </p:sp>
+      <p:sp>
+        <p:nvSpPr>
+          <p:cNvPr id="99" name="Google Shape;99;p15"/>
+          <p:cNvSpPr txBox="1">
+            <a:spLocks noGrp="1"/>
+          </p:cNvSpPr>
+          <p:nvPr>
+            <p:ph type="sldNum" idx="4294967295"/>
+          </p:nvPr>
+        </p:nvSpPr>
+        <p:spPr>
+          <a:xfrm>
+            <a:off x="8404384" y="4749851"/>
+            <a:ext cx="548700" cy="393600"/>
+          </a:xfrm>
+          <a:prstGeom prst="rect">
+            <a:avLst/>
+          </a:prstGeom>
+        </p:spPr>
+        <p:txBody>
+          <a:bodyPr spcFirstLastPara="1" wrap="square" lIns="91425" tIns="91425" rIns="91425" bIns="91425" anchor="t" anchorCtr="0">
+            <a:noAutofit/>
+          </a:bodyPr>
+          <a:lstStyle/>
+          <a:p>
+            <a:pPr marL="0" lvl="0" indent="0" algn="r" rtl="0">
+              <a:spcBef>
+                <a:spcPts val="0"/>
+              </a:spcBef>
+              <a:spcAft>
+                <a:spcPts val="0"/>
+              </a:spcAft>
+              <a:buNone/>
+            </a:pPr>
+            <a:fld id="{00000000-1234-1234-1234-123412341234}" type="slidenum">
+              <a:rPr lang="en"/>
+              <a:t>21</a:t>
+            </a:fld>
+            <a:endParaRPr/>
+          </a:p>
+        </p:txBody>
+      </p:sp>
+    </p:spTree>
+    <p:extLst>
+      <p:ext uri="{BB962C8B-B14F-4D97-AF65-F5344CB8AC3E}">
+        <p14:creationId xmlns:p14="http://schemas.microsoft.com/office/powerpoint/2010/main" val="3753200419"/>
+      </p:ext>
+    </p:extLst>
+  </p:cSld>
+  <p:clrMapOvr>
+    <a:masterClrMapping/>
+  </p:clrMapOvr>
+</p:sld>
+</file>
+
+<file path=ppt/slides/slide22.xml><?xml version="1.0" encoding="utf-8"?>
+<p:sld xmlns:a="http://schemas.openxmlformats.org/drawingml/2006/main" xmlns:r="http://schemas.openxmlformats.org/officeDocument/2006/relationships" xmlns:p="http://schemas.openxmlformats.org/presentationml/2006/main">
+  <p:cSld>
+    <p:spTree>
+      <p:nvGrpSpPr>
+        <p:cNvPr id="1" name="Shape 96"/>
+        <p:cNvGrpSpPr/>
+        <p:nvPr/>
+      </p:nvGrpSpPr>
+      <p:grpSpPr>
+        <a:xfrm>
+          <a:off x="0" y="0"/>
+          <a:ext cx="0" cy="0"/>
+          <a:chOff x="0" y="0"/>
+          <a:chExt cx="0" cy="0"/>
+        </a:xfrm>
+      </p:grpSpPr>
+      <p:sp>
+        <p:nvSpPr>
+          <p:cNvPr id="97" name="Google Shape;97;p15"/>
+          <p:cNvSpPr txBox="1">
+            <a:spLocks noGrp="1"/>
+          </p:cNvSpPr>
+          <p:nvPr>
+            <p:ph type="ctrTitle"/>
+          </p:nvPr>
+        </p:nvSpPr>
+        <p:spPr>
+          <a:xfrm>
+            <a:off x="1655700" y="1991850"/>
+            <a:ext cx="5832600" cy="1159800"/>
+          </a:xfrm>
+          <a:prstGeom prst="rect">
+            <a:avLst/>
+          </a:prstGeom>
+        </p:spPr>
+        <p:txBody>
+          <a:bodyPr spcFirstLastPara="1" wrap="square" lIns="91425" tIns="91425" rIns="91425" bIns="91425" anchor="ctr" anchorCtr="0">
+            <a:noAutofit/>
+          </a:bodyPr>
+          <a:lstStyle/>
+          <a:p>
+            <a:pPr marL="0" lvl="0" indent="0" algn="ctr" rtl="0">
+              <a:spcBef>
+                <a:spcPts val="0"/>
+              </a:spcBef>
+              <a:spcAft>
+                <a:spcPts val="0"/>
+              </a:spcAft>
+              <a:buNone/>
+            </a:pPr>
+            <a:r>
+              <a:rPr lang="en-US" sz="6000">
+                <a:solidFill>
+                  <a:srgbClr val="E6E6E6"/>
+                </a:solidFill>
+              </a:rPr>
+              <a:t>6</a:t>
+            </a:r>
+            <a:endParaRPr sz="6000">
+              <a:solidFill>
+                <a:srgbClr val="E6E6E6"/>
+              </a:solidFill>
+            </a:endParaRPr>
+          </a:p>
+          <a:p>
+            <a:r>
+              <a:rPr lang="en-US">
+                <a:effectLst/>
+              </a:rPr>
+              <a:t>Web Scraping</a:t>
+            </a:r>
+            <a:endParaRPr/>
+          </a:p>
+        </p:txBody>
+      </p:sp>
+      <p:sp>
+        <p:nvSpPr>
+          <p:cNvPr id="99" name="Google Shape;99;p15"/>
+          <p:cNvSpPr txBox="1">
+            <a:spLocks noGrp="1"/>
+          </p:cNvSpPr>
+          <p:nvPr>
+            <p:ph type="sldNum" idx="4294967295"/>
+          </p:nvPr>
+        </p:nvSpPr>
+        <p:spPr>
+          <a:xfrm>
+            <a:off x="8404384" y="4749851"/>
+            <a:ext cx="548700" cy="393600"/>
+          </a:xfrm>
+          <a:prstGeom prst="rect">
+            <a:avLst/>
+          </a:prstGeom>
+        </p:spPr>
+        <p:txBody>
+          <a:bodyPr spcFirstLastPara="1" wrap="square" lIns="91425" tIns="91425" rIns="91425" bIns="91425" anchor="t" anchorCtr="0">
+            <a:noAutofit/>
+          </a:bodyPr>
+          <a:lstStyle/>
+          <a:p>
+            <a:pPr marL="0" lvl="0" indent="0" algn="r" rtl="0">
+              <a:spcBef>
+                <a:spcPts val="0"/>
+              </a:spcBef>
+              <a:spcAft>
+                <a:spcPts val="0"/>
+              </a:spcAft>
+              <a:buNone/>
+            </a:pPr>
+            <a:fld id="{00000000-1234-1234-1234-123412341234}" type="slidenum">
+              <a:rPr lang="en"/>
+              <a:t>22</a:t>
+            </a:fld>
+            <a:endParaRPr/>
+          </a:p>
+        </p:txBody>
+      </p:sp>
+    </p:spTree>
+    <p:extLst>
+      <p:ext uri="{BB962C8B-B14F-4D97-AF65-F5344CB8AC3E}">
         <p14:creationId xmlns:p14="http://schemas.microsoft.com/office/powerpoint/2010/main" val="3538335587"/>
       </p:ext>
     </p:extLst>
@@ -8026,7 +9015,7 @@
 </p:sld>
 </file>
 
-<file path=ppt/slides/slide21.xml><?xml version="1.0" encoding="utf-8"?>
+<file path=ppt/slides/slide23.xml><?xml version="1.0" encoding="utf-8"?>
 <p:sld xmlns:a="http://schemas.openxmlformats.org/drawingml/2006/main" xmlns:r="http://schemas.openxmlformats.org/officeDocument/2006/relationships" xmlns:p="http://schemas.openxmlformats.org/presentationml/2006/main">
   <p:cSld>
     <p:spTree>
@@ -8255,7 +9244,7 @@
             </a:pPr>
             <a:fld id="{00000000-1234-1234-1234-123412341234}" type="slidenum">
               <a:rPr lang="en"/>
-              <a:t>21</a:t>
+              <a:t>23</a:t>
             </a:fld>
             <a:endParaRPr/>
           </a:p>
@@ -8269,7 +9258,7 @@
 </p:sld>
 </file>
 
-<file path=ppt/slides/slide22.xml><?xml version="1.0" encoding="utf-8"?>
+<file path=ppt/slides/slide24.xml><?xml version="1.0" encoding="utf-8"?>
 <p:sld xmlns:a="http://schemas.openxmlformats.org/drawingml/2006/main" xmlns:r="http://schemas.openxmlformats.org/officeDocument/2006/relationships" xmlns:p="http://schemas.openxmlformats.org/presentationml/2006/main">
   <p:cSld>
     <p:spTree>
@@ -8406,7 +9395,7 @@
             </a:pPr>
             <a:fld id="{00000000-1234-1234-1234-123412341234}" type="slidenum">
               <a:rPr lang="en"/>
-              <a:t>22</a:t>
+              <a:t>24</a:t>
             </a:fld>
             <a:endParaRPr/>
           </a:p>

--- a/Python.pptx
+++ b/Python.pptx
@@ -5,10 +5,10 @@
     <p:sldMasterId id="2147483658" r:id="rId1"/>
   </p:sldMasterIdLst>
   <p:notesMasterIdLst>
-    <p:notesMasterId r:id="rId26"/>
+    <p:notesMasterId r:id="rId31"/>
   </p:notesMasterIdLst>
   <p:handoutMasterIdLst>
-    <p:handoutMasterId r:id="rId27"/>
+    <p:handoutMasterId r:id="rId32"/>
   </p:handoutMasterIdLst>
   <p:sldIdLst>
     <p:sldId id="256" r:id="rId2"/>
@@ -27,43 +27,48 @@
     <p:sldId id="299" r:id="rId15"/>
     <p:sldId id="300" r:id="rId16"/>
     <p:sldId id="301" r:id="rId17"/>
-    <p:sldId id="281" r:id="rId18"/>
-    <p:sldId id="289" r:id="rId19"/>
-    <p:sldId id="282" r:id="rId20"/>
-    <p:sldId id="283" r:id="rId21"/>
-    <p:sldId id="286" r:id="rId22"/>
-    <p:sldId id="287" r:id="rId23"/>
-    <p:sldId id="280" r:id="rId24"/>
-    <p:sldId id="271" r:id="rId25"/>
+    <p:sldId id="302" r:id="rId18"/>
+    <p:sldId id="303" r:id="rId19"/>
+    <p:sldId id="304" r:id="rId20"/>
+    <p:sldId id="305" r:id="rId21"/>
+    <p:sldId id="306" r:id="rId22"/>
+    <p:sldId id="281" r:id="rId23"/>
+    <p:sldId id="289" r:id="rId24"/>
+    <p:sldId id="282" r:id="rId25"/>
+    <p:sldId id="283" r:id="rId26"/>
+    <p:sldId id="286" r:id="rId27"/>
+    <p:sldId id="287" r:id="rId28"/>
+    <p:sldId id="280" r:id="rId29"/>
+    <p:sldId id="271" r:id="rId30"/>
   </p:sldIdLst>
   <p:sldSz cx="9144000" cy="5143500" type="screen16x9"/>
   <p:notesSz cx="6858000" cy="9144000"/>
   <p:embeddedFontLst>
     <p:embeddedFont>
       <p:font typeface="Consolas" panose="020B0609020204030204" pitchFamily="49" charset="0"/>
-      <p:regular r:id="rId28"/>
-      <p:bold r:id="rId29"/>
-      <p:italic r:id="rId30"/>
-      <p:boldItalic r:id="rId31"/>
+      <p:regular r:id="rId33"/>
+      <p:bold r:id="rId34"/>
+      <p:italic r:id="rId35"/>
+      <p:boldItalic r:id="rId36"/>
     </p:embeddedFont>
     <p:embeddedFont>
       <p:font typeface="Roboto Slab" panose="020B0604020202020204" charset="0"/>
-      <p:regular r:id="rId32"/>
-      <p:bold r:id="rId33"/>
+      <p:regular r:id="rId37"/>
+      <p:bold r:id="rId38"/>
     </p:embeddedFont>
     <p:embeddedFont>
       <p:font typeface="Source Sans Pro" panose="020B0503030403020204" pitchFamily="34" charset="0"/>
-      <p:regular r:id="rId34"/>
-      <p:bold r:id="rId35"/>
-      <p:italic r:id="rId36"/>
-      <p:boldItalic r:id="rId37"/>
+      <p:regular r:id="rId39"/>
+      <p:bold r:id="rId40"/>
+      <p:italic r:id="rId41"/>
+      <p:boldItalic r:id="rId42"/>
     </p:embeddedFont>
     <p:embeddedFont>
       <p:font typeface="Trebuchet MS" panose="020B0603020202020204" pitchFamily="34" charset="0"/>
-      <p:regular r:id="rId38"/>
-      <p:bold r:id="rId39"/>
-      <p:italic r:id="rId40"/>
-      <p:boldItalic r:id="rId41"/>
+      <p:regular r:id="rId43"/>
+      <p:bold r:id="rId44"/>
+      <p:italic r:id="rId45"/>
+      <p:boldItalic r:id="rId46"/>
     </p:embeddedFont>
   </p:embeddedFontLst>
   <p:defaultTextStyle>
@@ -5746,12 +5751,17 @@
               </a:rPr>
               <a:t>True</a:t>
             </a:r>
-            <a:r>
-              <a:rPr lang="en-US" sz="1200">
-                <a:latin typeface="Consolas" panose="020B0609020204030204" pitchFamily="49" charset="0"/>
-                <a:cs typeface="Courier New" panose="02070309020205020404" pitchFamily="49" charset="0"/>
-              </a:rPr>
-              <a:t>, </a:t>
+          </a:p>
+          <a:p>
+            <a:pPr marL="76200" indent="0">
+              <a:buNone/>
+            </a:pPr>
+            <a:r>
+              <a:rPr lang="en-US" sz="1200">
+                <a:latin typeface="Consolas" panose="020B0609020204030204" pitchFamily="49" charset="0"/>
+                <a:cs typeface="Courier New" panose="02070309020205020404" pitchFamily="49" charset="0"/>
+              </a:rPr>
+              <a:t>b = </a:t>
             </a:r>
             <a:r>
               <a:rPr lang="en-US" sz="1200">
@@ -6360,7 +6370,7 @@
                 <a:latin typeface="Consolas" panose="020B0609020204030204" pitchFamily="49" charset="0"/>
                 <a:cs typeface="Courier New" panose="02070309020205020404" pitchFamily="49" charset="0"/>
               </a:rPr>
-              <a:t> green'</a:t>
+              <a:t> 'green'</a:t>
             </a:r>
             <a:r>
               <a:rPr lang="en-US" sz="1200">
@@ -7588,8 +7598,40 @@
               <a:buNone/>
             </a:pPr>
             <a:r>
+              <a:rPr lang="en-US" sz="1400">
+                <a:solidFill>
+                  <a:schemeClr val="accent1"/>
+                </a:solidFill>
+              </a:rPr>
+              <a:t>Un</a:t>
+            </a:r>
+            <a:r>
               <a:rPr lang="en-US" sz="1400"/>
-              <a:t>Unordered, unchangeable, and no duplicate values</a:t>
+              <a:t>ordered, </a:t>
+            </a:r>
+            <a:r>
+              <a:rPr lang="en-US" sz="1400">
+                <a:solidFill>
+                  <a:schemeClr val="accent1"/>
+                </a:solidFill>
+              </a:rPr>
+              <a:t>un</a:t>
+            </a:r>
+            <a:r>
+              <a:rPr lang="en-US" sz="1400"/>
+              <a:t>changeable, and </a:t>
+            </a:r>
+            <a:r>
+              <a:rPr lang="en-US" sz="1400">
+                <a:solidFill>
+                  <a:schemeClr val="accent1"/>
+                </a:solidFill>
+              </a:rPr>
+              <a:t>no</a:t>
+            </a:r>
+            <a:r>
+              <a:rPr lang="en-US" sz="1400"/>
+              <a:t> duplicate values</a:t>
             </a:r>
           </a:p>
           <a:p>
@@ -8069,7 +8111,7 @@
   <p:cSld>
     <p:spTree>
       <p:nvGrpSpPr>
-        <p:cNvPr id="1" name="Shape 96"/>
+        <p:cNvPr id="1" name=""/>
         <p:cNvGrpSpPr/>
         <p:nvPr/>
       </p:nvGrpSpPr>
@@ -8083,93 +8125,264 @@
       </p:grpSpPr>
       <p:sp>
         <p:nvSpPr>
-          <p:cNvPr id="97" name="Google Shape;97;p15"/>
-          <p:cNvSpPr txBox="1">
+          <p:cNvPr id="2" name="Title 1">
+            <a:extLst>
+              <a:ext uri="{FF2B5EF4-FFF2-40B4-BE49-F238E27FC236}">
+                <a16:creationId xmlns:a16="http://schemas.microsoft.com/office/drawing/2014/main" id="{024AD384-5AD1-4435-A943-1241B2FACD62}"/>
+              </a:ext>
+            </a:extLst>
+          </p:cNvPr>
+          <p:cNvSpPr>
             <a:spLocks noGrp="1"/>
           </p:cNvSpPr>
           <p:nvPr>
-            <p:ph type="ctrTitle"/>
+            <p:ph type="title"/>
+          </p:nvPr>
+        </p:nvSpPr>
+        <p:spPr/>
+        <p:txBody>
+          <a:bodyPr/>
+          <a:lstStyle/>
+          <a:p>
+            <a:r>
+              <a:rPr lang="en-US"/>
+              <a:t>Python </a:t>
+            </a:r>
+            <a:r>
+              <a:rPr lang="en-US" sz="2400"/>
+              <a:t>Dictionaries</a:t>
+            </a:r>
+            <a:endParaRPr lang="fa-IR"/>
+          </a:p>
+        </p:txBody>
+      </p:sp>
+      <p:sp>
+        <p:nvSpPr>
+          <p:cNvPr id="3" name="Text Placeholder 2">
+            <a:extLst>
+              <a:ext uri="{FF2B5EF4-FFF2-40B4-BE49-F238E27FC236}">
+                <a16:creationId xmlns:a16="http://schemas.microsoft.com/office/drawing/2014/main" id="{58BE3078-8B89-4550-B497-93E4DADBD57E}"/>
+              </a:ext>
+            </a:extLst>
+          </p:cNvPr>
+          <p:cNvSpPr>
+            <a:spLocks noGrp="1"/>
+          </p:cNvSpPr>
+          <p:nvPr>
+            <p:ph type="body" idx="1"/>
           </p:nvPr>
         </p:nvSpPr>
         <p:spPr>
           <a:xfrm>
-            <a:off x="1655700" y="1991850"/>
-            <a:ext cx="5832600" cy="1159800"/>
+            <a:off x="786150" y="1142608"/>
+            <a:ext cx="7571700" cy="3626431"/>
           </a:xfrm>
-          <a:prstGeom prst="rect">
-            <a:avLst/>
-          </a:prstGeom>
         </p:spPr>
         <p:txBody>
-          <a:bodyPr spcFirstLastPara="1" wrap="square" lIns="91425" tIns="91425" rIns="91425" bIns="91425" anchor="ctr" anchorCtr="0">
-            <a:noAutofit/>
-          </a:bodyPr>
+          <a:bodyPr/>
           <a:lstStyle/>
           <a:p>
-            <a:pPr marL="0" lvl="0" indent="0" algn="ctr" rtl="0">
-              <a:spcBef>
-                <a:spcPts val="0"/>
-              </a:spcBef>
-              <a:spcAft>
-                <a:spcPts val="0"/>
-              </a:spcAft>
-              <a:buNone/>
-            </a:pPr>
-            <a:r>
-              <a:rPr lang="en-US" sz="6000">
-                <a:solidFill>
-                  <a:srgbClr val="E6E6E6"/>
-                </a:solidFill>
-              </a:rPr>
-              <a:t>2</a:t>
-            </a:r>
-            <a:endParaRPr sz="6000">
-              <a:solidFill>
-                <a:srgbClr val="E6E6E6"/>
-              </a:solidFill>
+            <a:pPr marL="76200" indent="0">
+              <a:buNone/>
+            </a:pPr>
+            <a:r>
+              <a:rPr lang="en-US" sz="1400"/>
+              <a:t>Ordered, changeable, and </a:t>
+            </a:r>
+            <a:r>
+              <a:rPr lang="en-US" sz="1400">
+                <a:solidFill>
+                  <a:schemeClr val="accent1"/>
+                </a:solidFill>
+              </a:rPr>
+              <a:t>no</a:t>
+            </a:r>
+            <a:r>
+              <a:rPr lang="en-US" sz="1400"/>
+              <a:t> duplicate values</a:t>
+            </a:r>
+          </a:p>
+          <a:p>
+            <a:pPr marL="76200" indent="0">
+              <a:buNone/>
+            </a:pPr>
+            <a:r>
+              <a:rPr lang="en-US" sz="1200">
+                <a:latin typeface="Consolas" panose="020B0609020204030204" pitchFamily="49" charset="0"/>
+                <a:cs typeface="Courier New" panose="02070309020205020404" pitchFamily="49" charset="0"/>
+              </a:rPr>
+              <a:t>fruits = {'apple': 'green', 'banana': 'yellow', 'cherry': 'red'}</a:t>
+            </a:r>
+          </a:p>
+          <a:p>
+            <a:pPr marL="76200" indent="0">
+              <a:buNone/>
+            </a:pPr>
+            <a:r>
+              <a:rPr lang="en-US" sz="1200">
+                <a:latin typeface="Consolas" panose="020B0609020204030204" pitchFamily="49" charset="0"/>
+                <a:cs typeface="Courier New" panose="02070309020205020404" pitchFamily="49" charset="0"/>
+              </a:rPr>
+              <a:t>print(fruits['apple'])</a:t>
+            </a:r>
+          </a:p>
+          <a:p>
+            <a:pPr marL="76200" indent="0">
+              <a:buNone/>
+            </a:pPr>
+            <a:r>
+              <a:rPr lang="en-US" sz="1200">
+                <a:latin typeface="Consolas" panose="020B0609020204030204" pitchFamily="49" charset="0"/>
+                <a:cs typeface="Courier New" panose="02070309020205020404" pitchFamily="49" charset="0"/>
+              </a:rPr>
+              <a:t>print('orange' in fruits)</a:t>
+            </a:r>
+          </a:p>
+          <a:p>
+            <a:pPr marL="76200" indent="0">
+              <a:buNone/>
+            </a:pPr>
+            <a:r>
+              <a:rPr lang="en-US" sz="1200">
+                <a:latin typeface="Consolas" panose="020B0609020204030204" pitchFamily="49" charset="0"/>
+                <a:cs typeface="Courier New" panose="02070309020205020404" pitchFamily="49" charset="0"/>
+              </a:rPr>
+              <a:t>print(len(fruits))</a:t>
+            </a:r>
+          </a:p>
+          <a:p>
+            <a:pPr marL="76200" indent="0">
+              <a:buNone/>
+            </a:pPr>
+            <a:r>
+              <a:rPr lang="en-US" sz="1200">
+                <a:latin typeface="Consolas" panose="020B0609020204030204" pitchFamily="49" charset="0"/>
+                <a:cs typeface="Courier New" panose="02070309020205020404" pitchFamily="49" charset="0"/>
+              </a:rPr>
+              <a:t>print(fruits</a:t>
+            </a:r>
+            <a:r>
+              <a:rPr lang="en-US" sz="1200">
+                <a:solidFill>
+                  <a:schemeClr val="accent1"/>
+                </a:solidFill>
+                <a:latin typeface="Consolas" panose="020B0609020204030204" pitchFamily="49" charset="0"/>
+                <a:cs typeface="Courier New" panose="02070309020205020404" pitchFamily="49" charset="0"/>
+              </a:rPr>
+              <a:t>.keys()</a:t>
+            </a:r>
+            <a:r>
+              <a:rPr lang="en-US" sz="1200">
+                <a:latin typeface="Consolas" panose="020B0609020204030204" pitchFamily="49" charset="0"/>
+                <a:cs typeface="Courier New" panose="02070309020205020404" pitchFamily="49" charset="0"/>
+              </a:rPr>
+              <a:t>)</a:t>
+            </a:r>
+          </a:p>
+          <a:p>
+            <a:pPr marL="76200" indent="0">
+              <a:buNone/>
+            </a:pPr>
+            <a:r>
+              <a:rPr lang="en-US" sz="1200">
+                <a:latin typeface="Consolas" panose="020B0609020204030204" pitchFamily="49" charset="0"/>
+                <a:cs typeface="Courier New" panose="02070309020205020404" pitchFamily="49" charset="0"/>
+              </a:rPr>
+              <a:t>print(fruits</a:t>
+            </a:r>
+            <a:r>
+              <a:rPr lang="en-US" sz="1200">
+                <a:solidFill>
+                  <a:schemeClr val="accent1"/>
+                </a:solidFill>
+                <a:latin typeface="Consolas" panose="020B0609020204030204" pitchFamily="49" charset="0"/>
+                <a:cs typeface="Courier New" panose="02070309020205020404" pitchFamily="49" charset="0"/>
+              </a:rPr>
+              <a:t>.values()</a:t>
+            </a:r>
+            <a:r>
+              <a:rPr lang="en-US" sz="1200">
+                <a:latin typeface="Consolas" panose="020B0609020204030204" pitchFamily="49" charset="0"/>
+                <a:cs typeface="Courier New" panose="02070309020205020404" pitchFamily="49" charset="0"/>
+              </a:rPr>
+              <a:t>)</a:t>
+            </a:r>
+          </a:p>
+          <a:p>
+            <a:pPr marL="76200" indent="0">
+              <a:buNone/>
+            </a:pPr>
+            <a:endParaRPr lang="en-US" sz="1200">
+              <a:latin typeface="Consolas" panose="020B0609020204030204" pitchFamily="49" charset="0"/>
+              <a:cs typeface="Courier New" panose="02070309020205020404" pitchFamily="49" charset="0"/>
             </a:endParaRPr>
           </a:p>
           <a:p>
-            <a:pPr marL="0" lvl="0" indent="0" algn="ctr" rtl="0">
-              <a:spcBef>
-                <a:spcPts val="0"/>
-              </a:spcBef>
-              <a:spcAft>
-                <a:spcPts val="0"/>
-              </a:spcAft>
-              <a:buNone/>
-            </a:pPr>
-            <a:r>
-              <a:rPr lang="en"/>
-              <a:t>NumPy</a:t>
-            </a:r>
-            <a:endParaRPr/>
+            <a:pPr marL="76200" indent="0">
+              <a:buNone/>
+            </a:pPr>
+            <a:r>
+              <a:rPr lang="en-US" sz="1400"/>
+              <a:t>Update sets</a:t>
+            </a:r>
+          </a:p>
+          <a:p>
+            <a:pPr marL="76200" indent="0">
+              <a:buNone/>
+            </a:pPr>
+            <a:r>
+              <a:rPr lang="en-US" sz="1200">
+                <a:latin typeface="Consolas" panose="020B0609020204030204" pitchFamily="49" charset="0"/>
+                <a:cs typeface="Courier New" panose="02070309020205020404" pitchFamily="49" charset="0"/>
+              </a:rPr>
+              <a:t>fruits['apple'] = 'red'</a:t>
+            </a:r>
+          </a:p>
+          <a:p>
+            <a:pPr marL="76200" indent="0">
+              <a:buNone/>
+            </a:pPr>
+            <a:r>
+              <a:rPr lang="en-US" sz="1200">
+                <a:latin typeface="Consolas" panose="020B0609020204030204" pitchFamily="49" charset="0"/>
+                <a:cs typeface="Courier New" panose="02070309020205020404" pitchFamily="49" charset="0"/>
+              </a:rPr>
+              <a:t>fruits['kiwi'] = 'green'</a:t>
+            </a:r>
+          </a:p>
+          <a:p>
+            <a:pPr marL="76200" indent="0">
+              <a:buNone/>
+            </a:pPr>
+            <a:r>
+              <a:rPr lang="en-US" sz="1200">
+                <a:latin typeface="Consolas" panose="020B0609020204030204" pitchFamily="49" charset="0"/>
+                <a:cs typeface="Courier New" panose="02070309020205020404" pitchFamily="49" charset="0"/>
+              </a:rPr>
+              <a:t>fruits.pop('banana')</a:t>
+            </a:r>
           </a:p>
         </p:txBody>
       </p:sp>
       <p:sp>
         <p:nvSpPr>
-          <p:cNvPr id="99" name="Google Shape;99;p15"/>
-          <p:cNvSpPr txBox="1">
+          <p:cNvPr id="4" name="Slide Number Placeholder 3">
+            <a:extLst>
+              <a:ext uri="{FF2B5EF4-FFF2-40B4-BE49-F238E27FC236}">
+                <a16:creationId xmlns:a16="http://schemas.microsoft.com/office/drawing/2014/main" id="{64987AE6-EC0E-43DD-9376-95A5602EE5E1}"/>
+              </a:ext>
+            </a:extLst>
+          </p:cNvPr>
+          <p:cNvSpPr>
             <a:spLocks noGrp="1"/>
           </p:cNvSpPr>
           <p:nvPr>
-            <p:ph type="sldNum" idx="4294967295"/>
+            <p:ph type="sldNum" idx="12"/>
           </p:nvPr>
         </p:nvSpPr>
-        <p:spPr>
-          <a:xfrm>
-            <a:off x="8404384" y="4749851"/>
-            <a:ext cx="548700" cy="393600"/>
-          </a:xfrm>
-          <a:prstGeom prst="rect">
-            <a:avLst/>
-          </a:prstGeom>
-        </p:spPr>
+        <p:spPr/>
         <p:txBody>
-          <a:bodyPr spcFirstLastPara="1" wrap="square" lIns="91425" tIns="91425" rIns="91425" bIns="91425" anchor="t" anchorCtr="0">
-            <a:noAutofit/>
-          </a:bodyPr>
+          <a:bodyPr/>
           <a:lstStyle/>
           <a:p>
             <a:pPr marL="0" lvl="0" indent="0" algn="r" rtl="0">
@@ -8182,17 +8395,17 @@
               <a:buNone/>
             </a:pPr>
             <a:fld id="{00000000-1234-1234-1234-123412341234}" type="slidenum">
-              <a:rPr lang="en"/>
+              <a:rPr lang="en" smtClean="0"/>
               <a:t>17</a:t>
             </a:fld>
-            <a:endParaRPr/>
+            <a:endParaRPr lang="en"/>
           </a:p>
         </p:txBody>
       </p:sp>
     </p:spTree>
     <p:extLst>
       <p:ext uri="{BB962C8B-B14F-4D97-AF65-F5344CB8AC3E}">
-        <p14:creationId xmlns:p14="http://schemas.microsoft.com/office/powerpoint/2010/main" val="1620004517"/>
+        <p14:creationId xmlns:p14="http://schemas.microsoft.com/office/powerpoint/2010/main" val="1072694343"/>
       </p:ext>
     </p:extLst>
   </p:cSld>
@@ -8241,12 +8454,8 @@
           <a:lstStyle/>
           <a:p>
             <a:r>
-              <a:rPr lang="en-US" err="1"/>
-              <a:t>Numpy</a:t>
-            </a:r>
-            <a:r>
               <a:rPr lang="en-US"/>
-              <a:t> Introduction</a:t>
+              <a:t>Python If Statements</a:t>
             </a:r>
             <a:endParaRPr lang="fa-IR"/>
           </a:p>
@@ -8278,15 +8487,108 @@
           <a:bodyPr/>
           <a:lstStyle/>
           <a:p>
-            <a:r>
-              <a:rPr lang="en-US" sz="1800"/>
-              <a:t>NumPy is a Python library used for working with arrays.</a:t>
-            </a:r>
-          </a:p>
-          <a:p>
-            <a:r>
-              <a:rPr lang="en-US" sz="1800"/>
-              <a:t>NumPy is short for "Numerical Python".</a:t>
+            <a:pPr marL="76200" indent="0">
+              <a:buNone/>
+            </a:pPr>
+            <a:r>
+              <a:rPr lang="en-US" sz="1400"/>
+              <a:t>If, elif, and else</a:t>
+            </a:r>
+          </a:p>
+          <a:p>
+            <a:pPr marL="76200" indent="0">
+              <a:buNone/>
+            </a:pPr>
+            <a:r>
+              <a:rPr lang="en-US" sz="1200">
+                <a:latin typeface="Consolas" panose="020B0609020204030204" pitchFamily="49" charset="0"/>
+                <a:cs typeface="Courier New" panose="02070309020205020404" pitchFamily="49" charset="0"/>
+              </a:rPr>
+              <a:t>a = 200</a:t>
+            </a:r>
+          </a:p>
+          <a:p>
+            <a:pPr marL="76200" indent="0">
+              <a:buNone/>
+            </a:pPr>
+            <a:r>
+              <a:rPr lang="en-US" sz="1200">
+                <a:latin typeface="Consolas" panose="020B0609020204030204" pitchFamily="49" charset="0"/>
+                <a:cs typeface="Courier New" panose="02070309020205020404" pitchFamily="49" charset="0"/>
+              </a:rPr>
+              <a:t>b = 33</a:t>
+            </a:r>
+          </a:p>
+          <a:p>
+            <a:pPr marL="76200" indent="0">
+              <a:buNone/>
+            </a:pPr>
+            <a:r>
+              <a:rPr lang="en-US" sz="1200">
+                <a:latin typeface="Consolas" panose="020B0609020204030204" pitchFamily="49" charset="0"/>
+                <a:cs typeface="Courier New" panose="02070309020205020404" pitchFamily="49" charset="0"/>
+              </a:rPr>
+              <a:t>if a &gt; b:</a:t>
+            </a:r>
+          </a:p>
+          <a:p>
+            <a:pPr marL="76200" indent="0">
+              <a:buNone/>
+            </a:pPr>
+            <a:r>
+              <a:rPr lang="en-US" sz="1200">
+                <a:latin typeface="Consolas" panose="020B0609020204030204" pitchFamily="49" charset="0"/>
+                <a:cs typeface="Courier New" panose="02070309020205020404" pitchFamily="49" charset="0"/>
+              </a:rPr>
+              <a:t>    print('a') </a:t>
+            </a:r>
+          </a:p>
+          <a:p>
+            <a:pPr marL="76200" indent="0">
+              <a:buNone/>
+            </a:pPr>
+            <a:r>
+              <a:rPr lang="en-US" sz="1200">
+                <a:latin typeface="Consolas" panose="020B0609020204030204" pitchFamily="49" charset="0"/>
+                <a:cs typeface="Courier New" panose="02070309020205020404" pitchFamily="49" charset="0"/>
+              </a:rPr>
+              <a:t>elif a &lt; b:</a:t>
+            </a:r>
+          </a:p>
+          <a:p>
+            <a:pPr marL="76200" indent="0">
+              <a:buNone/>
+            </a:pPr>
+            <a:r>
+              <a:rPr lang="en-US" sz="1200">
+                <a:latin typeface="Consolas" panose="020B0609020204030204" pitchFamily="49" charset="0"/>
+                <a:cs typeface="Courier New" panose="02070309020205020404" pitchFamily="49" charset="0"/>
+              </a:rPr>
+              <a:t>    print('b')</a:t>
+            </a:r>
+          </a:p>
+          <a:p>
+            <a:pPr marL="76200" indent="0">
+              <a:buNone/>
+            </a:pPr>
+            <a:r>
+              <a:rPr lang="en-US" sz="1200">
+                <a:latin typeface="Consolas" panose="020B0609020204030204" pitchFamily="49" charset="0"/>
+                <a:cs typeface="Courier New" panose="02070309020205020404" pitchFamily="49" charset="0"/>
+              </a:rPr>
+              <a:t>else:</a:t>
+            </a:r>
+          </a:p>
+          <a:p>
+            <a:pPr marL="76200" indent="0">
+              <a:buNone/>
+            </a:pPr>
+            <a:r>
+              <a:rPr lang="en-US" sz="1200">
+                <a:latin typeface="Consolas" panose="020B0609020204030204" pitchFamily="49" charset="0"/>
+                <a:cs typeface="Courier New" panose="02070309020205020404" pitchFamily="49" charset="0"/>
+              </a:rPr>
+              <a:t>    print('=')</a:t>
             </a:r>
           </a:p>
         </p:txBody>
@@ -8332,7 +8634,7 @@
     </p:spTree>
     <p:extLst>
       <p:ext uri="{BB962C8B-B14F-4D97-AF65-F5344CB8AC3E}">
-        <p14:creationId xmlns:p14="http://schemas.microsoft.com/office/powerpoint/2010/main" val="4156460407"/>
+        <p14:creationId xmlns:p14="http://schemas.microsoft.com/office/powerpoint/2010/main" val="710221511"/>
       </p:ext>
     </p:extLst>
   </p:cSld>
@@ -8347,7 +8649,7 @@
   <p:cSld>
     <p:spTree>
       <p:nvGrpSpPr>
-        <p:cNvPr id="1" name="Shape 96"/>
+        <p:cNvPr id="1" name=""/>
         <p:cNvGrpSpPr/>
         <p:nvPr/>
       </p:nvGrpSpPr>
@@ -8361,93 +8663,210 @@
       </p:grpSpPr>
       <p:sp>
         <p:nvSpPr>
-          <p:cNvPr id="97" name="Google Shape;97;p15"/>
-          <p:cNvSpPr txBox="1">
+          <p:cNvPr id="2" name="Title 1">
+            <a:extLst>
+              <a:ext uri="{FF2B5EF4-FFF2-40B4-BE49-F238E27FC236}">
+                <a16:creationId xmlns:a16="http://schemas.microsoft.com/office/drawing/2014/main" id="{024AD384-5AD1-4435-A943-1241B2FACD62}"/>
+              </a:ext>
+            </a:extLst>
+          </p:cNvPr>
+          <p:cNvSpPr>
             <a:spLocks noGrp="1"/>
           </p:cNvSpPr>
           <p:nvPr>
-            <p:ph type="ctrTitle"/>
+            <p:ph type="title"/>
+          </p:nvPr>
+        </p:nvSpPr>
+        <p:spPr/>
+        <p:txBody>
+          <a:bodyPr/>
+          <a:lstStyle/>
+          <a:p>
+            <a:r>
+              <a:rPr lang="en-US"/>
+              <a:t>Python If Statements</a:t>
+            </a:r>
+            <a:endParaRPr lang="fa-IR"/>
+          </a:p>
+        </p:txBody>
+      </p:sp>
+      <p:sp>
+        <p:nvSpPr>
+          <p:cNvPr id="3" name="Text Placeholder 2">
+            <a:extLst>
+              <a:ext uri="{FF2B5EF4-FFF2-40B4-BE49-F238E27FC236}">
+                <a16:creationId xmlns:a16="http://schemas.microsoft.com/office/drawing/2014/main" id="{58BE3078-8B89-4550-B497-93E4DADBD57E}"/>
+              </a:ext>
+            </a:extLst>
+          </p:cNvPr>
+          <p:cNvSpPr>
+            <a:spLocks noGrp="1"/>
+          </p:cNvSpPr>
+          <p:nvPr>
+            <p:ph type="body" idx="1"/>
           </p:nvPr>
         </p:nvSpPr>
         <p:spPr>
           <a:xfrm>
-            <a:off x="1655700" y="1991850"/>
-            <a:ext cx="5832600" cy="1159800"/>
+            <a:off x="786150" y="1142608"/>
+            <a:ext cx="7571700" cy="3626431"/>
           </a:xfrm>
-          <a:prstGeom prst="rect">
-            <a:avLst/>
-          </a:prstGeom>
         </p:spPr>
         <p:txBody>
-          <a:bodyPr spcFirstLastPara="1" wrap="square" lIns="91425" tIns="91425" rIns="91425" bIns="91425" anchor="ctr" anchorCtr="0">
-            <a:noAutofit/>
-          </a:bodyPr>
+          <a:bodyPr/>
           <a:lstStyle/>
           <a:p>
-            <a:pPr marL="0" lvl="0" indent="0" algn="ctr" rtl="0">
-              <a:spcBef>
-                <a:spcPts val="0"/>
-              </a:spcBef>
-              <a:spcAft>
-                <a:spcPts val="0"/>
-              </a:spcAft>
-              <a:buNone/>
-            </a:pPr>
-            <a:r>
-              <a:rPr lang="en-US" sz="6000">
-                <a:solidFill>
-                  <a:srgbClr val="E6E6E6"/>
-                </a:solidFill>
-              </a:rPr>
-              <a:t>3</a:t>
-            </a:r>
-            <a:endParaRPr sz="6000">
-              <a:solidFill>
-                <a:srgbClr val="E6E6E6"/>
-              </a:solidFill>
+            <a:pPr marL="76200" indent="0">
+              <a:buNone/>
+            </a:pPr>
+            <a:r>
+              <a:rPr lang="en-US" sz="1400"/>
+              <a:t>Shorthand if statement</a:t>
+            </a:r>
+          </a:p>
+          <a:p>
+            <a:pPr marL="76200" indent="0">
+              <a:buNone/>
+            </a:pPr>
+            <a:r>
+              <a:rPr lang="en-US" sz="1200">
+                <a:latin typeface="Consolas" panose="020B0609020204030204" pitchFamily="49" charset="0"/>
+                <a:cs typeface="Courier New" panose="02070309020205020404" pitchFamily="49" charset="0"/>
+              </a:rPr>
+              <a:t>a = 200</a:t>
+            </a:r>
+          </a:p>
+          <a:p>
+            <a:pPr marL="76200" indent="0">
+              <a:buNone/>
+            </a:pPr>
+            <a:r>
+              <a:rPr lang="en-US" sz="1200">
+                <a:latin typeface="Consolas" panose="020B0609020204030204" pitchFamily="49" charset="0"/>
+                <a:cs typeface="Courier New" panose="02070309020205020404" pitchFamily="49" charset="0"/>
+              </a:rPr>
+              <a:t>b = 33</a:t>
+            </a:r>
+            <a:endParaRPr lang="en-US" sz="1400">
+              <a:latin typeface="Consolas" panose="020B0609020204030204" pitchFamily="49" charset="0"/>
+              <a:cs typeface="Courier New" panose="02070309020205020404" pitchFamily="49" charset="0"/>
             </a:endParaRPr>
           </a:p>
           <a:p>
-            <a:pPr marL="0" lvl="0" indent="0" algn="ctr" rtl="0">
-              <a:spcBef>
-                <a:spcPts val="0"/>
-              </a:spcBef>
-              <a:spcAft>
-                <a:spcPts val="0"/>
-              </a:spcAft>
-              <a:buNone/>
-            </a:pPr>
-            <a:r>
-              <a:rPr lang="en"/>
-              <a:t>Pandas</a:t>
-            </a:r>
-            <a:endParaRPr/>
+            <a:pPr marL="76200" indent="0">
+              <a:buNone/>
+            </a:pPr>
+            <a:r>
+              <a:rPr lang="en-US" sz="1200">
+                <a:latin typeface="Consolas" panose="020B0609020204030204" pitchFamily="49" charset="0"/>
+                <a:cs typeface="Courier New" panose="02070309020205020404" pitchFamily="49" charset="0"/>
+              </a:rPr>
+              <a:t>print('a') if a &gt; b else print('b') if a &lt; b else print('=')</a:t>
+            </a:r>
+          </a:p>
+          <a:p>
+            <a:pPr marL="76200" indent="0">
+              <a:buNone/>
+            </a:pPr>
+            <a:endParaRPr lang="en-US" sz="1200">
+              <a:latin typeface="Consolas" panose="020B0609020204030204" pitchFamily="49" charset="0"/>
+              <a:cs typeface="Courier New" panose="02070309020205020404" pitchFamily="49" charset="0"/>
+            </a:endParaRPr>
+          </a:p>
+          <a:p>
+            <a:pPr marL="76200" indent="0">
+              <a:buNone/>
+            </a:pPr>
+            <a:r>
+              <a:rPr lang="en-US" sz="1400"/>
+              <a:t>Nested if</a:t>
+            </a:r>
+            <a:endParaRPr lang="en-US" sz="1200">
+              <a:latin typeface="Consolas" panose="020B0609020204030204" pitchFamily="49" charset="0"/>
+              <a:cs typeface="Courier New" panose="02070309020205020404" pitchFamily="49" charset="0"/>
+            </a:endParaRPr>
+          </a:p>
+          <a:p>
+            <a:pPr marL="76200" indent="0">
+              <a:buNone/>
+            </a:pPr>
+            <a:r>
+              <a:rPr lang="en-US" sz="1200">
+                <a:latin typeface="Consolas" panose="020B0609020204030204" pitchFamily="49" charset="0"/>
+                <a:cs typeface="Courier New" panose="02070309020205020404" pitchFamily="49" charset="0"/>
+              </a:rPr>
+              <a:t>x = 41</a:t>
+            </a:r>
+          </a:p>
+          <a:p>
+            <a:pPr marL="76200" indent="0">
+              <a:buNone/>
+            </a:pPr>
+            <a:r>
+              <a:rPr lang="en-US" sz="1200">
+                <a:latin typeface="Consolas" panose="020B0609020204030204" pitchFamily="49" charset="0"/>
+                <a:cs typeface="Courier New" panose="02070309020205020404" pitchFamily="49" charset="0"/>
+              </a:rPr>
+              <a:t>if x &gt; 10:</a:t>
+            </a:r>
+          </a:p>
+          <a:p>
+            <a:pPr marL="76200" indent="0">
+              <a:buNone/>
+            </a:pPr>
+            <a:r>
+              <a:rPr lang="en-US" sz="1200">
+                <a:latin typeface="Consolas" panose="020B0609020204030204" pitchFamily="49" charset="0"/>
+                <a:cs typeface="Courier New" panose="02070309020205020404" pitchFamily="49" charset="0"/>
+              </a:rPr>
+              <a:t>  print('Above ten ')</a:t>
+            </a:r>
+          </a:p>
+          <a:p>
+            <a:pPr marL="76200" indent="0">
+              <a:buNone/>
+            </a:pPr>
+            <a:r>
+              <a:rPr lang="en-US" sz="1200">
+                <a:latin typeface="Consolas" panose="020B0609020204030204" pitchFamily="49" charset="0"/>
+                <a:cs typeface="Courier New" panose="02070309020205020404" pitchFamily="49" charset="0"/>
+              </a:rPr>
+              <a:t>  if x &gt; 20:</a:t>
+            </a:r>
+          </a:p>
+          <a:p>
+            <a:pPr marL="76200" indent="0">
+              <a:buNone/>
+            </a:pPr>
+            <a:r>
+              <a:rPr lang="en-US" sz="1200">
+                <a:latin typeface="Consolas" panose="020B0609020204030204" pitchFamily="49" charset="0"/>
+                <a:cs typeface="Courier New" panose="02070309020205020404" pitchFamily="49" charset="0"/>
+              </a:rPr>
+              <a:t>    print("and also above 20!")</a:t>
+            </a:r>
           </a:p>
         </p:txBody>
       </p:sp>
       <p:sp>
         <p:nvSpPr>
-          <p:cNvPr id="99" name="Google Shape;99;p15"/>
-          <p:cNvSpPr txBox="1">
+          <p:cNvPr id="4" name="Slide Number Placeholder 3">
+            <a:extLst>
+              <a:ext uri="{FF2B5EF4-FFF2-40B4-BE49-F238E27FC236}">
+                <a16:creationId xmlns:a16="http://schemas.microsoft.com/office/drawing/2014/main" id="{64987AE6-EC0E-43DD-9376-95A5602EE5E1}"/>
+              </a:ext>
+            </a:extLst>
+          </p:cNvPr>
+          <p:cNvSpPr>
             <a:spLocks noGrp="1"/>
           </p:cNvSpPr>
           <p:nvPr>
-            <p:ph type="sldNum" idx="4294967295"/>
+            <p:ph type="sldNum" idx="12"/>
           </p:nvPr>
         </p:nvSpPr>
-        <p:spPr>
-          <a:xfrm>
-            <a:off x="8404384" y="4749851"/>
-            <a:ext cx="548700" cy="393600"/>
-          </a:xfrm>
-          <a:prstGeom prst="rect">
-            <a:avLst/>
-          </a:prstGeom>
-        </p:spPr>
+        <p:spPr/>
         <p:txBody>
-          <a:bodyPr spcFirstLastPara="1" wrap="square" lIns="91425" tIns="91425" rIns="91425" bIns="91425" anchor="t" anchorCtr="0">
-            <a:noAutofit/>
-          </a:bodyPr>
+          <a:bodyPr/>
           <a:lstStyle/>
           <a:p>
             <a:pPr marL="0" lvl="0" indent="0" algn="r" rtl="0">
@@ -8460,17 +8879,17 @@
               <a:buNone/>
             </a:pPr>
             <a:fld id="{00000000-1234-1234-1234-123412341234}" type="slidenum">
-              <a:rPr lang="en"/>
+              <a:rPr lang="en" smtClean="0"/>
               <a:t>19</a:t>
             </a:fld>
-            <a:endParaRPr/>
+            <a:endParaRPr lang="en"/>
           </a:p>
         </p:txBody>
       </p:sp>
     </p:spTree>
     <p:extLst>
       <p:ext uri="{BB962C8B-B14F-4D97-AF65-F5344CB8AC3E}">
-        <p14:creationId xmlns:p14="http://schemas.microsoft.com/office/powerpoint/2010/main" val="2729265455"/>
+        <p14:creationId xmlns:p14="http://schemas.microsoft.com/office/powerpoint/2010/main" val="3273535352"/>
       </p:ext>
     </p:extLst>
   </p:cSld>
@@ -8618,7 +9037,7 @@
   <p:cSld>
     <p:spTree>
       <p:nvGrpSpPr>
-        <p:cNvPr id="1" name="Shape 96"/>
+        <p:cNvPr id="1" name=""/>
         <p:cNvGrpSpPr/>
         <p:nvPr/>
       </p:nvGrpSpPr>
@@ -8632,93 +9051,169 @@
       </p:grpSpPr>
       <p:sp>
         <p:nvSpPr>
-          <p:cNvPr id="97" name="Google Shape;97;p15"/>
-          <p:cNvSpPr txBox="1">
+          <p:cNvPr id="2" name="Title 1">
+            <a:extLst>
+              <a:ext uri="{FF2B5EF4-FFF2-40B4-BE49-F238E27FC236}">
+                <a16:creationId xmlns:a16="http://schemas.microsoft.com/office/drawing/2014/main" id="{024AD384-5AD1-4435-A943-1241B2FACD62}"/>
+              </a:ext>
+            </a:extLst>
+          </p:cNvPr>
+          <p:cNvSpPr>
             <a:spLocks noGrp="1"/>
           </p:cNvSpPr>
           <p:nvPr>
-            <p:ph type="ctrTitle"/>
+            <p:ph type="title"/>
+          </p:nvPr>
+        </p:nvSpPr>
+        <p:spPr/>
+        <p:txBody>
+          <a:bodyPr/>
+          <a:lstStyle/>
+          <a:p>
+            <a:r>
+              <a:rPr lang="en-US"/>
+              <a:t>Python While Loops</a:t>
+            </a:r>
+            <a:endParaRPr lang="fa-IR"/>
+          </a:p>
+        </p:txBody>
+      </p:sp>
+      <p:sp>
+        <p:nvSpPr>
+          <p:cNvPr id="3" name="Text Placeholder 2">
+            <a:extLst>
+              <a:ext uri="{FF2B5EF4-FFF2-40B4-BE49-F238E27FC236}">
+                <a16:creationId xmlns:a16="http://schemas.microsoft.com/office/drawing/2014/main" id="{58BE3078-8B89-4550-B497-93E4DADBD57E}"/>
+              </a:ext>
+            </a:extLst>
+          </p:cNvPr>
+          <p:cNvSpPr>
+            <a:spLocks noGrp="1"/>
+          </p:cNvSpPr>
+          <p:nvPr>
+            <p:ph type="body" idx="1"/>
           </p:nvPr>
         </p:nvSpPr>
         <p:spPr>
           <a:xfrm>
-            <a:off x="1655700" y="1991850"/>
-            <a:ext cx="5832600" cy="1159800"/>
+            <a:off x="786150" y="1142608"/>
+            <a:ext cx="7571700" cy="3626431"/>
           </a:xfrm>
-          <a:prstGeom prst="rect">
-            <a:avLst/>
-          </a:prstGeom>
         </p:spPr>
         <p:txBody>
-          <a:bodyPr spcFirstLastPara="1" wrap="square" lIns="91425" tIns="91425" rIns="91425" bIns="91425" anchor="ctr" anchorCtr="0">
-            <a:noAutofit/>
-          </a:bodyPr>
+          <a:bodyPr/>
           <a:lstStyle/>
           <a:p>
-            <a:pPr marL="0" lvl="0" indent="0" algn="ctr" rtl="0">
-              <a:spcBef>
-                <a:spcPts val="0"/>
-              </a:spcBef>
-              <a:spcAft>
-                <a:spcPts val="0"/>
-              </a:spcAft>
-              <a:buNone/>
-            </a:pPr>
-            <a:r>
-              <a:rPr lang="en-US" sz="6000">
-                <a:solidFill>
-                  <a:srgbClr val="E6E6E6"/>
-                </a:solidFill>
-              </a:rPr>
-              <a:t>4</a:t>
-            </a:r>
-            <a:endParaRPr sz="6000">
-              <a:solidFill>
-                <a:srgbClr val="E6E6E6"/>
-              </a:solidFill>
+            <a:pPr marL="76200" indent="0">
+              <a:buNone/>
+            </a:pPr>
+            <a:r>
+              <a:rPr lang="en-US" sz="1400"/>
+              <a:t>Execute a set of statements as long as a condition is true</a:t>
+            </a:r>
+          </a:p>
+          <a:p>
+            <a:pPr marL="76200" indent="0">
+              <a:buNone/>
+            </a:pPr>
+            <a:r>
+              <a:rPr lang="nn-NO" sz="1200">
+                <a:latin typeface="Consolas" panose="020B0609020204030204" pitchFamily="49" charset="0"/>
+                <a:cs typeface="Courier New" panose="02070309020205020404" pitchFamily="49" charset="0"/>
+              </a:rPr>
+              <a:t>i = 1</a:t>
+            </a:r>
+          </a:p>
+          <a:p>
+            <a:pPr marL="76200" indent="0">
+              <a:buNone/>
+            </a:pPr>
+            <a:r>
+              <a:rPr lang="nn-NO" sz="1200">
+                <a:latin typeface="Consolas" panose="020B0609020204030204" pitchFamily="49" charset="0"/>
+                <a:cs typeface="Courier New" panose="02070309020205020404" pitchFamily="49" charset="0"/>
+              </a:rPr>
+              <a:t>while i &lt; 10:</a:t>
+            </a:r>
+          </a:p>
+          <a:p>
+            <a:pPr marL="76200" indent="0">
+              <a:buNone/>
+            </a:pPr>
+            <a:r>
+              <a:rPr lang="nn-NO" sz="1200">
+                <a:latin typeface="Consolas" panose="020B0609020204030204" pitchFamily="49" charset="0"/>
+                <a:cs typeface="Courier New" panose="02070309020205020404" pitchFamily="49" charset="0"/>
+              </a:rPr>
+              <a:t>    print(i)</a:t>
+            </a:r>
+          </a:p>
+          <a:p>
+            <a:pPr marL="76200" indent="0">
+              <a:buNone/>
+            </a:pPr>
+            <a:r>
+              <a:rPr lang="nn-NO" sz="1200">
+                <a:latin typeface="Consolas" panose="020B0609020204030204" pitchFamily="49" charset="0"/>
+                <a:cs typeface="Courier New" panose="02070309020205020404" pitchFamily="49" charset="0"/>
+              </a:rPr>
+              <a:t>    i += 1</a:t>
+            </a:r>
+          </a:p>
+          <a:p>
+            <a:pPr marL="76200" indent="0">
+              <a:buNone/>
+            </a:pPr>
+            <a:r>
+              <a:rPr lang="nn-NO" sz="1200">
+                <a:latin typeface="Consolas" panose="020B0609020204030204" pitchFamily="49" charset="0"/>
+                <a:cs typeface="Courier New" panose="02070309020205020404" pitchFamily="49" charset="0"/>
+              </a:rPr>
+              <a:t>else:</a:t>
+            </a:r>
+          </a:p>
+          <a:p>
+            <a:pPr marL="76200" indent="0">
+              <a:buNone/>
+            </a:pPr>
+            <a:r>
+              <a:rPr lang="nn-NO" sz="1200">
+                <a:latin typeface="Consolas" panose="020B0609020204030204" pitchFamily="49" charset="0"/>
+                <a:cs typeface="Courier New" panose="02070309020205020404" pitchFamily="49" charset="0"/>
+              </a:rPr>
+              <a:t>    print(f'Finished after {i} loops')</a:t>
+            </a:r>
+          </a:p>
+          <a:p>
+            <a:pPr marL="76200" indent="0">
+              <a:buNone/>
+            </a:pPr>
+            <a:endParaRPr lang="en-US" sz="1200">
+              <a:latin typeface="Consolas" panose="020B0609020204030204" pitchFamily="49" charset="0"/>
+              <a:cs typeface="Courier New" panose="02070309020205020404" pitchFamily="49" charset="0"/>
             </a:endParaRPr>
-          </a:p>
-          <a:p>
-            <a:pPr marL="0" lvl="0" indent="0" algn="ctr" rtl="0">
-              <a:spcBef>
-                <a:spcPts val="0"/>
-              </a:spcBef>
-              <a:spcAft>
-                <a:spcPts val="0"/>
-              </a:spcAft>
-              <a:buNone/>
-            </a:pPr>
-            <a:r>
-              <a:rPr lang="en"/>
-              <a:t>Matplotlib</a:t>
-            </a:r>
-            <a:endParaRPr/>
           </a:p>
         </p:txBody>
       </p:sp>
       <p:sp>
         <p:nvSpPr>
-          <p:cNvPr id="99" name="Google Shape;99;p15"/>
-          <p:cNvSpPr txBox="1">
+          <p:cNvPr id="4" name="Slide Number Placeholder 3">
+            <a:extLst>
+              <a:ext uri="{FF2B5EF4-FFF2-40B4-BE49-F238E27FC236}">
+                <a16:creationId xmlns:a16="http://schemas.microsoft.com/office/drawing/2014/main" id="{64987AE6-EC0E-43DD-9376-95A5602EE5E1}"/>
+              </a:ext>
+            </a:extLst>
+          </p:cNvPr>
+          <p:cNvSpPr>
             <a:spLocks noGrp="1"/>
           </p:cNvSpPr>
           <p:nvPr>
-            <p:ph type="sldNum" idx="4294967295"/>
+            <p:ph type="sldNum" idx="12"/>
           </p:nvPr>
         </p:nvSpPr>
-        <p:spPr>
-          <a:xfrm>
-            <a:off x="8404384" y="4749851"/>
-            <a:ext cx="548700" cy="393600"/>
-          </a:xfrm>
-          <a:prstGeom prst="rect">
-            <a:avLst/>
-          </a:prstGeom>
-        </p:spPr>
+        <p:spPr/>
         <p:txBody>
-          <a:bodyPr spcFirstLastPara="1" wrap="square" lIns="91425" tIns="91425" rIns="91425" bIns="91425" anchor="t" anchorCtr="0">
-            <a:noAutofit/>
-          </a:bodyPr>
+          <a:bodyPr/>
           <a:lstStyle/>
           <a:p>
             <a:pPr marL="0" lvl="0" indent="0" algn="r" rtl="0">
@@ -8731,17 +9226,17 @@
               <a:buNone/>
             </a:pPr>
             <a:fld id="{00000000-1234-1234-1234-123412341234}" type="slidenum">
-              <a:rPr lang="en"/>
+              <a:rPr lang="en" smtClean="0"/>
               <a:t>20</a:t>
             </a:fld>
-            <a:endParaRPr/>
+            <a:endParaRPr lang="en"/>
           </a:p>
         </p:txBody>
       </p:sp>
     </p:spTree>
     <p:extLst>
       <p:ext uri="{BB962C8B-B14F-4D97-AF65-F5344CB8AC3E}">
-        <p14:creationId xmlns:p14="http://schemas.microsoft.com/office/powerpoint/2010/main" val="2458102878"/>
+        <p14:creationId xmlns:p14="http://schemas.microsoft.com/office/powerpoint/2010/main" val="620167223"/>
       </p:ext>
     </p:extLst>
   </p:cSld>
@@ -8756,7 +9251,7 @@
   <p:cSld>
     <p:spTree>
       <p:nvGrpSpPr>
-        <p:cNvPr id="1" name="Shape 96"/>
+        <p:cNvPr id="1" name=""/>
         <p:cNvGrpSpPr/>
         <p:nvPr/>
       </p:nvGrpSpPr>
@@ -8770,88 +9265,212 @@
       </p:grpSpPr>
       <p:sp>
         <p:nvSpPr>
-          <p:cNvPr id="97" name="Google Shape;97;p15"/>
-          <p:cNvSpPr txBox="1">
+          <p:cNvPr id="2" name="Title 1">
+            <a:extLst>
+              <a:ext uri="{FF2B5EF4-FFF2-40B4-BE49-F238E27FC236}">
+                <a16:creationId xmlns:a16="http://schemas.microsoft.com/office/drawing/2014/main" id="{024AD384-5AD1-4435-A943-1241B2FACD62}"/>
+              </a:ext>
+            </a:extLst>
+          </p:cNvPr>
+          <p:cNvSpPr>
             <a:spLocks noGrp="1"/>
           </p:cNvSpPr>
           <p:nvPr>
-            <p:ph type="ctrTitle"/>
+            <p:ph type="title"/>
+          </p:nvPr>
+        </p:nvSpPr>
+        <p:spPr/>
+        <p:txBody>
+          <a:bodyPr/>
+          <a:lstStyle/>
+          <a:p>
+            <a:r>
+              <a:rPr lang="en-US"/>
+              <a:t>Python While Loops</a:t>
+            </a:r>
+            <a:endParaRPr lang="fa-IR"/>
+          </a:p>
+        </p:txBody>
+      </p:sp>
+      <p:sp>
+        <p:nvSpPr>
+          <p:cNvPr id="3" name="Text Placeholder 2">
+            <a:extLst>
+              <a:ext uri="{FF2B5EF4-FFF2-40B4-BE49-F238E27FC236}">
+                <a16:creationId xmlns:a16="http://schemas.microsoft.com/office/drawing/2014/main" id="{58BE3078-8B89-4550-B497-93E4DADBD57E}"/>
+              </a:ext>
+            </a:extLst>
+          </p:cNvPr>
+          <p:cNvSpPr>
+            <a:spLocks noGrp="1"/>
+          </p:cNvSpPr>
+          <p:nvPr>
+            <p:ph type="body" idx="1"/>
           </p:nvPr>
         </p:nvSpPr>
         <p:spPr>
           <a:xfrm>
-            <a:off x="1655700" y="1991850"/>
-            <a:ext cx="5832600" cy="1159800"/>
+            <a:off x="786150" y="1142608"/>
+            <a:ext cx="7571700" cy="3626431"/>
           </a:xfrm>
-          <a:prstGeom prst="rect">
-            <a:avLst/>
-          </a:prstGeom>
         </p:spPr>
         <p:txBody>
-          <a:bodyPr spcFirstLastPara="1" wrap="square" lIns="91425" tIns="91425" rIns="91425" bIns="91425" anchor="ctr" anchorCtr="0">
-            <a:noAutofit/>
-          </a:bodyPr>
+          <a:bodyPr/>
           <a:lstStyle/>
           <a:p>
-            <a:pPr marL="0" lvl="0" indent="0" algn="ctr" rtl="0">
-              <a:spcBef>
-                <a:spcPts val="0"/>
-              </a:spcBef>
-              <a:spcAft>
-                <a:spcPts val="0"/>
-              </a:spcAft>
-              <a:buNone/>
-            </a:pPr>
-            <a:r>
-              <a:rPr lang="en-US" sz="6000">
-                <a:solidFill>
-                  <a:srgbClr val="E6E6E6"/>
-                </a:solidFill>
-              </a:rPr>
-              <a:t>5</a:t>
-            </a:r>
-            <a:endParaRPr sz="6000">
-              <a:solidFill>
-                <a:srgbClr val="E6E6E6"/>
-              </a:solidFill>
+            <a:pPr marL="76200" indent="0">
+              <a:buNone/>
+            </a:pPr>
+            <a:r>
+              <a:rPr lang="en-US" sz="1400"/>
+              <a:t>Break and continue</a:t>
+            </a:r>
+            <a:endParaRPr lang="en-US" sz="1400">
+              <a:latin typeface="Consolas" panose="020B0609020204030204" pitchFamily="49" charset="0"/>
+              <a:cs typeface="Courier New" panose="02070309020205020404" pitchFamily="49" charset="0"/>
             </a:endParaRPr>
           </a:p>
           <a:p>
-            <a:r>
-              <a:rPr lang="en-US"/>
-              <a:t>S</a:t>
-            </a:r>
-            <a:r>
-              <a:rPr lang="en-US" b="1"/>
-              <a:t>cikit-learn</a:t>
-            </a:r>
-            <a:endParaRPr/>
+            <a:pPr marL="76200" indent="0">
+              <a:buNone/>
+            </a:pPr>
+            <a:r>
+              <a:rPr lang="en-US" sz="1200">
+                <a:latin typeface="Consolas" panose="020B0609020204030204" pitchFamily="49" charset="0"/>
+                <a:cs typeface="Courier New" panose="02070309020205020404" pitchFamily="49" charset="0"/>
+              </a:rPr>
+              <a:t>i = 0</a:t>
+            </a:r>
+          </a:p>
+          <a:p>
+            <a:pPr marL="76200" indent="0">
+              <a:buNone/>
+            </a:pPr>
+            <a:r>
+              <a:rPr lang="en-US" sz="1200">
+                <a:latin typeface="Consolas" panose="020B0609020204030204" pitchFamily="49" charset="0"/>
+                <a:cs typeface="Courier New" panose="02070309020205020404" pitchFamily="49" charset="0"/>
+              </a:rPr>
+              <a:t>while i &lt; 10:</a:t>
+            </a:r>
+          </a:p>
+          <a:p>
+            <a:pPr marL="76200" indent="0">
+              <a:buNone/>
+            </a:pPr>
+            <a:r>
+              <a:rPr lang="en-US" sz="1200">
+                <a:latin typeface="Consolas" panose="020B0609020204030204" pitchFamily="49" charset="0"/>
+                <a:cs typeface="Courier New" panose="02070309020205020404" pitchFamily="49" charset="0"/>
+              </a:rPr>
+              <a:t>    i += 1</a:t>
+            </a:r>
+          </a:p>
+          <a:p>
+            <a:pPr marL="76200" indent="0">
+              <a:buNone/>
+            </a:pPr>
+            <a:r>
+              <a:rPr lang="en-US" sz="1200">
+                <a:latin typeface="Consolas" panose="020B0609020204030204" pitchFamily="49" charset="0"/>
+                <a:cs typeface="Courier New" panose="02070309020205020404" pitchFamily="49" charset="0"/>
+              </a:rPr>
+              <a:t>    if i == 2:</a:t>
+            </a:r>
+          </a:p>
+          <a:p>
+            <a:pPr marL="76200" indent="0">
+              <a:buNone/>
+            </a:pPr>
+            <a:r>
+              <a:rPr lang="en-US" sz="1200">
+                <a:latin typeface="Consolas" panose="020B0609020204030204" pitchFamily="49" charset="0"/>
+                <a:cs typeface="Courier New" panose="02070309020205020404" pitchFamily="49" charset="0"/>
+              </a:rPr>
+              <a:t>        continue</a:t>
+            </a:r>
+          </a:p>
+          <a:p>
+            <a:pPr marL="76200" indent="0">
+              <a:buNone/>
+            </a:pPr>
+            <a:r>
+              <a:rPr lang="en-US" sz="1200">
+                <a:latin typeface="Consolas" panose="020B0609020204030204" pitchFamily="49" charset="0"/>
+                <a:cs typeface="Courier New" panose="02070309020205020404" pitchFamily="49" charset="0"/>
+              </a:rPr>
+              <a:t>    if i == 5:</a:t>
+            </a:r>
+          </a:p>
+          <a:p>
+            <a:pPr marL="76200" indent="0">
+              <a:buNone/>
+            </a:pPr>
+            <a:r>
+              <a:rPr lang="en-US" sz="1200">
+                <a:latin typeface="Consolas" panose="020B0609020204030204" pitchFamily="49" charset="0"/>
+                <a:cs typeface="Courier New" panose="02070309020205020404" pitchFamily="49" charset="0"/>
+              </a:rPr>
+              <a:t>        break</a:t>
+            </a:r>
+          </a:p>
+          <a:p>
+            <a:pPr marL="76200" indent="0">
+              <a:buNone/>
+            </a:pPr>
+            <a:r>
+              <a:rPr lang="en-US" sz="1200">
+                <a:latin typeface="Consolas" panose="020B0609020204030204" pitchFamily="49" charset="0"/>
+                <a:cs typeface="Courier New" panose="02070309020205020404" pitchFamily="49" charset="0"/>
+              </a:rPr>
+              <a:t>    print(i)</a:t>
+            </a:r>
+          </a:p>
+          <a:p>
+            <a:pPr marL="76200" indent="0">
+              <a:buNone/>
+            </a:pPr>
+            <a:r>
+              <a:rPr lang="nn-NO" sz="1200">
+                <a:latin typeface="Consolas" panose="020B0609020204030204" pitchFamily="49" charset="0"/>
+                <a:cs typeface="Courier New" panose="02070309020205020404" pitchFamily="49" charset="0"/>
+              </a:rPr>
+              <a:t>else:</a:t>
+            </a:r>
+          </a:p>
+          <a:p>
+            <a:pPr marL="76200" indent="0">
+              <a:buNone/>
+            </a:pPr>
+            <a:r>
+              <a:rPr lang="nn-NO" sz="1200">
+                <a:latin typeface="Consolas" panose="020B0609020204030204" pitchFamily="49" charset="0"/>
+                <a:cs typeface="Courier New" panose="02070309020205020404" pitchFamily="49" charset="0"/>
+              </a:rPr>
+              <a:t>    print(f'Finished after {i} loops')</a:t>
+            </a:r>
           </a:p>
         </p:txBody>
       </p:sp>
       <p:sp>
         <p:nvSpPr>
-          <p:cNvPr id="99" name="Google Shape;99;p15"/>
-          <p:cNvSpPr txBox="1">
+          <p:cNvPr id="4" name="Slide Number Placeholder 3">
+            <a:extLst>
+              <a:ext uri="{FF2B5EF4-FFF2-40B4-BE49-F238E27FC236}">
+                <a16:creationId xmlns:a16="http://schemas.microsoft.com/office/drawing/2014/main" id="{64987AE6-EC0E-43DD-9376-95A5602EE5E1}"/>
+              </a:ext>
+            </a:extLst>
+          </p:cNvPr>
+          <p:cNvSpPr>
             <a:spLocks noGrp="1"/>
           </p:cNvSpPr>
           <p:nvPr>
-            <p:ph type="sldNum" idx="4294967295"/>
+            <p:ph type="sldNum" idx="12"/>
           </p:nvPr>
         </p:nvSpPr>
-        <p:spPr>
-          <a:xfrm>
-            <a:off x="8404384" y="4749851"/>
-            <a:ext cx="548700" cy="393600"/>
-          </a:xfrm>
-          <a:prstGeom prst="rect">
-            <a:avLst/>
-          </a:prstGeom>
-        </p:spPr>
+        <p:spPr/>
         <p:txBody>
-          <a:bodyPr spcFirstLastPara="1" wrap="square" lIns="91425" tIns="91425" rIns="91425" bIns="91425" anchor="t" anchorCtr="0">
-            <a:noAutofit/>
-          </a:bodyPr>
+          <a:bodyPr/>
           <a:lstStyle/>
           <a:p>
             <a:pPr marL="0" lvl="0" indent="0" algn="r" rtl="0">
@@ -8864,17 +9483,17 @@
               <a:buNone/>
             </a:pPr>
             <a:fld id="{00000000-1234-1234-1234-123412341234}" type="slidenum">
-              <a:rPr lang="en"/>
+              <a:rPr lang="en" smtClean="0"/>
               <a:t>21</a:t>
             </a:fld>
-            <a:endParaRPr/>
+            <a:endParaRPr lang="en"/>
           </a:p>
         </p:txBody>
       </p:sp>
     </p:spTree>
     <p:extLst>
       <p:ext uri="{BB962C8B-B14F-4D97-AF65-F5344CB8AC3E}">
-        <p14:creationId xmlns:p14="http://schemas.microsoft.com/office/powerpoint/2010/main" val="3753200419"/>
+        <p14:creationId xmlns:p14="http://schemas.microsoft.com/office/powerpoint/2010/main" val="3595964566"/>
       </p:ext>
     </p:extLst>
   </p:cSld>
@@ -8941,7 +9560,7 @@
                   <a:srgbClr val="E6E6E6"/>
                 </a:solidFill>
               </a:rPr>
-              <a:t>6</a:t>
+              <a:t>2</a:t>
             </a:r>
             <a:endParaRPr sz="6000">
               <a:solidFill>
@@ -8950,11 +9569,18 @@
             </a:endParaRPr>
           </a:p>
           <a:p>
-            <a:r>
-              <a:rPr lang="en-US">
-                <a:effectLst/>
-              </a:rPr>
-              <a:t>Web Scraping</a:t>
+            <a:pPr marL="0" lvl="0" indent="0" algn="ctr" rtl="0">
+              <a:spcBef>
+                <a:spcPts val="0"/>
+              </a:spcBef>
+              <a:spcAft>
+                <a:spcPts val="0"/>
+              </a:spcAft>
+              <a:buNone/>
+            </a:pPr>
+            <a:r>
+              <a:rPr lang="en"/>
+              <a:t>NumPy</a:t>
             </a:r>
             <a:endParaRPr/>
           </a:p>
@@ -9005,6 +9631,686 @@
     </p:spTree>
     <p:extLst>
       <p:ext uri="{BB962C8B-B14F-4D97-AF65-F5344CB8AC3E}">
+        <p14:creationId xmlns:p14="http://schemas.microsoft.com/office/powerpoint/2010/main" val="1620004517"/>
+      </p:ext>
+    </p:extLst>
+  </p:cSld>
+  <p:clrMapOvr>
+    <a:masterClrMapping/>
+  </p:clrMapOvr>
+</p:sld>
+</file>
+
+<file path=ppt/slides/slide23.xml><?xml version="1.0" encoding="utf-8"?>
+<p:sld xmlns:a="http://schemas.openxmlformats.org/drawingml/2006/main" xmlns:r="http://schemas.openxmlformats.org/officeDocument/2006/relationships" xmlns:p="http://schemas.openxmlformats.org/presentationml/2006/main">
+  <p:cSld>
+    <p:spTree>
+      <p:nvGrpSpPr>
+        <p:cNvPr id="1" name=""/>
+        <p:cNvGrpSpPr/>
+        <p:nvPr/>
+      </p:nvGrpSpPr>
+      <p:grpSpPr>
+        <a:xfrm>
+          <a:off x="0" y="0"/>
+          <a:ext cx="0" cy="0"/>
+          <a:chOff x="0" y="0"/>
+          <a:chExt cx="0" cy="0"/>
+        </a:xfrm>
+      </p:grpSpPr>
+      <p:sp>
+        <p:nvSpPr>
+          <p:cNvPr id="2" name="Title 1">
+            <a:extLst>
+              <a:ext uri="{FF2B5EF4-FFF2-40B4-BE49-F238E27FC236}">
+                <a16:creationId xmlns:a16="http://schemas.microsoft.com/office/drawing/2014/main" id="{024AD384-5AD1-4435-A943-1241B2FACD62}"/>
+              </a:ext>
+            </a:extLst>
+          </p:cNvPr>
+          <p:cNvSpPr>
+            <a:spLocks noGrp="1"/>
+          </p:cNvSpPr>
+          <p:nvPr>
+            <p:ph type="title"/>
+          </p:nvPr>
+        </p:nvSpPr>
+        <p:spPr/>
+        <p:txBody>
+          <a:bodyPr/>
+          <a:lstStyle/>
+          <a:p>
+            <a:r>
+              <a:rPr lang="en-US" err="1"/>
+              <a:t>Numpy</a:t>
+            </a:r>
+            <a:r>
+              <a:rPr lang="en-US"/>
+              <a:t> Introduction</a:t>
+            </a:r>
+            <a:endParaRPr lang="fa-IR"/>
+          </a:p>
+        </p:txBody>
+      </p:sp>
+      <p:sp>
+        <p:nvSpPr>
+          <p:cNvPr id="3" name="Text Placeholder 2">
+            <a:extLst>
+              <a:ext uri="{FF2B5EF4-FFF2-40B4-BE49-F238E27FC236}">
+                <a16:creationId xmlns:a16="http://schemas.microsoft.com/office/drawing/2014/main" id="{58BE3078-8B89-4550-B497-93E4DADBD57E}"/>
+              </a:ext>
+            </a:extLst>
+          </p:cNvPr>
+          <p:cNvSpPr>
+            <a:spLocks noGrp="1"/>
+          </p:cNvSpPr>
+          <p:nvPr>
+            <p:ph type="body" idx="1"/>
+          </p:nvPr>
+        </p:nvSpPr>
+        <p:spPr>
+          <a:xfrm>
+            <a:off x="786150" y="1142608"/>
+            <a:ext cx="7571700" cy="3626431"/>
+          </a:xfrm>
+        </p:spPr>
+        <p:txBody>
+          <a:bodyPr/>
+          <a:lstStyle/>
+          <a:p>
+            <a:r>
+              <a:rPr lang="en-US" sz="1800"/>
+              <a:t>NumPy is a Python library used for working with arrays.</a:t>
+            </a:r>
+          </a:p>
+          <a:p>
+            <a:r>
+              <a:rPr lang="en-US" sz="1800"/>
+              <a:t>NumPy is short for "Numerical Python".</a:t>
+            </a:r>
+          </a:p>
+        </p:txBody>
+      </p:sp>
+      <p:sp>
+        <p:nvSpPr>
+          <p:cNvPr id="4" name="Slide Number Placeholder 3">
+            <a:extLst>
+              <a:ext uri="{FF2B5EF4-FFF2-40B4-BE49-F238E27FC236}">
+                <a16:creationId xmlns:a16="http://schemas.microsoft.com/office/drawing/2014/main" id="{64987AE6-EC0E-43DD-9376-95A5602EE5E1}"/>
+              </a:ext>
+            </a:extLst>
+          </p:cNvPr>
+          <p:cNvSpPr>
+            <a:spLocks noGrp="1"/>
+          </p:cNvSpPr>
+          <p:nvPr>
+            <p:ph type="sldNum" idx="12"/>
+          </p:nvPr>
+        </p:nvSpPr>
+        <p:spPr/>
+        <p:txBody>
+          <a:bodyPr/>
+          <a:lstStyle/>
+          <a:p>
+            <a:pPr marL="0" lvl="0" indent="0" algn="r" rtl="0">
+              <a:spcBef>
+                <a:spcPts val="0"/>
+              </a:spcBef>
+              <a:spcAft>
+                <a:spcPts val="0"/>
+              </a:spcAft>
+              <a:buNone/>
+            </a:pPr>
+            <a:fld id="{00000000-1234-1234-1234-123412341234}" type="slidenum">
+              <a:rPr lang="en" smtClean="0"/>
+              <a:t>23</a:t>
+            </a:fld>
+            <a:endParaRPr lang="en"/>
+          </a:p>
+        </p:txBody>
+      </p:sp>
+    </p:spTree>
+    <p:extLst>
+      <p:ext uri="{BB962C8B-B14F-4D97-AF65-F5344CB8AC3E}">
+        <p14:creationId xmlns:p14="http://schemas.microsoft.com/office/powerpoint/2010/main" val="4156460407"/>
+      </p:ext>
+    </p:extLst>
+  </p:cSld>
+  <p:clrMapOvr>
+    <a:masterClrMapping/>
+  </p:clrMapOvr>
+</p:sld>
+</file>
+
+<file path=ppt/slides/slide24.xml><?xml version="1.0" encoding="utf-8"?>
+<p:sld xmlns:a="http://schemas.openxmlformats.org/drawingml/2006/main" xmlns:r="http://schemas.openxmlformats.org/officeDocument/2006/relationships" xmlns:p="http://schemas.openxmlformats.org/presentationml/2006/main">
+  <p:cSld>
+    <p:spTree>
+      <p:nvGrpSpPr>
+        <p:cNvPr id="1" name="Shape 96"/>
+        <p:cNvGrpSpPr/>
+        <p:nvPr/>
+      </p:nvGrpSpPr>
+      <p:grpSpPr>
+        <a:xfrm>
+          <a:off x="0" y="0"/>
+          <a:ext cx="0" cy="0"/>
+          <a:chOff x="0" y="0"/>
+          <a:chExt cx="0" cy="0"/>
+        </a:xfrm>
+      </p:grpSpPr>
+      <p:sp>
+        <p:nvSpPr>
+          <p:cNvPr id="97" name="Google Shape;97;p15"/>
+          <p:cNvSpPr txBox="1">
+            <a:spLocks noGrp="1"/>
+          </p:cNvSpPr>
+          <p:nvPr>
+            <p:ph type="ctrTitle"/>
+          </p:nvPr>
+        </p:nvSpPr>
+        <p:spPr>
+          <a:xfrm>
+            <a:off x="1655700" y="1991850"/>
+            <a:ext cx="5832600" cy="1159800"/>
+          </a:xfrm>
+          <a:prstGeom prst="rect">
+            <a:avLst/>
+          </a:prstGeom>
+        </p:spPr>
+        <p:txBody>
+          <a:bodyPr spcFirstLastPara="1" wrap="square" lIns="91425" tIns="91425" rIns="91425" bIns="91425" anchor="ctr" anchorCtr="0">
+            <a:noAutofit/>
+          </a:bodyPr>
+          <a:lstStyle/>
+          <a:p>
+            <a:pPr marL="0" lvl="0" indent="0" algn="ctr" rtl="0">
+              <a:spcBef>
+                <a:spcPts val="0"/>
+              </a:spcBef>
+              <a:spcAft>
+                <a:spcPts val="0"/>
+              </a:spcAft>
+              <a:buNone/>
+            </a:pPr>
+            <a:r>
+              <a:rPr lang="en-US" sz="6000">
+                <a:solidFill>
+                  <a:srgbClr val="E6E6E6"/>
+                </a:solidFill>
+              </a:rPr>
+              <a:t>3</a:t>
+            </a:r>
+            <a:endParaRPr sz="6000">
+              <a:solidFill>
+                <a:srgbClr val="E6E6E6"/>
+              </a:solidFill>
+            </a:endParaRPr>
+          </a:p>
+          <a:p>
+            <a:pPr marL="0" lvl="0" indent="0" algn="ctr" rtl="0">
+              <a:spcBef>
+                <a:spcPts val="0"/>
+              </a:spcBef>
+              <a:spcAft>
+                <a:spcPts val="0"/>
+              </a:spcAft>
+              <a:buNone/>
+            </a:pPr>
+            <a:r>
+              <a:rPr lang="en"/>
+              <a:t>Pandas</a:t>
+            </a:r>
+            <a:endParaRPr/>
+          </a:p>
+        </p:txBody>
+      </p:sp>
+      <p:sp>
+        <p:nvSpPr>
+          <p:cNvPr id="99" name="Google Shape;99;p15"/>
+          <p:cNvSpPr txBox="1">
+            <a:spLocks noGrp="1"/>
+          </p:cNvSpPr>
+          <p:nvPr>
+            <p:ph type="sldNum" idx="4294967295"/>
+          </p:nvPr>
+        </p:nvSpPr>
+        <p:spPr>
+          <a:xfrm>
+            <a:off x="8404384" y="4749851"/>
+            <a:ext cx="548700" cy="393600"/>
+          </a:xfrm>
+          <a:prstGeom prst="rect">
+            <a:avLst/>
+          </a:prstGeom>
+        </p:spPr>
+        <p:txBody>
+          <a:bodyPr spcFirstLastPara="1" wrap="square" lIns="91425" tIns="91425" rIns="91425" bIns="91425" anchor="t" anchorCtr="0">
+            <a:noAutofit/>
+          </a:bodyPr>
+          <a:lstStyle/>
+          <a:p>
+            <a:pPr marL="0" lvl="0" indent="0" algn="r" rtl="0">
+              <a:spcBef>
+                <a:spcPts val="0"/>
+              </a:spcBef>
+              <a:spcAft>
+                <a:spcPts val="0"/>
+              </a:spcAft>
+              <a:buNone/>
+            </a:pPr>
+            <a:fld id="{00000000-1234-1234-1234-123412341234}" type="slidenum">
+              <a:rPr lang="en"/>
+              <a:t>24</a:t>
+            </a:fld>
+            <a:endParaRPr/>
+          </a:p>
+        </p:txBody>
+      </p:sp>
+    </p:spTree>
+    <p:extLst>
+      <p:ext uri="{BB962C8B-B14F-4D97-AF65-F5344CB8AC3E}">
+        <p14:creationId xmlns:p14="http://schemas.microsoft.com/office/powerpoint/2010/main" val="2729265455"/>
+      </p:ext>
+    </p:extLst>
+  </p:cSld>
+  <p:clrMapOvr>
+    <a:masterClrMapping/>
+  </p:clrMapOvr>
+</p:sld>
+</file>
+
+<file path=ppt/slides/slide25.xml><?xml version="1.0" encoding="utf-8"?>
+<p:sld xmlns:a="http://schemas.openxmlformats.org/drawingml/2006/main" xmlns:r="http://schemas.openxmlformats.org/officeDocument/2006/relationships" xmlns:p="http://schemas.openxmlformats.org/presentationml/2006/main">
+  <p:cSld>
+    <p:spTree>
+      <p:nvGrpSpPr>
+        <p:cNvPr id="1" name="Shape 96"/>
+        <p:cNvGrpSpPr/>
+        <p:nvPr/>
+      </p:nvGrpSpPr>
+      <p:grpSpPr>
+        <a:xfrm>
+          <a:off x="0" y="0"/>
+          <a:ext cx="0" cy="0"/>
+          <a:chOff x="0" y="0"/>
+          <a:chExt cx="0" cy="0"/>
+        </a:xfrm>
+      </p:grpSpPr>
+      <p:sp>
+        <p:nvSpPr>
+          <p:cNvPr id="97" name="Google Shape;97;p15"/>
+          <p:cNvSpPr txBox="1">
+            <a:spLocks noGrp="1"/>
+          </p:cNvSpPr>
+          <p:nvPr>
+            <p:ph type="ctrTitle"/>
+          </p:nvPr>
+        </p:nvSpPr>
+        <p:spPr>
+          <a:xfrm>
+            <a:off x="1655700" y="1991850"/>
+            <a:ext cx="5832600" cy="1159800"/>
+          </a:xfrm>
+          <a:prstGeom prst="rect">
+            <a:avLst/>
+          </a:prstGeom>
+        </p:spPr>
+        <p:txBody>
+          <a:bodyPr spcFirstLastPara="1" wrap="square" lIns="91425" tIns="91425" rIns="91425" bIns="91425" anchor="ctr" anchorCtr="0">
+            <a:noAutofit/>
+          </a:bodyPr>
+          <a:lstStyle/>
+          <a:p>
+            <a:pPr marL="0" lvl="0" indent="0" algn="ctr" rtl="0">
+              <a:spcBef>
+                <a:spcPts val="0"/>
+              </a:spcBef>
+              <a:spcAft>
+                <a:spcPts val="0"/>
+              </a:spcAft>
+              <a:buNone/>
+            </a:pPr>
+            <a:r>
+              <a:rPr lang="en-US" sz="6000">
+                <a:solidFill>
+                  <a:srgbClr val="E6E6E6"/>
+                </a:solidFill>
+              </a:rPr>
+              <a:t>4</a:t>
+            </a:r>
+            <a:endParaRPr sz="6000">
+              <a:solidFill>
+                <a:srgbClr val="E6E6E6"/>
+              </a:solidFill>
+            </a:endParaRPr>
+          </a:p>
+          <a:p>
+            <a:pPr marL="0" lvl="0" indent="0" algn="ctr" rtl="0">
+              <a:spcBef>
+                <a:spcPts val="0"/>
+              </a:spcBef>
+              <a:spcAft>
+                <a:spcPts val="0"/>
+              </a:spcAft>
+              <a:buNone/>
+            </a:pPr>
+            <a:r>
+              <a:rPr lang="en"/>
+              <a:t>Matplotlib</a:t>
+            </a:r>
+            <a:endParaRPr/>
+          </a:p>
+        </p:txBody>
+      </p:sp>
+      <p:sp>
+        <p:nvSpPr>
+          <p:cNvPr id="99" name="Google Shape;99;p15"/>
+          <p:cNvSpPr txBox="1">
+            <a:spLocks noGrp="1"/>
+          </p:cNvSpPr>
+          <p:nvPr>
+            <p:ph type="sldNum" idx="4294967295"/>
+          </p:nvPr>
+        </p:nvSpPr>
+        <p:spPr>
+          <a:xfrm>
+            <a:off x="8404384" y="4749851"/>
+            <a:ext cx="548700" cy="393600"/>
+          </a:xfrm>
+          <a:prstGeom prst="rect">
+            <a:avLst/>
+          </a:prstGeom>
+        </p:spPr>
+        <p:txBody>
+          <a:bodyPr spcFirstLastPara="1" wrap="square" lIns="91425" tIns="91425" rIns="91425" bIns="91425" anchor="t" anchorCtr="0">
+            <a:noAutofit/>
+          </a:bodyPr>
+          <a:lstStyle/>
+          <a:p>
+            <a:pPr marL="0" lvl="0" indent="0" algn="r" rtl="0">
+              <a:spcBef>
+                <a:spcPts val="0"/>
+              </a:spcBef>
+              <a:spcAft>
+                <a:spcPts val="0"/>
+              </a:spcAft>
+              <a:buNone/>
+            </a:pPr>
+            <a:fld id="{00000000-1234-1234-1234-123412341234}" type="slidenum">
+              <a:rPr lang="en"/>
+              <a:t>25</a:t>
+            </a:fld>
+            <a:endParaRPr/>
+          </a:p>
+        </p:txBody>
+      </p:sp>
+    </p:spTree>
+    <p:extLst>
+      <p:ext uri="{BB962C8B-B14F-4D97-AF65-F5344CB8AC3E}">
+        <p14:creationId xmlns:p14="http://schemas.microsoft.com/office/powerpoint/2010/main" val="2458102878"/>
+      </p:ext>
+    </p:extLst>
+  </p:cSld>
+  <p:clrMapOvr>
+    <a:masterClrMapping/>
+  </p:clrMapOvr>
+</p:sld>
+</file>
+
+<file path=ppt/slides/slide26.xml><?xml version="1.0" encoding="utf-8"?>
+<p:sld xmlns:a="http://schemas.openxmlformats.org/drawingml/2006/main" xmlns:r="http://schemas.openxmlformats.org/officeDocument/2006/relationships" xmlns:p="http://schemas.openxmlformats.org/presentationml/2006/main">
+  <p:cSld>
+    <p:spTree>
+      <p:nvGrpSpPr>
+        <p:cNvPr id="1" name="Shape 96"/>
+        <p:cNvGrpSpPr/>
+        <p:nvPr/>
+      </p:nvGrpSpPr>
+      <p:grpSpPr>
+        <a:xfrm>
+          <a:off x="0" y="0"/>
+          <a:ext cx="0" cy="0"/>
+          <a:chOff x="0" y="0"/>
+          <a:chExt cx="0" cy="0"/>
+        </a:xfrm>
+      </p:grpSpPr>
+      <p:sp>
+        <p:nvSpPr>
+          <p:cNvPr id="97" name="Google Shape;97;p15"/>
+          <p:cNvSpPr txBox="1">
+            <a:spLocks noGrp="1"/>
+          </p:cNvSpPr>
+          <p:nvPr>
+            <p:ph type="ctrTitle"/>
+          </p:nvPr>
+        </p:nvSpPr>
+        <p:spPr>
+          <a:xfrm>
+            <a:off x="1655700" y="1991850"/>
+            <a:ext cx="5832600" cy="1159800"/>
+          </a:xfrm>
+          <a:prstGeom prst="rect">
+            <a:avLst/>
+          </a:prstGeom>
+        </p:spPr>
+        <p:txBody>
+          <a:bodyPr spcFirstLastPara="1" wrap="square" lIns="91425" tIns="91425" rIns="91425" bIns="91425" anchor="ctr" anchorCtr="0">
+            <a:noAutofit/>
+          </a:bodyPr>
+          <a:lstStyle/>
+          <a:p>
+            <a:pPr marL="0" lvl="0" indent="0" algn="ctr" rtl="0">
+              <a:spcBef>
+                <a:spcPts val="0"/>
+              </a:spcBef>
+              <a:spcAft>
+                <a:spcPts val="0"/>
+              </a:spcAft>
+              <a:buNone/>
+            </a:pPr>
+            <a:r>
+              <a:rPr lang="en-US" sz="6000">
+                <a:solidFill>
+                  <a:srgbClr val="E6E6E6"/>
+                </a:solidFill>
+              </a:rPr>
+              <a:t>5</a:t>
+            </a:r>
+            <a:endParaRPr sz="6000">
+              <a:solidFill>
+                <a:srgbClr val="E6E6E6"/>
+              </a:solidFill>
+            </a:endParaRPr>
+          </a:p>
+          <a:p>
+            <a:r>
+              <a:rPr lang="en-US"/>
+              <a:t>S</a:t>
+            </a:r>
+            <a:r>
+              <a:rPr lang="en-US" b="1"/>
+              <a:t>cikit-learn</a:t>
+            </a:r>
+            <a:endParaRPr/>
+          </a:p>
+        </p:txBody>
+      </p:sp>
+      <p:sp>
+        <p:nvSpPr>
+          <p:cNvPr id="99" name="Google Shape;99;p15"/>
+          <p:cNvSpPr txBox="1">
+            <a:spLocks noGrp="1"/>
+          </p:cNvSpPr>
+          <p:nvPr>
+            <p:ph type="sldNum" idx="4294967295"/>
+          </p:nvPr>
+        </p:nvSpPr>
+        <p:spPr>
+          <a:xfrm>
+            <a:off x="8404384" y="4749851"/>
+            <a:ext cx="548700" cy="393600"/>
+          </a:xfrm>
+          <a:prstGeom prst="rect">
+            <a:avLst/>
+          </a:prstGeom>
+        </p:spPr>
+        <p:txBody>
+          <a:bodyPr spcFirstLastPara="1" wrap="square" lIns="91425" tIns="91425" rIns="91425" bIns="91425" anchor="t" anchorCtr="0">
+            <a:noAutofit/>
+          </a:bodyPr>
+          <a:lstStyle/>
+          <a:p>
+            <a:pPr marL="0" lvl="0" indent="0" algn="r" rtl="0">
+              <a:spcBef>
+                <a:spcPts val="0"/>
+              </a:spcBef>
+              <a:spcAft>
+                <a:spcPts val="0"/>
+              </a:spcAft>
+              <a:buNone/>
+            </a:pPr>
+            <a:fld id="{00000000-1234-1234-1234-123412341234}" type="slidenum">
+              <a:rPr lang="en"/>
+              <a:t>26</a:t>
+            </a:fld>
+            <a:endParaRPr/>
+          </a:p>
+        </p:txBody>
+      </p:sp>
+    </p:spTree>
+    <p:extLst>
+      <p:ext uri="{BB962C8B-B14F-4D97-AF65-F5344CB8AC3E}">
+        <p14:creationId xmlns:p14="http://schemas.microsoft.com/office/powerpoint/2010/main" val="3753200419"/>
+      </p:ext>
+    </p:extLst>
+  </p:cSld>
+  <p:clrMapOvr>
+    <a:masterClrMapping/>
+  </p:clrMapOvr>
+</p:sld>
+</file>
+
+<file path=ppt/slides/slide27.xml><?xml version="1.0" encoding="utf-8"?>
+<p:sld xmlns:a="http://schemas.openxmlformats.org/drawingml/2006/main" xmlns:r="http://schemas.openxmlformats.org/officeDocument/2006/relationships" xmlns:p="http://schemas.openxmlformats.org/presentationml/2006/main">
+  <p:cSld>
+    <p:spTree>
+      <p:nvGrpSpPr>
+        <p:cNvPr id="1" name="Shape 96"/>
+        <p:cNvGrpSpPr/>
+        <p:nvPr/>
+      </p:nvGrpSpPr>
+      <p:grpSpPr>
+        <a:xfrm>
+          <a:off x="0" y="0"/>
+          <a:ext cx="0" cy="0"/>
+          <a:chOff x="0" y="0"/>
+          <a:chExt cx="0" cy="0"/>
+        </a:xfrm>
+      </p:grpSpPr>
+      <p:sp>
+        <p:nvSpPr>
+          <p:cNvPr id="97" name="Google Shape;97;p15"/>
+          <p:cNvSpPr txBox="1">
+            <a:spLocks noGrp="1"/>
+          </p:cNvSpPr>
+          <p:nvPr>
+            <p:ph type="ctrTitle"/>
+          </p:nvPr>
+        </p:nvSpPr>
+        <p:spPr>
+          <a:xfrm>
+            <a:off x="1655700" y="1991850"/>
+            <a:ext cx="5832600" cy="1159800"/>
+          </a:xfrm>
+          <a:prstGeom prst="rect">
+            <a:avLst/>
+          </a:prstGeom>
+        </p:spPr>
+        <p:txBody>
+          <a:bodyPr spcFirstLastPara="1" wrap="square" lIns="91425" tIns="91425" rIns="91425" bIns="91425" anchor="ctr" anchorCtr="0">
+            <a:noAutofit/>
+          </a:bodyPr>
+          <a:lstStyle/>
+          <a:p>
+            <a:pPr marL="0" lvl="0" indent="0" algn="ctr" rtl="0">
+              <a:spcBef>
+                <a:spcPts val="0"/>
+              </a:spcBef>
+              <a:spcAft>
+                <a:spcPts val="0"/>
+              </a:spcAft>
+              <a:buNone/>
+            </a:pPr>
+            <a:r>
+              <a:rPr lang="en-US" sz="6000">
+                <a:solidFill>
+                  <a:srgbClr val="E6E6E6"/>
+                </a:solidFill>
+              </a:rPr>
+              <a:t>6</a:t>
+            </a:r>
+            <a:endParaRPr sz="6000">
+              <a:solidFill>
+                <a:srgbClr val="E6E6E6"/>
+              </a:solidFill>
+            </a:endParaRPr>
+          </a:p>
+          <a:p>
+            <a:r>
+              <a:rPr lang="en-US">
+                <a:effectLst/>
+              </a:rPr>
+              <a:t>Web Scraping</a:t>
+            </a:r>
+            <a:endParaRPr/>
+          </a:p>
+        </p:txBody>
+      </p:sp>
+      <p:sp>
+        <p:nvSpPr>
+          <p:cNvPr id="99" name="Google Shape;99;p15"/>
+          <p:cNvSpPr txBox="1">
+            <a:spLocks noGrp="1"/>
+          </p:cNvSpPr>
+          <p:nvPr>
+            <p:ph type="sldNum" idx="4294967295"/>
+          </p:nvPr>
+        </p:nvSpPr>
+        <p:spPr>
+          <a:xfrm>
+            <a:off x="8404384" y="4749851"/>
+            <a:ext cx="548700" cy="393600"/>
+          </a:xfrm>
+          <a:prstGeom prst="rect">
+            <a:avLst/>
+          </a:prstGeom>
+        </p:spPr>
+        <p:txBody>
+          <a:bodyPr spcFirstLastPara="1" wrap="square" lIns="91425" tIns="91425" rIns="91425" bIns="91425" anchor="t" anchorCtr="0">
+            <a:noAutofit/>
+          </a:bodyPr>
+          <a:lstStyle/>
+          <a:p>
+            <a:pPr marL="0" lvl="0" indent="0" algn="r" rtl="0">
+              <a:spcBef>
+                <a:spcPts val="0"/>
+              </a:spcBef>
+              <a:spcAft>
+                <a:spcPts val="0"/>
+              </a:spcAft>
+              <a:buNone/>
+            </a:pPr>
+            <a:fld id="{00000000-1234-1234-1234-123412341234}" type="slidenum">
+              <a:rPr lang="en"/>
+              <a:t>27</a:t>
+            </a:fld>
+            <a:endParaRPr/>
+          </a:p>
+        </p:txBody>
+      </p:sp>
+    </p:spTree>
+    <p:extLst>
+      <p:ext uri="{BB962C8B-B14F-4D97-AF65-F5344CB8AC3E}">
         <p14:creationId xmlns:p14="http://schemas.microsoft.com/office/powerpoint/2010/main" val="3538335587"/>
       </p:ext>
     </p:extLst>
@@ -9015,7 +10321,7 @@
 </p:sld>
 </file>
 
-<file path=ppt/slides/slide23.xml><?xml version="1.0" encoding="utf-8"?>
+<file path=ppt/slides/slide28.xml><?xml version="1.0" encoding="utf-8"?>
 <p:sld xmlns:a="http://schemas.openxmlformats.org/drawingml/2006/main" xmlns:r="http://schemas.openxmlformats.org/officeDocument/2006/relationships" xmlns:p="http://schemas.openxmlformats.org/presentationml/2006/main">
   <p:cSld>
     <p:spTree>
@@ -9244,7 +10550,7 @@
             </a:pPr>
             <a:fld id="{00000000-1234-1234-1234-123412341234}" type="slidenum">
               <a:rPr lang="en"/>
-              <a:t>23</a:t>
+              <a:t>28</a:t>
             </a:fld>
             <a:endParaRPr/>
           </a:p>
@@ -9258,7 +10564,7 @@
 </p:sld>
 </file>
 
-<file path=ppt/slides/slide24.xml><?xml version="1.0" encoding="utf-8"?>
+<file path=ppt/slides/slide29.xml><?xml version="1.0" encoding="utf-8"?>
 <p:sld xmlns:a="http://schemas.openxmlformats.org/drawingml/2006/main" xmlns:r="http://schemas.openxmlformats.org/officeDocument/2006/relationships" xmlns:p="http://schemas.openxmlformats.org/presentationml/2006/main">
   <p:cSld>
     <p:spTree>
@@ -9395,7 +10701,7 @@
             </a:pPr>
             <a:fld id="{00000000-1234-1234-1234-123412341234}" type="slidenum">
               <a:rPr lang="en"/>
-              <a:t>24</a:t>
+              <a:t>29</a:t>
             </a:fld>
             <a:endParaRPr/>
           </a:p>

--- a/Python.pptx
+++ b/Python.pptx
@@ -5,10 +5,10 @@
     <p:sldMasterId id="2147483658" r:id="rId1"/>
   </p:sldMasterIdLst>
   <p:notesMasterIdLst>
-    <p:notesMasterId r:id="rId31"/>
+    <p:notesMasterId r:id="rId34"/>
   </p:notesMasterIdLst>
   <p:handoutMasterIdLst>
-    <p:handoutMasterId r:id="rId32"/>
+    <p:handoutMasterId r:id="rId35"/>
   </p:handoutMasterIdLst>
   <p:sldIdLst>
     <p:sldId id="256" r:id="rId2"/>
@@ -32,43 +32,46 @@
     <p:sldId id="304" r:id="rId20"/>
     <p:sldId id="305" r:id="rId21"/>
     <p:sldId id="306" r:id="rId22"/>
-    <p:sldId id="281" r:id="rId23"/>
-    <p:sldId id="289" r:id="rId24"/>
-    <p:sldId id="282" r:id="rId25"/>
-    <p:sldId id="283" r:id="rId26"/>
-    <p:sldId id="286" r:id="rId27"/>
-    <p:sldId id="287" r:id="rId28"/>
-    <p:sldId id="280" r:id="rId29"/>
-    <p:sldId id="271" r:id="rId30"/>
+    <p:sldId id="307" r:id="rId23"/>
+    <p:sldId id="308" r:id="rId24"/>
+    <p:sldId id="309" r:id="rId25"/>
+    <p:sldId id="281" r:id="rId26"/>
+    <p:sldId id="289" r:id="rId27"/>
+    <p:sldId id="282" r:id="rId28"/>
+    <p:sldId id="283" r:id="rId29"/>
+    <p:sldId id="286" r:id="rId30"/>
+    <p:sldId id="287" r:id="rId31"/>
+    <p:sldId id="280" r:id="rId32"/>
+    <p:sldId id="271" r:id="rId33"/>
   </p:sldIdLst>
   <p:sldSz cx="9144000" cy="5143500" type="screen16x9"/>
   <p:notesSz cx="6858000" cy="9144000"/>
   <p:embeddedFontLst>
     <p:embeddedFont>
       <p:font typeface="Consolas" panose="020B0609020204030204" pitchFamily="49" charset="0"/>
-      <p:regular r:id="rId33"/>
-      <p:bold r:id="rId34"/>
-      <p:italic r:id="rId35"/>
-      <p:boldItalic r:id="rId36"/>
+      <p:regular r:id="rId36"/>
+      <p:bold r:id="rId37"/>
+      <p:italic r:id="rId38"/>
+      <p:boldItalic r:id="rId39"/>
     </p:embeddedFont>
     <p:embeddedFont>
       <p:font typeface="Roboto Slab" panose="020B0604020202020204" charset="0"/>
-      <p:regular r:id="rId37"/>
-      <p:bold r:id="rId38"/>
+      <p:regular r:id="rId40"/>
+      <p:bold r:id="rId41"/>
     </p:embeddedFont>
     <p:embeddedFont>
       <p:font typeface="Source Sans Pro" panose="020B0503030403020204" pitchFamily="34" charset="0"/>
-      <p:regular r:id="rId39"/>
-      <p:bold r:id="rId40"/>
-      <p:italic r:id="rId41"/>
-      <p:boldItalic r:id="rId42"/>
+      <p:regular r:id="rId42"/>
+      <p:bold r:id="rId43"/>
+      <p:italic r:id="rId44"/>
+      <p:boldItalic r:id="rId45"/>
     </p:embeddedFont>
     <p:embeddedFont>
       <p:font typeface="Trebuchet MS" panose="020B0603020202020204" pitchFamily="34" charset="0"/>
-      <p:regular r:id="rId43"/>
-      <p:bold r:id="rId44"/>
-      <p:italic r:id="rId45"/>
-      <p:boldItalic r:id="rId46"/>
+      <p:regular r:id="rId46"/>
+      <p:bold r:id="rId47"/>
+      <p:italic r:id="rId48"/>
+      <p:boldItalic r:id="rId49"/>
     </p:embeddedFont>
   </p:embeddedFontLst>
   <p:defaultTextStyle>
@@ -5336,14 +5339,14 @@
               <a:buNone/>
             </a:pPr>
             <a:r>
-              <a:rPr lang="en-US" sz="1200">
+              <a:rPr lang="en-US" sz="1100">
                 <a:latin typeface="Consolas" panose="020B0609020204030204" pitchFamily="49" charset="0"/>
                 <a:cs typeface="Courier New" panose="02070309020205020404" pitchFamily="49" charset="0"/>
               </a:rPr>
               <a:t>a = </a:t>
             </a:r>
             <a:r>
-              <a:rPr lang="en-US" sz="1200">
+              <a:rPr lang="en-US" sz="1100">
                 <a:solidFill>
                   <a:schemeClr val="accent1"/>
                 </a:solidFill>
@@ -5353,14 +5356,14 @@
               <a:t>'</a:t>
             </a:r>
             <a:r>
-              <a:rPr lang="en-US" sz="1200">
+              <a:rPr lang="en-US" sz="1100">
                 <a:latin typeface="Consolas" panose="020B0609020204030204" pitchFamily="49" charset="0"/>
                 <a:cs typeface="Courier New" panose="02070309020205020404" pitchFamily="49" charset="0"/>
               </a:rPr>
               <a:t>Hello!</a:t>
             </a:r>
             <a:r>
-              <a:rPr lang="en-US" sz="1200">
+              <a:rPr lang="en-US" sz="1100">
                 <a:solidFill>
                   <a:schemeClr val="accent1"/>
                 </a:solidFill>
@@ -5375,14 +5378,14 @@
               <a:buNone/>
             </a:pPr>
             <a:r>
-              <a:rPr lang="en-US" sz="1200">
+              <a:rPr lang="en-US" sz="1100">
                 <a:latin typeface="Consolas" panose="020B0609020204030204" pitchFamily="49" charset="0"/>
                 <a:cs typeface="Courier New" panose="02070309020205020404" pitchFamily="49" charset="0"/>
               </a:rPr>
               <a:t>b = </a:t>
             </a:r>
             <a:r>
-              <a:rPr lang="en-US" sz="1200">
+              <a:rPr lang="en-US" sz="1100">
                 <a:solidFill>
                   <a:schemeClr val="accent1"/>
                 </a:solidFill>
@@ -5392,7 +5395,7 @@
               <a:t>'''</a:t>
             </a:r>
             <a:r>
-              <a:rPr lang="en-US" sz="1200">
+              <a:rPr lang="en-US" sz="1100">
                 <a:latin typeface="Consolas" panose="020B0609020204030204" pitchFamily="49" charset="0"/>
                 <a:cs typeface="Courier New" panose="02070309020205020404" pitchFamily="49" charset="0"/>
               </a:rPr>
@@ -5404,14 +5407,14 @@
               <a:buNone/>
             </a:pPr>
             <a:r>
-              <a:rPr lang="en-US" sz="1200">
+              <a:rPr lang="en-US" sz="1100">
                 <a:latin typeface="Consolas" panose="020B0609020204030204" pitchFamily="49" charset="0"/>
                 <a:cs typeface="Courier New" panose="02070309020205020404" pitchFamily="49" charset="0"/>
               </a:rPr>
               <a:t>How are you?</a:t>
             </a:r>
             <a:r>
-              <a:rPr lang="en-US" sz="1200">
+              <a:rPr lang="en-US" sz="1100">
                 <a:solidFill>
                   <a:schemeClr val="accent1"/>
                 </a:solidFill>
@@ -5443,7 +5446,7 @@
               <a:buNone/>
             </a:pPr>
             <a:r>
-              <a:rPr lang="en-US" sz="1200">
+              <a:rPr lang="en-US" sz="1100">
                 <a:latin typeface="Consolas" panose="020B0609020204030204" pitchFamily="49" charset="0"/>
                 <a:cs typeface="Courier New" panose="02070309020205020404" pitchFamily="49" charset="0"/>
               </a:rPr>
@@ -5455,14 +5458,14 @@
               <a:buNone/>
             </a:pPr>
             <a:r>
-              <a:rPr lang="en-US" sz="1200">
+              <a:rPr lang="en-US" sz="1100">
                 <a:latin typeface="Consolas" panose="020B0609020204030204" pitchFamily="49" charset="0"/>
                 <a:cs typeface="Courier New" panose="02070309020205020404" pitchFamily="49" charset="0"/>
               </a:rPr>
               <a:t>message = </a:t>
             </a:r>
             <a:r>
-              <a:rPr lang="en-US" sz="1200">
+              <a:rPr lang="en-US" sz="1100">
                 <a:solidFill>
                   <a:schemeClr val="accent1"/>
                 </a:solidFill>
@@ -5472,14 +5475,14 @@
               <a:t>f'</a:t>
             </a:r>
             <a:r>
-              <a:rPr lang="en-US" sz="1200">
+              <a:rPr lang="en-US" sz="1100">
                 <a:latin typeface="Consolas" panose="020B0609020204030204" pitchFamily="49" charset="0"/>
                 <a:cs typeface="Courier New" panose="02070309020205020404" pitchFamily="49" charset="0"/>
               </a:rPr>
               <a:t>Hello </a:t>
             </a:r>
             <a:r>
-              <a:rPr lang="en-US" sz="1200">
+              <a:rPr lang="en-US" sz="1100">
                 <a:solidFill>
                   <a:schemeClr val="accent1"/>
                 </a:solidFill>
@@ -5489,14 +5492,14 @@
               <a:t>{</a:t>
             </a:r>
             <a:r>
-              <a:rPr lang="en-US" sz="1200">
+              <a:rPr lang="en-US" sz="1100">
                 <a:latin typeface="Consolas" panose="020B0609020204030204" pitchFamily="49" charset="0"/>
                 <a:cs typeface="Courier New" panose="02070309020205020404" pitchFamily="49" charset="0"/>
               </a:rPr>
               <a:t>name</a:t>
             </a:r>
             <a:r>
-              <a:rPr lang="en-US" sz="1200">
+              <a:rPr lang="en-US" sz="1100">
                 <a:solidFill>
                   <a:schemeClr val="accent1"/>
                 </a:solidFill>
@@ -5506,14 +5509,14 @@
               <a:t>}</a:t>
             </a:r>
             <a:r>
-              <a:rPr lang="en-US" sz="1200">
+              <a:rPr lang="en-US" sz="1100">
                 <a:latin typeface="Consolas" panose="020B0609020204030204" pitchFamily="49" charset="0"/>
                 <a:cs typeface="Courier New" panose="02070309020205020404" pitchFamily="49" charset="0"/>
               </a:rPr>
               <a:t>, you are </a:t>
             </a:r>
             <a:r>
-              <a:rPr lang="en-US" sz="1200">
+              <a:rPr lang="en-US" sz="1100">
                 <a:solidFill>
                   <a:schemeClr val="accent1"/>
                 </a:solidFill>
@@ -5523,14 +5526,14 @@
               <a:t>{</a:t>
             </a:r>
             <a:r>
-              <a:rPr lang="en-US" sz="1200">
+              <a:rPr lang="en-US" sz="1100">
                 <a:latin typeface="Consolas" panose="020B0609020204030204" pitchFamily="49" charset="0"/>
                 <a:cs typeface="Courier New" panose="02070309020205020404" pitchFamily="49" charset="0"/>
               </a:rPr>
               <a:t>age</a:t>
             </a:r>
             <a:r>
-              <a:rPr lang="en-US" sz="1200">
+              <a:rPr lang="en-US" sz="1100">
                 <a:solidFill>
                   <a:schemeClr val="accent1"/>
                 </a:solidFill>
@@ -5540,14 +5543,14 @@
               <a:t>}</a:t>
             </a:r>
             <a:r>
-              <a:rPr lang="en-US" sz="1200">
+              <a:rPr lang="en-US" sz="1100">
                 <a:latin typeface="Consolas" panose="020B0609020204030204" pitchFamily="49" charset="0"/>
                 <a:cs typeface="Courier New" panose="02070309020205020404" pitchFamily="49" charset="0"/>
               </a:rPr>
               <a:t> years old!</a:t>
             </a:r>
             <a:r>
-              <a:rPr lang="en-US" sz="1200">
+              <a:rPr lang="en-US" sz="1100">
                 <a:solidFill>
                   <a:schemeClr val="accent1"/>
                 </a:solidFill>
@@ -5556,7 +5559,7 @@
               </a:rPr>
               <a:t>'</a:t>
             </a:r>
-            <a:endParaRPr lang="fr-FR" sz="1200">
+            <a:endParaRPr lang="fr-FR" sz="1100">
               <a:solidFill>
                 <a:schemeClr val="accent1"/>
               </a:solidFill>
@@ -5586,7 +5589,7 @@
               <a:buNone/>
             </a:pPr>
             <a:r>
-              <a:rPr lang="en-US" sz="1200">
+              <a:rPr lang="en-US" sz="1100">
                 <a:latin typeface="Consolas" panose="020B0609020204030204" pitchFamily="49" charset="0"/>
                 <a:cs typeface="Courier New" panose="02070309020205020404" pitchFamily="49" charset="0"/>
               </a:rPr>
@@ -5735,14 +5738,14 @@
               <a:buNone/>
             </a:pPr>
             <a:r>
-              <a:rPr lang="en-US" sz="1200">
+              <a:rPr lang="en-US" sz="1100">
                 <a:latin typeface="Consolas" panose="020B0609020204030204" pitchFamily="49" charset="0"/>
                 <a:cs typeface="Courier New" panose="02070309020205020404" pitchFamily="49" charset="0"/>
               </a:rPr>
               <a:t>a = </a:t>
             </a:r>
             <a:r>
-              <a:rPr lang="en-US" sz="1200">
+              <a:rPr lang="en-US" sz="1100">
                 <a:solidFill>
                   <a:schemeClr val="accent1"/>
                 </a:solidFill>
@@ -5757,14 +5760,14 @@
               <a:buNone/>
             </a:pPr>
             <a:r>
-              <a:rPr lang="en-US" sz="1200">
+              <a:rPr lang="en-US" sz="1100">
                 <a:latin typeface="Consolas" panose="020B0609020204030204" pitchFamily="49" charset="0"/>
                 <a:cs typeface="Courier New" panose="02070309020205020404" pitchFamily="49" charset="0"/>
               </a:rPr>
               <a:t>b = </a:t>
             </a:r>
             <a:r>
-              <a:rPr lang="en-US" sz="1200">
+              <a:rPr lang="en-US" sz="1100">
                 <a:solidFill>
                   <a:schemeClr val="accent1"/>
                 </a:solidFill>
@@ -5779,14 +5782,14 @@
               <a:buNone/>
             </a:pPr>
             <a:r>
-              <a:rPr lang="en-US" sz="1200">
+              <a:rPr lang="en-US" sz="1100">
                 <a:latin typeface="Consolas" panose="020B0609020204030204" pitchFamily="49" charset="0"/>
                 <a:cs typeface="Courier New" panose="02070309020205020404" pitchFamily="49" charset="0"/>
               </a:rPr>
               <a:t>c = 10 </a:t>
             </a:r>
             <a:r>
-              <a:rPr lang="en-US" sz="1200">
+              <a:rPr lang="en-US" sz="1100">
                 <a:solidFill>
                   <a:schemeClr val="accent1"/>
                 </a:solidFill>
@@ -5796,7 +5799,7 @@
               <a:t>&gt;=</a:t>
             </a:r>
             <a:r>
-              <a:rPr lang="en-US" sz="1200">
+              <a:rPr lang="en-US" sz="1100">
                 <a:latin typeface="Consolas" panose="020B0609020204030204" pitchFamily="49" charset="0"/>
                 <a:cs typeface="Courier New" panose="02070309020205020404" pitchFamily="49" charset="0"/>
               </a:rPr>
@@ -5808,14 +5811,14 @@
               <a:buNone/>
             </a:pPr>
             <a:r>
-              <a:rPr lang="en-US" sz="1200">
+              <a:rPr lang="en-US" sz="1100">
                 <a:latin typeface="Consolas" panose="020B0609020204030204" pitchFamily="49" charset="0"/>
                 <a:cs typeface="Courier New" panose="02070309020205020404" pitchFamily="49" charset="0"/>
               </a:rPr>
               <a:t>d = 10 </a:t>
             </a:r>
             <a:r>
-              <a:rPr lang="en-US" sz="1200">
+              <a:rPr lang="en-US" sz="1100">
                 <a:solidFill>
                   <a:schemeClr val="accent1"/>
                 </a:solidFill>
@@ -5825,7 +5828,7 @@
               <a:t>==</a:t>
             </a:r>
             <a:r>
-              <a:rPr lang="en-US" sz="1200">
+              <a:rPr lang="en-US" sz="1100">
                 <a:latin typeface="Consolas" panose="020B0609020204030204" pitchFamily="49" charset="0"/>
                 <a:cs typeface="Courier New" panose="02070309020205020404" pitchFamily="49" charset="0"/>
               </a:rPr>
@@ -5837,13 +5840,13 @@
               <a:buNone/>
             </a:pPr>
             <a:r>
-              <a:rPr lang="en-US" sz="1200">
+              <a:rPr lang="en-US" sz="1100">
                 <a:latin typeface="Consolas" panose="020B0609020204030204" pitchFamily="49" charset="0"/>
               </a:rPr>
               <a:t>e = 10 &gt; 9 </a:t>
             </a:r>
             <a:r>
-              <a:rPr lang="en-US" sz="1200">
+              <a:rPr lang="en-US" sz="1100">
                 <a:solidFill>
                   <a:schemeClr val="accent1"/>
                 </a:solidFill>
@@ -5852,7 +5855,7 @@
               <a:t>or</a:t>
             </a:r>
             <a:r>
-              <a:rPr lang="en-US" sz="1200">
+              <a:rPr lang="en-US" sz="1100">
                 <a:latin typeface="Consolas" panose="020B0609020204030204" pitchFamily="49" charset="0"/>
               </a:rPr>
               <a:t> 2 + 2 == 5</a:t>
@@ -5863,14 +5866,14 @@
               <a:buNone/>
             </a:pPr>
             <a:r>
-              <a:rPr lang="en-US" sz="1200">
+              <a:rPr lang="en-US" sz="1100">
                 <a:latin typeface="Consolas" panose="020B0609020204030204" pitchFamily="49" charset="0"/>
                 <a:cs typeface="Courier New" panose="02070309020205020404" pitchFamily="49" charset="0"/>
               </a:rPr>
               <a:t>f =</a:t>
             </a:r>
             <a:r>
-              <a:rPr lang="en-US" sz="1200">
+              <a:rPr lang="en-US" sz="1100">
                 <a:solidFill>
                   <a:schemeClr val="accent1"/>
                 </a:solidFill>
@@ -5879,7 +5882,7 @@
               <a:t> not</a:t>
             </a:r>
             <a:r>
-              <a:rPr lang="en-US" sz="1200">
+              <a:rPr lang="en-US" sz="1100">
                 <a:latin typeface="Consolas" panose="020B0609020204030204" pitchFamily="49" charset="0"/>
               </a:rPr>
               <a:t> 2 + 2 == 4</a:t>
@@ -5907,13 +5910,13 @@
               <a:buNone/>
             </a:pPr>
             <a:r>
-              <a:rPr lang="en-US" sz="1200">
+              <a:rPr lang="en-US" sz="1100">
                 <a:latin typeface="Consolas" panose="020B0609020204030204" pitchFamily="49" charset="0"/>
                 <a:cs typeface="Courier New" panose="02070309020205020404" pitchFamily="49" charset="0"/>
               </a:rPr>
               <a:t>&lt;  &lt;=  &gt;  &gt;=  ==  !=  and  or  not </a:t>
             </a:r>
-            <a:endParaRPr lang="fr-FR" sz="1200">
+            <a:endParaRPr lang="fr-FR" sz="1100">
               <a:latin typeface="Consolas" panose="020B0609020204030204" pitchFamily="49" charset="0"/>
               <a:cs typeface="Courier New" panose="02070309020205020404" pitchFamily="49" charset="0"/>
             </a:endParaRPr>
@@ -6060,14 +6063,14 @@
               <a:buNone/>
             </a:pPr>
             <a:r>
-              <a:rPr lang="en-US" sz="1200">
+              <a:rPr lang="en-US" sz="1100">
                 <a:latin typeface="Consolas" panose="020B0609020204030204" pitchFamily="49" charset="0"/>
                 <a:cs typeface="Courier New" panose="02070309020205020404" pitchFamily="49" charset="0"/>
               </a:rPr>
               <a:t>fruits = </a:t>
             </a:r>
             <a:r>
-              <a:rPr lang="en-US" sz="1200">
+              <a:rPr lang="en-US" sz="1100">
                 <a:solidFill>
                   <a:schemeClr val="accent1"/>
                 </a:solidFill>
@@ -6077,14 +6080,14 @@
               <a:t>[</a:t>
             </a:r>
             <a:r>
-              <a:rPr lang="en-US" sz="1200">
+              <a:rPr lang="en-US" sz="1100">
                 <a:latin typeface="Consolas" panose="020B0609020204030204" pitchFamily="49" charset="0"/>
                 <a:cs typeface="Courier New" panose="02070309020205020404" pitchFamily="49" charset="0"/>
               </a:rPr>
               <a:t>'apple'</a:t>
             </a:r>
             <a:r>
-              <a:rPr lang="en-US" sz="1200">
+              <a:rPr lang="en-US" sz="1100">
                 <a:solidFill>
                   <a:schemeClr val="accent1"/>
                 </a:solidFill>
@@ -6094,14 +6097,14 @@
               <a:t>,</a:t>
             </a:r>
             <a:r>
-              <a:rPr lang="en-US" sz="1200">
+              <a:rPr lang="en-US" sz="1100">
                 <a:latin typeface="Consolas" panose="020B0609020204030204" pitchFamily="49" charset="0"/>
                 <a:cs typeface="Courier New" panose="02070309020205020404" pitchFamily="49" charset="0"/>
               </a:rPr>
               <a:t> 'banana'</a:t>
             </a:r>
             <a:r>
-              <a:rPr lang="en-US" sz="1200">
+              <a:rPr lang="en-US" sz="1100">
                 <a:solidFill>
                   <a:schemeClr val="accent1"/>
                 </a:solidFill>
@@ -6111,14 +6114,14 @@
               <a:t>,</a:t>
             </a:r>
             <a:r>
-              <a:rPr lang="en-US" sz="1200">
+              <a:rPr lang="en-US" sz="1100">
                 <a:latin typeface="Consolas" panose="020B0609020204030204" pitchFamily="49" charset="0"/>
                 <a:cs typeface="Courier New" panose="02070309020205020404" pitchFamily="49" charset="0"/>
               </a:rPr>
               <a:t> 'cherry'</a:t>
             </a:r>
             <a:r>
-              <a:rPr lang="en-US" sz="1200">
+              <a:rPr lang="en-US" sz="1100">
                 <a:solidFill>
                   <a:schemeClr val="accent1"/>
                 </a:solidFill>
@@ -6150,14 +6153,14 @@
               <a:buNone/>
             </a:pPr>
             <a:r>
-              <a:rPr lang="en-US" sz="1200">
+              <a:rPr lang="en-US" sz="1100">
                 <a:latin typeface="Consolas" panose="020B0609020204030204" pitchFamily="49" charset="0"/>
                 <a:cs typeface="Courier New" panose="02070309020205020404" pitchFamily="49" charset="0"/>
               </a:rPr>
               <a:t>fruits = </a:t>
             </a:r>
             <a:r>
-              <a:rPr lang="en-US" sz="1200">
+              <a:rPr lang="en-US" sz="1100">
                 <a:solidFill>
                   <a:schemeClr val="accent1"/>
                 </a:solidFill>
@@ -6167,14 +6170,14 @@
               <a:t>(</a:t>
             </a:r>
             <a:r>
-              <a:rPr lang="en-US" sz="1200">
+              <a:rPr lang="en-US" sz="1100">
                 <a:latin typeface="Consolas" panose="020B0609020204030204" pitchFamily="49" charset="0"/>
                 <a:cs typeface="Courier New" panose="02070309020205020404" pitchFamily="49" charset="0"/>
               </a:rPr>
               <a:t>'apple'</a:t>
             </a:r>
             <a:r>
-              <a:rPr lang="en-US" sz="1200">
+              <a:rPr lang="en-US" sz="1100">
                 <a:solidFill>
                   <a:schemeClr val="accent1"/>
                 </a:solidFill>
@@ -6184,14 +6187,14 @@
               <a:t>,</a:t>
             </a:r>
             <a:r>
-              <a:rPr lang="en-US" sz="1200">
+              <a:rPr lang="en-US" sz="1100">
                 <a:latin typeface="Consolas" panose="020B0609020204030204" pitchFamily="49" charset="0"/>
                 <a:cs typeface="Courier New" panose="02070309020205020404" pitchFamily="49" charset="0"/>
               </a:rPr>
               <a:t> 'banana'</a:t>
             </a:r>
             <a:r>
-              <a:rPr lang="en-US" sz="1200">
+              <a:rPr lang="en-US" sz="1100">
                 <a:solidFill>
                   <a:schemeClr val="accent1"/>
                 </a:solidFill>
@@ -6201,14 +6204,14 @@
               <a:t>,</a:t>
             </a:r>
             <a:r>
-              <a:rPr lang="en-US" sz="1200">
+              <a:rPr lang="en-US" sz="1100">
                 <a:latin typeface="Consolas" panose="020B0609020204030204" pitchFamily="49" charset="0"/>
                 <a:cs typeface="Courier New" panose="02070309020205020404" pitchFamily="49" charset="0"/>
               </a:rPr>
               <a:t> 'cherry'</a:t>
             </a:r>
             <a:r>
-              <a:rPr lang="en-US" sz="1200">
+              <a:rPr lang="en-US" sz="1100">
                 <a:solidFill>
                   <a:schemeClr val="accent1"/>
                 </a:solidFill>
@@ -6241,14 +6244,14 @@
               <a:buNone/>
             </a:pPr>
             <a:r>
-              <a:rPr lang="en-US" sz="1200">
+              <a:rPr lang="en-US" sz="1100">
                 <a:latin typeface="Consolas" panose="020B0609020204030204" pitchFamily="49" charset="0"/>
                 <a:cs typeface="Courier New" panose="02070309020205020404" pitchFamily="49" charset="0"/>
               </a:rPr>
               <a:t>fruits = </a:t>
             </a:r>
             <a:r>
-              <a:rPr lang="en-US" sz="1200">
+              <a:rPr lang="en-US" sz="1100">
                 <a:solidFill>
                   <a:schemeClr val="accent1"/>
                 </a:solidFill>
@@ -6258,14 +6261,14 @@
               <a:t>{</a:t>
             </a:r>
             <a:r>
-              <a:rPr lang="en-US" sz="1200">
+              <a:rPr lang="en-US" sz="1100">
                 <a:latin typeface="Consolas" panose="020B0609020204030204" pitchFamily="49" charset="0"/>
                 <a:cs typeface="Courier New" panose="02070309020205020404" pitchFamily="49" charset="0"/>
               </a:rPr>
               <a:t>'apple'</a:t>
             </a:r>
             <a:r>
-              <a:rPr lang="en-US" sz="1200">
+              <a:rPr lang="en-US" sz="1100">
                 <a:solidFill>
                   <a:schemeClr val="accent1"/>
                 </a:solidFill>
@@ -6275,14 +6278,14 @@
               <a:t>,</a:t>
             </a:r>
             <a:r>
-              <a:rPr lang="en-US" sz="1200">
+              <a:rPr lang="en-US" sz="1100">
                 <a:latin typeface="Consolas" panose="020B0609020204030204" pitchFamily="49" charset="0"/>
                 <a:cs typeface="Courier New" panose="02070309020205020404" pitchFamily="49" charset="0"/>
               </a:rPr>
               <a:t> 'banana'</a:t>
             </a:r>
             <a:r>
-              <a:rPr lang="en-US" sz="1200">
+              <a:rPr lang="en-US" sz="1100">
                 <a:solidFill>
                   <a:schemeClr val="accent1"/>
                 </a:solidFill>
@@ -6292,14 +6295,14 @@
               <a:t>,</a:t>
             </a:r>
             <a:r>
-              <a:rPr lang="en-US" sz="1200">
+              <a:rPr lang="en-US" sz="1100">
                 <a:latin typeface="Consolas" panose="020B0609020204030204" pitchFamily="49" charset="0"/>
                 <a:cs typeface="Courier New" panose="02070309020205020404" pitchFamily="49" charset="0"/>
               </a:rPr>
               <a:t> 'cherry’</a:t>
             </a:r>
             <a:r>
-              <a:rPr lang="en-US" sz="1200">
+              <a:rPr lang="en-US" sz="1100">
                 <a:solidFill>
                   <a:schemeClr val="accent1"/>
                 </a:solidFill>
@@ -6332,14 +6335,14 @@
               <a:buNone/>
             </a:pPr>
             <a:r>
-              <a:rPr lang="en-US" sz="1200">
+              <a:rPr lang="en-US" sz="1100">
                 <a:latin typeface="Consolas" panose="020B0609020204030204" pitchFamily="49" charset="0"/>
                 <a:cs typeface="Courier New" panose="02070309020205020404" pitchFamily="49" charset="0"/>
               </a:rPr>
               <a:t>fruits = </a:t>
             </a:r>
             <a:r>
-              <a:rPr lang="en-US" sz="1200">
+              <a:rPr lang="en-US" sz="1100">
                 <a:solidFill>
                   <a:schemeClr val="accent1"/>
                 </a:solidFill>
@@ -6349,14 +6352,14 @@
               <a:t>{</a:t>
             </a:r>
             <a:r>
-              <a:rPr lang="en-US" sz="1200">
+              <a:rPr lang="en-US" sz="1100">
                 <a:latin typeface="Consolas" panose="020B0609020204030204" pitchFamily="49" charset="0"/>
                 <a:cs typeface="Courier New" panose="02070309020205020404" pitchFamily="49" charset="0"/>
               </a:rPr>
               <a:t>'apple'</a:t>
             </a:r>
             <a:r>
-              <a:rPr lang="en-US" sz="1200">
+              <a:rPr lang="en-US" sz="1100">
                 <a:solidFill>
                   <a:schemeClr val="accent1"/>
                 </a:solidFill>
@@ -6366,14 +6369,14 @@
               <a:t>:</a:t>
             </a:r>
             <a:r>
-              <a:rPr lang="en-US" sz="1200">
+              <a:rPr lang="en-US" sz="1100">
                 <a:latin typeface="Consolas" panose="020B0609020204030204" pitchFamily="49" charset="0"/>
                 <a:cs typeface="Courier New" panose="02070309020205020404" pitchFamily="49" charset="0"/>
               </a:rPr>
               <a:t> 'green'</a:t>
             </a:r>
             <a:r>
-              <a:rPr lang="en-US" sz="1200">
+              <a:rPr lang="en-US" sz="1100">
                 <a:solidFill>
                   <a:schemeClr val="accent1"/>
                 </a:solidFill>
@@ -6383,14 +6386,14 @@
               <a:t>,</a:t>
             </a:r>
             <a:r>
-              <a:rPr lang="en-US" sz="1200">
+              <a:rPr lang="en-US" sz="1100">
                 <a:latin typeface="Consolas" panose="020B0609020204030204" pitchFamily="49" charset="0"/>
                 <a:cs typeface="Courier New" panose="02070309020205020404" pitchFamily="49" charset="0"/>
               </a:rPr>
               <a:t> 'banana'</a:t>
             </a:r>
             <a:r>
-              <a:rPr lang="en-US" sz="1200">
+              <a:rPr lang="en-US" sz="1100">
                 <a:solidFill>
                   <a:schemeClr val="accent1"/>
                 </a:solidFill>
@@ -6400,14 +6403,14 @@
               <a:t>:</a:t>
             </a:r>
             <a:r>
-              <a:rPr lang="en-US" sz="1200">
+              <a:rPr lang="en-US" sz="1100">
                 <a:latin typeface="Consolas" panose="020B0609020204030204" pitchFamily="49" charset="0"/>
                 <a:cs typeface="Courier New" panose="02070309020205020404" pitchFamily="49" charset="0"/>
               </a:rPr>
               <a:t> 'yellow'</a:t>
             </a:r>
             <a:r>
-              <a:rPr lang="en-US" sz="1200">
+              <a:rPr lang="en-US" sz="1100">
                 <a:solidFill>
                   <a:schemeClr val="accent1"/>
                 </a:solidFill>
@@ -6417,14 +6420,14 @@
               <a:t>,</a:t>
             </a:r>
             <a:r>
-              <a:rPr lang="en-US" sz="1200">
+              <a:rPr lang="en-US" sz="1100">
                 <a:latin typeface="Consolas" panose="020B0609020204030204" pitchFamily="49" charset="0"/>
                 <a:cs typeface="Courier New" panose="02070309020205020404" pitchFamily="49" charset="0"/>
               </a:rPr>
               <a:t> 'cherry'</a:t>
             </a:r>
             <a:r>
-              <a:rPr lang="en-US" sz="1200">
+              <a:rPr lang="en-US" sz="1100">
                 <a:solidFill>
                   <a:schemeClr val="accent1"/>
                 </a:solidFill>
@@ -6434,14 +6437,14 @@
               <a:t>:</a:t>
             </a:r>
             <a:r>
-              <a:rPr lang="en-US" sz="1200">
+              <a:rPr lang="en-US" sz="1100">
                 <a:latin typeface="Consolas" panose="020B0609020204030204" pitchFamily="49" charset="0"/>
                 <a:cs typeface="Courier New" panose="02070309020205020404" pitchFamily="49" charset="0"/>
               </a:rPr>
               <a:t> 'red'</a:t>
             </a:r>
             <a:r>
-              <a:rPr lang="en-US" sz="1200">
+              <a:rPr lang="en-US" sz="1100">
                 <a:solidFill>
                   <a:schemeClr val="accent1"/>
                 </a:solidFill>
@@ -6593,7 +6596,7 @@
               <a:buNone/>
             </a:pPr>
             <a:r>
-              <a:rPr lang="en-US" sz="1200">
+              <a:rPr lang="en-US" sz="1100">
                 <a:latin typeface="Consolas" panose="020B0609020204030204" pitchFamily="49" charset="0"/>
                 <a:cs typeface="Courier New" panose="02070309020205020404" pitchFamily="49" charset="0"/>
               </a:rPr>
@@ -6605,14 +6608,14 @@
               <a:buNone/>
             </a:pPr>
             <a:r>
-              <a:rPr lang="en-US" sz="1200">
+              <a:rPr lang="en-US" sz="1100">
                 <a:latin typeface="Consolas" panose="020B0609020204030204" pitchFamily="49" charset="0"/>
                 <a:cs typeface="Courier New" panose="02070309020205020404" pitchFamily="49" charset="0"/>
               </a:rPr>
               <a:t>print(fruits</a:t>
             </a:r>
             <a:r>
-              <a:rPr lang="en-US" sz="1200">
+              <a:rPr lang="en-US" sz="1100">
                 <a:solidFill>
                   <a:schemeClr val="accent1"/>
                 </a:solidFill>
@@ -6622,14 +6625,14 @@
               <a:t>[</a:t>
             </a:r>
             <a:r>
-              <a:rPr lang="en-US" sz="1200">
+              <a:rPr lang="en-US" sz="1100">
                 <a:latin typeface="Consolas" panose="020B0609020204030204" pitchFamily="49" charset="0"/>
                 <a:cs typeface="Courier New" panose="02070309020205020404" pitchFamily="49" charset="0"/>
               </a:rPr>
               <a:t>0</a:t>
             </a:r>
             <a:r>
-              <a:rPr lang="en-US" sz="1200">
+              <a:rPr lang="en-US" sz="1100">
                 <a:solidFill>
                   <a:schemeClr val="accent1"/>
                 </a:solidFill>
@@ -6639,14 +6642,14 @@
               <a:t>]</a:t>
             </a:r>
             <a:r>
-              <a:rPr lang="en-US" sz="1200">
+              <a:rPr lang="en-US" sz="1100">
                 <a:latin typeface="Consolas" panose="020B0609020204030204" pitchFamily="49" charset="0"/>
                 <a:cs typeface="Courier New" panose="02070309020205020404" pitchFamily="49" charset="0"/>
               </a:rPr>
               <a:t>, fruits</a:t>
             </a:r>
             <a:r>
-              <a:rPr lang="en-US" sz="1200">
+              <a:rPr lang="en-US" sz="1100">
                 <a:solidFill>
                   <a:schemeClr val="accent1"/>
                 </a:solidFill>
@@ -6656,14 +6659,14 @@
               <a:t>[</a:t>
             </a:r>
             <a:r>
-              <a:rPr lang="en-US" sz="1200">
+              <a:rPr lang="en-US" sz="1100">
                 <a:latin typeface="Consolas" panose="020B0609020204030204" pitchFamily="49" charset="0"/>
                 <a:cs typeface="Courier New" panose="02070309020205020404" pitchFamily="49" charset="0"/>
               </a:rPr>
               <a:t>-3</a:t>
             </a:r>
             <a:r>
-              <a:rPr lang="en-US" sz="1200">
+              <a:rPr lang="en-US" sz="1100">
                 <a:solidFill>
                   <a:schemeClr val="accent1"/>
                 </a:solidFill>
@@ -6673,14 +6676,14 @@
               <a:t>]</a:t>
             </a:r>
             <a:r>
-              <a:rPr lang="en-US" sz="1200">
+              <a:rPr lang="en-US" sz="1100">
                 <a:latin typeface="Consolas" panose="020B0609020204030204" pitchFamily="49" charset="0"/>
                 <a:cs typeface="Courier New" panose="02070309020205020404" pitchFamily="49" charset="0"/>
               </a:rPr>
               <a:t>, fruits</a:t>
             </a:r>
             <a:r>
-              <a:rPr lang="en-US" sz="1200">
+              <a:rPr lang="en-US" sz="1100">
                 <a:solidFill>
                   <a:schemeClr val="accent1"/>
                 </a:solidFill>
@@ -6690,14 +6693,14 @@
               <a:t>[</a:t>
             </a:r>
             <a:r>
-              <a:rPr lang="en-US" sz="1200">
+              <a:rPr lang="en-US" sz="1100">
                 <a:latin typeface="Consolas" panose="020B0609020204030204" pitchFamily="49" charset="0"/>
                 <a:cs typeface="Courier New" panose="02070309020205020404" pitchFamily="49" charset="0"/>
               </a:rPr>
               <a:t>1</a:t>
             </a:r>
             <a:r>
-              <a:rPr lang="en-US" sz="1200">
+              <a:rPr lang="en-US" sz="1100">
                 <a:solidFill>
                   <a:schemeClr val="accent1"/>
                 </a:solidFill>
@@ -6707,14 +6710,14 @@
               <a:t>:</a:t>
             </a:r>
             <a:r>
-              <a:rPr lang="en-US" sz="1200">
+              <a:rPr lang="en-US" sz="1100">
                 <a:latin typeface="Consolas" panose="020B0609020204030204" pitchFamily="49" charset="0"/>
                 <a:cs typeface="Courier New" panose="02070309020205020404" pitchFamily="49" charset="0"/>
               </a:rPr>
               <a:t>3</a:t>
             </a:r>
             <a:r>
-              <a:rPr lang="en-US" sz="1200">
+              <a:rPr lang="en-US" sz="1100">
                 <a:solidFill>
                   <a:schemeClr val="accent1"/>
                 </a:solidFill>
@@ -6724,14 +6727,14 @@
               <a:t>]</a:t>
             </a:r>
             <a:r>
-              <a:rPr lang="en-US" sz="1200">
+              <a:rPr lang="en-US" sz="1100">
                 <a:latin typeface="Consolas" panose="020B0609020204030204" pitchFamily="49" charset="0"/>
                 <a:cs typeface="Courier New" panose="02070309020205020404" pitchFamily="49" charset="0"/>
               </a:rPr>
               <a:t>, fruits</a:t>
             </a:r>
             <a:r>
-              <a:rPr lang="en-US" sz="1200">
+              <a:rPr lang="en-US" sz="1100">
                 <a:solidFill>
                   <a:schemeClr val="accent1"/>
                 </a:solidFill>
@@ -6741,14 +6744,14 @@
               <a:t>[:</a:t>
             </a:r>
             <a:r>
-              <a:rPr lang="en-US" sz="1200">
+              <a:rPr lang="en-US" sz="1100">
                 <a:latin typeface="Consolas" panose="020B0609020204030204" pitchFamily="49" charset="0"/>
                 <a:cs typeface="Courier New" panose="02070309020205020404" pitchFamily="49" charset="0"/>
               </a:rPr>
               <a:t>-1</a:t>
             </a:r>
             <a:r>
-              <a:rPr lang="en-US" sz="1200">
+              <a:rPr lang="en-US" sz="1100">
                 <a:solidFill>
                   <a:schemeClr val="accent1"/>
                 </a:solidFill>
@@ -6758,14 +6761,14 @@
               <a:t>]</a:t>
             </a:r>
             <a:r>
-              <a:rPr lang="en-US" sz="1200">
+              <a:rPr lang="en-US" sz="1100">
                 <a:latin typeface="Consolas" panose="020B0609020204030204" pitchFamily="49" charset="0"/>
                 <a:cs typeface="Courier New" panose="02070309020205020404" pitchFamily="49" charset="0"/>
               </a:rPr>
               <a:t>, fruits</a:t>
             </a:r>
             <a:r>
-              <a:rPr lang="en-US" sz="1200">
+              <a:rPr lang="en-US" sz="1100">
                 <a:solidFill>
                   <a:schemeClr val="accent1"/>
                 </a:solidFill>
@@ -6775,14 +6778,14 @@
               <a:t>[</a:t>
             </a:r>
             <a:r>
-              <a:rPr lang="en-US" sz="1200">
+              <a:rPr lang="en-US" sz="1100">
                 <a:latin typeface="Consolas" panose="020B0609020204030204" pitchFamily="49" charset="0"/>
                 <a:cs typeface="Courier New" panose="02070309020205020404" pitchFamily="49" charset="0"/>
               </a:rPr>
               <a:t>0</a:t>
             </a:r>
             <a:r>
-              <a:rPr lang="en-US" sz="1200">
+              <a:rPr lang="en-US" sz="1100">
                 <a:solidFill>
                   <a:schemeClr val="accent1"/>
                 </a:solidFill>
@@ -6792,14 +6795,14 @@
               <a:t>:</a:t>
             </a:r>
             <a:r>
-              <a:rPr lang="en-US" sz="1200">
+              <a:rPr lang="en-US" sz="1100">
                 <a:latin typeface="Consolas" panose="020B0609020204030204" pitchFamily="49" charset="0"/>
                 <a:cs typeface="Courier New" panose="02070309020205020404" pitchFamily="49" charset="0"/>
               </a:rPr>
               <a:t>-1</a:t>
             </a:r>
             <a:r>
-              <a:rPr lang="en-US" sz="1200">
+              <a:rPr lang="en-US" sz="1100">
                 <a:solidFill>
                   <a:schemeClr val="accent1"/>
                 </a:solidFill>
@@ -6809,14 +6812,14 @@
               <a:t>:</a:t>
             </a:r>
             <a:r>
-              <a:rPr lang="en-US" sz="1200">
+              <a:rPr lang="en-US" sz="1100">
                 <a:latin typeface="Consolas" panose="020B0609020204030204" pitchFamily="49" charset="0"/>
                 <a:cs typeface="Courier New" panose="02070309020205020404" pitchFamily="49" charset="0"/>
               </a:rPr>
               <a:t>2</a:t>
             </a:r>
             <a:r>
-              <a:rPr lang="en-US" sz="1200">
+              <a:rPr lang="en-US" sz="1100">
                 <a:solidFill>
                   <a:schemeClr val="accent1"/>
                 </a:solidFill>
@@ -6826,14 +6829,14 @@
               <a:t>]</a:t>
             </a:r>
             <a:r>
-              <a:rPr lang="en-US" sz="1200">
+              <a:rPr lang="en-US" sz="1100">
                 <a:latin typeface="Consolas" panose="020B0609020204030204" pitchFamily="49" charset="0"/>
                 <a:cs typeface="Courier New" panose="02070309020205020404" pitchFamily="49" charset="0"/>
               </a:rPr>
               <a:t>, fruits</a:t>
             </a:r>
             <a:r>
-              <a:rPr lang="en-US" sz="1200">
+              <a:rPr lang="en-US" sz="1100">
                 <a:solidFill>
                   <a:schemeClr val="accent1"/>
                 </a:solidFill>
@@ -6843,14 +6846,14 @@
               <a:t>[::</a:t>
             </a:r>
             <a:r>
-              <a:rPr lang="en-US" sz="1200">
+              <a:rPr lang="en-US" sz="1100">
                 <a:latin typeface="Consolas" panose="020B0609020204030204" pitchFamily="49" charset="0"/>
                 <a:cs typeface="Courier New" panose="02070309020205020404" pitchFamily="49" charset="0"/>
               </a:rPr>
               <a:t>-1</a:t>
             </a:r>
             <a:r>
-              <a:rPr lang="en-US" sz="1200">
+              <a:rPr lang="en-US" sz="1100">
                 <a:solidFill>
                   <a:schemeClr val="accent1"/>
                 </a:solidFill>
@@ -6860,7 +6863,7 @@
               <a:t>]</a:t>
             </a:r>
             <a:r>
-              <a:rPr lang="en-US" sz="1200">
+              <a:rPr lang="en-US" sz="1100">
                 <a:latin typeface="Consolas" panose="020B0609020204030204" pitchFamily="49" charset="0"/>
                 <a:cs typeface="Courier New" panose="02070309020205020404" pitchFamily="49" charset="0"/>
               </a:rPr>
@@ -6872,14 +6875,14 @@
               <a:buNone/>
             </a:pPr>
             <a:r>
-              <a:rPr lang="en-US" sz="1200">
+              <a:rPr lang="en-US" sz="1100">
                 <a:latin typeface="Consolas" panose="020B0609020204030204" pitchFamily="49" charset="0"/>
                 <a:cs typeface="Courier New" panose="02070309020205020404" pitchFamily="49" charset="0"/>
               </a:rPr>
               <a:t>print('orange' </a:t>
             </a:r>
             <a:r>
-              <a:rPr lang="en-US" sz="1200">
+              <a:rPr lang="en-US" sz="1100">
                 <a:solidFill>
                   <a:schemeClr val="accent1"/>
                 </a:solidFill>
@@ -6889,7 +6892,7 @@
               <a:t>in</a:t>
             </a:r>
             <a:r>
-              <a:rPr lang="en-US" sz="1200">
+              <a:rPr lang="en-US" sz="1100">
                 <a:latin typeface="Consolas" panose="020B0609020204030204" pitchFamily="49" charset="0"/>
                 <a:cs typeface="Courier New" panose="02070309020205020404" pitchFamily="49" charset="0"/>
               </a:rPr>
@@ -6901,14 +6904,14 @@
               <a:buNone/>
             </a:pPr>
             <a:r>
-              <a:rPr lang="en-US" sz="1200">
+              <a:rPr lang="en-US" sz="1100">
                 <a:latin typeface="Consolas" panose="020B0609020204030204" pitchFamily="49" charset="0"/>
                 <a:cs typeface="Courier New" panose="02070309020205020404" pitchFamily="49" charset="0"/>
               </a:rPr>
               <a:t>print(</a:t>
             </a:r>
             <a:r>
-              <a:rPr lang="en-US" sz="1200">
+              <a:rPr lang="en-US" sz="1100">
                 <a:solidFill>
                   <a:schemeClr val="accent1"/>
                 </a:solidFill>
@@ -6918,14 +6921,14 @@
               <a:t>len(</a:t>
             </a:r>
             <a:r>
-              <a:rPr lang="en-US" sz="1200">
+              <a:rPr lang="en-US" sz="1100">
                 <a:latin typeface="Consolas" panose="020B0609020204030204" pitchFamily="49" charset="0"/>
                 <a:cs typeface="Courier New" panose="02070309020205020404" pitchFamily="49" charset="0"/>
               </a:rPr>
               <a:t>fruits</a:t>
             </a:r>
             <a:r>
-              <a:rPr lang="en-US" sz="1200">
+              <a:rPr lang="en-US" sz="1100">
                 <a:solidFill>
                   <a:schemeClr val="accent1"/>
                 </a:solidFill>
@@ -6935,7 +6938,7 @@
               <a:t>)</a:t>
             </a:r>
             <a:r>
-              <a:rPr lang="en-US" sz="1200">
+              <a:rPr lang="en-US" sz="1100">
                 <a:latin typeface="Consolas" panose="020B0609020204030204" pitchFamily="49" charset="0"/>
                 <a:cs typeface="Courier New" panose="02070309020205020404" pitchFamily="49" charset="0"/>
               </a:rPr>
@@ -6968,7 +6971,7 @@
               <a:buNone/>
             </a:pPr>
             <a:r>
-              <a:rPr lang="en-US" sz="1200">
+              <a:rPr lang="en-US" sz="1100">
                 <a:latin typeface="Consolas" panose="020B0609020204030204" pitchFamily="49" charset="0"/>
                 <a:cs typeface="Courier New" panose="02070309020205020404" pitchFamily="49" charset="0"/>
               </a:rPr>
@@ -6980,14 +6983,14 @@
               <a:buNone/>
             </a:pPr>
             <a:r>
-              <a:rPr lang="en-US" sz="1200">
+              <a:rPr lang="en-US" sz="1100">
                 <a:latin typeface="Consolas" panose="020B0609020204030204" pitchFamily="49" charset="0"/>
                 <a:cs typeface="Courier New" panose="02070309020205020404" pitchFamily="49" charset="0"/>
               </a:rPr>
               <a:t>fruits</a:t>
             </a:r>
             <a:r>
-              <a:rPr lang="en-US" sz="1200">
+              <a:rPr lang="en-US" sz="1100">
                 <a:solidFill>
                   <a:schemeClr val="accent1"/>
                 </a:solidFill>
@@ -6997,14 +7000,14 @@
               <a:t>.append(</a:t>
             </a:r>
             <a:r>
-              <a:rPr lang="en-US" sz="1200">
+              <a:rPr lang="en-US" sz="1100">
                 <a:latin typeface="Consolas" panose="020B0609020204030204" pitchFamily="49" charset="0"/>
                 <a:cs typeface="Courier New" panose="02070309020205020404" pitchFamily="49" charset="0"/>
               </a:rPr>
               <a:t>'kiwi'</a:t>
             </a:r>
             <a:r>
-              <a:rPr lang="en-US" sz="1200">
+              <a:rPr lang="en-US" sz="1100">
                 <a:solidFill>
                   <a:schemeClr val="accent1"/>
                 </a:solidFill>
@@ -7019,14 +7022,14 @@
               <a:buNone/>
             </a:pPr>
             <a:r>
-              <a:rPr lang="en-US" sz="1200">
+              <a:rPr lang="en-US" sz="1100">
                 <a:latin typeface="Consolas" panose="020B0609020204030204" pitchFamily="49" charset="0"/>
                 <a:cs typeface="Courier New" panose="02070309020205020404" pitchFamily="49" charset="0"/>
               </a:rPr>
               <a:t>fruits</a:t>
             </a:r>
             <a:r>
-              <a:rPr lang="en-US" sz="1200">
+              <a:rPr lang="en-US" sz="1100">
                 <a:solidFill>
                   <a:schemeClr val="accent1"/>
                 </a:solidFill>
@@ -7036,14 +7039,14 @@
               <a:t>.remove(</a:t>
             </a:r>
             <a:r>
-              <a:rPr lang="en-US" sz="1200">
+              <a:rPr lang="en-US" sz="1100">
                 <a:latin typeface="Consolas" panose="020B0609020204030204" pitchFamily="49" charset="0"/>
                 <a:cs typeface="Courier New" panose="02070309020205020404" pitchFamily="49" charset="0"/>
               </a:rPr>
               <a:t>'banana'</a:t>
             </a:r>
             <a:r>
-              <a:rPr lang="en-US" sz="1200">
+              <a:rPr lang="en-US" sz="1100">
                 <a:solidFill>
                   <a:schemeClr val="accent1"/>
                 </a:solidFill>
@@ -7058,14 +7061,14 @@
               <a:buNone/>
             </a:pPr>
             <a:r>
-              <a:rPr lang="en-US" sz="1200" err="1">
+              <a:rPr lang="en-US" sz="1100" err="1">
                 <a:latin typeface="Consolas" panose="020B0609020204030204" pitchFamily="49" charset="0"/>
                 <a:cs typeface="Courier New" panose="02070309020205020404" pitchFamily="49" charset="0"/>
               </a:rPr>
               <a:t>fruits</a:t>
             </a:r>
             <a:r>
-              <a:rPr lang="en-US" sz="1200" err="1">
+              <a:rPr lang="en-US" sz="1100" err="1">
                 <a:solidFill>
                   <a:schemeClr val="accent1"/>
                 </a:solidFill>
@@ -7075,7 +7078,7 @@
               <a:t>.pop</a:t>
             </a:r>
             <a:r>
-              <a:rPr lang="en-US" sz="1200">
+              <a:rPr lang="en-US" sz="1100">
                 <a:solidFill>
                   <a:schemeClr val="accent1"/>
                 </a:solidFill>
@@ -7085,14 +7088,14 @@
               <a:t>(</a:t>
             </a:r>
             <a:r>
-              <a:rPr lang="en-US" sz="1200">
+              <a:rPr lang="en-US" sz="1100">
                 <a:latin typeface="Consolas" panose="020B0609020204030204" pitchFamily="49" charset="0"/>
                 <a:cs typeface="Courier New" panose="02070309020205020404" pitchFamily="49" charset="0"/>
               </a:rPr>
               <a:t>3</a:t>
             </a:r>
             <a:r>
-              <a:rPr lang="en-US" sz="1200">
+              <a:rPr lang="en-US" sz="1100">
                 <a:solidFill>
                   <a:schemeClr val="accent1"/>
                 </a:solidFill>
@@ -7256,7 +7259,7 @@
               <a:buNone/>
             </a:pPr>
             <a:r>
-              <a:rPr lang="en-US" sz="1200">
+              <a:rPr lang="en-US" sz="1100">
                 <a:latin typeface="Consolas" panose="020B0609020204030204" pitchFamily="49" charset="0"/>
                 <a:cs typeface="Courier New" panose="02070309020205020404" pitchFamily="49" charset="0"/>
               </a:rPr>
@@ -7268,7 +7271,7 @@
               <a:buNone/>
             </a:pPr>
             <a:r>
-              <a:rPr lang="en-US" sz="1200">
+              <a:rPr lang="en-US" sz="1100">
                 <a:latin typeface="Consolas" panose="020B0609020204030204" pitchFamily="49" charset="0"/>
                 <a:cs typeface="Courier New" panose="02070309020205020404" pitchFamily="49" charset="0"/>
               </a:rPr>
@@ -7280,7 +7283,7 @@
               <a:buNone/>
             </a:pPr>
             <a:r>
-              <a:rPr lang="en-US" sz="1200">
+              <a:rPr lang="en-US" sz="1100">
                 <a:latin typeface="Consolas" panose="020B0609020204030204" pitchFamily="49" charset="0"/>
                 <a:cs typeface="Courier New" panose="02070309020205020404" pitchFamily="49" charset="0"/>
               </a:rPr>
@@ -7292,7 +7295,7 @@
               <a:buNone/>
             </a:pPr>
             <a:r>
-              <a:rPr lang="en-US" sz="1200">
+              <a:rPr lang="en-US" sz="1100">
                 <a:latin typeface="Consolas" panose="020B0609020204030204" pitchFamily="49" charset="0"/>
                 <a:cs typeface="Courier New" panose="02070309020205020404" pitchFamily="49" charset="0"/>
               </a:rPr>
@@ -7322,21 +7325,21 @@
               <a:buNone/>
             </a:pPr>
             <a:r>
-              <a:rPr lang="en-US" sz="1200">
+              <a:rPr lang="en-US" sz="1100">
                 <a:latin typeface="Consolas" panose="020B0609020204030204" pitchFamily="49" charset="0"/>
                 <a:cs typeface="Courier New" panose="02070309020205020404" pitchFamily="49" charset="0"/>
               </a:rPr>
               <a:t>fruitsList</a:t>
             </a:r>
             <a:r>
-              <a:rPr lang="es-ES" sz="1200">
+              <a:rPr lang="es-ES" sz="1100">
                 <a:latin typeface="Consolas" panose="020B0609020204030204" pitchFamily="49" charset="0"/>
                 <a:cs typeface="Courier New" panose="02070309020205020404" pitchFamily="49" charset="0"/>
               </a:rPr>
               <a:t> = </a:t>
             </a:r>
             <a:r>
-              <a:rPr lang="es-ES" sz="1200">
+              <a:rPr lang="es-ES" sz="1100">
                 <a:solidFill>
                   <a:schemeClr val="accent1"/>
                 </a:solidFill>
@@ -7346,14 +7349,14 @@
               <a:t>list(</a:t>
             </a:r>
             <a:r>
-              <a:rPr lang="en-US" sz="1200">
+              <a:rPr lang="en-US" sz="1100">
                 <a:latin typeface="Consolas" panose="020B0609020204030204" pitchFamily="49" charset="0"/>
                 <a:cs typeface="Courier New" panose="02070309020205020404" pitchFamily="49" charset="0"/>
               </a:rPr>
               <a:t>fruits</a:t>
             </a:r>
             <a:r>
-              <a:rPr lang="es-ES" sz="1200">
+              <a:rPr lang="es-ES" sz="1100">
                 <a:solidFill>
                   <a:schemeClr val="accent1"/>
                 </a:solidFill>
@@ -7368,28 +7371,28 @@
               <a:buNone/>
             </a:pPr>
             <a:r>
-              <a:rPr lang="en-US" sz="1200">
+              <a:rPr lang="en-US" sz="1100">
                 <a:latin typeface="Consolas" panose="020B0609020204030204" pitchFamily="49" charset="0"/>
                 <a:cs typeface="Courier New" panose="02070309020205020404" pitchFamily="49" charset="0"/>
               </a:rPr>
               <a:t>fruitsList</a:t>
             </a:r>
             <a:r>
-              <a:rPr lang="es-ES" sz="1200">
+              <a:rPr lang="es-ES" sz="1100">
                 <a:latin typeface="Consolas" panose="020B0609020204030204" pitchFamily="49" charset="0"/>
                 <a:cs typeface="Courier New" panose="02070309020205020404" pitchFamily="49" charset="0"/>
               </a:rPr>
               <a:t>[3] = </a:t>
             </a:r>
             <a:r>
-              <a:rPr lang="en-US" sz="1200">
+              <a:rPr lang="en-US" sz="1100">
                 <a:latin typeface="Consolas" panose="020B0609020204030204" pitchFamily="49" charset="0"/>
                 <a:cs typeface="Courier New" panose="02070309020205020404" pitchFamily="49" charset="0"/>
               </a:rPr>
               <a:t>'orange</a:t>
             </a:r>
             <a:r>
-              <a:rPr lang="es-ES" sz="1200">
+              <a:rPr lang="es-ES" sz="1100">
                 <a:latin typeface="Consolas" panose="020B0609020204030204" pitchFamily="49" charset="0"/>
                 <a:cs typeface="Courier New" panose="02070309020205020404" pitchFamily="49" charset="0"/>
               </a:rPr>
@@ -7401,13 +7404,13 @@
               <a:buNone/>
             </a:pPr>
             <a:r>
-              <a:rPr lang="en-US" sz="1200">
+              <a:rPr lang="en-US" sz="1100">
                 <a:latin typeface="Consolas" panose="020B0609020204030204" pitchFamily="49" charset="0"/>
                 <a:cs typeface="Courier New" panose="02070309020205020404" pitchFamily="49" charset="0"/>
               </a:rPr>
               <a:t>fruitsList.remove('banana')</a:t>
             </a:r>
-            <a:endParaRPr lang="es-ES" sz="1200">
+            <a:endParaRPr lang="es-ES" sz="1100">
               <a:latin typeface="Consolas" panose="020B0609020204030204" pitchFamily="49" charset="0"/>
               <a:cs typeface="Courier New" panose="02070309020205020404" pitchFamily="49" charset="0"/>
             </a:endParaRPr>
@@ -7417,21 +7420,21 @@
               <a:buNone/>
             </a:pPr>
             <a:r>
-              <a:rPr lang="en-US" sz="1200">
+              <a:rPr lang="en-US" sz="1100">
                 <a:latin typeface="Consolas" panose="020B0609020204030204" pitchFamily="49" charset="0"/>
                 <a:cs typeface="Courier New" panose="02070309020205020404" pitchFamily="49" charset="0"/>
               </a:rPr>
               <a:t>fruits</a:t>
             </a:r>
             <a:r>
-              <a:rPr lang="es-ES" sz="1200">
+              <a:rPr lang="es-ES" sz="1100">
                 <a:latin typeface="Consolas" panose="020B0609020204030204" pitchFamily="49" charset="0"/>
                 <a:cs typeface="Courier New" panose="02070309020205020404" pitchFamily="49" charset="0"/>
               </a:rPr>
               <a:t> = </a:t>
             </a:r>
             <a:r>
-              <a:rPr lang="es-ES" sz="1200">
+              <a:rPr lang="es-ES" sz="1100">
                 <a:solidFill>
                   <a:schemeClr val="accent1"/>
                 </a:solidFill>
@@ -7441,14 +7444,14 @@
               <a:t>tuple(</a:t>
             </a:r>
             <a:r>
-              <a:rPr lang="en-US" sz="1200">
+              <a:rPr lang="en-US" sz="1100">
                 <a:latin typeface="Consolas" panose="020B0609020204030204" pitchFamily="49" charset="0"/>
                 <a:cs typeface="Courier New" panose="02070309020205020404" pitchFamily="49" charset="0"/>
               </a:rPr>
               <a:t>fruitsList</a:t>
             </a:r>
             <a:r>
-              <a:rPr lang="es-ES" sz="1200">
+              <a:rPr lang="es-ES" sz="1100">
                 <a:solidFill>
                   <a:schemeClr val="accent1"/>
                 </a:solidFill>
@@ -7457,7 +7460,7 @@
               </a:rPr>
               <a:t>)</a:t>
             </a:r>
-            <a:endParaRPr lang="en-US" sz="1200">
+            <a:endParaRPr lang="en-US" sz="1100">
               <a:solidFill>
                 <a:schemeClr val="accent1"/>
               </a:solidFill>
@@ -7639,7 +7642,7 @@
               <a:buNone/>
             </a:pPr>
             <a:r>
-              <a:rPr lang="en-US" sz="1200">
+              <a:rPr lang="en-US" sz="1100">
                 <a:latin typeface="Consolas" panose="020B0609020204030204" pitchFamily="49" charset="0"/>
                 <a:cs typeface="Courier New" panose="02070309020205020404" pitchFamily="49" charset="0"/>
               </a:rPr>
@@ -7651,7 +7654,7 @@
               <a:buNone/>
             </a:pPr>
             <a:r>
-              <a:rPr lang="en-US" sz="1200">
+              <a:rPr lang="en-US" sz="1100">
                 <a:latin typeface="Consolas" panose="020B0609020204030204" pitchFamily="49" charset="0"/>
                 <a:cs typeface="Courier New" panose="02070309020205020404" pitchFamily="49" charset="0"/>
               </a:rPr>
@@ -7663,7 +7666,7 @@
               <a:buNone/>
             </a:pPr>
             <a:r>
-              <a:rPr lang="en-US" sz="1200">
+              <a:rPr lang="en-US" sz="1100">
                 <a:latin typeface="Consolas" panose="020B0609020204030204" pitchFamily="49" charset="0"/>
                 <a:cs typeface="Courier New" panose="02070309020205020404" pitchFamily="49" charset="0"/>
               </a:rPr>
@@ -7693,14 +7696,14 @@
               <a:buNone/>
             </a:pPr>
             <a:r>
-              <a:rPr lang="en-US" sz="1200">
+              <a:rPr lang="en-US" sz="1100">
                 <a:latin typeface="Consolas" panose="020B0609020204030204" pitchFamily="49" charset="0"/>
                 <a:cs typeface="Courier New" panose="02070309020205020404" pitchFamily="49" charset="0"/>
               </a:rPr>
               <a:t>fruits</a:t>
             </a:r>
             <a:r>
-              <a:rPr lang="en-US" sz="1200">
+              <a:rPr lang="en-US" sz="1100">
                 <a:solidFill>
                   <a:schemeClr val="accent1"/>
                 </a:solidFill>
@@ -7710,14 +7713,14 @@
               <a:t>.add(</a:t>
             </a:r>
             <a:r>
-              <a:rPr lang="en-US" sz="1200">
+              <a:rPr lang="en-US" sz="1100">
                 <a:latin typeface="Consolas" panose="020B0609020204030204" pitchFamily="49" charset="0"/>
                 <a:cs typeface="Courier New" panose="02070309020205020404" pitchFamily="49" charset="0"/>
               </a:rPr>
               <a:t>'orange'</a:t>
             </a:r>
             <a:r>
-              <a:rPr lang="en-US" sz="1200">
+              <a:rPr lang="en-US" sz="1100">
                 <a:solidFill>
                   <a:schemeClr val="accent1"/>
                 </a:solidFill>
@@ -7732,7 +7735,7 @@
               <a:buNone/>
             </a:pPr>
             <a:r>
-              <a:rPr lang="en-US" sz="1200">
+              <a:rPr lang="en-US" sz="1100">
                 <a:latin typeface="Consolas" panose="020B0609020204030204" pitchFamily="49" charset="0"/>
                 <a:cs typeface="Courier New" panose="02070309020205020404" pitchFamily="49" charset="0"/>
               </a:rPr>
@@ -7744,7 +7747,7 @@
               <a:buNone/>
             </a:pPr>
             <a:r>
-              <a:rPr lang="en-US" sz="1200">
+              <a:rPr lang="en-US" sz="1100">
                 <a:latin typeface="Consolas" panose="020B0609020204030204" pitchFamily="49" charset="0"/>
                 <a:cs typeface="Courier New" panose="02070309020205020404" pitchFamily="49" charset="0"/>
               </a:rPr>
@@ -7893,7 +7896,7 @@
               <a:buNone/>
             </a:pPr>
             <a:r>
-              <a:rPr lang="en-US" sz="1200">
+              <a:rPr lang="en-US" sz="1100">
                 <a:latin typeface="Consolas" panose="020B0609020204030204" pitchFamily="49" charset="0"/>
                 <a:cs typeface="Courier New" panose="02070309020205020404" pitchFamily="49" charset="0"/>
               </a:rPr>
@@ -7905,7 +7908,7 @@
               <a:buNone/>
             </a:pPr>
             <a:r>
-              <a:rPr lang="en-US" sz="1200">
+              <a:rPr lang="en-US" sz="1100">
                 <a:latin typeface="Consolas" panose="020B0609020204030204" pitchFamily="49" charset="0"/>
                 <a:cs typeface="Courier New" panose="02070309020205020404" pitchFamily="49" charset="0"/>
               </a:rPr>
@@ -7917,14 +7920,14 @@
               <a:buNone/>
             </a:pPr>
             <a:r>
-              <a:rPr lang="en-US" sz="1200">
+              <a:rPr lang="en-US" sz="1100">
                 <a:latin typeface="Consolas" panose="020B0609020204030204" pitchFamily="49" charset="0"/>
                 <a:cs typeface="Courier New" panose="02070309020205020404" pitchFamily="49" charset="0"/>
               </a:rPr>
               <a:t>allMembers = students</a:t>
             </a:r>
             <a:r>
-              <a:rPr lang="en-US" sz="1200">
+              <a:rPr lang="en-US" sz="1100">
                 <a:solidFill>
                   <a:schemeClr val="accent1"/>
                 </a:solidFill>
@@ -7934,14 +7937,14 @@
               <a:t>.union(</a:t>
             </a:r>
             <a:r>
-              <a:rPr lang="en-US" sz="1200">
+              <a:rPr lang="en-US" sz="1100">
                 <a:latin typeface="Consolas" panose="020B0609020204030204" pitchFamily="49" charset="0"/>
                 <a:cs typeface="Courier New" panose="02070309020205020404" pitchFamily="49" charset="0"/>
               </a:rPr>
               <a:t>workers</a:t>
             </a:r>
             <a:r>
-              <a:rPr lang="en-US" sz="1200">
+              <a:rPr lang="en-US" sz="1100">
                 <a:solidFill>
                   <a:schemeClr val="accent1"/>
                 </a:solidFill>
@@ -7956,14 +7959,14 @@
               <a:buNone/>
             </a:pPr>
             <a:r>
-              <a:rPr lang="en-US" sz="1200">
+              <a:rPr lang="en-US" sz="1100">
                 <a:latin typeface="Consolas" panose="020B0609020204030204" pitchFamily="49" charset="0"/>
                 <a:cs typeface="Courier New" panose="02070309020205020404" pitchFamily="49" charset="0"/>
               </a:rPr>
               <a:t>wortudents = students</a:t>
             </a:r>
             <a:r>
-              <a:rPr lang="en-US" sz="1200">
+              <a:rPr lang="en-US" sz="1100">
                 <a:solidFill>
                   <a:schemeClr val="accent1"/>
                 </a:solidFill>
@@ -7973,14 +7976,14 @@
               <a:t>.intersection(</a:t>
             </a:r>
             <a:r>
-              <a:rPr lang="en-US" sz="1200">
+              <a:rPr lang="en-US" sz="1100">
                 <a:latin typeface="Consolas" panose="020B0609020204030204" pitchFamily="49" charset="0"/>
                 <a:cs typeface="Courier New" panose="02070309020205020404" pitchFamily="49" charset="0"/>
               </a:rPr>
               <a:t>workers</a:t>
             </a:r>
             <a:r>
-              <a:rPr lang="en-US" sz="1200">
+              <a:rPr lang="en-US" sz="1100">
                 <a:solidFill>
                   <a:schemeClr val="accent1"/>
                 </a:solidFill>
@@ -7995,14 +7998,14 @@
               <a:buNone/>
             </a:pPr>
             <a:r>
-              <a:rPr lang="en-US" sz="1200">
+              <a:rPr lang="en-US" sz="1100">
                 <a:latin typeface="Consolas" panose="020B0609020204030204" pitchFamily="49" charset="0"/>
                 <a:cs typeface="Courier New" panose="02070309020205020404" pitchFamily="49" charset="0"/>
               </a:rPr>
               <a:t>notWortudents = students</a:t>
             </a:r>
             <a:r>
-              <a:rPr lang="en-US" sz="1200">
+              <a:rPr lang="en-US" sz="1100">
                 <a:solidFill>
                   <a:schemeClr val="accent1"/>
                 </a:solidFill>
@@ -8012,14 +8015,14 @@
               <a:t>.symmetric_difference(</a:t>
             </a:r>
             <a:r>
-              <a:rPr lang="en-US" sz="1200">
+              <a:rPr lang="en-US" sz="1100">
                 <a:latin typeface="Consolas" panose="020B0609020204030204" pitchFamily="49" charset="0"/>
                 <a:cs typeface="Courier New" panose="02070309020205020404" pitchFamily="49" charset="0"/>
               </a:rPr>
               <a:t>workers</a:t>
             </a:r>
             <a:r>
-              <a:rPr lang="en-US" sz="1200">
+              <a:rPr lang="en-US" sz="1100">
                 <a:solidFill>
                   <a:schemeClr val="accent1"/>
                 </a:solidFill>
@@ -8034,7 +8037,7 @@
               <a:buNone/>
             </a:pPr>
             <a:r>
-              <a:rPr lang="en-US" sz="1200">
+              <a:rPr lang="en-US" sz="1100">
                 <a:latin typeface="Consolas" panose="020B0609020204030204" pitchFamily="49" charset="0"/>
                 <a:cs typeface="Courier New" panose="02070309020205020404" pitchFamily="49" charset="0"/>
               </a:rPr>
@@ -8046,7 +8049,7 @@
               <a:buNone/>
             </a:pPr>
             <a:r>
-              <a:rPr lang="en-US" sz="1200">
+              <a:rPr lang="en-US" sz="1100">
                 <a:latin typeface="Consolas" panose="020B0609020204030204" pitchFamily="49" charset="0"/>
                 <a:cs typeface="Courier New" panose="02070309020205020404" pitchFamily="49" charset="0"/>
               </a:rPr>
@@ -8207,7 +8210,7 @@
               <a:buNone/>
             </a:pPr>
             <a:r>
-              <a:rPr lang="en-US" sz="1200">
+              <a:rPr lang="en-US" sz="1100">
                 <a:latin typeface="Consolas" panose="020B0609020204030204" pitchFamily="49" charset="0"/>
                 <a:cs typeface="Courier New" panose="02070309020205020404" pitchFamily="49" charset="0"/>
               </a:rPr>
@@ -8219,7 +8222,7 @@
               <a:buNone/>
             </a:pPr>
             <a:r>
-              <a:rPr lang="en-US" sz="1200">
+              <a:rPr lang="en-US" sz="1100">
                 <a:latin typeface="Consolas" panose="020B0609020204030204" pitchFamily="49" charset="0"/>
                 <a:cs typeface="Courier New" panose="02070309020205020404" pitchFamily="49" charset="0"/>
               </a:rPr>
@@ -8231,7 +8234,7 @@
               <a:buNone/>
             </a:pPr>
             <a:r>
-              <a:rPr lang="en-US" sz="1200">
+              <a:rPr lang="en-US" sz="1100">
                 <a:latin typeface="Consolas" panose="020B0609020204030204" pitchFamily="49" charset="0"/>
                 <a:cs typeface="Courier New" panose="02070309020205020404" pitchFamily="49" charset="0"/>
               </a:rPr>
@@ -8243,7 +8246,7 @@
               <a:buNone/>
             </a:pPr>
             <a:r>
-              <a:rPr lang="en-US" sz="1200">
+              <a:rPr lang="en-US" sz="1100">
                 <a:latin typeface="Consolas" panose="020B0609020204030204" pitchFamily="49" charset="0"/>
                 <a:cs typeface="Courier New" panose="02070309020205020404" pitchFamily="49" charset="0"/>
               </a:rPr>
@@ -8255,14 +8258,14 @@
               <a:buNone/>
             </a:pPr>
             <a:r>
-              <a:rPr lang="en-US" sz="1200">
+              <a:rPr lang="en-US" sz="1100">
                 <a:latin typeface="Consolas" panose="020B0609020204030204" pitchFamily="49" charset="0"/>
                 <a:cs typeface="Courier New" panose="02070309020205020404" pitchFamily="49" charset="0"/>
               </a:rPr>
               <a:t>print(fruits</a:t>
             </a:r>
             <a:r>
-              <a:rPr lang="en-US" sz="1200">
+              <a:rPr lang="en-US" sz="1100">
                 <a:solidFill>
                   <a:schemeClr val="accent1"/>
                 </a:solidFill>
@@ -8272,7 +8275,7 @@
               <a:t>.keys()</a:t>
             </a:r>
             <a:r>
-              <a:rPr lang="en-US" sz="1200">
+              <a:rPr lang="en-US" sz="1100">
                 <a:latin typeface="Consolas" panose="020B0609020204030204" pitchFamily="49" charset="0"/>
                 <a:cs typeface="Courier New" panose="02070309020205020404" pitchFamily="49" charset="0"/>
               </a:rPr>
@@ -8284,14 +8287,14 @@
               <a:buNone/>
             </a:pPr>
             <a:r>
-              <a:rPr lang="en-US" sz="1200">
+              <a:rPr lang="en-US" sz="1100">
                 <a:latin typeface="Consolas" panose="020B0609020204030204" pitchFamily="49" charset="0"/>
                 <a:cs typeface="Courier New" panose="02070309020205020404" pitchFamily="49" charset="0"/>
               </a:rPr>
               <a:t>print(fruits</a:t>
             </a:r>
             <a:r>
-              <a:rPr lang="en-US" sz="1200">
+              <a:rPr lang="en-US" sz="1100">
                 <a:solidFill>
                   <a:schemeClr val="accent1"/>
                 </a:solidFill>
@@ -8301,7 +8304,7 @@
               <a:t>.values()</a:t>
             </a:r>
             <a:r>
-              <a:rPr lang="en-US" sz="1200">
+              <a:rPr lang="en-US" sz="1100">
                 <a:latin typeface="Consolas" panose="020B0609020204030204" pitchFamily="49" charset="0"/>
                 <a:cs typeface="Courier New" panose="02070309020205020404" pitchFamily="49" charset="0"/>
               </a:rPr>
@@ -8331,7 +8334,7 @@
               <a:buNone/>
             </a:pPr>
             <a:r>
-              <a:rPr lang="en-US" sz="1200">
+              <a:rPr lang="en-US" sz="1100">
                 <a:latin typeface="Consolas" panose="020B0609020204030204" pitchFamily="49" charset="0"/>
                 <a:cs typeface="Courier New" panose="02070309020205020404" pitchFamily="49" charset="0"/>
               </a:rPr>
@@ -8343,7 +8346,7 @@
               <a:buNone/>
             </a:pPr>
             <a:r>
-              <a:rPr lang="en-US" sz="1200">
+              <a:rPr lang="en-US" sz="1100">
                 <a:latin typeface="Consolas" panose="020B0609020204030204" pitchFamily="49" charset="0"/>
                 <a:cs typeface="Courier New" panose="02070309020205020404" pitchFamily="49" charset="0"/>
               </a:rPr>
@@ -8355,7 +8358,7 @@
               <a:buNone/>
             </a:pPr>
             <a:r>
-              <a:rPr lang="en-US" sz="1200">
+              <a:rPr lang="en-US" sz="1100">
                 <a:latin typeface="Consolas" panose="020B0609020204030204" pitchFamily="49" charset="0"/>
                 <a:cs typeface="Courier New" panose="02070309020205020404" pitchFamily="49" charset="0"/>
               </a:rPr>
@@ -8500,7 +8503,7 @@
               <a:buNone/>
             </a:pPr>
             <a:r>
-              <a:rPr lang="en-US" sz="1200">
+              <a:rPr lang="en-US" sz="1100">
                 <a:latin typeface="Consolas" panose="020B0609020204030204" pitchFamily="49" charset="0"/>
                 <a:cs typeface="Courier New" panose="02070309020205020404" pitchFamily="49" charset="0"/>
               </a:rPr>
@@ -8512,7 +8515,7 @@
               <a:buNone/>
             </a:pPr>
             <a:r>
-              <a:rPr lang="en-US" sz="1200">
+              <a:rPr lang="en-US" sz="1100">
                 <a:latin typeface="Consolas" panose="020B0609020204030204" pitchFamily="49" charset="0"/>
                 <a:cs typeface="Courier New" panose="02070309020205020404" pitchFamily="49" charset="0"/>
               </a:rPr>
@@ -8524,19 +8527,39 @@
               <a:buNone/>
             </a:pPr>
             <a:r>
-              <a:rPr lang="en-US" sz="1200">
-                <a:latin typeface="Consolas" panose="020B0609020204030204" pitchFamily="49" charset="0"/>
-                <a:cs typeface="Courier New" panose="02070309020205020404" pitchFamily="49" charset="0"/>
-              </a:rPr>
-              <a:t>if a &gt; b:</a:t>
-            </a:r>
-          </a:p>
-          <a:p>
-            <a:pPr marL="76200" indent="0">
-              <a:buNone/>
-            </a:pPr>
-            <a:r>
-              <a:rPr lang="en-US" sz="1200">
+              <a:rPr lang="en-US" sz="1100">
+                <a:solidFill>
+                  <a:schemeClr val="accent1"/>
+                </a:solidFill>
+                <a:latin typeface="Consolas" panose="020B0609020204030204" pitchFamily="49" charset="0"/>
+                <a:cs typeface="Courier New" panose="02070309020205020404" pitchFamily="49" charset="0"/>
+              </a:rPr>
+              <a:t>if</a:t>
+            </a:r>
+            <a:r>
+              <a:rPr lang="en-US" sz="1100">
+                <a:latin typeface="Consolas" panose="020B0609020204030204" pitchFamily="49" charset="0"/>
+                <a:cs typeface="Courier New" panose="02070309020205020404" pitchFamily="49" charset="0"/>
+              </a:rPr>
+              <a:t> a &gt; b</a:t>
+            </a:r>
+            <a:r>
+              <a:rPr lang="en-US" sz="1100">
+                <a:solidFill>
+                  <a:schemeClr val="accent1"/>
+                </a:solidFill>
+                <a:latin typeface="Consolas" panose="020B0609020204030204" pitchFamily="49" charset="0"/>
+                <a:cs typeface="Courier New" panose="02070309020205020404" pitchFamily="49" charset="0"/>
+              </a:rPr>
+              <a:t>:</a:t>
+            </a:r>
+          </a:p>
+          <a:p>
+            <a:pPr marL="76200" indent="0">
+              <a:buNone/>
+            </a:pPr>
+            <a:r>
+              <a:rPr lang="en-US" sz="1100">
                 <a:latin typeface="Consolas" panose="020B0609020204030204" pitchFamily="49" charset="0"/>
                 <a:cs typeface="Courier New" panose="02070309020205020404" pitchFamily="49" charset="0"/>
               </a:rPr>
@@ -8548,19 +8571,39 @@
               <a:buNone/>
             </a:pPr>
             <a:r>
-              <a:rPr lang="en-US" sz="1200">
-                <a:latin typeface="Consolas" panose="020B0609020204030204" pitchFamily="49" charset="0"/>
-                <a:cs typeface="Courier New" panose="02070309020205020404" pitchFamily="49" charset="0"/>
-              </a:rPr>
-              <a:t>elif a &lt; b:</a:t>
-            </a:r>
-          </a:p>
-          <a:p>
-            <a:pPr marL="76200" indent="0">
-              <a:buNone/>
-            </a:pPr>
-            <a:r>
-              <a:rPr lang="en-US" sz="1200">
+              <a:rPr lang="en-US" sz="1100">
+                <a:solidFill>
+                  <a:schemeClr val="accent1"/>
+                </a:solidFill>
+                <a:latin typeface="Consolas" panose="020B0609020204030204" pitchFamily="49" charset="0"/>
+                <a:cs typeface="Courier New" panose="02070309020205020404" pitchFamily="49" charset="0"/>
+              </a:rPr>
+              <a:t>elif</a:t>
+            </a:r>
+            <a:r>
+              <a:rPr lang="en-US" sz="1100">
+                <a:latin typeface="Consolas" panose="020B0609020204030204" pitchFamily="49" charset="0"/>
+                <a:cs typeface="Courier New" panose="02070309020205020404" pitchFamily="49" charset="0"/>
+              </a:rPr>
+              <a:t> a &lt; b</a:t>
+            </a:r>
+            <a:r>
+              <a:rPr lang="en-US" sz="1100">
+                <a:solidFill>
+                  <a:schemeClr val="accent1"/>
+                </a:solidFill>
+                <a:latin typeface="Consolas" panose="020B0609020204030204" pitchFamily="49" charset="0"/>
+                <a:cs typeface="Courier New" panose="02070309020205020404" pitchFamily="49" charset="0"/>
+              </a:rPr>
+              <a:t>:</a:t>
+            </a:r>
+          </a:p>
+          <a:p>
+            <a:pPr marL="76200" indent="0">
+              <a:buNone/>
+            </a:pPr>
+            <a:r>
+              <a:rPr lang="en-US" sz="1100">
                 <a:latin typeface="Consolas" panose="020B0609020204030204" pitchFamily="49" charset="0"/>
                 <a:cs typeface="Courier New" panose="02070309020205020404" pitchFamily="49" charset="0"/>
               </a:rPr>
@@ -8572,7 +8615,10 @@
               <a:buNone/>
             </a:pPr>
             <a:r>
-              <a:rPr lang="en-US" sz="1200">
+              <a:rPr lang="en-US" sz="1100">
+                <a:solidFill>
+                  <a:schemeClr val="accent1"/>
+                </a:solidFill>
                 <a:latin typeface="Consolas" panose="020B0609020204030204" pitchFamily="49" charset="0"/>
                 <a:cs typeface="Courier New" panose="02070309020205020404" pitchFamily="49" charset="0"/>
               </a:rPr>
@@ -8584,7 +8630,7 @@
               <a:buNone/>
             </a:pPr>
             <a:r>
-              <a:rPr lang="en-US" sz="1200">
+              <a:rPr lang="en-US" sz="1100">
                 <a:latin typeface="Consolas" panose="020B0609020204030204" pitchFamily="49" charset="0"/>
                 <a:cs typeface="Courier New" panose="02070309020205020404" pitchFamily="49" charset="0"/>
               </a:rPr>
@@ -8729,7 +8775,7 @@
               <a:buNone/>
             </a:pPr>
             <a:r>
-              <a:rPr lang="en-US" sz="1200">
+              <a:rPr lang="en-US" sz="1100">
                 <a:latin typeface="Consolas" panose="020B0609020204030204" pitchFamily="49" charset="0"/>
                 <a:cs typeface="Courier New" panose="02070309020205020404" pitchFamily="49" charset="0"/>
               </a:rPr>
@@ -8741,27 +8787,91 @@
               <a:buNone/>
             </a:pPr>
             <a:r>
-              <a:rPr lang="en-US" sz="1200">
+              <a:rPr lang="en-US" sz="1100">
                 <a:latin typeface="Consolas" panose="020B0609020204030204" pitchFamily="49" charset="0"/>
                 <a:cs typeface="Courier New" panose="02070309020205020404" pitchFamily="49" charset="0"/>
               </a:rPr>
               <a:t>b = 33</a:t>
             </a:r>
-            <a:endParaRPr lang="en-US" sz="1400">
-              <a:latin typeface="Consolas" panose="020B0609020204030204" pitchFamily="49" charset="0"/>
-              <a:cs typeface="Courier New" panose="02070309020205020404" pitchFamily="49" charset="0"/>
-            </a:endParaRPr>
-          </a:p>
-          <a:p>
-            <a:pPr marL="76200" indent="0">
-              <a:buNone/>
-            </a:pPr>
-            <a:r>
-              <a:rPr lang="en-US" sz="1200">
-                <a:latin typeface="Consolas" panose="020B0609020204030204" pitchFamily="49" charset="0"/>
-                <a:cs typeface="Courier New" panose="02070309020205020404" pitchFamily="49" charset="0"/>
-              </a:rPr>
-              <a:t>print('a') if a &gt; b else print('b') if a &lt; b else print('=')</a:t>
+          </a:p>
+          <a:p>
+            <a:pPr marL="76200" indent="0">
+              <a:buNone/>
+            </a:pPr>
+            <a:r>
+              <a:rPr lang="en-US" sz="1100">
+                <a:latin typeface="Consolas" panose="020B0609020204030204" pitchFamily="49" charset="0"/>
+                <a:cs typeface="Courier New" panose="02070309020205020404" pitchFamily="49" charset="0"/>
+              </a:rPr>
+              <a:t>print('a') </a:t>
+            </a:r>
+            <a:r>
+              <a:rPr lang="en-US" sz="1100">
+                <a:solidFill>
+                  <a:schemeClr val="accent1"/>
+                </a:solidFill>
+                <a:latin typeface="Consolas" panose="020B0609020204030204" pitchFamily="49" charset="0"/>
+                <a:cs typeface="Courier New" panose="02070309020205020404" pitchFamily="49" charset="0"/>
+              </a:rPr>
+              <a:t>if</a:t>
+            </a:r>
+            <a:r>
+              <a:rPr lang="en-US" sz="1100">
+                <a:latin typeface="Consolas" panose="020B0609020204030204" pitchFamily="49" charset="0"/>
+                <a:cs typeface="Courier New" panose="02070309020205020404" pitchFamily="49" charset="0"/>
+              </a:rPr>
+              <a:t> a &gt; b </a:t>
+            </a:r>
+            <a:r>
+              <a:rPr lang="en-US" sz="1100">
+                <a:solidFill>
+                  <a:schemeClr val="accent1"/>
+                </a:solidFill>
+                <a:latin typeface="Consolas" panose="020B0609020204030204" pitchFamily="49" charset="0"/>
+                <a:cs typeface="Courier New" panose="02070309020205020404" pitchFamily="49" charset="0"/>
+              </a:rPr>
+              <a:t>else</a:t>
+            </a:r>
+            <a:r>
+              <a:rPr lang="en-US" sz="1100">
+                <a:latin typeface="Consolas" panose="020B0609020204030204" pitchFamily="49" charset="0"/>
+                <a:cs typeface="Courier New" panose="02070309020205020404" pitchFamily="49" charset="0"/>
+              </a:rPr>
+              <a:t> print('b') </a:t>
+            </a:r>
+            <a:r>
+              <a:rPr lang="en-US" sz="1100">
+                <a:solidFill>
+                  <a:schemeClr val="accent1"/>
+                </a:solidFill>
+                <a:latin typeface="Consolas" panose="020B0609020204030204" pitchFamily="49" charset="0"/>
+                <a:cs typeface="Courier New" panose="02070309020205020404" pitchFamily="49" charset="0"/>
+              </a:rPr>
+              <a:t>if</a:t>
+            </a:r>
+            <a:r>
+              <a:rPr lang="en-US" sz="1100">
+                <a:latin typeface="Consolas" panose="020B0609020204030204" pitchFamily="49" charset="0"/>
+                <a:cs typeface="Courier New" panose="02070309020205020404" pitchFamily="49" charset="0"/>
+              </a:rPr>
+              <a:t> a &lt; b </a:t>
+            </a:r>
+            <a:r>
+              <a:rPr lang="en-US" sz="1100">
+                <a:solidFill>
+                  <a:schemeClr val="accent1"/>
+                </a:solidFill>
+                <a:latin typeface="Consolas" panose="020B0609020204030204" pitchFamily="49" charset="0"/>
+                <a:cs typeface="Courier New" panose="02070309020205020404" pitchFamily="49" charset="0"/>
+              </a:rPr>
+              <a:t>else</a:t>
+            </a:r>
+            <a:r>
+              <a:rPr lang="en-US" sz="1100">
+                <a:latin typeface="Consolas" panose="020B0609020204030204" pitchFamily="49" charset="0"/>
+                <a:cs typeface="Courier New" panose="02070309020205020404" pitchFamily="49" charset="0"/>
+              </a:rPr>
+              <a:t> print('=')</a:t>
             </a:r>
           </a:p>
           <a:p>
@@ -8791,7 +8901,7 @@
               <a:buNone/>
             </a:pPr>
             <a:r>
-              <a:rPr lang="en-US" sz="1200">
+              <a:rPr lang="en-US" sz="1100">
                 <a:latin typeface="Consolas" panose="020B0609020204030204" pitchFamily="49" charset="0"/>
                 <a:cs typeface="Courier New" panose="02070309020205020404" pitchFamily="49" charset="0"/>
               </a:rPr>
@@ -8803,7 +8913,7 @@
               <a:buNone/>
             </a:pPr>
             <a:r>
-              <a:rPr lang="en-US" sz="1200">
+              <a:rPr lang="en-US" sz="1100">
                 <a:latin typeface="Consolas" panose="020B0609020204030204" pitchFamily="49" charset="0"/>
                 <a:cs typeface="Courier New" panose="02070309020205020404" pitchFamily="49" charset="0"/>
               </a:rPr>
@@ -8815,7 +8925,7 @@
               <a:buNone/>
             </a:pPr>
             <a:r>
-              <a:rPr lang="en-US" sz="1200">
+              <a:rPr lang="en-US" sz="1100">
                 <a:latin typeface="Consolas" panose="020B0609020204030204" pitchFamily="49" charset="0"/>
                 <a:cs typeface="Courier New" panose="02070309020205020404" pitchFamily="49" charset="0"/>
               </a:rPr>
@@ -8827,7 +8937,7 @@
               <a:buNone/>
             </a:pPr>
             <a:r>
-              <a:rPr lang="en-US" sz="1200">
+              <a:rPr lang="en-US" sz="1100">
                 <a:latin typeface="Consolas" panose="020B0609020204030204" pitchFamily="49" charset="0"/>
                 <a:cs typeface="Courier New" panose="02070309020205020404" pitchFamily="49" charset="0"/>
               </a:rPr>
@@ -8839,7 +8949,7 @@
               <a:buNone/>
             </a:pPr>
             <a:r>
-              <a:rPr lang="en-US" sz="1200">
+              <a:rPr lang="en-US" sz="1100">
                 <a:latin typeface="Consolas" panose="020B0609020204030204" pitchFamily="49" charset="0"/>
                 <a:cs typeface="Courier New" panose="02070309020205020404" pitchFamily="49" charset="0"/>
               </a:rPr>
@@ -9117,7 +9227,7 @@
               <a:buNone/>
             </a:pPr>
             <a:r>
-              <a:rPr lang="nn-NO" sz="1200">
+              <a:rPr lang="nn-NO" sz="1100">
                 <a:latin typeface="Consolas" panose="020B0609020204030204" pitchFamily="49" charset="0"/>
                 <a:cs typeface="Courier New" panose="02070309020205020404" pitchFamily="49" charset="0"/>
               </a:rPr>
@@ -9129,19 +9239,39 @@
               <a:buNone/>
             </a:pPr>
             <a:r>
-              <a:rPr lang="nn-NO" sz="1200">
-                <a:latin typeface="Consolas" panose="020B0609020204030204" pitchFamily="49" charset="0"/>
-                <a:cs typeface="Courier New" panose="02070309020205020404" pitchFamily="49" charset="0"/>
-              </a:rPr>
-              <a:t>while i &lt; 10:</a:t>
-            </a:r>
-          </a:p>
-          <a:p>
-            <a:pPr marL="76200" indent="0">
-              <a:buNone/>
-            </a:pPr>
-            <a:r>
-              <a:rPr lang="nn-NO" sz="1200">
+              <a:rPr lang="nn-NO" sz="1100">
+                <a:solidFill>
+                  <a:schemeClr val="accent1"/>
+                </a:solidFill>
+                <a:latin typeface="Consolas" panose="020B0609020204030204" pitchFamily="49" charset="0"/>
+                <a:cs typeface="Courier New" panose="02070309020205020404" pitchFamily="49" charset="0"/>
+              </a:rPr>
+              <a:t>while</a:t>
+            </a:r>
+            <a:r>
+              <a:rPr lang="nn-NO" sz="1100">
+                <a:latin typeface="Consolas" panose="020B0609020204030204" pitchFamily="49" charset="0"/>
+                <a:cs typeface="Courier New" panose="02070309020205020404" pitchFamily="49" charset="0"/>
+              </a:rPr>
+              <a:t> i &lt; 10</a:t>
+            </a:r>
+            <a:r>
+              <a:rPr lang="nn-NO" sz="1100">
+                <a:solidFill>
+                  <a:schemeClr val="accent1"/>
+                </a:solidFill>
+                <a:latin typeface="Consolas" panose="020B0609020204030204" pitchFamily="49" charset="0"/>
+                <a:cs typeface="Courier New" panose="02070309020205020404" pitchFamily="49" charset="0"/>
+              </a:rPr>
+              <a:t>:</a:t>
+            </a:r>
+          </a:p>
+          <a:p>
+            <a:pPr marL="76200" indent="0">
+              <a:buNone/>
+            </a:pPr>
+            <a:r>
+              <a:rPr lang="nn-NO" sz="1100">
                 <a:latin typeface="Consolas" panose="020B0609020204030204" pitchFamily="49" charset="0"/>
                 <a:cs typeface="Courier New" panose="02070309020205020404" pitchFamily="49" charset="0"/>
               </a:rPr>
@@ -9153,7 +9283,7 @@
               <a:buNone/>
             </a:pPr>
             <a:r>
-              <a:rPr lang="nn-NO" sz="1200">
+              <a:rPr lang="nn-NO" sz="1100">
                 <a:latin typeface="Consolas" panose="020B0609020204030204" pitchFamily="49" charset="0"/>
                 <a:cs typeface="Courier New" panose="02070309020205020404" pitchFamily="49" charset="0"/>
               </a:rPr>
@@ -9165,7 +9295,10 @@
               <a:buNone/>
             </a:pPr>
             <a:r>
-              <a:rPr lang="nn-NO" sz="1200">
+              <a:rPr lang="nn-NO" sz="1100">
+                <a:solidFill>
+                  <a:schemeClr val="accent1"/>
+                </a:solidFill>
                 <a:latin typeface="Consolas" panose="020B0609020204030204" pitchFamily="49" charset="0"/>
                 <a:cs typeface="Courier New" panose="02070309020205020404" pitchFamily="49" charset="0"/>
               </a:rPr>
@@ -9177,7 +9310,7 @@
               <a:buNone/>
             </a:pPr>
             <a:r>
-              <a:rPr lang="nn-NO" sz="1200">
+              <a:rPr lang="nn-NO" sz="1100">
                 <a:latin typeface="Consolas" panose="020B0609020204030204" pitchFamily="49" charset="0"/>
                 <a:cs typeface="Courier New" panose="02070309020205020404" pitchFamily="49" charset="0"/>
               </a:rPr>
@@ -9335,7 +9468,7 @@
               <a:buNone/>
             </a:pPr>
             <a:r>
-              <a:rPr lang="en-US" sz="1200">
+              <a:rPr lang="en-US" sz="1100">
                 <a:latin typeface="Consolas" panose="020B0609020204030204" pitchFamily="49" charset="0"/>
                 <a:cs typeface="Courier New" panose="02070309020205020404" pitchFamily="49" charset="0"/>
               </a:rPr>
@@ -9347,7 +9480,7 @@
               <a:buNone/>
             </a:pPr>
             <a:r>
-              <a:rPr lang="en-US" sz="1200">
+              <a:rPr lang="en-US" sz="1100">
                 <a:latin typeface="Consolas" panose="020B0609020204030204" pitchFamily="49" charset="0"/>
                 <a:cs typeface="Courier New" panose="02070309020205020404" pitchFamily="49" charset="0"/>
               </a:rPr>
@@ -9359,7 +9492,7 @@
               <a:buNone/>
             </a:pPr>
             <a:r>
-              <a:rPr lang="en-US" sz="1200">
+              <a:rPr lang="en-US" sz="1100">
                 <a:latin typeface="Consolas" panose="020B0609020204030204" pitchFamily="49" charset="0"/>
                 <a:cs typeface="Courier New" panose="02070309020205020404" pitchFamily="49" charset="0"/>
               </a:rPr>
@@ -9371,7 +9504,7 @@
               <a:buNone/>
             </a:pPr>
             <a:r>
-              <a:rPr lang="en-US" sz="1200">
+              <a:rPr lang="en-US" sz="1100">
                 <a:latin typeface="Consolas" panose="020B0609020204030204" pitchFamily="49" charset="0"/>
                 <a:cs typeface="Courier New" panose="02070309020205020404" pitchFamily="49" charset="0"/>
               </a:rPr>
@@ -9383,19 +9516,29 @@
               <a:buNone/>
             </a:pPr>
             <a:r>
-              <a:rPr lang="en-US" sz="1200">
-                <a:latin typeface="Consolas" panose="020B0609020204030204" pitchFamily="49" charset="0"/>
-                <a:cs typeface="Courier New" panose="02070309020205020404" pitchFamily="49" charset="0"/>
-              </a:rPr>
-              <a:t>        continue</a:t>
-            </a:r>
-          </a:p>
-          <a:p>
-            <a:pPr marL="76200" indent="0">
-              <a:buNone/>
-            </a:pPr>
-            <a:r>
-              <a:rPr lang="en-US" sz="1200">
+              <a:rPr lang="en-US" sz="1100">
+                <a:latin typeface="Consolas" panose="020B0609020204030204" pitchFamily="49" charset="0"/>
+                <a:cs typeface="Courier New" panose="02070309020205020404" pitchFamily="49" charset="0"/>
+              </a:rPr>
+              <a:t>        </a:t>
+            </a:r>
+            <a:r>
+              <a:rPr lang="en-US" sz="1100">
+                <a:solidFill>
+                  <a:schemeClr val="accent1"/>
+                </a:solidFill>
+                <a:latin typeface="Consolas" panose="020B0609020204030204" pitchFamily="49" charset="0"/>
+                <a:cs typeface="Courier New" panose="02070309020205020404" pitchFamily="49" charset="0"/>
+              </a:rPr>
+              <a:t>continue</a:t>
+            </a:r>
+          </a:p>
+          <a:p>
+            <a:pPr marL="76200" indent="0">
+              <a:buNone/>
+            </a:pPr>
+            <a:r>
+              <a:rPr lang="en-US" sz="1100">
                 <a:latin typeface="Consolas" panose="020B0609020204030204" pitchFamily="49" charset="0"/>
                 <a:cs typeface="Courier New" panose="02070309020205020404" pitchFamily="49" charset="0"/>
               </a:rPr>
@@ -9407,19 +9550,29 @@
               <a:buNone/>
             </a:pPr>
             <a:r>
-              <a:rPr lang="en-US" sz="1200">
-                <a:latin typeface="Consolas" panose="020B0609020204030204" pitchFamily="49" charset="0"/>
-                <a:cs typeface="Courier New" panose="02070309020205020404" pitchFamily="49" charset="0"/>
-              </a:rPr>
-              <a:t>        break</a:t>
-            </a:r>
-          </a:p>
-          <a:p>
-            <a:pPr marL="76200" indent="0">
-              <a:buNone/>
-            </a:pPr>
-            <a:r>
-              <a:rPr lang="en-US" sz="1200">
+              <a:rPr lang="en-US" sz="1100">
+                <a:latin typeface="Consolas" panose="020B0609020204030204" pitchFamily="49" charset="0"/>
+                <a:cs typeface="Courier New" panose="02070309020205020404" pitchFamily="49" charset="0"/>
+              </a:rPr>
+              <a:t>        </a:t>
+            </a:r>
+            <a:r>
+              <a:rPr lang="en-US" sz="1100">
+                <a:solidFill>
+                  <a:schemeClr val="accent1"/>
+                </a:solidFill>
+                <a:latin typeface="Consolas" panose="020B0609020204030204" pitchFamily="49" charset="0"/>
+                <a:cs typeface="Courier New" panose="02070309020205020404" pitchFamily="49" charset="0"/>
+              </a:rPr>
+              <a:t>break</a:t>
+            </a:r>
+          </a:p>
+          <a:p>
+            <a:pPr marL="76200" indent="0">
+              <a:buNone/>
+            </a:pPr>
+            <a:r>
+              <a:rPr lang="en-US" sz="1100">
                 <a:latin typeface="Consolas" panose="020B0609020204030204" pitchFamily="49" charset="0"/>
                 <a:cs typeface="Courier New" panose="02070309020205020404" pitchFamily="49" charset="0"/>
               </a:rPr>
@@ -9431,7 +9584,7 @@
               <a:buNone/>
             </a:pPr>
             <a:r>
-              <a:rPr lang="nn-NO" sz="1200">
+              <a:rPr lang="nn-NO" sz="1100">
                 <a:latin typeface="Consolas" panose="020B0609020204030204" pitchFamily="49" charset="0"/>
                 <a:cs typeface="Courier New" panose="02070309020205020404" pitchFamily="49" charset="0"/>
               </a:rPr>
@@ -9443,7 +9596,7 @@
               <a:buNone/>
             </a:pPr>
             <a:r>
-              <a:rPr lang="nn-NO" sz="1200">
+              <a:rPr lang="nn-NO" sz="1100">
                 <a:latin typeface="Consolas" panose="020B0609020204030204" pitchFamily="49" charset="0"/>
                 <a:cs typeface="Courier New" panose="02070309020205020404" pitchFamily="49" charset="0"/>
               </a:rPr>
@@ -9508,7 +9661,7 @@
   <p:cSld>
     <p:spTree>
       <p:nvGrpSpPr>
-        <p:cNvPr id="1" name="Shape 96"/>
+        <p:cNvPr id="1" name=""/>
         <p:cNvGrpSpPr/>
         <p:nvPr/>
       </p:nvGrpSpPr>
@@ -9522,93 +9675,271 @@
       </p:grpSpPr>
       <p:sp>
         <p:nvSpPr>
-          <p:cNvPr id="97" name="Google Shape;97;p15"/>
-          <p:cNvSpPr txBox="1">
+          <p:cNvPr id="2" name="Title 1">
+            <a:extLst>
+              <a:ext uri="{FF2B5EF4-FFF2-40B4-BE49-F238E27FC236}">
+                <a16:creationId xmlns:a16="http://schemas.microsoft.com/office/drawing/2014/main" id="{024AD384-5AD1-4435-A943-1241B2FACD62}"/>
+              </a:ext>
+            </a:extLst>
+          </p:cNvPr>
+          <p:cNvSpPr>
             <a:spLocks noGrp="1"/>
           </p:cNvSpPr>
           <p:nvPr>
-            <p:ph type="ctrTitle"/>
+            <p:ph type="title"/>
+          </p:nvPr>
+        </p:nvSpPr>
+        <p:spPr/>
+        <p:txBody>
+          <a:bodyPr/>
+          <a:lstStyle/>
+          <a:p>
+            <a:r>
+              <a:rPr lang="en-US"/>
+              <a:t>Python For Loops</a:t>
+            </a:r>
+            <a:endParaRPr lang="fa-IR"/>
+          </a:p>
+        </p:txBody>
+      </p:sp>
+      <p:sp>
+        <p:nvSpPr>
+          <p:cNvPr id="3" name="Text Placeholder 2">
+            <a:extLst>
+              <a:ext uri="{FF2B5EF4-FFF2-40B4-BE49-F238E27FC236}">
+                <a16:creationId xmlns:a16="http://schemas.microsoft.com/office/drawing/2014/main" id="{58BE3078-8B89-4550-B497-93E4DADBD57E}"/>
+              </a:ext>
+            </a:extLst>
+          </p:cNvPr>
+          <p:cNvSpPr>
+            <a:spLocks noGrp="1"/>
+          </p:cNvSpPr>
+          <p:nvPr>
+            <p:ph type="body" idx="1"/>
           </p:nvPr>
         </p:nvSpPr>
         <p:spPr>
           <a:xfrm>
-            <a:off x="1655700" y="1991850"/>
-            <a:ext cx="5832600" cy="1159800"/>
+            <a:off x="786150" y="1142608"/>
+            <a:ext cx="7571700" cy="3626431"/>
           </a:xfrm>
-          <a:prstGeom prst="rect">
-            <a:avLst/>
-          </a:prstGeom>
         </p:spPr>
         <p:txBody>
-          <a:bodyPr spcFirstLastPara="1" wrap="square" lIns="91425" tIns="91425" rIns="91425" bIns="91425" anchor="ctr" anchorCtr="0">
-            <a:noAutofit/>
-          </a:bodyPr>
+          <a:bodyPr/>
           <a:lstStyle/>
           <a:p>
-            <a:pPr marL="0" lvl="0" indent="0" algn="ctr" rtl="0">
-              <a:spcBef>
-                <a:spcPts val="0"/>
-              </a:spcBef>
-              <a:spcAft>
-                <a:spcPts val="0"/>
-              </a:spcAft>
-              <a:buNone/>
-            </a:pPr>
-            <a:r>
-              <a:rPr lang="en-US" sz="6000">
-                <a:solidFill>
-                  <a:srgbClr val="E6E6E6"/>
-                </a:solidFill>
-              </a:rPr>
-              <a:t>2</a:t>
-            </a:r>
-            <a:endParaRPr sz="6000">
-              <a:solidFill>
-                <a:srgbClr val="E6E6E6"/>
-              </a:solidFill>
+            <a:pPr marL="76200" indent="0">
+              <a:buNone/>
+            </a:pPr>
+            <a:r>
+              <a:rPr lang="en-US" sz="1400"/>
+              <a:t>Iterating over a collection</a:t>
+            </a:r>
+          </a:p>
+          <a:p>
+            <a:pPr marL="76200" indent="0">
+              <a:buNone/>
+            </a:pPr>
+            <a:r>
+              <a:rPr lang="en-US" sz="1100">
+                <a:latin typeface="Consolas" panose="020B0609020204030204" pitchFamily="49" charset="0"/>
+                <a:cs typeface="Courier New" panose="02070309020205020404" pitchFamily="49" charset="0"/>
+              </a:rPr>
+              <a:t>fruits = ['apple', 'banana', 'cherry']</a:t>
+            </a:r>
+          </a:p>
+          <a:p>
+            <a:pPr marL="76200" indent="0">
+              <a:buNone/>
+            </a:pPr>
+            <a:r>
+              <a:rPr lang="en-US" sz="1100">
+                <a:solidFill>
+                  <a:schemeClr val="accent1"/>
+                </a:solidFill>
+                <a:latin typeface="Consolas" panose="020B0609020204030204" pitchFamily="49" charset="0"/>
+                <a:cs typeface="Courier New" panose="02070309020205020404" pitchFamily="49" charset="0"/>
+              </a:rPr>
+              <a:t>for</a:t>
+            </a:r>
+            <a:r>
+              <a:rPr lang="en-US" sz="1100">
+                <a:latin typeface="Consolas" panose="020B0609020204030204" pitchFamily="49" charset="0"/>
+                <a:cs typeface="Courier New" panose="02070309020205020404" pitchFamily="49" charset="0"/>
+              </a:rPr>
+              <a:t> fruit </a:t>
+            </a:r>
+            <a:r>
+              <a:rPr lang="en-US" sz="1100">
+                <a:solidFill>
+                  <a:schemeClr val="accent1"/>
+                </a:solidFill>
+                <a:latin typeface="Consolas" panose="020B0609020204030204" pitchFamily="49" charset="0"/>
+                <a:cs typeface="Courier New" panose="02070309020205020404" pitchFamily="49" charset="0"/>
+              </a:rPr>
+              <a:t>in</a:t>
+            </a:r>
+            <a:r>
+              <a:rPr lang="en-US" sz="1100">
+                <a:latin typeface="Consolas" panose="020B0609020204030204" pitchFamily="49" charset="0"/>
+                <a:cs typeface="Courier New" panose="02070309020205020404" pitchFamily="49" charset="0"/>
+              </a:rPr>
+              <a:t> fruits</a:t>
+            </a:r>
+            <a:r>
+              <a:rPr lang="en-US" sz="1100">
+                <a:solidFill>
+                  <a:schemeClr val="accent1"/>
+                </a:solidFill>
+                <a:latin typeface="Consolas" panose="020B0609020204030204" pitchFamily="49" charset="0"/>
+                <a:cs typeface="Courier New" panose="02070309020205020404" pitchFamily="49" charset="0"/>
+              </a:rPr>
+              <a:t>:</a:t>
+            </a:r>
+          </a:p>
+          <a:p>
+            <a:pPr marL="76200" indent="0">
+              <a:buNone/>
+            </a:pPr>
+            <a:r>
+              <a:rPr lang="en-US" sz="1100">
+                <a:latin typeface="Consolas" panose="020B0609020204030204" pitchFamily="49" charset="0"/>
+                <a:cs typeface="Courier New" panose="02070309020205020404" pitchFamily="49" charset="0"/>
+              </a:rPr>
+              <a:t>    print(fruit)</a:t>
+            </a:r>
+          </a:p>
+          <a:p>
+            <a:pPr marL="76200" indent="0">
+              <a:buNone/>
+            </a:pPr>
+            <a:r>
+              <a:rPr lang="en-US" sz="1100">
+                <a:solidFill>
+                  <a:schemeClr val="accent1"/>
+                </a:solidFill>
+                <a:latin typeface="Consolas" panose="020B0609020204030204" pitchFamily="49" charset="0"/>
+                <a:cs typeface="Courier New" panose="02070309020205020404" pitchFamily="49" charset="0"/>
+              </a:rPr>
+              <a:t>else:</a:t>
+            </a:r>
+          </a:p>
+          <a:p>
+            <a:pPr marL="76200" indent="0">
+              <a:buNone/>
+            </a:pPr>
+            <a:r>
+              <a:rPr lang="en-US" sz="1100">
+                <a:latin typeface="Consolas" panose="020B0609020204030204" pitchFamily="49" charset="0"/>
+                <a:cs typeface="Courier New" panose="02070309020205020404" pitchFamily="49" charset="0"/>
+              </a:rPr>
+              <a:t>    print('Finished!')</a:t>
+            </a:r>
+          </a:p>
+          <a:p>
+            <a:pPr marL="76200" indent="0">
+              <a:buNone/>
+            </a:pPr>
+            <a:endParaRPr lang="en-US" sz="1100">
+              <a:latin typeface="Consolas" panose="020B0609020204030204" pitchFamily="49" charset="0"/>
+              <a:cs typeface="Courier New" panose="02070309020205020404" pitchFamily="49" charset="0"/>
             </a:endParaRPr>
           </a:p>
           <a:p>
-            <a:pPr marL="0" lvl="0" indent="0" algn="ctr" rtl="0">
-              <a:spcBef>
-                <a:spcPts val="0"/>
-              </a:spcBef>
-              <a:spcAft>
-                <a:spcPts val="0"/>
-              </a:spcAft>
-              <a:buNone/>
-            </a:pPr>
-            <a:r>
-              <a:rPr lang="en"/>
-              <a:t>NumPy</a:t>
-            </a:r>
-            <a:endParaRPr/>
+            <a:pPr marL="76200" indent="0">
+              <a:buNone/>
+            </a:pPr>
+            <a:r>
+              <a:rPr lang="en-US" sz="1400"/>
+              <a:t>Iterating over a string</a:t>
+            </a:r>
+            <a:endParaRPr lang="en-US" sz="1100">
+              <a:latin typeface="Consolas" panose="020B0609020204030204" pitchFamily="49" charset="0"/>
+              <a:cs typeface="Courier New" panose="02070309020205020404" pitchFamily="49" charset="0"/>
+            </a:endParaRPr>
+          </a:p>
+          <a:p>
+            <a:pPr marL="76200" indent="0">
+              <a:buNone/>
+            </a:pPr>
+            <a:r>
+              <a:rPr lang="en-US" sz="1100">
+                <a:solidFill>
+                  <a:schemeClr val="accent1"/>
+                </a:solidFill>
+                <a:latin typeface="Consolas" panose="020B0609020204030204" pitchFamily="49" charset="0"/>
+                <a:cs typeface="Courier New" panose="02070309020205020404" pitchFamily="49" charset="0"/>
+              </a:rPr>
+              <a:t>for</a:t>
+            </a:r>
+            <a:r>
+              <a:rPr lang="en-US" sz="1100">
+                <a:latin typeface="Consolas" panose="020B0609020204030204" pitchFamily="49" charset="0"/>
+                <a:cs typeface="Courier New" panose="02070309020205020404" pitchFamily="49" charset="0"/>
+              </a:rPr>
+              <a:t> letter </a:t>
+            </a:r>
+            <a:r>
+              <a:rPr lang="en-US" sz="1100">
+                <a:solidFill>
+                  <a:schemeClr val="accent1"/>
+                </a:solidFill>
+                <a:latin typeface="Consolas" panose="020B0609020204030204" pitchFamily="49" charset="0"/>
+                <a:cs typeface="Courier New" panose="02070309020205020404" pitchFamily="49" charset="0"/>
+              </a:rPr>
+              <a:t>in</a:t>
+            </a:r>
+            <a:r>
+              <a:rPr lang="en-US" sz="1100">
+                <a:latin typeface="Consolas" panose="020B0609020204030204" pitchFamily="49" charset="0"/>
+                <a:cs typeface="Courier New" panose="02070309020205020404" pitchFamily="49" charset="0"/>
+              </a:rPr>
+              <a:t> 'apple'</a:t>
+            </a:r>
+            <a:r>
+              <a:rPr lang="en-US" sz="1100">
+                <a:solidFill>
+                  <a:schemeClr val="accent1"/>
+                </a:solidFill>
+                <a:latin typeface="Consolas" panose="020B0609020204030204" pitchFamily="49" charset="0"/>
+                <a:cs typeface="Courier New" panose="02070309020205020404" pitchFamily="49" charset="0"/>
+              </a:rPr>
+              <a:t>:</a:t>
+            </a:r>
+          </a:p>
+          <a:p>
+            <a:pPr marL="76200" indent="0">
+              <a:buNone/>
+            </a:pPr>
+            <a:r>
+              <a:rPr lang="en-US" sz="1100">
+                <a:latin typeface="Consolas" panose="020B0609020204030204" pitchFamily="49" charset="0"/>
+                <a:cs typeface="Courier New" panose="02070309020205020404" pitchFamily="49" charset="0"/>
+              </a:rPr>
+              <a:t>    print(letter)</a:t>
+            </a:r>
           </a:p>
         </p:txBody>
       </p:sp>
       <p:sp>
         <p:nvSpPr>
-          <p:cNvPr id="99" name="Google Shape;99;p15"/>
-          <p:cNvSpPr txBox="1">
+          <p:cNvPr id="4" name="Slide Number Placeholder 3">
+            <a:extLst>
+              <a:ext uri="{FF2B5EF4-FFF2-40B4-BE49-F238E27FC236}">
+                <a16:creationId xmlns:a16="http://schemas.microsoft.com/office/drawing/2014/main" id="{64987AE6-EC0E-43DD-9376-95A5602EE5E1}"/>
+              </a:ext>
+            </a:extLst>
+          </p:cNvPr>
+          <p:cNvSpPr>
             <a:spLocks noGrp="1"/>
           </p:cNvSpPr>
           <p:nvPr>
-            <p:ph type="sldNum" idx="4294967295"/>
+            <p:ph type="sldNum" idx="12"/>
           </p:nvPr>
         </p:nvSpPr>
-        <p:spPr>
-          <a:xfrm>
-            <a:off x="8404384" y="4749851"/>
-            <a:ext cx="548700" cy="393600"/>
-          </a:xfrm>
-          <a:prstGeom prst="rect">
-            <a:avLst/>
-          </a:prstGeom>
-        </p:spPr>
+        <p:spPr/>
         <p:txBody>
-          <a:bodyPr spcFirstLastPara="1" wrap="square" lIns="91425" tIns="91425" rIns="91425" bIns="91425" anchor="t" anchorCtr="0">
-            <a:noAutofit/>
-          </a:bodyPr>
+          <a:bodyPr/>
           <a:lstStyle/>
           <a:p>
             <a:pPr marL="0" lvl="0" indent="0" algn="r" rtl="0">
@@ -9621,17 +9952,17 @@
               <a:buNone/>
             </a:pPr>
             <a:fld id="{00000000-1234-1234-1234-123412341234}" type="slidenum">
-              <a:rPr lang="en"/>
+              <a:rPr lang="en" smtClean="0"/>
               <a:t>22</a:t>
             </a:fld>
-            <a:endParaRPr/>
+            <a:endParaRPr lang="en"/>
           </a:p>
         </p:txBody>
       </p:sp>
     </p:spTree>
     <p:extLst>
       <p:ext uri="{BB962C8B-B14F-4D97-AF65-F5344CB8AC3E}">
-        <p14:creationId xmlns:p14="http://schemas.microsoft.com/office/powerpoint/2010/main" val="1620004517"/>
+        <p14:creationId xmlns:p14="http://schemas.microsoft.com/office/powerpoint/2010/main" val="393089437"/>
       </p:ext>
     </p:extLst>
   </p:cSld>
@@ -9680,12 +10011,8 @@
           <a:lstStyle/>
           <a:p>
             <a:r>
-              <a:rPr lang="en-US" err="1"/>
-              <a:t>Numpy</a:t>
-            </a:r>
-            <a:r>
               <a:rPr lang="en-US"/>
-              <a:t> Introduction</a:t>
+              <a:t>Python For Loops</a:t>
             </a:r>
             <a:endParaRPr lang="fa-IR"/>
           </a:p>
@@ -9717,15 +10044,284 @@
           <a:bodyPr/>
           <a:lstStyle/>
           <a:p>
-            <a:r>
-              <a:rPr lang="en-US" sz="1800"/>
-              <a:t>NumPy is a Python library used for working with arrays.</a:t>
-            </a:r>
-          </a:p>
-          <a:p>
-            <a:r>
-              <a:rPr lang="en-US" sz="1800"/>
-              <a:t>NumPy is short for "Numerical Python".</a:t>
+            <a:pPr marL="76200" indent="0">
+              <a:buNone/>
+            </a:pPr>
+            <a:r>
+              <a:rPr lang="en-US" sz="1400"/>
+              <a:t>Range</a:t>
+            </a:r>
+            <a:endParaRPr lang="en-US" sz="1400">
+              <a:latin typeface="Consolas" panose="020B0609020204030204" pitchFamily="49" charset="0"/>
+              <a:cs typeface="Courier New" panose="02070309020205020404" pitchFamily="49" charset="0"/>
+            </a:endParaRPr>
+          </a:p>
+          <a:p>
+            <a:pPr marL="76200" indent="0">
+              <a:buNone/>
+            </a:pPr>
+            <a:r>
+              <a:rPr lang="en-US" sz="1100">
+                <a:latin typeface="Consolas" panose="020B0609020204030204" pitchFamily="49" charset="0"/>
+                <a:cs typeface="Courier New" panose="02070309020205020404" pitchFamily="49" charset="0"/>
+              </a:rPr>
+              <a:t>for i in </a:t>
+            </a:r>
+            <a:r>
+              <a:rPr lang="en-US" sz="1100">
+                <a:solidFill>
+                  <a:schemeClr val="accent1"/>
+                </a:solidFill>
+                <a:latin typeface="Consolas" panose="020B0609020204030204" pitchFamily="49" charset="0"/>
+                <a:cs typeface="Courier New" panose="02070309020205020404" pitchFamily="49" charset="0"/>
+              </a:rPr>
+              <a:t>range(</a:t>
+            </a:r>
+            <a:r>
+              <a:rPr lang="en-US" sz="1100">
+                <a:latin typeface="Consolas" panose="020B0609020204030204" pitchFamily="49" charset="0"/>
+                <a:cs typeface="Courier New" panose="02070309020205020404" pitchFamily="49" charset="0"/>
+              </a:rPr>
+              <a:t>10</a:t>
+            </a:r>
+            <a:r>
+              <a:rPr lang="en-US" sz="1100">
+                <a:solidFill>
+                  <a:schemeClr val="accent1"/>
+                </a:solidFill>
+                <a:latin typeface="Consolas" panose="020B0609020204030204" pitchFamily="49" charset="0"/>
+                <a:cs typeface="Courier New" panose="02070309020205020404" pitchFamily="49" charset="0"/>
+              </a:rPr>
+              <a:t>)</a:t>
+            </a:r>
+            <a:r>
+              <a:rPr lang="en-US" sz="1100">
+                <a:latin typeface="Consolas" panose="020B0609020204030204" pitchFamily="49" charset="0"/>
+                <a:cs typeface="Courier New" panose="02070309020205020404" pitchFamily="49" charset="0"/>
+              </a:rPr>
+              <a:t>:</a:t>
+            </a:r>
+          </a:p>
+          <a:p>
+            <a:pPr marL="76200" indent="0">
+              <a:buNone/>
+            </a:pPr>
+            <a:r>
+              <a:rPr lang="en-US" sz="1100">
+                <a:latin typeface="Consolas" panose="020B0609020204030204" pitchFamily="49" charset="0"/>
+                <a:cs typeface="Courier New" panose="02070309020205020404" pitchFamily="49" charset="0"/>
+              </a:rPr>
+              <a:t>    print(i)</a:t>
+            </a:r>
+          </a:p>
+          <a:p>
+            <a:pPr marL="76200" indent="0">
+              <a:buNone/>
+            </a:pPr>
+            <a:endParaRPr lang="en-US" sz="1100">
+              <a:latin typeface="Consolas" panose="020B0609020204030204" pitchFamily="49" charset="0"/>
+              <a:cs typeface="Courier New" panose="02070309020205020404" pitchFamily="49" charset="0"/>
+            </a:endParaRPr>
+          </a:p>
+          <a:p>
+            <a:pPr marL="76200" indent="0">
+              <a:buNone/>
+            </a:pPr>
+            <a:r>
+              <a:rPr lang="en-US" sz="1100">
+                <a:latin typeface="Consolas" panose="020B0609020204030204" pitchFamily="49" charset="0"/>
+                <a:cs typeface="Courier New" panose="02070309020205020404" pitchFamily="49" charset="0"/>
+              </a:rPr>
+              <a:t>for i in </a:t>
+            </a:r>
+            <a:r>
+              <a:rPr lang="en-US" sz="1100">
+                <a:solidFill>
+                  <a:schemeClr val="accent1"/>
+                </a:solidFill>
+                <a:latin typeface="Consolas" panose="020B0609020204030204" pitchFamily="49" charset="0"/>
+                <a:cs typeface="Courier New" panose="02070309020205020404" pitchFamily="49" charset="0"/>
+              </a:rPr>
+              <a:t>range(</a:t>
+            </a:r>
+            <a:r>
+              <a:rPr lang="en-US" sz="1100">
+                <a:latin typeface="Consolas" panose="020B0609020204030204" pitchFamily="49" charset="0"/>
+                <a:cs typeface="Courier New" panose="02070309020205020404" pitchFamily="49" charset="0"/>
+              </a:rPr>
+              <a:t>2</a:t>
+            </a:r>
+            <a:r>
+              <a:rPr lang="en-US" sz="1100">
+                <a:solidFill>
+                  <a:schemeClr val="accent1"/>
+                </a:solidFill>
+                <a:latin typeface="Consolas" panose="020B0609020204030204" pitchFamily="49" charset="0"/>
+                <a:cs typeface="Courier New" panose="02070309020205020404" pitchFamily="49" charset="0"/>
+              </a:rPr>
+              <a:t>,</a:t>
+            </a:r>
+            <a:r>
+              <a:rPr lang="en-US" sz="1100">
+                <a:latin typeface="Consolas" panose="020B0609020204030204" pitchFamily="49" charset="0"/>
+                <a:cs typeface="Courier New" panose="02070309020205020404" pitchFamily="49" charset="0"/>
+              </a:rPr>
+              <a:t> 30</a:t>
+            </a:r>
+            <a:r>
+              <a:rPr lang="en-US" sz="1100">
+                <a:solidFill>
+                  <a:schemeClr val="accent1"/>
+                </a:solidFill>
+                <a:latin typeface="Consolas" panose="020B0609020204030204" pitchFamily="49" charset="0"/>
+                <a:cs typeface="Courier New" panose="02070309020205020404" pitchFamily="49" charset="0"/>
+              </a:rPr>
+              <a:t>,</a:t>
+            </a:r>
+            <a:r>
+              <a:rPr lang="en-US" sz="1100">
+                <a:latin typeface="Consolas" panose="020B0609020204030204" pitchFamily="49" charset="0"/>
+                <a:cs typeface="Courier New" panose="02070309020205020404" pitchFamily="49" charset="0"/>
+              </a:rPr>
+              <a:t> </a:t>
+            </a:r>
+            <a:r>
+              <a:rPr lang="en-US" sz="1100">
+                <a:solidFill>
+                  <a:schemeClr val="accent1"/>
+                </a:solidFill>
+                <a:latin typeface="Consolas" panose="020B0609020204030204" pitchFamily="49" charset="0"/>
+                <a:cs typeface="Courier New" panose="02070309020205020404" pitchFamily="49" charset="0"/>
+              </a:rPr>
+              <a:t>3)</a:t>
+            </a:r>
+            <a:r>
+              <a:rPr lang="en-US" sz="1100">
+                <a:latin typeface="Consolas" panose="020B0609020204030204" pitchFamily="49" charset="0"/>
+                <a:cs typeface="Courier New" panose="02070309020205020404" pitchFamily="49" charset="0"/>
+              </a:rPr>
+              <a:t>:</a:t>
+            </a:r>
+          </a:p>
+          <a:p>
+            <a:pPr marL="76200" indent="0">
+              <a:buNone/>
+            </a:pPr>
+            <a:r>
+              <a:rPr lang="en-US" sz="1100">
+                <a:latin typeface="Consolas" panose="020B0609020204030204" pitchFamily="49" charset="0"/>
+                <a:cs typeface="Courier New" panose="02070309020205020404" pitchFamily="49" charset="0"/>
+              </a:rPr>
+              <a:t>    print(i)</a:t>
+            </a:r>
+          </a:p>
+          <a:p>
+            <a:pPr marL="76200" indent="0">
+              <a:buNone/>
+            </a:pPr>
+            <a:endParaRPr lang="en-US" sz="1100">
+              <a:latin typeface="Consolas" panose="020B0609020204030204" pitchFamily="49" charset="0"/>
+              <a:cs typeface="Courier New" panose="02070309020205020404" pitchFamily="49" charset="0"/>
+            </a:endParaRPr>
+          </a:p>
+          <a:p>
+            <a:pPr marL="76200" indent="0">
+              <a:buNone/>
+            </a:pPr>
+            <a:r>
+              <a:rPr lang="en-US" sz="1400"/>
+              <a:t>Nested loops</a:t>
+            </a:r>
+            <a:endParaRPr lang="en-US" sz="1100">
+              <a:latin typeface="Consolas" panose="020B0609020204030204" pitchFamily="49" charset="0"/>
+              <a:cs typeface="Courier New" panose="02070309020205020404" pitchFamily="49" charset="0"/>
+            </a:endParaRPr>
+          </a:p>
+          <a:p>
+            <a:pPr marL="76200" indent="0">
+              <a:buNone/>
+            </a:pPr>
+            <a:r>
+              <a:rPr lang="en-US" sz="1100">
+                <a:latin typeface="Consolas" panose="020B0609020204030204" pitchFamily="49" charset="0"/>
+                <a:cs typeface="Courier New" panose="02070309020205020404" pitchFamily="49" charset="0"/>
+              </a:rPr>
+              <a:t>adj = ['big', 'tasty']</a:t>
+            </a:r>
+          </a:p>
+          <a:p>
+            <a:pPr marL="76200" indent="0">
+              <a:buNone/>
+            </a:pPr>
+            <a:r>
+              <a:rPr lang="en-US" sz="1100">
+                <a:latin typeface="Consolas" panose="020B0609020204030204" pitchFamily="49" charset="0"/>
+                <a:cs typeface="Courier New" panose="02070309020205020404" pitchFamily="49" charset="0"/>
+              </a:rPr>
+              <a:t>fruits = ['apple', 'banana', 'cherry']</a:t>
+            </a:r>
+          </a:p>
+          <a:p>
+            <a:pPr marL="76200" indent="0">
+              <a:buNone/>
+            </a:pPr>
+            <a:r>
+              <a:rPr lang="en-US" sz="1100">
+                <a:solidFill>
+                  <a:schemeClr val="accent1"/>
+                </a:solidFill>
+                <a:latin typeface="Consolas" panose="020B0609020204030204" pitchFamily="49" charset="0"/>
+                <a:cs typeface="Courier New" panose="02070309020205020404" pitchFamily="49" charset="0"/>
+              </a:rPr>
+              <a:t>for</a:t>
+            </a:r>
+            <a:r>
+              <a:rPr lang="en-US" sz="1100">
+                <a:latin typeface="Consolas" panose="020B0609020204030204" pitchFamily="49" charset="0"/>
+                <a:cs typeface="Courier New" panose="02070309020205020404" pitchFamily="49" charset="0"/>
+              </a:rPr>
+              <a:t> x in adj:</a:t>
+            </a:r>
+          </a:p>
+          <a:p>
+            <a:pPr marL="76200" indent="0">
+              <a:buNone/>
+            </a:pPr>
+            <a:r>
+              <a:rPr lang="en-US" sz="1100">
+                <a:latin typeface="Consolas" panose="020B0609020204030204" pitchFamily="49" charset="0"/>
+                <a:cs typeface="Courier New" panose="02070309020205020404" pitchFamily="49" charset="0"/>
+              </a:rPr>
+              <a:t>    </a:t>
+            </a:r>
+            <a:r>
+              <a:rPr lang="en-US" sz="1100">
+                <a:solidFill>
+                  <a:schemeClr val="accent1"/>
+                </a:solidFill>
+                <a:latin typeface="Consolas" panose="020B0609020204030204" pitchFamily="49" charset="0"/>
+                <a:cs typeface="Courier New" panose="02070309020205020404" pitchFamily="49" charset="0"/>
+              </a:rPr>
+              <a:t>for</a:t>
+            </a:r>
+            <a:r>
+              <a:rPr lang="en-US" sz="1100">
+                <a:latin typeface="Consolas" panose="020B0609020204030204" pitchFamily="49" charset="0"/>
+                <a:cs typeface="Courier New" panose="02070309020205020404" pitchFamily="49" charset="0"/>
+              </a:rPr>
+              <a:t> y in fruits:</a:t>
+            </a:r>
+          </a:p>
+          <a:p>
+            <a:pPr marL="76200" indent="0">
+              <a:buNone/>
+            </a:pPr>
+            <a:r>
+              <a:rPr lang="en-US" sz="1100">
+                <a:latin typeface="Consolas" panose="020B0609020204030204" pitchFamily="49" charset="0"/>
+                <a:cs typeface="Courier New" panose="02070309020205020404" pitchFamily="49" charset="0"/>
+              </a:rPr>
+              <a:t>        print(f'{x} {y}') </a:t>
             </a:r>
           </a:p>
         </p:txBody>
@@ -9771,7 +10367,7 @@
     </p:spTree>
     <p:extLst>
       <p:ext uri="{BB962C8B-B14F-4D97-AF65-F5344CB8AC3E}">
-        <p14:creationId xmlns:p14="http://schemas.microsoft.com/office/powerpoint/2010/main" val="4156460407"/>
+        <p14:creationId xmlns:p14="http://schemas.microsoft.com/office/powerpoint/2010/main" val="1815773794"/>
       </p:ext>
     </p:extLst>
   </p:cSld>
@@ -9786,7 +10382,7 @@
   <p:cSld>
     <p:spTree>
       <p:nvGrpSpPr>
-        <p:cNvPr id="1" name="Shape 96"/>
+        <p:cNvPr id="1" name=""/>
         <p:cNvGrpSpPr/>
         <p:nvPr/>
       </p:nvGrpSpPr>
@@ -9800,93 +10396,208 @@
       </p:grpSpPr>
       <p:sp>
         <p:nvSpPr>
-          <p:cNvPr id="97" name="Google Shape;97;p15"/>
-          <p:cNvSpPr txBox="1">
+          <p:cNvPr id="2" name="Title 1">
+            <a:extLst>
+              <a:ext uri="{FF2B5EF4-FFF2-40B4-BE49-F238E27FC236}">
+                <a16:creationId xmlns:a16="http://schemas.microsoft.com/office/drawing/2014/main" id="{024AD384-5AD1-4435-A943-1241B2FACD62}"/>
+              </a:ext>
+            </a:extLst>
+          </p:cNvPr>
+          <p:cNvSpPr>
             <a:spLocks noGrp="1"/>
           </p:cNvSpPr>
           <p:nvPr>
-            <p:ph type="ctrTitle"/>
+            <p:ph type="title"/>
+          </p:nvPr>
+        </p:nvSpPr>
+        <p:spPr/>
+        <p:txBody>
+          <a:bodyPr/>
+          <a:lstStyle/>
+          <a:p>
+            <a:r>
+              <a:rPr lang="en-US"/>
+              <a:t>Python For Loops</a:t>
+            </a:r>
+            <a:endParaRPr lang="fa-IR"/>
+          </a:p>
+        </p:txBody>
+      </p:sp>
+      <p:sp>
+        <p:nvSpPr>
+          <p:cNvPr id="3" name="Text Placeholder 2">
+            <a:extLst>
+              <a:ext uri="{FF2B5EF4-FFF2-40B4-BE49-F238E27FC236}">
+                <a16:creationId xmlns:a16="http://schemas.microsoft.com/office/drawing/2014/main" id="{58BE3078-8B89-4550-B497-93E4DADBD57E}"/>
+              </a:ext>
+            </a:extLst>
+          </p:cNvPr>
+          <p:cNvSpPr>
+            <a:spLocks noGrp="1"/>
+          </p:cNvSpPr>
+          <p:nvPr>
+            <p:ph type="body" idx="1"/>
           </p:nvPr>
         </p:nvSpPr>
         <p:spPr>
           <a:xfrm>
-            <a:off x="1655700" y="1991850"/>
-            <a:ext cx="5832600" cy="1159800"/>
+            <a:off x="786150" y="1142608"/>
+            <a:ext cx="7571700" cy="3626431"/>
           </a:xfrm>
-          <a:prstGeom prst="rect">
-            <a:avLst/>
-          </a:prstGeom>
         </p:spPr>
         <p:txBody>
-          <a:bodyPr spcFirstLastPara="1" wrap="square" lIns="91425" tIns="91425" rIns="91425" bIns="91425" anchor="ctr" anchorCtr="0">
-            <a:noAutofit/>
-          </a:bodyPr>
+          <a:bodyPr/>
           <a:lstStyle/>
           <a:p>
-            <a:pPr marL="0" lvl="0" indent="0" algn="ctr" rtl="0">
-              <a:spcBef>
-                <a:spcPts val="0"/>
-              </a:spcBef>
-              <a:spcAft>
-                <a:spcPts val="0"/>
-              </a:spcAft>
-              <a:buNone/>
-            </a:pPr>
-            <a:r>
-              <a:rPr lang="en-US" sz="6000">
-                <a:solidFill>
-                  <a:srgbClr val="E6E6E6"/>
-                </a:solidFill>
-              </a:rPr>
-              <a:t>3</a:t>
-            </a:r>
-            <a:endParaRPr sz="6000">
-              <a:solidFill>
-                <a:srgbClr val="E6E6E6"/>
-              </a:solidFill>
+            <a:pPr marL="76200" indent="0">
+              <a:buNone/>
+            </a:pPr>
+            <a:r>
+              <a:rPr lang="en-US" sz="1400"/>
+              <a:t>Break and continue </a:t>
+            </a:r>
+            <a:endParaRPr lang="en-US" sz="1400">
+              <a:latin typeface="Consolas" panose="020B0609020204030204" pitchFamily="49" charset="0"/>
+              <a:cs typeface="Courier New" panose="02070309020205020404" pitchFamily="49" charset="0"/>
             </a:endParaRPr>
           </a:p>
           <a:p>
-            <a:pPr marL="0" lvl="0" indent="0" algn="ctr" rtl="0">
-              <a:spcBef>
-                <a:spcPts val="0"/>
-              </a:spcBef>
-              <a:spcAft>
-                <a:spcPts val="0"/>
-              </a:spcAft>
-              <a:buNone/>
-            </a:pPr>
-            <a:r>
-              <a:rPr lang="en"/>
-              <a:t>Pandas</a:t>
-            </a:r>
-            <a:endParaRPr/>
+            <a:pPr marL="76200" indent="0">
+              <a:buNone/>
+            </a:pPr>
+            <a:r>
+              <a:rPr lang="en-US" sz="1100">
+                <a:latin typeface="Consolas" panose="020B0609020204030204" pitchFamily="49" charset="0"/>
+                <a:cs typeface="Courier New" panose="02070309020205020404" pitchFamily="49" charset="0"/>
+              </a:rPr>
+              <a:t>for i in range(10):</a:t>
+            </a:r>
+          </a:p>
+          <a:p>
+            <a:pPr marL="76200" indent="0">
+              <a:buNone/>
+            </a:pPr>
+            <a:r>
+              <a:rPr lang="en-US" sz="1100">
+                <a:latin typeface="Consolas" panose="020B0609020204030204" pitchFamily="49" charset="0"/>
+                <a:cs typeface="Courier New" panose="02070309020205020404" pitchFamily="49" charset="0"/>
+              </a:rPr>
+              <a:t>    if i == 2:</a:t>
+            </a:r>
+          </a:p>
+          <a:p>
+            <a:pPr marL="76200" indent="0">
+              <a:buNone/>
+            </a:pPr>
+            <a:r>
+              <a:rPr lang="en-US" sz="1100">
+                <a:latin typeface="Consolas" panose="020B0609020204030204" pitchFamily="49" charset="0"/>
+                <a:cs typeface="Courier New" panose="02070309020205020404" pitchFamily="49" charset="0"/>
+              </a:rPr>
+              <a:t>        </a:t>
+            </a:r>
+            <a:r>
+              <a:rPr lang="en-US" sz="1100">
+                <a:solidFill>
+                  <a:schemeClr val="accent1"/>
+                </a:solidFill>
+                <a:latin typeface="Consolas" panose="020B0609020204030204" pitchFamily="49" charset="0"/>
+                <a:cs typeface="Courier New" panose="02070309020205020404" pitchFamily="49" charset="0"/>
+              </a:rPr>
+              <a:t>continue</a:t>
+            </a:r>
+          </a:p>
+          <a:p>
+            <a:pPr marL="76200" indent="0">
+              <a:buNone/>
+            </a:pPr>
+            <a:r>
+              <a:rPr lang="en-US" sz="1100">
+                <a:latin typeface="Consolas" panose="020B0609020204030204" pitchFamily="49" charset="0"/>
+                <a:cs typeface="Courier New" panose="02070309020205020404" pitchFamily="49" charset="0"/>
+              </a:rPr>
+              <a:t>    if i == 5:</a:t>
+            </a:r>
+          </a:p>
+          <a:p>
+            <a:pPr marL="76200" indent="0">
+              <a:buNone/>
+            </a:pPr>
+            <a:r>
+              <a:rPr lang="en-US" sz="1100">
+                <a:latin typeface="Consolas" panose="020B0609020204030204" pitchFamily="49" charset="0"/>
+                <a:cs typeface="Courier New" panose="02070309020205020404" pitchFamily="49" charset="0"/>
+              </a:rPr>
+              <a:t>        </a:t>
+            </a:r>
+            <a:r>
+              <a:rPr lang="en-US" sz="1100">
+                <a:solidFill>
+                  <a:schemeClr val="accent1"/>
+                </a:solidFill>
+                <a:latin typeface="Consolas" panose="020B0609020204030204" pitchFamily="49" charset="0"/>
+                <a:cs typeface="Courier New" panose="02070309020205020404" pitchFamily="49" charset="0"/>
+              </a:rPr>
+              <a:t>break</a:t>
+            </a:r>
+          </a:p>
+          <a:p>
+            <a:pPr marL="76200" indent="0">
+              <a:buNone/>
+            </a:pPr>
+            <a:r>
+              <a:rPr lang="en-US" sz="1100">
+                <a:latin typeface="Consolas" panose="020B0609020204030204" pitchFamily="49" charset="0"/>
+                <a:cs typeface="Courier New" panose="02070309020205020404" pitchFamily="49" charset="0"/>
+              </a:rPr>
+              <a:t>    print(i)</a:t>
+            </a:r>
+          </a:p>
+          <a:p>
+            <a:pPr marL="76200" indent="0">
+              <a:buNone/>
+            </a:pPr>
+            <a:r>
+              <a:rPr lang="nn-NO" sz="1100">
+                <a:latin typeface="Consolas" panose="020B0609020204030204" pitchFamily="49" charset="0"/>
+                <a:cs typeface="Courier New" panose="02070309020205020404" pitchFamily="49" charset="0"/>
+              </a:rPr>
+              <a:t>else:</a:t>
+            </a:r>
+          </a:p>
+          <a:p>
+            <a:pPr marL="76200" indent="0">
+              <a:buNone/>
+            </a:pPr>
+            <a:r>
+              <a:rPr lang="nn-NO" sz="1100">
+                <a:latin typeface="Consolas" panose="020B0609020204030204" pitchFamily="49" charset="0"/>
+                <a:cs typeface="Courier New" panose="02070309020205020404" pitchFamily="49" charset="0"/>
+              </a:rPr>
+              <a:t>    print(f'Finished after {i} loops')</a:t>
+            </a:r>
           </a:p>
         </p:txBody>
       </p:sp>
       <p:sp>
         <p:nvSpPr>
-          <p:cNvPr id="99" name="Google Shape;99;p15"/>
-          <p:cNvSpPr txBox="1">
+          <p:cNvPr id="4" name="Slide Number Placeholder 3">
+            <a:extLst>
+              <a:ext uri="{FF2B5EF4-FFF2-40B4-BE49-F238E27FC236}">
+                <a16:creationId xmlns:a16="http://schemas.microsoft.com/office/drawing/2014/main" id="{64987AE6-EC0E-43DD-9376-95A5602EE5E1}"/>
+              </a:ext>
+            </a:extLst>
+          </p:cNvPr>
+          <p:cNvSpPr>
             <a:spLocks noGrp="1"/>
           </p:cNvSpPr>
           <p:nvPr>
-            <p:ph type="sldNum" idx="4294967295"/>
+            <p:ph type="sldNum" idx="12"/>
           </p:nvPr>
         </p:nvSpPr>
-        <p:spPr>
-          <a:xfrm>
-            <a:off x="8404384" y="4749851"/>
-            <a:ext cx="548700" cy="393600"/>
-          </a:xfrm>
-          <a:prstGeom prst="rect">
-            <a:avLst/>
-          </a:prstGeom>
-        </p:spPr>
+        <p:spPr/>
         <p:txBody>
-          <a:bodyPr spcFirstLastPara="1" wrap="square" lIns="91425" tIns="91425" rIns="91425" bIns="91425" anchor="t" anchorCtr="0">
-            <a:noAutofit/>
-          </a:bodyPr>
+          <a:bodyPr/>
           <a:lstStyle/>
           <a:p>
             <a:pPr marL="0" lvl="0" indent="0" algn="r" rtl="0">
@@ -9899,17 +10610,17 @@
               <a:buNone/>
             </a:pPr>
             <a:fld id="{00000000-1234-1234-1234-123412341234}" type="slidenum">
-              <a:rPr lang="en"/>
+              <a:rPr lang="en" smtClean="0"/>
               <a:t>24</a:t>
             </a:fld>
-            <a:endParaRPr/>
+            <a:endParaRPr lang="en"/>
           </a:p>
         </p:txBody>
       </p:sp>
     </p:spTree>
     <p:extLst>
       <p:ext uri="{BB962C8B-B14F-4D97-AF65-F5344CB8AC3E}">
-        <p14:creationId xmlns:p14="http://schemas.microsoft.com/office/powerpoint/2010/main" val="2729265455"/>
+        <p14:creationId xmlns:p14="http://schemas.microsoft.com/office/powerpoint/2010/main" val="3861758209"/>
       </p:ext>
     </p:extLst>
   </p:cSld>
@@ -9976,7 +10687,7 @@
                   <a:srgbClr val="E6E6E6"/>
                 </a:solidFill>
               </a:rPr>
-              <a:t>4</a:t>
+              <a:t>2</a:t>
             </a:r>
             <a:endParaRPr sz="6000">
               <a:solidFill>
@@ -9996,7 +10707,7 @@
             </a:pPr>
             <a:r>
               <a:rPr lang="en"/>
-              <a:t>Matplotlib</a:t>
+              <a:t>NumPy</a:t>
             </a:r>
             <a:endParaRPr/>
           </a:p>
@@ -10047,7 +10758,7 @@
     </p:spTree>
     <p:extLst>
       <p:ext uri="{BB962C8B-B14F-4D97-AF65-F5344CB8AC3E}">
-        <p14:creationId xmlns:p14="http://schemas.microsoft.com/office/powerpoint/2010/main" val="2458102878"/>
+        <p14:creationId xmlns:p14="http://schemas.microsoft.com/office/powerpoint/2010/main" val="1620004517"/>
       </p:ext>
     </p:extLst>
   </p:cSld>
@@ -10062,7 +10773,7 @@
   <p:cSld>
     <p:spTree>
       <p:nvGrpSpPr>
-        <p:cNvPr id="1" name="Shape 96"/>
+        <p:cNvPr id="1" name=""/>
         <p:cNvGrpSpPr/>
         <p:nvPr/>
       </p:nvGrpSpPr>
@@ -10076,88 +10787,95 @@
       </p:grpSpPr>
       <p:sp>
         <p:nvSpPr>
-          <p:cNvPr id="97" name="Google Shape;97;p15"/>
-          <p:cNvSpPr txBox="1">
+          <p:cNvPr id="2" name="Title 1">
+            <a:extLst>
+              <a:ext uri="{FF2B5EF4-FFF2-40B4-BE49-F238E27FC236}">
+                <a16:creationId xmlns:a16="http://schemas.microsoft.com/office/drawing/2014/main" id="{024AD384-5AD1-4435-A943-1241B2FACD62}"/>
+              </a:ext>
+            </a:extLst>
+          </p:cNvPr>
+          <p:cNvSpPr>
             <a:spLocks noGrp="1"/>
           </p:cNvSpPr>
           <p:nvPr>
-            <p:ph type="ctrTitle"/>
+            <p:ph type="title"/>
+          </p:nvPr>
+        </p:nvSpPr>
+        <p:spPr/>
+        <p:txBody>
+          <a:bodyPr/>
+          <a:lstStyle/>
+          <a:p>
+            <a:r>
+              <a:rPr lang="en-US" err="1"/>
+              <a:t>Numpy</a:t>
+            </a:r>
+            <a:r>
+              <a:rPr lang="en-US"/>
+              <a:t> Introduction</a:t>
+            </a:r>
+            <a:endParaRPr lang="fa-IR"/>
+          </a:p>
+        </p:txBody>
+      </p:sp>
+      <p:sp>
+        <p:nvSpPr>
+          <p:cNvPr id="3" name="Text Placeholder 2">
+            <a:extLst>
+              <a:ext uri="{FF2B5EF4-FFF2-40B4-BE49-F238E27FC236}">
+                <a16:creationId xmlns:a16="http://schemas.microsoft.com/office/drawing/2014/main" id="{58BE3078-8B89-4550-B497-93E4DADBD57E}"/>
+              </a:ext>
+            </a:extLst>
+          </p:cNvPr>
+          <p:cNvSpPr>
+            <a:spLocks noGrp="1"/>
+          </p:cNvSpPr>
+          <p:nvPr>
+            <p:ph type="body" idx="1"/>
           </p:nvPr>
         </p:nvSpPr>
         <p:spPr>
           <a:xfrm>
-            <a:off x="1655700" y="1991850"/>
-            <a:ext cx="5832600" cy="1159800"/>
+            <a:off x="786150" y="1142608"/>
+            <a:ext cx="7571700" cy="3626431"/>
           </a:xfrm>
-          <a:prstGeom prst="rect">
-            <a:avLst/>
-          </a:prstGeom>
         </p:spPr>
         <p:txBody>
-          <a:bodyPr spcFirstLastPara="1" wrap="square" lIns="91425" tIns="91425" rIns="91425" bIns="91425" anchor="ctr" anchorCtr="0">
-            <a:noAutofit/>
-          </a:bodyPr>
+          <a:bodyPr/>
           <a:lstStyle/>
           <a:p>
-            <a:pPr marL="0" lvl="0" indent="0" algn="ctr" rtl="0">
-              <a:spcBef>
-                <a:spcPts val="0"/>
-              </a:spcBef>
-              <a:spcAft>
-                <a:spcPts val="0"/>
-              </a:spcAft>
-              <a:buNone/>
-            </a:pPr>
-            <a:r>
-              <a:rPr lang="en-US" sz="6000">
-                <a:solidFill>
-                  <a:srgbClr val="E6E6E6"/>
-                </a:solidFill>
-              </a:rPr>
-              <a:t>5</a:t>
-            </a:r>
-            <a:endParaRPr sz="6000">
-              <a:solidFill>
-                <a:srgbClr val="E6E6E6"/>
-              </a:solidFill>
-            </a:endParaRPr>
-          </a:p>
-          <a:p>
-            <a:r>
-              <a:rPr lang="en-US"/>
-              <a:t>S</a:t>
-            </a:r>
-            <a:r>
-              <a:rPr lang="en-US" b="1"/>
-              <a:t>cikit-learn</a:t>
-            </a:r>
-            <a:endParaRPr/>
+            <a:r>
+              <a:rPr lang="en-US" sz="1800"/>
+              <a:t>NumPy is a Python library used for working with arrays.</a:t>
+            </a:r>
+          </a:p>
+          <a:p>
+            <a:r>
+              <a:rPr lang="en-US" sz="1800"/>
+              <a:t>NumPy is short for "Numerical Python".</a:t>
+            </a:r>
           </a:p>
         </p:txBody>
       </p:sp>
       <p:sp>
         <p:nvSpPr>
-          <p:cNvPr id="99" name="Google Shape;99;p15"/>
-          <p:cNvSpPr txBox="1">
+          <p:cNvPr id="4" name="Slide Number Placeholder 3">
+            <a:extLst>
+              <a:ext uri="{FF2B5EF4-FFF2-40B4-BE49-F238E27FC236}">
+                <a16:creationId xmlns:a16="http://schemas.microsoft.com/office/drawing/2014/main" id="{64987AE6-EC0E-43DD-9376-95A5602EE5E1}"/>
+              </a:ext>
+            </a:extLst>
+          </p:cNvPr>
+          <p:cNvSpPr>
             <a:spLocks noGrp="1"/>
           </p:cNvSpPr>
           <p:nvPr>
-            <p:ph type="sldNum" idx="4294967295"/>
+            <p:ph type="sldNum" idx="12"/>
           </p:nvPr>
         </p:nvSpPr>
-        <p:spPr>
-          <a:xfrm>
-            <a:off x="8404384" y="4749851"/>
-            <a:ext cx="548700" cy="393600"/>
-          </a:xfrm>
-          <a:prstGeom prst="rect">
-            <a:avLst/>
-          </a:prstGeom>
-        </p:spPr>
+        <p:spPr/>
         <p:txBody>
-          <a:bodyPr spcFirstLastPara="1" wrap="square" lIns="91425" tIns="91425" rIns="91425" bIns="91425" anchor="t" anchorCtr="0">
-            <a:noAutofit/>
-          </a:bodyPr>
+          <a:bodyPr/>
           <a:lstStyle/>
           <a:p>
             <a:pPr marL="0" lvl="0" indent="0" algn="r" rtl="0">
@@ -10170,17 +10888,17 @@
               <a:buNone/>
             </a:pPr>
             <a:fld id="{00000000-1234-1234-1234-123412341234}" type="slidenum">
-              <a:rPr lang="en"/>
+              <a:rPr lang="en" smtClean="0"/>
               <a:t>26</a:t>
             </a:fld>
-            <a:endParaRPr/>
+            <a:endParaRPr lang="en"/>
           </a:p>
         </p:txBody>
       </p:sp>
     </p:spTree>
     <p:extLst>
       <p:ext uri="{BB962C8B-B14F-4D97-AF65-F5344CB8AC3E}">
-        <p14:creationId xmlns:p14="http://schemas.microsoft.com/office/powerpoint/2010/main" val="3753200419"/>
+        <p14:creationId xmlns:p14="http://schemas.microsoft.com/office/powerpoint/2010/main" val="4156460407"/>
       </p:ext>
     </p:extLst>
   </p:cSld>
@@ -10247,7 +10965,7 @@
                   <a:srgbClr val="E6E6E6"/>
                 </a:solidFill>
               </a:rPr>
-              <a:t>6</a:t>
+              <a:t>3</a:t>
             </a:r>
             <a:endParaRPr sz="6000">
               <a:solidFill>
@@ -10256,11 +10974,18 @@
             </a:endParaRPr>
           </a:p>
           <a:p>
-            <a:r>
-              <a:rPr lang="en-US">
-                <a:effectLst/>
-              </a:rPr>
-              <a:t>Web Scraping</a:t>
+            <a:pPr marL="0" lvl="0" indent="0" algn="ctr" rtl="0">
+              <a:spcBef>
+                <a:spcPts val="0"/>
+              </a:spcBef>
+              <a:spcAft>
+                <a:spcPts val="0"/>
+              </a:spcAft>
+              <a:buNone/>
+            </a:pPr>
+            <a:r>
+              <a:rPr lang="en"/>
+              <a:t>Pandas</a:t>
             </a:r>
             <a:endParaRPr/>
           </a:p>
@@ -10311,6 +11036,636 @@
     </p:spTree>
     <p:extLst>
       <p:ext uri="{BB962C8B-B14F-4D97-AF65-F5344CB8AC3E}">
+        <p14:creationId xmlns:p14="http://schemas.microsoft.com/office/powerpoint/2010/main" val="2729265455"/>
+      </p:ext>
+    </p:extLst>
+  </p:cSld>
+  <p:clrMapOvr>
+    <a:masterClrMapping/>
+  </p:clrMapOvr>
+</p:sld>
+</file>
+
+<file path=ppt/slides/slide28.xml><?xml version="1.0" encoding="utf-8"?>
+<p:sld xmlns:a="http://schemas.openxmlformats.org/drawingml/2006/main" xmlns:r="http://schemas.openxmlformats.org/officeDocument/2006/relationships" xmlns:p="http://schemas.openxmlformats.org/presentationml/2006/main">
+  <p:cSld>
+    <p:spTree>
+      <p:nvGrpSpPr>
+        <p:cNvPr id="1" name="Shape 96"/>
+        <p:cNvGrpSpPr/>
+        <p:nvPr/>
+      </p:nvGrpSpPr>
+      <p:grpSpPr>
+        <a:xfrm>
+          <a:off x="0" y="0"/>
+          <a:ext cx="0" cy="0"/>
+          <a:chOff x="0" y="0"/>
+          <a:chExt cx="0" cy="0"/>
+        </a:xfrm>
+      </p:grpSpPr>
+      <p:sp>
+        <p:nvSpPr>
+          <p:cNvPr id="97" name="Google Shape;97;p15"/>
+          <p:cNvSpPr txBox="1">
+            <a:spLocks noGrp="1"/>
+          </p:cNvSpPr>
+          <p:nvPr>
+            <p:ph type="ctrTitle"/>
+          </p:nvPr>
+        </p:nvSpPr>
+        <p:spPr>
+          <a:xfrm>
+            <a:off x="1655700" y="1991850"/>
+            <a:ext cx="5832600" cy="1159800"/>
+          </a:xfrm>
+          <a:prstGeom prst="rect">
+            <a:avLst/>
+          </a:prstGeom>
+        </p:spPr>
+        <p:txBody>
+          <a:bodyPr spcFirstLastPara="1" wrap="square" lIns="91425" tIns="91425" rIns="91425" bIns="91425" anchor="ctr" anchorCtr="0">
+            <a:noAutofit/>
+          </a:bodyPr>
+          <a:lstStyle/>
+          <a:p>
+            <a:pPr marL="0" lvl="0" indent="0" algn="ctr" rtl="0">
+              <a:spcBef>
+                <a:spcPts val="0"/>
+              </a:spcBef>
+              <a:spcAft>
+                <a:spcPts val="0"/>
+              </a:spcAft>
+              <a:buNone/>
+            </a:pPr>
+            <a:r>
+              <a:rPr lang="en-US" sz="6000">
+                <a:solidFill>
+                  <a:srgbClr val="E6E6E6"/>
+                </a:solidFill>
+              </a:rPr>
+              <a:t>4</a:t>
+            </a:r>
+            <a:endParaRPr sz="6000">
+              <a:solidFill>
+                <a:srgbClr val="E6E6E6"/>
+              </a:solidFill>
+            </a:endParaRPr>
+          </a:p>
+          <a:p>
+            <a:pPr marL="0" lvl="0" indent="0" algn="ctr" rtl="0">
+              <a:spcBef>
+                <a:spcPts val="0"/>
+              </a:spcBef>
+              <a:spcAft>
+                <a:spcPts val="0"/>
+              </a:spcAft>
+              <a:buNone/>
+            </a:pPr>
+            <a:r>
+              <a:rPr lang="en"/>
+              <a:t>Matplotlib</a:t>
+            </a:r>
+            <a:endParaRPr/>
+          </a:p>
+        </p:txBody>
+      </p:sp>
+      <p:sp>
+        <p:nvSpPr>
+          <p:cNvPr id="99" name="Google Shape;99;p15"/>
+          <p:cNvSpPr txBox="1">
+            <a:spLocks noGrp="1"/>
+          </p:cNvSpPr>
+          <p:nvPr>
+            <p:ph type="sldNum" idx="4294967295"/>
+          </p:nvPr>
+        </p:nvSpPr>
+        <p:spPr>
+          <a:xfrm>
+            <a:off x="8404384" y="4749851"/>
+            <a:ext cx="548700" cy="393600"/>
+          </a:xfrm>
+          <a:prstGeom prst="rect">
+            <a:avLst/>
+          </a:prstGeom>
+        </p:spPr>
+        <p:txBody>
+          <a:bodyPr spcFirstLastPara="1" wrap="square" lIns="91425" tIns="91425" rIns="91425" bIns="91425" anchor="t" anchorCtr="0">
+            <a:noAutofit/>
+          </a:bodyPr>
+          <a:lstStyle/>
+          <a:p>
+            <a:pPr marL="0" lvl="0" indent="0" algn="r" rtl="0">
+              <a:spcBef>
+                <a:spcPts val="0"/>
+              </a:spcBef>
+              <a:spcAft>
+                <a:spcPts val="0"/>
+              </a:spcAft>
+              <a:buNone/>
+            </a:pPr>
+            <a:fld id="{00000000-1234-1234-1234-123412341234}" type="slidenum">
+              <a:rPr lang="en"/>
+              <a:t>28</a:t>
+            </a:fld>
+            <a:endParaRPr/>
+          </a:p>
+        </p:txBody>
+      </p:sp>
+    </p:spTree>
+    <p:extLst>
+      <p:ext uri="{BB962C8B-B14F-4D97-AF65-F5344CB8AC3E}">
+        <p14:creationId xmlns:p14="http://schemas.microsoft.com/office/powerpoint/2010/main" val="2458102878"/>
+      </p:ext>
+    </p:extLst>
+  </p:cSld>
+  <p:clrMapOvr>
+    <a:masterClrMapping/>
+  </p:clrMapOvr>
+</p:sld>
+</file>
+
+<file path=ppt/slides/slide29.xml><?xml version="1.0" encoding="utf-8"?>
+<p:sld xmlns:a="http://schemas.openxmlformats.org/drawingml/2006/main" xmlns:r="http://schemas.openxmlformats.org/officeDocument/2006/relationships" xmlns:p="http://schemas.openxmlformats.org/presentationml/2006/main">
+  <p:cSld>
+    <p:spTree>
+      <p:nvGrpSpPr>
+        <p:cNvPr id="1" name="Shape 96"/>
+        <p:cNvGrpSpPr/>
+        <p:nvPr/>
+      </p:nvGrpSpPr>
+      <p:grpSpPr>
+        <a:xfrm>
+          <a:off x="0" y="0"/>
+          <a:ext cx="0" cy="0"/>
+          <a:chOff x="0" y="0"/>
+          <a:chExt cx="0" cy="0"/>
+        </a:xfrm>
+      </p:grpSpPr>
+      <p:sp>
+        <p:nvSpPr>
+          <p:cNvPr id="97" name="Google Shape;97;p15"/>
+          <p:cNvSpPr txBox="1">
+            <a:spLocks noGrp="1"/>
+          </p:cNvSpPr>
+          <p:nvPr>
+            <p:ph type="ctrTitle"/>
+          </p:nvPr>
+        </p:nvSpPr>
+        <p:spPr>
+          <a:xfrm>
+            <a:off x="1655700" y="1991850"/>
+            <a:ext cx="5832600" cy="1159800"/>
+          </a:xfrm>
+          <a:prstGeom prst="rect">
+            <a:avLst/>
+          </a:prstGeom>
+        </p:spPr>
+        <p:txBody>
+          <a:bodyPr spcFirstLastPara="1" wrap="square" lIns="91425" tIns="91425" rIns="91425" bIns="91425" anchor="ctr" anchorCtr="0">
+            <a:noAutofit/>
+          </a:bodyPr>
+          <a:lstStyle/>
+          <a:p>
+            <a:pPr marL="0" lvl="0" indent="0" algn="ctr" rtl="0">
+              <a:spcBef>
+                <a:spcPts val="0"/>
+              </a:spcBef>
+              <a:spcAft>
+                <a:spcPts val="0"/>
+              </a:spcAft>
+              <a:buNone/>
+            </a:pPr>
+            <a:r>
+              <a:rPr lang="en-US" sz="6000">
+                <a:solidFill>
+                  <a:srgbClr val="E6E6E6"/>
+                </a:solidFill>
+              </a:rPr>
+              <a:t>5</a:t>
+            </a:r>
+            <a:endParaRPr sz="6000">
+              <a:solidFill>
+                <a:srgbClr val="E6E6E6"/>
+              </a:solidFill>
+            </a:endParaRPr>
+          </a:p>
+          <a:p>
+            <a:r>
+              <a:rPr lang="en-US"/>
+              <a:t>S</a:t>
+            </a:r>
+            <a:r>
+              <a:rPr lang="en-US" b="1"/>
+              <a:t>cikit-learn</a:t>
+            </a:r>
+            <a:endParaRPr/>
+          </a:p>
+        </p:txBody>
+      </p:sp>
+      <p:sp>
+        <p:nvSpPr>
+          <p:cNvPr id="99" name="Google Shape;99;p15"/>
+          <p:cNvSpPr txBox="1">
+            <a:spLocks noGrp="1"/>
+          </p:cNvSpPr>
+          <p:nvPr>
+            <p:ph type="sldNum" idx="4294967295"/>
+          </p:nvPr>
+        </p:nvSpPr>
+        <p:spPr>
+          <a:xfrm>
+            <a:off x="8404384" y="4749851"/>
+            <a:ext cx="548700" cy="393600"/>
+          </a:xfrm>
+          <a:prstGeom prst="rect">
+            <a:avLst/>
+          </a:prstGeom>
+        </p:spPr>
+        <p:txBody>
+          <a:bodyPr spcFirstLastPara="1" wrap="square" lIns="91425" tIns="91425" rIns="91425" bIns="91425" anchor="t" anchorCtr="0">
+            <a:noAutofit/>
+          </a:bodyPr>
+          <a:lstStyle/>
+          <a:p>
+            <a:pPr marL="0" lvl="0" indent="0" algn="r" rtl="0">
+              <a:spcBef>
+                <a:spcPts val="0"/>
+              </a:spcBef>
+              <a:spcAft>
+                <a:spcPts val="0"/>
+              </a:spcAft>
+              <a:buNone/>
+            </a:pPr>
+            <a:fld id="{00000000-1234-1234-1234-123412341234}" type="slidenum">
+              <a:rPr lang="en"/>
+              <a:t>29</a:t>
+            </a:fld>
+            <a:endParaRPr/>
+          </a:p>
+        </p:txBody>
+      </p:sp>
+    </p:spTree>
+    <p:extLst>
+      <p:ext uri="{BB962C8B-B14F-4D97-AF65-F5344CB8AC3E}">
+        <p14:creationId xmlns:p14="http://schemas.microsoft.com/office/powerpoint/2010/main" val="3753200419"/>
+      </p:ext>
+    </p:extLst>
+  </p:cSld>
+  <p:clrMapOvr>
+    <a:masterClrMapping/>
+  </p:clrMapOvr>
+</p:sld>
+</file>
+
+<file path=ppt/slides/slide3.xml><?xml version="1.0" encoding="utf-8"?>
+<p:sld xmlns:a="http://schemas.openxmlformats.org/drawingml/2006/main" xmlns:r="http://schemas.openxmlformats.org/officeDocument/2006/relationships" xmlns:p="http://schemas.openxmlformats.org/presentationml/2006/main">
+  <p:cSld>
+    <p:spTree>
+      <p:nvGrpSpPr>
+        <p:cNvPr id="1" name=""/>
+        <p:cNvGrpSpPr/>
+        <p:nvPr/>
+      </p:nvGrpSpPr>
+      <p:grpSpPr>
+        <a:xfrm>
+          <a:off x="0" y="0"/>
+          <a:ext cx="0" cy="0"/>
+          <a:chOff x="0" y="0"/>
+          <a:chExt cx="0" cy="0"/>
+        </a:xfrm>
+      </p:grpSpPr>
+      <p:sp>
+        <p:nvSpPr>
+          <p:cNvPr id="2" name="Title 1">
+            <a:extLst>
+              <a:ext uri="{FF2B5EF4-FFF2-40B4-BE49-F238E27FC236}">
+                <a16:creationId xmlns:a16="http://schemas.microsoft.com/office/drawing/2014/main" id="{024AD384-5AD1-4435-A943-1241B2FACD62}"/>
+              </a:ext>
+            </a:extLst>
+          </p:cNvPr>
+          <p:cNvSpPr>
+            <a:spLocks noGrp="1"/>
+          </p:cNvSpPr>
+          <p:nvPr>
+            <p:ph type="title"/>
+          </p:nvPr>
+        </p:nvSpPr>
+        <p:spPr/>
+        <p:txBody>
+          <a:bodyPr/>
+          <a:lstStyle/>
+          <a:p>
+            <a:r>
+              <a:rPr lang="en-US"/>
+              <a:t>Python Introduction</a:t>
+            </a:r>
+            <a:endParaRPr lang="fa-IR"/>
+          </a:p>
+        </p:txBody>
+      </p:sp>
+      <p:sp>
+        <p:nvSpPr>
+          <p:cNvPr id="3" name="Text Placeholder 2">
+            <a:extLst>
+              <a:ext uri="{FF2B5EF4-FFF2-40B4-BE49-F238E27FC236}">
+                <a16:creationId xmlns:a16="http://schemas.microsoft.com/office/drawing/2014/main" id="{58BE3078-8B89-4550-B497-93E4DADBD57E}"/>
+              </a:ext>
+            </a:extLst>
+          </p:cNvPr>
+          <p:cNvSpPr>
+            <a:spLocks noGrp="1"/>
+          </p:cNvSpPr>
+          <p:nvPr>
+            <p:ph type="body" idx="1"/>
+          </p:nvPr>
+        </p:nvSpPr>
+        <p:spPr>
+          <a:xfrm>
+            <a:off x="786149" y="1142608"/>
+            <a:ext cx="4406635" cy="3626431"/>
+          </a:xfrm>
+        </p:spPr>
+        <p:txBody>
+          <a:bodyPr/>
+          <a:lstStyle/>
+          <a:p>
+            <a:pPr marL="76200" indent="0">
+              <a:buNone/>
+            </a:pPr>
+            <a:r>
+              <a:rPr lang="en-US" sz="1400"/>
+              <a:t>Python is a popular programming language.</a:t>
+            </a:r>
+          </a:p>
+          <a:p>
+            <a:pPr marL="76200" indent="0">
+              <a:buNone/>
+            </a:pPr>
+            <a:endParaRPr lang="en-US" sz="1200">
+              <a:latin typeface="Consolas" panose="020B0609020204030204" pitchFamily="49" charset="0"/>
+            </a:endParaRPr>
+          </a:p>
+          <a:p>
+            <a:pPr marL="76200" indent="0">
+              <a:buNone/>
+            </a:pPr>
+            <a:r>
+              <a:rPr lang="en-US" sz="1400"/>
+              <a:t>It was created by Guido van Rossum, and released in 1991.</a:t>
+            </a:r>
+          </a:p>
+          <a:p>
+            <a:pPr marL="76200" indent="0">
+              <a:buNone/>
+            </a:pPr>
+            <a:endParaRPr lang="en-US" sz="1200">
+              <a:latin typeface="Consolas" panose="020B0609020204030204" pitchFamily="49" charset="0"/>
+            </a:endParaRPr>
+          </a:p>
+          <a:p>
+            <a:pPr marL="76200" indent="0">
+              <a:buNone/>
+            </a:pPr>
+            <a:r>
+              <a:rPr lang="en-US" sz="1400"/>
+              <a:t>It is used for web development, software development, mathematics, system scripting, etc.</a:t>
+            </a:r>
+          </a:p>
+        </p:txBody>
+      </p:sp>
+      <p:sp>
+        <p:nvSpPr>
+          <p:cNvPr id="4" name="Slide Number Placeholder 3">
+            <a:extLst>
+              <a:ext uri="{FF2B5EF4-FFF2-40B4-BE49-F238E27FC236}">
+                <a16:creationId xmlns:a16="http://schemas.microsoft.com/office/drawing/2014/main" id="{64987AE6-EC0E-43DD-9376-95A5602EE5E1}"/>
+              </a:ext>
+            </a:extLst>
+          </p:cNvPr>
+          <p:cNvSpPr>
+            <a:spLocks noGrp="1"/>
+          </p:cNvSpPr>
+          <p:nvPr>
+            <p:ph type="sldNum" idx="12"/>
+          </p:nvPr>
+        </p:nvSpPr>
+        <p:spPr/>
+        <p:txBody>
+          <a:bodyPr/>
+          <a:lstStyle/>
+          <a:p>
+            <a:pPr marL="0" lvl="0" indent="0" algn="r" rtl="0">
+              <a:spcBef>
+                <a:spcPts val="0"/>
+              </a:spcBef>
+              <a:spcAft>
+                <a:spcPts val="0"/>
+              </a:spcAft>
+              <a:buNone/>
+            </a:pPr>
+            <a:fld id="{00000000-1234-1234-1234-123412341234}" type="slidenum">
+              <a:rPr lang="en" smtClean="0"/>
+              <a:t>3</a:t>
+            </a:fld>
+            <a:endParaRPr lang="en"/>
+          </a:p>
+        </p:txBody>
+      </p:sp>
+      <p:pic>
+        <p:nvPicPr>
+          <p:cNvPr id="6" name="Picture 5">
+            <a:extLst>
+              <a:ext uri="{FF2B5EF4-FFF2-40B4-BE49-F238E27FC236}">
+                <a16:creationId xmlns:a16="http://schemas.microsoft.com/office/drawing/2014/main" id="{683F14F1-B97C-4890-9C42-653B2D0F5155}"/>
+              </a:ext>
+            </a:extLst>
+          </p:cNvPr>
+          <p:cNvPicPr>
+            <a:picLocks noChangeAspect="1"/>
+          </p:cNvPicPr>
+          <p:nvPr/>
+        </p:nvPicPr>
+        <p:blipFill>
+          <a:blip r:embed="rId2">
+            <a:extLst>
+              <a:ext uri="{BEBA8EAE-BF5A-486C-A8C5-ECC9F3942E4B}">
+                <a14:imgProps xmlns:a14="http://schemas.microsoft.com/office/drawing/2010/main">
+                  <a14:imgLayer r:embed="rId3">
+                    <a14:imgEffect>
+                      <a14:backgroundRemoval t="278" b="99815" l="2148" r="92148">
+                        <a14:foregroundMark x1="43556" y1="82963" x2="26000" y2="83981"/>
+                        <a14:foregroundMark x1="26000" y1="83981" x2="9630" y2="96111"/>
+                        <a14:foregroundMark x1="9630" y1="96111" x2="50815" y2="84630"/>
+                        <a14:foregroundMark x1="50815" y1="84630" x2="71852" y2="85648"/>
+                        <a14:foregroundMark x1="71852" y1="85648" x2="89630" y2="85463"/>
+                        <a14:foregroundMark x1="89630" y1="85463" x2="69185" y2="97593"/>
+                        <a14:foregroundMark x1="69185" y1="97593" x2="47111" y2="95278"/>
+                        <a14:foregroundMark x1="47111" y1="95278" x2="42370" y2="98981"/>
+                        <a14:foregroundMark x1="92444" y1="90093" x2="89407" y2="83148"/>
+                        <a14:foregroundMark x1="7556" y1="82315" x2="6593" y2="99630"/>
+                        <a14:foregroundMark x1="4074" y1="96667" x2="2296" y2="99815"/>
+                        <a14:foregroundMark x1="36222" y1="95556" x2="21630" y2="99444"/>
+                        <a14:foregroundMark x1="36370" y1="97037" x2="35407" y2="99167"/>
+                        <a14:foregroundMark x1="37111" y1="96296" x2="40815" y2="97870"/>
+                        <a14:foregroundMark x1="42444" y1="99444" x2="35778" y2="99444"/>
+                        <a14:foregroundMark x1="32741" y1="13148" x2="52889" y2="9167"/>
+                        <a14:foregroundMark x1="52889" y1="9167" x2="44444" y2="9722"/>
+                        <a14:foregroundMark x1="68074" y1="11204" x2="62222" y2="278"/>
+                      </a14:backgroundRemoval>
+                    </a14:imgEffect>
+                  </a14:imgLayer>
+                </a14:imgProps>
+              </a:ext>
+            </a:extLst>
+          </a:blip>
+          <a:stretch>
+            <a:fillRect/>
+          </a:stretch>
+        </p:blipFill>
+        <p:spPr>
+          <a:xfrm>
+            <a:off x="5602662" y="1853748"/>
+            <a:ext cx="2755188" cy="2204150"/>
+          </a:xfrm>
+          <a:prstGeom prst="rect">
+            <a:avLst/>
+          </a:prstGeom>
+        </p:spPr>
+      </p:pic>
+    </p:spTree>
+    <p:extLst>
+      <p:ext uri="{BB962C8B-B14F-4D97-AF65-F5344CB8AC3E}">
+        <p14:creationId xmlns:p14="http://schemas.microsoft.com/office/powerpoint/2010/main" val="1082569236"/>
+      </p:ext>
+    </p:extLst>
+  </p:cSld>
+  <p:clrMapOvr>
+    <a:masterClrMapping/>
+  </p:clrMapOvr>
+</p:sld>
+</file>
+
+<file path=ppt/slides/slide30.xml><?xml version="1.0" encoding="utf-8"?>
+<p:sld xmlns:a="http://schemas.openxmlformats.org/drawingml/2006/main" xmlns:r="http://schemas.openxmlformats.org/officeDocument/2006/relationships" xmlns:p="http://schemas.openxmlformats.org/presentationml/2006/main">
+  <p:cSld>
+    <p:spTree>
+      <p:nvGrpSpPr>
+        <p:cNvPr id="1" name="Shape 96"/>
+        <p:cNvGrpSpPr/>
+        <p:nvPr/>
+      </p:nvGrpSpPr>
+      <p:grpSpPr>
+        <a:xfrm>
+          <a:off x="0" y="0"/>
+          <a:ext cx="0" cy="0"/>
+          <a:chOff x="0" y="0"/>
+          <a:chExt cx="0" cy="0"/>
+        </a:xfrm>
+      </p:grpSpPr>
+      <p:sp>
+        <p:nvSpPr>
+          <p:cNvPr id="97" name="Google Shape;97;p15"/>
+          <p:cNvSpPr txBox="1">
+            <a:spLocks noGrp="1"/>
+          </p:cNvSpPr>
+          <p:nvPr>
+            <p:ph type="ctrTitle"/>
+          </p:nvPr>
+        </p:nvSpPr>
+        <p:spPr>
+          <a:xfrm>
+            <a:off x="1655700" y="1991850"/>
+            <a:ext cx="5832600" cy="1159800"/>
+          </a:xfrm>
+          <a:prstGeom prst="rect">
+            <a:avLst/>
+          </a:prstGeom>
+        </p:spPr>
+        <p:txBody>
+          <a:bodyPr spcFirstLastPara="1" wrap="square" lIns="91425" tIns="91425" rIns="91425" bIns="91425" anchor="ctr" anchorCtr="0">
+            <a:noAutofit/>
+          </a:bodyPr>
+          <a:lstStyle/>
+          <a:p>
+            <a:pPr marL="0" lvl="0" indent="0" algn="ctr" rtl="0">
+              <a:spcBef>
+                <a:spcPts val="0"/>
+              </a:spcBef>
+              <a:spcAft>
+                <a:spcPts val="0"/>
+              </a:spcAft>
+              <a:buNone/>
+            </a:pPr>
+            <a:r>
+              <a:rPr lang="en-US" sz="6000">
+                <a:solidFill>
+                  <a:srgbClr val="E6E6E6"/>
+                </a:solidFill>
+              </a:rPr>
+              <a:t>6</a:t>
+            </a:r>
+            <a:endParaRPr sz="6000">
+              <a:solidFill>
+                <a:srgbClr val="E6E6E6"/>
+              </a:solidFill>
+            </a:endParaRPr>
+          </a:p>
+          <a:p>
+            <a:r>
+              <a:rPr lang="en-US">
+                <a:effectLst/>
+              </a:rPr>
+              <a:t>Web Scraping</a:t>
+            </a:r>
+            <a:endParaRPr/>
+          </a:p>
+        </p:txBody>
+      </p:sp>
+      <p:sp>
+        <p:nvSpPr>
+          <p:cNvPr id="99" name="Google Shape;99;p15"/>
+          <p:cNvSpPr txBox="1">
+            <a:spLocks noGrp="1"/>
+          </p:cNvSpPr>
+          <p:nvPr>
+            <p:ph type="sldNum" idx="4294967295"/>
+          </p:nvPr>
+        </p:nvSpPr>
+        <p:spPr>
+          <a:xfrm>
+            <a:off x="8404384" y="4749851"/>
+            <a:ext cx="548700" cy="393600"/>
+          </a:xfrm>
+          <a:prstGeom prst="rect">
+            <a:avLst/>
+          </a:prstGeom>
+        </p:spPr>
+        <p:txBody>
+          <a:bodyPr spcFirstLastPara="1" wrap="square" lIns="91425" tIns="91425" rIns="91425" bIns="91425" anchor="t" anchorCtr="0">
+            <a:noAutofit/>
+          </a:bodyPr>
+          <a:lstStyle/>
+          <a:p>
+            <a:pPr marL="0" lvl="0" indent="0" algn="r" rtl="0">
+              <a:spcBef>
+                <a:spcPts val="0"/>
+              </a:spcBef>
+              <a:spcAft>
+                <a:spcPts val="0"/>
+              </a:spcAft>
+              <a:buNone/>
+            </a:pPr>
+            <a:fld id="{00000000-1234-1234-1234-123412341234}" type="slidenum">
+              <a:rPr lang="en"/>
+              <a:t>30</a:t>
+            </a:fld>
+            <a:endParaRPr/>
+          </a:p>
+        </p:txBody>
+      </p:sp>
+    </p:spTree>
+    <p:extLst>
+      <p:ext uri="{BB962C8B-B14F-4D97-AF65-F5344CB8AC3E}">
         <p14:creationId xmlns:p14="http://schemas.microsoft.com/office/powerpoint/2010/main" val="3538335587"/>
       </p:ext>
     </p:extLst>
@@ -10321,7 +11676,7 @@
 </p:sld>
 </file>
 
-<file path=ppt/slides/slide28.xml><?xml version="1.0" encoding="utf-8"?>
+<file path=ppt/slides/slide31.xml><?xml version="1.0" encoding="utf-8"?>
 <p:sld xmlns:a="http://schemas.openxmlformats.org/drawingml/2006/main" xmlns:r="http://schemas.openxmlformats.org/officeDocument/2006/relationships" xmlns:p="http://schemas.openxmlformats.org/presentationml/2006/main">
   <p:cSld>
     <p:spTree>
@@ -10550,7 +11905,7 @@
             </a:pPr>
             <a:fld id="{00000000-1234-1234-1234-123412341234}" type="slidenum">
               <a:rPr lang="en"/>
-              <a:t>28</a:t>
+              <a:t>31</a:t>
             </a:fld>
             <a:endParaRPr/>
           </a:p>
@@ -10564,7 +11919,7 @@
 </p:sld>
 </file>
 
-<file path=ppt/slides/slide29.xml><?xml version="1.0" encoding="utf-8"?>
+<file path=ppt/slides/slide32.xml><?xml version="1.0" encoding="utf-8"?>
 <p:sld xmlns:a="http://schemas.openxmlformats.org/drawingml/2006/main" xmlns:r="http://schemas.openxmlformats.org/officeDocument/2006/relationships" xmlns:p="http://schemas.openxmlformats.org/presentationml/2006/main">
   <p:cSld>
     <p:spTree>
@@ -10701,241 +12056,13 @@
             </a:pPr>
             <a:fld id="{00000000-1234-1234-1234-123412341234}" type="slidenum">
               <a:rPr lang="en"/>
-              <a:t>29</a:t>
+              <a:t>32</a:t>
             </a:fld>
             <a:endParaRPr/>
           </a:p>
         </p:txBody>
       </p:sp>
     </p:spTree>
-  </p:cSld>
-  <p:clrMapOvr>
-    <a:masterClrMapping/>
-  </p:clrMapOvr>
-</p:sld>
-</file>
-
-<file path=ppt/slides/slide3.xml><?xml version="1.0" encoding="utf-8"?>
-<p:sld xmlns:a="http://schemas.openxmlformats.org/drawingml/2006/main" xmlns:r="http://schemas.openxmlformats.org/officeDocument/2006/relationships" xmlns:p="http://schemas.openxmlformats.org/presentationml/2006/main">
-  <p:cSld>
-    <p:spTree>
-      <p:nvGrpSpPr>
-        <p:cNvPr id="1" name=""/>
-        <p:cNvGrpSpPr/>
-        <p:nvPr/>
-      </p:nvGrpSpPr>
-      <p:grpSpPr>
-        <a:xfrm>
-          <a:off x="0" y="0"/>
-          <a:ext cx="0" cy="0"/>
-          <a:chOff x="0" y="0"/>
-          <a:chExt cx="0" cy="0"/>
-        </a:xfrm>
-      </p:grpSpPr>
-      <p:sp>
-        <p:nvSpPr>
-          <p:cNvPr id="2" name="Title 1">
-            <a:extLst>
-              <a:ext uri="{FF2B5EF4-FFF2-40B4-BE49-F238E27FC236}">
-                <a16:creationId xmlns:a16="http://schemas.microsoft.com/office/drawing/2014/main" id="{024AD384-5AD1-4435-A943-1241B2FACD62}"/>
-              </a:ext>
-            </a:extLst>
-          </p:cNvPr>
-          <p:cNvSpPr>
-            <a:spLocks noGrp="1"/>
-          </p:cNvSpPr>
-          <p:nvPr>
-            <p:ph type="title"/>
-          </p:nvPr>
-        </p:nvSpPr>
-        <p:spPr/>
-        <p:txBody>
-          <a:bodyPr/>
-          <a:lstStyle/>
-          <a:p>
-            <a:r>
-              <a:rPr lang="en-US"/>
-              <a:t>Python Introduction</a:t>
-            </a:r>
-            <a:endParaRPr lang="fa-IR"/>
-          </a:p>
-        </p:txBody>
-      </p:sp>
-      <p:sp>
-        <p:nvSpPr>
-          <p:cNvPr id="3" name="Text Placeholder 2">
-            <a:extLst>
-              <a:ext uri="{FF2B5EF4-FFF2-40B4-BE49-F238E27FC236}">
-                <a16:creationId xmlns:a16="http://schemas.microsoft.com/office/drawing/2014/main" id="{58BE3078-8B89-4550-B497-93E4DADBD57E}"/>
-              </a:ext>
-            </a:extLst>
-          </p:cNvPr>
-          <p:cNvSpPr>
-            <a:spLocks noGrp="1"/>
-          </p:cNvSpPr>
-          <p:nvPr>
-            <p:ph type="body" idx="1"/>
-          </p:nvPr>
-        </p:nvSpPr>
-        <p:spPr>
-          <a:xfrm>
-            <a:off x="786149" y="1142608"/>
-            <a:ext cx="4406635" cy="3626431"/>
-          </a:xfrm>
-        </p:spPr>
-        <p:txBody>
-          <a:bodyPr/>
-          <a:lstStyle/>
-          <a:p>
-            <a:pPr marL="76200" indent="0">
-              <a:buNone/>
-            </a:pPr>
-            <a:r>
-              <a:rPr lang="en-US" sz="1400"/>
-              <a:t>Python is a popular programming language.</a:t>
-            </a:r>
-          </a:p>
-          <a:p>
-            <a:pPr marL="76200" indent="0">
-              <a:buNone/>
-            </a:pPr>
-            <a:endParaRPr lang="en-US" sz="1200">
-              <a:latin typeface="Consolas" panose="020B0609020204030204" pitchFamily="49" charset="0"/>
-            </a:endParaRPr>
-          </a:p>
-          <a:p>
-            <a:pPr marL="76200" indent="0">
-              <a:buNone/>
-            </a:pPr>
-            <a:r>
-              <a:rPr lang="en-US" sz="1400"/>
-              <a:t>It was created by Guido van Rossum, and released in 1991.</a:t>
-            </a:r>
-          </a:p>
-          <a:p>
-            <a:pPr marL="76200" indent="0">
-              <a:buNone/>
-            </a:pPr>
-            <a:endParaRPr lang="en-US" sz="1200">
-              <a:latin typeface="Consolas" panose="020B0609020204030204" pitchFamily="49" charset="0"/>
-            </a:endParaRPr>
-          </a:p>
-          <a:p>
-            <a:pPr marL="76200" indent="0">
-              <a:buNone/>
-            </a:pPr>
-            <a:r>
-              <a:rPr lang="en-US" sz="1400"/>
-              <a:t>It is used for web development, software development, mathematics, system scripting, etc.</a:t>
-            </a:r>
-          </a:p>
-        </p:txBody>
-      </p:sp>
-      <p:sp>
-        <p:nvSpPr>
-          <p:cNvPr id="4" name="Slide Number Placeholder 3">
-            <a:extLst>
-              <a:ext uri="{FF2B5EF4-FFF2-40B4-BE49-F238E27FC236}">
-                <a16:creationId xmlns:a16="http://schemas.microsoft.com/office/drawing/2014/main" id="{64987AE6-EC0E-43DD-9376-95A5602EE5E1}"/>
-              </a:ext>
-            </a:extLst>
-          </p:cNvPr>
-          <p:cNvSpPr>
-            <a:spLocks noGrp="1"/>
-          </p:cNvSpPr>
-          <p:nvPr>
-            <p:ph type="sldNum" idx="12"/>
-          </p:nvPr>
-        </p:nvSpPr>
-        <p:spPr/>
-        <p:txBody>
-          <a:bodyPr/>
-          <a:lstStyle/>
-          <a:p>
-            <a:pPr marL="0" lvl="0" indent="0" algn="r" rtl="0">
-              <a:spcBef>
-                <a:spcPts val="0"/>
-              </a:spcBef>
-              <a:spcAft>
-                <a:spcPts val="0"/>
-              </a:spcAft>
-              <a:buNone/>
-            </a:pPr>
-            <a:fld id="{00000000-1234-1234-1234-123412341234}" type="slidenum">
-              <a:rPr lang="en" smtClean="0"/>
-              <a:t>3</a:t>
-            </a:fld>
-            <a:endParaRPr lang="en"/>
-          </a:p>
-        </p:txBody>
-      </p:sp>
-      <p:pic>
-        <p:nvPicPr>
-          <p:cNvPr id="6" name="Picture 5">
-            <a:extLst>
-              <a:ext uri="{FF2B5EF4-FFF2-40B4-BE49-F238E27FC236}">
-                <a16:creationId xmlns:a16="http://schemas.microsoft.com/office/drawing/2014/main" id="{683F14F1-B97C-4890-9C42-653B2D0F5155}"/>
-              </a:ext>
-            </a:extLst>
-          </p:cNvPr>
-          <p:cNvPicPr>
-            <a:picLocks noChangeAspect="1"/>
-          </p:cNvPicPr>
-          <p:nvPr/>
-        </p:nvPicPr>
-        <p:blipFill>
-          <a:blip r:embed="rId2">
-            <a:extLst>
-              <a:ext uri="{BEBA8EAE-BF5A-486C-A8C5-ECC9F3942E4B}">
-                <a14:imgProps xmlns:a14="http://schemas.microsoft.com/office/drawing/2010/main">
-                  <a14:imgLayer r:embed="rId3">
-                    <a14:imgEffect>
-                      <a14:backgroundRemoval t="278" b="99815" l="2148" r="92148">
-                        <a14:foregroundMark x1="43556" y1="82963" x2="26000" y2="83981"/>
-                        <a14:foregroundMark x1="26000" y1="83981" x2="9630" y2="96111"/>
-                        <a14:foregroundMark x1="9630" y1="96111" x2="50815" y2="84630"/>
-                        <a14:foregroundMark x1="50815" y1="84630" x2="71852" y2="85648"/>
-                        <a14:foregroundMark x1="71852" y1="85648" x2="89630" y2="85463"/>
-                        <a14:foregroundMark x1="89630" y1="85463" x2="69185" y2="97593"/>
-                        <a14:foregroundMark x1="69185" y1="97593" x2="47111" y2="95278"/>
-                        <a14:foregroundMark x1="47111" y1="95278" x2="42370" y2="98981"/>
-                        <a14:foregroundMark x1="92444" y1="90093" x2="89407" y2="83148"/>
-                        <a14:foregroundMark x1="7556" y1="82315" x2="6593" y2="99630"/>
-                        <a14:foregroundMark x1="4074" y1="96667" x2="2296" y2="99815"/>
-                        <a14:foregroundMark x1="36222" y1="95556" x2="21630" y2="99444"/>
-                        <a14:foregroundMark x1="36370" y1="97037" x2="35407" y2="99167"/>
-                        <a14:foregroundMark x1="37111" y1="96296" x2="40815" y2="97870"/>
-                        <a14:foregroundMark x1="42444" y1="99444" x2="35778" y2="99444"/>
-                        <a14:foregroundMark x1="32741" y1="13148" x2="52889" y2="9167"/>
-                        <a14:foregroundMark x1="52889" y1="9167" x2="44444" y2="9722"/>
-                        <a14:foregroundMark x1="68074" y1="11204" x2="62222" y2="278"/>
-                      </a14:backgroundRemoval>
-                    </a14:imgEffect>
-                  </a14:imgLayer>
-                </a14:imgProps>
-              </a:ext>
-            </a:extLst>
-          </a:blip>
-          <a:stretch>
-            <a:fillRect/>
-          </a:stretch>
-        </p:blipFill>
-        <p:spPr>
-          <a:xfrm>
-            <a:off x="5602662" y="1853748"/>
-            <a:ext cx="2755188" cy="2204150"/>
-          </a:xfrm>
-          <a:prstGeom prst="rect">
-            <a:avLst/>
-          </a:prstGeom>
-        </p:spPr>
-      </p:pic>
-    </p:spTree>
-    <p:extLst>
-      <p:ext uri="{BB962C8B-B14F-4D97-AF65-F5344CB8AC3E}">
-        <p14:creationId xmlns:p14="http://schemas.microsoft.com/office/powerpoint/2010/main" val="1082569236"/>
-      </p:ext>
-    </p:extLst>
   </p:cSld>
   <p:clrMapOvr>
     <a:masterClrMapping/>
@@ -11028,12 +12155,20 @@
               <a:buNone/>
             </a:pPr>
             <a:r>
-              <a:rPr lang="en-US" sz="1200">
+              <a:rPr lang="en-US" sz="1100">
                 <a:latin typeface="Consolas" panose="020B0609020204030204" pitchFamily="49" charset="0"/>
                 <a:hlinkClick r:id="rId2"/>
               </a:rPr>
               <a:t>https://www.python.org/downloads/</a:t>
             </a:r>
+            <a:endParaRPr lang="en-US" sz="1100">
+              <a:latin typeface="Consolas" panose="020B0609020204030204" pitchFamily="49" charset="0"/>
+            </a:endParaRPr>
+          </a:p>
+          <a:p>
+            <a:pPr marL="76200" indent="0">
+              <a:buNone/>
+            </a:pPr>
             <a:endParaRPr lang="en-US" sz="1200">
               <a:latin typeface="Consolas" panose="020B0609020204030204" pitchFamily="49" charset="0"/>
             </a:endParaRPr>
@@ -11042,6 +12177,30 @@
             <a:pPr marL="76200" indent="0">
               <a:buNone/>
             </a:pPr>
+            <a:r>
+              <a:rPr lang="en-US" sz="1400"/>
+              <a:t>Download and install Visual Studio Code:</a:t>
+            </a:r>
+          </a:p>
+          <a:p>
+            <a:pPr marL="76200" indent="0">
+              <a:buNone/>
+            </a:pPr>
+            <a:r>
+              <a:rPr lang="en-US" sz="1100">
+                <a:latin typeface="Consolas" panose="020B0609020204030204" pitchFamily="49" charset="0"/>
+                <a:hlinkClick r:id="rId3"/>
+              </a:rPr>
+              <a:t>https://code.visualstudio.com/</a:t>
+            </a:r>
+            <a:endParaRPr lang="en-US" sz="1100">
+              <a:latin typeface="Consolas" panose="020B0609020204030204" pitchFamily="49" charset="0"/>
+            </a:endParaRPr>
+          </a:p>
+          <a:p>
+            <a:pPr marL="76200" indent="0">
+              <a:buNone/>
+            </a:pPr>
             <a:endParaRPr lang="en-US" sz="1200">
               <a:latin typeface="Consolas" panose="020B0609020204030204" pitchFamily="49" charset="0"/>
             </a:endParaRPr>
@@ -11052,38 +12211,6 @@
             </a:pPr>
             <a:r>
               <a:rPr lang="en-US" sz="1400"/>
-              <a:t>Download and install Visual Studio Code:</a:t>
-            </a:r>
-          </a:p>
-          <a:p>
-            <a:pPr marL="76200" indent="0">
-              <a:buNone/>
-            </a:pPr>
-            <a:r>
-              <a:rPr lang="en-US" sz="1200">
-                <a:latin typeface="Consolas" panose="020B0609020204030204" pitchFamily="49" charset="0"/>
-                <a:hlinkClick r:id="rId3"/>
-              </a:rPr>
-              <a:t>https://code.visualstudio.com/</a:t>
-            </a:r>
-            <a:endParaRPr lang="en-US" sz="1200">
-              <a:latin typeface="Consolas" panose="020B0609020204030204" pitchFamily="49" charset="0"/>
-            </a:endParaRPr>
-          </a:p>
-          <a:p>
-            <a:pPr marL="76200" indent="0">
-              <a:buNone/>
-            </a:pPr>
-            <a:endParaRPr lang="en-US" sz="1200">
-              <a:latin typeface="Consolas" panose="020B0609020204030204" pitchFamily="49" charset="0"/>
-            </a:endParaRPr>
-          </a:p>
-          <a:p>
-            <a:pPr marL="76200" indent="0">
-              <a:buNone/>
-            </a:pPr>
-            <a:r>
-              <a:rPr lang="en-US" sz="1400"/>
               <a:t>Download and install Git:</a:t>
             </a:r>
           </a:p>
@@ -11092,13 +12219,13 @@
               <a:buNone/>
             </a:pPr>
             <a:r>
-              <a:rPr lang="en-US" sz="1200">
+              <a:rPr lang="en-US" sz="1100">
                 <a:latin typeface="Consolas" panose="020B0609020204030204" pitchFamily="49" charset="0"/>
                 <a:hlinkClick r:id="rId4"/>
               </a:rPr>
               <a:t>https://git-scm.com/downloads/</a:t>
             </a:r>
-            <a:endParaRPr lang="en-US" sz="1200">
+            <a:endParaRPr lang="en-US" sz="1100">
               <a:latin typeface="Consolas" panose="020B0609020204030204" pitchFamily="49" charset="0"/>
             </a:endParaRPr>
           </a:p>
@@ -11376,14 +12503,14 @@
               <a:buNone/>
             </a:pPr>
             <a:r>
-              <a:rPr lang="en-US" sz="1200">
+              <a:rPr lang="en-US" sz="1100">
                 <a:latin typeface="Consolas" panose="020B0609020204030204" pitchFamily="49" charset="0"/>
                 <a:cs typeface="Courier New" panose="02070309020205020404" pitchFamily="49" charset="0"/>
               </a:rPr>
               <a:t>x </a:t>
             </a:r>
             <a:r>
-              <a:rPr lang="en-US" sz="1200">
+              <a:rPr lang="en-US" sz="1100">
                 <a:solidFill>
                   <a:schemeClr val="accent1"/>
                 </a:solidFill>
@@ -11393,7 +12520,7 @@
               <a:t>=</a:t>
             </a:r>
             <a:r>
-              <a:rPr lang="en-US" sz="1200">
+              <a:rPr lang="en-US" sz="1100">
                 <a:latin typeface="Consolas" panose="020B0609020204030204" pitchFamily="49" charset="0"/>
                 <a:cs typeface="Courier New" panose="02070309020205020404" pitchFamily="49" charset="0"/>
               </a:rPr>
@@ -11405,14 +12532,14 @@
               <a:buNone/>
             </a:pPr>
             <a:r>
-              <a:rPr lang="en-US" sz="1200">
+              <a:rPr lang="en-US" sz="1100">
                 <a:latin typeface="Consolas" panose="020B0609020204030204" pitchFamily="49" charset="0"/>
                 <a:cs typeface="Courier New" panose="02070309020205020404" pitchFamily="49" charset="0"/>
               </a:rPr>
               <a:t>y </a:t>
             </a:r>
             <a:r>
-              <a:rPr lang="en-US" sz="1200">
+              <a:rPr lang="en-US" sz="1100">
                 <a:solidFill>
                   <a:schemeClr val="accent1"/>
                 </a:solidFill>
@@ -11422,11 +12549,11 @@
               <a:t>=</a:t>
             </a:r>
             <a:r>
-              <a:rPr lang="en-US" sz="1200">
-                <a:latin typeface="Consolas" panose="020B0609020204030204" pitchFamily="49" charset="0"/>
-                <a:cs typeface="Courier New" panose="02070309020205020404" pitchFamily="49" charset="0"/>
-              </a:rPr>
-              <a:t> 'Hello, World!'</a:t>
+              <a:rPr lang="en-US" sz="1100">
+                <a:latin typeface="Consolas" panose="020B0609020204030204" pitchFamily="49" charset="0"/>
+                <a:cs typeface="Courier New" panose="02070309020205020404" pitchFamily="49" charset="0"/>
+              </a:rPr>
+              <a:t> 'Hello World!'</a:t>
             </a:r>
           </a:p>
           <a:p>
@@ -11452,7 +12579,7 @@
               <a:buNone/>
             </a:pPr>
             <a:r>
-              <a:rPr lang="en-US" sz="1200">
+              <a:rPr lang="en-US" sz="1100">
                 <a:solidFill>
                   <a:schemeClr val="accent1"/>
                 </a:solidFill>
@@ -11462,7 +12589,7 @@
               <a:t>#</a:t>
             </a:r>
             <a:r>
-              <a:rPr lang="en-US" sz="1200">
+              <a:rPr lang="en-US" sz="1100">
                 <a:latin typeface="Consolas" panose="020B0609020204030204" pitchFamily="49" charset="0"/>
                 <a:cs typeface="Courier New" panose="02070309020205020404" pitchFamily="49" charset="0"/>
               </a:rPr>
@@ -11492,7 +12619,7 @@
               <a:buNone/>
             </a:pPr>
             <a:r>
-              <a:rPr lang="en-US" sz="1200">
+              <a:rPr lang="en-US" sz="1100">
                 <a:latin typeface="Consolas" panose="020B0609020204030204" pitchFamily="49" charset="0"/>
                 <a:cs typeface="Courier New" panose="02070309020205020404" pitchFamily="49" charset="0"/>
               </a:rPr>
@@ -11504,7 +12631,7 @@
               <a:buNone/>
             </a:pPr>
             <a:r>
-              <a:rPr lang="en-US" sz="1200">
+              <a:rPr lang="en-US" sz="1100">
                 <a:solidFill>
                   <a:srgbClr val="262626"/>
                 </a:solidFill>
@@ -11514,7 +12641,7 @@
               <a:t>    </a:t>
             </a:r>
             <a:r>
-              <a:rPr lang="en-US" sz="1200">
+              <a:rPr lang="en-US" sz="1100">
                 <a:latin typeface="Consolas" panose="020B0609020204030204" pitchFamily="49" charset="0"/>
                 <a:cs typeface="Courier New" panose="02070309020205020404" pitchFamily="49" charset="0"/>
               </a:rPr>
@@ -11663,7 +12790,7 @@
               <a:buNone/>
             </a:pPr>
             <a:r>
-              <a:rPr lang="en-US" sz="1200">
+              <a:rPr lang="en-US" sz="1100">
                 <a:latin typeface="Consolas" panose="020B0609020204030204" pitchFamily="49" charset="0"/>
                 <a:cs typeface="Courier New" panose="02070309020205020404" pitchFamily="49" charset="0"/>
               </a:rPr>
@@ -11675,7 +12802,7 @@
               <a:buNone/>
             </a:pPr>
             <a:r>
-              <a:rPr lang="en-US" sz="1200">
+              <a:rPr lang="en-US" sz="1100">
                 <a:latin typeface="Consolas" panose="020B0609020204030204" pitchFamily="49" charset="0"/>
                 <a:cs typeface="Courier New" panose="02070309020205020404" pitchFamily="49" charset="0"/>
               </a:rPr>
@@ -11687,7 +12814,7 @@
               <a:buNone/>
             </a:pPr>
             <a:r>
-              <a:rPr lang="en-US" sz="1200">
+              <a:rPr lang="en-US" sz="1100">
                 <a:latin typeface="Consolas" panose="020B0609020204030204" pitchFamily="49" charset="0"/>
                 <a:cs typeface="Courier New" panose="02070309020205020404" pitchFamily="49" charset="0"/>
               </a:rPr>
@@ -11717,14 +12844,14 @@
               <a:buNone/>
             </a:pPr>
             <a:r>
-              <a:rPr lang="en-US" sz="1200">
+              <a:rPr lang="en-US" sz="1100">
                 <a:latin typeface="Consolas" panose="020B0609020204030204" pitchFamily="49" charset="0"/>
                 <a:cs typeface="Courier New" panose="02070309020205020404" pitchFamily="49" charset="0"/>
               </a:rPr>
               <a:t>a = </a:t>
             </a:r>
             <a:r>
-              <a:rPr lang="en-US" sz="1200">
+              <a:rPr lang="en-US" sz="1100">
                 <a:solidFill>
                   <a:schemeClr val="accent1"/>
                 </a:solidFill>
@@ -11734,14 +12861,14 @@
               <a:t>str(</a:t>
             </a:r>
             <a:r>
-              <a:rPr lang="en-US" sz="1200">
+              <a:rPr lang="en-US" sz="1100">
                 <a:latin typeface="Consolas" panose="020B0609020204030204" pitchFamily="49" charset="0"/>
                 <a:cs typeface="Courier New" panose="02070309020205020404" pitchFamily="49" charset="0"/>
               </a:rPr>
               <a:t>3</a:t>
             </a:r>
             <a:r>
-              <a:rPr lang="en-US" sz="1200">
+              <a:rPr lang="en-US" sz="1100">
                 <a:solidFill>
                   <a:schemeClr val="accent1"/>
                 </a:solidFill>
@@ -11756,14 +12883,14 @@
               <a:buNone/>
             </a:pPr>
             <a:r>
-              <a:rPr lang="en-US" sz="1200">
+              <a:rPr lang="en-US" sz="1100">
                 <a:latin typeface="Consolas" panose="020B0609020204030204" pitchFamily="49" charset="0"/>
                 <a:cs typeface="Courier New" panose="02070309020205020404" pitchFamily="49" charset="0"/>
               </a:rPr>
               <a:t>b = </a:t>
             </a:r>
             <a:r>
-              <a:rPr lang="en-US" sz="1200">
+              <a:rPr lang="en-US" sz="1100">
                 <a:solidFill>
                   <a:schemeClr val="accent1"/>
                 </a:solidFill>
@@ -11773,14 +12900,14 @@
               <a:t>int(</a:t>
             </a:r>
             <a:r>
-              <a:rPr lang="en-US" sz="1200">
+              <a:rPr lang="en-US" sz="1100">
                 <a:latin typeface="Consolas" panose="020B0609020204030204" pitchFamily="49" charset="0"/>
                 <a:cs typeface="Courier New" panose="02070309020205020404" pitchFamily="49" charset="0"/>
               </a:rPr>
               <a:t>3</a:t>
             </a:r>
             <a:r>
-              <a:rPr lang="en-US" sz="1200">
+              <a:rPr lang="en-US" sz="1100">
                 <a:solidFill>
                   <a:schemeClr val="accent1"/>
                 </a:solidFill>
@@ -11795,14 +12922,14 @@
               <a:buNone/>
             </a:pPr>
             <a:r>
-              <a:rPr lang="en-US" sz="1200">
+              <a:rPr lang="en-US" sz="1100">
                 <a:latin typeface="Consolas" panose="020B0609020204030204" pitchFamily="49" charset="0"/>
                 <a:cs typeface="Courier New" panose="02070309020205020404" pitchFamily="49" charset="0"/>
               </a:rPr>
               <a:t>c = </a:t>
             </a:r>
             <a:r>
-              <a:rPr lang="en-US" sz="1200">
+              <a:rPr lang="en-US" sz="1100">
                 <a:solidFill>
                   <a:schemeClr val="accent1"/>
                 </a:solidFill>
@@ -11812,14 +12939,14 @@
               <a:t>float(</a:t>
             </a:r>
             <a:r>
-              <a:rPr lang="en-US" sz="1200">
+              <a:rPr lang="en-US" sz="1100">
                 <a:latin typeface="Consolas" panose="020B0609020204030204" pitchFamily="49" charset="0"/>
                 <a:cs typeface="Courier New" panose="02070309020205020404" pitchFamily="49" charset="0"/>
               </a:rPr>
               <a:t>3</a:t>
             </a:r>
             <a:r>
-              <a:rPr lang="en-US" sz="1200">
+              <a:rPr lang="en-US" sz="1100">
                 <a:solidFill>
                   <a:schemeClr val="accent1"/>
                 </a:solidFill>
@@ -11834,14 +12961,14 @@
               <a:buNone/>
             </a:pPr>
             <a:r>
-              <a:rPr lang="en-US" sz="1200">
+              <a:rPr lang="en-US" sz="1100">
                 <a:latin typeface="Consolas" panose="020B0609020204030204" pitchFamily="49" charset="0"/>
                 <a:cs typeface="Courier New" panose="02070309020205020404" pitchFamily="49" charset="0"/>
               </a:rPr>
               <a:t>d = </a:t>
             </a:r>
             <a:r>
-              <a:rPr lang="en-US" sz="1200">
+              <a:rPr lang="en-US" sz="1100">
                 <a:solidFill>
                   <a:schemeClr val="accent1"/>
                 </a:solidFill>
@@ -11851,14 +12978,14 @@
               <a:t>bool(</a:t>
             </a:r>
             <a:r>
-              <a:rPr lang="en-US" sz="1200">
+              <a:rPr lang="en-US" sz="1100">
                 <a:latin typeface="Consolas" panose="020B0609020204030204" pitchFamily="49" charset="0"/>
                 <a:cs typeface="Courier New" panose="02070309020205020404" pitchFamily="49" charset="0"/>
               </a:rPr>
               <a:t>3</a:t>
             </a:r>
             <a:r>
-              <a:rPr lang="en-US" sz="1200">
+              <a:rPr lang="en-US" sz="1100">
                 <a:solidFill>
                   <a:schemeClr val="accent1"/>
                 </a:solidFill>
@@ -12010,7 +13137,7 @@
               <a:buNone/>
             </a:pPr>
             <a:r>
-              <a:rPr lang="fr-FR" sz="1200">
+              <a:rPr lang="fr-FR" sz="1100">
                 <a:latin typeface="Consolas" panose="020B0609020204030204" pitchFamily="49" charset="0"/>
                 <a:cs typeface="Courier New" panose="02070309020205020404" pitchFamily="49" charset="0"/>
               </a:rPr>
@@ -12022,7 +13149,7 @@
               <a:buNone/>
             </a:pPr>
             <a:r>
-              <a:rPr lang="fr-FR" sz="1200">
+              <a:rPr lang="fr-FR" sz="1100">
                 <a:solidFill>
                   <a:schemeClr val="accent1"/>
                 </a:solidFill>
@@ -12032,14 +13159,14 @@
               <a:t>type(</a:t>
             </a:r>
             <a:r>
-              <a:rPr lang="fr-FR" sz="1200">
+              <a:rPr lang="fr-FR" sz="1100">
                 <a:latin typeface="Consolas" panose="020B0609020204030204" pitchFamily="49" charset="0"/>
                 <a:cs typeface="Courier New" panose="02070309020205020404" pitchFamily="49" charset="0"/>
               </a:rPr>
               <a:t>x</a:t>
             </a:r>
             <a:r>
-              <a:rPr lang="fr-FR" sz="1200">
+              <a:rPr lang="fr-FR" sz="1100">
                 <a:solidFill>
                   <a:schemeClr val="accent1"/>
                 </a:solidFill>
@@ -12071,14 +13198,14 @@
               <a:buNone/>
             </a:pPr>
             <a:r>
-              <a:rPr lang="en-US" sz="1200">
+              <a:rPr lang="en-US" sz="1100">
                 <a:latin typeface="Consolas" panose="020B0609020204030204" pitchFamily="49" charset="0"/>
                 <a:cs typeface="Courier New" panose="02070309020205020404" pitchFamily="49" charset="0"/>
               </a:rPr>
               <a:t>x</a:t>
             </a:r>
             <a:r>
-              <a:rPr lang="en-US" sz="1200">
+              <a:rPr lang="en-US" sz="1100">
                 <a:solidFill>
                   <a:schemeClr val="accent1"/>
                 </a:solidFill>
@@ -12088,14 +13215,14 @@
               <a:t>,</a:t>
             </a:r>
             <a:r>
-              <a:rPr lang="en-US" sz="1200">
+              <a:rPr lang="en-US" sz="1100">
                 <a:latin typeface="Consolas" panose="020B0609020204030204" pitchFamily="49" charset="0"/>
                 <a:cs typeface="Courier New" panose="02070309020205020404" pitchFamily="49" charset="0"/>
               </a:rPr>
               <a:t> y</a:t>
             </a:r>
             <a:r>
-              <a:rPr lang="en-US" sz="1200">
+              <a:rPr lang="en-US" sz="1100">
                 <a:solidFill>
                   <a:schemeClr val="accent1"/>
                 </a:solidFill>
@@ -12105,14 +13232,14 @@
               <a:t>,</a:t>
             </a:r>
             <a:r>
-              <a:rPr lang="en-US" sz="1200">
+              <a:rPr lang="en-US" sz="1100">
                 <a:latin typeface="Consolas" panose="020B0609020204030204" pitchFamily="49" charset="0"/>
                 <a:cs typeface="Courier New" panose="02070309020205020404" pitchFamily="49" charset="0"/>
               </a:rPr>
               <a:t> z = 'Orange'</a:t>
             </a:r>
             <a:r>
-              <a:rPr lang="en-US" sz="1200">
+              <a:rPr lang="en-US" sz="1100">
                 <a:solidFill>
                   <a:schemeClr val="accent1"/>
                 </a:solidFill>
@@ -12122,14 +13249,14 @@
               <a:t>,</a:t>
             </a:r>
             <a:r>
-              <a:rPr lang="en-US" sz="1200">
+              <a:rPr lang="en-US" sz="1100">
                 <a:latin typeface="Consolas" panose="020B0609020204030204" pitchFamily="49" charset="0"/>
                 <a:cs typeface="Courier New" panose="02070309020205020404" pitchFamily="49" charset="0"/>
               </a:rPr>
               <a:t> 'Banana'</a:t>
             </a:r>
             <a:r>
-              <a:rPr lang="en-US" sz="1200">
+              <a:rPr lang="en-US" sz="1100">
                 <a:solidFill>
                   <a:schemeClr val="accent1"/>
                 </a:solidFill>
@@ -12139,7 +13266,7 @@
               <a:t>,</a:t>
             </a:r>
             <a:r>
-              <a:rPr lang="en-US" sz="1200">
+              <a:rPr lang="en-US" sz="1100">
                 <a:latin typeface="Consolas" panose="020B0609020204030204" pitchFamily="49" charset="0"/>
                 <a:cs typeface="Courier New" panose="02070309020205020404" pitchFamily="49" charset="0"/>
               </a:rPr>
@@ -12169,14 +13296,14 @@
               <a:buNone/>
             </a:pPr>
             <a:r>
-              <a:rPr lang="fr-FR" sz="1200">
+              <a:rPr lang="fr-FR" sz="1100">
                 <a:latin typeface="Consolas" panose="020B0609020204030204" pitchFamily="49" charset="0"/>
                 <a:cs typeface="Courier New" panose="02070309020205020404" pitchFamily="49" charset="0"/>
               </a:rPr>
               <a:t>x </a:t>
             </a:r>
             <a:r>
-              <a:rPr lang="fr-FR" sz="1200">
+              <a:rPr lang="fr-FR" sz="1100">
                 <a:solidFill>
                   <a:schemeClr val="accent1"/>
                 </a:solidFill>
@@ -12186,14 +13313,14 @@
               <a:t>=</a:t>
             </a:r>
             <a:r>
-              <a:rPr lang="fr-FR" sz="1200">
+              <a:rPr lang="fr-FR" sz="1100">
                 <a:latin typeface="Consolas" panose="020B0609020204030204" pitchFamily="49" charset="0"/>
                 <a:cs typeface="Courier New" panose="02070309020205020404" pitchFamily="49" charset="0"/>
               </a:rPr>
               <a:t> y </a:t>
             </a:r>
             <a:r>
-              <a:rPr lang="fr-FR" sz="1200">
+              <a:rPr lang="fr-FR" sz="1100">
                 <a:solidFill>
                   <a:schemeClr val="accent1"/>
                 </a:solidFill>
@@ -12203,14 +13330,14 @@
               <a:t>=</a:t>
             </a:r>
             <a:r>
-              <a:rPr lang="fr-FR" sz="1200">
+              <a:rPr lang="fr-FR" sz="1100">
                 <a:latin typeface="Consolas" panose="020B0609020204030204" pitchFamily="49" charset="0"/>
                 <a:cs typeface="Courier New" panose="02070309020205020404" pitchFamily="49" charset="0"/>
               </a:rPr>
               <a:t> z </a:t>
             </a:r>
             <a:r>
-              <a:rPr lang="fr-FR" sz="1200">
+              <a:rPr lang="fr-FR" sz="1100">
                 <a:solidFill>
                   <a:schemeClr val="accent1"/>
                 </a:solidFill>
@@ -12220,35 +13347,35 @@
               <a:t>=</a:t>
             </a:r>
             <a:r>
-              <a:rPr lang="fr-FR" sz="1200">
+              <a:rPr lang="fr-FR" sz="1100">
                 <a:latin typeface="Consolas" panose="020B0609020204030204" pitchFamily="49" charset="0"/>
                 <a:cs typeface="Courier New" panose="02070309020205020404" pitchFamily="49" charset="0"/>
               </a:rPr>
               <a:t> </a:t>
             </a:r>
             <a:r>
-              <a:rPr lang="en-US" sz="1200">
+              <a:rPr lang="en-US" sz="1100">
                 <a:latin typeface="Consolas" panose="020B0609020204030204" pitchFamily="49" charset="0"/>
                 <a:cs typeface="Courier New" panose="02070309020205020404" pitchFamily="49" charset="0"/>
               </a:rPr>
               <a:t>'</a:t>
             </a:r>
             <a:r>
-              <a:rPr lang="fr-FR" sz="1200">
+              <a:rPr lang="fr-FR" sz="1100">
                 <a:latin typeface="Consolas" panose="020B0609020204030204" pitchFamily="49" charset="0"/>
                 <a:cs typeface="Courier New" panose="02070309020205020404" pitchFamily="49" charset="0"/>
               </a:rPr>
               <a:t>Orange</a:t>
             </a:r>
             <a:r>
-              <a:rPr lang="en-US" sz="1200">
+              <a:rPr lang="en-US" sz="1100">
                 <a:latin typeface="Consolas" panose="020B0609020204030204" pitchFamily="49" charset="0"/>
                 <a:cs typeface="Courier New" panose="02070309020205020404" pitchFamily="49" charset="0"/>
               </a:rPr>
               <a:t>'</a:t>
             </a:r>
             <a:r>
-              <a:rPr lang="fr-FR" sz="1200">
+              <a:rPr lang="fr-FR" sz="1100">
                 <a:latin typeface="Consolas" panose="020B0609020204030204" pitchFamily="49" charset="0"/>
                 <a:cs typeface="Courier New" panose="02070309020205020404" pitchFamily="49" charset="0"/>
               </a:rPr>
@@ -12397,14 +13524,14 @@
               <a:buNone/>
             </a:pPr>
             <a:r>
-              <a:rPr lang="en-US" sz="1200">
+              <a:rPr lang="en-US" sz="1100">
                 <a:latin typeface="Consolas" panose="020B0609020204030204" pitchFamily="49" charset="0"/>
                 <a:cs typeface="Courier New" panose="02070309020205020404" pitchFamily="49" charset="0"/>
               </a:rPr>
               <a:t>a = 1    # </a:t>
             </a:r>
             <a:r>
-              <a:rPr lang="en-US" sz="1200">
+              <a:rPr lang="en-US" sz="1100">
                 <a:solidFill>
                   <a:schemeClr val="accent1"/>
                 </a:solidFill>
@@ -12419,14 +13546,14 @@
               <a:buNone/>
             </a:pPr>
             <a:r>
-              <a:rPr lang="en-US" sz="1200">
+              <a:rPr lang="en-US" sz="1100">
                 <a:latin typeface="Consolas" panose="020B0609020204030204" pitchFamily="49" charset="0"/>
                 <a:cs typeface="Courier New" panose="02070309020205020404" pitchFamily="49" charset="0"/>
               </a:rPr>
               <a:t>b = 2.8  # </a:t>
             </a:r>
             <a:r>
-              <a:rPr lang="en-US" sz="1200">
+              <a:rPr lang="en-US" sz="1100">
                 <a:solidFill>
                   <a:schemeClr val="accent1"/>
                 </a:solidFill>
@@ -12441,14 +13568,14 @@
               <a:buNone/>
             </a:pPr>
             <a:r>
-              <a:rPr lang="en-US" sz="1200">
+              <a:rPr lang="en-US" sz="1100">
                 <a:latin typeface="Consolas" panose="020B0609020204030204" pitchFamily="49" charset="0"/>
                 <a:cs typeface="Courier New" panose="02070309020205020404" pitchFamily="49" charset="0"/>
               </a:rPr>
               <a:t>c = 1j   # </a:t>
             </a:r>
             <a:r>
-              <a:rPr lang="en-US" sz="1200">
+              <a:rPr lang="en-US" sz="1100">
                 <a:solidFill>
                   <a:schemeClr val="accent1"/>
                 </a:solidFill>
@@ -12480,13 +13607,13 @@
               <a:buNone/>
             </a:pPr>
             <a:r>
-              <a:rPr lang="en-US" sz="1200">
+              <a:rPr lang="en-US" sz="1100">
                 <a:latin typeface="Consolas" panose="020B0609020204030204" pitchFamily="49" charset="0"/>
                 <a:cs typeface="Courier New" panose="02070309020205020404" pitchFamily="49" charset="0"/>
               </a:rPr>
               <a:t>+  -  *  /  %  **  //</a:t>
             </a:r>
-            <a:endParaRPr lang="fr-FR" sz="1200">
+            <a:endParaRPr lang="fr-FR" sz="1100">
               <a:latin typeface="Consolas" panose="020B0609020204030204" pitchFamily="49" charset="0"/>
               <a:cs typeface="Courier New" panose="02070309020205020404" pitchFamily="49" charset="0"/>
             </a:endParaRPr>

--- a/Python.pptx
+++ b/Python.pptx
@@ -5,10 +5,10 @@
     <p:sldMasterId id="2147483658" r:id="rId1"/>
   </p:sldMasterIdLst>
   <p:notesMasterIdLst>
-    <p:notesMasterId r:id="rId34"/>
+    <p:notesMasterId r:id="rId35"/>
   </p:notesMasterIdLst>
   <p:handoutMasterIdLst>
-    <p:handoutMasterId r:id="rId35"/>
+    <p:handoutMasterId r:id="rId36"/>
   </p:handoutMasterIdLst>
   <p:sldIdLst>
     <p:sldId id="256" r:id="rId2"/>
@@ -35,43 +35,44 @@
     <p:sldId id="307" r:id="rId23"/>
     <p:sldId id="308" r:id="rId24"/>
     <p:sldId id="309" r:id="rId25"/>
-    <p:sldId id="281" r:id="rId26"/>
-    <p:sldId id="289" r:id="rId27"/>
-    <p:sldId id="282" r:id="rId28"/>
-    <p:sldId id="283" r:id="rId29"/>
-    <p:sldId id="286" r:id="rId30"/>
-    <p:sldId id="287" r:id="rId31"/>
-    <p:sldId id="280" r:id="rId32"/>
-    <p:sldId id="271" r:id="rId33"/>
+    <p:sldId id="310" r:id="rId26"/>
+    <p:sldId id="281" r:id="rId27"/>
+    <p:sldId id="289" r:id="rId28"/>
+    <p:sldId id="282" r:id="rId29"/>
+    <p:sldId id="283" r:id="rId30"/>
+    <p:sldId id="286" r:id="rId31"/>
+    <p:sldId id="287" r:id="rId32"/>
+    <p:sldId id="280" r:id="rId33"/>
+    <p:sldId id="271" r:id="rId34"/>
   </p:sldIdLst>
   <p:sldSz cx="9144000" cy="5143500" type="screen16x9"/>
   <p:notesSz cx="6858000" cy="9144000"/>
   <p:embeddedFontLst>
     <p:embeddedFont>
       <p:font typeface="Consolas" panose="020B0609020204030204" pitchFamily="49" charset="0"/>
-      <p:regular r:id="rId36"/>
-      <p:bold r:id="rId37"/>
-      <p:italic r:id="rId38"/>
-      <p:boldItalic r:id="rId39"/>
+      <p:regular r:id="rId37"/>
+      <p:bold r:id="rId38"/>
+      <p:italic r:id="rId39"/>
+      <p:boldItalic r:id="rId40"/>
     </p:embeddedFont>
     <p:embeddedFont>
       <p:font typeface="Roboto Slab" panose="020B0604020202020204" charset="0"/>
-      <p:regular r:id="rId40"/>
-      <p:bold r:id="rId41"/>
+      <p:regular r:id="rId41"/>
+      <p:bold r:id="rId42"/>
     </p:embeddedFont>
     <p:embeddedFont>
       <p:font typeface="Source Sans Pro" panose="020B0503030403020204" pitchFamily="34" charset="0"/>
-      <p:regular r:id="rId42"/>
-      <p:bold r:id="rId43"/>
-      <p:italic r:id="rId44"/>
-      <p:boldItalic r:id="rId45"/>
+      <p:regular r:id="rId43"/>
+      <p:bold r:id="rId44"/>
+      <p:italic r:id="rId45"/>
+      <p:boldItalic r:id="rId46"/>
     </p:embeddedFont>
     <p:embeddedFont>
       <p:font typeface="Trebuchet MS" panose="020B0603020202020204" pitchFamily="34" charset="0"/>
-      <p:regular r:id="rId46"/>
-      <p:bold r:id="rId47"/>
-      <p:italic r:id="rId48"/>
-      <p:boldItalic r:id="rId49"/>
+      <p:regular r:id="rId47"/>
+      <p:bold r:id="rId48"/>
+      <p:italic r:id="rId49"/>
+      <p:boldItalic r:id="rId50"/>
     </p:embeddedFont>
   </p:embeddedFontLst>
   <p:defaultTextStyle>
@@ -10183,17 +10184,17 @@
                 <a:latin typeface="Consolas" panose="020B0609020204030204" pitchFamily="49" charset="0"/>
                 <a:cs typeface="Courier New" panose="02070309020205020404" pitchFamily="49" charset="0"/>
               </a:rPr>
-              <a:t> </a:t>
-            </a:r>
-            <a:r>
-              <a:rPr lang="en-US" sz="1100">
-                <a:solidFill>
-                  <a:schemeClr val="accent1"/>
-                </a:solidFill>
-                <a:latin typeface="Consolas" panose="020B0609020204030204" pitchFamily="49" charset="0"/>
-                <a:cs typeface="Courier New" panose="02070309020205020404" pitchFamily="49" charset="0"/>
-              </a:rPr>
-              <a:t>3)</a:t>
+              <a:t> 3</a:t>
+            </a:r>
+            <a:r>
+              <a:rPr lang="en-US" sz="1100">
+                <a:solidFill>
+                  <a:schemeClr val="accent1"/>
+                </a:solidFill>
+                <a:latin typeface="Consolas" panose="020B0609020204030204" pitchFamily="49" charset="0"/>
+                <a:cs typeface="Courier New" panose="02070309020205020404" pitchFamily="49" charset="0"/>
+              </a:rPr>
+              <a:t>)</a:t>
             </a:r>
             <a:r>
               <a:rPr lang="en-US" sz="1100">
@@ -10213,115 +10214,6 @@
                 <a:cs typeface="Courier New" panose="02070309020205020404" pitchFamily="49" charset="0"/>
               </a:rPr>
               <a:t>    print(i)</a:t>
-            </a:r>
-          </a:p>
-          <a:p>
-            <a:pPr marL="76200" indent="0">
-              <a:buNone/>
-            </a:pPr>
-            <a:endParaRPr lang="en-US" sz="1100">
-              <a:latin typeface="Consolas" panose="020B0609020204030204" pitchFamily="49" charset="0"/>
-              <a:cs typeface="Courier New" panose="02070309020205020404" pitchFamily="49" charset="0"/>
-            </a:endParaRPr>
-          </a:p>
-          <a:p>
-            <a:pPr marL="76200" indent="0">
-              <a:buNone/>
-            </a:pPr>
-            <a:r>
-              <a:rPr lang="en-US" sz="1400"/>
-              <a:t>Nested loops</a:t>
-            </a:r>
-            <a:endParaRPr lang="en-US" sz="1100">
-              <a:latin typeface="Consolas" panose="020B0609020204030204" pitchFamily="49" charset="0"/>
-              <a:cs typeface="Courier New" panose="02070309020205020404" pitchFamily="49" charset="0"/>
-            </a:endParaRPr>
-          </a:p>
-          <a:p>
-            <a:pPr marL="76200" indent="0">
-              <a:buNone/>
-            </a:pPr>
-            <a:r>
-              <a:rPr lang="en-US" sz="1100">
-                <a:latin typeface="Consolas" panose="020B0609020204030204" pitchFamily="49" charset="0"/>
-                <a:cs typeface="Courier New" panose="02070309020205020404" pitchFamily="49" charset="0"/>
-              </a:rPr>
-              <a:t>adj = ['big', 'tasty']</a:t>
-            </a:r>
-          </a:p>
-          <a:p>
-            <a:pPr marL="76200" indent="0">
-              <a:buNone/>
-            </a:pPr>
-            <a:r>
-              <a:rPr lang="en-US" sz="1100">
-                <a:latin typeface="Consolas" panose="020B0609020204030204" pitchFamily="49" charset="0"/>
-                <a:cs typeface="Courier New" panose="02070309020205020404" pitchFamily="49" charset="0"/>
-              </a:rPr>
-              <a:t>fruits = ['apple', 'banana', 'cherry']</a:t>
-            </a:r>
-          </a:p>
-          <a:p>
-            <a:pPr marL="76200" indent="0">
-              <a:buNone/>
-            </a:pPr>
-            <a:r>
-              <a:rPr lang="en-US" sz="1100">
-                <a:solidFill>
-                  <a:schemeClr val="accent1"/>
-                </a:solidFill>
-                <a:latin typeface="Consolas" panose="020B0609020204030204" pitchFamily="49" charset="0"/>
-                <a:cs typeface="Courier New" panose="02070309020205020404" pitchFamily="49" charset="0"/>
-              </a:rPr>
-              <a:t>for</a:t>
-            </a:r>
-            <a:r>
-              <a:rPr lang="en-US" sz="1100">
-                <a:latin typeface="Consolas" panose="020B0609020204030204" pitchFamily="49" charset="0"/>
-                <a:cs typeface="Courier New" panose="02070309020205020404" pitchFamily="49" charset="0"/>
-              </a:rPr>
-              <a:t> x in adj:</a:t>
-            </a:r>
-          </a:p>
-          <a:p>
-            <a:pPr marL="76200" indent="0">
-              <a:buNone/>
-            </a:pPr>
-            <a:r>
-              <a:rPr lang="en-US" sz="1100">
-                <a:latin typeface="Consolas" panose="020B0609020204030204" pitchFamily="49" charset="0"/>
-                <a:cs typeface="Courier New" panose="02070309020205020404" pitchFamily="49" charset="0"/>
-              </a:rPr>
-              <a:t>    </a:t>
-            </a:r>
-            <a:r>
-              <a:rPr lang="en-US" sz="1100">
-                <a:solidFill>
-                  <a:schemeClr val="accent1"/>
-                </a:solidFill>
-                <a:latin typeface="Consolas" panose="020B0609020204030204" pitchFamily="49" charset="0"/>
-                <a:cs typeface="Courier New" panose="02070309020205020404" pitchFamily="49" charset="0"/>
-              </a:rPr>
-              <a:t>for</a:t>
-            </a:r>
-            <a:r>
-              <a:rPr lang="en-US" sz="1100">
-                <a:latin typeface="Consolas" panose="020B0609020204030204" pitchFamily="49" charset="0"/>
-                <a:cs typeface="Courier New" panose="02070309020205020404" pitchFamily="49" charset="0"/>
-              </a:rPr>
-              <a:t> y in fruits:</a:t>
-            </a:r>
-          </a:p>
-          <a:p>
-            <a:pPr marL="76200" indent="0">
-              <a:buNone/>
-            </a:pPr>
-            <a:r>
-              <a:rPr lang="en-US" sz="1100">
-                <a:latin typeface="Consolas" panose="020B0609020204030204" pitchFamily="49" charset="0"/>
-                <a:cs typeface="Courier New" panose="02070309020205020404" pitchFamily="49" charset="0"/>
-              </a:rPr>
-              <a:t>        print(f'{x} {y}') </a:t>
             </a:r>
           </a:p>
         </p:txBody>
@@ -10635,144 +10527,6 @@
   <p:cSld>
     <p:spTree>
       <p:nvGrpSpPr>
-        <p:cNvPr id="1" name="Shape 96"/>
-        <p:cNvGrpSpPr/>
-        <p:nvPr/>
-      </p:nvGrpSpPr>
-      <p:grpSpPr>
-        <a:xfrm>
-          <a:off x="0" y="0"/>
-          <a:ext cx="0" cy="0"/>
-          <a:chOff x="0" y="0"/>
-          <a:chExt cx="0" cy="0"/>
-        </a:xfrm>
-      </p:grpSpPr>
-      <p:sp>
-        <p:nvSpPr>
-          <p:cNvPr id="97" name="Google Shape;97;p15"/>
-          <p:cNvSpPr txBox="1">
-            <a:spLocks noGrp="1"/>
-          </p:cNvSpPr>
-          <p:nvPr>
-            <p:ph type="ctrTitle"/>
-          </p:nvPr>
-        </p:nvSpPr>
-        <p:spPr>
-          <a:xfrm>
-            <a:off x="1655700" y="1991850"/>
-            <a:ext cx="5832600" cy="1159800"/>
-          </a:xfrm>
-          <a:prstGeom prst="rect">
-            <a:avLst/>
-          </a:prstGeom>
-        </p:spPr>
-        <p:txBody>
-          <a:bodyPr spcFirstLastPara="1" wrap="square" lIns="91425" tIns="91425" rIns="91425" bIns="91425" anchor="ctr" anchorCtr="0">
-            <a:noAutofit/>
-          </a:bodyPr>
-          <a:lstStyle/>
-          <a:p>
-            <a:pPr marL="0" lvl="0" indent="0" algn="ctr" rtl="0">
-              <a:spcBef>
-                <a:spcPts val="0"/>
-              </a:spcBef>
-              <a:spcAft>
-                <a:spcPts val="0"/>
-              </a:spcAft>
-              <a:buNone/>
-            </a:pPr>
-            <a:r>
-              <a:rPr lang="en-US" sz="6000">
-                <a:solidFill>
-                  <a:srgbClr val="E6E6E6"/>
-                </a:solidFill>
-              </a:rPr>
-              <a:t>2</a:t>
-            </a:r>
-            <a:endParaRPr sz="6000">
-              <a:solidFill>
-                <a:srgbClr val="E6E6E6"/>
-              </a:solidFill>
-            </a:endParaRPr>
-          </a:p>
-          <a:p>
-            <a:pPr marL="0" lvl="0" indent="0" algn="ctr" rtl="0">
-              <a:spcBef>
-                <a:spcPts val="0"/>
-              </a:spcBef>
-              <a:spcAft>
-                <a:spcPts val="0"/>
-              </a:spcAft>
-              <a:buNone/>
-            </a:pPr>
-            <a:r>
-              <a:rPr lang="en"/>
-              <a:t>NumPy</a:t>
-            </a:r>
-            <a:endParaRPr/>
-          </a:p>
-        </p:txBody>
-      </p:sp>
-      <p:sp>
-        <p:nvSpPr>
-          <p:cNvPr id="99" name="Google Shape;99;p15"/>
-          <p:cNvSpPr txBox="1">
-            <a:spLocks noGrp="1"/>
-          </p:cNvSpPr>
-          <p:nvPr>
-            <p:ph type="sldNum" idx="4294967295"/>
-          </p:nvPr>
-        </p:nvSpPr>
-        <p:spPr>
-          <a:xfrm>
-            <a:off x="8404384" y="4749851"/>
-            <a:ext cx="548700" cy="393600"/>
-          </a:xfrm>
-          <a:prstGeom prst="rect">
-            <a:avLst/>
-          </a:prstGeom>
-        </p:spPr>
-        <p:txBody>
-          <a:bodyPr spcFirstLastPara="1" wrap="square" lIns="91425" tIns="91425" rIns="91425" bIns="91425" anchor="t" anchorCtr="0">
-            <a:noAutofit/>
-          </a:bodyPr>
-          <a:lstStyle/>
-          <a:p>
-            <a:pPr marL="0" lvl="0" indent="0" algn="r" rtl="0">
-              <a:spcBef>
-                <a:spcPts val="0"/>
-              </a:spcBef>
-              <a:spcAft>
-                <a:spcPts val="0"/>
-              </a:spcAft>
-              <a:buNone/>
-            </a:pPr>
-            <a:fld id="{00000000-1234-1234-1234-123412341234}" type="slidenum">
-              <a:rPr lang="en"/>
-              <a:t>25</a:t>
-            </a:fld>
-            <a:endParaRPr/>
-          </a:p>
-        </p:txBody>
-      </p:sp>
-    </p:spTree>
-    <p:extLst>
-      <p:ext uri="{BB962C8B-B14F-4D97-AF65-F5344CB8AC3E}">
-        <p14:creationId xmlns:p14="http://schemas.microsoft.com/office/powerpoint/2010/main" val="1620004517"/>
-      </p:ext>
-    </p:extLst>
-  </p:cSld>
-  <p:clrMapOvr>
-    <a:masterClrMapping/>
-  </p:clrMapOvr>
-</p:sld>
-</file>
-
-<file path=ppt/slides/slide26.xml><?xml version="1.0" encoding="utf-8"?>
-<p:sld xmlns:a="http://schemas.openxmlformats.org/drawingml/2006/main" xmlns:r="http://schemas.openxmlformats.org/officeDocument/2006/relationships" xmlns:p="http://schemas.openxmlformats.org/presentationml/2006/main">
-  <p:cSld>
-    <p:spTree>
-      <p:nvGrpSpPr>
         <p:cNvPr id="1" name=""/>
         <p:cNvGrpSpPr/>
         <p:nvPr/>
@@ -10807,12 +10561,8 @@
           <a:lstStyle/>
           <a:p>
             <a:r>
-              <a:rPr lang="en-US" err="1"/>
-              <a:t>Numpy</a:t>
-            </a:r>
-            <a:r>
               <a:rPr lang="en-US"/>
-              <a:t> Introduction</a:t>
+              <a:t>Python Nested loops</a:t>
             </a:r>
             <a:endParaRPr lang="fa-IR"/>
           </a:p>
@@ -10844,15 +10594,149 @@
           <a:bodyPr/>
           <a:lstStyle/>
           <a:p>
-            <a:r>
-              <a:rPr lang="en-US" sz="1800"/>
-              <a:t>NumPy is a Python library used for working with arrays.</a:t>
-            </a:r>
-          </a:p>
-          <a:p>
-            <a:r>
-              <a:rPr lang="en-US" sz="1800"/>
-              <a:t>NumPy is short for "Numerical Python".</a:t>
+            <a:pPr marL="76200" indent="0">
+              <a:buNone/>
+            </a:pPr>
+            <a:r>
+              <a:rPr lang="en-US" sz="1400"/>
+              <a:t>Nested while and for loops</a:t>
+            </a:r>
+            <a:endParaRPr lang="en-US" sz="1400">
+              <a:latin typeface="Consolas" panose="020B0609020204030204" pitchFamily="49" charset="0"/>
+              <a:cs typeface="Courier New" panose="02070309020205020404" pitchFamily="49" charset="0"/>
+            </a:endParaRPr>
+          </a:p>
+          <a:p>
+            <a:pPr marL="76200" indent="0">
+              <a:buNone/>
+            </a:pPr>
+            <a:r>
+              <a:rPr lang="en-US" sz="1100">
+                <a:latin typeface="Consolas" panose="020B0609020204030204" pitchFamily="49" charset="0"/>
+                <a:cs typeface="Courier New" panose="02070309020205020404" pitchFamily="49" charset="0"/>
+              </a:rPr>
+              <a:t>i = 2</a:t>
+            </a:r>
+          </a:p>
+          <a:p>
+            <a:pPr marL="76200" indent="0">
+              <a:buNone/>
+            </a:pPr>
+            <a:r>
+              <a:rPr lang="en-US" sz="1100">
+                <a:latin typeface="Consolas" panose="020B0609020204030204" pitchFamily="49" charset="0"/>
+                <a:cs typeface="Courier New" panose="02070309020205020404" pitchFamily="49" charset="0"/>
+              </a:rPr>
+              <a:t>adj = ['big', 'tasty']</a:t>
+            </a:r>
+          </a:p>
+          <a:p>
+            <a:pPr marL="76200" indent="0">
+              <a:buNone/>
+            </a:pPr>
+            <a:r>
+              <a:rPr lang="en-US" sz="1100">
+                <a:latin typeface="Consolas" panose="020B0609020204030204" pitchFamily="49" charset="0"/>
+                <a:cs typeface="Courier New" panose="02070309020205020404" pitchFamily="49" charset="0"/>
+              </a:rPr>
+              <a:t>fruits = ['apple', 'banana', 'orange']</a:t>
+            </a:r>
+          </a:p>
+          <a:p>
+            <a:pPr marL="76200" indent="0">
+              <a:buNone/>
+            </a:pPr>
+            <a:r>
+              <a:rPr lang="en-US" sz="1100">
+                <a:solidFill>
+                  <a:schemeClr val="accent1"/>
+                </a:solidFill>
+                <a:latin typeface="Consolas" panose="020B0609020204030204" pitchFamily="49" charset="0"/>
+                <a:cs typeface="Courier New" panose="02070309020205020404" pitchFamily="49" charset="0"/>
+              </a:rPr>
+              <a:t>while</a:t>
+            </a:r>
+            <a:r>
+              <a:rPr lang="en-US" sz="1100">
+                <a:latin typeface="Consolas" panose="020B0609020204030204" pitchFamily="49" charset="0"/>
+                <a:cs typeface="Courier New" panose="02070309020205020404" pitchFamily="49" charset="0"/>
+              </a:rPr>
+              <a:t> i &lt; 5:</a:t>
+            </a:r>
+          </a:p>
+          <a:p>
+            <a:pPr marL="76200" indent="0">
+              <a:buNone/>
+            </a:pPr>
+            <a:r>
+              <a:rPr lang="en-US" sz="1100">
+                <a:solidFill>
+                  <a:schemeClr val="accent1"/>
+                </a:solidFill>
+                <a:latin typeface="Consolas" panose="020B0609020204030204" pitchFamily="49" charset="0"/>
+                <a:cs typeface="Courier New" panose="02070309020205020404" pitchFamily="49" charset="0"/>
+              </a:rPr>
+              <a:t>    for</a:t>
+            </a:r>
+            <a:r>
+              <a:rPr lang="en-US" sz="1100">
+                <a:latin typeface="Consolas" panose="020B0609020204030204" pitchFamily="49" charset="0"/>
+                <a:cs typeface="Courier New" panose="02070309020205020404" pitchFamily="49" charset="0"/>
+              </a:rPr>
+              <a:t> x in adj:</a:t>
+            </a:r>
+          </a:p>
+          <a:p>
+            <a:pPr marL="76200" indent="0">
+              <a:buNone/>
+            </a:pPr>
+            <a:r>
+              <a:rPr lang="en-US" sz="1100">
+                <a:latin typeface="Consolas" panose="020B0609020204030204" pitchFamily="49" charset="0"/>
+                <a:cs typeface="Courier New" panose="02070309020205020404" pitchFamily="49" charset="0"/>
+              </a:rPr>
+              <a:t>        </a:t>
+            </a:r>
+            <a:r>
+              <a:rPr lang="en-US" sz="1100">
+                <a:solidFill>
+                  <a:schemeClr val="accent1"/>
+                </a:solidFill>
+                <a:latin typeface="Consolas" panose="020B0609020204030204" pitchFamily="49" charset="0"/>
+                <a:cs typeface="Courier New" panose="02070309020205020404" pitchFamily="49" charset="0"/>
+              </a:rPr>
+              <a:t>for</a:t>
+            </a:r>
+            <a:r>
+              <a:rPr lang="en-US" sz="1100">
+                <a:latin typeface="Consolas" panose="020B0609020204030204" pitchFamily="49" charset="0"/>
+                <a:cs typeface="Courier New" panose="02070309020205020404" pitchFamily="49" charset="0"/>
+              </a:rPr>
+              <a:t> y in fruits:</a:t>
+            </a:r>
+          </a:p>
+          <a:p>
+            <a:pPr marL="76200" indent="0">
+              <a:buNone/>
+            </a:pPr>
+            <a:r>
+              <a:rPr lang="en-US" sz="1100">
+                <a:latin typeface="Consolas" panose="020B0609020204030204" pitchFamily="49" charset="0"/>
+                <a:cs typeface="Courier New" panose="02070309020205020404" pitchFamily="49" charset="0"/>
+              </a:rPr>
+              <a:t>            print(f'{i} {x} {y}s') </a:t>
+            </a:r>
+          </a:p>
+          <a:p>
+            <a:pPr marL="76200" indent="0">
+              <a:buNone/>
+            </a:pPr>
+            <a:r>
+              <a:rPr lang="en-US" sz="1100">
+                <a:latin typeface="Consolas" panose="020B0609020204030204" pitchFamily="49" charset="0"/>
+                <a:cs typeface="Courier New" panose="02070309020205020404" pitchFamily="49" charset="0"/>
+              </a:rPr>
+              <a:t>    i += 1</a:t>
             </a:r>
           </a:p>
         </p:txBody>
@@ -10889,7 +10773,7 @@
             </a:pPr>
             <a:fld id="{00000000-1234-1234-1234-123412341234}" type="slidenum">
               <a:rPr lang="en" smtClean="0"/>
-              <a:t>26</a:t>
+              <a:t>25</a:t>
             </a:fld>
             <a:endParaRPr lang="en"/>
           </a:p>
@@ -10898,7 +10782,7 @@
     </p:spTree>
     <p:extLst>
       <p:ext uri="{BB962C8B-B14F-4D97-AF65-F5344CB8AC3E}">
-        <p14:creationId xmlns:p14="http://schemas.microsoft.com/office/powerpoint/2010/main" val="4156460407"/>
+        <p14:creationId xmlns:p14="http://schemas.microsoft.com/office/powerpoint/2010/main" val="42047317"/>
       </p:ext>
     </p:extLst>
   </p:cSld>
@@ -10908,7 +10792,7 @@
 </p:sld>
 </file>
 
-<file path=ppt/slides/slide27.xml><?xml version="1.0" encoding="utf-8"?>
+<file path=ppt/slides/slide26.xml><?xml version="1.0" encoding="utf-8"?>
 <p:sld xmlns:a="http://schemas.openxmlformats.org/drawingml/2006/main" xmlns:r="http://schemas.openxmlformats.org/officeDocument/2006/relationships" xmlns:p="http://schemas.openxmlformats.org/presentationml/2006/main">
   <p:cSld>
     <p:spTree>
@@ -10965,7 +10849,7 @@
                   <a:srgbClr val="E6E6E6"/>
                 </a:solidFill>
               </a:rPr>
-              <a:t>3</a:t>
+              <a:t>2</a:t>
             </a:r>
             <a:endParaRPr sz="6000">
               <a:solidFill>
@@ -10985,7 +10869,7 @@
             </a:pPr>
             <a:r>
               <a:rPr lang="en"/>
-              <a:t>Pandas</a:t>
+              <a:t>NumPy</a:t>
             </a:r>
             <a:endParaRPr/>
           </a:p>
@@ -11027,7 +10911,7 @@
             </a:pPr>
             <a:fld id="{00000000-1234-1234-1234-123412341234}" type="slidenum">
               <a:rPr lang="en"/>
-              <a:t>27</a:t>
+              <a:t>26</a:t>
             </a:fld>
             <a:endParaRPr/>
           </a:p>
@@ -11036,7 +10920,147 @@
     </p:spTree>
     <p:extLst>
       <p:ext uri="{BB962C8B-B14F-4D97-AF65-F5344CB8AC3E}">
-        <p14:creationId xmlns:p14="http://schemas.microsoft.com/office/powerpoint/2010/main" val="2729265455"/>
+        <p14:creationId xmlns:p14="http://schemas.microsoft.com/office/powerpoint/2010/main" val="1620004517"/>
+      </p:ext>
+    </p:extLst>
+  </p:cSld>
+  <p:clrMapOvr>
+    <a:masterClrMapping/>
+  </p:clrMapOvr>
+</p:sld>
+</file>
+
+<file path=ppt/slides/slide27.xml><?xml version="1.0" encoding="utf-8"?>
+<p:sld xmlns:a="http://schemas.openxmlformats.org/drawingml/2006/main" xmlns:r="http://schemas.openxmlformats.org/officeDocument/2006/relationships" xmlns:p="http://schemas.openxmlformats.org/presentationml/2006/main">
+  <p:cSld>
+    <p:spTree>
+      <p:nvGrpSpPr>
+        <p:cNvPr id="1" name=""/>
+        <p:cNvGrpSpPr/>
+        <p:nvPr/>
+      </p:nvGrpSpPr>
+      <p:grpSpPr>
+        <a:xfrm>
+          <a:off x="0" y="0"/>
+          <a:ext cx="0" cy="0"/>
+          <a:chOff x="0" y="0"/>
+          <a:chExt cx="0" cy="0"/>
+        </a:xfrm>
+      </p:grpSpPr>
+      <p:sp>
+        <p:nvSpPr>
+          <p:cNvPr id="2" name="Title 1">
+            <a:extLst>
+              <a:ext uri="{FF2B5EF4-FFF2-40B4-BE49-F238E27FC236}">
+                <a16:creationId xmlns:a16="http://schemas.microsoft.com/office/drawing/2014/main" id="{024AD384-5AD1-4435-A943-1241B2FACD62}"/>
+              </a:ext>
+            </a:extLst>
+          </p:cNvPr>
+          <p:cNvSpPr>
+            <a:spLocks noGrp="1"/>
+          </p:cNvSpPr>
+          <p:nvPr>
+            <p:ph type="title"/>
+          </p:nvPr>
+        </p:nvSpPr>
+        <p:spPr/>
+        <p:txBody>
+          <a:bodyPr/>
+          <a:lstStyle/>
+          <a:p>
+            <a:r>
+              <a:rPr lang="en-US" err="1"/>
+              <a:t>Numpy</a:t>
+            </a:r>
+            <a:r>
+              <a:rPr lang="en-US"/>
+              <a:t> Introduction</a:t>
+            </a:r>
+            <a:endParaRPr lang="fa-IR"/>
+          </a:p>
+        </p:txBody>
+      </p:sp>
+      <p:sp>
+        <p:nvSpPr>
+          <p:cNvPr id="3" name="Text Placeholder 2">
+            <a:extLst>
+              <a:ext uri="{FF2B5EF4-FFF2-40B4-BE49-F238E27FC236}">
+                <a16:creationId xmlns:a16="http://schemas.microsoft.com/office/drawing/2014/main" id="{58BE3078-8B89-4550-B497-93E4DADBD57E}"/>
+              </a:ext>
+            </a:extLst>
+          </p:cNvPr>
+          <p:cNvSpPr>
+            <a:spLocks noGrp="1"/>
+          </p:cNvSpPr>
+          <p:nvPr>
+            <p:ph type="body" idx="1"/>
+          </p:nvPr>
+        </p:nvSpPr>
+        <p:spPr>
+          <a:xfrm>
+            <a:off x="786150" y="1142608"/>
+            <a:ext cx="7571700" cy="3626431"/>
+          </a:xfrm>
+        </p:spPr>
+        <p:txBody>
+          <a:bodyPr/>
+          <a:lstStyle/>
+          <a:p>
+            <a:r>
+              <a:rPr lang="en-US" sz="1800"/>
+              <a:t>NumPy is a Python library used for working with arrays.</a:t>
+            </a:r>
+          </a:p>
+          <a:p>
+            <a:r>
+              <a:rPr lang="en-US" sz="1800"/>
+              <a:t>NumPy is short for "Numerical Python".</a:t>
+            </a:r>
+          </a:p>
+        </p:txBody>
+      </p:sp>
+      <p:sp>
+        <p:nvSpPr>
+          <p:cNvPr id="4" name="Slide Number Placeholder 3">
+            <a:extLst>
+              <a:ext uri="{FF2B5EF4-FFF2-40B4-BE49-F238E27FC236}">
+                <a16:creationId xmlns:a16="http://schemas.microsoft.com/office/drawing/2014/main" id="{64987AE6-EC0E-43DD-9376-95A5602EE5E1}"/>
+              </a:ext>
+            </a:extLst>
+          </p:cNvPr>
+          <p:cNvSpPr>
+            <a:spLocks noGrp="1"/>
+          </p:cNvSpPr>
+          <p:nvPr>
+            <p:ph type="sldNum" idx="12"/>
+          </p:nvPr>
+        </p:nvSpPr>
+        <p:spPr/>
+        <p:txBody>
+          <a:bodyPr/>
+          <a:lstStyle/>
+          <a:p>
+            <a:pPr marL="0" lvl="0" indent="0" algn="r" rtl="0">
+              <a:spcBef>
+                <a:spcPts val="0"/>
+              </a:spcBef>
+              <a:spcAft>
+                <a:spcPts val="0"/>
+              </a:spcAft>
+              <a:buNone/>
+            </a:pPr>
+            <a:fld id="{00000000-1234-1234-1234-123412341234}" type="slidenum">
+              <a:rPr lang="en" smtClean="0"/>
+              <a:t>27</a:t>
+            </a:fld>
+            <a:endParaRPr lang="en"/>
+          </a:p>
+        </p:txBody>
+      </p:sp>
+    </p:spTree>
+    <p:extLst>
+      <p:ext uri="{BB962C8B-B14F-4D97-AF65-F5344CB8AC3E}">
+        <p14:creationId xmlns:p14="http://schemas.microsoft.com/office/powerpoint/2010/main" val="4156460407"/>
       </p:ext>
     </p:extLst>
   </p:cSld>
@@ -11103,7 +11127,7 @@
                   <a:srgbClr val="E6E6E6"/>
                 </a:solidFill>
               </a:rPr>
-              <a:t>4</a:t>
+              <a:t>3</a:t>
             </a:r>
             <a:endParaRPr sz="6000">
               <a:solidFill>
@@ -11123,7 +11147,7 @@
             </a:pPr>
             <a:r>
               <a:rPr lang="en"/>
-              <a:t>Matplotlib</a:t>
+              <a:t>Pandas</a:t>
             </a:r>
             <a:endParaRPr/>
           </a:p>
@@ -11174,7 +11198,7 @@
     </p:spTree>
     <p:extLst>
       <p:ext uri="{BB962C8B-B14F-4D97-AF65-F5344CB8AC3E}">
-        <p14:creationId xmlns:p14="http://schemas.microsoft.com/office/powerpoint/2010/main" val="2458102878"/>
+        <p14:creationId xmlns:p14="http://schemas.microsoft.com/office/powerpoint/2010/main" val="2729265455"/>
       </p:ext>
     </p:extLst>
   </p:cSld>
@@ -11241,7 +11265,7 @@
                   <a:srgbClr val="E6E6E6"/>
                 </a:solidFill>
               </a:rPr>
-              <a:t>5</a:t>
+              <a:t>4</a:t>
             </a:r>
             <a:endParaRPr sz="6000">
               <a:solidFill>
@@ -11250,13 +11274,18 @@
             </a:endParaRPr>
           </a:p>
           <a:p>
-            <a:r>
-              <a:rPr lang="en-US"/>
-              <a:t>S</a:t>
-            </a:r>
-            <a:r>
-              <a:rPr lang="en-US" b="1"/>
-              <a:t>cikit-learn</a:t>
+            <a:pPr marL="0" lvl="0" indent="0" algn="ctr" rtl="0">
+              <a:spcBef>
+                <a:spcPts val="0"/>
+              </a:spcBef>
+              <a:spcAft>
+                <a:spcPts val="0"/>
+              </a:spcAft>
+              <a:buNone/>
+            </a:pPr>
+            <a:r>
+              <a:rPr lang="en"/>
+              <a:t>Matplotlib</a:t>
             </a:r>
             <a:endParaRPr/>
           </a:p>
@@ -11307,7 +11336,7 @@
     </p:spTree>
     <p:extLst>
       <p:ext uri="{BB962C8B-B14F-4D97-AF65-F5344CB8AC3E}">
-        <p14:creationId xmlns:p14="http://schemas.microsoft.com/office/powerpoint/2010/main" val="3753200419"/>
+        <p14:creationId xmlns:p14="http://schemas.microsoft.com/office/powerpoint/2010/main" val="2458102878"/>
       </p:ext>
     </p:extLst>
   </p:cSld>
@@ -11602,7 +11631,7 @@
                   <a:srgbClr val="E6E6E6"/>
                 </a:solidFill>
               </a:rPr>
-              <a:t>6</a:t>
+              <a:t>5</a:t>
             </a:r>
             <a:endParaRPr sz="6000">
               <a:solidFill>
@@ -11612,10 +11641,12 @@
           </a:p>
           <a:p>
             <a:r>
-              <a:rPr lang="en-US">
-                <a:effectLst/>
-              </a:rPr>
-              <a:t>Web Scraping</a:t>
+              <a:rPr lang="en-US"/>
+              <a:t>S</a:t>
+            </a:r>
+            <a:r>
+              <a:rPr lang="en-US" b="1"/>
+              <a:t>cikit-learn</a:t>
             </a:r>
             <a:endParaRPr/>
           </a:p>
@@ -11666,6 +11697,137 @@
     </p:spTree>
     <p:extLst>
       <p:ext uri="{BB962C8B-B14F-4D97-AF65-F5344CB8AC3E}">
+        <p14:creationId xmlns:p14="http://schemas.microsoft.com/office/powerpoint/2010/main" val="3753200419"/>
+      </p:ext>
+    </p:extLst>
+  </p:cSld>
+  <p:clrMapOvr>
+    <a:masterClrMapping/>
+  </p:clrMapOvr>
+</p:sld>
+</file>
+
+<file path=ppt/slides/slide31.xml><?xml version="1.0" encoding="utf-8"?>
+<p:sld xmlns:a="http://schemas.openxmlformats.org/drawingml/2006/main" xmlns:r="http://schemas.openxmlformats.org/officeDocument/2006/relationships" xmlns:p="http://schemas.openxmlformats.org/presentationml/2006/main">
+  <p:cSld>
+    <p:spTree>
+      <p:nvGrpSpPr>
+        <p:cNvPr id="1" name="Shape 96"/>
+        <p:cNvGrpSpPr/>
+        <p:nvPr/>
+      </p:nvGrpSpPr>
+      <p:grpSpPr>
+        <a:xfrm>
+          <a:off x="0" y="0"/>
+          <a:ext cx="0" cy="0"/>
+          <a:chOff x="0" y="0"/>
+          <a:chExt cx="0" cy="0"/>
+        </a:xfrm>
+      </p:grpSpPr>
+      <p:sp>
+        <p:nvSpPr>
+          <p:cNvPr id="97" name="Google Shape;97;p15"/>
+          <p:cNvSpPr txBox="1">
+            <a:spLocks noGrp="1"/>
+          </p:cNvSpPr>
+          <p:nvPr>
+            <p:ph type="ctrTitle"/>
+          </p:nvPr>
+        </p:nvSpPr>
+        <p:spPr>
+          <a:xfrm>
+            <a:off x="1655700" y="1991850"/>
+            <a:ext cx="5832600" cy="1159800"/>
+          </a:xfrm>
+          <a:prstGeom prst="rect">
+            <a:avLst/>
+          </a:prstGeom>
+        </p:spPr>
+        <p:txBody>
+          <a:bodyPr spcFirstLastPara="1" wrap="square" lIns="91425" tIns="91425" rIns="91425" bIns="91425" anchor="ctr" anchorCtr="0">
+            <a:noAutofit/>
+          </a:bodyPr>
+          <a:lstStyle/>
+          <a:p>
+            <a:pPr marL="0" lvl="0" indent="0" algn="ctr" rtl="0">
+              <a:spcBef>
+                <a:spcPts val="0"/>
+              </a:spcBef>
+              <a:spcAft>
+                <a:spcPts val="0"/>
+              </a:spcAft>
+              <a:buNone/>
+            </a:pPr>
+            <a:r>
+              <a:rPr lang="en-US" sz="6000">
+                <a:solidFill>
+                  <a:srgbClr val="E6E6E6"/>
+                </a:solidFill>
+              </a:rPr>
+              <a:t>6</a:t>
+            </a:r>
+            <a:endParaRPr sz="6000">
+              <a:solidFill>
+                <a:srgbClr val="E6E6E6"/>
+              </a:solidFill>
+            </a:endParaRPr>
+          </a:p>
+          <a:p>
+            <a:r>
+              <a:rPr lang="en-US">
+                <a:effectLst/>
+              </a:rPr>
+              <a:t>Web Scraping</a:t>
+            </a:r>
+            <a:endParaRPr/>
+          </a:p>
+        </p:txBody>
+      </p:sp>
+      <p:sp>
+        <p:nvSpPr>
+          <p:cNvPr id="99" name="Google Shape;99;p15"/>
+          <p:cNvSpPr txBox="1">
+            <a:spLocks noGrp="1"/>
+          </p:cNvSpPr>
+          <p:nvPr>
+            <p:ph type="sldNum" idx="4294967295"/>
+          </p:nvPr>
+        </p:nvSpPr>
+        <p:spPr>
+          <a:xfrm>
+            <a:off x="8404384" y="4749851"/>
+            <a:ext cx="548700" cy="393600"/>
+          </a:xfrm>
+          <a:prstGeom prst="rect">
+            <a:avLst/>
+          </a:prstGeom>
+        </p:spPr>
+        <p:txBody>
+          <a:bodyPr spcFirstLastPara="1" wrap="square" lIns="91425" tIns="91425" rIns="91425" bIns="91425" anchor="t" anchorCtr="0">
+            <a:noAutofit/>
+          </a:bodyPr>
+          <a:lstStyle/>
+          <a:p>
+            <a:pPr marL="0" lvl="0" indent="0" algn="r" rtl="0">
+              <a:spcBef>
+                <a:spcPts val="0"/>
+              </a:spcBef>
+              <a:spcAft>
+                <a:spcPts val="0"/>
+              </a:spcAft>
+              <a:buNone/>
+            </a:pPr>
+            <a:fld id="{00000000-1234-1234-1234-123412341234}" type="slidenum">
+              <a:rPr lang="en"/>
+              <a:t>31</a:t>
+            </a:fld>
+            <a:endParaRPr/>
+          </a:p>
+        </p:txBody>
+      </p:sp>
+    </p:spTree>
+    <p:extLst>
+      <p:ext uri="{BB962C8B-B14F-4D97-AF65-F5344CB8AC3E}">
         <p14:creationId xmlns:p14="http://schemas.microsoft.com/office/powerpoint/2010/main" val="3538335587"/>
       </p:ext>
     </p:extLst>
@@ -11676,7 +11838,7 @@
 </p:sld>
 </file>
 
-<file path=ppt/slides/slide31.xml><?xml version="1.0" encoding="utf-8"?>
+<file path=ppt/slides/slide32.xml><?xml version="1.0" encoding="utf-8"?>
 <p:sld xmlns:a="http://schemas.openxmlformats.org/drawingml/2006/main" xmlns:r="http://schemas.openxmlformats.org/officeDocument/2006/relationships" xmlns:p="http://schemas.openxmlformats.org/presentationml/2006/main">
   <p:cSld>
     <p:spTree>
@@ -11905,7 +12067,7 @@
             </a:pPr>
             <a:fld id="{00000000-1234-1234-1234-123412341234}" type="slidenum">
               <a:rPr lang="en"/>
-              <a:t>31</a:t>
+              <a:t>32</a:t>
             </a:fld>
             <a:endParaRPr/>
           </a:p>
@@ -11919,7 +12081,7 @@
 </p:sld>
 </file>
 
-<file path=ppt/slides/slide32.xml><?xml version="1.0" encoding="utf-8"?>
+<file path=ppt/slides/slide33.xml><?xml version="1.0" encoding="utf-8"?>
 <p:sld xmlns:a="http://schemas.openxmlformats.org/drawingml/2006/main" xmlns:r="http://schemas.openxmlformats.org/officeDocument/2006/relationships" xmlns:p="http://schemas.openxmlformats.org/presentationml/2006/main">
   <p:cSld>
     <p:spTree>
@@ -12056,7 +12218,7 @@
             </a:pPr>
             <a:fld id="{00000000-1234-1234-1234-123412341234}" type="slidenum">
               <a:rPr lang="en"/>
-              <a:t>32</a:t>
+              <a:t>33</a:t>
             </a:fld>
             <a:endParaRPr/>
           </a:p>

--- a/Python.pptx
+++ b/Python.pptx
@@ -5,10 +5,10 @@
     <p:sldMasterId id="2147483658" r:id="rId1"/>
   </p:sldMasterIdLst>
   <p:notesMasterIdLst>
-    <p:notesMasterId r:id="rId35"/>
+    <p:notesMasterId r:id="rId40"/>
   </p:notesMasterIdLst>
   <p:handoutMasterIdLst>
-    <p:handoutMasterId r:id="rId36"/>
+    <p:handoutMasterId r:id="rId41"/>
   </p:handoutMasterIdLst>
   <p:sldIdLst>
     <p:sldId id="256" r:id="rId2"/>
@@ -35,49 +35,54 @@
     <p:sldId id="307" r:id="rId23"/>
     <p:sldId id="309" r:id="rId24"/>
     <p:sldId id="310" r:id="rId25"/>
-    <p:sldId id="259" r:id="rId26"/>
-    <p:sldId id="281" r:id="rId27"/>
-    <p:sldId id="289" r:id="rId28"/>
-    <p:sldId id="282" r:id="rId29"/>
-    <p:sldId id="283" r:id="rId30"/>
-    <p:sldId id="286" r:id="rId31"/>
-    <p:sldId id="287" r:id="rId32"/>
-    <p:sldId id="280" r:id="rId33"/>
-    <p:sldId id="271" r:id="rId34"/>
+    <p:sldId id="313" r:id="rId26"/>
+    <p:sldId id="314" r:id="rId27"/>
+    <p:sldId id="317" r:id="rId28"/>
+    <p:sldId id="315" r:id="rId29"/>
+    <p:sldId id="316" r:id="rId30"/>
+    <p:sldId id="259" r:id="rId31"/>
+    <p:sldId id="281" r:id="rId32"/>
+    <p:sldId id="289" r:id="rId33"/>
+    <p:sldId id="282" r:id="rId34"/>
+    <p:sldId id="283" r:id="rId35"/>
+    <p:sldId id="286" r:id="rId36"/>
+    <p:sldId id="287" r:id="rId37"/>
+    <p:sldId id="280" r:id="rId38"/>
+    <p:sldId id="271" r:id="rId39"/>
   </p:sldIdLst>
   <p:sldSz cx="9144000" cy="5143500" type="screen16x9"/>
   <p:notesSz cx="6858000" cy="9144000"/>
   <p:embeddedFontLst>
     <p:embeddedFont>
       <p:font typeface="Consolas" panose="020B0609020204030204" pitchFamily="49" charset="0"/>
-      <p:regular r:id="rId37"/>
-      <p:bold r:id="rId38"/>
-      <p:italic r:id="rId39"/>
-      <p:boldItalic r:id="rId40"/>
+      <p:regular r:id="rId42"/>
+      <p:bold r:id="rId43"/>
+      <p:italic r:id="rId44"/>
+      <p:boldItalic r:id="rId45"/>
     </p:embeddedFont>
     <p:embeddedFont>
       <p:font typeface="IRANSans" panose="020B0506030804020204" pitchFamily="34" charset="-78"/>
-      <p:regular r:id="rId41"/>
-      <p:bold r:id="rId42"/>
+      <p:regular r:id="rId46"/>
+      <p:bold r:id="rId47"/>
     </p:embeddedFont>
     <p:embeddedFont>
       <p:font typeface="Roboto Slab" panose="020B0604020202020204" charset="0"/>
-      <p:regular r:id="rId43"/>
-      <p:bold r:id="rId44"/>
+      <p:regular r:id="rId48"/>
+      <p:bold r:id="rId49"/>
     </p:embeddedFont>
     <p:embeddedFont>
       <p:font typeface="Source Sans Pro" panose="020B0503030403020204" pitchFamily="34" charset="0"/>
-      <p:regular r:id="rId45"/>
-      <p:bold r:id="rId46"/>
-      <p:italic r:id="rId47"/>
-      <p:boldItalic r:id="rId48"/>
+      <p:regular r:id="rId50"/>
+      <p:bold r:id="rId51"/>
+      <p:italic r:id="rId52"/>
+      <p:boldItalic r:id="rId53"/>
     </p:embeddedFont>
     <p:embeddedFont>
       <p:font typeface="Trebuchet MS" panose="020B0603020202020204" pitchFamily="34" charset="0"/>
-      <p:regular r:id="rId49"/>
-      <p:bold r:id="rId50"/>
-      <p:italic r:id="rId51"/>
-      <p:boldItalic r:id="rId52"/>
+      <p:regular r:id="rId54"/>
+      <p:bold r:id="rId55"/>
+      <p:italic r:id="rId56"/>
+      <p:boldItalic r:id="rId57"/>
     </p:embeddedFont>
   </p:embeddedFontLst>
   <p:defaultTextStyle>
@@ -17016,7 +17021,7 @@
                 <a:latin typeface="Consolas" panose="020B0609020204030204" pitchFamily="49" charset="0"/>
                 <a:cs typeface="Courier New" panose="02070309020205020404" pitchFamily="49" charset="0"/>
               </a:rPr>
-              <a:t>for number in </a:t>
+              <a:t>for number in range(5</a:t>
             </a:r>
             <a:r>
               <a:rPr lang="en-US" sz="1100">
@@ -17026,23 +17031,6 @@
                 <a:latin typeface="Consolas" panose="020B0609020204030204" pitchFamily="49" charset="0"/>
                 <a:cs typeface="Courier New" panose="02070309020205020404" pitchFamily="49" charset="0"/>
               </a:rPr>
-              <a:t>range(</a:t>
-            </a:r>
-            <a:r>
-              <a:rPr lang="en-US" sz="1100">
-                <a:latin typeface="Consolas" panose="020B0609020204030204" pitchFamily="49" charset="0"/>
-                <a:cs typeface="Courier New" panose="02070309020205020404" pitchFamily="49" charset="0"/>
-              </a:rPr>
-              <a:t>5</a:t>
-            </a:r>
-            <a:r>
-              <a:rPr lang="en-US" sz="1100">
-                <a:solidFill>
-                  <a:schemeClr val="accent1"/>
-                </a:solidFill>
-                <a:latin typeface="Consolas" panose="020B0609020204030204" pitchFamily="49" charset="0"/>
-                <a:cs typeface="Courier New" panose="02070309020205020404" pitchFamily="49" charset="0"/>
-              </a:rPr>
               <a:t>,</a:t>
             </a:r>
             <a:r>
@@ -17050,24 +17038,7 @@
                 <a:latin typeface="Consolas" panose="020B0609020204030204" pitchFamily="49" charset="0"/>
                 <a:cs typeface="Courier New" panose="02070309020205020404" pitchFamily="49" charset="0"/>
               </a:rPr>
-              <a:t> 20</a:t>
-            </a:r>
-            <a:r>
-              <a:rPr lang="en-US" sz="1100">
-                <a:solidFill>
-                  <a:schemeClr val="accent1"/>
-                </a:solidFill>
-                <a:latin typeface="Consolas" panose="020B0609020204030204" pitchFamily="49" charset="0"/>
-                <a:cs typeface="Courier New" panose="02070309020205020404" pitchFamily="49" charset="0"/>
-              </a:rPr>
-              <a:t>)</a:t>
-            </a:r>
-            <a:r>
-              <a:rPr lang="en-US" sz="1100">
-                <a:latin typeface="Consolas" panose="020B0609020204030204" pitchFamily="49" charset="0"/>
-                <a:cs typeface="Courier New" panose="02070309020205020404" pitchFamily="49" charset="0"/>
-              </a:rPr>
-              <a:t>:</a:t>
+              <a:t> 20):</a:t>
             </a:r>
           </a:p>
           <a:p>
@@ -17100,7 +17071,7 @@
                 <a:latin typeface="Consolas" panose="020B0609020204030204" pitchFamily="49" charset="0"/>
                 <a:cs typeface="Courier New" panose="02070309020205020404" pitchFamily="49" charset="0"/>
               </a:rPr>
-              <a:t>for number in </a:t>
+              <a:t>for number in range(5</a:t>
             </a:r>
             <a:r>
               <a:rPr lang="en-US" sz="1100">
@@ -17110,14 +17081,14 @@
                 <a:latin typeface="Consolas" panose="020B0609020204030204" pitchFamily="49" charset="0"/>
                 <a:cs typeface="Courier New" panose="02070309020205020404" pitchFamily="49" charset="0"/>
               </a:rPr>
-              <a:t>range(</a:t>
-            </a:r>
-            <a:r>
-              <a:rPr lang="en-US" sz="1100">
-                <a:latin typeface="Consolas" panose="020B0609020204030204" pitchFamily="49" charset="0"/>
-                <a:cs typeface="Courier New" panose="02070309020205020404" pitchFamily="49" charset="0"/>
-              </a:rPr>
-              <a:t>5</a:t>
+              <a:t>,</a:t>
+            </a:r>
+            <a:r>
+              <a:rPr lang="en-US" sz="1100">
+                <a:latin typeface="Consolas" panose="020B0609020204030204" pitchFamily="49" charset="0"/>
+                <a:cs typeface="Courier New" panose="02070309020205020404" pitchFamily="49" charset="0"/>
+              </a:rPr>
+              <a:t> 20</a:t>
             </a:r>
             <a:r>
               <a:rPr lang="en-US" sz="1100">
@@ -17134,41 +17105,7 @@
                 <a:latin typeface="Consolas" panose="020B0609020204030204" pitchFamily="49" charset="0"/>
                 <a:cs typeface="Courier New" panose="02070309020205020404" pitchFamily="49" charset="0"/>
               </a:rPr>
-              <a:t> 20</a:t>
-            </a:r>
-            <a:r>
-              <a:rPr lang="en-US" sz="1100">
-                <a:solidFill>
-                  <a:schemeClr val="accent1"/>
-                </a:solidFill>
-                <a:latin typeface="Consolas" panose="020B0609020204030204" pitchFamily="49" charset="0"/>
-                <a:cs typeface="Courier New" panose="02070309020205020404" pitchFamily="49" charset="0"/>
-              </a:rPr>
-              <a:t>,</a:t>
-            </a:r>
-            <a:r>
-              <a:rPr lang="en-US" sz="1100">
-                <a:latin typeface="Consolas" panose="020B0609020204030204" pitchFamily="49" charset="0"/>
-                <a:cs typeface="Courier New" panose="02070309020205020404" pitchFamily="49" charset="0"/>
-              </a:rPr>
-              <a:t> 2</a:t>
-            </a:r>
-            <a:r>
-              <a:rPr lang="en-US" sz="1100">
-                <a:solidFill>
-                  <a:schemeClr val="accent1"/>
-                </a:solidFill>
-                <a:latin typeface="Consolas" panose="020B0609020204030204" pitchFamily="49" charset="0"/>
-                <a:cs typeface="Courier New" panose="02070309020205020404" pitchFamily="49" charset="0"/>
-              </a:rPr>
-              <a:t>)</a:t>
-            </a:r>
-            <a:r>
-              <a:rPr lang="en-US" sz="1100">
-                <a:latin typeface="Consolas" panose="020B0609020204030204" pitchFamily="49" charset="0"/>
-                <a:cs typeface="Courier New" panose="02070309020205020404" pitchFamily="49" charset="0"/>
-              </a:rPr>
-              <a:t>:</a:t>
+              <a:t> 2):</a:t>
             </a:r>
           </a:p>
           <a:p>
@@ -17726,7 +17663,7 @@
   <p:cSld>
     <p:spTree>
       <p:nvGrpSpPr>
-        <p:cNvPr id="1" name="Shape 96"/>
+        <p:cNvPr id="1" name=""/>
         <p:cNvGrpSpPr/>
         <p:nvPr/>
       </p:nvGrpSpPr>
@@ -17740,93 +17677,252 @@
       </p:grpSpPr>
       <p:sp>
         <p:nvSpPr>
-          <p:cNvPr id="97" name="Google Shape;97;p15"/>
-          <p:cNvSpPr txBox="1">
+          <p:cNvPr id="2" name="Title 1">
+            <a:extLst>
+              <a:ext uri="{FF2B5EF4-FFF2-40B4-BE49-F238E27FC236}">
+                <a16:creationId xmlns:a16="http://schemas.microsoft.com/office/drawing/2014/main" id="{024AD384-5AD1-4435-A943-1241B2FACD62}"/>
+              </a:ext>
+            </a:extLst>
+          </p:cNvPr>
+          <p:cNvSpPr>
             <a:spLocks noGrp="1"/>
           </p:cNvSpPr>
           <p:nvPr>
-            <p:ph type="ctrTitle"/>
+            <p:ph type="title"/>
+          </p:nvPr>
+        </p:nvSpPr>
+        <p:spPr/>
+        <p:txBody>
+          <a:bodyPr/>
+          <a:lstStyle/>
+          <a:p>
+            <a:r>
+              <a:rPr lang="en-US"/>
+              <a:t>Python Functions</a:t>
+            </a:r>
+            <a:endParaRPr lang="fa-IR"/>
+          </a:p>
+        </p:txBody>
+      </p:sp>
+      <p:sp>
+        <p:nvSpPr>
+          <p:cNvPr id="3" name="Text Placeholder 2">
+            <a:extLst>
+              <a:ext uri="{FF2B5EF4-FFF2-40B4-BE49-F238E27FC236}">
+                <a16:creationId xmlns:a16="http://schemas.microsoft.com/office/drawing/2014/main" id="{58BE3078-8B89-4550-B497-93E4DADBD57E}"/>
+              </a:ext>
+            </a:extLst>
+          </p:cNvPr>
+          <p:cNvSpPr>
+            <a:spLocks noGrp="1"/>
+          </p:cNvSpPr>
+          <p:nvPr>
+            <p:ph type="body" idx="1"/>
           </p:nvPr>
         </p:nvSpPr>
         <p:spPr>
           <a:xfrm>
-            <a:off x="1655700" y="1991850"/>
-            <a:ext cx="5832600" cy="1159800"/>
+            <a:off x="786150" y="1142608"/>
+            <a:ext cx="7571700" cy="3626431"/>
           </a:xfrm>
-          <a:prstGeom prst="rect">
-            <a:avLst/>
-          </a:prstGeom>
         </p:spPr>
         <p:txBody>
-          <a:bodyPr spcFirstLastPara="1" wrap="square" lIns="91425" tIns="91425" rIns="91425" bIns="91425" anchor="ctr" anchorCtr="0">
-            <a:noAutofit/>
-          </a:bodyPr>
+          <a:bodyPr/>
           <a:lstStyle/>
           <a:p>
-            <a:pPr marL="0" lvl="0" indent="0" algn="ctr" rtl="0">
-              <a:spcBef>
-                <a:spcPts val="0"/>
-              </a:spcBef>
-              <a:spcAft>
-                <a:spcPts val="0"/>
-              </a:spcAft>
-              <a:buNone/>
-            </a:pPr>
-            <a:r>
-              <a:rPr lang="en-US" sz="6000">
+            <a:pPr marL="76200" indent="0">
+              <a:buNone/>
+            </a:pPr>
+            <a:r>
+              <a:rPr lang="en-US" sz="1400"/>
+              <a:t>Blocks of code which only run when they are called</a:t>
+            </a:r>
+          </a:p>
+          <a:p>
+            <a:pPr marL="76200" indent="0">
+              <a:buNone/>
+            </a:pPr>
+            <a:r>
+              <a:rPr lang="en-US" sz="1100">
                 <a:solidFill>
-                  <a:srgbClr val="E6E6E6"/>
+                  <a:schemeClr val="accent1"/>
                 </a:solidFill>
-              </a:rPr>
-              <a:t>0</a:t>
-            </a:r>
-            <a:endParaRPr sz="6000">
-              <a:solidFill>
-                <a:srgbClr val="E6E6E6"/>
-              </a:solidFill>
+                <a:latin typeface="Consolas" panose="020B0609020204030204" pitchFamily="49" charset="0"/>
+                <a:cs typeface="Courier New" panose="02070309020205020404" pitchFamily="49" charset="0"/>
+              </a:rPr>
+              <a:t>def</a:t>
+            </a:r>
+            <a:r>
+              <a:rPr lang="en-US" sz="1100">
+                <a:latin typeface="Consolas" panose="020B0609020204030204" pitchFamily="49" charset="0"/>
+                <a:cs typeface="Courier New" panose="02070309020205020404" pitchFamily="49" charset="0"/>
+              </a:rPr>
+              <a:t> greeter</a:t>
+            </a:r>
+            <a:r>
+              <a:rPr lang="en-US" sz="1100">
+                <a:solidFill>
+                  <a:schemeClr val="accent1"/>
+                </a:solidFill>
+                <a:latin typeface="Consolas" panose="020B0609020204030204" pitchFamily="49" charset="0"/>
+                <a:cs typeface="Courier New" panose="02070309020205020404" pitchFamily="49" charset="0"/>
+              </a:rPr>
+              <a:t>():</a:t>
+            </a:r>
+          </a:p>
+          <a:p>
+            <a:pPr marL="76200" indent="0">
+              <a:buNone/>
+            </a:pPr>
+            <a:r>
+              <a:rPr lang="en-US" sz="1100">
+                <a:latin typeface="Consolas" panose="020B0609020204030204" pitchFamily="49" charset="0"/>
+                <a:cs typeface="Courier New" panose="02070309020205020404" pitchFamily="49" charset="0"/>
+              </a:rPr>
+              <a:t>    print('Hello!')</a:t>
+            </a:r>
+          </a:p>
+          <a:p>
+            <a:pPr marL="76200" indent="0">
+              <a:buNone/>
+            </a:pPr>
+            <a:r>
+              <a:rPr lang="en-US" sz="1100">
+                <a:latin typeface="Consolas" panose="020B0609020204030204" pitchFamily="49" charset="0"/>
+                <a:cs typeface="Courier New" panose="02070309020205020404" pitchFamily="49" charset="0"/>
+              </a:rPr>
+              <a:t>greeter</a:t>
+            </a:r>
+            <a:r>
+              <a:rPr lang="en-US" sz="1100">
+                <a:solidFill>
+                  <a:schemeClr val="accent1"/>
+                </a:solidFill>
+                <a:latin typeface="Consolas" panose="020B0609020204030204" pitchFamily="49" charset="0"/>
+                <a:cs typeface="Courier New" panose="02070309020205020404" pitchFamily="49" charset="0"/>
+              </a:rPr>
+              <a:t>()</a:t>
+            </a:r>
+          </a:p>
+          <a:p>
+            <a:pPr marL="76200" indent="0">
+              <a:buNone/>
+            </a:pPr>
+            <a:endParaRPr lang="en-US" sz="1100">
+              <a:latin typeface="Consolas" panose="020B0609020204030204" pitchFamily="49" charset="0"/>
+              <a:cs typeface="Courier New" panose="02070309020205020404" pitchFamily="49" charset="0"/>
             </a:endParaRPr>
           </a:p>
           <a:p>
-            <a:pPr marL="0" lvl="0" indent="0" algn="ctr" rtl="0">
-              <a:spcBef>
-                <a:spcPts val="0"/>
-              </a:spcBef>
-              <a:spcAft>
-                <a:spcPts val="0"/>
-              </a:spcAft>
-              <a:buNone/>
-            </a:pPr>
-            <a:r>
-              <a:rPr lang="en"/>
-              <a:t>Basics</a:t>
-            </a:r>
-            <a:endParaRPr/>
+            <a:pPr marL="76200" indent="0">
+              <a:buNone/>
+            </a:pPr>
+            <a:r>
+              <a:rPr lang="en-US" sz="1400"/>
+              <a:t>Arguments and return</a:t>
+            </a:r>
+            <a:endParaRPr lang="en-US" sz="1400">
+              <a:cs typeface="Courier New" panose="02070309020205020404" pitchFamily="49" charset="0"/>
+            </a:endParaRPr>
+          </a:p>
+          <a:p>
+            <a:pPr marL="76200" indent="0">
+              <a:buNone/>
+            </a:pPr>
+            <a:r>
+              <a:rPr lang="en-US" sz="1100">
+                <a:latin typeface="Consolas" panose="020B0609020204030204" pitchFamily="49" charset="0"/>
+                <a:cs typeface="Courier New" panose="02070309020205020404" pitchFamily="49" charset="0"/>
+              </a:rPr>
+              <a:t>def greeter(firstName, lastName):</a:t>
+            </a:r>
+          </a:p>
+          <a:p>
+            <a:pPr marL="76200" indent="0">
+              <a:buNone/>
+            </a:pPr>
+            <a:r>
+              <a:rPr lang="en-US" sz="1100">
+                <a:latin typeface="Consolas" panose="020B0609020204030204" pitchFamily="49" charset="0"/>
+                <a:cs typeface="Courier New" panose="02070309020205020404" pitchFamily="49" charset="0"/>
+              </a:rPr>
+              <a:t>    greeting = f'Hello {name}!'</a:t>
+            </a:r>
+          </a:p>
+          <a:p>
+            <a:pPr marL="76200" indent="0">
+              <a:buNone/>
+            </a:pPr>
+            <a:r>
+              <a:rPr lang="en-US" sz="1100">
+                <a:latin typeface="Consolas" panose="020B0609020204030204" pitchFamily="49" charset="0"/>
+                <a:cs typeface="Courier New" panose="02070309020205020404" pitchFamily="49" charset="0"/>
+              </a:rPr>
+              <a:t>    </a:t>
+            </a:r>
+            <a:r>
+              <a:rPr lang="en-US" sz="1100">
+                <a:solidFill>
+                  <a:schemeClr val="accent1"/>
+                </a:solidFill>
+                <a:latin typeface="Consolas" panose="020B0609020204030204" pitchFamily="49" charset="0"/>
+                <a:cs typeface="Courier New" panose="02070309020205020404" pitchFamily="49" charset="0"/>
+              </a:rPr>
+              <a:t>return </a:t>
+            </a:r>
+            <a:r>
+              <a:rPr lang="en-US" sz="1100">
+                <a:latin typeface="Consolas" panose="020B0609020204030204" pitchFamily="49" charset="0"/>
+                <a:cs typeface="Courier New" panose="02070309020205020404" pitchFamily="49" charset="0"/>
+              </a:rPr>
+              <a:t>greeting</a:t>
+            </a:r>
+          </a:p>
+          <a:p>
+            <a:pPr marL="76200" indent="0">
+              <a:buNone/>
+            </a:pPr>
+            <a:r>
+              <a:rPr lang="en-US" sz="1100">
+                <a:latin typeface="Consolas" panose="020B0609020204030204" pitchFamily="49" charset="0"/>
+                <a:cs typeface="Courier New" panose="02070309020205020404" pitchFamily="49" charset="0"/>
+              </a:rPr>
+              <a:t>message = greeter('Alireza', 'Nezhadshamsi')</a:t>
+            </a:r>
+          </a:p>
+          <a:p>
+            <a:pPr marL="76200" indent="0">
+              <a:buNone/>
+            </a:pPr>
+            <a:r>
+              <a:rPr lang="en-US" sz="1100">
+                <a:latin typeface="Consolas" panose="020B0609020204030204" pitchFamily="49" charset="0"/>
+                <a:cs typeface="Courier New" panose="02070309020205020404" pitchFamily="49" charset="0"/>
+              </a:rPr>
+              <a:t>print(message)</a:t>
+            </a:r>
           </a:p>
         </p:txBody>
       </p:sp>
       <p:sp>
         <p:nvSpPr>
-          <p:cNvPr id="99" name="Google Shape;99;p15"/>
-          <p:cNvSpPr txBox="1">
+          <p:cNvPr id="4" name="Slide Number Placeholder 3">
+            <a:extLst>
+              <a:ext uri="{FF2B5EF4-FFF2-40B4-BE49-F238E27FC236}">
+                <a16:creationId xmlns:a16="http://schemas.microsoft.com/office/drawing/2014/main" id="{64987AE6-EC0E-43DD-9376-95A5602EE5E1}"/>
+              </a:ext>
+            </a:extLst>
+          </p:cNvPr>
+          <p:cNvSpPr>
             <a:spLocks noGrp="1"/>
           </p:cNvSpPr>
           <p:nvPr>
-            <p:ph type="sldNum" idx="4294967295"/>
+            <p:ph type="sldNum" idx="12"/>
           </p:nvPr>
         </p:nvSpPr>
-        <p:spPr>
-          <a:xfrm>
-            <a:off x="8404384" y="4749851"/>
-            <a:ext cx="548700" cy="393600"/>
-          </a:xfrm>
-          <a:prstGeom prst="rect">
-            <a:avLst/>
-          </a:prstGeom>
-        </p:spPr>
+        <p:spPr/>
         <p:txBody>
-          <a:bodyPr spcFirstLastPara="1" wrap="square" lIns="91425" tIns="91425" rIns="91425" bIns="91425" anchor="t" anchorCtr="0">
-            <a:noAutofit/>
-          </a:bodyPr>
+          <a:bodyPr/>
           <a:lstStyle/>
           <a:p>
             <a:pPr marL="0" lvl="0" indent="0" algn="r" rtl="0">
@@ -17839,150 +17935,17 @@
               <a:buNone/>
             </a:pPr>
             <a:fld id="{00000000-1234-1234-1234-123412341234}" type="slidenum">
-              <a:rPr lang="en"/>
+              <a:rPr lang="en" smtClean="0"/>
               <a:t>25</a:t>
             </a:fld>
-            <a:endParaRPr/>
-          </a:p>
-        </p:txBody>
-      </p:sp>
-    </p:spTree>
-  </p:cSld>
-  <p:clrMapOvr>
-    <a:masterClrMapping/>
-  </p:clrMapOvr>
-</p:sld>
-</file>
-
-<file path=ppt/slides/slide26.xml><?xml version="1.0" encoding="utf-8"?>
-<p:sld xmlns:a="http://schemas.openxmlformats.org/drawingml/2006/main" xmlns:r="http://schemas.openxmlformats.org/officeDocument/2006/relationships" xmlns:p="http://schemas.openxmlformats.org/presentationml/2006/main">
-  <p:cSld>
-    <p:spTree>
-      <p:nvGrpSpPr>
-        <p:cNvPr id="1" name="Shape 96"/>
-        <p:cNvGrpSpPr/>
-        <p:nvPr/>
-      </p:nvGrpSpPr>
-      <p:grpSpPr>
-        <a:xfrm>
-          <a:off x="0" y="0"/>
-          <a:ext cx="0" cy="0"/>
-          <a:chOff x="0" y="0"/>
-          <a:chExt cx="0" cy="0"/>
-        </a:xfrm>
-      </p:grpSpPr>
-      <p:sp>
-        <p:nvSpPr>
-          <p:cNvPr id="97" name="Google Shape;97;p15"/>
-          <p:cNvSpPr txBox="1">
-            <a:spLocks noGrp="1"/>
-          </p:cNvSpPr>
-          <p:nvPr>
-            <p:ph type="ctrTitle"/>
-          </p:nvPr>
-        </p:nvSpPr>
-        <p:spPr>
-          <a:xfrm>
-            <a:off x="1655700" y="1991850"/>
-            <a:ext cx="5832600" cy="1159800"/>
-          </a:xfrm>
-          <a:prstGeom prst="rect">
-            <a:avLst/>
-          </a:prstGeom>
-        </p:spPr>
-        <p:txBody>
-          <a:bodyPr spcFirstLastPara="1" wrap="square" lIns="91425" tIns="91425" rIns="91425" bIns="91425" anchor="ctr" anchorCtr="0">
-            <a:noAutofit/>
-          </a:bodyPr>
-          <a:lstStyle/>
-          <a:p>
-            <a:pPr marL="0" lvl="0" indent="0" algn="ctr" rtl="0">
-              <a:spcBef>
-                <a:spcPts val="0"/>
-              </a:spcBef>
-              <a:spcAft>
-                <a:spcPts val="0"/>
-              </a:spcAft>
-              <a:buNone/>
-            </a:pPr>
-            <a:r>
-              <a:rPr lang="en-US" sz="6000">
-                <a:solidFill>
-                  <a:srgbClr val="E6E6E6"/>
-                </a:solidFill>
-              </a:rPr>
-              <a:t>2</a:t>
-            </a:r>
-            <a:endParaRPr sz="6000">
-              <a:solidFill>
-                <a:srgbClr val="E6E6E6"/>
-              </a:solidFill>
-            </a:endParaRPr>
-          </a:p>
-          <a:p>
-            <a:pPr marL="0" lvl="0" indent="0" algn="ctr" rtl="0">
-              <a:spcBef>
-                <a:spcPts val="0"/>
-              </a:spcBef>
-              <a:spcAft>
-                <a:spcPts val="0"/>
-              </a:spcAft>
-              <a:buNone/>
-            </a:pPr>
-            <a:r>
-              <a:rPr lang="en"/>
-              <a:t>NumPy</a:t>
-            </a:r>
-            <a:endParaRPr/>
-          </a:p>
-        </p:txBody>
-      </p:sp>
-      <p:sp>
-        <p:nvSpPr>
-          <p:cNvPr id="99" name="Google Shape;99;p15"/>
-          <p:cNvSpPr txBox="1">
-            <a:spLocks noGrp="1"/>
-          </p:cNvSpPr>
-          <p:nvPr>
-            <p:ph type="sldNum" idx="4294967295"/>
-          </p:nvPr>
-        </p:nvSpPr>
-        <p:spPr>
-          <a:xfrm>
-            <a:off x="8404384" y="4749851"/>
-            <a:ext cx="548700" cy="393600"/>
-          </a:xfrm>
-          <a:prstGeom prst="rect">
-            <a:avLst/>
-          </a:prstGeom>
-        </p:spPr>
-        <p:txBody>
-          <a:bodyPr spcFirstLastPara="1" wrap="square" lIns="91425" tIns="91425" rIns="91425" bIns="91425" anchor="t" anchorCtr="0">
-            <a:noAutofit/>
-          </a:bodyPr>
-          <a:lstStyle/>
-          <a:p>
-            <a:pPr marL="0" lvl="0" indent="0" algn="r" rtl="0">
-              <a:spcBef>
-                <a:spcPts val="0"/>
-              </a:spcBef>
-              <a:spcAft>
-                <a:spcPts val="0"/>
-              </a:spcAft>
-              <a:buNone/>
-            </a:pPr>
-            <a:fld id="{00000000-1234-1234-1234-123412341234}" type="slidenum">
-              <a:rPr lang="en"/>
-              <a:t>26</a:t>
-            </a:fld>
-            <a:endParaRPr/>
+            <a:endParaRPr lang="en"/>
           </a:p>
         </p:txBody>
       </p:sp>
     </p:spTree>
     <p:extLst>
       <p:ext uri="{BB962C8B-B14F-4D97-AF65-F5344CB8AC3E}">
-        <p14:creationId xmlns:p14="http://schemas.microsoft.com/office/powerpoint/2010/main" val="1620004517"/>
+        <p14:creationId xmlns:p14="http://schemas.microsoft.com/office/powerpoint/2010/main" val="1672306859"/>
       </p:ext>
     </p:extLst>
   </p:cSld>
@@ -17992,7 +17955,7 @@
 </p:sld>
 </file>
 
-<file path=ppt/slides/slide27.xml><?xml version="1.0" encoding="utf-8"?>
+<file path=ppt/slides/slide26.xml><?xml version="1.0" encoding="utf-8"?>
 <p:sld xmlns:a="http://schemas.openxmlformats.org/drawingml/2006/main" xmlns:r="http://schemas.openxmlformats.org/officeDocument/2006/relationships" xmlns:p="http://schemas.openxmlformats.org/presentationml/2006/main">
   <p:cSld>
     <p:spTree>
@@ -18031,12 +17994,8 @@
           <a:lstStyle/>
           <a:p>
             <a:r>
-              <a:rPr lang="en-US" err="1"/>
-              <a:t>Numpy</a:t>
-            </a:r>
-            <a:r>
               <a:rPr lang="en-US"/>
-              <a:t> Introduction</a:t>
+              <a:t>Python Function Arguments</a:t>
             </a:r>
             <a:endParaRPr lang="fa-IR"/>
           </a:p>
@@ -18073,14 +18032,117 @@
             </a:pPr>
             <a:r>
               <a:rPr lang="en-US" sz="1400"/>
-              <a:t>NumPy is a Python library used for working with arrays.</a:t>
-            </a:r>
-          </a:p>
-          <a:p>
-            <a:pPr marL="76200" indent="0">
-              <a:buNone/>
-            </a:pPr>
-            <a:endParaRPr lang="en-US" sz="1400"/>
+              <a:t>Keyword arguments</a:t>
+            </a:r>
+            <a:endParaRPr lang="en-US" sz="1400">
+              <a:cs typeface="Courier New" panose="02070309020205020404" pitchFamily="49" charset="0"/>
+            </a:endParaRPr>
+          </a:p>
+          <a:p>
+            <a:pPr marL="76200" indent="0">
+              <a:buNone/>
+            </a:pPr>
+            <a:r>
+              <a:rPr lang="en-US" sz="1100">
+                <a:latin typeface="Consolas" panose="020B0609020204030204" pitchFamily="49" charset="0"/>
+                <a:cs typeface="Courier New" panose="02070309020205020404" pitchFamily="49" charset="0"/>
+              </a:rPr>
+              <a:t>def greeter(firstName</a:t>
+            </a:r>
+            <a:r>
+              <a:rPr lang="en-US" sz="1100">
+                <a:solidFill>
+                  <a:schemeClr val="accent1"/>
+                </a:solidFill>
+                <a:latin typeface="Consolas" panose="020B0609020204030204" pitchFamily="49" charset="0"/>
+                <a:cs typeface="Courier New" panose="02070309020205020404" pitchFamily="49" charset="0"/>
+              </a:rPr>
+              <a:t>,</a:t>
+            </a:r>
+            <a:r>
+              <a:rPr lang="en-US" sz="1100">
+                <a:latin typeface="Consolas" panose="020B0609020204030204" pitchFamily="49" charset="0"/>
+                <a:cs typeface="Courier New" panose="02070309020205020404" pitchFamily="49" charset="0"/>
+              </a:rPr>
+              <a:t> lastName):</a:t>
+            </a:r>
+          </a:p>
+          <a:p>
+            <a:pPr marL="76200" indent="0">
+              <a:buNone/>
+            </a:pPr>
+            <a:r>
+              <a:rPr lang="en-US" sz="1100">
+                <a:solidFill>
+                  <a:schemeClr val="accent1"/>
+                </a:solidFill>
+                <a:latin typeface="Consolas" panose="020B0609020204030204" pitchFamily="49" charset="0"/>
+                <a:cs typeface="Courier New" panose="02070309020205020404" pitchFamily="49" charset="0"/>
+              </a:rPr>
+              <a:t>    </a:t>
+            </a:r>
+            <a:r>
+              <a:rPr lang="en-US" sz="1100">
+                <a:latin typeface="Consolas" panose="020B0609020204030204" pitchFamily="49" charset="0"/>
+                <a:cs typeface="Courier New" panose="02070309020205020404" pitchFamily="49" charset="0"/>
+              </a:rPr>
+              <a:t>return f'Hello {firstName} {lastName}!'</a:t>
+            </a:r>
+          </a:p>
+          <a:p>
+            <a:pPr marL="76200" indent="0">
+              <a:buNone/>
+            </a:pPr>
+            <a:r>
+              <a:rPr lang="en-US" sz="1100">
+                <a:latin typeface="Consolas" panose="020B0609020204030204" pitchFamily="49" charset="0"/>
+                <a:cs typeface="Courier New" panose="02070309020205020404" pitchFamily="49" charset="0"/>
+              </a:rPr>
+              <a:t>print(greeter(lastName </a:t>
+            </a:r>
+            <a:r>
+              <a:rPr lang="en-US" sz="1100">
+                <a:solidFill>
+                  <a:schemeClr val="accent1"/>
+                </a:solidFill>
+                <a:latin typeface="Consolas" panose="020B0609020204030204" pitchFamily="49" charset="0"/>
+                <a:cs typeface="Courier New" panose="02070309020205020404" pitchFamily="49" charset="0"/>
+              </a:rPr>
+              <a:t>=</a:t>
+            </a:r>
+            <a:r>
+              <a:rPr lang="en-US" sz="1100">
+                <a:latin typeface="Consolas" panose="020B0609020204030204" pitchFamily="49" charset="0"/>
+                <a:cs typeface="Courier New" panose="02070309020205020404" pitchFamily="49" charset="0"/>
+              </a:rPr>
+              <a:t> 'Nezhadshamsi', firstName </a:t>
+            </a:r>
+            <a:r>
+              <a:rPr lang="en-US" sz="1100">
+                <a:solidFill>
+                  <a:schemeClr val="accent1"/>
+                </a:solidFill>
+                <a:latin typeface="Consolas" panose="020B0609020204030204" pitchFamily="49" charset="0"/>
+                <a:cs typeface="Courier New" panose="02070309020205020404" pitchFamily="49" charset="0"/>
+              </a:rPr>
+              <a:t>=</a:t>
+            </a:r>
+            <a:r>
+              <a:rPr lang="en-US" sz="1100">
+                <a:latin typeface="Consolas" panose="020B0609020204030204" pitchFamily="49" charset="0"/>
+                <a:cs typeface="Courier New" panose="02070309020205020404" pitchFamily="49" charset="0"/>
+              </a:rPr>
+              <a:t> 'Alireza'))</a:t>
+            </a:r>
+          </a:p>
+          <a:p>
+            <a:pPr marL="76200" indent="0">
+              <a:buNone/>
+            </a:pPr>
+            <a:endParaRPr lang="en-US" sz="1100">
+              <a:latin typeface="Consolas" panose="020B0609020204030204" pitchFamily="49" charset="0"/>
+              <a:cs typeface="Courier New" panose="02070309020205020404" pitchFamily="49" charset="0"/>
+            </a:endParaRPr>
           </a:p>
           <a:p>
             <a:pPr marL="76200" indent="0">
@@ -18088,7 +18150,87 @@
             </a:pPr>
             <a:r>
               <a:rPr lang="en-US" sz="1400"/>
-              <a:t>NumPy is short for Numerical Python.</a:t>
+              <a:t>Default parameter value</a:t>
+            </a:r>
+          </a:p>
+          <a:p>
+            <a:pPr marL="76200" indent="0">
+              <a:buNone/>
+            </a:pPr>
+            <a:r>
+              <a:rPr lang="en-US" sz="1100">
+                <a:latin typeface="Consolas" panose="020B0609020204030204" pitchFamily="49" charset="0"/>
+                <a:cs typeface="Courier New" panose="02070309020205020404" pitchFamily="49" charset="0"/>
+              </a:rPr>
+              <a:t>def greeter(firstName </a:t>
+            </a:r>
+            <a:r>
+              <a:rPr lang="en-US" sz="1100">
+                <a:solidFill>
+                  <a:schemeClr val="accent1"/>
+                </a:solidFill>
+                <a:latin typeface="Consolas" panose="020B0609020204030204" pitchFamily="49" charset="0"/>
+                <a:cs typeface="Courier New" panose="02070309020205020404" pitchFamily="49" charset="0"/>
+              </a:rPr>
+              <a:t>=</a:t>
+            </a:r>
+            <a:r>
+              <a:rPr lang="en-US" sz="1100">
+                <a:latin typeface="Consolas" panose="020B0609020204030204" pitchFamily="49" charset="0"/>
+                <a:cs typeface="Courier New" panose="02070309020205020404" pitchFamily="49" charset="0"/>
+              </a:rPr>
+              <a:t> 'Dear', lastName </a:t>
+            </a:r>
+            <a:r>
+              <a:rPr lang="en-US" sz="1100">
+                <a:solidFill>
+                  <a:schemeClr val="accent1"/>
+                </a:solidFill>
+                <a:latin typeface="Consolas" panose="020B0609020204030204" pitchFamily="49" charset="0"/>
+                <a:cs typeface="Courier New" panose="02070309020205020404" pitchFamily="49" charset="0"/>
+              </a:rPr>
+              <a:t>=</a:t>
+            </a:r>
+            <a:r>
+              <a:rPr lang="en-US" sz="1100">
+                <a:latin typeface="Consolas" panose="020B0609020204030204" pitchFamily="49" charset="0"/>
+                <a:cs typeface="Courier New" panose="02070309020205020404" pitchFamily="49" charset="0"/>
+              </a:rPr>
+              <a:t> 'user'):</a:t>
+            </a:r>
+          </a:p>
+          <a:p>
+            <a:pPr marL="76200" indent="0">
+              <a:buNone/>
+            </a:pPr>
+            <a:r>
+              <a:rPr lang="en-US" sz="1100">
+                <a:solidFill>
+                  <a:schemeClr val="accent1"/>
+                </a:solidFill>
+                <a:latin typeface="Consolas" panose="020B0609020204030204" pitchFamily="49" charset="0"/>
+                <a:cs typeface="Courier New" panose="02070309020205020404" pitchFamily="49" charset="0"/>
+              </a:rPr>
+              <a:t>    </a:t>
+            </a:r>
+            <a:r>
+              <a:rPr lang="en-US" sz="1100">
+                <a:latin typeface="Consolas" panose="020B0609020204030204" pitchFamily="49" charset="0"/>
+                <a:cs typeface="Courier New" panose="02070309020205020404" pitchFamily="49" charset="0"/>
+              </a:rPr>
+              <a:t>return f'Hello {firstName} {lastName}!'</a:t>
+            </a:r>
+          </a:p>
+          <a:p>
+            <a:pPr marL="76200" indent="0">
+              <a:buNone/>
+            </a:pPr>
+            <a:r>
+              <a:rPr lang="en-US" sz="1100">
+                <a:latin typeface="Consolas" panose="020B0609020204030204" pitchFamily="49" charset="0"/>
+                <a:cs typeface="Courier New" panose="02070309020205020404" pitchFamily="49" charset="0"/>
+              </a:rPr>
+              <a:t>print(greeter('Alireza', 'Nezhadshamsi'))</a:t>
             </a:r>
           </a:p>
         </p:txBody>
@@ -18125,7 +18267,7 @@
             </a:pPr>
             <a:fld id="{00000000-1234-1234-1234-123412341234}" type="slidenum">
               <a:rPr lang="en" smtClean="0"/>
-              <a:t>27</a:t>
+              <a:t>26</a:t>
             </a:fld>
             <a:endParaRPr lang="en"/>
           </a:p>
@@ -18134,7 +18276,176 @@
     </p:spTree>
     <p:extLst>
       <p:ext uri="{BB962C8B-B14F-4D97-AF65-F5344CB8AC3E}">
-        <p14:creationId xmlns:p14="http://schemas.microsoft.com/office/powerpoint/2010/main" val="4156460407"/>
+        <p14:creationId xmlns:p14="http://schemas.microsoft.com/office/powerpoint/2010/main" val="2571995706"/>
+      </p:ext>
+    </p:extLst>
+  </p:cSld>
+  <p:clrMapOvr>
+    <a:masterClrMapping/>
+  </p:clrMapOvr>
+</p:sld>
+</file>
+
+<file path=ppt/slides/slide27.xml><?xml version="1.0" encoding="utf-8"?>
+<p:sld xmlns:a="http://schemas.openxmlformats.org/drawingml/2006/main" xmlns:r="http://schemas.openxmlformats.org/officeDocument/2006/relationships" xmlns:p="http://schemas.openxmlformats.org/presentationml/2006/main" show="0">
+  <p:cSld>
+    <p:spTree>
+      <p:nvGrpSpPr>
+        <p:cNvPr id="1" name=""/>
+        <p:cNvGrpSpPr/>
+        <p:nvPr/>
+      </p:nvGrpSpPr>
+      <p:grpSpPr>
+        <a:xfrm>
+          <a:off x="0" y="0"/>
+          <a:ext cx="0" cy="0"/>
+          <a:chOff x="0" y="0"/>
+          <a:chExt cx="0" cy="0"/>
+        </a:xfrm>
+      </p:grpSpPr>
+      <p:sp>
+        <p:nvSpPr>
+          <p:cNvPr id="2" name="Title 1">
+            <a:extLst>
+              <a:ext uri="{FF2B5EF4-FFF2-40B4-BE49-F238E27FC236}">
+                <a16:creationId xmlns:a16="http://schemas.microsoft.com/office/drawing/2014/main" id="{024AD384-5AD1-4435-A943-1241B2FACD62}"/>
+              </a:ext>
+            </a:extLst>
+          </p:cNvPr>
+          <p:cNvSpPr>
+            <a:spLocks noGrp="1"/>
+          </p:cNvSpPr>
+          <p:nvPr>
+            <p:ph type="title"/>
+          </p:nvPr>
+        </p:nvSpPr>
+        <p:spPr/>
+        <p:txBody>
+          <a:bodyPr/>
+          <a:lstStyle/>
+          <a:p>
+            <a:r>
+              <a:rPr lang="en-US"/>
+              <a:t>Python Functions</a:t>
+            </a:r>
+            <a:endParaRPr lang="fa-IR"/>
+          </a:p>
+        </p:txBody>
+      </p:sp>
+      <p:sp>
+        <p:nvSpPr>
+          <p:cNvPr id="3" name="Text Placeholder 2">
+            <a:extLst>
+              <a:ext uri="{FF2B5EF4-FFF2-40B4-BE49-F238E27FC236}">
+                <a16:creationId xmlns:a16="http://schemas.microsoft.com/office/drawing/2014/main" id="{58BE3078-8B89-4550-B497-93E4DADBD57E}"/>
+              </a:ext>
+            </a:extLst>
+          </p:cNvPr>
+          <p:cNvSpPr>
+            <a:spLocks noGrp="1"/>
+          </p:cNvSpPr>
+          <p:nvPr>
+            <p:ph type="body" idx="1"/>
+          </p:nvPr>
+        </p:nvSpPr>
+        <p:spPr>
+          <a:xfrm>
+            <a:off x="786150" y="1142608"/>
+            <a:ext cx="7571700" cy="3626431"/>
+          </a:xfrm>
+        </p:spPr>
+        <p:txBody>
+          <a:bodyPr/>
+          <a:lstStyle/>
+          <a:p>
+            <a:pPr marL="76200" indent="0">
+              <a:buNone/>
+            </a:pPr>
+            <a:r>
+              <a:rPr lang="en-US" sz="1400"/>
+              <a:t>Type Annotations</a:t>
+            </a:r>
+          </a:p>
+          <a:p>
+            <a:pPr marL="76200" indent="0">
+              <a:buNone/>
+            </a:pPr>
+            <a:r>
+              <a:rPr lang="en-US" sz="1100">
+                <a:latin typeface="Consolas" panose="020B0609020204030204" pitchFamily="49" charset="0"/>
+                <a:cs typeface="Courier New" panose="02070309020205020404" pitchFamily="49" charset="0"/>
+              </a:rPr>
+              <a:t>def fullName(firstName: str, lastName: str) -&gt; str:</a:t>
+            </a:r>
+          </a:p>
+          <a:p>
+            <a:pPr marL="76200" indent="0">
+              <a:buNone/>
+            </a:pPr>
+            <a:r>
+              <a:rPr lang="en-US" sz="1100">
+                <a:latin typeface="Consolas" panose="020B0609020204030204" pitchFamily="49" charset="0"/>
+                <a:cs typeface="Courier New" panose="02070309020205020404" pitchFamily="49" charset="0"/>
+              </a:rPr>
+              <a:t>    return f'{firstName.title()} {lastName.title()}'</a:t>
+            </a:r>
+          </a:p>
+          <a:p>
+            <a:pPr marL="76200" indent="0">
+              <a:buNone/>
+            </a:pPr>
+            <a:r>
+              <a:rPr lang="en-US" sz="1100">
+                <a:latin typeface="Consolas" panose="020B0609020204030204" pitchFamily="49" charset="0"/>
+                <a:cs typeface="Courier New" panose="02070309020205020404" pitchFamily="49" charset="0"/>
+              </a:rPr>
+              <a:t>print(fullName('Alireza', 'Nezhadshamsi'))</a:t>
+            </a:r>
+          </a:p>
+        </p:txBody>
+      </p:sp>
+      <p:sp>
+        <p:nvSpPr>
+          <p:cNvPr id="4" name="Slide Number Placeholder 3">
+            <a:extLst>
+              <a:ext uri="{FF2B5EF4-FFF2-40B4-BE49-F238E27FC236}">
+                <a16:creationId xmlns:a16="http://schemas.microsoft.com/office/drawing/2014/main" id="{64987AE6-EC0E-43DD-9376-95A5602EE5E1}"/>
+              </a:ext>
+            </a:extLst>
+          </p:cNvPr>
+          <p:cNvSpPr>
+            <a:spLocks noGrp="1"/>
+          </p:cNvSpPr>
+          <p:nvPr>
+            <p:ph type="sldNum" idx="12"/>
+          </p:nvPr>
+        </p:nvSpPr>
+        <p:spPr/>
+        <p:txBody>
+          <a:bodyPr/>
+          <a:lstStyle/>
+          <a:p>
+            <a:pPr marL="0" lvl="0" indent="0" algn="r" rtl="0">
+              <a:spcBef>
+                <a:spcPts val="0"/>
+              </a:spcBef>
+              <a:spcAft>
+                <a:spcPts val="0"/>
+              </a:spcAft>
+              <a:buNone/>
+            </a:pPr>
+            <a:fld id="{00000000-1234-1234-1234-123412341234}" type="slidenum">
+              <a:rPr lang="en" smtClean="0"/>
+              <a:t>27</a:t>
+            </a:fld>
+            <a:endParaRPr lang="en"/>
+          </a:p>
+        </p:txBody>
+      </p:sp>
+    </p:spTree>
+    <p:extLst>
+      <p:ext uri="{BB962C8B-B14F-4D97-AF65-F5344CB8AC3E}">
+        <p14:creationId xmlns:p14="http://schemas.microsoft.com/office/powerpoint/2010/main" val="812232462"/>
       </p:ext>
     </p:extLst>
   </p:cSld>
@@ -18149,7 +18460,7 @@
   <p:cSld>
     <p:spTree>
       <p:nvGrpSpPr>
-        <p:cNvPr id="1" name="Shape 96"/>
+        <p:cNvPr id="1" name=""/>
         <p:cNvGrpSpPr/>
         <p:nvPr/>
       </p:nvGrpSpPr>
@@ -18163,93 +18474,205 @@
       </p:grpSpPr>
       <p:sp>
         <p:nvSpPr>
-          <p:cNvPr id="97" name="Google Shape;97;p15"/>
-          <p:cNvSpPr txBox="1">
+          <p:cNvPr id="2" name="Title 1">
+            <a:extLst>
+              <a:ext uri="{FF2B5EF4-FFF2-40B4-BE49-F238E27FC236}">
+                <a16:creationId xmlns:a16="http://schemas.microsoft.com/office/drawing/2014/main" id="{024AD384-5AD1-4435-A943-1241B2FACD62}"/>
+              </a:ext>
+            </a:extLst>
+          </p:cNvPr>
+          <p:cNvSpPr>
             <a:spLocks noGrp="1"/>
           </p:cNvSpPr>
           <p:nvPr>
-            <p:ph type="ctrTitle"/>
+            <p:ph type="title"/>
+          </p:nvPr>
+        </p:nvSpPr>
+        <p:spPr/>
+        <p:txBody>
+          <a:bodyPr/>
+          <a:lstStyle/>
+          <a:p>
+            <a:r>
+              <a:rPr lang="en-US"/>
+              <a:t>Python Lambda</a:t>
+            </a:r>
+            <a:endParaRPr lang="fa-IR"/>
+          </a:p>
+        </p:txBody>
+      </p:sp>
+      <p:sp>
+        <p:nvSpPr>
+          <p:cNvPr id="3" name="Text Placeholder 2">
+            <a:extLst>
+              <a:ext uri="{FF2B5EF4-FFF2-40B4-BE49-F238E27FC236}">
+                <a16:creationId xmlns:a16="http://schemas.microsoft.com/office/drawing/2014/main" id="{58BE3078-8B89-4550-B497-93E4DADBD57E}"/>
+              </a:ext>
+            </a:extLst>
+          </p:cNvPr>
+          <p:cNvSpPr>
+            <a:spLocks noGrp="1"/>
+          </p:cNvSpPr>
+          <p:nvPr>
+            <p:ph type="body" idx="1"/>
           </p:nvPr>
         </p:nvSpPr>
         <p:spPr>
           <a:xfrm>
-            <a:off x="1655700" y="1991850"/>
-            <a:ext cx="5832600" cy="1159800"/>
+            <a:off x="786150" y="1142608"/>
+            <a:ext cx="7571700" cy="3626431"/>
           </a:xfrm>
-          <a:prstGeom prst="rect">
-            <a:avLst/>
-          </a:prstGeom>
         </p:spPr>
         <p:txBody>
-          <a:bodyPr spcFirstLastPara="1" wrap="square" lIns="91425" tIns="91425" rIns="91425" bIns="91425" anchor="ctr" anchorCtr="0">
-            <a:noAutofit/>
-          </a:bodyPr>
+          <a:bodyPr/>
           <a:lstStyle/>
           <a:p>
-            <a:pPr marL="0" lvl="0" indent="0" algn="ctr" rtl="0">
-              <a:spcBef>
-                <a:spcPts val="0"/>
-              </a:spcBef>
-              <a:spcAft>
-                <a:spcPts val="0"/>
-              </a:spcAft>
-              <a:buNone/>
-            </a:pPr>
-            <a:r>
-              <a:rPr lang="en-US" sz="6000">
+            <a:pPr marL="76200" indent="0">
+              <a:buNone/>
+            </a:pPr>
+            <a:r>
+              <a:rPr lang="en-US" sz="1400"/>
+              <a:t>Small anonymous functions</a:t>
+            </a:r>
+          </a:p>
+          <a:p>
+            <a:pPr marL="76200" indent="0">
+              <a:buNone/>
+            </a:pPr>
+            <a:r>
+              <a:rPr lang="en-US" sz="1100">
+                <a:latin typeface="Consolas" panose="020B0609020204030204" pitchFamily="49" charset="0"/>
+                <a:cs typeface="Courier New" panose="02070309020205020404" pitchFamily="49" charset="0"/>
+              </a:rPr>
+              <a:t>greeter = </a:t>
+            </a:r>
+            <a:r>
+              <a:rPr lang="en-US" sz="1100">
                 <a:solidFill>
-                  <a:srgbClr val="E6E6E6"/>
+                  <a:schemeClr val="accent1"/>
                 </a:solidFill>
-              </a:rPr>
-              <a:t>3</a:t>
-            </a:r>
-            <a:endParaRPr sz="6000">
-              <a:solidFill>
-                <a:srgbClr val="E6E6E6"/>
-              </a:solidFill>
+                <a:latin typeface="Consolas" panose="020B0609020204030204" pitchFamily="49" charset="0"/>
+                <a:cs typeface="Courier New" panose="02070309020205020404" pitchFamily="49" charset="0"/>
+              </a:rPr>
+              <a:t>lambda:</a:t>
+            </a:r>
+            <a:r>
+              <a:rPr lang="en-US" sz="1100">
+                <a:latin typeface="Consolas" panose="020B0609020204030204" pitchFamily="49" charset="0"/>
+                <a:cs typeface="Courier New" panose="02070309020205020404" pitchFamily="49" charset="0"/>
+              </a:rPr>
+              <a:t> print('Hello')</a:t>
+            </a:r>
+          </a:p>
+          <a:p>
+            <a:pPr marL="76200" indent="0">
+              <a:buNone/>
+            </a:pPr>
+            <a:r>
+              <a:rPr lang="en-US" sz="1100">
+                <a:latin typeface="Consolas" panose="020B0609020204030204" pitchFamily="49" charset="0"/>
+                <a:cs typeface="Courier New" panose="02070309020205020404" pitchFamily="49" charset="0"/>
+              </a:rPr>
+              <a:t>print(greeter())</a:t>
+            </a:r>
+          </a:p>
+          <a:p>
+            <a:pPr marL="76200" indent="0">
+              <a:buNone/>
+            </a:pPr>
+            <a:endParaRPr lang="en-US" sz="1100">
+              <a:latin typeface="Consolas" panose="020B0609020204030204" pitchFamily="49" charset="0"/>
+              <a:cs typeface="Courier New" panose="02070309020205020404" pitchFamily="49" charset="0"/>
             </a:endParaRPr>
           </a:p>
           <a:p>
-            <a:pPr marL="0" lvl="0" indent="0" algn="ctr" rtl="0">
-              <a:spcBef>
-                <a:spcPts val="0"/>
-              </a:spcBef>
-              <a:spcAft>
-                <a:spcPts val="0"/>
-              </a:spcAft>
-              <a:buNone/>
-            </a:pPr>
-            <a:r>
-              <a:rPr lang="en"/>
-              <a:t>Pandas</a:t>
-            </a:r>
-            <a:endParaRPr/>
+            <a:pPr marL="76200" indent="0">
+              <a:buNone/>
+            </a:pPr>
+            <a:r>
+              <a:rPr lang="en-US" sz="1400"/>
+              <a:t>Arguments </a:t>
+            </a:r>
+          </a:p>
+          <a:p>
+            <a:pPr marL="76200" indent="0">
+              <a:buNone/>
+            </a:pPr>
+            <a:r>
+              <a:rPr lang="en-US" sz="1100">
+                <a:latin typeface="Consolas" panose="020B0609020204030204" pitchFamily="49" charset="0"/>
+                <a:cs typeface="Courier New" panose="02070309020205020404" pitchFamily="49" charset="0"/>
+              </a:rPr>
+              <a:t>greeter = (lambda name </a:t>
+            </a:r>
+            <a:r>
+              <a:rPr lang="en-US" sz="1100">
+                <a:solidFill>
+                  <a:schemeClr val="accent1"/>
+                </a:solidFill>
+                <a:latin typeface="Consolas" panose="020B0609020204030204" pitchFamily="49" charset="0"/>
+                <a:cs typeface="Courier New" panose="02070309020205020404" pitchFamily="49" charset="0"/>
+              </a:rPr>
+              <a:t>=</a:t>
+            </a:r>
+            <a:r>
+              <a:rPr lang="en-US" sz="1100">
+                <a:latin typeface="Consolas" panose="020B0609020204030204" pitchFamily="49" charset="0"/>
+                <a:cs typeface="Courier New" panose="02070309020205020404" pitchFamily="49" charset="0"/>
+              </a:rPr>
+              <a:t> 'Dear user': f'Hello {name}!')</a:t>
+            </a:r>
+          </a:p>
+          <a:p>
+            <a:pPr marL="76200" indent="0">
+              <a:buNone/>
+            </a:pPr>
+            <a:r>
+              <a:rPr lang="en-US" sz="1100">
+                <a:latin typeface="Consolas" panose="020B0609020204030204" pitchFamily="49" charset="0"/>
+                <a:cs typeface="Courier New" panose="02070309020205020404" pitchFamily="49" charset="0"/>
+              </a:rPr>
+              <a:t>print(greeter(name </a:t>
+            </a:r>
+            <a:r>
+              <a:rPr lang="en-US" sz="1100">
+                <a:solidFill>
+                  <a:schemeClr val="accent1"/>
+                </a:solidFill>
+                <a:latin typeface="Consolas" panose="020B0609020204030204" pitchFamily="49" charset="0"/>
+                <a:cs typeface="Courier New" panose="02070309020205020404" pitchFamily="49" charset="0"/>
+              </a:rPr>
+              <a:t>=</a:t>
+            </a:r>
+            <a:r>
+              <a:rPr lang="en-US" sz="1100">
+                <a:latin typeface="Consolas" panose="020B0609020204030204" pitchFamily="49" charset="0"/>
+                <a:cs typeface="Courier New" panose="02070309020205020404" pitchFamily="49" charset="0"/>
+              </a:rPr>
+              <a:t> 'Alireza'))</a:t>
+            </a:r>
           </a:p>
         </p:txBody>
       </p:sp>
       <p:sp>
         <p:nvSpPr>
-          <p:cNvPr id="99" name="Google Shape;99;p15"/>
-          <p:cNvSpPr txBox="1">
+          <p:cNvPr id="4" name="Slide Number Placeholder 3">
+            <a:extLst>
+              <a:ext uri="{FF2B5EF4-FFF2-40B4-BE49-F238E27FC236}">
+                <a16:creationId xmlns:a16="http://schemas.microsoft.com/office/drawing/2014/main" id="{64987AE6-EC0E-43DD-9376-95A5602EE5E1}"/>
+              </a:ext>
+            </a:extLst>
+          </p:cNvPr>
+          <p:cNvSpPr>
             <a:spLocks noGrp="1"/>
           </p:cNvSpPr>
           <p:nvPr>
-            <p:ph type="sldNum" idx="4294967295"/>
+            <p:ph type="sldNum" idx="12"/>
           </p:nvPr>
         </p:nvSpPr>
-        <p:spPr>
-          <a:xfrm>
-            <a:off x="8404384" y="4749851"/>
-            <a:ext cx="548700" cy="393600"/>
-          </a:xfrm>
-          <a:prstGeom prst="rect">
-            <a:avLst/>
-          </a:prstGeom>
-        </p:spPr>
+        <p:spPr/>
         <p:txBody>
-          <a:bodyPr spcFirstLastPara="1" wrap="square" lIns="91425" tIns="91425" rIns="91425" bIns="91425" anchor="t" anchorCtr="0">
-            <a:noAutofit/>
-          </a:bodyPr>
+          <a:bodyPr/>
           <a:lstStyle/>
           <a:p>
             <a:pPr marL="0" lvl="0" indent="0" algn="r" rtl="0">
@@ -18262,17 +18685,17 @@
               <a:buNone/>
             </a:pPr>
             <a:fld id="{00000000-1234-1234-1234-123412341234}" type="slidenum">
-              <a:rPr lang="en"/>
+              <a:rPr lang="en" smtClean="0"/>
               <a:t>28</a:t>
             </a:fld>
-            <a:endParaRPr/>
+            <a:endParaRPr lang="en"/>
           </a:p>
         </p:txBody>
       </p:sp>
     </p:spTree>
     <p:extLst>
       <p:ext uri="{BB962C8B-B14F-4D97-AF65-F5344CB8AC3E}">
-        <p14:creationId xmlns:p14="http://schemas.microsoft.com/office/powerpoint/2010/main" val="2729265455"/>
+        <p14:creationId xmlns:p14="http://schemas.microsoft.com/office/powerpoint/2010/main" val="801939220"/>
       </p:ext>
     </p:extLst>
   </p:cSld>
@@ -18283,11 +18706,11 @@
 </file>
 
 <file path=ppt/slides/slide29.xml><?xml version="1.0" encoding="utf-8"?>
-<p:sld xmlns:a="http://schemas.openxmlformats.org/drawingml/2006/main" xmlns:r="http://schemas.openxmlformats.org/officeDocument/2006/relationships" xmlns:p="http://schemas.openxmlformats.org/presentationml/2006/main">
+<p:sld xmlns:a="http://schemas.openxmlformats.org/drawingml/2006/main" xmlns:r="http://schemas.openxmlformats.org/officeDocument/2006/relationships" xmlns:p="http://schemas.openxmlformats.org/presentationml/2006/main" show="0">
   <p:cSld>
     <p:spTree>
       <p:nvGrpSpPr>
-        <p:cNvPr id="1" name="Shape 96"/>
+        <p:cNvPr id="1" name=""/>
         <p:cNvGrpSpPr/>
         <p:nvPr/>
       </p:nvGrpSpPr>
@@ -18301,93 +18724,157 @@
       </p:grpSpPr>
       <p:sp>
         <p:nvSpPr>
-          <p:cNvPr id="97" name="Google Shape;97;p15"/>
-          <p:cNvSpPr txBox="1">
+          <p:cNvPr id="2" name="Title 1">
+            <a:extLst>
+              <a:ext uri="{FF2B5EF4-FFF2-40B4-BE49-F238E27FC236}">
+                <a16:creationId xmlns:a16="http://schemas.microsoft.com/office/drawing/2014/main" id="{024AD384-5AD1-4435-A943-1241B2FACD62}"/>
+              </a:ext>
+            </a:extLst>
+          </p:cNvPr>
+          <p:cNvSpPr>
             <a:spLocks noGrp="1"/>
           </p:cNvSpPr>
           <p:nvPr>
-            <p:ph type="ctrTitle"/>
+            <p:ph type="title"/>
+          </p:nvPr>
+        </p:nvSpPr>
+        <p:spPr/>
+        <p:txBody>
+          <a:bodyPr/>
+          <a:lstStyle/>
+          <a:p>
+            <a:r>
+              <a:rPr lang="en-US"/>
+              <a:t>Python Lambda</a:t>
+            </a:r>
+            <a:endParaRPr lang="fa-IR"/>
+          </a:p>
+        </p:txBody>
+      </p:sp>
+      <p:sp>
+        <p:nvSpPr>
+          <p:cNvPr id="3" name="Text Placeholder 2">
+            <a:extLst>
+              <a:ext uri="{FF2B5EF4-FFF2-40B4-BE49-F238E27FC236}">
+                <a16:creationId xmlns:a16="http://schemas.microsoft.com/office/drawing/2014/main" id="{58BE3078-8B89-4550-B497-93E4DADBD57E}"/>
+              </a:ext>
+            </a:extLst>
+          </p:cNvPr>
+          <p:cNvSpPr>
+            <a:spLocks noGrp="1"/>
+          </p:cNvSpPr>
+          <p:nvPr>
+            <p:ph type="body" idx="1"/>
           </p:nvPr>
         </p:nvSpPr>
         <p:spPr>
           <a:xfrm>
-            <a:off x="1655700" y="1991850"/>
-            <a:ext cx="5832600" cy="1159800"/>
+            <a:off x="786150" y="1142608"/>
+            <a:ext cx="7571700" cy="3626431"/>
           </a:xfrm>
-          <a:prstGeom prst="rect">
-            <a:avLst/>
-          </a:prstGeom>
         </p:spPr>
         <p:txBody>
-          <a:bodyPr spcFirstLastPara="1" wrap="square" lIns="91425" tIns="91425" rIns="91425" bIns="91425" anchor="ctr" anchorCtr="0">
-            <a:noAutofit/>
-          </a:bodyPr>
+          <a:bodyPr/>
           <a:lstStyle/>
           <a:p>
-            <a:pPr marL="0" lvl="0" indent="0" algn="ctr" rtl="0">
-              <a:spcBef>
-                <a:spcPts val="0"/>
-              </a:spcBef>
-              <a:spcAft>
-                <a:spcPts val="0"/>
-              </a:spcAft>
-              <a:buNone/>
-            </a:pPr>
-            <a:r>
-              <a:rPr lang="en-US" sz="6000">
-                <a:solidFill>
-                  <a:srgbClr val="E6E6E6"/>
-                </a:solidFill>
-              </a:rPr>
-              <a:t>4</a:t>
-            </a:r>
-            <a:endParaRPr sz="6000">
-              <a:solidFill>
-                <a:srgbClr val="E6E6E6"/>
-              </a:solidFill>
-            </a:endParaRPr>
-          </a:p>
-          <a:p>
-            <a:pPr marL="0" lvl="0" indent="0" algn="ctr" rtl="0">
-              <a:spcBef>
-                <a:spcPts val="0"/>
-              </a:spcBef>
-              <a:spcAft>
-                <a:spcPts val="0"/>
-              </a:spcAft>
-              <a:buNone/>
-            </a:pPr>
-            <a:r>
-              <a:rPr lang="en"/>
-              <a:t>Matplotlib</a:t>
-            </a:r>
-            <a:endParaRPr/>
+            <a:pPr marL="76200" indent="0">
+              <a:buNone/>
+            </a:pPr>
+            <a:r>
+              <a:rPr lang="en-US" sz="1400"/>
+              <a:t>Nested lambda</a:t>
+            </a:r>
+          </a:p>
+          <a:p>
+            <a:pPr marL="76200" indent="0">
+              <a:buNone/>
+            </a:pPr>
+            <a:r>
+              <a:rPr lang="en-US" sz="1100">
+                <a:latin typeface="Consolas" panose="020B0609020204030204" pitchFamily="49" charset="0"/>
+                <a:cs typeface="Courier New" panose="02070309020205020404" pitchFamily="49" charset="0"/>
+              </a:rPr>
+              <a:t>high_ord_func = lambda x, func: x + func(x)</a:t>
+            </a:r>
+          </a:p>
+          <a:p>
+            <a:pPr marL="76200" indent="0">
+              <a:buNone/>
+            </a:pPr>
+            <a:r>
+              <a:rPr lang="en-US" sz="1100">
+                <a:latin typeface="Consolas" panose="020B0609020204030204" pitchFamily="49" charset="0"/>
+                <a:cs typeface="Courier New" panose="02070309020205020404" pitchFamily="49" charset="0"/>
+              </a:rPr>
+              <a:t>high_ord_func(2, lambda x: x * 2)</a:t>
+            </a:r>
+          </a:p>
+          <a:p>
+            <a:pPr marL="76200" indent="0">
+              <a:buNone/>
+            </a:pPr>
+            <a:r>
+              <a:rPr lang="en-US" sz="1100">
+                <a:latin typeface="Consolas" panose="020B0609020204030204" pitchFamily="49" charset="0"/>
+                <a:cs typeface="Courier New" panose="02070309020205020404" pitchFamily="49" charset="0"/>
+              </a:rPr>
+              <a:t>high_ord_func(2, lambda x: x * x)</a:t>
+            </a:r>
+          </a:p>
+          <a:p>
+            <a:pPr marL="76200" indent="0">
+              <a:buNone/>
+            </a:pPr>
+            <a:endParaRPr lang="en-US" sz="1400"/>
+          </a:p>
+          <a:p>
+            <a:pPr marL="76200" indent="0">
+              <a:buNone/>
+            </a:pPr>
+            <a:endParaRPr lang="en-US" sz="1400"/>
+          </a:p>
+          <a:p>
+            <a:pPr marL="76200" indent="0">
+              <a:buNone/>
+            </a:pPr>
+            <a:r>
+              <a:rPr lang="en-US" sz="1400"/>
+              <a:t>Single Expression</a:t>
+            </a:r>
+          </a:p>
+          <a:p>
+            <a:pPr marL="76200" indent="0">
+              <a:buNone/>
+            </a:pPr>
+            <a:r>
+              <a:rPr lang="en-US" sz="1100">
+                <a:latin typeface="Consolas" panose="020B0609020204030204" pitchFamily="49" charset="0"/>
+                <a:cs typeface="Courier New" panose="02070309020205020404" pitchFamily="49" charset="0"/>
+              </a:rPr>
+              <a:t>(lambda x: (x % 2 and 'odd' or 'even'))(7)</a:t>
+            </a:r>
           </a:p>
         </p:txBody>
       </p:sp>
       <p:sp>
         <p:nvSpPr>
-          <p:cNvPr id="99" name="Google Shape;99;p15"/>
-          <p:cNvSpPr txBox="1">
+          <p:cNvPr id="4" name="Slide Number Placeholder 3">
+            <a:extLst>
+              <a:ext uri="{FF2B5EF4-FFF2-40B4-BE49-F238E27FC236}">
+                <a16:creationId xmlns:a16="http://schemas.microsoft.com/office/drawing/2014/main" id="{64987AE6-EC0E-43DD-9376-95A5602EE5E1}"/>
+              </a:ext>
+            </a:extLst>
+          </p:cNvPr>
+          <p:cNvSpPr>
             <a:spLocks noGrp="1"/>
           </p:cNvSpPr>
           <p:nvPr>
-            <p:ph type="sldNum" idx="4294967295"/>
+            <p:ph type="sldNum" idx="12"/>
           </p:nvPr>
         </p:nvSpPr>
-        <p:spPr>
-          <a:xfrm>
-            <a:off x="8404384" y="4749851"/>
-            <a:ext cx="548700" cy="393600"/>
-          </a:xfrm>
-          <a:prstGeom prst="rect">
-            <a:avLst/>
-          </a:prstGeom>
-        </p:spPr>
+        <p:spPr/>
         <p:txBody>
-          <a:bodyPr spcFirstLastPara="1" wrap="square" lIns="91425" tIns="91425" rIns="91425" bIns="91425" anchor="t" anchorCtr="0">
-            <a:noAutofit/>
-          </a:bodyPr>
+          <a:bodyPr/>
           <a:lstStyle/>
           <a:p>
             <a:pPr marL="0" lvl="0" indent="0" algn="r" rtl="0">
@@ -18400,17 +18887,17 @@
               <a:buNone/>
             </a:pPr>
             <a:fld id="{00000000-1234-1234-1234-123412341234}" type="slidenum">
-              <a:rPr lang="en"/>
+              <a:rPr lang="en" smtClean="0"/>
               <a:t>29</a:t>
             </a:fld>
-            <a:endParaRPr/>
+            <a:endParaRPr lang="en"/>
           </a:p>
         </p:txBody>
       </p:sp>
     </p:spTree>
     <p:extLst>
       <p:ext uri="{BB962C8B-B14F-4D97-AF65-F5344CB8AC3E}">
-        <p14:creationId xmlns:p14="http://schemas.microsoft.com/office/powerpoint/2010/main" val="2458102878"/>
+        <p14:creationId xmlns:p14="http://schemas.microsoft.com/office/powerpoint/2010/main" val="774862470"/>
       </p:ext>
     </p:extLst>
   </p:cSld>
@@ -18689,7 +19176,7 @@
                   <a:srgbClr val="E6E6E6"/>
                 </a:solidFill>
               </a:rPr>
-              <a:t>5</a:t>
+              <a:t>0</a:t>
             </a:r>
             <a:endParaRPr sz="6000">
               <a:solidFill>
@@ -18698,13 +19185,18 @@
             </a:endParaRPr>
           </a:p>
           <a:p>
-            <a:r>
-              <a:rPr lang="en-US"/>
-              <a:t>S</a:t>
-            </a:r>
-            <a:r>
-              <a:rPr lang="en-US" b="1"/>
-              <a:t>cikit-learn</a:t>
+            <a:pPr marL="0" lvl="0" indent="0" algn="ctr" rtl="0">
+              <a:spcBef>
+                <a:spcPts val="0"/>
+              </a:spcBef>
+              <a:spcAft>
+                <a:spcPts val="0"/>
+              </a:spcAft>
+              <a:buNone/>
+            </a:pPr>
+            <a:r>
+              <a:rPr lang="en"/>
+              <a:t>Basics</a:t>
             </a:r>
             <a:endParaRPr/>
           </a:p>
@@ -18753,11 +19245,6 @@
         </p:txBody>
       </p:sp>
     </p:spTree>
-    <p:extLst>
-      <p:ext uri="{BB962C8B-B14F-4D97-AF65-F5344CB8AC3E}">
-        <p14:creationId xmlns:p14="http://schemas.microsoft.com/office/powerpoint/2010/main" val="3753200419"/>
-      </p:ext>
-    </p:extLst>
   </p:cSld>
   <p:clrMapOvr>
     <a:masterClrMapping/>
@@ -18822,7 +19309,7 @@
                   <a:srgbClr val="E6E6E6"/>
                 </a:solidFill>
               </a:rPr>
-              <a:t>6</a:t>
+              <a:t>2</a:t>
             </a:r>
             <a:endParaRPr sz="6000">
               <a:solidFill>
@@ -18831,11 +19318,18 @@
             </a:endParaRPr>
           </a:p>
           <a:p>
-            <a:r>
-              <a:rPr lang="en-US">
-                <a:effectLst/>
-              </a:rPr>
-              <a:t>Web Scraping</a:t>
+            <a:pPr marL="0" lvl="0" indent="0" algn="ctr" rtl="0">
+              <a:spcBef>
+                <a:spcPts val="0"/>
+              </a:spcBef>
+              <a:spcAft>
+                <a:spcPts val="0"/>
+              </a:spcAft>
+              <a:buNone/>
+            </a:pPr>
+            <a:r>
+              <a:rPr lang="en"/>
+              <a:t>NumPy</a:t>
             </a:r>
             <a:endParaRPr/>
           </a:p>
@@ -18886,6 +19380,698 @@
     </p:spTree>
     <p:extLst>
       <p:ext uri="{BB962C8B-B14F-4D97-AF65-F5344CB8AC3E}">
+        <p14:creationId xmlns:p14="http://schemas.microsoft.com/office/powerpoint/2010/main" val="1620004517"/>
+      </p:ext>
+    </p:extLst>
+  </p:cSld>
+  <p:clrMapOvr>
+    <a:masterClrMapping/>
+  </p:clrMapOvr>
+</p:sld>
+</file>
+
+<file path=ppt/slides/slide32.xml><?xml version="1.0" encoding="utf-8"?>
+<p:sld xmlns:a="http://schemas.openxmlformats.org/drawingml/2006/main" xmlns:r="http://schemas.openxmlformats.org/officeDocument/2006/relationships" xmlns:p="http://schemas.openxmlformats.org/presentationml/2006/main">
+  <p:cSld>
+    <p:spTree>
+      <p:nvGrpSpPr>
+        <p:cNvPr id="1" name=""/>
+        <p:cNvGrpSpPr/>
+        <p:nvPr/>
+      </p:nvGrpSpPr>
+      <p:grpSpPr>
+        <a:xfrm>
+          <a:off x="0" y="0"/>
+          <a:ext cx="0" cy="0"/>
+          <a:chOff x="0" y="0"/>
+          <a:chExt cx="0" cy="0"/>
+        </a:xfrm>
+      </p:grpSpPr>
+      <p:sp>
+        <p:nvSpPr>
+          <p:cNvPr id="2" name="Title 1">
+            <a:extLst>
+              <a:ext uri="{FF2B5EF4-FFF2-40B4-BE49-F238E27FC236}">
+                <a16:creationId xmlns:a16="http://schemas.microsoft.com/office/drawing/2014/main" id="{024AD384-5AD1-4435-A943-1241B2FACD62}"/>
+              </a:ext>
+            </a:extLst>
+          </p:cNvPr>
+          <p:cNvSpPr>
+            <a:spLocks noGrp="1"/>
+          </p:cNvSpPr>
+          <p:nvPr>
+            <p:ph type="title"/>
+          </p:nvPr>
+        </p:nvSpPr>
+        <p:spPr/>
+        <p:txBody>
+          <a:bodyPr/>
+          <a:lstStyle/>
+          <a:p>
+            <a:r>
+              <a:rPr lang="en-US" err="1"/>
+              <a:t>Numpy</a:t>
+            </a:r>
+            <a:r>
+              <a:rPr lang="en-US"/>
+              <a:t> Introduction</a:t>
+            </a:r>
+            <a:endParaRPr lang="fa-IR"/>
+          </a:p>
+        </p:txBody>
+      </p:sp>
+      <p:sp>
+        <p:nvSpPr>
+          <p:cNvPr id="3" name="Text Placeholder 2">
+            <a:extLst>
+              <a:ext uri="{FF2B5EF4-FFF2-40B4-BE49-F238E27FC236}">
+                <a16:creationId xmlns:a16="http://schemas.microsoft.com/office/drawing/2014/main" id="{58BE3078-8B89-4550-B497-93E4DADBD57E}"/>
+              </a:ext>
+            </a:extLst>
+          </p:cNvPr>
+          <p:cNvSpPr>
+            <a:spLocks noGrp="1"/>
+          </p:cNvSpPr>
+          <p:nvPr>
+            <p:ph type="body" idx="1"/>
+          </p:nvPr>
+        </p:nvSpPr>
+        <p:spPr>
+          <a:xfrm>
+            <a:off x="786150" y="1142608"/>
+            <a:ext cx="7571700" cy="3626431"/>
+          </a:xfrm>
+        </p:spPr>
+        <p:txBody>
+          <a:bodyPr/>
+          <a:lstStyle/>
+          <a:p>
+            <a:pPr marL="76200" indent="0">
+              <a:buNone/>
+            </a:pPr>
+            <a:r>
+              <a:rPr lang="en-US" sz="1400"/>
+              <a:t>NumPy is a Python library used for working with arrays.</a:t>
+            </a:r>
+          </a:p>
+          <a:p>
+            <a:pPr marL="76200" indent="0">
+              <a:buNone/>
+            </a:pPr>
+            <a:endParaRPr lang="en-US" sz="1400"/>
+          </a:p>
+          <a:p>
+            <a:pPr marL="76200" indent="0">
+              <a:buNone/>
+            </a:pPr>
+            <a:r>
+              <a:rPr lang="en-US" sz="1400"/>
+              <a:t>NumPy is short for Numerical Python.</a:t>
+            </a:r>
+          </a:p>
+        </p:txBody>
+      </p:sp>
+      <p:sp>
+        <p:nvSpPr>
+          <p:cNvPr id="4" name="Slide Number Placeholder 3">
+            <a:extLst>
+              <a:ext uri="{FF2B5EF4-FFF2-40B4-BE49-F238E27FC236}">
+                <a16:creationId xmlns:a16="http://schemas.microsoft.com/office/drawing/2014/main" id="{64987AE6-EC0E-43DD-9376-95A5602EE5E1}"/>
+              </a:ext>
+            </a:extLst>
+          </p:cNvPr>
+          <p:cNvSpPr>
+            <a:spLocks noGrp="1"/>
+          </p:cNvSpPr>
+          <p:nvPr>
+            <p:ph type="sldNum" idx="12"/>
+          </p:nvPr>
+        </p:nvSpPr>
+        <p:spPr/>
+        <p:txBody>
+          <a:bodyPr/>
+          <a:lstStyle/>
+          <a:p>
+            <a:pPr marL="0" lvl="0" indent="0" algn="r" rtl="0">
+              <a:spcBef>
+                <a:spcPts val="0"/>
+              </a:spcBef>
+              <a:spcAft>
+                <a:spcPts val="0"/>
+              </a:spcAft>
+              <a:buNone/>
+            </a:pPr>
+            <a:fld id="{00000000-1234-1234-1234-123412341234}" type="slidenum">
+              <a:rPr lang="en" smtClean="0"/>
+              <a:t>32</a:t>
+            </a:fld>
+            <a:endParaRPr lang="en"/>
+          </a:p>
+        </p:txBody>
+      </p:sp>
+    </p:spTree>
+    <p:extLst>
+      <p:ext uri="{BB962C8B-B14F-4D97-AF65-F5344CB8AC3E}">
+        <p14:creationId xmlns:p14="http://schemas.microsoft.com/office/powerpoint/2010/main" val="4156460407"/>
+      </p:ext>
+    </p:extLst>
+  </p:cSld>
+  <p:clrMapOvr>
+    <a:masterClrMapping/>
+  </p:clrMapOvr>
+</p:sld>
+</file>
+
+<file path=ppt/slides/slide33.xml><?xml version="1.0" encoding="utf-8"?>
+<p:sld xmlns:a="http://schemas.openxmlformats.org/drawingml/2006/main" xmlns:r="http://schemas.openxmlformats.org/officeDocument/2006/relationships" xmlns:p="http://schemas.openxmlformats.org/presentationml/2006/main">
+  <p:cSld>
+    <p:spTree>
+      <p:nvGrpSpPr>
+        <p:cNvPr id="1" name="Shape 96"/>
+        <p:cNvGrpSpPr/>
+        <p:nvPr/>
+      </p:nvGrpSpPr>
+      <p:grpSpPr>
+        <a:xfrm>
+          <a:off x="0" y="0"/>
+          <a:ext cx="0" cy="0"/>
+          <a:chOff x="0" y="0"/>
+          <a:chExt cx="0" cy="0"/>
+        </a:xfrm>
+      </p:grpSpPr>
+      <p:sp>
+        <p:nvSpPr>
+          <p:cNvPr id="97" name="Google Shape;97;p15"/>
+          <p:cNvSpPr txBox="1">
+            <a:spLocks noGrp="1"/>
+          </p:cNvSpPr>
+          <p:nvPr>
+            <p:ph type="ctrTitle"/>
+          </p:nvPr>
+        </p:nvSpPr>
+        <p:spPr>
+          <a:xfrm>
+            <a:off x="1655700" y="1991850"/>
+            <a:ext cx="5832600" cy="1159800"/>
+          </a:xfrm>
+          <a:prstGeom prst="rect">
+            <a:avLst/>
+          </a:prstGeom>
+        </p:spPr>
+        <p:txBody>
+          <a:bodyPr spcFirstLastPara="1" wrap="square" lIns="91425" tIns="91425" rIns="91425" bIns="91425" anchor="ctr" anchorCtr="0">
+            <a:noAutofit/>
+          </a:bodyPr>
+          <a:lstStyle/>
+          <a:p>
+            <a:pPr marL="0" lvl="0" indent="0" algn="ctr" rtl="0">
+              <a:spcBef>
+                <a:spcPts val="0"/>
+              </a:spcBef>
+              <a:spcAft>
+                <a:spcPts val="0"/>
+              </a:spcAft>
+              <a:buNone/>
+            </a:pPr>
+            <a:r>
+              <a:rPr lang="en-US" sz="6000">
+                <a:solidFill>
+                  <a:srgbClr val="E6E6E6"/>
+                </a:solidFill>
+              </a:rPr>
+              <a:t>3</a:t>
+            </a:r>
+            <a:endParaRPr sz="6000">
+              <a:solidFill>
+                <a:srgbClr val="E6E6E6"/>
+              </a:solidFill>
+            </a:endParaRPr>
+          </a:p>
+          <a:p>
+            <a:pPr marL="0" lvl="0" indent="0" algn="ctr" rtl="0">
+              <a:spcBef>
+                <a:spcPts val="0"/>
+              </a:spcBef>
+              <a:spcAft>
+                <a:spcPts val="0"/>
+              </a:spcAft>
+              <a:buNone/>
+            </a:pPr>
+            <a:r>
+              <a:rPr lang="en"/>
+              <a:t>Pandas</a:t>
+            </a:r>
+            <a:endParaRPr/>
+          </a:p>
+        </p:txBody>
+      </p:sp>
+      <p:sp>
+        <p:nvSpPr>
+          <p:cNvPr id="99" name="Google Shape;99;p15"/>
+          <p:cNvSpPr txBox="1">
+            <a:spLocks noGrp="1"/>
+          </p:cNvSpPr>
+          <p:nvPr>
+            <p:ph type="sldNum" idx="4294967295"/>
+          </p:nvPr>
+        </p:nvSpPr>
+        <p:spPr>
+          <a:xfrm>
+            <a:off x="8404384" y="4749851"/>
+            <a:ext cx="548700" cy="393600"/>
+          </a:xfrm>
+          <a:prstGeom prst="rect">
+            <a:avLst/>
+          </a:prstGeom>
+        </p:spPr>
+        <p:txBody>
+          <a:bodyPr spcFirstLastPara="1" wrap="square" lIns="91425" tIns="91425" rIns="91425" bIns="91425" anchor="t" anchorCtr="0">
+            <a:noAutofit/>
+          </a:bodyPr>
+          <a:lstStyle/>
+          <a:p>
+            <a:pPr marL="0" lvl="0" indent="0" algn="r" rtl="0">
+              <a:spcBef>
+                <a:spcPts val="0"/>
+              </a:spcBef>
+              <a:spcAft>
+                <a:spcPts val="0"/>
+              </a:spcAft>
+              <a:buNone/>
+            </a:pPr>
+            <a:fld id="{00000000-1234-1234-1234-123412341234}" type="slidenum">
+              <a:rPr lang="en"/>
+              <a:t>33</a:t>
+            </a:fld>
+            <a:endParaRPr/>
+          </a:p>
+        </p:txBody>
+      </p:sp>
+    </p:spTree>
+    <p:extLst>
+      <p:ext uri="{BB962C8B-B14F-4D97-AF65-F5344CB8AC3E}">
+        <p14:creationId xmlns:p14="http://schemas.microsoft.com/office/powerpoint/2010/main" val="2729265455"/>
+      </p:ext>
+    </p:extLst>
+  </p:cSld>
+  <p:clrMapOvr>
+    <a:masterClrMapping/>
+  </p:clrMapOvr>
+</p:sld>
+</file>
+
+<file path=ppt/slides/slide34.xml><?xml version="1.0" encoding="utf-8"?>
+<p:sld xmlns:a="http://schemas.openxmlformats.org/drawingml/2006/main" xmlns:r="http://schemas.openxmlformats.org/officeDocument/2006/relationships" xmlns:p="http://schemas.openxmlformats.org/presentationml/2006/main">
+  <p:cSld>
+    <p:spTree>
+      <p:nvGrpSpPr>
+        <p:cNvPr id="1" name="Shape 96"/>
+        <p:cNvGrpSpPr/>
+        <p:nvPr/>
+      </p:nvGrpSpPr>
+      <p:grpSpPr>
+        <a:xfrm>
+          <a:off x="0" y="0"/>
+          <a:ext cx="0" cy="0"/>
+          <a:chOff x="0" y="0"/>
+          <a:chExt cx="0" cy="0"/>
+        </a:xfrm>
+      </p:grpSpPr>
+      <p:sp>
+        <p:nvSpPr>
+          <p:cNvPr id="97" name="Google Shape;97;p15"/>
+          <p:cNvSpPr txBox="1">
+            <a:spLocks noGrp="1"/>
+          </p:cNvSpPr>
+          <p:nvPr>
+            <p:ph type="ctrTitle"/>
+          </p:nvPr>
+        </p:nvSpPr>
+        <p:spPr>
+          <a:xfrm>
+            <a:off x="1655700" y="1991850"/>
+            <a:ext cx="5832600" cy="1159800"/>
+          </a:xfrm>
+          <a:prstGeom prst="rect">
+            <a:avLst/>
+          </a:prstGeom>
+        </p:spPr>
+        <p:txBody>
+          <a:bodyPr spcFirstLastPara="1" wrap="square" lIns="91425" tIns="91425" rIns="91425" bIns="91425" anchor="ctr" anchorCtr="0">
+            <a:noAutofit/>
+          </a:bodyPr>
+          <a:lstStyle/>
+          <a:p>
+            <a:pPr marL="0" lvl="0" indent="0" algn="ctr" rtl="0">
+              <a:spcBef>
+                <a:spcPts val="0"/>
+              </a:spcBef>
+              <a:spcAft>
+                <a:spcPts val="0"/>
+              </a:spcAft>
+              <a:buNone/>
+            </a:pPr>
+            <a:r>
+              <a:rPr lang="en-US" sz="6000">
+                <a:solidFill>
+                  <a:srgbClr val="E6E6E6"/>
+                </a:solidFill>
+              </a:rPr>
+              <a:t>4</a:t>
+            </a:r>
+            <a:endParaRPr sz="6000">
+              <a:solidFill>
+                <a:srgbClr val="E6E6E6"/>
+              </a:solidFill>
+            </a:endParaRPr>
+          </a:p>
+          <a:p>
+            <a:pPr marL="0" lvl="0" indent="0" algn="ctr" rtl="0">
+              <a:spcBef>
+                <a:spcPts val="0"/>
+              </a:spcBef>
+              <a:spcAft>
+                <a:spcPts val="0"/>
+              </a:spcAft>
+              <a:buNone/>
+            </a:pPr>
+            <a:r>
+              <a:rPr lang="en"/>
+              <a:t>Matplotlib</a:t>
+            </a:r>
+            <a:endParaRPr/>
+          </a:p>
+        </p:txBody>
+      </p:sp>
+      <p:sp>
+        <p:nvSpPr>
+          <p:cNvPr id="99" name="Google Shape;99;p15"/>
+          <p:cNvSpPr txBox="1">
+            <a:spLocks noGrp="1"/>
+          </p:cNvSpPr>
+          <p:nvPr>
+            <p:ph type="sldNum" idx="4294967295"/>
+          </p:nvPr>
+        </p:nvSpPr>
+        <p:spPr>
+          <a:xfrm>
+            <a:off x="8404384" y="4749851"/>
+            <a:ext cx="548700" cy="393600"/>
+          </a:xfrm>
+          <a:prstGeom prst="rect">
+            <a:avLst/>
+          </a:prstGeom>
+        </p:spPr>
+        <p:txBody>
+          <a:bodyPr spcFirstLastPara="1" wrap="square" lIns="91425" tIns="91425" rIns="91425" bIns="91425" anchor="t" anchorCtr="0">
+            <a:noAutofit/>
+          </a:bodyPr>
+          <a:lstStyle/>
+          <a:p>
+            <a:pPr marL="0" lvl="0" indent="0" algn="r" rtl="0">
+              <a:spcBef>
+                <a:spcPts val="0"/>
+              </a:spcBef>
+              <a:spcAft>
+                <a:spcPts val="0"/>
+              </a:spcAft>
+              <a:buNone/>
+            </a:pPr>
+            <a:fld id="{00000000-1234-1234-1234-123412341234}" type="slidenum">
+              <a:rPr lang="en"/>
+              <a:t>34</a:t>
+            </a:fld>
+            <a:endParaRPr/>
+          </a:p>
+        </p:txBody>
+      </p:sp>
+    </p:spTree>
+    <p:extLst>
+      <p:ext uri="{BB962C8B-B14F-4D97-AF65-F5344CB8AC3E}">
+        <p14:creationId xmlns:p14="http://schemas.microsoft.com/office/powerpoint/2010/main" val="2458102878"/>
+      </p:ext>
+    </p:extLst>
+  </p:cSld>
+  <p:clrMapOvr>
+    <a:masterClrMapping/>
+  </p:clrMapOvr>
+</p:sld>
+</file>
+
+<file path=ppt/slides/slide35.xml><?xml version="1.0" encoding="utf-8"?>
+<p:sld xmlns:a="http://schemas.openxmlformats.org/drawingml/2006/main" xmlns:r="http://schemas.openxmlformats.org/officeDocument/2006/relationships" xmlns:p="http://schemas.openxmlformats.org/presentationml/2006/main">
+  <p:cSld>
+    <p:spTree>
+      <p:nvGrpSpPr>
+        <p:cNvPr id="1" name="Shape 96"/>
+        <p:cNvGrpSpPr/>
+        <p:nvPr/>
+      </p:nvGrpSpPr>
+      <p:grpSpPr>
+        <a:xfrm>
+          <a:off x="0" y="0"/>
+          <a:ext cx="0" cy="0"/>
+          <a:chOff x="0" y="0"/>
+          <a:chExt cx="0" cy="0"/>
+        </a:xfrm>
+      </p:grpSpPr>
+      <p:sp>
+        <p:nvSpPr>
+          <p:cNvPr id="97" name="Google Shape;97;p15"/>
+          <p:cNvSpPr txBox="1">
+            <a:spLocks noGrp="1"/>
+          </p:cNvSpPr>
+          <p:nvPr>
+            <p:ph type="ctrTitle"/>
+          </p:nvPr>
+        </p:nvSpPr>
+        <p:spPr>
+          <a:xfrm>
+            <a:off x="1655700" y="1991850"/>
+            <a:ext cx="5832600" cy="1159800"/>
+          </a:xfrm>
+          <a:prstGeom prst="rect">
+            <a:avLst/>
+          </a:prstGeom>
+        </p:spPr>
+        <p:txBody>
+          <a:bodyPr spcFirstLastPara="1" wrap="square" lIns="91425" tIns="91425" rIns="91425" bIns="91425" anchor="ctr" anchorCtr="0">
+            <a:noAutofit/>
+          </a:bodyPr>
+          <a:lstStyle/>
+          <a:p>
+            <a:pPr marL="0" lvl="0" indent="0" algn="ctr" rtl="0">
+              <a:spcBef>
+                <a:spcPts val="0"/>
+              </a:spcBef>
+              <a:spcAft>
+                <a:spcPts val="0"/>
+              </a:spcAft>
+              <a:buNone/>
+            </a:pPr>
+            <a:r>
+              <a:rPr lang="en-US" sz="6000">
+                <a:solidFill>
+                  <a:srgbClr val="E6E6E6"/>
+                </a:solidFill>
+              </a:rPr>
+              <a:t>5</a:t>
+            </a:r>
+            <a:endParaRPr sz="6000">
+              <a:solidFill>
+                <a:srgbClr val="E6E6E6"/>
+              </a:solidFill>
+            </a:endParaRPr>
+          </a:p>
+          <a:p>
+            <a:r>
+              <a:rPr lang="en-US"/>
+              <a:t>S</a:t>
+            </a:r>
+            <a:r>
+              <a:rPr lang="en-US" b="1"/>
+              <a:t>cikit-learn</a:t>
+            </a:r>
+            <a:endParaRPr/>
+          </a:p>
+        </p:txBody>
+      </p:sp>
+      <p:sp>
+        <p:nvSpPr>
+          <p:cNvPr id="99" name="Google Shape;99;p15"/>
+          <p:cNvSpPr txBox="1">
+            <a:spLocks noGrp="1"/>
+          </p:cNvSpPr>
+          <p:nvPr>
+            <p:ph type="sldNum" idx="4294967295"/>
+          </p:nvPr>
+        </p:nvSpPr>
+        <p:spPr>
+          <a:xfrm>
+            <a:off x="8404384" y="4749851"/>
+            <a:ext cx="548700" cy="393600"/>
+          </a:xfrm>
+          <a:prstGeom prst="rect">
+            <a:avLst/>
+          </a:prstGeom>
+        </p:spPr>
+        <p:txBody>
+          <a:bodyPr spcFirstLastPara="1" wrap="square" lIns="91425" tIns="91425" rIns="91425" bIns="91425" anchor="t" anchorCtr="0">
+            <a:noAutofit/>
+          </a:bodyPr>
+          <a:lstStyle/>
+          <a:p>
+            <a:pPr marL="0" lvl="0" indent="0" algn="r" rtl="0">
+              <a:spcBef>
+                <a:spcPts val="0"/>
+              </a:spcBef>
+              <a:spcAft>
+                <a:spcPts val="0"/>
+              </a:spcAft>
+              <a:buNone/>
+            </a:pPr>
+            <a:fld id="{00000000-1234-1234-1234-123412341234}" type="slidenum">
+              <a:rPr lang="en"/>
+              <a:t>35</a:t>
+            </a:fld>
+            <a:endParaRPr/>
+          </a:p>
+        </p:txBody>
+      </p:sp>
+    </p:spTree>
+    <p:extLst>
+      <p:ext uri="{BB962C8B-B14F-4D97-AF65-F5344CB8AC3E}">
+        <p14:creationId xmlns:p14="http://schemas.microsoft.com/office/powerpoint/2010/main" val="3753200419"/>
+      </p:ext>
+    </p:extLst>
+  </p:cSld>
+  <p:clrMapOvr>
+    <a:masterClrMapping/>
+  </p:clrMapOvr>
+</p:sld>
+</file>
+
+<file path=ppt/slides/slide36.xml><?xml version="1.0" encoding="utf-8"?>
+<p:sld xmlns:a="http://schemas.openxmlformats.org/drawingml/2006/main" xmlns:r="http://schemas.openxmlformats.org/officeDocument/2006/relationships" xmlns:p="http://schemas.openxmlformats.org/presentationml/2006/main">
+  <p:cSld>
+    <p:spTree>
+      <p:nvGrpSpPr>
+        <p:cNvPr id="1" name="Shape 96"/>
+        <p:cNvGrpSpPr/>
+        <p:nvPr/>
+      </p:nvGrpSpPr>
+      <p:grpSpPr>
+        <a:xfrm>
+          <a:off x="0" y="0"/>
+          <a:ext cx="0" cy="0"/>
+          <a:chOff x="0" y="0"/>
+          <a:chExt cx="0" cy="0"/>
+        </a:xfrm>
+      </p:grpSpPr>
+      <p:sp>
+        <p:nvSpPr>
+          <p:cNvPr id="97" name="Google Shape;97;p15"/>
+          <p:cNvSpPr txBox="1">
+            <a:spLocks noGrp="1"/>
+          </p:cNvSpPr>
+          <p:nvPr>
+            <p:ph type="ctrTitle"/>
+          </p:nvPr>
+        </p:nvSpPr>
+        <p:spPr>
+          <a:xfrm>
+            <a:off x="1655700" y="1991850"/>
+            <a:ext cx="5832600" cy="1159800"/>
+          </a:xfrm>
+          <a:prstGeom prst="rect">
+            <a:avLst/>
+          </a:prstGeom>
+        </p:spPr>
+        <p:txBody>
+          <a:bodyPr spcFirstLastPara="1" wrap="square" lIns="91425" tIns="91425" rIns="91425" bIns="91425" anchor="ctr" anchorCtr="0">
+            <a:noAutofit/>
+          </a:bodyPr>
+          <a:lstStyle/>
+          <a:p>
+            <a:pPr marL="0" lvl="0" indent="0" algn="ctr" rtl="0">
+              <a:spcBef>
+                <a:spcPts val="0"/>
+              </a:spcBef>
+              <a:spcAft>
+                <a:spcPts val="0"/>
+              </a:spcAft>
+              <a:buNone/>
+            </a:pPr>
+            <a:r>
+              <a:rPr lang="en-US" sz="6000">
+                <a:solidFill>
+                  <a:srgbClr val="E6E6E6"/>
+                </a:solidFill>
+              </a:rPr>
+              <a:t>6</a:t>
+            </a:r>
+            <a:endParaRPr sz="6000">
+              <a:solidFill>
+                <a:srgbClr val="E6E6E6"/>
+              </a:solidFill>
+            </a:endParaRPr>
+          </a:p>
+          <a:p>
+            <a:r>
+              <a:rPr lang="en-US">
+                <a:effectLst/>
+              </a:rPr>
+              <a:t>Web Scraping</a:t>
+            </a:r>
+            <a:endParaRPr/>
+          </a:p>
+        </p:txBody>
+      </p:sp>
+      <p:sp>
+        <p:nvSpPr>
+          <p:cNvPr id="99" name="Google Shape;99;p15"/>
+          <p:cNvSpPr txBox="1">
+            <a:spLocks noGrp="1"/>
+          </p:cNvSpPr>
+          <p:nvPr>
+            <p:ph type="sldNum" idx="4294967295"/>
+          </p:nvPr>
+        </p:nvSpPr>
+        <p:spPr>
+          <a:xfrm>
+            <a:off x="8404384" y="4749851"/>
+            <a:ext cx="548700" cy="393600"/>
+          </a:xfrm>
+          <a:prstGeom prst="rect">
+            <a:avLst/>
+          </a:prstGeom>
+        </p:spPr>
+        <p:txBody>
+          <a:bodyPr spcFirstLastPara="1" wrap="square" lIns="91425" tIns="91425" rIns="91425" bIns="91425" anchor="t" anchorCtr="0">
+            <a:noAutofit/>
+          </a:bodyPr>
+          <a:lstStyle/>
+          <a:p>
+            <a:pPr marL="0" lvl="0" indent="0" algn="r" rtl="0">
+              <a:spcBef>
+                <a:spcPts val="0"/>
+              </a:spcBef>
+              <a:spcAft>
+                <a:spcPts val="0"/>
+              </a:spcAft>
+              <a:buNone/>
+            </a:pPr>
+            <a:fld id="{00000000-1234-1234-1234-123412341234}" type="slidenum">
+              <a:rPr lang="en"/>
+              <a:t>36</a:t>
+            </a:fld>
+            <a:endParaRPr/>
+          </a:p>
+        </p:txBody>
+      </p:sp>
+    </p:spTree>
+    <p:extLst>
+      <p:ext uri="{BB962C8B-B14F-4D97-AF65-F5344CB8AC3E}">
         <p14:creationId xmlns:p14="http://schemas.microsoft.com/office/powerpoint/2010/main" val="3538335587"/>
       </p:ext>
     </p:extLst>
@@ -18896,7 +20082,7 @@
 </p:sld>
 </file>
 
-<file path=ppt/slides/slide32.xml><?xml version="1.0" encoding="utf-8"?>
+<file path=ppt/slides/slide37.xml><?xml version="1.0" encoding="utf-8"?>
 <p:sld xmlns:a="http://schemas.openxmlformats.org/drawingml/2006/main" xmlns:r="http://schemas.openxmlformats.org/officeDocument/2006/relationships" xmlns:p="http://schemas.openxmlformats.org/presentationml/2006/main">
   <p:cSld>
     <p:spTree>
@@ -19127,7 +20313,7 @@
             </a:pPr>
             <a:fld id="{00000000-1234-1234-1234-123412341234}" type="slidenum">
               <a:rPr lang="en"/>
-              <a:t>32</a:t>
+              <a:t>37</a:t>
             </a:fld>
             <a:endParaRPr/>
           </a:p>
@@ -19141,7 +20327,7 @@
 </p:sld>
 </file>
 
-<file path=ppt/slides/slide33.xml><?xml version="1.0" encoding="utf-8"?>
+<file path=ppt/slides/slide38.xml><?xml version="1.0" encoding="utf-8"?>
 <p:sld xmlns:a="http://schemas.openxmlformats.org/drawingml/2006/main" xmlns:r="http://schemas.openxmlformats.org/officeDocument/2006/relationships" xmlns:p="http://schemas.openxmlformats.org/presentationml/2006/main">
   <p:cSld>
     <p:spTree>
@@ -19278,7 +20464,7 @@
             </a:pPr>
             <a:fld id="{00000000-1234-1234-1234-123412341234}" type="slidenum">
               <a:rPr lang="en"/>
-              <a:t>33</a:t>
+              <a:t>38</a:t>
             </a:fld>
             <a:endParaRPr/>
           </a:p>

--- a/Python.pptx
+++ b/Python.pptx
@@ -5,10 +5,10 @@
     <p:sldMasterId id="2147483658" r:id="rId1"/>
   </p:sldMasterIdLst>
   <p:notesMasterIdLst>
-    <p:notesMasterId r:id="rId40"/>
+    <p:notesMasterId r:id="rId42"/>
   </p:notesMasterIdLst>
   <p:handoutMasterIdLst>
-    <p:handoutMasterId r:id="rId41"/>
+    <p:handoutMasterId r:id="rId43"/>
   </p:handoutMasterIdLst>
   <p:sldIdLst>
     <p:sldId id="256" r:id="rId2"/>
@@ -40,49 +40,51 @@
     <p:sldId id="317" r:id="rId28"/>
     <p:sldId id="315" r:id="rId29"/>
     <p:sldId id="316" r:id="rId30"/>
-    <p:sldId id="259" r:id="rId31"/>
-    <p:sldId id="281" r:id="rId32"/>
-    <p:sldId id="289" r:id="rId33"/>
-    <p:sldId id="282" r:id="rId34"/>
-    <p:sldId id="283" r:id="rId35"/>
-    <p:sldId id="286" r:id="rId36"/>
-    <p:sldId id="287" r:id="rId37"/>
-    <p:sldId id="280" r:id="rId38"/>
-    <p:sldId id="271" r:id="rId39"/>
+    <p:sldId id="318" r:id="rId31"/>
+    <p:sldId id="319" r:id="rId32"/>
+    <p:sldId id="259" r:id="rId33"/>
+    <p:sldId id="281" r:id="rId34"/>
+    <p:sldId id="289" r:id="rId35"/>
+    <p:sldId id="282" r:id="rId36"/>
+    <p:sldId id="283" r:id="rId37"/>
+    <p:sldId id="286" r:id="rId38"/>
+    <p:sldId id="287" r:id="rId39"/>
+    <p:sldId id="280" r:id="rId40"/>
+    <p:sldId id="271" r:id="rId41"/>
   </p:sldIdLst>
   <p:sldSz cx="9144000" cy="5143500" type="screen16x9"/>
   <p:notesSz cx="6858000" cy="9144000"/>
   <p:embeddedFontLst>
     <p:embeddedFont>
       <p:font typeface="Consolas" panose="020B0609020204030204" pitchFamily="49" charset="0"/>
-      <p:regular r:id="rId42"/>
-      <p:bold r:id="rId43"/>
-      <p:italic r:id="rId44"/>
-      <p:boldItalic r:id="rId45"/>
+      <p:regular r:id="rId44"/>
+      <p:bold r:id="rId45"/>
+      <p:italic r:id="rId46"/>
+      <p:boldItalic r:id="rId47"/>
     </p:embeddedFont>
     <p:embeddedFont>
       <p:font typeface="IRANSans" panose="020B0506030804020204" pitchFamily="34" charset="-78"/>
-      <p:regular r:id="rId46"/>
-      <p:bold r:id="rId47"/>
-    </p:embeddedFont>
-    <p:embeddedFont>
-      <p:font typeface="Roboto Slab" panose="020B0604020202020204" charset="0"/>
       <p:regular r:id="rId48"/>
       <p:bold r:id="rId49"/>
     </p:embeddedFont>
     <p:embeddedFont>
-      <p:font typeface="Source Sans Pro" panose="020B0503030403020204" pitchFamily="34" charset="0"/>
+      <p:font typeface="Roboto Slab" panose="020B0604020202020204" charset="0"/>
       <p:regular r:id="rId50"/>
       <p:bold r:id="rId51"/>
-      <p:italic r:id="rId52"/>
-      <p:boldItalic r:id="rId53"/>
+    </p:embeddedFont>
+    <p:embeddedFont>
+      <p:font typeface="Source Sans Pro" panose="020B0503030403020204" pitchFamily="34" charset="0"/>
+      <p:regular r:id="rId52"/>
+      <p:bold r:id="rId53"/>
+      <p:italic r:id="rId54"/>
+      <p:boldItalic r:id="rId55"/>
     </p:embeddedFont>
     <p:embeddedFont>
       <p:font typeface="Trebuchet MS" panose="020B0603020202020204" pitchFamily="34" charset="0"/>
-      <p:regular r:id="rId54"/>
-      <p:bold r:id="rId55"/>
-      <p:italic r:id="rId56"/>
-      <p:boldItalic r:id="rId57"/>
+      <p:regular r:id="rId56"/>
+      <p:bold r:id="rId57"/>
+      <p:italic r:id="rId58"/>
+      <p:boldItalic r:id="rId59"/>
     </p:embeddedFont>
   </p:embeddedFontLst>
   <p:defaultTextStyle>
@@ -18831,12 +18833,6 @@
             <a:pPr marL="76200" indent="0">
               <a:buNone/>
             </a:pPr>
-            <a:endParaRPr lang="en-US" sz="1400"/>
-          </a:p>
-          <a:p>
-            <a:pPr marL="76200" indent="0">
-              <a:buNone/>
-            </a:pPr>
             <a:r>
               <a:rPr lang="en-US" sz="1400"/>
               <a:t>Single Expression</a:t>
@@ -19124,7 +19120,7 @@
   <p:cSld>
     <p:spTree>
       <p:nvGrpSpPr>
-        <p:cNvPr id="1" name="Shape 96"/>
+        <p:cNvPr id="1" name=""/>
         <p:cNvGrpSpPr/>
         <p:nvPr/>
       </p:nvGrpSpPr>
@@ -19138,93 +19134,213 @@
       </p:grpSpPr>
       <p:sp>
         <p:nvSpPr>
-          <p:cNvPr id="97" name="Google Shape;97;p15"/>
-          <p:cNvSpPr txBox="1">
+          <p:cNvPr id="2" name="Title 1">
+            <a:extLst>
+              <a:ext uri="{FF2B5EF4-FFF2-40B4-BE49-F238E27FC236}">
+                <a16:creationId xmlns:a16="http://schemas.microsoft.com/office/drawing/2014/main" id="{024AD384-5AD1-4435-A943-1241B2FACD62}"/>
+              </a:ext>
+            </a:extLst>
+          </p:cNvPr>
+          <p:cNvSpPr>
             <a:spLocks noGrp="1"/>
           </p:cNvSpPr>
           <p:nvPr>
-            <p:ph type="ctrTitle"/>
+            <p:ph type="title"/>
+          </p:nvPr>
+        </p:nvSpPr>
+        <p:spPr/>
+        <p:txBody>
+          <a:bodyPr/>
+          <a:lstStyle/>
+          <a:p>
+            <a:r>
+              <a:rPr lang="en-US"/>
+              <a:t>Python Try Except</a:t>
+            </a:r>
+            <a:endParaRPr lang="fa-IR"/>
+          </a:p>
+        </p:txBody>
+      </p:sp>
+      <p:sp>
+        <p:nvSpPr>
+          <p:cNvPr id="3" name="Text Placeholder 2">
+            <a:extLst>
+              <a:ext uri="{FF2B5EF4-FFF2-40B4-BE49-F238E27FC236}">
+                <a16:creationId xmlns:a16="http://schemas.microsoft.com/office/drawing/2014/main" id="{58BE3078-8B89-4550-B497-93E4DADBD57E}"/>
+              </a:ext>
+            </a:extLst>
+          </p:cNvPr>
+          <p:cNvSpPr>
+            <a:spLocks noGrp="1"/>
+          </p:cNvSpPr>
+          <p:nvPr>
+            <p:ph type="body" idx="1"/>
           </p:nvPr>
         </p:nvSpPr>
         <p:spPr>
           <a:xfrm>
-            <a:off x="1655700" y="1991850"/>
-            <a:ext cx="5832600" cy="1159800"/>
+            <a:off x="786150" y="1142608"/>
+            <a:ext cx="7571700" cy="3626431"/>
           </a:xfrm>
-          <a:prstGeom prst="rect">
-            <a:avLst/>
-          </a:prstGeom>
         </p:spPr>
         <p:txBody>
-          <a:bodyPr spcFirstLastPara="1" wrap="square" lIns="91425" tIns="91425" rIns="91425" bIns="91425" anchor="ctr" anchorCtr="0">
-            <a:noAutofit/>
-          </a:bodyPr>
+          <a:bodyPr/>
           <a:lstStyle/>
           <a:p>
-            <a:pPr marL="0" lvl="0" indent="0" algn="ctr" rtl="0">
-              <a:spcBef>
-                <a:spcPts val="0"/>
-              </a:spcBef>
-              <a:spcAft>
-                <a:spcPts val="0"/>
-              </a:spcAft>
-              <a:buNone/>
-            </a:pPr>
-            <a:r>
-              <a:rPr lang="en-US" sz="6000">
+            <a:pPr marL="76200" indent="0">
+              <a:buNone/>
+            </a:pPr>
+            <a:r>
+              <a:rPr lang="en-US" sz="1400"/>
+              <a:t>Test a block of code for errors and handle the error</a:t>
+            </a:r>
+          </a:p>
+          <a:p>
+            <a:pPr marL="76200" indent="0">
+              <a:buNone/>
+            </a:pPr>
+            <a:r>
+              <a:rPr lang="en-US" sz="1100">
                 <a:solidFill>
-                  <a:srgbClr val="E6E6E6"/>
+                  <a:schemeClr val="accent1"/>
                 </a:solidFill>
-              </a:rPr>
-              <a:t>0</a:t>
-            </a:r>
-            <a:endParaRPr sz="6000">
-              <a:solidFill>
-                <a:srgbClr val="E6E6E6"/>
-              </a:solidFill>
-            </a:endParaRPr>
-          </a:p>
-          <a:p>
-            <a:pPr marL="0" lvl="0" indent="0" algn="ctr" rtl="0">
-              <a:spcBef>
-                <a:spcPts val="0"/>
-              </a:spcBef>
-              <a:spcAft>
-                <a:spcPts val="0"/>
-              </a:spcAft>
-              <a:buNone/>
-            </a:pPr>
-            <a:r>
-              <a:rPr lang="en"/>
-              <a:t>Basics</a:t>
-            </a:r>
-            <a:endParaRPr/>
+                <a:latin typeface="Consolas" panose="020B0609020204030204" pitchFamily="49" charset="0"/>
+                <a:cs typeface="Courier New" panose="02070309020205020404" pitchFamily="49" charset="0"/>
+              </a:rPr>
+              <a:t>try:</a:t>
+            </a:r>
+          </a:p>
+          <a:p>
+            <a:pPr marL="76200" indent="0">
+              <a:buNone/>
+            </a:pPr>
+            <a:r>
+              <a:rPr lang="en-US" sz="1100">
+                <a:latin typeface="Consolas" panose="020B0609020204030204" pitchFamily="49" charset="0"/>
+                <a:cs typeface="Courier New" panose="02070309020205020404" pitchFamily="49" charset="0"/>
+              </a:rPr>
+              <a:t>    print(x)</a:t>
+            </a:r>
+          </a:p>
+          <a:p>
+            <a:pPr marL="76200" indent="0">
+              <a:buNone/>
+            </a:pPr>
+            <a:r>
+              <a:rPr lang="en-US" sz="1100">
+                <a:solidFill>
+                  <a:schemeClr val="accent1"/>
+                </a:solidFill>
+                <a:latin typeface="Consolas" panose="020B0609020204030204" pitchFamily="49" charset="0"/>
+                <a:cs typeface="Courier New" panose="02070309020205020404" pitchFamily="49" charset="0"/>
+              </a:rPr>
+              <a:t>except</a:t>
+            </a:r>
+            <a:r>
+              <a:rPr lang="en-US" sz="1100">
+                <a:latin typeface="Consolas" panose="020B0609020204030204" pitchFamily="49" charset="0"/>
+                <a:cs typeface="Courier New" panose="02070309020205020404" pitchFamily="49" charset="0"/>
+              </a:rPr>
+              <a:t> NameError</a:t>
+            </a:r>
+            <a:r>
+              <a:rPr lang="en-US" sz="1100">
+                <a:solidFill>
+                  <a:schemeClr val="accent1"/>
+                </a:solidFill>
+                <a:latin typeface="Consolas" panose="020B0609020204030204" pitchFamily="49" charset="0"/>
+                <a:cs typeface="Courier New" panose="02070309020205020404" pitchFamily="49" charset="0"/>
+              </a:rPr>
+              <a:t>:</a:t>
+            </a:r>
+          </a:p>
+          <a:p>
+            <a:pPr marL="76200" indent="0">
+              <a:buNone/>
+            </a:pPr>
+            <a:r>
+              <a:rPr lang="en-US" sz="1100">
+                <a:latin typeface="Consolas" panose="020B0609020204030204" pitchFamily="49" charset="0"/>
+                <a:cs typeface="Courier New" panose="02070309020205020404" pitchFamily="49" charset="0"/>
+              </a:rPr>
+              <a:t>    print('Variable x is not defined')</a:t>
+            </a:r>
+          </a:p>
+          <a:p>
+            <a:pPr marL="76200" indent="0">
+              <a:buNone/>
+            </a:pPr>
+            <a:r>
+              <a:rPr lang="en-US" sz="1100">
+                <a:solidFill>
+                  <a:schemeClr val="accent1"/>
+                </a:solidFill>
+                <a:latin typeface="Consolas" panose="020B0609020204030204" pitchFamily="49" charset="0"/>
+                <a:cs typeface="Courier New" panose="02070309020205020404" pitchFamily="49" charset="0"/>
+              </a:rPr>
+              <a:t>except:</a:t>
+            </a:r>
+          </a:p>
+          <a:p>
+            <a:pPr marL="76200" indent="0">
+              <a:buNone/>
+            </a:pPr>
+            <a:r>
+              <a:rPr lang="en-US" sz="1100">
+                <a:latin typeface="Consolas" panose="020B0609020204030204" pitchFamily="49" charset="0"/>
+                <a:cs typeface="Courier New" panose="02070309020205020404" pitchFamily="49" charset="0"/>
+              </a:rPr>
+              <a:t>    print('Something else went wrong')</a:t>
+            </a:r>
+          </a:p>
+          <a:p>
+            <a:pPr marL="76200" indent="0">
+              <a:buNone/>
+            </a:pPr>
+            <a:r>
+              <a:rPr lang="en-US" sz="1100">
+                <a:solidFill>
+                  <a:schemeClr val="accent1"/>
+                </a:solidFill>
+                <a:latin typeface="Consolas" panose="020B0609020204030204" pitchFamily="49" charset="0"/>
+                <a:cs typeface="Courier New" panose="02070309020205020404" pitchFamily="49" charset="0"/>
+              </a:rPr>
+              <a:t>else:</a:t>
+            </a:r>
+          </a:p>
+          <a:p>
+            <a:pPr marL="76200" indent="0">
+              <a:buNone/>
+            </a:pPr>
+            <a:r>
+              <a:rPr lang="en-US" sz="1100">
+                <a:latin typeface="Consolas" panose="020B0609020204030204" pitchFamily="49" charset="0"/>
+                <a:cs typeface="Courier New" panose="02070309020205020404" pitchFamily="49" charset="0"/>
+              </a:rPr>
+              <a:t>    print('Nothing went wrong')</a:t>
+            </a:r>
           </a:p>
         </p:txBody>
       </p:sp>
       <p:sp>
         <p:nvSpPr>
-          <p:cNvPr id="99" name="Google Shape;99;p15"/>
-          <p:cNvSpPr txBox="1">
+          <p:cNvPr id="4" name="Slide Number Placeholder 3">
+            <a:extLst>
+              <a:ext uri="{FF2B5EF4-FFF2-40B4-BE49-F238E27FC236}">
+                <a16:creationId xmlns:a16="http://schemas.microsoft.com/office/drawing/2014/main" id="{64987AE6-EC0E-43DD-9376-95A5602EE5E1}"/>
+              </a:ext>
+            </a:extLst>
+          </p:cNvPr>
+          <p:cNvSpPr>
             <a:spLocks noGrp="1"/>
           </p:cNvSpPr>
           <p:nvPr>
-            <p:ph type="sldNum" idx="4294967295"/>
+            <p:ph type="sldNum" idx="12"/>
           </p:nvPr>
         </p:nvSpPr>
-        <p:spPr>
-          <a:xfrm>
-            <a:off x="8404384" y="4749851"/>
-            <a:ext cx="548700" cy="393600"/>
-          </a:xfrm>
-          <a:prstGeom prst="rect">
-            <a:avLst/>
-          </a:prstGeom>
-        </p:spPr>
+        <p:spPr/>
         <p:txBody>
-          <a:bodyPr spcFirstLastPara="1" wrap="square" lIns="91425" tIns="91425" rIns="91425" bIns="91425" anchor="t" anchorCtr="0">
-            <a:noAutofit/>
-          </a:bodyPr>
+          <a:bodyPr/>
           <a:lstStyle/>
           <a:p>
             <a:pPr marL="0" lvl="0" indent="0" algn="r" rtl="0">
@@ -19237,14 +19353,19 @@
               <a:buNone/>
             </a:pPr>
             <a:fld id="{00000000-1234-1234-1234-123412341234}" type="slidenum">
-              <a:rPr lang="en"/>
+              <a:rPr lang="en" smtClean="0"/>
               <a:t>30</a:t>
             </a:fld>
-            <a:endParaRPr/>
+            <a:endParaRPr lang="en"/>
           </a:p>
         </p:txBody>
       </p:sp>
     </p:spTree>
+    <p:extLst>
+      <p:ext uri="{BB962C8B-B14F-4D97-AF65-F5344CB8AC3E}">
+        <p14:creationId xmlns:p14="http://schemas.microsoft.com/office/powerpoint/2010/main" val="4114768450"/>
+      </p:ext>
+    </p:extLst>
   </p:cSld>
   <p:clrMapOvr>
     <a:masterClrMapping/>
@@ -19253,6 +19374,275 @@
 </file>
 
 <file path=ppt/slides/slide31.xml><?xml version="1.0" encoding="utf-8"?>
+<p:sld xmlns:a="http://schemas.openxmlformats.org/drawingml/2006/main" xmlns:r="http://schemas.openxmlformats.org/officeDocument/2006/relationships" xmlns:p="http://schemas.openxmlformats.org/presentationml/2006/main">
+  <p:cSld>
+    <p:spTree>
+      <p:nvGrpSpPr>
+        <p:cNvPr id="1" name=""/>
+        <p:cNvGrpSpPr/>
+        <p:nvPr/>
+      </p:nvGrpSpPr>
+      <p:grpSpPr>
+        <a:xfrm>
+          <a:off x="0" y="0"/>
+          <a:ext cx="0" cy="0"/>
+          <a:chOff x="0" y="0"/>
+          <a:chExt cx="0" cy="0"/>
+        </a:xfrm>
+      </p:grpSpPr>
+      <p:sp>
+        <p:nvSpPr>
+          <p:cNvPr id="2" name="Title 1">
+            <a:extLst>
+              <a:ext uri="{FF2B5EF4-FFF2-40B4-BE49-F238E27FC236}">
+                <a16:creationId xmlns:a16="http://schemas.microsoft.com/office/drawing/2014/main" id="{024AD384-5AD1-4435-A943-1241B2FACD62}"/>
+              </a:ext>
+            </a:extLst>
+          </p:cNvPr>
+          <p:cNvSpPr>
+            <a:spLocks noGrp="1"/>
+          </p:cNvSpPr>
+          <p:nvPr>
+            <p:ph type="title"/>
+          </p:nvPr>
+        </p:nvSpPr>
+        <p:spPr/>
+        <p:txBody>
+          <a:bodyPr/>
+          <a:lstStyle/>
+          <a:p>
+            <a:r>
+              <a:rPr lang="en-US"/>
+              <a:t>Python Exceptions</a:t>
+            </a:r>
+            <a:endParaRPr lang="fa-IR"/>
+          </a:p>
+        </p:txBody>
+      </p:sp>
+      <p:sp>
+        <p:nvSpPr>
+          <p:cNvPr id="3" name="Text Placeholder 2">
+            <a:extLst>
+              <a:ext uri="{FF2B5EF4-FFF2-40B4-BE49-F238E27FC236}">
+                <a16:creationId xmlns:a16="http://schemas.microsoft.com/office/drawing/2014/main" id="{58BE3078-8B89-4550-B497-93E4DADBD57E}"/>
+              </a:ext>
+            </a:extLst>
+          </p:cNvPr>
+          <p:cNvSpPr>
+            <a:spLocks noGrp="1"/>
+          </p:cNvSpPr>
+          <p:nvPr>
+            <p:ph type="body" idx="1"/>
+          </p:nvPr>
+        </p:nvSpPr>
+        <p:spPr>
+          <a:xfrm>
+            <a:off x="786150" y="1142608"/>
+            <a:ext cx="7571700" cy="3626431"/>
+          </a:xfrm>
+        </p:spPr>
+        <p:txBody>
+          <a:bodyPr/>
+          <a:lstStyle/>
+          <a:p>
+            <a:pPr marL="76200" indent="0">
+              <a:buNone/>
+            </a:pPr>
+            <a:r>
+              <a:rPr lang="en-US" sz="1400"/>
+              <a:t>Handle the error</a:t>
+            </a:r>
+          </a:p>
+          <a:p>
+            <a:pPr marL="76200" indent="0">
+              <a:buNone/>
+            </a:pPr>
+            <a:r>
+              <a:rPr lang="en-US" sz="1100">
+                <a:latin typeface="Consolas" panose="020B0609020204030204" pitchFamily="49" charset="0"/>
+                <a:cs typeface="Courier New" panose="02070309020205020404" pitchFamily="49" charset="0"/>
+              </a:rPr>
+              <a:t>try:</a:t>
+            </a:r>
+          </a:p>
+          <a:p>
+            <a:pPr marL="76200" indent="0">
+              <a:buNone/>
+            </a:pPr>
+            <a:r>
+              <a:rPr lang="en-US" sz="1100">
+                <a:latin typeface="Consolas" panose="020B0609020204030204" pitchFamily="49" charset="0"/>
+                <a:cs typeface="Courier New" panose="02070309020205020404" pitchFamily="49" charset="0"/>
+              </a:rPr>
+              <a:t>    print(x)</a:t>
+            </a:r>
+          </a:p>
+          <a:p>
+            <a:pPr marL="76200" indent="0">
+              <a:buNone/>
+            </a:pPr>
+            <a:r>
+              <a:rPr lang="en-US" sz="1100">
+                <a:latin typeface="Consolas" panose="020B0609020204030204" pitchFamily="49" charset="0"/>
+                <a:cs typeface="Courier New" panose="02070309020205020404" pitchFamily="49" charset="0"/>
+              </a:rPr>
+              <a:t>except </a:t>
+            </a:r>
+            <a:r>
+              <a:rPr lang="en-US" sz="1100">
+                <a:solidFill>
+                  <a:schemeClr val="accent1"/>
+                </a:solidFill>
+                <a:latin typeface="Consolas" panose="020B0609020204030204" pitchFamily="49" charset="0"/>
+                <a:cs typeface="Courier New" panose="02070309020205020404" pitchFamily="49" charset="0"/>
+              </a:rPr>
+              <a:t>Exception as </a:t>
+            </a:r>
+            <a:r>
+              <a:rPr lang="en-US" sz="1100">
+                <a:latin typeface="Consolas" panose="020B0609020204030204" pitchFamily="49" charset="0"/>
+                <a:cs typeface="Courier New" panose="02070309020205020404" pitchFamily="49" charset="0"/>
+              </a:rPr>
+              <a:t>e:</a:t>
+            </a:r>
+          </a:p>
+          <a:p>
+            <a:pPr marL="76200" indent="0">
+              <a:buNone/>
+            </a:pPr>
+            <a:r>
+              <a:rPr lang="en-US" sz="1100">
+                <a:latin typeface="Consolas" panose="020B0609020204030204" pitchFamily="49" charset="0"/>
+                <a:cs typeface="Courier New" panose="02070309020205020404" pitchFamily="49" charset="0"/>
+              </a:rPr>
+              <a:t>    print(e)</a:t>
+            </a:r>
+          </a:p>
+          <a:p>
+            <a:pPr marL="76200" indent="0">
+              <a:buNone/>
+            </a:pPr>
+            <a:endParaRPr lang="en-US" sz="1100">
+              <a:latin typeface="Consolas" panose="020B0609020204030204" pitchFamily="49" charset="0"/>
+              <a:cs typeface="Courier New" panose="02070309020205020404" pitchFamily="49" charset="0"/>
+            </a:endParaRPr>
+          </a:p>
+          <a:p>
+            <a:pPr marL="76200" indent="0">
+              <a:buNone/>
+            </a:pPr>
+            <a:r>
+              <a:rPr lang="en-US" sz="1400"/>
+              <a:t>Raise an error</a:t>
+            </a:r>
+          </a:p>
+          <a:p>
+            <a:pPr marL="76200" indent="0">
+              <a:buNone/>
+            </a:pPr>
+            <a:r>
+              <a:rPr lang="en-US" sz="1100">
+                <a:latin typeface="Consolas" panose="020B0609020204030204" pitchFamily="49" charset="0"/>
+                <a:cs typeface="Courier New" panose="02070309020205020404" pitchFamily="49" charset="0"/>
+              </a:rPr>
+              <a:t>x = -1</a:t>
+            </a:r>
+          </a:p>
+          <a:p>
+            <a:pPr marL="76200" indent="0">
+              <a:buNone/>
+            </a:pPr>
+            <a:r>
+              <a:rPr lang="en-US" sz="1100">
+                <a:latin typeface="Consolas" panose="020B0609020204030204" pitchFamily="49" charset="0"/>
+                <a:cs typeface="Courier New" panose="02070309020205020404" pitchFamily="49" charset="0"/>
+              </a:rPr>
+              <a:t>if x &lt; 0:</a:t>
+            </a:r>
+          </a:p>
+          <a:p>
+            <a:pPr marL="76200" indent="0">
+              <a:buNone/>
+            </a:pPr>
+            <a:r>
+              <a:rPr lang="en-US" sz="1100">
+                <a:latin typeface="Consolas" panose="020B0609020204030204" pitchFamily="49" charset="0"/>
+                <a:cs typeface="Courier New" panose="02070309020205020404" pitchFamily="49" charset="0"/>
+              </a:rPr>
+              <a:t>    </a:t>
+            </a:r>
+            <a:r>
+              <a:rPr lang="en-US" sz="1100">
+                <a:solidFill>
+                  <a:schemeClr val="accent1"/>
+                </a:solidFill>
+                <a:latin typeface="Consolas" panose="020B0609020204030204" pitchFamily="49" charset="0"/>
+                <a:cs typeface="Courier New" panose="02070309020205020404" pitchFamily="49" charset="0"/>
+              </a:rPr>
+              <a:t>raise</a:t>
+            </a:r>
+            <a:r>
+              <a:rPr lang="en-US" sz="1100">
+                <a:latin typeface="Consolas" panose="020B0609020204030204" pitchFamily="49" charset="0"/>
+                <a:cs typeface="Courier New" panose="02070309020205020404" pitchFamily="49" charset="0"/>
+              </a:rPr>
+              <a:t> Exception("Please enter a posetive number") </a:t>
+            </a:r>
+          </a:p>
+        </p:txBody>
+      </p:sp>
+      <p:sp>
+        <p:nvSpPr>
+          <p:cNvPr id="4" name="Slide Number Placeholder 3">
+            <a:extLst>
+              <a:ext uri="{FF2B5EF4-FFF2-40B4-BE49-F238E27FC236}">
+                <a16:creationId xmlns:a16="http://schemas.microsoft.com/office/drawing/2014/main" id="{64987AE6-EC0E-43DD-9376-95A5602EE5E1}"/>
+              </a:ext>
+            </a:extLst>
+          </p:cNvPr>
+          <p:cNvSpPr>
+            <a:spLocks noGrp="1"/>
+          </p:cNvSpPr>
+          <p:nvPr>
+            <p:ph type="sldNum" idx="12"/>
+          </p:nvPr>
+        </p:nvSpPr>
+        <p:spPr/>
+        <p:txBody>
+          <a:bodyPr/>
+          <a:lstStyle/>
+          <a:p>
+            <a:pPr marL="0" lvl="0" indent="0" algn="r" rtl="0">
+              <a:spcBef>
+                <a:spcPts val="0"/>
+              </a:spcBef>
+              <a:spcAft>
+                <a:spcPts val="0"/>
+              </a:spcAft>
+              <a:buNone/>
+            </a:pPr>
+            <a:fld id="{00000000-1234-1234-1234-123412341234}" type="slidenum">
+              <a:rPr lang="en" smtClean="0"/>
+              <a:t>31</a:t>
+            </a:fld>
+            <a:endParaRPr lang="en"/>
+          </a:p>
+        </p:txBody>
+      </p:sp>
+    </p:spTree>
+    <p:extLst>
+      <p:ext uri="{BB962C8B-B14F-4D97-AF65-F5344CB8AC3E}">
+        <p14:creationId xmlns:p14="http://schemas.microsoft.com/office/powerpoint/2010/main" val="2265659775"/>
+      </p:ext>
+    </p:extLst>
+  </p:cSld>
+  <p:clrMapOvr>
+    <a:masterClrMapping/>
+  </p:clrMapOvr>
+</p:sld>
+</file>
+
+<file path=ppt/slides/slide32.xml><?xml version="1.0" encoding="utf-8"?>
 <p:sld xmlns:a="http://schemas.openxmlformats.org/drawingml/2006/main" xmlns:r="http://schemas.openxmlformats.org/officeDocument/2006/relationships" xmlns:p="http://schemas.openxmlformats.org/presentationml/2006/main">
   <p:cSld>
     <p:spTree>
@@ -19309,7 +19699,7 @@
                   <a:srgbClr val="E6E6E6"/>
                 </a:solidFill>
               </a:rPr>
-              <a:t>2</a:t>
+              <a:t>0</a:t>
             </a:r>
             <a:endParaRPr sz="6000">
               <a:solidFill>
@@ -19329,7 +19719,7 @@
             </a:pPr>
             <a:r>
               <a:rPr lang="en"/>
-              <a:t>NumPy</a:t>
+              <a:t>Basics</a:t>
             </a:r>
             <a:endParaRPr/>
           </a:p>
@@ -19371,170 +19761,13 @@
             </a:pPr>
             <a:fld id="{00000000-1234-1234-1234-123412341234}" type="slidenum">
               <a:rPr lang="en"/>
-              <a:t>31</a:t>
+              <a:t>32</a:t>
             </a:fld>
             <a:endParaRPr/>
           </a:p>
         </p:txBody>
       </p:sp>
     </p:spTree>
-    <p:extLst>
-      <p:ext uri="{BB962C8B-B14F-4D97-AF65-F5344CB8AC3E}">
-        <p14:creationId xmlns:p14="http://schemas.microsoft.com/office/powerpoint/2010/main" val="1620004517"/>
-      </p:ext>
-    </p:extLst>
-  </p:cSld>
-  <p:clrMapOvr>
-    <a:masterClrMapping/>
-  </p:clrMapOvr>
-</p:sld>
-</file>
-
-<file path=ppt/slides/slide32.xml><?xml version="1.0" encoding="utf-8"?>
-<p:sld xmlns:a="http://schemas.openxmlformats.org/drawingml/2006/main" xmlns:r="http://schemas.openxmlformats.org/officeDocument/2006/relationships" xmlns:p="http://schemas.openxmlformats.org/presentationml/2006/main">
-  <p:cSld>
-    <p:spTree>
-      <p:nvGrpSpPr>
-        <p:cNvPr id="1" name=""/>
-        <p:cNvGrpSpPr/>
-        <p:nvPr/>
-      </p:nvGrpSpPr>
-      <p:grpSpPr>
-        <a:xfrm>
-          <a:off x="0" y="0"/>
-          <a:ext cx="0" cy="0"/>
-          <a:chOff x="0" y="0"/>
-          <a:chExt cx="0" cy="0"/>
-        </a:xfrm>
-      </p:grpSpPr>
-      <p:sp>
-        <p:nvSpPr>
-          <p:cNvPr id="2" name="Title 1">
-            <a:extLst>
-              <a:ext uri="{FF2B5EF4-FFF2-40B4-BE49-F238E27FC236}">
-                <a16:creationId xmlns:a16="http://schemas.microsoft.com/office/drawing/2014/main" id="{024AD384-5AD1-4435-A943-1241B2FACD62}"/>
-              </a:ext>
-            </a:extLst>
-          </p:cNvPr>
-          <p:cNvSpPr>
-            <a:spLocks noGrp="1"/>
-          </p:cNvSpPr>
-          <p:nvPr>
-            <p:ph type="title"/>
-          </p:nvPr>
-        </p:nvSpPr>
-        <p:spPr/>
-        <p:txBody>
-          <a:bodyPr/>
-          <a:lstStyle/>
-          <a:p>
-            <a:r>
-              <a:rPr lang="en-US" err="1"/>
-              <a:t>Numpy</a:t>
-            </a:r>
-            <a:r>
-              <a:rPr lang="en-US"/>
-              <a:t> Introduction</a:t>
-            </a:r>
-            <a:endParaRPr lang="fa-IR"/>
-          </a:p>
-        </p:txBody>
-      </p:sp>
-      <p:sp>
-        <p:nvSpPr>
-          <p:cNvPr id="3" name="Text Placeholder 2">
-            <a:extLst>
-              <a:ext uri="{FF2B5EF4-FFF2-40B4-BE49-F238E27FC236}">
-                <a16:creationId xmlns:a16="http://schemas.microsoft.com/office/drawing/2014/main" id="{58BE3078-8B89-4550-B497-93E4DADBD57E}"/>
-              </a:ext>
-            </a:extLst>
-          </p:cNvPr>
-          <p:cNvSpPr>
-            <a:spLocks noGrp="1"/>
-          </p:cNvSpPr>
-          <p:nvPr>
-            <p:ph type="body" idx="1"/>
-          </p:nvPr>
-        </p:nvSpPr>
-        <p:spPr>
-          <a:xfrm>
-            <a:off x="786150" y="1142608"/>
-            <a:ext cx="7571700" cy="3626431"/>
-          </a:xfrm>
-        </p:spPr>
-        <p:txBody>
-          <a:bodyPr/>
-          <a:lstStyle/>
-          <a:p>
-            <a:pPr marL="76200" indent="0">
-              <a:buNone/>
-            </a:pPr>
-            <a:r>
-              <a:rPr lang="en-US" sz="1400"/>
-              <a:t>NumPy is a Python library used for working with arrays.</a:t>
-            </a:r>
-          </a:p>
-          <a:p>
-            <a:pPr marL="76200" indent="0">
-              <a:buNone/>
-            </a:pPr>
-            <a:endParaRPr lang="en-US" sz="1400"/>
-          </a:p>
-          <a:p>
-            <a:pPr marL="76200" indent="0">
-              <a:buNone/>
-            </a:pPr>
-            <a:r>
-              <a:rPr lang="en-US" sz="1400"/>
-              <a:t>NumPy is short for Numerical Python.</a:t>
-            </a:r>
-          </a:p>
-        </p:txBody>
-      </p:sp>
-      <p:sp>
-        <p:nvSpPr>
-          <p:cNvPr id="4" name="Slide Number Placeholder 3">
-            <a:extLst>
-              <a:ext uri="{FF2B5EF4-FFF2-40B4-BE49-F238E27FC236}">
-                <a16:creationId xmlns:a16="http://schemas.microsoft.com/office/drawing/2014/main" id="{64987AE6-EC0E-43DD-9376-95A5602EE5E1}"/>
-              </a:ext>
-            </a:extLst>
-          </p:cNvPr>
-          <p:cNvSpPr>
-            <a:spLocks noGrp="1"/>
-          </p:cNvSpPr>
-          <p:nvPr>
-            <p:ph type="sldNum" idx="12"/>
-          </p:nvPr>
-        </p:nvSpPr>
-        <p:spPr/>
-        <p:txBody>
-          <a:bodyPr/>
-          <a:lstStyle/>
-          <a:p>
-            <a:pPr marL="0" lvl="0" indent="0" algn="r" rtl="0">
-              <a:spcBef>
-                <a:spcPts val="0"/>
-              </a:spcBef>
-              <a:spcAft>
-                <a:spcPts val="0"/>
-              </a:spcAft>
-              <a:buNone/>
-            </a:pPr>
-            <a:fld id="{00000000-1234-1234-1234-123412341234}" type="slidenum">
-              <a:rPr lang="en" smtClean="0"/>
-              <a:t>32</a:t>
-            </a:fld>
-            <a:endParaRPr lang="en"/>
-          </a:p>
-        </p:txBody>
-      </p:sp>
-    </p:spTree>
-    <p:extLst>
-      <p:ext uri="{BB962C8B-B14F-4D97-AF65-F5344CB8AC3E}">
-        <p14:creationId xmlns:p14="http://schemas.microsoft.com/office/powerpoint/2010/main" val="4156460407"/>
-      </p:ext>
-    </p:extLst>
   </p:cSld>
   <p:clrMapOvr>
     <a:masterClrMapping/>
@@ -19599,7 +19832,7 @@
                   <a:srgbClr val="E6E6E6"/>
                 </a:solidFill>
               </a:rPr>
-              <a:t>3</a:t>
+              <a:t>1</a:t>
             </a:r>
             <a:endParaRPr sz="6000">
               <a:solidFill>
@@ -19619,7 +19852,7 @@
             </a:pPr>
             <a:r>
               <a:rPr lang="en"/>
-              <a:t>Pandas</a:t>
+              <a:t>NumPy</a:t>
             </a:r>
             <a:endParaRPr/>
           </a:p>
@@ -19670,7 +19903,7 @@
     </p:spTree>
     <p:extLst>
       <p:ext uri="{BB962C8B-B14F-4D97-AF65-F5344CB8AC3E}">
-        <p14:creationId xmlns:p14="http://schemas.microsoft.com/office/powerpoint/2010/main" val="2729265455"/>
+        <p14:creationId xmlns:p14="http://schemas.microsoft.com/office/powerpoint/2010/main" val="1620004517"/>
       </p:ext>
     </p:extLst>
   </p:cSld>
@@ -19685,7 +19918,7 @@
   <p:cSld>
     <p:spTree>
       <p:nvGrpSpPr>
-        <p:cNvPr id="1" name="Shape 96"/>
+        <p:cNvPr id="1" name=""/>
         <p:cNvGrpSpPr/>
         <p:nvPr/>
       </p:nvGrpSpPr>
@@ -19699,93 +19932,107 @@
       </p:grpSpPr>
       <p:sp>
         <p:nvSpPr>
-          <p:cNvPr id="97" name="Google Shape;97;p15"/>
-          <p:cNvSpPr txBox="1">
+          <p:cNvPr id="2" name="Title 1">
+            <a:extLst>
+              <a:ext uri="{FF2B5EF4-FFF2-40B4-BE49-F238E27FC236}">
+                <a16:creationId xmlns:a16="http://schemas.microsoft.com/office/drawing/2014/main" id="{024AD384-5AD1-4435-A943-1241B2FACD62}"/>
+              </a:ext>
+            </a:extLst>
+          </p:cNvPr>
+          <p:cNvSpPr>
             <a:spLocks noGrp="1"/>
           </p:cNvSpPr>
           <p:nvPr>
-            <p:ph type="ctrTitle"/>
+            <p:ph type="title"/>
+          </p:nvPr>
+        </p:nvSpPr>
+        <p:spPr/>
+        <p:txBody>
+          <a:bodyPr/>
+          <a:lstStyle/>
+          <a:p>
+            <a:r>
+              <a:rPr lang="en-US" err="1"/>
+              <a:t>Numpy</a:t>
+            </a:r>
+            <a:r>
+              <a:rPr lang="en-US"/>
+              <a:t> Introduction</a:t>
+            </a:r>
+            <a:endParaRPr lang="fa-IR"/>
+          </a:p>
+        </p:txBody>
+      </p:sp>
+      <p:sp>
+        <p:nvSpPr>
+          <p:cNvPr id="3" name="Text Placeholder 2">
+            <a:extLst>
+              <a:ext uri="{FF2B5EF4-FFF2-40B4-BE49-F238E27FC236}">
+                <a16:creationId xmlns:a16="http://schemas.microsoft.com/office/drawing/2014/main" id="{58BE3078-8B89-4550-B497-93E4DADBD57E}"/>
+              </a:ext>
+            </a:extLst>
+          </p:cNvPr>
+          <p:cNvSpPr>
+            <a:spLocks noGrp="1"/>
+          </p:cNvSpPr>
+          <p:nvPr>
+            <p:ph type="body" idx="1"/>
           </p:nvPr>
         </p:nvSpPr>
         <p:spPr>
           <a:xfrm>
-            <a:off x="1655700" y="1991850"/>
-            <a:ext cx="5832600" cy="1159800"/>
+            <a:off x="786150" y="1142608"/>
+            <a:ext cx="7571700" cy="3626431"/>
           </a:xfrm>
-          <a:prstGeom prst="rect">
-            <a:avLst/>
-          </a:prstGeom>
         </p:spPr>
         <p:txBody>
-          <a:bodyPr spcFirstLastPara="1" wrap="square" lIns="91425" tIns="91425" rIns="91425" bIns="91425" anchor="ctr" anchorCtr="0">
-            <a:noAutofit/>
-          </a:bodyPr>
+          <a:bodyPr/>
           <a:lstStyle/>
           <a:p>
-            <a:pPr marL="0" lvl="0" indent="0" algn="ctr" rtl="0">
-              <a:spcBef>
-                <a:spcPts val="0"/>
-              </a:spcBef>
-              <a:spcAft>
-                <a:spcPts val="0"/>
-              </a:spcAft>
-              <a:buNone/>
-            </a:pPr>
-            <a:r>
-              <a:rPr lang="en-US" sz="6000">
-                <a:solidFill>
-                  <a:srgbClr val="E6E6E6"/>
-                </a:solidFill>
-              </a:rPr>
-              <a:t>4</a:t>
-            </a:r>
-            <a:endParaRPr sz="6000">
-              <a:solidFill>
-                <a:srgbClr val="E6E6E6"/>
-              </a:solidFill>
-            </a:endParaRPr>
-          </a:p>
-          <a:p>
-            <a:pPr marL="0" lvl="0" indent="0" algn="ctr" rtl="0">
-              <a:spcBef>
-                <a:spcPts val="0"/>
-              </a:spcBef>
-              <a:spcAft>
-                <a:spcPts val="0"/>
-              </a:spcAft>
-              <a:buNone/>
-            </a:pPr>
-            <a:r>
-              <a:rPr lang="en"/>
-              <a:t>Matplotlib</a:t>
-            </a:r>
-            <a:endParaRPr/>
+            <a:pPr marL="76200" indent="0">
+              <a:buNone/>
+            </a:pPr>
+            <a:r>
+              <a:rPr lang="en-US" sz="1400"/>
+              <a:t>NumPy is a Python library used for working with arrays.</a:t>
+            </a:r>
+          </a:p>
+          <a:p>
+            <a:pPr marL="76200" indent="0">
+              <a:buNone/>
+            </a:pPr>
+            <a:endParaRPr lang="en-US" sz="1400"/>
+          </a:p>
+          <a:p>
+            <a:pPr marL="76200" indent="0">
+              <a:buNone/>
+            </a:pPr>
+            <a:r>
+              <a:rPr lang="en-US" sz="1400"/>
+              <a:t>NumPy is short for Numerical Python.</a:t>
+            </a:r>
           </a:p>
         </p:txBody>
       </p:sp>
       <p:sp>
         <p:nvSpPr>
-          <p:cNvPr id="99" name="Google Shape;99;p15"/>
-          <p:cNvSpPr txBox="1">
+          <p:cNvPr id="4" name="Slide Number Placeholder 3">
+            <a:extLst>
+              <a:ext uri="{FF2B5EF4-FFF2-40B4-BE49-F238E27FC236}">
+                <a16:creationId xmlns:a16="http://schemas.microsoft.com/office/drawing/2014/main" id="{64987AE6-EC0E-43DD-9376-95A5602EE5E1}"/>
+              </a:ext>
+            </a:extLst>
+          </p:cNvPr>
+          <p:cNvSpPr>
             <a:spLocks noGrp="1"/>
           </p:cNvSpPr>
           <p:nvPr>
-            <p:ph type="sldNum" idx="4294967295"/>
+            <p:ph type="sldNum" idx="12"/>
           </p:nvPr>
         </p:nvSpPr>
-        <p:spPr>
-          <a:xfrm>
-            <a:off x="8404384" y="4749851"/>
-            <a:ext cx="548700" cy="393600"/>
-          </a:xfrm>
-          <a:prstGeom prst="rect">
-            <a:avLst/>
-          </a:prstGeom>
-        </p:spPr>
+        <p:spPr/>
         <p:txBody>
-          <a:bodyPr spcFirstLastPara="1" wrap="square" lIns="91425" tIns="91425" rIns="91425" bIns="91425" anchor="t" anchorCtr="0">
-            <a:noAutofit/>
-          </a:bodyPr>
+          <a:bodyPr/>
           <a:lstStyle/>
           <a:p>
             <a:pPr marL="0" lvl="0" indent="0" algn="r" rtl="0">
@@ -19798,17 +20045,17 @@
               <a:buNone/>
             </a:pPr>
             <a:fld id="{00000000-1234-1234-1234-123412341234}" type="slidenum">
-              <a:rPr lang="en"/>
+              <a:rPr lang="en" smtClean="0"/>
               <a:t>34</a:t>
             </a:fld>
-            <a:endParaRPr/>
+            <a:endParaRPr lang="en"/>
           </a:p>
         </p:txBody>
       </p:sp>
     </p:spTree>
     <p:extLst>
       <p:ext uri="{BB962C8B-B14F-4D97-AF65-F5344CB8AC3E}">
-        <p14:creationId xmlns:p14="http://schemas.microsoft.com/office/powerpoint/2010/main" val="2458102878"/>
+        <p14:creationId xmlns:p14="http://schemas.microsoft.com/office/powerpoint/2010/main" val="4156460407"/>
       </p:ext>
     </p:extLst>
   </p:cSld>
@@ -19875,7 +20122,7 @@
                   <a:srgbClr val="E6E6E6"/>
                 </a:solidFill>
               </a:rPr>
-              <a:t>5</a:t>
+              <a:t>2</a:t>
             </a:r>
             <a:endParaRPr sz="6000">
               <a:solidFill>
@@ -19884,13 +20131,18 @@
             </a:endParaRPr>
           </a:p>
           <a:p>
-            <a:r>
-              <a:rPr lang="en-US"/>
-              <a:t>S</a:t>
-            </a:r>
-            <a:r>
-              <a:rPr lang="en-US" b="1"/>
-              <a:t>cikit-learn</a:t>
+            <a:pPr marL="0" lvl="0" indent="0" algn="ctr" rtl="0">
+              <a:spcBef>
+                <a:spcPts val="0"/>
+              </a:spcBef>
+              <a:spcAft>
+                <a:spcPts val="0"/>
+              </a:spcAft>
+              <a:buNone/>
+            </a:pPr>
+            <a:r>
+              <a:rPr lang="en"/>
+              <a:t>Pandas</a:t>
             </a:r>
             <a:endParaRPr/>
           </a:p>
@@ -19941,7 +20193,7 @@
     </p:spTree>
     <p:extLst>
       <p:ext uri="{BB962C8B-B14F-4D97-AF65-F5344CB8AC3E}">
-        <p14:creationId xmlns:p14="http://schemas.microsoft.com/office/powerpoint/2010/main" val="3753200419"/>
+        <p14:creationId xmlns:p14="http://schemas.microsoft.com/office/powerpoint/2010/main" val="2729265455"/>
       </p:ext>
     </p:extLst>
   </p:cSld>
@@ -20008,7 +20260,7 @@
                   <a:srgbClr val="E6E6E6"/>
                 </a:solidFill>
               </a:rPr>
-              <a:t>6</a:t>
+              <a:t>3</a:t>
             </a:r>
             <a:endParaRPr sz="6000">
               <a:solidFill>
@@ -20017,11 +20269,18 @@
             </a:endParaRPr>
           </a:p>
           <a:p>
-            <a:r>
-              <a:rPr lang="en-US">
-                <a:effectLst/>
-              </a:rPr>
-              <a:t>Web Scraping</a:t>
+            <a:pPr marL="0" lvl="0" indent="0" algn="ctr" rtl="0">
+              <a:spcBef>
+                <a:spcPts val="0"/>
+              </a:spcBef>
+              <a:spcAft>
+                <a:spcPts val="0"/>
+              </a:spcAft>
+              <a:buNone/>
+            </a:pPr>
+            <a:r>
+              <a:rPr lang="en"/>
+              <a:t>Matplotlib</a:t>
             </a:r>
             <a:endParaRPr/>
           </a:p>
@@ -20072,6 +20331,270 @@
     </p:spTree>
     <p:extLst>
       <p:ext uri="{BB962C8B-B14F-4D97-AF65-F5344CB8AC3E}">
+        <p14:creationId xmlns:p14="http://schemas.microsoft.com/office/powerpoint/2010/main" val="2458102878"/>
+      </p:ext>
+    </p:extLst>
+  </p:cSld>
+  <p:clrMapOvr>
+    <a:masterClrMapping/>
+  </p:clrMapOvr>
+</p:sld>
+</file>
+
+<file path=ppt/slides/slide37.xml><?xml version="1.0" encoding="utf-8"?>
+<p:sld xmlns:a="http://schemas.openxmlformats.org/drawingml/2006/main" xmlns:r="http://schemas.openxmlformats.org/officeDocument/2006/relationships" xmlns:p="http://schemas.openxmlformats.org/presentationml/2006/main">
+  <p:cSld>
+    <p:spTree>
+      <p:nvGrpSpPr>
+        <p:cNvPr id="1" name="Shape 96"/>
+        <p:cNvGrpSpPr/>
+        <p:nvPr/>
+      </p:nvGrpSpPr>
+      <p:grpSpPr>
+        <a:xfrm>
+          <a:off x="0" y="0"/>
+          <a:ext cx="0" cy="0"/>
+          <a:chOff x="0" y="0"/>
+          <a:chExt cx="0" cy="0"/>
+        </a:xfrm>
+      </p:grpSpPr>
+      <p:sp>
+        <p:nvSpPr>
+          <p:cNvPr id="97" name="Google Shape;97;p15"/>
+          <p:cNvSpPr txBox="1">
+            <a:spLocks noGrp="1"/>
+          </p:cNvSpPr>
+          <p:nvPr>
+            <p:ph type="ctrTitle"/>
+          </p:nvPr>
+        </p:nvSpPr>
+        <p:spPr>
+          <a:xfrm>
+            <a:off x="1655700" y="1991850"/>
+            <a:ext cx="5832600" cy="1159800"/>
+          </a:xfrm>
+          <a:prstGeom prst="rect">
+            <a:avLst/>
+          </a:prstGeom>
+        </p:spPr>
+        <p:txBody>
+          <a:bodyPr spcFirstLastPara="1" wrap="square" lIns="91425" tIns="91425" rIns="91425" bIns="91425" anchor="ctr" anchorCtr="0">
+            <a:noAutofit/>
+          </a:bodyPr>
+          <a:lstStyle/>
+          <a:p>
+            <a:pPr marL="0" lvl="0" indent="0" algn="ctr" rtl="0">
+              <a:spcBef>
+                <a:spcPts val="0"/>
+              </a:spcBef>
+              <a:spcAft>
+                <a:spcPts val="0"/>
+              </a:spcAft>
+              <a:buNone/>
+            </a:pPr>
+            <a:r>
+              <a:rPr lang="en-US" sz="6000">
+                <a:solidFill>
+                  <a:srgbClr val="E6E6E6"/>
+                </a:solidFill>
+              </a:rPr>
+              <a:t>4</a:t>
+            </a:r>
+            <a:endParaRPr sz="6000">
+              <a:solidFill>
+                <a:srgbClr val="E6E6E6"/>
+              </a:solidFill>
+            </a:endParaRPr>
+          </a:p>
+          <a:p>
+            <a:r>
+              <a:rPr lang="en-US"/>
+              <a:t>S</a:t>
+            </a:r>
+            <a:r>
+              <a:rPr lang="en-US" b="1"/>
+              <a:t>cikit-learn</a:t>
+            </a:r>
+            <a:endParaRPr/>
+          </a:p>
+        </p:txBody>
+      </p:sp>
+      <p:sp>
+        <p:nvSpPr>
+          <p:cNvPr id="99" name="Google Shape;99;p15"/>
+          <p:cNvSpPr txBox="1">
+            <a:spLocks noGrp="1"/>
+          </p:cNvSpPr>
+          <p:nvPr>
+            <p:ph type="sldNum" idx="4294967295"/>
+          </p:nvPr>
+        </p:nvSpPr>
+        <p:spPr>
+          <a:xfrm>
+            <a:off x="8404384" y="4749851"/>
+            <a:ext cx="548700" cy="393600"/>
+          </a:xfrm>
+          <a:prstGeom prst="rect">
+            <a:avLst/>
+          </a:prstGeom>
+        </p:spPr>
+        <p:txBody>
+          <a:bodyPr spcFirstLastPara="1" wrap="square" lIns="91425" tIns="91425" rIns="91425" bIns="91425" anchor="t" anchorCtr="0">
+            <a:noAutofit/>
+          </a:bodyPr>
+          <a:lstStyle/>
+          <a:p>
+            <a:pPr marL="0" lvl="0" indent="0" algn="r" rtl="0">
+              <a:spcBef>
+                <a:spcPts val="0"/>
+              </a:spcBef>
+              <a:spcAft>
+                <a:spcPts val="0"/>
+              </a:spcAft>
+              <a:buNone/>
+            </a:pPr>
+            <a:fld id="{00000000-1234-1234-1234-123412341234}" type="slidenum">
+              <a:rPr lang="en"/>
+              <a:t>37</a:t>
+            </a:fld>
+            <a:endParaRPr/>
+          </a:p>
+        </p:txBody>
+      </p:sp>
+    </p:spTree>
+    <p:extLst>
+      <p:ext uri="{BB962C8B-B14F-4D97-AF65-F5344CB8AC3E}">
+        <p14:creationId xmlns:p14="http://schemas.microsoft.com/office/powerpoint/2010/main" val="3753200419"/>
+      </p:ext>
+    </p:extLst>
+  </p:cSld>
+  <p:clrMapOvr>
+    <a:masterClrMapping/>
+  </p:clrMapOvr>
+</p:sld>
+</file>
+
+<file path=ppt/slides/slide38.xml><?xml version="1.0" encoding="utf-8"?>
+<p:sld xmlns:a="http://schemas.openxmlformats.org/drawingml/2006/main" xmlns:r="http://schemas.openxmlformats.org/officeDocument/2006/relationships" xmlns:p="http://schemas.openxmlformats.org/presentationml/2006/main">
+  <p:cSld>
+    <p:spTree>
+      <p:nvGrpSpPr>
+        <p:cNvPr id="1" name="Shape 96"/>
+        <p:cNvGrpSpPr/>
+        <p:nvPr/>
+      </p:nvGrpSpPr>
+      <p:grpSpPr>
+        <a:xfrm>
+          <a:off x="0" y="0"/>
+          <a:ext cx="0" cy="0"/>
+          <a:chOff x="0" y="0"/>
+          <a:chExt cx="0" cy="0"/>
+        </a:xfrm>
+      </p:grpSpPr>
+      <p:sp>
+        <p:nvSpPr>
+          <p:cNvPr id="97" name="Google Shape;97;p15"/>
+          <p:cNvSpPr txBox="1">
+            <a:spLocks noGrp="1"/>
+          </p:cNvSpPr>
+          <p:nvPr>
+            <p:ph type="ctrTitle"/>
+          </p:nvPr>
+        </p:nvSpPr>
+        <p:spPr>
+          <a:xfrm>
+            <a:off x="1655700" y="1991850"/>
+            <a:ext cx="5832600" cy="1159800"/>
+          </a:xfrm>
+          <a:prstGeom prst="rect">
+            <a:avLst/>
+          </a:prstGeom>
+        </p:spPr>
+        <p:txBody>
+          <a:bodyPr spcFirstLastPara="1" wrap="square" lIns="91425" tIns="91425" rIns="91425" bIns="91425" anchor="ctr" anchorCtr="0">
+            <a:noAutofit/>
+          </a:bodyPr>
+          <a:lstStyle/>
+          <a:p>
+            <a:pPr marL="0" lvl="0" indent="0" algn="ctr" rtl="0">
+              <a:spcBef>
+                <a:spcPts val="0"/>
+              </a:spcBef>
+              <a:spcAft>
+                <a:spcPts val="0"/>
+              </a:spcAft>
+              <a:buNone/>
+            </a:pPr>
+            <a:r>
+              <a:rPr lang="en-US" sz="6000">
+                <a:solidFill>
+                  <a:srgbClr val="E6E6E6"/>
+                </a:solidFill>
+              </a:rPr>
+              <a:t>5</a:t>
+            </a:r>
+            <a:endParaRPr sz="6000">
+              <a:solidFill>
+                <a:srgbClr val="E6E6E6"/>
+              </a:solidFill>
+            </a:endParaRPr>
+          </a:p>
+          <a:p>
+            <a:r>
+              <a:rPr lang="en-US">
+                <a:effectLst/>
+              </a:rPr>
+              <a:t>Web Scraping</a:t>
+            </a:r>
+            <a:endParaRPr/>
+          </a:p>
+        </p:txBody>
+      </p:sp>
+      <p:sp>
+        <p:nvSpPr>
+          <p:cNvPr id="99" name="Google Shape;99;p15"/>
+          <p:cNvSpPr txBox="1">
+            <a:spLocks noGrp="1"/>
+          </p:cNvSpPr>
+          <p:nvPr>
+            <p:ph type="sldNum" idx="4294967295"/>
+          </p:nvPr>
+        </p:nvSpPr>
+        <p:spPr>
+          <a:xfrm>
+            <a:off x="8404384" y="4749851"/>
+            <a:ext cx="548700" cy="393600"/>
+          </a:xfrm>
+          <a:prstGeom prst="rect">
+            <a:avLst/>
+          </a:prstGeom>
+        </p:spPr>
+        <p:txBody>
+          <a:bodyPr spcFirstLastPara="1" wrap="square" lIns="91425" tIns="91425" rIns="91425" bIns="91425" anchor="t" anchorCtr="0">
+            <a:noAutofit/>
+          </a:bodyPr>
+          <a:lstStyle/>
+          <a:p>
+            <a:pPr marL="0" lvl="0" indent="0" algn="r" rtl="0">
+              <a:spcBef>
+                <a:spcPts val="0"/>
+              </a:spcBef>
+              <a:spcAft>
+                <a:spcPts val="0"/>
+              </a:spcAft>
+              <a:buNone/>
+            </a:pPr>
+            <a:fld id="{00000000-1234-1234-1234-123412341234}" type="slidenum">
+              <a:rPr lang="en"/>
+              <a:t>38</a:t>
+            </a:fld>
+            <a:endParaRPr/>
+          </a:p>
+        </p:txBody>
+      </p:sp>
+    </p:spTree>
+    <p:extLst>
+      <p:ext uri="{BB962C8B-B14F-4D97-AF65-F5344CB8AC3E}">
         <p14:creationId xmlns:p14="http://schemas.microsoft.com/office/powerpoint/2010/main" val="3538335587"/>
       </p:ext>
     </p:extLst>
@@ -20082,7 +20605,7 @@
 </p:sld>
 </file>
 
-<file path=ppt/slides/slide37.xml><?xml version="1.0" encoding="utf-8"?>
+<file path=ppt/slides/slide39.xml><?xml version="1.0" encoding="utf-8"?>
 <p:sld xmlns:a="http://schemas.openxmlformats.org/drawingml/2006/main" xmlns:r="http://schemas.openxmlformats.org/officeDocument/2006/relationships" xmlns:p="http://schemas.openxmlformats.org/presentationml/2006/main">
   <p:cSld>
     <p:spTree>
@@ -20313,158 +20836,7 @@
             </a:pPr>
             <a:fld id="{00000000-1234-1234-1234-123412341234}" type="slidenum">
               <a:rPr lang="en"/>
-              <a:t>37</a:t>
-            </a:fld>
-            <a:endParaRPr/>
-          </a:p>
-        </p:txBody>
-      </p:sp>
-    </p:spTree>
-  </p:cSld>
-  <p:clrMapOvr>
-    <a:masterClrMapping/>
-  </p:clrMapOvr>
-</p:sld>
-</file>
-
-<file path=ppt/slides/slide38.xml><?xml version="1.0" encoding="utf-8"?>
-<p:sld xmlns:a="http://schemas.openxmlformats.org/drawingml/2006/main" xmlns:r="http://schemas.openxmlformats.org/officeDocument/2006/relationships" xmlns:p="http://schemas.openxmlformats.org/presentationml/2006/main">
-  <p:cSld>
-    <p:spTree>
-      <p:nvGrpSpPr>
-        <p:cNvPr id="1" name="Shape 246"/>
-        <p:cNvGrpSpPr/>
-        <p:nvPr/>
-      </p:nvGrpSpPr>
-      <p:grpSpPr>
-        <a:xfrm>
-          <a:off x="0" y="0"/>
-          <a:ext cx="0" cy="0"/>
-          <a:chOff x="0" y="0"/>
-          <a:chExt cx="0" cy="0"/>
-        </a:xfrm>
-      </p:grpSpPr>
-      <p:sp>
-        <p:nvSpPr>
-          <p:cNvPr id="247" name="Google Shape;247;p27"/>
-          <p:cNvSpPr txBox="1">
-            <a:spLocks noGrp="1"/>
-          </p:cNvSpPr>
-          <p:nvPr>
-            <p:ph type="ctrTitle" idx="4294967295"/>
-          </p:nvPr>
-        </p:nvSpPr>
-        <p:spPr>
-          <a:xfrm>
-            <a:off x="685800" y="1735742"/>
-            <a:ext cx="7772400" cy="1159800"/>
-          </a:xfrm>
-          <a:prstGeom prst="rect">
-            <a:avLst/>
-          </a:prstGeom>
-        </p:spPr>
-        <p:txBody>
-          <a:bodyPr spcFirstLastPara="1" wrap="square" lIns="91425" tIns="91425" rIns="91425" bIns="91425" anchor="b" anchorCtr="0">
-            <a:noAutofit/>
-          </a:bodyPr>
-          <a:lstStyle/>
-          <a:p>
-            <a:pPr marL="0" lvl="0" indent="0" algn="ctr" rtl="0">
-              <a:spcBef>
-                <a:spcPts val="0"/>
-              </a:spcBef>
-              <a:spcAft>
-                <a:spcPts val="0"/>
-              </a:spcAft>
-              <a:buNone/>
-            </a:pPr>
-            <a:r>
-              <a:rPr lang="en" sz="9600" b="1"/>
-              <a:t>89,526,124</a:t>
-            </a:r>
-            <a:endParaRPr sz="9600" b="1"/>
-          </a:p>
-        </p:txBody>
-      </p:sp>
-      <p:sp>
-        <p:nvSpPr>
-          <p:cNvPr id="248" name="Google Shape;248;p27"/>
-          <p:cNvSpPr txBox="1">
-            <a:spLocks noGrp="1"/>
-          </p:cNvSpPr>
-          <p:nvPr>
-            <p:ph type="subTitle" idx="4294967295"/>
-          </p:nvPr>
-        </p:nvSpPr>
-        <p:spPr>
-          <a:xfrm>
-            <a:off x="685800" y="2840053"/>
-            <a:ext cx="7772400" cy="784800"/>
-          </a:xfrm>
-          <a:prstGeom prst="rect">
-            <a:avLst/>
-          </a:prstGeom>
-        </p:spPr>
-        <p:txBody>
-          <a:bodyPr spcFirstLastPara="1" wrap="square" lIns="91425" tIns="91425" rIns="91425" bIns="91425" anchor="t" anchorCtr="0">
-            <a:noAutofit/>
-          </a:bodyPr>
-          <a:lstStyle/>
-          <a:p>
-            <a:pPr marL="0" lvl="0" indent="0" algn="ctr" rtl="0">
-              <a:spcBef>
-                <a:spcPts val="600"/>
-              </a:spcBef>
-              <a:spcAft>
-                <a:spcPts val="0"/>
-              </a:spcAft>
-              <a:buNone/>
-            </a:pPr>
-            <a:r>
-              <a:rPr lang="en"/>
-              <a:t>Whoa! That’s a big number, aren’t you proud?</a:t>
-            </a:r>
-            <a:endParaRPr/>
-          </a:p>
-        </p:txBody>
-      </p:sp>
-      <p:sp>
-        <p:nvSpPr>
-          <p:cNvPr id="249" name="Google Shape;249;p27"/>
-          <p:cNvSpPr txBox="1">
-            <a:spLocks noGrp="1"/>
-          </p:cNvSpPr>
-          <p:nvPr>
-            <p:ph type="sldNum" idx="12"/>
-          </p:nvPr>
-        </p:nvSpPr>
-        <p:spPr>
-          <a:xfrm>
-            <a:off x="8404384" y="4749851"/>
-            <a:ext cx="548700" cy="393600"/>
-          </a:xfrm>
-          <a:prstGeom prst="rect">
-            <a:avLst/>
-          </a:prstGeom>
-        </p:spPr>
-        <p:txBody>
-          <a:bodyPr spcFirstLastPara="1" wrap="square" lIns="91425" tIns="91425" rIns="91425" bIns="91425" anchor="t" anchorCtr="0">
-            <a:noAutofit/>
-          </a:bodyPr>
-          <a:lstStyle/>
-          <a:p>
-            <a:pPr marL="0" lvl="0" indent="0" algn="r" rtl="0">
-              <a:spcBef>
-                <a:spcPts val="0"/>
-              </a:spcBef>
-              <a:spcAft>
-                <a:spcPts val="0"/>
-              </a:spcAft>
-              <a:buNone/>
-            </a:pPr>
-            <a:fld id="{00000000-1234-1234-1234-123412341234}" type="slidenum">
-              <a:rPr lang="en"/>
-              <a:t>38</a:t>
+              <a:t>39</a:t>
             </a:fld>
             <a:endParaRPr/>
           </a:p>
@@ -20607,6 +20979,157 @@
         <p14:creationId xmlns:p14="http://schemas.microsoft.com/office/powerpoint/2010/main" val="2048105302"/>
       </p:ext>
     </p:extLst>
+  </p:cSld>
+  <p:clrMapOvr>
+    <a:masterClrMapping/>
+  </p:clrMapOvr>
+</p:sld>
+</file>
+
+<file path=ppt/slides/slide40.xml><?xml version="1.0" encoding="utf-8"?>
+<p:sld xmlns:a="http://schemas.openxmlformats.org/drawingml/2006/main" xmlns:r="http://schemas.openxmlformats.org/officeDocument/2006/relationships" xmlns:p="http://schemas.openxmlformats.org/presentationml/2006/main">
+  <p:cSld>
+    <p:spTree>
+      <p:nvGrpSpPr>
+        <p:cNvPr id="1" name="Shape 246"/>
+        <p:cNvGrpSpPr/>
+        <p:nvPr/>
+      </p:nvGrpSpPr>
+      <p:grpSpPr>
+        <a:xfrm>
+          <a:off x="0" y="0"/>
+          <a:ext cx="0" cy="0"/>
+          <a:chOff x="0" y="0"/>
+          <a:chExt cx="0" cy="0"/>
+        </a:xfrm>
+      </p:grpSpPr>
+      <p:sp>
+        <p:nvSpPr>
+          <p:cNvPr id="247" name="Google Shape;247;p27"/>
+          <p:cNvSpPr txBox="1">
+            <a:spLocks noGrp="1"/>
+          </p:cNvSpPr>
+          <p:nvPr>
+            <p:ph type="ctrTitle" idx="4294967295"/>
+          </p:nvPr>
+        </p:nvSpPr>
+        <p:spPr>
+          <a:xfrm>
+            <a:off x="685800" y="1735742"/>
+            <a:ext cx="7772400" cy="1159800"/>
+          </a:xfrm>
+          <a:prstGeom prst="rect">
+            <a:avLst/>
+          </a:prstGeom>
+        </p:spPr>
+        <p:txBody>
+          <a:bodyPr spcFirstLastPara="1" wrap="square" lIns="91425" tIns="91425" rIns="91425" bIns="91425" anchor="b" anchorCtr="0">
+            <a:noAutofit/>
+          </a:bodyPr>
+          <a:lstStyle/>
+          <a:p>
+            <a:pPr marL="0" lvl="0" indent="0" algn="ctr" rtl="0">
+              <a:spcBef>
+                <a:spcPts val="0"/>
+              </a:spcBef>
+              <a:spcAft>
+                <a:spcPts val="0"/>
+              </a:spcAft>
+              <a:buNone/>
+            </a:pPr>
+            <a:r>
+              <a:rPr lang="en" sz="9600" b="1"/>
+              <a:t>89,526,124</a:t>
+            </a:r>
+            <a:endParaRPr sz="9600" b="1"/>
+          </a:p>
+        </p:txBody>
+      </p:sp>
+      <p:sp>
+        <p:nvSpPr>
+          <p:cNvPr id="248" name="Google Shape;248;p27"/>
+          <p:cNvSpPr txBox="1">
+            <a:spLocks noGrp="1"/>
+          </p:cNvSpPr>
+          <p:nvPr>
+            <p:ph type="subTitle" idx="4294967295"/>
+          </p:nvPr>
+        </p:nvSpPr>
+        <p:spPr>
+          <a:xfrm>
+            <a:off x="685800" y="2840053"/>
+            <a:ext cx="7772400" cy="784800"/>
+          </a:xfrm>
+          <a:prstGeom prst="rect">
+            <a:avLst/>
+          </a:prstGeom>
+        </p:spPr>
+        <p:txBody>
+          <a:bodyPr spcFirstLastPara="1" wrap="square" lIns="91425" tIns="91425" rIns="91425" bIns="91425" anchor="t" anchorCtr="0">
+            <a:noAutofit/>
+          </a:bodyPr>
+          <a:lstStyle/>
+          <a:p>
+            <a:pPr marL="0" lvl="0" indent="0" algn="ctr" rtl="0">
+              <a:spcBef>
+                <a:spcPts val="600"/>
+              </a:spcBef>
+              <a:spcAft>
+                <a:spcPts val="0"/>
+              </a:spcAft>
+              <a:buNone/>
+            </a:pPr>
+            <a:r>
+              <a:rPr lang="en"/>
+              <a:t>Whoa! That’s a big number, aren’t you proud?</a:t>
+            </a:r>
+            <a:endParaRPr/>
+          </a:p>
+        </p:txBody>
+      </p:sp>
+      <p:sp>
+        <p:nvSpPr>
+          <p:cNvPr id="249" name="Google Shape;249;p27"/>
+          <p:cNvSpPr txBox="1">
+            <a:spLocks noGrp="1"/>
+          </p:cNvSpPr>
+          <p:nvPr>
+            <p:ph type="sldNum" idx="12"/>
+          </p:nvPr>
+        </p:nvSpPr>
+        <p:spPr>
+          <a:xfrm>
+            <a:off x="8404384" y="4749851"/>
+            <a:ext cx="548700" cy="393600"/>
+          </a:xfrm>
+          <a:prstGeom prst="rect">
+            <a:avLst/>
+          </a:prstGeom>
+        </p:spPr>
+        <p:txBody>
+          <a:bodyPr spcFirstLastPara="1" wrap="square" lIns="91425" tIns="91425" rIns="91425" bIns="91425" anchor="t" anchorCtr="0">
+            <a:noAutofit/>
+          </a:bodyPr>
+          <a:lstStyle/>
+          <a:p>
+            <a:pPr marL="0" lvl="0" indent="0" algn="r" rtl="0">
+              <a:spcBef>
+                <a:spcPts val="0"/>
+              </a:spcBef>
+              <a:spcAft>
+                <a:spcPts val="0"/>
+              </a:spcAft>
+              <a:buNone/>
+            </a:pPr>
+            <a:fld id="{00000000-1234-1234-1234-123412341234}" type="slidenum">
+              <a:rPr lang="en"/>
+              <a:t>40</a:t>
+            </a:fld>
+            <a:endParaRPr/>
+          </a:p>
+        </p:txBody>
+      </p:sp>
+    </p:spTree>
   </p:cSld>
   <p:clrMapOvr>
     <a:masterClrMapping/>

--- a/Python.pptx
+++ b/Python.pptx
@@ -5,10 +5,10 @@
     <p:sldMasterId id="2147483658" r:id="rId1"/>
   </p:sldMasterIdLst>
   <p:notesMasterIdLst>
-    <p:notesMasterId r:id="rId45"/>
+    <p:notesMasterId r:id="rId49"/>
   </p:notesMasterIdLst>
   <p:handoutMasterIdLst>
-    <p:handoutMasterId r:id="rId46"/>
+    <p:handoutMasterId r:id="rId50"/>
   </p:handoutMasterIdLst>
   <p:sldIdLst>
     <p:sldId id="256" r:id="rId2"/>
@@ -19,22 +19,22 @@
     <p:sldId id="321" r:id="rId7"/>
     <p:sldId id="259" r:id="rId8"/>
     <p:sldId id="285" r:id="rId9"/>
-    <p:sldId id="292" r:id="rId10"/>
-    <p:sldId id="290" r:id="rId11"/>
-    <p:sldId id="312" r:id="rId12"/>
-    <p:sldId id="291" r:id="rId13"/>
-    <p:sldId id="293" r:id="rId14"/>
-    <p:sldId id="294" r:id="rId15"/>
-    <p:sldId id="295" r:id="rId16"/>
-    <p:sldId id="296" r:id="rId17"/>
-    <p:sldId id="297" r:id="rId18"/>
-    <p:sldId id="298" r:id="rId19"/>
-    <p:sldId id="299" r:id="rId20"/>
-    <p:sldId id="300" r:id="rId21"/>
-    <p:sldId id="301" r:id="rId22"/>
-    <p:sldId id="302" r:id="rId23"/>
-    <p:sldId id="303" r:id="rId24"/>
-    <p:sldId id="304" r:id="rId25"/>
+    <p:sldId id="290" r:id="rId10"/>
+    <p:sldId id="312" r:id="rId11"/>
+    <p:sldId id="291" r:id="rId12"/>
+    <p:sldId id="293" r:id="rId13"/>
+    <p:sldId id="294" r:id="rId14"/>
+    <p:sldId id="295" r:id="rId15"/>
+    <p:sldId id="296" r:id="rId16"/>
+    <p:sldId id="297" r:id="rId17"/>
+    <p:sldId id="298" r:id="rId18"/>
+    <p:sldId id="299" r:id="rId19"/>
+    <p:sldId id="300" r:id="rId20"/>
+    <p:sldId id="301" r:id="rId21"/>
+    <p:sldId id="302" r:id="rId22"/>
+    <p:sldId id="303" r:id="rId23"/>
+    <p:sldId id="304" r:id="rId24"/>
+    <p:sldId id="330" r:id="rId25"/>
     <p:sldId id="305" r:id="rId26"/>
     <p:sldId id="307" r:id="rId27"/>
     <p:sldId id="309" r:id="rId28"/>
@@ -47,47 +47,51 @@
     <p:sldId id="318" r:id="rId35"/>
     <p:sldId id="319" r:id="rId36"/>
     <p:sldId id="281" r:id="rId37"/>
-    <p:sldId id="289" r:id="rId38"/>
-    <p:sldId id="282" r:id="rId39"/>
-    <p:sldId id="283" r:id="rId40"/>
-    <p:sldId id="286" r:id="rId41"/>
-    <p:sldId id="287" r:id="rId42"/>
-    <p:sldId id="280" r:id="rId43"/>
-    <p:sldId id="271" r:id="rId44"/>
+    <p:sldId id="328" r:id="rId38"/>
+    <p:sldId id="327" r:id="rId39"/>
+    <p:sldId id="329" r:id="rId40"/>
+    <p:sldId id="325" r:id="rId41"/>
+    <p:sldId id="289" r:id="rId42"/>
+    <p:sldId id="323" r:id="rId43"/>
+    <p:sldId id="324" r:id="rId44"/>
+    <p:sldId id="326" r:id="rId45"/>
+    <p:sldId id="287" r:id="rId46"/>
+    <p:sldId id="280" r:id="rId47"/>
+    <p:sldId id="271" r:id="rId48"/>
   </p:sldIdLst>
   <p:sldSz cx="9144000" cy="5143500" type="screen16x9"/>
   <p:notesSz cx="6858000" cy="9144000"/>
   <p:embeddedFontLst>
     <p:embeddedFont>
       <p:font typeface="Consolas" panose="020B0609020204030204" pitchFamily="49" charset="0"/>
-      <p:regular r:id="rId47"/>
-      <p:bold r:id="rId48"/>
-      <p:italic r:id="rId49"/>
-      <p:boldItalic r:id="rId50"/>
+      <p:regular r:id="rId51"/>
+      <p:bold r:id="rId52"/>
+      <p:italic r:id="rId53"/>
+      <p:boldItalic r:id="rId54"/>
     </p:embeddedFont>
     <p:embeddedFont>
       <p:font typeface="IRANSans" panose="020B0506030804020204" pitchFamily="34" charset="-78"/>
-      <p:regular r:id="rId51"/>
-      <p:bold r:id="rId52"/>
+      <p:regular r:id="rId55"/>
+      <p:bold r:id="rId56"/>
     </p:embeddedFont>
     <p:embeddedFont>
       <p:font typeface="Roboto Slab" panose="020B0604020202020204" charset="0"/>
-      <p:regular r:id="rId53"/>
-      <p:bold r:id="rId54"/>
+      <p:regular r:id="rId57"/>
+      <p:bold r:id="rId58"/>
     </p:embeddedFont>
     <p:embeddedFont>
       <p:font typeface="Source Sans Pro" panose="020B0503030403020204" pitchFamily="34" charset="0"/>
-      <p:regular r:id="rId55"/>
-      <p:bold r:id="rId56"/>
-      <p:italic r:id="rId57"/>
-      <p:boldItalic r:id="rId58"/>
-    </p:embeddedFont>
-    <p:embeddedFont>
-      <p:font typeface="Trebuchet MS" panose="020B0603020202020204" pitchFamily="34" charset="0"/>
       <p:regular r:id="rId59"/>
       <p:bold r:id="rId60"/>
       <p:italic r:id="rId61"/>
       <p:boldItalic r:id="rId62"/>
+    </p:embeddedFont>
+    <p:embeddedFont>
+      <p:font typeface="Trebuchet MS" panose="020B0603020202020204" pitchFamily="34" charset="0"/>
+      <p:regular r:id="rId63"/>
+      <p:bold r:id="rId64"/>
+      <p:italic r:id="rId65"/>
+      <p:boldItalic r:id="rId66"/>
     </p:embeddedFont>
   </p:embeddedFontLst>
   <p:defaultTextStyle>
@@ -7002,7 +7006,7 @@
           <a:p>
             <a:fld id="{7CEEE0ED-A0F5-4442-9C94-5288E26FF1D3}" type="datetimeFigureOut">
               <a:rPr lang="fa-IR" smtClean="0"/>
-              <a:t>07/09/1444</a:t>
+              <a:t>08/09/1444</a:t>
             </a:fld>
             <a:endParaRPr lang="fa-IR"/>
           </a:p>
@@ -7642,110 +7646,6 @@
 </p:notes>
 </file>
 
-<file path=ppt/notesSlides/notesSlide10.xml><?xml version="1.0" encoding="utf-8"?>
-<p:notes xmlns:a="http://schemas.openxmlformats.org/drawingml/2006/main" xmlns:r="http://schemas.openxmlformats.org/officeDocument/2006/relationships" xmlns:p="http://schemas.openxmlformats.org/presentationml/2006/main" showMasterSp="0" showMasterPhAnim="0">
-  <p:cSld>
-    <p:spTree>
-      <p:nvGrpSpPr>
-        <p:cNvPr id="1" name="Shape 243"/>
-        <p:cNvGrpSpPr/>
-        <p:nvPr/>
-      </p:nvGrpSpPr>
-      <p:grpSpPr>
-        <a:xfrm>
-          <a:off x="0" y="0"/>
-          <a:ext cx="0" cy="0"/>
-          <a:chOff x="0" y="0"/>
-          <a:chExt cx="0" cy="0"/>
-        </a:xfrm>
-      </p:grpSpPr>
-      <p:sp>
-        <p:nvSpPr>
-          <p:cNvPr id="244" name="Google Shape;244;g35ed75ccf_028:notes"/>
-          <p:cNvSpPr>
-            <a:spLocks noGrp="1" noRot="1" noChangeAspect="1"/>
-          </p:cNvSpPr>
-          <p:nvPr>
-            <p:ph type="sldImg" idx="2"/>
-          </p:nvPr>
-        </p:nvSpPr>
-        <p:spPr>
-          <a:xfrm>
-            <a:off x="381000" y="685800"/>
-            <a:ext cx="6096000" cy="3429000"/>
-          </a:xfrm>
-          <a:custGeom>
-            <a:avLst/>
-            <a:gdLst/>
-            <a:ahLst/>
-            <a:cxnLst/>
-            <a:rect l="l" t="t" r="r" b="b"/>
-            <a:pathLst>
-              <a:path w="120000" h="120000" extrusionOk="0">
-                <a:moveTo>
-                  <a:pt x="0" y="0"/>
-                </a:moveTo>
-                <a:lnTo>
-                  <a:pt x="120000" y="0"/>
-                </a:lnTo>
-                <a:lnTo>
-                  <a:pt x="120000" y="120000"/>
-                </a:lnTo>
-                <a:lnTo>
-                  <a:pt x="0" y="120000"/>
-                </a:lnTo>
-                <a:close/>
-              </a:path>
-            </a:pathLst>
-          </a:custGeom>
-        </p:spPr>
-      </p:sp>
-      <p:sp>
-        <p:nvSpPr>
-          <p:cNvPr id="245" name="Google Shape;245;g35ed75ccf_028:notes"/>
-          <p:cNvSpPr txBox="1">
-            <a:spLocks noGrp="1"/>
-          </p:cNvSpPr>
-          <p:nvPr>
-            <p:ph type="body" idx="1"/>
-          </p:nvPr>
-        </p:nvSpPr>
-        <p:spPr>
-          <a:xfrm>
-            <a:off x="685800" y="4343400"/>
-            <a:ext cx="5486400" cy="4114800"/>
-          </a:xfrm>
-          <a:prstGeom prst="rect">
-            <a:avLst/>
-          </a:prstGeom>
-        </p:spPr>
-        <p:txBody>
-          <a:bodyPr spcFirstLastPara="1" wrap="square" lIns="91425" tIns="91425" rIns="91425" bIns="91425" anchor="t" anchorCtr="0">
-            <a:noAutofit/>
-          </a:bodyPr>
-          <a:lstStyle/>
-          <a:p>
-            <a:pPr marL="0" lvl="0" indent="0" algn="l" rtl="0">
-              <a:spcBef>
-                <a:spcPts val="0"/>
-              </a:spcBef>
-              <a:spcAft>
-                <a:spcPts val="0"/>
-              </a:spcAft>
-              <a:buNone/>
-            </a:pPr>
-            <a:endParaRPr/>
-          </a:p>
-        </p:txBody>
-      </p:sp>
-    </p:spTree>
-  </p:cSld>
-  <p:clrMapOvr>
-    <a:masterClrMapping/>
-  </p:clrMapOvr>
-</p:notes>
-</file>
-
 <file path=ppt/notesSlides/notesSlide2.xml><?xml version="1.0" encoding="utf-8"?>
 <p:notes xmlns:a="http://schemas.openxmlformats.org/drawingml/2006/main" xmlns:r="http://schemas.openxmlformats.org/officeDocument/2006/relationships" xmlns:p="http://schemas.openxmlformats.org/presentationml/2006/main" showMasterSp="0" showMasterPhAnim="0">
   <p:cSld>
@@ -8167,7 +8067,7 @@
     </p:spTree>
     <p:extLst>
       <p:ext uri="{BB962C8B-B14F-4D97-AF65-F5344CB8AC3E}">
-        <p14:creationId xmlns:p14="http://schemas.microsoft.com/office/powerpoint/2010/main" val="3534644512"/>
+        <p14:creationId xmlns:p14="http://schemas.microsoft.com/office/powerpoint/2010/main" val="761799350"/>
       </p:ext>
     </p:extLst>
   </p:cSld>
@@ -8178,333 +8078,6 @@
 </file>
 
 <file path=ppt/notesSlides/notesSlide6.xml><?xml version="1.0" encoding="utf-8"?>
-<p:notes xmlns:a="http://schemas.openxmlformats.org/drawingml/2006/main" xmlns:r="http://schemas.openxmlformats.org/officeDocument/2006/relationships" xmlns:p="http://schemas.openxmlformats.org/presentationml/2006/main" showMasterSp="0" showMasterPhAnim="0">
-  <p:cSld>
-    <p:spTree>
-      <p:nvGrpSpPr>
-        <p:cNvPr id="1" name="Shape 93"/>
-        <p:cNvGrpSpPr/>
-        <p:nvPr/>
-      </p:nvGrpSpPr>
-      <p:grpSpPr>
-        <a:xfrm>
-          <a:off x="0" y="0"/>
-          <a:ext cx="0" cy="0"/>
-          <a:chOff x="0" y="0"/>
-          <a:chExt cx="0" cy="0"/>
-        </a:xfrm>
-      </p:grpSpPr>
-      <p:sp>
-        <p:nvSpPr>
-          <p:cNvPr id="94" name="Google Shape;94;g35f391192_029:notes"/>
-          <p:cNvSpPr>
-            <a:spLocks noGrp="1" noRot="1" noChangeAspect="1"/>
-          </p:cNvSpPr>
-          <p:nvPr>
-            <p:ph type="sldImg" idx="2"/>
-          </p:nvPr>
-        </p:nvSpPr>
-        <p:spPr>
-          <a:xfrm>
-            <a:off x="381000" y="685800"/>
-            <a:ext cx="6096000" cy="3429000"/>
-          </a:xfrm>
-          <a:custGeom>
-            <a:avLst/>
-            <a:gdLst/>
-            <a:ahLst/>
-            <a:cxnLst/>
-            <a:rect l="l" t="t" r="r" b="b"/>
-            <a:pathLst>
-              <a:path w="120000" h="120000" extrusionOk="0">
-                <a:moveTo>
-                  <a:pt x="0" y="0"/>
-                </a:moveTo>
-                <a:lnTo>
-                  <a:pt x="120000" y="0"/>
-                </a:lnTo>
-                <a:lnTo>
-                  <a:pt x="120000" y="120000"/>
-                </a:lnTo>
-                <a:lnTo>
-                  <a:pt x="0" y="120000"/>
-                </a:lnTo>
-                <a:close/>
-              </a:path>
-            </a:pathLst>
-          </a:custGeom>
-        </p:spPr>
-      </p:sp>
-      <p:sp>
-        <p:nvSpPr>
-          <p:cNvPr id="95" name="Google Shape;95;g35f391192_029:notes"/>
-          <p:cNvSpPr txBox="1">
-            <a:spLocks noGrp="1"/>
-          </p:cNvSpPr>
-          <p:nvPr>
-            <p:ph type="body" idx="1"/>
-          </p:nvPr>
-        </p:nvSpPr>
-        <p:spPr>
-          <a:xfrm>
-            <a:off x="685800" y="4343400"/>
-            <a:ext cx="5486400" cy="4114800"/>
-          </a:xfrm>
-          <a:prstGeom prst="rect">
-            <a:avLst/>
-          </a:prstGeom>
-        </p:spPr>
-        <p:txBody>
-          <a:bodyPr spcFirstLastPara="1" wrap="square" lIns="91425" tIns="91425" rIns="91425" bIns="91425" anchor="t" anchorCtr="0">
-            <a:noAutofit/>
-          </a:bodyPr>
-          <a:lstStyle/>
-          <a:p>
-            <a:pPr marL="0" lvl="0" indent="0" algn="l" rtl="0">
-              <a:spcBef>
-                <a:spcPts val="0"/>
-              </a:spcBef>
-              <a:spcAft>
-                <a:spcPts val="0"/>
-              </a:spcAft>
-              <a:buNone/>
-            </a:pPr>
-            <a:endParaRPr/>
-          </a:p>
-        </p:txBody>
-      </p:sp>
-    </p:spTree>
-    <p:extLst>
-      <p:ext uri="{BB962C8B-B14F-4D97-AF65-F5344CB8AC3E}">
-        <p14:creationId xmlns:p14="http://schemas.microsoft.com/office/powerpoint/2010/main" val="1379737879"/>
-      </p:ext>
-    </p:extLst>
-  </p:cSld>
-  <p:clrMapOvr>
-    <a:masterClrMapping/>
-  </p:clrMapOvr>
-</p:notes>
-</file>
-
-<file path=ppt/notesSlides/notesSlide7.xml><?xml version="1.0" encoding="utf-8"?>
-<p:notes xmlns:a="http://schemas.openxmlformats.org/drawingml/2006/main" xmlns:r="http://schemas.openxmlformats.org/officeDocument/2006/relationships" xmlns:p="http://schemas.openxmlformats.org/presentationml/2006/main" showMasterSp="0" showMasterPhAnim="0">
-  <p:cSld>
-    <p:spTree>
-      <p:nvGrpSpPr>
-        <p:cNvPr id="1" name="Shape 93"/>
-        <p:cNvGrpSpPr/>
-        <p:nvPr/>
-      </p:nvGrpSpPr>
-      <p:grpSpPr>
-        <a:xfrm>
-          <a:off x="0" y="0"/>
-          <a:ext cx="0" cy="0"/>
-          <a:chOff x="0" y="0"/>
-          <a:chExt cx="0" cy="0"/>
-        </a:xfrm>
-      </p:grpSpPr>
-      <p:sp>
-        <p:nvSpPr>
-          <p:cNvPr id="94" name="Google Shape;94;g35f391192_029:notes"/>
-          <p:cNvSpPr>
-            <a:spLocks noGrp="1" noRot="1" noChangeAspect="1"/>
-          </p:cNvSpPr>
-          <p:nvPr>
-            <p:ph type="sldImg" idx="2"/>
-          </p:nvPr>
-        </p:nvSpPr>
-        <p:spPr>
-          <a:xfrm>
-            <a:off x="381000" y="685800"/>
-            <a:ext cx="6096000" cy="3429000"/>
-          </a:xfrm>
-          <a:custGeom>
-            <a:avLst/>
-            <a:gdLst/>
-            <a:ahLst/>
-            <a:cxnLst/>
-            <a:rect l="l" t="t" r="r" b="b"/>
-            <a:pathLst>
-              <a:path w="120000" h="120000" extrusionOk="0">
-                <a:moveTo>
-                  <a:pt x="0" y="0"/>
-                </a:moveTo>
-                <a:lnTo>
-                  <a:pt x="120000" y="0"/>
-                </a:lnTo>
-                <a:lnTo>
-                  <a:pt x="120000" y="120000"/>
-                </a:lnTo>
-                <a:lnTo>
-                  <a:pt x="0" y="120000"/>
-                </a:lnTo>
-                <a:close/>
-              </a:path>
-            </a:pathLst>
-          </a:custGeom>
-        </p:spPr>
-      </p:sp>
-      <p:sp>
-        <p:nvSpPr>
-          <p:cNvPr id="95" name="Google Shape;95;g35f391192_029:notes"/>
-          <p:cNvSpPr txBox="1">
-            <a:spLocks noGrp="1"/>
-          </p:cNvSpPr>
-          <p:nvPr>
-            <p:ph type="body" idx="1"/>
-          </p:nvPr>
-        </p:nvSpPr>
-        <p:spPr>
-          <a:xfrm>
-            <a:off x="685800" y="4343400"/>
-            <a:ext cx="5486400" cy="4114800"/>
-          </a:xfrm>
-          <a:prstGeom prst="rect">
-            <a:avLst/>
-          </a:prstGeom>
-        </p:spPr>
-        <p:txBody>
-          <a:bodyPr spcFirstLastPara="1" wrap="square" lIns="91425" tIns="91425" rIns="91425" bIns="91425" anchor="t" anchorCtr="0">
-            <a:noAutofit/>
-          </a:bodyPr>
-          <a:lstStyle/>
-          <a:p>
-            <a:pPr marL="0" lvl="0" indent="0" algn="l" rtl="0">
-              <a:spcBef>
-                <a:spcPts val="0"/>
-              </a:spcBef>
-              <a:spcAft>
-                <a:spcPts val="0"/>
-              </a:spcAft>
-              <a:buNone/>
-            </a:pPr>
-            <a:endParaRPr/>
-          </a:p>
-        </p:txBody>
-      </p:sp>
-    </p:spTree>
-    <p:extLst>
-      <p:ext uri="{BB962C8B-B14F-4D97-AF65-F5344CB8AC3E}">
-        <p14:creationId xmlns:p14="http://schemas.microsoft.com/office/powerpoint/2010/main" val="3135841199"/>
-      </p:ext>
-    </p:extLst>
-  </p:cSld>
-  <p:clrMapOvr>
-    <a:masterClrMapping/>
-  </p:clrMapOvr>
-</p:notes>
-</file>
-
-<file path=ppt/notesSlides/notesSlide8.xml><?xml version="1.0" encoding="utf-8"?>
-<p:notes xmlns:a="http://schemas.openxmlformats.org/drawingml/2006/main" xmlns:r="http://schemas.openxmlformats.org/officeDocument/2006/relationships" xmlns:p="http://schemas.openxmlformats.org/presentationml/2006/main" showMasterSp="0" showMasterPhAnim="0">
-  <p:cSld>
-    <p:spTree>
-      <p:nvGrpSpPr>
-        <p:cNvPr id="1" name="Shape 93"/>
-        <p:cNvGrpSpPr/>
-        <p:nvPr/>
-      </p:nvGrpSpPr>
-      <p:grpSpPr>
-        <a:xfrm>
-          <a:off x="0" y="0"/>
-          <a:ext cx="0" cy="0"/>
-          <a:chOff x="0" y="0"/>
-          <a:chExt cx="0" cy="0"/>
-        </a:xfrm>
-      </p:grpSpPr>
-      <p:sp>
-        <p:nvSpPr>
-          <p:cNvPr id="94" name="Google Shape;94;g35f391192_029:notes"/>
-          <p:cNvSpPr>
-            <a:spLocks noGrp="1" noRot="1" noChangeAspect="1"/>
-          </p:cNvSpPr>
-          <p:nvPr>
-            <p:ph type="sldImg" idx="2"/>
-          </p:nvPr>
-        </p:nvSpPr>
-        <p:spPr>
-          <a:xfrm>
-            <a:off x="381000" y="685800"/>
-            <a:ext cx="6096000" cy="3429000"/>
-          </a:xfrm>
-          <a:custGeom>
-            <a:avLst/>
-            <a:gdLst/>
-            <a:ahLst/>
-            <a:cxnLst/>
-            <a:rect l="l" t="t" r="r" b="b"/>
-            <a:pathLst>
-              <a:path w="120000" h="120000" extrusionOk="0">
-                <a:moveTo>
-                  <a:pt x="0" y="0"/>
-                </a:moveTo>
-                <a:lnTo>
-                  <a:pt x="120000" y="0"/>
-                </a:lnTo>
-                <a:lnTo>
-                  <a:pt x="120000" y="120000"/>
-                </a:lnTo>
-                <a:lnTo>
-                  <a:pt x="0" y="120000"/>
-                </a:lnTo>
-                <a:close/>
-              </a:path>
-            </a:pathLst>
-          </a:custGeom>
-        </p:spPr>
-      </p:sp>
-      <p:sp>
-        <p:nvSpPr>
-          <p:cNvPr id="95" name="Google Shape;95;g35f391192_029:notes"/>
-          <p:cNvSpPr txBox="1">
-            <a:spLocks noGrp="1"/>
-          </p:cNvSpPr>
-          <p:nvPr>
-            <p:ph type="body" idx="1"/>
-          </p:nvPr>
-        </p:nvSpPr>
-        <p:spPr>
-          <a:xfrm>
-            <a:off x="685800" y="4343400"/>
-            <a:ext cx="5486400" cy="4114800"/>
-          </a:xfrm>
-          <a:prstGeom prst="rect">
-            <a:avLst/>
-          </a:prstGeom>
-        </p:spPr>
-        <p:txBody>
-          <a:bodyPr spcFirstLastPara="1" wrap="square" lIns="91425" tIns="91425" rIns="91425" bIns="91425" anchor="t" anchorCtr="0">
-            <a:noAutofit/>
-          </a:bodyPr>
-          <a:lstStyle/>
-          <a:p>
-            <a:pPr marL="0" lvl="0" indent="0" algn="l" rtl="0">
-              <a:spcBef>
-                <a:spcPts val="0"/>
-              </a:spcBef>
-              <a:spcAft>
-                <a:spcPts val="0"/>
-              </a:spcAft>
-              <a:buNone/>
-            </a:pPr>
-            <a:endParaRPr/>
-          </a:p>
-        </p:txBody>
-      </p:sp>
-    </p:spTree>
-    <p:extLst>
-      <p:ext uri="{BB962C8B-B14F-4D97-AF65-F5344CB8AC3E}">
-        <p14:creationId xmlns:p14="http://schemas.microsoft.com/office/powerpoint/2010/main" val="761799350"/>
-      </p:ext>
-    </p:extLst>
-  </p:cSld>
-  <p:clrMapOvr>
-    <a:masterClrMapping/>
-  </p:clrMapOvr>
-</p:notes>
-</file>
-
-<file path=ppt/notesSlides/notesSlide9.xml><?xml version="1.0" encoding="utf-8"?>
 <p:notes xmlns:a="http://schemas.openxmlformats.org/drawingml/2006/main" xmlns:r="http://schemas.openxmlformats.org/officeDocument/2006/relationships" xmlns:p="http://schemas.openxmlformats.org/presentationml/2006/main" showMasterSp="0" showMasterPhAnim="0">
   <p:cSld>
     <p:spTree>
@@ -8565,6 +8138,110 @@
       <p:sp>
         <p:nvSpPr>
           <p:cNvPr id="401" name="Google Shape;401;g35ed75ccf_022:notes"/>
+          <p:cNvSpPr txBox="1">
+            <a:spLocks noGrp="1"/>
+          </p:cNvSpPr>
+          <p:nvPr>
+            <p:ph type="body" idx="1"/>
+          </p:nvPr>
+        </p:nvSpPr>
+        <p:spPr>
+          <a:xfrm>
+            <a:off x="685800" y="4343400"/>
+            <a:ext cx="5486400" cy="4114800"/>
+          </a:xfrm>
+          <a:prstGeom prst="rect">
+            <a:avLst/>
+          </a:prstGeom>
+        </p:spPr>
+        <p:txBody>
+          <a:bodyPr spcFirstLastPara="1" wrap="square" lIns="91425" tIns="91425" rIns="91425" bIns="91425" anchor="t" anchorCtr="0">
+            <a:noAutofit/>
+          </a:bodyPr>
+          <a:lstStyle/>
+          <a:p>
+            <a:pPr marL="0" lvl="0" indent="0" algn="l" rtl="0">
+              <a:spcBef>
+                <a:spcPts val="0"/>
+              </a:spcBef>
+              <a:spcAft>
+                <a:spcPts val="0"/>
+              </a:spcAft>
+              <a:buNone/>
+            </a:pPr>
+            <a:endParaRPr/>
+          </a:p>
+        </p:txBody>
+      </p:sp>
+    </p:spTree>
+  </p:cSld>
+  <p:clrMapOvr>
+    <a:masterClrMapping/>
+  </p:clrMapOvr>
+</p:notes>
+</file>
+
+<file path=ppt/notesSlides/notesSlide7.xml><?xml version="1.0" encoding="utf-8"?>
+<p:notes xmlns:a="http://schemas.openxmlformats.org/drawingml/2006/main" xmlns:r="http://schemas.openxmlformats.org/officeDocument/2006/relationships" xmlns:p="http://schemas.openxmlformats.org/presentationml/2006/main" showMasterSp="0" showMasterPhAnim="0">
+  <p:cSld>
+    <p:spTree>
+      <p:nvGrpSpPr>
+        <p:cNvPr id="1" name="Shape 243"/>
+        <p:cNvGrpSpPr/>
+        <p:nvPr/>
+      </p:nvGrpSpPr>
+      <p:grpSpPr>
+        <a:xfrm>
+          <a:off x="0" y="0"/>
+          <a:ext cx="0" cy="0"/>
+          <a:chOff x="0" y="0"/>
+          <a:chExt cx="0" cy="0"/>
+        </a:xfrm>
+      </p:grpSpPr>
+      <p:sp>
+        <p:nvSpPr>
+          <p:cNvPr id="244" name="Google Shape;244;g35ed75ccf_028:notes"/>
+          <p:cNvSpPr>
+            <a:spLocks noGrp="1" noRot="1" noChangeAspect="1"/>
+          </p:cNvSpPr>
+          <p:nvPr>
+            <p:ph type="sldImg" idx="2"/>
+          </p:nvPr>
+        </p:nvSpPr>
+        <p:spPr>
+          <a:xfrm>
+            <a:off x="381000" y="685800"/>
+            <a:ext cx="6096000" cy="3429000"/>
+          </a:xfrm>
+          <a:custGeom>
+            <a:avLst/>
+            <a:gdLst/>
+            <a:ahLst/>
+            <a:cxnLst/>
+            <a:rect l="l" t="t" r="r" b="b"/>
+            <a:pathLst>
+              <a:path w="120000" h="120000" extrusionOk="0">
+                <a:moveTo>
+                  <a:pt x="0" y="0"/>
+                </a:moveTo>
+                <a:lnTo>
+                  <a:pt x="120000" y="0"/>
+                </a:lnTo>
+                <a:lnTo>
+                  <a:pt x="120000" y="120000"/>
+                </a:lnTo>
+                <a:lnTo>
+                  <a:pt x="0" y="120000"/>
+                </a:lnTo>
+                <a:close/>
+              </a:path>
+            </a:pathLst>
+          </a:custGeom>
+        </p:spPr>
+      </p:sp>
+      <p:sp>
+        <p:nvSpPr>
+          <p:cNvPr id="245" name="Google Shape;245;g35ed75ccf_028:notes"/>
           <p:cNvSpPr txBox="1">
             <a:spLocks noGrp="1"/>
           </p:cNvSpPr>
@@ -11939,11 +11616,7 @@
             </a:pPr>
             <a:r>
               <a:rPr lang="en-US" sz="5400"/>
-              <a:t>Programming with </a:t>
-            </a:r>
-            <a:r>
-              <a:rPr lang="en" sz="5400"/>
-              <a:t>Python</a:t>
+              <a:t>Learn Python Programming</a:t>
             </a:r>
             <a:endParaRPr sz="5400"/>
           </a:p>
@@ -11996,8 +11669,8 @@
           <a:lstStyle/>
           <a:p>
             <a:r>
-              <a:rPr lang="en-US"/>
-              <a:t>Syntax</a:t>
+              <a:rPr lang="en-US" sz="2400"/>
+              <a:t>Output and Input</a:t>
             </a:r>
             <a:endParaRPr lang="fa-IR"/>
           </a:p>
@@ -12034,20 +11707,13 @@
             </a:pPr>
             <a:r>
               <a:rPr lang="en-US" sz="1400"/>
-              <a:t>Variables</a:t>
-            </a:r>
-          </a:p>
-          <a:p>
-            <a:pPr marL="76200" indent="0">
-              <a:buNone/>
-            </a:pPr>
-            <a:r>
-              <a:rPr lang="en-US" sz="1100">
-                <a:latin typeface="Consolas" panose="020B0609020204030204" pitchFamily="49" charset="0"/>
-                <a:cs typeface="Courier New" panose="02070309020205020404" pitchFamily="49" charset="0"/>
-              </a:rPr>
-              <a:t>x </a:t>
-            </a:r>
+              <a:t>Display output on the screen</a:t>
+            </a:r>
+          </a:p>
+          <a:p>
+            <a:pPr marL="76200" indent="0">
+              <a:buNone/>
+            </a:pPr>
             <a:r>
               <a:rPr lang="en-US" sz="1100">
                 <a:solidFill>
@@ -12056,33 +11722,58 @@
                 <a:latin typeface="Consolas" panose="020B0609020204030204" pitchFamily="49" charset="0"/>
                 <a:cs typeface="Courier New" panose="02070309020205020404" pitchFamily="49" charset="0"/>
               </a:rPr>
-              <a:t>=</a:t>
-            </a:r>
-            <a:r>
-              <a:rPr lang="en-US" sz="1100">
-                <a:latin typeface="Consolas" panose="020B0609020204030204" pitchFamily="49" charset="0"/>
-                <a:cs typeface="Courier New" panose="02070309020205020404" pitchFamily="49" charset="0"/>
-              </a:rPr>
-              <a:t> 5</a:t>
-            </a:r>
-          </a:p>
-          <a:p>
-            <a:pPr marL="76200" indent="0">
-              <a:buNone/>
-            </a:pPr>
-            <a:r>
-              <a:rPr lang="en-US" sz="1100">
-                <a:latin typeface="Consolas" panose="020B0609020204030204" pitchFamily="49" charset="0"/>
-                <a:cs typeface="Courier New" panose="02070309020205020404" pitchFamily="49" charset="0"/>
-              </a:rPr>
-              <a:t>y = 'Hello World!'</a:t>
-            </a:r>
-          </a:p>
-          <a:p>
-            <a:pPr marL="76200" indent="0">
-              <a:buNone/>
-            </a:pPr>
-            <a:endParaRPr lang="en-US" sz="1200">
+              <a:t>print(</a:t>
+            </a:r>
+            <a:r>
+              <a:rPr lang="en-US" sz="1100">
+                <a:latin typeface="Consolas" panose="020B0609020204030204" pitchFamily="49" charset="0"/>
+                <a:cs typeface="Courier New" panose="02070309020205020404" pitchFamily="49" charset="0"/>
+              </a:rPr>
+              <a:t>'Hello World!'</a:t>
+            </a:r>
+            <a:r>
+              <a:rPr lang="en-US" sz="1100">
+                <a:solidFill>
+                  <a:schemeClr val="accent1"/>
+                </a:solidFill>
+                <a:latin typeface="Consolas" panose="020B0609020204030204" pitchFamily="49" charset="0"/>
+                <a:cs typeface="Courier New" panose="02070309020205020404" pitchFamily="49" charset="0"/>
+              </a:rPr>
+              <a:t>)</a:t>
+            </a:r>
+          </a:p>
+          <a:p>
+            <a:pPr marL="76200" indent="0">
+              <a:buNone/>
+            </a:pPr>
+            <a:r>
+              <a:rPr lang="en-US" sz="1100">
+                <a:latin typeface="Consolas" panose="020B0609020204030204" pitchFamily="49" charset="0"/>
+                <a:cs typeface="Courier New" panose="02070309020205020404" pitchFamily="49" charset="0"/>
+              </a:rPr>
+              <a:t>print('Hello'</a:t>
+            </a:r>
+            <a:r>
+              <a:rPr lang="en-US" sz="1100">
+                <a:solidFill>
+                  <a:schemeClr val="accent1"/>
+                </a:solidFill>
+                <a:latin typeface="Consolas" panose="020B0609020204030204" pitchFamily="49" charset="0"/>
+                <a:cs typeface="Courier New" panose="02070309020205020404" pitchFamily="49" charset="0"/>
+              </a:rPr>
+              <a:t> +</a:t>
+            </a:r>
+            <a:r>
+              <a:rPr lang="en-US" sz="1100">
+                <a:latin typeface="Consolas" panose="020B0609020204030204" pitchFamily="49" charset="0"/>
+                <a:cs typeface="Courier New" panose="02070309020205020404" pitchFamily="49" charset="0"/>
+              </a:rPr>
+              <a:t> ' World!')</a:t>
+            </a:r>
+            <a:endParaRPr lang="en-US" sz="1100">
+              <a:solidFill>
+                <a:schemeClr val="accent1"/>
+              </a:solidFill>
               <a:latin typeface="Consolas" panose="020B0609020204030204" pitchFamily="49" charset="0"/>
               <a:cs typeface="Courier New" panose="02070309020205020404" pitchFamily="49" charset="0"/>
             </a:endParaRPr>
@@ -12092,14 +11783,12 @@
               <a:buNone/>
             </a:pPr>
             <a:r>
-              <a:rPr lang="en-US" sz="1400"/>
-              <a:t>Comments</a:t>
-            </a:r>
-          </a:p>
-          <a:p>
-            <a:pPr marL="76200" indent="0">
-              <a:buNone/>
-            </a:pPr>
+              <a:rPr lang="en-US" sz="1100">
+                <a:latin typeface="Consolas" panose="020B0609020204030204" pitchFamily="49" charset="0"/>
+                <a:cs typeface="Courier New" panose="02070309020205020404" pitchFamily="49" charset="0"/>
+              </a:rPr>
+              <a:t>print('Hello'</a:t>
+            </a:r>
             <a:r>
               <a:rPr lang="en-US" sz="1100">
                 <a:solidFill>
@@ -12108,21 +11797,50 @@
                 <a:latin typeface="Consolas" panose="020B0609020204030204" pitchFamily="49" charset="0"/>
                 <a:cs typeface="Courier New" panose="02070309020205020404" pitchFamily="49" charset="0"/>
               </a:rPr>
-              <a:t>#</a:t>
-            </a:r>
-            <a:r>
-              <a:rPr lang="en-US" sz="1100">
-                <a:latin typeface="Consolas" panose="020B0609020204030204" pitchFamily="49" charset="0"/>
-                <a:cs typeface="Courier New" panose="02070309020205020404" pitchFamily="49" charset="0"/>
-              </a:rPr>
-              <a:t> This is a comment.</a:t>
-            </a:r>
-          </a:p>
-          <a:p>
-            <a:pPr marL="76200" indent="0">
-              <a:buNone/>
-            </a:pPr>
-            <a:endParaRPr lang="en-US" sz="1200">
+              <a:t>,</a:t>
+            </a:r>
+            <a:r>
+              <a:rPr lang="en-US" sz="1100">
+                <a:latin typeface="Consolas" panose="020B0609020204030204" pitchFamily="49" charset="0"/>
+                <a:cs typeface="Courier New" panose="02070309020205020404" pitchFamily="49" charset="0"/>
+              </a:rPr>
+              <a:t> ' World!')</a:t>
+            </a:r>
+          </a:p>
+          <a:p>
+            <a:pPr marL="76200" indent="0">
+              <a:buNone/>
+            </a:pPr>
+            <a:r>
+              <a:rPr lang="en-US" sz="1100">
+                <a:latin typeface="Consolas" panose="020B0609020204030204" pitchFamily="49" charset="0"/>
+                <a:cs typeface="Courier New" panose="02070309020205020404" pitchFamily="49" charset="0"/>
+              </a:rPr>
+              <a:t>print('Hello', ' World', </a:t>
+            </a:r>
+            <a:r>
+              <a:rPr lang="en-US" sz="1100">
+                <a:solidFill>
+                  <a:schemeClr val="accent1"/>
+                </a:solidFill>
+                <a:latin typeface="Consolas" panose="020B0609020204030204" pitchFamily="49" charset="0"/>
+                <a:cs typeface="Courier New" panose="02070309020205020404" pitchFamily="49" charset="0"/>
+              </a:rPr>
+              <a:t>sep = </a:t>
+            </a:r>
+            <a:r>
+              <a:rPr lang="en-US" sz="1100">
+                <a:latin typeface="Consolas" panose="020B0609020204030204" pitchFamily="49" charset="0"/>
+                <a:cs typeface="Courier New" panose="02070309020205020404" pitchFamily="49" charset="0"/>
+              </a:rPr>
+              <a:t>'!')</a:t>
+            </a:r>
+          </a:p>
+          <a:p>
+            <a:pPr marL="76200" indent="0">
+              <a:buNone/>
+            </a:pPr>
+            <a:endParaRPr lang="en-US" sz="1100">
               <a:latin typeface="Consolas" panose="020B0609020204030204" pitchFamily="49" charset="0"/>
               <a:cs typeface="Courier New" panose="02070309020205020404" pitchFamily="49" charset="0"/>
             </a:endParaRPr>
@@ -12133,42 +11851,66 @@
             </a:pPr>
             <a:r>
               <a:rPr lang="en-US" sz="1400"/>
-              <a:t>Indentation</a:t>
-            </a:r>
-          </a:p>
-          <a:p>
-            <a:pPr marL="76200" indent="0">
-              <a:buNone/>
-            </a:pPr>
-            <a:r>
-              <a:rPr lang="en-US" sz="1100">
-                <a:latin typeface="Consolas" panose="020B0609020204030204" pitchFamily="49" charset="0"/>
-                <a:cs typeface="Courier New" panose="02070309020205020404" pitchFamily="49" charset="0"/>
-              </a:rPr>
-              <a:t>if 5 &gt; 2:</a:t>
-            </a:r>
-          </a:p>
-          <a:p>
-            <a:pPr marL="76200" indent="0">
-              <a:buNone/>
-            </a:pPr>
+              <a:t>Take input from user</a:t>
+            </a:r>
+          </a:p>
+          <a:p>
+            <a:pPr marL="76200" indent="0">
+              <a:buNone/>
+            </a:pPr>
+            <a:r>
+              <a:rPr lang="en-US" sz="1100">
+                <a:latin typeface="Consolas" panose="020B0609020204030204" pitchFamily="49" charset="0"/>
+                <a:cs typeface="Courier New" panose="02070309020205020404" pitchFamily="49" charset="0"/>
+              </a:rPr>
+              <a:t>name = </a:t>
+            </a:r>
             <a:r>
               <a:rPr lang="en-US" sz="1100">
                 <a:solidFill>
-                  <a:srgbClr val="262626"/>
+                  <a:schemeClr val="accent1"/>
                 </a:solidFill>
                 <a:latin typeface="Consolas" panose="020B0609020204030204" pitchFamily="49" charset="0"/>
                 <a:cs typeface="Courier New" panose="02070309020205020404" pitchFamily="49" charset="0"/>
               </a:rPr>
-              <a:t>    </a:t>
-            </a:r>
-            <a:r>
-              <a:rPr lang="en-US" sz="1100">
-                <a:latin typeface="Consolas" panose="020B0609020204030204" pitchFamily="49" charset="0"/>
-                <a:cs typeface="Courier New" panose="02070309020205020404" pitchFamily="49" charset="0"/>
-              </a:rPr>
-              <a:t>print('Five is greater than two!')</a:t>
-            </a:r>
+              <a:t>input(</a:t>
+            </a:r>
+            <a:r>
+              <a:rPr lang="en-US" sz="1100">
+                <a:latin typeface="Consolas" panose="020B0609020204030204" pitchFamily="49" charset="0"/>
+                <a:cs typeface="Courier New" panose="02070309020205020404" pitchFamily="49" charset="0"/>
+              </a:rPr>
+              <a:t>'Enter your name: '</a:t>
+            </a:r>
+            <a:r>
+              <a:rPr lang="en-US" sz="1100">
+                <a:solidFill>
+                  <a:schemeClr val="accent1"/>
+                </a:solidFill>
+                <a:latin typeface="Consolas" panose="020B0609020204030204" pitchFamily="49" charset="0"/>
+                <a:cs typeface="Courier New" panose="02070309020205020404" pitchFamily="49" charset="0"/>
+              </a:rPr>
+              <a:t>)</a:t>
+            </a:r>
+          </a:p>
+          <a:p>
+            <a:pPr marL="76200" indent="0">
+              <a:buNone/>
+            </a:pPr>
+            <a:r>
+              <a:rPr lang="en-US" sz="1100">
+                <a:latin typeface="Consolas" panose="020B0609020204030204" pitchFamily="49" charset="0"/>
+                <a:cs typeface="Courier New" panose="02070309020205020404" pitchFamily="49" charset="0"/>
+              </a:rPr>
+              <a:t>print('Hello', name)</a:t>
+            </a:r>
+            <a:endParaRPr lang="en-US" sz="1100">
+              <a:solidFill>
+                <a:schemeClr val="accent1"/>
+              </a:solidFill>
+              <a:latin typeface="Consolas" panose="020B0609020204030204" pitchFamily="49" charset="0"/>
+              <a:cs typeface="Courier New" panose="02070309020205020404" pitchFamily="49" charset="0"/>
+            </a:endParaRPr>
           </a:p>
         </p:txBody>
       </p:sp>
@@ -12213,7 +11955,7 @@
     </p:spTree>
     <p:extLst>
       <p:ext uri="{BB962C8B-B14F-4D97-AF65-F5344CB8AC3E}">
-        <p14:creationId xmlns:p14="http://schemas.microsoft.com/office/powerpoint/2010/main" val="3916435651"/>
+        <p14:creationId xmlns:p14="http://schemas.microsoft.com/office/powerpoint/2010/main" val="2806873120"/>
       </p:ext>
     </p:extLst>
   </p:cSld>
@@ -12263,7 +12005,7 @@
           <a:p>
             <a:r>
               <a:rPr lang="en-US" sz="2400"/>
-              <a:t>Output and Input</a:t>
+              <a:t>Variables</a:t>
             </a:r>
             <a:endParaRPr lang="fa-IR"/>
           </a:p>
@@ -12300,13 +12042,74 @@
             </a:pPr>
             <a:r>
               <a:rPr lang="en-US" sz="1400"/>
-              <a:t>Display output on the screen</a:t>
-            </a:r>
-          </a:p>
-          <a:p>
-            <a:pPr marL="76200" indent="0">
-              <a:buNone/>
-            </a:pPr>
+              <a:t>Containers for storing data values</a:t>
+            </a:r>
+          </a:p>
+          <a:p>
+            <a:pPr marL="76200" indent="0">
+              <a:buNone/>
+            </a:pPr>
+            <a:r>
+              <a:rPr lang="en-US" sz="1100">
+                <a:latin typeface="Consolas" panose="020B0609020204030204" pitchFamily="49" charset="0"/>
+                <a:cs typeface="Courier New" panose="02070309020205020404" pitchFamily="49" charset="0"/>
+              </a:rPr>
+              <a:t>x = 4</a:t>
+            </a:r>
+          </a:p>
+          <a:p>
+            <a:pPr marL="76200" indent="0">
+              <a:buNone/>
+            </a:pPr>
+            <a:r>
+              <a:rPr lang="en-US" sz="1100">
+                <a:latin typeface="Consolas" panose="020B0609020204030204" pitchFamily="49" charset="0"/>
+                <a:cs typeface="Courier New" panose="02070309020205020404" pitchFamily="49" charset="0"/>
+              </a:rPr>
+              <a:t>x = 'Sally'</a:t>
+            </a:r>
+          </a:p>
+          <a:p>
+            <a:pPr marL="76200" indent="0">
+              <a:buNone/>
+            </a:pPr>
+            <a:r>
+              <a:rPr lang="en-US" sz="1100">
+                <a:latin typeface="Consolas" panose="020B0609020204030204" pitchFamily="49" charset="0"/>
+                <a:cs typeface="Courier New" panose="02070309020205020404" pitchFamily="49" charset="0"/>
+              </a:rPr>
+              <a:t>print(x)</a:t>
+            </a:r>
+          </a:p>
+          <a:p>
+            <a:pPr marL="76200" indent="0">
+              <a:buNone/>
+            </a:pPr>
+            <a:endParaRPr lang="en-US" sz="1200">
+              <a:latin typeface="Consolas" panose="020B0609020204030204" pitchFamily="49" charset="0"/>
+              <a:cs typeface="Courier New" panose="02070309020205020404" pitchFamily="49" charset="0"/>
+            </a:endParaRPr>
+          </a:p>
+          <a:p>
+            <a:pPr marL="76200" indent="0">
+              <a:buNone/>
+            </a:pPr>
+            <a:r>
+              <a:rPr lang="en-US" sz="1400"/>
+              <a:t>Assign multiple values</a:t>
+            </a:r>
+          </a:p>
+          <a:p>
+            <a:pPr marL="76200" indent="0">
+              <a:buNone/>
+            </a:pPr>
+            <a:r>
+              <a:rPr lang="en-US" sz="1100">
+                <a:latin typeface="Consolas" panose="020B0609020204030204" pitchFamily="49" charset="0"/>
+                <a:cs typeface="Courier New" panose="02070309020205020404" pitchFamily="49" charset="0"/>
+              </a:rPr>
+              <a:t>x</a:t>
+            </a:r>
             <a:r>
               <a:rPr lang="en-US" sz="1100">
                 <a:solidFill>
@@ -12315,14 +12118,14 @@
                 <a:latin typeface="Consolas" panose="020B0609020204030204" pitchFamily="49" charset="0"/>
                 <a:cs typeface="Courier New" panose="02070309020205020404" pitchFamily="49" charset="0"/>
               </a:rPr>
-              <a:t>print(</a:t>
-            </a:r>
-            <a:r>
-              <a:rPr lang="en-US" sz="1100">
-                <a:latin typeface="Consolas" panose="020B0609020204030204" pitchFamily="49" charset="0"/>
-                <a:cs typeface="Courier New" panose="02070309020205020404" pitchFamily="49" charset="0"/>
-              </a:rPr>
-              <a:t>'Hello World!'</a:t>
+              <a:t>,</a:t>
+            </a:r>
+            <a:r>
+              <a:rPr lang="en-US" sz="1100">
+                <a:latin typeface="Consolas" panose="020B0609020204030204" pitchFamily="49" charset="0"/>
+                <a:cs typeface="Courier New" panose="02070309020205020404" pitchFamily="49" charset="0"/>
+              </a:rPr>
+              <a:t> y</a:t>
             </a:r>
             <a:r>
               <a:rPr lang="en-US" sz="1100">
@@ -12332,19 +12135,14 @@
                 <a:latin typeface="Consolas" panose="020B0609020204030204" pitchFamily="49" charset="0"/>
                 <a:cs typeface="Courier New" panose="02070309020205020404" pitchFamily="49" charset="0"/>
               </a:rPr>
-              <a:t>)</a:t>
-            </a:r>
-          </a:p>
-          <a:p>
-            <a:pPr marL="76200" indent="0">
-              <a:buNone/>
-            </a:pPr>
-            <a:r>
-              <a:rPr lang="en-US" sz="1100">
-                <a:latin typeface="Consolas" panose="020B0609020204030204" pitchFamily="49" charset="0"/>
-                <a:cs typeface="Courier New" panose="02070309020205020404" pitchFamily="49" charset="0"/>
-              </a:rPr>
-              <a:t>print('Hello'</a:t>
+              <a:t>,</a:t>
+            </a:r>
+            <a:r>
+              <a:rPr lang="en-US" sz="1100">
+                <a:latin typeface="Consolas" panose="020B0609020204030204" pitchFamily="49" charset="0"/>
+                <a:cs typeface="Courier New" panose="02070309020205020404" pitchFamily="49" charset="0"/>
+              </a:rPr>
+              <a:t> z = 'Orange'</a:t>
             </a:r>
             <a:r>
               <a:rPr lang="en-US" sz="1100">
@@ -12354,19 +12152,38 @@
                 <a:latin typeface="Consolas" panose="020B0609020204030204" pitchFamily="49" charset="0"/>
                 <a:cs typeface="Courier New" panose="02070309020205020404" pitchFamily="49" charset="0"/>
               </a:rPr>
-              <a:t> +</a:t>
-            </a:r>
-            <a:r>
-              <a:rPr lang="en-US" sz="1100">
-                <a:latin typeface="Consolas" panose="020B0609020204030204" pitchFamily="49" charset="0"/>
-                <a:cs typeface="Courier New" panose="02070309020205020404" pitchFamily="49" charset="0"/>
-              </a:rPr>
-              <a:t> ' World!')</a:t>
-            </a:r>
-            <a:endParaRPr lang="en-US" sz="1100">
-              <a:solidFill>
-                <a:schemeClr val="accent1"/>
-              </a:solidFill>
+              <a:t>,</a:t>
+            </a:r>
+            <a:r>
+              <a:rPr lang="en-US" sz="1100">
+                <a:latin typeface="Consolas" panose="020B0609020204030204" pitchFamily="49" charset="0"/>
+                <a:cs typeface="Courier New" panose="02070309020205020404" pitchFamily="49" charset="0"/>
+              </a:rPr>
+              <a:t> 'Banana'</a:t>
+            </a:r>
+            <a:r>
+              <a:rPr lang="en-US" sz="1100">
+                <a:solidFill>
+                  <a:schemeClr val="accent1"/>
+                </a:solidFill>
+                <a:latin typeface="Consolas" panose="020B0609020204030204" pitchFamily="49" charset="0"/>
+                <a:cs typeface="Courier New" panose="02070309020205020404" pitchFamily="49" charset="0"/>
+              </a:rPr>
+              <a:t>,</a:t>
+            </a:r>
+            <a:r>
+              <a:rPr lang="en-US" sz="1100">
+                <a:latin typeface="Consolas" panose="020B0609020204030204" pitchFamily="49" charset="0"/>
+                <a:cs typeface="Courier New" panose="02070309020205020404" pitchFamily="49" charset="0"/>
+              </a:rPr>
+              <a:t> 'Cherry'</a:t>
+            </a:r>
+          </a:p>
+          <a:p>
+            <a:pPr marL="76200" indent="0">
+              <a:buNone/>
+            </a:pPr>
+            <a:endParaRPr lang="en-US" sz="1200">
               <a:latin typeface="Consolas" panose="020B0609020204030204" pitchFamily="49" charset="0"/>
               <a:cs typeface="Courier New" panose="02070309020205020404" pitchFamily="49" charset="0"/>
             </a:endParaRPr>
@@ -12376,131 +12193,94 @@
               <a:buNone/>
             </a:pPr>
             <a:r>
-              <a:rPr lang="en-US" sz="1100">
-                <a:latin typeface="Consolas" panose="020B0609020204030204" pitchFamily="49" charset="0"/>
-                <a:cs typeface="Courier New" panose="02070309020205020404" pitchFamily="49" charset="0"/>
-              </a:rPr>
-              <a:t>print('Hello'</a:t>
-            </a:r>
-            <a:r>
-              <a:rPr lang="en-US" sz="1100">
+              <a:rPr lang="en-US" sz="1400"/>
+              <a:t>One value to multiple variables</a:t>
+            </a:r>
+          </a:p>
+          <a:p>
+            <a:pPr marL="76200" indent="0">
+              <a:buNone/>
+            </a:pPr>
+            <a:r>
+              <a:rPr lang="fr-FR" sz="1100">
+                <a:latin typeface="Consolas" panose="020B0609020204030204" pitchFamily="49" charset="0"/>
+                <a:cs typeface="Courier New" panose="02070309020205020404" pitchFamily="49" charset="0"/>
+              </a:rPr>
+              <a:t>x </a:t>
+            </a:r>
+            <a:r>
+              <a:rPr lang="fr-FR" sz="1100">
                 <a:solidFill>
                   <a:schemeClr val="accent1"/>
                 </a:solidFill>
                 <a:latin typeface="Consolas" panose="020B0609020204030204" pitchFamily="49" charset="0"/>
                 <a:cs typeface="Courier New" panose="02070309020205020404" pitchFamily="49" charset="0"/>
               </a:rPr>
-              <a:t>,</a:t>
-            </a:r>
-            <a:r>
-              <a:rPr lang="en-US" sz="1100">
-                <a:latin typeface="Consolas" panose="020B0609020204030204" pitchFamily="49" charset="0"/>
-                <a:cs typeface="Courier New" panose="02070309020205020404" pitchFamily="49" charset="0"/>
-              </a:rPr>
-              <a:t> ' World!')</a:t>
-            </a:r>
-          </a:p>
-          <a:p>
-            <a:pPr marL="76200" indent="0">
-              <a:buNone/>
-            </a:pPr>
-            <a:r>
-              <a:rPr lang="en-US" sz="1100">
-                <a:latin typeface="Consolas" panose="020B0609020204030204" pitchFamily="49" charset="0"/>
-                <a:cs typeface="Courier New" panose="02070309020205020404" pitchFamily="49" charset="0"/>
-              </a:rPr>
-              <a:t>print('Hello', ' World', </a:t>
-            </a:r>
-            <a:r>
-              <a:rPr lang="en-US" sz="1100">
+              <a:t>=</a:t>
+            </a:r>
+            <a:r>
+              <a:rPr lang="fr-FR" sz="1100">
+                <a:latin typeface="Consolas" panose="020B0609020204030204" pitchFamily="49" charset="0"/>
+                <a:cs typeface="Courier New" panose="02070309020205020404" pitchFamily="49" charset="0"/>
+              </a:rPr>
+              <a:t> y </a:t>
+            </a:r>
+            <a:r>
+              <a:rPr lang="fr-FR" sz="1100">
                 <a:solidFill>
                   <a:schemeClr val="accent1"/>
                 </a:solidFill>
                 <a:latin typeface="Consolas" panose="020B0609020204030204" pitchFamily="49" charset="0"/>
                 <a:cs typeface="Courier New" panose="02070309020205020404" pitchFamily="49" charset="0"/>
               </a:rPr>
-              <a:t>sep = </a:t>
-            </a:r>
-            <a:r>
-              <a:rPr lang="en-US" sz="1100">
-                <a:latin typeface="Consolas" panose="020B0609020204030204" pitchFamily="49" charset="0"/>
-                <a:cs typeface="Courier New" panose="02070309020205020404" pitchFamily="49" charset="0"/>
-              </a:rPr>
-              <a:t>'!')</a:t>
-            </a:r>
-          </a:p>
-          <a:p>
-            <a:pPr marL="76200" indent="0">
-              <a:buNone/>
-            </a:pPr>
-            <a:endParaRPr lang="en-US" sz="1100">
-              <a:latin typeface="Consolas" panose="020B0609020204030204" pitchFamily="49" charset="0"/>
-              <a:cs typeface="Courier New" panose="02070309020205020404" pitchFamily="49" charset="0"/>
-            </a:endParaRPr>
-          </a:p>
-          <a:p>
-            <a:pPr marL="76200" indent="0">
-              <a:buNone/>
-            </a:pPr>
-            <a:r>
-              <a:rPr lang="en-US" sz="1400"/>
-              <a:t>Take input from user</a:t>
-            </a:r>
-          </a:p>
-          <a:p>
-            <a:pPr marL="76200" indent="0">
-              <a:buNone/>
-            </a:pPr>
-            <a:r>
-              <a:rPr lang="en-US" sz="1100">
-                <a:latin typeface="Consolas" panose="020B0609020204030204" pitchFamily="49" charset="0"/>
-                <a:cs typeface="Courier New" panose="02070309020205020404" pitchFamily="49" charset="0"/>
-              </a:rPr>
-              <a:t>name = </a:t>
-            </a:r>
-            <a:r>
-              <a:rPr lang="en-US" sz="1100">
+              <a:t>=</a:t>
+            </a:r>
+            <a:r>
+              <a:rPr lang="fr-FR" sz="1100">
+                <a:latin typeface="Consolas" panose="020B0609020204030204" pitchFamily="49" charset="0"/>
+                <a:cs typeface="Courier New" panose="02070309020205020404" pitchFamily="49" charset="0"/>
+              </a:rPr>
+              <a:t> z </a:t>
+            </a:r>
+            <a:r>
+              <a:rPr lang="fr-FR" sz="1100">
                 <a:solidFill>
                   <a:schemeClr val="accent1"/>
                 </a:solidFill>
                 <a:latin typeface="Consolas" panose="020B0609020204030204" pitchFamily="49" charset="0"/>
                 <a:cs typeface="Courier New" panose="02070309020205020404" pitchFamily="49" charset="0"/>
               </a:rPr>
-              <a:t>input(</a:t>
-            </a:r>
-            <a:r>
-              <a:rPr lang="en-US" sz="1100">
-                <a:latin typeface="Consolas" panose="020B0609020204030204" pitchFamily="49" charset="0"/>
-                <a:cs typeface="Courier New" panose="02070309020205020404" pitchFamily="49" charset="0"/>
-              </a:rPr>
-              <a:t>'Enter your name: '</a:t>
-            </a:r>
-            <a:r>
-              <a:rPr lang="en-US" sz="1100">
-                <a:solidFill>
-                  <a:schemeClr val="accent1"/>
-                </a:solidFill>
-                <a:latin typeface="Consolas" panose="020B0609020204030204" pitchFamily="49" charset="0"/>
-                <a:cs typeface="Courier New" panose="02070309020205020404" pitchFamily="49" charset="0"/>
-              </a:rPr>
-              <a:t>)</a:t>
-            </a:r>
-          </a:p>
-          <a:p>
-            <a:pPr marL="76200" indent="0">
-              <a:buNone/>
-            </a:pPr>
-            <a:r>
-              <a:rPr lang="en-US" sz="1100">
-                <a:latin typeface="Consolas" panose="020B0609020204030204" pitchFamily="49" charset="0"/>
-                <a:cs typeface="Courier New" panose="02070309020205020404" pitchFamily="49" charset="0"/>
-              </a:rPr>
-              <a:t>print('Hello', name)</a:t>
-            </a:r>
-            <a:endParaRPr lang="en-US" sz="1100">
-              <a:solidFill>
-                <a:schemeClr val="accent1"/>
-              </a:solidFill>
+              <a:t>=</a:t>
+            </a:r>
+            <a:r>
+              <a:rPr lang="fr-FR" sz="1100">
+                <a:latin typeface="Consolas" panose="020B0609020204030204" pitchFamily="49" charset="0"/>
+                <a:cs typeface="Courier New" panose="02070309020205020404" pitchFamily="49" charset="0"/>
+              </a:rPr>
+              <a:t> </a:t>
+            </a:r>
+            <a:r>
+              <a:rPr lang="en-US" sz="1100">
+                <a:latin typeface="Consolas" panose="020B0609020204030204" pitchFamily="49" charset="0"/>
+                <a:cs typeface="Courier New" panose="02070309020205020404" pitchFamily="49" charset="0"/>
+              </a:rPr>
+              <a:t>'</a:t>
+            </a:r>
+            <a:r>
+              <a:rPr lang="fr-FR" sz="1100">
+                <a:latin typeface="Consolas" panose="020B0609020204030204" pitchFamily="49" charset="0"/>
+                <a:cs typeface="Courier New" panose="02070309020205020404" pitchFamily="49" charset="0"/>
+              </a:rPr>
+              <a:t>Orange</a:t>
+            </a:r>
+            <a:r>
+              <a:rPr lang="en-US" sz="1100">
+                <a:latin typeface="Consolas" panose="020B0609020204030204" pitchFamily="49" charset="0"/>
+                <a:cs typeface="Courier New" panose="02070309020205020404" pitchFamily="49" charset="0"/>
+              </a:rPr>
+              <a:t>'</a:t>
+            </a:r>
+            <a:endParaRPr lang="fr-FR" sz="1100">
               <a:latin typeface="Consolas" panose="020B0609020204030204" pitchFamily="49" charset="0"/>
               <a:cs typeface="Courier New" panose="02070309020205020404" pitchFamily="49" charset="0"/>
             </a:endParaRPr>
@@ -12548,7 +12328,7 @@
     </p:spTree>
     <p:extLst>
       <p:ext uri="{BB962C8B-B14F-4D97-AF65-F5344CB8AC3E}">
-        <p14:creationId xmlns:p14="http://schemas.microsoft.com/office/powerpoint/2010/main" val="2806873120"/>
+        <p14:creationId xmlns:p14="http://schemas.microsoft.com/office/powerpoint/2010/main" val="4135929266"/>
       </p:ext>
     </p:extLst>
   </p:cSld>
@@ -12598,7 +12378,7 @@
           <a:p>
             <a:r>
               <a:rPr lang="en-US" sz="2400"/>
-              <a:t>Variables</a:t>
+              <a:t>Data Types</a:t>
             </a:r>
             <a:endParaRPr lang="fa-IR"/>
           </a:p>
@@ -12625,9 +12405,16 @@
             <a:off x="786150" y="1142608"/>
             <a:ext cx="7571700" cy="3626431"/>
           </a:xfrm>
+          <a:scene3d>
+            <a:camera prst="orthographicFront"/>
+            <a:lightRig rig="threePt" dir="t"/>
+          </a:scene3d>
+          <a:sp3d/>
         </p:spPr>
         <p:txBody>
-          <a:bodyPr/>
+          <a:bodyPr>
+            <a:flatTx/>
+          </a:bodyPr>
           <a:lstStyle/>
           <a:p>
             <a:pPr marL="76200" indent="0">
@@ -12635,159 +12422,7 @@
             </a:pPr>
             <a:r>
               <a:rPr lang="en-US" sz="1400"/>
-              <a:t>Containers for storing data values</a:t>
-            </a:r>
-          </a:p>
-          <a:p>
-            <a:pPr marL="76200" indent="0">
-              <a:buNone/>
-            </a:pPr>
-            <a:r>
-              <a:rPr lang="en-US" sz="1100">
-                <a:latin typeface="Consolas" panose="020B0609020204030204" pitchFamily="49" charset="0"/>
-                <a:cs typeface="Courier New" panose="02070309020205020404" pitchFamily="49" charset="0"/>
-              </a:rPr>
-              <a:t>x = 4</a:t>
-            </a:r>
-          </a:p>
-          <a:p>
-            <a:pPr marL="76200" indent="0">
-              <a:buNone/>
-            </a:pPr>
-            <a:r>
-              <a:rPr lang="en-US" sz="1100">
-                <a:latin typeface="Consolas" panose="020B0609020204030204" pitchFamily="49" charset="0"/>
-                <a:cs typeface="Courier New" panose="02070309020205020404" pitchFamily="49" charset="0"/>
-              </a:rPr>
-              <a:t>x = 'Sally'</a:t>
-            </a:r>
-          </a:p>
-          <a:p>
-            <a:pPr marL="76200" indent="0">
-              <a:buNone/>
-            </a:pPr>
-            <a:r>
-              <a:rPr lang="en-US" sz="1100">
-                <a:latin typeface="Consolas" panose="020B0609020204030204" pitchFamily="49" charset="0"/>
-                <a:cs typeface="Courier New" panose="02070309020205020404" pitchFamily="49" charset="0"/>
-              </a:rPr>
-              <a:t>print(x)</a:t>
-            </a:r>
-          </a:p>
-          <a:p>
-            <a:pPr marL="76200" indent="0">
-              <a:buNone/>
-            </a:pPr>
-            <a:endParaRPr lang="en-US" sz="1200">
-              <a:latin typeface="Consolas" panose="020B0609020204030204" pitchFamily="49" charset="0"/>
-              <a:cs typeface="Courier New" panose="02070309020205020404" pitchFamily="49" charset="0"/>
-            </a:endParaRPr>
-          </a:p>
-          <a:p>
-            <a:pPr marL="76200" indent="0">
-              <a:buNone/>
-            </a:pPr>
-            <a:r>
-              <a:rPr lang="en-US" sz="1400"/>
-              <a:t>Assign multiple values</a:t>
-            </a:r>
-          </a:p>
-          <a:p>
-            <a:pPr marL="76200" indent="0">
-              <a:buNone/>
-            </a:pPr>
-            <a:r>
-              <a:rPr lang="en-US" sz="1100">
-                <a:latin typeface="Consolas" panose="020B0609020204030204" pitchFamily="49" charset="0"/>
-                <a:cs typeface="Courier New" panose="02070309020205020404" pitchFamily="49" charset="0"/>
-              </a:rPr>
-              <a:t>x</a:t>
-            </a:r>
-            <a:r>
-              <a:rPr lang="en-US" sz="1100">
-                <a:solidFill>
-                  <a:schemeClr val="accent1"/>
-                </a:solidFill>
-                <a:latin typeface="Consolas" panose="020B0609020204030204" pitchFamily="49" charset="0"/>
-                <a:cs typeface="Courier New" panose="02070309020205020404" pitchFamily="49" charset="0"/>
-              </a:rPr>
-              <a:t>,</a:t>
-            </a:r>
-            <a:r>
-              <a:rPr lang="en-US" sz="1100">
-                <a:latin typeface="Consolas" panose="020B0609020204030204" pitchFamily="49" charset="0"/>
-                <a:cs typeface="Courier New" panose="02070309020205020404" pitchFamily="49" charset="0"/>
-              </a:rPr>
-              <a:t> y</a:t>
-            </a:r>
-            <a:r>
-              <a:rPr lang="en-US" sz="1100">
-                <a:solidFill>
-                  <a:schemeClr val="accent1"/>
-                </a:solidFill>
-                <a:latin typeface="Consolas" panose="020B0609020204030204" pitchFamily="49" charset="0"/>
-                <a:cs typeface="Courier New" panose="02070309020205020404" pitchFamily="49" charset="0"/>
-              </a:rPr>
-              <a:t>,</a:t>
-            </a:r>
-            <a:r>
-              <a:rPr lang="en-US" sz="1100">
-                <a:latin typeface="Consolas" panose="020B0609020204030204" pitchFamily="49" charset="0"/>
-                <a:cs typeface="Courier New" panose="02070309020205020404" pitchFamily="49" charset="0"/>
-              </a:rPr>
-              <a:t> z = 'Orange'</a:t>
-            </a:r>
-            <a:r>
-              <a:rPr lang="en-US" sz="1100">
-                <a:solidFill>
-                  <a:schemeClr val="accent1"/>
-                </a:solidFill>
-                <a:latin typeface="Consolas" panose="020B0609020204030204" pitchFamily="49" charset="0"/>
-                <a:cs typeface="Courier New" panose="02070309020205020404" pitchFamily="49" charset="0"/>
-              </a:rPr>
-              <a:t>,</a:t>
-            </a:r>
-            <a:r>
-              <a:rPr lang="en-US" sz="1100">
-                <a:latin typeface="Consolas" panose="020B0609020204030204" pitchFamily="49" charset="0"/>
-                <a:cs typeface="Courier New" panose="02070309020205020404" pitchFamily="49" charset="0"/>
-              </a:rPr>
-              <a:t> 'Banana'</a:t>
-            </a:r>
-            <a:r>
-              <a:rPr lang="en-US" sz="1100">
-                <a:solidFill>
-                  <a:schemeClr val="accent1"/>
-                </a:solidFill>
-                <a:latin typeface="Consolas" panose="020B0609020204030204" pitchFamily="49" charset="0"/>
-                <a:cs typeface="Courier New" panose="02070309020205020404" pitchFamily="49" charset="0"/>
-              </a:rPr>
-              <a:t>,</a:t>
-            </a:r>
-            <a:r>
-              <a:rPr lang="en-US" sz="1100">
-                <a:latin typeface="Consolas" panose="020B0609020204030204" pitchFamily="49" charset="0"/>
-                <a:cs typeface="Courier New" panose="02070309020205020404" pitchFamily="49" charset="0"/>
-              </a:rPr>
-              <a:t> 'Cherry'</a:t>
-            </a:r>
-          </a:p>
-          <a:p>
-            <a:pPr marL="76200" indent="0">
-              <a:buNone/>
-            </a:pPr>
-            <a:endParaRPr lang="en-US" sz="1200">
-              <a:latin typeface="Consolas" panose="020B0609020204030204" pitchFamily="49" charset="0"/>
-              <a:cs typeface="Courier New" panose="02070309020205020404" pitchFamily="49" charset="0"/>
-            </a:endParaRPr>
-          </a:p>
-          <a:p>
-            <a:pPr marL="76200" indent="0">
-              <a:buNone/>
-            </a:pPr>
-            <a:r>
-              <a:rPr lang="en-US" sz="1400"/>
-              <a:t>One value to multiple variables</a:t>
+              <a:t>Get the type</a:t>
             </a:r>
           </a:p>
           <a:p>
@@ -12799,7 +12434,19 @@
                 <a:latin typeface="Consolas" panose="020B0609020204030204" pitchFamily="49" charset="0"/>
                 <a:cs typeface="Courier New" panose="02070309020205020404" pitchFamily="49" charset="0"/>
               </a:rPr>
-              <a:t>x </a:t>
+              <a:t>x = -5j</a:t>
+            </a:r>
+          </a:p>
+          <a:p>
+            <a:pPr marL="76200" indent="0">
+              <a:buNone/>
+            </a:pPr>
+            <a:r>
+              <a:rPr lang="fr-FR" sz="1100">
+                <a:latin typeface="Consolas" panose="020B0609020204030204" pitchFamily="49" charset="0"/>
+                <a:cs typeface="Courier New" panose="02070309020205020404" pitchFamily="49" charset="0"/>
+              </a:rPr>
+              <a:t>print(</a:t>
             </a:r>
             <a:r>
               <a:rPr lang="fr-FR" sz="1100">
@@ -12809,14 +12456,14 @@
                 <a:latin typeface="Consolas" panose="020B0609020204030204" pitchFamily="49" charset="0"/>
                 <a:cs typeface="Courier New" panose="02070309020205020404" pitchFamily="49" charset="0"/>
               </a:rPr>
-              <a:t>=</a:t>
+              <a:t>type(</a:t>
             </a:r>
             <a:r>
               <a:rPr lang="fr-FR" sz="1100">
                 <a:latin typeface="Consolas" panose="020B0609020204030204" pitchFamily="49" charset="0"/>
                 <a:cs typeface="Courier New" panose="02070309020205020404" pitchFamily="49" charset="0"/>
               </a:rPr>
-              <a:t> y </a:t>
+              <a:t>x</a:t>
             </a:r>
             <a:r>
               <a:rPr lang="fr-FR" sz="1100">
@@ -12826,57 +12473,196 @@
                 <a:latin typeface="Consolas" panose="020B0609020204030204" pitchFamily="49" charset="0"/>
                 <a:cs typeface="Courier New" panose="02070309020205020404" pitchFamily="49" charset="0"/>
               </a:rPr>
-              <a:t>=</a:t>
+              <a:t>)</a:t>
             </a:r>
             <a:r>
               <a:rPr lang="fr-FR" sz="1100">
                 <a:latin typeface="Consolas" panose="020B0609020204030204" pitchFamily="49" charset="0"/>
                 <a:cs typeface="Courier New" panose="02070309020205020404" pitchFamily="49" charset="0"/>
               </a:rPr>
-              <a:t> z </a:t>
-            </a:r>
-            <a:r>
-              <a:rPr lang="fr-FR" sz="1100">
-                <a:solidFill>
-                  <a:schemeClr val="accent1"/>
-                </a:solidFill>
-                <a:latin typeface="Consolas" panose="020B0609020204030204" pitchFamily="49" charset="0"/>
-                <a:cs typeface="Courier New" panose="02070309020205020404" pitchFamily="49" charset="0"/>
-              </a:rPr>
-              <a:t>=</a:t>
-            </a:r>
-            <a:r>
-              <a:rPr lang="fr-FR" sz="1100">
-                <a:latin typeface="Consolas" panose="020B0609020204030204" pitchFamily="49" charset="0"/>
-                <a:cs typeface="Courier New" panose="02070309020205020404" pitchFamily="49" charset="0"/>
-              </a:rPr>
-              <a:t> </a:t>
-            </a:r>
-            <a:r>
-              <a:rPr lang="en-US" sz="1100">
-                <a:latin typeface="Consolas" panose="020B0609020204030204" pitchFamily="49" charset="0"/>
-                <a:cs typeface="Courier New" panose="02070309020205020404" pitchFamily="49" charset="0"/>
-              </a:rPr>
-              <a:t>'</a:t>
-            </a:r>
-            <a:r>
-              <a:rPr lang="fr-FR" sz="1100">
-                <a:latin typeface="Consolas" panose="020B0609020204030204" pitchFamily="49" charset="0"/>
-                <a:cs typeface="Courier New" panose="02070309020205020404" pitchFamily="49" charset="0"/>
-              </a:rPr>
-              <a:t>Orange</a:t>
-            </a:r>
-            <a:r>
-              <a:rPr lang="en-US" sz="1100">
-                <a:latin typeface="Consolas" panose="020B0609020204030204" pitchFamily="49" charset="0"/>
-                <a:cs typeface="Courier New" panose="02070309020205020404" pitchFamily="49" charset="0"/>
-              </a:rPr>
-              <a:t>'</a:t>
-            </a:r>
+              <a:t>)</a:t>
+            </a:r>
+            <a:endParaRPr lang="fr-FR" sz="1100">
+              <a:solidFill>
+                <a:schemeClr val="accent1"/>
+              </a:solidFill>
+              <a:latin typeface="Consolas" panose="020B0609020204030204" pitchFamily="49" charset="0"/>
+              <a:cs typeface="Courier New" panose="02070309020205020404" pitchFamily="49" charset="0"/>
+            </a:endParaRPr>
+          </a:p>
+          <a:p>
+            <a:pPr marL="76200" indent="0">
+              <a:buNone/>
+            </a:pPr>
             <a:endParaRPr lang="fr-FR" sz="1100">
               <a:latin typeface="Consolas" panose="020B0609020204030204" pitchFamily="49" charset="0"/>
               <a:cs typeface="Courier New" panose="02070309020205020404" pitchFamily="49" charset="0"/>
             </a:endParaRPr>
+          </a:p>
+          <a:p>
+            <a:pPr marL="76200" indent="0">
+              <a:buNone/>
+            </a:pPr>
+            <a:r>
+              <a:rPr lang="en-US" sz="1400"/>
+              <a:t>Casting</a:t>
+            </a:r>
+          </a:p>
+          <a:p>
+            <a:pPr marL="76200" indent="0">
+              <a:buNone/>
+            </a:pPr>
+            <a:r>
+              <a:rPr lang="en-US" sz="1100">
+                <a:latin typeface="Consolas" panose="020B0609020204030204" pitchFamily="49" charset="0"/>
+                <a:cs typeface="Courier New" panose="02070309020205020404" pitchFamily="49" charset="0"/>
+              </a:rPr>
+              <a:t>a = </a:t>
+            </a:r>
+            <a:r>
+              <a:rPr lang="en-US" sz="1100">
+                <a:solidFill>
+                  <a:schemeClr val="accent1"/>
+                </a:solidFill>
+                <a:latin typeface="Consolas" panose="020B0609020204030204" pitchFamily="49" charset="0"/>
+                <a:cs typeface="Courier New" panose="02070309020205020404" pitchFamily="49" charset="0"/>
+              </a:rPr>
+              <a:t>str(</a:t>
+            </a:r>
+            <a:r>
+              <a:rPr lang="en-US" sz="1100">
+                <a:latin typeface="Consolas" panose="020B0609020204030204" pitchFamily="49" charset="0"/>
+                <a:cs typeface="Courier New" panose="02070309020205020404" pitchFamily="49" charset="0"/>
+              </a:rPr>
+              <a:t>3</a:t>
+            </a:r>
+            <a:r>
+              <a:rPr lang="en-US" sz="1100">
+                <a:solidFill>
+                  <a:schemeClr val="accent1"/>
+                </a:solidFill>
+                <a:latin typeface="Consolas" panose="020B0609020204030204" pitchFamily="49" charset="0"/>
+                <a:cs typeface="Courier New" panose="02070309020205020404" pitchFamily="49" charset="0"/>
+              </a:rPr>
+              <a:t>)</a:t>
+            </a:r>
+          </a:p>
+          <a:p>
+            <a:pPr marL="76200" indent="0">
+              <a:buNone/>
+            </a:pPr>
+            <a:r>
+              <a:rPr lang="en-US" sz="1100">
+                <a:latin typeface="Consolas" panose="020B0609020204030204" pitchFamily="49" charset="0"/>
+                <a:cs typeface="Courier New" panose="02070309020205020404" pitchFamily="49" charset="0"/>
+              </a:rPr>
+              <a:t>b = </a:t>
+            </a:r>
+            <a:r>
+              <a:rPr lang="en-US" sz="1100">
+                <a:solidFill>
+                  <a:schemeClr val="accent1"/>
+                </a:solidFill>
+                <a:latin typeface="Consolas" panose="020B0609020204030204" pitchFamily="49" charset="0"/>
+                <a:cs typeface="Courier New" panose="02070309020205020404" pitchFamily="49" charset="0"/>
+              </a:rPr>
+              <a:t>int(</a:t>
+            </a:r>
+            <a:r>
+              <a:rPr lang="en-US" sz="1100">
+                <a:latin typeface="Consolas" panose="020B0609020204030204" pitchFamily="49" charset="0"/>
+                <a:cs typeface="Courier New" panose="02070309020205020404" pitchFamily="49" charset="0"/>
+              </a:rPr>
+              <a:t>3</a:t>
+            </a:r>
+            <a:r>
+              <a:rPr lang="en-US" sz="1100">
+                <a:solidFill>
+                  <a:schemeClr val="accent1"/>
+                </a:solidFill>
+                <a:latin typeface="Consolas" panose="020B0609020204030204" pitchFamily="49" charset="0"/>
+                <a:cs typeface="Courier New" panose="02070309020205020404" pitchFamily="49" charset="0"/>
+              </a:rPr>
+              <a:t>)</a:t>
+            </a:r>
+          </a:p>
+          <a:p>
+            <a:pPr marL="76200" indent="0">
+              <a:buNone/>
+            </a:pPr>
+            <a:r>
+              <a:rPr lang="en-US" sz="1100">
+                <a:latin typeface="Consolas" panose="020B0609020204030204" pitchFamily="49" charset="0"/>
+                <a:cs typeface="Courier New" panose="02070309020205020404" pitchFamily="49" charset="0"/>
+              </a:rPr>
+              <a:t>c = </a:t>
+            </a:r>
+            <a:r>
+              <a:rPr lang="en-US" sz="1100">
+                <a:solidFill>
+                  <a:schemeClr val="accent1"/>
+                </a:solidFill>
+                <a:latin typeface="Consolas" panose="020B0609020204030204" pitchFamily="49" charset="0"/>
+                <a:cs typeface="Courier New" panose="02070309020205020404" pitchFamily="49" charset="0"/>
+              </a:rPr>
+              <a:t>float(</a:t>
+            </a:r>
+            <a:r>
+              <a:rPr lang="en-US" sz="1100">
+                <a:latin typeface="Consolas" panose="020B0609020204030204" pitchFamily="49" charset="0"/>
+                <a:cs typeface="Courier New" panose="02070309020205020404" pitchFamily="49" charset="0"/>
+              </a:rPr>
+              <a:t>3</a:t>
+            </a:r>
+            <a:r>
+              <a:rPr lang="en-US" sz="1100">
+                <a:solidFill>
+                  <a:schemeClr val="accent1"/>
+                </a:solidFill>
+                <a:latin typeface="Consolas" panose="020B0609020204030204" pitchFamily="49" charset="0"/>
+                <a:cs typeface="Courier New" panose="02070309020205020404" pitchFamily="49" charset="0"/>
+              </a:rPr>
+              <a:t>)</a:t>
+            </a:r>
+          </a:p>
+          <a:p>
+            <a:pPr marL="76200" indent="0">
+              <a:buNone/>
+            </a:pPr>
+            <a:r>
+              <a:rPr lang="en-US" sz="1100">
+                <a:latin typeface="Consolas" panose="020B0609020204030204" pitchFamily="49" charset="0"/>
+                <a:cs typeface="Courier New" panose="02070309020205020404" pitchFamily="49" charset="0"/>
+              </a:rPr>
+              <a:t>d = </a:t>
+            </a:r>
+            <a:r>
+              <a:rPr lang="en-US" sz="1100">
+                <a:solidFill>
+                  <a:schemeClr val="accent1"/>
+                </a:solidFill>
+                <a:latin typeface="Consolas" panose="020B0609020204030204" pitchFamily="49" charset="0"/>
+                <a:cs typeface="Courier New" panose="02070309020205020404" pitchFamily="49" charset="0"/>
+              </a:rPr>
+              <a:t>bool(</a:t>
+            </a:r>
+            <a:r>
+              <a:rPr lang="en-US" sz="1100">
+                <a:latin typeface="Consolas" panose="020B0609020204030204" pitchFamily="49" charset="0"/>
+                <a:cs typeface="Courier New" panose="02070309020205020404" pitchFamily="49" charset="0"/>
+              </a:rPr>
+              <a:t>3</a:t>
+            </a:r>
+            <a:r>
+              <a:rPr lang="en-US" sz="1100">
+                <a:solidFill>
+                  <a:schemeClr val="accent1"/>
+                </a:solidFill>
+                <a:latin typeface="Consolas" panose="020B0609020204030204" pitchFamily="49" charset="0"/>
+                <a:cs typeface="Courier New" panose="02070309020205020404" pitchFamily="49" charset="0"/>
+              </a:rPr>
+              <a:t>)</a:t>
+            </a:r>
           </a:p>
         </p:txBody>
       </p:sp>
@@ -12918,10 +12704,38 @@
           </a:p>
         </p:txBody>
       </p:sp>
+      <p:graphicFrame>
+        <p:nvGraphicFramePr>
+          <p:cNvPr id="5" name="Diagram 4">
+            <a:extLst>
+              <a:ext uri="{FF2B5EF4-FFF2-40B4-BE49-F238E27FC236}">
+                <a16:creationId xmlns:a16="http://schemas.microsoft.com/office/drawing/2014/main" id="{16270C54-1171-433E-8883-FF8BBBC93663}"/>
+              </a:ext>
+            </a:extLst>
+          </p:cNvPr>
+          <p:cNvGraphicFramePr/>
+          <p:nvPr>
+            <p:extLst>
+              <p:ext uri="{D42A27DB-BD31-4B8C-83A1-F6EECF244321}">
+                <p14:modId xmlns:p14="http://schemas.microsoft.com/office/powerpoint/2010/main" val="3732913035"/>
+              </p:ext>
+            </p:extLst>
+          </p:nvPr>
+        </p:nvGraphicFramePr>
+        <p:xfrm>
+          <a:off x="2582734" y="1807447"/>
+          <a:ext cx="6096000" cy="2296751"/>
+        </p:xfrm>
+        <a:graphic>
+          <a:graphicData uri="http://schemas.openxmlformats.org/drawingml/2006/diagram">
+            <dgm:relIds xmlns:dgm="http://schemas.openxmlformats.org/drawingml/2006/diagram" xmlns:r="http://schemas.openxmlformats.org/officeDocument/2006/relationships" r:dm="rId2" r:lo="rId3" r:qs="rId4" r:cs="rId5"/>
+          </a:graphicData>
+        </a:graphic>
+      </p:graphicFrame>
     </p:spTree>
     <p:extLst>
       <p:ext uri="{BB962C8B-B14F-4D97-AF65-F5344CB8AC3E}">
-        <p14:creationId xmlns:p14="http://schemas.microsoft.com/office/powerpoint/2010/main" val="4135929266"/>
+        <p14:creationId xmlns:p14="http://schemas.microsoft.com/office/powerpoint/2010/main" val="145114608"/>
       </p:ext>
     </p:extLst>
   </p:cSld>
@@ -12971,7 +12785,7 @@
           <a:p>
             <a:r>
               <a:rPr lang="en-US" sz="2400"/>
-              <a:t>Data Types</a:t>
+              <a:t>Numbers</a:t>
             </a:r>
             <a:endParaRPr lang="fa-IR"/>
           </a:p>
@@ -12998,16 +12812,9 @@
             <a:off x="786150" y="1142608"/>
             <a:ext cx="7571700" cy="3626431"/>
           </a:xfrm>
-          <a:scene3d>
-            <a:camera prst="orthographicFront"/>
-            <a:lightRig rig="threePt" dir="t"/>
-          </a:scene3d>
-          <a:sp3d/>
         </p:spPr>
         <p:txBody>
-          <a:bodyPr>
-            <a:flatTx/>
-          </a:bodyPr>
+          <a:bodyPr/>
           <a:lstStyle/>
           <a:p>
             <a:pPr marL="76200" indent="0">
@@ -13015,247 +12822,107 @@
             </a:pPr>
             <a:r>
               <a:rPr lang="en-US" sz="1400"/>
-              <a:t>Get the type</a:t>
-            </a:r>
-          </a:p>
-          <a:p>
-            <a:pPr marL="76200" indent="0">
-              <a:buNone/>
-            </a:pPr>
-            <a:r>
-              <a:rPr lang="fr-FR" sz="1100">
-                <a:latin typeface="Consolas" panose="020B0609020204030204" pitchFamily="49" charset="0"/>
-                <a:cs typeface="Courier New" panose="02070309020205020404" pitchFamily="49" charset="0"/>
-              </a:rPr>
-              <a:t>x = -5j</a:t>
-            </a:r>
-          </a:p>
-          <a:p>
-            <a:pPr marL="76200" indent="0">
-              <a:buNone/>
-            </a:pPr>
-            <a:r>
-              <a:rPr lang="fr-FR" sz="1100">
-                <a:latin typeface="Consolas" panose="020B0609020204030204" pitchFamily="49" charset="0"/>
-                <a:cs typeface="Courier New" panose="02070309020205020404" pitchFamily="49" charset="0"/>
-              </a:rPr>
-              <a:t>print(</a:t>
-            </a:r>
-            <a:r>
-              <a:rPr lang="fr-FR" sz="1100">
+              <a:t>Three numeric types</a:t>
+            </a:r>
+          </a:p>
+          <a:p>
+            <a:pPr marL="76200" indent="0">
+              <a:buNone/>
+            </a:pPr>
+            <a:r>
+              <a:rPr lang="en-US" sz="1100">
+                <a:latin typeface="Consolas" panose="020B0609020204030204" pitchFamily="49" charset="0"/>
+                <a:cs typeface="Courier New" panose="02070309020205020404" pitchFamily="49" charset="0"/>
+              </a:rPr>
+              <a:t>a = 1    # </a:t>
+            </a:r>
+            <a:r>
+              <a:rPr lang="en-US" sz="1100">
                 <a:solidFill>
                   <a:schemeClr val="accent1"/>
                 </a:solidFill>
                 <a:latin typeface="Consolas" panose="020B0609020204030204" pitchFamily="49" charset="0"/>
                 <a:cs typeface="Courier New" panose="02070309020205020404" pitchFamily="49" charset="0"/>
               </a:rPr>
-              <a:t>type(</a:t>
-            </a:r>
-            <a:r>
-              <a:rPr lang="fr-FR" sz="1100">
-                <a:latin typeface="Consolas" panose="020B0609020204030204" pitchFamily="49" charset="0"/>
-                <a:cs typeface="Courier New" panose="02070309020205020404" pitchFamily="49" charset="0"/>
-              </a:rPr>
-              <a:t>x</a:t>
-            </a:r>
-            <a:r>
-              <a:rPr lang="fr-FR" sz="1100">
+              <a:t>int</a:t>
+            </a:r>
+          </a:p>
+          <a:p>
+            <a:pPr marL="76200" indent="0">
+              <a:buNone/>
+            </a:pPr>
+            <a:r>
+              <a:rPr lang="en-US" sz="1100">
+                <a:latin typeface="Consolas" panose="020B0609020204030204" pitchFamily="49" charset="0"/>
+                <a:cs typeface="Courier New" panose="02070309020205020404" pitchFamily="49" charset="0"/>
+              </a:rPr>
+              <a:t>b = 2.8  # </a:t>
+            </a:r>
+            <a:r>
+              <a:rPr lang="en-US" sz="1100">
                 <a:solidFill>
                   <a:schemeClr val="accent1"/>
                 </a:solidFill>
                 <a:latin typeface="Consolas" panose="020B0609020204030204" pitchFamily="49" charset="0"/>
                 <a:cs typeface="Courier New" panose="02070309020205020404" pitchFamily="49" charset="0"/>
               </a:rPr>
-              <a:t>)</a:t>
-            </a:r>
-            <a:r>
-              <a:rPr lang="fr-FR" sz="1100">
-                <a:latin typeface="Consolas" panose="020B0609020204030204" pitchFamily="49" charset="0"/>
-                <a:cs typeface="Courier New" panose="02070309020205020404" pitchFamily="49" charset="0"/>
-              </a:rPr>
-              <a:t>)</a:t>
-            </a:r>
-            <a:endParaRPr lang="fr-FR" sz="1100">
-              <a:solidFill>
-                <a:schemeClr val="accent1"/>
-              </a:solidFill>
+              <a:t>float</a:t>
+            </a:r>
+          </a:p>
+          <a:p>
+            <a:pPr marL="76200" indent="0">
+              <a:buNone/>
+            </a:pPr>
+            <a:r>
+              <a:rPr lang="en-US" sz="1100">
+                <a:latin typeface="Consolas" panose="020B0609020204030204" pitchFamily="49" charset="0"/>
+                <a:cs typeface="Courier New" panose="02070309020205020404" pitchFamily="49" charset="0"/>
+              </a:rPr>
+              <a:t>c = 1j   # </a:t>
+            </a:r>
+            <a:r>
+              <a:rPr lang="en-US" sz="1100">
+                <a:solidFill>
+                  <a:schemeClr val="accent1"/>
+                </a:solidFill>
+                <a:latin typeface="Consolas" panose="020B0609020204030204" pitchFamily="49" charset="0"/>
+                <a:cs typeface="Courier New" panose="02070309020205020404" pitchFamily="49" charset="0"/>
+              </a:rPr>
+              <a:t>complex</a:t>
+            </a:r>
+          </a:p>
+          <a:p>
+            <a:pPr marL="76200" indent="0">
+              <a:buNone/>
+            </a:pPr>
+            <a:endParaRPr lang="en-US" sz="1200">
               <a:latin typeface="Consolas" panose="020B0609020204030204" pitchFamily="49" charset="0"/>
-              <a:cs typeface="Courier New" panose="02070309020205020404" pitchFamily="49" charset="0"/>
             </a:endParaRPr>
           </a:p>
           <a:p>
             <a:pPr marL="76200" indent="0">
               <a:buNone/>
             </a:pPr>
+            <a:r>
+              <a:rPr lang="en-US" sz="1400"/>
+              <a:t>Operators</a:t>
+            </a:r>
+          </a:p>
+          <a:p>
+            <a:pPr marL="76200" indent="0">
+              <a:buNone/>
+            </a:pPr>
+            <a:r>
+              <a:rPr lang="en-US" sz="1100">
+                <a:latin typeface="Consolas" panose="020B0609020204030204" pitchFamily="49" charset="0"/>
+                <a:cs typeface="Courier New" panose="02070309020205020404" pitchFamily="49" charset="0"/>
+              </a:rPr>
+              <a:t>+  -  *  /  %  **  //</a:t>
+            </a:r>
             <a:endParaRPr lang="fr-FR" sz="1100">
               <a:latin typeface="Consolas" panose="020B0609020204030204" pitchFamily="49" charset="0"/>
               <a:cs typeface="Courier New" panose="02070309020205020404" pitchFamily="49" charset="0"/>
             </a:endParaRPr>
-          </a:p>
-          <a:p>
-            <a:pPr marL="76200" indent="0">
-              <a:buNone/>
-            </a:pPr>
-            <a:r>
-              <a:rPr lang="en-US" sz="1400"/>
-              <a:t>Casting</a:t>
-            </a:r>
-          </a:p>
-          <a:p>
-            <a:pPr marL="76200" indent="0">
-              <a:buNone/>
-            </a:pPr>
-            <a:r>
-              <a:rPr lang="en-US" sz="1100">
-                <a:latin typeface="Consolas" panose="020B0609020204030204" pitchFamily="49" charset="0"/>
-                <a:cs typeface="Courier New" panose="02070309020205020404" pitchFamily="49" charset="0"/>
-              </a:rPr>
-              <a:t>a = </a:t>
-            </a:r>
-            <a:r>
-              <a:rPr lang="en-US" sz="1100">
-                <a:solidFill>
-                  <a:schemeClr val="accent1"/>
-                </a:solidFill>
-                <a:latin typeface="Consolas" panose="020B0609020204030204" pitchFamily="49" charset="0"/>
-                <a:cs typeface="Courier New" panose="02070309020205020404" pitchFamily="49" charset="0"/>
-              </a:rPr>
-              <a:t>str(</a:t>
-            </a:r>
-            <a:r>
-              <a:rPr lang="en-US" sz="1100">
-                <a:latin typeface="Consolas" panose="020B0609020204030204" pitchFamily="49" charset="0"/>
-                <a:cs typeface="Courier New" panose="02070309020205020404" pitchFamily="49" charset="0"/>
-              </a:rPr>
-              <a:t>3</a:t>
-            </a:r>
-            <a:r>
-              <a:rPr lang="en-US" sz="1100">
-                <a:solidFill>
-                  <a:schemeClr val="accent1"/>
-                </a:solidFill>
-                <a:latin typeface="Consolas" panose="020B0609020204030204" pitchFamily="49" charset="0"/>
-                <a:cs typeface="Courier New" panose="02070309020205020404" pitchFamily="49" charset="0"/>
-              </a:rPr>
-              <a:t>)</a:t>
-            </a:r>
-          </a:p>
-          <a:p>
-            <a:pPr marL="76200" indent="0">
-              <a:buNone/>
-            </a:pPr>
-            <a:r>
-              <a:rPr lang="en-US" sz="1100">
-                <a:latin typeface="Consolas" panose="020B0609020204030204" pitchFamily="49" charset="0"/>
-                <a:cs typeface="Courier New" panose="02070309020205020404" pitchFamily="49" charset="0"/>
-              </a:rPr>
-              <a:t>b = </a:t>
-            </a:r>
-            <a:r>
-              <a:rPr lang="en-US" sz="1100">
-                <a:solidFill>
-                  <a:schemeClr val="accent1"/>
-                </a:solidFill>
-                <a:latin typeface="Consolas" panose="020B0609020204030204" pitchFamily="49" charset="0"/>
-                <a:cs typeface="Courier New" panose="02070309020205020404" pitchFamily="49" charset="0"/>
-              </a:rPr>
-              <a:t>int(</a:t>
-            </a:r>
-            <a:r>
-              <a:rPr lang="en-US" sz="1100">
-                <a:latin typeface="Consolas" panose="020B0609020204030204" pitchFamily="49" charset="0"/>
-                <a:cs typeface="Courier New" panose="02070309020205020404" pitchFamily="49" charset="0"/>
-              </a:rPr>
-              <a:t>3</a:t>
-            </a:r>
-            <a:r>
-              <a:rPr lang="en-US" sz="1100">
-                <a:solidFill>
-                  <a:schemeClr val="accent1"/>
-                </a:solidFill>
-                <a:latin typeface="Consolas" panose="020B0609020204030204" pitchFamily="49" charset="0"/>
-                <a:cs typeface="Courier New" panose="02070309020205020404" pitchFamily="49" charset="0"/>
-              </a:rPr>
-              <a:t>)</a:t>
-            </a:r>
-          </a:p>
-          <a:p>
-            <a:pPr marL="76200" indent="0">
-              <a:buNone/>
-            </a:pPr>
-            <a:r>
-              <a:rPr lang="en-US" sz="1100">
-                <a:latin typeface="Consolas" panose="020B0609020204030204" pitchFamily="49" charset="0"/>
-                <a:cs typeface="Courier New" panose="02070309020205020404" pitchFamily="49" charset="0"/>
-              </a:rPr>
-              <a:t>c = </a:t>
-            </a:r>
-            <a:r>
-              <a:rPr lang="en-US" sz="1100">
-                <a:solidFill>
-                  <a:schemeClr val="accent1"/>
-                </a:solidFill>
-                <a:latin typeface="Consolas" panose="020B0609020204030204" pitchFamily="49" charset="0"/>
-                <a:cs typeface="Courier New" panose="02070309020205020404" pitchFamily="49" charset="0"/>
-              </a:rPr>
-              <a:t>float(</a:t>
-            </a:r>
-            <a:r>
-              <a:rPr lang="en-US" sz="1100">
-                <a:latin typeface="Consolas" panose="020B0609020204030204" pitchFamily="49" charset="0"/>
-                <a:cs typeface="Courier New" panose="02070309020205020404" pitchFamily="49" charset="0"/>
-              </a:rPr>
-              <a:t>3</a:t>
-            </a:r>
-            <a:r>
-              <a:rPr lang="en-US" sz="1100">
-                <a:solidFill>
-                  <a:schemeClr val="accent1"/>
-                </a:solidFill>
-                <a:latin typeface="Consolas" panose="020B0609020204030204" pitchFamily="49" charset="0"/>
-                <a:cs typeface="Courier New" panose="02070309020205020404" pitchFamily="49" charset="0"/>
-              </a:rPr>
-              <a:t>)</a:t>
-            </a:r>
-          </a:p>
-          <a:p>
-            <a:pPr marL="76200" indent="0">
-              <a:buNone/>
-            </a:pPr>
-            <a:r>
-              <a:rPr lang="en-US" sz="1100">
-                <a:latin typeface="Consolas" panose="020B0609020204030204" pitchFamily="49" charset="0"/>
-                <a:cs typeface="Courier New" panose="02070309020205020404" pitchFamily="49" charset="0"/>
-              </a:rPr>
-              <a:t>d = </a:t>
-            </a:r>
-            <a:r>
-              <a:rPr lang="en-US" sz="1100">
-                <a:solidFill>
-                  <a:schemeClr val="accent1"/>
-                </a:solidFill>
-                <a:latin typeface="Consolas" panose="020B0609020204030204" pitchFamily="49" charset="0"/>
-                <a:cs typeface="Courier New" panose="02070309020205020404" pitchFamily="49" charset="0"/>
-              </a:rPr>
-              <a:t>bool(</a:t>
-            </a:r>
-            <a:r>
-              <a:rPr lang="en-US" sz="1100">
-                <a:latin typeface="Consolas" panose="020B0609020204030204" pitchFamily="49" charset="0"/>
-                <a:cs typeface="Courier New" panose="02070309020205020404" pitchFamily="49" charset="0"/>
-              </a:rPr>
-              <a:t>3</a:t>
-            </a:r>
-            <a:r>
-              <a:rPr lang="en-US" sz="1100">
-                <a:solidFill>
-                  <a:schemeClr val="accent1"/>
-                </a:solidFill>
-                <a:latin typeface="Consolas" panose="020B0609020204030204" pitchFamily="49" charset="0"/>
-                <a:cs typeface="Courier New" panose="02070309020205020404" pitchFamily="49" charset="0"/>
-              </a:rPr>
-              <a:t>)</a:t>
-            </a:r>
           </a:p>
         </p:txBody>
       </p:sp>
@@ -13297,38 +12964,10 @@
           </a:p>
         </p:txBody>
       </p:sp>
-      <p:graphicFrame>
-        <p:nvGraphicFramePr>
-          <p:cNvPr id="5" name="Diagram 4">
-            <a:extLst>
-              <a:ext uri="{FF2B5EF4-FFF2-40B4-BE49-F238E27FC236}">
-                <a16:creationId xmlns:a16="http://schemas.microsoft.com/office/drawing/2014/main" id="{16270C54-1171-433E-8883-FF8BBBC93663}"/>
-              </a:ext>
-            </a:extLst>
-          </p:cNvPr>
-          <p:cNvGraphicFramePr/>
-          <p:nvPr>
-            <p:extLst>
-              <p:ext uri="{D42A27DB-BD31-4B8C-83A1-F6EECF244321}">
-                <p14:modId xmlns:p14="http://schemas.microsoft.com/office/powerpoint/2010/main" val="3732913035"/>
-              </p:ext>
-            </p:extLst>
-          </p:nvPr>
-        </p:nvGraphicFramePr>
-        <p:xfrm>
-          <a:off x="2582734" y="1807447"/>
-          <a:ext cx="6096000" cy="2296751"/>
-        </p:xfrm>
-        <a:graphic>
-          <a:graphicData uri="http://schemas.openxmlformats.org/drawingml/2006/diagram">
-            <dgm:relIds xmlns:dgm="http://schemas.openxmlformats.org/drawingml/2006/diagram" xmlns:r="http://schemas.openxmlformats.org/officeDocument/2006/relationships" r:dm="rId2" r:lo="rId3" r:qs="rId4" r:cs="rId5"/>
-          </a:graphicData>
-        </a:graphic>
-      </p:graphicFrame>
     </p:spTree>
     <p:extLst>
       <p:ext uri="{BB962C8B-B14F-4D97-AF65-F5344CB8AC3E}">
-        <p14:creationId xmlns:p14="http://schemas.microsoft.com/office/powerpoint/2010/main" val="145114608"/>
+        <p14:creationId xmlns:p14="http://schemas.microsoft.com/office/powerpoint/2010/main" val="974935998"/>
       </p:ext>
     </p:extLst>
   </p:cSld>
@@ -13378,7 +13017,7 @@
           <a:p>
             <a:r>
               <a:rPr lang="en-US" sz="2400"/>
-              <a:t>Numbers</a:t>
+              <a:t>Strings</a:t>
             </a:r>
             <a:endParaRPr lang="fa-IR"/>
           </a:p>
@@ -13415,19 +13054,19 @@
             </a:pPr>
             <a:r>
               <a:rPr lang="en-US" sz="1400"/>
-              <a:t>Three numeric types</a:t>
-            </a:r>
-          </a:p>
-          <a:p>
-            <a:pPr marL="76200" indent="0">
-              <a:buNone/>
-            </a:pPr>
-            <a:r>
-              <a:rPr lang="en-US" sz="1100">
-                <a:latin typeface="Consolas" panose="020B0609020204030204" pitchFamily="49" charset="0"/>
-                <a:cs typeface="Courier New" panose="02070309020205020404" pitchFamily="49" charset="0"/>
-              </a:rPr>
-              <a:t>a = 1    # </a:t>
+              <a:t>Single line and multiline string</a:t>
+            </a:r>
+          </a:p>
+          <a:p>
+            <a:pPr marL="76200" indent="0">
+              <a:buNone/>
+            </a:pPr>
+            <a:r>
+              <a:rPr lang="en-US" sz="1100">
+                <a:latin typeface="Consolas" panose="020B0609020204030204" pitchFamily="49" charset="0"/>
+                <a:cs typeface="Courier New" panose="02070309020205020404" pitchFamily="49" charset="0"/>
+              </a:rPr>
+              <a:t>a = </a:t>
             </a:r>
             <a:r>
               <a:rPr lang="en-US" sz="1100">
@@ -13437,19 +13076,14 @@
                 <a:latin typeface="Consolas" panose="020B0609020204030204" pitchFamily="49" charset="0"/>
                 <a:cs typeface="Courier New" panose="02070309020205020404" pitchFamily="49" charset="0"/>
               </a:rPr>
-              <a:t>int</a:t>
-            </a:r>
-          </a:p>
-          <a:p>
-            <a:pPr marL="76200" indent="0">
-              <a:buNone/>
-            </a:pPr>
-            <a:r>
-              <a:rPr lang="en-US" sz="1100">
-                <a:latin typeface="Consolas" panose="020B0609020204030204" pitchFamily="49" charset="0"/>
-                <a:cs typeface="Courier New" panose="02070309020205020404" pitchFamily="49" charset="0"/>
-              </a:rPr>
-              <a:t>b = 2.8  # </a:t>
+              <a:t>'</a:t>
+            </a:r>
+            <a:r>
+              <a:rPr lang="en-US" sz="1100">
+                <a:latin typeface="Consolas" panose="020B0609020204030204" pitchFamily="49" charset="0"/>
+                <a:cs typeface="Courier New" panose="02070309020205020404" pitchFamily="49" charset="0"/>
+              </a:rPr>
+              <a:t>Hello!</a:t>
             </a:r>
             <a:r>
               <a:rPr lang="en-US" sz="1100">
@@ -13459,19 +13093,19 @@
                 <a:latin typeface="Consolas" panose="020B0609020204030204" pitchFamily="49" charset="0"/>
                 <a:cs typeface="Courier New" panose="02070309020205020404" pitchFamily="49" charset="0"/>
               </a:rPr>
-              <a:t>float</a:t>
-            </a:r>
-          </a:p>
-          <a:p>
-            <a:pPr marL="76200" indent="0">
-              <a:buNone/>
-            </a:pPr>
-            <a:r>
-              <a:rPr lang="en-US" sz="1100">
-                <a:latin typeface="Consolas" panose="020B0609020204030204" pitchFamily="49" charset="0"/>
-                <a:cs typeface="Courier New" panose="02070309020205020404" pitchFamily="49" charset="0"/>
-              </a:rPr>
-              <a:t>c = 1j   # </a:t>
+              <a:t>'</a:t>
+            </a:r>
+          </a:p>
+          <a:p>
+            <a:pPr marL="76200" indent="0">
+              <a:buNone/>
+            </a:pPr>
+            <a:r>
+              <a:rPr lang="en-US" sz="1100">
+                <a:latin typeface="Consolas" panose="020B0609020204030204" pitchFamily="49" charset="0"/>
+                <a:cs typeface="Courier New" panose="02070309020205020404" pitchFamily="49" charset="0"/>
+              </a:rPr>
+              <a:t>b = </a:t>
             </a:r>
             <a:r>
               <a:rPr lang="en-US" sz="1100">
@@ -13481,7 +13115,36 @@
                 <a:latin typeface="Consolas" panose="020B0609020204030204" pitchFamily="49" charset="0"/>
                 <a:cs typeface="Courier New" panose="02070309020205020404" pitchFamily="49" charset="0"/>
               </a:rPr>
-              <a:t>complex</a:t>
+              <a:t>'''</a:t>
+            </a:r>
+            <a:r>
+              <a:rPr lang="en-US" sz="1100">
+                <a:latin typeface="Consolas" panose="020B0609020204030204" pitchFamily="49" charset="0"/>
+                <a:cs typeface="Courier New" panose="02070309020205020404" pitchFamily="49" charset="0"/>
+              </a:rPr>
+              <a:t>Hello!</a:t>
+            </a:r>
+          </a:p>
+          <a:p>
+            <a:pPr marL="76200" indent="0">
+              <a:buNone/>
+            </a:pPr>
+            <a:r>
+              <a:rPr lang="en-US" sz="1100">
+                <a:latin typeface="Consolas" panose="020B0609020204030204" pitchFamily="49" charset="0"/>
+                <a:cs typeface="Courier New" panose="02070309020205020404" pitchFamily="49" charset="0"/>
+              </a:rPr>
+              <a:t>How are you?</a:t>
+            </a:r>
+            <a:r>
+              <a:rPr lang="en-US" sz="1100">
+                <a:solidFill>
+                  <a:schemeClr val="accent1"/>
+                </a:solidFill>
+                <a:latin typeface="Consolas" panose="020B0609020204030204" pitchFamily="49" charset="0"/>
+                <a:cs typeface="Courier New" panose="02070309020205020404" pitchFamily="49" charset="0"/>
+              </a:rPr>
+              <a:t>'''</a:t>
             </a:r>
           </a:p>
           <a:p>
@@ -13498,6 +13161,142 @@
             </a:pPr>
             <a:r>
               <a:rPr lang="en-US" sz="1400"/>
+              <a:t>F-strings</a:t>
+            </a:r>
+          </a:p>
+          <a:p>
+            <a:pPr marL="76200" indent="0">
+              <a:buNone/>
+            </a:pPr>
+            <a:r>
+              <a:rPr lang="en-US" sz="1100">
+                <a:latin typeface="Consolas" panose="020B0609020204030204" pitchFamily="49" charset="0"/>
+                <a:cs typeface="Courier New" panose="02070309020205020404" pitchFamily="49" charset="0"/>
+              </a:rPr>
+              <a:t>name, age = 'Alireza' , 24</a:t>
+            </a:r>
+          </a:p>
+          <a:p>
+            <a:pPr marL="76200" indent="0">
+              <a:buNone/>
+            </a:pPr>
+            <a:r>
+              <a:rPr lang="en-US" sz="1100">
+                <a:latin typeface="Consolas" panose="020B0609020204030204" pitchFamily="49" charset="0"/>
+                <a:cs typeface="Courier New" panose="02070309020205020404" pitchFamily="49" charset="0"/>
+              </a:rPr>
+              <a:t>message = </a:t>
+            </a:r>
+            <a:r>
+              <a:rPr lang="en-US" sz="1100">
+                <a:solidFill>
+                  <a:schemeClr val="accent1"/>
+                </a:solidFill>
+                <a:latin typeface="Consolas" panose="020B0609020204030204" pitchFamily="49" charset="0"/>
+                <a:cs typeface="Courier New" panose="02070309020205020404" pitchFamily="49" charset="0"/>
+              </a:rPr>
+              <a:t>f'</a:t>
+            </a:r>
+            <a:r>
+              <a:rPr lang="en-US" sz="1100">
+                <a:latin typeface="Consolas" panose="020B0609020204030204" pitchFamily="49" charset="0"/>
+                <a:cs typeface="Courier New" panose="02070309020205020404" pitchFamily="49" charset="0"/>
+              </a:rPr>
+              <a:t>Hello </a:t>
+            </a:r>
+            <a:r>
+              <a:rPr lang="en-US" sz="1100">
+                <a:solidFill>
+                  <a:schemeClr val="accent1"/>
+                </a:solidFill>
+                <a:latin typeface="Consolas" panose="020B0609020204030204" pitchFamily="49" charset="0"/>
+                <a:cs typeface="Courier New" panose="02070309020205020404" pitchFamily="49" charset="0"/>
+              </a:rPr>
+              <a:t>{</a:t>
+            </a:r>
+            <a:r>
+              <a:rPr lang="en-US" sz="1100">
+                <a:latin typeface="Consolas" panose="020B0609020204030204" pitchFamily="49" charset="0"/>
+                <a:cs typeface="Courier New" panose="02070309020205020404" pitchFamily="49" charset="0"/>
+              </a:rPr>
+              <a:t>name</a:t>
+            </a:r>
+            <a:r>
+              <a:rPr lang="en-US" sz="1100">
+                <a:solidFill>
+                  <a:schemeClr val="accent1"/>
+                </a:solidFill>
+                <a:latin typeface="Consolas" panose="020B0609020204030204" pitchFamily="49" charset="0"/>
+                <a:cs typeface="Courier New" panose="02070309020205020404" pitchFamily="49" charset="0"/>
+              </a:rPr>
+              <a:t>}</a:t>
+            </a:r>
+            <a:r>
+              <a:rPr lang="en-US" sz="1100">
+                <a:latin typeface="Consolas" panose="020B0609020204030204" pitchFamily="49" charset="0"/>
+                <a:cs typeface="Courier New" panose="02070309020205020404" pitchFamily="49" charset="0"/>
+              </a:rPr>
+              <a:t>, you are </a:t>
+            </a:r>
+            <a:r>
+              <a:rPr lang="en-US" sz="1100">
+                <a:solidFill>
+                  <a:schemeClr val="accent1"/>
+                </a:solidFill>
+                <a:latin typeface="Consolas" panose="020B0609020204030204" pitchFamily="49" charset="0"/>
+                <a:cs typeface="Courier New" panose="02070309020205020404" pitchFamily="49" charset="0"/>
+              </a:rPr>
+              <a:t>{</a:t>
+            </a:r>
+            <a:r>
+              <a:rPr lang="en-US" sz="1100">
+                <a:latin typeface="Consolas" panose="020B0609020204030204" pitchFamily="49" charset="0"/>
+                <a:cs typeface="Courier New" panose="02070309020205020404" pitchFamily="49" charset="0"/>
+              </a:rPr>
+              <a:t>age</a:t>
+            </a:r>
+            <a:r>
+              <a:rPr lang="en-US" sz="1100">
+                <a:solidFill>
+                  <a:schemeClr val="accent1"/>
+                </a:solidFill>
+                <a:latin typeface="Consolas" panose="020B0609020204030204" pitchFamily="49" charset="0"/>
+                <a:cs typeface="Courier New" panose="02070309020205020404" pitchFamily="49" charset="0"/>
+              </a:rPr>
+              <a:t>}</a:t>
+            </a:r>
+            <a:r>
+              <a:rPr lang="en-US" sz="1100">
+                <a:latin typeface="Consolas" panose="020B0609020204030204" pitchFamily="49" charset="0"/>
+                <a:cs typeface="Courier New" panose="02070309020205020404" pitchFamily="49" charset="0"/>
+              </a:rPr>
+              <a:t> years old!</a:t>
+            </a:r>
+            <a:r>
+              <a:rPr lang="en-US" sz="1100">
+                <a:solidFill>
+                  <a:schemeClr val="accent1"/>
+                </a:solidFill>
+                <a:latin typeface="Consolas" panose="020B0609020204030204" pitchFamily="49" charset="0"/>
+                <a:cs typeface="Courier New" panose="02070309020205020404" pitchFamily="49" charset="0"/>
+              </a:rPr>
+              <a:t>'</a:t>
+            </a:r>
+          </a:p>
+          <a:p>
+            <a:pPr marL="76200" indent="0">
+              <a:buNone/>
+            </a:pPr>
+            <a:endParaRPr lang="en-US" sz="1200">
+              <a:latin typeface="Consolas" panose="020B0609020204030204" pitchFamily="49" charset="0"/>
+            </a:endParaRPr>
+          </a:p>
+          <a:p>
+            <a:pPr marL="76200" indent="0">
+              <a:buNone/>
+            </a:pPr>
+            <a:r>
+              <a:rPr lang="en-US" sz="1400"/>
               <a:t>Operators</a:t>
             </a:r>
           </a:p>
@@ -13510,12 +13309,8 @@
                 <a:latin typeface="Consolas" panose="020B0609020204030204" pitchFamily="49" charset="0"/>
                 <a:cs typeface="Courier New" panose="02070309020205020404" pitchFamily="49" charset="0"/>
               </a:rPr>
-              <a:t>+  -  *  /  %  **  //</a:t>
-            </a:r>
-            <a:endParaRPr lang="fr-FR" sz="1100">
-              <a:latin typeface="Consolas" panose="020B0609020204030204" pitchFamily="49" charset="0"/>
-              <a:cs typeface="Courier New" panose="02070309020205020404" pitchFamily="49" charset="0"/>
-            </a:endParaRPr>
+              <a:t>+  *</a:t>
+            </a:r>
           </a:p>
         </p:txBody>
       </p:sp>
@@ -13560,7 +13355,7 @@
     </p:spTree>
     <p:extLst>
       <p:ext uri="{BB962C8B-B14F-4D97-AF65-F5344CB8AC3E}">
-        <p14:creationId xmlns:p14="http://schemas.microsoft.com/office/powerpoint/2010/main" val="974935998"/>
+        <p14:creationId xmlns:p14="http://schemas.microsoft.com/office/powerpoint/2010/main" val="1231859589"/>
       </p:ext>
     </p:extLst>
   </p:cSld>
@@ -13610,7 +13405,7 @@
           <a:p>
             <a:r>
               <a:rPr lang="en-US" sz="2400"/>
-              <a:t>Strings</a:t>
+              <a:t>Booleans</a:t>
             </a:r>
             <a:endParaRPr lang="fa-IR"/>
           </a:p>
@@ -13647,7 +13442,7 @@
             </a:pPr>
             <a:r>
               <a:rPr lang="en-US" sz="1400"/>
-              <a:t>Single line and multiline string</a:t>
+              <a:t>True or False</a:t>
             </a:r>
           </a:p>
           <a:p>
@@ -13669,14 +13464,19 @@
                 <a:latin typeface="Consolas" panose="020B0609020204030204" pitchFamily="49" charset="0"/>
                 <a:cs typeface="Courier New" panose="02070309020205020404" pitchFamily="49" charset="0"/>
               </a:rPr>
-              <a:t>'</a:t>
-            </a:r>
-            <a:r>
-              <a:rPr lang="en-US" sz="1100">
-                <a:latin typeface="Consolas" panose="020B0609020204030204" pitchFamily="49" charset="0"/>
-                <a:cs typeface="Courier New" panose="02070309020205020404" pitchFamily="49" charset="0"/>
-              </a:rPr>
-              <a:t>Hello!</a:t>
+              <a:t>True</a:t>
+            </a:r>
+          </a:p>
+          <a:p>
+            <a:pPr marL="76200" indent="0">
+              <a:buNone/>
+            </a:pPr>
+            <a:r>
+              <a:rPr lang="en-US" sz="1100">
+                <a:latin typeface="Consolas" panose="020B0609020204030204" pitchFamily="49" charset="0"/>
+                <a:cs typeface="Courier New" panose="02070309020205020404" pitchFamily="49" charset="0"/>
+              </a:rPr>
+              <a:t>b = </a:t>
             </a:r>
             <a:r>
               <a:rPr lang="en-US" sz="1100">
@@ -13686,19 +13486,19 @@
                 <a:latin typeface="Consolas" panose="020B0609020204030204" pitchFamily="49" charset="0"/>
                 <a:cs typeface="Courier New" panose="02070309020205020404" pitchFamily="49" charset="0"/>
               </a:rPr>
-              <a:t>'</a:t>
-            </a:r>
-          </a:p>
-          <a:p>
-            <a:pPr marL="76200" indent="0">
-              <a:buNone/>
-            </a:pPr>
-            <a:r>
-              <a:rPr lang="en-US" sz="1100">
-                <a:latin typeface="Consolas" panose="020B0609020204030204" pitchFamily="49" charset="0"/>
-                <a:cs typeface="Courier New" panose="02070309020205020404" pitchFamily="49" charset="0"/>
-              </a:rPr>
-              <a:t>b = </a:t>
+              <a:t>False</a:t>
+            </a:r>
+          </a:p>
+          <a:p>
+            <a:pPr marL="76200" indent="0">
+              <a:buNone/>
+            </a:pPr>
+            <a:r>
+              <a:rPr lang="en-US" sz="1100">
+                <a:latin typeface="Consolas" panose="020B0609020204030204" pitchFamily="49" charset="0"/>
+                <a:cs typeface="Courier New" panose="02070309020205020404" pitchFamily="49" charset="0"/>
+              </a:rPr>
+              <a:t>c = 10 </a:t>
             </a:r>
             <a:r>
               <a:rPr lang="en-US" sz="1100">
@@ -13708,26 +13508,26 @@
                 <a:latin typeface="Consolas" panose="020B0609020204030204" pitchFamily="49" charset="0"/>
                 <a:cs typeface="Courier New" panose="02070309020205020404" pitchFamily="49" charset="0"/>
               </a:rPr>
-              <a:t>'''</a:t>
-            </a:r>
-            <a:r>
-              <a:rPr lang="en-US" sz="1100">
-                <a:latin typeface="Consolas" panose="020B0609020204030204" pitchFamily="49" charset="0"/>
-                <a:cs typeface="Courier New" panose="02070309020205020404" pitchFamily="49" charset="0"/>
-              </a:rPr>
-              <a:t>Hello!</a:t>
-            </a:r>
-          </a:p>
-          <a:p>
-            <a:pPr marL="76200" indent="0">
-              <a:buNone/>
-            </a:pPr>
-            <a:r>
-              <a:rPr lang="en-US" sz="1100">
-                <a:latin typeface="Consolas" panose="020B0609020204030204" pitchFamily="49" charset="0"/>
-                <a:cs typeface="Courier New" panose="02070309020205020404" pitchFamily="49" charset="0"/>
-              </a:rPr>
-              <a:t>How are you?</a:t>
+              <a:t>&gt;=</a:t>
+            </a:r>
+            <a:r>
+              <a:rPr lang="en-US" sz="1100">
+                <a:latin typeface="Consolas" panose="020B0609020204030204" pitchFamily="49" charset="0"/>
+                <a:cs typeface="Courier New" panose="02070309020205020404" pitchFamily="49" charset="0"/>
+              </a:rPr>
+              <a:t> 9</a:t>
+            </a:r>
+          </a:p>
+          <a:p>
+            <a:pPr marL="76200" indent="0">
+              <a:buNone/>
+            </a:pPr>
+            <a:r>
+              <a:rPr lang="en-US" sz="1100">
+                <a:latin typeface="Consolas" panose="020B0609020204030204" pitchFamily="49" charset="0"/>
+                <a:cs typeface="Courier New" panose="02070309020205020404" pitchFamily="49" charset="0"/>
+              </a:rPr>
+              <a:t>d = 10 </a:t>
             </a:r>
             <a:r>
               <a:rPr lang="en-US" sz="1100">
@@ -13737,7 +13537,67 @@
                 <a:latin typeface="Consolas" panose="020B0609020204030204" pitchFamily="49" charset="0"/>
                 <a:cs typeface="Courier New" panose="02070309020205020404" pitchFamily="49" charset="0"/>
               </a:rPr>
-              <a:t>'''</a:t>
+              <a:t>==</a:t>
+            </a:r>
+            <a:r>
+              <a:rPr lang="en-US" sz="1100">
+                <a:latin typeface="Consolas" panose="020B0609020204030204" pitchFamily="49" charset="0"/>
+                <a:cs typeface="Courier New" panose="02070309020205020404" pitchFamily="49" charset="0"/>
+              </a:rPr>
+              <a:t> 9</a:t>
+            </a:r>
+          </a:p>
+          <a:p>
+            <a:pPr marL="76200" indent="0">
+              <a:buNone/>
+            </a:pPr>
+            <a:r>
+              <a:rPr lang="en-US" sz="1100">
+                <a:latin typeface="Consolas" panose="020B0609020204030204" pitchFamily="49" charset="0"/>
+              </a:rPr>
+              <a:t>e = 10 &gt; 9 </a:t>
+            </a:r>
+            <a:r>
+              <a:rPr lang="en-US" sz="1100">
+                <a:solidFill>
+                  <a:schemeClr val="accent1"/>
+                </a:solidFill>
+                <a:latin typeface="Consolas" panose="020B0609020204030204" pitchFamily="49" charset="0"/>
+              </a:rPr>
+              <a:t>or</a:t>
+            </a:r>
+            <a:r>
+              <a:rPr lang="en-US" sz="1100">
+                <a:latin typeface="Consolas" panose="020B0609020204030204" pitchFamily="49" charset="0"/>
+              </a:rPr>
+              <a:t> 2 + 2 == 5</a:t>
+            </a:r>
+          </a:p>
+          <a:p>
+            <a:pPr marL="76200" indent="0">
+              <a:buNone/>
+            </a:pPr>
+            <a:r>
+              <a:rPr lang="en-US" sz="1100">
+                <a:latin typeface="Consolas" panose="020B0609020204030204" pitchFamily="49" charset="0"/>
+                <a:cs typeface="Courier New" panose="02070309020205020404" pitchFamily="49" charset="0"/>
+              </a:rPr>
+              <a:t>f =</a:t>
+            </a:r>
+            <a:r>
+              <a:rPr lang="en-US" sz="1100">
+                <a:solidFill>
+                  <a:schemeClr val="accent1"/>
+                </a:solidFill>
+                <a:latin typeface="Consolas" panose="020B0609020204030204" pitchFamily="49" charset="0"/>
+              </a:rPr>
+              <a:t> not</a:t>
+            </a:r>
+            <a:r>
+              <a:rPr lang="en-US" sz="1100">
+                <a:latin typeface="Consolas" panose="020B0609020204030204" pitchFamily="49" charset="0"/>
+              </a:rPr>
+              <a:t> 2 + 2 == 4</a:t>
             </a:r>
           </a:p>
           <a:p>
@@ -13754,156 +13614,24 @@
             </a:pPr>
             <a:r>
               <a:rPr lang="en-US" sz="1400"/>
-              <a:t>F-strings</a:t>
-            </a:r>
-          </a:p>
-          <a:p>
-            <a:pPr marL="76200" indent="0">
-              <a:buNone/>
-            </a:pPr>
-            <a:r>
-              <a:rPr lang="en-US" sz="1100">
-                <a:latin typeface="Consolas" panose="020B0609020204030204" pitchFamily="49" charset="0"/>
-                <a:cs typeface="Courier New" panose="02070309020205020404" pitchFamily="49" charset="0"/>
-              </a:rPr>
-              <a:t>name, age = 'Alireza' , 24</a:t>
-            </a:r>
-          </a:p>
-          <a:p>
-            <a:pPr marL="76200" indent="0">
-              <a:buNone/>
-            </a:pPr>
-            <a:r>
-              <a:rPr lang="en-US" sz="1100">
-                <a:latin typeface="Consolas" panose="020B0609020204030204" pitchFamily="49" charset="0"/>
-                <a:cs typeface="Courier New" panose="02070309020205020404" pitchFamily="49" charset="0"/>
-              </a:rPr>
-              <a:t>message = </a:t>
-            </a:r>
-            <a:r>
-              <a:rPr lang="en-US" sz="1100">
-                <a:solidFill>
-                  <a:schemeClr val="accent1"/>
-                </a:solidFill>
-                <a:latin typeface="Consolas" panose="020B0609020204030204" pitchFamily="49" charset="0"/>
-                <a:cs typeface="Courier New" panose="02070309020205020404" pitchFamily="49" charset="0"/>
-              </a:rPr>
-              <a:t>f'</a:t>
-            </a:r>
-            <a:r>
-              <a:rPr lang="en-US" sz="1100">
-                <a:latin typeface="Consolas" panose="020B0609020204030204" pitchFamily="49" charset="0"/>
-                <a:cs typeface="Courier New" panose="02070309020205020404" pitchFamily="49" charset="0"/>
-              </a:rPr>
-              <a:t>Hello </a:t>
-            </a:r>
-            <a:r>
-              <a:rPr lang="en-US" sz="1100">
-                <a:solidFill>
-                  <a:schemeClr val="accent1"/>
-                </a:solidFill>
-                <a:latin typeface="Consolas" panose="020B0609020204030204" pitchFamily="49" charset="0"/>
-                <a:cs typeface="Courier New" panose="02070309020205020404" pitchFamily="49" charset="0"/>
-              </a:rPr>
-              <a:t>{</a:t>
-            </a:r>
-            <a:r>
-              <a:rPr lang="en-US" sz="1100">
-                <a:latin typeface="Consolas" panose="020B0609020204030204" pitchFamily="49" charset="0"/>
-                <a:cs typeface="Courier New" panose="02070309020205020404" pitchFamily="49" charset="0"/>
-              </a:rPr>
-              <a:t>name</a:t>
-            </a:r>
-            <a:r>
-              <a:rPr lang="en-US" sz="1100">
-                <a:solidFill>
-                  <a:schemeClr val="accent1"/>
-                </a:solidFill>
-                <a:latin typeface="Consolas" panose="020B0609020204030204" pitchFamily="49" charset="0"/>
-                <a:cs typeface="Courier New" panose="02070309020205020404" pitchFamily="49" charset="0"/>
-              </a:rPr>
-              <a:t>}</a:t>
-            </a:r>
-            <a:r>
-              <a:rPr lang="en-US" sz="1100">
-                <a:latin typeface="Consolas" panose="020B0609020204030204" pitchFamily="49" charset="0"/>
-                <a:cs typeface="Courier New" panose="02070309020205020404" pitchFamily="49" charset="0"/>
-              </a:rPr>
-              <a:t>, you are </a:t>
-            </a:r>
-            <a:r>
-              <a:rPr lang="en-US" sz="1100">
-                <a:solidFill>
-                  <a:schemeClr val="accent1"/>
-                </a:solidFill>
-                <a:latin typeface="Consolas" panose="020B0609020204030204" pitchFamily="49" charset="0"/>
-                <a:cs typeface="Courier New" panose="02070309020205020404" pitchFamily="49" charset="0"/>
-              </a:rPr>
-              <a:t>{</a:t>
-            </a:r>
-            <a:r>
-              <a:rPr lang="en-US" sz="1100">
-                <a:latin typeface="Consolas" panose="020B0609020204030204" pitchFamily="49" charset="0"/>
-                <a:cs typeface="Courier New" panose="02070309020205020404" pitchFamily="49" charset="0"/>
-              </a:rPr>
-              <a:t>age</a:t>
-            </a:r>
-            <a:r>
-              <a:rPr lang="en-US" sz="1100">
-                <a:solidFill>
-                  <a:schemeClr val="accent1"/>
-                </a:solidFill>
-                <a:latin typeface="Consolas" panose="020B0609020204030204" pitchFamily="49" charset="0"/>
-                <a:cs typeface="Courier New" panose="02070309020205020404" pitchFamily="49" charset="0"/>
-              </a:rPr>
-              <a:t>}</a:t>
-            </a:r>
-            <a:r>
-              <a:rPr lang="en-US" sz="1100">
-                <a:latin typeface="Consolas" panose="020B0609020204030204" pitchFamily="49" charset="0"/>
-                <a:cs typeface="Courier New" panose="02070309020205020404" pitchFamily="49" charset="0"/>
-              </a:rPr>
-              <a:t> years old!</a:t>
-            </a:r>
-            <a:r>
-              <a:rPr lang="en-US" sz="1100">
-                <a:solidFill>
-                  <a:schemeClr val="accent1"/>
-                </a:solidFill>
-                <a:latin typeface="Consolas" panose="020B0609020204030204" pitchFamily="49" charset="0"/>
-                <a:cs typeface="Courier New" panose="02070309020205020404" pitchFamily="49" charset="0"/>
-              </a:rPr>
-              <a:t>'</a:t>
-            </a:r>
-          </a:p>
-          <a:p>
-            <a:pPr marL="76200" indent="0">
-              <a:buNone/>
-            </a:pPr>
-            <a:endParaRPr lang="en-US" sz="1200">
+              <a:t>Operators</a:t>
+            </a:r>
+          </a:p>
+          <a:p>
+            <a:pPr marL="76200" indent="0">
+              <a:buNone/>
+            </a:pPr>
+            <a:r>
+              <a:rPr lang="en-US" sz="1100">
+                <a:latin typeface="Consolas" panose="020B0609020204030204" pitchFamily="49" charset="0"/>
+                <a:cs typeface="Courier New" panose="02070309020205020404" pitchFamily="49" charset="0"/>
+              </a:rPr>
+              <a:t>&lt;  &lt;=  &gt;  &gt;=  ==  !=  and  or  not </a:t>
+            </a:r>
+            <a:endParaRPr lang="fr-FR" sz="1100">
               <a:latin typeface="Consolas" panose="020B0609020204030204" pitchFamily="49" charset="0"/>
+              <a:cs typeface="Courier New" panose="02070309020205020404" pitchFamily="49" charset="0"/>
             </a:endParaRPr>
-          </a:p>
-          <a:p>
-            <a:pPr marL="76200" indent="0">
-              <a:buNone/>
-            </a:pPr>
-            <a:r>
-              <a:rPr lang="en-US" sz="1400"/>
-              <a:t>Operators</a:t>
-            </a:r>
-          </a:p>
-          <a:p>
-            <a:pPr marL="76200" indent="0">
-              <a:buNone/>
-            </a:pPr>
-            <a:r>
-              <a:rPr lang="en-US" sz="1100">
-                <a:latin typeface="Consolas" panose="020B0609020204030204" pitchFamily="49" charset="0"/>
-                <a:cs typeface="Courier New" panose="02070309020205020404" pitchFamily="49" charset="0"/>
-              </a:rPr>
-              <a:t>+  *</a:t>
-            </a:r>
           </a:p>
         </p:txBody>
       </p:sp>
@@ -13948,7 +13676,7 @@
     </p:spTree>
     <p:extLst>
       <p:ext uri="{BB962C8B-B14F-4D97-AF65-F5344CB8AC3E}">
-        <p14:creationId xmlns:p14="http://schemas.microsoft.com/office/powerpoint/2010/main" val="1231859589"/>
+        <p14:creationId xmlns:p14="http://schemas.microsoft.com/office/powerpoint/2010/main" val="479203991"/>
       </p:ext>
     </p:extLst>
   </p:cSld>
@@ -13998,7 +13726,7 @@
           <a:p>
             <a:r>
               <a:rPr lang="en-US" sz="2400"/>
-              <a:t>Booleans</a:t>
+              <a:t>Collections</a:t>
             </a:r>
             <a:endParaRPr lang="fa-IR"/>
           </a:p>
@@ -14035,19 +13763,19 @@
             </a:pPr>
             <a:r>
               <a:rPr lang="en-US" sz="1400"/>
-              <a:t>True or False</a:t>
-            </a:r>
-          </a:p>
-          <a:p>
-            <a:pPr marL="76200" indent="0">
-              <a:buNone/>
-            </a:pPr>
-            <a:r>
-              <a:rPr lang="en-US" sz="1100">
-                <a:latin typeface="Consolas" panose="020B0609020204030204" pitchFamily="49" charset="0"/>
-                <a:cs typeface="Courier New" panose="02070309020205020404" pitchFamily="49" charset="0"/>
-              </a:rPr>
-              <a:t>a = </a:t>
+              <a:t>Lists</a:t>
+            </a:r>
+          </a:p>
+          <a:p>
+            <a:pPr marL="76200" indent="0">
+              <a:buNone/>
+            </a:pPr>
+            <a:r>
+              <a:rPr lang="en-US" sz="1100">
+                <a:latin typeface="Consolas" panose="020B0609020204030204" pitchFamily="49" charset="0"/>
+                <a:cs typeface="Courier New" panose="02070309020205020404" pitchFamily="49" charset="0"/>
+              </a:rPr>
+              <a:t>fruits = </a:t>
             </a:r>
             <a:r>
               <a:rPr lang="en-US" sz="1100">
@@ -14057,19 +13785,14 @@
                 <a:latin typeface="Consolas" panose="020B0609020204030204" pitchFamily="49" charset="0"/>
                 <a:cs typeface="Courier New" panose="02070309020205020404" pitchFamily="49" charset="0"/>
               </a:rPr>
-              <a:t>True</a:t>
-            </a:r>
-          </a:p>
-          <a:p>
-            <a:pPr marL="76200" indent="0">
-              <a:buNone/>
-            </a:pPr>
-            <a:r>
-              <a:rPr lang="en-US" sz="1100">
-                <a:latin typeface="Consolas" panose="020B0609020204030204" pitchFamily="49" charset="0"/>
-                <a:cs typeface="Courier New" panose="02070309020205020404" pitchFamily="49" charset="0"/>
-              </a:rPr>
-              <a:t>b = </a:t>
+              <a:t>[</a:t>
+            </a:r>
+            <a:r>
+              <a:rPr lang="en-US" sz="1100">
+                <a:latin typeface="Consolas" panose="020B0609020204030204" pitchFamily="49" charset="0"/>
+                <a:cs typeface="Courier New" panose="02070309020205020404" pitchFamily="49" charset="0"/>
+              </a:rPr>
+              <a:t>'apple'</a:t>
             </a:r>
             <a:r>
               <a:rPr lang="en-US" sz="1100">
@@ -14079,19 +13802,14 @@
                 <a:latin typeface="Consolas" panose="020B0609020204030204" pitchFamily="49" charset="0"/>
                 <a:cs typeface="Courier New" panose="02070309020205020404" pitchFamily="49" charset="0"/>
               </a:rPr>
-              <a:t>False</a:t>
-            </a:r>
-          </a:p>
-          <a:p>
-            <a:pPr marL="76200" indent="0">
-              <a:buNone/>
-            </a:pPr>
-            <a:r>
-              <a:rPr lang="en-US" sz="1100">
-                <a:latin typeface="Consolas" panose="020B0609020204030204" pitchFamily="49" charset="0"/>
-                <a:cs typeface="Courier New" panose="02070309020205020404" pitchFamily="49" charset="0"/>
-              </a:rPr>
-              <a:t>c = 10 </a:t>
+              <a:t>,</a:t>
+            </a:r>
+            <a:r>
+              <a:rPr lang="en-US" sz="1100">
+                <a:latin typeface="Consolas" panose="020B0609020204030204" pitchFamily="49" charset="0"/>
+                <a:cs typeface="Courier New" panose="02070309020205020404" pitchFamily="49" charset="0"/>
+              </a:rPr>
+              <a:t> 'banana'</a:t>
             </a:r>
             <a:r>
               <a:rPr lang="en-US" sz="1100">
@@ -14101,26 +13819,14 @@
                 <a:latin typeface="Consolas" panose="020B0609020204030204" pitchFamily="49" charset="0"/>
                 <a:cs typeface="Courier New" panose="02070309020205020404" pitchFamily="49" charset="0"/>
               </a:rPr>
-              <a:t>&gt;=</a:t>
-            </a:r>
-            <a:r>
-              <a:rPr lang="en-US" sz="1100">
-                <a:latin typeface="Consolas" panose="020B0609020204030204" pitchFamily="49" charset="0"/>
-                <a:cs typeface="Courier New" panose="02070309020205020404" pitchFamily="49" charset="0"/>
-              </a:rPr>
-              <a:t> 9</a:t>
-            </a:r>
-          </a:p>
-          <a:p>
-            <a:pPr marL="76200" indent="0">
-              <a:buNone/>
-            </a:pPr>
-            <a:r>
-              <a:rPr lang="en-US" sz="1100">
-                <a:latin typeface="Consolas" panose="020B0609020204030204" pitchFamily="49" charset="0"/>
-                <a:cs typeface="Courier New" panose="02070309020205020404" pitchFamily="49" charset="0"/>
-              </a:rPr>
-              <a:t>d = 10 </a:t>
+              <a:t>,</a:t>
+            </a:r>
+            <a:r>
+              <a:rPr lang="en-US" sz="1100">
+                <a:latin typeface="Consolas" panose="020B0609020204030204" pitchFamily="49" charset="0"/>
+                <a:cs typeface="Courier New" panose="02070309020205020404" pitchFamily="49" charset="0"/>
+              </a:rPr>
+              <a:t> 'cherry'</a:t>
             </a:r>
             <a:r>
               <a:rPr lang="en-US" sz="1100">
@@ -14130,25 +13836,36 @@
                 <a:latin typeface="Consolas" panose="020B0609020204030204" pitchFamily="49" charset="0"/>
                 <a:cs typeface="Courier New" panose="02070309020205020404" pitchFamily="49" charset="0"/>
               </a:rPr>
-              <a:t>==</a:t>
-            </a:r>
-            <a:r>
-              <a:rPr lang="en-US" sz="1100">
-                <a:latin typeface="Consolas" panose="020B0609020204030204" pitchFamily="49" charset="0"/>
-                <a:cs typeface="Courier New" panose="02070309020205020404" pitchFamily="49" charset="0"/>
-              </a:rPr>
-              <a:t> 9</a:t>
-            </a:r>
-          </a:p>
-          <a:p>
-            <a:pPr marL="76200" indent="0">
-              <a:buNone/>
-            </a:pPr>
-            <a:r>
-              <a:rPr lang="en-US" sz="1100">
-                <a:latin typeface="Consolas" panose="020B0609020204030204" pitchFamily="49" charset="0"/>
-              </a:rPr>
-              <a:t>e = 10 &gt; 9 </a:t>
+              <a:t>]</a:t>
+            </a:r>
+          </a:p>
+          <a:p>
+            <a:pPr marL="76200" indent="0">
+              <a:buNone/>
+            </a:pPr>
+            <a:endParaRPr lang="en-US" sz="1200">
+              <a:latin typeface="Consolas" panose="020B0609020204030204" pitchFamily="49" charset="0"/>
+            </a:endParaRPr>
+          </a:p>
+          <a:p>
+            <a:pPr marL="76200" indent="0">
+              <a:buNone/>
+            </a:pPr>
+            <a:r>
+              <a:rPr lang="en-US" sz="1400"/>
+              <a:t>Tuples</a:t>
+            </a:r>
+          </a:p>
+          <a:p>
+            <a:pPr marL="76200" indent="0">
+              <a:buNone/>
+            </a:pPr>
+            <a:r>
+              <a:rPr lang="en-US" sz="1100">
+                <a:latin typeface="Consolas" panose="020B0609020204030204" pitchFamily="49" charset="0"/>
+                <a:cs typeface="Courier New" panose="02070309020205020404" pitchFamily="49" charset="0"/>
+              </a:rPr>
+              <a:t>fruits = </a:t>
             </a:r>
             <a:r>
               <a:rPr lang="en-US" sz="1100">
@@ -14156,26 +13873,16 @@
                   <a:schemeClr val="accent1"/>
                 </a:solidFill>
                 <a:latin typeface="Consolas" panose="020B0609020204030204" pitchFamily="49" charset="0"/>
-              </a:rPr>
-              <a:t>or</a:t>
-            </a:r>
-            <a:r>
-              <a:rPr lang="en-US" sz="1100">
-                <a:latin typeface="Consolas" panose="020B0609020204030204" pitchFamily="49" charset="0"/>
-              </a:rPr>
-              <a:t> 2 + 2 == 5</a:t>
-            </a:r>
-          </a:p>
-          <a:p>
-            <a:pPr marL="76200" indent="0">
-              <a:buNone/>
-            </a:pPr>
-            <a:r>
-              <a:rPr lang="en-US" sz="1100">
-                <a:latin typeface="Consolas" panose="020B0609020204030204" pitchFamily="49" charset="0"/>
-                <a:cs typeface="Courier New" panose="02070309020205020404" pitchFamily="49" charset="0"/>
-              </a:rPr>
-              <a:t>f =</a:t>
+                <a:cs typeface="Courier New" panose="02070309020205020404" pitchFamily="49" charset="0"/>
+              </a:rPr>
+              <a:t>(</a:t>
+            </a:r>
+            <a:r>
+              <a:rPr lang="en-US" sz="1100">
+                <a:latin typeface="Consolas" panose="020B0609020204030204" pitchFamily="49" charset="0"/>
+                <a:cs typeface="Courier New" panose="02070309020205020404" pitchFamily="49" charset="0"/>
+              </a:rPr>
+              <a:t>'apple'</a:t>
             </a:r>
             <a:r>
               <a:rPr lang="en-US" sz="1100">
@@ -14183,14 +13890,43 @@
                   <a:schemeClr val="accent1"/>
                 </a:solidFill>
                 <a:latin typeface="Consolas" panose="020B0609020204030204" pitchFamily="49" charset="0"/>
-              </a:rPr>
-              <a:t> not</a:t>
-            </a:r>
-            <a:r>
-              <a:rPr lang="en-US" sz="1100">
-                <a:latin typeface="Consolas" panose="020B0609020204030204" pitchFamily="49" charset="0"/>
-              </a:rPr>
-              <a:t> 2 + 2 == 4</a:t>
+                <a:cs typeface="Courier New" panose="02070309020205020404" pitchFamily="49" charset="0"/>
+              </a:rPr>
+              <a:t>,</a:t>
+            </a:r>
+            <a:r>
+              <a:rPr lang="en-US" sz="1100">
+                <a:latin typeface="Consolas" panose="020B0609020204030204" pitchFamily="49" charset="0"/>
+                <a:cs typeface="Courier New" panose="02070309020205020404" pitchFamily="49" charset="0"/>
+              </a:rPr>
+              <a:t> 'banana'</a:t>
+            </a:r>
+            <a:r>
+              <a:rPr lang="en-US" sz="1100">
+                <a:solidFill>
+                  <a:schemeClr val="accent1"/>
+                </a:solidFill>
+                <a:latin typeface="Consolas" panose="020B0609020204030204" pitchFamily="49" charset="0"/>
+                <a:cs typeface="Courier New" panose="02070309020205020404" pitchFamily="49" charset="0"/>
+              </a:rPr>
+              <a:t>,</a:t>
+            </a:r>
+            <a:r>
+              <a:rPr lang="en-US" sz="1100">
+                <a:latin typeface="Consolas" panose="020B0609020204030204" pitchFamily="49" charset="0"/>
+                <a:cs typeface="Courier New" panose="02070309020205020404" pitchFamily="49" charset="0"/>
+              </a:rPr>
+              <a:t> 'cherry'</a:t>
+            </a:r>
+            <a:r>
+              <a:rPr lang="en-US" sz="1100">
+                <a:solidFill>
+                  <a:schemeClr val="accent1"/>
+                </a:solidFill>
+                <a:latin typeface="Consolas" panose="020B0609020204030204" pitchFamily="49" charset="0"/>
+                <a:cs typeface="Courier New" panose="02070309020205020404" pitchFamily="49" charset="0"/>
+              </a:rPr>
+              <a:t>)</a:t>
             </a:r>
           </a:p>
           <a:p>
@@ -14198,33 +13934,233 @@
               <a:buNone/>
             </a:pPr>
             <a:endParaRPr lang="en-US" sz="1200">
-              <a:latin typeface="Consolas" panose="020B0609020204030204" pitchFamily="49" charset="0"/>
-            </a:endParaRPr>
-          </a:p>
-          <a:p>
-            <a:pPr marL="76200" indent="0">
-              <a:buNone/>
-            </a:pPr>
-            <a:r>
-              <a:rPr lang="en-US" sz="1400"/>
-              <a:t>Operators</a:t>
-            </a:r>
-          </a:p>
-          <a:p>
-            <a:pPr marL="76200" indent="0">
-              <a:buNone/>
-            </a:pPr>
-            <a:r>
-              <a:rPr lang="en-US" sz="1100">
-                <a:latin typeface="Consolas" panose="020B0609020204030204" pitchFamily="49" charset="0"/>
-                <a:cs typeface="Courier New" panose="02070309020205020404" pitchFamily="49" charset="0"/>
-              </a:rPr>
-              <a:t>&lt;  &lt;=  &gt;  &gt;=  ==  !=  and  or  not </a:t>
-            </a:r>
-            <a:endParaRPr lang="fr-FR" sz="1100">
               <a:latin typeface="Consolas" panose="020B0609020204030204" pitchFamily="49" charset="0"/>
               <a:cs typeface="Courier New" panose="02070309020205020404" pitchFamily="49" charset="0"/>
             </a:endParaRPr>
+          </a:p>
+          <a:p>
+            <a:pPr marL="76200" indent="0">
+              <a:buNone/>
+            </a:pPr>
+            <a:r>
+              <a:rPr lang="en-US" sz="1400"/>
+              <a:t>Sets</a:t>
+            </a:r>
+          </a:p>
+          <a:p>
+            <a:pPr marL="76200" indent="0">
+              <a:buNone/>
+            </a:pPr>
+            <a:r>
+              <a:rPr lang="en-US" sz="1100">
+                <a:latin typeface="Consolas" panose="020B0609020204030204" pitchFamily="49" charset="0"/>
+                <a:cs typeface="Courier New" panose="02070309020205020404" pitchFamily="49" charset="0"/>
+              </a:rPr>
+              <a:t>fruits = </a:t>
+            </a:r>
+            <a:r>
+              <a:rPr lang="en-US" sz="1100">
+                <a:solidFill>
+                  <a:schemeClr val="accent1"/>
+                </a:solidFill>
+                <a:latin typeface="Consolas" panose="020B0609020204030204" pitchFamily="49" charset="0"/>
+                <a:cs typeface="Courier New" panose="02070309020205020404" pitchFamily="49" charset="0"/>
+              </a:rPr>
+              <a:t>{</a:t>
+            </a:r>
+            <a:r>
+              <a:rPr lang="en-US" sz="1100">
+                <a:latin typeface="Consolas" panose="020B0609020204030204" pitchFamily="49" charset="0"/>
+                <a:cs typeface="Courier New" panose="02070309020205020404" pitchFamily="49" charset="0"/>
+              </a:rPr>
+              <a:t>'apple'</a:t>
+            </a:r>
+            <a:r>
+              <a:rPr lang="en-US" sz="1100">
+                <a:solidFill>
+                  <a:schemeClr val="accent1"/>
+                </a:solidFill>
+                <a:latin typeface="Consolas" panose="020B0609020204030204" pitchFamily="49" charset="0"/>
+                <a:cs typeface="Courier New" panose="02070309020205020404" pitchFamily="49" charset="0"/>
+              </a:rPr>
+              <a:t>,</a:t>
+            </a:r>
+            <a:r>
+              <a:rPr lang="en-US" sz="1100">
+                <a:latin typeface="Consolas" panose="020B0609020204030204" pitchFamily="49" charset="0"/>
+                <a:cs typeface="Courier New" panose="02070309020205020404" pitchFamily="49" charset="0"/>
+              </a:rPr>
+              <a:t> 'banana'</a:t>
+            </a:r>
+            <a:r>
+              <a:rPr lang="en-US" sz="1100">
+                <a:solidFill>
+                  <a:schemeClr val="accent1"/>
+                </a:solidFill>
+                <a:latin typeface="Consolas" panose="020B0609020204030204" pitchFamily="49" charset="0"/>
+                <a:cs typeface="Courier New" panose="02070309020205020404" pitchFamily="49" charset="0"/>
+              </a:rPr>
+              <a:t>,</a:t>
+            </a:r>
+            <a:r>
+              <a:rPr lang="en-US" sz="1100">
+                <a:latin typeface="Consolas" panose="020B0609020204030204" pitchFamily="49" charset="0"/>
+                <a:cs typeface="Courier New" panose="02070309020205020404" pitchFamily="49" charset="0"/>
+              </a:rPr>
+              <a:t> 'cherry’</a:t>
+            </a:r>
+            <a:r>
+              <a:rPr lang="en-US" sz="1100">
+                <a:solidFill>
+                  <a:schemeClr val="accent1"/>
+                </a:solidFill>
+                <a:latin typeface="Consolas" panose="020B0609020204030204" pitchFamily="49" charset="0"/>
+                <a:cs typeface="Courier New" panose="02070309020205020404" pitchFamily="49" charset="0"/>
+              </a:rPr>
+              <a:t>}</a:t>
+            </a:r>
+          </a:p>
+          <a:p>
+            <a:pPr marL="76200" indent="0">
+              <a:buNone/>
+            </a:pPr>
+            <a:endParaRPr lang="en-US" sz="1200">
+              <a:latin typeface="Consolas" panose="020B0609020204030204" pitchFamily="49" charset="0"/>
+              <a:cs typeface="Courier New" panose="02070309020205020404" pitchFamily="49" charset="0"/>
+            </a:endParaRPr>
+          </a:p>
+          <a:p>
+            <a:pPr marL="76200" indent="0">
+              <a:buNone/>
+            </a:pPr>
+            <a:r>
+              <a:rPr lang="en-US" sz="1400"/>
+              <a:t>Dictionaries</a:t>
+            </a:r>
+          </a:p>
+          <a:p>
+            <a:pPr marL="76200" indent="0">
+              <a:buNone/>
+            </a:pPr>
+            <a:r>
+              <a:rPr lang="en-US" sz="1100">
+                <a:latin typeface="Consolas" panose="020B0609020204030204" pitchFamily="49" charset="0"/>
+                <a:cs typeface="Courier New" panose="02070309020205020404" pitchFamily="49" charset="0"/>
+              </a:rPr>
+              <a:t>fruits = </a:t>
+            </a:r>
+            <a:r>
+              <a:rPr lang="en-US" sz="1100">
+                <a:solidFill>
+                  <a:schemeClr val="accent1"/>
+                </a:solidFill>
+                <a:latin typeface="Consolas" panose="020B0609020204030204" pitchFamily="49" charset="0"/>
+                <a:cs typeface="Courier New" panose="02070309020205020404" pitchFamily="49" charset="0"/>
+              </a:rPr>
+              <a:t>{</a:t>
+            </a:r>
+            <a:r>
+              <a:rPr lang="en-US" sz="1100">
+                <a:latin typeface="Consolas" panose="020B0609020204030204" pitchFamily="49" charset="0"/>
+                <a:cs typeface="Courier New" panose="02070309020205020404" pitchFamily="49" charset="0"/>
+              </a:rPr>
+              <a:t>'apple'</a:t>
+            </a:r>
+            <a:r>
+              <a:rPr lang="en-US" sz="1100">
+                <a:solidFill>
+                  <a:schemeClr val="accent1"/>
+                </a:solidFill>
+                <a:latin typeface="Consolas" panose="020B0609020204030204" pitchFamily="49" charset="0"/>
+                <a:cs typeface="Courier New" panose="02070309020205020404" pitchFamily="49" charset="0"/>
+              </a:rPr>
+              <a:t>:</a:t>
+            </a:r>
+            <a:r>
+              <a:rPr lang="en-US" sz="1100">
+                <a:latin typeface="Consolas" panose="020B0609020204030204" pitchFamily="49" charset="0"/>
+                <a:cs typeface="Courier New" panose="02070309020205020404" pitchFamily="49" charset="0"/>
+              </a:rPr>
+              <a:t> 'green'</a:t>
+            </a:r>
+            <a:r>
+              <a:rPr lang="en-US" sz="1100">
+                <a:solidFill>
+                  <a:schemeClr val="accent1"/>
+                </a:solidFill>
+                <a:latin typeface="Consolas" panose="020B0609020204030204" pitchFamily="49" charset="0"/>
+                <a:cs typeface="Courier New" panose="02070309020205020404" pitchFamily="49" charset="0"/>
+              </a:rPr>
+              <a:t>,</a:t>
+            </a:r>
+            <a:r>
+              <a:rPr lang="en-US" sz="1100">
+                <a:latin typeface="Consolas" panose="020B0609020204030204" pitchFamily="49" charset="0"/>
+                <a:cs typeface="Courier New" panose="02070309020205020404" pitchFamily="49" charset="0"/>
+              </a:rPr>
+              <a:t> 'banana'</a:t>
+            </a:r>
+            <a:r>
+              <a:rPr lang="en-US" sz="1100">
+                <a:solidFill>
+                  <a:schemeClr val="accent1"/>
+                </a:solidFill>
+                <a:latin typeface="Consolas" panose="020B0609020204030204" pitchFamily="49" charset="0"/>
+                <a:cs typeface="Courier New" panose="02070309020205020404" pitchFamily="49" charset="0"/>
+              </a:rPr>
+              <a:t>:</a:t>
+            </a:r>
+            <a:r>
+              <a:rPr lang="en-US" sz="1100">
+                <a:latin typeface="Consolas" panose="020B0609020204030204" pitchFamily="49" charset="0"/>
+                <a:cs typeface="Courier New" panose="02070309020205020404" pitchFamily="49" charset="0"/>
+              </a:rPr>
+              <a:t> 'yellow'</a:t>
+            </a:r>
+            <a:r>
+              <a:rPr lang="en-US" sz="1100">
+                <a:solidFill>
+                  <a:schemeClr val="accent1"/>
+                </a:solidFill>
+                <a:latin typeface="Consolas" panose="020B0609020204030204" pitchFamily="49" charset="0"/>
+                <a:cs typeface="Courier New" panose="02070309020205020404" pitchFamily="49" charset="0"/>
+              </a:rPr>
+              <a:t>,</a:t>
+            </a:r>
+            <a:r>
+              <a:rPr lang="en-US" sz="1100">
+                <a:latin typeface="Consolas" panose="020B0609020204030204" pitchFamily="49" charset="0"/>
+                <a:cs typeface="Courier New" panose="02070309020205020404" pitchFamily="49" charset="0"/>
+              </a:rPr>
+              <a:t> 'cherry'</a:t>
+            </a:r>
+            <a:r>
+              <a:rPr lang="en-US" sz="1100">
+                <a:solidFill>
+                  <a:schemeClr val="accent1"/>
+                </a:solidFill>
+                <a:latin typeface="Consolas" panose="020B0609020204030204" pitchFamily="49" charset="0"/>
+                <a:cs typeface="Courier New" panose="02070309020205020404" pitchFamily="49" charset="0"/>
+              </a:rPr>
+              <a:t>:</a:t>
+            </a:r>
+            <a:r>
+              <a:rPr lang="en-US" sz="1100">
+                <a:latin typeface="Consolas" panose="020B0609020204030204" pitchFamily="49" charset="0"/>
+                <a:cs typeface="Courier New" panose="02070309020205020404" pitchFamily="49" charset="0"/>
+              </a:rPr>
+              <a:t> 'red'</a:t>
+            </a:r>
+            <a:r>
+              <a:rPr lang="en-US" sz="1100">
+                <a:solidFill>
+                  <a:schemeClr val="accent1"/>
+                </a:solidFill>
+                <a:latin typeface="Consolas" panose="020B0609020204030204" pitchFamily="49" charset="0"/>
+                <a:cs typeface="Courier New" panose="02070309020205020404" pitchFamily="49" charset="0"/>
+              </a:rPr>
+              <a:t>}</a:t>
+            </a:r>
           </a:p>
         </p:txBody>
       </p:sp>
@@ -14269,7 +14205,7 @@
     </p:spTree>
     <p:extLst>
       <p:ext uri="{BB962C8B-B14F-4D97-AF65-F5344CB8AC3E}">
-        <p14:creationId xmlns:p14="http://schemas.microsoft.com/office/powerpoint/2010/main" val="479203991"/>
+        <p14:creationId xmlns:p14="http://schemas.microsoft.com/office/powerpoint/2010/main" val="3800474062"/>
       </p:ext>
     </p:extLst>
   </p:cSld>
@@ -14319,7 +14255,7 @@
           <a:p>
             <a:r>
               <a:rPr lang="en-US" sz="2400"/>
-              <a:t>Collections</a:t>
+              <a:t>Lists</a:t>
             </a:r>
             <a:endParaRPr lang="fa-IR"/>
           </a:p>
@@ -14356,19 +14292,31 @@
             </a:pPr>
             <a:r>
               <a:rPr lang="en-US" sz="1400"/>
-              <a:t>Lists</a:t>
-            </a:r>
-          </a:p>
-          <a:p>
-            <a:pPr marL="76200" indent="0">
-              <a:buNone/>
-            </a:pPr>
-            <a:r>
-              <a:rPr lang="en-US" sz="1100">
-                <a:latin typeface="Consolas" panose="020B0609020204030204" pitchFamily="49" charset="0"/>
-                <a:cs typeface="Courier New" panose="02070309020205020404" pitchFamily="49" charset="0"/>
-              </a:rPr>
-              <a:t>fruits = </a:t>
+              <a:t>Ordered, changeable, and allow duplicate values</a:t>
+            </a:r>
+          </a:p>
+          <a:p>
+            <a:pPr marL="76200" indent="0">
+              <a:buNone/>
+            </a:pPr>
+            <a:r>
+              <a:rPr lang="en-US" sz="1100">
+                <a:latin typeface="Consolas" panose="020B0609020204030204" pitchFamily="49" charset="0"/>
+                <a:cs typeface="Courier New" panose="02070309020205020404" pitchFamily="49" charset="0"/>
+              </a:rPr>
+              <a:t>fruits = ['apple', 'banana', 'cherry', 'apple', 'cherry']</a:t>
+            </a:r>
+          </a:p>
+          <a:p>
+            <a:pPr marL="76200" indent="0">
+              <a:buNone/>
+            </a:pPr>
+            <a:r>
+              <a:rPr lang="en-US" sz="1100">
+                <a:latin typeface="Consolas" panose="020B0609020204030204" pitchFamily="49" charset="0"/>
+                <a:cs typeface="Courier New" panose="02070309020205020404" pitchFamily="49" charset="0"/>
+              </a:rPr>
+              <a:t>print(fruits</a:t>
             </a:r>
             <a:r>
               <a:rPr lang="en-US" sz="1100">
@@ -14385,7 +14333,7 @@
                 <a:latin typeface="Consolas" panose="020B0609020204030204" pitchFamily="49" charset="0"/>
                 <a:cs typeface="Courier New" panose="02070309020205020404" pitchFamily="49" charset="0"/>
               </a:rPr>
-              <a:t>'apple'</a:t>
+              <a:t>0</a:t>
             </a:r>
             <a:r>
               <a:rPr lang="en-US" sz="1100">
@@ -14395,14 +14343,14 @@
                 <a:latin typeface="Consolas" panose="020B0609020204030204" pitchFamily="49" charset="0"/>
                 <a:cs typeface="Courier New" panose="02070309020205020404" pitchFamily="49" charset="0"/>
               </a:rPr>
-              <a:t>,</a:t>
-            </a:r>
-            <a:r>
-              <a:rPr lang="en-US" sz="1100">
-                <a:latin typeface="Consolas" panose="020B0609020204030204" pitchFamily="49" charset="0"/>
-                <a:cs typeface="Courier New" panose="02070309020205020404" pitchFamily="49" charset="0"/>
-              </a:rPr>
-              <a:t> 'banana'</a:t>
+              <a:t>]</a:t>
+            </a:r>
+            <a:r>
+              <a:rPr lang="en-US" sz="1100">
+                <a:latin typeface="Consolas" panose="020B0609020204030204" pitchFamily="49" charset="0"/>
+                <a:cs typeface="Courier New" panose="02070309020205020404" pitchFamily="49" charset="0"/>
+              </a:rPr>
+              <a:t>, fruits</a:t>
             </a:r>
             <a:r>
               <a:rPr lang="en-US" sz="1100">
@@ -14412,14 +14360,14 @@
                 <a:latin typeface="Consolas" panose="020B0609020204030204" pitchFamily="49" charset="0"/>
                 <a:cs typeface="Courier New" panose="02070309020205020404" pitchFamily="49" charset="0"/>
               </a:rPr>
-              <a:t>,</a:t>
-            </a:r>
-            <a:r>
-              <a:rPr lang="en-US" sz="1100">
-                <a:latin typeface="Consolas" panose="020B0609020204030204" pitchFamily="49" charset="0"/>
-                <a:cs typeface="Courier New" panose="02070309020205020404" pitchFamily="49" charset="0"/>
-              </a:rPr>
-              <a:t> 'cherry'</a:t>
+              <a:t>[</a:t>
+            </a:r>
+            <a:r>
+              <a:rPr lang="en-US" sz="1100">
+                <a:latin typeface="Consolas" panose="020B0609020204030204" pitchFamily="49" charset="0"/>
+                <a:cs typeface="Courier New" panose="02070309020205020404" pitchFamily="49" charset="0"/>
+              </a:rPr>
+              <a:t>-3</a:t>
             </a:r>
             <a:r>
               <a:rPr lang="en-US" sz="1100">
@@ -14431,34 +14379,12 @@
               </a:rPr>
               <a:t>]</a:t>
             </a:r>
-          </a:p>
-          <a:p>
-            <a:pPr marL="76200" indent="0">
-              <a:buNone/>
-            </a:pPr>
-            <a:endParaRPr lang="en-US" sz="1200">
-              <a:latin typeface="Consolas" panose="020B0609020204030204" pitchFamily="49" charset="0"/>
-            </a:endParaRPr>
-          </a:p>
-          <a:p>
-            <a:pPr marL="76200" indent="0">
-              <a:buNone/>
-            </a:pPr>
-            <a:r>
-              <a:rPr lang="en-US" sz="1400"/>
-              <a:t>Tuples</a:t>
-            </a:r>
-          </a:p>
-          <a:p>
-            <a:pPr marL="76200" indent="0">
-              <a:buNone/>
-            </a:pPr>
-            <a:r>
-              <a:rPr lang="en-US" sz="1100">
-                <a:latin typeface="Consolas" panose="020B0609020204030204" pitchFamily="49" charset="0"/>
-                <a:cs typeface="Courier New" panose="02070309020205020404" pitchFamily="49" charset="0"/>
-              </a:rPr>
-              <a:t>fruits = </a:t>
+            <a:r>
+              <a:rPr lang="en-US" sz="1100">
+                <a:latin typeface="Consolas" panose="020B0609020204030204" pitchFamily="49" charset="0"/>
+                <a:cs typeface="Courier New" panose="02070309020205020404" pitchFamily="49" charset="0"/>
+              </a:rPr>
+              <a:t>, fruits</a:t>
             </a:r>
             <a:r>
               <a:rPr lang="en-US" sz="1100">
@@ -14468,14 +14394,14 @@
                 <a:latin typeface="Consolas" panose="020B0609020204030204" pitchFamily="49" charset="0"/>
                 <a:cs typeface="Courier New" panose="02070309020205020404" pitchFamily="49" charset="0"/>
               </a:rPr>
-              <a:t>(</a:t>
-            </a:r>
-            <a:r>
-              <a:rPr lang="en-US" sz="1100">
-                <a:latin typeface="Consolas" panose="020B0609020204030204" pitchFamily="49" charset="0"/>
-                <a:cs typeface="Courier New" panose="02070309020205020404" pitchFamily="49" charset="0"/>
-              </a:rPr>
-              <a:t>'apple'</a:t>
+              <a:t>[</a:t>
+            </a:r>
+            <a:r>
+              <a:rPr lang="en-US" sz="1100">
+                <a:latin typeface="Consolas" panose="020B0609020204030204" pitchFamily="49" charset="0"/>
+                <a:cs typeface="Courier New" panose="02070309020205020404" pitchFamily="49" charset="0"/>
+              </a:rPr>
+              <a:t>1</a:t>
             </a:r>
             <a:r>
               <a:rPr lang="en-US" sz="1100">
@@ -14485,14 +14411,14 @@
                 <a:latin typeface="Consolas" panose="020B0609020204030204" pitchFamily="49" charset="0"/>
                 <a:cs typeface="Courier New" panose="02070309020205020404" pitchFamily="49" charset="0"/>
               </a:rPr>
-              <a:t>,</a:t>
-            </a:r>
-            <a:r>
-              <a:rPr lang="en-US" sz="1100">
-                <a:latin typeface="Consolas" panose="020B0609020204030204" pitchFamily="49" charset="0"/>
-                <a:cs typeface="Courier New" panose="02070309020205020404" pitchFamily="49" charset="0"/>
-              </a:rPr>
-              <a:t> 'banana'</a:t>
+              <a:t>:</a:t>
+            </a:r>
+            <a:r>
+              <a:rPr lang="en-US" sz="1100">
+                <a:latin typeface="Consolas" panose="020B0609020204030204" pitchFamily="49" charset="0"/>
+                <a:cs typeface="Courier New" panose="02070309020205020404" pitchFamily="49" charset="0"/>
+              </a:rPr>
+              <a:t>3</a:t>
             </a:r>
             <a:r>
               <a:rPr lang="en-US" sz="1100">
@@ -14502,20 +14428,221 @@
                 <a:latin typeface="Consolas" panose="020B0609020204030204" pitchFamily="49" charset="0"/>
                 <a:cs typeface="Courier New" panose="02070309020205020404" pitchFamily="49" charset="0"/>
               </a:rPr>
-              <a:t>,</a:t>
-            </a:r>
-            <a:r>
-              <a:rPr lang="en-US" sz="1100">
-                <a:latin typeface="Consolas" panose="020B0609020204030204" pitchFamily="49" charset="0"/>
-                <a:cs typeface="Courier New" panose="02070309020205020404" pitchFamily="49" charset="0"/>
-              </a:rPr>
-              <a:t> 'cherry'</a:t>
+              <a:t>]</a:t>
+            </a:r>
+            <a:r>
+              <a:rPr lang="en-US" sz="1100">
+                <a:latin typeface="Consolas" panose="020B0609020204030204" pitchFamily="49" charset="0"/>
+                <a:cs typeface="Courier New" panose="02070309020205020404" pitchFamily="49" charset="0"/>
+              </a:rPr>
+              <a:t>, fruits</a:t>
             </a:r>
             <a:r>
               <a:rPr lang="en-US" sz="1100">
                 <a:solidFill>
                   <a:schemeClr val="accent1"/>
                 </a:solidFill>
+                <a:latin typeface="Consolas" panose="020B0609020204030204" pitchFamily="49" charset="0"/>
+                <a:cs typeface="Courier New" panose="02070309020205020404" pitchFamily="49" charset="0"/>
+              </a:rPr>
+              <a:t>[:</a:t>
+            </a:r>
+            <a:r>
+              <a:rPr lang="en-US" sz="1100">
+                <a:latin typeface="Consolas" panose="020B0609020204030204" pitchFamily="49" charset="0"/>
+                <a:cs typeface="Courier New" panose="02070309020205020404" pitchFamily="49" charset="0"/>
+              </a:rPr>
+              <a:t>-1</a:t>
+            </a:r>
+            <a:r>
+              <a:rPr lang="en-US" sz="1100">
+                <a:solidFill>
+                  <a:schemeClr val="accent1"/>
+                </a:solidFill>
+                <a:latin typeface="Consolas" panose="020B0609020204030204" pitchFamily="49" charset="0"/>
+                <a:cs typeface="Courier New" panose="02070309020205020404" pitchFamily="49" charset="0"/>
+              </a:rPr>
+              <a:t>]</a:t>
+            </a:r>
+            <a:r>
+              <a:rPr lang="en-US" sz="1100">
+                <a:latin typeface="Consolas" panose="020B0609020204030204" pitchFamily="49" charset="0"/>
+                <a:cs typeface="Courier New" panose="02070309020205020404" pitchFamily="49" charset="0"/>
+              </a:rPr>
+              <a:t>, fruits</a:t>
+            </a:r>
+            <a:r>
+              <a:rPr lang="en-US" sz="1100">
+                <a:solidFill>
+                  <a:schemeClr val="accent1"/>
+                </a:solidFill>
+                <a:latin typeface="Consolas" panose="020B0609020204030204" pitchFamily="49" charset="0"/>
+                <a:cs typeface="Courier New" panose="02070309020205020404" pitchFamily="49" charset="0"/>
+              </a:rPr>
+              <a:t>[</a:t>
+            </a:r>
+            <a:r>
+              <a:rPr lang="en-US" sz="1100">
+                <a:latin typeface="Consolas" panose="020B0609020204030204" pitchFamily="49" charset="0"/>
+                <a:cs typeface="Courier New" panose="02070309020205020404" pitchFamily="49" charset="0"/>
+              </a:rPr>
+              <a:t>0</a:t>
+            </a:r>
+            <a:r>
+              <a:rPr lang="en-US" sz="1100">
+                <a:solidFill>
+                  <a:schemeClr val="accent1"/>
+                </a:solidFill>
+                <a:latin typeface="Consolas" panose="020B0609020204030204" pitchFamily="49" charset="0"/>
+                <a:cs typeface="Courier New" panose="02070309020205020404" pitchFamily="49" charset="0"/>
+              </a:rPr>
+              <a:t>:</a:t>
+            </a:r>
+            <a:r>
+              <a:rPr lang="en-US" sz="1100">
+                <a:latin typeface="Consolas" panose="020B0609020204030204" pitchFamily="49" charset="0"/>
+                <a:cs typeface="Courier New" panose="02070309020205020404" pitchFamily="49" charset="0"/>
+              </a:rPr>
+              <a:t>-1</a:t>
+            </a:r>
+            <a:r>
+              <a:rPr lang="en-US" sz="1100">
+                <a:solidFill>
+                  <a:schemeClr val="accent1"/>
+                </a:solidFill>
+                <a:latin typeface="Consolas" panose="020B0609020204030204" pitchFamily="49" charset="0"/>
+                <a:cs typeface="Courier New" panose="02070309020205020404" pitchFamily="49" charset="0"/>
+              </a:rPr>
+              <a:t>:</a:t>
+            </a:r>
+            <a:r>
+              <a:rPr lang="en-US" sz="1100">
+                <a:latin typeface="Consolas" panose="020B0609020204030204" pitchFamily="49" charset="0"/>
+                <a:cs typeface="Courier New" panose="02070309020205020404" pitchFamily="49" charset="0"/>
+              </a:rPr>
+              <a:t>2</a:t>
+            </a:r>
+            <a:r>
+              <a:rPr lang="en-US" sz="1100">
+                <a:solidFill>
+                  <a:schemeClr val="accent1"/>
+                </a:solidFill>
+                <a:latin typeface="Consolas" panose="020B0609020204030204" pitchFamily="49" charset="0"/>
+                <a:cs typeface="Courier New" panose="02070309020205020404" pitchFamily="49" charset="0"/>
+              </a:rPr>
+              <a:t>]</a:t>
+            </a:r>
+            <a:r>
+              <a:rPr lang="en-US" sz="1100">
+                <a:latin typeface="Consolas" panose="020B0609020204030204" pitchFamily="49" charset="0"/>
+                <a:cs typeface="Courier New" panose="02070309020205020404" pitchFamily="49" charset="0"/>
+              </a:rPr>
+              <a:t>, fruits</a:t>
+            </a:r>
+            <a:r>
+              <a:rPr lang="en-US" sz="1100">
+                <a:solidFill>
+                  <a:schemeClr val="accent1"/>
+                </a:solidFill>
+                <a:latin typeface="Consolas" panose="020B0609020204030204" pitchFamily="49" charset="0"/>
+                <a:cs typeface="Courier New" panose="02070309020205020404" pitchFamily="49" charset="0"/>
+              </a:rPr>
+              <a:t>[::</a:t>
+            </a:r>
+            <a:r>
+              <a:rPr lang="en-US" sz="1100">
+                <a:latin typeface="Consolas" panose="020B0609020204030204" pitchFamily="49" charset="0"/>
+                <a:cs typeface="Courier New" panose="02070309020205020404" pitchFamily="49" charset="0"/>
+              </a:rPr>
+              <a:t>-1</a:t>
+            </a:r>
+            <a:r>
+              <a:rPr lang="en-US" sz="1100">
+                <a:solidFill>
+                  <a:schemeClr val="accent1"/>
+                </a:solidFill>
+                <a:latin typeface="Consolas" panose="020B0609020204030204" pitchFamily="49" charset="0"/>
+                <a:cs typeface="Courier New" panose="02070309020205020404" pitchFamily="49" charset="0"/>
+              </a:rPr>
+              <a:t>]</a:t>
+            </a:r>
+            <a:r>
+              <a:rPr lang="en-US" sz="1100">
+                <a:latin typeface="Consolas" panose="020B0609020204030204" pitchFamily="49" charset="0"/>
+                <a:cs typeface="Courier New" panose="02070309020205020404" pitchFamily="49" charset="0"/>
+              </a:rPr>
+              <a:t>)</a:t>
+            </a:r>
+          </a:p>
+          <a:p>
+            <a:pPr marL="76200" indent="0">
+              <a:buNone/>
+            </a:pPr>
+            <a:r>
+              <a:rPr lang="en-US" sz="1100">
+                <a:latin typeface="Consolas" panose="020B0609020204030204" pitchFamily="49" charset="0"/>
+                <a:cs typeface="Courier New" panose="02070309020205020404" pitchFamily="49" charset="0"/>
+              </a:rPr>
+              <a:t>print('orange' </a:t>
+            </a:r>
+            <a:r>
+              <a:rPr lang="en-US" sz="1100">
+                <a:solidFill>
+                  <a:schemeClr val="accent1"/>
+                </a:solidFill>
+                <a:latin typeface="Consolas" panose="020B0609020204030204" pitchFamily="49" charset="0"/>
+                <a:cs typeface="Courier New" panose="02070309020205020404" pitchFamily="49" charset="0"/>
+              </a:rPr>
+              <a:t>in</a:t>
+            </a:r>
+            <a:r>
+              <a:rPr lang="en-US" sz="1100">
+                <a:latin typeface="Consolas" panose="020B0609020204030204" pitchFamily="49" charset="0"/>
+                <a:cs typeface="Courier New" panose="02070309020205020404" pitchFamily="49" charset="0"/>
+              </a:rPr>
+              <a:t> fruits)</a:t>
+            </a:r>
+          </a:p>
+          <a:p>
+            <a:pPr marL="76200" indent="0">
+              <a:buNone/>
+            </a:pPr>
+            <a:r>
+              <a:rPr lang="en-US" sz="1100">
+                <a:latin typeface="Consolas" panose="020B0609020204030204" pitchFamily="49" charset="0"/>
+                <a:cs typeface="Courier New" panose="02070309020205020404" pitchFamily="49" charset="0"/>
+              </a:rPr>
+              <a:t>print(</a:t>
+            </a:r>
+            <a:r>
+              <a:rPr lang="en-US" sz="1100">
+                <a:solidFill>
+                  <a:schemeClr val="accent1"/>
+                </a:solidFill>
+                <a:latin typeface="Consolas" panose="020B0609020204030204" pitchFamily="49" charset="0"/>
+                <a:cs typeface="Courier New" panose="02070309020205020404" pitchFamily="49" charset="0"/>
+              </a:rPr>
+              <a:t>len(</a:t>
+            </a:r>
+            <a:r>
+              <a:rPr lang="en-US" sz="1100">
+                <a:latin typeface="Consolas" panose="020B0609020204030204" pitchFamily="49" charset="0"/>
+                <a:cs typeface="Courier New" panose="02070309020205020404" pitchFamily="49" charset="0"/>
+              </a:rPr>
+              <a:t>fruits</a:t>
+            </a:r>
+            <a:r>
+              <a:rPr lang="en-US" sz="1100">
+                <a:solidFill>
+                  <a:schemeClr val="accent1"/>
+                </a:solidFill>
+                <a:latin typeface="Consolas" panose="020B0609020204030204" pitchFamily="49" charset="0"/>
+                <a:cs typeface="Courier New" panose="02070309020205020404" pitchFamily="49" charset="0"/>
+              </a:rPr>
+              <a:t>)</a:t>
+            </a:r>
+            <a:r>
+              <a:rPr lang="en-US" sz="1100">
                 <a:latin typeface="Consolas" panose="020B0609020204030204" pitchFamily="49" charset="0"/>
                 <a:cs typeface="Courier New" panose="02070309020205020404" pitchFamily="49" charset="0"/>
               </a:rPr>
@@ -14537,19 +14664,34 @@
             </a:pPr>
             <a:r>
               <a:rPr lang="en-US" sz="1400"/>
-              <a:t>Sets</a:t>
-            </a:r>
-          </a:p>
-          <a:p>
-            <a:pPr marL="76200" indent="0">
-              <a:buNone/>
-            </a:pPr>
-            <a:r>
-              <a:rPr lang="en-US" sz="1100">
-                <a:latin typeface="Consolas" panose="020B0609020204030204" pitchFamily="49" charset="0"/>
-                <a:cs typeface="Courier New" panose="02070309020205020404" pitchFamily="49" charset="0"/>
-              </a:rPr>
-              <a:t>fruits = </a:t>
+              <a:t>Update Lists</a:t>
+            </a:r>
+            <a:endParaRPr lang="en-US" sz="1400">
+              <a:cs typeface="Courier New" panose="02070309020205020404" pitchFamily="49" charset="0"/>
+            </a:endParaRPr>
+          </a:p>
+          <a:p>
+            <a:pPr marL="76200" indent="0">
+              <a:buNone/>
+            </a:pPr>
+            <a:r>
+              <a:rPr lang="en-US" sz="1100">
+                <a:latin typeface="Consolas" panose="020B0609020204030204" pitchFamily="49" charset="0"/>
+                <a:cs typeface="Courier New" panose="02070309020205020404" pitchFamily="49" charset="0"/>
+              </a:rPr>
+              <a:t>fruits[3] = 'orange'</a:t>
+            </a:r>
+          </a:p>
+          <a:p>
+            <a:pPr marL="76200" indent="0">
+              <a:buNone/>
+            </a:pPr>
+            <a:r>
+              <a:rPr lang="en-US" sz="1100">
+                <a:latin typeface="Consolas" panose="020B0609020204030204" pitchFamily="49" charset="0"/>
+                <a:cs typeface="Courier New" panose="02070309020205020404" pitchFamily="49" charset="0"/>
+              </a:rPr>
+              <a:t>fruits</a:t>
             </a:r>
             <a:r>
               <a:rPr lang="en-US" sz="1100">
@@ -14559,14 +14701,14 @@
                 <a:latin typeface="Consolas" panose="020B0609020204030204" pitchFamily="49" charset="0"/>
                 <a:cs typeface="Courier New" panose="02070309020205020404" pitchFamily="49" charset="0"/>
               </a:rPr>
-              <a:t>{</a:t>
-            </a:r>
-            <a:r>
-              <a:rPr lang="en-US" sz="1100">
-                <a:latin typeface="Consolas" panose="020B0609020204030204" pitchFamily="49" charset="0"/>
-                <a:cs typeface="Courier New" panose="02070309020205020404" pitchFamily="49" charset="0"/>
-              </a:rPr>
-              <a:t>'apple'</a:t>
+              <a:t>.append(</a:t>
+            </a:r>
+            <a:r>
+              <a:rPr lang="en-US" sz="1100">
+                <a:latin typeface="Consolas" panose="020B0609020204030204" pitchFamily="49" charset="0"/>
+                <a:cs typeface="Courier New" panose="02070309020205020404" pitchFamily="49" charset="0"/>
+              </a:rPr>
+              <a:t>'kiwi'</a:t>
             </a:r>
             <a:r>
               <a:rPr lang="en-US" sz="1100">
@@ -14576,14 +14718,19 @@
                 <a:latin typeface="Consolas" panose="020B0609020204030204" pitchFamily="49" charset="0"/>
                 <a:cs typeface="Courier New" panose="02070309020205020404" pitchFamily="49" charset="0"/>
               </a:rPr>
-              <a:t>,</a:t>
-            </a:r>
-            <a:r>
-              <a:rPr lang="en-US" sz="1100">
-                <a:latin typeface="Consolas" panose="020B0609020204030204" pitchFamily="49" charset="0"/>
-                <a:cs typeface="Courier New" panose="02070309020205020404" pitchFamily="49" charset="0"/>
-              </a:rPr>
-              <a:t> 'banana'</a:t>
+              <a:t>)</a:t>
+            </a:r>
+          </a:p>
+          <a:p>
+            <a:pPr marL="76200" indent="0">
+              <a:buNone/>
+            </a:pPr>
+            <a:r>
+              <a:rPr lang="en-US" sz="1100">
+                <a:latin typeface="Consolas" panose="020B0609020204030204" pitchFamily="49" charset="0"/>
+                <a:cs typeface="Courier New" panose="02070309020205020404" pitchFamily="49" charset="0"/>
+              </a:rPr>
+              <a:t>fruits</a:t>
             </a:r>
             <a:r>
               <a:rPr lang="en-US" sz="1100">
@@ -14593,14 +14740,14 @@
                 <a:latin typeface="Consolas" panose="020B0609020204030204" pitchFamily="49" charset="0"/>
                 <a:cs typeface="Courier New" panose="02070309020205020404" pitchFamily="49" charset="0"/>
               </a:rPr>
-              <a:t>,</a:t>
-            </a:r>
-            <a:r>
-              <a:rPr lang="en-US" sz="1100">
-                <a:latin typeface="Consolas" panose="020B0609020204030204" pitchFamily="49" charset="0"/>
-                <a:cs typeface="Courier New" panose="02070309020205020404" pitchFamily="49" charset="0"/>
-              </a:rPr>
-              <a:t> 'cherry’</a:t>
+              <a:t>.remove(</a:t>
+            </a:r>
+            <a:r>
+              <a:rPr lang="en-US" sz="1100">
+                <a:latin typeface="Consolas" panose="020B0609020204030204" pitchFamily="49" charset="0"/>
+                <a:cs typeface="Courier New" panose="02070309020205020404" pitchFamily="49" charset="0"/>
+              </a:rPr>
+              <a:t>'banana'</a:t>
             </a:r>
             <a:r>
               <a:rPr lang="en-US" sz="1100">
@@ -14610,54 +14757,29 @@
                 <a:latin typeface="Consolas" panose="020B0609020204030204" pitchFamily="49" charset="0"/>
                 <a:cs typeface="Courier New" panose="02070309020205020404" pitchFamily="49" charset="0"/>
               </a:rPr>
-              <a:t>}</a:t>
-            </a:r>
-          </a:p>
-          <a:p>
-            <a:pPr marL="76200" indent="0">
-              <a:buNone/>
-            </a:pPr>
-            <a:endParaRPr lang="en-US" sz="1200">
-              <a:latin typeface="Consolas" panose="020B0609020204030204" pitchFamily="49" charset="0"/>
-              <a:cs typeface="Courier New" panose="02070309020205020404" pitchFamily="49" charset="0"/>
-            </a:endParaRPr>
-          </a:p>
-          <a:p>
-            <a:pPr marL="76200" indent="0">
-              <a:buNone/>
-            </a:pPr>
-            <a:r>
-              <a:rPr lang="en-US" sz="1400"/>
-              <a:t>Dictionaries</a:t>
-            </a:r>
-          </a:p>
-          <a:p>
-            <a:pPr marL="76200" indent="0">
-              <a:buNone/>
-            </a:pPr>
-            <a:r>
-              <a:rPr lang="en-US" sz="1100">
-                <a:latin typeface="Consolas" panose="020B0609020204030204" pitchFamily="49" charset="0"/>
-                <a:cs typeface="Courier New" panose="02070309020205020404" pitchFamily="49" charset="0"/>
-              </a:rPr>
-              <a:t>fruits = </a:t>
-            </a:r>
-            <a:r>
-              <a:rPr lang="en-US" sz="1100">
+              <a:t>)</a:t>
+            </a:r>
+          </a:p>
+          <a:p>
+            <a:pPr marL="76200" indent="0">
+              <a:buNone/>
+            </a:pPr>
+            <a:r>
+              <a:rPr lang="en-US" sz="1100" err="1">
+                <a:latin typeface="Consolas" panose="020B0609020204030204" pitchFamily="49" charset="0"/>
+                <a:cs typeface="Courier New" panose="02070309020205020404" pitchFamily="49" charset="0"/>
+              </a:rPr>
+              <a:t>fruits</a:t>
+            </a:r>
+            <a:r>
+              <a:rPr lang="en-US" sz="1100" err="1">
                 <a:solidFill>
                   <a:schemeClr val="accent1"/>
                 </a:solidFill>
                 <a:latin typeface="Consolas" panose="020B0609020204030204" pitchFamily="49" charset="0"/>
                 <a:cs typeface="Courier New" panose="02070309020205020404" pitchFamily="49" charset="0"/>
               </a:rPr>
-              <a:t>{</a:t>
-            </a:r>
-            <a:r>
-              <a:rPr lang="en-US" sz="1100">
-                <a:latin typeface="Consolas" panose="020B0609020204030204" pitchFamily="49" charset="0"/>
-                <a:cs typeface="Courier New" panose="02070309020205020404" pitchFamily="49" charset="0"/>
-              </a:rPr>
-              <a:t>'apple'</a:t>
+              <a:t>.pop</a:t>
             </a:r>
             <a:r>
               <a:rPr lang="en-US" sz="1100">
@@ -14667,14 +14789,14 @@
                 <a:latin typeface="Consolas" panose="020B0609020204030204" pitchFamily="49" charset="0"/>
                 <a:cs typeface="Courier New" panose="02070309020205020404" pitchFamily="49" charset="0"/>
               </a:rPr>
-              <a:t>:</a:t>
-            </a:r>
-            <a:r>
-              <a:rPr lang="en-US" sz="1100">
-                <a:latin typeface="Consolas" panose="020B0609020204030204" pitchFamily="49" charset="0"/>
-                <a:cs typeface="Courier New" panose="02070309020205020404" pitchFamily="49" charset="0"/>
-              </a:rPr>
-              <a:t> 'green'</a:t>
+              <a:t>(</a:t>
+            </a:r>
+            <a:r>
+              <a:rPr lang="en-US" sz="1100">
+                <a:latin typeface="Consolas" panose="020B0609020204030204" pitchFamily="49" charset="0"/>
+                <a:cs typeface="Courier New" panose="02070309020205020404" pitchFamily="49" charset="0"/>
+              </a:rPr>
+              <a:t>3</a:t>
             </a:r>
             <a:r>
               <a:rPr lang="en-US" sz="1100">
@@ -14684,75 +14806,7 @@
                 <a:latin typeface="Consolas" panose="020B0609020204030204" pitchFamily="49" charset="0"/>
                 <a:cs typeface="Courier New" panose="02070309020205020404" pitchFamily="49" charset="0"/>
               </a:rPr>
-              <a:t>,</a:t>
-            </a:r>
-            <a:r>
-              <a:rPr lang="en-US" sz="1100">
-                <a:latin typeface="Consolas" panose="020B0609020204030204" pitchFamily="49" charset="0"/>
-                <a:cs typeface="Courier New" panose="02070309020205020404" pitchFamily="49" charset="0"/>
-              </a:rPr>
-              <a:t> 'banana'</a:t>
-            </a:r>
-            <a:r>
-              <a:rPr lang="en-US" sz="1100">
-                <a:solidFill>
-                  <a:schemeClr val="accent1"/>
-                </a:solidFill>
-                <a:latin typeface="Consolas" panose="020B0609020204030204" pitchFamily="49" charset="0"/>
-                <a:cs typeface="Courier New" panose="02070309020205020404" pitchFamily="49" charset="0"/>
-              </a:rPr>
-              <a:t>:</a:t>
-            </a:r>
-            <a:r>
-              <a:rPr lang="en-US" sz="1100">
-                <a:latin typeface="Consolas" panose="020B0609020204030204" pitchFamily="49" charset="0"/>
-                <a:cs typeface="Courier New" panose="02070309020205020404" pitchFamily="49" charset="0"/>
-              </a:rPr>
-              <a:t> 'yellow'</a:t>
-            </a:r>
-            <a:r>
-              <a:rPr lang="en-US" sz="1100">
-                <a:solidFill>
-                  <a:schemeClr val="accent1"/>
-                </a:solidFill>
-                <a:latin typeface="Consolas" panose="020B0609020204030204" pitchFamily="49" charset="0"/>
-                <a:cs typeface="Courier New" panose="02070309020205020404" pitchFamily="49" charset="0"/>
-              </a:rPr>
-              <a:t>,</a:t>
-            </a:r>
-            <a:r>
-              <a:rPr lang="en-US" sz="1100">
-                <a:latin typeface="Consolas" panose="020B0609020204030204" pitchFamily="49" charset="0"/>
-                <a:cs typeface="Courier New" panose="02070309020205020404" pitchFamily="49" charset="0"/>
-              </a:rPr>
-              <a:t> 'cherry'</a:t>
-            </a:r>
-            <a:r>
-              <a:rPr lang="en-US" sz="1100">
-                <a:solidFill>
-                  <a:schemeClr val="accent1"/>
-                </a:solidFill>
-                <a:latin typeface="Consolas" panose="020B0609020204030204" pitchFamily="49" charset="0"/>
-                <a:cs typeface="Courier New" panose="02070309020205020404" pitchFamily="49" charset="0"/>
-              </a:rPr>
-              <a:t>:</a:t>
-            </a:r>
-            <a:r>
-              <a:rPr lang="en-US" sz="1100">
-                <a:latin typeface="Consolas" panose="020B0609020204030204" pitchFamily="49" charset="0"/>
-                <a:cs typeface="Courier New" panose="02070309020205020404" pitchFamily="49" charset="0"/>
-              </a:rPr>
-              <a:t> 'red'</a:t>
-            </a:r>
-            <a:r>
-              <a:rPr lang="en-US" sz="1100">
-                <a:solidFill>
-                  <a:schemeClr val="accent1"/>
-                </a:solidFill>
-                <a:latin typeface="Consolas" panose="020B0609020204030204" pitchFamily="49" charset="0"/>
-                <a:cs typeface="Courier New" panose="02070309020205020404" pitchFamily="49" charset="0"/>
-              </a:rPr>
-              <a:t>}</a:t>
+              <a:t>)</a:t>
             </a:r>
           </a:p>
         </p:txBody>
@@ -14798,7 +14852,7 @@
     </p:spTree>
     <p:extLst>
       <p:ext uri="{BB962C8B-B14F-4D97-AF65-F5344CB8AC3E}">
-        <p14:creationId xmlns:p14="http://schemas.microsoft.com/office/powerpoint/2010/main" val="3800474062"/>
+        <p14:creationId xmlns:p14="http://schemas.microsoft.com/office/powerpoint/2010/main" val="3860876688"/>
       </p:ext>
     </p:extLst>
   </p:cSld>
@@ -14848,7 +14902,7 @@
           <a:p>
             <a:r>
               <a:rPr lang="en-US" sz="2400"/>
-              <a:t>Lists</a:t>
+              <a:t>Tuples</a:t>
             </a:r>
             <a:endParaRPr lang="fa-IR"/>
           </a:p>
@@ -14885,361 +14939,67 @@
             </a:pPr>
             <a:r>
               <a:rPr lang="en-US" sz="1400"/>
-              <a:t>Ordered, changeable, and allow duplicate values</a:t>
-            </a:r>
-          </a:p>
-          <a:p>
-            <a:pPr marL="76200" indent="0">
-              <a:buNone/>
-            </a:pPr>
-            <a:r>
-              <a:rPr lang="en-US" sz="1100">
-                <a:latin typeface="Consolas" panose="020B0609020204030204" pitchFamily="49" charset="0"/>
-                <a:cs typeface="Courier New" panose="02070309020205020404" pitchFamily="49" charset="0"/>
-              </a:rPr>
-              <a:t>fruits = ['apple', 'banana', 'cherry', 'apple', 'cherry']</a:t>
-            </a:r>
-          </a:p>
-          <a:p>
-            <a:pPr marL="76200" indent="0">
-              <a:buNone/>
-            </a:pPr>
-            <a:r>
-              <a:rPr lang="en-US" sz="1100">
-                <a:latin typeface="Consolas" panose="020B0609020204030204" pitchFamily="49" charset="0"/>
-                <a:cs typeface="Courier New" panose="02070309020205020404" pitchFamily="49" charset="0"/>
-              </a:rPr>
-              <a:t>print(fruits</a:t>
-            </a:r>
-            <a:r>
-              <a:rPr lang="en-US" sz="1100">
+              <a:t>Ordered, </a:t>
+            </a:r>
+            <a:r>
+              <a:rPr lang="en-US" sz="1400">
                 <a:solidFill>
                   <a:schemeClr val="accent1"/>
                 </a:solidFill>
-                <a:latin typeface="Consolas" panose="020B0609020204030204" pitchFamily="49" charset="0"/>
-                <a:cs typeface="Courier New" panose="02070309020205020404" pitchFamily="49" charset="0"/>
-              </a:rPr>
-              <a:t>[</a:t>
-            </a:r>
-            <a:r>
-              <a:rPr lang="en-US" sz="1100">
-                <a:latin typeface="Consolas" panose="020B0609020204030204" pitchFamily="49" charset="0"/>
-                <a:cs typeface="Courier New" panose="02070309020205020404" pitchFamily="49" charset="0"/>
-              </a:rPr>
-              <a:t>0</a:t>
-            </a:r>
-            <a:r>
-              <a:rPr lang="en-US" sz="1100">
-                <a:solidFill>
-                  <a:schemeClr val="accent1"/>
-                </a:solidFill>
-                <a:latin typeface="Consolas" panose="020B0609020204030204" pitchFamily="49" charset="0"/>
-                <a:cs typeface="Courier New" panose="02070309020205020404" pitchFamily="49" charset="0"/>
-              </a:rPr>
-              <a:t>]</a:t>
-            </a:r>
-            <a:r>
-              <a:rPr lang="en-US" sz="1100">
-                <a:latin typeface="Consolas" panose="020B0609020204030204" pitchFamily="49" charset="0"/>
-                <a:cs typeface="Courier New" panose="02070309020205020404" pitchFamily="49" charset="0"/>
-              </a:rPr>
-              <a:t>, fruits</a:t>
-            </a:r>
-            <a:r>
-              <a:rPr lang="en-US" sz="1100">
-                <a:solidFill>
-                  <a:schemeClr val="accent1"/>
-                </a:solidFill>
-                <a:latin typeface="Consolas" panose="020B0609020204030204" pitchFamily="49" charset="0"/>
-                <a:cs typeface="Courier New" panose="02070309020205020404" pitchFamily="49" charset="0"/>
-              </a:rPr>
-              <a:t>[</a:t>
-            </a:r>
-            <a:r>
-              <a:rPr lang="en-US" sz="1100">
-                <a:latin typeface="Consolas" panose="020B0609020204030204" pitchFamily="49" charset="0"/>
-                <a:cs typeface="Courier New" panose="02070309020205020404" pitchFamily="49" charset="0"/>
-              </a:rPr>
-              <a:t>-3</a:t>
-            </a:r>
-            <a:r>
-              <a:rPr lang="en-US" sz="1100">
-                <a:solidFill>
-                  <a:schemeClr val="accent1"/>
-                </a:solidFill>
-                <a:latin typeface="Consolas" panose="020B0609020204030204" pitchFamily="49" charset="0"/>
-                <a:cs typeface="Courier New" panose="02070309020205020404" pitchFamily="49" charset="0"/>
-              </a:rPr>
-              <a:t>]</a:t>
-            </a:r>
-            <a:r>
-              <a:rPr lang="en-US" sz="1100">
-                <a:latin typeface="Consolas" panose="020B0609020204030204" pitchFamily="49" charset="0"/>
-                <a:cs typeface="Courier New" panose="02070309020205020404" pitchFamily="49" charset="0"/>
-              </a:rPr>
-              <a:t>, fruits</a:t>
-            </a:r>
-            <a:r>
-              <a:rPr lang="en-US" sz="1100">
-                <a:solidFill>
-                  <a:schemeClr val="accent1"/>
-                </a:solidFill>
-                <a:latin typeface="Consolas" panose="020B0609020204030204" pitchFamily="49" charset="0"/>
-                <a:cs typeface="Courier New" panose="02070309020205020404" pitchFamily="49" charset="0"/>
-              </a:rPr>
-              <a:t>[</a:t>
-            </a:r>
-            <a:r>
-              <a:rPr lang="en-US" sz="1100">
-                <a:latin typeface="Consolas" panose="020B0609020204030204" pitchFamily="49" charset="0"/>
-                <a:cs typeface="Courier New" panose="02070309020205020404" pitchFamily="49" charset="0"/>
-              </a:rPr>
-              <a:t>1</a:t>
-            </a:r>
-            <a:r>
-              <a:rPr lang="en-US" sz="1100">
-                <a:solidFill>
-                  <a:schemeClr val="accent1"/>
-                </a:solidFill>
-                <a:latin typeface="Consolas" panose="020B0609020204030204" pitchFamily="49" charset="0"/>
-                <a:cs typeface="Courier New" panose="02070309020205020404" pitchFamily="49" charset="0"/>
-              </a:rPr>
-              <a:t>:</a:t>
-            </a:r>
-            <a:r>
-              <a:rPr lang="en-US" sz="1100">
-                <a:latin typeface="Consolas" panose="020B0609020204030204" pitchFamily="49" charset="0"/>
-                <a:cs typeface="Courier New" panose="02070309020205020404" pitchFamily="49" charset="0"/>
-              </a:rPr>
-              <a:t>3</a:t>
-            </a:r>
-            <a:r>
-              <a:rPr lang="en-US" sz="1100">
-                <a:solidFill>
-                  <a:schemeClr val="accent1"/>
-                </a:solidFill>
-                <a:latin typeface="Consolas" panose="020B0609020204030204" pitchFamily="49" charset="0"/>
-                <a:cs typeface="Courier New" panose="02070309020205020404" pitchFamily="49" charset="0"/>
-              </a:rPr>
-              <a:t>]</a:t>
-            </a:r>
-            <a:r>
-              <a:rPr lang="en-US" sz="1100">
-                <a:latin typeface="Consolas" panose="020B0609020204030204" pitchFamily="49" charset="0"/>
-                <a:cs typeface="Courier New" panose="02070309020205020404" pitchFamily="49" charset="0"/>
-              </a:rPr>
-              <a:t>, fruits</a:t>
-            </a:r>
-            <a:r>
-              <a:rPr lang="en-US" sz="1100">
-                <a:solidFill>
-                  <a:schemeClr val="accent1"/>
-                </a:solidFill>
-                <a:latin typeface="Consolas" panose="020B0609020204030204" pitchFamily="49" charset="0"/>
-                <a:cs typeface="Courier New" panose="02070309020205020404" pitchFamily="49" charset="0"/>
-              </a:rPr>
-              <a:t>[:</a:t>
-            </a:r>
-            <a:r>
-              <a:rPr lang="en-US" sz="1100">
-                <a:latin typeface="Consolas" panose="020B0609020204030204" pitchFamily="49" charset="0"/>
-                <a:cs typeface="Courier New" panose="02070309020205020404" pitchFamily="49" charset="0"/>
-              </a:rPr>
-              <a:t>-1</a:t>
-            </a:r>
-            <a:r>
-              <a:rPr lang="en-US" sz="1100">
-                <a:solidFill>
-                  <a:schemeClr val="accent1"/>
-                </a:solidFill>
-                <a:latin typeface="Consolas" panose="020B0609020204030204" pitchFamily="49" charset="0"/>
-                <a:cs typeface="Courier New" panose="02070309020205020404" pitchFamily="49" charset="0"/>
-              </a:rPr>
-              <a:t>]</a:t>
-            </a:r>
-            <a:r>
-              <a:rPr lang="en-US" sz="1100">
-                <a:latin typeface="Consolas" panose="020B0609020204030204" pitchFamily="49" charset="0"/>
-                <a:cs typeface="Courier New" panose="02070309020205020404" pitchFamily="49" charset="0"/>
-              </a:rPr>
-              <a:t>, fruits</a:t>
-            </a:r>
-            <a:r>
-              <a:rPr lang="en-US" sz="1100">
-                <a:solidFill>
-                  <a:schemeClr val="accent1"/>
-                </a:solidFill>
-                <a:latin typeface="Consolas" panose="020B0609020204030204" pitchFamily="49" charset="0"/>
-                <a:cs typeface="Courier New" panose="02070309020205020404" pitchFamily="49" charset="0"/>
-              </a:rPr>
-              <a:t>[</a:t>
-            </a:r>
-            <a:r>
-              <a:rPr lang="en-US" sz="1100">
-                <a:latin typeface="Consolas" panose="020B0609020204030204" pitchFamily="49" charset="0"/>
-                <a:cs typeface="Courier New" panose="02070309020205020404" pitchFamily="49" charset="0"/>
-              </a:rPr>
-              <a:t>0</a:t>
-            </a:r>
-            <a:r>
-              <a:rPr lang="en-US" sz="1100">
-                <a:solidFill>
-                  <a:schemeClr val="accent1"/>
-                </a:solidFill>
-                <a:latin typeface="Consolas" panose="020B0609020204030204" pitchFamily="49" charset="0"/>
-                <a:cs typeface="Courier New" panose="02070309020205020404" pitchFamily="49" charset="0"/>
-              </a:rPr>
-              <a:t>:</a:t>
-            </a:r>
-            <a:r>
-              <a:rPr lang="en-US" sz="1100">
-                <a:latin typeface="Consolas" panose="020B0609020204030204" pitchFamily="49" charset="0"/>
-                <a:cs typeface="Courier New" panose="02070309020205020404" pitchFamily="49" charset="0"/>
-              </a:rPr>
-              <a:t>-1</a:t>
-            </a:r>
-            <a:r>
-              <a:rPr lang="en-US" sz="1100">
-                <a:solidFill>
-                  <a:schemeClr val="accent1"/>
-                </a:solidFill>
-                <a:latin typeface="Consolas" panose="020B0609020204030204" pitchFamily="49" charset="0"/>
-                <a:cs typeface="Courier New" panose="02070309020205020404" pitchFamily="49" charset="0"/>
-              </a:rPr>
-              <a:t>:</a:t>
-            </a:r>
-            <a:r>
-              <a:rPr lang="en-US" sz="1100">
-                <a:latin typeface="Consolas" panose="020B0609020204030204" pitchFamily="49" charset="0"/>
-                <a:cs typeface="Courier New" panose="02070309020205020404" pitchFamily="49" charset="0"/>
-              </a:rPr>
-              <a:t>2</a:t>
-            </a:r>
-            <a:r>
-              <a:rPr lang="en-US" sz="1100">
-                <a:solidFill>
-                  <a:schemeClr val="accent1"/>
-                </a:solidFill>
-                <a:latin typeface="Consolas" panose="020B0609020204030204" pitchFamily="49" charset="0"/>
-                <a:cs typeface="Courier New" panose="02070309020205020404" pitchFamily="49" charset="0"/>
-              </a:rPr>
-              <a:t>]</a:t>
-            </a:r>
-            <a:r>
-              <a:rPr lang="en-US" sz="1100">
-                <a:latin typeface="Consolas" panose="020B0609020204030204" pitchFamily="49" charset="0"/>
-                <a:cs typeface="Courier New" panose="02070309020205020404" pitchFamily="49" charset="0"/>
-              </a:rPr>
-              <a:t>, fruits</a:t>
-            </a:r>
-            <a:r>
-              <a:rPr lang="en-US" sz="1100">
-                <a:solidFill>
-                  <a:schemeClr val="accent1"/>
-                </a:solidFill>
-                <a:latin typeface="Consolas" panose="020B0609020204030204" pitchFamily="49" charset="0"/>
-                <a:cs typeface="Courier New" panose="02070309020205020404" pitchFamily="49" charset="0"/>
-              </a:rPr>
-              <a:t>[::</a:t>
-            </a:r>
-            <a:r>
-              <a:rPr lang="en-US" sz="1100">
-                <a:latin typeface="Consolas" panose="020B0609020204030204" pitchFamily="49" charset="0"/>
-                <a:cs typeface="Courier New" panose="02070309020205020404" pitchFamily="49" charset="0"/>
-              </a:rPr>
-              <a:t>-1</a:t>
-            </a:r>
-            <a:r>
-              <a:rPr lang="en-US" sz="1100">
-                <a:solidFill>
-                  <a:schemeClr val="accent1"/>
-                </a:solidFill>
-                <a:latin typeface="Consolas" panose="020B0609020204030204" pitchFamily="49" charset="0"/>
-                <a:cs typeface="Courier New" panose="02070309020205020404" pitchFamily="49" charset="0"/>
-              </a:rPr>
-              <a:t>]</a:t>
-            </a:r>
-            <a:r>
-              <a:rPr lang="en-US" sz="1100">
-                <a:latin typeface="Consolas" panose="020B0609020204030204" pitchFamily="49" charset="0"/>
-                <a:cs typeface="Courier New" panose="02070309020205020404" pitchFamily="49" charset="0"/>
-              </a:rPr>
-              <a:t>)</a:t>
-            </a:r>
-          </a:p>
-          <a:p>
-            <a:pPr marL="76200" indent="0">
-              <a:buNone/>
-            </a:pPr>
-            <a:r>
-              <a:rPr lang="en-US" sz="1100">
-                <a:latin typeface="Consolas" panose="020B0609020204030204" pitchFamily="49" charset="0"/>
-                <a:cs typeface="Courier New" panose="02070309020205020404" pitchFamily="49" charset="0"/>
-              </a:rPr>
-              <a:t>print('orange' </a:t>
-            </a:r>
-            <a:r>
-              <a:rPr lang="en-US" sz="1100">
-                <a:solidFill>
-                  <a:schemeClr val="accent1"/>
-                </a:solidFill>
-                <a:latin typeface="Consolas" panose="020B0609020204030204" pitchFamily="49" charset="0"/>
-                <a:cs typeface="Courier New" panose="02070309020205020404" pitchFamily="49" charset="0"/>
-              </a:rPr>
-              <a:t>in</a:t>
-            </a:r>
-            <a:r>
-              <a:rPr lang="en-US" sz="1100">
-                <a:latin typeface="Consolas" panose="020B0609020204030204" pitchFamily="49" charset="0"/>
-                <a:cs typeface="Courier New" panose="02070309020205020404" pitchFamily="49" charset="0"/>
-              </a:rPr>
-              <a:t> fruits)</a:t>
-            </a:r>
-          </a:p>
-          <a:p>
-            <a:pPr marL="76200" indent="0">
-              <a:buNone/>
-            </a:pPr>
-            <a:r>
-              <a:rPr lang="en-US" sz="1100">
-                <a:latin typeface="Consolas" panose="020B0609020204030204" pitchFamily="49" charset="0"/>
-                <a:cs typeface="Courier New" panose="02070309020205020404" pitchFamily="49" charset="0"/>
-              </a:rPr>
-              <a:t>print(</a:t>
-            </a:r>
-            <a:r>
-              <a:rPr lang="en-US" sz="1100">
-                <a:solidFill>
-                  <a:schemeClr val="accent1"/>
-                </a:solidFill>
-                <a:latin typeface="Consolas" panose="020B0609020204030204" pitchFamily="49" charset="0"/>
-                <a:cs typeface="Courier New" panose="02070309020205020404" pitchFamily="49" charset="0"/>
-              </a:rPr>
-              <a:t>len(</a:t>
-            </a:r>
-            <a:r>
-              <a:rPr lang="en-US" sz="1100">
-                <a:latin typeface="Consolas" panose="020B0609020204030204" pitchFamily="49" charset="0"/>
-                <a:cs typeface="Courier New" panose="02070309020205020404" pitchFamily="49" charset="0"/>
-              </a:rPr>
-              <a:t>fruits</a:t>
-            </a:r>
-            <a:r>
-              <a:rPr lang="en-US" sz="1100">
-                <a:solidFill>
-                  <a:schemeClr val="accent1"/>
-                </a:solidFill>
-                <a:latin typeface="Consolas" panose="020B0609020204030204" pitchFamily="49" charset="0"/>
-                <a:cs typeface="Courier New" panose="02070309020205020404" pitchFamily="49" charset="0"/>
-              </a:rPr>
-              <a:t>)</a:t>
-            </a:r>
-            <a:r>
-              <a:rPr lang="en-US" sz="1100">
-                <a:latin typeface="Consolas" panose="020B0609020204030204" pitchFamily="49" charset="0"/>
-                <a:cs typeface="Courier New" panose="02070309020205020404" pitchFamily="49" charset="0"/>
-              </a:rPr>
-              <a:t>)</a:t>
+              </a:rPr>
+              <a:t>un</a:t>
+            </a:r>
+            <a:r>
+              <a:rPr lang="en-US" sz="1400"/>
+              <a:t>changeable, and allow duplicate values</a:t>
+            </a:r>
+          </a:p>
+          <a:p>
+            <a:pPr marL="76200" indent="0">
+              <a:buNone/>
+            </a:pPr>
+            <a:r>
+              <a:rPr lang="en-US" sz="1100">
+                <a:latin typeface="Consolas" panose="020B0609020204030204" pitchFamily="49" charset="0"/>
+                <a:cs typeface="Courier New" panose="02070309020205020404" pitchFamily="49" charset="0"/>
+              </a:rPr>
+              <a:t>fruits = ('apple', 'banana', 'cherry', 'apple', 'cherry')</a:t>
+            </a:r>
+          </a:p>
+          <a:p>
+            <a:pPr marL="76200" indent="0">
+              <a:buNone/>
+            </a:pPr>
+            <a:r>
+              <a:rPr lang="en-US" sz="1100">
+                <a:latin typeface="Consolas" panose="020B0609020204030204" pitchFamily="49" charset="0"/>
+                <a:cs typeface="Courier New" panose="02070309020205020404" pitchFamily="49" charset="0"/>
+              </a:rPr>
+              <a:t>print(fruits[0], fruits[-3], fruits[1:3], fruits[:-1], fruits[0:-1:2], fruits[::-1])</a:t>
+            </a:r>
+          </a:p>
+          <a:p>
+            <a:pPr marL="76200" indent="0">
+              <a:buNone/>
+            </a:pPr>
+            <a:r>
+              <a:rPr lang="en-US" sz="1100">
+                <a:latin typeface="Consolas" panose="020B0609020204030204" pitchFamily="49" charset="0"/>
+                <a:cs typeface="Courier New" panose="02070309020205020404" pitchFamily="49" charset="0"/>
+              </a:rPr>
+              <a:t>print('orange' in fruits)</a:t>
+            </a:r>
+          </a:p>
+          <a:p>
+            <a:pPr marL="76200" indent="0">
+              <a:buNone/>
+            </a:pPr>
+            <a:r>
+              <a:rPr lang="en-US" sz="1100">
+                <a:latin typeface="Consolas" panose="020B0609020204030204" pitchFamily="49" charset="0"/>
+                <a:cs typeface="Courier New" panose="02070309020205020404" pitchFamily="49" charset="0"/>
+              </a:rPr>
+              <a:t>print(len(fruits))</a:t>
             </a:r>
           </a:p>
           <a:p>
@@ -15257,54 +15017,46 @@
             </a:pPr>
             <a:r>
               <a:rPr lang="en-US" sz="1400"/>
-              <a:t>Update Lists</a:t>
-            </a:r>
-            <a:endParaRPr lang="en-US" sz="1400">
-              <a:cs typeface="Courier New" panose="02070309020205020404" pitchFamily="49" charset="0"/>
-            </a:endParaRPr>
-          </a:p>
-          <a:p>
-            <a:pPr marL="76200" indent="0">
-              <a:buNone/>
-            </a:pPr>
-            <a:r>
-              <a:rPr lang="en-US" sz="1100">
-                <a:latin typeface="Consolas" panose="020B0609020204030204" pitchFamily="49" charset="0"/>
-                <a:cs typeface="Courier New" panose="02070309020205020404" pitchFamily="49" charset="0"/>
-              </a:rPr>
-              <a:t>fruits[3] = 'orange'</a:t>
-            </a:r>
-          </a:p>
-          <a:p>
-            <a:pPr marL="76200" indent="0">
-              <a:buNone/>
-            </a:pPr>
-            <a:r>
-              <a:rPr lang="en-US" sz="1100">
-                <a:latin typeface="Consolas" panose="020B0609020204030204" pitchFamily="49" charset="0"/>
-                <a:cs typeface="Courier New" panose="02070309020205020404" pitchFamily="49" charset="0"/>
-              </a:rPr>
-              <a:t>fruits</a:t>
-            </a:r>
-            <a:r>
-              <a:rPr lang="en-US" sz="1100">
+              <a:t>Update tuples</a:t>
+            </a:r>
+          </a:p>
+          <a:p>
+            <a:pPr marL="76200" indent="0">
+              <a:buNone/>
+            </a:pPr>
+            <a:r>
+              <a:rPr lang="en-US" sz="1100">
+                <a:latin typeface="Consolas" panose="020B0609020204030204" pitchFamily="49" charset="0"/>
+                <a:cs typeface="Courier New" panose="02070309020205020404" pitchFamily="49" charset="0"/>
+              </a:rPr>
+              <a:t>fruitsList</a:t>
+            </a:r>
+            <a:r>
+              <a:rPr lang="es-ES" sz="1100">
+                <a:latin typeface="Consolas" panose="020B0609020204030204" pitchFamily="49" charset="0"/>
+                <a:cs typeface="Courier New" panose="02070309020205020404" pitchFamily="49" charset="0"/>
+              </a:rPr>
+              <a:t> = </a:t>
+            </a:r>
+            <a:r>
+              <a:rPr lang="es-ES" sz="1100">
                 <a:solidFill>
                   <a:schemeClr val="accent1"/>
                 </a:solidFill>
                 <a:latin typeface="Consolas" panose="020B0609020204030204" pitchFamily="49" charset="0"/>
                 <a:cs typeface="Courier New" panose="02070309020205020404" pitchFamily="49" charset="0"/>
               </a:rPr>
-              <a:t>.append(</a:t>
-            </a:r>
-            <a:r>
-              <a:rPr lang="en-US" sz="1100">
-                <a:latin typeface="Consolas" panose="020B0609020204030204" pitchFamily="49" charset="0"/>
-                <a:cs typeface="Courier New" panose="02070309020205020404" pitchFamily="49" charset="0"/>
-              </a:rPr>
-              <a:t>'kiwi'</a:t>
-            </a:r>
-            <a:r>
-              <a:rPr lang="en-US" sz="1100">
+              <a:t>list(</a:t>
+            </a:r>
+            <a:r>
+              <a:rPr lang="en-US" sz="1100">
+                <a:latin typeface="Consolas" panose="020B0609020204030204" pitchFamily="49" charset="0"/>
+                <a:cs typeface="Courier New" panose="02070309020205020404" pitchFamily="49" charset="0"/>
+              </a:rPr>
+              <a:t>fruits</a:t>
+            </a:r>
+            <a:r>
+              <a:rPr lang="es-ES" sz="1100">
                 <a:solidFill>
                   <a:schemeClr val="accent1"/>
                 </a:solidFill>
@@ -15323,27 +15075,83 @@
                 <a:latin typeface="Consolas" panose="020B0609020204030204" pitchFamily="49" charset="0"/>
                 <a:cs typeface="Courier New" panose="02070309020205020404" pitchFamily="49" charset="0"/>
               </a:rPr>
+              <a:t>fruitsList</a:t>
+            </a:r>
+            <a:r>
+              <a:rPr lang="es-ES" sz="1100">
+                <a:latin typeface="Consolas" panose="020B0609020204030204" pitchFamily="49" charset="0"/>
+                <a:cs typeface="Courier New" panose="02070309020205020404" pitchFamily="49" charset="0"/>
+              </a:rPr>
+              <a:t>[3] = </a:t>
+            </a:r>
+            <a:r>
+              <a:rPr lang="en-US" sz="1100">
+                <a:latin typeface="Consolas" panose="020B0609020204030204" pitchFamily="49" charset="0"/>
+                <a:cs typeface="Courier New" panose="02070309020205020404" pitchFamily="49" charset="0"/>
+              </a:rPr>
+              <a:t>'orange</a:t>
+            </a:r>
+            <a:r>
+              <a:rPr lang="es-ES" sz="1100">
+                <a:latin typeface="Consolas" panose="020B0609020204030204" pitchFamily="49" charset="0"/>
+                <a:cs typeface="Courier New" panose="02070309020205020404" pitchFamily="49" charset="0"/>
+              </a:rPr>
+              <a:t>'</a:t>
+            </a:r>
+          </a:p>
+          <a:p>
+            <a:pPr marL="76200" indent="0">
+              <a:buNone/>
+            </a:pPr>
+            <a:r>
+              <a:rPr lang="en-US" sz="1100">
+                <a:latin typeface="Consolas" panose="020B0609020204030204" pitchFamily="49" charset="0"/>
+                <a:cs typeface="Courier New" panose="02070309020205020404" pitchFamily="49" charset="0"/>
+              </a:rPr>
+              <a:t>fruitsList.remove('banana')</a:t>
+            </a:r>
+            <a:endParaRPr lang="es-ES" sz="1100">
+              <a:latin typeface="Consolas" panose="020B0609020204030204" pitchFamily="49" charset="0"/>
+              <a:cs typeface="Courier New" panose="02070309020205020404" pitchFamily="49" charset="0"/>
+            </a:endParaRPr>
+          </a:p>
+          <a:p>
+            <a:pPr marL="76200" indent="0">
+              <a:buNone/>
+            </a:pPr>
+            <a:r>
+              <a:rPr lang="en-US" sz="1100">
+                <a:latin typeface="Consolas" panose="020B0609020204030204" pitchFamily="49" charset="0"/>
+                <a:cs typeface="Courier New" panose="02070309020205020404" pitchFamily="49" charset="0"/>
+              </a:rPr>
               <a:t>fruits</a:t>
             </a:r>
             <a:r>
-              <a:rPr lang="en-US" sz="1100">
+              <a:rPr lang="es-ES" sz="1100">
+                <a:latin typeface="Consolas" panose="020B0609020204030204" pitchFamily="49" charset="0"/>
+                <a:cs typeface="Courier New" panose="02070309020205020404" pitchFamily="49" charset="0"/>
+              </a:rPr>
+              <a:t> = </a:t>
+            </a:r>
+            <a:r>
+              <a:rPr lang="es-ES" sz="1100">
                 <a:solidFill>
                   <a:schemeClr val="accent1"/>
                 </a:solidFill>
                 <a:latin typeface="Consolas" panose="020B0609020204030204" pitchFamily="49" charset="0"/>
                 <a:cs typeface="Courier New" panose="02070309020205020404" pitchFamily="49" charset="0"/>
               </a:rPr>
-              <a:t>.remove(</a:t>
-            </a:r>
-            <a:r>
-              <a:rPr lang="en-US" sz="1100">
-                <a:latin typeface="Consolas" panose="020B0609020204030204" pitchFamily="49" charset="0"/>
-                <a:cs typeface="Courier New" panose="02070309020205020404" pitchFamily="49" charset="0"/>
-              </a:rPr>
-              <a:t>'banana'</a:t>
-            </a:r>
-            <a:r>
-              <a:rPr lang="en-US" sz="1100">
+              <a:t>tuple(</a:t>
+            </a:r>
+            <a:r>
+              <a:rPr lang="en-US" sz="1100">
+                <a:latin typeface="Consolas" panose="020B0609020204030204" pitchFamily="49" charset="0"/>
+                <a:cs typeface="Courier New" panose="02070309020205020404" pitchFamily="49" charset="0"/>
+              </a:rPr>
+              <a:t>fruitsList</a:t>
+            </a:r>
+            <a:r>
+              <a:rPr lang="es-ES" sz="1100">
                 <a:solidFill>
                   <a:schemeClr val="accent1"/>
                 </a:solidFill>
@@ -15352,55 +15160,13 @@
               </a:rPr>
               <a:t>)</a:t>
             </a:r>
-          </a:p>
-          <a:p>
-            <a:pPr marL="76200" indent="0">
-              <a:buNone/>
-            </a:pPr>
-            <a:r>
-              <a:rPr lang="en-US" sz="1100" err="1">
-                <a:latin typeface="Consolas" panose="020B0609020204030204" pitchFamily="49" charset="0"/>
-                <a:cs typeface="Courier New" panose="02070309020205020404" pitchFamily="49" charset="0"/>
-              </a:rPr>
-              <a:t>fruits</a:t>
-            </a:r>
-            <a:r>
-              <a:rPr lang="en-US" sz="1100" err="1">
-                <a:solidFill>
-                  <a:schemeClr val="accent1"/>
-                </a:solidFill>
-                <a:latin typeface="Consolas" panose="020B0609020204030204" pitchFamily="49" charset="0"/>
-                <a:cs typeface="Courier New" panose="02070309020205020404" pitchFamily="49" charset="0"/>
-              </a:rPr>
-              <a:t>.pop</a:t>
-            </a:r>
-            <a:r>
-              <a:rPr lang="en-US" sz="1100">
-                <a:solidFill>
-                  <a:schemeClr val="accent1"/>
-                </a:solidFill>
-                <a:latin typeface="Consolas" panose="020B0609020204030204" pitchFamily="49" charset="0"/>
-                <a:cs typeface="Courier New" panose="02070309020205020404" pitchFamily="49" charset="0"/>
-              </a:rPr>
-              <a:t>(</a:t>
-            </a:r>
-            <a:r>
-              <a:rPr lang="en-US" sz="1100">
-                <a:latin typeface="Consolas" panose="020B0609020204030204" pitchFamily="49" charset="0"/>
-                <a:cs typeface="Courier New" panose="02070309020205020404" pitchFamily="49" charset="0"/>
-              </a:rPr>
-              <a:t>3</a:t>
-            </a:r>
-            <a:r>
-              <a:rPr lang="en-US" sz="1100">
-                <a:solidFill>
-                  <a:schemeClr val="accent1"/>
-                </a:solidFill>
-                <a:latin typeface="Consolas" panose="020B0609020204030204" pitchFamily="49" charset="0"/>
-                <a:cs typeface="Courier New" panose="02070309020205020404" pitchFamily="49" charset="0"/>
-              </a:rPr>
-              <a:t>)</a:t>
-            </a:r>
+            <a:endParaRPr lang="en-US" sz="1100">
+              <a:solidFill>
+                <a:schemeClr val="accent1"/>
+              </a:solidFill>
+              <a:latin typeface="Consolas" panose="020B0609020204030204" pitchFamily="49" charset="0"/>
+              <a:cs typeface="Courier New" panose="02070309020205020404" pitchFamily="49" charset="0"/>
+            </a:endParaRPr>
           </a:p>
         </p:txBody>
       </p:sp>
@@ -15445,7 +15211,7 @@
     </p:spTree>
     <p:extLst>
       <p:ext uri="{BB962C8B-B14F-4D97-AF65-F5344CB8AC3E}">
-        <p14:creationId xmlns:p14="http://schemas.microsoft.com/office/powerpoint/2010/main" val="3860876688"/>
+        <p14:creationId xmlns:p14="http://schemas.microsoft.com/office/powerpoint/2010/main" val="3905122863"/>
       </p:ext>
     </p:extLst>
   </p:cSld>
@@ -15495,7 +15261,7 @@
           <a:p>
             <a:r>
               <a:rPr lang="en-US" sz="2400"/>
-              <a:t>Tuples</a:t>
+              <a:t>Sets</a:t>
             </a:r>
             <a:endParaRPr lang="fa-IR"/>
           </a:p>
@@ -15531,44 +15297,52 @@
               <a:buNone/>
             </a:pPr>
             <a:r>
-              <a:rPr lang="en-US" sz="1400"/>
-              <a:t>Ordered, </a:t>
-            </a:r>
-            <a:r>
               <a:rPr lang="en-US" sz="1400">
                 <a:solidFill>
                   <a:schemeClr val="accent1"/>
                 </a:solidFill>
               </a:rPr>
+              <a:t>Un</a:t>
+            </a:r>
+            <a:r>
+              <a:rPr lang="en-US" sz="1400"/>
+              <a:t>ordered, </a:t>
+            </a:r>
+            <a:r>
+              <a:rPr lang="en-US" sz="1400">
+                <a:solidFill>
+                  <a:schemeClr val="accent1"/>
+                </a:solidFill>
+              </a:rPr>
               <a:t>un</a:t>
             </a:r>
             <a:r>
               <a:rPr lang="en-US" sz="1400"/>
-              <a:t>changeable, and allow duplicate values</a:t>
-            </a:r>
-          </a:p>
-          <a:p>
-            <a:pPr marL="76200" indent="0">
-              <a:buNone/>
-            </a:pPr>
-            <a:r>
-              <a:rPr lang="en-US" sz="1100">
-                <a:latin typeface="Consolas" panose="020B0609020204030204" pitchFamily="49" charset="0"/>
-                <a:cs typeface="Courier New" panose="02070309020205020404" pitchFamily="49" charset="0"/>
-              </a:rPr>
-              <a:t>fruits = ('apple', 'banana', 'cherry', 'apple', 'cherry')</a:t>
-            </a:r>
-          </a:p>
-          <a:p>
-            <a:pPr marL="76200" indent="0">
-              <a:buNone/>
-            </a:pPr>
-            <a:r>
-              <a:rPr lang="en-US" sz="1100">
-                <a:latin typeface="Consolas" panose="020B0609020204030204" pitchFamily="49" charset="0"/>
-                <a:cs typeface="Courier New" panose="02070309020205020404" pitchFamily="49" charset="0"/>
-              </a:rPr>
-              <a:t>print(fruits[0], fruits[-3], fruits[1:3], fruits[:-1], fruits[0:-1:2], fruits[::-1])</a:t>
+              <a:t>changeable, and </a:t>
+            </a:r>
+            <a:r>
+              <a:rPr lang="en-US" sz="1400">
+                <a:solidFill>
+                  <a:schemeClr val="accent1"/>
+                </a:solidFill>
+              </a:rPr>
+              <a:t>no</a:t>
+            </a:r>
+            <a:r>
+              <a:rPr lang="en-US" sz="1400"/>
+              <a:t> duplicate values</a:t>
+            </a:r>
+          </a:p>
+          <a:p>
+            <a:pPr marL="76200" indent="0">
+              <a:buNone/>
+            </a:pPr>
+            <a:r>
+              <a:rPr lang="en-US" sz="1100">
+                <a:latin typeface="Consolas" panose="020B0609020204030204" pitchFamily="49" charset="0"/>
+                <a:cs typeface="Courier New" panose="02070309020205020404" pitchFamily="49" charset="0"/>
+              </a:rPr>
+              <a:t>fruits = {'apple', 'banana', 'cherry'}</a:t>
             </a:r>
           </a:p>
           <a:p>
@@ -15610,46 +15384,39 @@
             </a:pPr>
             <a:r>
               <a:rPr lang="en-US" sz="1400"/>
-              <a:t>Update tuples</a:t>
-            </a:r>
-          </a:p>
-          <a:p>
-            <a:pPr marL="76200" indent="0">
-              <a:buNone/>
-            </a:pPr>
-            <a:r>
-              <a:rPr lang="en-US" sz="1100">
-                <a:latin typeface="Consolas" panose="020B0609020204030204" pitchFamily="49" charset="0"/>
-                <a:cs typeface="Courier New" panose="02070309020205020404" pitchFamily="49" charset="0"/>
-              </a:rPr>
-              <a:t>fruitsList</a:t>
-            </a:r>
-            <a:r>
-              <a:rPr lang="es-ES" sz="1100">
-                <a:latin typeface="Consolas" panose="020B0609020204030204" pitchFamily="49" charset="0"/>
-                <a:cs typeface="Courier New" panose="02070309020205020404" pitchFamily="49" charset="0"/>
-              </a:rPr>
-              <a:t> = </a:t>
-            </a:r>
-            <a:r>
-              <a:rPr lang="es-ES" sz="1100">
+              <a:t>Update sets</a:t>
+            </a:r>
+          </a:p>
+          <a:p>
+            <a:pPr marL="76200" indent="0">
+              <a:buNone/>
+            </a:pPr>
+            <a:r>
+              <a:rPr lang="en-US" sz="1100">
+                <a:latin typeface="Consolas" panose="020B0609020204030204" pitchFamily="49" charset="0"/>
+                <a:cs typeface="Courier New" panose="02070309020205020404" pitchFamily="49" charset="0"/>
+              </a:rPr>
+              <a:t>fruits</a:t>
+            </a:r>
+            <a:r>
+              <a:rPr lang="en-US" sz="1100">
                 <a:solidFill>
                   <a:schemeClr val="accent1"/>
                 </a:solidFill>
                 <a:latin typeface="Consolas" panose="020B0609020204030204" pitchFamily="49" charset="0"/>
                 <a:cs typeface="Courier New" panose="02070309020205020404" pitchFamily="49" charset="0"/>
               </a:rPr>
-              <a:t>list(</a:t>
-            </a:r>
-            <a:r>
-              <a:rPr lang="en-US" sz="1100">
-                <a:latin typeface="Consolas" panose="020B0609020204030204" pitchFamily="49" charset="0"/>
-                <a:cs typeface="Courier New" panose="02070309020205020404" pitchFamily="49" charset="0"/>
-              </a:rPr>
-              <a:t>fruits</a:t>
-            </a:r>
-            <a:r>
-              <a:rPr lang="es-ES" sz="1100">
+              <a:t>.add(</a:t>
+            </a:r>
+            <a:r>
+              <a:rPr lang="en-US" sz="1100">
+                <a:latin typeface="Consolas" panose="020B0609020204030204" pitchFamily="49" charset="0"/>
+                <a:cs typeface="Courier New" panose="02070309020205020404" pitchFamily="49" charset="0"/>
+              </a:rPr>
+              <a:t>'orange'</a:t>
+            </a:r>
+            <a:r>
+              <a:rPr lang="en-US" sz="1100">
                 <a:solidFill>
                   <a:schemeClr val="accent1"/>
                 </a:solidFill>
@@ -15668,98 +15435,20 @@
                 <a:latin typeface="Consolas" panose="020B0609020204030204" pitchFamily="49" charset="0"/>
                 <a:cs typeface="Courier New" panose="02070309020205020404" pitchFamily="49" charset="0"/>
               </a:rPr>
-              <a:t>fruitsList</a:t>
-            </a:r>
-            <a:r>
-              <a:rPr lang="es-ES" sz="1100">
-                <a:latin typeface="Consolas" panose="020B0609020204030204" pitchFamily="49" charset="0"/>
-                <a:cs typeface="Courier New" panose="02070309020205020404" pitchFamily="49" charset="0"/>
-              </a:rPr>
-              <a:t>[3] = </a:t>
-            </a:r>
-            <a:r>
-              <a:rPr lang="en-US" sz="1100">
-                <a:latin typeface="Consolas" panose="020B0609020204030204" pitchFamily="49" charset="0"/>
-                <a:cs typeface="Courier New" panose="02070309020205020404" pitchFamily="49" charset="0"/>
-              </a:rPr>
-              <a:t>'orange</a:t>
-            </a:r>
-            <a:r>
-              <a:rPr lang="es-ES" sz="1100">
-                <a:latin typeface="Consolas" panose="020B0609020204030204" pitchFamily="49" charset="0"/>
-                <a:cs typeface="Courier New" panose="02070309020205020404" pitchFamily="49" charset="0"/>
-              </a:rPr>
-              <a:t>'</a:t>
-            </a:r>
-          </a:p>
-          <a:p>
-            <a:pPr marL="76200" indent="0">
-              <a:buNone/>
-            </a:pPr>
-            <a:r>
-              <a:rPr lang="en-US" sz="1100">
-                <a:latin typeface="Consolas" panose="020B0609020204030204" pitchFamily="49" charset="0"/>
-                <a:cs typeface="Courier New" panose="02070309020205020404" pitchFamily="49" charset="0"/>
-              </a:rPr>
-              <a:t>fruitsList.remove('banana')</a:t>
-            </a:r>
-            <a:endParaRPr lang="es-ES" sz="1100">
-              <a:latin typeface="Consolas" panose="020B0609020204030204" pitchFamily="49" charset="0"/>
-              <a:cs typeface="Courier New" panose="02070309020205020404" pitchFamily="49" charset="0"/>
-            </a:endParaRPr>
-          </a:p>
-          <a:p>
-            <a:pPr marL="76200" indent="0">
-              <a:buNone/>
-            </a:pPr>
-            <a:r>
-              <a:rPr lang="en-US" sz="1100">
-                <a:latin typeface="Consolas" panose="020B0609020204030204" pitchFamily="49" charset="0"/>
-                <a:cs typeface="Courier New" panose="02070309020205020404" pitchFamily="49" charset="0"/>
-              </a:rPr>
-              <a:t>fruits</a:t>
-            </a:r>
-            <a:r>
-              <a:rPr lang="es-ES" sz="1100">
-                <a:latin typeface="Consolas" panose="020B0609020204030204" pitchFamily="49" charset="0"/>
-                <a:cs typeface="Courier New" panose="02070309020205020404" pitchFamily="49" charset="0"/>
-              </a:rPr>
-              <a:t> = </a:t>
-            </a:r>
-            <a:r>
-              <a:rPr lang="es-ES" sz="1100">
-                <a:solidFill>
-                  <a:schemeClr val="accent1"/>
-                </a:solidFill>
-                <a:latin typeface="Consolas" panose="020B0609020204030204" pitchFamily="49" charset="0"/>
-                <a:cs typeface="Courier New" panose="02070309020205020404" pitchFamily="49" charset="0"/>
-              </a:rPr>
-              <a:t>tuple(</a:t>
-            </a:r>
-            <a:r>
-              <a:rPr lang="en-US" sz="1100">
-                <a:latin typeface="Consolas" panose="020B0609020204030204" pitchFamily="49" charset="0"/>
-                <a:cs typeface="Courier New" panose="02070309020205020404" pitchFamily="49" charset="0"/>
-              </a:rPr>
-              <a:t>fruitsList</a:t>
-            </a:r>
-            <a:r>
-              <a:rPr lang="es-ES" sz="1100">
-                <a:solidFill>
-                  <a:schemeClr val="accent1"/>
-                </a:solidFill>
-                <a:latin typeface="Consolas" panose="020B0609020204030204" pitchFamily="49" charset="0"/>
-                <a:cs typeface="Courier New" panose="02070309020205020404" pitchFamily="49" charset="0"/>
-              </a:rPr>
-              <a:t>)</a:t>
-            </a:r>
-            <a:endParaRPr lang="en-US" sz="1100">
-              <a:solidFill>
-                <a:schemeClr val="accent1"/>
-              </a:solidFill>
-              <a:latin typeface="Consolas" panose="020B0609020204030204" pitchFamily="49" charset="0"/>
-              <a:cs typeface="Courier New" panose="02070309020205020404" pitchFamily="49" charset="0"/>
-            </a:endParaRPr>
+              <a:t>fruits.remove('banana')</a:t>
+            </a:r>
+          </a:p>
+          <a:p>
+            <a:pPr marL="76200" indent="0">
+              <a:buNone/>
+            </a:pPr>
+            <a:r>
+              <a:rPr lang="en-US" sz="1100">
+                <a:latin typeface="Consolas" panose="020B0609020204030204" pitchFamily="49" charset="0"/>
+                <a:cs typeface="Courier New" panose="02070309020205020404" pitchFamily="49" charset="0"/>
+              </a:rPr>
+              <a:t>fruits.pop()</a:t>
+            </a:r>
           </a:p>
         </p:txBody>
       </p:sp>
@@ -15804,7 +15493,7 @@
     </p:spTree>
     <p:extLst>
       <p:ext uri="{BB962C8B-B14F-4D97-AF65-F5344CB8AC3E}">
-        <p14:creationId xmlns:p14="http://schemas.microsoft.com/office/powerpoint/2010/main" val="3905122863"/>
+        <p14:creationId xmlns:p14="http://schemas.microsoft.com/office/powerpoint/2010/main" val="3501016697"/>
       </p:ext>
     </p:extLst>
   </p:cSld>
@@ -16027,6 +15716,304 @@
 </file>
 
 <file path=ppt/slides/slide20.xml><?xml version="1.0" encoding="utf-8"?>
+<p:sld xmlns:a="http://schemas.openxmlformats.org/drawingml/2006/main" xmlns:r="http://schemas.openxmlformats.org/officeDocument/2006/relationships" xmlns:p="http://schemas.openxmlformats.org/presentationml/2006/main" show="0">
+  <p:cSld>
+    <p:spTree>
+      <p:nvGrpSpPr>
+        <p:cNvPr id="1" name=""/>
+        <p:cNvGrpSpPr/>
+        <p:nvPr/>
+      </p:nvGrpSpPr>
+      <p:grpSpPr>
+        <a:xfrm>
+          <a:off x="0" y="0"/>
+          <a:ext cx="0" cy="0"/>
+          <a:chOff x="0" y="0"/>
+          <a:chExt cx="0" cy="0"/>
+        </a:xfrm>
+      </p:grpSpPr>
+      <p:sp>
+        <p:nvSpPr>
+          <p:cNvPr id="2" name="Title 1">
+            <a:extLst>
+              <a:ext uri="{FF2B5EF4-FFF2-40B4-BE49-F238E27FC236}">
+                <a16:creationId xmlns:a16="http://schemas.microsoft.com/office/drawing/2014/main" id="{024AD384-5AD1-4435-A943-1241B2FACD62}"/>
+              </a:ext>
+            </a:extLst>
+          </p:cNvPr>
+          <p:cNvSpPr>
+            <a:spLocks noGrp="1"/>
+          </p:cNvSpPr>
+          <p:nvPr>
+            <p:ph type="title"/>
+          </p:nvPr>
+        </p:nvSpPr>
+        <p:spPr/>
+        <p:txBody>
+          <a:bodyPr/>
+          <a:lstStyle/>
+          <a:p>
+            <a:r>
+              <a:rPr lang="en-US" sz="2400"/>
+              <a:t>Join Sets</a:t>
+            </a:r>
+            <a:endParaRPr lang="fa-IR"/>
+          </a:p>
+        </p:txBody>
+      </p:sp>
+      <p:sp>
+        <p:nvSpPr>
+          <p:cNvPr id="3" name="Text Placeholder 2">
+            <a:extLst>
+              <a:ext uri="{FF2B5EF4-FFF2-40B4-BE49-F238E27FC236}">
+                <a16:creationId xmlns:a16="http://schemas.microsoft.com/office/drawing/2014/main" id="{58BE3078-8B89-4550-B497-93E4DADBD57E}"/>
+              </a:ext>
+            </a:extLst>
+          </p:cNvPr>
+          <p:cNvSpPr>
+            <a:spLocks noGrp="1"/>
+          </p:cNvSpPr>
+          <p:nvPr>
+            <p:ph type="body" idx="1"/>
+          </p:nvPr>
+        </p:nvSpPr>
+        <p:spPr>
+          <a:xfrm>
+            <a:off x="786150" y="1142608"/>
+            <a:ext cx="7571700" cy="3626431"/>
+          </a:xfrm>
+        </p:spPr>
+        <p:txBody>
+          <a:bodyPr/>
+          <a:lstStyle/>
+          <a:p>
+            <a:pPr marL="76200" indent="0">
+              <a:buNone/>
+            </a:pPr>
+            <a:r>
+              <a:rPr lang="en-US" sz="1400"/>
+              <a:t>Join Sets</a:t>
+            </a:r>
+          </a:p>
+          <a:p>
+            <a:pPr marL="76200" indent="0">
+              <a:buNone/>
+            </a:pPr>
+            <a:r>
+              <a:rPr lang="en-US" sz="1100">
+                <a:latin typeface="Consolas" panose="020B0609020204030204" pitchFamily="49" charset="0"/>
+                <a:cs typeface="Courier New" panose="02070309020205020404" pitchFamily="49" charset="0"/>
+              </a:rPr>
+              <a:t>students = {'Ali', 'Zahra', 'Bahram'}</a:t>
+            </a:r>
+          </a:p>
+          <a:p>
+            <a:pPr marL="76200" indent="0">
+              <a:buNone/>
+            </a:pPr>
+            <a:r>
+              <a:rPr lang="en-US" sz="1100">
+                <a:latin typeface="Consolas" panose="020B0609020204030204" pitchFamily="49" charset="0"/>
+                <a:cs typeface="Courier New" panose="02070309020205020404" pitchFamily="49" charset="0"/>
+              </a:rPr>
+              <a:t>workers = {'Zahra', 'Bahram', 'Nahid'}</a:t>
+            </a:r>
+          </a:p>
+          <a:p>
+            <a:pPr marL="76200" indent="0">
+              <a:buNone/>
+            </a:pPr>
+            <a:r>
+              <a:rPr lang="en-US" sz="1100">
+                <a:latin typeface="Consolas" panose="020B0609020204030204" pitchFamily="49" charset="0"/>
+                <a:cs typeface="Courier New" panose="02070309020205020404" pitchFamily="49" charset="0"/>
+              </a:rPr>
+              <a:t>allMembers = students</a:t>
+            </a:r>
+            <a:r>
+              <a:rPr lang="en-US" sz="1100">
+                <a:solidFill>
+                  <a:schemeClr val="accent1"/>
+                </a:solidFill>
+                <a:latin typeface="Consolas" panose="020B0609020204030204" pitchFamily="49" charset="0"/>
+                <a:cs typeface="Courier New" panose="02070309020205020404" pitchFamily="49" charset="0"/>
+              </a:rPr>
+              <a:t>.union(</a:t>
+            </a:r>
+            <a:r>
+              <a:rPr lang="en-US" sz="1100">
+                <a:latin typeface="Consolas" panose="020B0609020204030204" pitchFamily="49" charset="0"/>
+                <a:cs typeface="Courier New" panose="02070309020205020404" pitchFamily="49" charset="0"/>
+              </a:rPr>
+              <a:t>workers</a:t>
+            </a:r>
+            <a:r>
+              <a:rPr lang="en-US" sz="1100">
+                <a:solidFill>
+                  <a:schemeClr val="accent1"/>
+                </a:solidFill>
+                <a:latin typeface="Consolas" panose="020B0609020204030204" pitchFamily="49" charset="0"/>
+                <a:cs typeface="Courier New" panose="02070309020205020404" pitchFamily="49" charset="0"/>
+              </a:rPr>
+              <a:t>)</a:t>
+            </a:r>
+          </a:p>
+          <a:p>
+            <a:pPr marL="76200" indent="0">
+              <a:buNone/>
+            </a:pPr>
+            <a:r>
+              <a:rPr lang="en-US" sz="1100">
+                <a:latin typeface="Consolas" panose="020B0609020204030204" pitchFamily="49" charset="0"/>
+                <a:cs typeface="Courier New" panose="02070309020205020404" pitchFamily="49" charset="0"/>
+              </a:rPr>
+              <a:t>wortudents = students</a:t>
+            </a:r>
+            <a:r>
+              <a:rPr lang="en-US" sz="1100">
+                <a:solidFill>
+                  <a:schemeClr val="accent1"/>
+                </a:solidFill>
+                <a:latin typeface="Consolas" panose="020B0609020204030204" pitchFamily="49" charset="0"/>
+                <a:cs typeface="Courier New" panose="02070309020205020404" pitchFamily="49" charset="0"/>
+              </a:rPr>
+              <a:t>.intersection(</a:t>
+            </a:r>
+            <a:r>
+              <a:rPr lang="en-US" sz="1100">
+                <a:latin typeface="Consolas" panose="020B0609020204030204" pitchFamily="49" charset="0"/>
+                <a:cs typeface="Courier New" panose="02070309020205020404" pitchFamily="49" charset="0"/>
+              </a:rPr>
+              <a:t>workers</a:t>
+            </a:r>
+            <a:r>
+              <a:rPr lang="en-US" sz="1100">
+                <a:solidFill>
+                  <a:schemeClr val="accent1"/>
+                </a:solidFill>
+                <a:latin typeface="Consolas" panose="020B0609020204030204" pitchFamily="49" charset="0"/>
+                <a:cs typeface="Courier New" panose="02070309020205020404" pitchFamily="49" charset="0"/>
+              </a:rPr>
+              <a:t>)</a:t>
+            </a:r>
+          </a:p>
+          <a:p>
+            <a:pPr marL="76200" indent="0">
+              <a:buNone/>
+            </a:pPr>
+            <a:r>
+              <a:rPr lang="en-US" sz="1100">
+                <a:latin typeface="Consolas" panose="020B0609020204030204" pitchFamily="49" charset="0"/>
+                <a:cs typeface="Courier New" panose="02070309020205020404" pitchFamily="49" charset="0"/>
+              </a:rPr>
+              <a:t>notWortudents = students</a:t>
+            </a:r>
+            <a:r>
+              <a:rPr lang="en-US" sz="1100">
+                <a:solidFill>
+                  <a:schemeClr val="accent1"/>
+                </a:solidFill>
+                <a:latin typeface="Consolas" panose="020B0609020204030204" pitchFamily="49" charset="0"/>
+                <a:cs typeface="Courier New" panose="02070309020205020404" pitchFamily="49" charset="0"/>
+              </a:rPr>
+              <a:t>.symmetric_difference(</a:t>
+            </a:r>
+            <a:r>
+              <a:rPr lang="en-US" sz="1100">
+                <a:latin typeface="Consolas" panose="020B0609020204030204" pitchFamily="49" charset="0"/>
+                <a:cs typeface="Courier New" panose="02070309020205020404" pitchFamily="49" charset="0"/>
+              </a:rPr>
+              <a:t>workers</a:t>
+            </a:r>
+            <a:r>
+              <a:rPr lang="en-US" sz="1100">
+                <a:solidFill>
+                  <a:schemeClr val="accent1"/>
+                </a:solidFill>
+                <a:latin typeface="Consolas" panose="020B0609020204030204" pitchFamily="49" charset="0"/>
+                <a:cs typeface="Courier New" panose="02070309020205020404" pitchFamily="49" charset="0"/>
+              </a:rPr>
+              <a:t>)</a:t>
+            </a:r>
+          </a:p>
+          <a:p>
+            <a:pPr marL="76200" indent="0">
+              <a:buNone/>
+            </a:pPr>
+            <a:r>
+              <a:rPr lang="en-US" sz="1100">
+                <a:latin typeface="Consolas" panose="020B0609020204030204" pitchFamily="49" charset="0"/>
+                <a:cs typeface="Courier New" panose="02070309020205020404" pitchFamily="49" charset="0"/>
+              </a:rPr>
+              <a:t>nonworkingStudents = students - workers</a:t>
+            </a:r>
+          </a:p>
+          <a:p>
+            <a:pPr marL="76200" indent="0">
+              <a:buNone/>
+            </a:pPr>
+            <a:r>
+              <a:rPr lang="en-US" sz="1100">
+                <a:latin typeface="Consolas" panose="020B0609020204030204" pitchFamily="49" charset="0"/>
+                <a:cs typeface="Courier New" panose="02070309020205020404" pitchFamily="49" charset="0"/>
+              </a:rPr>
+              <a:t>nonstudentWorkers = workers - students</a:t>
+            </a:r>
+          </a:p>
+        </p:txBody>
+      </p:sp>
+      <p:sp>
+        <p:nvSpPr>
+          <p:cNvPr id="4" name="Slide Number Placeholder 3">
+            <a:extLst>
+              <a:ext uri="{FF2B5EF4-FFF2-40B4-BE49-F238E27FC236}">
+                <a16:creationId xmlns:a16="http://schemas.microsoft.com/office/drawing/2014/main" id="{64987AE6-EC0E-43DD-9376-95A5602EE5E1}"/>
+              </a:ext>
+            </a:extLst>
+          </p:cNvPr>
+          <p:cNvSpPr>
+            <a:spLocks noGrp="1"/>
+          </p:cNvSpPr>
+          <p:nvPr>
+            <p:ph type="sldNum" idx="12"/>
+          </p:nvPr>
+        </p:nvSpPr>
+        <p:spPr/>
+        <p:txBody>
+          <a:bodyPr/>
+          <a:lstStyle/>
+          <a:p>
+            <a:pPr marL="0" lvl="0" indent="0" algn="r" rtl="0">
+              <a:spcBef>
+                <a:spcPts val="0"/>
+              </a:spcBef>
+              <a:spcAft>
+                <a:spcPts val="0"/>
+              </a:spcAft>
+              <a:buNone/>
+            </a:pPr>
+            <a:fld id="{00000000-1234-1234-1234-123412341234}" type="slidenum">
+              <a:rPr lang="en" smtClean="0"/>
+              <a:t>20</a:t>
+            </a:fld>
+            <a:endParaRPr lang="en"/>
+          </a:p>
+        </p:txBody>
+      </p:sp>
+    </p:spTree>
+    <p:extLst>
+      <p:ext uri="{BB962C8B-B14F-4D97-AF65-F5344CB8AC3E}">
+        <p14:creationId xmlns:p14="http://schemas.microsoft.com/office/powerpoint/2010/main" val="428133587"/>
+      </p:ext>
+    </p:extLst>
+  </p:cSld>
+  <p:clrMapOvr>
+    <a:masterClrMapping/>
+  </p:clrMapOvr>
+</p:sld>
+</file>
+
+<file path=ppt/slides/slide21.xml><?xml version="1.0" encoding="utf-8"?>
 <p:sld xmlns:a="http://schemas.openxmlformats.org/drawingml/2006/main" xmlns:r="http://schemas.openxmlformats.org/officeDocument/2006/relationships" xmlns:p="http://schemas.openxmlformats.org/presentationml/2006/main">
   <p:cSld>
     <p:spTree>
@@ -16066,7 +16053,7 @@
           <a:p>
             <a:r>
               <a:rPr lang="en-US" sz="2400"/>
-              <a:t>Sets</a:t>
+              <a:t>Dictionaries</a:t>
             </a:r>
             <a:endParaRPr lang="fa-IR"/>
           </a:p>
@@ -16102,76 +16089,126 @@
               <a:buNone/>
             </a:pPr>
             <a:r>
+              <a:rPr lang="en-US" sz="1400"/>
+              <a:t>Ordered, changeable, and </a:t>
+            </a:r>
+            <a:r>
               <a:rPr lang="en-US" sz="1400">
                 <a:solidFill>
                   <a:schemeClr val="accent1"/>
                 </a:solidFill>
               </a:rPr>
-              <a:t>Un</a:t>
+              <a:t>no</a:t>
             </a:r>
             <a:r>
               <a:rPr lang="en-US" sz="1400"/>
-              <a:t>ordered, </a:t>
-            </a:r>
-            <a:r>
-              <a:rPr lang="en-US" sz="1400">
+              <a:t> duplicate values</a:t>
+            </a:r>
+          </a:p>
+          <a:p>
+            <a:pPr marL="76200" indent="0">
+              <a:buNone/>
+            </a:pPr>
+            <a:r>
+              <a:rPr lang="en-US" sz="1100">
+                <a:latin typeface="Consolas" panose="020B0609020204030204" pitchFamily="49" charset="0"/>
+                <a:cs typeface="Courier New" panose="02070309020205020404" pitchFamily="49" charset="0"/>
+              </a:rPr>
+              <a:t>fruits = {'apple': 'green', 'banana': 'yellow', 'cherry': 'red'}</a:t>
+            </a:r>
+          </a:p>
+          <a:p>
+            <a:pPr marL="76200" indent="0">
+              <a:buNone/>
+            </a:pPr>
+            <a:r>
+              <a:rPr lang="en-US" sz="1100">
+                <a:latin typeface="Consolas" panose="020B0609020204030204" pitchFamily="49" charset="0"/>
+                <a:cs typeface="Courier New" panose="02070309020205020404" pitchFamily="49" charset="0"/>
+              </a:rPr>
+              <a:t>print(fruits['apple'])</a:t>
+            </a:r>
+          </a:p>
+          <a:p>
+            <a:pPr marL="76200" indent="0">
+              <a:buNone/>
+            </a:pPr>
+            <a:r>
+              <a:rPr lang="en-US" sz="1100">
+                <a:latin typeface="Consolas" panose="020B0609020204030204" pitchFamily="49" charset="0"/>
+                <a:cs typeface="Courier New" panose="02070309020205020404" pitchFamily="49" charset="0"/>
+              </a:rPr>
+              <a:t>print('orange' in fruits)</a:t>
+            </a:r>
+          </a:p>
+          <a:p>
+            <a:pPr marL="76200" indent="0">
+              <a:buNone/>
+            </a:pPr>
+            <a:r>
+              <a:rPr lang="en-US" sz="1100">
+                <a:latin typeface="Consolas" panose="020B0609020204030204" pitchFamily="49" charset="0"/>
+                <a:cs typeface="Courier New" panose="02070309020205020404" pitchFamily="49" charset="0"/>
+              </a:rPr>
+              <a:t>print(len(fruits))</a:t>
+            </a:r>
+          </a:p>
+          <a:p>
+            <a:pPr marL="76200" indent="0">
+              <a:buNone/>
+            </a:pPr>
+            <a:r>
+              <a:rPr lang="en-US" sz="1100">
+                <a:latin typeface="Consolas" panose="020B0609020204030204" pitchFamily="49" charset="0"/>
+                <a:cs typeface="Courier New" panose="02070309020205020404" pitchFamily="49" charset="0"/>
+              </a:rPr>
+              <a:t>print(fruits</a:t>
+            </a:r>
+            <a:r>
+              <a:rPr lang="en-US" sz="1100">
                 <a:solidFill>
                   <a:schemeClr val="accent1"/>
                 </a:solidFill>
-              </a:rPr>
-              <a:t>un</a:t>
-            </a:r>
-            <a:r>
-              <a:rPr lang="en-US" sz="1400"/>
-              <a:t>changeable, and </a:t>
-            </a:r>
-            <a:r>
-              <a:rPr lang="en-US" sz="1400">
+                <a:latin typeface="Consolas" panose="020B0609020204030204" pitchFamily="49" charset="0"/>
+                <a:cs typeface="Courier New" panose="02070309020205020404" pitchFamily="49" charset="0"/>
+              </a:rPr>
+              <a:t>.keys()</a:t>
+            </a:r>
+            <a:r>
+              <a:rPr lang="en-US" sz="1100">
+                <a:latin typeface="Consolas" panose="020B0609020204030204" pitchFamily="49" charset="0"/>
+                <a:cs typeface="Courier New" panose="02070309020205020404" pitchFamily="49" charset="0"/>
+              </a:rPr>
+              <a:t>)</a:t>
+            </a:r>
+          </a:p>
+          <a:p>
+            <a:pPr marL="76200" indent="0">
+              <a:buNone/>
+            </a:pPr>
+            <a:r>
+              <a:rPr lang="en-US" sz="1100">
+                <a:latin typeface="Consolas" panose="020B0609020204030204" pitchFamily="49" charset="0"/>
+                <a:cs typeface="Courier New" panose="02070309020205020404" pitchFamily="49" charset="0"/>
+              </a:rPr>
+              <a:t>print(fruits</a:t>
+            </a:r>
+            <a:r>
+              <a:rPr lang="en-US" sz="1100">
                 <a:solidFill>
                   <a:schemeClr val="accent1"/>
                 </a:solidFill>
-              </a:rPr>
-              <a:t>no</a:t>
-            </a:r>
-            <a:r>
-              <a:rPr lang="en-US" sz="1400"/>
-              <a:t> duplicate values</a:t>
-            </a:r>
-          </a:p>
-          <a:p>
-            <a:pPr marL="76200" indent="0">
-              <a:buNone/>
-            </a:pPr>
-            <a:r>
-              <a:rPr lang="en-US" sz="1100">
-                <a:latin typeface="Consolas" panose="020B0609020204030204" pitchFamily="49" charset="0"/>
-                <a:cs typeface="Courier New" panose="02070309020205020404" pitchFamily="49" charset="0"/>
-              </a:rPr>
-              <a:t>fruits = {'apple', 'banana', 'cherry'}</a:t>
-            </a:r>
-          </a:p>
-          <a:p>
-            <a:pPr marL="76200" indent="0">
-              <a:buNone/>
-            </a:pPr>
-            <a:r>
-              <a:rPr lang="en-US" sz="1100">
-                <a:latin typeface="Consolas" panose="020B0609020204030204" pitchFamily="49" charset="0"/>
-                <a:cs typeface="Courier New" panose="02070309020205020404" pitchFamily="49" charset="0"/>
-              </a:rPr>
-              <a:t>print('orange' in fruits)</a:t>
-            </a:r>
-          </a:p>
-          <a:p>
-            <a:pPr marL="76200" indent="0">
-              <a:buNone/>
-            </a:pPr>
-            <a:r>
-              <a:rPr lang="en-US" sz="1100">
-                <a:latin typeface="Consolas" panose="020B0609020204030204" pitchFamily="49" charset="0"/>
-                <a:cs typeface="Courier New" panose="02070309020205020404" pitchFamily="49" charset="0"/>
-              </a:rPr>
-              <a:t>print(len(fruits))</a:t>
+                <a:latin typeface="Consolas" panose="020B0609020204030204" pitchFamily="49" charset="0"/>
+                <a:cs typeface="Courier New" panose="02070309020205020404" pitchFamily="49" charset="0"/>
+              </a:rPr>
+              <a:t>.values()</a:t>
+            </a:r>
+            <a:r>
+              <a:rPr lang="en-US" sz="1100">
+                <a:latin typeface="Consolas" panose="020B0609020204030204" pitchFamily="49" charset="0"/>
+                <a:cs typeface="Courier New" panose="02070309020205020404" pitchFamily="49" charset="0"/>
+              </a:rPr>
+              <a:t>)</a:t>
             </a:r>
           </a:p>
           <a:p>
@@ -16189,70 +16226,43 @@
             </a:pPr>
             <a:r>
               <a:rPr lang="en-US" sz="1400"/>
-              <a:t>Update sets</a:t>
-            </a:r>
-          </a:p>
-          <a:p>
-            <a:pPr marL="76200" indent="0">
-              <a:buNone/>
-            </a:pPr>
-            <a:r>
-              <a:rPr lang="en-US" sz="1100">
-                <a:latin typeface="Consolas" panose="020B0609020204030204" pitchFamily="49" charset="0"/>
-                <a:cs typeface="Courier New" panose="02070309020205020404" pitchFamily="49" charset="0"/>
-              </a:rPr>
-              <a:t>fruits</a:t>
-            </a:r>
-            <a:r>
-              <a:rPr lang="en-US" sz="1100">
-                <a:solidFill>
-                  <a:schemeClr val="accent1"/>
-                </a:solidFill>
-                <a:latin typeface="Consolas" panose="020B0609020204030204" pitchFamily="49" charset="0"/>
-                <a:cs typeface="Courier New" panose="02070309020205020404" pitchFamily="49" charset="0"/>
-              </a:rPr>
-              <a:t>.add(</a:t>
-            </a:r>
-            <a:r>
-              <a:rPr lang="en-US" sz="1100">
-                <a:latin typeface="Consolas" panose="020B0609020204030204" pitchFamily="49" charset="0"/>
-                <a:cs typeface="Courier New" panose="02070309020205020404" pitchFamily="49" charset="0"/>
-              </a:rPr>
-              <a:t>'orange'</a:t>
-            </a:r>
-            <a:r>
-              <a:rPr lang="en-US" sz="1100">
-                <a:solidFill>
-                  <a:schemeClr val="accent1"/>
-                </a:solidFill>
-                <a:latin typeface="Consolas" panose="020B0609020204030204" pitchFamily="49" charset="0"/>
-                <a:cs typeface="Courier New" panose="02070309020205020404" pitchFamily="49" charset="0"/>
-              </a:rPr>
-              <a:t>)</a:t>
-            </a:r>
-          </a:p>
-          <a:p>
-            <a:pPr marL="76200" indent="0">
-              <a:buNone/>
-            </a:pPr>
-            <a:r>
-              <a:rPr lang="en-US" sz="1100">
-                <a:latin typeface="Consolas" panose="020B0609020204030204" pitchFamily="49" charset="0"/>
-                <a:cs typeface="Courier New" panose="02070309020205020404" pitchFamily="49" charset="0"/>
-              </a:rPr>
-              <a:t>fruits.remove('banana')</a:t>
-            </a:r>
-          </a:p>
-          <a:p>
-            <a:pPr marL="76200" indent="0">
-              <a:buNone/>
-            </a:pPr>
-            <a:r>
-              <a:rPr lang="en-US" sz="1100">
-                <a:latin typeface="Consolas" panose="020B0609020204030204" pitchFamily="49" charset="0"/>
-                <a:cs typeface="Courier New" panose="02070309020205020404" pitchFamily="49" charset="0"/>
-              </a:rPr>
-              <a:t>fruits.pop()</a:t>
+              <a:t>Update Dictionaries</a:t>
+            </a:r>
+          </a:p>
+          <a:p>
+            <a:pPr marL="76200" indent="0">
+              <a:buNone/>
+            </a:pPr>
+            <a:r>
+              <a:rPr lang="en-US" sz="1100">
+                <a:latin typeface="Consolas" panose="020B0609020204030204" pitchFamily="49" charset="0"/>
+                <a:cs typeface="Courier New" panose="02070309020205020404" pitchFamily="49" charset="0"/>
+              </a:rPr>
+              <a:t>fruits['apple'] = 'red'</a:t>
+            </a:r>
+          </a:p>
+          <a:p>
+            <a:pPr marL="76200" indent="0">
+              <a:buNone/>
+            </a:pPr>
+            <a:r>
+              <a:rPr lang="en-US" sz="1100">
+                <a:latin typeface="Consolas" panose="020B0609020204030204" pitchFamily="49" charset="0"/>
+                <a:cs typeface="Courier New" panose="02070309020205020404" pitchFamily="49" charset="0"/>
+              </a:rPr>
+              <a:t>fruits['kiwi'] = 'green'</a:t>
+            </a:r>
+          </a:p>
+          <a:p>
+            <a:pPr marL="76200" indent="0">
+              <a:buNone/>
+            </a:pPr>
+            <a:r>
+              <a:rPr lang="en-US" sz="1100">
+                <a:latin typeface="Consolas" panose="020B0609020204030204" pitchFamily="49" charset="0"/>
+                <a:cs typeface="Courier New" panose="02070309020205020404" pitchFamily="49" charset="0"/>
+              </a:rPr>
+              <a:t>fruits.pop('banana')</a:t>
             </a:r>
           </a:p>
         </p:txBody>
@@ -16289,7 +16299,7 @@
             </a:pPr>
             <a:fld id="{00000000-1234-1234-1234-123412341234}" type="slidenum">
               <a:rPr lang="en" smtClean="0"/>
-              <a:t>20</a:t>
+              <a:t>21</a:t>
             </a:fld>
             <a:endParaRPr lang="en"/>
           </a:p>
@@ -16298,305 +16308,7 @@
     </p:spTree>
     <p:extLst>
       <p:ext uri="{BB962C8B-B14F-4D97-AF65-F5344CB8AC3E}">
-        <p14:creationId xmlns:p14="http://schemas.microsoft.com/office/powerpoint/2010/main" val="3501016697"/>
-      </p:ext>
-    </p:extLst>
-  </p:cSld>
-  <p:clrMapOvr>
-    <a:masterClrMapping/>
-  </p:clrMapOvr>
-</p:sld>
-</file>
-
-<file path=ppt/slides/slide21.xml><?xml version="1.0" encoding="utf-8"?>
-<p:sld xmlns:a="http://schemas.openxmlformats.org/drawingml/2006/main" xmlns:r="http://schemas.openxmlformats.org/officeDocument/2006/relationships" xmlns:p="http://schemas.openxmlformats.org/presentationml/2006/main" show="0">
-  <p:cSld>
-    <p:spTree>
-      <p:nvGrpSpPr>
-        <p:cNvPr id="1" name=""/>
-        <p:cNvGrpSpPr/>
-        <p:nvPr/>
-      </p:nvGrpSpPr>
-      <p:grpSpPr>
-        <a:xfrm>
-          <a:off x="0" y="0"/>
-          <a:ext cx="0" cy="0"/>
-          <a:chOff x="0" y="0"/>
-          <a:chExt cx="0" cy="0"/>
-        </a:xfrm>
-      </p:grpSpPr>
-      <p:sp>
-        <p:nvSpPr>
-          <p:cNvPr id="2" name="Title 1">
-            <a:extLst>
-              <a:ext uri="{FF2B5EF4-FFF2-40B4-BE49-F238E27FC236}">
-                <a16:creationId xmlns:a16="http://schemas.microsoft.com/office/drawing/2014/main" id="{024AD384-5AD1-4435-A943-1241B2FACD62}"/>
-              </a:ext>
-            </a:extLst>
-          </p:cNvPr>
-          <p:cNvSpPr>
-            <a:spLocks noGrp="1"/>
-          </p:cNvSpPr>
-          <p:nvPr>
-            <p:ph type="title"/>
-          </p:nvPr>
-        </p:nvSpPr>
-        <p:spPr/>
-        <p:txBody>
-          <a:bodyPr/>
-          <a:lstStyle/>
-          <a:p>
-            <a:r>
-              <a:rPr lang="en-US" sz="2400"/>
-              <a:t>Join Sets</a:t>
-            </a:r>
-            <a:endParaRPr lang="fa-IR"/>
-          </a:p>
-        </p:txBody>
-      </p:sp>
-      <p:sp>
-        <p:nvSpPr>
-          <p:cNvPr id="3" name="Text Placeholder 2">
-            <a:extLst>
-              <a:ext uri="{FF2B5EF4-FFF2-40B4-BE49-F238E27FC236}">
-                <a16:creationId xmlns:a16="http://schemas.microsoft.com/office/drawing/2014/main" id="{58BE3078-8B89-4550-B497-93E4DADBD57E}"/>
-              </a:ext>
-            </a:extLst>
-          </p:cNvPr>
-          <p:cNvSpPr>
-            <a:spLocks noGrp="1"/>
-          </p:cNvSpPr>
-          <p:nvPr>
-            <p:ph type="body" idx="1"/>
-          </p:nvPr>
-        </p:nvSpPr>
-        <p:spPr>
-          <a:xfrm>
-            <a:off x="786150" y="1142608"/>
-            <a:ext cx="7571700" cy="3626431"/>
-          </a:xfrm>
-        </p:spPr>
-        <p:txBody>
-          <a:bodyPr/>
-          <a:lstStyle/>
-          <a:p>
-            <a:pPr marL="76200" indent="0">
-              <a:buNone/>
-            </a:pPr>
-            <a:r>
-              <a:rPr lang="en-US" sz="1400"/>
-              <a:t>Join Sets</a:t>
-            </a:r>
-          </a:p>
-          <a:p>
-            <a:pPr marL="76200" indent="0">
-              <a:buNone/>
-            </a:pPr>
-            <a:r>
-              <a:rPr lang="en-US" sz="1100">
-                <a:latin typeface="Consolas" panose="020B0609020204030204" pitchFamily="49" charset="0"/>
-                <a:cs typeface="Courier New" panose="02070309020205020404" pitchFamily="49" charset="0"/>
-              </a:rPr>
-              <a:t>students = {'Ali', 'Zahra', 'Bahram'}</a:t>
-            </a:r>
-          </a:p>
-          <a:p>
-            <a:pPr marL="76200" indent="0">
-              <a:buNone/>
-            </a:pPr>
-            <a:r>
-              <a:rPr lang="en-US" sz="1100">
-                <a:latin typeface="Consolas" panose="020B0609020204030204" pitchFamily="49" charset="0"/>
-                <a:cs typeface="Courier New" panose="02070309020205020404" pitchFamily="49" charset="0"/>
-              </a:rPr>
-              <a:t>workers = {'Zahra', 'Bahram', 'Nahid'}</a:t>
-            </a:r>
-          </a:p>
-          <a:p>
-            <a:pPr marL="76200" indent="0">
-              <a:buNone/>
-            </a:pPr>
-            <a:r>
-              <a:rPr lang="en-US" sz="1100">
-                <a:latin typeface="Consolas" panose="020B0609020204030204" pitchFamily="49" charset="0"/>
-                <a:cs typeface="Courier New" panose="02070309020205020404" pitchFamily="49" charset="0"/>
-              </a:rPr>
-              <a:t>allMembers = students</a:t>
-            </a:r>
-            <a:r>
-              <a:rPr lang="en-US" sz="1100">
-                <a:solidFill>
-                  <a:schemeClr val="accent1"/>
-                </a:solidFill>
-                <a:latin typeface="Consolas" panose="020B0609020204030204" pitchFamily="49" charset="0"/>
-                <a:cs typeface="Courier New" panose="02070309020205020404" pitchFamily="49" charset="0"/>
-              </a:rPr>
-              <a:t>.union(</a:t>
-            </a:r>
-            <a:r>
-              <a:rPr lang="en-US" sz="1100">
-                <a:latin typeface="Consolas" panose="020B0609020204030204" pitchFamily="49" charset="0"/>
-                <a:cs typeface="Courier New" panose="02070309020205020404" pitchFamily="49" charset="0"/>
-              </a:rPr>
-              <a:t>workers</a:t>
-            </a:r>
-            <a:r>
-              <a:rPr lang="en-US" sz="1100">
-                <a:solidFill>
-                  <a:schemeClr val="accent1"/>
-                </a:solidFill>
-                <a:latin typeface="Consolas" panose="020B0609020204030204" pitchFamily="49" charset="0"/>
-                <a:cs typeface="Courier New" panose="02070309020205020404" pitchFamily="49" charset="0"/>
-              </a:rPr>
-              <a:t>)</a:t>
-            </a:r>
-          </a:p>
-          <a:p>
-            <a:pPr marL="76200" indent="0">
-              <a:buNone/>
-            </a:pPr>
-            <a:r>
-              <a:rPr lang="en-US" sz="1100">
-                <a:latin typeface="Consolas" panose="020B0609020204030204" pitchFamily="49" charset="0"/>
-                <a:cs typeface="Courier New" panose="02070309020205020404" pitchFamily="49" charset="0"/>
-              </a:rPr>
-              <a:t>wortudents = students</a:t>
-            </a:r>
-            <a:r>
-              <a:rPr lang="en-US" sz="1100">
-                <a:solidFill>
-                  <a:schemeClr val="accent1"/>
-                </a:solidFill>
-                <a:latin typeface="Consolas" panose="020B0609020204030204" pitchFamily="49" charset="0"/>
-                <a:cs typeface="Courier New" panose="02070309020205020404" pitchFamily="49" charset="0"/>
-              </a:rPr>
-              <a:t>.intersection(</a:t>
-            </a:r>
-            <a:r>
-              <a:rPr lang="en-US" sz="1100">
-                <a:latin typeface="Consolas" panose="020B0609020204030204" pitchFamily="49" charset="0"/>
-                <a:cs typeface="Courier New" panose="02070309020205020404" pitchFamily="49" charset="0"/>
-              </a:rPr>
-              <a:t>workers</a:t>
-            </a:r>
-            <a:r>
-              <a:rPr lang="en-US" sz="1100">
-                <a:solidFill>
-                  <a:schemeClr val="accent1"/>
-                </a:solidFill>
-                <a:latin typeface="Consolas" panose="020B0609020204030204" pitchFamily="49" charset="0"/>
-                <a:cs typeface="Courier New" panose="02070309020205020404" pitchFamily="49" charset="0"/>
-              </a:rPr>
-              <a:t>)</a:t>
-            </a:r>
-          </a:p>
-          <a:p>
-            <a:pPr marL="76200" indent="0">
-              <a:buNone/>
-            </a:pPr>
-            <a:r>
-              <a:rPr lang="en-US" sz="1100">
-                <a:latin typeface="Consolas" panose="020B0609020204030204" pitchFamily="49" charset="0"/>
-                <a:cs typeface="Courier New" panose="02070309020205020404" pitchFamily="49" charset="0"/>
-              </a:rPr>
-              <a:t>notWortudents = students</a:t>
-            </a:r>
-            <a:r>
-              <a:rPr lang="en-US" sz="1100">
-                <a:solidFill>
-                  <a:schemeClr val="accent1"/>
-                </a:solidFill>
-                <a:latin typeface="Consolas" panose="020B0609020204030204" pitchFamily="49" charset="0"/>
-                <a:cs typeface="Courier New" panose="02070309020205020404" pitchFamily="49" charset="0"/>
-              </a:rPr>
-              <a:t>.symmetric_difference(</a:t>
-            </a:r>
-            <a:r>
-              <a:rPr lang="en-US" sz="1100">
-                <a:latin typeface="Consolas" panose="020B0609020204030204" pitchFamily="49" charset="0"/>
-                <a:cs typeface="Courier New" panose="02070309020205020404" pitchFamily="49" charset="0"/>
-              </a:rPr>
-              <a:t>workers</a:t>
-            </a:r>
-            <a:r>
-              <a:rPr lang="en-US" sz="1100">
-                <a:solidFill>
-                  <a:schemeClr val="accent1"/>
-                </a:solidFill>
-                <a:latin typeface="Consolas" panose="020B0609020204030204" pitchFamily="49" charset="0"/>
-                <a:cs typeface="Courier New" panose="02070309020205020404" pitchFamily="49" charset="0"/>
-              </a:rPr>
-              <a:t>)</a:t>
-            </a:r>
-          </a:p>
-          <a:p>
-            <a:pPr marL="76200" indent="0">
-              <a:buNone/>
-            </a:pPr>
-            <a:r>
-              <a:rPr lang="en-US" sz="1100">
-                <a:latin typeface="Consolas" panose="020B0609020204030204" pitchFamily="49" charset="0"/>
-                <a:cs typeface="Courier New" panose="02070309020205020404" pitchFamily="49" charset="0"/>
-              </a:rPr>
-              <a:t>nonworkingStudents = students - workers</a:t>
-            </a:r>
-          </a:p>
-          <a:p>
-            <a:pPr marL="76200" indent="0">
-              <a:buNone/>
-            </a:pPr>
-            <a:r>
-              <a:rPr lang="en-US" sz="1100">
-                <a:latin typeface="Consolas" panose="020B0609020204030204" pitchFamily="49" charset="0"/>
-                <a:cs typeface="Courier New" panose="02070309020205020404" pitchFamily="49" charset="0"/>
-              </a:rPr>
-              <a:t>nonstudentWorkers = workers - students</a:t>
-            </a:r>
-          </a:p>
-        </p:txBody>
-      </p:sp>
-      <p:sp>
-        <p:nvSpPr>
-          <p:cNvPr id="4" name="Slide Number Placeholder 3">
-            <a:extLst>
-              <a:ext uri="{FF2B5EF4-FFF2-40B4-BE49-F238E27FC236}">
-                <a16:creationId xmlns:a16="http://schemas.microsoft.com/office/drawing/2014/main" id="{64987AE6-EC0E-43DD-9376-95A5602EE5E1}"/>
-              </a:ext>
-            </a:extLst>
-          </p:cNvPr>
-          <p:cNvSpPr>
-            <a:spLocks noGrp="1"/>
-          </p:cNvSpPr>
-          <p:nvPr>
-            <p:ph type="sldNum" idx="12"/>
-          </p:nvPr>
-        </p:nvSpPr>
-        <p:spPr/>
-        <p:txBody>
-          <a:bodyPr/>
-          <a:lstStyle/>
-          <a:p>
-            <a:pPr marL="0" lvl="0" indent="0" algn="r" rtl="0">
-              <a:spcBef>
-                <a:spcPts val="0"/>
-              </a:spcBef>
-              <a:spcAft>
-                <a:spcPts val="0"/>
-              </a:spcAft>
-              <a:buNone/>
-            </a:pPr>
-            <a:fld id="{00000000-1234-1234-1234-123412341234}" type="slidenum">
-              <a:rPr lang="en" smtClean="0"/>
-              <a:t>21</a:t>
-            </a:fld>
-            <a:endParaRPr lang="en"/>
-          </a:p>
-        </p:txBody>
-      </p:sp>
-    </p:spTree>
-    <p:extLst>
-      <p:ext uri="{BB962C8B-B14F-4D97-AF65-F5344CB8AC3E}">
-        <p14:creationId xmlns:p14="http://schemas.microsoft.com/office/powerpoint/2010/main" val="428133587"/>
+        <p14:creationId xmlns:p14="http://schemas.microsoft.com/office/powerpoint/2010/main" val="1072694343"/>
       </p:ext>
     </p:extLst>
   </p:cSld>
@@ -16645,8 +16357,8 @@
           <a:lstStyle/>
           <a:p>
             <a:r>
-              <a:rPr lang="en-US" sz="2400"/>
-              <a:t>Dictionaries</a:t>
+              <a:rPr lang="en-US"/>
+              <a:t>If Statements</a:t>
             </a:r>
             <a:endParaRPr lang="fa-IR"/>
           </a:p>
@@ -16683,79 +16395,41 @@
             </a:pPr>
             <a:r>
               <a:rPr lang="en-US" sz="1400"/>
-              <a:t>Ordered, changeable, and </a:t>
-            </a:r>
-            <a:r>
-              <a:rPr lang="en-US" sz="1400">
+              <a:t>If statement</a:t>
+            </a:r>
+          </a:p>
+          <a:p>
+            <a:pPr marL="76200" indent="0">
+              <a:buNone/>
+            </a:pPr>
+            <a:r>
+              <a:rPr lang="en-US" sz="1100">
+                <a:latin typeface="Consolas" panose="020B0609020204030204" pitchFamily="49" charset="0"/>
+                <a:cs typeface="Courier New" panose="02070309020205020404" pitchFamily="49" charset="0"/>
+              </a:rPr>
+              <a:t>a, b = 200, 100</a:t>
+            </a:r>
+          </a:p>
+          <a:p>
+            <a:pPr marL="76200" indent="0">
+              <a:buNone/>
+            </a:pPr>
+            <a:r>
+              <a:rPr lang="en-US" sz="1100">
                 <a:solidFill>
                   <a:schemeClr val="accent1"/>
                 </a:solidFill>
-              </a:rPr>
-              <a:t>no</a:t>
-            </a:r>
-            <a:r>
-              <a:rPr lang="en-US" sz="1400"/>
-              <a:t> duplicate values</a:t>
-            </a:r>
-          </a:p>
-          <a:p>
-            <a:pPr marL="76200" indent="0">
-              <a:buNone/>
-            </a:pPr>
-            <a:r>
-              <a:rPr lang="en-US" sz="1100">
-                <a:latin typeface="Consolas" panose="020B0609020204030204" pitchFamily="49" charset="0"/>
-                <a:cs typeface="Courier New" panose="02070309020205020404" pitchFamily="49" charset="0"/>
-              </a:rPr>
-              <a:t>fruits = {'apple': 'green', 'banana': 'yellow', 'cherry': 'red'}</a:t>
-            </a:r>
-          </a:p>
-          <a:p>
-            <a:pPr marL="76200" indent="0">
-              <a:buNone/>
-            </a:pPr>
-            <a:r>
-              <a:rPr lang="en-US" sz="1100">
-                <a:latin typeface="Consolas" panose="020B0609020204030204" pitchFamily="49" charset="0"/>
-                <a:cs typeface="Courier New" panose="02070309020205020404" pitchFamily="49" charset="0"/>
-              </a:rPr>
-              <a:t>print(fruits['apple'])</a:t>
-            </a:r>
-          </a:p>
-          <a:p>
-            <a:pPr marL="76200" indent="0">
-              <a:buNone/>
-            </a:pPr>
-            <a:r>
-              <a:rPr lang="en-US" sz="1100">
-                <a:latin typeface="Consolas" panose="020B0609020204030204" pitchFamily="49" charset="0"/>
-                <a:cs typeface="Courier New" panose="02070309020205020404" pitchFamily="49" charset="0"/>
-              </a:rPr>
-              <a:t>print('orange' in fruits)</a:t>
-            </a:r>
-          </a:p>
-          <a:p>
-            <a:pPr marL="76200" indent="0">
-              <a:buNone/>
-            </a:pPr>
-            <a:r>
-              <a:rPr lang="en-US" sz="1100">
-                <a:latin typeface="Consolas" panose="020B0609020204030204" pitchFamily="49" charset="0"/>
-                <a:cs typeface="Courier New" panose="02070309020205020404" pitchFamily="49" charset="0"/>
-              </a:rPr>
-              <a:t>print(len(fruits))</a:t>
-            </a:r>
-          </a:p>
-          <a:p>
-            <a:pPr marL="76200" indent="0">
-              <a:buNone/>
-            </a:pPr>
-            <a:r>
-              <a:rPr lang="en-US" sz="1100">
-                <a:latin typeface="Consolas" panose="020B0609020204030204" pitchFamily="49" charset="0"/>
-                <a:cs typeface="Courier New" panose="02070309020205020404" pitchFamily="49" charset="0"/>
-              </a:rPr>
-              <a:t>print(fruits</a:t>
+                <a:latin typeface="Consolas" panose="020B0609020204030204" pitchFamily="49" charset="0"/>
+                <a:cs typeface="Courier New" panose="02070309020205020404" pitchFamily="49" charset="0"/>
+              </a:rPr>
+              <a:t>if</a:t>
+            </a:r>
+            <a:r>
+              <a:rPr lang="en-US" sz="1100">
+                <a:latin typeface="Consolas" panose="020B0609020204030204" pitchFamily="49" charset="0"/>
+                <a:cs typeface="Courier New" panose="02070309020205020404" pitchFamily="49" charset="0"/>
+              </a:rPr>
+              <a:t> a &gt; b</a:t>
             </a:r>
             <a:r>
               <a:rPr lang="en-US" sz="1100">
@@ -16765,27 +16439,25 @@
                 <a:latin typeface="Consolas" panose="020B0609020204030204" pitchFamily="49" charset="0"/>
                 <a:cs typeface="Courier New" panose="02070309020205020404" pitchFamily="49" charset="0"/>
               </a:rPr>
-              <a:t>.keys()</a:t>
-            </a:r>
-            <a:r>
-              <a:rPr lang="en-US" sz="1100">
-                <a:latin typeface="Consolas" panose="020B0609020204030204" pitchFamily="49" charset="0"/>
-                <a:cs typeface="Courier New" panose="02070309020205020404" pitchFamily="49" charset="0"/>
-              </a:rPr>
-              <a:t>)</a:t>
-            </a:r>
-          </a:p>
-          <a:p>
-            <a:pPr marL="76200" indent="0">
-              <a:buNone/>
-            </a:pPr>
-            <a:r>
-              <a:rPr lang="en-US" sz="1100">
-                <a:latin typeface="Consolas" panose="020B0609020204030204" pitchFamily="49" charset="0"/>
-                <a:cs typeface="Courier New" panose="02070309020205020404" pitchFamily="49" charset="0"/>
-              </a:rPr>
-              <a:t>print(fruits</a:t>
-            </a:r>
+              <a:t>:</a:t>
+            </a:r>
+          </a:p>
+          <a:p>
+            <a:pPr marL="76200" indent="0">
+              <a:buNone/>
+            </a:pPr>
+            <a:r>
+              <a:rPr lang="en-US" sz="1100">
+                <a:latin typeface="Consolas" panose="020B0609020204030204" pitchFamily="49" charset="0"/>
+                <a:cs typeface="Courier New" panose="02070309020205020404" pitchFamily="49" charset="0"/>
+              </a:rPr>
+              <a:t>    print('a') </a:t>
+            </a:r>
+          </a:p>
+          <a:p>
+            <a:pPr marL="76200" indent="0">
+              <a:buNone/>
+            </a:pPr>
             <a:r>
               <a:rPr lang="en-US" sz="1100">
                 <a:solidFill>
@@ -16794,21 +16466,70 @@
                 <a:latin typeface="Consolas" panose="020B0609020204030204" pitchFamily="49" charset="0"/>
                 <a:cs typeface="Courier New" panose="02070309020205020404" pitchFamily="49" charset="0"/>
               </a:rPr>
-              <a:t>.values()</a:t>
-            </a:r>
-            <a:r>
-              <a:rPr lang="en-US" sz="1100">
-                <a:latin typeface="Consolas" panose="020B0609020204030204" pitchFamily="49" charset="0"/>
-                <a:cs typeface="Courier New" panose="02070309020205020404" pitchFamily="49" charset="0"/>
-              </a:rPr>
-              <a:t>)</a:t>
-            </a:r>
-          </a:p>
-          <a:p>
-            <a:pPr marL="76200" indent="0">
-              <a:buNone/>
-            </a:pPr>
-            <a:endParaRPr lang="en-US" sz="1200">
+              <a:t>elif</a:t>
+            </a:r>
+            <a:r>
+              <a:rPr lang="en-US" sz="1100">
+                <a:latin typeface="Consolas" panose="020B0609020204030204" pitchFamily="49" charset="0"/>
+                <a:cs typeface="Courier New" panose="02070309020205020404" pitchFamily="49" charset="0"/>
+              </a:rPr>
+              <a:t> a &lt; b</a:t>
+            </a:r>
+            <a:r>
+              <a:rPr lang="en-US" sz="1100">
+                <a:solidFill>
+                  <a:schemeClr val="accent1"/>
+                </a:solidFill>
+                <a:latin typeface="Consolas" panose="020B0609020204030204" pitchFamily="49" charset="0"/>
+                <a:cs typeface="Courier New" panose="02070309020205020404" pitchFamily="49" charset="0"/>
+              </a:rPr>
+              <a:t>:</a:t>
+            </a:r>
+          </a:p>
+          <a:p>
+            <a:pPr marL="76200" indent="0">
+              <a:buNone/>
+            </a:pPr>
+            <a:r>
+              <a:rPr lang="en-US" sz="1100">
+                <a:latin typeface="Consolas" panose="020B0609020204030204" pitchFamily="49" charset="0"/>
+                <a:cs typeface="Courier New" panose="02070309020205020404" pitchFamily="49" charset="0"/>
+              </a:rPr>
+              <a:t>    print('b')</a:t>
+            </a:r>
+          </a:p>
+          <a:p>
+            <a:pPr marL="76200" indent="0">
+              <a:buNone/>
+            </a:pPr>
+            <a:r>
+              <a:rPr lang="en-US" sz="1100">
+                <a:solidFill>
+                  <a:schemeClr val="accent1"/>
+                </a:solidFill>
+                <a:latin typeface="Consolas" panose="020B0609020204030204" pitchFamily="49" charset="0"/>
+                <a:cs typeface="Courier New" panose="02070309020205020404" pitchFamily="49" charset="0"/>
+              </a:rPr>
+              <a:t>else:</a:t>
+            </a:r>
+          </a:p>
+          <a:p>
+            <a:pPr marL="76200" indent="0">
+              <a:buNone/>
+            </a:pPr>
+            <a:r>
+              <a:rPr lang="en-US" sz="1100">
+                <a:latin typeface="Consolas" panose="020B0609020204030204" pitchFamily="49" charset="0"/>
+                <a:cs typeface="Courier New" panose="02070309020205020404" pitchFamily="49" charset="0"/>
+              </a:rPr>
+              <a:t>    print('=')</a:t>
+            </a:r>
+          </a:p>
+          <a:p>
+            <a:pPr marL="76200" indent="0">
+              <a:buNone/>
+            </a:pPr>
+            <a:endParaRPr lang="en-US" sz="1100">
               <a:latin typeface="Consolas" panose="020B0609020204030204" pitchFamily="49" charset="0"/>
               <a:cs typeface="Courier New" panose="02070309020205020404" pitchFamily="49" charset="0"/>
             </a:endParaRPr>
@@ -16819,43 +16540,99 @@
             </a:pPr>
             <a:r>
               <a:rPr lang="en-US" sz="1400"/>
-              <a:t>Update sets</a:t>
-            </a:r>
-          </a:p>
-          <a:p>
-            <a:pPr marL="76200" indent="0">
-              <a:buNone/>
-            </a:pPr>
-            <a:r>
-              <a:rPr lang="en-US" sz="1100">
-                <a:latin typeface="Consolas" panose="020B0609020204030204" pitchFamily="49" charset="0"/>
-                <a:cs typeface="Courier New" panose="02070309020205020404" pitchFamily="49" charset="0"/>
-              </a:rPr>
-              <a:t>fruits['apple'] = 'red'</a:t>
-            </a:r>
-          </a:p>
-          <a:p>
-            <a:pPr marL="76200" indent="0">
-              <a:buNone/>
-            </a:pPr>
-            <a:r>
-              <a:rPr lang="en-US" sz="1100">
-                <a:latin typeface="Consolas" panose="020B0609020204030204" pitchFamily="49" charset="0"/>
-                <a:cs typeface="Courier New" panose="02070309020205020404" pitchFamily="49" charset="0"/>
-              </a:rPr>
-              <a:t>fruits['kiwi'] = 'green'</a:t>
-            </a:r>
-          </a:p>
-          <a:p>
-            <a:pPr marL="76200" indent="0">
-              <a:buNone/>
-            </a:pPr>
-            <a:r>
-              <a:rPr lang="en-US" sz="1100">
-                <a:latin typeface="Consolas" panose="020B0609020204030204" pitchFamily="49" charset="0"/>
-                <a:cs typeface="Courier New" panose="02070309020205020404" pitchFamily="49" charset="0"/>
-              </a:rPr>
-              <a:t>fruits.pop('banana')</a:t>
+              <a:t>Shorthand if statement</a:t>
+            </a:r>
+          </a:p>
+          <a:p>
+            <a:pPr marL="76200" indent="0">
+              <a:buNone/>
+            </a:pPr>
+            <a:r>
+              <a:rPr lang="en-US" sz="1100">
+                <a:latin typeface="Consolas" panose="020B0609020204030204" pitchFamily="49" charset="0"/>
+                <a:cs typeface="Courier New" panose="02070309020205020404" pitchFamily="49" charset="0"/>
+              </a:rPr>
+              <a:t>a, b = 200, 100</a:t>
+            </a:r>
+          </a:p>
+          <a:p>
+            <a:pPr marL="76200" indent="0">
+              <a:buNone/>
+            </a:pPr>
+            <a:r>
+              <a:rPr lang="en-US" sz="1100">
+                <a:latin typeface="Consolas" panose="020B0609020204030204" pitchFamily="49" charset="0"/>
+                <a:cs typeface="Courier New" panose="02070309020205020404" pitchFamily="49" charset="0"/>
+              </a:rPr>
+              <a:t>print('a') </a:t>
+            </a:r>
+            <a:r>
+              <a:rPr lang="en-US" sz="1100">
+                <a:solidFill>
+                  <a:schemeClr val="accent1"/>
+                </a:solidFill>
+                <a:latin typeface="Consolas" panose="020B0609020204030204" pitchFamily="49" charset="0"/>
+                <a:cs typeface="Courier New" panose="02070309020205020404" pitchFamily="49" charset="0"/>
+              </a:rPr>
+              <a:t>if</a:t>
+            </a:r>
+            <a:r>
+              <a:rPr lang="en-US" sz="1100">
+                <a:latin typeface="Consolas" panose="020B0609020204030204" pitchFamily="49" charset="0"/>
+                <a:cs typeface="Courier New" panose="02070309020205020404" pitchFamily="49" charset="0"/>
+              </a:rPr>
+              <a:t> a &gt; b </a:t>
+            </a:r>
+            <a:r>
+              <a:rPr lang="en-US" sz="1100">
+                <a:solidFill>
+                  <a:schemeClr val="accent1"/>
+                </a:solidFill>
+                <a:latin typeface="Consolas" panose="020B0609020204030204" pitchFamily="49" charset="0"/>
+                <a:cs typeface="Courier New" panose="02070309020205020404" pitchFamily="49" charset="0"/>
+              </a:rPr>
+              <a:t>else</a:t>
+            </a:r>
+            <a:r>
+              <a:rPr lang="en-US" sz="1100">
+                <a:latin typeface="Consolas" panose="020B0609020204030204" pitchFamily="49" charset="0"/>
+                <a:cs typeface="Courier New" panose="02070309020205020404" pitchFamily="49" charset="0"/>
+              </a:rPr>
+              <a:t> print('b') </a:t>
+            </a:r>
+            <a:r>
+              <a:rPr lang="en-US" sz="1100">
+                <a:solidFill>
+                  <a:schemeClr val="accent1"/>
+                </a:solidFill>
+                <a:latin typeface="Consolas" panose="020B0609020204030204" pitchFamily="49" charset="0"/>
+                <a:cs typeface="Courier New" panose="02070309020205020404" pitchFamily="49" charset="0"/>
+              </a:rPr>
+              <a:t>if</a:t>
+            </a:r>
+            <a:r>
+              <a:rPr lang="en-US" sz="1100">
+                <a:latin typeface="Consolas" panose="020B0609020204030204" pitchFamily="49" charset="0"/>
+                <a:cs typeface="Courier New" panose="02070309020205020404" pitchFamily="49" charset="0"/>
+              </a:rPr>
+              <a:t> a &lt; b </a:t>
+            </a:r>
+            <a:r>
+              <a:rPr lang="en-US" sz="1100">
+                <a:solidFill>
+                  <a:schemeClr val="accent1"/>
+                </a:solidFill>
+                <a:latin typeface="Consolas" panose="020B0609020204030204" pitchFamily="49" charset="0"/>
+                <a:cs typeface="Courier New" panose="02070309020205020404" pitchFamily="49" charset="0"/>
+              </a:rPr>
+              <a:t>else</a:t>
+            </a:r>
+            <a:r>
+              <a:rPr lang="en-US" sz="1100">
+                <a:latin typeface="Consolas" panose="020B0609020204030204" pitchFamily="49" charset="0"/>
+                <a:cs typeface="Courier New" panose="02070309020205020404" pitchFamily="49" charset="0"/>
+              </a:rPr>
+              <a:t> print('=')</a:t>
             </a:r>
           </a:p>
         </p:txBody>
@@ -16898,10 +16675,39 @@
           </a:p>
         </p:txBody>
       </p:sp>
+      <p:pic>
+        <p:nvPicPr>
+          <p:cNvPr id="7" name="Picture 6">
+            <a:extLst>
+              <a:ext uri="{FF2B5EF4-FFF2-40B4-BE49-F238E27FC236}">
+                <a16:creationId xmlns:a16="http://schemas.microsoft.com/office/drawing/2014/main" id="{8356F0BA-8C8D-4448-B963-058407E96D8B}"/>
+              </a:ext>
+            </a:extLst>
+          </p:cNvPr>
+          <p:cNvPicPr>
+            <a:picLocks noChangeAspect="1"/>
+          </p:cNvPicPr>
+          <p:nvPr/>
+        </p:nvPicPr>
+        <p:blipFill rotWithShape="1">
+          <a:blip r:embed="rId2"/>
+          <a:srcRect l="2435" t="2330" r="11984" b="11509"/>
+          <a:stretch/>
+        </p:blipFill>
+        <p:spPr>
+          <a:xfrm>
+            <a:off x="5650612" y="1356255"/>
+            <a:ext cx="3028122" cy="3199135"/>
+          </a:xfrm>
+          <a:prstGeom prst="rect">
+            <a:avLst/>
+          </a:prstGeom>
+        </p:spPr>
+      </p:pic>
     </p:spTree>
     <p:extLst>
       <p:ext uri="{BB962C8B-B14F-4D97-AF65-F5344CB8AC3E}">
-        <p14:creationId xmlns:p14="http://schemas.microsoft.com/office/powerpoint/2010/main" val="1072694343"/>
+        <p14:creationId xmlns:p14="http://schemas.microsoft.com/office/powerpoint/2010/main" val="710221511"/>
       </p:ext>
     </p:extLst>
   </p:cSld>
@@ -16951,7 +16757,7 @@
           <a:p>
             <a:r>
               <a:rPr lang="en-US"/>
-              <a:t>If Statements</a:t>
+              <a:t>Nested If Statements</a:t>
             </a:r>
             <a:endParaRPr lang="fa-IR"/>
           </a:p>
@@ -16988,19 +16794,23 @@
             </a:pPr>
             <a:r>
               <a:rPr lang="en-US" sz="1400"/>
-              <a:t>If statement</a:t>
-            </a:r>
-          </a:p>
-          <a:p>
-            <a:pPr marL="76200" indent="0">
-              <a:buNone/>
-            </a:pPr>
-            <a:r>
-              <a:rPr lang="en-US" sz="1100">
-                <a:latin typeface="Consolas" panose="020B0609020204030204" pitchFamily="49" charset="0"/>
-                <a:cs typeface="Courier New" panose="02070309020205020404" pitchFamily="49" charset="0"/>
-              </a:rPr>
-              <a:t>a, b = 200, 100</a:t>
+              <a:t>Nested if</a:t>
+            </a:r>
+            <a:endParaRPr lang="en-US" sz="1200">
+              <a:latin typeface="Consolas" panose="020B0609020204030204" pitchFamily="49" charset="0"/>
+              <a:cs typeface="Courier New" panose="02070309020205020404" pitchFamily="49" charset="0"/>
+            </a:endParaRPr>
+          </a:p>
+          <a:p>
+            <a:pPr marL="76200" indent="0">
+              <a:buNone/>
+            </a:pPr>
+            <a:r>
+              <a:rPr lang="en-US" sz="1100">
+                <a:latin typeface="Consolas" panose="020B0609020204030204" pitchFamily="49" charset="0"/>
+                <a:cs typeface="Courier New" panose="02070309020205020404" pitchFamily="49" charset="0"/>
+              </a:rPr>
+              <a:t>score = 18</a:t>
             </a:r>
           </a:p>
           <a:p>
@@ -17022,7 +16832,31 @@
                 <a:latin typeface="Consolas" panose="020B0609020204030204" pitchFamily="49" charset="0"/>
                 <a:cs typeface="Courier New" panose="02070309020205020404" pitchFamily="49" charset="0"/>
               </a:rPr>
-              <a:t> a &gt; b</a:t>
+              <a:t> score &gt;= 10:</a:t>
+            </a:r>
+          </a:p>
+          <a:p>
+            <a:pPr marL="76200" indent="0">
+              <a:buNone/>
+            </a:pPr>
+            <a:r>
+              <a:rPr lang="en-US" sz="1100">
+                <a:latin typeface="Consolas" panose="020B0609020204030204" pitchFamily="49" charset="0"/>
+                <a:cs typeface="Courier New" panose="02070309020205020404" pitchFamily="49" charset="0"/>
+              </a:rPr>
+              <a:t>    print('Pass')</a:t>
+            </a:r>
+          </a:p>
+          <a:p>
+            <a:pPr marL="76200" indent="0">
+              <a:buNone/>
+            </a:pPr>
+            <a:r>
+              <a:rPr lang="en-US" sz="1100">
+                <a:latin typeface="Consolas" panose="020B0609020204030204" pitchFamily="49" charset="0"/>
+                <a:cs typeface="Courier New" panose="02070309020205020404" pitchFamily="49" charset="0"/>
+              </a:rPr>
+              <a:t>    </a:t>
             </a:r>
             <a:r>
               <a:rPr lang="en-US" sz="1100">
@@ -17032,25 +16866,39 @@
                 <a:latin typeface="Consolas" panose="020B0609020204030204" pitchFamily="49" charset="0"/>
                 <a:cs typeface="Courier New" panose="02070309020205020404" pitchFamily="49" charset="0"/>
               </a:rPr>
-              <a:t>:</a:t>
-            </a:r>
-          </a:p>
-          <a:p>
-            <a:pPr marL="76200" indent="0">
-              <a:buNone/>
-            </a:pPr>
-            <a:r>
-              <a:rPr lang="en-US" sz="1100">
-                <a:latin typeface="Consolas" panose="020B0609020204030204" pitchFamily="49" charset="0"/>
-                <a:cs typeface="Courier New" panose="02070309020205020404" pitchFamily="49" charset="0"/>
-              </a:rPr>
-              <a:t>    print('a') </a:t>
-            </a:r>
-          </a:p>
-          <a:p>
-            <a:pPr marL="76200" indent="0">
-              <a:buNone/>
-            </a:pPr>
+              <a:t>if</a:t>
+            </a:r>
+            <a:r>
+              <a:rPr lang="en-US" sz="1100">
+                <a:latin typeface="Consolas" panose="020B0609020204030204" pitchFamily="49" charset="0"/>
+                <a:cs typeface="Courier New" panose="02070309020205020404" pitchFamily="49" charset="0"/>
+              </a:rPr>
+              <a:t> score &gt;= 18:</a:t>
+            </a:r>
+          </a:p>
+          <a:p>
+            <a:pPr marL="76200" indent="0">
+              <a:buNone/>
+            </a:pPr>
+            <a:r>
+              <a:rPr lang="en-US" sz="1100">
+                <a:latin typeface="Consolas" panose="020B0609020204030204" pitchFamily="49" charset="0"/>
+                <a:cs typeface="Courier New" panose="02070309020205020404" pitchFamily="49" charset="0"/>
+              </a:rPr>
+              <a:t>        print('with grade A!')</a:t>
+            </a:r>
+          </a:p>
+          <a:p>
+            <a:pPr marL="76200" indent="0">
+              <a:buNone/>
+            </a:pPr>
+            <a:r>
+              <a:rPr lang="en-US" sz="1100">
+                <a:latin typeface="Consolas" panose="020B0609020204030204" pitchFamily="49" charset="0"/>
+                <a:cs typeface="Courier New" panose="02070309020205020404" pitchFamily="49" charset="0"/>
+              </a:rPr>
+              <a:t>    </a:t>
+            </a:r>
             <a:r>
               <a:rPr lang="en-US" sz="1100">
                 <a:solidFill>
@@ -17066,7 +16914,31 @@
                 <a:latin typeface="Consolas" panose="020B0609020204030204" pitchFamily="49" charset="0"/>
                 <a:cs typeface="Courier New" panose="02070309020205020404" pitchFamily="49" charset="0"/>
               </a:rPr>
-              <a:t> a &lt; b</a:t>
+              <a:t> score &gt;= 15:</a:t>
+            </a:r>
+          </a:p>
+          <a:p>
+            <a:pPr marL="76200" indent="0">
+              <a:buNone/>
+            </a:pPr>
+            <a:r>
+              <a:rPr lang="en-US" sz="1100">
+                <a:latin typeface="Consolas" panose="020B0609020204030204" pitchFamily="49" charset="0"/>
+                <a:cs typeface="Courier New" panose="02070309020205020404" pitchFamily="49" charset="0"/>
+              </a:rPr>
+              <a:t>        print('with grade B!')</a:t>
+            </a:r>
+          </a:p>
+          <a:p>
+            <a:pPr marL="76200" indent="0">
+              <a:buNone/>
+            </a:pPr>
+            <a:r>
+              <a:rPr lang="en-US" sz="1100">
+                <a:latin typeface="Consolas" panose="020B0609020204030204" pitchFamily="49" charset="0"/>
+                <a:cs typeface="Courier New" panose="02070309020205020404" pitchFamily="49" charset="0"/>
+              </a:rPr>
+              <a:t>    </a:t>
             </a:r>
             <a:r>
               <a:rPr lang="en-US" sz="1100">
@@ -17076,25 +16948,39 @@
                 <a:latin typeface="Consolas" panose="020B0609020204030204" pitchFamily="49" charset="0"/>
                 <a:cs typeface="Courier New" panose="02070309020205020404" pitchFamily="49" charset="0"/>
               </a:rPr>
-              <a:t>:</a:t>
-            </a:r>
-          </a:p>
-          <a:p>
-            <a:pPr marL="76200" indent="0">
-              <a:buNone/>
-            </a:pPr>
-            <a:r>
-              <a:rPr lang="en-US" sz="1100">
-                <a:latin typeface="Consolas" panose="020B0609020204030204" pitchFamily="49" charset="0"/>
-                <a:cs typeface="Courier New" panose="02070309020205020404" pitchFamily="49" charset="0"/>
-              </a:rPr>
-              <a:t>    print('b')</a:t>
-            </a:r>
-          </a:p>
-          <a:p>
-            <a:pPr marL="76200" indent="0">
-              <a:buNone/>
-            </a:pPr>
+              <a:t>elif</a:t>
+            </a:r>
+            <a:r>
+              <a:rPr lang="en-US" sz="1100">
+                <a:latin typeface="Consolas" panose="020B0609020204030204" pitchFamily="49" charset="0"/>
+                <a:cs typeface="Courier New" panose="02070309020205020404" pitchFamily="49" charset="0"/>
+              </a:rPr>
+              <a:t> score &gt;= 12:</a:t>
+            </a:r>
+          </a:p>
+          <a:p>
+            <a:pPr marL="76200" indent="0">
+              <a:buNone/>
+            </a:pPr>
+            <a:r>
+              <a:rPr lang="en-US" sz="1100">
+                <a:latin typeface="Consolas" panose="020B0609020204030204" pitchFamily="49" charset="0"/>
+                <a:cs typeface="Courier New" panose="02070309020205020404" pitchFamily="49" charset="0"/>
+              </a:rPr>
+              <a:t>        print('with grade C!')</a:t>
+            </a:r>
+          </a:p>
+          <a:p>
+            <a:pPr marL="76200" indent="0">
+              <a:buNone/>
+            </a:pPr>
+            <a:r>
+              <a:rPr lang="en-US" sz="1100">
+                <a:latin typeface="Consolas" panose="020B0609020204030204" pitchFamily="49" charset="0"/>
+                <a:cs typeface="Courier New" panose="02070309020205020404" pitchFamily="49" charset="0"/>
+              </a:rPr>
+              <a:t>    </a:t>
+            </a:r>
             <a:r>
               <a:rPr lang="en-US" sz="1100">
                 <a:solidFill>
@@ -17103,62 +16989,32 @@
                 <a:latin typeface="Consolas" panose="020B0609020204030204" pitchFamily="49" charset="0"/>
                 <a:cs typeface="Courier New" panose="02070309020205020404" pitchFamily="49" charset="0"/>
               </a:rPr>
-              <a:t>else:</a:t>
-            </a:r>
-          </a:p>
-          <a:p>
-            <a:pPr marL="76200" indent="0">
-              <a:buNone/>
-            </a:pPr>
-            <a:r>
-              <a:rPr lang="en-US" sz="1100">
-                <a:latin typeface="Consolas" panose="020B0609020204030204" pitchFamily="49" charset="0"/>
-                <a:cs typeface="Courier New" panose="02070309020205020404" pitchFamily="49" charset="0"/>
-              </a:rPr>
-              <a:t>    print('=')</a:t>
-            </a:r>
-          </a:p>
-          <a:p>
-            <a:pPr marL="76200" indent="0">
-              <a:buNone/>
-            </a:pPr>
-            <a:endParaRPr lang="en-US" sz="1100">
-              <a:latin typeface="Consolas" panose="020B0609020204030204" pitchFamily="49" charset="0"/>
-              <a:cs typeface="Courier New" panose="02070309020205020404" pitchFamily="49" charset="0"/>
-            </a:endParaRPr>
-          </a:p>
-          <a:p>
-            <a:pPr marL="76200" indent="0">
-              <a:buNone/>
-            </a:pPr>
-            <a:r>
-              <a:rPr lang="en-US" sz="1400"/>
-              <a:t>Shorthand if statement</a:t>
-            </a:r>
-          </a:p>
-          <a:p>
-            <a:pPr marL="76200" indent="0">
-              <a:buNone/>
-            </a:pPr>
-            <a:r>
-              <a:rPr lang="en-US" sz="1100">
-                <a:latin typeface="Consolas" panose="020B0609020204030204" pitchFamily="49" charset="0"/>
-                <a:cs typeface="Courier New" panose="02070309020205020404" pitchFamily="49" charset="0"/>
-              </a:rPr>
-              <a:t>a, b = 200, 100</a:t>
-            </a:r>
-          </a:p>
-          <a:p>
-            <a:pPr marL="76200" indent="0">
-              <a:buNone/>
-            </a:pPr>
-            <a:r>
-              <a:rPr lang="en-US" sz="1100">
-                <a:latin typeface="Consolas" panose="020B0609020204030204" pitchFamily="49" charset="0"/>
-                <a:cs typeface="Courier New" panose="02070309020205020404" pitchFamily="49" charset="0"/>
-              </a:rPr>
-              <a:t>print('a') </a:t>
-            </a:r>
+              <a:t>else</a:t>
+            </a:r>
+            <a:r>
+              <a:rPr lang="en-US" sz="1100">
+                <a:latin typeface="Consolas" panose="020B0609020204030204" pitchFamily="49" charset="0"/>
+                <a:cs typeface="Courier New" panose="02070309020205020404" pitchFamily="49" charset="0"/>
+              </a:rPr>
+              <a:t>:</a:t>
+            </a:r>
+          </a:p>
+          <a:p>
+            <a:pPr marL="76200" indent="0">
+              <a:buNone/>
+            </a:pPr>
+            <a:r>
+              <a:rPr lang="en-US" sz="1100">
+                <a:latin typeface="Consolas" panose="020B0609020204030204" pitchFamily="49" charset="0"/>
+                <a:cs typeface="Courier New" panose="02070309020205020404" pitchFamily="49" charset="0"/>
+              </a:rPr>
+              <a:t>        print('with grade D!')</a:t>
+            </a:r>
+          </a:p>
+          <a:p>
+            <a:pPr marL="76200" indent="0">
+              <a:buNone/>
+            </a:pPr>
             <a:r>
               <a:rPr lang="en-US" sz="1100">
                 <a:solidFill>
@@ -17167,23 +17023,6 @@
                 <a:latin typeface="Consolas" panose="020B0609020204030204" pitchFamily="49" charset="0"/>
                 <a:cs typeface="Courier New" panose="02070309020205020404" pitchFamily="49" charset="0"/>
               </a:rPr>
-              <a:t>if</a:t>
-            </a:r>
-            <a:r>
-              <a:rPr lang="en-US" sz="1100">
-                <a:latin typeface="Consolas" panose="020B0609020204030204" pitchFamily="49" charset="0"/>
-                <a:cs typeface="Courier New" panose="02070309020205020404" pitchFamily="49" charset="0"/>
-              </a:rPr>
-              <a:t> a &gt; b </a:t>
-            </a:r>
-            <a:r>
-              <a:rPr lang="en-US" sz="1100">
-                <a:solidFill>
-                  <a:schemeClr val="accent1"/>
-                </a:solidFill>
-                <a:latin typeface="Consolas" panose="020B0609020204030204" pitchFamily="49" charset="0"/>
-                <a:cs typeface="Courier New" panose="02070309020205020404" pitchFamily="49" charset="0"/>
-              </a:rPr>
               <a:t>else</a:t>
             </a:r>
             <a:r>
@@ -17191,41 +17030,19 @@
                 <a:latin typeface="Consolas" panose="020B0609020204030204" pitchFamily="49" charset="0"/>
                 <a:cs typeface="Courier New" panose="02070309020205020404" pitchFamily="49" charset="0"/>
               </a:rPr>
-              <a:t> print('b') </a:t>
-            </a:r>
-            <a:r>
-              <a:rPr lang="en-US" sz="1100">
-                <a:solidFill>
-                  <a:schemeClr val="accent1"/>
-                </a:solidFill>
-                <a:latin typeface="Consolas" panose="020B0609020204030204" pitchFamily="49" charset="0"/>
-                <a:cs typeface="Courier New" panose="02070309020205020404" pitchFamily="49" charset="0"/>
-              </a:rPr>
-              <a:t>if</a:t>
-            </a:r>
-            <a:r>
-              <a:rPr lang="en-US" sz="1100">
-                <a:latin typeface="Consolas" panose="020B0609020204030204" pitchFamily="49" charset="0"/>
-                <a:cs typeface="Courier New" panose="02070309020205020404" pitchFamily="49" charset="0"/>
-              </a:rPr>
-              <a:t> a &lt; b </a:t>
-            </a:r>
-            <a:r>
-              <a:rPr lang="en-US" sz="1100">
-                <a:solidFill>
-                  <a:schemeClr val="accent1"/>
-                </a:solidFill>
-                <a:latin typeface="Consolas" panose="020B0609020204030204" pitchFamily="49" charset="0"/>
-                <a:cs typeface="Courier New" panose="02070309020205020404" pitchFamily="49" charset="0"/>
-              </a:rPr>
-              <a:t>else</a:t>
-            </a:r>
-            <a:r>
-              <a:rPr lang="en-US" sz="1100">
-                <a:latin typeface="Consolas" panose="020B0609020204030204" pitchFamily="49" charset="0"/>
-                <a:cs typeface="Courier New" panose="02070309020205020404" pitchFamily="49" charset="0"/>
-              </a:rPr>
-              <a:t> print('=')</a:t>
+              <a:t>:</a:t>
+            </a:r>
+          </a:p>
+          <a:p>
+            <a:pPr marL="76200" indent="0">
+              <a:buNone/>
+            </a:pPr>
+            <a:r>
+              <a:rPr lang="en-US" sz="1100">
+                <a:latin typeface="Consolas" panose="020B0609020204030204" pitchFamily="49" charset="0"/>
+                <a:cs typeface="Courier New" panose="02070309020205020404" pitchFamily="49" charset="0"/>
+              </a:rPr>
+              <a:t>    print('Fail!')</a:t>
             </a:r>
           </a:p>
         </p:txBody>
@@ -17268,39 +17085,10 @@
           </a:p>
         </p:txBody>
       </p:sp>
-      <p:pic>
-        <p:nvPicPr>
-          <p:cNvPr id="7" name="Picture 6">
-            <a:extLst>
-              <a:ext uri="{FF2B5EF4-FFF2-40B4-BE49-F238E27FC236}">
-                <a16:creationId xmlns:a16="http://schemas.microsoft.com/office/drawing/2014/main" id="{8356F0BA-8C8D-4448-B963-058407E96D8B}"/>
-              </a:ext>
-            </a:extLst>
-          </p:cNvPr>
-          <p:cNvPicPr>
-            <a:picLocks noChangeAspect="1"/>
-          </p:cNvPicPr>
-          <p:nvPr/>
-        </p:nvPicPr>
-        <p:blipFill rotWithShape="1">
-          <a:blip r:embed="rId2"/>
-          <a:srcRect l="2435" t="2330" r="11984" b="11509"/>
-          <a:stretch/>
-        </p:blipFill>
-        <p:spPr>
-          <a:xfrm>
-            <a:off x="5650612" y="1356255"/>
-            <a:ext cx="3028122" cy="3199135"/>
-          </a:xfrm>
-          <a:prstGeom prst="rect">
-            <a:avLst/>
-          </a:prstGeom>
-        </p:spPr>
-      </p:pic>
     </p:spTree>
     <p:extLst>
       <p:ext uri="{BB962C8B-B14F-4D97-AF65-F5344CB8AC3E}">
-        <p14:creationId xmlns:p14="http://schemas.microsoft.com/office/powerpoint/2010/main" val="710221511"/>
+        <p14:creationId xmlns:p14="http://schemas.microsoft.com/office/powerpoint/2010/main" val="3273535352"/>
       </p:ext>
     </p:extLst>
   </p:cSld>
@@ -17311,7 +17099,7 @@
 </file>
 
 <file path=ppt/slides/slide24.xml><?xml version="1.0" encoding="utf-8"?>
-<p:sld xmlns:a="http://schemas.openxmlformats.org/drawingml/2006/main" xmlns:r="http://schemas.openxmlformats.org/officeDocument/2006/relationships" xmlns:p="http://schemas.openxmlformats.org/presentationml/2006/main">
+<p:sld xmlns:a="http://schemas.openxmlformats.org/drawingml/2006/main" xmlns:r="http://schemas.openxmlformats.org/officeDocument/2006/relationships" xmlns:p="http://schemas.openxmlformats.org/presentationml/2006/main" show="0">
   <p:cSld>
     <p:spTree>
       <p:nvGrpSpPr>
@@ -17350,7 +17138,7 @@
           <a:p>
             <a:r>
               <a:rPr lang="en-US"/>
-              <a:t>Nested If Statements</a:t>
+              <a:t>Match Case</a:t>
             </a:r>
             <a:endParaRPr lang="fa-IR"/>
           </a:p>
@@ -17387,7 +17175,7 @@
             </a:pPr>
             <a:r>
               <a:rPr lang="en-US" sz="1400"/>
-              <a:t>Nested if</a:t>
+              <a:t>switch statement</a:t>
             </a:r>
             <a:endParaRPr lang="en-US" sz="1200">
               <a:latin typeface="Consolas" panose="020B0609020204030204" pitchFamily="49" charset="0"/>
@@ -17403,151 +17191,139 @@
                 <a:latin typeface="Consolas" panose="020B0609020204030204" pitchFamily="49" charset="0"/>
                 <a:cs typeface="Courier New" panose="02070309020205020404" pitchFamily="49" charset="0"/>
               </a:rPr>
-              <a:t>score = 18</a:t>
-            </a:r>
-          </a:p>
-          <a:p>
-            <a:pPr marL="76200" indent="0">
-              <a:buNone/>
-            </a:pPr>
-            <a:r>
-              <a:rPr lang="en-US" sz="1100">
-                <a:latin typeface="Consolas" panose="020B0609020204030204" pitchFamily="49" charset="0"/>
-                <a:cs typeface="Courier New" panose="02070309020205020404" pitchFamily="49" charset="0"/>
-              </a:rPr>
-              <a:t>if score &gt;= 10:</a:t>
-            </a:r>
-          </a:p>
-          <a:p>
-            <a:pPr marL="76200" indent="0">
-              <a:buNone/>
-            </a:pPr>
-            <a:r>
-              <a:rPr lang="en-US" sz="1100">
-                <a:latin typeface="Consolas" panose="020B0609020204030204" pitchFamily="49" charset="0"/>
-                <a:cs typeface="Courier New" panose="02070309020205020404" pitchFamily="49" charset="0"/>
-              </a:rPr>
-              <a:t>    print('Pass')</a:t>
-            </a:r>
-          </a:p>
-          <a:p>
-            <a:pPr marL="76200" indent="0">
-              <a:buNone/>
-            </a:pPr>
-            <a:r>
-              <a:rPr lang="en-US" sz="1100">
-                <a:latin typeface="Consolas" panose="020B0609020204030204" pitchFamily="49" charset="0"/>
-                <a:cs typeface="Courier New" panose="02070309020205020404" pitchFamily="49" charset="0"/>
-              </a:rPr>
-              <a:t>    if score &gt;= 18:</a:t>
-            </a:r>
-          </a:p>
-          <a:p>
-            <a:pPr marL="76200" indent="0">
-              <a:buNone/>
-            </a:pPr>
-            <a:r>
-              <a:rPr lang="en-US" sz="1100">
-                <a:latin typeface="Consolas" panose="020B0609020204030204" pitchFamily="49" charset="0"/>
-                <a:cs typeface="Courier New" panose="02070309020205020404" pitchFamily="49" charset="0"/>
-              </a:rPr>
-              <a:t>        print('with grade A!')</a:t>
-            </a:r>
-          </a:p>
-          <a:p>
-            <a:pPr marL="76200" indent="0">
-              <a:buNone/>
-            </a:pPr>
-            <a:r>
-              <a:rPr lang="en-US" sz="1100">
-                <a:latin typeface="Consolas" panose="020B0609020204030204" pitchFamily="49" charset="0"/>
-                <a:cs typeface="Courier New" panose="02070309020205020404" pitchFamily="49" charset="0"/>
-              </a:rPr>
-              <a:t>    elif score &gt;= 15:</a:t>
-            </a:r>
-          </a:p>
-          <a:p>
-            <a:pPr marL="76200" indent="0">
-              <a:buNone/>
-            </a:pPr>
-            <a:r>
-              <a:rPr lang="en-US" sz="1100">
-                <a:latin typeface="Consolas" panose="020B0609020204030204" pitchFamily="49" charset="0"/>
-                <a:cs typeface="Courier New" panose="02070309020205020404" pitchFamily="49" charset="0"/>
-              </a:rPr>
-              <a:t>        print('with grade B!')</a:t>
-            </a:r>
-          </a:p>
-          <a:p>
-            <a:pPr marL="76200" indent="0">
-              <a:buNone/>
-            </a:pPr>
-            <a:r>
-              <a:rPr lang="en-US" sz="1100">
-                <a:latin typeface="Consolas" panose="020B0609020204030204" pitchFamily="49" charset="0"/>
-                <a:cs typeface="Courier New" panose="02070309020205020404" pitchFamily="49" charset="0"/>
-              </a:rPr>
-              <a:t>    elif score &gt;= 12:</a:t>
-            </a:r>
-          </a:p>
-          <a:p>
-            <a:pPr marL="76200" indent="0">
-              <a:buNone/>
-            </a:pPr>
-            <a:r>
-              <a:rPr lang="en-US" sz="1100">
-                <a:latin typeface="Consolas" panose="020B0609020204030204" pitchFamily="49" charset="0"/>
-                <a:cs typeface="Courier New" panose="02070309020205020404" pitchFamily="49" charset="0"/>
-              </a:rPr>
-              <a:t>        print('with grade C!')</a:t>
-            </a:r>
-          </a:p>
-          <a:p>
-            <a:pPr marL="76200" indent="0">
-              <a:buNone/>
-            </a:pPr>
-            <a:r>
-              <a:rPr lang="en-US" sz="1100">
-                <a:latin typeface="Consolas" panose="020B0609020204030204" pitchFamily="49" charset="0"/>
-                <a:cs typeface="Courier New" panose="02070309020205020404" pitchFamily="49" charset="0"/>
-              </a:rPr>
-              <a:t>    else:</a:t>
-            </a:r>
-          </a:p>
-          <a:p>
-            <a:pPr marL="76200" indent="0">
-              <a:buNone/>
-            </a:pPr>
-            <a:r>
-              <a:rPr lang="en-US" sz="1100">
-                <a:latin typeface="Consolas" panose="020B0609020204030204" pitchFamily="49" charset="0"/>
-                <a:cs typeface="Courier New" panose="02070309020205020404" pitchFamily="49" charset="0"/>
-              </a:rPr>
-              <a:t>        print('with grade D!')</a:t>
-            </a:r>
-          </a:p>
-          <a:p>
-            <a:pPr marL="76200" indent="0">
-              <a:buNone/>
-            </a:pPr>
-            <a:r>
-              <a:rPr lang="en-US" sz="1100">
-                <a:latin typeface="Consolas" panose="020B0609020204030204" pitchFamily="49" charset="0"/>
-                <a:cs typeface="Courier New" panose="02070309020205020404" pitchFamily="49" charset="0"/>
-              </a:rPr>
-              <a:t>else:</a:t>
-            </a:r>
-          </a:p>
-          <a:p>
-            <a:pPr marL="76200" indent="0">
-              <a:buNone/>
-            </a:pPr>
-            <a:r>
-              <a:rPr lang="en-US" sz="1100">
-                <a:latin typeface="Consolas" panose="020B0609020204030204" pitchFamily="49" charset="0"/>
-                <a:cs typeface="Courier New" panose="02070309020205020404" pitchFamily="49" charset="0"/>
-              </a:rPr>
-              <a:t>    print('Fail!')</a:t>
+              <a:t>language = input('What is the programming language you want to learn? ')</a:t>
+            </a:r>
+          </a:p>
+          <a:p>
+            <a:pPr marL="76200" indent="0">
+              <a:buNone/>
+            </a:pPr>
+            <a:r>
+              <a:rPr lang="en-US" sz="1100">
+                <a:latin typeface="Consolas" panose="020B0609020204030204" pitchFamily="49" charset="0"/>
+                <a:cs typeface="Courier New" panose="02070309020205020404" pitchFamily="49" charset="0"/>
+              </a:rPr>
+              <a:t>match language:</a:t>
+            </a:r>
+          </a:p>
+          <a:p>
+            <a:pPr marL="76200" indent="0">
+              <a:buNone/>
+            </a:pPr>
+            <a:r>
+              <a:rPr lang="en-US" sz="1100">
+                <a:latin typeface="Consolas" panose="020B0609020204030204" pitchFamily="49" charset="0"/>
+                <a:cs typeface="Courier New" panose="02070309020205020404" pitchFamily="49" charset="0"/>
+              </a:rPr>
+              <a:t>    case 'JavaScript':</a:t>
+            </a:r>
+          </a:p>
+          <a:p>
+            <a:pPr marL="76200" indent="0">
+              <a:buNone/>
+            </a:pPr>
+            <a:r>
+              <a:rPr lang="en-US" sz="1100">
+                <a:latin typeface="Consolas" panose="020B0609020204030204" pitchFamily="49" charset="0"/>
+                <a:cs typeface="Courier New" panose="02070309020205020404" pitchFamily="49" charset="0"/>
+              </a:rPr>
+              <a:t>        print("You can become a web developer.")</a:t>
+            </a:r>
+          </a:p>
+          <a:p>
+            <a:pPr marL="76200" indent="0">
+              <a:buNone/>
+            </a:pPr>
+            <a:r>
+              <a:rPr lang="en-US" sz="1100">
+                <a:latin typeface="Consolas" panose="020B0609020204030204" pitchFamily="49" charset="0"/>
+                <a:cs typeface="Courier New" panose="02070309020205020404" pitchFamily="49" charset="0"/>
+              </a:rPr>
+              <a:t>    case 'Python':</a:t>
+            </a:r>
+          </a:p>
+          <a:p>
+            <a:pPr marL="76200" indent="0">
+              <a:buNone/>
+            </a:pPr>
+            <a:r>
+              <a:rPr lang="en-US" sz="1100">
+                <a:latin typeface="Consolas" panose="020B0609020204030204" pitchFamily="49" charset="0"/>
+                <a:cs typeface="Courier New" panose="02070309020205020404" pitchFamily="49" charset="0"/>
+              </a:rPr>
+              <a:t>        print("You can become a Data Scientist")</a:t>
+            </a:r>
+          </a:p>
+          <a:p>
+            <a:pPr marL="76200" indent="0">
+              <a:buNone/>
+            </a:pPr>
+            <a:r>
+              <a:rPr lang="en-US" sz="1100">
+                <a:latin typeface="Consolas" panose="020B0609020204030204" pitchFamily="49" charset="0"/>
+                <a:cs typeface="Courier New" panose="02070309020205020404" pitchFamily="49" charset="0"/>
+              </a:rPr>
+              <a:t>    case 'PHP':</a:t>
+            </a:r>
+          </a:p>
+          <a:p>
+            <a:pPr marL="76200" indent="0">
+              <a:buNone/>
+            </a:pPr>
+            <a:r>
+              <a:rPr lang="en-US" sz="1100">
+                <a:latin typeface="Consolas" panose="020B0609020204030204" pitchFamily="49" charset="0"/>
+                <a:cs typeface="Courier New" panose="02070309020205020404" pitchFamily="49" charset="0"/>
+              </a:rPr>
+              <a:t>        print("You can become a backend developer")</a:t>
+            </a:r>
+          </a:p>
+          <a:p>
+            <a:pPr marL="76200" indent="0">
+              <a:buNone/>
+            </a:pPr>
+            <a:r>
+              <a:rPr lang="en-US" sz="1100">
+                <a:latin typeface="Consolas" panose="020B0609020204030204" pitchFamily="49" charset="0"/>
+                <a:cs typeface="Courier New" panose="02070309020205020404" pitchFamily="49" charset="0"/>
+              </a:rPr>
+              <a:t>    case 'Solidity':</a:t>
+            </a:r>
+          </a:p>
+          <a:p>
+            <a:pPr marL="76200" indent="0">
+              <a:buNone/>
+            </a:pPr>
+            <a:r>
+              <a:rPr lang="en-US" sz="1100">
+                <a:latin typeface="Consolas" panose="020B0609020204030204" pitchFamily="49" charset="0"/>
+                <a:cs typeface="Courier New" panose="02070309020205020404" pitchFamily="49" charset="0"/>
+              </a:rPr>
+              <a:t>        print("You can become a Blockchain developer")</a:t>
+            </a:r>
+          </a:p>
+          <a:p>
+            <a:pPr marL="76200" indent="0">
+              <a:buNone/>
+            </a:pPr>
+            <a:r>
+              <a:rPr lang="en-US" sz="1100">
+                <a:latin typeface="Consolas" panose="020B0609020204030204" pitchFamily="49" charset="0"/>
+                <a:cs typeface="Courier New" panose="02070309020205020404" pitchFamily="49" charset="0"/>
+              </a:rPr>
+              <a:t>    case _:</a:t>
+            </a:r>
+          </a:p>
+          <a:p>
+            <a:pPr marL="76200" indent="0">
+              <a:buNone/>
+            </a:pPr>
+            <a:r>
+              <a:rPr lang="en-US" sz="1100">
+                <a:latin typeface="Consolas" panose="020B0609020204030204" pitchFamily="49" charset="0"/>
+                <a:cs typeface="Courier New" panose="02070309020205020404" pitchFamily="49" charset="0"/>
+              </a:rPr>
+              <a:t>        print("The language doesn't matter, what matters is solving problems.")</a:t>
             </a:r>
           </a:p>
         </p:txBody>
@@ -17593,7 +17369,7 @@
     </p:spTree>
     <p:extLst>
       <p:ext uri="{BB962C8B-B14F-4D97-AF65-F5344CB8AC3E}">
-        <p14:creationId xmlns:p14="http://schemas.microsoft.com/office/powerpoint/2010/main" val="3273535352"/>
+        <p14:creationId xmlns:p14="http://schemas.microsoft.com/office/powerpoint/2010/main" val="3788890202"/>
       </p:ext>
     </p:extLst>
   </p:cSld>
@@ -21079,18 +20855,9 @@
             </a:endParaRPr>
           </a:p>
           <a:p>
-            <a:pPr marL="0" lvl="0" indent="0" algn="ctr" rtl="0">
-              <a:spcBef>
-                <a:spcPts val="0"/>
-              </a:spcBef>
-              <a:spcAft>
-                <a:spcPts val="0"/>
-              </a:spcAft>
-              <a:buNone/>
-            </a:pPr>
-            <a:r>
-              <a:rPr lang="en"/>
-              <a:t>NumPy</a:t>
+            <a:r>
+              <a:rPr lang="en-US" b="1"/>
+              <a:t>Python Modules</a:t>
             </a:r>
             <a:endParaRPr/>
           </a:p>
@@ -21190,12 +20957,8 @@
           <a:lstStyle/>
           <a:p>
             <a:r>
-              <a:rPr lang="en-US" err="1"/>
-              <a:t>Numpy</a:t>
-            </a:r>
-            <a:r>
               <a:rPr lang="en-US"/>
-              <a:t> Introduction</a:t>
+              <a:t>Modules Introduction</a:t>
             </a:r>
             <a:endParaRPr lang="fa-IR"/>
           </a:p>
@@ -21232,22 +20995,7 @@
             </a:pPr>
             <a:r>
               <a:rPr lang="en-US" sz="1400"/>
-              <a:t>NumPy is a Python library used for working with arrays.</a:t>
-            </a:r>
-          </a:p>
-          <a:p>
-            <a:pPr marL="76200" indent="0">
-              <a:buNone/>
-            </a:pPr>
-            <a:endParaRPr lang="en-US" sz="1400"/>
-          </a:p>
-          <a:p>
-            <a:pPr marL="76200" indent="0">
-              <a:buNone/>
-            </a:pPr>
-            <a:r>
-              <a:rPr lang="en-US" sz="1400"/>
-              <a:t>NumPy is short for Numerical Python.</a:t>
+              <a:t>.</a:t>
             </a:r>
           </a:p>
         </p:txBody>
@@ -21293,7 +21041,7 @@
     </p:spTree>
     <p:extLst>
       <p:ext uri="{BB962C8B-B14F-4D97-AF65-F5344CB8AC3E}">
-        <p14:creationId xmlns:p14="http://schemas.microsoft.com/office/powerpoint/2010/main" val="4156460407"/>
+        <p14:creationId xmlns:p14="http://schemas.microsoft.com/office/powerpoint/2010/main" val="3825030696"/>
       </p:ext>
     </p:extLst>
   </p:cSld>
@@ -21308,7 +21056,7 @@
   <p:cSld>
     <p:spTree>
       <p:nvGrpSpPr>
-        <p:cNvPr id="1" name="Shape 96"/>
+        <p:cNvPr id="1" name=""/>
         <p:cNvGrpSpPr/>
         <p:nvPr/>
       </p:nvGrpSpPr>
@@ -21322,93 +21070,88 @@
       </p:grpSpPr>
       <p:sp>
         <p:nvSpPr>
-          <p:cNvPr id="97" name="Google Shape;97;p15"/>
-          <p:cNvSpPr txBox="1">
+          <p:cNvPr id="2" name="Title 1">
+            <a:extLst>
+              <a:ext uri="{FF2B5EF4-FFF2-40B4-BE49-F238E27FC236}">
+                <a16:creationId xmlns:a16="http://schemas.microsoft.com/office/drawing/2014/main" id="{024AD384-5AD1-4435-A943-1241B2FACD62}"/>
+              </a:ext>
+            </a:extLst>
+          </p:cNvPr>
+          <p:cNvSpPr>
             <a:spLocks noGrp="1"/>
           </p:cNvSpPr>
           <p:nvPr>
-            <p:ph type="ctrTitle"/>
+            <p:ph type="title"/>
+          </p:nvPr>
+        </p:nvSpPr>
+        <p:spPr/>
+        <p:txBody>
+          <a:bodyPr/>
+          <a:lstStyle/>
+          <a:p>
+            <a:r>
+              <a:rPr lang="en"/>
+              <a:t>Math</a:t>
+            </a:r>
+            <a:endParaRPr lang="fa-IR"/>
+          </a:p>
+        </p:txBody>
+      </p:sp>
+      <p:sp>
+        <p:nvSpPr>
+          <p:cNvPr id="3" name="Text Placeholder 2">
+            <a:extLst>
+              <a:ext uri="{FF2B5EF4-FFF2-40B4-BE49-F238E27FC236}">
+                <a16:creationId xmlns:a16="http://schemas.microsoft.com/office/drawing/2014/main" id="{58BE3078-8B89-4550-B497-93E4DADBD57E}"/>
+              </a:ext>
+            </a:extLst>
+          </p:cNvPr>
+          <p:cNvSpPr>
+            <a:spLocks noGrp="1"/>
+          </p:cNvSpPr>
+          <p:nvPr>
+            <p:ph type="body" idx="1"/>
           </p:nvPr>
         </p:nvSpPr>
         <p:spPr>
           <a:xfrm>
-            <a:off x="1655700" y="1991850"/>
-            <a:ext cx="5832600" cy="1159800"/>
+            <a:off x="786150" y="1142608"/>
+            <a:ext cx="7571700" cy="3626431"/>
           </a:xfrm>
-          <a:prstGeom prst="rect">
-            <a:avLst/>
-          </a:prstGeom>
         </p:spPr>
         <p:txBody>
-          <a:bodyPr spcFirstLastPara="1" wrap="square" lIns="91425" tIns="91425" rIns="91425" bIns="91425" anchor="ctr" anchorCtr="0">
-            <a:noAutofit/>
-          </a:bodyPr>
+          <a:bodyPr/>
           <a:lstStyle/>
           <a:p>
-            <a:pPr marL="0" lvl="0" indent="0" algn="ctr" rtl="0">
-              <a:spcBef>
-                <a:spcPts val="0"/>
-              </a:spcBef>
-              <a:spcAft>
-                <a:spcPts val="0"/>
-              </a:spcAft>
-              <a:buNone/>
-            </a:pPr>
-            <a:r>
-              <a:rPr lang="en-US" sz="6000">
-                <a:solidFill>
-                  <a:srgbClr val="E6E6E6"/>
-                </a:solidFill>
-              </a:rPr>
-              <a:t>4</a:t>
-            </a:r>
-            <a:endParaRPr sz="6000">
-              <a:solidFill>
-                <a:srgbClr val="E6E6E6"/>
-              </a:solidFill>
-            </a:endParaRPr>
-          </a:p>
-          <a:p>
-            <a:pPr marL="0" lvl="0" indent="0" algn="ctr" rtl="0">
-              <a:spcBef>
-                <a:spcPts val="0"/>
-              </a:spcBef>
-              <a:spcAft>
-                <a:spcPts val="0"/>
-              </a:spcAft>
-              <a:buNone/>
-            </a:pPr>
-            <a:r>
-              <a:rPr lang="en"/>
-              <a:t>Pandas</a:t>
-            </a:r>
-            <a:endParaRPr/>
+            <a:pPr marL="76200" indent="0">
+              <a:buNone/>
+            </a:pPr>
+            <a:r>
+              <a:rPr lang="en-US" sz="1400"/>
+              <a:t>.</a:t>
+            </a:r>
           </a:p>
         </p:txBody>
       </p:sp>
       <p:sp>
         <p:nvSpPr>
-          <p:cNvPr id="99" name="Google Shape;99;p15"/>
-          <p:cNvSpPr txBox="1">
+          <p:cNvPr id="4" name="Slide Number Placeholder 3">
+            <a:extLst>
+              <a:ext uri="{FF2B5EF4-FFF2-40B4-BE49-F238E27FC236}">
+                <a16:creationId xmlns:a16="http://schemas.microsoft.com/office/drawing/2014/main" id="{64987AE6-EC0E-43DD-9376-95A5602EE5E1}"/>
+              </a:ext>
+            </a:extLst>
+          </p:cNvPr>
+          <p:cNvSpPr>
             <a:spLocks noGrp="1"/>
           </p:cNvSpPr>
           <p:nvPr>
-            <p:ph type="sldNum" idx="4294967295"/>
+            <p:ph type="sldNum" idx="12"/>
           </p:nvPr>
         </p:nvSpPr>
-        <p:spPr>
-          <a:xfrm>
-            <a:off x="8404384" y="4749851"/>
-            <a:ext cx="548700" cy="393600"/>
-          </a:xfrm>
-          <a:prstGeom prst="rect">
-            <a:avLst/>
-          </a:prstGeom>
-        </p:spPr>
+        <p:spPr/>
         <p:txBody>
-          <a:bodyPr spcFirstLastPara="1" wrap="square" lIns="91425" tIns="91425" rIns="91425" bIns="91425" anchor="t" anchorCtr="0">
-            <a:noAutofit/>
-          </a:bodyPr>
+          <a:bodyPr/>
           <a:lstStyle/>
           <a:p>
             <a:pPr marL="0" lvl="0" indent="0" algn="r" rtl="0">
@@ -21421,17 +21164,17 @@
               <a:buNone/>
             </a:pPr>
             <a:fld id="{00000000-1234-1234-1234-123412341234}" type="slidenum">
-              <a:rPr lang="en"/>
+              <a:rPr lang="en" smtClean="0"/>
               <a:t>38</a:t>
             </a:fld>
-            <a:endParaRPr/>
+            <a:endParaRPr lang="en"/>
           </a:p>
         </p:txBody>
       </p:sp>
     </p:spTree>
     <p:extLst>
       <p:ext uri="{BB962C8B-B14F-4D97-AF65-F5344CB8AC3E}">
-        <p14:creationId xmlns:p14="http://schemas.microsoft.com/office/powerpoint/2010/main" val="2729265455"/>
+        <p14:creationId xmlns:p14="http://schemas.microsoft.com/office/powerpoint/2010/main" val="3717683448"/>
       </p:ext>
     </p:extLst>
   </p:cSld>
@@ -21446,7 +21189,7 @@
   <p:cSld>
     <p:spTree>
       <p:nvGrpSpPr>
-        <p:cNvPr id="1" name="Shape 96"/>
+        <p:cNvPr id="1" name=""/>
         <p:cNvGrpSpPr/>
         <p:nvPr/>
       </p:nvGrpSpPr>
@@ -21460,93 +21203,88 @@
       </p:grpSpPr>
       <p:sp>
         <p:nvSpPr>
-          <p:cNvPr id="97" name="Google Shape;97;p15"/>
-          <p:cNvSpPr txBox="1">
+          <p:cNvPr id="2" name="Title 1">
+            <a:extLst>
+              <a:ext uri="{FF2B5EF4-FFF2-40B4-BE49-F238E27FC236}">
+                <a16:creationId xmlns:a16="http://schemas.microsoft.com/office/drawing/2014/main" id="{024AD384-5AD1-4435-A943-1241B2FACD62}"/>
+              </a:ext>
+            </a:extLst>
+          </p:cNvPr>
+          <p:cNvSpPr>
             <a:spLocks noGrp="1"/>
           </p:cNvSpPr>
           <p:nvPr>
-            <p:ph type="ctrTitle"/>
+            <p:ph type="title"/>
+          </p:nvPr>
+        </p:nvSpPr>
+        <p:spPr/>
+        <p:txBody>
+          <a:bodyPr/>
+          <a:lstStyle/>
+          <a:p>
+            <a:r>
+              <a:rPr lang="en"/>
+              <a:t>OS</a:t>
+            </a:r>
+            <a:endParaRPr lang="fa-IR"/>
+          </a:p>
+        </p:txBody>
+      </p:sp>
+      <p:sp>
+        <p:nvSpPr>
+          <p:cNvPr id="3" name="Text Placeholder 2">
+            <a:extLst>
+              <a:ext uri="{FF2B5EF4-FFF2-40B4-BE49-F238E27FC236}">
+                <a16:creationId xmlns:a16="http://schemas.microsoft.com/office/drawing/2014/main" id="{58BE3078-8B89-4550-B497-93E4DADBD57E}"/>
+              </a:ext>
+            </a:extLst>
+          </p:cNvPr>
+          <p:cNvSpPr>
+            <a:spLocks noGrp="1"/>
+          </p:cNvSpPr>
+          <p:nvPr>
+            <p:ph type="body" idx="1"/>
           </p:nvPr>
         </p:nvSpPr>
         <p:spPr>
           <a:xfrm>
-            <a:off x="1655700" y="1991850"/>
-            <a:ext cx="5832600" cy="1159800"/>
+            <a:off x="786150" y="1142608"/>
+            <a:ext cx="7571700" cy="3626431"/>
           </a:xfrm>
-          <a:prstGeom prst="rect">
-            <a:avLst/>
-          </a:prstGeom>
         </p:spPr>
         <p:txBody>
-          <a:bodyPr spcFirstLastPara="1" wrap="square" lIns="91425" tIns="91425" rIns="91425" bIns="91425" anchor="ctr" anchorCtr="0">
-            <a:noAutofit/>
-          </a:bodyPr>
+          <a:bodyPr/>
           <a:lstStyle/>
           <a:p>
-            <a:pPr marL="0" lvl="0" indent="0" algn="ctr" rtl="0">
-              <a:spcBef>
-                <a:spcPts val="0"/>
-              </a:spcBef>
-              <a:spcAft>
-                <a:spcPts val="0"/>
-              </a:spcAft>
-              <a:buNone/>
-            </a:pPr>
-            <a:r>
-              <a:rPr lang="en-US" sz="6000">
-                <a:solidFill>
-                  <a:srgbClr val="E6E6E6"/>
-                </a:solidFill>
-              </a:rPr>
-              <a:t>5</a:t>
-            </a:r>
-            <a:endParaRPr sz="6000">
-              <a:solidFill>
-                <a:srgbClr val="E6E6E6"/>
-              </a:solidFill>
-            </a:endParaRPr>
-          </a:p>
-          <a:p>
-            <a:pPr marL="0" lvl="0" indent="0" algn="ctr" rtl="0">
-              <a:spcBef>
-                <a:spcPts val="0"/>
-              </a:spcBef>
-              <a:spcAft>
-                <a:spcPts val="0"/>
-              </a:spcAft>
-              <a:buNone/>
-            </a:pPr>
-            <a:r>
-              <a:rPr lang="en"/>
-              <a:t>Matplotlib</a:t>
-            </a:r>
-            <a:endParaRPr/>
+            <a:pPr marL="76200" indent="0">
+              <a:buNone/>
+            </a:pPr>
+            <a:r>
+              <a:rPr lang="en-US" sz="1400"/>
+              <a:t>.</a:t>
+            </a:r>
           </a:p>
         </p:txBody>
       </p:sp>
       <p:sp>
         <p:nvSpPr>
-          <p:cNvPr id="99" name="Google Shape;99;p15"/>
-          <p:cNvSpPr txBox="1">
+          <p:cNvPr id="4" name="Slide Number Placeholder 3">
+            <a:extLst>
+              <a:ext uri="{FF2B5EF4-FFF2-40B4-BE49-F238E27FC236}">
+                <a16:creationId xmlns:a16="http://schemas.microsoft.com/office/drawing/2014/main" id="{64987AE6-EC0E-43DD-9376-95A5602EE5E1}"/>
+              </a:ext>
+            </a:extLst>
+          </p:cNvPr>
+          <p:cNvSpPr>
             <a:spLocks noGrp="1"/>
           </p:cNvSpPr>
           <p:nvPr>
-            <p:ph type="sldNum" idx="4294967295"/>
+            <p:ph type="sldNum" idx="12"/>
           </p:nvPr>
         </p:nvSpPr>
-        <p:spPr>
-          <a:xfrm>
-            <a:off x="8404384" y="4749851"/>
-            <a:ext cx="548700" cy="393600"/>
-          </a:xfrm>
-          <a:prstGeom prst="rect">
-            <a:avLst/>
-          </a:prstGeom>
-        </p:spPr>
+        <p:spPr/>
         <p:txBody>
-          <a:bodyPr spcFirstLastPara="1" wrap="square" lIns="91425" tIns="91425" rIns="91425" bIns="91425" anchor="t" anchorCtr="0">
-            <a:noAutofit/>
-          </a:bodyPr>
+          <a:bodyPr/>
           <a:lstStyle/>
           <a:p>
             <a:pPr marL="0" lvl="0" indent="0" algn="r" rtl="0">
@@ -21559,17 +21297,17 @@
               <a:buNone/>
             </a:pPr>
             <a:fld id="{00000000-1234-1234-1234-123412341234}" type="slidenum">
-              <a:rPr lang="en"/>
+              <a:rPr lang="en" smtClean="0"/>
               <a:t>39</a:t>
             </a:fld>
-            <a:endParaRPr/>
+            <a:endParaRPr lang="en"/>
           </a:p>
         </p:txBody>
       </p:sp>
     </p:spTree>
     <p:extLst>
       <p:ext uri="{BB962C8B-B14F-4D97-AF65-F5344CB8AC3E}">
-        <p14:creationId xmlns:p14="http://schemas.microsoft.com/office/powerpoint/2010/main" val="2458102878"/>
+        <p14:creationId xmlns:p14="http://schemas.microsoft.com/office/powerpoint/2010/main" val="2927642387"/>
       </p:ext>
     </p:extLst>
   </p:cSld>
@@ -21810,7 +21548,7 @@
   <p:cSld>
     <p:spTree>
       <p:nvGrpSpPr>
-        <p:cNvPr id="1" name="Shape 96"/>
+        <p:cNvPr id="1" name=""/>
         <p:cNvGrpSpPr/>
         <p:nvPr/>
       </p:nvGrpSpPr>
@@ -21824,88 +21562,88 @@
       </p:grpSpPr>
       <p:sp>
         <p:nvSpPr>
-          <p:cNvPr id="97" name="Google Shape;97;p15"/>
-          <p:cNvSpPr txBox="1">
+          <p:cNvPr id="2" name="Title 1">
+            <a:extLst>
+              <a:ext uri="{FF2B5EF4-FFF2-40B4-BE49-F238E27FC236}">
+                <a16:creationId xmlns:a16="http://schemas.microsoft.com/office/drawing/2014/main" id="{024AD384-5AD1-4435-A943-1241B2FACD62}"/>
+              </a:ext>
+            </a:extLst>
+          </p:cNvPr>
+          <p:cNvSpPr>
             <a:spLocks noGrp="1"/>
           </p:cNvSpPr>
           <p:nvPr>
-            <p:ph type="ctrTitle"/>
+            <p:ph type="title"/>
+          </p:nvPr>
+        </p:nvSpPr>
+        <p:spPr/>
+        <p:txBody>
+          <a:bodyPr/>
+          <a:lstStyle/>
+          <a:p>
+            <a:r>
+              <a:rPr lang="en"/>
+              <a:t>JSON</a:t>
+            </a:r>
+            <a:endParaRPr lang="fa-IR"/>
+          </a:p>
+        </p:txBody>
+      </p:sp>
+      <p:sp>
+        <p:nvSpPr>
+          <p:cNvPr id="3" name="Text Placeholder 2">
+            <a:extLst>
+              <a:ext uri="{FF2B5EF4-FFF2-40B4-BE49-F238E27FC236}">
+                <a16:creationId xmlns:a16="http://schemas.microsoft.com/office/drawing/2014/main" id="{58BE3078-8B89-4550-B497-93E4DADBD57E}"/>
+              </a:ext>
+            </a:extLst>
+          </p:cNvPr>
+          <p:cNvSpPr>
+            <a:spLocks noGrp="1"/>
+          </p:cNvSpPr>
+          <p:nvPr>
+            <p:ph type="body" idx="1"/>
           </p:nvPr>
         </p:nvSpPr>
         <p:spPr>
           <a:xfrm>
-            <a:off x="1655700" y="1991850"/>
-            <a:ext cx="5832600" cy="1159800"/>
+            <a:off x="786150" y="1142608"/>
+            <a:ext cx="7571700" cy="3626431"/>
           </a:xfrm>
-          <a:prstGeom prst="rect">
-            <a:avLst/>
-          </a:prstGeom>
         </p:spPr>
         <p:txBody>
-          <a:bodyPr spcFirstLastPara="1" wrap="square" lIns="91425" tIns="91425" rIns="91425" bIns="91425" anchor="ctr" anchorCtr="0">
-            <a:noAutofit/>
-          </a:bodyPr>
+          <a:bodyPr/>
           <a:lstStyle/>
           <a:p>
-            <a:pPr marL="0" lvl="0" indent="0" algn="ctr" rtl="0">
-              <a:spcBef>
-                <a:spcPts val="0"/>
-              </a:spcBef>
-              <a:spcAft>
-                <a:spcPts val="0"/>
-              </a:spcAft>
-              <a:buNone/>
-            </a:pPr>
-            <a:r>
-              <a:rPr lang="en-US" sz="6000">
-                <a:solidFill>
-                  <a:srgbClr val="E6E6E6"/>
-                </a:solidFill>
-              </a:rPr>
-              <a:t>6</a:t>
-            </a:r>
-            <a:endParaRPr sz="6000">
-              <a:solidFill>
-                <a:srgbClr val="E6E6E6"/>
-              </a:solidFill>
-            </a:endParaRPr>
-          </a:p>
-          <a:p>
-            <a:r>
-              <a:rPr lang="en-US"/>
-              <a:t>S</a:t>
-            </a:r>
-            <a:r>
-              <a:rPr lang="en-US" b="1"/>
-              <a:t>cikit-learn</a:t>
-            </a:r>
-            <a:endParaRPr/>
+            <a:pPr marL="76200" indent="0">
+              <a:buNone/>
+            </a:pPr>
+            <a:r>
+              <a:rPr lang="en-US" sz="1400"/>
+              <a:t>.</a:t>
+            </a:r>
           </a:p>
         </p:txBody>
       </p:sp>
       <p:sp>
         <p:nvSpPr>
-          <p:cNvPr id="99" name="Google Shape;99;p15"/>
-          <p:cNvSpPr txBox="1">
+          <p:cNvPr id="4" name="Slide Number Placeholder 3">
+            <a:extLst>
+              <a:ext uri="{FF2B5EF4-FFF2-40B4-BE49-F238E27FC236}">
+                <a16:creationId xmlns:a16="http://schemas.microsoft.com/office/drawing/2014/main" id="{64987AE6-EC0E-43DD-9376-95A5602EE5E1}"/>
+              </a:ext>
+            </a:extLst>
+          </p:cNvPr>
+          <p:cNvSpPr>
             <a:spLocks noGrp="1"/>
           </p:cNvSpPr>
           <p:nvPr>
-            <p:ph type="sldNum" idx="4294967295"/>
+            <p:ph type="sldNum" idx="12"/>
           </p:nvPr>
         </p:nvSpPr>
-        <p:spPr>
-          <a:xfrm>
-            <a:off x="8404384" y="4749851"/>
-            <a:ext cx="548700" cy="393600"/>
-          </a:xfrm>
-          <a:prstGeom prst="rect">
-            <a:avLst/>
-          </a:prstGeom>
-        </p:spPr>
+        <p:spPr/>
         <p:txBody>
-          <a:bodyPr spcFirstLastPara="1" wrap="square" lIns="91425" tIns="91425" rIns="91425" bIns="91425" anchor="t" anchorCtr="0">
-            <a:noAutofit/>
-          </a:bodyPr>
+          <a:bodyPr/>
           <a:lstStyle/>
           <a:p>
             <a:pPr marL="0" lvl="0" indent="0" algn="r" rtl="0">
@@ -21918,17 +21656,17 @@
               <a:buNone/>
             </a:pPr>
             <a:fld id="{00000000-1234-1234-1234-123412341234}" type="slidenum">
-              <a:rPr lang="en"/>
+              <a:rPr lang="en" smtClean="0"/>
               <a:t>40</a:t>
             </a:fld>
-            <a:endParaRPr/>
+            <a:endParaRPr lang="en"/>
           </a:p>
         </p:txBody>
       </p:sp>
     </p:spTree>
     <p:extLst>
       <p:ext uri="{BB962C8B-B14F-4D97-AF65-F5344CB8AC3E}">
-        <p14:creationId xmlns:p14="http://schemas.microsoft.com/office/powerpoint/2010/main" val="3753200419"/>
+        <p14:creationId xmlns:p14="http://schemas.microsoft.com/office/powerpoint/2010/main" val="3481581763"/>
       </p:ext>
     </p:extLst>
   </p:cSld>
@@ -21939,6 +21677,553 @@
 </file>
 
 <file path=ppt/slides/slide41.xml><?xml version="1.0" encoding="utf-8"?>
+<p:sld xmlns:a="http://schemas.openxmlformats.org/drawingml/2006/main" xmlns:r="http://schemas.openxmlformats.org/officeDocument/2006/relationships" xmlns:p="http://schemas.openxmlformats.org/presentationml/2006/main">
+  <p:cSld>
+    <p:spTree>
+      <p:nvGrpSpPr>
+        <p:cNvPr id="1" name=""/>
+        <p:cNvGrpSpPr/>
+        <p:nvPr/>
+      </p:nvGrpSpPr>
+      <p:grpSpPr>
+        <a:xfrm>
+          <a:off x="0" y="0"/>
+          <a:ext cx="0" cy="0"/>
+          <a:chOff x="0" y="0"/>
+          <a:chExt cx="0" cy="0"/>
+        </a:xfrm>
+      </p:grpSpPr>
+      <p:sp>
+        <p:nvSpPr>
+          <p:cNvPr id="2" name="Title 1">
+            <a:extLst>
+              <a:ext uri="{FF2B5EF4-FFF2-40B4-BE49-F238E27FC236}">
+                <a16:creationId xmlns:a16="http://schemas.microsoft.com/office/drawing/2014/main" id="{024AD384-5AD1-4435-A943-1241B2FACD62}"/>
+              </a:ext>
+            </a:extLst>
+          </p:cNvPr>
+          <p:cNvSpPr>
+            <a:spLocks noGrp="1"/>
+          </p:cNvSpPr>
+          <p:nvPr>
+            <p:ph type="title"/>
+          </p:nvPr>
+        </p:nvSpPr>
+        <p:spPr/>
+        <p:txBody>
+          <a:bodyPr/>
+          <a:lstStyle/>
+          <a:p>
+            <a:r>
+              <a:rPr lang="en-US"/>
+              <a:t>Numpy</a:t>
+            </a:r>
+            <a:endParaRPr lang="fa-IR"/>
+          </a:p>
+        </p:txBody>
+      </p:sp>
+      <p:sp>
+        <p:nvSpPr>
+          <p:cNvPr id="3" name="Text Placeholder 2">
+            <a:extLst>
+              <a:ext uri="{FF2B5EF4-FFF2-40B4-BE49-F238E27FC236}">
+                <a16:creationId xmlns:a16="http://schemas.microsoft.com/office/drawing/2014/main" id="{58BE3078-8B89-4550-B497-93E4DADBD57E}"/>
+              </a:ext>
+            </a:extLst>
+          </p:cNvPr>
+          <p:cNvSpPr>
+            <a:spLocks noGrp="1"/>
+          </p:cNvSpPr>
+          <p:nvPr>
+            <p:ph type="body" idx="1"/>
+          </p:nvPr>
+        </p:nvSpPr>
+        <p:spPr>
+          <a:xfrm>
+            <a:off x="786150" y="1142608"/>
+            <a:ext cx="7571700" cy="3626431"/>
+          </a:xfrm>
+        </p:spPr>
+        <p:txBody>
+          <a:bodyPr/>
+          <a:lstStyle/>
+          <a:p>
+            <a:pPr marL="76200" indent="0">
+              <a:buNone/>
+            </a:pPr>
+            <a:r>
+              <a:rPr lang="en-US" sz="1400"/>
+              <a:t>NumPy is a Python library used for working with arrays.</a:t>
+            </a:r>
+          </a:p>
+          <a:p>
+            <a:pPr marL="76200" indent="0">
+              <a:buNone/>
+            </a:pPr>
+            <a:endParaRPr lang="en-US" sz="1400"/>
+          </a:p>
+          <a:p>
+            <a:pPr marL="76200" indent="0">
+              <a:buNone/>
+            </a:pPr>
+            <a:r>
+              <a:rPr lang="en-US" sz="1400"/>
+              <a:t>NumPy is short for Numerical Python.</a:t>
+            </a:r>
+          </a:p>
+        </p:txBody>
+      </p:sp>
+      <p:sp>
+        <p:nvSpPr>
+          <p:cNvPr id="4" name="Slide Number Placeholder 3">
+            <a:extLst>
+              <a:ext uri="{FF2B5EF4-FFF2-40B4-BE49-F238E27FC236}">
+                <a16:creationId xmlns:a16="http://schemas.microsoft.com/office/drawing/2014/main" id="{64987AE6-EC0E-43DD-9376-95A5602EE5E1}"/>
+              </a:ext>
+            </a:extLst>
+          </p:cNvPr>
+          <p:cNvSpPr>
+            <a:spLocks noGrp="1"/>
+          </p:cNvSpPr>
+          <p:nvPr>
+            <p:ph type="sldNum" idx="12"/>
+          </p:nvPr>
+        </p:nvSpPr>
+        <p:spPr/>
+        <p:txBody>
+          <a:bodyPr/>
+          <a:lstStyle/>
+          <a:p>
+            <a:pPr marL="0" lvl="0" indent="0" algn="r" rtl="0">
+              <a:spcBef>
+                <a:spcPts val="0"/>
+              </a:spcBef>
+              <a:spcAft>
+                <a:spcPts val="0"/>
+              </a:spcAft>
+              <a:buNone/>
+            </a:pPr>
+            <a:fld id="{00000000-1234-1234-1234-123412341234}" type="slidenum">
+              <a:rPr lang="en" smtClean="0"/>
+              <a:t>41</a:t>
+            </a:fld>
+            <a:endParaRPr lang="en"/>
+          </a:p>
+        </p:txBody>
+      </p:sp>
+    </p:spTree>
+    <p:extLst>
+      <p:ext uri="{BB962C8B-B14F-4D97-AF65-F5344CB8AC3E}">
+        <p14:creationId xmlns:p14="http://schemas.microsoft.com/office/powerpoint/2010/main" val="4156460407"/>
+      </p:ext>
+    </p:extLst>
+  </p:cSld>
+  <p:clrMapOvr>
+    <a:masterClrMapping/>
+  </p:clrMapOvr>
+</p:sld>
+</file>
+
+<file path=ppt/slides/slide42.xml><?xml version="1.0" encoding="utf-8"?>
+<p:sld xmlns:a="http://schemas.openxmlformats.org/drawingml/2006/main" xmlns:r="http://schemas.openxmlformats.org/officeDocument/2006/relationships" xmlns:p="http://schemas.openxmlformats.org/presentationml/2006/main">
+  <p:cSld>
+    <p:spTree>
+      <p:nvGrpSpPr>
+        <p:cNvPr id="1" name=""/>
+        <p:cNvGrpSpPr/>
+        <p:nvPr/>
+      </p:nvGrpSpPr>
+      <p:grpSpPr>
+        <a:xfrm>
+          <a:off x="0" y="0"/>
+          <a:ext cx="0" cy="0"/>
+          <a:chOff x="0" y="0"/>
+          <a:chExt cx="0" cy="0"/>
+        </a:xfrm>
+      </p:grpSpPr>
+      <p:sp>
+        <p:nvSpPr>
+          <p:cNvPr id="2" name="Title 1">
+            <a:extLst>
+              <a:ext uri="{FF2B5EF4-FFF2-40B4-BE49-F238E27FC236}">
+                <a16:creationId xmlns:a16="http://schemas.microsoft.com/office/drawing/2014/main" id="{024AD384-5AD1-4435-A943-1241B2FACD62}"/>
+              </a:ext>
+            </a:extLst>
+          </p:cNvPr>
+          <p:cNvSpPr>
+            <a:spLocks noGrp="1"/>
+          </p:cNvSpPr>
+          <p:nvPr>
+            <p:ph type="title"/>
+          </p:nvPr>
+        </p:nvSpPr>
+        <p:spPr/>
+        <p:txBody>
+          <a:bodyPr/>
+          <a:lstStyle/>
+          <a:p>
+            <a:r>
+              <a:rPr lang="en-US"/>
+              <a:t>Pandas</a:t>
+            </a:r>
+            <a:endParaRPr lang="fa-IR"/>
+          </a:p>
+        </p:txBody>
+      </p:sp>
+      <p:sp>
+        <p:nvSpPr>
+          <p:cNvPr id="3" name="Text Placeholder 2">
+            <a:extLst>
+              <a:ext uri="{FF2B5EF4-FFF2-40B4-BE49-F238E27FC236}">
+                <a16:creationId xmlns:a16="http://schemas.microsoft.com/office/drawing/2014/main" id="{58BE3078-8B89-4550-B497-93E4DADBD57E}"/>
+              </a:ext>
+            </a:extLst>
+          </p:cNvPr>
+          <p:cNvSpPr>
+            <a:spLocks noGrp="1"/>
+          </p:cNvSpPr>
+          <p:nvPr>
+            <p:ph type="body" idx="1"/>
+          </p:nvPr>
+        </p:nvSpPr>
+        <p:spPr>
+          <a:xfrm>
+            <a:off x="786150" y="1142608"/>
+            <a:ext cx="7571700" cy="3626431"/>
+          </a:xfrm>
+        </p:spPr>
+        <p:txBody>
+          <a:bodyPr/>
+          <a:lstStyle/>
+          <a:p>
+            <a:pPr marL="76200" indent="0">
+              <a:buNone/>
+            </a:pPr>
+            <a:r>
+              <a:rPr lang="en-US" sz="1400"/>
+              <a:t>.</a:t>
+            </a:r>
+          </a:p>
+        </p:txBody>
+      </p:sp>
+      <p:sp>
+        <p:nvSpPr>
+          <p:cNvPr id="4" name="Slide Number Placeholder 3">
+            <a:extLst>
+              <a:ext uri="{FF2B5EF4-FFF2-40B4-BE49-F238E27FC236}">
+                <a16:creationId xmlns:a16="http://schemas.microsoft.com/office/drawing/2014/main" id="{64987AE6-EC0E-43DD-9376-95A5602EE5E1}"/>
+              </a:ext>
+            </a:extLst>
+          </p:cNvPr>
+          <p:cNvSpPr>
+            <a:spLocks noGrp="1"/>
+          </p:cNvSpPr>
+          <p:nvPr>
+            <p:ph type="sldNum" idx="12"/>
+          </p:nvPr>
+        </p:nvSpPr>
+        <p:spPr/>
+        <p:txBody>
+          <a:bodyPr/>
+          <a:lstStyle/>
+          <a:p>
+            <a:pPr marL="0" lvl="0" indent="0" algn="r" rtl="0">
+              <a:spcBef>
+                <a:spcPts val="0"/>
+              </a:spcBef>
+              <a:spcAft>
+                <a:spcPts val="0"/>
+              </a:spcAft>
+              <a:buNone/>
+            </a:pPr>
+            <a:fld id="{00000000-1234-1234-1234-123412341234}" type="slidenum">
+              <a:rPr lang="en" smtClean="0"/>
+              <a:t>42</a:t>
+            </a:fld>
+            <a:endParaRPr lang="en"/>
+          </a:p>
+        </p:txBody>
+      </p:sp>
+    </p:spTree>
+    <p:extLst>
+      <p:ext uri="{BB962C8B-B14F-4D97-AF65-F5344CB8AC3E}">
+        <p14:creationId xmlns:p14="http://schemas.microsoft.com/office/powerpoint/2010/main" val="2254896634"/>
+      </p:ext>
+    </p:extLst>
+  </p:cSld>
+  <p:clrMapOvr>
+    <a:masterClrMapping/>
+  </p:clrMapOvr>
+</p:sld>
+</file>
+
+<file path=ppt/slides/slide43.xml><?xml version="1.0" encoding="utf-8"?>
+<p:sld xmlns:a="http://schemas.openxmlformats.org/drawingml/2006/main" xmlns:r="http://schemas.openxmlformats.org/officeDocument/2006/relationships" xmlns:p="http://schemas.openxmlformats.org/presentationml/2006/main">
+  <p:cSld>
+    <p:spTree>
+      <p:nvGrpSpPr>
+        <p:cNvPr id="1" name=""/>
+        <p:cNvGrpSpPr/>
+        <p:nvPr/>
+      </p:nvGrpSpPr>
+      <p:grpSpPr>
+        <a:xfrm>
+          <a:off x="0" y="0"/>
+          <a:ext cx="0" cy="0"/>
+          <a:chOff x="0" y="0"/>
+          <a:chExt cx="0" cy="0"/>
+        </a:xfrm>
+      </p:grpSpPr>
+      <p:sp>
+        <p:nvSpPr>
+          <p:cNvPr id="2" name="Title 1">
+            <a:extLst>
+              <a:ext uri="{FF2B5EF4-FFF2-40B4-BE49-F238E27FC236}">
+                <a16:creationId xmlns:a16="http://schemas.microsoft.com/office/drawing/2014/main" id="{024AD384-5AD1-4435-A943-1241B2FACD62}"/>
+              </a:ext>
+            </a:extLst>
+          </p:cNvPr>
+          <p:cNvSpPr>
+            <a:spLocks noGrp="1"/>
+          </p:cNvSpPr>
+          <p:nvPr>
+            <p:ph type="title"/>
+          </p:nvPr>
+        </p:nvSpPr>
+        <p:spPr/>
+        <p:txBody>
+          <a:bodyPr/>
+          <a:lstStyle/>
+          <a:p>
+            <a:r>
+              <a:rPr lang="en"/>
+              <a:t>Matplotlib</a:t>
+            </a:r>
+            <a:endParaRPr lang="fa-IR"/>
+          </a:p>
+        </p:txBody>
+      </p:sp>
+      <p:sp>
+        <p:nvSpPr>
+          <p:cNvPr id="3" name="Text Placeholder 2">
+            <a:extLst>
+              <a:ext uri="{FF2B5EF4-FFF2-40B4-BE49-F238E27FC236}">
+                <a16:creationId xmlns:a16="http://schemas.microsoft.com/office/drawing/2014/main" id="{58BE3078-8B89-4550-B497-93E4DADBD57E}"/>
+              </a:ext>
+            </a:extLst>
+          </p:cNvPr>
+          <p:cNvSpPr>
+            <a:spLocks noGrp="1"/>
+          </p:cNvSpPr>
+          <p:nvPr>
+            <p:ph type="body" idx="1"/>
+          </p:nvPr>
+        </p:nvSpPr>
+        <p:spPr>
+          <a:xfrm>
+            <a:off x="786150" y="1142608"/>
+            <a:ext cx="7571700" cy="3626431"/>
+          </a:xfrm>
+        </p:spPr>
+        <p:txBody>
+          <a:bodyPr/>
+          <a:lstStyle/>
+          <a:p>
+            <a:pPr marL="76200" indent="0">
+              <a:buNone/>
+            </a:pPr>
+            <a:r>
+              <a:rPr lang="en-US" sz="1400"/>
+              <a:t>.</a:t>
+            </a:r>
+          </a:p>
+        </p:txBody>
+      </p:sp>
+      <p:sp>
+        <p:nvSpPr>
+          <p:cNvPr id="4" name="Slide Number Placeholder 3">
+            <a:extLst>
+              <a:ext uri="{FF2B5EF4-FFF2-40B4-BE49-F238E27FC236}">
+                <a16:creationId xmlns:a16="http://schemas.microsoft.com/office/drawing/2014/main" id="{64987AE6-EC0E-43DD-9376-95A5602EE5E1}"/>
+              </a:ext>
+            </a:extLst>
+          </p:cNvPr>
+          <p:cNvSpPr>
+            <a:spLocks noGrp="1"/>
+          </p:cNvSpPr>
+          <p:nvPr>
+            <p:ph type="sldNum" idx="12"/>
+          </p:nvPr>
+        </p:nvSpPr>
+        <p:spPr/>
+        <p:txBody>
+          <a:bodyPr/>
+          <a:lstStyle/>
+          <a:p>
+            <a:pPr marL="0" lvl="0" indent="0" algn="r" rtl="0">
+              <a:spcBef>
+                <a:spcPts val="0"/>
+              </a:spcBef>
+              <a:spcAft>
+                <a:spcPts val="0"/>
+              </a:spcAft>
+              <a:buNone/>
+            </a:pPr>
+            <a:fld id="{00000000-1234-1234-1234-123412341234}" type="slidenum">
+              <a:rPr lang="en" smtClean="0"/>
+              <a:t>43</a:t>
+            </a:fld>
+            <a:endParaRPr lang="en"/>
+          </a:p>
+        </p:txBody>
+      </p:sp>
+    </p:spTree>
+    <p:extLst>
+      <p:ext uri="{BB962C8B-B14F-4D97-AF65-F5344CB8AC3E}">
+        <p14:creationId xmlns:p14="http://schemas.microsoft.com/office/powerpoint/2010/main" val="2156315972"/>
+      </p:ext>
+    </p:extLst>
+  </p:cSld>
+  <p:clrMapOvr>
+    <a:masterClrMapping/>
+  </p:clrMapOvr>
+</p:sld>
+</file>
+
+<file path=ppt/slides/slide44.xml><?xml version="1.0" encoding="utf-8"?>
+<p:sld xmlns:a="http://schemas.openxmlformats.org/drawingml/2006/main" xmlns:r="http://schemas.openxmlformats.org/officeDocument/2006/relationships" xmlns:p="http://schemas.openxmlformats.org/presentationml/2006/main">
+  <p:cSld>
+    <p:spTree>
+      <p:nvGrpSpPr>
+        <p:cNvPr id="1" name=""/>
+        <p:cNvGrpSpPr/>
+        <p:nvPr/>
+      </p:nvGrpSpPr>
+      <p:grpSpPr>
+        <a:xfrm>
+          <a:off x="0" y="0"/>
+          <a:ext cx="0" cy="0"/>
+          <a:chOff x="0" y="0"/>
+          <a:chExt cx="0" cy="0"/>
+        </a:xfrm>
+      </p:grpSpPr>
+      <p:sp>
+        <p:nvSpPr>
+          <p:cNvPr id="2" name="Title 1">
+            <a:extLst>
+              <a:ext uri="{FF2B5EF4-FFF2-40B4-BE49-F238E27FC236}">
+                <a16:creationId xmlns:a16="http://schemas.microsoft.com/office/drawing/2014/main" id="{024AD384-5AD1-4435-A943-1241B2FACD62}"/>
+              </a:ext>
+            </a:extLst>
+          </p:cNvPr>
+          <p:cNvSpPr>
+            <a:spLocks noGrp="1"/>
+          </p:cNvSpPr>
+          <p:nvPr>
+            <p:ph type="title"/>
+          </p:nvPr>
+        </p:nvSpPr>
+        <p:spPr/>
+        <p:txBody>
+          <a:bodyPr/>
+          <a:lstStyle/>
+          <a:p>
+            <a:r>
+              <a:rPr lang="en-US"/>
+              <a:t>Scikit-learn</a:t>
+            </a:r>
+            <a:endParaRPr lang="fa-IR"/>
+          </a:p>
+        </p:txBody>
+      </p:sp>
+      <p:sp>
+        <p:nvSpPr>
+          <p:cNvPr id="3" name="Text Placeholder 2">
+            <a:extLst>
+              <a:ext uri="{FF2B5EF4-FFF2-40B4-BE49-F238E27FC236}">
+                <a16:creationId xmlns:a16="http://schemas.microsoft.com/office/drawing/2014/main" id="{58BE3078-8B89-4550-B497-93E4DADBD57E}"/>
+              </a:ext>
+            </a:extLst>
+          </p:cNvPr>
+          <p:cNvSpPr>
+            <a:spLocks noGrp="1"/>
+          </p:cNvSpPr>
+          <p:nvPr>
+            <p:ph type="body" idx="1"/>
+          </p:nvPr>
+        </p:nvSpPr>
+        <p:spPr>
+          <a:xfrm>
+            <a:off x="786150" y="1142608"/>
+            <a:ext cx="7571700" cy="3626431"/>
+          </a:xfrm>
+        </p:spPr>
+        <p:txBody>
+          <a:bodyPr/>
+          <a:lstStyle/>
+          <a:p>
+            <a:pPr marL="76200" indent="0">
+              <a:buNone/>
+            </a:pPr>
+            <a:r>
+              <a:rPr lang="en-US" sz="1400"/>
+              <a:t>.</a:t>
+            </a:r>
+          </a:p>
+        </p:txBody>
+      </p:sp>
+      <p:sp>
+        <p:nvSpPr>
+          <p:cNvPr id="4" name="Slide Number Placeholder 3">
+            <a:extLst>
+              <a:ext uri="{FF2B5EF4-FFF2-40B4-BE49-F238E27FC236}">
+                <a16:creationId xmlns:a16="http://schemas.microsoft.com/office/drawing/2014/main" id="{64987AE6-EC0E-43DD-9376-95A5602EE5E1}"/>
+              </a:ext>
+            </a:extLst>
+          </p:cNvPr>
+          <p:cNvSpPr>
+            <a:spLocks noGrp="1"/>
+          </p:cNvSpPr>
+          <p:nvPr>
+            <p:ph type="sldNum" idx="12"/>
+          </p:nvPr>
+        </p:nvSpPr>
+        <p:spPr/>
+        <p:txBody>
+          <a:bodyPr/>
+          <a:lstStyle/>
+          <a:p>
+            <a:pPr marL="0" lvl="0" indent="0" algn="r" rtl="0">
+              <a:spcBef>
+                <a:spcPts val="0"/>
+              </a:spcBef>
+              <a:spcAft>
+                <a:spcPts val="0"/>
+              </a:spcAft>
+              <a:buNone/>
+            </a:pPr>
+            <a:fld id="{00000000-1234-1234-1234-123412341234}" type="slidenum">
+              <a:rPr lang="en" smtClean="0"/>
+              <a:t>44</a:t>
+            </a:fld>
+            <a:endParaRPr lang="en"/>
+          </a:p>
+        </p:txBody>
+      </p:sp>
+    </p:spTree>
+    <p:extLst>
+      <p:ext uri="{BB962C8B-B14F-4D97-AF65-F5344CB8AC3E}">
+        <p14:creationId xmlns:p14="http://schemas.microsoft.com/office/powerpoint/2010/main" val="3316897623"/>
+      </p:ext>
+    </p:extLst>
+  </p:cSld>
+  <p:clrMapOvr>
+    <a:masterClrMapping/>
+  </p:clrMapOvr>
+</p:sld>
+</file>
+
+<file path=ppt/slides/slide45.xml><?xml version="1.0" encoding="utf-8"?>
 <p:sld xmlns:a="http://schemas.openxmlformats.org/drawingml/2006/main" xmlns:r="http://schemas.openxmlformats.org/officeDocument/2006/relationships" xmlns:p="http://schemas.openxmlformats.org/presentationml/2006/main">
   <p:cSld>
     <p:spTree>
@@ -21995,7 +22280,7 @@
                   <a:srgbClr val="E6E6E6"/>
                 </a:solidFill>
               </a:rPr>
-              <a:t>7</a:t>
+              <a:t>4</a:t>
             </a:r>
             <a:endParaRPr sz="6000">
               <a:solidFill>
@@ -22050,7 +22335,7 @@
             </a:pPr>
             <a:fld id="{00000000-1234-1234-1234-123412341234}" type="slidenum">
               <a:rPr lang="en"/>
-              <a:t>41</a:t>
+              <a:t>45</a:t>
             </a:fld>
             <a:endParaRPr/>
           </a:p>
@@ -22069,7 +22354,7 @@
 </p:sld>
 </file>
 
-<file path=ppt/slides/slide42.xml><?xml version="1.0" encoding="utf-8"?>
+<file path=ppt/slides/slide46.xml><?xml version="1.0" encoding="utf-8"?>
 <p:sld xmlns:a="http://schemas.openxmlformats.org/drawingml/2006/main" xmlns:r="http://schemas.openxmlformats.org/officeDocument/2006/relationships" xmlns:p="http://schemas.openxmlformats.org/presentationml/2006/main">
   <p:cSld>
     <p:spTree>
@@ -22300,7 +22585,7 @@
             </a:pPr>
             <a:fld id="{00000000-1234-1234-1234-123412341234}" type="slidenum">
               <a:rPr lang="en"/>
-              <a:t>42</a:t>
+              <a:t>46</a:t>
             </a:fld>
             <a:endParaRPr/>
           </a:p>
@@ -22314,7 +22599,7 @@
 </p:sld>
 </file>
 
-<file path=ppt/slides/slide43.xml><?xml version="1.0" encoding="utf-8"?>
+<file path=ppt/slides/slide47.xml><?xml version="1.0" encoding="utf-8"?>
 <p:sld xmlns:a="http://schemas.openxmlformats.org/drawingml/2006/main" xmlns:r="http://schemas.openxmlformats.org/officeDocument/2006/relationships" xmlns:p="http://schemas.openxmlformats.org/presentationml/2006/main" show="0">
   <p:cSld>
     <p:spTree>
@@ -22451,7 +22736,7 @@
             </a:pPr>
             <a:fld id="{00000000-1234-1234-1234-123412341234}" type="slidenum">
               <a:rPr lang="en"/>
-              <a:t>43</a:t>
+              <a:t>47</a:t>
             </a:fld>
             <a:endParaRPr/>
           </a:p>
@@ -23432,7 +23717,7 @@
           <a:p>
             <a:r>
               <a:rPr lang="en-US"/>
-              <a:t>Jupyter Notebook</a:t>
+              <a:t>Syntax</a:t>
             </a:r>
             <a:endParaRPr lang="fa-IR"/>
           </a:p>
@@ -23469,11 +23754,141 @@
             </a:pPr>
             <a:r>
               <a:rPr lang="en-US" sz="1400"/>
-              <a:t>.</a:t>
-            </a:r>
+              <a:t>Variables</a:t>
+            </a:r>
+          </a:p>
+          <a:p>
+            <a:pPr marL="76200" indent="0">
+              <a:buNone/>
+            </a:pPr>
+            <a:r>
+              <a:rPr lang="en-US" sz="1100">
+                <a:latin typeface="Consolas" panose="020B0609020204030204" pitchFamily="49" charset="0"/>
+                <a:cs typeface="Courier New" panose="02070309020205020404" pitchFamily="49" charset="0"/>
+              </a:rPr>
+              <a:t>x </a:t>
+            </a:r>
+            <a:r>
+              <a:rPr lang="en-US" sz="1100">
+                <a:solidFill>
+                  <a:schemeClr val="accent1"/>
+                </a:solidFill>
+                <a:latin typeface="Consolas" panose="020B0609020204030204" pitchFamily="49" charset="0"/>
+                <a:cs typeface="Courier New" panose="02070309020205020404" pitchFamily="49" charset="0"/>
+              </a:rPr>
+              <a:t>=</a:t>
+            </a:r>
+            <a:r>
+              <a:rPr lang="en-US" sz="1100">
+                <a:latin typeface="Consolas" panose="020B0609020204030204" pitchFamily="49" charset="0"/>
+                <a:cs typeface="Courier New" panose="02070309020205020404" pitchFamily="49" charset="0"/>
+              </a:rPr>
+              <a:t> 5</a:t>
+            </a:r>
+          </a:p>
+          <a:p>
+            <a:pPr marL="76200" indent="0">
+              <a:buNone/>
+            </a:pPr>
+            <a:r>
+              <a:rPr lang="en-US" sz="1100">
+                <a:latin typeface="Consolas" panose="020B0609020204030204" pitchFamily="49" charset="0"/>
+                <a:cs typeface="Courier New" panose="02070309020205020404" pitchFamily="49" charset="0"/>
+              </a:rPr>
+              <a:t>y = 'Hello World!'</a:t>
+            </a:r>
+          </a:p>
+          <a:p>
+            <a:pPr marL="76200" indent="0">
+              <a:buNone/>
+            </a:pPr>
             <a:endParaRPr lang="en-US" sz="1200">
               <a:latin typeface="Consolas" panose="020B0609020204030204" pitchFamily="49" charset="0"/>
+              <a:cs typeface="Courier New" panose="02070309020205020404" pitchFamily="49" charset="0"/>
             </a:endParaRPr>
+          </a:p>
+          <a:p>
+            <a:pPr marL="76200" indent="0">
+              <a:buNone/>
+            </a:pPr>
+            <a:r>
+              <a:rPr lang="en-US" sz="1400"/>
+              <a:t>Comments</a:t>
+            </a:r>
+          </a:p>
+          <a:p>
+            <a:pPr marL="76200" indent="0">
+              <a:buNone/>
+            </a:pPr>
+            <a:r>
+              <a:rPr lang="en-US" sz="1100">
+                <a:solidFill>
+                  <a:schemeClr val="accent1"/>
+                </a:solidFill>
+                <a:latin typeface="Consolas" panose="020B0609020204030204" pitchFamily="49" charset="0"/>
+                <a:cs typeface="Courier New" panose="02070309020205020404" pitchFamily="49" charset="0"/>
+              </a:rPr>
+              <a:t>#</a:t>
+            </a:r>
+            <a:r>
+              <a:rPr lang="en-US" sz="1100">
+                <a:latin typeface="Consolas" panose="020B0609020204030204" pitchFamily="49" charset="0"/>
+                <a:cs typeface="Courier New" panose="02070309020205020404" pitchFamily="49" charset="0"/>
+              </a:rPr>
+              <a:t> This is a comment.</a:t>
+            </a:r>
+          </a:p>
+          <a:p>
+            <a:pPr marL="76200" indent="0">
+              <a:buNone/>
+            </a:pPr>
+            <a:endParaRPr lang="en-US" sz="1200">
+              <a:latin typeface="Consolas" panose="020B0609020204030204" pitchFamily="49" charset="0"/>
+              <a:cs typeface="Courier New" panose="02070309020205020404" pitchFamily="49" charset="0"/>
+            </a:endParaRPr>
+          </a:p>
+          <a:p>
+            <a:pPr marL="76200" indent="0">
+              <a:buNone/>
+            </a:pPr>
+            <a:r>
+              <a:rPr lang="en-US" sz="1400"/>
+              <a:t>Indentation</a:t>
+            </a:r>
+          </a:p>
+          <a:p>
+            <a:pPr marL="76200" indent="0">
+              <a:buNone/>
+            </a:pPr>
+            <a:r>
+              <a:rPr lang="en-US" sz="1100">
+                <a:latin typeface="Consolas" panose="020B0609020204030204" pitchFamily="49" charset="0"/>
+                <a:cs typeface="Courier New" panose="02070309020205020404" pitchFamily="49" charset="0"/>
+              </a:rPr>
+              <a:t>if 5 &gt; 2:</a:t>
+            </a:r>
+          </a:p>
+          <a:p>
+            <a:pPr marL="76200" indent="0">
+              <a:buNone/>
+            </a:pPr>
+            <a:r>
+              <a:rPr lang="en-US" sz="1100">
+                <a:solidFill>
+                  <a:srgbClr val="262626"/>
+                </a:solidFill>
+                <a:latin typeface="Consolas" panose="020B0609020204030204" pitchFamily="49" charset="0"/>
+                <a:cs typeface="Courier New" panose="02070309020205020404" pitchFamily="49" charset="0"/>
+              </a:rPr>
+              <a:t>    </a:t>
+            </a:r>
+            <a:r>
+              <a:rPr lang="en-US" sz="1100">
+                <a:latin typeface="Consolas" panose="020B0609020204030204" pitchFamily="49" charset="0"/>
+                <a:cs typeface="Courier New" panose="02070309020205020404" pitchFamily="49" charset="0"/>
+              </a:rPr>
+              <a:t>print('Five is greater than two!')</a:t>
+            </a:r>
           </a:p>
         </p:txBody>
       </p:sp>
@@ -23518,7 +23933,7 @@
     </p:spTree>
     <p:extLst>
       <p:ext uri="{BB962C8B-B14F-4D97-AF65-F5344CB8AC3E}">
-        <p14:creationId xmlns:p14="http://schemas.microsoft.com/office/powerpoint/2010/main" val="2048105302"/>
+        <p14:creationId xmlns:p14="http://schemas.microsoft.com/office/powerpoint/2010/main" val="3916435651"/>
       </p:ext>
     </p:extLst>
   </p:cSld>

--- a/Python.pptx
+++ b/Python.pptx
@@ -5,10 +5,10 @@
     <p:sldMasterId id="2147483658" r:id="rId1"/>
   </p:sldMasterIdLst>
   <p:notesMasterIdLst>
-    <p:notesMasterId r:id="rId49"/>
+    <p:notesMasterId r:id="rId50"/>
   </p:notesMasterIdLst>
   <p:handoutMasterIdLst>
-    <p:handoutMasterId r:id="rId50"/>
+    <p:handoutMasterId r:id="rId51"/>
   </p:handoutMasterIdLst>
   <p:sldIdLst>
     <p:sldId id="256" r:id="rId2"/>
@@ -42,56 +42,57 @@
     <p:sldId id="313" r:id="rId30"/>
     <p:sldId id="314" r:id="rId31"/>
     <p:sldId id="317" r:id="rId32"/>
-    <p:sldId id="315" r:id="rId33"/>
-    <p:sldId id="316" r:id="rId34"/>
-    <p:sldId id="318" r:id="rId35"/>
-    <p:sldId id="319" r:id="rId36"/>
-    <p:sldId id="281" r:id="rId37"/>
-    <p:sldId id="328" r:id="rId38"/>
-    <p:sldId id="327" r:id="rId39"/>
+    <p:sldId id="331" r:id="rId33"/>
+    <p:sldId id="315" r:id="rId34"/>
+    <p:sldId id="316" r:id="rId35"/>
+    <p:sldId id="318" r:id="rId36"/>
+    <p:sldId id="319" r:id="rId37"/>
+    <p:sldId id="281" r:id="rId38"/>
+    <p:sldId id="328" r:id="rId39"/>
     <p:sldId id="329" r:id="rId40"/>
-    <p:sldId id="325" r:id="rId41"/>
-    <p:sldId id="289" r:id="rId42"/>
-    <p:sldId id="323" r:id="rId43"/>
-    <p:sldId id="324" r:id="rId44"/>
-    <p:sldId id="326" r:id="rId45"/>
-    <p:sldId id="287" r:id="rId46"/>
-    <p:sldId id="280" r:id="rId47"/>
-    <p:sldId id="271" r:id="rId48"/>
+    <p:sldId id="327" r:id="rId41"/>
+    <p:sldId id="325" r:id="rId42"/>
+    <p:sldId id="289" r:id="rId43"/>
+    <p:sldId id="323" r:id="rId44"/>
+    <p:sldId id="324" r:id="rId45"/>
+    <p:sldId id="326" r:id="rId46"/>
+    <p:sldId id="287" r:id="rId47"/>
+    <p:sldId id="280" r:id="rId48"/>
+    <p:sldId id="271" r:id="rId49"/>
   </p:sldIdLst>
   <p:sldSz cx="9144000" cy="5143500" type="screen16x9"/>
   <p:notesSz cx="6858000" cy="9144000"/>
   <p:embeddedFontLst>
     <p:embeddedFont>
       <p:font typeface="Consolas" panose="020B0609020204030204" pitchFamily="49" charset="0"/>
-      <p:regular r:id="rId51"/>
-      <p:bold r:id="rId52"/>
-      <p:italic r:id="rId53"/>
-      <p:boldItalic r:id="rId54"/>
+      <p:regular r:id="rId52"/>
+      <p:bold r:id="rId53"/>
+      <p:italic r:id="rId54"/>
+      <p:boldItalic r:id="rId55"/>
     </p:embeddedFont>
     <p:embeddedFont>
       <p:font typeface="IRANSans" panose="020B0506030804020204" pitchFamily="34" charset="-78"/>
-      <p:regular r:id="rId55"/>
-      <p:bold r:id="rId56"/>
+      <p:regular r:id="rId56"/>
+      <p:bold r:id="rId57"/>
     </p:embeddedFont>
     <p:embeddedFont>
       <p:font typeface="Roboto Slab" panose="020B0604020202020204" charset="0"/>
-      <p:regular r:id="rId57"/>
-      <p:bold r:id="rId58"/>
+      <p:regular r:id="rId58"/>
+      <p:bold r:id="rId59"/>
     </p:embeddedFont>
     <p:embeddedFont>
       <p:font typeface="Source Sans Pro" panose="020B0503030403020204" pitchFamily="34" charset="0"/>
-      <p:regular r:id="rId59"/>
-      <p:bold r:id="rId60"/>
-      <p:italic r:id="rId61"/>
-      <p:boldItalic r:id="rId62"/>
+      <p:regular r:id="rId60"/>
+      <p:bold r:id="rId61"/>
+      <p:italic r:id="rId62"/>
+      <p:boldItalic r:id="rId63"/>
     </p:embeddedFont>
     <p:embeddedFont>
       <p:font typeface="Trebuchet MS" panose="020B0603020202020204" pitchFamily="34" charset="0"/>
-      <p:regular r:id="rId63"/>
-      <p:bold r:id="rId64"/>
-      <p:italic r:id="rId65"/>
-      <p:boldItalic r:id="rId66"/>
+      <p:regular r:id="rId64"/>
+      <p:bold r:id="rId65"/>
+      <p:italic r:id="rId66"/>
+      <p:boldItalic r:id="rId67"/>
     </p:embeddedFont>
   </p:embeddedFontLst>
   <p:defaultTextStyle>
@@ -12895,6 +12896,43 @@
             <a:pPr marL="76200" indent="0">
               <a:buNone/>
             </a:pPr>
+            <a:endParaRPr lang="en-US" sz="1100">
+              <a:solidFill>
+                <a:schemeClr val="accent1"/>
+              </a:solidFill>
+              <a:latin typeface="Consolas" panose="020B0609020204030204" pitchFamily="49" charset="0"/>
+              <a:cs typeface="Courier New" panose="02070309020205020404" pitchFamily="49" charset="0"/>
+            </a:endParaRPr>
+          </a:p>
+          <a:p>
+            <a:pPr marL="76200" indent="0">
+              <a:buNone/>
+            </a:pPr>
+            <a:r>
+              <a:rPr lang="en-US" sz="1400"/>
+              <a:t>Functions</a:t>
+            </a:r>
+          </a:p>
+          <a:p>
+            <a:pPr marL="76200" indent="0">
+              <a:buNone/>
+            </a:pPr>
+            <a:r>
+              <a:rPr lang="en-US" sz="1100">
+                <a:latin typeface="Consolas" panose="020B0609020204030204" pitchFamily="49" charset="0"/>
+                <a:cs typeface="Courier New" panose="02070309020205020404" pitchFamily="49" charset="0"/>
+              </a:rPr>
+              <a:t>min()  max()  abs()</a:t>
+            </a:r>
+            <a:endParaRPr lang="fr-FR" sz="1200">
+              <a:latin typeface="Consolas" panose="020B0609020204030204" pitchFamily="49" charset="0"/>
+              <a:cs typeface="Courier New" panose="02070309020205020404" pitchFamily="49" charset="0"/>
+            </a:endParaRPr>
+          </a:p>
+          <a:p>
+            <a:pPr marL="76200" indent="0">
+              <a:buNone/>
+            </a:pPr>
             <a:endParaRPr lang="en-US" sz="1200">
               <a:latin typeface="Consolas" panose="020B0609020204030204" pitchFamily="49" charset="0"/>
             </a:endParaRPr>
@@ -13564,6 +13602,36 @@
                 </a:solidFill>
                 <a:latin typeface="Consolas" panose="020B0609020204030204" pitchFamily="49" charset="0"/>
               </a:rPr>
+              <a:t>and</a:t>
+            </a:r>
+            <a:r>
+              <a:rPr lang="en-US" sz="1100">
+                <a:latin typeface="Consolas" panose="020B0609020204030204" pitchFamily="49" charset="0"/>
+              </a:rPr>
+              <a:t> 2 + 2 == 5</a:t>
+            </a:r>
+            <a:endParaRPr lang="en-US" sz="1100">
+              <a:latin typeface="Consolas" panose="020B0609020204030204" pitchFamily="49" charset="0"/>
+              <a:cs typeface="Courier New" panose="02070309020205020404" pitchFamily="49" charset="0"/>
+            </a:endParaRPr>
+          </a:p>
+          <a:p>
+            <a:pPr marL="76200" indent="0">
+              <a:buNone/>
+            </a:pPr>
+            <a:r>
+              <a:rPr lang="en-US" sz="1100">
+                <a:latin typeface="Consolas" panose="020B0609020204030204" pitchFamily="49" charset="0"/>
+              </a:rPr>
+              <a:t>e = 10 &gt; 9 </a:t>
+            </a:r>
+            <a:r>
+              <a:rPr lang="en-US" sz="1100">
+                <a:solidFill>
+                  <a:schemeClr val="accent1"/>
+                </a:solidFill>
+                <a:latin typeface="Consolas" panose="020B0609020204030204" pitchFamily="49" charset="0"/>
+              </a:rPr>
               <a:t>or</a:t>
             </a:r>
             <a:r>
@@ -13597,7 +13665,7 @@
               <a:rPr lang="en-US" sz="1100">
                 <a:latin typeface="Consolas" panose="020B0609020204030204" pitchFamily="49" charset="0"/>
               </a:rPr>
-              <a:t> 2 + 2 == 4</a:t>
+              <a:t> 2 + 2 == 5</a:t>
             </a:r>
           </a:p>
           <a:p>
@@ -17200,130 +17268,285 @@
             </a:pPr>
             <a:r>
               <a:rPr lang="en-US" sz="1100">
-                <a:latin typeface="Consolas" panose="020B0609020204030204" pitchFamily="49" charset="0"/>
-                <a:cs typeface="Courier New" panose="02070309020205020404" pitchFamily="49" charset="0"/>
-              </a:rPr>
-              <a:t>match language:</a:t>
-            </a:r>
-          </a:p>
-          <a:p>
-            <a:pPr marL="76200" indent="0">
-              <a:buNone/>
-            </a:pPr>
-            <a:r>
-              <a:rPr lang="en-US" sz="1100">
-                <a:latin typeface="Consolas" panose="020B0609020204030204" pitchFamily="49" charset="0"/>
-                <a:cs typeface="Courier New" panose="02070309020205020404" pitchFamily="49" charset="0"/>
-              </a:rPr>
-              <a:t>    case 'JavaScript':</a:t>
-            </a:r>
-          </a:p>
-          <a:p>
-            <a:pPr marL="76200" indent="0">
-              <a:buNone/>
-            </a:pPr>
-            <a:r>
-              <a:rPr lang="en-US" sz="1100">
-                <a:latin typeface="Consolas" panose="020B0609020204030204" pitchFamily="49" charset="0"/>
-                <a:cs typeface="Courier New" panose="02070309020205020404" pitchFamily="49" charset="0"/>
-              </a:rPr>
-              <a:t>        print("You can become a web developer.")</a:t>
-            </a:r>
-          </a:p>
-          <a:p>
-            <a:pPr marL="76200" indent="0">
-              <a:buNone/>
-            </a:pPr>
-            <a:r>
-              <a:rPr lang="en-US" sz="1100">
-                <a:latin typeface="Consolas" panose="020B0609020204030204" pitchFamily="49" charset="0"/>
-                <a:cs typeface="Courier New" panose="02070309020205020404" pitchFamily="49" charset="0"/>
-              </a:rPr>
-              <a:t>    case 'Python':</a:t>
-            </a:r>
-          </a:p>
-          <a:p>
-            <a:pPr marL="76200" indent="0">
-              <a:buNone/>
-            </a:pPr>
-            <a:r>
-              <a:rPr lang="en-US" sz="1100">
-                <a:latin typeface="Consolas" panose="020B0609020204030204" pitchFamily="49" charset="0"/>
-                <a:cs typeface="Courier New" panose="02070309020205020404" pitchFamily="49" charset="0"/>
-              </a:rPr>
-              <a:t>        print("You can become a Data Scientist")</a:t>
-            </a:r>
-          </a:p>
-          <a:p>
-            <a:pPr marL="76200" indent="0">
-              <a:buNone/>
-            </a:pPr>
-            <a:r>
-              <a:rPr lang="en-US" sz="1100">
-                <a:latin typeface="Consolas" panose="020B0609020204030204" pitchFamily="49" charset="0"/>
-                <a:cs typeface="Courier New" panose="02070309020205020404" pitchFamily="49" charset="0"/>
-              </a:rPr>
-              <a:t>    case 'PHP':</a:t>
-            </a:r>
-          </a:p>
-          <a:p>
-            <a:pPr marL="76200" indent="0">
-              <a:buNone/>
-            </a:pPr>
-            <a:r>
-              <a:rPr lang="en-US" sz="1100">
-                <a:latin typeface="Consolas" panose="020B0609020204030204" pitchFamily="49" charset="0"/>
-                <a:cs typeface="Courier New" panose="02070309020205020404" pitchFamily="49" charset="0"/>
-              </a:rPr>
-              <a:t>        print("You can become a backend developer")</a:t>
-            </a:r>
-          </a:p>
-          <a:p>
-            <a:pPr marL="76200" indent="0">
-              <a:buNone/>
-            </a:pPr>
-            <a:r>
-              <a:rPr lang="en-US" sz="1100">
-                <a:latin typeface="Consolas" panose="020B0609020204030204" pitchFamily="49" charset="0"/>
-                <a:cs typeface="Courier New" panose="02070309020205020404" pitchFamily="49" charset="0"/>
-              </a:rPr>
-              <a:t>    case 'Solidity':</a:t>
-            </a:r>
-          </a:p>
-          <a:p>
-            <a:pPr marL="76200" indent="0">
-              <a:buNone/>
-            </a:pPr>
-            <a:r>
-              <a:rPr lang="en-US" sz="1100">
-                <a:latin typeface="Consolas" panose="020B0609020204030204" pitchFamily="49" charset="0"/>
-                <a:cs typeface="Courier New" panose="02070309020205020404" pitchFamily="49" charset="0"/>
-              </a:rPr>
-              <a:t>        print("You can become a Blockchain developer")</a:t>
-            </a:r>
-          </a:p>
-          <a:p>
-            <a:pPr marL="76200" indent="0">
-              <a:buNone/>
-            </a:pPr>
-            <a:r>
-              <a:rPr lang="en-US" sz="1100">
-                <a:latin typeface="Consolas" panose="020B0609020204030204" pitchFamily="49" charset="0"/>
-                <a:cs typeface="Courier New" panose="02070309020205020404" pitchFamily="49" charset="0"/>
-              </a:rPr>
-              <a:t>    case _:</a:t>
-            </a:r>
-          </a:p>
-          <a:p>
-            <a:pPr marL="76200" indent="0">
-              <a:buNone/>
-            </a:pPr>
-            <a:r>
-              <a:rPr lang="en-US" sz="1100">
-                <a:latin typeface="Consolas" panose="020B0609020204030204" pitchFamily="49" charset="0"/>
-                <a:cs typeface="Courier New" panose="02070309020205020404" pitchFamily="49" charset="0"/>
-              </a:rPr>
-              <a:t>        print("The language doesn't matter, what matters is solving problems.")</a:t>
+                <a:solidFill>
+                  <a:schemeClr val="accent1"/>
+                </a:solidFill>
+                <a:latin typeface="Consolas" panose="020B0609020204030204" pitchFamily="49" charset="0"/>
+                <a:cs typeface="Courier New" panose="02070309020205020404" pitchFamily="49" charset="0"/>
+              </a:rPr>
+              <a:t>match</a:t>
+            </a:r>
+            <a:r>
+              <a:rPr lang="en-US" sz="1100">
+                <a:latin typeface="Consolas" panose="020B0609020204030204" pitchFamily="49" charset="0"/>
+                <a:cs typeface="Courier New" panose="02070309020205020404" pitchFamily="49" charset="0"/>
+              </a:rPr>
+              <a:t> language</a:t>
+            </a:r>
+            <a:r>
+              <a:rPr lang="en-US" sz="1100">
+                <a:solidFill>
+                  <a:schemeClr val="accent1"/>
+                </a:solidFill>
+                <a:latin typeface="Consolas" panose="020B0609020204030204" pitchFamily="49" charset="0"/>
+                <a:cs typeface="Courier New" panose="02070309020205020404" pitchFamily="49" charset="0"/>
+              </a:rPr>
+              <a:t>:</a:t>
+            </a:r>
+          </a:p>
+          <a:p>
+            <a:pPr marL="76200" indent="0">
+              <a:buNone/>
+            </a:pPr>
+            <a:r>
+              <a:rPr lang="en-US" sz="1100">
+                <a:latin typeface="Consolas" panose="020B0609020204030204" pitchFamily="49" charset="0"/>
+                <a:cs typeface="Courier New" panose="02070309020205020404" pitchFamily="49" charset="0"/>
+              </a:rPr>
+              <a:t>    </a:t>
+            </a:r>
+            <a:r>
+              <a:rPr lang="en-US" sz="1100">
+                <a:solidFill>
+                  <a:schemeClr val="accent1"/>
+                </a:solidFill>
+                <a:latin typeface="Consolas" panose="020B0609020204030204" pitchFamily="49" charset="0"/>
+                <a:cs typeface="Courier New" panose="02070309020205020404" pitchFamily="49" charset="0"/>
+              </a:rPr>
+              <a:t>case</a:t>
+            </a:r>
+            <a:r>
+              <a:rPr lang="en-US" sz="1100">
+                <a:latin typeface="Consolas" panose="020B0609020204030204" pitchFamily="49" charset="0"/>
+                <a:cs typeface="Courier New" panose="02070309020205020404" pitchFamily="49" charset="0"/>
+              </a:rPr>
+              <a:t> 'JavaScript'</a:t>
+            </a:r>
+            <a:r>
+              <a:rPr lang="en-US" sz="1100">
+                <a:solidFill>
+                  <a:schemeClr val="accent1"/>
+                </a:solidFill>
+                <a:latin typeface="Consolas" panose="020B0609020204030204" pitchFamily="49" charset="0"/>
+                <a:cs typeface="Courier New" panose="02070309020205020404" pitchFamily="49" charset="0"/>
+              </a:rPr>
+              <a:t>:</a:t>
+            </a:r>
+          </a:p>
+          <a:p>
+            <a:pPr marL="76200" indent="0">
+              <a:buNone/>
+            </a:pPr>
+            <a:r>
+              <a:rPr lang="en-US" sz="1100">
+                <a:latin typeface="Consolas" panose="020B0609020204030204" pitchFamily="49" charset="0"/>
+                <a:cs typeface="Courier New" panose="02070309020205020404" pitchFamily="49" charset="0"/>
+              </a:rPr>
+              <a:t>        print('You can become a web developer.')</a:t>
+            </a:r>
+          </a:p>
+          <a:p>
+            <a:pPr marL="76200" indent="0">
+              <a:buNone/>
+            </a:pPr>
+            <a:r>
+              <a:rPr lang="en-US" sz="1100">
+                <a:latin typeface="Consolas" panose="020B0609020204030204" pitchFamily="49" charset="0"/>
+                <a:cs typeface="Courier New" panose="02070309020205020404" pitchFamily="49" charset="0"/>
+              </a:rPr>
+              <a:t>    </a:t>
+            </a:r>
+            <a:r>
+              <a:rPr lang="en-US" sz="1100">
+                <a:solidFill>
+                  <a:schemeClr val="accent1"/>
+                </a:solidFill>
+                <a:latin typeface="Consolas" panose="020B0609020204030204" pitchFamily="49" charset="0"/>
+                <a:cs typeface="Courier New" panose="02070309020205020404" pitchFamily="49" charset="0"/>
+              </a:rPr>
+              <a:t>case</a:t>
+            </a:r>
+            <a:r>
+              <a:rPr lang="en-US" sz="1100">
+                <a:latin typeface="Consolas" panose="020B0609020204030204" pitchFamily="49" charset="0"/>
+                <a:cs typeface="Courier New" panose="02070309020205020404" pitchFamily="49" charset="0"/>
+              </a:rPr>
+              <a:t> 'Python'</a:t>
+            </a:r>
+            <a:r>
+              <a:rPr lang="en-US" sz="1100">
+                <a:solidFill>
+                  <a:schemeClr val="accent1"/>
+                </a:solidFill>
+                <a:latin typeface="Consolas" panose="020B0609020204030204" pitchFamily="49" charset="0"/>
+                <a:cs typeface="Courier New" panose="02070309020205020404" pitchFamily="49" charset="0"/>
+              </a:rPr>
+              <a:t>:</a:t>
+            </a:r>
+          </a:p>
+          <a:p>
+            <a:pPr marL="76200" indent="0">
+              <a:buNone/>
+            </a:pPr>
+            <a:r>
+              <a:rPr lang="en-US" sz="1100">
+                <a:latin typeface="Consolas" panose="020B0609020204030204" pitchFamily="49" charset="0"/>
+                <a:cs typeface="Courier New" panose="02070309020205020404" pitchFamily="49" charset="0"/>
+              </a:rPr>
+              <a:t>        print('You can become a Data Scientist.')</a:t>
+            </a:r>
+          </a:p>
+          <a:p>
+            <a:pPr marL="76200" indent="0">
+              <a:buNone/>
+            </a:pPr>
+            <a:r>
+              <a:rPr lang="en-US" sz="1100">
+                <a:latin typeface="Consolas" panose="020B0609020204030204" pitchFamily="49" charset="0"/>
+                <a:cs typeface="Courier New" panose="02070309020205020404" pitchFamily="49" charset="0"/>
+              </a:rPr>
+              <a:t>    </a:t>
+            </a:r>
+            <a:r>
+              <a:rPr lang="en-US" sz="1100">
+                <a:solidFill>
+                  <a:schemeClr val="accent1"/>
+                </a:solidFill>
+                <a:latin typeface="Consolas" panose="020B0609020204030204" pitchFamily="49" charset="0"/>
+                <a:cs typeface="Courier New" panose="02070309020205020404" pitchFamily="49" charset="0"/>
+              </a:rPr>
+              <a:t>case</a:t>
+            </a:r>
+            <a:r>
+              <a:rPr lang="en-US" sz="1100">
+                <a:latin typeface="Consolas" panose="020B0609020204030204" pitchFamily="49" charset="0"/>
+                <a:cs typeface="Courier New" panose="02070309020205020404" pitchFamily="49" charset="0"/>
+              </a:rPr>
+              <a:t> 'PHP'</a:t>
+            </a:r>
+            <a:r>
+              <a:rPr lang="en-US" sz="1100">
+                <a:solidFill>
+                  <a:schemeClr val="accent1"/>
+                </a:solidFill>
+                <a:latin typeface="Consolas" panose="020B0609020204030204" pitchFamily="49" charset="0"/>
+                <a:cs typeface="Courier New" panose="02070309020205020404" pitchFamily="49" charset="0"/>
+              </a:rPr>
+              <a:t>:</a:t>
+            </a:r>
+          </a:p>
+          <a:p>
+            <a:pPr marL="76200" indent="0">
+              <a:buNone/>
+            </a:pPr>
+            <a:r>
+              <a:rPr lang="en-US" sz="1100">
+                <a:latin typeface="Consolas" panose="020B0609020204030204" pitchFamily="49" charset="0"/>
+                <a:cs typeface="Courier New" panose="02070309020205020404" pitchFamily="49" charset="0"/>
+              </a:rPr>
+              <a:t>        print('You can become a backend developer.')</a:t>
+            </a:r>
+          </a:p>
+          <a:p>
+            <a:pPr marL="76200" indent="0">
+              <a:buNone/>
+            </a:pPr>
+            <a:r>
+              <a:rPr lang="en-US" sz="1100">
+                <a:latin typeface="Consolas" panose="020B0609020204030204" pitchFamily="49" charset="0"/>
+                <a:cs typeface="Courier New" panose="02070309020205020404" pitchFamily="49" charset="0"/>
+              </a:rPr>
+              <a:t>    </a:t>
+            </a:r>
+            <a:r>
+              <a:rPr lang="en-US" sz="1100">
+                <a:solidFill>
+                  <a:schemeClr val="accent1"/>
+                </a:solidFill>
+                <a:latin typeface="Consolas" panose="020B0609020204030204" pitchFamily="49" charset="0"/>
+                <a:cs typeface="Courier New" panose="02070309020205020404" pitchFamily="49" charset="0"/>
+              </a:rPr>
+              <a:t>case</a:t>
+            </a:r>
+            <a:r>
+              <a:rPr lang="en-US" sz="1100">
+                <a:latin typeface="Consolas" panose="020B0609020204030204" pitchFamily="49" charset="0"/>
+                <a:cs typeface="Courier New" panose="02070309020205020404" pitchFamily="49" charset="0"/>
+              </a:rPr>
+              <a:t> 'Solidity'</a:t>
+            </a:r>
+            <a:r>
+              <a:rPr lang="en-US" sz="1100">
+                <a:solidFill>
+                  <a:schemeClr val="accent1"/>
+                </a:solidFill>
+                <a:latin typeface="Consolas" panose="020B0609020204030204" pitchFamily="49" charset="0"/>
+                <a:cs typeface="Courier New" panose="02070309020205020404" pitchFamily="49" charset="0"/>
+              </a:rPr>
+              <a:t>:</a:t>
+            </a:r>
+          </a:p>
+          <a:p>
+            <a:pPr marL="76200" indent="0">
+              <a:buNone/>
+            </a:pPr>
+            <a:r>
+              <a:rPr lang="en-US" sz="1100">
+                <a:latin typeface="Consolas" panose="020B0609020204030204" pitchFamily="49" charset="0"/>
+                <a:cs typeface="Courier New" panose="02070309020205020404" pitchFamily="49" charset="0"/>
+              </a:rPr>
+              <a:t>        print('You can become a Blockchain developer.')</a:t>
+            </a:r>
+          </a:p>
+          <a:p>
+            <a:pPr marL="76200" indent="0">
+              <a:buNone/>
+            </a:pPr>
+            <a:r>
+              <a:rPr lang="en-US" sz="1100">
+                <a:latin typeface="Consolas" panose="020B0609020204030204" pitchFamily="49" charset="0"/>
+                <a:cs typeface="Courier New" panose="02070309020205020404" pitchFamily="49" charset="0"/>
+              </a:rPr>
+              <a:t>    </a:t>
+            </a:r>
+            <a:r>
+              <a:rPr lang="en-US" sz="1100">
+                <a:solidFill>
+                  <a:schemeClr val="accent1"/>
+                </a:solidFill>
+                <a:latin typeface="Consolas" panose="020B0609020204030204" pitchFamily="49" charset="0"/>
+                <a:cs typeface="Courier New" panose="02070309020205020404" pitchFamily="49" charset="0"/>
+              </a:rPr>
+              <a:t>case</a:t>
+            </a:r>
+            <a:r>
+              <a:rPr lang="en-US" sz="1100">
+                <a:latin typeface="Consolas" panose="020B0609020204030204" pitchFamily="49" charset="0"/>
+                <a:cs typeface="Courier New" panose="02070309020205020404" pitchFamily="49" charset="0"/>
+              </a:rPr>
+              <a:t> _</a:t>
+            </a:r>
+            <a:r>
+              <a:rPr lang="en-US" sz="1100">
+                <a:solidFill>
+                  <a:schemeClr val="accent1"/>
+                </a:solidFill>
+                <a:latin typeface="Consolas" panose="020B0609020204030204" pitchFamily="49" charset="0"/>
+                <a:cs typeface="Courier New" panose="02070309020205020404" pitchFamily="49" charset="0"/>
+              </a:rPr>
+              <a:t>:</a:t>
+            </a:r>
+          </a:p>
+          <a:p>
+            <a:pPr marL="76200" indent="0">
+              <a:buNone/>
+            </a:pPr>
+            <a:r>
+              <a:rPr lang="en-US" sz="1100">
+                <a:latin typeface="Consolas" panose="020B0609020204030204" pitchFamily="49" charset="0"/>
+                <a:cs typeface="Courier New" panose="02070309020205020404" pitchFamily="49" charset="0"/>
+              </a:rPr>
+              <a:t>        print('The language doesn't matter, what matters is solving problems.')</a:t>
             </a:r>
           </a:p>
         </p:txBody>
@@ -19255,7 +19478,7 @@
             </a:pPr>
             <a:r>
               <a:rPr lang="en"/>
-              <a:t>Git</a:t>
+              <a:t>Git Basics</a:t>
             </a:r>
             <a:endParaRPr/>
           </a:p>
@@ -19736,7 +19959,58 @@
                 <a:latin typeface="Consolas" panose="020B0609020204030204" pitchFamily="49" charset="0"/>
                 <a:cs typeface="Courier New" panose="02070309020205020404" pitchFamily="49" charset="0"/>
               </a:rPr>
-              <a:t>def fullName(firstName: str, lastName: str) -&gt; str:</a:t>
+              <a:t>def fullName(firstName</a:t>
+            </a:r>
+            <a:r>
+              <a:rPr lang="en-US" sz="1100">
+                <a:solidFill>
+                  <a:schemeClr val="accent1"/>
+                </a:solidFill>
+                <a:latin typeface="Consolas" panose="020B0609020204030204" pitchFamily="49" charset="0"/>
+                <a:cs typeface="Courier New" panose="02070309020205020404" pitchFamily="49" charset="0"/>
+              </a:rPr>
+              <a:t>: str</a:t>
+            </a:r>
+            <a:r>
+              <a:rPr lang="en-US" sz="1100">
+                <a:latin typeface="Consolas" panose="020B0609020204030204" pitchFamily="49" charset="0"/>
+                <a:cs typeface="Courier New" panose="02070309020205020404" pitchFamily="49" charset="0"/>
+              </a:rPr>
+              <a:t>, lastName</a:t>
+            </a:r>
+            <a:r>
+              <a:rPr lang="en-US" sz="1100">
+                <a:solidFill>
+                  <a:schemeClr val="accent1"/>
+                </a:solidFill>
+                <a:latin typeface="Consolas" panose="020B0609020204030204" pitchFamily="49" charset="0"/>
+                <a:cs typeface="Courier New" panose="02070309020205020404" pitchFamily="49" charset="0"/>
+              </a:rPr>
+              <a:t>: str</a:t>
+            </a:r>
+            <a:r>
+              <a:rPr lang="en-US" sz="1100">
+                <a:latin typeface="Consolas" panose="020B0609020204030204" pitchFamily="49" charset="0"/>
+                <a:cs typeface="Courier New" panose="02070309020205020404" pitchFamily="49" charset="0"/>
+              </a:rPr>
+              <a:t>) </a:t>
+            </a:r>
+            <a:r>
+              <a:rPr lang="en-US" sz="1100">
+                <a:solidFill>
+                  <a:schemeClr val="accent1"/>
+                </a:solidFill>
+                <a:latin typeface="Consolas" panose="020B0609020204030204" pitchFamily="49" charset="0"/>
+                <a:cs typeface="Courier New" panose="02070309020205020404" pitchFamily="49" charset="0"/>
+              </a:rPr>
+              <a:t>-&gt; str</a:t>
+            </a:r>
+            <a:r>
+              <a:rPr lang="en-US" sz="1100">
+                <a:latin typeface="Consolas" panose="020B0609020204030204" pitchFamily="49" charset="0"/>
+                <a:cs typeface="Courier New" panose="02070309020205020404" pitchFamily="49" charset="0"/>
+              </a:rPr>
+              <a:t>:</a:t>
             </a:r>
           </a:p>
           <a:p>
@@ -19856,7 +20130,7 @@
           <a:p>
             <a:r>
               <a:rPr lang="en-US"/>
-              <a:t>Lambda</a:t>
+              <a:t>Nested Functions</a:t>
             </a:r>
             <a:endParaRPr lang="fa-IR"/>
           </a:p>
@@ -19893,125 +20167,12 @@
             </a:pPr>
             <a:r>
               <a:rPr lang="en-US" sz="1400"/>
-              <a:t>Small anonymous functions</a:t>
-            </a:r>
-          </a:p>
-          <a:p>
-            <a:pPr marL="76200" indent="0">
-              <a:buNone/>
-            </a:pPr>
-            <a:r>
-              <a:rPr lang="en-US" sz="1100">
-                <a:latin typeface="Consolas" panose="020B0609020204030204" pitchFamily="49" charset="0"/>
-                <a:cs typeface="Courier New" panose="02070309020205020404" pitchFamily="49" charset="0"/>
-              </a:rPr>
-              <a:t>greeter = </a:t>
-            </a:r>
-            <a:r>
-              <a:rPr lang="en-US" sz="1100">
-                <a:solidFill>
-                  <a:schemeClr val="accent1"/>
-                </a:solidFill>
-                <a:latin typeface="Consolas" panose="020B0609020204030204" pitchFamily="49" charset="0"/>
-                <a:cs typeface="Courier New" panose="02070309020205020404" pitchFamily="49" charset="0"/>
-              </a:rPr>
-              <a:t>lambda:</a:t>
-            </a:r>
-            <a:r>
-              <a:rPr lang="en-US" sz="1100">
-                <a:latin typeface="Consolas" panose="020B0609020204030204" pitchFamily="49" charset="0"/>
-                <a:cs typeface="Courier New" panose="02070309020205020404" pitchFamily="49" charset="0"/>
-              </a:rPr>
-              <a:t> print('Hello')</a:t>
-            </a:r>
-          </a:p>
-          <a:p>
-            <a:pPr marL="76200" indent="0">
-              <a:buNone/>
-            </a:pPr>
-            <a:r>
-              <a:rPr lang="en-US" sz="1100">
-                <a:latin typeface="Consolas" panose="020B0609020204030204" pitchFamily="49" charset="0"/>
-                <a:cs typeface="Courier New" panose="02070309020205020404" pitchFamily="49" charset="0"/>
-              </a:rPr>
-              <a:t>print(greeter())</a:t>
-            </a:r>
-          </a:p>
-          <a:p>
-            <a:pPr marL="76200" indent="0">
-              <a:buNone/>
-            </a:pPr>
+              <a:t>.</a:t>
+            </a:r>
             <a:endParaRPr lang="en-US" sz="1100">
               <a:latin typeface="Consolas" panose="020B0609020204030204" pitchFamily="49" charset="0"/>
               <a:cs typeface="Courier New" panose="02070309020205020404" pitchFamily="49" charset="0"/>
             </a:endParaRPr>
-          </a:p>
-          <a:p>
-            <a:pPr marL="76200" indent="0">
-              <a:buNone/>
-            </a:pPr>
-            <a:r>
-              <a:rPr lang="en-US" sz="1400"/>
-              <a:t>Arguments </a:t>
-            </a:r>
-          </a:p>
-          <a:p>
-            <a:pPr marL="76200" indent="0">
-              <a:buNone/>
-            </a:pPr>
-            <a:r>
-              <a:rPr lang="en-US" sz="1100">
-                <a:latin typeface="Consolas" panose="020B0609020204030204" pitchFamily="49" charset="0"/>
-                <a:cs typeface="Courier New" panose="02070309020205020404" pitchFamily="49" charset="0"/>
-              </a:rPr>
-              <a:t>greeter = (lambda name </a:t>
-            </a:r>
-            <a:r>
-              <a:rPr lang="en-US" sz="1100">
-                <a:solidFill>
-                  <a:schemeClr val="accent1"/>
-                </a:solidFill>
-                <a:latin typeface="Consolas" panose="020B0609020204030204" pitchFamily="49" charset="0"/>
-                <a:cs typeface="Courier New" panose="02070309020205020404" pitchFamily="49" charset="0"/>
-              </a:rPr>
-              <a:t>=</a:t>
-            </a:r>
-            <a:r>
-              <a:rPr lang="en-US" sz="1100">
-                <a:latin typeface="Consolas" panose="020B0609020204030204" pitchFamily="49" charset="0"/>
-                <a:cs typeface="Courier New" panose="02070309020205020404" pitchFamily="49" charset="0"/>
-              </a:rPr>
-              <a:t> 'Dear user': f'Hello {name}!')</a:t>
-            </a:r>
-          </a:p>
-          <a:p>
-            <a:pPr marL="76200" indent="0">
-              <a:buNone/>
-            </a:pPr>
-            <a:r>
-              <a:rPr lang="en-US" sz="1100">
-                <a:latin typeface="Consolas" panose="020B0609020204030204" pitchFamily="49" charset="0"/>
-                <a:cs typeface="Courier New" panose="02070309020205020404" pitchFamily="49" charset="0"/>
-              </a:rPr>
-              <a:t>print(greeter(name </a:t>
-            </a:r>
-            <a:r>
-              <a:rPr lang="en-US" sz="1100">
-                <a:solidFill>
-                  <a:schemeClr val="accent1"/>
-                </a:solidFill>
-                <a:latin typeface="Consolas" panose="020B0609020204030204" pitchFamily="49" charset="0"/>
-                <a:cs typeface="Courier New" panose="02070309020205020404" pitchFamily="49" charset="0"/>
-              </a:rPr>
-              <a:t>=</a:t>
-            </a:r>
-            <a:r>
-              <a:rPr lang="en-US" sz="1100">
-                <a:latin typeface="Consolas" panose="020B0609020204030204" pitchFamily="49" charset="0"/>
-                <a:cs typeface="Courier New" panose="02070309020205020404" pitchFamily="49" charset="0"/>
-              </a:rPr>
-              <a:t> 'Alireza'))</a:t>
-            </a:r>
           </a:p>
         </p:txBody>
       </p:sp>
@@ -20056,6 +20217,256 @@
     </p:spTree>
     <p:extLst>
       <p:ext uri="{BB962C8B-B14F-4D97-AF65-F5344CB8AC3E}">
+        <p14:creationId xmlns:p14="http://schemas.microsoft.com/office/powerpoint/2010/main" val="4018834155"/>
+      </p:ext>
+    </p:extLst>
+  </p:cSld>
+  <p:clrMapOvr>
+    <a:masterClrMapping/>
+  </p:clrMapOvr>
+</p:sld>
+</file>
+
+<file path=ppt/slides/slide33.xml><?xml version="1.0" encoding="utf-8"?>
+<p:sld xmlns:a="http://schemas.openxmlformats.org/drawingml/2006/main" xmlns:r="http://schemas.openxmlformats.org/officeDocument/2006/relationships" xmlns:p="http://schemas.openxmlformats.org/presentationml/2006/main">
+  <p:cSld>
+    <p:spTree>
+      <p:nvGrpSpPr>
+        <p:cNvPr id="1" name=""/>
+        <p:cNvGrpSpPr/>
+        <p:nvPr/>
+      </p:nvGrpSpPr>
+      <p:grpSpPr>
+        <a:xfrm>
+          <a:off x="0" y="0"/>
+          <a:ext cx="0" cy="0"/>
+          <a:chOff x="0" y="0"/>
+          <a:chExt cx="0" cy="0"/>
+        </a:xfrm>
+      </p:grpSpPr>
+      <p:sp>
+        <p:nvSpPr>
+          <p:cNvPr id="2" name="Title 1">
+            <a:extLst>
+              <a:ext uri="{FF2B5EF4-FFF2-40B4-BE49-F238E27FC236}">
+                <a16:creationId xmlns:a16="http://schemas.microsoft.com/office/drawing/2014/main" id="{024AD384-5AD1-4435-A943-1241B2FACD62}"/>
+              </a:ext>
+            </a:extLst>
+          </p:cNvPr>
+          <p:cNvSpPr>
+            <a:spLocks noGrp="1"/>
+          </p:cNvSpPr>
+          <p:nvPr>
+            <p:ph type="title"/>
+          </p:nvPr>
+        </p:nvSpPr>
+        <p:spPr/>
+        <p:txBody>
+          <a:bodyPr/>
+          <a:lstStyle/>
+          <a:p>
+            <a:r>
+              <a:rPr lang="en-US"/>
+              <a:t>Lambda</a:t>
+            </a:r>
+            <a:endParaRPr lang="fa-IR"/>
+          </a:p>
+        </p:txBody>
+      </p:sp>
+      <p:sp>
+        <p:nvSpPr>
+          <p:cNvPr id="3" name="Text Placeholder 2">
+            <a:extLst>
+              <a:ext uri="{FF2B5EF4-FFF2-40B4-BE49-F238E27FC236}">
+                <a16:creationId xmlns:a16="http://schemas.microsoft.com/office/drawing/2014/main" id="{58BE3078-8B89-4550-B497-93E4DADBD57E}"/>
+              </a:ext>
+            </a:extLst>
+          </p:cNvPr>
+          <p:cNvSpPr>
+            <a:spLocks noGrp="1"/>
+          </p:cNvSpPr>
+          <p:nvPr>
+            <p:ph type="body" idx="1"/>
+          </p:nvPr>
+        </p:nvSpPr>
+        <p:spPr>
+          <a:xfrm>
+            <a:off x="786150" y="1142608"/>
+            <a:ext cx="7571700" cy="3626431"/>
+          </a:xfrm>
+        </p:spPr>
+        <p:txBody>
+          <a:bodyPr/>
+          <a:lstStyle/>
+          <a:p>
+            <a:pPr marL="76200" indent="0">
+              <a:buNone/>
+            </a:pPr>
+            <a:r>
+              <a:rPr lang="en-US" sz="1400"/>
+              <a:t>Small anonymous functions</a:t>
+            </a:r>
+          </a:p>
+          <a:p>
+            <a:pPr marL="76200" indent="0">
+              <a:buNone/>
+            </a:pPr>
+            <a:r>
+              <a:rPr lang="en-US" sz="1100">
+                <a:latin typeface="Consolas" panose="020B0609020204030204" pitchFamily="49" charset="0"/>
+                <a:cs typeface="Courier New" panose="02070309020205020404" pitchFamily="49" charset="0"/>
+              </a:rPr>
+              <a:t>greeter = </a:t>
+            </a:r>
+            <a:r>
+              <a:rPr lang="en-US" sz="1100">
+                <a:solidFill>
+                  <a:schemeClr val="accent1"/>
+                </a:solidFill>
+                <a:latin typeface="Consolas" panose="020B0609020204030204" pitchFamily="49" charset="0"/>
+                <a:cs typeface="Courier New" panose="02070309020205020404" pitchFamily="49" charset="0"/>
+              </a:rPr>
+              <a:t>lambda:</a:t>
+            </a:r>
+            <a:r>
+              <a:rPr lang="en-US" sz="1100">
+                <a:latin typeface="Consolas" panose="020B0609020204030204" pitchFamily="49" charset="0"/>
+                <a:cs typeface="Courier New" panose="02070309020205020404" pitchFamily="49" charset="0"/>
+              </a:rPr>
+              <a:t> print('Hello')</a:t>
+            </a:r>
+          </a:p>
+          <a:p>
+            <a:pPr marL="76200" indent="0">
+              <a:buNone/>
+            </a:pPr>
+            <a:r>
+              <a:rPr lang="en-US" sz="1100">
+                <a:latin typeface="Consolas" panose="020B0609020204030204" pitchFamily="49" charset="0"/>
+                <a:cs typeface="Courier New" panose="02070309020205020404" pitchFamily="49" charset="0"/>
+              </a:rPr>
+              <a:t>print(greeter())</a:t>
+            </a:r>
+          </a:p>
+          <a:p>
+            <a:pPr marL="76200" indent="0">
+              <a:buNone/>
+            </a:pPr>
+            <a:endParaRPr lang="en-US" sz="1100">
+              <a:latin typeface="Consolas" panose="020B0609020204030204" pitchFamily="49" charset="0"/>
+              <a:cs typeface="Courier New" panose="02070309020205020404" pitchFamily="49" charset="0"/>
+            </a:endParaRPr>
+          </a:p>
+          <a:p>
+            <a:pPr marL="76200" indent="0">
+              <a:buNone/>
+            </a:pPr>
+            <a:r>
+              <a:rPr lang="en-US" sz="1400"/>
+              <a:t>Arguments </a:t>
+            </a:r>
+          </a:p>
+          <a:p>
+            <a:pPr marL="76200" indent="0">
+              <a:buNone/>
+            </a:pPr>
+            <a:r>
+              <a:rPr lang="en-US" sz="1100">
+                <a:latin typeface="Consolas" panose="020B0609020204030204" pitchFamily="49" charset="0"/>
+                <a:cs typeface="Courier New" panose="02070309020205020404" pitchFamily="49" charset="0"/>
+              </a:rPr>
+              <a:t>greeter = (lambda name </a:t>
+            </a:r>
+            <a:r>
+              <a:rPr lang="en-US" sz="1100">
+                <a:solidFill>
+                  <a:schemeClr val="accent1"/>
+                </a:solidFill>
+                <a:latin typeface="Consolas" panose="020B0609020204030204" pitchFamily="49" charset="0"/>
+                <a:cs typeface="Courier New" panose="02070309020205020404" pitchFamily="49" charset="0"/>
+              </a:rPr>
+              <a:t>=</a:t>
+            </a:r>
+            <a:r>
+              <a:rPr lang="en-US" sz="1100">
+                <a:latin typeface="Consolas" panose="020B0609020204030204" pitchFamily="49" charset="0"/>
+                <a:cs typeface="Courier New" panose="02070309020205020404" pitchFamily="49" charset="0"/>
+              </a:rPr>
+              <a:t> 'Dear user': f'Hello {name}!')</a:t>
+            </a:r>
+          </a:p>
+          <a:p>
+            <a:pPr marL="76200" indent="0">
+              <a:buNone/>
+            </a:pPr>
+            <a:r>
+              <a:rPr lang="en-US" sz="1100">
+                <a:latin typeface="Consolas" panose="020B0609020204030204" pitchFamily="49" charset="0"/>
+                <a:cs typeface="Courier New" panose="02070309020205020404" pitchFamily="49" charset="0"/>
+              </a:rPr>
+              <a:t>print(greeter(name </a:t>
+            </a:r>
+            <a:r>
+              <a:rPr lang="en-US" sz="1100">
+                <a:solidFill>
+                  <a:schemeClr val="accent1"/>
+                </a:solidFill>
+                <a:latin typeface="Consolas" panose="020B0609020204030204" pitchFamily="49" charset="0"/>
+                <a:cs typeface="Courier New" panose="02070309020205020404" pitchFamily="49" charset="0"/>
+              </a:rPr>
+              <a:t>=</a:t>
+            </a:r>
+            <a:r>
+              <a:rPr lang="en-US" sz="1100">
+                <a:latin typeface="Consolas" panose="020B0609020204030204" pitchFamily="49" charset="0"/>
+                <a:cs typeface="Courier New" panose="02070309020205020404" pitchFamily="49" charset="0"/>
+              </a:rPr>
+              <a:t> 'Alireza'))</a:t>
+            </a:r>
+          </a:p>
+        </p:txBody>
+      </p:sp>
+      <p:sp>
+        <p:nvSpPr>
+          <p:cNvPr id="4" name="Slide Number Placeholder 3">
+            <a:extLst>
+              <a:ext uri="{FF2B5EF4-FFF2-40B4-BE49-F238E27FC236}">
+                <a16:creationId xmlns:a16="http://schemas.microsoft.com/office/drawing/2014/main" id="{64987AE6-EC0E-43DD-9376-95A5602EE5E1}"/>
+              </a:ext>
+            </a:extLst>
+          </p:cNvPr>
+          <p:cNvSpPr>
+            <a:spLocks noGrp="1"/>
+          </p:cNvSpPr>
+          <p:nvPr>
+            <p:ph type="sldNum" idx="12"/>
+          </p:nvPr>
+        </p:nvSpPr>
+        <p:spPr/>
+        <p:txBody>
+          <a:bodyPr/>
+          <a:lstStyle/>
+          <a:p>
+            <a:pPr marL="0" lvl="0" indent="0" algn="r" rtl="0">
+              <a:spcBef>
+                <a:spcPts val="0"/>
+              </a:spcBef>
+              <a:spcAft>
+                <a:spcPts val="0"/>
+              </a:spcAft>
+              <a:buNone/>
+            </a:pPr>
+            <a:fld id="{00000000-1234-1234-1234-123412341234}" type="slidenum">
+              <a:rPr lang="en" smtClean="0"/>
+              <a:t>33</a:t>
+            </a:fld>
+            <a:endParaRPr lang="en"/>
+          </a:p>
+        </p:txBody>
+      </p:sp>
+    </p:spTree>
+    <p:extLst>
+      <p:ext uri="{BB962C8B-B14F-4D97-AF65-F5344CB8AC3E}">
         <p14:creationId xmlns:p14="http://schemas.microsoft.com/office/powerpoint/2010/main" val="801939220"/>
       </p:ext>
     </p:extLst>
@@ -20066,7 +20477,7 @@
 </p:sld>
 </file>
 
-<file path=ppt/slides/slide33.xml><?xml version="1.0" encoding="utf-8"?>
+<file path=ppt/slides/slide34.xml><?xml version="1.0" encoding="utf-8"?>
 <p:sld xmlns:a="http://schemas.openxmlformats.org/drawingml/2006/main" xmlns:r="http://schemas.openxmlformats.org/officeDocument/2006/relationships" xmlns:p="http://schemas.openxmlformats.org/presentationml/2006/main" show="0">
   <p:cSld>
     <p:spTree>
@@ -20243,7 +20654,7 @@
             </a:pPr>
             <a:fld id="{00000000-1234-1234-1234-123412341234}" type="slidenum">
               <a:rPr lang="en" smtClean="0"/>
-              <a:t>33</a:t>
+              <a:t>34</a:t>
             </a:fld>
             <a:endParaRPr lang="en"/>
           </a:p>
@@ -20253,264 +20664,6 @@
     <p:extLst>
       <p:ext uri="{BB962C8B-B14F-4D97-AF65-F5344CB8AC3E}">
         <p14:creationId xmlns:p14="http://schemas.microsoft.com/office/powerpoint/2010/main" val="774862470"/>
-      </p:ext>
-    </p:extLst>
-  </p:cSld>
-  <p:clrMapOvr>
-    <a:masterClrMapping/>
-  </p:clrMapOvr>
-</p:sld>
-</file>
-
-<file path=ppt/slides/slide34.xml><?xml version="1.0" encoding="utf-8"?>
-<p:sld xmlns:a="http://schemas.openxmlformats.org/drawingml/2006/main" xmlns:r="http://schemas.openxmlformats.org/officeDocument/2006/relationships" xmlns:p="http://schemas.openxmlformats.org/presentationml/2006/main">
-  <p:cSld>
-    <p:spTree>
-      <p:nvGrpSpPr>
-        <p:cNvPr id="1" name=""/>
-        <p:cNvGrpSpPr/>
-        <p:nvPr/>
-      </p:nvGrpSpPr>
-      <p:grpSpPr>
-        <a:xfrm>
-          <a:off x="0" y="0"/>
-          <a:ext cx="0" cy="0"/>
-          <a:chOff x="0" y="0"/>
-          <a:chExt cx="0" cy="0"/>
-        </a:xfrm>
-      </p:grpSpPr>
-      <p:sp>
-        <p:nvSpPr>
-          <p:cNvPr id="2" name="Title 1">
-            <a:extLst>
-              <a:ext uri="{FF2B5EF4-FFF2-40B4-BE49-F238E27FC236}">
-                <a16:creationId xmlns:a16="http://schemas.microsoft.com/office/drawing/2014/main" id="{024AD384-5AD1-4435-A943-1241B2FACD62}"/>
-              </a:ext>
-            </a:extLst>
-          </p:cNvPr>
-          <p:cNvSpPr>
-            <a:spLocks noGrp="1"/>
-          </p:cNvSpPr>
-          <p:nvPr>
-            <p:ph type="title"/>
-          </p:nvPr>
-        </p:nvSpPr>
-        <p:spPr/>
-        <p:txBody>
-          <a:bodyPr/>
-          <a:lstStyle/>
-          <a:p>
-            <a:r>
-              <a:rPr lang="en-US"/>
-              <a:t>Try Except</a:t>
-            </a:r>
-            <a:endParaRPr lang="fa-IR"/>
-          </a:p>
-        </p:txBody>
-      </p:sp>
-      <p:sp>
-        <p:nvSpPr>
-          <p:cNvPr id="3" name="Text Placeholder 2">
-            <a:extLst>
-              <a:ext uri="{FF2B5EF4-FFF2-40B4-BE49-F238E27FC236}">
-                <a16:creationId xmlns:a16="http://schemas.microsoft.com/office/drawing/2014/main" id="{58BE3078-8B89-4550-B497-93E4DADBD57E}"/>
-              </a:ext>
-            </a:extLst>
-          </p:cNvPr>
-          <p:cNvSpPr>
-            <a:spLocks noGrp="1"/>
-          </p:cNvSpPr>
-          <p:nvPr>
-            <p:ph type="body" idx="1"/>
-          </p:nvPr>
-        </p:nvSpPr>
-        <p:spPr>
-          <a:xfrm>
-            <a:off x="786150" y="1142608"/>
-            <a:ext cx="7571700" cy="3626431"/>
-          </a:xfrm>
-        </p:spPr>
-        <p:txBody>
-          <a:bodyPr/>
-          <a:lstStyle/>
-          <a:p>
-            <a:pPr marL="76200" indent="0">
-              <a:buNone/>
-            </a:pPr>
-            <a:r>
-              <a:rPr lang="en-US" sz="1400"/>
-              <a:t>Test a block of code for errors and handle the error</a:t>
-            </a:r>
-          </a:p>
-          <a:p>
-            <a:pPr marL="76200" indent="0">
-              <a:buNone/>
-            </a:pPr>
-            <a:r>
-              <a:rPr lang="en-US" sz="1100">
-                <a:solidFill>
-                  <a:schemeClr val="accent1"/>
-                </a:solidFill>
-                <a:latin typeface="Consolas" panose="020B0609020204030204" pitchFamily="49" charset="0"/>
-                <a:cs typeface="Courier New" panose="02070309020205020404" pitchFamily="49" charset="0"/>
-              </a:rPr>
-              <a:t>try:</a:t>
-            </a:r>
-          </a:p>
-          <a:p>
-            <a:pPr marL="76200" indent="0">
-              <a:buNone/>
-            </a:pPr>
-            <a:r>
-              <a:rPr lang="en-US" sz="1100">
-                <a:latin typeface="Consolas" panose="020B0609020204030204" pitchFamily="49" charset="0"/>
-                <a:cs typeface="Courier New" panose="02070309020205020404" pitchFamily="49" charset="0"/>
-              </a:rPr>
-              <a:t>    print(x)</a:t>
-            </a:r>
-          </a:p>
-          <a:p>
-            <a:pPr marL="76200" indent="0">
-              <a:buNone/>
-            </a:pPr>
-            <a:r>
-              <a:rPr lang="en-US" sz="1100">
-                <a:solidFill>
-                  <a:schemeClr val="accent1"/>
-                </a:solidFill>
-                <a:latin typeface="Consolas" panose="020B0609020204030204" pitchFamily="49" charset="0"/>
-                <a:cs typeface="Courier New" panose="02070309020205020404" pitchFamily="49" charset="0"/>
-              </a:rPr>
-              <a:t>except</a:t>
-            </a:r>
-            <a:r>
-              <a:rPr lang="en-US" sz="1100">
-                <a:latin typeface="Consolas" panose="020B0609020204030204" pitchFamily="49" charset="0"/>
-                <a:cs typeface="Courier New" panose="02070309020205020404" pitchFamily="49" charset="0"/>
-              </a:rPr>
-              <a:t> NameError</a:t>
-            </a:r>
-            <a:r>
-              <a:rPr lang="en-US" sz="1100">
-                <a:solidFill>
-                  <a:schemeClr val="accent1"/>
-                </a:solidFill>
-                <a:latin typeface="Consolas" panose="020B0609020204030204" pitchFamily="49" charset="0"/>
-                <a:cs typeface="Courier New" panose="02070309020205020404" pitchFamily="49" charset="0"/>
-              </a:rPr>
-              <a:t>:</a:t>
-            </a:r>
-          </a:p>
-          <a:p>
-            <a:pPr marL="76200" indent="0">
-              <a:buNone/>
-            </a:pPr>
-            <a:r>
-              <a:rPr lang="en-US" sz="1100">
-                <a:latin typeface="Consolas" panose="020B0609020204030204" pitchFamily="49" charset="0"/>
-                <a:cs typeface="Courier New" panose="02070309020205020404" pitchFamily="49" charset="0"/>
-              </a:rPr>
-              <a:t>    print('Variable x is not defined')</a:t>
-            </a:r>
-          </a:p>
-          <a:p>
-            <a:pPr marL="76200" indent="0">
-              <a:buNone/>
-            </a:pPr>
-            <a:r>
-              <a:rPr lang="en-US" sz="1100">
-                <a:solidFill>
-                  <a:schemeClr val="accent1"/>
-                </a:solidFill>
-                <a:latin typeface="Consolas" panose="020B0609020204030204" pitchFamily="49" charset="0"/>
-                <a:cs typeface="Courier New" panose="02070309020205020404" pitchFamily="49" charset="0"/>
-              </a:rPr>
-              <a:t>except:</a:t>
-            </a:r>
-          </a:p>
-          <a:p>
-            <a:pPr marL="76200" indent="0">
-              <a:buNone/>
-            </a:pPr>
-            <a:r>
-              <a:rPr lang="en-US" sz="1100">
-                <a:latin typeface="Consolas" panose="020B0609020204030204" pitchFamily="49" charset="0"/>
-                <a:cs typeface="Courier New" panose="02070309020205020404" pitchFamily="49" charset="0"/>
-              </a:rPr>
-              <a:t>    print('Something else went wrong')</a:t>
-            </a:r>
-          </a:p>
-          <a:p>
-            <a:pPr marL="76200" indent="0">
-              <a:buNone/>
-            </a:pPr>
-            <a:r>
-              <a:rPr lang="en-US" sz="1100">
-                <a:solidFill>
-                  <a:schemeClr val="accent1"/>
-                </a:solidFill>
-                <a:latin typeface="Consolas" panose="020B0609020204030204" pitchFamily="49" charset="0"/>
-                <a:cs typeface="Courier New" panose="02070309020205020404" pitchFamily="49" charset="0"/>
-              </a:rPr>
-              <a:t>else:</a:t>
-            </a:r>
-          </a:p>
-          <a:p>
-            <a:pPr marL="76200" indent="0">
-              <a:buNone/>
-            </a:pPr>
-            <a:r>
-              <a:rPr lang="en-US" sz="1100">
-                <a:latin typeface="Consolas" panose="020B0609020204030204" pitchFamily="49" charset="0"/>
-                <a:cs typeface="Courier New" panose="02070309020205020404" pitchFamily="49" charset="0"/>
-              </a:rPr>
-              <a:t>    print('Nothing went wrong')</a:t>
-            </a:r>
-          </a:p>
-        </p:txBody>
-      </p:sp>
-      <p:sp>
-        <p:nvSpPr>
-          <p:cNvPr id="4" name="Slide Number Placeholder 3">
-            <a:extLst>
-              <a:ext uri="{FF2B5EF4-FFF2-40B4-BE49-F238E27FC236}">
-                <a16:creationId xmlns:a16="http://schemas.microsoft.com/office/drawing/2014/main" id="{64987AE6-EC0E-43DD-9376-95A5602EE5E1}"/>
-              </a:ext>
-            </a:extLst>
-          </p:cNvPr>
-          <p:cNvSpPr>
-            <a:spLocks noGrp="1"/>
-          </p:cNvSpPr>
-          <p:nvPr>
-            <p:ph type="sldNum" idx="12"/>
-          </p:nvPr>
-        </p:nvSpPr>
-        <p:spPr/>
-        <p:txBody>
-          <a:bodyPr/>
-          <a:lstStyle/>
-          <a:p>
-            <a:pPr marL="0" lvl="0" indent="0" algn="r" rtl="0">
-              <a:spcBef>
-                <a:spcPts val="0"/>
-              </a:spcBef>
-              <a:spcAft>
-                <a:spcPts val="0"/>
-              </a:spcAft>
-              <a:buNone/>
-            </a:pPr>
-            <a:fld id="{00000000-1234-1234-1234-123412341234}" type="slidenum">
-              <a:rPr lang="en" smtClean="0"/>
-              <a:t>34</a:t>
-            </a:fld>
-            <a:endParaRPr lang="en"/>
-          </a:p>
-        </p:txBody>
-      </p:sp>
-    </p:spTree>
-    <p:extLst>
-      <p:ext uri="{BB962C8B-B14F-4D97-AF65-F5344CB8AC3E}">
-        <p14:creationId xmlns:p14="http://schemas.microsoft.com/office/powerpoint/2010/main" val="4114768450"/>
       </p:ext>
     </p:extLst>
   </p:cSld>
@@ -20560,7 +20713,7 @@
           <a:p>
             <a:r>
               <a:rPr lang="en-US"/>
-              <a:t>Exceptions</a:t>
+              <a:t>Try Except</a:t>
             </a:r>
             <a:endParaRPr lang="fa-IR"/>
           </a:p>
@@ -20597,15 +20750,18 @@
             </a:pPr>
             <a:r>
               <a:rPr lang="en-US" sz="1400"/>
-              <a:t>Handle the error</a:t>
-            </a:r>
-          </a:p>
-          <a:p>
-            <a:pPr marL="76200" indent="0">
-              <a:buNone/>
-            </a:pPr>
-            <a:r>
-              <a:rPr lang="en-US" sz="1100">
+              <a:t>Test a block of code for errors and handle the error</a:t>
+            </a:r>
+          </a:p>
+          <a:p>
+            <a:pPr marL="76200" indent="0">
+              <a:buNone/>
+            </a:pPr>
+            <a:r>
+              <a:rPr lang="en-US" sz="1100">
+                <a:solidFill>
+                  <a:schemeClr val="accent1"/>
+                </a:solidFill>
                 <a:latin typeface="Consolas" panose="020B0609020204030204" pitchFamily="49" charset="0"/>
                 <a:cs typeface="Courier New" panose="02070309020205020404" pitchFamily="49" charset="0"/>
               </a:rPr>
@@ -20630,93 +20786,20 @@
             </a:pPr>
             <a:r>
               <a:rPr lang="en-US" sz="1100">
-                <a:latin typeface="Consolas" panose="020B0609020204030204" pitchFamily="49" charset="0"/>
-                <a:cs typeface="Courier New" panose="02070309020205020404" pitchFamily="49" charset="0"/>
-              </a:rPr>
-              <a:t>except </a:t>
-            </a:r>
-            <a:r>
-              <a:rPr lang="en-US" sz="1100">
                 <a:solidFill>
                   <a:schemeClr val="accent1"/>
                 </a:solidFill>
                 <a:latin typeface="Consolas" panose="020B0609020204030204" pitchFamily="49" charset="0"/>
                 <a:cs typeface="Courier New" panose="02070309020205020404" pitchFamily="49" charset="0"/>
               </a:rPr>
-              <a:t>Exception as </a:t>
-            </a:r>
-            <a:r>
-              <a:rPr lang="en-US" sz="1100">
-                <a:latin typeface="Consolas" panose="020B0609020204030204" pitchFamily="49" charset="0"/>
-                <a:cs typeface="Courier New" panose="02070309020205020404" pitchFamily="49" charset="0"/>
-              </a:rPr>
-              <a:t>e:</a:t>
-            </a:r>
-          </a:p>
-          <a:p>
-            <a:pPr marL="76200" indent="0">
-              <a:buNone/>
-            </a:pPr>
-            <a:r>
-              <a:rPr lang="en-US" sz="1100">
-                <a:latin typeface="Consolas" panose="020B0609020204030204" pitchFamily="49" charset="0"/>
-                <a:cs typeface="Courier New" panose="02070309020205020404" pitchFamily="49" charset="0"/>
-              </a:rPr>
-              <a:t>    print(e)</a:t>
-            </a:r>
-          </a:p>
-          <a:p>
-            <a:pPr marL="76200" indent="0">
-              <a:buNone/>
-            </a:pPr>
-            <a:endParaRPr lang="en-US" sz="1100">
-              <a:latin typeface="Consolas" panose="020B0609020204030204" pitchFamily="49" charset="0"/>
-              <a:cs typeface="Courier New" panose="02070309020205020404" pitchFamily="49" charset="0"/>
-            </a:endParaRPr>
-          </a:p>
-          <a:p>
-            <a:pPr marL="76200" indent="0">
-              <a:buNone/>
-            </a:pPr>
-            <a:r>
-              <a:rPr lang="en-US" sz="1400"/>
-              <a:t>Raise an error</a:t>
-            </a:r>
-          </a:p>
-          <a:p>
-            <a:pPr marL="76200" indent="0">
-              <a:buNone/>
-            </a:pPr>
-            <a:r>
-              <a:rPr lang="en-US" sz="1100">
-                <a:latin typeface="Consolas" panose="020B0609020204030204" pitchFamily="49" charset="0"/>
-                <a:cs typeface="Courier New" panose="02070309020205020404" pitchFamily="49" charset="0"/>
-              </a:rPr>
-              <a:t>x = -1</a:t>
-            </a:r>
-          </a:p>
-          <a:p>
-            <a:pPr marL="76200" indent="0">
-              <a:buNone/>
-            </a:pPr>
-            <a:r>
-              <a:rPr lang="en-US" sz="1100">
-                <a:latin typeface="Consolas" panose="020B0609020204030204" pitchFamily="49" charset="0"/>
-                <a:cs typeface="Courier New" panose="02070309020205020404" pitchFamily="49" charset="0"/>
-              </a:rPr>
-              <a:t>if x &lt; 0:</a:t>
-            </a:r>
-          </a:p>
-          <a:p>
-            <a:pPr marL="76200" indent="0">
-              <a:buNone/>
-            </a:pPr>
-            <a:r>
-              <a:rPr lang="en-US" sz="1100">
-                <a:latin typeface="Consolas" panose="020B0609020204030204" pitchFamily="49" charset="0"/>
-                <a:cs typeface="Courier New" panose="02070309020205020404" pitchFamily="49" charset="0"/>
-              </a:rPr>
-              <a:t>    </a:t>
+              <a:t>except</a:t>
+            </a:r>
+            <a:r>
+              <a:rPr lang="en-US" sz="1100">
+                <a:latin typeface="Consolas" panose="020B0609020204030204" pitchFamily="49" charset="0"/>
+                <a:cs typeface="Courier New" panose="02070309020205020404" pitchFamily="49" charset="0"/>
+              </a:rPr>
+              <a:t> NameError</a:t>
             </a:r>
             <a:r>
               <a:rPr lang="en-US" sz="1100">
@@ -20726,14 +20809,73 @@
                 <a:latin typeface="Consolas" panose="020B0609020204030204" pitchFamily="49" charset="0"/>
                 <a:cs typeface="Courier New" panose="02070309020205020404" pitchFamily="49" charset="0"/>
               </a:rPr>
-              <a:t>raise</a:t>
-            </a:r>
-            <a:r>
-              <a:rPr lang="en-US" sz="1100">
-                <a:latin typeface="Consolas" panose="020B0609020204030204" pitchFamily="49" charset="0"/>
-                <a:cs typeface="Courier New" panose="02070309020205020404" pitchFamily="49" charset="0"/>
-              </a:rPr>
-              <a:t> Exception("Please enter a posetive number") </a:t>
+              <a:t>:</a:t>
+            </a:r>
+          </a:p>
+          <a:p>
+            <a:pPr marL="76200" indent="0">
+              <a:buNone/>
+            </a:pPr>
+            <a:r>
+              <a:rPr lang="en-US" sz="1100">
+                <a:latin typeface="Consolas" panose="020B0609020204030204" pitchFamily="49" charset="0"/>
+                <a:cs typeface="Courier New" panose="02070309020205020404" pitchFamily="49" charset="0"/>
+              </a:rPr>
+              <a:t>    print('Variable x is not defined')</a:t>
+            </a:r>
+          </a:p>
+          <a:p>
+            <a:pPr marL="76200" indent="0">
+              <a:buNone/>
+            </a:pPr>
+            <a:r>
+              <a:rPr lang="en-US" sz="1100">
+                <a:solidFill>
+                  <a:schemeClr val="accent1"/>
+                </a:solidFill>
+                <a:latin typeface="Consolas" panose="020B0609020204030204" pitchFamily="49" charset="0"/>
+                <a:cs typeface="Courier New" panose="02070309020205020404" pitchFamily="49" charset="0"/>
+              </a:rPr>
+              <a:t>except:</a:t>
+            </a:r>
+          </a:p>
+          <a:p>
+            <a:pPr marL="76200" indent="0">
+              <a:buNone/>
+            </a:pPr>
+            <a:r>
+              <a:rPr lang="en-US" sz="1100">
+                <a:latin typeface="Consolas" panose="020B0609020204030204" pitchFamily="49" charset="0"/>
+                <a:cs typeface="Courier New" panose="02070309020205020404" pitchFamily="49" charset="0"/>
+              </a:rPr>
+              <a:t>    print('Something else went wrong')</a:t>
+            </a:r>
+          </a:p>
+          <a:p>
+            <a:pPr marL="76200" indent="0">
+              <a:buNone/>
+            </a:pPr>
+            <a:r>
+              <a:rPr lang="en-US" sz="1100">
+                <a:solidFill>
+                  <a:schemeClr val="accent1"/>
+                </a:solidFill>
+                <a:latin typeface="Consolas" panose="020B0609020204030204" pitchFamily="49" charset="0"/>
+                <a:cs typeface="Courier New" panose="02070309020205020404" pitchFamily="49" charset="0"/>
+              </a:rPr>
+              <a:t>else:</a:t>
+            </a:r>
+          </a:p>
+          <a:p>
+            <a:pPr marL="76200" indent="0">
+              <a:buNone/>
+            </a:pPr>
+            <a:r>
+              <a:rPr lang="en-US" sz="1100">
+                <a:latin typeface="Consolas" panose="020B0609020204030204" pitchFamily="49" charset="0"/>
+                <a:cs typeface="Courier New" panose="02070309020205020404" pitchFamily="49" charset="0"/>
+              </a:rPr>
+              <a:t>    print('Nothing went wrong')</a:t>
             </a:r>
           </a:p>
         </p:txBody>
@@ -20779,6 +20921,275 @@
     </p:spTree>
     <p:extLst>
       <p:ext uri="{BB962C8B-B14F-4D97-AF65-F5344CB8AC3E}">
+        <p14:creationId xmlns:p14="http://schemas.microsoft.com/office/powerpoint/2010/main" val="4114768450"/>
+      </p:ext>
+    </p:extLst>
+  </p:cSld>
+  <p:clrMapOvr>
+    <a:masterClrMapping/>
+  </p:clrMapOvr>
+</p:sld>
+</file>
+
+<file path=ppt/slides/slide36.xml><?xml version="1.0" encoding="utf-8"?>
+<p:sld xmlns:a="http://schemas.openxmlformats.org/drawingml/2006/main" xmlns:r="http://schemas.openxmlformats.org/officeDocument/2006/relationships" xmlns:p="http://schemas.openxmlformats.org/presentationml/2006/main">
+  <p:cSld>
+    <p:spTree>
+      <p:nvGrpSpPr>
+        <p:cNvPr id="1" name=""/>
+        <p:cNvGrpSpPr/>
+        <p:nvPr/>
+      </p:nvGrpSpPr>
+      <p:grpSpPr>
+        <a:xfrm>
+          <a:off x="0" y="0"/>
+          <a:ext cx="0" cy="0"/>
+          <a:chOff x="0" y="0"/>
+          <a:chExt cx="0" cy="0"/>
+        </a:xfrm>
+      </p:grpSpPr>
+      <p:sp>
+        <p:nvSpPr>
+          <p:cNvPr id="2" name="Title 1">
+            <a:extLst>
+              <a:ext uri="{FF2B5EF4-FFF2-40B4-BE49-F238E27FC236}">
+                <a16:creationId xmlns:a16="http://schemas.microsoft.com/office/drawing/2014/main" id="{024AD384-5AD1-4435-A943-1241B2FACD62}"/>
+              </a:ext>
+            </a:extLst>
+          </p:cNvPr>
+          <p:cNvSpPr>
+            <a:spLocks noGrp="1"/>
+          </p:cNvSpPr>
+          <p:nvPr>
+            <p:ph type="title"/>
+          </p:nvPr>
+        </p:nvSpPr>
+        <p:spPr/>
+        <p:txBody>
+          <a:bodyPr/>
+          <a:lstStyle/>
+          <a:p>
+            <a:r>
+              <a:rPr lang="en-US"/>
+              <a:t>Exceptions</a:t>
+            </a:r>
+            <a:endParaRPr lang="fa-IR"/>
+          </a:p>
+        </p:txBody>
+      </p:sp>
+      <p:sp>
+        <p:nvSpPr>
+          <p:cNvPr id="3" name="Text Placeholder 2">
+            <a:extLst>
+              <a:ext uri="{FF2B5EF4-FFF2-40B4-BE49-F238E27FC236}">
+                <a16:creationId xmlns:a16="http://schemas.microsoft.com/office/drawing/2014/main" id="{58BE3078-8B89-4550-B497-93E4DADBD57E}"/>
+              </a:ext>
+            </a:extLst>
+          </p:cNvPr>
+          <p:cNvSpPr>
+            <a:spLocks noGrp="1"/>
+          </p:cNvSpPr>
+          <p:nvPr>
+            <p:ph type="body" idx="1"/>
+          </p:nvPr>
+        </p:nvSpPr>
+        <p:spPr>
+          <a:xfrm>
+            <a:off x="786150" y="1142608"/>
+            <a:ext cx="7571700" cy="3626431"/>
+          </a:xfrm>
+        </p:spPr>
+        <p:txBody>
+          <a:bodyPr/>
+          <a:lstStyle/>
+          <a:p>
+            <a:pPr marL="76200" indent="0">
+              <a:buNone/>
+            </a:pPr>
+            <a:r>
+              <a:rPr lang="en-US" sz="1400"/>
+              <a:t>Handle the error</a:t>
+            </a:r>
+          </a:p>
+          <a:p>
+            <a:pPr marL="76200" indent="0">
+              <a:buNone/>
+            </a:pPr>
+            <a:r>
+              <a:rPr lang="en-US" sz="1100">
+                <a:latin typeface="Consolas" panose="020B0609020204030204" pitchFamily="49" charset="0"/>
+                <a:cs typeface="Courier New" panose="02070309020205020404" pitchFamily="49" charset="0"/>
+              </a:rPr>
+              <a:t>try:</a:t>
+            </a:r>
+          </a:p>
+          <a:p>
+            <a:pPr marL="76200" indent="0">
+              <a:buNone/>
+            </a:pPr>
+            <a:r>
+              <a:rPr lang="en-US" sz="1100">
+                <a:latin typeface="Consolas" panose="020B0609020204030204" pitchFamily="49" charset="0"/>
+                <a:cs typeface="Courier New" panose="02070309020205020404" pitchFamily="49" charset="0"/>
+              </a:rPr>
+              <a:t>    print(x)</a:t>
+            </a:r>
+          </a:p>
+          <a:p>
+            <a:pPr marL="76200" indent="0">
+              <a:buNone/>
+            </a:pPr>
+            <a:r>
+              <a:rPr lang="en-US" sz="1100">
+                <a:latin typeface="Consolas" panose="020B0609020204030204" pitchFamily="49" charset="0"/>
+                <a:cs typeface="Courier New" panose="02070309020205020404" pitchFamily="49" charset="0"/>
+              </a:rPr>
+              <a:t>except </a:t>
+            </a:r>
+            <a:r>
+              <a:rPr lang="en-US" sz="1100">
+                <a:solidFill>
+                  <a:schemeClr val="accent1"/>
+                </a:solidFill>
+                <a:latin typeface="Consolas" panose="020B0609020204030204" pitchFamily="49" charset="0"/>
+                <a:cs typeface="Courier New" panose="02070309020205020404" pitchFamily="49" charset="0"/>
+              </a:rPr>
+              <a:t>Exception as </a:t>
+            </a:r>
+            <a:r>
+              <a:rPr lang="en-US" sz="1100">
+                <a:latin typeface="Consolas" panose="020B0609020204030204" pitchFamily="49" charset="0"/>
+                <a:cs typeface="Courier New" panose="02070309020205020404" pitchFamily="49" charset="0"/>
+              </a:rPr>
+              <a:t>e:</a:t>
+            </a:r>
+          </a:p>
+          <a:p>
+            <a:pPr marL="76200" indent="0">
+              <a:buNone/>
+            </a:pPr>
+            <a:r>
+              <a:rPr lang="en-US" sz="1100">
+                <a:latin typeface="Consolas" panose="020B0609020204030204" pitchFamily="49" charset="0"/>
+                <a:cs typeface="Courier New" panose="02070309020205020404" pitchFamily="49" charset="0"/>
+              </a:rPr>
+              <a:t>    print(e)</a:t>
+            </a:r>
+          </a:p>
+          <a:p>
+            <a:pPr marL="76200" indent="0">
+              <a:buNone/>
+            </a:pPr>
+            <a:endParaRPr lang="en-US" sz="1100">
+              <a:latin typeface="Consolas" panose="020B0609020204030204" pitchFamily="49" charset="0"/>
+              <a:cs typeface="Courier New" panose="02070309020205020404" pitchFamily="49" charset="0"/>
+            </a:endParaRPr>
+          </a:p>
+          <a:p>
+            <a:pPr marL="76200" indent="0">
+              <a:buNone/>
+            </a:pPr>
+            <a:r>
+              <a:rPr lang="en-US" sz="1400"/>
+              <a:t>Raise an error</a:t>
+            </a:r>
+          </a:p>
+          <a:p>
+            <a:pPr marL="76200" indent="0">
+              <a:buNone/>
+            </a:pPr>
+            <a:r>
+              <a:rPr lang="en-US" sz="1100">
+                <a:latin typeface="Consolas" panose="020B0609020204030204" pitchFamily="49" charset="0"/>
+                <a:cs typeface="Courier New" panose="02070309020205020404" pitchFamily="49" charset="0"/>
+              </a:rPr>
+              <a:t>x = -1</a:t>
+            </a:r>
+          </a:p>
+          <a:p>
+            <a:pPr marL="76200" indent="0">
+              <a:buNone/>
+            </a:pPr>
+            <a:r>
+              <a:rPr lang="en-US" sz="1100">
+                <a:latin typeface="Consolas" panose="020B0609020204030204" pitchFamily="49" charset="0"/>
+                <a:cs typeface="Courier New" panose="02070309020205020404" pitchFamily="49" charset="0"/>
+              </a:rPr>
+              <a:t>if x &lt; 0:</a:t>
+            </a:r>
+          </a:p>
+          <a:p>
+            <a:pPr marL="76200" indent="0">
+              <a:buNone/>
+            </a:pPr>
+            <a:r>
+              <a:rPr lang="en-US" sz="1100">
+                <a:latin typeface="Consolas" panose="020B0609020204030204" pitchFamily="49" charset="0"/>
+                <a:cs typeface="Courier New" panose="02070309020205020404" pitchFamily="49" charset="0"/>
+              </a:rPr>
+              <a:t>    </a:t>
+            </a:r>
+            <a:r>
+              <a:rPr lang="en-US" sz="1100">
+                <a:solidFill>
+                  <a:schemeClr val="accent1"/>
+                </a:solidFill>
+                <a:latin typeface="Consolas" panose="020B0609020204030204" pitchFamily="49" charset="0"/>
+                <a:cs typeface="Courier New" panose="02070309020205020404" pitchFamily="49" charset="0"/>
+              </a:rPr>
+              <a:t>raise</a:t>
+            </a:r>
+            <a:r>
+              <a:rPr lang="en-US" sz="1100">
+                <a:latin typeface="Consolas" panose="020B0609020204030204" pitchFamily="49" charset="0"/>
+                <a:cs typeface="Courier New" panose="02070309020205020404" pitchFamily="49" charset="0"/>
+              </a:rPr>
+              <a:t> Exception("Please enter a posetive number") </a:t>
+            </a:r>
+          </a:p>
+        </p:txBody>
+      </p:sp>
+      <p:sp>
+        <p:nvSpPr>
+          <p:cNvPr id="4" name="Slide Number Placeholder 3">
+            <a:extLst>
+              <a:ext uri="{FF2B5EF4-FFF2-40B4-BE49-F238E27FC236}">
+                <a16:creationId xmlns:a16="http://schemas.microsoft.com/office/drawing/2014/main" id="{64987AE6-EC0E-43DD-9376-95A5602EE5E1}"/>
+              </a:ext>
+            </a:extLst>
+          </p:cNvPr>
+          <p:cNvSpPr>
+            <a:spLocks noGrp="1"/>
+          </p:cNvSpPr>
+          <p:nvPr>
+            <p:ph type="sldNum" idx="12"/>
+          </p:nvPr>
+        </p:nvSpPr>
+        <p:spPr/>
+        <p:txBody>
+          <a:bodyPr/>
+          <a:lstStyle/>
+          <a:p>
+            <a:pPr marL="0" lvl="0" indent="0" algn="r" rtl="0">
+              <a:spcBef>
+                <a:spcPts val="0"/>
+              </a:spcBef>
+              <a:spcAft>
+                <a:spcPts val="0"/>
+              </a:spcAft>
+              <a:buNone/>
+            </a:pPr>
+            <a:fld id="{00000000-1234-1234-1234-123412341234}" type="slidenum">
+              <a:rPr lang="en" smtClean="0"/>
+              <a:t>36</a:t>
+            </a:fld>
+            <a:endParaRPr lang="en"/>
+          </a:p>
+        </p:txBody>
+      </p:sp>
+    </p:spTree>
+    <p:extLst>
+      <p:ext uri="{BB962C8B-B14F-4D97-AF65-F5344CB8AC3E}">
         <p14:creationId xmlns:p14="http://schemas.microsoft.com/office/powerpoint/2010/main" val="2265659775"/>
       </p:ext>
     </p:extLst>
@@ -20789,7 +21200,7 @@
 </p:sld>
 </file>
 
-<file path=ppt/slides/slide36.xml><?xml version="1.0" encoding="utf-8"?>
+<file path=ppt/slides/slide37.xml><?xml version="1.0" encoding="utf-8"?>
 <p:sld xmlns:a="http://schemas.openxmlformats.org/drawingml/2006/main" xmlns:r="http://schemas.openxmlformats.org/officeDocument/2006/relationships" xmlns:p="http://schemas.openxmlformats.org/presentationml/2006/main">
   <p:cSld>
     <p:spTree>
@@ -20899,7 +21310,7 @@
             </a:pPr>
             <a:fld id="{00000000-1234-1234-1234-123412341234}" type="slidenum">
               <a:rPr lang="en"/>
-              <a:t>36</a:t>
+              <a:t>37</a:t>
             </a:fld>
             <a:endParaRPr/>
           </a:p>
@@ -20909,139 +21320,6 @@
     <p:extLst>
       <p:ext uri="{BB962C8B-B14F-4D97-AF65-F5344CB8AC3E}">
         <p14:creationId xmlns:p14="http://schemas.microsoft.com/office/powerpoint/2010/main" val="1620004517"/>
-      </p:ext>
-    </p:extLst>
-  </p:cSld>
-  <p:clrMapOvr>
-    <a:masterClrMapping/>
-  </p:clrMapOvr>
-</p:sld>
-</file>
-
-<file path=ppt/slides/slide37.xml><?xml version="1.0" encoding="utf-8"?>
-<p:sld xmlns:a="http://schemas.openxmlformats.org/drawingml/2006/main" xmlns:r="http://schemas.openxmlformats.org/officeDocument/2006/relationships" xmlns:p="http://schemas.openxmlformats.org/presentationml/2006/main">
-  <p:cSld>
-    <p:spTree>
-      <p:nvGrpSpPr>
-        <p:cNvPr id="1" name=""/>
-        <p:cNvGrpSpPr/>
-        <p:nvPr/>
-      </p:nvGrpSpPr>
-      <p:grpSpPr>
-        <a:xfrm>
-          <a:off x="0" y="0"/>
-          <a:ext cx="0" cy="0"/>
-          <a:chOff x="0" y="0"/>
-          <a:chExt cx="0" cy="0"/>
-        </a:xfrm>
-      </p:grpSpPr>
-      <p:sp>
-        <p:nvSpPr>
-          <p:cNvPr id="2" name="Title 1">
-            <a:extLst>
-              <a:ext uri="{FF2B5EF4-FFF2-40B4-BE49-F238E27FC236}">
-                <a16:creationId xmlns:a16="http://schemas.microsoft.com/office/drawing/2014/main" id="{024AD384-5AD1-4435-A943-1241B2FACD62}"/>
-              </a:ext>
-            </a:extLst>
-          </p:cNvPr>
-          <p:cNvSpPr>
-            <a:spLocks noGrp="1"/>
-          </p:cNvSpPr>
-          <p:nvPr>
-            <p:ph type="title"/>
-          </p:nvPr>
-        </p:nvSpPr>
-        <p:spPr/>
-        <p:txBody>
-          <a:bodyPr/>
-          <a:lstStyle/>
-          <a:p>
-            <a:r>
-              <a:rPr lang="en-US"/>
-              <a:t>Modules Introduction</a:t>
-            </a:r>
-            <a:endParaRPr lang="fa-IR"/>
-          </a:p>
-        </p:txBody>
-      </p:sp>
-      <p:sp>
-        <p:nvSpPr>
-          <p:cNvPr id="3" name="Text Placeholder 2">
-            <a:extLst>
-              <a:ext uri="{FF2B5EF4-FFF2-40B4-BE49-F238E27FC236}">
-                <a16:creationId xmlns:a16="http://schemas.microsoft.com/office/drawing/2014/main" id="{58BE3078-8B89-4550-B497-93E4DADBD57E}"/>
-              </a:ext>
-            </a:extLst>
-          </p:cNvPr>
-          <p:cNvSpPr>
-            <a:spLocks noGrp="1"/>
-          </p:cNvSpPr>
-          <p:nvPr>
-            <p:ph type="body" idx="1"/>
-          </p:nvPr>
-        </p:nvSpPr>
-        <p:spPr>
-          <a:xfrm>
-            <a:off x="786150" y="1142608"/>
-            <a:ext cx="7571700" cy="3626431"/>
-          </a:xfrm>
-        </p:spPr>
-        <p:txBody>
-          <a:bodyPr/>
-          <a:lstStyle/>
-          <a:p>
-            <a:pPr marL="76200" indent="0">
-              <a:buNone/>
-            </a:pPr>
-            <a:r>
-              <a:rPr lang="en-US" sz="1400"/>
-              <a:t>.</a:t>
-            </a:r>
-          </a:p>
-        </p:txBody>
-      </p:sp>
-      <p:sp>
-        <p:nvSpPr>
-          <p:cNvPr id="4" name="Slide Number Placeholder 3">
-            <a:extLst>
-              <a:ext uri="{FF2B5EF4-FFF2-40B4-BE49-F238E27FC236}">
-                <a16:creationId xmlns:a16="http://schemas.microsoft.com/office/drawing/2014/main" id="{64987AE6-EC0E-43DD-9376-95A5602EE5E1}"/>
-              </a:ext>
-            </a:extLst>
-          </p:cNvPr>
-          <p:cNvSpPr>
-            <a:spLocks noGrp="1"/>
-          </p:cNvSpPr>
-          <p:nvPr>
-            <p:ph type="sldNum" idx="12"/>
-          </p:nvPr>
-        </p:nvSpPr>
-        <p:spPr/>
-        <p:txBody>
-          <a:bodyPr/>
-          <a:lstStyle/>
-          <a:p>
-            <a:pPr marL="0" lvl="0" indent="0" algn="r" rtl="0">
-              <a:spcBef>
-                <a:spcPts val="0"/>
-              </a:spcBef>
-              <a:spcAft>
-                <a:spcPts val="0"/>
-              </a:spcAft>
-              <a:buNone/>
-            </a:pPr>
-            <a:fld id="{00000000-1234-1234-1234-123412341234}" type="slidenum">
-              <a:rPr lang="en" smtClean="0"/>
-              <a:t>37</a:t>
-            </a:fld>
-            <a:endParaRPr lang="en"/>
-          </a:p>
-        </p:txBody>
-      </p:sp>
-    </p:spTree>
-    <p:extLst>
-      <p:ext uri="{BB962C8B-B14F-4D97-AF65-F5344CB8AC3E}">
-        <p14:creationId xmlns:p14="http://schemas.microsoft.com/office/powerpoint/2010/main" val="3825030696"/>
       </p:ext>
     </p:extLst>
   </p:cSld>
@@ -21090,8 +21368,8 @@
           <a:lstStyle/>
           <a:p>
             <a:r>
-              <a:rPr lang="en"/>
-              <a:t>Math</a:t>
+              <a:rPr lang="en-US"/>
+              <a:t>Introduction</a:t>
             </a:r>
             <a:endParaRPr lang="fa-IR"/>
           </a:p>
@@ -21128,7 +21406,227 @@
             </a:pPr>
             <a:r>
               <a:rPr lang="en-US" sz="1400"/>
+              <a:t>A module is a file containing a set of functions you want to include in your application.</a:t>
+            </a:r>
+          </a:p>
+          <a:p>
+            <a:pPr marL="76200" indent="0">
+              <a:buNone/>
+            </a:pPr>
+            <a:r>
+              <a:rPr lang="en-US" sz="1400"/>
+              <a:t>To create a module just save the code you want in a file with the file extension </a:t>
+            </a:r>
+            <a:r>
+              <a:rPr lang="en-US" sz="1400">
+                <a:solidFill>
+                  <a:schemeClr val="accent1"/>
+                </a:solidFill>
+              </a:rPr>
+              <a:t>.py</a:t>
+            </a:r>
+            <a:r>
+              <a:rPr lang="en-US" sz="1400"/>
               <a:t>.</a:t>
+            </a:r>
+          </a:p>
+          <a:p>
+            <a:pPr marL="76200" indent="0">
+              <a:buNone/>
+            </a:pPr>
+            <a:endParaRPr lang="en-US" sz="1400"/>
+          </a:p>
+          <a:p>
+            <a:pPr marL="76200" indent="0">
+              <a:buNone/>
+            </a:pPr>
+            <a:r>
+              <a:rPr lang="en-US" sz="1400"/>
+              <a:t>Use modules</a:t>
+            </a:r>
+          </a:p>
+          <a:p>
+            <a:pPr marL="76200" indent="0">
+              <a:buNone/>
+            </a:pPr>
+            <a:r>
+              <a:rPr lang="en-US" sz="1100">
+                <a:solidFill>
+                  <a:schemeClr val="accent1"/>
+                </a:solidFill>
+                <a:latin typeface="Consolas" panose="020B0609020204030204" pitchFamily="49" charset="0"/>
+              </a:rPr>
+              <a:t>import</a:t>
+            </a:r>
+            <a:r>
+              <a:rPr lang="en-US" sz="1100">
+                <a:latin typeface="Consolas" panose="020B0609020204030204" pitchFamily="49" charset="0"/>
+              </a:rPr>
+              <a:t> myModule </a:t>
+            </a:r>
+            <a:r>
+              <a:rPr lang="en-US" sz="1100">
+                <a:solidFill>
+                  <a:schemeClr val="accent1"/>
+                </a:solidFill>
+                <a:latin typeface="Consolas" panose="020B0609020204030204" pitchFamily="49" charset="0"/>
+              </a:rPr>
+              <a:t>as</a:t>
+            </a:r>
+            <a:r>
+              <a:rPr lang="en-US" sz="1100">
+                <a:latin typeface="Consolas" panose="020B0609020204030204" pitchFamily="49" charset="0"/>
+              </a:rPr>
+              <a:t> m</a:t>
+            </a:r>
+          </a:p>
+          <a:p>
+            <a:pPr marL="76200" indent="0">
+              <a:buNone/>
+            </a:pPr>
+            <a:r>
+              <a:rPr lang="en-US" sz="1100">
+                <a:latin typeface="Consolas" panose="020B0609020204030204" pitchFamily="49" charset="0"/>
+              </a:rPr>
+              <a:t>m</a:t>
+            </a:r>
+            <a:r>
+              <a:rPr lang="en-US" sz="1100">
+                <a:solidFill>
+                  <a:schemeClr val="accent1"/>
+                </a:solidFill>
+                <a:latin typeface="Consolas" panose="020B0609020204030204" pitchFamily="49" charset="0"/>
+              </a:rPr>
+              <a:t>.</a:t>
+            </a:r>
+            <a:r>
+              <a:rPr lang="en-US" sz="1100">
+                <a:latin typeface="Consolas" panose="020B0609020204030204" pitchFamily="49" charset="0"/>
+              </a:rPr>
+              <a:t>greeter</a:t>
+            </a:r>
+            <a:r>
+              <a:rPr lang="en-US" sz="1100">
+                <a:solidFill>
+                  <a:schemeClr val="accent1"/>
+                </a:solidFill>
+                <a:latin typeface="Consolas" panose="020B0609020204030204" pitchFamily="49" charset="0"/>
+              </a:rPr>
+              <a:t>(</a:t>
+            </a:r>
+            <a:r>
+              <a:rPr lang="en-US" sz="1100">
+                <a:latin typeface="Consolas" panose="020B0609020204030204" pitchFamily="49" charset="0"/>
+              </a:rPr>
+              <a:t>'Alireza'</a:t>
+            </a:r>
+            <a:r>
+              <a:rPr lang="en-US" sz="1100">
+                <a:solidFill>
+                  <a:schemeClr val="accent1"/>
+                </a:solidFill>
+                <a:latin typeface="Consolas" panose="020B0609020204030204" pitchFamily="49" charset="0"/>
+              </a:rPr>
+              <a:t>)</a:t>
+            </a:r>
+            <a:r>
+              <a:rPr lang="en-US" sz="1100">
+                <a:latin typeface="Consolas" panose="020B0609020204030204" pitchFamily="49" charset="0"/>
+              </a:rPr>
+              <a:t>   # Functions</a:t>
+            </a:r>
+          </a:p>
+          <a:p>
+            <a:pPr marL="76200" indent="0">
+              <a:buNone/>
+            </a:pPr>
+            <a:r>
+              <a:rPr lang="en-US" sz="1100">
+                <a:latin typeface="Consolas" panose="020B0609020204030204" pitchFamily="49" charset="0"/>
+              </a:rPr>
+              <a:t>importedName = m</a:t>
+            </a:r>
+            <a:r>
+              <a:rPr lang="en-US" sz="1100">
+                <a:solidFill>
+                  <a:schemeClr val="accent1"/>
+                </a:solidFill>
+                <a:latin typeface="Consolas" panose="020B0609020204030204" pitchFamily="49" charset="0"/>
+              </a:rPr>
+              <a:t>.</a:t>
+            </a:r>
+            <a:r>
+              <a:rPr lang="en-US" sz="1100">
+                <a:latin typeface="Consolas" panose="020B0609020204030204" pitchFamily="49" charset="0"/>
+              </a:rPr>
+              <a:t>name  # Variables</a:t>
+            </a:r>
+          </a:p>
+          <a:p>
+            <a:pPr marL="76200" indent="0">
+              <a:buNone/>
+            </a:pPr>
+            <a:endParaRPr lang="en-US" sz="1100">
+              <a:latin typeface="Consolas" panose="020B0609020204030204" pitchFamily="49" charset="0"/>
+            </a:endParaRPr>
+          </a:p>
+          <a:p>
+            <a:pPr marL="76200" indent="0">
+              <a:buNone/>
+            </a:pPr>
+            <a:r>
+              <a:rPr lang="en-US" sz="1400"/>
+              <a:t>Import from Module</a:t>
+            </a:r>
+          </a:p>
+          <a:p>
+            <a:pPr marL="76200" indent="0">
+              <a:buNone/>
+            </a:pPr>
+            <a:r>
+              <a:rPr lang="en-US" sz="1100">
+                <a:solidFill>
+                  <a:schemeClr val="accent1"/>
+                </a:solidFill>
+                <a:latin typeface="Consolas" panose="020B0609020204030204" pitchFamily="49" charset="0"/>
+              </a:rPr>
+              <a:t>from</a:t>
+            </a:r>
+            <a:r>
+              <a:rPr lang="en-US" sz="1100">
+                <a:latin typeface="Consolas" panose="020B0609020204030204" pitchFamily="49" charset="0"/>
+              </a:rPr>
+              <a:t> mymodule </a:t>
+            </a:r>
+            <a:r>
+              <a:rPr lang="en-US" sz="1100">
+                <a:solidFill>
+                  <a:schemeClr val="accent1"/>
+                </a:solidFill>
+                <a:latin typeface="Consolas" panose="020B0609020204030204" pitchFamily="49" charset="0"/>
+              </a:rPr>
+              <a:t>import</a:t>
+            </a:r>
+            <a:r>
+              <a:rPr lang="en-US" sz="1100">
+                <a:latin typeface="Consolas" panose="020B0609020204030204" pitchFamily="49" charset="0"/>
+              </a:rPr>
+              <a:t> greeter</a:t>
+            </a:r>
+            <a:r>
+              <a:rPr lang="en-US" sz="1100">
+                <a:solidFill>
+                  <a:schemeClr val="accent1"/>
+                </a:solidFill>
+                <a:latin typeface="Consolas" panose="020B0609020204030204" pitchFamily="49" charset="0"/>
+              </a:rPr>
+              <a:t>,</a:t>
+            </a:r>
+            <a:r>
+              <a:rPr lang="en-US" sz="1100">
+                <a:latin typeface="Consolas" panose="020B0609020204030204" pitchFamily="49" charset="0"/>
+              </a:rPr>
+              <a:t> name</a:t>
             </a:r>
           </a:p>
         </p:txBody>
@@ -21174,7 +21672,7 @@
     </p:spTree>
     <p:extLst>
       <p:ext uri="{BB962C8B-B14F-4D97-AF65-F5344CB8AC3E}">
-        <p14:creationId xmlns:p14="http://schemas.microsoft.com/office/powerpoint/2010/main" val="3717683448"/>
+        <p14:creationId xmlns:p14="http://schemas.microsoft.com/office/powerpoint/2010/main" val="3825030696"/>
       </p:ext>
     </p:extLst>
   </p:cSld>
@@ -21223,8 +21721,8 @@
           <a:lstStyle/>
           <a:p>
             <a:r>
-              <a:rPr lang="en"/>
-              <a:t>OS</a:t>
+              <a:rPr lang="en-US"/>
+              <a:t>Datetime</a:t>
             </a:r>
             <a:endParaRPr lang="fa-IR"/>
           </a:p>
@@ -21261,7 +21759,183 @@
             </a:pPr>
             <a:r>
               <a:rPr lang="en-US" sz="1400"/>
-              <a:t>.</a:t>
+              <a:t>Import and use datetime</a:t>
+            </a:r>
+          </a:p>
+          <a:p>
+            <a:pPr marL="76200" indent="0">
+              <a:buNone/>
+            </a:pPr>
+            <a:r>
+              <a:rPr lang="en-US" sz="1100">
+                <a:latin typeface="Consolas" panose="020B0609020204030204" pitchFamily="49" charset="0"/>
+              </a:rPr>
+              <a:t>import </a:t>
+            </a:r>
+            <a:r>
+              <a:rPr lang="en-US" sz="1100">
+                <a:solidFill>
+                  <a:schemeClr val="accent1"/>
+                </a:solidFill>
+                <a:latin typeface="Consolas" panose="020B0609020204030204" pitchFamily="49" charset="0"/>
+              </a:rPr>
+              <a:t>datetime</a:t>
+            </a:r>
+          </a:p>
+          <a:p>
+            <a:pPr marL="76200" indent="0">
+              <a:buNone/>
+            </a:pPr>
+            <a:r>
+              <a:rPr lang="en-US" sz="1100">
+                <a:latin typeface="Consolas" panose="020B0609020204030204" pitchFamily="49" charset="0"/>
+              </a:rPr>
+              <a:t>now = datetime</a:t>
+            </a:r>
+            <a:r>
+              <a:rPr lang="en-US" sz="1100">
+                <a:solidFill>
+                  <a:schemeClr val="accent1"/>
+                </a:solidFill>
+                <a:latin typeface="Consolas" panose="020B0609020204030204" pitchFamily="49" charset="0"/>
+              </a:rPr>
+              <a:t>.datetime.now()</a:t>
+            </a:r>
+          </a:p>
+          <a:p>
+            <a:pPr marL="76200" indent="0">
+              <a:buNone/>
+            </a:pPr>
+            <a:r>
+              <a:rPr lang="en-US" sz="1100">
+                <a:latin typeface="Consolas" panose="020B0609020204030204" pitchFamily="49" charset="0"/>
+              </a:rPr>
+              <a:t>print(now)</a:t>
+            </a:r>
+          </a:p>
+          <a:p>
+            <a:pPr marL="76200" indent="0">
+              <a:buNone/>
+            </a:pPr>
+            <a:r>
+              <a:rPr lang="en-US" sz="1100">
+                <a:latin typeface="Consolas" panose="020B0609020204030204" pitchFamily="49" charset="0"/>
+              </a:rPr>
+              <a:t>myBirthday = </a:t>
+            </a:r>
+            <a:r>
+              <a:rPr lang="nn-NO" sz="1100">
+                <a:latin typeface="Consolas" panose="020B0609020204030204" pitchFamily="49" charset="0"/>
+              </a:rPr>
+              <a:t>datetime</a:t>
+            </a:r>
+            <a:r>
+              <a:rPr lang="nn-NO" sz="1100">
+                <a:solidFill>
+                  <a:schemeClr val="accent1"/>
+                </a:solidFill>
+                <a:latin typeface="Consolas" panose="020B0609020204030204" pitchFamily="49" charset="0"/>
+              </a:rPr>
+              <a:t>.datetime(1999, 1, 5)</a:t>
+            </a:r>
+            <a:endParaRPr lang="en-US" sz="1100">
+              <a:solidFill>
+                <a:schemeClr val="accent1"/>
+              </a:solidFill>
+              <a:latin typeface="Consolas" panose="020B0609020204030204" pitchFamily="49" charset="0"/>
+            </a:endParaRPr>
+          </a:p>
+          <a:p>
+            <a:pPr marL="76200" indent="0">
+              <a:buNone/>
+            </a:pPr>
+            <a:r>
+              <a:rPr lang="en-US" sz="1100">
+                <a:latin typeface="Consolas" panose="020B0609020204030204" pitchFamily="49" charset="0"/>
+              </a:rPr>
+              <a:t>print(myBirthday</a:t>
+            </a:r>
+            <a:r>
+              <a:rPr lang="en-US" sz="1100">
+                <a:solidFill>
+                  <a:schemeClr val="accent1"/>
+                </a:solidFill>
+                <a:latin typeface="Consolas" panose="020B0609020204030204" pitchFamily="49" charset="0"/>
+              </a:rPr>
+              <a:t>.strftime('%x')</a:t>
+            </a:r>
+            <a:r>
+              <a:rPr lang="en-US" sz="1100">
+                <a:latin typeface="Consolas" panose="020B0609020204030204" pitchFamily="49" charset="0"/>
+              </a:rPr>
+              <a:t>)</a:t>
+            </a:r>
+          </a:p>
+          <a:p>
+            <a:pPr marL="76200" indent="0">
+              <a:buNone/>
+            </a:pPr>
+            <a:r>
+              <a:rPr lang="en-US" sz="1100">
+                <a:latin typeface="Consolas" panose="020B0609020204030204" pitchFamily="49" charset="0"/>
+              </a:rPr>
+              <a:t>print(myBirthday.strftime(</a:t>
+            </a:r>
+            <a:r>
+              <a:rPr lang="en-US" sz="1100">
+                <a:solidFill>
+                  <a:schemeClr val="accent1"/>
+                </a:solidFill>
+                <a:latin typeface="Consolas" panose="020B0609020204030204" pitchFamily="49" charset="0"/>
+              </a:rPr>
+              <a:t>'%A'</a:t>
+            </a:r>
+            <a:r>
+              <a:rPr lang="en-US" sz="1100">
+                <a:latin typeface="Consolas" panose="020B0609020204030204" pitchFamily="49" charset="0"/>
+              </a:rPr>
+              <a:t>))</a:t>
+            </a:r>
+          </a:p>
+          <a:p>
+            <a:pPr marL="76200" indent="0">
+              <a:buNone/>
+            </a:pPr>
+            <a:r>
+              <a:rPr lang="en-US" sz="1100">
+                <a:latin typeface="Consolas" panose="020B0609020204030204" pitchFamily="49" charset="0"/>
+              </a:rPr>
+              <a:t>print((now </a:t>
+            </a:r>
+            <a:r>
+              <a:rPr lang="en-US" sz="1100">
+                <a:solidFill>
+                  <a:schemeClr val="accent1"/>
+                </a:solidFill>
+                <a:latin typeface="Consolas" panose="020B0609020204030204" pitchFamily="49" charset="0"/>
+              </a:rPr>
+              <a:t>-</a:t>
+            </a:r>
+            <a:r>
+              <a:rPr lang="en-US" sz="1100">
+                <a:latin typeface="Consolas" panose="020B0609020204030204" pitchFamily="49" charset="0"/>
+              </a:rPr>
+              <a:t> myBirthday)</a:t>
+            </a:r>
+            <a:r>
+              <a:rPr lang="en-US" sz="1100">
+                <a:solidFill>
+                  <a:schemeClr val="accent1"/>
+                </a:solidFill>
+                <a:latin typeface="Consolas" panose="020B0609020204030204" pitchFamily="49" charset="0"/>
+              </a:rPr>
+              <a:t>.days</a:t>
+            </a:r>
+            <a:r>
+              <a:rPr lang="en-US" sz="1100">
+                <a:latin typeface="Consolas" panose="020B0609020204030204" pitchFamily="49" charset="0"/>
+              </a:rPr>
+              <a:t>)</a:t>
             </a:r>
           </a:p>
         </p:txBody>
@@ -21583,7 +22257,7 @@
           <a:p>
             <a:r>
               <a:rPr lang="en"/>
-              <a:t>JSON</a:t>
+              <a:t>Math</a:t>
             </a:r>
             <a:endParaRPr lang="fa-IR"/>
           </a:p>
@@ -21666,7 +22340,7 @@
     </p:spTree>
     <p:extLst>
       <p:ext uri="{BB962C8B-B14F-4D97-AF65-F5344CB8AC3E}">
-        <p14:creationId xmlns:p14="http://schemas.microsoft.com/office/powerpoint/2010/main" val="3481581763"/>
+        <p14:creationId xmlns:p14="http://schemas.microsoft.com/office/powerpoint/2010/main" val="3717683448"/>
       </p:ext>
     </p:extLst>
   </p:cSld>
@@ -21715,8 +22389,8 @@
           <a:lstStyle/>
           <a:p>
             <a:r>
-              <a:rPr lang="en-US"/>
-              <a:t>Numpy</a:t>
+              <a:rPr lang="en"/>
+              <a:t>JSON</a:t>
             </a:r>
             <a:endParaRPr lang="fa-IR"/>
           </a:p>
@@ -21753,22 +22427,7 @@
             </a:pPr>
             <a:r>
               <a:rPr lang="en-US" sz="1400"/>
-              <a:t>NumPy is a Python library used for working with arrays.</a:t>
-            </a:r>
-          </a:p>
-          <a:p>
-            <a:pPr marL="76200" indent="0">
-              <a:buNone/>
-            </a:pPr>
-            <a:endParaRPr lang="en-US" sz="1400"/>
-          </a:p>
-          <a:p>
-            <a:pPr marL="76200" indent="0">
-              <a:buNone/>
-            </a:pPr>
-            <a:r>
-              <a:rPr lang="en-US" sz="1400"/>
-              <a:t>NumPy is short for Numerical Python.</a:t>
+              <a:t>.</a:t>
             </a:r>
           </a:p>
         </p:txBody>
@@ -21814,7 +22473,7 @@
     </p:spTree>
     <p:extLst>
       <p:ext uri="{BB962C8B-B14F-4D97-AF65-F5344CB8AC3E}">
-        <p14:creationId xmlns:p14="http://schemas.microsoft.com/office/powerpoint/2010/main" val="4156460407"/>
+        <p14:creationId xmlns:p14="http://schemas.microsoft.com/office/powerpoint/2010/main" val="3481581763"/>
       </p:ext>
     </p:extLst>
   </p:cSld>
@@ -21864,7 +22523,7 @@
           <a:p>
             <a:r>
               <a:rPr lang="en-US"/>
-              <a:t>Pandas</a:t>
+              <a:t>Numpy</a:t>
             </a:r>
             <a:endParaRPr lang="fa-IR"/>
           </a:p>
@@ -21901,7 +22560,22 @@
             </a:pPr>
             <a:r>
               <a:rPr lang="en-US" sz="1400"/>
-              <a:t>.</a:t>
+              <a:t>NumPy is a Python library used for working with arrays.</a:t>
+            </a:r>
+          </a:p>
+          <a:p>
+            <a:pPr marL="76200" indent="0">
+              <a:buNone/>
+            </a:pPr>
+            <a:endParaRPr lang="en-US" sz="1400"/>
+          </a:p>
+          <a:p>
+            <a:pPr marL="76200" indent="0">
+              <a:buNone/>
+            </a:pPr>
+            <a:r>
+              <a:rPr lang="en-US" sz="1400"/>
+              <a:t>NumPy is short for Numerical Python.</a:t>
             </a:r>
           </a:p>
         </p:txBody>
@@ -21947,7 +22621,7 @@
     </p:spTree>
     <p:extLst>
       <p:ext uri="{BB962C8B-B14F-4D97-AF65-F5344CB8AC3E}">
-        <p14:creationId xmlns:p14="http://schemas.microsoft.com/office/powerpoint/2010/main" val="2254896634"/>
+        <p14:creationId xmlns:p14="http://schemas.microsoft.com/office/powerpoint/2010/main" val="4156460407"/>
       </p:ext>
     </p:extLst>
   </p:cSld>
@@ -21996,8 +22670,8 @@
           <a:lstStyle/>
           <a:p>
             <a:r>
-              <a:rPr lang="en"/>
-              <a:t>Matplotlib</a:t>
+              <a:rPr lang="en-US"/>
+              <a:t>Pandas</a:t>
             </a:r>
             <a:endParaRPr lang="fa-IR"/>
           </a:p>
@@ -22080,7 +22754,7 @@
     </p:spTree>
     <p:extLst>
       <p:ext uri="{BB962C8B-B14F-4D97-AF65-F5344CB8AC3E}">
-        <p14:creationId xmlns:p14="http://schemas.microsoft.com/office/powerpoint/2010/main" val="2156315972"/>
+        <p14:creationId xmlns:p14="http://schemas.microsoft.com/office/powerpoint/2010/main" val="2254896634"/>
       </p:ext>
     </p:extLst>
   </p:cSld>
@@ -22129,8 +22803,8 @@
           <a:lstStyle/>
           <a:p>
             <a:r>
-              <a:rPr lang="en-US"/>
-              <a:t>Scikit-learn</a:t>
+              <a:rPr lang="en"/>
+              <a:t>Matplotlib</a:t>
             </a:r>
             <a:endParaRPr lang="fa-IR"/>
           </a:p>
@@ -22213,6 +22887,139 @@
     </p:spTree>
     <p:extLst>
       <p:ext uri="{BB962C8B-B14F-4D97-AF65-F5344CB8AC3E}">
+        <p14:creationId xmlns:p14="http://schemas.microsoft.com/office/powerpoint/2010/main" val="2156315972"/>
+      </p:ext>
+    </p:extLst>
+  </p:cSld>
+  <p:clrMapOvr>
+    <a:masterClrMapping/>
+  </p:clrMapOvr>
+</p:sld>
+</file>
+
+<file path=ppt/slides/slide45.xml><?xml version="1.0" encoding="utf-8"?>
+<p:sld xmlns:a="http://schemas.openxmlformats.org/drawingml/2006/main" xmlns:r="http://schemas.openxmlformats.org/officeDocument/2006/relationships" xmlns:p="http://schemas.openxmlformats.org/presentationml/2006/main">
+  <p:cSld>
+    <p:spTree>
+      <p:nvGrpSpPr>
+        <p:cNvPr id="1" name=""/>
+        <p:cNvGrpSpPr/>
+        <p:nvPr/>
+      </p:nvGrpSpPr>
+      <p:grpSpPr>
+        <a:xfrm>
+          <a:off x="0" y="0"/>
+          <a:ext cx="0" cy="0"/>
+          <a:chOff x="0" y="0"/>
+          <a:chExt cx="0" cy="0"/>
+        </a:xfrm>
+      </p:grpSpPr>
+      <p:sp>
+        <p:nvSpPr>
+          <p:cNvPr id="2" name="Title 1">
+            <a:extLst>
+              <a:ext uri="{FF2B5EF4-FFF2-40B4-BE49-F238E27FC236}">
+                <a16:creationId xmlns:a16="http://schemas.microsoft.com/office/drawing/2014/main" id="{024AD384-5AD1-4435-A943-1241B2FACD62}"/>
+              </a:ext>
+            </a:extLst>
+          </p:cNvPr>
+          <p:cNvSpPr>
+            <a:spLocks noGrp="1"/>
+          </p:cNvSpPr>
+          <p:nvPr>
+            <p:ph type="title"/>
+          </p:nvPr>
+        </p:nvSpPr>
+        <p:spPr/>
+        <p:txBody>
+          <a:bodyPr/>
+          <a:lstStyle/>
+          <a:p>
+            <a:r>
+              <a:rPr lang="en-US"/>
+              <a:t>Scikit-learn</a:t>
+            </a:r>
+            <a:endParaRPr lang="fa-IR"/>
+          </a:p>
+        </p:txBody>
+      </p:sp>
+      <p:sp>
+        <p:nvSpPr>
+          <p:cNvPr id="3" name="Text Placeholder 2">
+            <a:extLst>
+              <a:ext uri="{FF2B5EF4-FFF2-40B4-BE49-F238E27FC236}">
+                <a16:creationId xmlns:a16="http://schemas.microsoft.com/office/drawing/2014/main" id="{58BE3078-8B89-4550-B497-93E4DADBD57E}"/>
+              </a:ext>
+            </a:extLst>
+          </p:cNvPr>
+          <p:cNvSpPr>
+            <a:spLocks noGrp="1"/>
+          </p:cNvSpPr>
+          <p:nvPr>
+            <p:ph type="body" idx="1"/>
+          </p:nvPr>
+        </p:nvSpPr>
+        <p:spPr>
+          <a:xfrm>
+            <a:off x="786150" y="1142608"/>
+            <a:ext cx="7571700" cy="3626431"/>
+          </a:xfrm>
+        </p:spPr>
+        <p:txBody>
+          <a:bodyPr/>
+          <a:lstStyle/>
+          <a:p>
+            <a:pPr marL="76200" indent="0">
+              <a:buNone/>
+            </a:pPr>
+            <a:r>
+              <a:rPr lang="en-US" sz="1400"/>
+              <a:t>.</a:t>
+            </a:r>
+          </a:p>
+        </p:txBody>
+      </p:sp>
+      <p:sp>
+        <p:nvSpPr>
+          <p:cNvPr id="4" name="Slide Number Placeholder 3">
+            <a:extLst>
+              <a:ext uri="{FF2B5EF4-FFF2-40B4-BE49-F238E27FC236}">
+                <a16:creationId xmlns:a16="http://schemas.microsoft.com/office/drawing/2014/main" id="{64987AE6-EC0E-43DD-9376-95A5602EE5E1}"/>
+              </a:ext>
+            </a:extLst>
+          </p:cNvPr>
+          <p:cNvSpPr>
+            <a:spLocks noGrp="1"/>
+          </p:cNvSpPr>
+          <p:nvPr>
+            <p:ph type="sldNum" idx="12"/>
+          </p:nvPr>
+        </p:nvSpPr>
+        <p:spPr/>
+        <p:txBody>
+          <a:bodyPr/>
+          <a:lstStyle/>
+          <a:p>
+            <a:pPr marL="0" lvl="0" indent="0" algn="r" rtl="0">
+              <a:spcBef>
+                <a:spcPts val="0"/>
+              </a:spcBef>
+              <a:spcAft>
+                <a:spcPts val="0"/>
+              </a:spcAft>
+              <a:buNone/>
+            </a:pPr>
+            <a:fld id="{00000000-1234-1234-1234-123412341234}" type="slidenum">
+              <a:rPr lang="en" smtClean="0"/>
+              <a:t>45</a:t>
+            </a:fld>
+            <a:endParaRPr lang="en"/>
+          </a:p>
+        </p:txBody>
+      </p:sp>
+    </p:spTree>
+    <p:extLst>
+      <p:ext uri="{BB962C8B-B14F-4D97-AF65-F5344CB8AC3E}">
         <p14:creationId xmlns:p14="http://schemas.microsoft.com/office/powerpoint/2010/main" val="3316897623"/>
       </p:ext>
     </p:extLst>
@@ -22223,7 +23030,7 @@
 </p:sld>
 </file>
 
-<file path=ppt/slides/slide45.xml><?xml version="1.0" encoding="utf-8"?>
+<file path=ppt/slides/slide46.xml><?xml version="1.0" encoding="utf-8"?>
 <p:sld xmlns:a="http://schemas.openxmlformats.org/drawingml/2006/main" xmlns:r="http://schemas.openxmlformats.org/officeDocument/2006/relationships" xmlns:p="http://schemas.openxmlformats.org/presentationml/2006/main">
   <p:cSld>
     <p:spTree>
@@ -22335,7 +23142,7 @@
             </a:pPr>
             <a:fld id="{00000000-1234-1234-1234-123412341234}" type="slidenum">
               <a:rPr lang="en"/>
-              <a:t>45</a:t>
+              <a:t>46</a:t>
             </a:fld>
             <a:endParaRPr/>
           </a:p>
@@ -22354,7 +23161,7 @@
 </p:sld>
 </file>
 
-<file path=ppt/slides/slide46.xml><?xml version="1.0" encoding="utf-8"?>
+<file path=ppt/slides/slide47.xml><?xml version="1.0" encoding="utf-8"?>
 <p:sld xmlns:a="http://schemas.openxmlformats.org/drawingml/2006/main" xmlns:r="http://schemas.openxmlformats.org/officeDocument/2006/relationships" xmlns:p="http://schemas.openxmlformats.org/presentationml/2006/main">
   <p:cSld>
     <p:spTree>
@@ -22585,7 +23392,7 @@
             </a:pPr>
             <a:fld id="{00000000-1234-1234-1234-123412341234}" type="slidenum">
               <a:rPr lang="en"/>
-              <a:t>46</a:t>
+              <a:t>47</a:t>
             </a:fld>
             <a:endParaRPr/>
           </a:p>
@@ -22599,7 +23406,7 @@
 </p:sld>
 </file>
 
-<file path=ppt/slides/slide47.xml><?xml version="1.0" encoding="utf-8"?>
+<file path=ppt/slides/slide48.xml><?xml version="1.0" encoding="utf-8"?>
 <p:sld xmlns:a="http://schemas.openxmlformats.org/drawingml/2006/main" xmlns:r="http://schemas.openxmlformats.org/officeDocument/2006/relationships" xmlns:p="http://schemas.openxmlformats.org/presentationml/2006/main" show="0">
   <p:cSld>
     <p:spTree>
@@ -22736,7 +23543,7 @@
             </a:pPr>
             <a:fld id="{00000000-1234-1234-1234-123412341234}" type="slidenum">
               <a:rPr lang="en"/>
-              <a:t>47</a:t>
+              <a:t>48</a:t>
             </a:fld>
             <a:endParaRPr/>
           </a:p>
@@ -23393,7 +24200,7 @@
             </a:pPr>
             <a:r>
               <a:rPr lang="en"/>
-              <a:t>Python</a:t>
+              <a:t>Python Basics</a:t>
             </a:r>
             <a:endParaRPr/>
           </a:p>

--- a/Python.pptx
+++ b/Python.pptx
@@ -5,10 +5,10 @@
     <p:sldMasterId id="2147483658" r:id="rId1"/>
   </p:sldMasterIdLst>
   <p:notesMasterIdLst>
-    <p:notesMasterId r:id="rId50"/>
+    <p:notesMasterId r:id="rId52"/>
   </p:notesMasterIdLst>
   <p:handoutMasterIdLst>
-    <p:handoutMasterId r:id="rId51"/>
+    <p:handoutMasterId r:id="rId53"/>
   </p:handoutMasterIdLst>
   <p:sldIdLst>
     <p:sldId id="256" r:id="rId2"/>
@@ -52,28 +52,25 @@
     <p:sldId id="329" r:id="rId40"/>
     <p:sldId id="327" r:id="rId41"/>
     <p:sldId id="325" r:id="rId42"/>
-    <p:sldId id="289" r:id="rId43"/>
-    <p:sldId id="323" r:id="rId44"/>
-    <p:sldId id="324" r:id="rId45"/>
-    <p:sldId id="326" r:id="rId46"/>
-    <p:sldId id="287" r:id="rId47"/>
-    <p:sldId id="280" r:id="rId48"/>
-    <p:sldId id="271" r:id="rId49"/>
+    <p:sldId id="332" r:id="rId43"/>
+    <p:sldId id="333" r:id="rId44"/>
+    <p:sldId id="289" r:id="rId45"/>
+    <p:sldId id="323" r:id="rId46"/>
+    <p:sldId id="324" r:id="rId47"/>
+    <p:sldId id="326" r:id="rId48"/>
+    <p:sldId id="287" r:id="rId49"/>
+    <p:sldId id="280" r:id="rId50"/>
+    <p:sldId id="271" r:id="rId51"/>
   </p:sldIdLst>
   <p:sldSz cx="9144000" cy="5143500" type="screen16x9"/>
   <p:notesSz cx="6858000" cy="9144000"/>
   <p:embeddedFontLst>
     <p:embeddedFont>
       <p:font typeface="Consolas" panose="020B0609020204030204" pitchFamily="49" charset="0"/>
-      <p:regular r:id="rId52"/>
-      <p:bold r:id="rId53"/>
-      <p:italic r:id="rId54"/>
-      <p:boldItalic r:id="rId55"/>
-    </p:embeddedFont>
-    <p:embeddedFont>
-      <p:font typeface="IRANSans" panose="020B0506030804020204" pitchFamily="34" charset="-78"/>
-      <p:regular r:id="rId56"/>
-      <p:bold r:id="rId57"/>
+      <p:regular r:id="rId54"/>
+      <p:bold r:id="rId55"/>
+      <p:italic r:id="rId56"/>
+      <p:boldItalic r:id="rId57"/>
     </p:embeddedFont>
     <p:embeddedFont>
       <p:font typeface="Roboto Slab" panose="020B0604020202020204" charset="0"/>
@@ -1082,6 +1079,753 @@
 </dgm:colorsDef>
 </file>
 
+<file path=ppt/diagrams/colors2.xml><?xml version="1.0" encoding="utf-8"?>
+<dgm:colorsDef xmlns:dgm="http://schemas.openxmlformats.org/drawingml/2006/diagram" xmlns:a="http://schemas.openxmlformats.org/drawingml/2006/main" uniqueId="urn:microsoft.com/office/officeart/2005/8/colors/accent1_2">
+  <dgm:title val=""/>
+  <dgm:desc val=""/>
+  <dgm:catLst>
+    <dgm:cat type="accent1" pri="11200"/>
+  </dgm:catLst>
+  <dgm:styleLbl name="node0">
+    <dgm:fillClrLst meth="repeat">
+      <a:schemeClr val="accent1"/>
+    </dgm:fillClrLst>
+    <dgm:linClrLst meth="repeat">
+      <a:schemeClr val="lt1"/>
+    </dgm:linClrLst>
+    <dgm:effectClrLst/>
+    <dgm:txLinClrLst/>
+    <dgm:txFillClrLst/>
+    <dgm:txEffectClrLst/>
+  </dgm:styleLbl>
+  <dgm:styleLbl name="alignNode1">
+    <dgm:fillClrLst meth="repeat">
+      <a:schemeClr val="accent1"/>
+    </dgm:fillClrLst>
+    <dgm:linClrLst meth="repeat">
+      <a:schemeClr val="accent1"/>
+    </dgm:linClrLst>
+    <dgm:effectClrLst/>
+    <dgm:txLinClrLst/>
+    <dgm:txFillClrLst/>
+    <dgm:txEffectClrLst/>
+  </dgm:styleLbl>
+  <dgm:styleLbl name="node1">
+    <dgm:fillClrLst meth="repeat">
+      <a:schemeClr val="accent1"/>
+    </dgm:fillClrLst>
+    <dgm:linClrLst meth="repeat">
+      <a:schemeClr val="lt1"/>
+    </dgm:linClrLst>
+    <dgm:effectClrLst/>
+    <dgm:txLinClrLst/>
+    <dgm:txFillClrLst/>
+    <dgm:txEffectClrLst/>
+  </dgm:styleLbl>
+  <dgm:styleLbl name="lnNode1">
+    <dgm:fillClrLst meth="repeat">
+      <a:schemeClr val="accent1"/>
+    </dgm:fillClrLst>
+    <dgm:linClrLst meth="repeat">
+      <a:schemeClr val="lt1"/>
+    </dgm:linClrLst>
+    <dgm:effectClrLst/>
+    <dgm:txLinClrLst/>
+    <dgm:txFillClrLst/>
+    <dgm:txEffectClrLst/>
+  </dgm:styleLbl>
+  <dgm:styleLbl name="vennNode1">
+    <dgm:fillClrLst meth="repeat">
+      <a:schemeClr val="accent1">
+        <a:alpha val="50000"/>
+      </a:schemeClr>
+    </dgm:fillClrLst>
+    <dgm:linClrLst meth="repeat">
+      <a:schemeClr val="lt1"/>
+    </dgm:linClrLst>
+    <dgm:effectClrLst/>
+    <dgm:txLinClrLst/>
+    <dgm:txFillClrLst/>
+    <dgm:txEffectClrLst/>
+  </dgm:styleLbl>
+  <dgm:styleLbl name="node2">
+    <dgm:fillClrLst meth="repeat">
+      <a:schemeClr val="accent1"/>
+    </dgm:fillClrLst>
+    <dgm:linClrLst meth="repeat">
+      <a:schemeClr val="lt1"/>
+    </dgm:linClrLst>
+    <dgm:effectClrLst/>
+    <dgm:txLinClrLst/>
+    <dgm:txFillClrLst/>
+    <dgm:txEffectClrLst/>
+  </dgm:styleLbl>
+  <dgm:styleLbl name="node3">
+    <dgm:fillClrLst meth="repeat">
+      <a:schemeClr val="accent1"/>
+    </dgm:fillClrLst>
+    <dgm:linClrLst meth="repeat">
+      <a:schemeClr val="lt1"/>
+    </dgm:linClrLst>
+    <dgm:effectClrLst/>
+    <dgm:txLinClrLst/>
+    <dgm:txFillClrLst/>
+    <dgm:txEffectClrLst/>
+  </dgm:styleLbl>
+  <dgm:styleLbl name="node4">
+    <dgm:fillClrLst meth="repeat">
+      <a:schemeClr val="accent1"/>
+    </dgm:fillClrLst>
+    <dgm:linClrLst meth="repeat">
+      <a:schemeClr val="lt1"/>
+    </dgm:linClrLst>
+    <dgm:effectClrLst/>
+    <dgm:txLinClrLst/>
+    <dgm:txFillClrLst/>
+    <dgm:txEffectClrLst/>
+  </dgm:styleLbl>
+  <dgm:styleLbl name="fgImgPlace1">
+    <dgm:fillClrLst meth="repeat">
+      <a:schemeClr val="accent1">
+        <a:tint val="50000"/>
+      </a:schemeClr>
+    </dgm:fillClrLst>
+    <dgm:linClrLst meth="repeat">
+      <a:schemeClr val="lt1"/>
+    </dgm:linClrLst>
+    <dgm:effectClrLst/>
+    <dgm:txLinClrLst/>
+    <dgm:txFillClrLst meth="repeat">
+      <a:schemeClr val="lt1"/>
+    </dgm:txFillClrLst>
+    <dgm:txEffectClrLst/>
+  </dgm:styleLbl>
+  <dgm:styleLbl name="alignImgPlace1">
+    <dgm:fillClrLst meth="repeat">
+      <a:schemeClr val="accent1">
+        <a:tint val="50000"/>
+      </a:schemeClr>
+    </dgm:fillClrLst>
+    <dgm:linClrLst meth="repeat">
+      <a:schemeClr val="lt1"/>
+    </dgm:linClrLst>
+    <dgm:effectClrLst/>
+    <dgm:txLinClrLst/>
+    <dgm:txFillClrLst meth="repeat">
+      <a:schemeClr val="lt1"/>
+    </dgm:txFillClrLst>
+    <dgm:txEffectClrLst/>
+  </dgm:styleLbl>
+  <dgm:styleLbl name="bgImgPlace1">
+    <dgm:fillClrLst meth="repeat">
+      <a:schemeClr val="accent1">
+        <a:tint val="50000"/>
+      </a:schemeClr>
+    </dgm:fillClrLst>
+    <dgm:linClrLst meth="repeat">
+      <a:schemeClr val="lt1"/>
+    </dgm:linClrLst>
+    <dgm:effectClrLst/>
+    <dgm:txLinClrLst/>
+    <dgm:txFillClrLst meth="repeat">
+      <a:schemeClr val="lt1"/>
+    </dgm:txFillClrLst>
+    <dgm:txEffectClrLst/>
+  </dgm:styleLbl>
+  <dgm:styleLbl name="sibTrans2D1">
+    <dgm:fillClrLst meth="repeat">
+      <a:schemeClr val="accent1">
+        <a:tint val="60000"/>
+      </a:schemeClr>
+    </dgm:fillClrLst>
+    <dgm:linClrLst meth="repeat">
+      <a:schemeClr val="accent1">
+        <a:tint val="60000"/>
+      </a:schemeClr>
+    </dgm:linClrLst>
+    <dgm:effectClrLst/>
+    <dgm:txLinClrLst/>
+    <dgm:txFillClrLst/>
+    <dgm:txEffectClrLst/>
+  </dgm:styleLbl>
+  <dgm:styleLbl name="fgSibTrans2D1">
+    <dgm:fillClrLst meth="repeat">
+      <a:schemeClr val="accent1">
+        <a:tint val="60000"/>
+      </a:schemeClr>
+    </dgm:fillClrLst>
+    <dgm:linClrLst meth="repeat">
+      <a:schemeClr val="accent1">
+        <a:tint val="60000"/>
+      </a:schemeClr>
+    </dgm:linClrLst>
+    <dgm:effectClrLst/>
+    <dgm:txLinClrLst/>
+    <dgm:txFillClrLst/>
+    <dgm:txEffectClrLst/>
+  </dgm:styleLbl>
+  <dgm:styleLbl name="bgSibTrans2D1">
+    <dgm:fillClrLst meth="repeat">
+      <a:schemeClr val="accent1">
+        <a:tint val="60000"/>
+      </a:schemeClr>
+    </dgm:fillClrLst>
+    <dgm:linClrLst meth="repeat">
+      <a:schemeClr val="accent1">
+        <a:tint val="60000"/>
+      </a:schemeClr>
+    </dgm:linClrLst>
+    <dgm:effectClrLst/>
+    <dgm:txLinClrLst/>
+    <dgm:txFillClrLst/>
+    <dgm:txEffectClrLst/>
+  </dgm:styleLbl>
+  <dgm:styleLbl name="sibTrans1D1">
+    <dgm:fillClrLst meth="repeat">
+      <a:schemeClr val="accent1"/>
+    </dgm:fillClrLst>
+    <dgm:linClrLst meth="repeat">
+      <a:schemeClr val="accent1"/>
+    </dgm:linClrLst>
+    <dgm:effectClrLst/>
+    <dgm:txLinClrLst/>
+    <dgm:txFillClrLst meth="repeat">
+      <a:schemeClr val="tx1"/>
+    </dgm:txFillClrLst>
+    <dgm:txEffectClrLst/>
+  </dgm:styleLbl>
+  <dgm:styleLbl name="callout">
+    <dgm:fillClrLst meth="repeat">
+      <a:schemeClr val="accent1"/>
+    </dgm:fillClrLst>
+    <dgm:linClrLst meth="repeat">
+      <a:schemeClr val="accent1">
+        <a:tint val="50000"/>
+      </a:schemeClr>
+    </dgm:linClrLst>
+    <dgm:effectClrLst/>
+    <dgm:txLinClrLst/>
+    <dgm:txFillClrLst meth="repeat">
+      <a:schemeClr val="tx1"/>
+    </dgm:txFillClrLst>
+    <dgm:txEffectClrLst/>
+  </dgm:styleLbl>
+  <dgm:styleLbl name="asst0">
+    <dgm:fillClrLst meth="repeat">
+      <a:schemeClr val="accent1"/>
+    </dgm:fillClrLst>
+    <dgm:linClrLst meth="repeat">
+      <a:schemeClr val="lt1"/>
+    </dgm:linClrLst>
+    <dgm:effectClrLst/>
+    <dgm:txLinClrLst/>
+    <dgm:txFillClrLst/>
+    <dgm:txEffectClrLst/>
+  </dgm:styleLbl>
+  <dgm:styleLbl name="asst1">
+    <dgm:fillClrLst meth="repeat">
+      <a:schemeClr val="accent1"/>
+    </dgm:fillClrLst>
+    <dgm:linClrLst meth="repeat">
+      <a:schemeClr val="lt1"/>
+    </dgm:linClrLst>
+    <dgm:effectClrLst/>
+    <dgm:txLinClrLst/>
+    <dgm:txFillClrLst/>
+    <dgm:txEffectClrLst/>
+  </dgm:styleLbl>
+  <dgm:styleLbl name="asst2">
+    <dgm:fillClrLst meth="repeat">
+      <a:schemeClr val="accent1"/>
+    </dgm:fillClrLst>
+    <dgm:linClrLst meth="repeat">
+      <a:schemeClr val="lt1"/>
+    </dgm:linClrLst>
+    <dgm:effectClrLst/>
+    <dgm:txLinClrLst/>
+    <dgm:txFillClrLst/>
+    <dgm:txEffectClrLst/>
+  </dgm:styleLbl>
+  <dgm:styleLbl name="asst3">
+    <dgm:fillClrLst meth="repeat">
+      <a:schemeClr val="accent1"/>
+    </dgm:fillClrLst>
+    <dgm:linClrLst meth="repeat">
+      <a:schemeClr val="lt1"/>
+    </dgm:linClrLst>
+    <dgm:effectClrLst/>
+    <dgm:txLinClrLst/>
+    <dgm:txFillClrLst/>
+    <dgm:txEffectClrLst/>
+  </dgm:styleLbl>
+  <dgm:styleLbl name="asst4">
+    <dgm:fillClrLst meth="repeat">
+      <a:schemeClr val="accent1"/>
+    </dgm:fillClrLst>
+    <dgm:linClrLst meth="repeat">
+      <a:schemeClr val="lt1"/>
+    </dgm:linClrLst>
+    <dgm:effectClrLst/>
+    <dgm:txLinClrLst/>
+    <dgm:txFillClrLst/>
+    <dgm:txEffectClrLst/>
+  </dgm:styleLbl>
+  <dgm:styleLbl name="parChTrans2D1">
+    <dgm:fillClrLst meth="repeat">
+      <a:schemeClr val="accent1">
+        <a:tint val="60000"/>
+      </a:schemeClr>
+    </dgm:fillClrLst>
+    <dgm:linClrLst meth="repeat">
+      <a:schemeClr val="accent1">
+        <a:tint val="60000"/>
+      </a:schemeClr>
+    </dgm:linClrLst>
+    <dgm:effectClrLst/>
+    <dgm:txLinClrLst/>
+    <dgm:txFillClrLst meth="repeat">
+      <a:schemeClr val="lt1"/>
+    </dgm:txFillClrLst>
+    <dgm:txEffectClrLst/>
+  </dgm:styleLbl>
+  <dgm:styleLbl name="parChTrans2D2">
+    <dgm:fillClrLst meth="repeat">
+      <a:schemeClr val="accent1"/>
+    </dgm:fillClrLst>
+    <dgm:linClrLst meth="repeat">
+      <a:schemeClr val="accent1"/>
+    </dgm:linClrLst>
+    <dgm:effectClrLst/>
+    <dgm:txLinClrLst/>
+    <dgm:txFillClrLst meth="repeat">
+      <a:schemeClr val="lt1"/>
+    </dgm:txFillClrLst>
+    <dgm:txEffectClrLst/>
+  </dgm:styleLbl>
+  <dgm:styleLbl name="parChTrans2D3">
+    <dgm:fillClrLst meth="repeat">
+      <a:schemeClr val="accent1"/>
+    </dgm:fillClrLst>
+    <dgm:linClrLst meth="repeat">
+      <a:schemeClr val="accent1"/>
+    </dgm:linClrLst>
+    <dgm:effectClrLst/>
+    <dgm:txLinClrLst/>
+    <dgm:txFillClrLst meth="repeat">
+      <a:schemeClr val="lt1"/>
+    </dgm:txFillClrLst>
+    <dgm:txEffectClrLst/>
+  </dgm:styleLbl>
+  <dgm:styleLbl name="parChTrans2D4">
+    <dgm:fillClrLst meth="repeat">
+      <a:schemeClr val="accent1"/>
+    </dgm:fillClrLst>
+    <dgm:linClrLst meth="repeat">
+      <a:schemeClr val="accent1"/>
+    </dgm:linClrLst>
+    <dgm:effectClrLst/>
+    <dgm:txLinClrLst/>
+    <dgm:txFillClrLst meth="repeat">
+      <a:schemeClr val="lt1"/>
+    </dgm:txFillClrLst>
+    <dgm:txEffectClrLst/>
+  </dgm:styleLbl>
+  <dgm:styleLbl name="parChTrans1D1">
+    <dgm:fillClrLst meth="repeat">
+      <a:schemeClr val="accent1"/>
+    </dgm:fillClrLst>
+    <dgm:linClrLst meth="repeat">
+      <a:schemeClr val="accent1">
+        <a:shade val="60000"/>
+      </a:schemeClr>
+    </dgm:linClrLst>
+    <dgm:effectClrLst/>
+    <dgm:txLinClrLst/>
+    <dgm:txFillClrLst meth="repeat">
+      <a:schemeClr val="tx1"/>
+    </dgm:txFillClrLst>
+    <dgm:txEffectClrLst/>
+  </dgm:styleLbl>
+  <dgm:styleLbl name="parChTrans1D2">
+    <dgm:fillClrLst meth="repeat">
+      <a:schemeClr val="accent1"/>
+    </dgm:fillClrLst>
+    <dgm:linClrLst meth="repeat">
+      <a:schemeClr val="accent1">
+        <a:shade val="60000"/>
+      </a:schemeClr>
+    </dgm:linClrLst>
+    <dgm:effectClrLst/>
+    <dgm:txLinClrLst/>
+    <dgm:txFillClrLst meth="repeat">
+      <a:schemeClr val="tx1"/>
+    </dgm:txFillClrLst>
+    <dgm:txEffectClrLst/>
+  </dgm:styleLbl>
+  <dgm:styleLbl name="parChTrans1D3">
+    <dgm:fillClrLst meth="repeat">
+      <a:schemeClr val="accent1"/>
+    </dgm:fillClrLst>
+    <dgm:linClrLst meth="repeat">
+      <a:schemeClr val="accent1">
+        <a:shade val="80000"/>
+      </a:schemeClr>
+    </dgm:linClrLst>
+    <dgm:effectClrLst/>
+    <dgm:txLinClrLst/>
+    <dgm:txFillClrLst meth="repeat">
+      <a:schemeClr val="tx1"/>
+    </dgm:txFillClrLst>
+    <dgm:txEffectClrLst/>
+  </dgm:styleLbl>
+  <dgm:styleLbl name="parChTrans1D4">
+    <dgm:fillClrLst meth="repeat">
+      <a:schemeClr val="accent1"/>
+    </dgm:fillClrLst>
+    <dgm:linClrLst meth="repeat">
+      <a:schemeClr val="accent1">
+        <a:shade val="80000"/>
+      </a:schemeClr>
+    </dgm:linClrLst>
+    <dgm:effectClrLst/>
+    <dgm:txLinClrLst/>
+    <dgm:txFillClrLst meth="repeat">
+      <a:schemeClr val="tx1"/>
+    </dgm:txFillClrLst>
+    <dgm:txEffectClrLst/>
+  </dgm:styleLbl>
+  <dgm:styleLbl name="fgAcc1">
+    <dgm:fillClrLst meth="repeat">
+      <a:schemeClr val="lt1">
+        <a:alpha val="90000"/>
+      </a:schemeClr>
+    </dgm:fillClrLst>
+    <dgm:linClrLst meth="repeat">
+      <a:schemeClr val="accent1"/>
+    </dgm:linClrLst>
+    <dgm:effectClrLst/>
+    <dgm:txLinClrLst/>
+    <dgm:txFillClrLst meth="repeat">
+      <a:schemeClr val="dk1"/>
+    </dgm:txFillClrLst>
+    <dgm:txEffectClrLst/>
+  </dgm:styleLbl>
+  <dgm:styleLbl name="conFgAcc1">
+    <dgm:fillClrLst meth="repeat">
+      <a:schemeClr val="lt1">
+        <a:alpha val="90000"/>
+      </a:schemeClr>
+    </dgm:fillClrLst>
+    <dgm:linClrLst meth="repeat">
+      <a:schemeClr val="accent1"/>
+    </dgm:linClrLst>
+    <dgm:effectClrLst/>
+    <dgm:txLinClrLst/>
+    <dgm:txFillClrLst meth="repeat">
+      <a:schemeClr val="dk1"/>
+    </dgm:txFillClrLst>
+    <dgm:txEffectClrLst/>
+  </dgm:styleLbl>
+  <dgm:styleLbl name="alignAcc1">
+    <dgm:fillClrLst meth="repeat">
+      <a:schemeClr val="lt1">
+        <a:alpha val="90000"/>
+      </a:schemeClr>
+    </dgm:fillClrLst>
+    <dgm:linClrLst meth="repeat">
+      <a:schemeClr val="accent1"/>
+    </dgm:linClrLst>
+    <dgm:effectClrLst/>
+    <dgm:txLinClrLst/>
+    <dgm:txFillClrLst meth="repeat">
+      <a:schemeClr val="dk1"/>
+    </dgm:txFillClrLst>
+    <dgm:txEffectClrLst/>
+  </dgm:styleLbl>
+  <dgm:styleLbl name="trAlignAcc1">
+    <dgm:fillClrLst meth="repeat">
+      <a:schemeClr val="lt1">
+        <a:alpha val="40000"/>
+      </a:schemeClr>
+    </dgm:fillClrLst>
+    <dgm:linClrLst meth="repeat">
+      <a:schemeClr val="accent1"/>
+    </dgm:linClrLst>
+    <dgm:effectClrLst/>
+    <dgm:txLinClrLst/>
+    <dgm:txFillClrLst meth="repeat">
+      <a:schemeClr val="dk1"/>
+    </dgm:txFillClrLst>
+    <dgm:txEffectClrLst/>
+  </dgm:styleLbl>
+  <dgm:styleLbl name="bgAcc1">
+    <dgm:fillClrLst meth="repeat">
+      <a:schemeClr val="lt1">
+        <a:alpha val="90000"/>
+      </a:schemeClr>
+    </dgm:fillClrLst>
+    <dgm:linClrLst meth="repeat">
+      <a:schemeClr val="accent1"/>
+    </dgm:linClrLst>
+    <dgm:effectClrLst/>
+    <dgm:txLinClrLst/>
+    <dgm:txFillClrLst meth="repeat">
+      <a:schemeClr val="dk1"/>
+    </dgm:txFillClrLst>
+    <dgm:txEffectClrLst/>
+  </dgm:styleLbl>
+  <dgm:styleLbl name="solidFgAcc1">
+    <dgm:fillClrLst meth="repeat">
+      <a:schemeClr val="lt1"/>
+    </dgm:fillClrLst>
+    <dgm:linClrLst meth="repeat">
+      <a:schemeClr val="accent1"/>
+    </dgm:linClrLst>
+    <dgm:effectClrLst/>
+    <dgm:txLinClrLst/>
+    <dgm:txFillClrLst meth="repeat">
+      <a:schemeClr val="dk1"/>
+    </dgm:txFillClrLst>
+    <dgm:txEffectClrLst/>
+  </dgm:styleLbl>
+  <dgm:styleLbl name="solidAlignAcc1">
+    <dgm:fillClrLst meth="repeat">
+      <a:schemeClr val="lt1"/>
+    </dgm:fillClrLst>
+    <dgm:linClrLst meth="repeat">
+      <a:schemeClr val="accent1"/>
+    </dgm:linClrLst>
+    <dgm:effectClrLst/>
+    <dgm:txLinClrLst/>
+    <dgm:txFillClrLst meth="repeat">
+      <a:schemeClr val="dk1"/>
+    </dgm:txFillClrLst>
+    <dgm:txEffectClrLst/>
+  </dgm:styleLbl>
+  <dgm:styleLbl name="solidBgAcc1">
+    <dgm:fillClrLst meth="repeat">
+      <a:schemeClr val="lt1"/>
+    </dgm:fillClrLst>
+    <dgm:linClrLst meth="repeat">
+      <a:schemeClr val="accent1"/>
+    </dgm:linClrLst>
+    <dgm:effectClrLst/>
+    <dgm:txLinClrLst/>
+    <dgm:txFillClrLst meth="repeat">
+      <a:schemeClr val="dk1"/>
+    </dgm:txFillClrLst>
+    <dgm:txEffectClrLst/>
+  </dgm:styleLbl>
+  <dgm:styleLbl name="fgAccFollowNode1">
+    <dgm:fillClrLst meth="repeat">
+      <a:schemeClr val="accent1">
+        <a:alpha val="90000"/>
+        <a:tint val="40000"/>
+      </a:schemeClr>
+    </dgm:fillClrLst>
+    <dgm:linClrLst meth="repeat">
+      <a:schemeClr val="accent1">
+        <a:alpha val="90000"/>
+        <a:tint val="40000"/>
+      </a:schemeClr>
+    </dgm:linClrLst>
+    <dgm:effectClrLst/>
+    <dgm:txLinClrLst/>
+    <dgm:txFillClrLst meth="repeat">
+      <a:schemeClr val="dk1"/>
+    </dgm:txFillClrLst>
+    <dgm:txEffectClrLst/>
+  </dgm:styleLbl>
+  <dgm:styleLbl name="alignAccFollowNode1">
+    <dgm:fillClrLst meth="repeat">
+      <a:schemeClr val="accent1">
+        <a:alpha val="90000"/>
+        <a:tint val="40000"/>
+      </a:schemeClr>
+    </dgm:fillClrLst>
+    <dgm:linClrLst meth="repeat">
+      <a:schemeClr val="accent1">
+        <a:alpha val="90000"/>
+        <a:tint val="40000"/>
+      </a:schemeClr>
+    </dgm:linClrLst>
+    <dgm:effectClrLst/>
+    <dgm:txLinClrLst/>
+    <dgm:txFillClrLst meth="repeat">
+      <a:schemeClr val="dk1"/>
+    </dgm:txFillClrLst>
+    <dgm:txEffectClrLst/>
+  </dgm:styleLbl>
+  <dgm:styleLbl name="bgAccFollowNode1">
+    <dgm:fillClrLst meth="repeat">
+      <a:schemeClr val="accent1">
+        <a:alpha val="90000"/>
+        <a:tint val="40000"/>
+      </a:schemeClr>
+    </dgm:fillClrLst>
+    <dgm:linClrLst meth="repeat">
+      <a:schemeClr val="accent1">
+        <a:alpha val="90000"/>
+        <a:tint val="40000"/>
+      </a:schemeClr>
+    </dgm:linClrLst>
+    <dgm:effectClrLst/>
+    <dgm:txLinClrLst/>
+    <dgm:txFillClrLst meth="repeat">
+      <a:schemeClr val="dk1"/>
+    </dgm:txFillClrLst>
+    <dgm:txEffectClrLst/>
+  </dgm:styleLbl>
+  <dgm:styleLbl name="fgAcc0">
+    <dgm:fillClrLst meth="repeat">
+      <a:schemeClr val="lt1">
+        <a:alpha val="90000"/>
+      </a:schemeClr>
+    </dgm:fillClrLst>
+    <dgm:linClrLst meth="repeat">
+      <a:schemeClr val="accent1"/>
+    </dgm:linClrLst>
+    <dgm:effectClrLst/>
+    <dgm:txLinClrLst/>
+    <dgm:txFillClrLst meth="repeat">
+      <a:schemeClr val="dk1"/>
+    </dgm:txFillClrLst>
+    <dgm:txEffectClrLst/>
+  </dgm:styleLbl>
+  <dgm:styleLbl name="fgAcc2">
+    <dgm:fillClrLst meth="repeat">
+      <a:schemeClr val="lt1">
+        <a:alpha val="90000"/>
+      </a:schemeClr>
+    </dgm:fillClrLst>
+    <dgm:linClrLst meth="repeat">
+      <a:schemeClr val="accent1"/>
+    </dgm:linClrLst>
+    <dgm:effectClrLst/>
+    <dgm:txLinClrLst/>
+    <dgm:txFillClrLst meth="repeat">
+      <a:schemeClr val="dk1"/>
+    </dgm:txFillClrLst>
+    <dgm:txEffectClrLst/>
+  </dgm:styleLbl>
+  <dgm:styleLbl name="fgAcc3">
+    <dgm:fillClrLst meth="repeat">
+      <a:schemeClr val="lt1">
+        <a:alpha val="90000"/>
+      </a:schemeClr>
+    </dgm:fillClrLst>
+    <dgm:linClrLst meth="repeat">
+      <a:schemeClr val="accent1"/>
+    </dgm:linClrLst>
+    <dgm:effectClrLst/>
+    <dgm:txLinClrLst/>
+    <dgm:txFillClrLst meth="repeat">
+      <a:schemeClr val="dk1"/>
+    </dgm:txFillClrLst>
+    <dgm:txEffectClrLst/>
+  </dgm:styleLbl>
+  <dgm:styleLbl name="fgAcc4">
+    <dgm:fillClrLst meth="repeat">
+      <a:schemeClr val="lt1">
+        <a:alpha val="90000"/>
+      </a:schemeClr>
+    </dgm:fillClrLst>
+    <dgm:linClrLst meth="repeat">
+      <a:schemeClr val="accent1"/>
+    </dgm:linClrLst>
+    <dgm:effectClrLst/>
+    <dgm:txLinClrLst/>
+    <dgm:txFillClrLst meth="repeat">
+      <a:schemeClr val="dk1"/>
+    </dgm:txFillClrLst>
+    <dgm:txEffectClrLst/>
+  </dgm:styleLbl>
+  <dgm:styleLbl name="bgShp">
+    <dgm:fillClrLst meth="repeat">
+      <a:schemeClr val="accent1">
+        <a:tint val="40000"/>
+      </a:schemeClr>
+    </dgm:fillClrLst>
+    <dgm:linClrLst meth="repeat">
+      <a:schemeClr val="accent1"/>
+    </dgm:linClrLst>
+    <dgm:effectClrLst/>
+    <dgm:txLinClrLst/>
+    <dgm:txFillClrLst meth="repeat">
+      <a:schemeClr val="dk1"/>
+    </dgm:txFillClrLst>
+    <dgm:txEffectClrLst/>
+  </dgm:styleLbl>
+  <dgm:styleLbl name="dkBgShp">
+    <dgm:fillClrLst meth="repeat">
+      <a:schemeClr val="accent1">
+        <a:shade val="80000"/>
+      </a:schemeClr>
+    </dgm:fillClrLst>
+    <dgm:linClrLst meth="repeat">
+      <a:schemeClr val="accent1"/>
+    </dgm:linClrLst>
+    <dgm:effectClrLst/>
+    <dgm:txLinClrLst/>
+    <dgm:txFillClrLst meth="repeat">
+      <a:schemeClr val="lt1"/>
+    </dgm:txFillClrLst>
+    <dgm:txEffectClrLst/>
+  </dgm:styleLbl>
+  <dgm:styleLbl name="trBgShp">
+    <dgm:fillClrLst meth="repeat">
+      <a:schemeClr val="accent1">
+        <a:tint val="50000"/>
+        <a:alpha val="40000"/>
+      </a:schemeClr>
+    </dgm:fillClrLst>
+    <dgm:linClrLst meth="repeat">
+      <a:schemeClr val="accent1"/>
+    </dgm:linClrLst>
+    <dgm:effectClrLst/>
+    <dgm:txLinClrLst/>
+    <dgm:txFillClrLst meth="repeat">
+      <a:schemeClr val="lt1"/>
+    </dgm:txFillClrLst>
+    <dgm:txEffectClrLst/>
+  </dgm:styleLbl>
+  <dgm:styleLbl name="fgShp">
+    <dgm:fillClrLst meth="repeat">
+      <a:schemeClr val="accent1">
+        <a:tint val="60000"/>
+      </a:schemeClr>
+    </dgm:fillClrLst>
+    <dgm:linClrLst meth="repeat">
+      <a:schemeClr val="lt1"/>
+    </dgm:linClrLst>
+    <dgm:effectClrLst/>
+    <dgm:txLinClrLst/>
+    <dgm:txFillClrLst meth="repeat">
+      <a:schemeClr val="dk1"/>
+    </dgm:txFillClrLst>
+    <dgm:txEffectClrLst/>
+  </dgm:styleLbl>
+  <dgm:styleLbl name="revTx">
+    <dgm:fillClrLst meth="repeat">
+      <a:schemeClr val="lt1">
+        <a:alpha val="0"/>
+      </a:schemeClr>
+    </dgm:fillClrLst>
+    <dgm:linClrLst meth="repeat">
+      <a:schemeClr val="dk1">
+        <a:alpha val="0"/>
+      </a:schemeClr>
+    </dgm:linClrLst>
+    <dgm:effectClrLst/>
+    <dgm:txLinClrLst/>
+    <dgm:txFillClrLst meth="repeat">
+      <a:schemeClr val="tx1"/>
+    </dgm:txFillClrLst>
+    <dgm:txEffectClrLst/>
+  </dgm:styleLbl>
+</dgm:colorsDef>
+</file>
+
 <file path=ppt/diagrams/data1.xml><?xml version="1.0" encoding="utf-8"?>
 <dgm:dataModel xmlns:dgm="http://schemas.openxmlformats.org/drawingml/2006/diagram" xmlns:a="http://schemas.openxmlformats.org/drawingml/2006/main">
   <dgm:ptLst>
@@ -1099,14 +1843,12 @@
           <a:pPr rtl="1"/>
           <a:r>
             <a:rPr lang="en-US" sz="800">
-              <a:latin typeface="IRANSans" panose="02040503050201020203" pitchFamily="18" charset="-78"/>
-              <a:cs typeface="IRANSans" panose="02040503050201020203" pitchFamily="18" charset="-78"/>
+              <a:latin typeface="Trebuchet MS" panose="020B0603020202020204" pitchFamily="34" charset="0"/>
             </a:rPr>
             <a:t>Text</a:t>
           </a:r>
           <a:endParaRPr lang="fa-IR" sz="800" dirty="0">
-            <a:latin typeface="IRANSans" panose="02040503050201020203" pitchFamily="18" charset="-78"/>
-            <a:cs typeface="IRANSans" panose="02040503050201020203" pitchFamily="18" charset="-78"/>
+            <a:latin typeface="Trebuchet MS" panose="020B0603020202020204" pitchFamily="34" charset="0"/>
           </a:endParaRPr>
         </a:p>
       </dgm:t>
@@ -1120,8 +1862,7 @@
         <a:p>
           <a:pPr rtl="1"/>
           <a:endParaRPr lang="fa-IR" sz="800">
-            <a:latin typeface="IRANSans" panose="02040503050201020203" pitchFamily="18" charset="-78"/>
-            <a:cs typeface="IRANSans" panose="02040503050201020203" pitchFamily="18" charset="-78"/>
+            <a:latin typeface="Trebuchet MS" panose="020B0603020202020204" pitchFamily="34" charset="0"/>
           </a:endParaRPr>
         </a:p>
       </dgm:t>
@@ -1135,8 +1876,7 @@
         <a:p>
           <a:pPr rtl="1"/>
           <a:endParaRPr lang="fa-IR" sz="800">
-            <a:latin typeface="IRANSans" panose="02040503050201020203" pitchFamily="18" charset="-78"/>
-            <a:cs typeface="IRANSans" panose="02040503050201020203" pitchFamily="18" charset="-78"/>
+            <a:latin typeface="Trebuchet MS" panose="020B0603020202020204" pitchFamily="34" charset="0"/>
           </a:endParaRPr>
         </a:p>
       </dgm:t>
@@ -1151,14 +1891,12 @@
           <a:pPr rtl="1"/>
           <a:r>
             <a:rPr lang="en-US" sz="800">
-              <a:latin typeface="IRANSans" panose="02040503050201020203" pitchFamily="18" charset="-78"/>
-              <a:cs typeface="IRANSans" panose="02040503050201020203" pitchFamily="18" charset="-78"/>
+              <a:latin typeface="Trebuchet MS" panose="020B0603020202020204" pitchFamily="34" charset="0"/>
             </a:rPr>
             <a:t>Numeric</a:t>
           </a:r>
           <a:endParaRPr lang="fa-IR" sz="800" dirty="0">
-            <a:latin typeface="IRANSans" panose="02040503050201020203" pitchFamily="18" charset="-78"/>
-            <a:cs typeface="IRANSans" panose="02040503050201020203" pitchFamily="18" charset="-78"/>
+            <a:latin typeface="Trebuchet MS" panose="020B0603020202020204" pitchFamily="34" charset="0"/>
           </a:endParaRPr>
         </a:p>
       </dgm:t>
@@ -1172,8 +1910,7 @@
         <a:p>
           <a:pPr rtl="1"/>
           <a:endParaRPr lang="fa-IR" sz="800">
-            <a:latin typeface="IRANSans" panose="02040503050201020203" pitchFamily="18" charset="-78"/>
-            <a:cs typeface="IRANSans" panose="02040503050201020203" pitchFamily="18" charset="-78"/>
+            <a:latin typeface="Trebuchet MS" panose="020B0603020202020204" pitchFamily="34" charset="0"/>
           </a:endParaRPr>
         </a:p>
       </dgm:t>
@@ -1187,8 +1924,7 @@
         <a:p>
           <a:pPr rtl="1"/>
           <a:endParaRPr lang="fa-IR" sz="800">
-            <a:latin typeface="IRANSans" panose="02040503050201020203" pitchFamily="18" charset="-78"/>
-            <a:cs typeface="IRANSans" panose="02040503050201020203" pitchFamily="18" charset="-78"/>
+            <a:latin typeface="Trebuchet MS" panose="020B0603020202020204" pitchFamily="34" charset="0"/>
           </a:endParaRPr>
         </a:p>
       </dgm:t>
@@ -1203,14 +1939,12 @@
           <a:pPr rtl="1"/>
           <a:r>
             <a:rPr lang="en-US" sz="800">
-              <a:latin typeface="IRANSans" panose="02040503050201020203" pitchFamily="18" charset="-78"/>
-              <a:cs typeface="IRANSans" panose="02040503050201020203" pitchFamily="18" charset="-78"/>
+              <a:latin typeface="Trebuchet MS" panose="020B0603020202020204" pitchFamily="34" charset="0"/>
             </a:rPr>
             <a:t>Sequence</a:t>
           </a:r>
           <a:endParaRPr lang="fa-IR" sz="800" dirty="0">
-            <a:latin typeface="IRANSans" panose="02040503050201020203" pitchFamily="18" charset="-78"/>
-            <a:cs typeface="IRANSans" panose="02040503050201020203" pitchFamily="18" charset="-78"/>
+            <a:latin typeface="Trebuchet MS" panose="020B0603020202020204" pitchFamily="34" charset="0"/>
           </a:endParaRPr>
         </a:p>
       </dgm:t>
@@ -1224,8 +1958,7 @@
         <a:p>
           <a:pPr rtl="1"/>
           <a:endParaRPr lang="fa-IR" sz="800">
-            <a:latin typeface="IRANSans" panose="02040503050201020203" pitchFamily="18" charset="-78"/>
-            <a:cs typeface="IRANSans" panose="02040503050201020203" pitchFamily="18" charset="-78"/>
+            <a:latin typeface="Trebuchet MS" panose="020B0603020202020204" pitchFamily="34" charset="0"/>
           </a:endParaRPr>
         </a:p>
       </dgm:t>
@@ -1239,8 +1972,7 @@
         <a:p>
           <a:pPr rtl="1"/>
           <a:endParaRPr lang="fa-IR" sz="800">
-            <a:latin typeface="IRANSans" panose="02040503050201020203" pitchFamily="18" charset="-78"/>
-            <a:cs typeface="IRANSans" panose="02040503050201020203" pitchFamily="18" charset="-78"/>
+            <a:latin typeface="Trebuchet MS" panose="020B0603020202020204" pitchFamily="34" charset="0"/>
           </a:endParaRPr>
         </a:p>
       </dgm:t>
@@ -1249,22 +1981,18 @@
       <dgm:prSet phldrT="[Text]" custT="1"/>
       <dgm:spPr/>
       <dgm:t>
-        <a:bodyPr>
-          <a:flatTx/>
-        </a:bodyPr>
+        <a:bodyPr/>
         <a:lstStyle/>
         <a:p>
           <a:pPr rtl="1"/>
           <a:r>
             <a:rPr lang="en-US" sz="800">
-              <a:latin typeface="IRANSans" panose="02040503050201020203" pitchFamily="18" charset="-78"/>
-              <a:cs typeface="IRANSans" panose="02040503050201020203" pitchFamily="18" charset="-78"/>
+              <a:latin typeface="Trebuchet MS" panose="020B0603020202020204" pitchFamily="34" charset="0"/>
             </a:rPr>
             <a:t>str</a:t>
           </a:r>
           <a:endParaRPr lang="fa-IR" sz="800" dirty="0">
-            <a:latin typeface="IRANSans" panose="02040503050201020203" pitchFamily="18" charset="-78"/>
-            <a:cs typeface="IRANSans" panose="02040503050201020203" pitchFamily="18" charset="-78"/>
+            <a:latin typeface="Trebuchet MS" panose="020B0603020202020204" pitchFamily="34" charset="0"/>
           </a:endParaRPr>
         </a:p>
       </dgm:t>
@@ -1278,8 +2006,7 @@
         <a:p>
           <a:pPr rtl="1"/>
           <a:endParaRPr lang="fa-IR" sz="800">
-            <a:latin typeface="IRANSans" panose="02040503050201020203" pitchFamily="18" charset="-78"/>
-            <a:cs typeface="IRANSans" panose="02040503050201020203" pitchFamily="18" charset="-78"/>
+            <a:latin typeface="Trebuchet MS" panose="020B0603020202020204" pitchFamily="34" charset="0"/>
           </a:endParaRPr>
         </a:p>
       </dgm:t>
@@ -1293,8 +2020,7 @@
         <a:p>
           <a:pPr rtl="1"/>
           <a:endParaRPr lang="fa-IR" sz="800">
-            <a:latin typeface="IRANSans" panose="02040503050201020203" pitchFamily="18" charset="-78"/>
-            <a:cs typeface="IRANSans" panose="02040503050201020203" pitchFamily="18" charset="-78"/>
+            <a:latin typeface="Trebuchet MS" panose="020B0603020202020204" pitchFamily="34" charset="0"/>
           </a:endParaRPr>
         </a:p>
       </dgm:t>
@@ -1303,22 +2029,18 @@
       <dgm:prSet phldrT="[Text]" custT="1"/>
       <dgm:spPr/>
       <dgm:t>
-        <a:bodyPr>
-          <a:flatTx/>
-        </a:bodyPr>
+        <a:bodyPr/>
         <a:lstStyle/>
         <a:p>
           <a:pPr rtl="1"/>
           <a:r>
             <a:rPr lang="en-US" sz="800">
-              <a:latin typeface="IRANSans" panose="02040503050201020203" pitchFamily="18" charset="-78"/>
-              <a:cs typeface="IRANSans" panose="02040503050201020203" pitchFamily="18" charset="-78"/>
+              <a:latin typeface="Trebuchet MS" panose="020B0603020202020204" pitchFamily="34" charset="0"/>
             </a:rPr>
             <a:t>int</a:t>
           </a:r>
           <a:endParaRPr lang="fa-IR" sz="800" dirty="0">
-            <a:latin typeface="IRANSans" panose="02040503050201020203" pitchFamily="18" charset="-78"/>
-            <a:cs typeface="IRANSans" panose="02040503050201020203" pitchFamily="18" charset="-78"/>
+            <a:latin typeface="Trebuchet MS" panose="020B0603020202020204" pitchFamily="34" charset="0"/>
           </a:endParaRPr>
         </a:p>
       </dgm:t>
@@ -1332,8 +2054,7 @@
         <a:p>
           <a:pPr rtl="1"/>
           <a:endParaRPr lang="fa-IR" sz="800">
-            <a:latin typeface="IRANSans" panose="02040503050201020203" pitchFamily="18" charset="-78"/>
-            <a:cs typeface="IRANSans" panose="02040503050201020203" pitchFamily="18" charset="-78"/>
+            <a:latin typeface="Trebuchet MS" panose="020B0603020202020204" pitchFamily="34" charset="0"/>
           </a:endParaRPr>
         </a:p>
       </dgm:t>
@@ -1347,8 +2068,7 @@
         <a:p>
           <a:pPr rtl="1"/>
           <a:endParaRPr lang="fa-IR" sz="800">
-            <a:latin typeface="IRANSans" panose="02040503050201020203" pitchFamily="18" charset="-78"/>
-            <a:cs typeface="IRANSans" panose="02040503050201020203" pitchFamily="18" charset="-78"/>
+            <a:latin typeface="Trebuchet MS" panose="020B0603020202020204" pitchFamily="34" charset="0"/>
           </a:endParaRPr>
         </a:p>
       </dgm:t>
@@ -1357,22 +2077,18 @@
       <dgm:prSet phldrT="[Text]" custT="1"/>
       <dgm:spPr/>
       <dgm:t>
-        <a:bodyPr>
-          <a:flatTx/>
-        </a:bodyPr>
+        <a:bodyPr/>
         <a:lstStyle/>
         <a:p>
           <a:pPr rtl="1"/>
           <a:r>
             <a:rPr lang="en-US" sz="800">
-              <a:latin typeface="IRANSans" panose="02040503050201020203" pitchFamily="18" charset="-78"/>
-              <a:cs typeface="IRANSans" panose="02040503050201020203" pitchFamily="18" charset="-78"/>
+              <a:latin typeface="Trebuchet MS" panose="020B0603020202020204" pitchFamily="34" charset="0"/>
             </a:rPr>
             <a:t>float</a:t>
           </a:r>
           <a:endParaRPr lang="fa-IR" sz="800" dirty="0">
-            <a:latin typeface="IRANSans" panose="02040503050201020203" pitchFamily="18" charset="-78"/>
-            <a:cs typeface="IRANSans" panose="02040503050201020203" pitchFamily="18" charset="-78"/>
+            <a:latin typeface="Trebuchet MS" panose="020B0603020202020204" pitchFamily="34" charset="0"/>
           </a:endParaRPr>
         </a:p>
       </dgm:t>
@@ -1386,8 +2102,7 @@
         <a:p>
           <a:pPr rtl="1"/>
           <a:endParaRPr lang="fa-IR" sz="800">
-            <a:latin typeface="IRANSans" panose="02040503050201020203" pitchFamily="18" charset="-78"/>
-            <a:cs typeface="IRANSans" panose="02040503050201020203" pitchFamily="18" charset="-78"/>
+            <a:latin typeface="Trebuchet MS" panose="020B0603020202020204" pitchFamily="34" charset="0"/>
           </a:endParaRPr>
         </a:p>
       </dgm:t>
@@ -1401,8 +2116,7 @@
         <a:p>
           <a:pPr rtl="1"/>
           <a:endParaRPr lang="fa-IR" sz="800">
-            <a:latin typeface="IRANSans" panose="02040503050201020203" pitchFamily="18" charset="-78"/>
-            <a:cs typeface="IRANSans" panose="02040503050201020203" pitchFamily="18" charset="-78"/>
+            <a:latin typeface="Trebuchet MS" panose="020B0603020202020204" pitchFamily="34" charset="0"/>
           </a:endParaRPr>
         </a:p>
       </dgm:t>
@@ -1411,22 +2125,18 @@
       <dgm:prSet phldrT="[Text]" custT="1"/>
       <dgm:spPr/>
       <dgm:t>
-        <a:bodyPr>
-          <a:flatTx/>
-        </a:bodyPr>
+        <a:bodyPr/>
         <a:lstStyle/>
         <a:p>
           <a:pPr rtl="1"/>
           <a:r>
             <a:rPr lang="en-US" sz="800">
-              <a:latin typeface="IRANSans" panose="02040503050201020203" pitchFamily="18" charset="-78"/>
-              <a:cs typeface="IRANSans" panose="02040503050201020203" pitchFamily="18" charset="-78"/>
+              <a:latin typeface="Trebuchet MS" panose="020B0603020202020204" pitchFamily="34" charset="0"/>
             </a:rPr>
             <a:t>complex</a:t>
           </a:r>
           <a:endParaRPr lang="fa-IR" sz="800" dirty="0">
-            <a:latin typeface="IRANSans" panose="02040503050201020203" pitchFamily="18" charset="-78"/>
-            <a:cs typeface="IRANSans" panose="02040503050201020203" pitchFamily="18" charset="-78"/>
+            <a:latin typeface="Trebuchet MS" panose="020B0603020202020204" pitchFamily="34" charset="0"/>
           </a:endParaRPr>
         </a:p>
       </dgm:t>
@@ -1440,8 +2150,7 @@
         <a:p>
           <a:pPr rtl="1"/>
           <a:endParaRPr lang="fa-IR" sz="800">
-            <a:latin typeface="IRANSans" panose="02040503050201020203" pitchFamily="18" charset="-78"/>
-            <a:cs typeface="IRANSans" panose="02040503050201020203" pitchFamily="18" charset="-78"/>
+            <a:latin typeface="Trebuchet MS" panose="020B0603020202020204" pitchFamily="34" charset="0"/>
           </a:endParaRPr>
         </a:p>
       </dgm:t>
@@ -1455,8 +2164,7 @@
         <a:p>
           <a:pPr rtl="1"/>
           <a:endParaRPr lang="fa-IR" sz="800">
-            <a:latin typeface="IRANSans" panose="02040503050201020203" pitchFamily="18" charset="-78"/>
-            <a:cs typeface="IRANSans" panose="02040503050201020203" pitchFamily="18" charset="-78"/>
+            <a:latin typeface="Trebuchet MS" panose="020B0603020202020204" pitchFamily="34" charset="0"/>
           </a:endParaRPr>
         </a:p>
       </dgm:t>
@@ -1465,22 +2173,18 @@
       <dgm:prSet phldrT="[Text]" custT="1"/>
       <dgm:spPr/>
       <dgm:t>
-        <a:bodyPr>
-          <a:flatTx/>
-        </a:bodyPr>
+        <a:bodyPr/>
         <a:lstStyle/>
         <a:p>
           <a:pPr rtl="1"/>
           <a:r>
             <a:rPr lang="en-US" sz="800">
-              <a:latin typeface="IRANSans" panose="02040503050201020203" pitchFamily="18" charset="-78"/>
-              <a:cs typeface="IRANSans" panose="02040503050201020203" pitchFamily="18" charset="-78"/>
+              <a:latin typeface="Trebuchet MS" panose="020B0603020202020204" pitchFamily="34" charset="0"/>
             </a:rPr>
             <a:t>list</a:t>
           </a:r>
           <a:endParaRPr lang="fa-IR" sz="800" dirty="0">
-            <a:latin typeface="IRANSans" panose="02040503050201020203" pitchFamily="18" charset="-78"/>
-            <a:cs typeface="IRANSans" panose="02040503050201020203" pitchFamily="18" charset="-78"/>
+            <a:latin typeface="Trebuchet MS" panose="020B0603020202020204" pitchFamily="34" charset="0"/>
           </a:endParaRPr>
         </a:p>
       </dgm:t>
@@ -1494,8 +2198,7 @@
         <a:p>
           <a:pPr rtl="1"/>
           <a:endParaRPr lang="fa-IR" sz="800">
-            <a:latin typeface="IRANSans" panose="02040503050201020203" pitchFamily="18" charset="-78"/>
-            <a:cs typeface="IRANSans" panose="02040503050201020203" pitchFamily="18" charset="-78"/>
+            <a:latin typeface="Trebuchet MS" panose="020B0603020202020204" pitchFamily="34" charset="0"/>
           </a:endParaRPr>
         </a:p>
       </dgm:t>
@@ -1509,8 +2212,7 @@
         <a:p>
           <a:pPr rtl="1"/>
           <a:endParaRPr lang="fa-IR" sz="800">
-            <a:latin typeface="IRANSans" panose="02040503050201020203" pitchFamily="18" charset="-78"/>
-            <a:cs typeface="IRANSans" panose="02040503050201020203" pitchFamily="18" charset="-78"/>
+            <a:latin typeface="Trebuchet MS" panose="020B0603020202020204" pitchFamily="34" charset="0"/>
           </a:endParaRPr>
         </a:p>
       </dgm:t>
@@ -1519,22 +2221,18 @@
       <dgm:prSet phldrT="[Text]" custT="1"/>
       <dgm:spPr/>
       <dgm:t>
-        <a:bodyPr>
-          <a:flatTx/>
-        </a:bodyPr>
+        <a:bodyPr/>
         <a:lstStyle/>
         <a:p>
           <a:pPr rtl="1"/>
           <a:r>
             <a:rPr lang="en-US" sz="800">
-              <a:latin typeface="IRANSans" panose="02040503050201020203" pitchFamily="18" charset="-78"/>
-              <a:cs typeface="IRANSans" panose="02040503050201020203" pitchFamily="18" charset="-78"/>
+              <a:latin typeface="Trebuchet MS" panose="020B0603020202020204" pitchFamily="34" charset="0"/>
             </a:rPr>
             <a:t>tuple</a:t>
           </a:r>
           <a:endParaRPr lang="fa-IR" sz="800" dirty="0">
-            <a:latin typeface="IRANSans" panose="02040503050201020203" pitchFamily="18" charset="-78"/>
-            <a:cs typeface="IRANSans" panose="02040503050201020203" pitchFamily="18" charset="-78"/>
+            <a:latin typeface="Trebuchet MS" panose="020B0603020202020204" pitchFamily="34" charset="0"/>
           </a:endParaRPr>
         </a:p>
       </dgm:t>
@@ -1548,8 +2246,7 @@
         <a:p>
           <a:pPr rtl="1"/>
           <a:endParaRPr lang="fa-IR" sz="800">
-            <a:latin typeface="IRANSans" panose="02040503050201020203" pitchFamily="18" charset="-78"/>
-            <a:cs typeface="IRANSans" panose="02040503050201020203" pitchFamily="18" charset="-78"/>
+            <a:latin typeface="Trebuchet MS" panose="020B0603020202020204" pitchFamily="34" charset="0"/>
           </a:endParaRPr>
         </a:p>
       </dgm:t>
@@ -1563,8 +2260,7 @@
         <a:p>
           <a:pPr rtl="1"/>
           <a:endParaRPr lang="fa-IR" sz="800">
-            <a:latin typeface="IRANSans" panose="02040503050201020203" pitchFamily="18" charset="-78"/>
-            <a:cs typeface="IRANSans" panose="02040503050201020203" pitchFamily="18" charset="-78"/>
+            <a:latin typeface="Trebuchet MS" panose="020B0603020202020204" pitchFamily="34" charset="0"/>
           </a:endParaRPr>
         </a:p>
       </dgm:t>
@@ -1573,22 +2269,18 @@
       <dgm:prSet phldrT="[Text]" custT="1"/>
       <dgm:spPr/>
       <dgm:t>
-        <a:bodyPr>
-          <a:flatTx/>
-        </a:bodyPr>
+        <a:bodyPr/>
         <a:lstStyle/>
         <a:p>
           <a:pPr rtl="1"/>
           <a:r>
             <a:rPr lang="en-US" sz="800">
-              <a:latin typeface="IRANSans" panose="02040503050201020203" pitchFamily="18" charset="-78"/>
-              <a:cs typeface="IRANSans" panose="02040503050201020203" pitchFamily="18" charset="-78"/>
+              <a:latin typeface="Trebuchet MS" panose="020B0603020202020204" pitchFamily="34" charset="0"/>
             </a:rPr>
             <a:t>range</a:t>
           </a:r>
           <a:endParaRPr lang="fa-IR" sz="800" dirty="0">
-            <a:latin typeface="IRANSans" panose="02040503050201020203" pitchFamily="18" charset="-78"/>
-            <a:cs typeface="IRANSans" panose="02040503050201020203" pitchFamily="18" charset="-78"/>
+            <a:latin typeface="Trebuchet MS" panose="020B0603020202020204" pitchFamily="34" charset="0"/>
           </a:endParaRPr>
         </a:p>
       </dgm:t>
@@ -1602,8 +2294,7 @@
         <a:p>
           <a:pPr rtl="1"/>
           <a:endParaRPr lang="fa-IR" sz="800">
-            <a:latin typeface="IRANSans" panose="02040503050201020203" pitchFamily="18" charset="-78"/>
-            <a:cs typeface="IRANSans" panose="02040503050201020203" pitchFamily="18" charset="-78"/>
+            <a:latin typeface="Trebuchet MS" panose="020B0603020202020204" pitchFamily="34" charset="0"/>
           </a:endParaRPr>
         </a:p>
       </dgm:t>
@@ -1617,8 +2308,7 @@
         <a:p>
           <a:pPr rtl="1"/>
           <a:endParaRPr lang="fa-IR" sz="800">
-            <a:latin typeface="IRANSans" panose="02040503050201020203" pitchFamily="18" charset="-78"/>
-            <a:cs typeface="IRANSans" panose="02040503050201020203" pitchFamily="18" charset="-78"/>
+            <a:latin typeface="Trebuchet MS" panose="020B0603020202020204" pitchFamily="34" charset="0"/>
           </a:endParaRPr>
         </a:p>
       </dgm:t>
@@ -1633,14 +2323,12 @@
           <a:pPr rtl="1"/>
           <a:r>
             <a:rPr lang="en-US" sz="800">
-              <a:latin typeface="IRANSans" panose="02040503050201020203" pitchFamily="18" charset="-78"/>
-              <a:cs typeface="IRANSans" panose="02040503050201020203" pitchFamily="18" charset="-78"/>
+              <a:latin typeface="Trebuchet MS" panose="020B0603020202020204" pitchFamily="34" charset="0"/>
             </a:rPr>
             <a:t>Mapping</a:t>
           </a:r>
           <a:endParaRPr lang="fa-IR" sz="800" dirty="0">
-            <a:latin typeface="IRANSans" panose="02040503050201020203" pitchFamily="18" charset="-78"/>
-            <a:cs typeface="IRANSans" panose="02040503050201020203" pitchFamily="18" charset="-78"/>
+            <a:latin typeface="Trebuchet MS" panose="020B0603020202020204" pitchFamily="34" charset="0"/>
           </a:endParaRPr>
         </a:p>
       </dgm:t>
@@ -1652,7 +2340,9 @@
         <a:bodyPr/>
         <a:lstStyle/>
         <a:p>
-          <a:endParaRPr lang="en-US" sz="800"/>
+          <a:endParaRPr lang="en-US" sz="800">
+            <a:latin typeface="Trebuchet MS" panose="020B0603020202020204" pitchFamily="34" charset="0"/>
+          </a:endParaRPr>
         </a:p>
       </dgm:t>
     </dgm:pt>
@@ -1663,7 +2353,9 @@
         <a:bodyPr/>
         <a:lstStyle/>
         <a:p>
-          <a:endParaRPr lang="en-US" sz="800"/>
+          <a:endParaRPr lang="en-US" sz="800">
+            <a:latin typeface="Trebuchet MS" panose="020B0603020202020204" pitchFamily="34" charset="0"/>
+          </a:endParaRPr>
         </a:p>
       </dgm:t>
     </dgm:pt>
@@ -1677,14 +2369,12 @@
           <a:pPr rtl="1"/>
           <a:r>
             <a:rPr lang="en-US" sz="800">
-              <a:latin typeface="IRANSans" panose="02040503050201020203" pitchFamily="18" charset="-78"/>
-              <a:cs typeface="IRANSans" panose="02040503050201020203" pitchFamily="18" charset="-78"/>
+              <a:latin typeface="Trebuchet MS" panose="020B0603020202020204" pitchFamily="34" charset="0"/>
             </a:rPr>
             <a:t>Set</a:t>
           </a:r>
           <a:endParaRPr lang="fa-IR" sz="800" dirty="0">
-            <a:latin typeface="IRANSans" panose="02040503050201020203" pitchFamily="18" charset="-78"/>
-            <a:cs typeface="IRANSans" panose="02040503050201020203" pitchFamily="18" charset="-78"/>
+            <a:latin typeface="Trebuchet MS" panose="020B0603020202020204" pitchFamily="34" charset="0"/>
           </a:endParaRPr>
         </a:p>
       </dgm:t>
@@ -1696,7 +2386,9 @@
         <a:bodyPr/>
         <a:lstStyle/>
         <a:p>
-          <a:endParaRPr lang="en-US" sz="800"/>
+          <a:endParaRPr lang="en-US" sz="800">
+            <a:latin typeface="Trebuchet MS" panose="020B0603020202020204" pitchFamily="34" charset="0"/>
+          </a:endParaRPr>
         </a:p>
       </dgm:t>
     </dgm:pt>
@@ -1707,7 +2399,9 @@
         <a:bodyPr/>
         <a:lstStyle/>
         <a:p>
-          <a:endParaRPr lang="en-US" sz="800"/>
+          <a:endParaRPr lang="en-US" sz="800">
+            <a:latin typeface="Trebuchet MS" panose="020B0603020202020204" pitchFamily="34" charset="0"/>
+          </a:endParaRPr>
         </a:p>
       </dgm:t>
     </dgm:pt>
@@ -1721,14 +2415,12 @@
           <a:pPr rtl="1"/>
           <a:r>
             <a:rPr lang="en-US" sz="800">
-              <a:latin typeface="IRANSans" panose="02040503050201020203" pitchFamily="18" charset="-78"/>
-              <a:cs typeface="IRANSans" panose="02040503050201020203" pitchFamily="18" charset="-78"/>
+              <a:latin typeface="Trebuchet MS" panose="020B0603020202020204" pitchFamily="34" charset="0"/>
             </a:rPr>
             <a:t>Boolean</a:t>
           </a:r>
           <a:endParaRPr lang="fa-IR" sz="800" dirty="0">
-            <a:latin typeface="IRANSans" panose="02040503050201020203" pitchFamily="18" charset="-78"/>
-            <a:cs typeface="IRANSans" panose="02040503050201020203" pitchFamily="18" charset="-78"/>
+            <a:latin typeface="Trebuchet MS" panose="020B0603020202020204" pitchFamily="34" charset="0"/>
           </a:endParaRPr>
         </a:p>
       </dgm:t>
@@ -1740,7 +2432,9 @@
         <a:bodyPr/>
         <a:lstStyle/>
         <a:p>
-          <a:endParaRPr lang="en-US" sz="800"/>
+          <a:endParaRPr lang="en-US" sz="800">
+            <a:latin typeface="Trebuchet MS" panose="020B0603020202020204" pitchFamily="34" charset="0"/>
+          </a:endParaRPr>
         </a:p>
       </dgm:t>
     </dgm:pt>
@@ -1751,7 +2445,9 @@
         <a:bodyPr/>
         <a:lstStyle/>
         <a:p>
-          <a:endParaRPr lang="en-US" sz="800"/>
+          <a:endParaRPr lang="en-US" sz="800">
+            <a:latin typeface="Trebuchet MS" panose="020B0603020202020204" pitchFamily="34" charset="0"/>
+          </a:endParaRPr>
         </a:p>
       </dgm:t>
     </dgm:pt>
@@ -1765,14 +2461,12 @@
           <a:pPr rtl="1"/>
           <a:r>
             <a:rPr lang="en-US" sz="800">
-              <a:latin typeface="IRANSans" panose="02040503050201020203" pitchFamily="18" charset="-78"/>
-              <a:cs typeface="IRANSans" panose="02040503050201020203" pitchFamily="18" charset="-78"/>
+              <a:latin typeface="Trebuchet MS" panose="020B0603020202020204" pitchFamily="34" charset="0"/>
             </a:rPr>
             <a:t>Binary</a:t>
           </a:r>
           <a:endParaRPr lang="fa-IR" sz="800" dirty="0">
-            <a:latin typeface="IRANSans" panose="02040503050201020203" pitchFamily="18" charset="-78"/>
-            <a:cs typeface="IRANSans" panose="02040503050201020203" pitchFamily="18" charset="-78"/>
+            <a:latin typeface="Trebuchet MS" panose="020B0603020202020204" pitchFamily="34" charset="0"/>
           </a:endParaRPr>
         </a:p>
       </dgm:t>
@@ -1784,7 +2478,9 @@
         <a:bodyPr/>
         <a:lstStyle/>
         <a:p>
-          <a:endParaRPr lang="en-US" sz="800"/>
+          <a:endParaRPr lang="en-US" sz="800">
+            <a:latin typeface="Trebuchet MS" panose="020B0603020202020204" pitchFamily="34" charset="0"/>
+          </a:endParaRPr>
         </a:p>
       </dgm:t>
     </dgm:pt>
@@ -1795,7 +2491,9 @@
         <a:bodyPr/>
         <a:lstStyle/>
         <a:p>
-          <a:endParaRPr lang="en-US" sz="800"/>
+          <a:endParaRPr lang="en-US" sz="800">
+            <a:latin typeface="Trebuchet MS" panose="020B0603020202020204" pitchFamily="34" charset="0"/>
+          </a:endParaRPr>
         </a:p>
       </dgm:t>
     </dgm:pt>
@@ -1809,14 +2507,12 @@
           <a:pPr rtl="1"/>
           <a:r>
             <a:rPr lang="en-US" sz="800">
-              <a:latin typeface="IRANSans" panose="02040503050201020203" pitchFamily="18" charset="-78"/>
-              <a:cs typeface="IRANSans" panose="02040503050201020203" pitchFamily="18" charset="-78"/>
+              <a:latin typeface="Trebuchet MS" panose="020B0603020202020204" pitchFamily="34" charset="0"/>
             </a:rPr>
             <a:t>None</a:t>
           </a:r>
           <a:endParaRPr lang="fa-IR" sz="800" dirty="0">
-            <a:latin typeface="IRANSans" panose="02040503050201020203" pitchFamily="18" charset="-78"/>
-            <a:cs typeface="IRANSans" panose="02040503050201020203" pitchFamily="18" charset="-78"/>
+            <a:latin typeface="Trebuchet MS" panose="020B0603020202020204" pitchFamily="34" charset="0"/>
           </a:endParaRPr>
         </a:p>
       </dgm:t>
@@ -1828,7 +2524,9 @@
         <a:bodyPr/>
         <a:lstStyle/>
         <a:p>
-          <a:endParaRPr lang="en-US" sz="800"/>
+          <a:endParaRPr lang="en-US" sz="800">
+            <a:latin typeface="Trebuchet MS" panose="020B0603020202020204" pitchFamily="34" charset="0"/>
+          </a:endParaRPr>
         </a:p>
       </dgm:t>
     </dgm:pt>
@@ -1839,7 +2537,9 @@
         <a:bodyPr/>
         <a:lstStyle/>
         <a:p>
-          <a:endParaRPr lang="en-US" sz="800"/>
+          <a:endParaRPr lang="en-US" sz="800">
+            <a:latin typeface="Trebuchet MS" panose="020B0603020202020204" pitchFamily="34" charset="0"/>
+          </a:endParaRPr>
         </a:p>
       </dgm:t>
     </dgm:pt>
@@ -1847,22 +2547,18 @@
       <dgm:prSet phldrT="[Text]" custT="1"/>
       <dgm:spPr/>
       <dgm:t>
-        <a:bodyPr>
-          <a:flatTx/>
-        </a:bodyPr>
+        <a:bodyPr/>
         <a:lstStyle/>
         <a:p>
           <a:pPr rtl="1"/>
           <a:r>
             <a:rPr lang="en-US" sz="800">
-              <a:latin typeface="IRANSans" panose="02040503050201020203" pitchFamily="18" charset="-78"/>
-              <a:cs typeface="IRANSans" panose="02040503050201020203" pitchFamily="18" charset="-78"/>
+              <a:latin typeface="Trebuchet MS" panose="020B0603020202020204" pitchFamily="34" charset="0"/>
             </a:rPr>
             <a:t>dict</a:t>
           </a:r>
           <a:endParaRPr lang="fa-IR" sz="800" dirty="0">
-            <a:latin typeface="IRANSans" panose="02040503050201020203" pitchFamily="18" charset="-78"/>
-            <a:cs typeface="IRANSans" panose="02040503050201020203" pitchFamily="18" charset="-78"/>
+            <a:latin typeface="Trebuchet MS" panose="020B0603020202020204" pitchFamily="34" charset="0"/>
           </a:endParaRPr>
         </a:p>
       </dgm:t>
@@ -1874,7 +2570,9 @@
         <a:bodyPr/>
         <a:lstStyle/>
         <a:p>
-          <a:endParaRPr lang="en-US" sz="800"/>
+          <a:endParaRPr lang="en-US" sz="800">
+            <a:latin typeface="Trebuchet MS" panose="020B0603020202020204" pitchFamily="34" charset="0"/>
+          </a:endParaRPr>
         </a:p>
       </dgm:t>
     </dgm:pt>
@@ -1885,7 +2583,9 @@
         <a:bodyPr/>
         <a:lstStyle/>
         <a:p>
-          <a:endParaRPr lang="en-US" sz="800"/>
+          <a:endParaRPr lang="en-US" sz="800">
+            <a:latin typeface="Trebuchet MS" panose="020B0603020202020204" pitchFamily="34" charset="0"/>
+          </a:endParaRPr>
         </a:p>
       </dgm:t>
     </dgm:pt>
@@ -1893,22 +2593,18 @@
       <dgm:prSet phldrT="[Text]" custT="1"/>
       <dgm:spPr/>
       <dgm:t>
-        <a:bodyPr>
-          <a:flatTx/>
-        </a:bodyPr>
+        <a:bodyPr/>
         <a:lstStyle/>
         <a:p>
           <a:pPr rtl="1"/>
           <a:r>
             <a:rPr lang="en-US" sz="800">
-              <a:latin typeface="IRANSans" panose="02040503050201020203" pitchFamily="18" charset="-78"/>
-              <a:cs typeface="IRANSans" panose="02040503050201020203" pitchFamily="18" charset="-78"/>
+              <a:latin typeface="Trebuchet MS" panose="020B0603020202020204" pitchFamily="34" charset="0"/>
             </a:rPr>
             <a:t>set</a:t>
           </a:r>
           <a:endParaRPr lang="fa-IR" sz="800" dirty="0">
-            <a:latin typeface="IRANSans" panose="02040503050201020203" pitchFamily="18" charset="-78"/>
-            <a:cs typeface="IRANSans" panose="02040503050201020203" pitchFamily="18" charset="-78"/>
+            <a:latin typeface="Trebuchet MS" panose="020B0603020202020204" pitchFamily="34" charset="0"/>
           </a:endParaRPr>
         </a:p>
       </dgm:t>
@@ -1920,7 +2616,9 @@
         <a:bodyPr/>
         <a:lstStyle/>
         <a:p>
-          <a:endParaRPr lang="en-US" sz="800"/>
+          <a:endParaRPr lang="en-US" sz="800">
+            <a:latin typeface="Trebuchet MS" panose="020B0603020202020204" pitchFamily="34" charset="0"/>
+          </a:endParaRPr>
         </a:p>
       </dgm:t>
     </dgm:pt>
@@ -1931,7 +2629,9 @@
         <a:bodyPr/>
         <a:lstStyle/>
         <a:p>
-          <a:endParaRPr lang="en-US" sz="800"/>
+          <a:endParaRPr lang="en-US" sz="800">
+            <a:latin typeface="Trebuchet MS" panose="020B0603020202020204" pitchFamily="34" charset="0"/>
+          </a:endParaRPr>
         </a:p>
       </dgm:t>
     </dgm:pt>
@@ -1939,22 +2639,18 @@
       <dgm:prSet phldrT="[Text]" custT="1"/>
       <dgm:spPr/>
       <dgm:t>
-        <a:bodyPr>
-          <a:flatTx/>
-        </a:bodyPr>
+        <a:bodyPr/>
         <a:lstStyle/>
         <a:p>
           <a:pPr rtl="1"/>
           <a:r>
             <a:rPr lang="en-US" sz="800">
-              <a:latin typeface="IRANSans" panose="02040503050201020203" pitchFamily="18" charset="-78"/>
-              <a:cs typeface="IRANSans" panose="02040503050201020203" pitchFamily="18" charset="-78"/>
+              <a:latin typeface="Trebuchet MS" panose="020B0603020202020204" pitchFamily="34" charset="0"/>
             </a:rPr>
             <a:t>frozenset</a:t>
           </a:r>
           <a:endParaRPr lang="fa-IR" sz="800" dirty="0">
-            <a:latin typeface="IRANSans" panose="02040503050201020203" pitchFamily="18" charset="-78"/>
-            <a:cs typeface="IRANSans" panose="02040503050201020203" pitchFamily="18" charset="-78"/>
+            <a:latin typeface="Trebuchet MS" panose="020B0603020202020204" pitchFamily="34" charset="0"/>
           </a:endParaRPr>
         </a:p>
       </dgm:t>
@@ -1966,7 +2662,9 @@
         <a:bodyPr/>
         <a:lstStyle/>
         <a:p>
-          <a:endParaRPr lang="en-US" sz="800"/>
+          <a:endParaRPr lang="en-US" sz="800">
+            <a:latin typeface="Trebuchet MS" panose="020B0603020202020204" pitchFamily="34" charset="0"/>
+          </a:endParaRPr>
         </a:p>
       </dgm:t>
     </dgm:pt>
@@ -1977,7 +2675,9 @@
         <a:bodyPr/>
         <a:lstStyle/>
         <a:p>
-          <a:endParaRPr lang="en-US" sz="800"/>
+          <a:endParaRPr lang="en-US" sz="800">
+            <a:latin typeface="Trebuchet MS" panose="020B0603020202020204" pitchFamily="34" charset="0"/>
+          </a:endParaRPr>
         </a:p>
       </dgm:t>
     </dgm:pt>
@@ -1985,22 +2685,18 @@
       <dgm:prSet phldrT="[Text]" custT="1"/>
       <dgm:spPr/>
       <dgm:t>
-        <a:bodyPr>
-          <a:flatTx/>
-        </a:bodyPr>
+        <a:bodyPr/>
         <a:lstStyle/>
         <a:p>
           <a:pPr rtl="1"/>
           <a:r>
             <a:rPr lang="en-US" sz="800">
-              <a:latin typeface="IRANSans" panose="02040503050201020203" pitchFamily="18" charset="-78"/>
-              <a:cs typeface="IRANSans" panose="02040503050201020203" pitchFamily="18" charset="-78"/>
+              <a:latin typeface="Trebuchet MS" panose="020B0603020202020204" pitchFamily="34" charset="0"/>
             </a:rPr>
             <a:t>bool</a:t>
           </a:r>
           <a:endParaRPr lang="fa-IR" sz="800" dirty="0">
-            <a:latin typeface="IRANSans" panose="02040503050201020203" pitchFamily="18" charset="-78"/>
-            <a:cs typeface="IRANSans" panose="02040503050201020203" pitchFamily="18" charset="-78"/>
+            <a:latin typeface="Trebuchet MS" panose="020B0603020202020204" pitchFamily="34" charset="0"/>
           </a:endParaRPr>
         </a:p>
       </dgm:t>
@@ -2012,7 +2708,9 @@
         <a:bodyPr/>
         <a:lstStyle/>
         <a:p>
-          <a:endParaRPr lang="en-US" sz="800"/>
+          <a:endParaRPr lang="en-US" sz="800">
+            <a:latin typeface="Trebuchet MS" panose="020B0603020202020204" pitchFamily="34" charset="0"/>
+          </a:endParaRPr>
         </a:p>
       </dgm:t>
     </dgm:pt>
@@ -2023,7 +2721,9 @@
         <a:bodyPr/>
         <a:lstStyle/>
         <a:p>
-          <a:endParaRPr lang="en-US" sz="800"/>
+          <a:endParaRPr lang="en-US" sz="800">
+            <a:latin typeface="Trebuchet MS" panose="020B0603020202020204" pitchFamily="34" charset="0"/>
+          </a:endParaRPr>
         </a:p>
       </dgm:t>
     </dgm:pt>
@@ -2031,22 +2731,18 @@
       <dgm:prSet phldrT="[Text]" custT="1"/>
       <dgm:spPr/>
       <dgm:t>
-        <a:bodyPr>
-          <a:flatTx/>
-        </a:bodyPr>
+        <a:bodyPr/>
         <a:lstStyle/>
         <a:p>
           <a:pPr rtl="1"/>
           <a:r>
             <a:rPr lang="en-US" sz="800">
-              <a:latin typeface="IRANSans" panose="02040503050201020203" pitchFamily="18" charset="-78"/>
-              <a:cs typeface="IRANSans" panose="02040503050201020203" pitchFamily="18" charset="-78"/>
+              <a:latin typeface="Trebuchet MS" panose="020B0603020202020204" pitchFamily="34" charset="0"/>
             </a:rPr>
             <a:t>bytes</a:t>
           </a:r>
           <a:endParaRPr lang="fa-IR" sz="800" dirty="0">
-            <a:latin typeface="IRANSans" panose="02040503050201020203" pitchFamily="18" charset="-78"/>
-            <a:cs typeface="IRANSans" panose="02040503050201020203" pitchFamily="18" charset="-78"/>
+            <a:latin typeface="Trebuchet MS" panose="020B0603020202020204" pitchFamily="34" charset="0"/>
           </a:endParaRPr>
         </a:p>
       </dgm:t>
@@ -2058,7 +2754,9 @@
         <a:bodyPr/>
         <a:lstStyle/>
         <a:p>
-          <a:endParaRPr lang="en-US" sz="800"/>
+          <a:endParaRPr lang="en-US" sz="800">
+            <a:latin typeface="Trebuchet MS" panose="020B0603020202020204" pitchFamily="34" charset="0"/>
+          </a:endParaRPr>
         </a:p>
       </dgm:t>
     </dgm:pt>
@@ -2069,7 +2767,9 @@
         <a:bodyPr/>
         <a:lstStyle/>
         <a:p>
-          <a:endParaRPr lang="en-US" sz="800"/>
+          <a:endParaRPr lang="en-US" sz="800">
+            <a:latin typeface="Trebuchet MS" panose="020B0603020202020204" pitchFamily="34" charset="0"/>
+          </a:endParaRPr>
         </a:p>
       </dgm:t>
     </dgm:pt>
@@ -2077,22 +2777,18 @@
       <dgm:prSet phldrT="[Text]" custT="1"/>
       <dgm:spPr/>
       <dgm:t>
-        <a:bodyPr>
-          <a:flatTx/>
-        </a:bodyPr>
+        <a:bodyPr/>
         <a:lstStyle/>
         <a:p>
           <a:pPr rtl="1"/>
           <a:r>
             <a:rPr lang="en-US" sz="800">
-              <a:latin typeface="IRANSans" panose="02040503050201020203" pitchFamily="18" charset="-78"/>
-              <a:cs typeface="IRANSans" panose="02040503050201020203" pitchFamily="18" charset="-78"/>
+              <a:latin typeface="Trebuchet MS" panose="020B0603020202020204" pitchFamily="34" charset="0"/>
             </a:rPr>
             <a:t>bytearray</a:t>
           </a:r>
           <a:endParaRPr lang="fa-IR" sz="800" dirty="0">
-            <a:latin typeface="IRANSans" panose="02040503050201020203" pitchFamily="18" charset="-78"/>
-            <a:cs typeface="IRANSans" panose="02040503050201020203" pitchFamily="18" charset="-78"/>
+            <a:latin typeface="Trebuchet MS" panose="020B0603020202020204" pitchFamily="34" charset="0"/>
           </a:endParaRPr>
         </a:p>
       </dgm:t>
@@ -2104,7 +2800,9 @@
         <a:bodyPr/>
         <a:lstStyle/>
         <a:p>
-          <a:endParaRPr lang="en-US" sz="800"/>
+          <a:endParaRPr lang="en-US" sz="800">
+            <a:latin typeface="Trebuchet MS" panose="020B0603020202020204" pitchFamily="34" charset="0"/>
+          </a:endParaRPr>
         </a:p>
       </dgm:t>
     </dgm:pt>
@@ -2115,7 +2813,9 @@
         <a:bodyPr/>
         <a:lstStyle/>
         <a:p>
-          <a:endParaRPr lang="en-US" sz="800"/>
+          <a:endParaRPr lang="en-US" sz="800">
+            <a:latin typeface="Trebuchet MS" panose="020B0603020202020204" pitchFamily="34" charset="0"/>
+          </a:endParaRPr>
         </a:p>
       </dgm:t>
     </dgm:pt>
@@ -2123,22 +2823,18 @@
       <dgm:prSet phldrT="[Text]" custT="1"/>
       <dgm:spPr/>
       <dgm:t>
-        <a:bodyPr>
-          <a:flatTx/>
-        </a:bodyPr>
+        <a:bodyPr/>
         <a:lstStyle/>
         <a:p>
           <a:pPr rtl="1"/>
           <a:r>
             <a:rPr lang="en-US" sz="800">
-              <a:latin typeface="IRANSans" panose="02040503050201020203" pitchFamily="18" charset="-78"/>
-              <a:cs typeface="IRANSans" panose="02040503050201020203" pitchFamily="18" charset="-78"/>
+              <a:latin typeface="Trebuchet MS" panose="020B0603020202020204" pitchFamily="34" charset="0"/>
             </a:rPr>
             <a:t>memoryview</a:t>
           </a:r>
           <a:endParaRPr lang="fa-IR" sz="800" dirty="0">
-            <a:latin typeface="IRANSans" panose="02040503050201020203" pitchFamily="18" charset="-78"/>
-            <a:cs typeface="IRANSans" panose="02040503050201020203" pitchFamily="18" charset="-78"/>
+            <a:latin typeface="Trebuchet MS" panose="020B0603020202020204" pitchFamily="34" charset="0"/>
           </a:endParaRPr>
         </a:p>
       </dgm:t>
@@ -2150,7 +2846,9 @@
         <a:bodyPr/>
         <a:lstStyle/>
         <a:p>
-          <a:endParaRPr lang="en-US" sz="800"/>
+          <a:endParaRPr lang="en-US" sz="800">
+            <a:latin typeface="Trebuchet MS" panose="020B0603020202020204" pitchFamily="34" charset="0"/>
+          </a:endParaRPr>
         </a:p>
       </dgm:t>
     </dgm:pt>
@@ -2161,7 +2859,9 @@
         <a:bodyPr/>
         <a:lstStyle/>
         <a:p>
-          <a:endParaRPr lang="en-US" sz="800"/>
+          <a:endParaRPr lang="en-US" sz="800">
+            <a:latin typeface="Trebuchet MS" panose="020B0603020202020204" pitchFamily="34" charset="0"/>
+          </a:endParaRPr>
         </a:p>
       </dgm:t>
     </dgm:pt>
@@ -2169,22 +2869,18 @@
       <dgm:prSet phldrT="[Text]" custT="1"/>
       <dgm:spPr/>
       <dgm:t>
-        <a:bodyPr>
-          <a:flatTx/>
-        </a:bodyPr>
+        <a:bodyPr/>
         <a:lstStyle/>
         <a:p>
           <a:pPr rtl="1"/>
           <a:r>
             <a:rPr lang="en-US" sz="800">
-              <a:latin typeface="IRANSans" panose="02040503050201020203" pitchFamily="18" charset="-78"/>
-              <a:cs typeface="IRANSans" panose="02040503050201020203" pitchFamily="18" charset="-78"/>
+              <a:latin typeface="Trebuchet MS" panose="020B0603020202020204" pitchFamily="34" charset="0"/>
             </a:rPr>
             <a:t>NoneType</a:t>
           </a:r>
           <a:endParaRPr lang="fa-IR" sz="800" dirty="0">
-            <a:latin typeface="IRANSans" panose="02040503050201020203" pitchFamily="18" charset="-78"/>
-            <a:cs typeface="IRANSans" panose="02040503050201020203" pitchFamily="18" charset="-78"/>
+            <a:latin typeface="Trebuchet MS" panose="020B0603020202020204" pitchFamily="34" charset="0"/>
           </a:endParaRPr>
         </a:p>
       </dgm:t>
@@ -2196,7 +2892,9 @@
         <a:bodyPr/>
         <a:lstStyle/>
         <a:p>
-          <a:endParaRPr lang="en-US" sz="800"/>
+          <a:endParaRPr lang="en-US" sz="800">
+            <a:latin typeface="Trebuchet MS" panose="020B0603020202020204" pitchFamily="34" charset="0"/>
+          </a:endParaRPr>
         </a:p>
       </dgm:t>
     </dgm:pt>
@@ -2207,7 +2905,9 @@
         <a:bodyPr/>
         <a:lstStyle/>
         <a:p>
-          <a:endParaRPr lang="en-US" sz="800"/>
+          <a:endParaRPr lang="en-US" sz="800">
+            <a:latin typeface="Trebuchet MS" panose="020B0603020202020204" pitchFamily="34" charset="0"/>
+          </a:endParaRPr>
         </a:p>
       </dgm:t>
     </dgm:pt>
@@ -2512,7 +3212,7 @@
       <dgm:spPr/>
     </dgm:pt>
     <dgm:pt modelId="{A1DC0BD7-F9A5-4C5F-B779-E897B4B2CB0F}" type="pres">
-      <dgm:prSet presAssocID="{938A2BE1-5E5C-4098-A226-B4062B823800}" presName="childText" presStyleLbl="bgAcc1" presStyleIdx="12" presStyleCnt="15">
+      <dgm:prSet presAssocID="{938A2BE1-5E5C-4098-A226-B4062B823800}" presName="childText" presStyleLbl="bgAcc1" presStyleIdx="12" presStyleCnt="15" custScaleX="109359">
         <dgm:presLayoutVars>
           <dgm:bulletEnabled val="1"/>
         </dgm:presLayoutVars>
@@ -2524,7 +3224,7 @@
       <dgm:spPr/>
     </dgm:pt>
     <dgm:pt modelId="{30EC660D-7539-4C31-BED6-93B17DF55A59}" type="pres">
-      <dgm:prSet presAssocID="{793E1BB4-9634-4EE8-B5B7-06C597B8DD36}" presName="childText" presStyleLbl="bgAcc1" presStyleIdx="13" presStyleCnt="15" custScaleX="138112">
+      <dgm:prSet presAssocID="{793E1BB4-9634-4EE8-B5B7-06C597B8DD36}" presName="childText" presStyleLbl="bgAcc1" presStyleIdx="13" presStyleCnt="15" custScaleX="132489">
         <dgm:presLayoutVars>
           <dgm:bulletEnabled val="1"/>
         </dgm:presLayoutVars>
@@ -2556,7 +3256,7 @@
       <dgm:spPr/>
     </dgm:pt>
     <dgm:pt modelId="{FA2341B2-BE2F-4CCC-AF82-85083A763068}" type="pres">
-      <dgm:prSet presAssocID="{63109884-56AF-49D5-8398-E8CA23A9D31F}" presName="childText" presStyleLbl="bgAcc1" presStyleIdx="14" presStyleCnt="15" custScaleX="118107">
+      <dgm:prSet presAssocID="{63109884-56AF-49D5-8398-E8CA23A9D31F}" presName="childText" presStyleLbl="bgAcc1" presStyleIdx="14" presStyleCnt="15" custScaleX="106278">
         <dgm:presLayoutVars>
           <dgm:bulletEnabled val="1"/>
         </dgm:presLayoutVars>
@@ -2706,22 +3406,996 @@
     <dgm:cxn modelId="{04E737E7-F282-4D74-BD26-FD15F6E67D62}" type="presParOf" srcId="{B46E2419-8DC8-4FE5-A57E-B414A1D1DCE9}" destId="{08824E4A-B282-475F-8B81-3D31A9EE4CDA}" srcOrd="0" destOrd="0" presId="urn:microsoft.com/office/officeart/2005/8/layout/hierarchy3"/>
     <dgm:cxn modelId="{48B1F21E-D309-4CF9-959D-7A669C5BC74B}" type="presParOf" srcId="{B46E2419-8DC8-4FE5-A57E-B414A1D1DCE9}" destId="{FA2341B2-BE2F-4CCC-AF82-85083A763068}" srcOrd="1" destOrd="0" presId="urn:microsoft.com/office/officeart/2005/8/layout/hierarchy3"/>
   </dgm:cxnLst>
-  <dgm:bg>
-    <a:effectLst>
-      <a:softEdge rad="0"/>
-    </a:effectLst>
-  </dgm:bg>
-  <dgm:whole>
-    <a:effectLst>
-      <a:reflection stA="45000" endPos="65000" dist="939800" dir="5400000" sy="-100000" algn="bl" rotWithShape="0"/>
-    </a:effectLst>
-  </dgm:whole>
+  <dgm:bg/>
+  <dgm:whole/>
   <dgm:extLst>
     <a:ext uri="http://schemas.microsoft.com/office/drawing/2008/diagram">
       <dsp:dataModelExt xmlns:dsp="http://schemas.microsoft.com/office/drawing/2008/diagram" relId="rId6" minVer="http://schemas.openxmlformats.org/drawingml/2006/diagram"/>
     </a:ext>
     <a:ext uri="{C62137D5-CB1D-491B-B009-E17868A290BF}">
       <dgm14:recolorImg xmlns:dgm14="http://schemas.microsoft.com/office/drawing/2010/diagram" val="1"/>
+    </a:ext>
+  </dgm:extLst>
+</dgm:dataModel>
+</file>
+
+<file path=ppt/diagrams/data2.xml><?xml version="1.0" encoding="utf-8"?>
+<dgm:dataModel xmlns:dgm="http://schemas.openxmlformats.org/drawingml/2006/diagram" xmlns:a="http://schemas.openxmlformats.org/drawingml/2006/main">
+  <dgm:ptLst>
+    <dgm:pt modelId="{B03FEEC4-BD42-4FA2-AFF5-06A3CBF58EBF}" type="doc">
+      <dgm:prSet loTypeId="urn:microsoft.com/office/officeart/2005/8/layout/lProcess2" loCatId="list" qsTypeId="urn:microsoft.com/office/officeart/2005/8/quickstyle/simple1" qsCatId="simple" csTypeId="urn:microsoft.com/office/officeart/2005/8/colors/accent1_2" csCatId="accent1" phldr="1"/>
+      <dgm:spPr/>
+    </dgm:pt>
+    <dgm:pt modelId="{29F5B089-C020-47A1-BA6E-C53ACFE01AFD}">
+      <dgm:prSet phldrT="[Text]" custT="1"/>
+      <dgm:spPr/>
+      <dgm:t>
+        <a:bodyPr/>
+        <a:lstStyle/>
+        <a:p>
+          <a:pPr rtl="1"/>
+          <a:r>
+            <a:rPr lang="en-US" sz="800">
+              <a:latin typeface="Trebuchet MS" panose="020B0603020202020204" pitchFamily="34" charset="0"/>
+            </a:rPr>
+            <a:t>String</a:t>
+          </a:r>
+          <a:endParaRPr lang="fa-IR" sz="800" dirty="0">
+            <a:latin typeface="Trebuchet MS" panose="020B0603020202020204" pitchFamily="34" charset="0"/>
+          </a:endParaRPr>
+        </a:p>
+      </dgm:t>
+    </dgm:pt>
+    <dgm:pt modelId="{A85AC2BB-83FA-45F3-978D-E891BA88757B}" type="parTrans" cxnId="{F120F302-A9A7-4FFD-86B2-F4D5D37DDD16}">
+      <dgm:prSet/>
+      <dgm:spPr/>
+      <dgm:t>
+        <a:bodyPr/>
+        <a:lstStyle/>
+        <a:p>
+          <a:pPr rtl="1"/>
+          <a:endParaRPr lang="fa-IR" sz="800">
+            <a:latin typeface="Trebuchet MS" panose="020B0603020202020204" pitchFamily="34" charset="0"/>
+          </a:endParaRPr>
+        </a:p>
+      </dgm:t>
+    </dgm:pt>
+    <dgm:pt modelId="{6BA38F68-82C0-4F02-82B2-1892C3DFE91E}" type="sibTrans" cxnId="{F120F302-A9A7-4FFD-86B2-F4D5D37DDD16}">
+      <dgm:prSet/>
+      <dgm:spPr/>
+      <dgm:t>
+        <a:bodyPr/>
+        <a:lstStyle/>
+        <a:p>
+          <a:pPr rtl="1"/>
+          <a:endParaRPr lang="fa-IR" sz="800">
+            <a:latin typeface="Trebuchet MS" panose="020B0603020202020204" pitchFamily="34" charset="0"/>
+          </a:endParaRPr>
+        </a:p>
+      </dgm:t>
+    </dgm:pt>
+    <dgm:pt modelId="{45235256-D067-4271-BB39-BA3EC220D0B7}">
+      <dgm:prSet phldrT="[Text]" custT="1"/>
+      <dgm:spPr/>
+      <dgm:t>
+        <a:bodyPr/>
+        <a:lstStyle/>
+        <a:p>
+          <a:pPr rtl="1"/>
+          <a:r>
+            <a:rPr lang="en-US" sz="800">
+              <a:latin typeface="Trebuchet MS" panose="020B0603020202020204" pitchFamily="34" charset="0"/>
+            </a:rPr>
+            <a:t>Number</a:t>
+          </a:r>
+          <a:endParaRPr lang="fa-IR" sz="800" dirty="0">
+            <a:latin typeface="Trebuchet MS" panose="020B0603020202020204" pitchFamily="34" charset="0"/>
+          </a:endParaRPr>
+        </a:p>
+      </dgm:t>
+    </dgm:pt>
+    <dgm:pt modelId="{F4ECF28A-7D26-4B25-90A7-E76F150A8A0B}" type="parTrans" cxnId="{059A0B89-0DCC-40AF-B124-DC7A7ADDCE48}">
+      <dgm:prSet/>
+      <dgm:spPr/>
+      <dgm:t>
+        <a:bodyPr/>
+        <a:lstStyle/>
+        <a:p>
+          <a:pPr rtl="1"/>
+          <a:endParaRPr lang="fa-IR" sz="800">
+            <a:latin typeface="Trebuchet MS" panose="020B0603020202020204" pitchFamily="34" charset="0"/>
+          </a:endParaRPr>
+        </a:p>
+      </dgm:t>
+    </dgm:pt>
+    <dgm:pt modelId="{D82707F2-F034-4677-95BF-39F51020E969}" type="sibTrans" cxnId="{059A0B89-0DCC-40AF-B124-DC7A7ADDCE48}">
+      <dgm:prSet/>
+      <dgm:spPr/>
+      <dgm:t>
+        <a:bodyPr/>
+        <a:lstStyle/>
+        <a:p>
+          <a:pPr rtl="1"/>
+          <a:endParaRPr lang="fa-IR" sz="800">
+            <a:latin typeface="Trebuchet MS" panose="020B0603020202020204" pitchFamily="34" charset="0"/>
+          </a:endParaRPr>
+        </a:p>
+      </dgm:t>
+    </dgm:pt>
+    <dgm:pt modelId="{F475BC23-2EE4-4FF2-A798-32AFA96F15A4}">
+      <dgm:prSet phldrT="[Text]" custT="1"/>
+      <dgm:spPr/>
+      <dgm:t>
+        <a:bodyPr/>
+        <a:lstStyle/>
+        <a:p>
+          <a:pPr rtl="1"/>
+          <a:r>
+            <a:rPr lang="en-US" sz="800">
+              <a:latin typeface="Trebuchet MS" panose="020B0603020202020204" pitchFamily="34" charset="0"/>
+            </a:rPr>
+            <a:t>Array</a:t>
+          </a:r>
+          <a:endParaRPr lang="fa-IR" sz="800" dirty="0">
+            <a:latin typeface="Trebuchet MS" panose="020B0603020202020204" pitchFamily="34" charset="0"/>
+          </a:endParaRPr>
+        </a:p>
+      </dgm:t>
+    </dgm:pt>
+    <dgm:pt modelId="{01DCFC0A-E82A-4141-9695-23BEFE753FE1}" type="parTrans" cxnId="{55DD4C4B-429F-4285-B5F5-75A2B544E15B}">
+      <dgm:prSet/>
+      <dgm:spPr/>
+      <dgm:t>
+        <a:bodyPr/>
+        <a:lstStyle/>
+        <a:p>
+          <a:pPr rtl="1"/>
+          <a:endParaRPr lang="fa-IR" sz="800">
+            <a:latin typeface="Trebuchet MS" panose="020B0603020202020204" pitchFamily="34" charset="0"/>
+          </a:endParaRPr>
+        </a:p>
+      </dgm:t>
+    </dgm:pt>
+    <dgm:pt modelId="{DD7247CE-05C9-4A1D-A3F7-67BBABDDAB4E}" type="sibTrans" cxnId="{55DD4C4B-429F-4285-B5F5-75A2B544E15B}">
+      <dgm:prSet/>
+      <dgm:spPr/>
+      <dgm:t>
+        <a:bodyPr/>
+        <a:lstStyle/>
+        <a:p>
+          <a:pPr rtl="1"/>
+          <a:endParaRPr lang="fa-IR" sz="800">
+            <a:latin typeface="Trebuchet MS" panose="020B0603020202020204" pitchFamily="34" charset="0"/>
+          </a:endParaRPr>
+        </a:p>
+      </dgm:t>
+    </dgm:pt>
+    <dgm:pt modelId="{10D6A351-883B-4D66-AB4E-DE2C9FFAC93F}">
+      <dgm:prSet phldrT="[Text]" custT="1"/>
+      <dgm:spPr/>
+      <dgm:t>
+        <a:bodyPr/>
+        <a:lstStyle/>
+        <a:p>
+          <a:pPr rtl="1"/>
+          <a:r>
+            <a:rPr lang="en-US" sz="800">
+              <a:latin typeface="Trebuchet MS" panose="020B0603020202020204" pitchFamily="34" charset="0"/>
+            </a:rPr>
+            <a:t>str</a:t>
+          </a:r>
+          <a:endParaRPr lang="fa-IR" sz="800" dirty="0">
+            <a:latin typeface="Trebuchet MS" panose="020B0603020202020204" pitchFamily="34" charset="0"/>
+          </a:endParaRPr>
+        </a:p>
+      </dgm:t>
+    </dgm:pt>
+    <dgm:pt modelId="{3733719A-6E56-4CC0-94B8-166C613E7C3A}" type="parTrans" cxnId="{3047CB60-8D2B-4173-8AF3-37249CBACA87}">
+      <dgm:prSet/>
+      <dgm:spPr/>
+      <dgm:t>
+        <a:bodyPr/>
+        <a:lstStyle/>
+        <a:p>
+          <a:pPr rtl="1"/>
+          <a:endParaRPr lang="fa-IR" sz="800">
+            <a:latin typeface="Trebuchet MS" panose="020B0603020202020204" pitchFamily="34" charset="0"/>
+          </a:endParaRPr>
+        </a:p>
+      </dgm:t>
+    </dgm:pt>
+    <dgm:pt modelId="{9791C711-5DCC-4C82-BB84-C54204B45D7E}" type="sibTrans" cxnId="{3047CB60-8D2B-4173-8AF3-37249CBACA87}">
+      <dgm:prSet/>
+      <dgm:spPr/>
+      <dgm:t>
+        <a:bodyPr/>
+        <a:lstStyle/>
+        <a:p>
+          <a:pPr rtl="1"/>
+          <a:endParaRPr lang="fa-IR" sz="800">
+            <a:latin typeface="Trebuchet MS" panose="020B0603020202020204" pitchFamily="34" charset="0"/>
+          </a:endParaRPr>
+        </a:p>
+      </dgm:t>
+    </dgm:pt>
+    <dgm:pt modelId="{4802AFEA-D6BF-4435-9337-AEAAF82FE91D}">
+      <dgm:prSet phldrT="[Text]" custT="1"/>
+      <dgm:spPr/>
+      <dgm:t>
+        <a:bodyPr/>
+        <a:lstStyle/>
+        <a:p>
+          <a:pPr rtl="1"/>
+          <a:r>
+            <a:rPr lang="en-US" sz="800">
+              <a:latin typeface="Trebuchet MS" panose="020B0603020202020204" pitchFamily="34" charset="0"/>
+            </a:rPr>
+            <a:t>int</a:t>
+          </a:r>
+          <a:endParaRPr lang="fa-IR" sz="800" dirty="0">
+            <a:latin typeface="Trebuchet MS" panose="020B0603020202020204" pitchFamily="34" charset="0"/>
+          </a:endParaRPr>
+        </a:p>
+      </dgm:t>
+    </dgm:pt>
+    <dgm:pt modelId="{6F5A433A-3519-4549-A33D-F8CB7B68CF7B}" type="parTrans" cxnId="{C8762A39-3EE0-43B4-B30D-2F3E56E07E8B}">
+      <dgm:prSet/>
+      <dgm:spPr/>
+      <dgm:t>
+        <a:bodyPr/>
+        <a:lstStyle/>
+        <a:p>
+          <a:pPr rtl="1"/>
+          <a:endParaRPr lang="fa-IR" sz="800">
+            <a:latin typeface="Trebuchet MS" panose="020B0603020202020204" pitchFamily="34" charset="0"/>
+          </a:endParaRPr>
+        </a:p>
+      </dgm:t>
+    </dgm:pt>
+    <dgm:pt modelId="{D0F1D3BA-3428-480E-B04D-23F95355FA7E}" type="sibTrans" cxnId="{C8762A39-3EE0-43B4-B30D-2F3E56E07E8B}">
+      <dgm:prSet/>
+      <dgm:spPr/>
+      <dgm:t>
+        <a:bodyPr/>
+        <a:lstStyle/>
+        <a:p>
+          <a:pPr rtl="1"/>
+          <a:endParaRPr lang="fa-IR" sz="800">
+            <a:latin typeface="Trebuchet MS" panose="020B0603020202020204" pitchFamily="34" charset="0"/>
+          </a:endParaRPr>
+        </a:p>
+      </dgm:t>
+    </dgm:pt>
+    <dgm:pt modelId="{B4608957-16BD-4D27-B20E-263F8C3281F6}">
+      <dgm:prSet phldrT="[Text]" custT="1"/>
+      <dgm:spPr/>
+      <dgm:t>
+        <a:bodyPr/>
+        <a:lstStyle/>
+        <a:p>
+          <a:pPr rtl="1"/>
+          <a:r>
+            <a:rPr lang="en-US" sz="800">
+              <a:latin typeface="Trebuchet MS" panose="020B0603020202020204" pitchFamily="34" charset="0"/>
+            </a:rPr>
+            <a:t>float</a:t>
+          </a:r>
+          <a:endParaRPr lang="fa-IR" sz="800" dirty="0">
+            <a:latin typeface="Trebuchet MS" panose="020B0603020202020204" pitchFamily="34" charset="0"/>
+          </a:endParaRPr>
+        </a:p>
+      </dgm:t>
+    </dgm:pt>
+    <dgm:pt modelId="{3810E11D-D340-4B72-BA42-646FD5AE5F87}" type="parTrans" cxnId="{6F13B339-37D2-47DE-B46E-BFD8F4C3EEFE}">
+      <dgm:prSet/>
+      <dgm:spPr/>
+      <dgm:t>
+        <a:bodyPr/>
+        <a:lstStyle/>
+        <a:p>
+          <a:pPr rtl="1"/>
+          <a:endParaRPr lang="fa-IR" sz="800">
+            <a:latin typeface="Trebuchet MS" panose="020B0603020202020204" pitchFamily="34" charset="0"/>
+          </a:endParaRPr>
+        </a:p>
+      </dgm:t>
+    </dgm:pt>
+    <dgm:pt modelId="{C8D49C54-2448-4952-B22C-999DED23B32C}" type="sibTrans" cxnId="{6F13B339-37D2-47DE-B46E-BFD8F4C3EEFE}">
+      <dgm:prSet/>
+      <dgm:spPr/>
+      <dgm:t>
+        <a:bodyPr/>
+        <a:lstStyle/>
+        <a:p>
+          <a:pPr rtl="1"/>
+          <a:endParaRPr lang="fa-IR" sz="800">
+            <a:latin typeface="Trebuchet MS" panose="020B0603020202020204" pitchFamily="34" charset="0"/>
+          </a:endParaRPr>
+        </a:p>
+      </dgm:t>
+    </dgm:pt>
+    <dgm:pt modelId="{B25004D7-C6AA-4204-9549-262323E3EB14}">
+      <dgm:prSet phldrT="[Text]" custT="1"/>
+      <dgm:spPr/>
+      <dgm:t>
+        <a:bodyPr/>
+        <a:lstStyle/>
+        <a:p>
+          <a:pPr rtl="1"/>
+          <a:r>
+            <a:rPr lang="en-US" sz="800">
+              <a:latin typeface="Trebuchet MS" panose="020B0603020202020204" pitchFamily="34" charset="0"/>
+            </a:rPr>
+            <a:t>list</a:t>
+          </a:r>
+          <a:endParaRPr lang="fa-IR" sz="800" dirty="0">
+            <a:latin typeface="Trebuchet MS" panose="020B0603020202020204" pitchFamily="34" charset="0"/>
+          </a:endParaRPr>
+        </a:p>
+      </dgm:t>
+    </dgm:pt>
+    <dgm:pt modelId="{EC04DD09-4DDE-4BD7-9448-7CB9D9595206}" type="parTrans" cxnId="{D972823A-A32F-42C3-A4F7-0DCAD821E1C8}">
+      <dgm:prSet/>
+      <dgm:spPr/>
+      <dgm:t>
+        <a:bodyPr/>
+        <a:lstStyle/>
+        <a:p>
+          <a:pPr rtl="1"/>
+          <a:endParaRPr lang="fa-IR" sz="800">
+            <a:latin typeface="Trebuchet MS" panose="020B0603020202020204" pitchFamily="34" charset="0"/>
+          </a:endParaRPr>
+        </a:p>
+      </dgm:t>
+    </dgm:pt>
+    <dgm:pt modelId="{E1B11007-19FC-40D2-8A02-EB0BC0A4C00F}" type="sibTrans" cxnId="{D972823A-A32F-42C3-A4F7-0DCAD821E1C8}">
+      <dgm:prSet/>
+      <dgm:spPr/>
+      <dgm:t>
+        <a:bodyPr/>
+        <a:lstStyle/>
+        <a:p>
+          <a:pPr rtl="1"/>
+          <a:endParaRPr lang="fa-IR" sz="800">
+            <a:latin typeface="Trebuchet MS" panose="020B0603020202020204" pitchFamily="34" charset="0"/>
+          </a:endParaRPr>
+        </a:p>
+      </dgm:t>
+    </dgm:pt>
+    <dgm:pt modelId="{4B7A8A3F-C0A6-4847-86C6-FCEDF752C394}">
+      <dgm:prSet phldrT="[Text]" custT="1"/>
+      <dgm:spPr/>
+      <dgm:t>
+        <a:bodyPr/>
+        <a:lstStyle/>
+        <a:p>
+          <a:pPr rtl="1"/>
+          <a:r>
+            <a:rPr lang="en-US" sz="800">
+              <a:latin typeface="Trebuchet MS" panose="020B0603020202020204" pitchFamily="34" charset="0"/>
+            </a:rPr>
+            <a:t>tuple</a:t>
+          </a:r>
+          <a:endParaRPr lang="fa-IR" sz="800" dirty="0">
+            <a:latin typeface="Trebuchet MS" panose="020B0603020202020204" pitchFamily="34" charset="0"/>
+          </a:endParaRPr>
+        </a:p>
+      </dgm:t>
+    </dgm:pt>
+    <dgm:pt modelId="{14115282-25A5-4B44-91AC-B7D44E68433E}" type="parTrans" cxnId="{9BF2918E-8D39-4BC9-B971-28E5FB02E5C7}">
+      <dgm:prSet/>
+      <dgm:spPr/>
+      <dgm:t>
+        <a:bodyPr/>
+        <a:lstStyle/>
+        <a:p>
+          <a:pPr rtl="1"/>
+          <a:endParaRPr lang="fa-IR" sz="800">
+            <a:latin typeface="Trebuchet MS" panose="020B0603020202020204" pitchFamily="34" charset="0"/>
+          </a:endParaRPr>
+        </a:p>
+      </dgm:t>
+    </dgm:pt>
+    <dgm:pt modelId="{A96B9AFE-E771-4293-A370-5E0D2C8701A8}" type="sibTrans" cxnId="{9BF2918E-8D39-4BC9-B971-28E5FB02E5C7}">
+      <dgm:prSet/>
+      <dgm:spPr/>
+      <dgm:t>
+        <a:bodyPr/>
+        <a:lstStyle/>
+        <a:p>
+          <a:pPr rtl="1"/>
+          <a:endParaRPr lang="fa-IR" sz="800">
+            <a:latin typeface="Trebuchet MS" panose="020B0603020202020204" pitchFamily="34" charset="0"/>
+          </a:endParaRPr>
+        </a:p>
+      </dgm:t>
+    </dgm:pt>
+    <dgm:pt modelId="{DA7A0BE8-9D8C-4592-A2B0-558E481D6D55}">
+      <dgm:prSet phldrT="[Text]" custT="1"/>
+      <dgm:spPr/>
+      <dgm:t>
+        <a:bodyPr/>
+        <a:lstStyle/>
+        <a:p>
+          <a:pPr rtl="1"/>
+          <a:r>
+            <a:rPr lang="en-US" sz="800">
+              <a:latin typeface="Trebuchet MS" panose="020B0603020202020204" pitchFamily="34" charset="0"/>
+            </a:rPr>
+            <a:t>Object</a:t>
+          </a:r>
+          <a:endParaRPr lang="fa-IR" sz="800" dirty="0">
+            <a:latin typeface="Trebuchet MS" panose="020B0603020202020204" pitchFamily="34" charset="0"/>
+          </a:endParaRPr>
+        </a:p>
+      </dgm:t>
+    </dgm:pt>
+    <dgm:pt modelId="{39D63D8D-24D2-4FF9-BDEB-764CF936016B}" type="parTrans" cxnId="{D1539457-FFF3-4F69-BD92-7F7462B7165C}">
+      <dgm:prSet/>
+      <dgm:spPr/>
+      <dgm:t>
+        <a:bodyPr/>
+        <a:lstStyle/>
+        <a:p>
+          <a:endParaRPr lang="en-US" sz="800">
+            <a:latin typeface="Trebuchet MS" panose="020B0603020202020204" pitchFamily="34" charset="0"/>
+          </a:endParaRPr>
+        </a:p>
+      </dgm:t>
+    </dgm:pt>
+    <dgm:pt modelId="{C7FFDC20-6E03-4700-94B7-EF3AF7E2C443}" type="sibTrans" cxnId="{D1539457-FFF3-4F69-BD92-7F7462B7165C}">
+      <dgm:prSet/>
+      <dgm:spPr/>
+      <dgm:t>
+        <a:bodyPr/>
+        <a:lstStyle/>
+        <a:p>
+          <a:endParaRPr lang="en-US" sz="800">
+            <a:latin typeface="Trebuchet MS" panose="020B0603020202020204" pitchFamily="34" charset="0"/>
+          </a:endParaRPr>
+        </a:p>
+      </dgm:t>
+    </dgm:pt>
+    <dgm:pt modelId="{E3E440A0-E579-47E4-A67E-2A07A484421A}">
+      <dgm:prSet phldrT="[Text]" custT="1"/>
+      <dgm:spPr/>
+      <dgm:t>
+        <a:bodyPr/>
+        <a:lstStyle/>
+        <a:p>
+          <a:pPr rtl="1"/>
+          <a:r>
+            <a:rPr lang="en-US" sz="800">
+              <a:latin typeface="Trebuchet MS" panose="020B0603020202020204" pitchFamily="34" charset="0"/>
+            </a:rPr>
+            <a:t>Boolean</a:t>
+          </a:r>
+          <a:endParaRPr lang="fa-IR" sz="800" dirty="0">
+            <a:latin typeface="Trebuchet MS" panose="020B0603020202020204" pitchFamily="34" charset="0"/>
+          </a:endParaRPr>
+        </a:p>
+      </dgm:t>
+    </dgm:pt>
+    <dgm:pt modelId="{E74B4EB3-2D68-476B-8E4F-BAD987C2ABF0}" type="parTrans" cxnId="{6BA33A9F-3AC9-4A9D-AAD6-97D2EB6CFAE9}">
+      <dgm:prSet/>
+      <dgm:spPr/>
+      <dgm:t>
+        <a:bodyPr/>
+        <a:lstStyle/>
+        <a:p>
+          <a:endParaRPr lang="en-US" sz="800">
+            <a:latin typeface="Trebuchet MS" panose="020B0603020202020204" pitchFamily="34" charset="0"/>
+          </a:endParaRPr>
+        </a:p>
+      </dgm:t>
+    </dgm:pt>
+    <dgm:pt modelId="{ADA9BAAA-4683-41E4-904A-4297BAAEC844}" type="sibTrans" cxnId="{6BA33A9F-3AC9-4A9D-AAD6-97D2EB6CFAE9}">
+      <dgm:prSet/>
+      <dgm:spPr/>
+      <dgm:t>
+        <a:bodyPr/>
+        <a:lstStyle/>
+        <a:p>
+          <a:endParaRPr lang="en-US" sz="800">
+            <a:latin typeface="Trebuchet MS" panose="020B0603020202020204" pitchFamily="34" charset="0"/>
+          </a:endParaRPr>
+        </a:p>
+      </dgm:t>
+    </dgm:pt>
+    <dgm:pt modelId="{1D554287-9858-42D9-8006-845A9F9660BF}">
+      <dgm:prSet phldrT="[Text]" custT="1"/>
+      <dgm:spPr/>
+      <dgm:t>
+        <a:bodyPr/>
+        <a:lstStyle/>
+        <a:p>
+          <a:pPr rtl="1"/>
+          <a:r>
+            <a:rPr lang="en-US" sz="800">
+              <a:latin typeface="Trebuchet MS" panose="020B0603020202020204" pitchFamily="34" charset="0"/>
+            </a:rPr>
+            <a:t>Null</a:t>
+          </a:r>
+          <a:endParaRPr lang="fa-IR" sz="800" dirty="0">
+            <a:latin typeface="Trebuchet MS" panose="020B0603020202020204" pitchFamily="34" charset="0"/>
+          </a:endParaRPr>
+        </a:p>
+      </dgm:t>
+    </dgm:pt>
+    <dgm:pt modelId="{FB9C908B-8A73-42F5-AA42-9E929EDC5274}" type="parTrans" cxnId="{90B753EC-ABD5-435B-866F-9F93FA1E140F}">
+      <dgm:prSet/>
+      <dgm:spPr/>
+      <dgm:t>
+        <a:bodyPr/>
+        <a:lstStyle/>
+        <a:p>
+          <a:endParaRPr lang="en-US" sz="800">
+            <a:latin typeface="Trebuchet MS" panose="020B0603020202020204" pitchFamily="34" charset="0"/>
+          </a:endParaRPr>
+        </a:p>
+      </dgm:t>
+    </dgm:pt>
+    <dgm:pt modelId="{90F55C09-2A49-48D7-B8CE-1A4AA40E7B3D}" type="sibTrans" cxnId="{90B753EC-ABD5-435B-866F-9F93FA1E140F}">
+      <dgm:prSet/>
+      <dgm:spPr/>
+      <dgm:t>
+        <a:bodyPr/>
+        <a:lstStyle/>
+        <a:p>
+          <a:endParaRPr lang="en-US" sz="800">
+            <a:latin typeface="Trebuchet MS" panose="020B0603020202020204" pitchFamily="34" charset="0"/>
+          </a:endParaRPr>
+        </a:p>
+      </dgm:t>
+    </dgm:pt>
+    <dgm:pt modelId="{2BBD3A30-A00E-4E9B-8930-786EEB97150D}">
+      <dgm:prSet phldrT="[Text]" custT="1"/>
+      <dgm:spPr/>
+      <dgm:t>
+        <a:bodyPr/>
+        <a:lstStyle/>
+        <a:p>
+          <a:pPr rtl="1"/>
+          <a:r>
+            <a:rPr lang="en-US" sz="800">
+              <a:latin typeface="Trebuchet MS" panose="020B0603020202020204" pitchFamily="34" charset="0"/>
+            </a:rPr>
+            <a:t>dict</a:t>
+          </a:r>
+          <a:endParaRPr lang="fa-IR" sz="800" dirty="0">
+            <a:latin typeface="Trebuchet MS" panose="020B0603020202020204" pitchFamily="34" charset="0"/>
+          </a:endParaRPr>
+        </a:p>
+      </dgm:t>
+    </dgm:pt>
+    <dgm:pt modelId="{DBE721E7-8CDB-4EDC-AB1E-F2D5036AAFFC}" type="parTrans" cxnId="{E663521F-EBFA-48C8-8CFE-8D68A39FC921}">
+      <dgm:prSet/>
+      <dgm:spPr/>
+      <dgm:t>
+        <a:bodyPr/>
+        <a:lstStyle/>
+        <a:p>
+          <a:endParaRPr lang="en-US" sz="800">
+            <a:latin typeface="Trebuchet MS" panose="020B0603020202020204" pitchFamily="34" charset="0"/>
+          </a:endParaRPr>
+        </a:p>
+      </dgm:t>
+    </dgm:pt>
+    <dgm:pt modelId="{085A94E7-9E17-4ACF-897E-D5CAF2043E83}" type="sibTrans" cxnId="{E663521F-EBFA-48C8-8CFE-8D68A39FC921}">
+      <dgm:prSet/>
+      <dgm:spPr/>
+      <dgm:t>
+        <a:bodyPr/>
+        <a:lstStyle/>
+        <a:p>
+          <a:endParaRPr lang="en-US" sz="800">
+            <a:latin typeface="Trebuchet MS" panose="020B0603020202020204" pitchFamily="34" charset="0"/>
+          </a:endParaRPr>
+        </a:p>
+      </dgm:t>
+    </dgm:pt>
+    <dgm:pt modelId="{1B5042C9-2484-4FEE-B87E-01798395B413}">
+      <dgm:prSet phldrT="[Text]" custT="1"/>
+      <dgm:spPr/>
+      <dgm:t>
+        <a:bodyPr/>
+        <a:lstStyle/>
+        <a:p>
+          <a:pPr rtl="1"/>
+          <a:r>
+            <a:rPr lang="en-US" sz="800">
+              <a:latin typeface="Trebuchet MS" panose="020B0603020202020204" pitchFamily="34" charset="0"/>
+            </a:rPr>
+            <a:t>bool</a:t>
+          </a:r>
+          <a:endParaRPr lang="fa-IR" sz="800" dirty="0">
+            <a:latin typeface="Trebuchet MS" panose="020B0603020202020204" pitchFamily="34" charset="0"/>
+          </a:endParaRPr>
+        </a:p>
+      </dgm:t>
+    </dgm:pt>
+    <dgm:pt modelId="{D8559DE4-1D3D-4987-A6F6-3C4606A8593C}" type="parTrans" cxnId="{713C1460-6770-40F3-A247-F9B494ACF21E}">
+      <dgm:prSet/>
+      <dgm:spPr/>
+      <dgm:t>
+        <a:bodyPr/>
+        <a:lstStyle/>
+        <a:p>
+          <a:endParaRPr lang="en-US" sz="800">
+            <a:latin typeface="Trebuchet MS" panose="020B0603020202020204" pitchFamily="34" charset="0"/>
+          </a:endParaRPr>
+        </a:p>
+      </dgm:t>
+    </dgm:pt>
+    <dgm:pt modelId="{5E389DB9-E3B9-46C2-AA10-A646C17D9DF0}" type="sibTrans" cxnId="{713C1460-6770-40F3-A247-F9B494ACF21E}">
+      <dgm:prSet/>
+      <dgm:spPr/>
+      <dgm:t>
+        <a:bodyPr/>
+        <a:lstStyle/>
+        <a:p>
+          <a:endParaRPr lang="en-US" sz="800">
+            <a:latin typeface="Trebuchet MS" panose="020B0603020202020204" pitchFamily="34" charset="0"/>
+          </a:endParaRPr>
+        </a:p>
+      </dgm:t>
+    </dgm:pt>
+    <dgm:pt modelId="{63109884-56AF-49D5-8398-E8CA23A9D31F}">
+      <dgm:prSet phldrT="[Text]" custT="1"/>
+      <dgm:spPr/>
+      <dgm:t>
+        <a:bodyPr/>
+        <a:lstStyle/>
+        <a:p>
+          <a:pPr rtl="1"/>
+          <a:r>
+            <a:rPr lang="en-US" sz="800">
+              <a:latin typeface="Trebuchet MS" panose="020B0603020202020204" pitchFamily="34" charset="0"/>
+            </a:rPr>
+            <a:t>NoneType</a:t>
+          </a:r>
+          <a:endParaRPr lang="fa-IR" sz="800" dirty="0">
+            <a:latin typeface="Trebuchet MS" panose="020B0603020202020204" pitchFamily="34" charset="0"/>
+          </a:endParaRPr>
+        </a:p>
+      </dgm:t>
+    </dgm:pt>
+    <dgm:pt modelId="{96E58618-5827-4DE7-9732-AE198BDC26EF}" type="parTrans" cxnId="{4B921DAD-CC6A-42E3-B9FE-8027A91D3C19}">
+      <dgm:prSet/>
+      <dgm:spPr/>
+      <dgm:t>
+        <a:bodyPr/>
+        <a:lstStyle/>
+        <a:p>
+          <a:endParaRPr lang="en-US" sz="800">
+            <a:latin typeface="Trebuchet MS" panose="020B0603020202020204" pitchFamily="34" charset="0"/>
+          </a:endParaRPr>
+        </a:p>
+      </dgm:t>
+    </dgm:pt>
+    <dgm:pt modelId="{04B8CFA0-8EBB-4366-A653-CEA5B19AD849}" type="sibTrans" cxnId="{4B921DAD-CC6A-42E3-B9FE-8027A91D3C19}">
+      <dgm:prSet/>
+      <dgm:spPr/>
+      <dgm:t>
+        <a:bodyPr/>
+        <a:lstStyle/>
+        <a:p>
+          <a:endParaRPr lang="en-US" sz="800">
+            <a:latin typeface="Trebuchet MS" panose="020B0603020202020204" pitchFamily="34" charset="0"/>
+          </a:endParaRPr>
+        </a:p>
+      </dgm:t>
+    </dgm:pt>
+    <dgm:pt modelId="{D87B6FC8-262E-41EC-892F-8CC363420B2B}" type="pres">
+      <dgm:prSet presAssocID="{B03FEEC4-BD42-4FA2-AFF5-06A3CBF58EBF}" presName="theList" presStyleCnt="0">
+        <dgm:presLayoutVars>
+          <dgm:dir/>
+          <dgm:animLvl val="lvl"/>
+          <dgm:resizeHandles val="exact"/>
+        </dgm:presLayoutVars>
+      </dgm:prSet>
+      <dgm:spPr/>
+    </dgm:pt>
+    <dgm:pt modelId="{2A3E5BBC-097F-43C6-8DBC-F281ECD7007B}" type="pres">
+      <dgm:prSet presAssocID="{29F5B089-C020-47A1-BA6E-C53ACFE01AFD}" presName="compNode" presStyleCnt="0"/>
+      <dgm:spPr/>
+    </dgm:pt>
+    <dgm:pt modelId="{64D8D2BB-20B0-47FE-BDA0-4232677CD376}" type="pres">
+      <dgm:prSet presAssocID="{29F5B089-C020-47A1-BA6E-C53ACFE01AFD}" presName="aNode" presStyleLbl="bgShp" presStyleIdx="0" presStyleCnt="6"/>
+      <dgm:spPr/>
+    </dgm:pt>
+    <dgm:pt modelId="{F9CE335E-E3DD-49C3-AB6C-18D0EB887E60}" type="pres">
+      <dgm:prSet presAssocID="{29F5B089-C020-47A1-BA6E-C53ACFE01AFD}" presName="textNode" presStyleLbl="bgShp" presStyleIdx="0" presStyleCnt="6"/>
+      <dgm:spPr/>
+    </dgm:pt>
+    <dgm:pt modelId="{002CBD17-5B3B-4560-AAF6-0D982765BF37}" type="pres">
+      <dgm:prSet presAssocID="{29F5B089-C020-47A1-BA6E-C53ACFE01AFD}" presName="compChildNode" presStyleCnt="0"/>
+      <dgm:spPr/>
+    </dgm:pt>
+    <dgm:pt modelId="{C8FF22D7-2D0B-4029-AE95-9BAD11476D1D}" type="pres">
+      <dgm:prSet presAssocID="{29F5B089-C020-47A1-BA6E-C53ACFE01AFD}" presName="theInnerList" presStyleCnt="0"/>
+      <dgm:spPr/>
+    </dgm:pt>
+    <dgm:pt modelId="{47BBA44C-4E23-4EC7-B4B9-6763A87153D9}" type="pres">
+      <dgm:prSet presAssocID="{10D6A351-883B-4D66-AB4E-DE2C9FFAC93F}" presName="childNode" presStyleLbl="node1" presStyleIdx="0" presStyleCnt="8">
+        <dgm:presLayoutVars>
+          <dgm:bulletEnabled val="1"/>
+        </dgm:presLayoutVars>
+      </dgm:prSet>
+      <dgm:spPr/>
+    </dgm:pt>
+    <dgm:pt modelId="{624F9F63-0435-481D-A0F6-5D571CC13F2A}" type="pres">
+      <dgm:prSet presAssocID="{29F5B089-C020-47A1-BA6E-C53ACFE01AFD}" presName="aSpace" presStyleCnt="0"/>
+      <dgm:spPr/>
+    </dgm:pt>
+    <dgm:pt modelId="{DC580A4A-7BC0-44EC-860D-FB1CE313DCD4}" type="pres">
+      <dgm:prSet presAssocID="{45235256-D067-4271-BB39-BA3EC220D0B7}" presName="compNode" presStyleCnt="0"/>
+      <dgm:spPr/>
+    </dgm:pt>
+    <dgm:pt modelId="{1630C2DF-9DCE-451A-8C62-21405789F2EB}" type="pres">
+      <dgm:prSet presAssocID="{45235256-D067-4271-BB39-BA3EC220D0B7}" presName="aNode" presStyleLbl="bgShp" presStyleIdx="1" presStyleCnt="6"/>
+      <dgm:spPr/>
+    </dgm:pt>
+    <dgm:pt modelId="{495C4F81-0CE5-4DCE-92E6-0434CF84FB14}" type="pres">
+      <dgm:prSet presAssocID="{45235256-D067-4271-BB39-BA3EC220D0B7}" presName="textNode" presStyleLbl="bgShp" presStyleIdx="1" presStyleCnt="6"/>
+      <dgm:spPr/>
+    </dgm:pt>
+    <dgm:pt modelId="{244E4E83-EB2F-461C-BAC4-42BC00E0ABF8}" type="pres">
+      <dgm:prSet presAssocID="{45235256-D067-4271-BB39-BA3EC220D0B7}" presName="compChildNode" presStyleCnt="0"/>
+      <dgm:spPr/>
+    </dgm:pt>
+    <dgm:pt modelId="{374B4FFD-D005-447A-9EF8-97AB973C7B5E}" type="pres">
+      <dgm:prSet presAssocID="{45235256-D067-4271-BB39-BA3EC220D0B7}" presName="theInnerList" presStyleCnt="0"/>
+      <dgm:spPr/>
+    </dgm:pt>
+    <dgm:pt modelId="{AB4E0267-B8C1-4B76-B4D6-08108DE5A630}" type="pres">
+      <dgm:prSet presAssocID="{4802AFEA-D6BF-4435-9337-AEAAF82FE91D}" presName="childNode" presStyleLbl="node1" presStyleIdx="1" presStyleCnt="8">
+        <dgm:presLayoutVars>
+          <dgm:bulletEnabled val="1"/>
+        </dgm:presLayoutVars>
+      </dgm:prSet>
+      <dgm:spPr/>
+    </dgm:pt>
+    <dgm:pt modelId="{96F674B4-F613-45A4-92C4-B5C5F729FF3A}" type="pres">
+      <dgm:prSet presAssocID="{4802AFEA-D6BF-4435-9337-AEAAF82FE91D}" presName="aSpace2" presStyleCnt="0"/>
+      <dgm:spPr/>
+    </dgm:pt>
+    <dgm:pt modelId="{8289D31D-920D-4A2E-809B-E8C770179FAD}" type="pres">
+      <dgm:prSet presAssocID="{B4608957-16BD-4D27-B20E-263F8C3281F6}" presName="childNode" presStyleLbl="node1" presStyleIdx="2" presStyleCnt="8">
+        <dgm:presLayoutVars>
+          <dgm:bulletEnabled val="1"/>
+        </dgm:presLayoutVars>
+      </dgm:prSet>
+      <dgm:spPr/>
+    </dgm:pt>
+    <dgm:pt modelId="{7DAE6E7C-1519-4B82-8DA0-91A4390D925C}" type="pres">
+      <dgm:prSet presAssocID="{45235256-D067-4271-BB39-BA3EC220D0B7}" presName="aSpace" presStyleCnt="0"/>
+      <dgm:spPr/>
+    </dgm:pt>
+    <dgm:pt modelId="{7762A7C0-59DD-4DD7-9F03-05052DA3B464}" type="pres">
+      <dgm:prSet presAssocID="{F475BC23-2EE4-4FF2-A798-32AFA96F15A4}" presName="compNode" presStyleCnt="0"/>
+      <dgm:spPr/>
+    </dgm:pt>
+    <dgm:pt modelId="{5E5096A3-BBB4-456C-81E1-B54F3A39AA32}" type="pres">
+      <dgm:prSet presAssocID="{F475BC23-2EE4-4FF2-A798-32AFA96F15A4}" presName="aNode" presStyleLbl="bgShp" presStyleIdx="2" presStyleCnt="6"/>
+      <dgm:spPr/>
+    </dgm:pt>
+    <dgm:pt modelId="{6D45AA89-6BE0-42DF-AF24-3E6F7DBEF874}" type="pres">
+      <dgm:prSet presAssocID="{F475BC23-2EE4-4FF2-A798-32AFA96F15A4}" presName="textNode" presStyleLbl="bgShp" presStyleIdx="2" presStyleCnt="6"/>
+      <dgm:spPr/>
+    </dgm:pt>
+    <dgm:pt modelId="{7DB569C3-132B-404F-B6A8-5B8C413F728D}" type="pres">
+      <dgm:prSet presAssocID="{F475BC23-2EE4-4FF2-A798-32AFA96F15A4}" presName="compChildNode" presStyleCnt="0"/>
+      <dgm:spPr/>
+    </dgm:pt>
+    <dgm:pt modelId="{6F2C7286-9535-4483-85B9-D8AAC1616427}" type="pres">
+      <dgm:prSet presAssocID="{F475BC23-2EE4-4FF2-A798-32AFA96F15A4}" presName="theInnerList" presStyleCnt="0"/>
+      <dgm:spPr/>
+    </dgm:pt>
+    <dgm:pt modelId="{70476262-9C72-4B90-B06C-730A1960AAAF}" type="pres">
+      <dgm:prSet presAssocID="{B25004D7-C6AA-4204-9549-262323E3EB14}" presName="childNode" presStyleLbl="node1" presStyleIdx="3" presStyleCnt="8">
+        <dgm:presLayoutVars>
+          <dgm:bulletEnabled val="1"/>
+        </dgm:presLayoutVars>
+      </dgm:prSet>
+      <dgm:spPr/>
+    </dgm:pt>
+    <dgm:pt modelId="{111C35C2-D3E0-4383-93A4-2C90E945093F}" type="pres">
+      <dgm:prSet presAssocID="{B25004D7-C6AA-4204-9549-262323E3EB14}" presName="aSpace2" presStyleCnt="0"/>
+      <dgm:spPr/>
+    </dgm:pt>
+    <dgm:pt modelId="{0F351286-CFBF-47ED-A59E-C97C84010752}" type="pres">
+      <dgm:prSet presAssocID="{4B7A8A3F-C0A6-4847-86C6-FCEDF752C394}" presName="childNode" presStyleLbl="node1" presStyleIdx="4" presStyleCnt="8">
+        <dgm:presLayoutVars>
+          <dgm:bulletEnabled val="1"/>
+        </dgm:presLayoutVars>
+      </dgm:prSet>
+      <dgm:spPr/>
+    </dgm:pt>
+    <dgm:pt modelId="{45DD3970-C44C-4209-902C-C2B8663F9AB1}" type="pres">
+      <dgm:prSet presAssocID="{F475BC23-2EE4-4FF2-A798-32AFA96F15A4}" presName="aSpace" presStyleCnt="0"/>
+      <dgm:spPr/>
+    </dgm:pt>
+    <dgm:pt modelId="{368B23C1-C527-4291-A4CD-3DF8F788BD3E}" type="pres">
+      <dgm:prSet presAssocID="{DA7A0BE8-9D8C-4592-A2B0-558E481D6D55}" presName="compNode" presStyleCnt="0"/>
+      <dgm:spPr/>
+    </dgm:pt>
+    <dgm:pt modelId="{AF7BC0AB-C8AA-4AEE-AF94-DF413838A7CA}" type="pres">
+      <dgm:prSet presAssocID="{DA7A0BE8-9D8C-4592-A2B0-558E481D6D55}" presName="aNode" presStyleLbl="bgShp" presStyleIdx="3" presStyleCnt="6"/>
+      <dgm:spPr/>
+    </dgm:pt>
+    <dgm:pt modelId="{FDEB5FFD-2482-48D9-9239-6594D4379B02}" type="pres">
+      <dgm:prSet presAssocID="{DA7A0BE8-9D8C-4592-A2B0-558E481D6D55}" presName="textNode" presStyleLbl="bgShp" presStyleIdx="3" presStyleCnt="6"/>
+      <dgm:spPr/>
+    </dgm:pt>
+    <dgm:pt modelId="{D63B4628-755E-497F-9AD9-68279EE79BF4}" type="pres">
+      <dgm:prSet presAssocID="{DA7A0BE8-9D8C-4592-A2B0-558E481D6D55}" presName="compChildNode" presStyleCnt="0"/>
+      <dgm:spPr/>
+    </dgm:pt>
+    <dgm:pt modelId="{D984D75E-37E1-487B-91D9-58D2941B4D16}" type="pres">
+      <dgm:prSet presAssocID="{DA7A0BE8-9D8C-4592-A2B0-558E481D6D55}" presName="theInnerList" presStyleCnt="0"/>
+      <dgm:spPr/>
+    </dgm:pt>
+    <dgm:pt modelId="{2B8BB693-3130-4291-A895-B14D170E4268}" type="pres">
+      <dgm:prSet presAssocID="{2BBD3A30-A00E-4E9B-8930-786EEB97150D}" presName="childNode" presStyleLbl="node1" presStyleIdx="5" presStyleCnt="8">
+        <dgm:presLayoutVars>
+          <dgm:bulletEnabled val="1"/>
+        </dgm:presLayoutVars>
+      </dgm:prSet>
+      <dgm:spPr/>
+    </dgm:pt>
+    <dgm:pt modelId="{27564529-1480-413D-9A9A-8AFDF20D50C5}" type="pres">
+      <dgm:prSet presAssocID="{DA7A0BE8-9D8C-4592-A2B0-558E481D6D55}" presName="aSpace" presStyleCnt="0"/>
+      <dgm:spPr/>
+    </dgm:pt>
+    <dgm:pt modelId="{752ACD10-D9FB-483B-B9B2-04B5A5B046D3}" type="pres">
+      <dgm:prSet presAssocID="{E3E440A0-E579-47E4-A67E-2A07A484421A}" presName="compNode" presStyleCnt="0"/>
+      <dgm:spPr/>
+    </dgm:pt>
+    <dgm:pt modelId="{CF11258F-8AA7-493F-A815-D62B60769D0B}" type="pres">
+      <dgm:prSet presAssocID="{E3E440A0-E579-47E4-A67E-2A07A484421A}" presName="aNode" presStyleLbl="bgShp" presStyleIdx="4" presStyleCnt="6"/>
+      <dgm:spPr/>
+    </dgm:pt>
+    <dgm:pt modelId="{04D9F3A0-CB2D-4132-9E71-4D13B98659E9}" type="pres">
+      <dgm:prSet presAssocID="{E3E440A0-E579-47E4-A67E-2A07A484421A}" presName="textNode" presStyleLbl="bgShp" presStyleIdx="4" presStyleCnt="6"/>
+      <dgm:spPr/>
+    </dgm:pt>
+    <dgm:pt modelId="{E259DD24-C99B-42DB-BE09-B72C024533A3}" type="pres">
+      <dgm:prSet presAssocID="{E3E440A0-E579-47E4-A67E-2A07A484421A}" presName="compChildNode" presStyleCnt="0"/>
+      <dgm:spPr/>
+    </dgm:pt>
+    <dgm:pt modelId="{9EC1DE91-A93B-4709-802B-0EB622FC9037}" type="pres">
+      <dgm:prSet presAssocID="{E3E440A0-E579-47E4-A67E-2A07A484421A}" presName="theInnerList" presStyleCnt="0"/>
+      <dgm:spPr/>
+    </dgm:pt>
+    <dgm:pt modelId="{10C2826D-413D-46EE-8FB2-A29C12048495}" type="pres">
+      <dgm:prSet presAssocID="{1B5042C9-2484-4FEE-B87E-01798395B413}" presName="childNode" presStyleLbl="node1" presStyleIdx="6" presStyleCnt="8">
+        <dgm:presLayoutVars>
+          <dgm:bulletEnabled val="1"/>
+        </dgm:presLayoutVars>
+      </dgm:prSet>
+      <dgm:spPr/>
+    </dgm:pt>
+    <dgm:pt modelId="{070A9B04-F865-4FC4-825F-85F113605A1B}" type="pres">
+      <dgm:prSet presAssocID="{E3E440A0-E579-47E4-A67E-2A07A484421A}" presName="aSpace" presStyleCnt="0"/>
+      <dgm:spPr/>
+    </dgm:pt>
+    <dgm:pt modelId="{42A5CBA3-3C06-4A2C-8BC1-F19E2DBF28D4}" type="pres">
+      <dgm:prSet presAssocID="{1D554287-9858-42D9-8006-845A9F9660BF}" presName="compNode" presStyleCnt="0"/>
+      <dgm:spPr/>
+    </dgm:pt>
+    <dgm:pt modelId="{5D274D34-9A04-4BAB-BF2D-F55EA91221D2}" type="pres">
+      <dgm:prSet presAssocID="{1D554287-9858-42D9-8006-845A9F9660BF}" presName="aNode" presStyleLbl="bgShp" presStyleIdx="5" presStyleCnt="6" custScaleX="178115"/>
+      <dgm:spPr/>
+    </dgm:pt>
+    <dgm:pt modelId="{7303FD77-F051-4E21-A92B-66283E503B2B}" type="pres">
+      <dgm:prSet presAssocID="{1D554287-9858-42D9-8006-845A9F9660BF}" presName="textNode" presStyleLbl="bgShp" presStyleIdx="5" presStyleCnt="6"/>
+      <dgm:spPr/>
+    </dgm:pt>
+    <dgm:pt modelId="{AA7F6BCC-17FB-496B-B7FC-960A0D046B2A}" type="pres">
+      <dgm:prSet presAssocID="{1D554287-9858-42D9-8006-845A9F9660BF}" presName="compChildNode" presStyleCnt="0"/>
+      <dgm:spPr/>
+    </dgm:pt>
+    <dgm:pt modelId="{F95F1498-8465-432B-9480-A935DBE3A87A}" type="pres">
+      <dgm:prSet presAssocID="{1D554287-9858-42D9-8006-845A9F9660BF}" presName="theInnerList" presStyleCnt="0"/>
+      <dgm:spPr/>
+    </dgm:pt>
+    <dgm:pt modelId="{9076CBF7-A7C5-4370-9330-BB5E6AFF0DE4}" type="pres">
+      <dgm:prSet presAssocID="{63109884-56AF-49D5-8398-E8CA23A9D31F}" presName="childNode" presStyleLbl="node1" presStyleIdx="7" presStyleCnt="8" custScaleX="176870">
+        <dgm:presLayoutVars>
+          <dgm:bulletEnabled val="1"/>
+        </dgm:presLayoutVars>
+      </dgm:prSet>
+      <dgm:spPr/>
+    </dgm:pt>
+  </dgm:ptLst>
+  <dgm:cxnLst>
+    <dgm:cxn modelId="{F120F302-A9A7-4FFD-86B2-F4D5D37DDD16}" srcId="{B03FEEC4-BD42-4FA2-AFF5-06A3CBF58EBF}" destId="{29F5B089-C020-47A1-BA6E-C53ACFE01AFD}" srcOrd="0" destOrd="0" parTransId="{A85AC2BB-83FA-45F3-978D-E891BA88757B}" sibTransId="{6BA38F68-82C0-4F02-82B2-1892C3DFE91E}"/>
+    <dgm:cxn modelId="{BE8C9A1E-5EA4-4C33-8C3C-D3CCED2DECEF}" type="presOf" srcId="{4B7A8A3F-C0A6-4847-86C6-FCEDF752C394}" destId="{0F351286-CFBF-47ED-A59E-C97C84010752}" srcOrd="0" destOrd="0" presId="urn:microsoft.com/office/officeart/2005/8/layout/lProcess2"/>
+    <dgm:cxn modelId="{E663521F-EBFA-48C8-8CFE-8D68A39FC921}" srcId="{DA7A0BE8-9D8C-4592-A2B0-558E481D6D55}" destId="{2BBD3A30-A00E-4E9B-8930-786EEB97150D}" srcOrd="0" destOrd="0" parTransId="{DBE721E7-8CDB-4EDC-AB1E-F2D5036AAFFC}" sibTransId="{085A94E7-9E17-4ACF-897E-D5CAF2043E83}"/>
+    <dgm:cxn modelId="{D9DDCF21-DC05-45EC-86FD-EC9EEE486EE2}" type="presOf" srcId="{F475BC23-2EE4-4FF2-A798-32AFA96F15A4}" destId="{5E5096A3-BBB4-456C-81E1-B54F3A39AA32}" srcOrd="0" destOrd="0" presId="urn:microsoft.com/office/officeart/2005/8/layout/lProcess2"/>
+    <dgm:cxn modelId="{396C2329-C716-4521-968C-905259AC031C}" type="presOf" srcId="{2BBD3A30-A00E-4E9B-8930-786EEB97150D}" destId="{2B8BB693-3130-4291-A895-B14D170E4268}" srcOrd="0" destOrd="0" presId="urn:microsoft.com/office/officeart/2005/8/layout/lProcess2"/>
+    <dgm:cxn modelId="{C8762A39-3EE0-43B4-B30D-2F3E56E07E8B}" srcId="{45235256-D067-4271-BB39-BA3EC220D0B7}" destId="{4802AFEA-D6BF-4435-9337-AEAAF82FE91D}" srcOrd="0" destOrd="0" parTransId="{6F5A433A-3519-4549-A33D-F8CB7B68CF7B}" sibTransId="{D0F1D3BA-3428-480E-B04D-23F95355FA7E}"/>
+    <dgm:cxn modelId="{6F13B339-37D2-47DE-B46E-BFD8F4C3EEFE}" srcId="{45235256-D067-4271-BB39-BA3EC220D0B7}" destId="{B4608957-16BD-4D27-B20E-263F8C3281F6}" srcOrd="1" destOrd="0" parTransId="{3810E11D-D340-4B72-BA42-646FD5AE5F87}" sibTransId="{C8D49C54-2448-4952-B22C-999DED23B32C}"/>
+    <dgm:cxn modelId="{D972823A-A32F-42C3-A4F7-0DCAD821E1C8}" srcId="{F475BC23-2EE4-4FF2-A798-32AFA96F15A4}" destId="{B25004D7-C6AA-4204-9549-262323E3EB14}" srcOrd="0" destOrd="0" parTransId="{EC04DD09-4DDE-4BD7-9448-7CB9D9595206}" sibTransId="{E1B11007-19FC-40D2-8A02-EB0BC0A4C00F}"/>
+    <dgm:cxn modelId="{BA422B5B-A6A4-4D99-B7F2-FB363B6C7CBC}" type="presOf" srcId="{F475BC23-2EE4-4FF2-A798-32AFA96F15A4}" destId="{6D45AA89-6BE0-42DF-AF24-3E6F7DBEF874}" srcOrd="1" destOrd="0" presId="urn:microsoft.com/office/officeart/2005/8/layout/lProcess2"/>
+    <dgm:cxn modelId="{A409C05D-3013-4550-87E4-C4A804258EF4}" type="presOf" srcId="{DA7A0BE8-9D8C-4592-A2B0-558E481D6D55}" destId="{AF7BC0AB-C8AA-4AEE-AF94-DF413838A7CA}" srcOrd="0" destOrd="0" presId="urn:microsoft.com/office/officeart/2005/8/layout/lProcess2"/>
+    <dgm:cxn modelId="{713C1460-6770-40F3-A247-F9B494ACF21E}" srcId="{E3E440A0-E579-47E4-A67E-2A07A484421A}" destId="{1B5042C9-2484-4FEE-B87E-01798395B413}" srcOrd="0" destOrd="0" parTransId="{D8559DE4-1D3D-4987-A6F6-3C4606A8593C}" sibTransId="{5E389DB9-E3B9-46C2-AA10-A646C17D9DF0}"/>
+    <dgm:cxn modelId="{3047CB60-8D2B-4173-8AF3-37249CBACA87}" srcId="{29F5B089-C020-47A1-BA6E-C53ACFE01AFD}" destId="{10D6A351-883B-4D66-AB4E-DE2C9FFAC93F}" srcOrd="0" destOrd="0" parTransId="{3733719A-6E56-4CC0-94B8-166C613E7C3A}" sibTransId="{9791C711-5DCC-4C82-BB84-C54204B45D7E}"/>
+    <dgm:cxn modelId="{AA661A41-01C2-47B9-87A7-661605E365F0}" type="presOf" srcId="{B4608957-16BD-4D27-B20E-263F8C3281F6}" destId="{8289D31D-920D-4A2E-809B-E8C770179FAD}" srcOrd="0" destOrd="0" presId="urn:microsoft.com/office/officeart/2005/8/layout/lProcess2"/>
+    <dgm:cxn modelId="{65F3D868-1C6C-46F8-B425-03E736C54013}" type="presOf" srcId="{63109884-56AF-49D5-8398-E8CA23A9D31F}" destId="{9076CBF7-A7C5-4370-9330-BB5E6AFF0DE4}" srcOrd="0" destOrd="0" presId="urn:microsoft.com/office/officeart/2005/8/layout/lProcess2"/>
+    <dgm:cxn modelId="{2EDA154A-6275-405F-A4A8-FF230BEBE382}" type="presOf" srcId="{B25004D7-C6AA-4204-9549-262323E3EB14}" destId="{70476262-9C72-4B90-B06C-730A1960AAAF}" srcOrd="0" destOrd="0" presId="urn:microsoft.com/office/officeart/2005/8/layout/lProcess2"/>
+    <dgm:cxn modelId="{C6C0E36A-FE62-4A2C-A436-E8FCB1F1BE49}" type="presOf" srcId="{45235256-D067-4271-BB39-BA3EC220D0B7}" destId="{495C4F81-0CE5-4DCE-92E6-0434CF84FB14}" srcOrd="1" destOrd="0" presId="urn:microsoft.com/office/officeart/2005/8/layout/lProcess2"/>
+    <dgm:cxn modelId="{55DD4C4B-429F-4285-B5F5-75A2B544E15B}" srcId="{B03FEEC4-BD42-4FA2-AFF5-06A3CBF58EBF}" destId="{F475BC23-2EE4-4FF2-A798-32AFA96F15A4}" srcOrd="2" destOrd="0" parTransId="{01DCFC0A-E82A-4141-9695-23BEFE753FE1}" sibTransId="{DD7247CE-05C9-4A1D-A3F7-67BBABDDAB4E}"/>
+    <dgm:cxn modelId="{D1539457-FFF3-4F69-BD92-7F7462B7165C}" srcId="{B03FEEC4-BD42-4FA2-AFF5-06A3CBF58EBF}" destId="{DA7A0BE8-9D8C-4592-A2B0-558E481D6D55}" srcOrd="3" destOrd="0" parTransId="{39D63D8D-24D2-4FF9-BDEB-764CF936016B}" sibTransId="{C7FFDC20-6E03-4700-94B7-EF3AF7E2C443}"/>
+    <dgm:cxn modelId="{77C48478-4E71-4B16-8C07-11035E5FD740}" type="presOf" srcId="{29F5B089-C020-47A1-BA6E-C53ACFE01AFD}" destId="{F9CE335E-E3DD-49C3-AB6C-18D0EB887E60}" srcOrd="1" destOrd="0" presId="urn:microsoft.com/office/officeart/2005/8/layout/lProcess2"/>
+    <dgm:cxn modelId="{059A0B89-0DCC-40AF-B124-DC7A7ADDCE48}" srcId="{B03FEEC4-BD42-4FA2-AFF5-06A3CBF58EBF}" destId="{45235256-D067-4271-BB39-BA3EC220D0B7}" srcOrd="1" destOrd="0" parTransId="{F4ECF28A-7D26-4B25-90A7-E76F150A8A0B}" sibTransId="{D82707F2-F034-4677-95BF-39F51020E969}"/>
+    <dgm:cxn modelId="{9BF2918E-8D39-4BC9-B971-28E5FB02E5C7}" srcId="{F475BC23-2EE4-4FF2-A798-32AFA96F15A4}" destId="{4B7A8A3F-C0A6-4847-86C6-FCEDF752C394}" srcOrd="1" destOrd="0" parTransId="{14115282-25A5-4B44-91AC-B7D44E68433E}" sibTransId="{A96B9AFE-E771-4293-A370-5E0D2C8701A8}"/>
+    <dgm:cxn modelId="{4815D68E-4DBA-457E-9538-A4CA794F0143}" type="presOf" srcId="{DA7A0BE8-9D8C-4592-A2B0-558E481D6D55}" destId="{FDEB5FFD-2482-48D9-9239-6594D4379B02}" srcOrd="1" destOrd="0" presId="urn:microsoft.com/office/officeart/2005/8/layout/lProcess2"/>
+    <dgm:cxn modelId="{6E6E8C93-8437-4040-95DA-723310B7F604}" type="presOf" srcId="{1D554287-9858-42D9-8006-845A9F9660BF}" destId="{7303FD77-F051-4E21-A92B-66283E503B2B}" srcOrd="1" destOrd="0" presId="urn:microsoft.com/office/officeart/2005/8/layout/lProcess2"/>
+    <dgm:cxn modelId="{33EA359E-C493-4058-908F-F7DF03B8796E}" type="presOf" srcId="{29F5B089-C020-47A1-BA6E-C53ACFE01AFD}" destId="{64D8D2BB-20B0-47FE-BDA0-4232677CD376}" srcOrd="0" destOrd="0" presId="urn:microsoft.com/office/officeart/2005/8/layout/lProcess2"/>
+    <dgm:cxn modelId="{B3A1369F-5CAA-481B-B918-A4C9F28B193D}" type="presOf" srcId="{45235256-D067-4271-BB39-BA3EC220D0B7}" destId="{1630C2DF-9DCE-451A-8C62-21405789F2EB}" srcOrd="0" destOrd="0" presId="urn:microsoft.com/office/officeart/2005/8/layout/lProcess2"/>
+    <dgm:cxn modelId="{6BA33A9F-3AC9-4A9D-AAD6-97D2EB6CFAE9}" srcId="{B03FEEC4-BD42-4FA2-AFF5-06A3CBF58EBF}" destId="{E3E440A0-E579-47E4-A67E-2A07A484421A}" srcOrd="4" destOrd="0" parTransId="{E74B4EB3-2D68-476B-8E4F-BAD987C2ABF0}" sibTransId="{ADA9BAAA-4683-41E4-904A-4297BAAEC844}"/>
+    <dgm:cxn modelId="{F0035CA7-F924-43FF-92AA-906F97190185}" type="presOf" srcId="{1B5042C9-2484-4FEE-B87E-01798395B413}" destId="{10C2826D-413D-46EE-8FB2-A29C12048495}" srcOrd="0" destOrd="0" presId="urn:microsoft.com/office/officeart/2005/8/layout/lProcess2"/>
+    <dgm:cxn modelId="{4B921DAD-CC6A-42E3-B9FE-8027A91D3C19}" srcId="{1D554287-9858-42D9-8006-845A9F9660BF}" destId="{63109884-56AF-49D5-8398-E8CA23A9D31F}" srcOrd="0" destOrd="0" parTransId="{96E58618-5827-4DE7-9732-AE198BDC26EF}" sibTransId="{04B8CFA0-8EBB-4366-A653-CEA5B19AD849}"/>
+    <dgm:cxn modelId="{27EC6BBB-8416-4B38-952B-1CF2744724EF}" type="presOf" srcId="{1D554287-9858-42D9-8006-845A9F9660BF}" destId="{5D274D34-9A04-4BAB-BF2D-F55EA91221D2}" srcOrd="0" destOrd="0" presId="urn:microsoft.com/office/officeart/2005/8/layout/lProcess2"/>
+    <dgm:cxn modelId="{EB2E1CC8-C9C5-4196-B845-3383BD5BC6D0}" type="presOf" srcId="{10D6A351-883B-4D66-AB4E-DE2C9FFAC93F}" destId="{47BBA44C-4E23-4EC7-B4B9-6763A87153D9}" srcOrd="0" destOrd="0" presId="urn:microsoft.com/office/officeart/2005/8/layout/lProcess2"/>
+    <dgm:cxn modelId="{04539ECA-E35E-4F6A-9CFA-469639DA32D6}" type="presOf" srcId="{E3E440A0-E579-47E4-A67E-2A07A484421A}" destId="{04D9F3A0-CB2D-4132-9E71-4D13B98659E9}" srcOrd="1" destOrd="0" presId="urn:microsoft.com/office/officeart/2005/8/layout/lProcess2"/>
+    <dgm:cxn modelId="{E52F3AD7-8B07-4A99-8A1C-3BA37C076524}" type="presOf" srcId="{4802AFEA-D6BF-4435-9337-AEAAF82FE91D}" destId="{AB4E0267-B8C1-4B76-B4D6-08108DE5A630}" srcOrd="0" destOrd="0" presId="urn:microsoft.com/office/officeart/2005/8/layout/lProcess2"/>
+    <dgm:cxn modelId="{555567D9-2D02-40BC-96E8-19C5A074C276}" type="presOf" srcId="{B03FEEC4-BD42-4FA2-AFF5-06A3CBF58EBF}" destId="{D87B6FC8-262E-41EC-892F-8CC363420B2B}" srcOrd="0" destOrd="0" presId="urn:microsoft.com/office/officeart/2005/8/layout/lProcess2"/>
+    <dgm:cxn modelId="{90B753EC-ABD5-435B-866F-9F93FA1E140F}" srcId="{B03FEEC4-BD42-4FA2-AFF5-06A3CBF58EBF}" destId="{1D554287-9858-42D9-8006-845A9F9660BF}" srcOrd="5" destOrd="0" parTransId="{FB9C908B-8A73-42F5-AA42-9E929EDC5274}" sibTransId="{90F55C09-2A49-48D7-B8CE-1A4AA40E7B3D}"/>
+    <dgm:cxn modelId="{D80AB1FD-F1FC-49BF-BFE2-B02670D31D39}" type="presOf" srcId="{E3E440A0-E579-47E4-A67E-2A07A484421A}" destId="{CF11258F-8AA7-493F-A815-D62B60769D0B}" srcOrd="0" destOrd="0" presId="urn:microsoft.com/office/officeart/2005/8/layout/lProcess2"/>
+    <dgm:cxn modelId="{9A5C7BDD-99FC-42E7-B95E-3CB07FD38EEF}" type="presParOf" srcId="{D87B6FC8-262E-41EC-892F-8CC363420B2B}" destId="{2A3E5BBC-097F-43C6-8DBC-F281ECD7007B}" srcOrd="0" destOrd="0" presId="urn:microsoft.com/office/officeart/2005/8/layout/lProcess2"/>
+    <dgm:cxn modelId="{58FBB31C-B21C-4F39-B8C8-5680CFFDE382}" type="presParOf" srcId="{2A3E5BBC-097F-43C6-8DBC-F281ECD7007B}" destId="{64D8D2BB-20B0-47FE-BDA0-4232677CD376}" srcOrd="0" destOrd="0" presId="urn:microsoft.com/office/officeart/2005/8/layout/lProcess2"/>
+    <dgm:cxn modelId="{1D49BD06-278C-4E1B-8C5F-A7E4C376518E}" type="presParOf" srcId="{2A3E5BBC-097F-43C6-8DBC-F281ECD7007B}" destId="{F9CE335E-E3DD-49C3-AB6C-18D0EB887E60}" srcOrd="1" destOrd="0" presId="urn:microsoft.com/office/officeart/2005/8/layout/lProcess2"/>
+    <dgm:cxn modelId="{9CC6AD97-AB54-48FB-B1BE-8E720038B9AF}" type="presParOf" srcId="{2A3E5BBC-097F-43C6-8DBC-F281ECD7007B}" destId="{002CBD17-5B3B-4560-AAF6-0D982765BF37}" srcOrd="2" destOrd="0" presId="urn:microsoft.com/office/officeart/2005/8/layout/lProcess2"/>
+    <dgm:cxn modelId="{26864271-AD2D-492A-B1BD-5B165BCD4306}" type="presParOf" srcId="{002CBD17-5B3B-4560-AAF6-0D982765BF37}" destId="{C8FF22D7-2D0B-4029-AE95-9BAD11476D1D}" srcOrd="0" destOrd="0" presId="urn:microsoft.com/office/officeart/2005/8/layout/lProcess2"/>
+    <dgm:cxn modelId="{D541333A-A9AD-4803-8076-44F1B6C008F9}" type="presParOf" srcId="{C8FF22D7-2D0B-4029-AE95-9BAD11476D1D}" destId="{47BBA44C-4E23-4EC7-B4B9-6763A87153D9}" srcOrd="0" destOrd="0" presId="urn:microsoft.com/office/officeart/2005/8/layout/lProcess2"/>
+    <dgm:cxn modelId="{0655B76C-82E9-4D73-ACF3-8A889E9B4924}" type="presParOf" srcId="{D87B6FC8-262E-41EC-892F-8CC363420B2B}" destId="{624F9F63-0435-481D-A0F6-5D571CC13F2A}" srcOrd="1" destOrd="0" presId="urn:microsoft.com/office/officeart/2005/8/layout/lProcess2"/>
+    <dgm:cxn modelId="{4C2E5434-A2C1-4CF6-A202-36BCFB21EDF9}" type="presParOf" srcId="{D87B6FC8-262E-41EC-892F-8CC363420B2B}" destId="{DC580A4A-7BC0-44EC-860D-FB1CE313DCD4}" srcOrd="2" destOrd="0" presId="urn:microsoft.com/office/officeart/2005/8/layout/lProcess2"/>
+    <dgm:cxn modelId="{3E4A689B-D043-46D2-86AF-9E5CF264E933}" type="presParOf" srcId="{DC580A4A-7BC0-44EC-860D-FB1CE313DCD4}" destId="{1630C2DF-9DCE-451A-8C62-21405789F2EB}" srcOrd="0" destOrd="0" presId="urn:microsoft.com/office/officeart/2005/8/layout/lProcess2"/>
+    <dgm:cxn modelId="{90CD37CF-030C-40F7-AD6B-FECC4E134CA9}" type="presParOf" srcId="{DC580A4A-7BC0-44EC-860D-FB1CE313DCD4}" destId="{495C4F81-0CE5-4DCE-92E6-0434CF84FB14}" srcOrd="1" destOrd="0" presId="urn:microsoft.com/office/officeart/2005/8/layout/lProcess2"/>
+    <dgm:cxn modelId="{D2FE4D51-80E8-46E2-91B2-44DD1AAADC47}" type="presParOf" srcId="{DC580A4A-7BC0-44EC-860D-FB1CE313DCD4}" destId="{244E4E83-EB2F-461C-BAC4-42BC00E0ABF8}" srcOrd="2" destOrd="0" presId="urn:microsoft.com/office/officeart/2005/8/layout/lProcess2"/>
+    <dgm:cxn modelId="{B1888E2E-6F52-4005-8496-146D5D66D427}" type="presParOf" srcId="{244E4E83-EB2F-461C-BAC4-42BC00E0ABF8}" destId="{374B4FFD-D005-447A-9EF8-97AB973C7B5E}" srcOrd="0" destOrd="0" presId="urn:microsoft.com/office/officeart/2005/8/layout/lProcess2"/>
+    <dgm:cxn modelId="{BE1B1CB4-6542-45C5-930D-DABCE9DD5C06}" type="presParOf" srcId="{374B4FFD-D005-447A-9EF8-97AB973C7B5E}" destId="{AB4E0267-B8C1-4B76-B4D6-08108DE5A630}" srcOrd="0" destOrd="0" presId="urn:microsoft.com/office/officeart/2005/8/layout/lProcess2"/>
+    <dgm:cxn modelId="{F9A0FD64-A1D6-4AD6-BDE2-CE0F1C2A1A5F}" type="presParOf" srcId="{374B4FFD-D005-447A-9EF8-97AB973C7B5E}" destId="{96F674B4-F613-45A4-92C4-B5C5F729FF3A}" srcOrd="1" destOrd="0" presId="urn:microsoft.com/office/officeart/2005/8/layout/lProcess2"/>
+    <dgm:cxn modelId="{EEE70E45-87D9-4AEF-AA66-8D24F3C83028}" type="presParOf" srcId="{374B4FFD-D005-447A-9EF8-97AB973C7B5E}" destId="{8289D31D-920D-4A2E-809B-E8C770179FAD}" srcOrd="2" destOrd="0" presId="urn:microsoft.com/office/officeart/2005/8/layout/lProcess2"/>
+    <dgm:cxn modelId="{68EEF19D-3C45-46DD-9DFD-B12895452A5F}" type="presParOf" srcId="{D87B6FC8-262E-41EC-892F-8CC363420B2B}" destId="{7DAE6E7C-1519-4B82-8DA0-91A4390D925C}" srcOrd="3" destOrd="0" presId="urn:microsoft.com/office/officeart/2005/8/layout/lProcess2"/>
+    <dgm:cxn modelId="{7F69CA2F-BC3E-49DD-9F68-99F6BA141FA6}" type="presParOf" srcId="{D87B6FC8-262E-41EC-892F-8CC363420B2B}" destId="{7762A7C0-59DD-4DD7-9F03-05052DA3B464}" srcOrd="4" destOrd="0" presId="urn:microsoft.com/office/officeart/2005/8/layout/lProcess2"/>
+    <dgm:cxn modelId="{521AD226-5B91-4034-9E1D-AF421276F7C9}" type="presParOf" srcId="{7762A7C0-59DD-4DD7-9F03-05052DA3B464}" destId="{5E5096A3-BBB4-456C-81E1-B54F3A39AA32}" srcOrd="0" destOrd="0" presId="urn:microsoft.com/office/officeart/2005/8/layout/lProcess2"/>
+    <dgm:cxn modelId="{C8641CB7-8AC6-4242-9238-FB7698B053D4}" type="presParOf" srcId="{7762A7C0-59DD-4DD7-9F03-05052DA3B464}" destId="{6D45AA89-6BE0-42DF-AF24-3E6F7DBEF874}" srcOrd="1" destOrd="0" presId="urn:microsoft.com/office/officeart/2005/8/layout/lProcess2"/>
+    <dgm:cxn modelId="{DDA344C1-F4CA-445B-9B14-8BAC7EC6F420}" type="presParOf" srcId="{7762A7C0-59DD-4DD7-9F03-05052DA3B464}" destId="{7DB569C3-132B-404F-B6A8-5B8C413F728D}" srcOrd="2" destOrd="0" presId="urn:microsoft.com/office/officeart/2005/8/layout/lProcess2"/>
+    <dgm:cxn modelId="{D6CBB95E-63A7-41D6-B2AC-EC1BA1E8BE56}" type="presParOf" srcId="{7DB569C3-132B-404F-B6A8-5B8C413F728D}" destId="{6F2C7286-9535-4483-85B9-D8AAC1616427}" srcOrd="0" destOrd="0" presId="urn:microsoft.com/office/officeart/2005/8/layout/lProcess2"/>
+    <dgm:cxn modelId="{765F06AA-7BD5-410D-9693-7FD627D0E442}" type="presParOf" srcId="{6F2C7286-9535-4483-85B9-D8AAC1616427}" destId="{70476262-9C72-4B90-B06C-730A1960AAAF}" srcOrd="0" destOrd="0" presId="urn:microsoft.com/office/officeart/2005/8/layout/lProcess2"/>
+    <dgm:cxn modelId="{9FF7D290-23CA-4DC5-976A-285149C3B80B}" type="presParOf" srcId="{6F2C7286-9535-4483-85B9-D8AAC1616427}" destId="{111C35C2-D3E0-4383-93A4-2C90E945093F}" srcOrd="1" destOrd="0" presId="urn:microsoft.com/office/officeart/2005/8/layout/lProcess2"/>
+    <dgm:cxn modelId="{2994AFC2-A10D-43F7-9235-3D23C64B9341}" type="presParOf" srcId="{6F2C7286-9535-4483-85B9-D8AAC1616427}" destId="{0F351286-CFBF-47ED-A59E-C97C84010752}" srcOrd="2" destOrd="0" presId="urn:microsoft.com/office/officeart/2005/8/layout/lProcess2"/>
+    <dgm:cxn modelId="{0B939156-63B3-49BD-9969-BF7E2F3CFBD8}" type="presParOf" srcId="{D87B6FC8-262E-41EC-892F-8CC363420B2B}" destId="{45DD3970-C44C-4209-902C-C2B8663F9AB1}" srcOrd="5" destOrd="0" presId="urn:microsoft.com/office/officeart/2005/8/layout/lProcess2"/>
+    <dgm:cxn modelId="{DD129EA5-668A-4F77-B16C-7F7CB66608E9}" type="presParOf" srcId="{D87B6FC8-262E-41EC-892F-8CC363420B2B}" destId="{368B23C1-C527-4291-A4CD-3DF8F788BD3E}" srcOrd="6" destOrd="0" presId="urn:microsoft.com/office/officeart/2005/8/layout/lProcess2"/>
+    <dgm:cxn modelId="{9315D4EB-06AC-411E-9218-6080841EA34F}" type="presParOf" srcId="{368B23C1-C527-4291-A4CD-3DF8F788BD3E}" destId="{AF7BC0AB-C8AA-4AEE-AF94-DF413838A7CA}" srcOrd="0" destOrd="0" presId="urn:microsoft.com/office/officeart/2005/8/layout/lProcess2"/>
+    <dgm:cxn modelId="{A023A17F-9B41-4E51-A223-A36BC5E27F92}" type="presParOf" srcId="{368B23C1-C527-4291-A4CD-3DF8F788BD3E}" destId="{FDEB5FFD-2482-48D9-9239-6594D4379B02}" srcOrd="1" destOrd="0" presId="urn:microsoft.com/office/officeart/2005/8/layout/lProcess2"/>
+    <dgm:cxn modelId="{9878AF84-2964-4F13-8AA1-A75FD8D40EFE}" type="presParOf" srcId="{368B23C1-C527-4291-A4CD-3DF8F788BD3E}" destId="{D63B4628-755E-497F-9AD9-68279EE79BF4}" srcOrd="2" destOrd="0" presId="urn:microsoft.com/office/officeart/2005/8/layout/lProcess2"/>
+    <dgm:cxn modelId="{7C19F402-E99F-421F-AA82-51ED3D66FFCF}" type="presParOf" srcId="{D63B4628-755E-497F-9AD9-68279EE79BF4}" destId="{D984D75E-37E1-487B-91D9-58D2941B4D16}" srcOrd="0" destOrd="0" presId="urn:microsoft.com/office/officeart/2005/8/layout/lProcess2"/>
+    <dgm:cxn modelId="{729D2C53-6D14-4A6D-9B6A-6BFEE10DDF12}" type="presParOf" srcId="{D984D75E-37E1-487B-91D9-58D2941B4D16}" destId="{2B8BB693-3130-4291-A895-B14D170E4268}" srcOrd="0" destOrd="0" presId="urn:microsoft.com/office/officeart/2005/8/layout/lProcess2"/>
+    <dgm:cxn modelId="{51176605-5E91-4A4A-8532-7CDF13379D70}" type="presParOf" srcId="{D87B6FC8-262E-41EC-892F-8CC363420B2B}" destId="{27564529-1480-413D-9A9A-8AFDF20D50C5}" srcOrd="7" destOrd="0" presId="urn:microsoft.com/office/officeart/2005/8/layout/lProcess2"/>
+    <dgm:cxn modelId="{00796619-3CB7-49A9-A0D3-3499BA2C9AAC}" type="presParOf" srcId="{D87B6FC8-262E-41EC-892F-8CC363420B2B}" destId="{752ACD10-D9FB-483B-B9B2-04B5A5B046D3}" srcOrd="8" destOrd="0" presId="urn:microsoft.com/office/officeart/2005/8/layout/lProcess2"/>
+    <dgm:cxn modelId="{EADC679E-7C7B-405A-9B8C-4997882D48C7}" type="presParOf" srcId="{752ACD10-D9FB-483B-B9B2-04B5A5B046D3}" destId="{CF11258F-8AA7-493F-A815-D62B60769D0B}" srcOrd="0" destOrd="0" presId="urn:microsoft.com/office/officeart/2005/8/layout/lProcess2"/>
+    <dgm:cxn modelId="{38E2CFEE-6CFD-4EB4-A25B-395BAE75D8CC}" type="presParOf" srcId="{752ACD10-D9FB-483B-B9B2-04B5A5B046D3}" destId="{04D9F3A0-CB2D-4132-9E71-4D13B98659E9}" srcOrd="1" destOrd="0" presId="urn:microsoft.com/office/officeart/2005/8/layout/lProcess2"/>
+    <dgm:cxn modelId="{8D974FF3-9360-40B0-9D37-C84EBDA718C4}" type="presParOf" srcId="{752ACD10-D9FB-483B-B9B2-04B5A5B046D3}" destId="{E259DD24-C99B-42DB-BE09-B72C024533A3}" srcOrd="2" destOrd="0" presId="urn:microsoft.com/office/officeart/2005/8/layout/lProcess2"/>
+    <dgm:cxn modelId="{D52DA9DE-9768-4A14-8BFC-0C6D989D850E}" type="presParOf" srcId="{E259DD24-C99B-42DB-BE09-B72C024533A3}" destId="{9EC1DE91-A93B-4709-802B-0EB622FC9037}" srcOrd="0" destOrd="0" presId="urn:microsoft.com/office/officeart/2005/8/layout/lProcess2"/>
+    <dgm:cxn modelId="{5809F3C6-3696-458E-A136-2630D55CF26B}" type="presParOf" srcId="{9EC1DE91-A93B-4709-802B-0EB622FC9037}" destId="{10C2826D-413D-46EE-8FB2-A29C12048495}" srcOrd="0" destOrd="0" presId="urn:microsoft.com/office/officeart/2005/8/layout/lProcess2"/>
+    <dgm:cxn modelId="{48392B3B-CC1A-4FDC-96DE-06524D9CD696}" type="presParOf" srcId="{D87B6FC8-262E-41EC-892F-8CC363420B2B}" destId="{070A9B04-F865-4FC4-825F-85F113605A1B}" srcOrd="9" destOrd="0" presId="urn:microsoft.com/office/officeart/2005/8/layout/lProcess2"/>
+    <dgm:cxn modelId="{E8BDAC19-2B49-4D96-A118-9149CAE7D6FE}" type="presParOf" srcId="{D87B6FC8-262E-41EC-892F-8CC363420B2B}" destId="{42A5CBA3-3C06-4A2C-8BC1-F19E2DBF28D4}" srcOrd="10" destOrd="0" presId="urn:microsoft.com/office/officeart/2005/8/layout/lProcess2"/>
+    <dgm:cxn modelId="{72C2E669-1B67-4395-B2DE-733DB7D0D5DC}" type="presParOf" srcId="{42A5CBA3-3C06-4A2C-8BC1-F19E2DBF28D4}" destId="{5D274D34-9A04-4BAB-BF2D-F55EA91221D2}" srcOrd="0" destOrd="0" presId="urn:microsoft.com/office/officeart/2005/8/layout/lProcess2"/>
+    <dgm:cxn modelId="{95D28474-00B4-45BD-9434-3F5C375B2191}" type="presParOf" srcId="{42A5CBA3-3C06-4A2C-8BC1-F19E2DBF28D4}" destId="{7303FD77-F051-4E21-A92B-66283E503B2B}" srcOrd="1" destOrd="0" presId="urn:microsoft.com/office/officeart/2005/8/layout/lProcess2"/>
+    <dgm:cxn modelId="{063AC8BC-7DE9-4BCA-AFD6-6113AF7891FD}" type="presParOf" srcId="{42A5CBA3-3C06-4A2C-8BC1-F19E2DBF28D4}" destId="{AA7F6BCC-17FB-496B-B7FC-960A0D046B2A}" srcOrd="2" destOrd="0" presId="urn:microsoft.com/office/officeart/2005/8/layout/lProcess2"/>
+    <dgm:cxn modelId="{F8C74622-ADA5-48FE-8A7E-C8CF6D905C23}" type="presParOf" srcId="{AA7F6BCC-17FB-496B-B7FC-960A0D046B2A}" destId="{F95F1498-8465-432B-9480-A935DBE3A87A}" srcOrd="0" destOrd="0" presId="urn:microsoft.com/office/officeart/2005/8/layout/lProcess2"/>
+    <dgm:cxn modelId="{4A817CDF-5C97-4737-82F6-2118968F48CF}" type="presParOf" srcId="{F95F1498-8465-432B-9480-A935DBE3A87A}" destId="{9076CBF7-A7C5-4370-9330-BB5E6AFF0DE4}" srcOrd="0" destOrd="0" presId="urn:microsoft.com/office/officeart/2005/8/layout/lProcess2"/>
+  </dgm:cxnLst>
+  <dgm:bg/>
+  <dgm:whole/>
+  <dgm:extLst>
+    <a:ext uri="http://schemas.microsoft.com/office/drawing/2008/diagram">
+      <dsp:dataModelExt xmlns:dsp="http://schemas.microsoft.com/office/drawing/2008/diagram" relId="rId6" minVer="http://schemas.openxmlformats.org/drawingml/2006/diagram"/>
     </a:ext>
   </dgm:extLst>
 </dgm:dataModel>
@@ -2742,8 +4416,8 @@
       </dsp:nvSpPr>
       <dsp:spPr>
         <a:xfrm>
-          <a:off x="3331" y="417582"/>
-          <a:ext cx="615404" cy="307702"/>
+          <a:off x="3208" y="426379"/>
+          <a:ext cx="607996" cy="303998"/>
         </a:xfrm>
         <a:prstGeom prst="roundRect">
           <a:avLst>
@@ -2805,20 +4479,18 @@
           </a:pPr>
           <a:r>
             <a:rPr lang="en-US" sz="800" kern="1200">
-              <a:latin typeface="IRANSans" panose="02040503050201020203" pitchFamily="18" charset="-78"/>
-              <a:cs typeface="IRANSans" panose="02040503050201020203" pitchFamily="18" charset="-78"/>
+              <a:latin typeface="Trebuchet MS" panose="020B0603020202020204" pitchFamily="34" charset="0"/>
             </a:rPr>
             <a:t>Text</a:t>
           </a:r>
           <a:endParaRPr lang="fa-IR" sz="800" kern="1200" dirty="0">
-            <a:latin typeface="IRANSans" panose="02040503050201020203" pitchFamily="18" charset="-78"/>
-            <a:cs typeface="IRANSans" panose="02040503050201020203" pitchFamily="18" charset="-78"/>
+            <a:latin typeface="Trebuchet MS" panose="020B0603020202020204" pitchFamily="34" charset="0"/>
           </a:endParaRPr>
         </a:p>
       </dsp:txBody>
       <dsp:txXfrm>
-        <a:off x="12343" y="426594"/>
-        <a:ext cx="597380" cy="289678"/>
+        <a:off x="12112" y="435283"/>
+        <a:ext cx="590188" cy="286190"/>
       </dsp:txXfrm>
     </dsp:sp>
     <dsp:sp modelId="{0A4E203B-C815-460E-BF82-5726705D8CF0}">
@@ -2828,8 +4500,8 @@
       </dsp:nvSpPr>
       <dsp:spPr>
         <a:xfrm>
-          <a:off x="19151" y="725285"/>
-          <a:ext cx="91440" cy="230776"/>
+          <a:off x="18288" y="730377"/>
+          <a:ext cx="91440" cy="227998"/>
         </a:xfrm>
         <a:custGeom>
           <a:avLst/>
@@ -2843,10 +4515,10 @@
                 <a:pt x="45720" y="0"/>
               </a:moveTo>
               <a:lnTo>
-                <a:pt x="45720" y="230776"/>
+                <a:pt x="45720" y="227998"/>
               </a:lnTo>
               <a:lnTo>
-                <a:pt x="107260" y="230776"/>
+                <a:pt x="106519" y="227998"/>
               </a:lnTo>
             </a:path>
           </a:pathLst>
@@ -2886,8 +4558,8 @@
       </dsp:nvSpPr>
       <dsp:spPr>
         <a:xfrm>
-          <a:off x="126412" y="802210"/>
-          <a:ext cx="492323" cy="307702"/>
+          <a:off x="124807" y="806377"/>
+          <a:ext cx="486397" cy="303998"/>
         </a:xfrm>
         <a:prstGeom prst="roundRect">
           <a:avLst>
@@ -2931,7 +4603,6 @@
       <dsp:txBody>
         <a:bodyPr spcFirstLastPara="0" vert="horz" wrap="square" lIns="15240" tIns="10160" rIns="15240" bIns="10160" numCol="1" spcCol="1270" anchor="ctr" anchorCtr="0">
           <a:noAutofit/>
-          <a:flatTx/>
         </a:bodyPr>
         <a:lstStyle/>
         <a:p>
@@ -2949,20 +4620,18 @@
           </a:pPr>
           <a:r>
             <a:rPr lang="en-US" sz="800" kern="1200">
-              <a:latin typeface="IRANSans" panose="02040503050201020203" pitchFamily="18" charset="-78"/>
-              <a:cs typeface="IRANSans" panose="02040503050201020203" pitchFamily="18" charset="-78"/>
+              <a:latin typeface="Trebuchet MS" panose="020B0603020202020204" pitchFamily="34" charset="0"/>
             </a:rPr>
             <a:t>str</a:t>
           </a:r>
           <a:endParaRPr lang="fa-IR" sz="800" kern="1200" dirty="0">
-            <a:latin typeface="IRANSans" panose="02040503050201020203" pitchFamily="18" charset="-78"/>
-            <a:cs typeface="IRANSans" panose="02040503050201020203" pitchFamily="18" charset="-78"/>
+            <a:latin typeface="Trebuchet MS" panose="020B0603020202020204" pitchFamily="34" charset="0"/>
           </a:endParaRPr>
         </a:p>
       </dsp:txBody>
       <dsp:txXfrm>
-        <a:off x="135424" y="811222"/>
-        <a:ext cx="474299" cy="289678"/>
+        <a:off x="133711" y="815281"/>
+        <a:ext cx="468589" cy="286190"/>
       </dsp:txXfrm>
     </dsp:sp>
     <dsp:sp modelId="{603B4EAA-44EC-4831-9283-F68121A39533}">
@@ -2972,8 +4641,8 @@
       </dsp:nvSpPr>
       <dsp:spPr>
         <a:xfrm>
-          <a:off x="772586" y="417582"/>
-          <a:ext cx="615404" cy="307702"/>
+          <a:off x="763204" y="426379"/>
+          <a:ext cx="607996" cy="303998"/>
         </a:xfrm>
         <a:prstGeom prst="roundRect">
           <a:avLst>
@@ -3035,20 +4704,18 @@
           </a:pPr>
           <a:r>
             <a:rPr lang="en-US" sz="800" kern="1200">
-              <a:latin typeface="IRANSans" panose="02040503050201020203" pitchFamily="18" charset="-78"/>
-              <a:cs typeface="IRANSans" panose="02040503050201020203" pitchFamily="18" charset="-78"/>
+              <a:latin typeface="Trebuchet MS" panose="020B0603020202020204" pitchFamily="34" charset="0"/>
             </a:rPr>
             <a:t>Numeric</a:t>
           </a:r>
           <a:endParaRPr lang="fa-IR" sz="800" kern="1200" dirty="0">
-            <a:latin typeface="IRANSans" panose="02040503050201020203" pitchFamily="18" charset="-78"/>
-            <a:cs typeface="IRANSans" panose="02040503050201020203" pitchFamily="18" charset="-78"/>
+            <a:latin typeface="Trebuchet MS" panose="020B0603020202020204" pitchFamily="34" charset="0"/>
           </a:endParaRPr>
         </a:p>
       </dsp:txBody>
       <dsp:txXfrm>
-        <a:off x="781598" y="426594"/>
-        <a:ext cx="597380" cy="289678"/>
+        <a:off x="772108" y="435283"/>
+        <a:ext cx="590188" cy="286190"/>
       </dsp:txXfrm>
     </dsp:sp>
     <dsp:sp modelId="{F048F52D-3AD7-44C2-A708-6F6DEDCE9EFC}">
@@ -3058,8 +4725,8 @@
       </dsp:nvSpPr>
       <dsp:spPr>
         <a:xfrm>
-          <a:off x="788407" y="725285"/>
-          <a:ext cx="91440" cy="230776"/>
+          <a:off x="778283" y="730377"/>
+          <a:ext cx="91440" cy="227998"/>
         </a:xfrm>
         <a:custGeom>
           <a:avLst/>
@@ -3073,10 +4740,10 @@
                 <a:pt x="45720" y="0"/>
               </a:moveTo>
               <a:lnTo>
-                <a:pt x="45720" y="230776"/>
+                <a:pt x="45720" y="227998"/>
               </a:lnTo>
               <a:lnTo>
-                <a:pt x="107260" y="230776"/>
+                <a:pt x="106519" y="227998"/>
               </a:lnTo>
             </a:path>
           </a:pathLst>
@@ -3116,8 +4783,8 @@
       </dsp:nvSpPr>
       <dsp:spPr>
         <a:xfrm>
-          <a:off x="895667" y="802210"/>
-          <a:ext cx="492323" cy="307702"/>
+          <a:off x="884803" y="806377"/>
+          <a:ext cx="486397" cy="303998"/>
         </a:xfrm>
         <a:prstGeom prst="roundRect">
           <a:avLst>
@@ -3161,7 +4828,6 @@
       <dsp:txBody>
         <a:bodyPr spcFirstLastPara="0" vert="horz" wrap="square" lIns="15240" tIns="10160" rIns="15240" bIns="10160" numCol="1" spcCol="1270" anchor="ctr" anchorCtr="0">
           <a:noAutofit/>
-          <a:flatTx/>
         </a:bodyPr>
         <a:lstStyle/>
         <a:p>
@@ -3179,20 +4845,18 @@
           </a:pPr>
           <a:r>
             <a:rPr lang="en-US" sz="800" kern="1200">
-              <a:latin typeface="IRANSans" panose="02040503050201020203" pitchFamily="18" charset="-78"/>
-              <a:cs typeface="IRANSans" panose="02040503050201020203" pitchFamily="18" charset="-78"/>
+              <a:latin typeface="Trebuchet MS" panose="020B0603020202020204" pitchFamily="34" charset="0"/>
             </a:rPr>
             <a:t>int</a:t>
           </a:r>
           <a:endParaRPr lang="fa-IR" sz="800" kern="1200" dirty="0">
-            <a:latin typeface="IRANSans" panose="02040503050201020203" pitchFamily="18" charset="-78"/>
-            <a:cs typeface="IRANSans" panose="02040503050201020203" pitchFamily="18" charset="-78"/>
+            <a:latin typeface="Trebuchet MS" panose="020B0603020202020204" pitchFamily="34" charset="0"/>
           </a:endParaRPr>
         </a:p>
       </dsp:txBody>
       <dsp:txXfrm>
-        <a:off x="904679" y="811222"/>
-        <a:ext cx="474299" cy="289678"/>
+        <a:off x="893707" y="815281"/>
+        <a:ext cx="468589" cy="286190"/>
       </dsp:txXfrm>
     </dsp:sp>
     <dsp:sp modelId="{D04FAB81-BC9C-4389-A28D-79A93E536607}">
@@ -3202,8 +4866,8 @@
       </dsp:nvSpPr>
       <dsp:spPr>
         <a:xfrm>
-          <a:off x="788407" y="725285"/>
-          <a:ext cx="91440" cy="615404"/>
+          <a:off x="778283" y="730377"/>
+          <a:ext cx="91440" cy="607996"/>
         </a:xfrm>
         <a:custGeom>
           <a:avLst/>
@@ -3217,10 +4881,10 @@
                 <a:pt x="45720" y="0"/>
               </a:moveTo>
               <a:lnTo>
-                <a:pt x="45720" y="615404"/>
+                <a:pt x="45720" y="607996"/>
               </a:lnTo>
               <a:lnTo>
-                <a:pt x="107260" y="615404"/>
+                <a:pt x="106519" y="607996"/>
               </a:lnTo>
             </a:path>
           </a:pathLst>
@@ -3260,8 +4924,8 @@
       </dsp:nvSpPr>
       <dsp:spPr>
         <a:xfrm>
-          <a:off x="895667" y="1186838"/>
-          <a:ext cx="492323" cy="307702"/>
+          <a:off x="884803" y="1186375"/>
+          <a:ext cx="486397" cy="303998"/>
         </a:xfrm>
         <a:prstGeom prst="roundRect">
           <a:avLst>
@@ -3305,7 +4969,6 @@
       <dsp:txBody>
         <a:bodyPr spcFirstLastPara="0" vert="horz" wrap="square" lIns="15240" tIns="10160" rIns="15240" bIns="10160" numCol="1" spcCol="1270" anchor="ctr" anchorCtr="0">
           <a:noAutofit/>
-          <a:flatTx/>
         </a:bodyPr>
         <a:lstStyle/>
         <a:p>
@@ -3323,20 +4986,18 @@
           </a:pPr>
           <a:r>
             <a:rPr lang="en-US" sz="800" kern="1200">
-              <a:latin typeface="IRANSans" panose="02040503050201020203" pitchFamily="18" charset="-78"/>
-              <a:cs typeface="IRANSans" panose="02040503050201020203" pitchFamily="18" charset="-78"/>
+              <a:latin typeface="Trebuchet MS" panose="020B0603020202020204" pitchFamily="34" charset="0"/>
             </a:rPr>
             <a:t>float</a:t>
           </a:r>
           <a:endParaRPr lang="fa-IR" sz="800" kern="1200" dirty="0">
-            <a:latin typeface="IRANSans" panose="02040503050201020203" pitchFamily="18" charset="-78"/>
-            <a:cs typeface="IRANSans" panose="02040503050201020203" pitchFamily="18" charset="-78"/>
+            <a:latin typeface="Trebuchet MS" panose="020B0603020202020204" pitchFamily="34" charset="0"/>
           </a:endParaRPr>
         </a:p>
       </dsp:txBody>
       <dsp:txXfrm>
-        <a:off x="904679" y="1195850"/>
-        <a:ext cx="474299" cy="289678"/>
+        <a:off x="893707" y="1195279"/>
+        <a:ext cx="468589" cy="286190"/>
       </dsp:txXfrm>
     </dsp:sp>
     <dsp:sp modelId="{6A1830CE-0980-4A45-97B3-7D6B52398B18}">
@@ -3346,8 +5007,8 @@
       </dsp:nvSpPr>
       <dsp:spPr>
         <a:xfrm>
-          <a:off x="788407" y="725285"/>
-          <a:ext cx="91440" cy="1000031"/>
+          <a:off x="778283" y="730377"/>
+          <a:ext cx="91440" cy="987994"/>
         </a:xfrm>
         <a:custGeom>
           <a:avLst/>
@@ -3361,10 +5022,10 @@
                 <a:pt x="45720" y="0"/>
               </a:moveTo>
               <a:lnTo>
-                <a:pt x="45720" y="1000031"/>
+                <a:pt x="45720" y="987994"/>
               </a:lnTo>
               <a:lnTo>
-                <a:pt x="107260" y="1000031"/>
+                <a:pt x="106519" y="987994"/>
               </a:lnTo>
             </a:path>
           </a:pathLst>
@@ -3404,8 +5065,8 @@
       </dsp:nvSpPr>
       <dsp:spPr>
         <a:xfrm>
-          <a:off x="895667" y="1571465"/>
-          <a:ext cx="492323" cy="307702"/>
+          <a:off x="884803" y="1566373"/>
+          <a:ext cx="486397" cy="303998"/>
         </a:xfrm>
         <a:prstGeom prst="roundRect">
           <a:avLst>
@@ -3449,7 +5110,6 @@
       <dsp:txBody>
         <a:bodyPr spcFirstLastPara="0" vert="horz" wrap="square" lIns="15240" tIns="10160" rIns="15240" bIns="10160" numCol="1" spcCol="1270" anchor="ctr" anchorCtr="0">
           <a:noAutofit/>
-          <a:flatTx/>
         </a:bodyPr>
         <a:lstStyle/>
         <a:p>
@@ -3467,20 +5127,18 @@
           </a:pPr>
           <a:r>
             <a:rPr lang="en-US" sz="800" kern="1200">
-              <a:latin typeface="IRANSans" panose="02040503050201020203" pitchFamily="18" charset="-78"/>
-              <a:cs typeface="IRANSans" panose="02040503050201020203" pitchFamily="18" charset="-78"/>
+              <a:latin typeface="Trebuchet MS" panose="020B0603020202020204" pitchFamily="34" charset="0"/>
             </a:rPr>
             <a:t>complex</a:t>
           </a:r>
           <a:endParaRPr lang="fa-IR" sz="800" kern="1200" dirty="0">
-            <a:latin typeface="IRANSans" panose="02040503050201020203" pitchFamily="18" charset="-78"/>
-            <a:cs typeface="IRANSans" panose="02040503050201020203" pitchFamily="18" charset="-78"/>
+            <a:latin typeface="Trebuchet MS" panose="020B0603020202020204" pitchFamily="34" charset="0"/>
           </a:endParaRPr>
         </a:p>
       </dsp:txBody>
       <dsp:txXfrm>
-        <a:off x="904679" y="1580477"/>
-        <a:ext cx="474299" cy="289678"/>
+        <a:off x="893707" y="1575277"/>
+        <a:ext cx="468589" cy="286190"/>
       </dsp:txXfrm>
     </dsp:sp>
     <dsp:sp modelId="{58D35FFB-76BB-4ADF-AF36-065C8814CA72}">
@@ -3490,8 +5148,8 @@
       </dsp:nvSpPr>
       <dsp:spPr>
         <a:xfrm>
-          <a:off x="1541842" y="417582"/>
-          <a:ext cx="615404" cy="307702"/>
+          <a:off x="1523199" y="426379"/>
+          <a:ext cx="607996" cy="303998"/>
         </a:xfrm>
         <a:prstGeom prst="roundRect">
           <a:avLst>
@@ -3553,20 +5211,18 @@
           </a:pPr>
           <a:r>
             <a:rPr lang="en-US" sz="800" kern="1200">
-              <a:latin typeface="IRANSans" panose="02040503050201020203" pitchFamily="18" charset="-78"/>
-              <a:cs typeface="IRANSans" panose="02040503050201020203" pitchFamily="18" charset="-78"/>
+              <a:latin typeface="Trebuchet MS" panose="020B0603020202020204" pitchFamily="34" charset="0"/>
             </a:rPr>
             <a:t>Sequence</a:t>
           </a:r>
           <a:endParaRPr lang="fa-IR" sz="800" kern="1200" dirty="0">
-            <a:latin typeface="IRANSans" panose="02040503050201020203" pitchFamily="18" charset="-78"/>
-            <a:cs typeface="IRANSans" panose="02040503050201020203" pitchFamily="18" charset="-78"/>
+            <a:latin typeface="Trebuchet MS" panose="020B0603020202020204" pitchFamily="34" charset="0"/>
           </a:endParaRPr>
         </a:p>
       </dsp:txBody>
       <dsp:txXfrm>
-        <a:off x="1550854" y="426594"/>
-        <a:ext cx="597380" cy="289678"/>
+        <a:off x="1532103" y="435283"/>
+        <a:ext cx="590188" cy="286190"/>
       </dsp:txXfrm>
     </dsp:sp>
     <dsp:sp modelId="{DFBE6CE4-98E6-4F4F-B978-51DC469EB237}">
@@ -3576,8 +5232,8 @@
       </dsp:nvSpPr>
       <dsp:spPr>
         <a:xfrm>
-          <a:off x="1557662" y="725285"/>
-          <a:ext cx="91440" cy="230776"/>
+          <a:off x="1538279" y="730377"/>
+          <a:ext cx="91440" cy="227998"/>
         </a:xfrm>
         <a:custGeom>
           <a:avLst/>
@@ -3591,10 +5247,10 @@
                 <a:pt x="45720" y="0"/>
               </a:moveTo>
               <a:lnTo>
-                <a:pt x="45720" y="230776"/>
+                <a:pt x="45720" y="227998"/>
               </a:lnTo>
               <a:lnTo>
-                <a:pt x="107260" y="230776"/>
+                <a:pt x="106519" y="227998"/>
               </a:lnTo>
             </a:path>
           </a:pathLst>
@@ -3634,8 +5290,8 @@
       </dsp:nvSpPr>
       <dsp:spPr>
         <a:xfrm>
-          <a:off x="1664923" y="802210"/>
-          <a:ext cx="492323" cy="307702"/>
+          <a:off x="1644798" y="806377"/>
+          <a:ext cx="486397" cy="303998"/>
         </a:xfrm>
         <a:prstGeom prst="roundRect">
           <a:avLst>
@@ -3679,7 +5335,6 @@
       <dsp:txBody>
         <a:bodyPr spcFirstLastPara="0" vert="horz" wrap="square" lIns="15240" tIns="10160" rIns="15240" bIns="10160" numCol="1" spcCol="1270" anchor="ctr" anchorCtr="0">
           <a:noAutofit/>
-          <a:flatTx/>
         </a:bodyPr>
         <a:lstStyle/>
         <a:p>
@@ -3697,20 +5352,18 @@
           </a:pPr>
           <a:r>
             <a:rPr lang="en-US" sz="800" kern="1200">
-              <a:latin typeface="IRANSans" panose="02040503050201020203" pitchFamily="18" charset="-78"/>
-              <a:cs typeface="IRANSans" panose="02040503050201020203" pitchFamily="18" charset="-78"/>
+              <a:latin typeface="Trebuchet MS" panose="020B0603020202020204" pitchFamily="34" charset="0"/>
             </a:rPr>
             <a:t>list</a:t>
           </a:r>
           <a:endParaRPr lang="fa-IR" sz="800" kern="1200" dirty="0">
-            <a:latin typeface="IRANSans" panose="02040503050201020203" pitchFamily="18" charset="-78"/>
-            <a:cs typeface="IRANSans" panose="02040503050201020203" pitchFamily="18" charset="-78"/>
+            <a:latin typeface="Trebuchet MS" panose="020B0603020202020204" pitchFamily="34" charset="0"/>
           </a:endParaRPr>
         </a:p>
       </dsp:txBody>
       <dsp:txXfrm>
-        <a:off x="1673935" y="811222"/>
-        <a:ext cx="474299" cy="289678"/>
+        <a:off x="1653702" y="815281"/>
+        <a:ext cx="468589" cy="286190"/>
       </dsp:txXfrm>
     </dsp:sp>
     <dsp:sp modelId="{A5D393DC-F71F-4937-8E3C-4E7AC92E2613}">
@@ -3720,8 +5373,8 @@
       </dsp:nvSpPr>
       <dsp:spPr>
         <a:xfrm>
-          <a:off x="1557662" y="725285"/>
-          <a:ext cx="91440" cy="615404"/>
+          <a:off x="1538279" y="730377"/>
+          <a:ext cx="91440" cy="607996"/>
         </a:xfrm>
         <a:custGeom>
           <a:avLst/>
@@ -3735,10 +5388,10 @@
                 <a:pt x="45720" y="0"/>
               </a:moveTo>
               <a:lnTo>
-                <a:pt x="45720" y="615404"/>
+                <a:pt x="45720" y="607996"/>
               </a:lnTo>
               <a:lnTo>
-                <a:pt x="107260" y="615404"/>
+                <a:pt x="106519" y="607996"/>
               </a:lnTo>
             </a:path>
           </a:pathLst>
@@ -3778,8 +5431,8 @@
       </dsp:nvSpPr>
       <dsp:spPr>
         <a:xfrm>
-          <a:off x="1664923" y="1186838"/>
-          <a:ext cx="492323" cy="307702"/>
+          <a:off x="1644798" y="1186375"/>
+          <a:ext cx="486397" cy="303998"/>
         </a:xfrm>
         <a:prstGeom prst="roundRect">
           <a:avLst>
@@ -3823,7 +5476,6 @@
       <dsp:txBody>
         <a:bodyPr spcFirstLastPara="0" vert="horz" wrap="square" lIns="15240" tIns="10160" rIns="15240" bIns="10160" numCol="1" spcCol="1270" anchor="ctr" anchorCtr="0">
           <a:noAutofit/>
-          <a:flatTx/>
         </a:bodyPr>
         <a:lstStyle/>
         <a:p>
@@ -3841,20 +5493,18 @@
           </a:pPr>
           <a:r>
             <a:rPr lang="en-US" sz="800" kern="1200">
-              <a:latin typeface="IRANSans" panose="02040503050201020203" pitchFamily="18" charset="-78"/>
-              <a:cs typeface="IRANSans" panose="02040503050201020203" pitchFamily="18" charset="-78"/>
+              <a:latin typeface="Trebuchet MS" panose="020B0603020202020204" pitchFamily="34" charset="0"/>
             </a:rPr>
             <a:t>tuple</a:t>
           </a:r>
           <a:endParaRPr lang="fa-IR" sz="800" kern="1200" dirty="0">
-            <a:latin typeface="IRANSans" panose="02040503050201020203" pitchFamily="18" charset="-78"/>
-            <a:cs typeface="IRANSans" panose="02040503050201020203" pitchFamily="18" charset="-78"/>
+            <a:latin typeface="Trebuchet MS" panose="020B0603020202020204" pitchFamily="34" charset="0"/>
           </a:endParaRPr>
         </a:p>
       </dsp:txBody>
       <dsp:txXfrm>
-        <a:off x="1673935" y="1195850"/>
-        <a:ext cx="474299" cy="289678"/>
+        <a:off x="1653702" y="1195279"/>
+        <a:ext cx="468589" cy="286190"/>
       </dsp:txXfrm>
     </dsp:sp>
     <dsp:sp modelId="{C385372D-7C65-4C0E-9C48-AA7228EE86FC}">
@@ -3864,8 +5514,8 @@
       </dsp:nvSpPr>
       <dsp:spPr>
         <a:xfrm>
-          <a:off x="1557662" y="725285"/>
-          <a:ext cx="91440" cy="1000031"/>
+          <a:off x="1538279" y="730377"/>
+          <a:ext cx="91440" cy="987994"/>
         </a:xfrm>
         <a:custGeom>
           <a:avLst/>
@@ -3879,10 +5529,10 @@
                 <a:pt x="45720" y="0"/>
               </a:moveTo>
               <a:lnTo>
-                <a:pt x="45720" y="1000031"/>
+                <a:pt x="45720" y="987994"/>
               </a:lnTo>
               <a:lnTo>
-                <a:pt x="107260" y="1000031"/>
+                <a:pt x="106519" y="987994"/>
               </a:lnTo>
             </a:path>
           </a:pathLst>
@@ -3922,8 +5572,8 @@
       </dsp:nvSpPr>
       <dsp:spPr>
         <a:xfrm>
-          <a:off x="1664923" y="1571465"/>
-          <a:ext cx="492323" cy="307702"/>
+          <a:off x="1644798" y="1566373"/>
+          <a:ext cx="486397" cy="303998"/>
         </a:xfrm>
         <a:prstGeom prst="roundRect">
           <a:avLst>
@@ -3967,7 +5617,6 @@
       <dsp:txBody>
         <a:bodyPr spcFirstLastPara="0" vert="horz" wrap="square" lIns="15240" tIns="10160" rIns="15240" bIns="10160" numCol="1" spcCol="1270" anchor="ctr" anchorCtr="0">
           <a:noAutofit/>
-          <a:flatTx/>
         </a:bodyPr>
         <a:lstStyle/>
         <a:p>
@@ -3985,20 +5634,18 @@
           </a:pPr>
           <a:r>
             <a:rPr lang="en-US" sz="800" kern="1200">
-              <a:latin typeface="IRANSans" panose="02040503050201020203" pitchFamily="18" charset="-78"/>
-              <a:cs typeface="IRANSans" panose="02040503050201020203" pitchFamily="18" charset="-78"/>
+              <a:latin typeface="Trebuchet MS" panose="020B0603020202020204" pitchFamily="34" charset="0"/>
             </a:rPr>
             <a:t>range</a:t>
           </a:r>
           <a:endParaRPr lang="fa-IR" sz="800" kern="1200" dirty="0">
-            <a:latin typeface="IRANSans" panose="02040503050201020203" pitchFamily="18" charset="-78"/>
-            <a:cs typeface="IRANSans" panose="02040503050201020203" pitchFamily="18" charset="-78"/>
+            <a:latin typeface="Trebuchet MS" panose="020B0603020202020204" pitchFamily="34" charset="0"/>
           </a:endParaRPr>
         </a:p>
       </dsp:txBody>
       <dsp:txXfrm>
-        <a:off x="1673935" y="1580477"/>
-        <a:ext cx="474299" cy="289678"/>
+        <a:off x="1653702" y="1575277"/>
+        <a:ext cx="468589" cy="286190"/>
       </dsp:txXfrm>
     </dsp:sp>
     <dsp:sp modelId="{DD1C7B08-4603-4EAF-94F5-42C075979449}">
@@ -4008,8 +5655,8 @@
       </dsp:nvSpPr>
       <dsp:spPr>
         <a:xfrm>
-          <a:off x="2311097" y="417582"/>
-          <a:ext cx="615404" cy="307702"/>
+          <a:off x="2283195" y="426379"/>
+          <a:ext cx="607996" cy="303998"/>
         </a:xfrm>
         <a:prstGeom prst="roundRect">
           <a:avLst>
@@ -4071,20 +5718,18 @@
           </a:pPr>
           <a:r>
             <a:rPr lang="en-US" sz="800" kern="1200">
-              <a:latin typeface="IRANSans" panose="02040503050201020203" pitchFamily="18" charset="-78"/>
-              <a:cs typeface="IRANSans" panose="02040503050201020203" pitchFamily="18" charset="-78"/>
+              <a:latin typeface="Trebuchet MS" panose="020B0603020202020204" pitchFamily="34" charset="0"/>
             </a:rPr>
             <a:t>Mapping</a:t>
           </a:r>
           <a:endParaRPr lang="fa-IR" sz="800" kern="1200" dirty="0">
-            <a:latin typeface="IRANSans" panose="02040503050201020203" pitchFamily="18" charset="-78"/>
-            <a:cs typeface="IRANSans" panose="02040503050201020203" pitchFamily="18" charset="-78"/>
+            <a:latin typeface="Trebuchet MS" panose="020B0603020202020204" pitchFamily="34" charset="0"/>
           </a:endParaRPr>
         </a:p>
       </dsp:txBody>
       <dsp:txXfrm>
-        <a:off x="2320109" y="426594"/>
-        <a:ext cx="597380" cy="289678"/>
+        <a:off x="2292099" y="435283"/>
+        <a:ext cx="590188" cy="286190"/>
       </dsp:txXfrm>
     </dsp:sp>
     <dsp:sp modelId="{83FEE991-CFF6-454E-9EA8-41E252BEE7E9}">
@@ -4094,8 +5739,8 @@
       </dsp:nvSpPr>
       <dsp:spPr>
         <a:xfrm>
-          <a:off x="2326918" y="725285"/>
-          <a:ext cx="91440" cy="230776"/>
+          <a:off x="2298274" y="730377"/>
+          <a:ext cx="91440" cy="227998"/>
         </a:xfrm>
         <a:custGeom>
           <a:avLst/>
@@ -4109,10 +5754,10 @@
                 <a:pt x="45720" y="0"/>
               </a:moveTo>
               <a:lnTo>
-                <a:pt x="45720" y="230776"/>
+                <a:pt x="45720" y="227998"/>
               </a:lnTo>
               <a:lnTo>
-                <a:pt x="107260" y="230776"/>
+                <a:pt x="106519" y="227998"/>
               </a:lnTo>
             </a:path>
           </a:pathLst>
@@ -4152,8 +5797,8 @@
       </dsp:nvSpPr>
       <dsp:spPr>
         <a:xfrm>
-          <a:off x="2434178" y="802210"/>
-          <a:ext cx="492323" cy="307702"/>
+          <a:off x="2404794" y="806377"/>
+          <a:ext cx="486397" cy="303998"/>
         </a:xfrm>
         <a:prstGeom prst="roundRect">
           <a:avLst>
@@ -4197,7 +5842,6 @@
       <dsp:txBody>
         <a:bodyPr spcFirstLastPara="0" vert="horz" wrap="square" lIns="15240" tIns="10160" rIns="15240" bIns="10160" numCol="1" spcCol="1270" anchor="ctr" anchorCtr="0">
           <a:noAutofit/>
-          <a:flatTx/>
         </a:bodyPr>
         <a:lstStyle/>
         <a:p>
@@ -4215,20 +5859,18 @@
           </a:pPr>
           <a:r>
             <a:rPr lang="en-US" sz="800" kern="1200">
-              <a:latin typeface="IRANSans" panose="02040503050201020203" pitchFamily="18" charset="-78"/>
-              <a:cs typeface="IRANSans" panose="02040503050201020203" pitchFamily="18" charset="-78"/>
+              <a:latin typeface="Trebuchet MS" panose="020B0603020202020204" pitchFamily="34" charset="0"/>
             </a:rPr>
             <a:t>dict</a:t>
           </a:r>
           <a:endParaRPr lang="fa-IR" sz="800" kern="1200" dirty="0">
-            <a:latin typeface="IRANSans" panose="02040503050201020203" pitchFamily="18" charset="-78"/>
-            <a:cs typeface="IRANSans" panose="02040503050201020203" pitchFamily="18" charset="-78"/>
+            <a:latin typeface="Trebuchet MS" panose="020B0603020202020204" pitchFamily="34" charset="0"/>
           </a:endParaRPr>
         </a:p>
       </dsp:txBody>
       <dsp:txXfrm>
-        <a:off x="2443190" y="811222"/>
-        <a:ext cx="474299" cy="289678"/>
+        <a:off x="2413698" y="815281"/>
+        <a:ext cx="468589" cy="286190"/>
       </dsp:txXfrm>
     </dsp:sp>
     <dsp:sp modelId="{B2767B11-0F1F-41DA-965F-352BA5A35ED6}">
@@ -4238,8 +5880,8 @@
       </dsp:nvSpPr>
       <dsp:spPr>
         <a:xfrm>
-          <a:off x="3080353" y="417582"/>
-          <a:ext cx="615404" cy="307702"/>
+          <a:off x="3043190" y="426379"/>
+          <a:ext cx="607996" cy="303998"/>
         </a:xfrm>
         <a:prstGeom prst="roundRect">
           <a:avLst>
@@ -4301,20 +5943,18 @@
           </a:pPr>
           <a:r>
             <a:rPr lang="en-US" sz="800" kern="1200">
-              <a:latin typeface="IRANSans" panose="02040503050201020203" pitchFamily="18" charset="-78"/>
-              <a:cs typeface="IRANSans" panose="02040503050201020203" pitchFamily="18" charset="-78"/>
+              <a:latin typeface="Trebuchet MS" panose="020B0603020202020204" pitchFamily="34" charset="0"/>
             </a:rPr>
             <a:t>Set</a:t>
           </a:r>
           <a:endParaRPr lang="fa-IR" sz="800" kern="1200" dirty="0">
-            <a:latin typeface="IRANSans" panose="02040503050201020203" pitchFamily="18" charset="-78"/>
-            <a:cs typeface="IRANSans" panose="02040503050201020203" pitchFamily="18" charset="-78"/>
+            <a:latin typeface="Trebuchet MS" panose="020B0603020202020204" pitchFamily="34" charset="0"/>
           </a:endParaRPr>
         </a:p>
       </dsp:txBody>
       <dsp:txXfrm>
-        <a:off x="3089365" y="426594"/>
-        <a:ext cx="597380" cy="289678"/>
+        <a:off x="3052094" y="435283"/>
+        <a:ext cx="590188" cy="286190"/>
       </dsp:txXfrm>
     </dsp:sp>
     <dsp:sp modelId="{BCFB3340-0E58-4CBB-BC49-1DBE9F0189AC}">
@@ -4324,8 +5964,8 @@
       </dsp:nvSpPr>
       <dsp:spPr>
         <a:xfrm>
-          <a:off x="3096173" y="725285"/>
-          <a:ext cx="91440" cy="230776"/>
+          <a:off x="3058270" y="730377"/>
+          <a:ext cx="91440" cy="227998"/>
         </a:xfrm>
         <a:custGeom>
           <a:avLst/>
@@ -4339,10 +5979,10 @@
                 <a:pt x="45720" y="0"/>
               </a:moveTo>
               <a:lnTo>
-                <a:pt x="45720" y="230776"/>
+                <a:pt x="45720" y="227998"/>
               </a:lnTo>
               <a:lnTo>
-                <a:pt x="107260" y="230776"/>
+                <a:pt x="106519" y="227998"/>
               </a:lnTo>
             </a:path>
           </a:pathLst>
@@ -4382,8 +6022,8 @@
       </dsp:nvSpPr>
       <dsp:spPr>
         <a:xfrm>
-          <a:off x="3203433" y="802210"/>
-          <a:ext cx="492323" cy="307702"/>
+          <a:off x="3164789" y="806377"/>
+          <a:ext cx="486397" cy="303998"/>
         </a:xfrm>
         <a:prstGeom prst="roundRect">
           <a:avLst>
@@ -4427,7 +6067,6 @@
       <dsp:txBody>
         <a:bodyPr spcFirstLastPara="0" vert="horz" wrap="square" lIns="15240" tIns="10160" rIns="15240" bIns="10160" numCol="1" spcCol="1270" anchor="ctr" anchorCtr="0">
           <a:noAutofit/>
-          <a:flatTx/>
         </a:bodyPr>
         <a:lstStyle/>
         <a:p>
@@ -4445,20 +6084,18 @@
           </a:pPr>
           <a:r>
             <a:rPr lang="en-US" sz="800" kern="1200">
-              <a:latin typeface="IRANSans" panose="02040503050201020203" pitchFamily="18" charset="-78"/>
-              <a:cs typeface="IRANSans" panose="02040503050201020203" pitchFamily="18" charset="-78"/>
+              <a:latin typeface="Trebuchet MS" panose="020B0603020202020204" pitchFamily="34" charset="0"/>
             </a:rPr>
             <a:t>set</a:t>
           </a:r>
           <a:endParaRPr lang="fa-IR" sz="800" kern="1200" dirty="0">
-            <a:latin typeface="IRANSans" panose="02040503050201020203" pitchFamily="18" charset="-78"/>
-            <a:cs typeface="IRANSans" panose="02040503050201020203" pitchFamily="18" charset="-78"/>
+            <a:latin typeface="Trebuchet MS" panose="020B0603020202020204" pitchFamily="34" charset="0"/>
           </a:endParaRPr>
         </a:p>
       </dsp:txBody>
       <dsp:txXfrm>
-        <a:off x="3212445" y="811222"/>
-        <a:ext cx="474299" cy="289678"/>
+        <a:off x="3173693" y="815281"/>
+        <a:ext cx="468589" cy="286190"/>
       </dsp:txXfrm>
     </dsp:sp>
     <dsp:sp modelId="{8AA34BC7-9105-49B1-A4A5-B4111FC7A0D5}">
@@ -4468,8 +6105,8 @@
       </dsp:nvSpPr>
       <dsp:spPr>
         <a:xfrm>
-          <a:off x="3096173" y="725285"/>
-          <a:ext cx="91440" cy="615404"/>
+          <a:off x="3058270" y="730377"/>
+          <a:ext cx="91440" cy="607996"/>
         </a:xfrm>
         <a:custGeom>
           <a:avLst/>
@@ -4483,10 +6120,10 @@
                 <a:pt x="45720" y="0"/>
               </a:moveTo>
               <a:lnTo>
-                <a:pt x="45720" y="615404"/>
+                <a:pt x="45720" y="607996"/>
               </a:lnTo>
               <a:lnTo>
-                <a:pt x="107260" y="615404"/>
+                <a:pt x="106519" y="607996"/>
               </a:lnTo>
             </a:path>
           </a:pathLst>
@@ -4526,8 +6163,8 @@
       </dsp:nvSpPr>
       <dsp:spPr>
         <a:xfrm>
-          <a:off x="3203433" y="1186838"/>
-          <a:ext cx="492323" cy="307702"/>
+          <a:off x="3164789" y="1186375"/>
+          <a:ext cx="486397" cy="303998"/>
         </a:xfrm>
         <a:prstGeom prst="roundRect">
           <a:avLst>
@@ -4571,7 +6208,6 @@
       <dsp:txBody>
         <a:bodyPr spcFirstLastPara="0" vert="horz" wrap="square" lIns="15240" tIns="10160" rIns="15240" bIns="10160" numCol="1" spcCol="1270" anchor="ctr" anchorCtr="0">
           <a:noAutofit/>
-          <a:flatTx/>
         </a:bodyPr>
         <a:lstStyle/>
         <a:p>
@@ -4589,20 +6225,18 @@
           </a:pPr>
           <a:r>
             <a:rPr lang="en-US" sz="800" kern="1200">
-              <a:latin typeface="IRANSans" panose="02040503050201020203" pitchFamily="18" charset="-78"/>
-              <a:cs typeface="IRANSans" panose="02040503050201020203" pitchFamily="18" charset="-78"/>
+              <a:latin typeface="Trebuchet MS" panose="020B0603020202020204" pitchFamily="34" charset="0"/>
             </a:rPr>
             <a:t>frozenset</a:t>
           </a:r>
           <a:endParaRPr lang="fa-IR" sz="800" kern="1200" dirty="0">
-            <a:latin typeface="IRANSans" panose="02040503050201020203" pitchFamily="18" charset="-78"/>
-            <a:cs typeface="IRANSans" panose="02040503050201020203" pitchFamily="18" charset="-78"/>
+            <a:latin typeface="Trebuchet MS" panose="020B0603020202020204" pitchFamily="34" charset="0"/>
           </a:endParaRPr>
         </a:p>
       </dsp:txBody>
       <dsp:txXfrm>
-        <a:off x="3212445" y="1195850"/>
-        <a:ext cx="474299" cy="289678"/>
+        <a:off x="3173693" y="1195279"/>
+        <a:ext cx="468589" cy="286190"/>
       </dsp:txXfrm>
     </dsp:sp>
     <dsp:sp modelId="{43E2C9C6-7019-4CFF-9CB2-96495958DCA0}">
@@ -4612,8 +6246,8 @@
       </dsp:nvSpPr>
       <dsp:spPr>
         <a:xfrm>
-          <a:off x="3849608" y="417582"/>
-          <a:ext cx="615404" cy="307702"/>
+          <a:off x="3803186" y="426379"/>
+          <a:ext cx="607996" cy="303998"/>
         </a:xfrm>
         <a:prstGeom prst="roundRect">
           <a:avLst>
@@ -4675,20 +6309,18 @@
           </a:pPr>
           <a:r>
             <a:rPr lang="en-US" sz="800" kern="1200">
-              <a:latin typeface="IRANSans" panose="02040503050201020203" pitchFamily="18" charset="-78"/>
-              <a:cs typeface="IRANSans" panose="02040503050201020203" pitchFamily="18" charset="-78"/>
+              <a:latin typeface="Trebuchet MS" panose="020B0603020202020204" pitchFamily="34" charset="0"/>
             </a:rPr>
             <a:t>Boolean</a:t>
           </a:r>
           <a:endParaRPr lang="fa-IR" sz="800" kern="1200" dirty="0">
-            <a:latin typeface="IRANSans" panose="02040503050201020203" pitchFamily="18" charset="-78"/>
-            <a:cs typeface="IRANSans" panose="02040503050201020203" pitchFamily="18" charset="-78"/>
+            <a:latin typeface="Trebuchet MS" panose="020B0603020202020204" pitchFamily="34" charset="0"/>
           </a:endParaRPr>
         </a:p>
       </dsp:txBody>
       <dsp:txXfrm>
-        <a:off x="3858620" y="426594"/>
-        <a:ext cx="597380" cy="289678"/>
+        <a:off x="3812090" y="435283"/>
+        <a:ext cx="590188" cy="286190"/>
       </dsp:txXfrm>
     </dsp:sp>
     <dsp:sp modelId="{AF0C5557-6713-487C-B8F5-38B59374F2D9}">
@@ -4698,8 +6330,8 @@
       </dsp:nvSpPr>
       <dsp:spPr>
         <a:xfrm>
-          <a:off x="3865428" y="725285"/>
-          <a:ext cx="91440" cy="230776"/>
+          <a:off x="3818265" y="730377"/>
+          <a:ext cx="91440" cy="227998"/>
         </a:xfrm>
         <a:custGeom>
           <a:avLst/>
@@ -4713,10 +6345,10 @@
                 <a:pt x="45720" y="0"/>
               </a:moveTo>
               <a:lnTo>
-                <a:pt x="45720" y="230776"/>
+                <a:pt x="45720" y="227998"/>
               </a:lnTo>
               <a:lnTo>
-                <a:pt x="107260" y="230776"/>
+                <a:pt x="106519" y="227998"/>
               </a:lnTo>
             </a:path>
           </a:pathLst>
@@ -4756,8 +6388,8 @@
       </dsp:nvSpPr>
       <dsp:spPr>
         <a:xfrm>
-          <a:off x="3972689" y="802210"/>
-          <a:ext cx="492323" cy="307702"/>
+          <a:off x="3924785" y="806377"/>
+          <a:ext cx="486397" cy="303998"/>
         </a:xfrm>
         <a:prstGeom prst="roundRect">
           <a:avLst>
@@ -4801,7 +6433,6 @@
       <dsp:txBody>
         <a:bodyPr spcFirstLastPara="0" vert="horz" wrap="square" lIns="15240" tIns="10160" rIns="15240" bIns="10160" numCol="1" spcCol="1270" anchor="ctr" anchorCtr="0">
           <a:noAutofit/>
-          <a:flatTx/>
         </a:bodyPr>
         <a:lstStyle/>
         <a:p>
@@ -4819,20 +6450,18 @@
           </a:pPr>
           <a:r>
             <a:rPr lang="en-US" sz="800" kern="1200">
-              <a:latin typeface="IRANSans" panose="02040503050201020203" pitchFamily="18" charset="-78"/>
-              <a:cs typeface="IRANSans" panose="02040503050201020203" pitchFamily="18" charset="-78"/>
+              <a:latin typeface="Trebuchet MS" panose="020B0603020202020204" pitchFamily="34" charset="0"/>
             </a:rPr>
             <a:t>bool</a:t>
           </a:r>
           <a:endParaRPr lang="fa-IR" sz="800" kern="1200" dirty="0">
-            <a:latin typeface="IRANSans" panose="02040503050201020203" pitchFamily="18" charset="-78"/>
-            <a:cs typeface="IRANSans" panose="02040503050201020203" pitchFamily="18" charset="-78"/>
+            <a:latin typeface="Trebuchet MS" panose="020B0603020202020204" pitchFamily="34" charset="0"/>
           </a:endParaRPr>
         </a:p>
       </dsp:txBody>
       <dsp:txXfrm>
-        <a:off x="3981701" y="811222"/>
-        <a:ext cx="474299" cy="289678"/>
+        <a:off x="3933689" y="815281"/>
+        <a:ext cx="468589" cy="286190"/>
       </dsp:txXfrm>
     </dsp:sp>
     <dsp:sp modelId="{D4AF6D06-B549-42AB-94BF-B096E2314936}">
@@ -4842,8 +6471,8 @@
       </dsp:nvSpPr>
       <dsp:spPr>
         <a:xfrm>
-          <a:off x="4618863" y="417582"/>
-          <a:ext cx="615404" cy="307702"/>
+          <a:off x="4563181" y="426379"/>
+          <a:ext cx="607996" cy="303998"/>
         </a:xfrm>
         <a:prstGeom prst="roundRect">
           <a:avLst>
@@ -4905,20 +6534,18 @@
           </a:pPr>
           <a:r>
             <a:rPr lang="en-US" sz="800" kern="1200">
-              <a:latin typeface="IRANSans" panose="02040503050201020203" pitchFamily="18" charset="-78"/>
-              <a:cs typeface="IRANSans" panose="02040503050201020203" pitchFamily="18" charset="-78"/>
+              <a:latin typeface="Trebuchet MS" panose="020B0603020202020204" pitchFamily="34" charset="0"/>
             </a:rPr>
             <a:t>Binary</a:t>
           </a:r>
           <a:endParaRPr lang="fa-IR" sz="800" kern="1200" dirty="0">
-            <a:latin typeface="IRANSans" panose="02040503050201020203" pitchFamily="18" charset="-78"/>
-            <a:cs typeface="IRANSans" panose="02040503050201020203" pitchFamily="18" charset="-78"/>
+            <a:latin typeface="Trebuchet MS" panose="020B0603020202020204" pitchFamily="34" charset="0"/>
           </a:endParaRPr>
         </a:p>
       </dsp:txBody>
       <dsp:txXfrm>
-        <a:off x="4627875" y="426594"/>
-        <a:ext cx="597380" cy="289678"/>
+        <a:off x="4572085" y="435283"/>
+        <a:ext cx="590188" cy="286190"/>
       </dsp:txXfrm>
     </dsp:sp>
     <dsp:sp modelId="{AEE0474C-EEF3-43A2-8A58-1CBB9D6025B8}">
@@ -4928,8 +6555,8 @@
       </dsp:nvSpPr>
       <dsp:spPr>
         <a:xfrm>
-          <a:off x="4634684" y="725285"/>
-          <a:ext cx="91440" cy="230776"/>
+          <a:off x="4578261" y="730377"/>
+          <a:ext cx="91440" cy="227998"/>
         </a:xfrm>
         <a:custGeom>
           <a:avLst/>
@@ -4943,10 +6570,10 @@
                 <a:pt x="45720" y="0"/>
               </a:moveTo>
               <a:lnTo>
-                <a:pt x="45720" y="230776"/>
+                <a:pt x="45720" y="227998"/>
               </a:lnTo>
               <a:lnTo>
-                <a:pt x="107260" y="230776"/>
+                <a:pt x="106519" y="227998"/>
               </a:lnTo>
             </a:path>
           </a:pathLst>
@@ -4986,8 +6613,8 @@
       </dsp:nvSpPr>
       <dsp:spPr>
         <a:xfrm>
-          <a:off x="4741944" y="802210"/>
-          <a:ext cx="492323" cy="307702"/>
+          <a:off x="4684780" y="806377"/>
+          <a:ext cx="486397" cy="303998"/>
         </a:xfrm>
         <a:prstGeom prst="roundRect">
           <a:avLst>
@@ -5031,7 +6658,6 @@
       <dsp:txBody>
         <a:bodyPr spcFirstLastPara="0" vert="horz" wrap="square" lIns="15240" tIns="10160" rIns="15240" bIns="10160" numCol="1" spcCol="1270" anchor="ctr" anchorCtr="0">
           <a:noAutofit/>
-          <a:flatTx/>
         </a:bodyPr>
         <a:lstStyle/>
         <a:p>
@@ -5049,20 +6675,18 @@
           </a:pPr>
           <a:r>
             <a:rPr lang="en-US" sz="800" kern="1200">
-              <a:latin typeface="IRANSans" panose="02040503050201020203" pitchFamily="18" charset="-78"/>
-              <a:cs typeface="IRANSans" panose="02040503050201020203" pitchFamily="18" charset="-78"/>
+              <a:latin typeface="Trebuchet MS" panose="020B0603020202020204" pitchFamily="34" charset="0"/>
             </a:rPr>
             <a:t>bytes</a:t>
           </a:r>
           <a:endParaRPr lang="fa-IR" sz="800" kern="1200" dirty="0">
-            <a:latin typeface="IRANSans" panose="02040503050201020203" pitchFamily="18" charset="-78"/>
-            <a:cs typeface="IRANSans" panose="02040503050201020203" pitchFamily="18" charset="-78"/>
+            <a:latin typeface="Trebuchet MS" panose="020B0603020202020204" pitchFamily="34" charset="0"/>
           </a:endParaRPr>
         </a:p>
       </dsp:txBody>
       <dsp:txXfrm>
-        <a:off x="4750956" y="811222"/>
-        <a:ext cx="474299" cy="289678"/>
+        <a:off x="4693684" y="815281"/>
+        <a:ext cx="468589" cy="286190"/>
       </dsp:txXfrm>
     </dsp:sp>
     <dsp:sp modelId="{9735164B-BCAC-4A1B-8B86-255E413ADC9E}">
@@ -5072,8 +6696,8 @@
       </dsp:nvSpPr>
       <dsp:spPr>
         <a:xfrm>
-          <a:off x="4634684" y="725285"/>
-          <a:ext cx="91440" cy="615404"/>
+          <a:off x="4578261" y="730377"/>
+          <a:ext cx="91440" cy="607996"/>
         </a:xfrm>
         <a:custGeom>
           <a:avLst/>
@@ -5087,10 +6711,10 @@
                 <a:pt x="45720" y="0"/>
               </a:moveTo>
               <a:lnTo>
-                <a:pt x="45720" y="615404"/>
+                <a:pt x="45720" y="607996"/>
               </a:lnTo>
               <a:lnTo>
-                <a:pt x="107260" y="615404"/>
+                <a:pt x="106519" y="607996"/>
               </a:lnTo>
             </a:path>
           </a:pathLst>
@@ -5130,8 +6754,8 @@
       </dsp:nvSpPr>
       <dsp:spPr>
         <a:xfrm>
-          <a:off x="4741944" y="1186838"/>
-          <a:ext cx="492323" cy="307702"/>
+          <a:off x="4684780" y="1186375"/>
+          <a:ext cx="531919" cy="303998"/>
         </a:xfrm>
         <a:prstGeom prst="roundRect">
           <a:avLst>
@@ -5175,7 +6799,6 @@
       <dsp:txBody>
         <a:bodyPr spcFirstLastPara="0" vert="horz" wrap="square" lIns="15240" tIns="10160" rIns="15240" bIns="10160" numCol="1" spcCol="1270" anchor="ctr" anchorCtr="0">
           <a:noAutofit/>
-          <a:flatTx/>
         </a:bodyPr>
         <a:lstStyle/>
         <a:p>
@@ -5193,20 +6816,18 @@
           </a:pPr>
           <a:r>
             <a:rPr lang="en-US" sz="800" kern="1200">
-              <a:latin typeface="IRANSans" panose="02040503050201020203" pitchFamily="18" charset="-78"/>
-              <a:cs typeface="IRANSans" panose="02040503050201020203" pitchFamily="18" charset="-78"/>
+              <a:latin typeface="Trebuchet MS" panose="020B0603020202020204" pitchFamily="34" charset="0"/>
             </a:rPr>
             <a:t>bytearray</a:t>
           </a:r>
           <a:endParaRPr lang="fa-IR" sz="800" kern="1200" dirty="0">
-            <a:latin typeface="IRANSans" panose="02040503050201020203" pitchFamily="18" charset="-78"/>
-            <a:cs typeface="IRANSans" panose="02040503050201020203" pitchFamily="18" charset="-78"/>
+            <a:latin typeface="Trebuchet MS" panose="020B0603020202020204" pitchFamily="34" charset="0"/>
           </a:endParaRPr>
         </a:p>
       </dsp:txBody>
       <dsp:txXfrm>
-        <a:off x="4750956" y="1195850"/>
-        <a:ext cx="474299" cy="289678"/>
+        <a:off x="4693684" y="1195279"/>
+        <a:ext cx="514111" cy="286190"/>
       </dsp:txXfrm>
     </dsp:sp>
     <dsp:sp modelId="{29653017-9F12-4CBC-A639-3CA515DD9426}">
@@ -5216,8 +6837,8 @@
       </dsp:nvSpPr>
       <dsp:spPr>
         <a:xfrm>
-          <a:off x="4634684" y="725285"/>
-          <a:ext cx="91440" cy="1000031"/>
+          <a:off x="4578261" y="730377"/>
+          <a:ext cx="91440" cy="987994"/>
         </a:xfrm>
         <a:custGeom>
           <a:avLst/>
@@ -5231,10 +6852,10 @@
                 <a:pt x="45720" y="0"/>
               </a:moveTo>
               <a:lnTo>
-                <a:pt x="45720" y="1000031"/>
+                <a:pt x="45720" y="987994"/>
               </a:lnTo>
               <a:lnTo>
-                <a:pt x="107260" y="1000031"/>
+                <a:pt x="106519" y="987994"/>
               </a:lnTo>
             </a:path>
           </a:pathLst>
@@ -5274,8 +6895,8 @@
       </dsp:nvSpPr>
       <dsp:spPr>
         <a:xfrm>
-          <a:off x="4741944" y="1571465"/>
-          <a:ext cx="679957" cy="307702"/>
+          <a:off x="4684780" y="1566373"/>
+          <a:ext cx="644422" cy="303998"/>
         </a:xfrm>
         <a:prstGeom prst="roundRect">
           <a:avLst>
@@ -5319,7 +6940,6 @@
       <dsp:txBody>
         <a:bodyPr spcFirstLastPara="0" vert="horz" wrap="square" lIns="15240" tIns="10160" rIns="15240" bIns="10160" numCol="1" spcCol="1270" anchor="ctr" anchorCtr="0">
           <a:noAutofit/>
-          <a:flatTx/>
         </a:bodyPr>
         <a:lstStyle/>
         <a:p>
@@ -5337,20 +6957,18 @@
           </a:pPr>
           <a:r>
             <a:rPr lang="en-US" sz="800" kern="1200">
-              <a:latin typeface="IRANSans" panose="02040503050201020203" pitchFamily="18" charset="-78"/>
-              <a:cs typeface="IRANSans" panose="02040503050201020203" pitchFamily="18" charset="-78"/>
+              <a:latin typeface="Trebuchet MS" panose="020B0603020202020204" pitchFamily="34" charset="0"/>
             </a:rPr>
             <a:t>memoryview</a:t>
           </a:r>
           <a:endParaRPr lang="fa-IR" sz="800" kern="1200" dirty="0">
-            <a:latin typeface="IRANSans" panose="02040503050201020203" pitchFamily="18" charset="-78"/>
-            <a:cs typeface="IRANSans" panose="02040503050201020203" pitchFamily="18" charset="-78"/>
+            <a:latin typeface="Trebuchet MS" panose="020B0603020202020204" pitchFamily="34" charset="0"/>
           </a:endParaRPr>
         </a:p>
       </dsp:txBody>
       <dsp:txXfrm>
-        <a:off x="4750956" y="1580477"/>
-        <a:ext cx="661933" cy="289678"/>
+        <a:off x="4693684" y="1575277"/>
+        <a:ext cx="626614" cy="286190"/>
       </dsp:txXfrm>
     </dsp:sp>
     <dsp:sp modelId="{54ACE4D0-5694-43F0-A86E-2B271A9C0B50}">
@@ -5360,8 +6978,8 @@
       </dsp:nvSpPr>
       <dsp:spPr>
         <a:xfrm>
-          <a:off x="5388119" y="417582"/>
-          <a:ext cx="615404" cy="307702"/>
+          <a:off x="5323177" y="426379"/>
+          <a:ext cx="607996" cy="303998"/>
         </a:xfrm>
         <a:prstGeom prst="roundRect">
           <a:avLst>
@@ -5423,20 +7041,18 @@
           </a:pPr>
           <a:r>
             <a:rPr lang="en-US" sz="800" kern="1200">
-              <a:latin typeface="IRANSans" panose="02040503050201020203" pitchFamily="18" charset="-78"/>
-              <a:cs typeface="IRANSans" panose="02040503050201020203" pitchFamily="18" charset="-78"/>
+              <a:latin typeface="Trebuchet MS" panose="020B0603020202020204" pitchFamily="34" charset="0"/>
             </a:rPr>
             <a:t>None</a:t>
           </a:r>
           <a:endParaRPr lang="fa-IR" sz="800" kern="1200" dirty="0">
-            <a:latin typeface="IRANSans" panose="02040503050201020203" pitchFamily="18" charset="-78"/>
-            <a:cs typeface="IRANSans" panose="02040503050201020203" pitchFamily="18" charset="-78"/>
+            <a:latin typeface="Trebuchet MS" panose="020B0603020202020204" pitchFamily="34" charset="0"/>
           </a:endParaRPr>
         </a:p>
       </dsp:txBody>
       <dsp:txXfrm>
-        <a:off x="5397131" y="426594"/>
-        <a:ext cx="597380" cy="289678"/>
+        <a:off x="5332081" y="435283"/>
+        <a:ext cx="590188" cy="286190"/>
       </dsp:txXfrm>
     </dsp:sp>
     <dsp:sp modelId="{08824E4A-B282-475F-8B81-3D31A9EE4CDA}">
@@ -5446,8 +7062,8 @@
       </dsp:nvSpPr>
       <dsp:spPr>
         <a:xfrm>
-          <a:off x="5403939" y="725285"/>
-          <a:ext cx="91440" cy="230776"/>
+          <a:off x="5338256" y="730377"/>
+          <a:ext cx="91440" cy="227998"/>
         </a:xfrm>
         <a:custGeom>
           <a:avLst/>
@@ -5461,10 +7077,10 @@
                 <a:pt x="45720" y="0"/>
               </a:moveTo>
               <a:lnTo>
-                <a:pt x="45720" y="230776"/>
+                <a:pt x="45720" y="227998"/>
               </a:lnTo>
               <a:lnTo>
-                <a:pt x="107260" y="230776"/>
+                <a:pt x="106519" y="227998"/>
               </a:lnTo>
             </a:path>
           </a:pathLst>
@@ -5504,8 +7120,8 @@
       </dsp:nvSpPr>
       <dsp:spPr>
         <a:xfrm>
-          <a:off x="5511200" y="802210"/>
-          <a:ext cx="581468" cy="307702"/>
+          <a:off x="5444776" y="806377"/>
+          <a:ext cx="516933" cy="303998"/>
         </a:xfrm>
         <a:prstGeom prst="roundRect">
           <a:avLst>
@@ -5549,7 +7165,6 @@
       <dsp:txBody>
         <a:bodyPr spcFirstLastPara="0" vert="horz" wrap="square" lIns="15240" tIns="10160" rIns="15240" bIns="10160" numCol="1" spcCol="1270" anchor="ctr" anchorCtr="0">
           <a:noAutofit/>
-          <a:flatTx/>
         </a:bodyPr>
         <a:lstStyle/>
         <a:p>
@@ -5567,20 +7182,1152 @@
           </a:pPr>
           <a:r>
             <a:rPr lang="en-US" sz="800" kern="1200">
-              <a:latin typeface="IRANSans" panose="02040503050201020203" pitchFamily="18" charset="-78"/>
-              <a:cs typeface="IRANSans" panose="02040503050201020203" pitchFamily="18" charset="-78"/>
+              <a:latin typeface="Trebuchet MS" panose="020B0603020202020204" pitchFamily="34" charset="0"/>
             </a:rPr>
             <a:t>NoneType</a:t>
           </a:r>
           <a:endParaRPr lang="fa-IR" sz="800" kern="1200" dirty="0">
-            <a:latin typeface="IRANSans" panose="02040503050201020203" pitchFamily="18" charset="-78"/>
-            <a:cs typeface="IRANSans" panose="02040503050201020203" pitchFamily="18" charset="-78"/>
+            <a:latin typeface="Trebuchet MS" panose="020B0603020202020204" pitchFamily="34" charset="0"/>
           </a:endParaRPr>
         </a:p>
       </dsp:txBody>
       <dsp:txXfrm>
-        <a:off x="5520212" y="811222"/>
-        <a:ext cx="563444" cy="289678"/>
+        <a:off x="5453680" y="815281"/>
+        <a:ext cx="499125" cy="286190"/>
+      </dsp:txXfrm>
+    </dsp:sp>
+  </dsp:spTree>
+</dsp:drawing>
+</file>
+
+<file path=ppt/diagrams/drawing2.xml><?xml version="1.0" encoding="utf-8"?>
+<dsp:drawing xmlns:dgm="http://schemas.openxmlformats.org/drawingml/2006/diagram" xmlns:dsp="http://schemas.microsoft.com/office/drawing/2008/diagram" xmlns:a="http://schemas.openxmlformats.org/drawingml/2006/main">
+  <dsp:spTree>
+    <dsp:nvGrpSpPr>
+      <dsp:cNvPr id="0" name=""/>
+      <dsp:cNvGrpSpPr/>
+    </dsp:nvGrpSpPr>
+    <dsp:grpSpPr/>
+    <dsp:sp modelId="{64D8D2BB-20B0-47FE-BDA0-4232677CD376}">
+      <dsp:nvSpPr>
+        <dsp:cNvPr id="0" name=""/>
+        <dsp:cNvSpPr/>
+      </dsp:nvSpPr>
+      <dsp:spPr>
+        <a:xfrm>
+          <a:off x="992" y="0"/>
+          <a:ext cx="423475" cy="1473122"/>
+        </a:xfrm>
+        <a:prstGeom prst="roundRect">
+          <a:avLst>
+            <a:gd name="adj" fmla="val 10000"/>
+          </a:avLst>
+        </a:prstGeom>
+        <a:solidFill>
+          <a:schemeClr val="accent1">
+            <a:tint val="40000"/>
+            <a:hueOff val="0"/>
+            <a:satOff val="0"/>
+            <a:lumOff val="0"/>
+            <a:alphaOff val="0"/>
+          </a:schemeClr>
+        </a:solidFill>
+        <a:ln>
+          <a:noFill/>
+        </a:ln>
+        <a:effectLst/>
+      </dsp:spPr>
+      <dsp:style>
+        <a:lnRef idx="0">
+          <a:scrgbClr r="0" g="0" b="0"/>
+        </a:lnRef>
+        <a:fillRef idx="1">
+          <a:scrgbClr r="0" g="0" b="0"/>
+        </a:fillRef>
+        <a:effectRef idx="0">
+          <a:scrgbClr r="0" g="0" b="0"/>
+        </a:effectRef>
+        <a:fontRef idx="minor"/>
+      </dsp:style>
+      <dsp:txBody>
+        <a:bodyPr spcFirstLastPara="0" vert="horz" wrap="square" lIns="30480" tIns="30480" rIns="30480" bIns="30480" numCol="1" spcCol="1270" anchor="ctr" anchorCtr="0">
+          <a:noAutofit/>
+        </a:bodyPr>
+        <a:lstStyle/>
+        <a:p>
+          <a:pPr marL="0" lvl="0" indent="0" algn="ctr" defTabSz="355600" rtl="1">
+            <a:lnSpc>
+              <a:spcPct val="90000"/>
+            </a:lnSpc>
+            <a:spcBef>
+              <a:spcPct val="0"/>
+            </a:spcBef>
+            <a:spcAft>
+              <a:spcPct val="35000"/>
+            </a:spcAft>
+            <a:buNone/>
+          </a:pPr>
+          <a:r>
+            <a:rPr lang="en-US" sz="800" kern="1200">
+              <a:latin typeface="Trebuchet MS" panose="020B0603020202020204" pitchFamily="34" charset="0"/>
+            </a:rPr>
+            <a:t>String</a:t>
+          </a:r>
+          <a:endParaRPr lang="fa-IR" sz="800" kern="1200" dirty="0">
+            <a:latin typeface="Trebuchet MS" panose="020B0603020202020204" pitchFamily="34" charset="0"/>
+          </a:endParaRPr>
+        </a:p>
+      </dsp:txBody>
+      <dsp:txXfrm>
+        <a:off x="992" y="0"/>
+        <a:ext cx="423475" cy="441936"/>
+      </dsp:txXfrm>
+    </dsp:sp>
+    <dsp:sp modelId="{47BBA44C-4E23-4EC7-B4B9-6763A87153D9}">
+      <dsp:nvSpPr>
+        <dsp:cNvPr id="0" name=""/>
+        <dsp:cNvSpPr/>
+      </dsp:nvSpPr>
+      <dsp:spPr>
+        <a:xfrm>
+          <a:off x="43340" y="441936"/>
+          <a:ext cx="338780" cy="957529"/>
+        </a:xfrm>
+        <a:prstGeom prst="roundRect">
+          <a:avLst>
+            <a:gd name="adj" fmla="val 10000"/>
+          </a:avLst>
+        </a:prstGeom>
+        <a:solidFill>
+          <a:schemeClr val="accent1">
+            <a:hueOff val="0"/>
+            <a:satOff val="0"/>
+            <a:lumOff val="0"/>
+            <a:alphaOff val="0"/>
+          </a:schemeClr>
+        </a:solidFill>
+        <a:ln w="25400" cap="flat" cmpd="sng" algn="ctr">
+          <a:solidFill>
+            <a:schemeClr val="lt1">
+              <a:hueOff val="0"/>
+              <a:satOff val="0"/>
+              <a:lumOff val="0"/>
+              <a:alphaOff val="0"/>
+            </a:schemeClr>
+          </a:solidFill>
+          <a:prstDash val="solid"/>
+        </a:ln>
+        <a:effectLst/>
+      </dsp:spPr>
+      <dsp:style>
+        <a:lnRef idx="2">
+          <a:scrgbClr r="0" g="0" b="0"/>
+        </a:lnRef>
+        <a:fillRef idx="1">
+          <a:scrgbClr r="0" g="0" b="0"/>
+        </a:fillRef>
+        <a:effectRef idx="0">
+          <a:scrgbClr r="0" g="0" b="0"/>
+        </a:effectRef>
+        <a:fontRef idx="minor">
+          <a:schemeClr val="lt1"/>
+        </a:fontRef>
+      </dsp:style>
+      <dsp:txBody>
+        <a:bodyPr spcFirstLastPara="0" vert="horz" wrap="square" lIns="20320" tIns="15240" rIns="20320" bIns="15240" numCol="1" spcCol="1270" anchor="ctr" anchorCtr="0">
+          <a:noAutofit/>
+        </a:bodyPr>
+        <a:lstStyle/>
+        <a:p>
+          <a:pPr marL="0" lvl="0" indent="0" algn="ctr" defTabSz="355600" rtl="1">
+            <a:lnSpc>
+              <a:spcPct val="90000"/>
+            </a:lnSpc>
+            <a:spcBef>
+              <a:spcPct val="0"/>
+            </a:spcBef>
+            <a:spcAft>
+              <a:spcPct val="35000"/>
+            </a:spcAft>
+            <a:buNone/>
+          </a:pPr>
+          <a:r>
+            <a:rPr lang="en-US" sz="800" kern="1200">
+              <a:latin typeface="Trebuchet MS" panose="020B0603020202020204" pitchFamily="34" charset="0"/>
+            </a:rPr>
+            <a:t>str</a:t>
+          </a:r>
+          <a:endParaRPr lang="fa-IR" sz="800" kern="1200" dirty="0">
+            <a:latin typeface="Trebuchet MS" panose="020B0603020202020204" pitchFamily="34" charset="0"/>
+          </a:endParaRPr>
+        </a:p>
+      </dsp:txBody>
+      <dsp:txXfrm>
+        <a:off x="53263" y="451859"/>
+        <a:ext cx="318934" cy="937683"/>
+      </dsp:txXfrm>
+    </dsp:sp>
+    <dsp:sp modelId="{1630C2DF-9DCE-451A-8C62-21405789F2EB}">
+      <dsp:nvSpPr>
+        <dsp:cNvPr id="0" name=""/>
+        <dsp:cNvSpPr/>
+      </dsp:nvSpPr>
+      <dsp:spPr>
+        <a:xfrm>
+          <a:off x="456229" y="0"/>
+          <a:ext cx="423475" cy="1473122"/>
+        </a:xfrm>
+        <a:prstGeom prst="roundRect">
+          <a:avLst>
+            <a:gd name="adj" fmla="val 10000"/>
+          </a:avLst>
+        </a:prstGeom>
+        <a:solidFill>
+          <a:schemeClr val="accent1">
+            <a:tint val="40000"/>
+            <a:hueOff val="0"/>
+            <a:satOff val="0"/>
+            <a:lumOff val="0"/>
+            <a:alphaOff val="0"/>
+          </a:schemeClr>
+        </a:solidFill>
+        <a:ln>
+          <a:noFill/>
+        </a:ln>
+        <a:effectLst/>
+      </dsp:spPr>
+      <dsp:style>
+        <a:lnRef idx="0">
+          <a:scrgbClr r="0" g="0" b="0"/>
+        </a:lnRef>
+        <a:fillRef idx="1">
+          <a:scrgbClr r="0" g="0" b="0"/>
+        </a:fillRef>
+        <a:effectRef idx="0">
+          <a:scrgbClr r="0" g="0" b="0"/>
+        </a:effectRef>
+        <a:fontRef idx="minor"/>
+      </dsp:style>
+      <dsp:txBody>
+        <a:bodyPr spcFirstLastPara="0" vert="horz" wrap="square" lIns="30480" tIns="30480" rIns="30480" bIns="30480" numCol="1" spcCol="1270" anchor="ctr" anchorCtr="0">
+          <a:noAutofit/>
+        </a:bodyPr>
+        <a:lstStyle/>
+        <a:p>
+          <a:pPr marL="0" lvl="0" indent="0" algn="ctr" defTabSz="355600" rtl="1">
+            <a:lnSpc>
+              <a:spcPct val="90000"/>
+            </a:lnSpc>
+            <a:spcBef>
+              <a:spcPct val="0"/>
+            </a:spcBef>
+            <a:spcAft>
+              <a:spcPct val="35000"/>
+            </a:spcAft>
+            <a:buNone/>
+          </a:pPr>
+          <a:r>
+            <a:rPr lang="en-US" sz="800" kern="1200">
+              <a:latin typeface="Trebuchet MS" panose="020B0603020202020204" pitchFamily="34" charset="0"/>
+            </a:rPr>
+            <a:t>Number</a:t>
+          </a:r>
+          <a:endParaRPr lang="fa-IR" sz="800" kern="1200" dirty="0">
+            <a:latin typeface="Trebuchet MS" panose="020B0603020202020204" pitchFamily="34" charset="0"/>
+          </a:endParaRPr>
+        </a:p>
+      </dsp:txBody>
+      <dsp:txXfrm>
+        <a:off x="456229" y="0"/>
+        <a:ext cx="423475" cy="441936"/>
+      </dsp:txXfrm>
+    </dsp:sp>
+    <dsp:sp modelId="{AB4E0267-B8C1-4B76-B4D6-08108DE5A630}">
+      <dsp:nvSpPr>
+        <dsp:cNvPr id="0" name=""/>
+        <dsp:cNvSpPr/>
+      </dsp:nvSpPr>
+      <dsp:spPr>
+        <a:xfrm>
+          <a:off x="498576" y="442368"/>
+          <a:ext cx="338780" cy="444166"/>
+        </a:xfrm>
+        <a:prstGeom prst="roundRect">
+          <a:avLst>
+            <a:gd name="adj" fmla="val 10000"/>
+          </a:avLst>
+        </a:prstGeom>
+        <a:solidFill>
+          <a:schemeClr val="accent1">
+            <a:hueOff val="0"/>
+            <a:satOff val="0"/>
+            <a:lumOff val="0"/>
+            <a:alphaOff val="0"/>
+          </a:schemeClr>
+        </a:solidFill>
+        <a:ln w="25400" cap="flat" cmpd="sng" algn="ctr">
+          <a:solidFill>
+            <a:schemeClr val="lt1">
+              <a:hueOff val="0"/>
+              <a:satOff val="0"/>
+              <a:lumOff val="0"/>
+              <a:alphaOff val="0"/>
+            </a:schemeClr>
+          </a:solidFill>
+          <a:prstDash val="solid"/>
+        </a:ln>
+        <a:effectLst/>
+      </dsp:spPr>
+      <dsp:style>
+        <a:lnRef idx="2">
+          <a:scrgbClr r="0" g="0" b="0"/>
+        </a:lnRef>
+        <a:fillRef idx="1">
+          <a:scrgbClr r="0" g="0" b="0"/>
+        </a:fillRef>
+        <a:effectRef idx="0">
+          <a:scrgbClr r="0" g="0" b="0"/>
+        </a:effectRef>
+        <a:fontRef idx="minor">
+          <a:schemeClr val="lt1"/>
+        </a:fontRef>
+      </dsp:style>
+      <dsp:txBody>
+        <a:bodyPr spcFirstLastPara="0" vert="horz" wrap="square" lIns="20320" tIns="15240" rIns="20320" bIns="15240" numCol="1" spcCol="1270" anchor="ctr" anchorCtr="0">
+          <a:noAutofit/>
+        </a:bodyPr>
+        <a:lstStyle/>
+        <a:p>
+          <a:pPr marL="0" lvl="0" indent="0" algn="ctr" defTabSz="355600" rtl="1">
+            <a:lnSpc>
+              <a:spcPct val="90000"/>
+            </a:lnSpc>
+            <a:spcBef>
+              <a:spcPct val="0"/>
+            </a:spcBef>
+            <a:spcAft>
+              <a:spcPct val="35000"/>
+            </a:spcAft>
+            <a:buNone/>
+          </a:pPr>
+          <a:r>
+            <a:rPr lang="en-US" sz="800" kern="1200">
+              <a:latin typeface="Trebuchet MS" panose="020B0603020202020204" pitchFamily="34" charset="0"/>
+            </a:rPr>
+            <a:t>int</a:t>
+          </a:r>
+          <a:endParaRPr lang="fa-IR" sz="800" kern="1200" dirty="0">
+            <a:latin typeface="Trebuchet MS" panose="020B0603020202020204" pitchFamily="34" charset="0"/>
+          </a:endParaRPr>
+        </a:p>
+      </dsp:txBody>
+      <dsp:txXfrm>
+        <a:off x="508499" y="452291"/>
+        <a:ext cx="318934" cy="424320"/>
+      </dsp:txXfrm>
+    </dsp:sp>
+    <dsp:sp modelId="{8289D31D-920D-4A2E-809B-E8C770179FAD}">
+      <dsp:nvSpPr>
+        <dsp:cNvPr id="0" name=""/>
+        <dsp:cNvSpPr/>
+      </dsp:nvSpPr>
+      <dsp:spPr>
+        <a:xfrm>
+          <a:off x="498576" y="954868"/>
+          <a:ext cx="338780" cy="444166"/>
+        </a:xfrm>
+        <a:prstGeom prst="roundRect">
+          <a:avLst>
+            <a:gd name="adj" fmla="val 10000"/>
+          </a:avLst>
+        </a:prstGeom>
+        <a:solidFill>
+          <a:schemeClr val="accent1">
+            <a:hueOff val="0"/>
+            <a:satOff val="0"/>
+            <a:lumOff val="0"/>
+            <a:alphaOff val="0"/>
+          </a:schemeClr>
+        </a:solidFill>
+        <a:ln w="25400" cap="flat" cmpd="sng" algn="ctr">
+          <a:solidFill>
+            <a:schemeClr val="lt1">
+              <a:hueOff val="0"/>
+              <a:satOff val="0"/>
+              <a:lumOff val="0"/>
+              <a:alphaOff val="0"/>
+            </a:schemeClr>
+          </a:solidFill>
+          <a:prstDash val="solid"/>
+        </a:ln>
+        <a:effectLst/>
+      </dsp:spPr>
+      <dsp:style>
+        <a:lnRef idx="2">
+          <a:scrgbClr r="0" g="0" b="0"/>
+        </a:lnRef>
+        <a:fillRef idx="1">
+          <a:scrgbClr r="0" g="0" b="0"/>
+        </a:fillRef>
+        <a:effectRef idx="0">
+          <a:scrgbClr r="0" g="0" b="0"/>
+        </a:effectRef>
+        <a:fontRef idx="minor">
+          <a:schemeClr val="lt1"/>
+        </a:fontRef>
+      </dsp:style>
+      <dsp:txBody>
+        <a:bodyPr spcFirstLastPara="0" vert="horz" wrap="square" lIns="20320" tIns="15240" rIns="20320" bIns="15240" numCol="1" spcCol="1270" anchor="ctr" anchorCtr="0">
+          <a:noAutofit/>
+        </a:bodyPr>
+        <a:lstStyle/>
+        <a:p>
+          <a:pPr marL="0" lvl="0" indent="0" algn="ctr" defTabSz="355600" rtl="1">
+            <a:lnSpc>
+              <a:spcPct val="90000"/>
+            </a:lnSpc>
+            <a:spcBef>
+              <a:spcPct val="0"/>
+            </a:spcBef>
+            <a:spcAft>
+              <a:spcPct val="35000"/>
+            </a:spcAft>
+            <a:buNone/>
+          </a:pPr>
+          <a:r>
+            <a:rPr lang="en-US" sz="800" kern="1200">
+              <a:latin typeface="Trebuchet MS" panose="020B0603020202020204" pitchFamily="34" charset="0"/>
+            </a:rPr>
+            <a:t>float</a:t>
+          </a:r>
+          <a:endParaRPr lang="fa-IR" sz="800" kern="1200" dirty="0">
+            <a:latin typeface="Trebuchet MS" panose="020B0603020202020204" pitchFamily="34" charset="0"/>
+          </a:endParaRPr>
+        </a:p>
+      </dsp:txBody>
+      <dsp:txXfrm>
+        <a:off x="508499" y="964791"/>
+        <a:ext cx="318934" cy="424320"/>
+      </dsp:txXfrm>
+    </dsp:sp>
+    <dsp:sp modelId="{5E5096A3-BBB4-456C-81E1-B54F3A39AA32}">
+      <dsp:nvSpPr>
+        <dsp:cNvPr id="0" name=""/>
+        <dsp:cNvSpPr/>
+      </dsp:nvSpPr>
+      <dsp:spPr>
+        <a:xfrm>
+          <a:off x="911465" y="0"/>
+          <a:ext cx="423475" cy="1473122"/>
+        </a:xfrm>
+        <a:prstGeom prst="roundRect">
+          <a:avLst>
+            <a:gd name="adj" fmla="val 10000"/>
+          </a:avLst>
+        </a:prstGeom>
+        <a:solidFill>
+          <a:schemeClr val="accent1">
+            <a:tint val="40000"/>
+            <a:hueOff val="0"/>
+            <a:satOff val="0"/>
+            <a:lumOff val="0"/>
+            <a:alphaOff val="0"/>
+          </a:schemeClr>
+        </a:solidFill>
+        <a:ln>
+          <a:noFill/>
+        </a:ln>
+        <a:effectLst/>
+      </dsp:spPr>
+      <dsp:style>
+        <a:lnRef idx="0">
+          <a:scrgbClr r="0" g="0" b="0"/>
+        </a:lnRef>
+        <a:fillRef idx="1">
+          <a:scrgbClr r="0" g="0" b="0"/>
+        </a:fillRef>
+        <a:effectRef idx="0">
+          <a:scrgbClr r="0" g="0" b="0"/>
+        </a:effectRef>
+        <a:fontRef idx="minor"/>
+      </dsp:style>
+      <dsp:txBody>
+        <a:bodyPr spcFirstLastPara="0" vert="horz" wrap="square" lIns="30480" tIns="30480" rIns="30480" bIns="30480" numCol="1" spcCol="1270" anchor="ctr" anchorCtr="0">
+          <a:noAutofit/>
+        </a:bodyPr>
+        <a:lstStyle/>
+        <a:p>
+          <a:pPr marL="0" lvl="0" indent="0" algn="ctr" defTabSz="355600" rtl="1">
+            <a:lnSpc>
+              <a:spcPct val="90000"/>
+            </a:lnSpc>
+            <a:spcBef>
+              <a:spcPct val="0"/>
+            </a:spcBef>
+            <a:spcAft>
+              <a:spcPct val="35000"/>
+            </a:spcAft>
+            <a:buNone/>
+          </a:pPr>
+          <a:r>
+            <a:rPr lang="en-US" sz="800" kern="1200">
+              <a:latin typeface="Trebuchet MS" panose="020B0603020202020204" pitchFamily="34" charset="0"/>
+            </a:rPr>
+            <a:t>Array</a:t>
+          </a:r>
+          <a:endParaRPr lang="fa-IR" sz="800" kern="1200" dirty="0">
+            <a:latin typeface="Trebuchet MS" panose="020B0603020202020204" pitchFamily="34" charset="0"/>
+          </a:endParaRPr>
+        </a:p>
+      </dsp:txBody>
+      <dsp:txXfrm>
+        <a:off x="911465" y="0"/>
+        <a:ext cx="423475" cy="441936"/>
+      </dsp:txXfrm>
+    </dsp:sp>
+    <dsp:sp modelId="{70476262-9C72-4B90-B06C-730A1960AAAF}">
+      <dsp:nvSpPr>
+        <dsp:cNvPr id="0" name=""/>
+        <dsp:cNvSpPr/>
+      </dsp:nvSpPr>
+      <dsp:spPr>
+        <a:xfrm>
+          <a:off x="953813" y="442368"/>
+          <a:ext cx="338780" cy="444166"/>
+        </a:xfrm>
+        <a:prstGeom prst="roundRect">
+          <a:avLst>
+            <a:gd name="adj" fmla="val 10000"/>
+          </a:avLst>
+        </a:prstGeom>
+        <a:solidFill>
+          <a:schemeClr val="accent1">
+            <a:hueOff val="0"/>
+            <a:satOff val="0"/>
+            <a:lumOff val="0"/>
+            <a:alphaOff val="0"/>
+          </a:schemeClr>
+        </a:solidFill>
+        <a:ln w="25400" cap="flat" cmpd="sng" algn="ctr">
+          <a:solidFill>
+            <a:schemeClr val="lt1">
+              <a:hueOff val="0"/>
+              <a:satOff val="0"/>
+              <a:lumOff val="0"/>
+              <a:alphaOff val="0"/>
+            </a:schemeClr>
+          </a:solidFill>
+          <a:prstDash val="solid"/>
+        </a:ln>
+        <a:effectLst/>
+      </dsp:spPr>
+      <dsp:style>
+        <a:lnRef idx="2">
+          <a:scrgbClr r="0" g="0" b="0"/>
+        </a:lnRef>
+        <a:fillRef idx="1">
+          <a:scrgbClr r="0" g="0" b="0"/>
+        </a:fillRef>
+        <a:effectRef idx="0">
+          <a:scrgbClr r="0" g="0" b="0"/>
+        </a:effectRef>
+        <a:fontRef idx="minor">
+          <a:schemeClr val="lt1"/>
+        </a:fontRef>
+      </dsp:style>
+      <dsp:txBody>
+        <a:bodyPr spcFirstLastPara="0" vert="horz" wrap="square" lIns="20320" tIns="15240" rIns="20320" bIns="15240" numCol="1" spcCol="1270" anchor="ctr" anchorCtr="0">
+          <a:noAutofit/>
+        </a:bodyPr>
+        <a:lstStyle/>
+        <a:p>
+          <a:pPr marL="0" lvl="0" indent="0" algn="ctr" defTabSz="355600" rtl="1">
+            <a:lnSpc>
+              <a:spcPct val="90000"/>
+            </a:lnSpc>
+            <a:spcBef>
+              <a:spcPct val="0"/>
+            </a:spcBef>
+            <a:spcAft>
+              <a:spcPct val="35000"/>
+            </a:spcAft>
+            <a:buNone/>
+          </a:pPr>
+          <a:r>
+            <a:rPr lang="en-US" sz="800" kern="1200">
+              <a:latin typeface="Trebuchet MS" panose="020B0603020202020204" pitchFamily="34" charset="0"/>
+            </a:rPr>
+            <a:t>list</a:t>
+          </a:r>
+          <a:endParaRPr lang="fa-IR" sz="800" kern="1200" dirty="0">
+            <a:latin typeface="Trebuchet MS" panose="020B0603020202020204" pitchFamily="34" charset="0"/>
+          </a:endParaRPr>
+        </a:p>
+      </dsp:txBody>
+      <dsp:txXfrm>
+        <a:off x="963736" y="452291"/>
+        <a:ext cx="318934" cy="424320"/>
+      </dsp:txXfrm>
+    </dsp:sp>
+    <dsp:sp modelId="{0F351286-CFBF-47ED-A59E-C97C84010752}">
+      <dsp:nvSpPr>
+        <dsp:cNvPr id="0" name=""/>
+        <dsp:cNvSpPr/>
+      </dsp:nvSpPr>
+      <dsp:spPr>
+        <a:xfrm>
+          <a:off x="953813" y="954868"/>
+          <a:ext cx="338780" cy="444166"/>
+        </a:xfrm>
+        <a:prstGeom prst="roundRect">
+          <a:avLst>
+            <a:gd name="adj" fmla="val 10000"/>
+          </a:avLst>
+        </a:prstGeom>
+        <a:solidFill>
+          <a:schemeClr val="accent1">
+            <a:hueOff val="0"/>
+            <a:satOff val="0"/>
+            <a:lumOff val="0"/>
+            <a:alphaOff val="0"/>
+          </a:schemeClr>
+        </a:solidFill>
+        <a:ln w="25400" cap="flat" cmpd="sng" algn="ctr">
+          <a:solidFill>
+            <a:schemeClr val="lt1">
+              <a:hueOff val="0"/>
+              <a:satOff val="0"/>
+              <a:lumOff val="0"/>
+              <a:alphaOff val="0"/>
+            </a:schemeClr>
+          </a:solidFill>
+          <a:prstDash val="solid"/>
+        </a:ln>
+        <a:effectLst/>
+      </dsp:spPr>
+      <dsp:style>
+        <a:lnRef idx="2">
+          <a:scrgbClr r="0" g="0" b="0"/>
+        </a:lnRef>
+        <a:fillRef idx="1">
+          <a:scrgbClr r="0" g="0" b="0"/>
+        </a:fillRef>
+        <a:effectRef idx="0">
+          <a:scrgbClr r="0" g="0" b="0"/>
+        </a:effectRef>
+        <a:fontRef idx="minor">
+          <a:schemeClr val="lt1"/>
+        </a:fontRef>
+      </dsp:style>
+      <dsp:txBody>
+        <a:bodyPr spcFirstLastPara="0" vert="horz" wrap="square" lIns="20320" tIns="15240" rIns="20320" bIns="15240" numCol="1" spcCol="1270" anchor="ctr" anchorCtr="0">
+          <a:noAutofit/>
+        </a:bodyPr>
+        <a:lstStyle/>
+        <a:p>
+          <a:pPr marL="0" lvl="0" indent="0" algn="ctr" defTabSz="355600" rtl="1">
+            <a:lnSpc>
+              <a:spcPct val="90000"/>
+            </a:lnSpc>
+            <a:spcBef>
+              <a:spcPct val="0"/>
+            </a:spcBef>
+            <a:spcAft>
+              <a:spcPct val="35000"/>
+            </a:spcAft>
+            <a:buNone/>
+          </a:pPr>
+          <a:r>
+            <a:rPr lang="en-US" sz="800" kern="1200">
+              <a:latin typeface="Trebuchet MS" panose="020B0603020202020204" pitchFamily="34" charset="0"/>
+            </a:rPr>
+            <a:t>tuple</a:t>
+          </a:r>
+          <a:endParaRPr lang="fa-IR" sz="800" kern="1200" dirty="0">
+            <a:latin typeface="Trebuchet MS" panose="020B0603020202020204" pitchFamily="34" charset="0"/>
+          </a:endParaRPr>
+        </a:p>
+      </dsp:txBody>
+      <dsp:txXfrm>
+        <a:off x="963736" y="964791"/>
+        <a:ext cx="318934" cy="424320"/>
+      </dsp:txXfrm>
+    </dsp:sp>
+    <dsp:sp modelId="{AF7BC0AB-C8AA-4AEE-AF94-DF413838A7CA}">
+      <dsp:nvSpPr>
+        <dsp:cNvPr id="0" name=""/>
+        <dsp:cNvSpPr/>
+      </dsp:nvSpPr>
+      <dsp:spPr>
+        <a:xfrm>
+          <a:off x="1366702" y="0"/>
+          <a:ext cx="423475" cy="1473122"/>
+        </a:xfrm>
+        <a:prstGeom prst="roundRect">
+          <a:avLst>
+            <a:gd name="adj" fmla="val 10000"/>
+          </a:avLst>
+        </a:prstGeom>
+        <a:solidFill>
+          <a:schemeClr val="accent1">
+            <a:tint val="40000"/>
+            <a:hueOff val="0"/>
+            <a:satOff val="0"/>
+            <a:lumOff val="0"/>
+            <a:alphaOff val="0"/>
+          </a:schemeClr>
+        </a:solidFill>
+        <a:ln>
+          <a:noFill/>
+        </a:ln>
+        <a:effectLst/>
+      </dsp:spPr>
+      <dsp:style>
+        <a:lnRef idx="0">
+          <a:scrgbClr r="0" g="0" b="0"/>
+        </a:lnRef>
+        <a:fillRef idx="1">
+          <a:scrgbClr r="0" g="0" b="0"/>
+        </a:fillRef>
+        <a:effectRef idx="0">
+          <a:scrgbClr r="0" g="0" b="0"/>
+        </a:effectRef>
+        <a:fontRef idx="minor"/>
+      </dsp:style>
+      <dsp:txBody>
+        <a:bodyPr spcFirstLastPara="0" vert="horz" wrap="square" lIns="30480" tIns="30480" rIns="30480" bIns="30480" numCol="1" spcCol="1270" anchor="ctr" anchorCtr="0">
+          <a:noAutofit/>
+        </a:bodyPr>
+        <a:lstStyle/>
+        <a:p>
+          <a:pPr marL="0" lvl="0" indent="0" algn="ctr" defTabSz="355600" rtl="1">
+            <a:lnSpc>
+              <a:spcPct val="90000"/>
+            </a:lnSpc>
+            <a:spcBef>
+              <a:spcPct val="0"/>
+            </a:spcBef>
+            <a:spcAft>
+              <a:spcPct val="35000"/>
+            </a:spcAft>
+            <a:buNone/>
+          </a:pPr>
+          <a:r>
+            <a:rPr lang="en-US" sz="800" kern="1200">
+              <a:latin typeface="Trebuchet MS" panose="020B0603020202020204" pitchFamily="34" charset="0"/>
+            </a:rPr>
+            <a:t>Object</a:t>
+          </a:r>
+          <a:endParaRPr lang="fa-IR" sz="800" kern="1200" dirty="0">
+            <a:latin typeface="Trebuchet MS" panose="020B0603020202020204" pitchFamily="34" charset="0"/>
+          </a:endParaRPr>
+        </a:p>
+      </dsp:txBody>
+      <dsp:txXfrm>
+        <a:off x="1366702" y="0"/>
+        <a:ext cx="423475" cy="441936"/>
+      </dsp:txXfrm>
+    </dsp:sp>
+    <dsp:sp modelId="{2B8BB693-3130-4291-A895-B14D170E4268}">
+      <dsp:nvSpPr>
+        <dsp:cNvPr id="0" name=""/>
+        <dsp:cNvSpPr/>
+      </dsp:nvSpPr>
+      <dsp:spPr>
+        <a:xfrm>
+          <a:off x="1409049" y="441936"/>
+          <a:ext cx="338780" cy="957529"/>
+        </a:xfrm>
+        <a:prstGeom prst="roundRect">
+          <a:avLst>
+            <a:gd name="adj" fmla="val 10000"/>
+          </a:avLst>
+        </a:prstGeom>
+        <a:solidFill>
+          <a:schemeClr val="accent1">
+            <a:hueOff val="0"/>
+            <a:satOff val="0"/>
+            <a:lumOff val="0"/>
+            <a:alphaOff val="0"/>
+          </a:schemeClr>
+        </a:solidFill>
+        <a:ln w="25400" cap="flat" cmpd="sng" algn="ctr">
+          <a:solidFill>
+            <a:schemeClr val="lt1">
+              <a:hueOff val="0"/>
+              <a:satOff val="0"/>
+              <a:lumOff val="0"/>
+              <a:alphaOff val="0"/>
+            </a:schemeClr>
+          </a:solidFill>
+          <a:prstDash val="solid"/>
+        </a:ln>
+        <a:effectLst/>
+      </dsp:spPr>
+      <dsp:style>
+        <a:lnRef idx="2">
+          <a:scrgbClr r="0" g="0" b="0"/>
+        </a:lnRef>
+        <a:fillRef idx="1">
+          <a:scrgbClr r="0" g="0" b="0"/>
+        </a:fillRef>
+        <a:effectRef idx="0">
+          <a:scrgbClr r="0" g="0" b="0"/>
+        </a:effectRef>
+        <a:fontRef idx="minor">
+          <a:schemeClr val="lt1"/>
+        </a:fontRef>
+      </dsp:style>
+      <dsp:txBody>
+        <a:bodyPr spcFirstLastPara="0" vert="horz" wrap="square" lIns="20320" tIns="15240" rIns="20320" bIns="15240" numCol="1" spcCol="1270" anchor="ctr" anchorCtr="0">
+          <a:noAutofit/>
+        </a:bodyPr>
+        <a:lstStyle/>
+        <a:p>
+          <a:pPr marL="0" lvl="0" indent="0" algn="ctr" defTabSz="355600" rtl="1">
+            <a:lnSpc>
+              <a:spcPct val="90000"/>
+            </a:lnSpc>
+            <a:spcBef>
+              <a:spcPct val="0"/>
+            </a:spcBef>
+            <a:spcAft>
+              <a:spcPct val="35000"/>
+            </a:spcAft>
+            <a:buNone/>
+          </a:pPr>
+          <a:r>
+            <a:rPr lang="en-US" sz="800" kern="1200">
+              <a:latin typeface="Trebuchet MS" panose="020B0603020202020204" pitchFamily="34" charset="0"/>
+            </a:rPr>
+            <a:t>dict</a:t>
+          </a:r>
+          <a:endParaRPr lang="fa-IR" sz="800" kern="1200" dirty="0">
+            <a:latin typeface="Trebuchet MS" panose="020B0603020202020204" pitchFamily="34" charset="0"/>
+          </a:endParaRPr>
+        </a:p>
+      </dsp:txBody>
+      <dsp:txXfrm>
+        <a:off x="1418972" y="451859"/>
+        <a:ext cx="318934" cy="937683"/>
+      </dsp:txXfrm>
+    </dsp:sp>
+    <dsp:sp modelId="{CF11258F-8AA7-493F-A815-D62B60769D0B}">
+      <dsp:nvSpPr>
+        <dsp:cNvPr id="0" name=""/>
+        <dsp:cNvSpPr/>
+      </dsp:nvSpPr>
+      <dsp:spPr>
+        <a:xfrm>
+          <a:off x="1821938" y="0"/>
+          <a:ext cx="423475" cy="1473122"/>
+        </a:xfrm>
+        <a:prstGeom prst="roundRect">
+          <a:avLst>
+            <a:gd name="adj" fmla="val 10000"/>
+          </a:avLst>
+        </a:prstGeom>
+        <a:solidFill>
+          <a:schemeClr val="accent1">
+            <a:tint val="40000"/>
+            <a:hueOff val="0"/>
+            <a:satOff val="0"/>
+            <a:lumOff val="0"/>
+            <a:alphaOff val="0"/>
+          </a:schemeClr>
+        </a:solidFill>
+        <a:ln>
+          <a:noFill/>
+        </a:ln>
+        <a:effectLst/>
+      </dsp:spPr>
+      <dsp:style>
+        <a:lnRef idx="0">
+          <a:scrgbClr r="0" g="0" b="0"/>
+        </a:lnRef>
+        <a:fillRef idx="1">
+          <a:scrgbClr r="0" g="0" b="0"/>
+        </a:fillRef>
+        <a:effectRef idx="0">
+          <a:scrgbClr r="0" g="0" b="0"/>
+        </a:effectRef>
+        <a:fontRef idx="minor"/>
+      </dsp:style>
+      <dsp:txBody>
+        <a:bodyPr spcFirstLastPara="0" vert="horz" wrap="square" lIns="30480" tIns="30480" rIns="30480" bIns="30480" numCol="1" spcCol="1270" anchor="ctr" anchorCtr="0">
+          <a:noAutofit/>
+        </a:bodyPr>
+        <a:lstStyle/>
+        <a:p>
+          <a:pPr marL="0" lvl="0" indent="0" algn="ctr" defTabSz="355600" rtl="1">
+            <a:lnSpc>
+              <a:spcPct val="90000"/>
+            </a:lnSpc>
+            <a:spcBef>
+              <a:spcPct val="0"/>
+            </a:spcBef>
+            <a:spcAft>
+              <a:spcPct val="35000"/>
+            </a:spcAft>
+            <a:buNone/>
+          </a:pPr>
+          <a:r>
+            <a:rPr lang="en-US" sz="800" kern="1200">
+              <a:latin typeface="Trebuchet MS" panose="020B0603020202020204" pitchFamily="34" charset="0"/>
+            </a:rPr>
+            <a:t>Boolean</a:t>
+          </a:r>
+          <a:endParaRPr lang="fa-IR" sz="800" kern="1200" dirty="0">
+            <a:latin typeface="Trebuchet MS" panose="020B0603020202020204" pitchFamily="34" charset="0"/>
+          </a:endParaRPr>
+        </a:p>
+      </dsp:txBody>
+      <dsp:txXfrm>
+        <a:off x="1821938" y="0"/>
+        <a:ext cx="423475" cy="441936"/>
+      </dsp:txXfrm>
+    </dsp:sp>
+    <dsp:sp modelId="{10C2826D-413D-46EE-8FB2-A29C12048495}">
+      <dsp:nvSpPr>
+        <dsp:cNvPr id="0" name=""/>
+        <dsp:cNvSpPr/>
+      </dsp:nvSpPr>
+      <dsp:spPr>
+        <a:xfrm>
+          <a:off x="1864286" y="441936"/>
+          <a:ext cx="338780" cy="957529"/>
+        </a:xfrm>
+        <a:prstGeom prst="roundRect">
+          <a:avLst>
+            <a:gd name="adj" fmla="val 10000"/>
+          </a:avLst>
+        </a:prstGeom>
+        <a:solidFill>
+          <a:schemeClr val="accent1">
+            <a:hueOff val="0"/>
+            <a:satOff val="0"/>
+            <a:lumOff val="0"/>
+            <a:alphaOff val="0"/>
+          </a:schemeClr>
+        </a:solidFill>
+        <a:ln w="25400" cap="flat" cmpd="sng" algn="ctr">
+          <a:solidFill>
+            <a:schemeClr val="lt1">
+              <a:hueOff val="0"/>
+              <a:satOff val="0"/>
+              <a:lumOff val="0"/>
+              <a:alphaOff val="0"/>
+            </a:schemeClr>
+          </a:solidFill>
+          <a:prstDash val="solid"/>
+        </a:ln>
+        <a:effectLst/>
+      </dsp:spPr>
+      <dsp:style>
+        <a:lnRef idx="2">
+          <a:scrgbClr r="0" g="0" b="0"/>
+        </a:lnRef>
+        <a:fillRef idx="1">
+          <a:scrgbClr r="0" g="0" b="0"/>
+        </a:fillRef>
+        <a:effectRef idx="0">
+          <a:scrgbClr r="0" g="0" b="0"/>
+        </a:effectRef>
+        <a:fontRef idx="minor">
+          <a:schemeClr val="lt1"/>
+        </a:fontRef>
+      </dsp:style>
+      <dsp:txBody>
+        <a:bodyPr spcFirstLastPara="0" vert="horz" wrap="square" lIns="20320" tIns="15240" rIns="20320" bIns="15240" numCol="1" spcCol="1270" anchor="ctr" anchorCtr="0">
+          <a:noAutofit/>
+        </a:bodyPr>
+        <a:lstStyle/>
+        <a:p>
+          <a:pPr marL="0" lvl="0" indent="0" algn="ctr" defTabSz="355600" rtl="1">
+            <a:lnSpc>
+              <a:spcPct val="90000"/>
+            </a:lnSpc>
+            <a:spcBef>
+              <a:spcPct val="0"/>
+            </a:spcBef>
+            <a:spcAft>
+              <a:spcPct val="35000"/>
+            </a:spcAft>
+            <a:buNone/>
+          </a:pPr>
+          <a:r>
+            <a:rPr lang="en-US" sz="800" kern="1200">
+              <a:latin typeface="Trebuchet MS" panose="020B0603020202020204" pitchFamily="34" charset="0"/>
+            </a:rPr>
+            <a:t>bool</a:t>
+          </a:r>
+          <a:endParaRPr lang="fa-IR" sz="800" kern="1200" dirty="0">
+            <a:latin typeface="Trebuchet MS" panose="020B0603020202020204" pitchFamily="34" charset="0"/>
+          </a:endParaRPr>
+        </a:p>
+      </dsp:txBody>
+      <dsp:txXfrm>
+        <a:off x="1874209" y="451859"/>
+        <a:ext cx="318934" cy="937683"/>
+      </dsp:txXfrm>
+    </dsp:sp>
+    <dsp:sp modelId="{5D274D34-9A04-4BAB-BF2D-F55EA91221D2}">
+      <dsp:nvSpPr>
+        <dsp:cNvPr id="0" name=""/>
+        <dsp:cNvSpPr/>
+      </dsp:nvSpPr>
+      <dsp:spPr>
+        <a:xfrm>
+          <a:off x="2277175" y="0"/>
+          <a:ext cx="754273" cy="1473122"/>
+        </a:xfrm>
+        <a:prstGeom prst="roundRect">
+          <a:avLst>
+            <a:gd name="adj" fmla="val 10000"/>
+          </a:avLst>
+        </a:prstGeom>
+        <a:solidFill>
+          <a:schemeClr val="accent1">
+            <a:tint val="40000"/>
+            <a:hueOff val="0"/>
+            <a:satOff val="0"/>
+            <a:lumOff val="0"/>
+            <a:alphaOff val="0"/>
+          </a:schemeClr>
+        </a:solidFill>
+        <a:ln>
+          <a:noFill/>
+        </a:ln>
+        <a:effectLst/>
+      </dsp:spPr>
+      <dsp:style>
+        <a:lnRef idx="0">
+          <a:scrgbClr r="0" g="0" b="0"/>
+        </a:lnRef>
+        <a:fillRef idx="1">
+          <a:scrgbClr r="0" g="0" b="0"/>
+        </a:fillRef>
+        <a:effectRef idx="0">
+          <a:scrgbClr r="0" g="0" b="0"/>
+        </a:effectRef>
+        <a:fontRef idx="minor"/>
+      </dsp:style>
+      <dsp:txBody>
+        <a:bodyPr spcFirstLastPara="0" vert="horz" wrap="square" lIns="30480" tIns="30480" rIns="30480" bIns="30480" numCol="1" spcCol="1270" anchor="ctr" anchorCtr="0">
+          <a:noAutofit/>
+        </a:bodyPr>
+        <a:lstStyle/>
+        <a:p>
+          <a:pPr marL="0" lvl="0" indent="0" algn="ctr" defTabSz="355600" rtl="1">
+            <a:lnSpc>
+              <a:spcPct val="90000"/>
+            </a:lnSpc>
+            <a:spcBef>
+              <a:spcPct val="0"/>
+            </a:spcBef>
+            <a:spcAft>
+              <a:spcPct val="35000"/>
+            </a:spcAft>
+            <a:buNone/>
+          </a:pPr>
+          <a:r>
+            <a:rPr lang="en-US" sz="800" kern="1200">
+              <a:latin typeface="Trebuchet MS" panose="020B0603020202020204" pitchFamily="34" charset="0"/>
+            </a:rPr>
+            <a:t>Null</a:t>
+          </a:r>
+          <a:endParaRPr lang="fa-IR" sz="800" kern="1200" dirty="0">
+            <a:latin typeface="Trebuchet MS" panose="020B0603020202020204" pitchFamily="34" charset="0"/>
+          </a:endParaRPr>
+        </a:p>
+      </dsp:txBody>
+      <dsp:txXfrm>
+        <a:off x="2277175" y="0"/>
+        <a:ext cx="754273" cy="441936"/>
+      </dsp:txXfrm>
+    </dsp:sp>
+    <dsp:sp modelId="{9076CBF7-A7C5-4370-9330-BB5E6AFF0DE4}">
+      <dsp:nvSpPr>
+        <dsp:cNvPr id="0" name=""/>
+        <dsp:cNvSpPr/>
+      </dsp:nvSpPr>
+      <dsp:spPr>
+        <a:xfrm>
+          <a:off x="2354711" y="442404"/>
+          <a:ext cx="599201" cy="956594"/>
+        </a:xfrm>
+        <a:prstGeom prst="roundRect">
+          <a:avLst>
+            <a:gd name="adj" fmla="val 10000"/>
+          </a:avLst>
+        </a:prstGeom>
+        <a:solidFill>
+          <a:schemeClr val="accent1">
+            <a:hueOff val="0"/>
+            <a:satOff val="0"/>
+            <a:lumOff val="0"/>
+            <a:alphaOff val="0"/>
+          </a:schemeClr>
+        </a:solidFill>
+        <a:ln w="25400" cap="flat" cmpd="sng" algn="ctr">
+          <a:solidFill>
+            <a:schemeClr val="lt1">
+              <a:hueOff val="0"/>
+              <a:satOff val="0"/>
+              <a:lumOff val="0"/>
+              <a:alphaOff val="0"/>
+            </a:schemeClr>
+          </a:solidFill>
+          <a:prstDash val="solid"/>
+        </a:ln>
+        <a:effectLst/>
+      </dsp:spPr>
+      <dsp:style>
+        <a:lnRef idx="2">
+          <a:scrgbClr r="0" g="0" b="0"/>
+        </a:lnRef>
+        <a:fillRef idx="1">
+          <a:scrgbClr r="0" g="0" b="0"/>
+        </a:fillRef>
+        <a:effectRef idx="0">
+          <a:scrgbClr r="0" g="0" b="0"/>
+        </a:effectRef>
+        <a:fontRef idx="minor">
+          <a:schemeClr val="lt1"/>
+        </a:fontRef>
+      </dsp:style>
+      <dsp:txBody>
+        <a:bodyPr spcFirstLastPara="0" vert="horz" wrap="square" lIns="20320" tIns="15240" rIns="20320" bIns="15240" numCol="1" spcCol="1270" anchor="ctr" anchorCtr="0">
+          <a:noAutofit/>
+        </a:bodyPr>
+        <a:lstStyle/>
+        <a:p>
+          <a:pPr marL="0" lvl="0" indent="0" algn="ctr" defTabSz="355600" rtl="1">
+            <a:lnSpc>
+              <a:spcPct val="90000"/>
+            </a:lnSpc>
+            <a:spcBef>
+              <a:spcPct val="0"/>
+            </a:spcBef>
+            <a:spcAft>
+              <a:spcPct val="35000"/>
+            </a:spcAft>
+            <a:buNone/>
+          </a:pPr>
+          <a:r>
+            <a:rPr lang="en-US" sz="800" kern="1200">
+              <a:latin typeface="Trebuchet MS" panose="020B0603020202020204" pitchFamily="34" charset="0"/>
+            </a:rPr>
+            <a:t>NoneType</a:t>
+          </a:r>
+          <a:endParaRPr lang="fa-IR" sz="800" kern="1200" dirty="0">
+            <a:latin typeface="Trebuchet MS" panose="020B0603020202020204" pitchFamily="34" charset="0"/>
+          </a:endParaRPr>
+        </a:p>
+      </dsp:txBody>
+      <dsp:txXfrm>
+        <a:off x="2372261" y="459954"/>
+        <a:ext cx="564101" cy="921494"/>
       </dsp:txXfrm>
     </dsp:sp>
   </dsp:spTree>
@@ -5879,7 +8626,1268 @@
 </dgm:layoutDef>
 </file>
 
+<file path=ppt/diagrams/layout2.xml><?xml version="1.0" encoding="utf-8"?>
+<dgm:layoutDef xmlns:dgm="http://schemas.openxmlformats.org/drawingml/2006/diagram" xmlns:a="http://schemas.openxmlformats.org/drawingml/2006/main" uniqueId="urn:microsoft.com/office/officeart/2005/8/layout/lProcess2">
+  <dgm:title val=""/>
+  <dgm:desc val=""/>
+  <dgm:catLst>
+    <dgm:cat type="list" pri="10000"/>
+    <dgm:cat type="relationship" pri="13000"/>
+  </dgm:catLst>
+  <dgm:sampData>
+    <dgm:dataModel>
+      <dgm:ptLst>
+        <dgm:pt modelId="0" type="doc"/>
+        <dgm:pt modelId="1">
+          <dgm:prSet phldr="1"/>
+        </dgm:pt>
+        <dgm:pt modelId="11">
+          <dgm:prSet phldr="1"/>
+        </dgm:pt>
+        <dgm:pt modelId="12">
+          <dgm:prSet phldr="1"/>
+        </dgm:pt>
+        <dgm:pt modelId="2">
+          <dgm:prSet phldr="1"/>
+        </dgm:pt>
+        <dgm:pt modelId="21">
+          <dgm:prSet phldr="1"/>
+        </dgm:pt>
+        <dgm:pt modelId="22">
+          <dgm:prSet phldr="1"/>
+        </dgm:pt>
+        <dgm:pt modelId="3">
+          <dgm:prSet phldr="1"/>
+        </dgm:pt>
+        <dgm:pt modelId="31">
+          <dgm:prSet phldr="1"/>
+        </dgm:pt>
+        <dgm:pt modelId="32">
+          <dgm:prSet phldr="1"/>
+        </dgm:pt>
+      </dgm:ptLst>
+      <dgm:cxnLst>
+        <dgm:cxn modelId="4" srcId="0" destId="1" srcOrd="0" destOrd="0"/>
+        <dgm:cxn modelId="5" srcId="0" destId="2" srcOrd="1" destOrd="0"/>
+        <dgm:cxn modelId="13" srcId="1" destId="11" srcOrd="0" destOrd="0"/>
+        <dgm:cxn modelId="14" srcId="1" destId="12" srcOrd="0" destOrd="0"/>
+        <dgm:cxn modelId="23" srcId="2" destId="21" srcOrd="0" destOrd="0"/>
+        <dgm:cxn modelId="24" srcId="2" destId="22" srcOrd="0" destOrd="0"/>
+        <dgm:cxn modelId="33" srcId="3" destId="31" srcOrd="0" destOrd="0"/>
+        <dgm:cxn modelId="34" srcId="3" destId="32" srcOrd="0" destOrd="0"/>
+      </dgm:cxnLst>
+      <dgm:bg/>
+      <dgm:whole/>
+    </dgm:dataModel>
+  </dgm:sampData>
+  <dgm:styleData useDef="1">
+    <dgm:dataModel>
+      <dgm:ptLst/>
+      <dgm:bg/>
+      <dgm:whole/>
+    </dgm:dataModel>
+  </dgm:styleData>
+  <dgm:clrData useDef="1">
+    <dgm:dataModel>
+      <dgm:ptLst/>
+      <dgm:bg/>
+      <dgm:whole/>
+    </dgm:dataModel>
+  </dgm:clrData>
+  <dgm:layoutNode name="theList">
+    <dgm:varLst>
+      <dgm:dir/>
+      <dgm:animLvl val="lvl"/>
+      <dgm:resizeHandles val="exact"/>
+    </dgm:varLst>
+    <dgm:choose name="Name0">
+      <dgm:if name="Name1" func="var" arg="dir" op="equ" val="norm">
+        <dgm:alg type="lin"/>
+      </dgm:if>
+      <dgm:else name="Name2">
+        <dgm:alg type="lin">
+          <dgm:param type="linDir" val="fromR"/>
+        </dgm:alg>
+      </dgm:else>
+    </dgm:choose>
+    <dgm:shape xmlns:r="http://schemas.openxmlformats.org/officeDocument/2006/relationships" r:blip="">
+      <dgm:adjLst/>
+    </dgm:shape>
+    <dgm:presOf/>
+    <dgm:constrLst>
+      <dgm:constr type="w" for="ch" forName="compNode" refType="w"/>
+      <dgm:constr type="h" for="ch" forName="compNode" refType="h"/>
+      <dgm:constr type="w" for="ch" forName="aSpace" refType="w" fact="0.075"/>
+      <dgm:constr type="h" for="des" forName="aSpace2" refType="h" fact="0.1"/>
+      <dgm:constr type="primFontSz" for="des" forName="textNode" op="equ"/>
+      <dgm:constr type="primFontSz" for="des" forName="childNode" op="equ"/>
+    </dgm:constrLst>
+    <dgm:ruleLst/>
+    <dgm:forEach name="aNodeForEach" axis="ch" ptType="node">
+      <dgm:layoutNode name="compNode">
+        <dgm:alg type="composite"/>
+        <dgm:shape xmlns:r="http://schemas.openxmlformats.org/officeDocument/2006/relationships" r:blip="">
+          <dgm:adjLst/>
+        </dgm:shape>
+        <dgm:presOf/>
+        <dgm:constrLst>
+          <dgm:constr type="w" for="ch" forName="aNode" refType="w"/>
+          <dgm:constr type="h" for="ch" forName="aNode" refType="h"/>
+          <dgm:constr type="w" for="ch" forName="textNode" refType="w"/>
+          <dgm:constr type="h" for="ch" forName="textNode" refType="h" fact="0.3"/>
+          <dgm:constr type="ctrX" for="ch" forName="textNode" refType="w" fact="0.5"/>
+          <dgm:constr type="w" for="ch" forName="compChildNode" refType="w" fact="0.8"/>
+          <dgm:constr type="h" for="ch" forName="compChildNode" refType="h" fact="0.65"/>
+          <dgm:constr type="t" for="ch" forName="compChildNode" refType="h" fact="0.3"/>
+          <dgm:constr type="ctrX" for="ch" forName="compChildNode" refType="w" fact="0.5"/>
+        </dgm:constrLst>
+        <dgm:ruleLst/>
+        <dgm:layoutNode name="aNode" styleLbl="bgShp">
+          <dgm:alg type="sp"/>
+          <dgm:shape xmlns:r="http://schemas.openxmlformats.org/officeDocument/2006/relationships" type="roundRect" r:blip="">
+            <dgm:adjLst>
+              <dgm:adj idx="1" val="0.1"/>
+            </dgm:adjLst>
+          </dgm:shape>
+          <dgm:presOf axis="self"/>
+          <dgm:constrLst/>
+          <dgm:ruleLst/>
+        </dgm:layoutNode>
+        <dgm:layoutNode name="textNode" styleLbl="bgShp">
+          <dgm:alg type="tx"/>
+          <dgm:shape xmlns:r="http://schemas.openxmlformats.org/officeDocument/2006/relationships" type="rect" r:blip="" hideGeom="1">
+            <dgm:adjLst>
+              <dgm:adj idx="1" val="0.1"/>
+            </dgm:adjLst>
+          </dgm:shape>
+          <dgm:presOf axis="self"/>
+          <dgm:constrLst>
+            <dgm:constr type="primFontSz" val="65"/>
+            <dgm:constr type="lMarg" refType="primFontSz" fact="0.3"/>
+            <dgm:constr type="rMarg" refType="primFontSz" fact="0.3"/>
+            <dgm:constr type="tMarg" refType="primFontSz" fact="0.3"/>
+            <dgm:constr type="bMarg" refType="primFontSz" fact="0.3"/>
+          </dgm:constrLst>
+          <dgm:ruleLst>
+            <dgm:rule type="primFontSz" val="5" fact="NaN" max="NaN"/>
+          </dgm:ruleLst>
+        </dgm:layoutNode>
+        <dgm:layoutNode name="compChildNode">
+          <dgm:alg type="composite"/>
+          <dgm:shape xmlns:r="http://schemas.openxmlformats.org/officeDocument/2006/relationships" r:blip="">
+            <dgm:adjLst/>
+          </dgm:shape>
+          <dgm:presOf/>
+          <dgm:constrLst>
+            <dgm:constr type="w" for="des" forName="childNode" refType="w"/>
+            <dgm:constr type="h" for="des" forName="childNode" refType="h"/>
+          </dgm:constrLst>
+          <dgm:ruleLst/>
+          <dgm:layoutNode name="theInnerList">
+            <dgm:alg type="lin">
+              <dgm:param type="linDir" val="fromT"/>
+            </dgm:alg>
+            <dgm:shape xmlns:r="http://schemas.openxmlformats.org/officeDocument/2006/relationships" r:blip="">
+              <dgm:adjLst/>
+            </dgm:shape>
+            <dgm:presOf/>
+            <dgm:constrLst/>
+            <dgm:ruleLst/>
+            <dgm:forEach name="childNodeForEach" axis="ch" ptType="node">
+              <dgm:layoutNode name="childNode" styleLbl="node1">
+                <dgm:varLst>
+                  <dgm:bulletEnabled val="1"/>
+                </dgm:varLst>
+                <dgm:alg type="tx"/>
+                <dgm:shape xmlns:r="http://schemas.openxmlformats.org/officeDocument/2006/relationships" type="roundRect" r:blip="">
+                  <dgm:adjLst>
+                    <dgm:adj idx="1" val="0.1"/>
+                  </dgm:adjLst>
+                </dgm:shape>
+                <dgm:presOf axis="desOrSelf" ptType="node"/>
+                <dgm:constrLst>
+                  <dgm:constr type="primFontSz" val="65"/>
+                  <dgm:constr type="tMarg" refType="primFontSz" fact="0.15"/>
+                  <dgm:constr type="bMarg" refType="primFontSz" fact="0.15"/>
+                  <dgm:constr type="lMarg" refType="primFontSz" fact="0.2"/>
+                  <dgm:constr type="rMarg" refType="primFontSz" fact="0.2"/>
+                </dgm:constrLst>
+                <dgm:ruleLst>
+                  <dgm:rule type="primFontSz" val="5" fact="NaN" max="NaN"/>
+                </dgm:ruleLst>
+              </dgm:layoutNode>
+              <dgm:choose name="Name3">
+                <dgm:if name="Name4" axis="self" ptType="node" func="revPos" op="equ" val="1"/>
+                <dgm:else name="Name5">
+                  <dgm:layoutNode name="aSpace2">
+                    <dgm:alg type="sp"/>
+                    <dgm:shape xmlns:r="http://schemas.openxmlformats.org/officeDocument/2006/relationships" r:blip="">
+                      <dgm:adjLst/>
+                    </dgm:shape>
+                    <dgm:presOf/>
+                    <dgm:constrLst/>
+                    <dgm:ruleLst/>
+                  </dgm:layoutNode>
+                </dgm:else>
+              </dgm:choose>
+            </dgm:forEach>
+          </dgm:layoutNode>
+        </dgm:layoutNode>
+      </dgm:layoutNode>
+      <dgm:choose name="Name6">
+        <dgm:if name="Name7" axis="self" ptType="node" func="revPos" op="equ" val="1"/>
+        <dgm:else name="Name8">
+          <dgm:layoutNode name="aSpace">
+            <dgm:alg type="sp"/>
+            <dgm:shape xmlns:r="http://schemas.openxmlformats.org/officeDocument/2006/relationships" r:blip="">
+              <dgm:adjLst/>
+            </dgm:shape>
+            <dgm:presOf/>
+            <dgm:constrLst/>
+            <dgm:ruleLst/>
+          </dgm:layoutNode>
+        </dgm:else>
+      </dgm:choose>
+    </dgm:forEach>
+  </dgm:layoutNode>
+</dgm:layoutDef>
+</file>
+
 <file path=ppt/diagrams/quickStyle1.xml><?xml version="1.0" encoding="utf-8"?>
+<dgm:styleDef xmlns:dgm="http://schemas.openxmlformats.org/drawingml/2006/diagram" xmlns:a="http://schemas.openxmlformats.org/drawingml/2006/main" uniqueId="urn:microsoft.com/office/officeart/2005/8/quickstyle/simple1">
+  <dgm:title val=""/>
+  <dgm:desc val=""/>
+  <dgm:catLst>
+    <dgm:cat type="simple" pri="10100"/>
+  </dgm:catLst>
+  <dgm:scene3d>
+    <a:camera prst="orthographicFront"/>
+    <a:lightRig rig="threePt" dir="t"/>
+  </dgm:scene3d>
+  <dgm:styleLbl name="node0">
+    <dgm:scene3d>
+      <a:camera prst="orthographicFront"/>
+      <a:lightRig rig="threePt" dir="t"/>
+    </dgm:scene3d>
+    <dgm:sp3d/>
+    <dgm:txPr/>
+    <dgm:style>
+      <a:lnRef idx="2">
+        <a:scrgbClr r="0" g="0" b="0"/>
+      </a:lnRef>
+      <a:fillRef idx="1">
+        <a:scrgbClr r="0" g="0" b="0"/>
+      </a:fillRef>
+      <a:effectRef idx="0">
+        <a:scrgbClr r="0" g="0" b="0"/>
+      </a:effectRef>
+      <a:fontRef idx="minor">
+        <a:schemeClr val="lt1"/>
+      </a:fontRef>
+    </dgm:style>
+  </dgm:styleLbl>
+  <dgm:styleLbl name="lnNode1">
+    <dgm:scene3d>
+      <a:camera prst="orthographicFront"/>
+      <a:lightRig rig="threePt" dir="t"/>
+    </dgm:scene3d>
+    <dgm:sp3d/>
+    <dgm:txPr/>
+    <dgm:style>
+      <a:lnRef idx="2">
+        <a:scrgbClr r="0" g="0" b="0"/>
+      </a:lnRef>
+      <a:fillRef idx="1">
+        <a:scrgbClr r="0" g="0" b="0"/>
+      </a:fillRef>
+      <a:effectRef idx="0">
+        <a:scrgbClr r="0" g="0" b="0"/>
+      </a:effectRef>
+      <a:fontRef idx="minor">
+        <a:schemeClr val="lt1"/>
+      </a:fontRef>
+    </dgm:style>
+  </dgm:styleLbl>
+  <dgm:styleLbl name="vennNode1">
+    <dgm:scene3d>
+      <a:camera prst="orthographicFront"/>
+      <a:lightRig rig="threePt" dir="t"/>
+    </dgm:scene3d>
+    <dgm:sp3d/>
+    <dgm:txPr/>
+    <dgm:style>
+      <a:lnRef idx="2">
+        <a:scrgbClr r="0" g="0" b="0"/>
+      </a:lnRef>
+      <a:fillRef idx="1">
+        <a:scrgbClr r="0" g="0" b="0"/>
+      </a:fillRef>
+      <a:effectRef idx="0">
+        <a:scrgbClr r="0" g="0" b="0"/>
+      </a:effectRef>
+      <a:fontRef idx="minor">
+        <a:schemeClr val="tx1"/>
+      </a:fontRef>
+    </dgm:style>
+  </dgm:styleLbl>
+  <dgm:styleLbl name="alignNode1">
+    <dgm:scene3d>
+      <a:camera prst="orthographicFront"/>
+      <a:lightRig rig="threePt" dir="t"/>
+    </dgm:scene3d>
+    <dgm:sp3d/>
+    <dgm:txPr/>
+    <dgm:style>
+      <a:lnRef idx="2">
+        <a:scrgbClr r="0" g="0" b="0"/>
+      </a:lnRef>
+      <a:fillRef idx="1">
+        <a:scrgbClr r="0" g="0" b="0"/>
+      </a:fillRef>
+      <a:effectRef idx="0">
+        <a:scrgbClr r="0" g="0" b="0"/>
+      </a:effectRef>
+      <a:fontRef idx="minor">
+        <a:schemeClr val="lt1"/>
+      </a:fontRef>
+    </dgm:style>
+  </dgm:styleLbl>
+  <dgm:styleLbl name="node1">
+    <dgm:scene3d>
+      <a:camera prst="orthographicFront"/>
+      <a:lightRig rig="threePt" dir="t"/>
+    </dgm:scene3d>
+    <dgm:sp3d/>
+    <dgm:txPr/>
+    <dgm:style>
+      <a:lnRef idx="2">
+        <a:scrgbClr r="0" g="0" b="0"/>
+      </a:lnRef>
+      <a:fillRef idx="1">
+        <a:scrgbClr r="0" g="0" b="0"/>
+      </a:fillRef>
+      <a:effectRef idx="0">
+        <a:scrgbClr r="0" g="0" b="0"/>
+      </a:effectRef>
+      <a:fontRef idx="minor">
+        <a:schemeClr val="lt1"/>
+      </a:fontRef>
+    </dgm:style>
+  </dgm:styleLbl>
+  <dgm:styleLbl name="node2">
+    <dgm:scene3d>
+      <a:camera prst="orthographicFront"/>
+      <a:lightRig rig="threePt" dir="t"/>
+    </dgm:scene3d>
+    <dgm:sp3d/>
+    <dgm:txPr/>
+    <dgm:style>
+      <a:lnRef idx="2">
+        <a:scrgbClr r="0" g="0" b="0"/>
+      </a:lnRef>
+      <a:fillRef idx="1">
+        <a:scrgbClr r="0" g="0" b="0"/>
+      </a:fillRef>
+      <a:effectRef idx="0">
+        <a:scrgbClr r="0" g="0" b="0"/>
+      </a:effectRef>
+      <a:fontRef idx="minor">
+        <a:schemeClr val="lt1"/>
+      </a:fontRef>
+    </dgm:style>
+  </dgm:styleLbl>
+  <dgm:styleLbl name="node3">
+    <dgm:scene3d>
+      <a:camera prst="orthographicFront"/>
+      <a:lightRig rig="threePt" dir="t"/>
+    </dgm:scene3d>
+    <dgm:sp3d/>
+    <dgm:txPr/>
+    <dgm:style>
+      <a:lnRef idx="2">
+        <a:scrgbClr r="0" g="0" b="0"/>
+      </a:lnRef>
+      <a:fillRef idx="1">
+        <a:scrgbClr r="0" g="0" b="0"/>
+      </a:fillRef>
+      <a:effectRef idx="0">
+        <a:scrgbClr r="0" g="0" b="0"/>
+      </a:effectRef>
+      <a:fontRef idx="minor">
+        <a:schemeClr val="lt1"/>
+      </a:fontRef>
+    </dgm:style>
+  </dgm:styleLbl>
+  <dgm:styleLbl name="node4">
+    <dgm:scene3d>
+      <a:camera prst="orthographicFront"/>
+      <a:lightRig rig="threePt" dir="t"/>
+    </dgm:scene3d>
+    <dgm:sp3d/>
+    <dgm:txPr/>
+    <dgm:style>
+      <a:lnRef idx="2">
+        <a:scrgbClr r="0" g="0" b="0"/>
+      </a:lnRef>
+      <a:fillRef idx="1">
+        <a:scrgbClr r="0" g="0" b="0"/>
+      </a:fillRef>
+      <a:effectRef idx="0">
+        <a:scrgbClr r="0" g="0" b="0"/>
+      </a:effectRef>
+      <a:fontRef idx="minor">
+        <a:schemeClr val="lt1"/>
+      </a:fontRef>
+    </dgm:style>
+  </dgm:styleLbl>
+  <dgm:styleLbl name="fgImgPlace1">
+    <dgm:scene3d>
+      <a:camera prst="orthographicFront"/>
+      <a:lightRig rig="threePt" dir="t"/>
+    </dgm:scene3d>
+    <dgm:sp3d/>
+    <dgm:txPr/>
+    <dgm:style>
+      <a:lnRef idx="2">
+        <a:scrgbClr r="0" g="0" b="0"/>
+      </a:lnRef>
+      <a:fillRef idx="1">
+        <a:scrgbClr r="0" g="0" b="0"/>
+      </a:fillRef>
+      <a:effectRef idx="0">
+        <a:scrgbClr r="0" g="0" b="0"/>
+      </a:effectRef>
+      <a:fontRef idx="minor"/>
+    </dgm:style>
+  </dgm:styleLbl>
+  <dgm:styleLbl name="alignImgPlace1">
+    <dgm:scene3d>
+      <a:camera prst="orthographicFront"/>
+      <a:lightRig rig="threePt" dir="t"/>
+    </dgm:scene3d>
+    <dgm:sp3d/>
+    <dgm:txPr/>
+    <dgm:style>
+      <a:lnRef idx="2">
+        <a:scrgbClr r="0" g="0" b="0"/>
+      </a:lnRef>
+      <a:fillRef idx="1">
+        <a:scrgbClr r="0" g="0" b="0"/>
+      </a:fillRef>
+      <a:effectRef idx="0">
+        <a:scrgbClr r="0" g="0" b="0"/>
+      </a:effectRef>
+      <a:fontRef idx="minor"/>
+    </dgm:style>
+  </dgm:styleLbl>
+  <dgm:styleLbl name="bgImgPlace1">
+    <dgm:scene3d>
+      <a:camera prst="orthographicFront"/>
+      <a:lightRig rig="threePt" dir="t"/>
+    </dgm:scene3d>
+    <dgm:sp3d/>
+    <dgm:txPr/>
+    <dgm:style>
+      <a:lnRef idx="2">
+        <a:scrgbClr r="0" g="0" b="0"/>
+      </a:lnRef>
+      <a:fillRef idx="1">
+        <a:scrgbClr r="0" g="0" b="0"/>
+      </a:fillRef>
+      <a:effectRef idx="0">
+        <a:scrgbClr r="0" g="0" b="0"/>
+      </a:effectRef>
+      <a:fontRef idx="minor"/>
+    </dgm:style>
+  </dgm:styleLbl>
+  <dgm:styleLbl name="sibTrans2D1">
+    <dgm:scene3d>
+      <a:camera prst="orthographicFront"/>
+      <a:lightRig rig="threePt" dir="t"/>
+    </dgm:scene3d>
+    <dgm:sp3d/>
+    <dgm:txPr/>
+    <dgm:style>
+      <a:lnRef idx="0">
+        <a:scrgbClr r="0" g="0" b="0"/>
+      </a:lnRef>
+      <a:fillRef idx="1">
+        <a:scrgbClr r="0" g="0" b="0"/>
+      </a:fillRef>
+      <a:effectRef idx="0">
+        <a:scrgbClr r="0" g="0" b="0"/>
+      </a:effectRef>
+      <a:fontRef idx="minor">
+        <a:schemeClr val="lt1"/>
+      </a:fontRef>
+    </dgm:style>
+  </dgm:styleLbl>
+  <dgm:styleLbl name="fgSibTrans2D1">
+    <dgm:scene3d>
+      <a:camera prst="orthographicFront"/>
+      <a:lightRig rig="threePt" dir="t"/>
+    </dgm:scene3d>
+    <dgm:sp3d/>
+    <dgm:txPr/>
+    <dgm:style>
+      <a:lnRef idx="0">
+        <a:scrgbClr r="0" g="0" b="0"/>
+      </a:lnRef>
+      <a:fillRef idx="1">
+        <a:scrgbClr r="0" g="0" b="0"/>
+      </a:fillRef>
+      <a:effectRef idx="0">
+        <a:scrgbClr r="0" g="0" b="0"/>
+      </a:effectRef>
+      <a:fontRef idx="minor">
+        <a:schemeClr val="lt1"/>
+      </a:fontRef>
+    </dgm:style>
+  </dgm:styleLbl>
+  <dgm:styleLbl name="bgSibTrans2D1">
+    <dgm:scene3d>
+      <a:camera prst="orthographicFront"/>
+      <a:lightRig rig="threePt" dir="t"/>
+    </dgm:scene3d>
+    <dgm:sp3d/>
+    <dgm:txPr/>
+    <dgm:style>
+      <a:lnRef idx="0">
+        <a:scrgbClr r="0" g="0" b="0"/>
+      </a:lnRef>
+      <a:fillRef idx="1">
+        <a:scrgbClr r="0" g="0" b="0"/>
+      </a:fillRef>
+      <a:effectRef idx="0">
+        <a:scrgbClr r="0" g="0" b="0"/>
+      </a:effectRef>
+      <a:fontRef idx="minor">
+        <a:schemeClr val="lt1"/>
+      </a:fontRef>
+    </dgm:style>
+  </dgm:styleLbl>
+  <dgm:styleLbl name="sibTrans1D1">
+    <dgm:scene3d>
+      <a:camera prst="orthographicFront"/>
+      <a:lightRig rig="threePt" dir="t"/>
+    </dgm:scene3d>
+    <dgm:sp3d/>
+    <dgm:txPr/>
+    <dgm:style>
+      <a:lnRef idx="1">
+        <a:scrgbClr r="0" g="0" b="0"/>
+      </a:lnRef>
+      <a:fillRef idx="0">
+        <a:scrgbClr r="0" g="0" b="0"/>
+      </a:fillRef>
+      <a:effectRef idx="0">
+        <a:scrgbClr r="0" g="0" b="0"/>
+      </a:effectRef>
+      <a:fontRef idx="minor"/>
+    </dgm:style>
+  </dgm:styleLbl>
+  <dgm:styleLbl name="callout">
+    <dgm:scene3d>
+      <a:camera prst="orthographicFront"/>
+      <a:lightRig rig="threePt" dir="t"/>
+    </dgm:scene3d>
+    <dgm:sp3d/>
+    <dgm:txPr/>
+    <dgm:style>
+      <a:lnRef idx="2">
+        <a:scrgbClr r="0" g="0" b="0"/>
+      </a:lnRef>
+      <a:fillRef idx="1">
+        <a:scrgbClr r="0" g="0" b="0"/>
+      </a:fillRef>
+      <a:effectRef idx="0">
+        <a:scrgbClr r="0" g="0" b="0"/>
+      </a:effectRef>
+      <a:fontRef idx="minor"/>
+    </dgm:style>
+  </dgm:styleLbl>
+  <dgm:styleLbl name="asst0">
+    <dgm:scene3d>
+      <a:camera prst="orthographicFront"/>
+      <a:lightRig rig="threePt" dir="t"/>
+    </dgm:scene3d>
+    <dgm:sp3d/>
+    <dgm:txPr/>
+    <dgm:style>
+      <a:lnRef idx="2">
+        <a:scrgbClr r="0" g="0" b="0"/>
+      </a:lnRef>
+      <a:fillRef idx="1">
+        <a:scrgbClr r="0" g="0" b="0"/>
+      </a:fillRef>
+      <a:effectRef idx="0">
+        <a:scrgbClr r="0" g="0" b="0"/>
+      </a:effectRef>
+      <a:fontRef idx="minor">
+        <a:schemeClr val="lt1"/>
+      </a:fontRef>
+    </dgm:style>
+  </dgm:styleLbl>
+  <dgm:styleLbl name="asst1">
+    <dgm:scene3d>
+      <a:camera prst="orthographicFront"/>
+      <a:lightRig rig="threePt" dir="t"/>
+    </dgm:scene3d>
+    <dgm:sp3d/>
+    <dgm:txPr/>
+    <dgm:style>
+      <a:lnRef idx="2">
+        <a:scrgbClr r="0" g="0" b="0"/>
+      </a:lnRef>
+      <a:fillRef idx="1">
+        <a:scrgbClr r="0" g="0" b="0"/>
+      </a:fillRef>
+      <a:effectRef idx="0">
+        <a:scrgbClr r="0" g="0" b="0"/>
+      </a:effectRef>
+      <a:fontRef idx="minor">
+        <a:schemeClr val="lt1"/>
+      </a:fontRef>
+    </dgm:style>
+  </dgm:styleLbl>
+  <dgm:styleLbl name="asst2">
+    <dgm:scene3d>
+      <a:camera prst="orthographicFront"/>
+      <a:lightRig rig="threePt" dir="t"/>
+    </dgm:scene3d>
+    <dgm:sp3d/>
+    <dgm:txPr/>
+    <dgm:style>
+      <a:lnRef idx="2">
+        <a:scrgbClr r="0" g="0" b="0"/>
+      </a:lnRef>
+      <a:fillRef idx="1">
+        <a:scrgbClr r="0" g="0" b="0"/>
+      </a:fillRef>
+      <a:effectRef idx="0">
+        <a:scrgbClr r="0" g="0" b="0"/>
+      </a:effectRef>
+      <a:fontRef idx="minor">
+        <a:schemeClr val="lt1"/>
+      </a:fontRef>
+    </dgm:style>
+  </dgm:styleLbl>
+  <dgm:styleLbl name="asst3">
+    <dgm:scene3d>
+      <a:camera prst="orthographicFront"/>
+      <a:lightRig rig="threePt" dir="t"/>
+    </dgm:scene3d>
+    <dgm:sp3d/>
+    <dgm:txPr/>
+    <dgm:style>
+      <a:lnRef idx="2">
+        <a:scrgbClr r="0" g="0" b="0"/>
+      </a:lnRef>
+      <a:fillRef idx="1">
+        <a:scrgbClr r="0" g="0" b="0"/>
+      </a:fillRef>
+      <a:effectRef idx="0">
+        <a:scrgbClr r="0" g="0" b="0"/>
+      </a:effectRef>
+      <a:fontRef idx="minor">
+        <a:schemeClr val="lt1"/>
+      </a:fontRef>
+    </dgm:style>
+  </dgm:styleLbl>
+  <dgm:styleLbl name="asst4">
+    <dgm:scene3d>
+      <a:camera prst="orthographicFront"/>
+      <a:lightRig rig="threePt" dir="t"/>
+    </dgm:scene3d>
+    <dgm:sp3d/>
+    <dgm:txPr/>
+    <dgm:style>
+      <a:lnRef idx="2">
+        <a:scrgbClr r="0" g="0" b="0"/>
+      </a:lnRef>
+      <a:fillRef idx="1">
+        <a:scrgbClr r="0" g="0" b="0"/>
+      </a:fillRef>
+      <a:effectRef idx="0">
+        <a:scrgbClr r="0" g="0" b="0"/>
+      </a:effectRef>
+      <a:fontRef idx="minor">
+        <a:schemeClr val="lt1"/>
+      </a:fontRef>
+    </dgm:style>
+  </dgm:styleLbl>
+  <dgm:styleLbl name="parChTrans2D1">
+    <dgm:scene3d>
+      <a:camera prst="orthographicFront"/>
+      <a:lightRig rig="threePt" dir="t"/>
+    </dgm:scene3d>
+    <dgm:sp3d/>
+    <dgm:txPr/>
+    <dgm:style>
+      <a:lnRef idx="2">
+        <a:scrgbClr r="0" g="0" b="0"/>
+      </a:lnRef>
+      <a:fillRef idx="1">
+        <a:scrgbClr r="0" g="0" b="0"/>
+      </a:fillRef>
+      <a:effectRef idx="0">
+        <a:scrgbClr r="0" g="0" b="0"/>
+      </a:effectRef>
+      <a:fontRef idx="minor">
+        <a:schemeClr val="lt1"/>
+      </a:fontRef>
+    </dgm:style>
+  </dgm:styleLbl>
+  <dgm:styleLbl name="parChTrans2D2">
+    <dgm:scene3d>
+      <a:camera prst="orthographicFront"/>
+      <a:lightRig rig="threePt" dir="t"/>
+    </dgm:scene3d>
+    <dgm:sp3d/>
+    <dgm:txPr/>
+    <dgm:style>
+      <a:lnRef idx="2">
+        <a:scrgbClr r="0" g="0" b="0"/>
+      </a:lnRef>
+      <a:fillRef idx="1">
+        <a:scrgbClr r="0" g="0" b="0"/>
+      </a:fillRef>
+      <a:effectRef idx="0">
+        <a:scrgbClr r="0" g="0" b="0"/>
+      </a:effectRef>
+      <a:fontRef idx="minor">
+        <a:schemeClr val="lt1"/>
+      </a:fontRef>
+    </dgm:style>
+  </dgm:styleLbl>
+  <dgm:styleLbl name="parChTrans2D3">
+    <dgm:scene3d>
+      <a:camera prst="orthographicFront"/>
+      <a:lightRig rig="threePt" dir="t"/>
+    </dgm:scene3d>
+    <dgm:sp3d/>
+    <dgm:txPr/>
+    <dgm:style>
+      <a:lnRef idx="2">
+        <a:scrgbClr r="0" g="0" b="0"/>
+      </a:lnRef>
+      <a:fillRef idx="1">
+        <a:scrgbClr r="0" g="0" b="0"/>
+      </a:fillRef>
+      <a:effectRef idx="0">
+        <a:scrgbClr r="0" g="0" b="0"/>
+      </a:effectRef>
+      <a:fontRef idx="minor">
+        <a:schemeClr val="lt1"/>
+      </a:fontRef>
+    </dgm:style>
+  </dgm:styleLbl>
+  <dgm:styleLbl name="parChTrans2D4">
+    <dgm:scene3d>
+      <a:camera prst="orthographicFront"/>
+      <a:lightRig rig="threePt" dir="t"/>
+    </dgm:scene3d>
+    <dgm:sp3d/>
+    <dgm:txPr/>
+    <dgm:style>
+      <a:lnRef idx="2">
+        <a:scrgbClr r="0" g="0" b="0"/>
+      </a:lnRef>
+      <a:fillRef idx="1">
+        <a:scrgbClr r="0" g="0" b="0"/>
+      </a:fillRef>
+      <a:effectRef idx="0">
+        <a:scrgbClr r="0" g="0" b="0"/>
+      </a:effectRef>
+      <a:fontRef idx="minor">
+        <a:schemeClr val="lt1"/>
+      </a:fontRef>
+    </dgm:style>
+  </dgm:styleLbl>
+  <dgm:styleLbl name="parChTrans1D1">
+    <dgm:scene3d>
+      <a:camera prst="orthographicFront"/>
+      <a:lightRig rig="threePt" dir="t"/>
+    </dgm:scene3d>
+    <dgm:sp3d/>
+    <dgm:txPr/>
+    <dgm:style>
+      <a:lnRef idx="2">
+        <a:scrgbClr r="0" g="0" b="0"/>
+      </a:lnRef>
+      <a:fillRef idx="0">
+        <a:scrgbClr r="0" g="0" b="0"/>
+      </a:fillRef>
+      <a:effectRef idx="0">
+        <a:scrgbClr r="0" g="0" b="0"/>
+      </a:effectRef>
+      <a:fontRef idx="minor"/>
+    </dgm:style>
+  </dgm:styleLbl>
+  <dgm:styleLbl name="parChTrans1D2">
+    <dgm:scene3d>
+      <a:camera prst="orthographicFront"/>
+      <a:lightRig rig="threePt" dir="t"/>
+    </dgm:scene3d>
+    <dgm:sp3d/>
+    <dgm:txPr/>
+    <dgm:style>
+      <a:lnRef idx="2">
+        <a:scrgbClr r="0" g="0" b="0"/>
+      </a:lnRef>
+      <a:fillRef idx="0">
+        <a:scrgbClr r="0" g="0" b="0"/>
+      </a:fillRef>
+      <a:effectRef idx="0">
+        <a:scrgbClr r="0" g="0" b="0"/>
+      </a:effectRef>
+      <a:fontRef idx="minor"/>
+    </dgm:style>
+  </dgm:styleLbl>
+  <dgm:styleLbl name="parChTrans1D3">
+    <dgm:scene3d>
+      <a:camera prst="orthographicFront"/>
+      <a:lightRig rig="threePt" dir="t"/>
+    </dgm:scene3d>
+    <dgm:sp3d/>
+    <dgm:txPr/>
+    <dgm:style>
+      <a:lnRef idx="2">
+        <a:scrgbClr r="0" g="0" b="0"/>
+      </a:lnRef>
+      <a:fillRef idx="0">
+        <a:scrgbClr r="0" g="0" b="0"/>
+      </a:fillRef>
+      <a:effectRef idx="0">
+        <a:scrgbClr r="0" g="0" b="0"/>
+      </a:effectRef>
+      <a:fontRef idx="minor"/>
+    </dgm:style>
+  </dgm:styleLbl>
+  <dgm:styleLbl name="parChTrans1D4">
+    <dgm:scene3d>
+      <a:camera prst="orthographicFront"/>
+      <a:lightRig rig="threePt" dir="t"/>
+    </dgm:scene3d>
+    <dgm:sp3d/>
+    <dgm:txPr/>
+    <dgm:style>
+      <a:lnRef idx="2">
+        <a:scrgbClr r="0" g="0" b="0"/>
+      </a:lnRef>
+      <a:fillRef idx="0">
+        <a:scrgbClr r="0" g="0" b="0"/>
+      </a:fillRef>
+      <a:effectRef idx="0">
+        <a:scrgbClr r="0" g="0" b="0"/>
+      </a:effectRef>
+      <a:fontRef idx="minor"/>
+    </dgm:style>
+  </dgm:styleLbl>
+  <dgm:styleLbl name="fgAcc1">
+    <dgm:scene3d>
+      <a:camera prst="orthographicFront"/>
+      <a:lightRig rig="threePt" dir="t"/>
+    </dgm:scene3d>
+    <dgm:sp3d/>
+    <dgm:txPr/>
+    <dgm:style>
+      <a:lnRef idx="2">
+        <a:scrgbClr r="0" g="0" b="0"/>
+      </a:lnRef>
+      <a:fillRef idx="1">
+        <a:scrgbClr r="0" g="0" b="0"/>
+      </a:fillRef>
+      <a:effectRef idx="0">
+        <a:scrgbClr r="0" g="0" b="0"/>
+      </a:effectRef>
+      <a:fontRef idx="minor"/>
+    </dgm:style>
+  </dgm:styleLbl>
+  <dgm:styleLbl name="conFgAcc1">
+    <dgm:scene3d>
+      <a:camera prst="orthographicFront"/>
+      <a:lightRig rig="threePt" dir="t"/>
+    </dgm:scene3d>
+    <dgm:sp3d/>
+    <dgm:txPr/>
+    <dgm:style>
+      <a:lnRef idx="2">
+        <a:scrgbClr r="0" g="0" b="0"/>
+      </a:lnRef>
+      <a:fillRef idx="1">
+        <a:scrgbClr r="0" g="0" b="0"/>
+      </a:fillRef>
+      <a:effectRef idx="0">
+        <a:scrgbClr r="0" g="0" b="0"/>
+      </a:effectRef>
+      <a:fontRef idx="minor"/>
+    </dgm:style>
+  </dgm:styleLbl>
+  <dgm:styleLbl name="alignAcc1">
+    <dgm:scene3d>
+      <a:camera prst="orthographicFront"/>
+      <a:lightRig rig="threePt" dir="t"/>
+    </dgm:scene3d>
+    <dgm:sp3d/>
+    <dgm:txPr/>
+    <dgm:style>
+      <a:lnRef idx="2">
+        <a:scrgbClr r="0" g="0" b="0"/>
+      </a:lnRef>
+      <a:fillRef idx="1">
+        <a:scrgbClr r="0" g="0" b="0"/>
+      </a:fillRef>
+      <a:effectRef idx="0">
+        <a:scrgbClr r="0" g="0" b="0"/>
+      </a:effectRef>
+      <a:fontRef idx="minor"/>
+    </dgm:style>
+  </dgm:styleLbl>
+  <dgm:styleLbl name="trAlignAcc1">
+    <dgm:scene3d>
+      <a:camera prst="orthographicFront"/>
+      <a:lightRig rig="threePt" dir="t"/>
+    </dgm:scene3d>
+    <dgm:sp3d/>
+    <dgm:txPr/>
+    <dgm:style>
+      <a:lnRef idx="1">
+        <a:scrgbClr r="0" g="0" b="0"/>
+      </a:lnRef>
+      <a:fillRef idx="1">
+        <a:scrgbClr r="0" g="0" b="0"/>
+      </a:fillRef>
+      <a:effectRef idx="0">
+        <a:scrgbClr r="0" g="0" b="0"/>
+      </a:effectRef>
+      <a:fontRef idx="minor"/>
+    </dgm:style>
+  </dgm:styleLbl>
+  <dgm:styleLbl name="bgAcc1">
+    <dgm:scene3d>
+      <a:camera prst="orthographicFront"/>
+      <a:lightRig rig="threePt" dir="t"/>
+    </dgm:scene3d>
+    <dgm:sp3d/>
+    <dgm:txPr/>
+    <dgm:style>
+      <a:lnRef idx="2">
+        <a:scrgbClr r="0" g="0" b="0"/>
+      </a:lnRef>
+      <a:fillRef idx="1">
+        <a:scrgbClr r="0" g="0" b="0"/>
+      </a:fillRef>
+      <a:effectRef idx="0">
+        <a:scrgbClr r="0" g="0" b="0"/>
+      </a:effectRef>
+      <a:fontRef idx="minor"/>
+    </dgm:style>
+  </dgm:styleLbl>
+  <dgm:styleLbl name="solidFgAcc1">
+    <dgm:scene3d>
+      <a:camera prst="orthographicFront"/>
+      <a:lightRig rig="threePt" dir="t"/>
+    </dgm:scene3d>
+    <dgm:sp3d/>
+    <dgm:txPr/>
+    <dgm:style>
+      <a:lnRef idx="2">
+        <a:scrgbClr r="0" g="0" b="0"/>
+      </a:lnRef>
+      <a:fillRef idx="1">
+        <a:scrgbClr r="0" g="0" b="0"/>
+      </a:fillRef>
+      <a:effectRef idx="0">
+        <a:scrgbClr r="0" g="0" b="0"/>
+      </a:effectRef>
+      <a:fontRef idx="minor"/>
+    </dgm:style>
+  </dgm:styleLbl>
+  <dgm:styleLbl name="solidAlignAcc1">
+    <dgm:scene3d>
+      <a:camera prst="orthographicFront"/>
+      <a:lightRig rig="threePt" dir="t"/>
+    </dgm:scene3d>
+    <dgm:sp3d/>
+    <dgm:txPr/>
+    <dgm:style>
+      <a:lnRef idx="2">
+        <a:scrgbClr r="0" g="0" b="0"/>
+      </a:lnRef>
+      <a:fillRef idx="1">
+        <a:scrgbClr r="0" g="0" b="0"/>
+      </a:fillRef>
+      <a:effectRef idx="0">
+        <a:scrgbClr r="0" g="0" b="0"/>
+      </a:effectRef>
+      <a:fontRef idx="minor"/>
+    </dgm:style>
+  </dgm:styleLbl>
+  <dgm:styleLbl name="solidBgAcc1">
+    <dgm:scene3d>
+      <a:camera prst="orthographicFront"/>
+      <a:lightRig rig="threePt" dir="t"/>
+    </dgm:scene3d>
+    <dgm:sp3d/>
+    <dgm:txPr/>
+    <dgm:style>
+      <a:lnRef idx="2">
+        <a:scrgbClr r="0" g="0" b="0"/>
+      </a:lnRef>
+      <a:fillRef idx="1">
+        <a:scrgbClr r="0" g="0" b="0"/>
+      </a:fillRef>
+      <a:effectRef idx="0">
+        <a:scrgbClr r="0" g="0" b="0"/>
+      </a:effectRef>
+      <a:fontRef idx="minor"/>
+    </dgm:style>
+  </dgm:styleLbl>
+  <dgm:styleLbl name="fgAccFollowNode1">
+    <dgm:scene3d>
+      <a:camera prst="orthographicFront"/>
+      <a:lightRig rig="threePt" dir="t"/>
+    </dgm:scene3d>
+    <dgm:sp3d/>
+    <dgm:txPr/>
+    <dgm:style>
+      <a:lnRef idx="2">
+        <a:scrgbClr r="0" g="0" b="0"/>
+      </a:lnRef>
+      <a:fillRef idx="1">
+        <a:scrgbClr r="0" g="0" b="0"/>
+      </a:fillRef>
+      <a:effectRef idx="0">
+        <a:scrgbClr r="0" g="0" b="0"/>
+      </a:effectRef>
+      <a:fontRef idx="minor"/>
+    </dgm:style>
+  </dgm:styleLbl>
+  <dgm:styleLbl name="alignAccFollowNode1">
+    <dgm:scene3d>
+      <a:camera prst="orthographicFront"/>
+      <a:lightRig rig="threePt" dir="t"/>
+    </dgm:scene3d>
+    <dgm:sp3d/>
+    <dgm:txPr/>
+    <dgm:style>
+      <a:lnRef idx="2">
+        <a:scrgbClr r="0" g="0" b="0"/>
+      </a:lnRef>
+      <a:fillRef idx="1">
+        <a:scrgbClr r="0" g="0" b="0"/>
+      </a:fillRef>
+      <a:effectRef idx="0">
+        <a:scrgbClr r="0" g="0" b="0"/>
+      </a:effectRef>
+      <a:fontRef idx="minor"/>
+    </dgm:style>
+  </dgm:styleLbl>
+  <dgm:styleLbl name="bgAccFollowNode1">
+    <dgm:scene3d>
+      <a:camera prst="orthographicFront"/>
+      <a:lightRig rig="threePt" dir="t"/>
+    </dgm:scene3d>
+    <dgm:sp3d/>
+    <dgm:txPr/>
+    <dgm:style>
+      <a:lnRef idx="2">
+        <a:scrgbClr r="0" g="0" b="0"/>
+      </a:lnRef>
+      <a:fillRef idx="1">
+        <a:scrgbClr r="0" g="0" b="0"/>
+      </a:fillRef>
+      <a:effectRef idx="0">
+        <a:scrgbClr r="0" g="0" b="0"/>
+      </a:effectRef>
+      <a:fontRef idx="minor"/>
+    </dgm:style>
+  </dgm:styleLbl>
+  <dgm:styleLbl name="fgAcc0">
+    <dgm:scene3d>
+      <a:camera prst="orthographicFront"/>
+      <a:lightRig rig="threePt" dir="t"/>
+    </dgm:scene3d>
+    <dgm:sp3d/>
+    <dgm:txPr/>
+    <dgm:style>
+      <a:lnRef idx="2">
+        <a:scrgbClr r="0" g="0" b="0"/>
+      </a:lnRef>
+      <a:fillRef idx="1">
+        <a:scrgbClr r="0" g="0" b="0"/>
+      </a:fillRef>
+      <a:effectRef idx="0">
+        <a:scrgbClr r="0" g="0" b="0"/>
+      </a:effectRef>
+      <a:fontRef idx="minor"/>
+    </dgm:style>
+  </dgm:styleLbl>
+  <dgm:styleLbl name="fgAcc2">
+    <dgm:scene3d>
+      <a:camera prst="orthographicFront"/>
+      <a:lightRig rig="threePt" dir="t"/>
+    </dgm:scene3d>
+    <dgm:sp3d/>
+    <dgm:txPr/>
+    <dgm:style>
+      <a:lnRef idx="2">
+        <a:scrgbClr r="0" g="0" b="0"/>
+      </a:lnRef>
+      <a:fillRef idx="1">
+        <a:scrgbClr r="0" g="0" b="0"/>
+      </a:fillRef>
+      <a:effectRef idx="0">
+        <a:scrgbClr r="0" g="0" b="0"/>
+      </a:effectRef>
+      <a:fontRef idx="minor"/>
+    </dgm:style>
+  </dgm:styleLbl>
+  <dgm:styleLbl name="fgAcc3">
+    <dgm:scene3d>
+      <a:camera prst="orthographicFront"/>
+      <a:lightRig rig="threePt" dir="t"/>
+    </dgm:scene3d>
+    <dgm:sp3d/>
+    <dgm:txPr/>
+    <dgm:style>
+      <a:lnRef idx="2">
+        <a:scrgbClr r="0" g="0" b="0"/>
+      </a:lnRef>
+      <a:fillRef idx="1">
+        <a:scrgbClr r="0" g="0" b="0"/>
+      </a:fillRef>
+      <a:effectRef idx="0">
+        <a:scrgbClr r="0" g="0" b="0"/>
+      </a:effectRef>
+      <a:fontRef idx="minor"/>
+    </dgm:style>
+  </dgm:styleLbl>
+  <dgm:styleLbl name="fgAcc4">
+    <dgm:scene3d>
+      <a:camera prst="orthographicFront"/>
+      <a:lightRig rig="threePt" dir="t"/>
+    </dgm:scene3d>
+    <dgm:sp3d/>
+    <dgm:txPr/>
+    <dgm:style>
+      <a:lnRef idx="2">
+        <a:scrgbClr r="0" g="0" b="0"/>
+      </a:lnRef>
+      <a:fillRef idx="1">
+        <a:scrgbClr r="0" g="0" b="0"/>
+      </a:fillRef>
+      <a:effectRef idx="0">
+        <a:scrgbClr r="0" g="0" b="0"/>
+      </a:effectRef>
+      <a:fontRef idx="minor"/>
+    </dgm:style>
+  </dgm:styleLbl>
+  <dgm:styleLbl name="bgShp">
+    <dgm:scene3d>
+      <a:camera prst="orthographicFront"/>
+      <a:lightRig rig="threePt" dir="t"/>
+    </dgm:scene3d>
+    <dgm:sp3d/>
+    <dgm:txPr/>
+    <dgm:style>
+      <a:lnRef idx="0">
+        <a:scrgbClr r="0" g="0" b="0"/>
+      </a:lnRef>
+      <a:fillRef idx="1">
+        <a:scrgbClr r="0" g="0" b="0"/>
+      </a:fillRef>
+      <a:effectRef idx="0">
+        <a:scrgbClr r="0" g="0" b="0"/>
+      </a:effectRef>
+      <a:fontRef idx="minor"/>
+    </dgm:style>
+  </dgm:styleLbl>
+  <dgm:styleLbl name="dkBgShp">
+    <dgm:scene3d>
+      <a:camera prst="orthographicFront"/>
+      <a:lightRig rig="threePt" dir="t"/>
+    </dgm:scene3d>
+    <dgm:sp3d/>
+    <dgm:txPr/>
+    <dgm:style>
+      <a:lnRef idx="0">
+        <a:scrgbClr r="0" g="0" b="0"/>
+      </a:lnRef>
+      <a:fillRef idx="1">
+        <a:scrgbClr r="0" g="0" b="0"/>
+      </a:fillRef>
+      <a:effectRef idx="0">
+        <a:scrgbClr r="0" g="0" b="0"/>
+      </a:effectRef>
+      <a:fontRef idx="minor"/>
+    </dgm:style>
+  </dgm:styleLbl>
+  <dgm:styleLbl name="trBgShp">
+    <dgm:scene3d>
+      <a:camera prst="orthographicFront"/>
+      <a:lightRig rig="threePt" dir="t"/>
+    </dgm:scene3d>
+    <dgm:sp3d/>
+    <dgm:txPr/>
+    <dgm:style>
+      <a:lnRef idx="0">
+        <a:scrgbClr r="0" g="0" b="0"/>
+      </a:lnRef>
+      <a:fillRef idx="1">
+        <a:scrgbClr r="0" g="0" b="0"/>
+      </a:fillRef>
+      <a:effectRef idx="0">
+        <a:scrgbClr r="0" g="0" b="0"/>
+      </a:effectRef>
+      <a:fontRef idx="minor"/>
+    </dgm:style>
+  </dgm:styleLbl>
+  <dgm:styleLbl name="fgShp">
+    <dgm:scene3d>
+      <a:camera prst="orthographicFront"/>
+      <a:lightRig rig="threePt" dir="t"/>
+    </dgm:scene3d>
+    <dgm:sp3d/>
+    <dgm:txPr/>
+    <dgm:style>
+      <a:lnRef idx="2">
+        <a:scrgbClr r="0" g="0" b="0"/>
+      </a:lnRef>
+      <a:fillRef idx="1">
+        <a:scrgbClr r="0" g="0" b="0"/>
+      </a:fillRef>
+      <a:effectRef idx="0">
+        <a:scrgbClr r="0" g="0" b="0"/>
+      </a:effectRef>
+      <a:fontRef idx="minor"/>
+    </dgm:style>
+  </dgm:styleLbl>
+  <dgm:styleLbl name="revTx">
+    <dgm:scene3d>
+      <a:camera prst="orthographicFront"/>
+      <a:lightRig rig="threePt" dir="t"/>
+    </dgm:scene3d>
+    <dgm:sp3d/>
+    <dgm:txPr/>
+    <dgm:style>
+      <a:lnRef idx="0">
+        <a:scrgbClr r="0" g="0" b="0"/>
+      </a:lnRef>
+      <a:fillRef idx="0">
+        <a:scrgbClr r="0" g="0" b="0"/>
+      </a:fillRef>
+      <a:effectRef idx="0">
+        <a:scrgbClr r="0" g="0" b="0"/>
+      </a:effectRef>
+      <a:fontRef idx="minor"/>
+    </dgm:style>
+  </dgm:styleLbl>
+</dgm:styleDef>
+</file>
+
+<file path=ppt/diagrams/quickStyle2.xml><?xml version="1.0" encoding="utf-8"?>
 <dgm:styleDef xmlns:dgm="http://schemas.openxmlformats.org/drawingml/2006/diagram" xmlns:a="http://schemas.openxmlformats.org/drawingml/2006/main" uniqueId="urn:microsoft.com/office/officeart/2005/8/quickstyle/simple1">
   <dgm:title val=""/>
   <dgm:desc val=""/>
@@ -8068,6 +12076,115 @@
     </p:spTree>
     <p:extLst>
       <p:ext uri="{BB962C8B-B14F-4D97-AF65-F5344CB8AC3E}">
+        <p14:creationId xmlns:p14="http://schemas.microsoft.com/office/powerpoint/2010/main" val="3371415903"/>
+      </p:ext>
+    </p:extLst>
+  </p:cSld>
+  <p:clrMapOvr>
+    <a:masterClrMapping/>
+  </p:clrMapOvr>
+</p:notes>
+</file>
+
+<file path=ppt/notesSlides/notesSlide6.xml><?xml version="1.0" encoding="utf-8"?>
+<p:notes xmlns:a="http://schemas.openxmlformats.org/drawingml/2006/main" xmlns:r="http://schemas.openxmlformats.org/officeDocument/2006/relationships" xmlns:p="http://schemas.openxmlformats.org/presentationml/2006/main" showMasterSp="0" showMasterPhAnim="0">
+  <p:cSld>
+    <p:spTree>
+      <p:nvGrpSpPr>
+        <p:cNvPr id="1" name="Shape 93"/>
+        <p:cNvGrpSpPr/>
+        <p:nvPr/>
+      </p:nvGrpSpPr>
+      <p:grpSpPr>
+        <a:xfrm>
+          <a:off x="0" y="0"/>
+          <a:ext cx="0" cy="0"/>
+          <a:chOff x="0" y="0"/>
+          <a:chExt cx="0" cy="0"/>
+        </a:xfrm>
+      </p:grpSpPr>
+      <p:sp>
+        <p:nvSpPr>
+          <p:cNvPr id="94" name="Google Shape;94;g35f391192_029:notes"/>
+          <p:cNvSpPr>
+            <a:spLocks noGrp="1" noRot="1" noChangeAspect="1"/>
+          </p:cNvSpPr>
+          <p:nvPr>
+            <p:ph type="sldImg" idx="2"/>
+          </p:nvPr>
+        </p:nvSpPr>
+        <p:spPr>
+          <a:xfrm>
+            <a:off x="381000" y="685800"/>
+            <a:ext cx="6096000" cy="3429000"/>
+          </a:xfrm>
+          <a:custGeom>
+            <a:avLst/>
+            <a:gdLst/>
+            <a:ahLst/>
+            <a:cxnLst/>
+            <a:rect l="l" t="t" r="r" b="b"/>
+            <a:pathLst>
+              <a:path w="120000" h="120000" extrusionOk="0">
+                <a:moveTo>
+                  <a:pt x="0" y="0"/>
+                </a:moveTo>
+                <a:lnTo>
+                  <a:pt x="120000" y="0"/>
+                </a:lnTo>
+                <a:lnTo>
+                  <a:pt x="120000" y="120000"/>
+                </a:lnTo>
+                <a:lnTo>
+                  <a:pt x="0" y="120000"/>
+                </a:lnTo>
+                <a:close/>
+              </a:path>
+            </a:pathLst>
+          </a:custGeom>
+        </p:spPr>
+      </p:sp>
+      <p:sp>
+        <p:nvSpPr>
+          <p:cNvPr id="95" name="Google Shape;95;g35f391192_029:notes"/>
+          <p:cNvSpPr txBox="1">
+            <a:spLocks noGrp="1"/>
+          </p:cNvSpPr>
+          <p:nvPr>
+            <p:ph type="body" idx="1"/>
+          </p:nvPr>
+        </p:nvSpPr>
+        <p:spPr>
+          <a:xfrm>
+            <a:off x="685800" y="4343400"/>
+            <a:ext cx="5486400" cy="4114800"/>
+          </a:xfrm>
+          <a:prstGeom prst="rect">
+            <a:avLst/>
+          </a:prstGeom>
+        </p:spPr>
+        <p:txBody>
+          <a:bodyPr spcFirstLastPara="1" wrap="square" lIns="91425" tIns="91425" rIns="91425" bIns="91425" anchor="t" anchorCtr="0">
+            <a:noAutofit/>
+          </a:bodyPr>
+          <a:lstStyle/>
+          <a:p>
+            <a:pPr marL="0" lvl="0" indent="0" algn="l" rtl="0">
+              <a:spcBef>
+                <a:spcPts val="0"/>
+              </a:spcBef>
+              <a:spcAft>
+                <a:spcPts val="0"/>
+              </a:spcAft>
+              <a:buNone/>
+            </a:pPr>
+            <a:endParaRPr/>
+          </a:p>
+        </p:txBody>
+      </p:sp>
+    </p:spTree>
+    <p:extLst>
+      <p:ext uri="{BB962C8B-B14F-4D97-AF65-F5344CB8AC3E}">
         <p14:creationId xmlns:p14="http://schemas.microsoft.com/office/powerpoint/2010/main" val="761799350"/>
       </p:ext>
     </p:extLst>
@@ -8078,7 +12195,7 @@
 </p:notes>
 </file>
 
-<file path=ppt/notesSlides/notesSlide6.xml><?xml version="1.0" encoding="utf-8"?>
+<file path=ppt/notesSlides/notesSlide7.xml><?xml version="1.0" encoding="utf-8"?>
 <p:notes xmlns:a="http://schemas.openxmlformats.org/drawingml/2006/main" xmlns:r="http://schemas.openxmlformats.org/officeDocument/2006/relationships" xmlns:p="http://schemas.openxmlformats.org/presentationml/2006/main" showMasterSp="0" showMasterPhAnim="0">
   <p:cSld>
     <p:spTree>
@@ -8182,7 +12299,7 @@
 </p:notes>
 </file>
 
-<file path=ppt/notesSlides/notesSlide7.xml><?xml version="1.0" encoding="utf-8"?>
+<file path=ppt/notesSlides/notesSlide8.xml><?xml version="1.0" encoding="utf-8"?>
 <p:notes xmlns:a="http://schemas.openxmlformats.org/drawingml/2006/main" xmlns:r="http://schemas.openxmlformats.org/officeDocument/2006/relationships" xmlns:p="http://schemas.openxmlformats.org/presentationml/2006/main" showMasterSp="0" showMasterPhAnim="0">
   <p:cSld>
     <p:spTree>
@@ -11817,7 +15934,7 @@
                 <a:latin typeface="Consolas" panose="020B0609020204030204" pitchFamily="49" charset="0"/>
                 <a:cs typeface="Courier New" panose="02070309020205020404" pitchFamily="49" charset="0"/>
               </a:rPr>
-              <a:t>print('Hello', ' World', </a:t>
+              <a:t>print('Hello', 'World', </a:t>
             </a:r>
             <a:r>
               <a:rPr lang="en-US" sz="1100">
@@ -11834,7 +15951,24 @@
                 <a:latin typeface="Consolas" panose="020B0609020204030204" pitchFamily="49" charset="0"/>
                 <a:cs typeface="Courier New" panose="02070309020205020404" pitchFamily="49" charset="0"/>
               </a:rPr>
-              <a:t>'!')</a:t>
+              <a:t>' ', </a:t>
+            </a:r>
+            <a:r>
+              <a:rPr lang="en-US" sz="1100">
+                <a:solidFill>
+                  <a:schemeClr val="accent1"/>
+                </a:solidFill>
+                <a:latin typeface="Consolas" panose="020B0609020204030204" pitchFamily="49" charset="0"/>
+                <a:cs typeface="Courier New" panose="02070309020205020404" pitchFamily="49" charset="0"/>
+              </a:rPr>
+              <a:t>end =</a:t>
+            </a:r>
+            <a:r>
+              <a:rPr lang="en-US" sz="1100">
+                <a:latin typeface="Consolas" panose="020B0609020204030204" pitchFamily="49" charset="0"/>
+                <a:cs typeface="Courier New" panose="02070309020205020404" pitchFamily="49" charset="0"/>
+              </a:rPr>
+              <a:t> '!')</a:t>
             </a:r>
           </a:p>
           <a:p>
@@ -12718,14 +16852,14 @@
           <p:nvPr>
             <p:extLst>
               <p:ext uri="{D42A27DB-BD31-4B8C-83A1-F6EECF244321}">
-                <p14:modId xmlns:p14="http://schemas.microsoft.com/office/powerpoint/2010/main" val="3732913035"/>
+                <p14:modId xmlns:p14="http://schemas.microsoft.com/office/powerpoint/2010/main" val="3719366471"/>
               </p:ext>
             </p:extLst>
           </p:nvPr>
         </p:nvGraphicFramePr>
         <p:xfrm>
-          <a:off x="2582734" y="1807447"/>
-          <a:ext cx="6096000" cy="2296751"/>
+          <a:off x="2392932" y="1807447"/>
+          <a:ext cx="5964918" cy="2296751"/>
         </p:xfrm>
         <a:graphic>
           <a:graphicData uri="http://schemas.openxmlformats.org/drawingml/2006/diagram">
@@ -21434,15 +25568,36 @@
             <a:pPr marL="76200" indent="0">
               <a:buNone/>
             </a:pPr>
-            <a:endParaRPr lang="en-US" sz="1400"/>
-          </a:p>
-          <a:p>
-            <a:pPr marL="76200" indent="0">
-              <a:buNone/>
-            </a:pPr>
             <a:r>
               <a:rPr lang="en-US" sz="1400"/>
-              <a:t>Use modules</a:t>
+              <a:t>Python module index: </a:t>
+            </a:r>
+            <a:r>
+              <a:rPr lang="en-US" sz="1400">
+                <a:latin typeface="Consolas" panose="020B0609020204030204" pitchFamily="49" charset="0"/>
+                <a:hlinkClick r:id="rId2"/>
+              </a:rPr>
+              <a:t>https://docs.python.org/3/py-modindex.html</a:t>
+            </a:r>
+            <a:endParaRPr lang="en-US" sz="1400">
+              <a:latin typeface="Consolas" panose="020B0609020204030204" pitchFamily="49" charset="0"/>
+            </a:endParaRPr>
+          </a:p>
+          <a:p>
+            <a:pPr marL="76200" indent="0">
+              <a:buNone/>
+            </a:pPr>
+            <a:endParaRPr lang="en-US" sz="1100">
+              <a:latin typeface="Consolas" panose="020B0609020204030204" pitchFamily="49" charset="0"/>
+            </a:endParaRPr>
+          </a:p>
+          <a:p>
+            <a:pPr marL="76200" indent="0">
+              <a:buNone/>
+            </a:pPr>
+            <a:r>
+              <a:rPr lang="en-US" sz="1400"/>
+              <a:t>Using a module</a:t>
             </a:r>
           </a:p>
           <a:p>
@@ -21576,7 +25731,7 @@
             </a:pPr>
             <a:r>
               <a:rPr lang="en-US" sz="1400"/>
-              <a:t>Import from Module</a:t>
+              <a:t>Import from a module</a:t>
             </a:r>
           </a:p>
           <a:p>
@@ -22067,35 +26222,16 @@
               <a:buNone/>
             </a:pPr>
             <a:r>
-              <a:rPr lang="en-US" sz="1400"/>
-              <a:t>Git is a </a:t>
-            </a:r>
-            <a:r>
               <a:rPr lang="en-US" sz="1400">
                 <a:solidFill>
                   <a:schemeClr val="accent1"/>
                 </a:solidFill>
               </a:rPr>
-              <a:t>version control </a:t>
+              <a:t>Git</a:t>
             </a:r>
             <a:r>
               <a:rPr lang="en-US" sz="1400"/>
-              <a:t>system.</a:t>
-            </a:r>
-          </a:p>
-          <a:p>
-            <a:pPr marL="76200" indent="0">
-              <a:buNone/>
-            </a:pPr>
-            <a:endParaRPr lang="en-US" sz="1400"/>
-          </a:p>
-          <a:p>
-            <a:pPr marL="76200" indent="0">
-              <a:buNone/>
-            </a:pPr>
-            <a:r>
-              <a:rPr lang="en-US" sz="1400"/>
-              <a:t>Git helps you </a:t>
+              <a:t> is a </a:t>
             </a:r>
             <a:r>
               <a:rPr lang="en-US" sz="1400">
@@ -22103,18 +26239,12 @@
                   <a:schemeClr val="accent1"/>
                 </a:solidFill>
               </a:rPr>
-              <a:t>keep track </a:t>
+              <a:t>version control </a:t>
             </a:r>
             <a:r>
               <a:rPr lang="en-US" sz="1400"/>
-              <a:t>of code changes.</a:t>
-            </a:r>
-          </a:p>
-          <a:p>
-            <a:pPr marL="76200" indent="0">
-              <a:buNone/>
-            </a:pPr>
-            <a:endParaRPr lang="en-US" sz="1400"/>
+              <a:t>system.</a:t>
+            </a:r>
           </a:p>
           <a:p>
             <a:pPr marL="76200" indent="0">
@@ -22122,7 +26252,7 @@
             </a:pPr>
             <a:r>
               <a:rPr lang="en-US" sz="1400"/>
-              <a:t>Git is used to </a:t>
+              <a:t>Git helps you </a:t>
             </a:r>
             <a:r>
               <a:rPr lang="en-US" sz="1400">
@@ -22130,18 +26260,33 @@
                   <a:schemeClr val="accent1"/>
                 </a:solidFill>
               </a:rPr>
+              <a:t>keep track </a:t>
+            </a:r>
+            <a:r>
+              <a:rPr lang="en-US" sz="1400"/>
+              <a:t>of code changes.</a:t>
+            </a:r>
+          </a:p>
+          <a:p>
+            <a:pPr marL="76200" indent="0">
+              <a:buNone/>
+            </a:pPr>
+            <a:r>
+              <a:rPr lang="en-US" sz="1400"/>
+              <a:t>Git is used to </a:t>
+            </a:r>
+            <a:r>
+              <a:rPr lang="en-US" sz="1400">
+                <a:solidFill>
+                  <a:schemeClr val="accent1"/>
+                </a:solidFill>
+              </a:rPr>
               <a:t>collaborate</a:t>
             </a:r>
             <a:r>
               <a:rPr lang="en-US" sz="1400"/>
               <a:t> on code.</a:t>
             </a:r>
-          </a:p>
-          <a:p>
-            <a:pPr marL="76200" indent="0">
-              <a:buNone/>
-            </a:pPr>
-            <a:endParaRPr lang="en-US" sz="1400"/>
           </a:p>
           <a:p>
             <a:pPr marL="76200" indent="0">
@@ -22294,7 +26439,176 @@
             </a:pPr>
             <a:r>
               <a:rPr lang="en-US" sz="1400"/>
-              <a:t>.</a:t>
+              <a:t>Import and use math</a:t>
+            </a:r>
+          </a:p>
+          <a:p>
+            <a:pPr marL="76200" indent="0">
+              <a:buNone/>
+            </a:pPr>
+            <a:r>
+              <a:rPr lang="en-US" sz="1100">
+                <a:latin typeface="Consolas" panose="020B0609020204030204" pitchFamily="49" charset="0"/>
+              </a:rPr>
+              <a:t>import </a:t>
+            </a:r>
+            <a:r>
+              <a:rPr lang="en-US" sz="1100">
+                <a:solidFill>
+                  <a:schemeClr val="accent1"/>
+                </a:solidFill>
+                <a:latin typeface="Consolas" panose="020B0609020204030204" pitchFamily="49" charset="0"/>
+              </a:rPr>
+              <a:t>math</a:t>
+            </a:r>
+          </a:p>
+          <a:p>
+            <a:pPr marL="76200" indent="0">
+              <a:buNone/>
+            </a:pPr>
+            <a:r>
+              <a:rPr lang="en-US" sz="1100">
+                <a:latin typeface="Consolas" panose="020B0609020204030204" pitchFamily="49" charset="0"/>
+              </a:rPr>
+              <a:t>print(math</a:t>
+            </a:r>
+            <a:r>
+              <a:rPr lang="en-US" sz="1100">
+                <a:solidFill>
+                  <a:schemeClr val="accent1"/>
+                </a:solidFill>
+                <a:latin typeface="Consolas" panose="020B0609020204030204" pitchFamily="49" charset="0"/>
+              </a:rPr>
+              <a:t>.sqrt(</a:t>
+            </a:r>
+            <a:r>
+              <a:rPr lang="en-US" sz="1100">
+                <a:latin typeface="Consolas" panose="020B0609020204030204" pitchFamily="49" charset="0"/>
+              </a:rPr>
+              <a:t>64</a:t>
+            </a:r>
+            <a:r>
+              <a:rPr lang="en-US" sz="1100">
+                <a:solidFill>
+                  <a:schemeClr val="accent1"/>
+                </a:solidFill>
+                <a:latin typeface="Consolas" panose="020B0609020204030204" pitchFamily="49" charset="0"/>
+              </a:rPr>
+              <a:t>)</a:t>
+            </a:r>
+            <a:r>
+              <a:rPr lang="en-US" sz="1100">
+                <a:latin typeface="Consolas" panose="020B0609020204030204" pitchFamily="49" charset="0"/>
+              </a:rPr>
+              <a:t>)</a:t>
+            </a:r>
+          </a:p>
+          <a:p>
+            <a:pPr marL="76200" indent="0">
+              <a:buNone/>
+            </a:pPr>
+            <a:r>
+              <a:rPr lang="en-US" sz="1100">
+                <a:latin typeface="Consolas" panose="020B0609020204030204" pitchFamily="49" charset="0"/>
+              </a:rPr>
+              <a:t>print(math</a:t>
+            </a:r>
+            <a:r>
+              <a:rPr lang="en-US" sz="1100">
+                <a:solidFill>
+                  <a:schemeClr val="accent1"/>
+                </a:solidFill>
+                <a:latin typeface="Consolas" panose="020B0609020204030204" pitchFamily="49" charset="0"/>
+              </a:rPr>
+              <a:t>.ceil(</a:t>
+            </a:r>
+            <a:r>
+              <a:rPr lang="en-US" sz="1100">
+                <a:latin typeface="Consolas" panose="020B0609020204030204" pitchFamily="49" charset="0"/>
+              </a:rPr>
+              <a:t>1.4</a:t>
+            </a:r>
+            <a:r>
+              <a:rPr lang="en-US" sz="1100">
+                <a:solidFill>
+                  <a:schemeClr val="accent1"/>
+                </a:solidFill>
+                <a:latin typeface="Consolas" panose="020B0609020204030204" pitchFamily="49" charset="0"/>
+              </a:rPr>
+              <a:t>)</a:t>
+            </a:r>
+            <a:r>
+              <a:rPr lang="en-US" sz="1100">
+                <a:latin typeface="Consolas" panose="020B0609020204030204" pitchFamily="49" charset="0"/>
+              </a:rPr>
+              <a:t>)</a:t>
+            </a:r>
+          </a:p>
+          <a:p>
+            <a:pPr marL="76200" indent="0">
+              <a:buNone/>
+            </a:pPr>
+            <a:r>
+              <a:rPr lang="en-US" sz="1100">
+                <a:latin typeface="Consolas" panose="020B0609020204030204" pitchFamily="49" charset="0"/>
+              </a:rPr>
+              <a:t>print(math</a:t>
+            </a:r>
+            <a:r>
+              <a:rPr lang="en-US" sz="1100">
+                <a:solidFill>
+                  <a:schemeClr val="accent1"/>
+                </a:solidFill>
+                <a:latin typeface="Consolas" panose="020B0609020204030204" pitchFamily="49" charset="0"/>
+              </a:rPr>
+              <a:t>.floor(</a:t>
+            </a:r>
+            <a:r>
+              <a:rPr lang="en-US" sz="1100">
+                <a:latin typeface="Consolas" panose="020B0609020204030204" pitchFamily="49" charset="0"/>
+              </a:rPr>
+              <a:t>1.4</a:t>
+            </a:r>
+            <a:r>
+              <a:rPr lang="en-US" sz="1100">
+                <a:solidFill>
+                  <a:schemeClr val="accent1"/>
+                </a:solidFill>
+                <a:latin typeface="Consolas" panose="020B0609020204030204" pitchFamily="49" charset="0"/>
+              </a:rPr>
+              <a:t>)</a:t>
+            </a:r>
+            <a:r>
+              <a:rPr lang="en-US" sz="1100">
+                <a:latin typeface="Consolas" panose="020B0609020204030204" pitchFamily="49" charset="0"/>
+              </a:rPr>
+              <a:t>)</a:t>
+            </a:r>
+          </a:p>
+          <a:p>
+            <a:pPr marL="76200" indent="0">
+              <a:buNone/>
+            </a:pPr>
+            <a:r>
+              <a:rPr lang="en-US" sz="1100">
+                <a:latin typeface="Consolas" panose="020B0609020204030204" pitchFamily="49" charset="0"/>
+              </a:rPr>
+              <a:t>print(math</a:t>
+            </a:r>
+            <a:r>
+              <a:rPr lang="en-US" sz="1100">
+                <a:solidFill>
+                  <a:schemeClr val="accent1"/>
+                </a:solidFill>
+                <a:latin typeface="Consolas" panose="020B0609020204030204" pitchFamily="49" charset="0"/>
+              </a:rPr>
+              <a:t>.pi</a:t>
+            </a:r>
+            <a:r>
+              <a:rPr lang="en-US" sz="1100">
+                <a:latin typeface="Consolas" panose="020B0609020204030204" pitchFamily="49" charset="0"/>
+              </a:rPr>
+              <a:t>)</a:t>
             </a:r>
           </a:p>
         </p:txBody>
@@ -22427,7 +26741,77 @@
             </a:pPr>
             <a:r>
               <a:rPr lang="en-US" sz="1400"/>
-              <a:t>.</a:t>
+              <a:t>JSON is a syntax for storing and exchanging data.</a:t>
+            </a:r>
+          </a:p>
+          <a:p>
+            <a:pPr marL="76200" indent="0">
+              <a:buNone/>
+            </a:pPr>
+            <a:endParaRPr lang="en-US" sz="1400"/>
+          </a:p>
+          <a:p>
+            <a:pPr marL="76200" indent="0">
+              <a:buNone/>
+            </a:pPr>
+            <a:r>
+              <a:rPr lang="en-US" sz="1400"/>
+              <a:t>Import and use math</a:t>
+            </a:r>
+          </a:p>
+          <a:p>
+            <a:pPr marL="76200" indent="0">
+              <a:buNone/>
+            </a:pPr>
+            <a:r>
+              <a:rPr lang="en-US" sz="1100">
+                <a:latin typeface="Consolas" panose="020B0609020204030204" pitchFamily="49" charset="0"/>
+              </a:rPr>
+              <a:t>import json</a:t>
+            </a:r>
+          </a:p>
+          <a:p>
+            <a:pPr marL="76200" indent="0">
+              <a:buNone/>
+            </a:pPr>
+            <a:r>
+              <a:rPr lang="en-US" sz="1100">
+                <a:latin typeface="Consolas" panose="020B0609020204030204" pitchFamily="49" charset="0"/>
+              </a:rPr>
+              <a:t>myJson = '{ "name": "Alireza", "age": 24}'</a:t>
+            </a:r>
+          </a:p>
+          <a:p>
+            <a:pPr marL="76200" indent="0">
+              <a:buNone/>
+            </a:pPr>
+            <a:r>
+              <a:rPr lang="en-US" sz="1100">
+                <a:latin typeface="Consolas" panose="020B0609020204030204" pitchFamily="49" charset="0"/>
+              </a:rPr>
+              <a:t>myDict = json.loads(x)</a:t>
+            </a:r>
+          </a:p>
+          <a:p>
+            <a:pPr marL="76200" indent="0">
+              <a:buNone/>
+            </a:pPr>
+            <a:r>
+              <a:rPr lang="en-US" sz="1100">
+                <a:latin typeface="Consolas" panose="020B0609020204030204" pitchFamily="49" charset="0"/>
+              </a:rPr>
+              <a:t>y['age'] = 29</a:t>
+            </a:r>
+          </a:p>
+          <a:p>
+            <a:pPr marL="76200" indent="0">
+              <a:buNone/>
+            </a:pPr>
+            <a:r>
+              <a:rPr lang="en-US" sz="1100">
+                <a:latin typeface="Consolas" panose="020B0609020204030204" pitchFamily="49" charset="0"/>
+              </a:rPr>
+              <a:t>anotherJson = json.dumps(x)</a:t>
             </a:r>
           </a:p>
         </p:txBody>
@@ -22470,6 +26854,34 @@
           </a:p>
         </p:txBody>
       </p:sp>
+      <p:graphicFrame>
+        <p:nvGraphicFramePr>
+          <p:cNvPr id="5" name="Diagram 4">
+            <a:extLst>
+              <a:ext uri="{FF2B5EF4-FFF2-40B4-BE49-F238E27FC236}">
+                <a16:creationId xmlns:a16="http://schemas.microsoft.com/office/drawing/2014/main" id="{7BCC041E-0A69-498B-A73D-6F8FB9BAD963}"/>
+              </a:ext>
+            </a:extLst>
+          </p:cNvPr>
+          <p:cNvGraphicFramePr/>
+          <p:nvPr>
+            <p:extLst>
+              <p:ext uri="{D42A27DB-BD31-4B8C-83A1-F6EECF244321}">
+                <p14:modId xmlns:p14="http://schemas.microsoft.com/office/powerpoint/2010/main" val="1969014615"/>
+              </p:ext>
+            </p:extLst>
+          </p:nvPr>
+        </p:nvGraphicFramePr>
+        <p:xfrm>
+          <a:off x="5325408" y="2219261"/>
+          <a:ext cx="3032442" cy="1473123"/>
+        </p:xfrm>
+        <a:graphic>
+          <a:graphicData uri="http://schemas.openxmlformats.org/drawingml/2006/diagram">
+            <dgm:relIds xmlns:dgm="http://schemas.openxmlformats.org/drawingml/2006/diagram" xmlns:r="http://schemas.openxmlformats.org/officeDocument/2006/relationships" r:dm="rId2" r:lo="rId3" r:qs="rId4" r:cs="rId5"/>
+          </a:graphicData>
+        </a:graphic>
+      </p:graphicFrame>
     </p:spTree>
     <p:extLst>
       <p:ext uri="{BB962C8B-B14F-4D97-AF65-F5344CB8AC3E}">
@@ -22488,7 +26900,7 @@
   <p:cSld>
     <p:spTree>
       <p:nvGrpSpPr>
-        <p:cNvPr id="1" name=""/>
+        <p:cNvPr id="1" name="Shape 96"/>
         <p:cNvGrpSpPr/>
         <p:nvPr/>
       </p:nvGrpSpPr>
@@ -22502,103 +26914,84 @@
       </p:grpSpPr>
       <p:sp>
         <p:nvSpPr>
-          <p:cNvPr id="2" name="Title 1">
-            <a:extLst>
-              <a:ext uri="{FF2B5EF4-FFF2-40B4-BE49-F238E27FC236}">
-                <a16:creationId xmlns:a16="http://schemas.microsoft.com/office/drawing/2014/main" id="{024AD384-5AD1-4435-A943-1241B2FACD62}"/>
-              </a:ext>
-            </a:extLst>
-          </p:cNvPr>
-          <p:cNvSpPr>
+          <p:cNvPr id="97" name="Google Shape;97;p15"/>
+          <p:cNvSpPr txBox="1">
             <a:spLocks noGrp="1"/>
           </p:cNvSpPr>
           <p:nvPr>
-            <p:ph type="title"/>
+            <p:ph type="ctrTitle"/>
           </p:nvPr>
         </p:nvSpPr>
-        <p:spPr/>
+        <p:spPr>
+          <a:xfrm>
+            <a:off x="1655700" y="1991850"/>
+            <a:ext cx="5832600" cy="1159800"/>
+          </a:xfrm>
+          <a:prstGeom prst="rect">
+            <a:avLst/>
+          </a:prstGeom>
+        </p:spPr>
         <p:txBody>
-          <a:bodyPr/>
+          <a:bodyPr spcFirstLastPara="1" wrap="square" lIns="91425" tIns="91425" rIns="91425" bIns="91425" anchor="ctr" anchorCtr="0">
+            <a:noAutofit/>
+          </a:bodyPr>
           <a:lstStyle/>
           <a:p>
-            <a:r>
-              <a:rPr lang="en-US"/>
-              <a:t>Numpy</a:t>
-            </a:r>
-            <a:endParaRPr lang="fa-IR"/>
+            <a:pPr marL="0" lvl="0" indent="0" algn="ctr" rtl="0">
+              <a:spcBef>
+                <a:spcPts val="0"/>
+              </a:spcBef>
+              <a:spcAft>
+                <a:spcPts val="0"/>
+              </a:spcAft>
+              <a:buNone/>
+            </a:pPr>
+            <a:r>
+              <a:rPr lang="en-US" sz="6000">
+                <a:solidFill>
+                  <a:srgbClr val="E6E6E6"/>
+                </a:solidFill>
+              </a:rPr>
+              <a:t>4</a:t>
+            </a:r>
+            <a:endParaRPr sz="6000">
+              <a:solidFill>
+                <a:srgbClr val="E6E6E6"/>
+              </a:solidFill>
+            </a:endParaRPr>
+          </a:p>
+          <a:p>
+            <a:r>
+              <a:rPr lang="en-US" b="1"/>
+              <a:t>Python Packages</a:t>
+            </a:r>
+            <a:endParaRPr/>
           </a:p>
         </p:txBody>
       </p:sp>
       <p:sp>
         <p:nvSpPr>
-          <p:cNvPr id="3" name="Text Placeholder 2">
-            <a:extLst>
-              <a:ext uri="{FF2B5EF4-FFF2-40B4-BE49-F238E27FC236}">
-                <a16:creationId xmlns:a16="http://schemas.microsoft.com/office/drawing/2014/main" id="{58BE3078-8B89-4550-B497-93E4DADBD57E}"/>
-              </a:ext>
-            </a:extLst>
-          </p:cNvPr>
-          <p:cNvSpPr>
+          <p:cNvPr id="99" name="Google Shape;99;p15"/>
+          <p:cNvSpPr txBox="1">
             <a:spLocks noGrp="1"/>
           </p:cNvSpPr>
           <p:nvPr>
-            <p:ph type="body" idx="1"/>
+            <p:ph type="sldNum" idx="4294967295"/>
           </p:nvPr>
         </p:nvSpPr>
         <p:spPr>
           <a:xfrm>
-            <a:off x="786150" y="1142608"/>
-            <a:ext cx="7571700" cy="3626431"/>
+            <a:off x="8404384" y="4749851"/>
+            <a:ext cx="548700" cy="393600"/>
           </a:xfrm>
+          <a:prstGeom prst="rect">
+            <a:avLst/>
+          </a:prstGeom>
         </p:spPr>
         <p:txBody>
-          <a:bodyPr/>
-          <a:lstStyle/>
-          <a:p>
-            <a:pPr marL="76200" indent="0">
-              <a:buNone/>
-            </a:pPr>
-            <a:r>
-              <a:rPr lang="en-US" sz="1400"/>
-              <a:t>NumPy is a Python library used for working with arrays.</a:t>
-            </a:r>
-          </a:p>
-          <a:p>
-            <a:pPr marL="76200" indent="0">
-              <a:buNone/>
-            </a:pPr>
-            <a:endParaRPr lang="en-US" sz="1400"/>
-          </a:p>
-          <a:p>
-            <a:pPr marL="76200" indent="0">
-              <a:buNone/>
-            </a:pPr>
-            <a:r>
-              <a:rPr lang="en-US" sz="1400"/>
-              <a:t>NumPy is short for Numerical Python.</a:t>
-            </a:r>
-          </a:p>
-        </p:txBody>
-      </p:sp>
-      <p:sp>
-        <p:nvSpPr>
-          <p:cNvPr id="4" name="Slide Number Placeholder 3">
-            <a:extLst>
-              <a:ext uri="{FF2B5EF4-FFF2-40B4-BE49-F238E27FC236}">
-                <a16:creationId xmlns:a16="http://schemas.microsoft.com/office/drawing/2014/main" id="{64987AE6-EC0E-43DD-9376-95A5602EE5E1}"/>
-              </a:ext>
-            </a:extLst>
-          </p:cNvPr>
-          <p:cNvSpPr>
-            <a:spLocks noGrp="1"/>
-          </p:cNvSpPr>
-          <p:nvPr>
-            <p:ph type="sldNum" idx="12"/>
-          </p:nvPr>
-        </p:nvSpPr>
-        <p:spPr/>
-        <p:txBody>
-          <a:bodyPr/>
+          <a:bodyPr spcFirstLastPara="1" wrap="square" lIns="91425" tIns="91425" rIns="91425" bIns="91425" anchor="t" anchorCtr="0">
+            <a:noAutofit/>
+          </a:bodyPr>
           <a:lstStyle/>
           <a:p>
             <a:pPr marL="0" lvl="0" indent="0" algn="r" rtl="0">
@@ -22611,17 +27004,17 @@
               <a:buNone/>
             </a:pPr>
             <a:fld id="{00000000-1234-1234-1234-123412341234}" type="slidenum">
-              <a:rPr lang="en" smtClean="0"/>
+              <a:rPr lang="en"/>
               <a:t>42</a:t>
             </a:fld>
-            <a:endParaRPr lang="en"/>
+            <a:endParaRPr/>
           </a:p>
         </p:txBody>
       </p:sp>
     </p:spTree>
     <p:extLst>
       <p:ext uri="{BB962C8B-B14F-4D97-AF65-F5344CB8AC3E}">
-        <p14:creationId xmlns:p14="http://schemas.microsoft.com/office/powerpoint/2010/main" val="4156460407"/>
+        <p14:creationId xmlns:p14="http://schemas.microsoft.com/office/powerpoint/2010/main" val="1478024701"/>
       </p:ext>
     </p:extLst>
   </p:cSld>
@@ -22671,7 +27064,7 @@
           <a:p>
             <a:r>
               <a:rPr lang="en-US"/>
-              <a:t>Pandas</a:t>
+              <a:t>Introduction</a:t>
             </a:r>
             <a:endParaRPr lang="fa-IR"/>
           </a:p>
@@ -22708,7 +27101,160 @@
             </a:pPr>
             <a:r>
               <a:rPr lang="en-US" sz="1400"/>
-              <a:t>.</a:t>
+              <a:t>A package contains all the files you need for a module.</a:t>
+            </a:r>
+          </a:p>
+          <a:p>
+            <a:pPr marL="76200" indent="0">
+              <a:buNone/>
+            </a:pPr>
+            <a:r>
+              <a:rPr lang="en-US" sz="1400">
+                <a:solidFill>
+                  <a:schemeClr val="accent1"/>
+                </a:solidFill>
+              </a:rPr>
+              <a:t>PIP</a:t>
+            </a:r>
+            <a:r>
+              <a:rPr lang="en-US" sz="1400"/>
+              <a:t> is a package manager for Python packages, or modules if you like.</a:t>
+            </a:r>
+          </a:p>
+          <a:p>
+            <a:pPr marL="76200" indent="0">
+              <a:buNone/>
+            </a:pPr>
+            <a:r>
+              <a:rPr lang="en-US" sz="1400"/>
+              <a:t>Python package index: </a:t>
+            </a:r>
+            <a:r>
+              <a:rPr lang="en-US" sz="1400">
+                <a:latin typeface="Consolas" panose="020B0609020204030204" pitchFamily="49" charset="0"/>
+                <a:hlinkClick r:id="rId2"/>
+              </a:rPr>
+              <a:t>https://pypi.org/</a:t>
+            </a:r>
+            <a:endParaRPr lang="en-US" sz="1400">
+              <a:latin typeface="Consolas" panose="020B0609020204030204" pitchFamily="49" charset="0"/>
+            </a:endParaRPr>
+          </a:p>
+          <a:p>
+            <a:pPr marL="76200" indent="0">
+              <a:buNone/>
+            </a:pPr>
+            <a:endParaRPr lang="en-US" sz="1100">
+              <a:latin typeface="Consolas" panose="020B0609020204030204" pitchFamily="49" charset="0"/>
+            </a:endParaRPr>
+          </a:p>
+          <a:p>
+            <a:pPr marL="76200" indent="0">
+              <a:buNone/>
+            </a:pPr>
+            <a:r>
+              <a:rPr lang="en-US" sz="1400"/>
+              <a:t>Download a package</a:t>
+            </a:r>
+          </a:p>
+          <a:p>
+            <a:pPr marL="76200" indent="0">
+              <a:buNone/>
+            </a:pPr>
+            <a:r>
+              <a:rPr lang="en-US" sz="1100">
+                <a:solidFill>
+                  <a:schemeClr val="accent1"/>
+                </a:solidFill>
+                <a:latin typeface="Consolas" panose="020B0609020204030204" pitchFamily="49" charset="0"/>
+              </a:rPr>
+              <a:t>pip install </a:t>
+            </a:r>
+            <a:r>
+              <a:rPr lang="en-US" sz="1100">
+                <a:latin typeface="Consolas" panose="020B0609020204030204" pitchFamily="49" charset="0"/>
+              </a:rPr>
+              <a:t>numpy</a:t>
+            </a:r>
+          </a:p>
+          <a:p>
+            <a:pPr marL="76200" indent="0">
+              <a:buNone/>
+            </a:pPr>
+            <a:endParaRPr lang="en-US" sz="1100">
+              <a:latin typeface="Consolas" panose="020B0609020204030204" pitchFamily="49" charset="0"/>
+            </a:endParaRPr>
+          </a:p>
+          <a:p>
+            <a:pPr marL="76200" indent="0">
+              <a:buNone/>
+            </a:pPr>
+            <a:r>
+              <a:rPr lang="en-US" sz="1400"/>
+              <a:t>Remove a package</a:t>
+            </a:r>
+          </a:p>
+          <a:p>
+            <a:pPr marL="76200" indent="0">
+              <a:buNone/>
+            </a:pPr>
+            <a:r>
+              <a:rPr lang="en-US" sz="1100">
+                <a:latin typeface="Consolas" panose="020B0609020204030204" pitchFamily="49" charset="0"/>
+              </a:rPr>
+              <a:t>pip </a:t>
+            </a:r>
+            <a:r>
+              <a:rPr lang="en-US" sz="1100">
+                <a:solidFill>
+                  <a:schemeClr val="accent1"/>
+                </a:solidFill>
+                <a:latin typeface="Consolas" panose="020B0609020204030204" pitchFamily="49" charset="0"/>
+              </a:rPr>
+              <a:t>uninstall</a:t>
+            </a:r>
+            <a:r>
+              <a:rPr lang="en-US" sz="1100">
+                <a:latin typeface="Consolas" panose="020B0609020204030204" pitchFamily="49" charset="0"/>
+              </a:rPr>
+              <a:t> numpy</a:t>
+            </a:r>
+          </a:p>
+          <a:p>
+            <a:pPr marL="76200" indent="0">
+              <a:buNone/>
+            </a:pPr>
+            <a:endParaRPr lang="en-US" sz="1100">
+              <a:latin typeface="Consolas" panose="020B0609020204030204" pitchFamily="49" charset="0"/>
+            </a:endParaRPr>
+          </a:p>
+          <a:p>
+            <a:pPr marL="76200" indent="0">
+              <a:buNone/>
+            </a:pPr>
+            <a:r>
+              <a:rPr lang="en-US" sz="1400"/>
+              <a:t>List packages</a:t>
+            </a:r>
+          </a:p>
+          <a:p>
+            <a:pPr marL="76200" indent="0">
+              <a:buNone/>
+            </a:pPr>
+            <a:r>
+              <a:rPr lang="en-US" sz="1100">
+                <a:latin typeface="Consolas" panose="020B0609020204030204" pitchFamily="49" charset="0"/>
+              </a:rPr>
+              <a:t>pip </a:t>
+            </a:r>
+            <a:r>
+              <a:rPr lang="en-US" sz="1100">
+                <a:solidFill>
+                  <a:schemeClr val="accent1"/>
+                </a:solidFill>
+                <a:latin typeface="Consolas" panose="020B0609020204030204" pitchFamily="49" charset="0"/>
+              </a:rPr>
+              <a:t>list</a:t>
             </a:r>
           </a:p>
         </p:txBody>
@@ -22754,7 +27300,7 @@
     </p:spTree>
     <p:extLst>
       <p:ext uri="{BB962C8B-B14F-4D97-AF65-F5344CB8AC3E}">
-        <p14:creationId xmlns:p14="http://schemas.microsoft.com/office/powerpoint/2010/main" val="2254896634"/>
+        <p14:creationId xmlns:p14="http://schemas.microsoft.com/office/powerpoint/2010/main" val="2988877096"/>
       </p:ext>
     </p:extLst>
   </p:cSld>
@@ -22803,8 +27349,8 @@
           <a:lstStyle/>
           <a:p>
             <a:r>
-              <a:rPr lang="en"/>
-              <a:t>Matplotlib</a:t>
+              <a:rPr lang="en-US"/>
+              <a:t>Numpy</a:t>
             </a:r>
             <a:endParaRPr lang="fa-IR"/>
           </a:p>
@@ -22841,7 +27387,16 @@
             </a:pPr>
             <a:r>
               <a:rPr lang="en-US" sz="1400"/>
-              <a:t>.</a:t>
+              <a:t>NumPy is a Python library used for working with arrays.</a:t>
+            </a:r>
+          </a:p>
+          <a:p>
+            <a:pPr marL="76200" indent="0">
+              <a:buNone/>
+            </a:pPr>
+            <a:r>
+              <a:rPr lang="en-US" sz="1400"/>
+              <a:t>NumPy is short for Numerical Python.</a:t>
             </a:r>
           </a:p>
         </p:txBody>
@@ -22887,7 +27442,7 @@
     </p:spTree>
     <p:extLst>
       <p:ext uri="{BB962C8B-B14F-4D97-AF65-F5344CB8AC3E}">
-        <p14:creationId xmlns:p14="http://schemas.microsoft.com/office/powerpoint/2010/main" val="2156315972"/>
+        <p14:creationId xmlns:p14="http://schemas.microsoft.com/office/powerpoint/2010/main" val="4156460407"/>
       </p:ext>
     </p:extLst>
   </p:cSld>
@@ -22937,7 +27492,7 @@
           <a:p>
             <a:r>
               <a:rPr lang="en-US"/>
-              <a:t>Scikit-learn</a:t>
+              <a:t>Pandas</a:t>
             </a:r>
             <a:endParaRPr lang="fa-IR"/>
           </a:p>
@@ -23020,6 +27575,272 @@
     </p:spTree>
     <p:extLst>
       <p:ext uri="{BB962C8B-B14F-4D97-AF65-F5344CB8AC3E}">
+        <p14:creationId xmlns:p14="http://schemas.microsoft.com/office/powerpoint/2010/main" val="2254896634"/>
+      </p:ext>
+    </p:extLst>
+  </p:cSld>
+  <p:clrMapOvr>
+    <a:masterClrMapping/>
+  </p:clrMapOvr>
+</p:sld>
+</file>
+
+<file path=ppt/slides/slide46.xml><?xml version="1.0" encoding="utf-8"?>
+<p:sld xmlns:a="http://schemas.openxmlformats.org/drawingml/2006/main" xmlns:r="http://schemas.openxmlformats.org/officeDocument/2006/relationships" xmlns:p="http://schemas.openxmlformats.org/presentationml/2006/main">
+  <p:cSld>
+    <p:spTree>
+      <p:nvGrpSpPr>
+        <p:cNvPr id="1" name=""/>
+        <p:cNvGrpSpPr/>
+        <p:nvPr/>
+      </p:nvGrpSpPr>
+      <p:grpSpPr>
+        <a:xfrm>
+          <a:off x="0" y="0"/>
+          <a:ext cx="0" cy="0"/>
+          <a:chOff x="0" y="0"/>
+          <a:chExt cx="0" cy="0"/>
+        </a:xfrm>
+      </p:grpSpPr>
+      <p:sp>
+        <p:nvSpPr>
+          <p:cNvPr id="2" name="Title 1">
+            <a:extLst>
+              <a:ext uri="{FF2B5EF4-FFF2-40B4-BE49-F238E27FC236}">
+                <a16:creationId xmlns:a16="http://schemas.microsoft.com/office/drawing/2014/main" id="{024AD384-5AD1-4435-A943-1241B2FACD62}"/>
+              </a:ext>
+            </a:extLst>
+          </p:cNvPr>
+          <p:cNvSpPr>
+            <a:spLocks noGrp="1"/>
+          </p:cNvSpPr>
+          <p:nvPr>
+            <p:ph type="title"/>
+          </p:nvPr>
+        </p:nvSpPr>
+        <p:spPr/>
+        <p:txBody>
+          <a:bodyPr/>
+          <a:lstStyle/>
+          <a:p>
+            <a:r>
+              <a:rPr lang="en"/>
+              <a:t>Matplotlib</a:t>
+            </a:r>
+            <a:endParaRPr lang="fa-IR"/>
+          </a:p>
+        </p:txBody>
+      </p:sp>
+      <p:sp>
+        <p:nvSpPr>
+          <p:cNvPr id="3" name="Text Placeholder 2">
+            <a:extLst>
+              <a:ext uri="{FF2B5EF4-FFF2-40B4-BE49-F238E27FC236}">
+                <a16:creationId xmlns:a16="http://schemas.microsoft.com/office/drawing/2014/main" id="{58BE3078-8B89-4550-B497-93E4DADBD57E}"/>
+              </a:ext>
+            </a:extLst>
+          </p:cNvPr>
+          <p:cNvSpPr>
+            <a:spLocks noGrp="1"/>
+          </p:cNvSpPr>
+          <p:nvPr>
+            <p:ph type="body" idx="1"/>
+          </p:nvPr>
+        </p:nvSpPr>
+        <p:spPr>
+          <a:xfrm>
+            <a:off x="786150" y="1142608"/>
+            <a:ext cx="7571700" cy="3626431"/>
+          </a:xfrm>
+        </p:spPr>
+        <p:txBody>
+          <a:bodyPr/>
+          <a:lstStyle/>
+          <a:p>
+            <a:pPr marL="76200" indent="0">
+              <a:buNone/>
+            </a:pPr>
+            <a:r>
+              <a:rPr lang="en-US" sz="1400"/>
+              <a:t>.</a:t>
+            </a:r>
+          </a:p>
+        </p:txBody>
+      </p:sp>
+      <p:sp>
+        <p:nvSpPr>
+          <p:cNvPr id="4" name="Slide Number Placeholder 3">
+            <a:extLst>
+              <a:ext uri="{FF2B5EF4-FFF2-40B4-BE49-F238E27FC236}">
+                <a16:creationId xmlns:a16="http://schemas.microsoft.com/office/drawing/2014/main" id="{64987AE6-EC0E-43DD-9376-95A5602EE5E1}"/>
+              </a:ext>
+            </a:extLst>
+          </p:cNvPr>
+          <p:cNvSpPr>
+            <a:spLocks noGrp="1"/>
+          </p:cNvSpPr>
+          <p:nvPr>
+            <p:ph type="sldNum" idx="12"/>
+          </p:nvPr>
+        </p:nvSpPr>
+        <p:spPr/>
+        <p:txBody>
+          <a:bodyPr/>
+          <a:lstStyle/>
+          <a:p>
+            <a:pPr marL="0" lvl="0" indent="0" algn="r" rtl="0">
+              <a:spcBef>
+                <a:spcPts val="0"/>
+              </a:spcBef>
+              <a:spcAft>
+                <a:spcPts val="0"/>
+              </a:spcAft>
+              <a:buNone/>
+            </a:pPr>
+            <a:fld id="{00000000-1234-1234-1234-123412341234}" type="slidenum">
+              <a:rPr lang="en" smtClean="0"/>
+              <a:t>46</a:t>
+            </a:fld>
+            <a:endParaRPr lang="en"/>
+          </a:p>
+        </p:txBody>
+      </p:sp>
+    </p:spTree>
+    <p:extLst>
+      <p:ext uri="{BB962C8B-B14F-4D97-AF65-F5344CB8AC3E}">
+        <p14:creationId xmlns:p14="http://schemas.microsoft.com/office/powerpoint/2010/main" val="2156315972"/>
+      </p:ext>
+    </p:extLst>
+  </p:cSld>
+  <p:clrMapOvr>
+    <a:masterClrMapping/>
+  </p:clrMapOvr>
+</p:sld>
+</file>
+
+<file path=ppt/slides/slide47.xml><?xml version="1.0" encoding="utf-8"?>
+<p:sld xmlns:a="http://schemas.openxmlformats.org/drawingml/2006/main" xmlns:r="http://schemas.openxmlformats.org/officeDocument/2006/relationships" xmlns:p="http://schemas.openxmlformats.org/presentationml/2006/main">
+  <p:cSld>
+    <p:spTree>
+      <p:nvGrpSpPr>
+        <p:cNvPr id="1" name=""/>
+        <p:cNvGrpSpPr/>
+        <p:nvPr/>
+      </p:nvGrpSpPr>
+      <p:grpSpPr>
+        <a:xfrm>
+          <a:off x="0" y="0"/>
+          <a:ext cx="0" cy="0"/>
+          <a:chOff x="0" y="0"/>
+          <a:chExt cx="0" cy="0"/>
+        </a:xfrm>
+      </p:grpSpPr>
+      <p:sp>
+        <p:nvSpPr>
+          <p:cNvPr id="2" name="Title 1">
+            <a:extLst>
+              <a:ext uri="{FF2B5EF4-FFF2-40B4-BE49-F238E27FC236}">
+                <a16:creationId xmlns:a16="http://schemas.microsoft.com/office/drawing/2014/main" id="{024AD384-5AD1-4435-A943-1241B2FACD62}"/>
+              </a:ext>
+            </a:extLst>
+          </p:cNvPr>
+          <p:cNvSpPr>
+            <a:spLocks noGrp="1"/>
+          </p:cNvSpPr>
+          <p:nvPr>
+            <p:ph type="title"/>
+          </p:nvPr>
+        </p:nvSpPr>
+        <p:spPr/>
+        <p:txBody>
+          <a:bodyPr/>
+          <a:lstStyle/>
+          <a:p>
+            <a:r>
+              <a:rPr lang="en-US"/>
+              <a:t>Scikit-learn</a:t>
+            </a:r>
+            <a:endParaRPr lang="fa-IR"/>
+          </a:p>
+        </p:txBody>
+      </p:sp>
+      <p:sp>
+        <p:nvSpPr>
+          <p:cNvPr id="3" name="Text Placeholder 2">
+            <a:extLst>
+              <a:ext uri="{FF2B5EF4-FFF2-40B4-BE49-F238E27FC236}">
+                <a16:creationId xmlns:a16="http://schemas.microsoft.com/office/drawing/2014/main" id="{58BE3078-8B89-4550-B497-93E4DADBD57E}"/>
+              </a:ext>
+            </a:extLst>
+          </p:cNvPr>
+          <p:cNvSpPr>
+            <a:spLocks noGrp="1"/>
+          </p:cNvSpPr>
+          <p:nvPr>
+            <p:ph type="body" idx="1"/>
+          </p:nvPr>
+        </p:nvSpPr>
+        <p:spPr>
+          <a:xfrm>
+            <a:off x="786150" y="1142608"/>
+            <a:ext cx="7571700" cy="3626431"/>
+          </a:xfrm>
+        </p:spPr>
+        <p:txBody>
+          <a:bodyPr/>
+          <a:lstStyle/>
+          <a:p>
+            <a:pPr marL="76200" indent="0">
+              <a:buNone/>
+            </a:pPr>
+            <a:r>
+              <a:rPr lang="en-US" sz="1400"/>
+              <a:t>.</a:t>
+            </a:r>
+          </a:p>
+        </p:txBody>
+      </p:sp>
+      <p:sp>
+        <p:nvSpPr>
+          <p:cNvPr id="4" name="Slide Number Placeholder 3">
+            <a:extLst>
+              <a:ext uri="{FF2B5EF4-FFF2-40B4-BE49-F238E27FC236}">
+                <a16:creationId xmlns:a16="http://schemas.microsoft.com/office/drawing/2014/main" id="{64987AE6-EC0E-43DD-9376-95A5602EE5E1}"/>
+              </a:ext>
+            </a:extLst>
+          </p:cNvPr>
+          <p:cNvSpPr>
+            <a:spLocks noGrp="1"/>
+          </p:cNvSpPr>
+          <p:nvPr>
+            <p:ph type="sldNum" idx="12"/>
+          </p:nvPr>
+        </p:nvSpPr>
+        <p:spPr/>
+        <p:txBody>
+          <a:bodyPr/>
+          <a:lstStyle/>
+          <a:p>
+            <a:pPr marL="0" lvl="0" indent="0" algn="r" rtl="0">
+              <a:spcBef>
+                <a:spcPts val="0"/>
+              </a:spcBef>
+              <a:spcAft>
+                <a:spcPts val="0"/>
+              </a:spcAft>
+              <a:buNone/>
+            </a:pPr>
+            <a:fld id="{00000000-1234-1234-1234-123412341234}" type="slidenum">
+              <a:rPr lang="en" smtClean="0"/>
+              <a:t>47</a:t>
+            </a:fld>
+            <a:endParaRPr lang="en"/>
+          </a:p>
+        </p:txBody>
+      </p:sp>
+    </p:spTree>
+    <p:extLst>
+      <p:ext uri="{BB962C8B-B14F-4D97-AF65-F5344CB8AC3E}">
         <p14:creationId xmlns:p14="http://schemas.microsoft.com/office/powerpoint/2010/main" val="3316897623"/>
       </p:ext>
     </p:extLst>
@@ -23030,7 +27851,7 @@
 </p:sld>
 </file>
 
-<file path=ppt/slides/slide46.xml><?xml version="1.0" encoding="utf-8"?>
+<file path=ppt/slides/slide48.xml><?xml version="1.0" encoding="utf-8"?>
 <p:sld xmlns:a="http://schemas.openxmlformats.org/drawingml/2006/main" xmlns:r="http://schemas.openxmlformats.org/officeDocument/2006/relationships" xmlns:p="http://schemas.openxmlformats.org/presentationml/2006/main">
   <p:cSld>
     <p:spTree>
@@ -23087,7 +27908,7 @@
                   <a:srgbClr val="E6E6E6"/>
                 </a:solidFill>
               </a:rPr>
-              <a:t>4</a:t>
+              <a:t>5</a:t>
             </a:r>
             <a:endParaRPr sz="6000">
               <a:solidFill>
@@ -23142,7 +27963,7 @@
             </a:pPr>
             <a:fld id="{00000000-1234-1234-1234-123412341234}" type="slidenum">
               <a:rPr lang="en"/>
-              <a:t>46</a:t>
+              <a:t>48</a:t>
             </a:fld>
             <a:endParaRPr/>
           </a:p>
@@ -23161,7 +27982,7 @@
 </p:sld>
 </file>
 
-<file path=ppt/slides/slide47.xml><?xml version="1.0" encoding="utf-8"?>
+<file path=ppt/slides/slide49.xml><?xml version="1.0" encoding="utf-8"?>
 <p:sld xmlns:a="http://schemas.openxmlformats.org/drawingml/2006/main" xmlns:r="http://schemas.openxmlformats.org/officeDocument/2006/relationships" xmlns:p="http://schemas.openxmlformats.org/presentationml/2006/main">
   <p:cSld>
     <p:spTree>
@@ -23392,158 +28213,7 @@
             </a:pPr>
             <a:fld id="{00000000-1234-1234-1234-123412341234}" type="slidenum">
               <a:rPr lang="en"/>
-              <a:t>47</a:t>
-            </a:fld>
-            <a:endParaRPr/>
-          </a:p>
-        </p:txBody>
-      </p:sp>
-    </p:spTree>
-  </p:cSld>
-  <p:clrMapOvr>
-    <a:masterClrMapping/>
-  </p:clrMapOvr>
-</p:sld>
-</file>
-
-<file path=ppt/slides/slide48.xml><?xml version="1.0" encoding="utf-8"?>
-<p:sld xmlns:a="http://schemas.openxmlformats.org/drawingml/2006/main" xmlns:r="http://schemas.openxmlformats.org/officeDocument/2006/relationships" xmlns:p="http://schemas.openxmlformats.org/presentationml/2006/main" show="0">
-  <p:cSld>
-    <p:spTree>
-      <p:nvGrpSpPr>
-        <p:cNvPr id="1" name="Shape 246"/>
-        <p:cNvGrpSpPr/>
-        <p:nvPr/>
-      </p:nvGrpSpPr>
-      <p:grpSpPr>
-        <a:xfrm>
-          <a:off x="0" y="0"/>
-          <a:ext cx="0" cy="0"/>
-          <a:chOff x="0" y="0"/>
-          <a:chExt cx="0" cy="0"/>
-        </a:xfrm>
-      </p:grpSpPr>
-      <p:sp>
-        <p:nvSpPr>
-          <p:cNvPr id="247" name="Google Shape;247;p27"/>
-          <p:cNvSpPr txBox="1">
-            <a:spLocks noGrp="1"/>
-          </p:cNvSpPr>
-          <p:nvPr>
-            <p:ph type="ctrTitle" idx="4294967295"/>
-          </p:nvPr>
-        </p:nvSpPr>
-        <p:spPr>
-          <a:xfrm>
-            <a:off x="685800" y="1735742"/>
-            <a:ext cx="7772400" cy="1159800"/>
-          </a:xfrm>
-          <a:prstGeom prst="rect">
-            <a:avLst/>
-          </a:prstGeom>
-        </p:spPr>
-        <p:txBody>
-          <a:bodyPr spcFirstLastPara="1" wrap="square" lIns="91425" tIns="91425" rIns="91425" bIns="91425" anchor="b" anchorCtr="0">
-            <a:noAutofit/>
-          </a:bodyPr>
-          <a:lstStyle/>
-          <a:p>
-            <a:pPr marL="0" lvl="0" indent="0" algn="ctr" rtl="0">
-              <a:spcBef>
-                <a:spcPts val="0"/>
-              </a:spcBef>
-              <a:spcAft>
-                <a:spcPts val="0"/>
-              </a:spcAft>
-              <a:buNone/>
-            </a:pPr>
-            <a:r>
-              <a:rPr lang="en" sz="9600" b="1"/>
-              <a:t>89,526,124</a:t>
-            </a:r>
-            <a:endParaRPr sz="9600" b="1"/>
-          </a:p>
-        </p:txBody>
-      </p:sp>
-      <p:sp>
-        <p:nvSpPr>
-          <p:cNvPr id="248" name="Google Shape;248;p27"/>
-          <p:cNvSpPr txBox="1">
-            <a:spLocks noGrp="1"/>
-          </p:cNvSpPr>
-          <p:nvPr>
-            <p:ph type="subTitle" idx="4294967295"/>
-          </p:nvPr>
-        </p:nvSpPr>
-        <p:spPr>
-          <a:xfrm>
-            <a:off x="685800" y="2840053"/>
-            <a:ext cx="7772400" cy="784800"/>
-          </a:xfrm>
-          <a:prstGeom prst="rect">
-            <a:avLst/>
-          </a:prstGeom>
-        </p:spPr>
-        <p:txBody>
-          <a:bodyPr spcFirstLastPara="1" wrap="square" lIns="91425" tIns="91425" rIns="91425" bIns="91425" anchor="t" anchorCtr="0">
-            <a:noAutofit/>
-          </a:bodyPr>
-          <a:lstStyle/>
-          <a:p>
-            <a:pPr marL="0" lvl="0" indent="0" algn="ctr" rtl="0">
-              <a:spcBef>
-                <a:spcPts val="600"/>
-              </a:spcBef>
-              <a:spcAft>
-                <a:spcPts val="0"/>
-              </a:spcAft>
-              <a:buNone/>
-            </a:pPr>
-            <a:r>
-              <a:rPr lang="en"/>
-              <a:t>Whoa! That’s a big number, aren’t you proud?</a:t>
-            </a:r>
-            <a:endParaRPr/>
-          </a:p>
-        </p:txBody>
-      </p:sp>
-      <p:sp>
-        <p:nvSpPr>
-          <p:cNvPr id="249" name="Google Shape;249;p27"/>
-          <p:cNvSpPr txBox="1">
-            <a:spLocks noGrp="1"/>
-          </p:cNvSpPr>
-          <p:nvPr>
-            <p:ph type="sldNum" idx="12"/>
-          </p:nvPr>
-        </p:nvSpPr>
-        <p:spPr>
-          <a:xfrm>
-            <a:off x="8404384" y="4749851"/>
-            <a:ext cx="548700" cy="393600"/>
-          </a:xfrm>
-          <a:prstGeom prst="rect">
-            <a:avLst/>
-          </a:prstGeom>
-        </p:spPr>
-        <p:txBody>
-          <a:bodyPr spcFirstLastPara="1" wrap="square" lIns="91425" tIns="91425" rIns="91425" bIns="91425" anchor="t" anchorCtr="0">
-            <a:noAutofit/>
-          </a:bodyPr>
-          <a:lstStyle/>
-          <a:p>
-            <a:pPr marL="0" lvl="0" indent="0" algn="r" rtl="0">
-              <a:spcBef>
-                <a:spcPts val="0"/>
-              </a:spcBef>
-              <a:spcAft>
-                <a:spcPts val="0"/>
-              </a:spcAft>
-              <a:buNone/>
-            </a:pPr>
-            <a:fld id="{00000000-1234-1234-1234-123412341234}" type="slidenum">
-              <a:rPr lang="en"/>
-              <a:t>48</a:t>
+              <a:t>49</a:t>
             </a:fld>
             <a:endParaRPr/>
           </a:p>
@@ -23643,9 +28313,18 @@
             </a:pPr>
             <a:r>
               <a:rPr lang="en-US" sz="1100">
-                <a:latin typeface="Consolas" panose="020B0609020204030204" pitchFamily="49" charset="0"/>
-              </a:rPr>
-              <a:t>git </a:t>
+                <a:solidFill>
+                  <a:schemeClr val="accent1"/>
+                </a:solidFill>
+                <a:latin typeface="Consolas" panose="020B0609020204030204" pitchFamily="49" charset="0"/>
+              </a:rPr>
+              <a:t>git</a:t>
+            </a:r>
+            <a:r>
+              <a:rPr lang="en-US" sz="1100">
+                <a:latin typeface="Consolas" panose="020B0609020204030204" pitchFamily="49" charset="0"/>
+              </a:rPr>
+              <a:t> </a:t>
             </a:r>
             <a:r>
               <a:rPr lang="en-US" sz="1100">
@@ -23785,6 +28464,157 @@
         <p14:creationId xmlns:p14="http://schemas.microsoft.com/office/powerpoint/2010/main" val="3616591876"/>
       </p:ext>
     </p:extLst>
+  </p:cSld>
+  <p:clrMapOvr>
+    <a:masterClrMapping/>
+  </p:clrMapOvr>
+</p:sld>
+</file>
+
+<file path=ppt/slides/slide50.xml><?xml version="1.0" encoding="utf-8"?>
+<p:sld xmlns:a="http://schemas.openxmlformats.org/drawingml/2006/main" xmlns:r="http://schemas.openxmlformats.org/officeDocument/2006/relationships" xmlns:p="http://schemas.openxmlformats.org/presentationml/2006/main" show="0">
+  <p:cSld>
+    <p:spTree>
+      <p:nvGrpSpPr>
+        <p:cNvPr id="1" name="Shape 246"/>
+        <p:cNvGrpSpPr/>
+        <p:nvPr/>
+      </p:nvGrpSpPr>
+      <p:grpSpPr>
+        <a:xfrm>
+          <a:off x="0" y="0"/>
+          <a:ext cx="0" cy="0"/>
+          <a:chOff x="0" y="0"/>
+          <a:chExt cx="0" cy="0"/>
+        </a:xfrm>
+      </p:grpSpPr>
+      <p:sp>
+        <p:nvSpPr>
+          <p:cNvPr id="247" name="Google Shape;247;p27"/>
+          <p:cNvSpPr txBox="1">
+            <a:spLocks noGrp="1"/>
+          </p:cNvSpPr>
+          <p:nvPr>
+            <p:ph type="ctrTitle" idx="4294967295"/>
+          </p:nvPr>
+        </p:nvSpPr>
+        <p:spPr>
+          <a:xfrm>
+            <a:off x="685800" y="1735742"/>
+            <a:ext cx="7772400" cy="1159800"/>
+          </a:xfrm>
+          <a:prstGeom prst="rect">
+            <a:avLst/>
+          </a:prstGeom>
+        </p:spPr>
+        <p:txBody>
+          <a:bodyPr spcFirstLastPara="1" wrap="square" lIns="91425" tIns="91425" rIns="91425" bIns="91425" anchor="b" anchorCtr="0">
+            <a:noAutofit/>
+          </a:bodyPr>
+          <a:lstStyle/>
+          <a:p>
+            <a:pPr marL="0" lvl="0" indent="0" algn="ctr" rtl="0">
+              <a:spcBef>
+                <a:spcPts val="0"/>
+              </a:spcBef>
+              <a:spcAft>
+                <a:spcPts val="0"/>
+              </a:spcAft>
+              <a:buNone/>
+            </a:pPr>
+            <a:r>
+              <a:rPr lang="en" sz="9600" b="1"/>
+              <a:t>89,526,124</a:t>
+            </a:r>
+            <a:endParaRPr sz="9600" b="1"/>
+          </a:p>
+        </p:txBody>
+      </p:sp>
+      <p:sp>
+        <p:nvSpPr>
+          <p:cNvPr id="248" name="Google Shape;248;p27"/>
+          <p:cNvSpPr txBox="1">
+            <a:spLocks noGrp="1"/>
+          </p:cNvSpPr>
+          <p:nvPr>
+            <p:ph type="subTitle" idx="4294967295"/>
+          </p:nvPr>
+        </p:nvSpPr>
+        <p:spPr>
+          <a:xfrm>
+            <a:off x="685800" y="2840053"/>
+            <a:ext cx="7772400" cy="784800"/>
+          </a:xfrm>
+          <a:prstGeom prst="rect">
+            <a:avLst/>
+          </a:prstGeom>
+        </p:spPr>
+        <p:txBody>
+          <a:bodyPr spcFirstLastPara="1" wrap="square" lIns="91425" tIns="91425" rIns="91425" bIns="91425" anchor="t" anchorCtr="0">
+            <a:noAutofit/>
+          </a:bodyPr>
+          <a:lstStyle/>
+          <a:p>
+            <a:pPr marL="0" lvl="0" indent="0" algn="ctr" rtl="0">
+              <a:spcBef>
+                <a:spcPts val="600"/>
+              </a:spcBef>
+              <a:spcAft>
+                <a:spcPts val="0"/>
+              </a:spcAft>
+              <a:buNone/>
+            </a:pPr>
+            <a:r>
+              <a:rPr lang="en"/>
+              <a:t>Whoa! That’s a big number, aren’t you proud?</a:t>
+            </a:r>
+            <a:endParaRPr/>
+          </a:p>
+        </p:txBody>
+      </p:sp>
+      <p:sp>
+        <p:nvSpPr>
+          <p:cNvPr id="249" name="Google Shape;249;p27"/>
+          <p:cNvSpPr txBox="1">
+            <a:spLocks noGrp="1"/>
+          </p:cNvSpPr>
+          <p:nvPr>
+            <p:ph type="sldNum" idx="12"/>
+          </p:nvPr>
+        </p:nvSpPr>
+        <p:spPr>
+          <a:xfrm>
+            <a:off x="8404384" y="4749851"/>
+            <a:ext cx="548700" cy="393600"/>
+          </a:xfrm>
+          <a:prstGeom prst="rect">
+            <a:avLst/>
+          </a:prstGeom>
+        </p:spPr>
+        <p:txBody>
+          <a:bodyPr spcFirstLastPara="1" wrap="square" lIns="91425" tIns="91425" rIns="91425" bIns="91425" anchor="t" anchorCtr="0">
+            <a:noAutofit/>
+          </a:bodyPr>
+          <a:lstStyle/>
+          <a:p>
+            <a:pPr marL="0" lvl="0" indent="0" algn="r" rtl="0">
+              <a:spcBef>
+                <a:spcPts val="0"/>
+              </a:spcBef>
+              <a:spcAft>
+                <a:spcPts val="0"/>
+              </a:spcAft>
+              <a:buNone/>
+            </a:pPr>
+            <a:fld id="{00000000-1234-1234-1234-123412341234}" type="slidenum">
+              <a:rPr lang="en"/>
+              <a:t>50</a:t>
+            </a:fld>
+            <a:endParaRPr/>
+          </a:p>
+        </p:txBody>
+      </p:sp>
+    </p:spTree>
   </p:cSld>
   <p:clrMapOvr>
     <a:masterClrMapping/>
@@ -24332,14 +29162,17 @@
               <a:buNone/>
             </a:pPr>
             <a:r>
+              <a:rPr lang="en-US" sz="1400">
+                <a:solidFill>
+                  <a:schemeClr val="accent1"/>
+                </a:solidFill>
+              </a:rPr>
+              <a:t>Python</a:t>
+            </a:r>
+            <a:r>
               <a:rPr lang="en-US" sz="1400"/>
-              <a:t>Python is a popular programming language.</a:t>
-            </a:r>
-          </a:p>
-          <a:p>
-            <a:pPr marL="76200" indent="0">
-              <a:buNone/>
-            </a:pPr>
+              <a:t> is a popular programming language.</a:t>
+            </a:r>
             <a:endParaRPr lang="en-US" sz="1200">
               <a:latin typeface="Consolas" panose="020B0609020204030204" pitchFamily="49" charset="0"/>
             </a:endParaRPr>
@@ -24350,13 +29183,20 @@
             </a:pPr>
             <a:r>
               <a:rPr lang="en-US" sz="1400"/>
-              <a:t>It was created by Guido van Rossum, and released in 1991.</a:t>
-            </a:r>
-          </a:p>
-          <a:p>
-            <a:pPr marL="76200" indent="0">
-              <a:buNone/>
-            </a:pPr>
+              <a:t>It was created by </a:t>
+            </a:r>
+            <a:r>
+              <a:rPr lang="en-US" sz="1400">
+                <a:solidFill>
+                  <a:schemeClr val="accent1"/>
+                </a:solidFill>
+              </a:rPr>
+              <a:t>Guido van Rossum</a:t>
+            </a:r>
+            <a:r>
+              <a:rPr lang="en-US" sz="1400"/>
+              <a:t>, and released in 1991.</a:t>
+            </a:r>
             <a:endParaRPr lang="en-US" sz="1200">
               <a:latin typeface="Consolas" panose="020B0609020204030204" pitchFamily="49" charset="0"/>
             </a:endParaRPr>
